--- a/lectures/02.observer/observer.pptx
+++ b/lectures/02.observer/observer.pptx
@@ -246,7 +246,7 @@
           <a:p>
             <a:fld id="{2F3DCB6D-0B48-4A3D-B663-06C3F903A9D3}" type="datetimeFigureOut">
               <a:rPr lang="ru-RU" smtClean="0"/>
-              <a:t>13.09.2018</a:t>
+              <a:t>12.09.2019</a:t>
             </a:fld>
             <a:endParaRPr lang="ru-RU"/>
           </a:p>
@@ -1452,7 +1452,7 @@
           <a:p>
             <a:fld id="{2590F9C9-AB92-4E86-B698-DEC9BF4350FF}" type="datetimeFigureOut">
               <a:rPr lang="ru-RU" smtClean="0"/>
-              <a:t>13.09.2018</a:t>
+              <a:t>12.09.2019</a:t>
             </a:fld>
             <a:endParaRPr lang="ru-RU"/>
           </a:p>
@@ -1676,7 +1676,7 @@
           <a:p>
             <a:fld id="{2590F9C9-AB92-4E86-B698-DEC9BF4350FF}" type="datetimeFigureOut">
               <a:rPr lang="ru-RU" smtClean="0"/>
-              <a:t>13.09.2018</a:t>
+              <a:t>12.09.2019</a:t>
             </a:fld>
             <a:endParaRPr lang="ru-RU"/>
           </a:p>
@@ -1948,7 +1948,7 @@
           <a:p>
             <a:fld id="{2590F9C9-AB92-4E86-B698-DEC9BF4350FF}" type="datetimeFigureOut">
               <a:rPr lang="ru-RU" smtClean="0"/>
-              <a:t>13.09.2018</a:t>
+              <a:t>12.09.2019</a:t>
             </a:fld>
             <a:endParaRPr lang="ru-RU"/>
           </a:p>
@@ -2123,7 +2123,7 @@
           <a:p>
             <a:fld id="{2590F9C9-AB92-4E86-B698-DEC9BF4350FF}" type="datetimeFigureOut">
               <a:rPr lang="ru-RU" smtClean="0"/>
-              <a:t>13.09.2018</a:t>
+              <a:t>12.09.2019</a:t>
             </a:fld>
             <a:endParaRPr lang="ru-RU"/>
           </a:p>
@@ -2484,7 +2484,7 @@
           <a:p>
             <a:fld id="{2590F9C9-AB92-4E86-B698-DEC9BF4350FF}" type="datetimeFigureOut">
               <a:rPr lang="ru-RU" smtClean="0"/>
-              <a:t>13.09.2018</a:t>
+              <a:t>12.09.2019</a:t>
             </a:fld>
             <a:endParaRPr lang="ru-RU"/>
           </a:p>
@@ -2776,7 +2776,7 @@
           <a:p>
             <a:fld id="{2590F9C9-AB92-4E86-B698-DEC9BF4350FF}" type="datetimeFigureOut">
               <a:rPr lang="ru-RU" smtClean="0"/>
-              <a:t>13.09.2018</a:t>
+              <a:t>12.09.2019</a:t>
             </a:fld>
             <a:endParaRPr lang="ru-RU"/>
           </a:p>
@@ -3198,7 +3198,7 @@
           <a:p>
             <a:fld id="{2590F9C9-AB92-4E86-B698-DEC9BF4350FF}" type="datetimeFigureOut">
               <a:rPr lang="ru-RU" smtClean="0"/>
-              <a:t>13.09.2018</a:t>
+              <a:t>12.09.2019</a:t>
             </a:fld>
             <a:endParaRPr lang="ru-RU"/>
           </a:p>
@@ -3311,7 +3311,7 @@
           <a:p>
             <a:fld id="{2590F9C9-AB92-4E86-B698-DEC9BF4350FF}" type="datetimeFigureOut">
               <a:rPr lang="ru-RU" smtClean="0"/>
-              <a:t>13.09.2018</a:t>
+              <a:t>12.09.2019</a:t>
             </a:fld>
             <a:endParaRPr lang="ru-RU"/>
           </a:p>
@@ -3408,7 +3408,7 @@
           <a:p>
             <a:fld id="{2590F9C9-AB92-4E86-B698-DEC9BF4350FF}" type="datetimeFigureOut">
               <a:rPr lang="ru-RU" smtClean="0"/>
-              <a:t>13.09.2018</a:t>
+              <a:t>12.09.2019</a:t>
             </a:fld>
             <a:endParaRPr lang="ru-RU"/>
           </a:p>
@@ -3693,7 +3693,7 @@
           <a:p>
             <a:fld id="{2590F9C9-AB92-4E86-B698-DEC9BF4350FF}" type="datetimeFigureOut">
               <a:rPr lang="ru-RU" smtClean="0"/>
-              <a:t>13.09.2018</a:t>
+              <a:t>12.09.2019</a:t>
             </a:fld>
             <a:endParaRPr lang="ru-RU"/>
           </a:p>
@@ -4055,7 +4055,7 @@
           <a:p>
             <a:fld id="{2590F9C9-AB92-4E86-B698-DEC9BF4350FF}" type="datetimeFigureOut">
               <a:rPr lang="ru-RU" smtClean="0"/>
-              <a:t>13.09.2018</a:t>
+              <a:t>12.09.2019</a:t>
             </a:fld>
             <a:endParaRPr lang="ru-RU"/>
           </a:p>
@@ -4480,7 +4480,7 @@
           <a:p>
             <a:fld id="{2590F9C9-AB92-4E86-B698-DEC9BF4350FF}" type="datetimeFigureOut">
               <a:rPr lang="ru-RU" smtClean="0"/>
-              <a:t>13.09.2018</a:t>
+              <a:t>12.09.2019</a:t>
             </a:fld>
             <a:endParaRPr lang="ru-RU"/>
           </a:p>
@@ -6214,9 +6214,88 @@
   <p:timing>
     <p:tnLst>
       <p:par>
-        <p:cTn id="1" dur="indefinite" restart="never" nodeType="tmRoot"/>
+        <p:cTn id="1" dur="indefinite" restart="never" nodeType="tmRoot">
+          <p:childTnLst>
+            <p:seq concurrent="1" nextAc="seek">
+              <p:cTn id="2" dur="indefinite" nodeType="mainSeq">
+                <p:childTnLst>
+                  <p:par>
+                    <p:cTn id="3" fill="hold">
+                      <p:stCondLst>
+                        <p:cond delay="indefinite"/>
+                      </p:stCondLst>
+                      <p:childTnLst>
+                        <p:par>
+                          <p:cTn id="4" fill="hold">
+                            <p:stCondLst>
+                              <p:cond delay="0"/>
+                            </p:stCondLst>
+                            <p:childTnLst>
+                              <p:par>
+                                <p:cTn id="5" presetID="10" presetClass="entr" presetSubtype="0" fill="hold" grpId="0" nodeType="clickEffect">
+                                  <p:stCondLst>
+                                    <p:cond delay="0"/>
+                                  </p:stCondLst>
+                                  <p:childTnLst>
+                                    <p:set>
+                                      <p:cBhvr>
+                                        <p:cTn id="6" dur="1" fill="hold">
+                                          <p:stCondLst>
+                                            <p:cond delay="0"/>
+                                          </p:stCondLst>
+                                        </p:cTn>
+                                        <p:tgtEl>
+                                          <p:spTgt spid="6"/>
+                                        </p:tgtEl>
+                                        <p:attrNameLst>
+                                          <p:attrName>style.visibility</p:attrName>
+                                        </p:attrNameLst>
+                                      </p:cBhvr>
+                                      <p:to>
+                                        <p:strVal val="visible"/>
+                                      </p:to>
+                                    </p:set>
+                                    <p:animEffect transition="in" filter="fade">
+                                      <p:cBhvr>
+                                        <p:cTn id="7" dur="500"/>
+                                        <p:tgtEl>
+                                          <p:spTgt spid="6"/>
+                                        </p:tgtEl>
+                                      </p:cBhvr>
+                                    </p:animEffect>
+                                  </p:childTnLst>
+                                </p:cTn>
+                              </p:par>
+                            </p:childTnLst>
+                          </p:cTn>
+                        </p:par>
+                      </p:childTnLst>
+                    </p:cTn>
+                  </p:par>
+                </p:childTnLst>
+              </p:cTn>
+              <p:prevCondLst>
+                <p:cond evt="onPrev" delay="0">
+                  <p:tgtEl>
+                    <p:sldTgt/>
+                  </p:tgtEl>
+                </p:cond>
+              </p:prevCondLst>
+              <p:nextCondLst>
+                <p:cond evt="onNext" delay="0">
+                  <p:tgtEl>
+                    <p:sldTgt/>
+                  </p:tgtEl>
+                </p:cond>
+              </p:nextCondLst>
+            </p:seq>
+          </p:childTnLst>
+        </p:cTn>
       </p:par>
     </p:tnLst>
+    <p:bldLst>
+      <p:bldP spid="6" grpId="0" animBg="1"/>
+    </p:bldLst>
   </p:timing>
 </p:sld>
 </file>
@@ -6257,7 +6336,11 @@
           <a:p>
             <a:r>
               <a:rPr lang="ru-RU" dirty="0" smtClean="0"/>
-              <a:t>Необходимость инкапсуляции переменной области</a:t>
+              <a:t>Инкапсуляция </a:t>
+            </a:r>
+            <a:r>
+              <a:rPr lang="ru-RU" dirty="0" smtClean="0"/>
+              <a:t>переменной области</a:t>
             </a:r>
             <a:endParaRPr lang="ru-RU" dirty="0"/>
           </a:p>
@@ -7210,9 +7293,243 @@
   <p:timing>
     <p:tnLst>
       <p:par>
-        <p:cTn id="1" dur="indefinite" restart="never" nodeType="tmRoot"/>
+        <p:cTn id="1" dur="indefinite" restart="never" nodeType="tmRoot">
+          <p:childTnLst>
+            <p:seq concurrent="1" nextAc="seek">
+              <p:cTn id="2" dur="indefinite" nodeType="mainSeq">
+                <p:childTnLst>
+                  <p:par>
+                    <p:cTn id="3" fill="hold">
+                      <p:stCondLst>
+                        <p:cond delay="indefinite"/>
+                      </p:stCondLst>
+                      <p:childTnLst>
+                        <p:par>
+                          <p:cTn id="4" fill="hold">
+                            <p:stCondLst>
+                              <p:cond delay="0"/>
+                            </p:stCondLst>
+                            <p:childTnLst>
+                              <p:par>
+                                <p:cTn id="5" presetID="10" presetClass="entr" presetSubtype="0" fill="hold" grpId="0" nodeType="clickEffect">
+                                  <p:stCondLst>
+                                    <p:cond delay="0"/>
+                                  </p:stCondLst>
+                                  <p:childTnLst>
+                                    <p:set>
+                                      <p:cBhvr>
+                                        <p:cTn id="6" dur="1" fill="hold">
+                                          <p:stCondLst>
+                                            <p:cond delay="0"/>
+                                          </p:stCondLst>
+                                        </p:cTn>
+                                        <p:tgtEl>
+                                          <p:spTgt spid="3">
+                                            <p:txEl>
+                                              <p:pRg st="0" end="0"/>
+                                            </p:txEl>
+                                          </p:spTgt>
+                                        </p:tgtEl>
+                                        <p:attrNameLst>
+                                          <p:attrName>style.visibility</p:attrName>
+                                        </p:attrNameLst>
+                                      </p:cBhvr>
+                                      <p:to>
+                                        <p:strVal val="visible"/>
+                                      </p:to>
+                                    </p:set>
+                                    <p:animEffect transition="in" filter="fade">
+                                      <p:cBhvr>
+                                        <p:cTn id="7" dur="500"/>
+                                        <p:tgtEl>
+                                          <p:spTgt spid="3">
+                                            <p:txEl>
+                                              <p:pRg st="0" end="0"/>
+                                            </p:txEl>
+                                          </p:spTgt>
+                                        </p:tgtEl>
+                                      </p:cBhvr>
+                                    </p:animEffect>
+                                  </p:childTnLst>
+                                </p:cTn>
+                              </p:par>
+                              <p:par>
+                                <p:cTn id="8" presetID="10" presetClass="entr" presetSubtype="0" fill="hold" grpId="0" nodeType="withEffect">
+                                  <p:stCondLst>
+                                    <p:cond delay="0"/>
+                                  </p:stCondLst>
+                                  <p:childTnLst>
+                                    <p:set>
+                                      <p:cBhvr>
+                                        <p:cTn id="9" dur="1" fill="hold">
+                                          <p:stCondLst>
+                                            <p:cond delay="0"/>
+                                          </p:stCondLst>
+                                        </p:cTn>
+                                        <p:tgtEl>
+                                          <p:spTgt spid="3">
+                                            <p:txEl>
+                                              <p:pRg st="1" end="1"/>
+                                            </p:txEl>
+                                          </p:spTgt>
+                                        </p:tgtEl>
+                                        <p:attrNameLst>
+                                          <p:attrName>style.visibility</p:attrName>
+                                        </p:attrNameLst>
+                                      </p:cBhvr>
+                                      <p:to>
+                                        <p:strVal val="visible"/>
+                                      </p:to>
+                                    </p:set>
+                                    <p:animEffect transition="in" filter="fade">
+                                      <p:cBhvr>
+                                        <p:cTn id="10" dur="500"/>
+                                        <p:tgtEl>
+                                          <p:spTgt spid="3">
+                                            <p:txEl>
+                                              <p:pRg st="1" end="1"/>
+                                            </p:txEl>
+                                          </p:spTgt>
+                                        </p:tgtEl>
+                                      </p:cBhvr>
+                                    </p:animEffect>
+                                  </p:childTnLst>
+                                </p:cTn>
+                              </p:par>
+                            </p:childTnLst>
+                          </p:cTn>
+                        </p:par>
+                      </p:childTnLst>
+                    </p:cTn>
+                  </p:par>
+                  <p:par>
+                    <p:cTn id="11" fill="hold">
+                      <p:stCondLst>
+                        <p:cond delay="indefinite"/>
+                      </p:stCondLst>
+                      <p:childTnLst>
+                        <p:par>
+                          <p:cTn id="12" fill="hold">
+                            <p:stCondLst>
+                              <p:cond delay="0"/>
+                            </p:stCondLst>
+                            <p:childTnLst>
+                              <p:par>
+                                <p:cTn id="13" presetID="10" presetClass="entr" presetSubtype="0" fill="hold" grpId="0" nodeType="clickEffect">
+                                  <p:stCondLst>
+                                    <p:cond delay="0"/>
+                                  </p:stCondLst>
+                                  <p:childTnLst>
+                                    <p:set>
+                                      <p:cBhvr>
+                                        <p:cTn id="14" dur="1" fill="hold">
+                                          <p:stCondLst>
+                                            <p:cond delay="0"/>
+                                          </p:stCondLst>
+                                        </p:cTn>
+                                        <p:tgtEl>
+                                          <p:spTgt spid="3">
+                                            <p:txEl>
+                                              <p:pRg st="2" end="2"/>
+                                            </p:txEl>
+                                          </p:spTgt>
+                                        </p:tgtEl>
+                                        <p:attrNameLst>
+                                          <p:attrName>style.visibility</p:attrName>
+                                        </p:attrNameLst>
+                                      </p:cBhvr>
+                                      <p:to>
+                                        <p:strVal val="visible"/>
+                                      </p:to>
+                                    </p:set>
+                                    <p:animEffect transition="in" filter="fade">
+                                      <p:cBhvr>
+                                        <p:cTn id="15" dur="500"/>
+                                        <p:tgtEl>
+                                          <p:spTgt spid="3">
+                                            <p:txEl>
+                                              <p:pRg st="2" end="2"/>
+                                            </p:txEl>
+                                          </p:spTgt>
+                                        </p:tgtEl>
+                                      </p:cBhvr>
+                                    </p:animEffect>
+                                  </p:childTnLst>
+                                </p:cTn>
+                              </p:par>
+                              <p:par>
+                                <p:cTn id="16" presetID="10" presetClass="entr" presetSubtype="0" fill="hold" grpId="0" nodeType="withEffect">
+                                  <p:stCondLst>
+                                    <p:cond delay="0"/>
+                                  </p:stCondLst>
+                                  <p:childTnLst>
+                                    <p:set>
+                                      <p:cBhvr>
+                                        <p:cTn id="17" dur="1" fill="hold">
+                                          <p:stCondLst>
+                                            <p:cond delay="0"/>
+                                          </p:stCondLst>
+                                        </p:cTn>
+                                        <p:tgtEl>
+                                          <p:spTgt spid="3">
+                                            <p:txEl>
+                                              <p:pRg st="3" end="3"/>
+                                            </p:txEl>
+                                          </p:spTgt>
+                                        </p:tgtEl>
+                                        <p:attrNameLst>
+                                          <p:attrName>style.visibility</p:attrName>
+                                        </p:attrNameLst>
+                                      </p:cBhvr>
+                                      <p:to>
+                                        <p:strVal val="visible"/>
+                                      </p:to>
+                                    </p:set>
+                                    <p:animEffect transition="in" filter="fade">
+                                      <p:cBhvr>
+                                        <p:cTn id="18" dur="500"/>
+                                        <p:tgtEl>
+                                          <p:spTgt spid="3">
+                                            <p:txEl>
+                                              <p:pRg st="3" end="3"/>
+                                            </p:txEl>
+                                          </p:spTgt>
+                                        </p:tgtEl>
+                                      </p:cBhvr>
+                                    </p:animEffect>
+                                  </p:childTnLst>
+                                </p:cTn>
+                              </p:par>
+                            </p:childTnLst>
+                          </p:cTn>
+                        </p:par>
+                      </p:childTnLst>
+                    </p:cTn>
+                  </p:par>
+                </p:childTnLst>
+              </p:cTn>
+              <p:prevCondLst>
+                <p:cond evt="onPrev" delay="0">
+                  <p:tgtEl>
+                    <p:sldTgt/>
+                  </p:tgtEl>
+                </p:cond>
+              </p:prevCondLst>
+              <p:nextCondLst>
+                <p:cond evt="onNext" delay="0">
+                  <p:tgtEl>
+                    <p:sldTgt/>
+                  </p:tgtEl>
+                </p:cond>
+              </p:nextCondLst>
+            </p:seq>
+          </p:childTnLst>
+        </p:cTn>
       </p:par>
     </p:tnLst>
+    <p:bldLst>
+      <p:bldP spid="3" grpId="0" build="p"/>
+    </p:bldLst>
   </p:timing>
 </p:sld>
 </file>
@@ -7680,9 +7997,261 @@
   <p:timing>
     <p:tnLst>
       <p:par>
-        <p:cTn id="1" dur="indefinite" restart="never" nodeType="tmRoot"/>
+        <p:cTn id="1" dur="indefinite" restart="never" nodeType="tmRoot">
+          <p:childTnLst>
+            <p:seq concurrent="1" nextAc="seek">
+              <p:cTn id="2" dur="indefinite" nodeType="mainSeq">
+                <p:childTnLst>
+                  <p:par>
+                    <p:cTn id="3" fill="hold">
+                      <p:stCondLst>
+                        <p:cond delay="indefinite"/>
+                      </p:stCondLst>
+                      <p:childTnLst>
+                        <p:par>
+                          <p:cTn id="4" fill="hold">
+                            <p:stCondLst>
+                              <p:cond delay="0"/>
+                            </p:stCondLst>
+                            <p:childTnLst>
+                              <p:par>
+                                <p:cTn id="5" presetID="10" presetClass="entr" presetSubtype="0" fill="hold" grpId="0" nodeType="clickEffect">
+                                  <p:stCondLst>
+                                    <p:cond delay="0"/>
+                                  </p:stCondLst>
+                                  <p:childTnLst>
+                                    <p:set>
+                                      <p:cBhvr>
+                                        <p:cTn id="6" dur="1" fill="hold">
+                                          <p:stCondLst>
+                                            <p:cond delay="0"/>
+                                          </p:stCondLst>
+                                        </p:cTn>
+                                        <p:tgtEl>
+                                          <p:spTgt spid="3">
+                                            <p:txEl>
+                                              <p:pRg st="0" end="0"/>
+                                            </p:txEl>
+                                          </p:spTgt>
+                                        </p:tgtEl>
+                                        <p:attrNameLst>
+                                          <p:attrName>style.visibility</p:attrName>
+                                        </p:attrNameLst>
+                                      </p:cBhvr>
+                                      <p:to>
+                                        <p:strVal val="visible"/>
+                                      </p:to>
+                                    </p:set>
+                                    <p:animEffect transition="in" filter="fade">
+                                      <p:cBhvr>
+                                        <p:cTn id="7" dur="500"/>
+                                        <p:tgtEl>
+                                          <p:spTgt spid="3">
+                                            <p:txEl>
+                                              <p:pRg st="0" end="0"/>
+                                            </p:txEl>
+                                          </p:spTgt>
+                                        </p:tgtEl>
+                                      </p:cBhvr>
+                                    </p:animEffect>
+                                  </p:childTnLst>
+                                </p:cTn>
+                              </p:par>
+                            </p:childTnLst>
+                          </p:cTn>
+                        </p:par>
+                      </p:childTnLst>
+                    </p:cTn>
+                  </p:par>
+                  <p:par>
+                    <p:cTn id="8" fill="hold">
+                      <p:stCondLst>
+                        <p:cond delay="indefinite"/>
+                      </p:stCondLst>
+                      <p:childTnLst>
+                        <p:par>
+                          <p:cTn id="9" fill="hold">
+                            <p:stCondLst>
+                              <p:cond delay="0"/>
+                            </p:stCondLst>
+                            <p:childTnLst>
+                              <p:par>
+                                <p:cTn id="10" presetID="10" presetClass="entr" presetSubtype="0" fill="hold" grpId="0" nodeType="clickEffect">
+                                  <p:stCondLst>
+                                    <p:cond delay="0"/>
+                                  </p:stCondLst>
+                                  <p:childTnLst>
+                                    <p:set>
+                                      <p:cBhvr>
+                                        <p:cTn id="11" dur="1" fill="hold">
+                                          <p:stCondLst>
+                                            <p:cond delay="0"/>
+                                          </p:stCondLst>
+                                        </p:cTn>
+                                        <p:tgtEl>
+                                          <p:spTgt spid="3">
+                                            <p:txEl>
+                                              <p:pRg st="1" end="1"/>
+                                            </p:txEl>
+                                          </p:spTgt>
+                                        </p:tgtEl>
+                                        <p:attrNameLst>
+                                          <p:attrName>style.visibility</p:attrName>
+                                        </p:attrNameLst>
+                                      </p:cBhvr>
+                                      <p:to>
+                                        <p:strVal val="visible"/>
+                                      </p:to>
+                                    </p:set>
+                                    <p:animEffect transition="in" filter="fade">
+                                      <p:cBhvr>
+                                        <p:cTn id="12" dur="500"/>
+                                        <p:tgtEl>
+                                          <p:spTgt spid="3">
+                                            <p:txEl>
+                                              <p:pRg st="1" end="1"/>
+                                            </p:txEl>
+                                          </p:spTgt>
+                                        </p:tgtEl>
+                                      </p:cBhvr>
+                                    </p:animEffect>
+                                  </p:childTnLst>
+                                </p:cTn>
+                              </p:par>
+                              <p:par>
+                                <p:cTn id="13" presetID="10" presetClass="entr" presetSubtype="0" fill="hold" grpId="0" nodeType="withEffect">
+                                  <p:stCondLst>
+                                    <p:cond delay="0"/>
+                                  </p:stCondLst>
+                                  <p:childTnLst>
+                                    <p:set>
+                                      <p:cBhvr>
+                                        <p:cTn id="14" dur="1" fill="hold">
+                                          <p:stCondLst>
+                                            <p:cond delay="0"/>
+                                          </p:stCondLst>
+                                        </p:cTn>
+                                        <p:tgtEl>
+                                          <p:spTgt spid="3">
+                                            <p:txEl>
+                                              <p:pRg st="2" end="2"/>
+                                            </p:txEl>
+                                          </p:spTgt>
+                                        </p:tgtEl>
+                                        <p:attrNameLst>
+                                          <p:attrName>style.visibility</p:attrName>
+                                        </p:attrNameLst>
+                                      </p:cBhvr>
+                                      <p:to>
+                                        <p:strVal val="visible"/>
+                                      </p:to>
+                                    </p:set>
+                                    <p:animEffect transition="in" filter="fade">
+                                      <p:cBhvr>
+                                        <p:cTn id="15" dur="500"/>
+                                        <p:tgtEl>
+                                          <p:spTgt spid="3">
+                                            <p:txEl>
+                                              <p:pRg st="2" end="2"/>
+                                            </p:txEl>
+                                          </p:spTgt>
+                                        </p:tgtEl>
+                                      </p:cBhvr>
+                                    </p:animEffect>
+                                  </p:childTnLst>
+                                </p:cTn>
+                              </p:par>
+                            </p:childTnLst>
+                          </p:cTn>
+                        </p:par>
+                      </p:childTnLst>
+                    </p:cTn>
+                  </p:par>
+                  <p:par>
+                    <p:cTn id="16" fill="hold">
+                      <p:stCondLst>
+                        <p:cond delay="indefinite"/>
+                      </p:stCondLst>
+                      <p:childTnLst>
+                        <p:par>
+                          <p:cTn id="17" fill="hold">
+                            <p:stCondLst>
+                              <p:cond delay="0"/>
+                            </p:stCondLst>
+                            <p:childTnLst>
+                              <p:par>
+                                <p:cTn id="18" presetID="10" presetClass="entr" presetSubtype="0" fill="hold" grpId="0" nodeType="clickEffect">
+                                  <p:stCondLst>
+                                    <p:cond delay="0"/>
+                                  </p:stCondLst>
+                                  <p:childTnLst>
+                                    <p:set>
+                                      <p:cBhvr>
+                                        <p:cTn id="19" dur="1" fill="hold">
+                                          <p:stCondLst>
+                                            <p:cond delay="0"/>
+                                          </p:stCondLst>
+                                        </p:cTn>
+                                        <p:tgtEl>
+                                          <p:spTgt spid="3">
+                                            <p:txEl>
+                                              <p:pRg st="3" end="3"/>
+                                            </p:txEl>
+                                          </p:spTgt>
+                                        </p:tgtEl>
+                                        <p:attrNameLst>
+                                          <p:attrName>style.visibility</p:attrName>
+                                        </p:attrNameLst>
+                                      </p:cBhvr>
+                                      <p:to>
+                                        <p:strVal val="visible"/>
+                                      </p:to>
+                                    </p:set>
+                                    <p:animEffect transition="in" filter="fade">
+                                      <p:cBhvr>
+                                        <p:cTn id="20" dur="500"/>
+                                        <p:tgtEl>
+                                          <p:spTgt spid="3">
+                                            <p:txEl>
+                                              <p:pRg st="3" end="3"/>
+                                            </p:txEl>
+                                          </p:spTgt>
+                                        </p:tgtEl>
+                                      </p:cBhvr>
+                                    </p:animEffect>
+                                  </p:childTnLst>
+                                </p:cTn>
+                              </p:par>
+                            </p:childTnLst>
+                          </p:cTn>
+                        </p:par>
+                      </p:childTnLst>
+                    </p:cTn>
+                  </p:par>
+                </p:childTnLst>
+              </p:cTn>
+              <p:prevCondLst>
+                <p:cond evt="onPrev" delay="0">
+                  <p:tgtEl>
+                    <p:sldTgt/>
+                  </p:tgtEl>
+                </p:cond>
+              </p:prevCondLst>
+              <p:nextCondLst>
+                <p:cond evt="onNext" delay="0">
+                  <p:tgtEl>
+                    <p:sldTgt/>
+                  </p:tgtEl>
+                </p:cond>
+              </p:nextCondLst>
+            </p:seq>
+          </p:childTnLst>
+        </p:cTn>
       </p:par>
     </p:tnLst>
+    <p:bldLst>
+      <p:bldP spid="3" grpId="0" build="p"/>
+    </p:bldLst>
   </p:timing>
 </p:sld>
 </file>
@@ -7959,9 +8528,157 @@
   <p:timing>
     <p:tnLst>
       <p:par>
-        <p:cTn id="1" dur="indefinite" restart="never" nodeType="tmRoot"/>
+        <p:cTn id="1" dur="indefinite" restart="never" nodeType="tmRoot">
+          <p:childTnLst>
+            <p:seq concurrent="1" nextAc="seek">
+              <p:cTn id="2" dur="indefinite" nodeType="mainSeq">
+                <p:childTnLst>
+                  <p:par>
+                    <p:cTn id="3" fill="hold">
+                      <p:stCondLst>
+                        <p:cond delay="indefinite"/>
+                      </p:stCondLst>
+                      <p:childTnLst>
+                        <p:par>
+                          <p:cTn id="4" fill="hold">
+                            <p:stCondLst>
+                              <p:cond delay="0"/>
+                            </p:stCondLst>
+                            <p:childTnLst>
+                              <p:par>
+                                <p:cTn id="5" presetID="10" presetClass="entr" presetSubtype="0" fill="hold" grpId="0" nodeType="clickEffect">
+                                  <p:stCondLst>
+                                    <p:cond delay="0"/>
+                                  </p:stCondLst>
+                                  <p:childTnLst>
+                                    <p:set>
+                                      <p:cBhvr>
+                                        <p:cTn id="6" dur="1" fill="hold">
+                                          <p:stCondLst>
+                                            <p:cond delay="0"/>
+                                          </p:stCondLst>
+                                        </p:cTn>
+                                        <p:tgtEl>
+                                          <p:spTgt spid="3">
+                                            <p:txEl>
+                                              <p:pRg st="0" end="0"/>
+                                            </p:txEl>
+                                          </p:spTgt>
+                                        </p:tgtEl>
+                                        <p:attrNameLst>
+                                          <p:attrName>style.visibility</p:attrName>
+                                        </p:attrNameLst>
+                                      </p:cBhvr>
+                                      <p:to>
+                                        <p:strVal val="visible"/>
+                                      </p:to>
+                                    </p:set>
+                                    <p:animEffect transition="in" filter="fade">
+                                      <p:cBhvr>
+                                        <p:cTn id="7" dur="500"/>
+                                        <p:tgtEl>
+                                          <p:spTgt spid="3">
+                                            <p:txEl>
+                                              <p:pRg st="0" end="0"/>
+                                            </p:txEl>
+                                          </p:spTgt>
+                                        </p:tgtEl>
+                                      </p:cBhvr>
+                                    </p:animEffect>
+                                  </p:childTnLst>
+                                </p:cTn>
+                              </p:par>
+                            </p:childTnLst>
+                          </p:cTn>
+                        </p:par>
+                      </p:childTnLst>
+                    </p:cTn>
+                  </p:par>
+                  <p:par>
+                    <p:cTn id="8" fill="hold">
+                      <p:stCondLst>
+                        <p:cond delay="indefinite"/>
+                      </p:stCondLst>
+                      <p:childTnLst>
+                        <p:par>
+                          <p:cTn id="9" fill="hold">
+                            <p:stCondLst>
+                              <p:cond delay="0"/>
+                            </p:stCondLst>
+                            <p:childTnLst>
+                              <p:par>
+                                <p:cTn id="10" presetID="10" presetClass="entr" presetSubtype="0" fill="hold" grpId="0" nodeType="clickEffect">
+                                  <p:stCondLst>
+                                    <p:cond delay="0"/>
+                                  </p:stCondLst>
+                                  <p:childTnLst>
+                                    <p:set>
+                                      <p:cBhvr>
+                                        <p:cTn id="11" dur="1" fill="hold">
+                                          <p:stCondLst>
+                                            <p:cond delay="0"/>
+                                          </p:stCondLst>
+                                        </p:cTn>
+                                        <p:tgtEl>
+                                          <p:spTgt spid="3">
+                                            <p:txEl>
+                                              <p:pRg st="2" end="2"/>
+                                            </p:txEl>
+                                          </p:spTgt>
+                                        </p:tgtEl>
+                                        <p:attrNameLst>
+                                          <p:attrName>style.visibility</p:attrName>
+                                        </p:attrNameLst>
+                                      </p:cBhvr>
+                                      <p:to>
+                                        <p:strVal val="visible"/>
+                                      </p:to>
+                                    </p:set>
+                                    <p:animEffect transition="in" filter="fade">
+                                      <p:cBhvr>
+                                        <p:cTn id="12" dur="500"/>
+                                        <p:tgtEl>
+                                          <p:spTgt spid="3">
+                                            <p:txEl>
+                                              <p:pRg st="2" end="2"/>
+                                            </p:txEl>
+                                          </p:spTgt>
+                                        </p:tgtEl>
+                                      </p:cBhvr>
+                                    </p:animEffect>
+                                  </p:childTnLst>
+                                </p:cTn>
+                              </p:par>
+                            </p:childTnLst>
+                          </p:cTn>
+                        </p:par>
+                      </p:childTnLst>
+                    </p:cTn>
+                  </p:par>
+                </p:childTnLst>
+              </p:cTn>
+              <p:prevCondLst>
+                <p:cond evt="onPrev" delay="0">
+                  <p:tgtEl>
+                    <p:sldTgt/>
+                  </p:tgtEl>
+                </p:cond>
+              </p:prevCondLst>
+              <p:nextCondLst>
+                <p:cond evt="onNext" delay="0">
+                  <p:tgtEl>
+                    <p:sldTgt/>
+                  </p:tgtEl>
+                </p:cond>
+              </p:nextCondLst>
+            </p:seq>
+          </p:childTnLst>
+        </p:cTn>
       </p:par>
     </p:tnLst>
+    <p:bldLst>
+      <p:bldP spid="3" grpId="0" build="p"/>
+    </p:bldLst>
   </p:timing>
 </p:sld>
 </file>
@@ -8089,9 +8806,347 @@
   <p:timing>
     <p:tnLst>
       <p:par>
-        <p:cTn id="1" dur="indefinite" restart="never" nodeType="tmRoot"/>
+        <p:cTn id="1" dur="indefinite" restart="never" nodeType="tmRoot">
+          <p:childTnLst>
+            <p:seq concurrent="1" nextAc="seek">
+              <p:cTn id="2" dur="indefinite" nodeType="mainSeq">
+                <p:childTnLst>
+                  <p:par>
+                    <p:cTn id="3" fill="hold">
+                      <p:stCondLst>
+                        <p:cond delay="indefinite"/>
+                      </p:stCondLst>
+                      <p:childTnLst>
+                        <p:par>
+                          <p:cTn id="4" fill="hold">
+                            <p:stCondLst>
+                              <p:cond delay="0"/>
+                            </p:stCondLst>
+                            <p:childTnLst>
+                              <p:par>
+                                <p:cTn id="5" presetID="10" presetClass="entr" presetSubtype="0" fill="hold" grpId="0" nodeType="clickEffect">
+                                  <p:stCondLst>
+                                    <p:cond delay="0"/>
+                                  </p:stCondLst>
+                                  <p:childTnLst>
+                                    <p:set>
+                                      <p:cBhvr>
+                                        <p:cTn id="6" dur="1" fill="hold">
+                                          <p:stCondLst>
+                                            <p:cond delay="0"/>
+                                          </p:stCondLst>
+                                        </p:cTn>
+                                        <p:tgtEl>
+                                          <p:spTgt spid="3">
+                                            <p:txEl>
+                                              <p:pRg st="0" end="0"/>
+                                            </p:txEl>
+                                          </p:spTgt>
+                                        </p:tgtEl>
+                                        <p:attrNameLst>
+                                          <p:attrName>style.visibility</p:attrName>
+                                        </p:attrNameLst>
+                                      </p:cBhvr>
+                                      <p:to>
+                                        <p:strVal val="visible"/>
+                                      </p:to>
+                                    </p:set>
+                                    <p:animEffect transition="in" filter="fade">
+                                      <p:cBhvr>
+                                        <p:cTn id="7" dur="500"/>
+                                        <p:tgtEl>
+                                          <p:spTgt spid="3">
+                                            <p:txEl>
+                                              <p:pRg st="0" end="0"/>
+                                            </p:txEl>
+                                          </p:spTgt>
+                                        </p:tgtEl>
+                                      </p:cBhvr>
+                                    </p:animEffect>
+                                  </p:childTnLst>
+                                </p:cTn>
+                              </p:par>
+                            </p:childTnLst>
+                          </p:cTn>
+                        </p:par>
+                      </p:childTnLst>
+                    </p:cTn>
+                  </p:par>
+                  <p:par>
+                    <p:cTn id="8" fill="hold">
+                      <p:stCondLst>
+                        <p:cond delay="indefinite"/>
+                      </p:stCondLst>
+                      <p:childTnLst>
+                        <p:par>
+                          <p:cTn id="9" fill="hold">
+                            <p:stCondLst>
+                              <p:cond delay="0"/>
+                            </p:stCondLst>
+                            <p:childTnLst>
+                              <p:par>
+                                <p:cTn id="10" presetID="10" presetClass="entr" presetSubtype="0" fill="hold" grpId="0" nodeType="clickEffect">
+                                  <p:stCondLst>
+                                    <p:cond delay="0"/>
+                                  </p:stCondLst>
+                                  <p:childTnLst>
+                                    <p:set>
+                                      <p:cBhvr>
+                                        <p:cTn id="11" dur="1" fill="hold">
+                                          <p:stCondLst>
+                                            <p:cond delay="0"/>
+                                          </p:stCondLst>
+                                        </p:cTn>
+                                        <p:tgtEl>
+                                          <p:spTgt spid="3">
+                                            <p:txEl>
+                                              <p:pRg st="1" end="1"/>
+                                            </p:txEl>
+                                          </p:spTgt>
+                                        </p:tgtEl>
+                                        <p:attrNameLst>
+                                          <p:attrName>style.visibility</p:attrName>
+                                        </p:attrNameLst>
+                                      </p:cBhvr>
+                                      <p:to>
+                                        <p:strVal val="visible"/>
+                                      </p:to>
+                                    </p:set>
+                                    <p:animEffect transition="in" filter="fade">
+                                      <p:cBhvr>
+                                        <p:cTn id="12" dur="500"/>
+                                        <p:tgtEl>
+                                          <p:spTgt spid="3">
+                                            <p:txEl>
+                                              <p:pRg st="1" end="1"/>
+                                            </p:txEl>
+                                          </p:spTgt>
+                                        </p:tgtEl>
+                                      </p:cBhvr>
+                                    </p:animEffect>
+                                  </p:childTnLst>
+                                </p:cTn>
+                              </p:par>
+                              <p:par>
+                                <p:cTn id="13" presetID="10" presetClass="entr" presetSubtype="0" fill="hold" grpId="0" nodeType="withEffect">
+                                  <p:stCondLst>
+                                    <p:cond delay="0"/>
+                                  </p:stCondLst>
+                                  <p:childTnLst>
+                                    <p:set>
+                                      <p:cBhvr>
+                                        <p:cTn id="14" dur="1" fill="hold">
+                                          <p:stCondLst>
+                                            <p:cond delay="0"/>
+                                          </p:stCondLst>
+                                        </p:cTn>
+                                        <p:tgtEl>
+                                          <p:spTgt spid="3">
+                                            <p:txEl>
+                                              <p:pRg st="2" end="2"/>
+                                            </p:txEl>
+                                          </p:spTgt>
+                                        </p:tgtEl>
+                                        <p:attrNameLst>
+                                          <p:attrName>style.visibility</p:attrName>
+                                        </p:attrNameLst>
+                                      </p:cBhvr>
+                                      <p:to>
+                                        <p:strVal val="visible"/>
+                                      </p:to>
+                                    </p:set>
+                                    <p:animEffect transition="in" filter="fade">
+                                      <p:cBhvr>
+                                        <p:cTn id="15" dur="500"/>
+                                        <p:tgtEl>
+                                          <p:spTgt spid="3">
+                                            <p:txEl>
+                                              <p:pRg st="2" end="2"/>
+                                            </p:txEl>
+                                          </p:spTgt>
+                                        </p:tgtEl>
+                                      </p:cBhvr>
+                                    </p:animEffect>
+                                  </p:childTnLst>
+                                </p:cTn>
+                              </p:par>
+                              <p:par>
+                                <p:cTn id="16" presetID="10" presetClass="entr" presetSubtype="0" fill="hold" grpId="0" nodeType="withEffect">
+                                  <p:stCondLst>
+                                    <p:cond delay="0"/>
+                                  </p:stCondLst>
+                                  <p:childTnLst>
+                                    <p:set>
+                                      <p:cBhvr>
+                                        <p:cTn id="17" dur="1" fill="hold">
+                                          <p:stCondLst>
+                                            <p:cond delay="0"/>
+                                          </p:stCondLst>
+                                        </p:cTn>
+                                        <p:tgtEl>
+                                          <p:spTgt spid="3">
+                                            <p:txEl>
+                                              <p:pRg st="3" end="3"/>
+                                            </p:txEl>
+                                          </p:spTgt>
+                                        </p:tgtEl>
+                                        <p:attrNameLst>
+                                          <p:attrName>style.visibility</p:attrName>
+                                        </p:attrNameLst>
+                                      </p:cBhvr>
+                                      <p:to>
+                                        <p:strVal val="visible"/>
+                                      </p:to>
+                                    </p:set>
+                                    <p:animEffect transition="in" filter="fade">
+                                      <p:cBhvr>
+                                        <p:cTn id="18" dur="500"/>
+                                        <p:tgtEl>
+                                          <p:spTgt spid="3">
+                                            <p:txEl>
+                                              <p:pRg st="3" end="3"/>
+                                            </p:txEl>
+                                          </p:spTgt>
+                                        </p:tgtEl>
+                                      </p:cBhvr>
+                                    </p:animEffect>
+                                  </p:childTnLst>
+                                </p:cTn>
+                              </p:par>
+                            </p:childTnLst>
+                          </p:cTn>
+                        </p:par>
+                      </p:childTnLst>
+                    </p:cTn>
+                  </p:par>
+                  <p:par>
+                    <p:cTn id="19" fill="hold">
+                      <p:stCondLst>
+                        <p:cond delay="indefinite"/>
+                      </p:stCondLst>
+                      <p:childTnLst>
+                        <p:par>
+                          <p:cTn id="20" fill="hold">
+                            <p:stCondLst>
+                              <p:cond delay="0"/>
+                            </p:stCondLst>
+                            <p:childTnLst>
+                              <p:par>
+                                <p:cTn id="21" presetID="10" presetClass="entr" presetSubtype="0" fill="hold" grpId="0" nodeType="clickEffect">
+                                  <p:stCondLst>
+                                    <p:cond delay="0"/>
+                                  </p:stCondLst>
+                                  <p:childTnLst>
+                                    <p:set>
+                                      <p:cBhvr>
+                                        <p:cTn id="22" dur="1" fill="hold">
+                                          <p:stCondLst>
+                                            <p:cond delay="0"/>
+                                          </p:stCondLst>
+                                        </p:cTn>
+                                        <p:tgtEl>
+                                          <p:spTgt spid="3">
+                                            <p:txEl>
+                                              <p:pRg st="4" end="4"/>
+                                            </p:txEl>
+                                          </p:spTgt>
+                                        </p:tgtEl>
+                                        <p:attrNameLst>
+                                          <p:attrName>style.visibility</p:attrName>
+                                        </p:attrNameLst>
+                                      </p:cBhvr>
+                                      <p:to>
+                                        <p:strVal val="visible"/>
+                                      </p:to>
+                                    </p:set>
+                                    <p:animEffect transition="in" filter="fade">
+                                      <p:cBhvr>
+                                        <p:cTn id="23" dur="500"/>
+                                        <p:tgtEl>
+                                          <p:spTgt spid="3">
+                                            <p:txEl>
+                                              <p:pRg st="4" end="4"/>
+                                            </p:txEl>
+                                          </p:spTgt>
+                                        </p:tgtEl>
+                                      </p:cBhvr>
+                                    </p:animEffect>
+                                  </p:childTnLst>
+                                </p:cTn>
+                              </p:par>
+                              <p:par>
+                                <p:cTn id="24" presetID="10" presetClass="entr" presetSubtype="0" fill="hold" grpId="0" nodeType="withEffect">
+                                  <p:stCondLst>
+                                    <p:cond delay="0"/>
+                                  </p:stCondLst>
+                                  <p:childTnLst>
+                                    <p:set>
+                                      <p:cBhvr>
+                                        <p:cTn id="25" dur="1" fill="hold">
+                                          <p:stCondLst>
+                                            <p:cond delay="0"/>
+                                          </p:stCondLst>
+                                        </p:cTn>
+                                        <p:tgtEl>
+                                          <p:spTgt spid="3">
+                                            <p:txEl>
+                                              <p:pRg st="5" end="5"/>
+                                            </p:txEl>
+                                          </p:spTgt>
+                                        </p:tgtEl>
+                                        <p:attrNameLst>
+                                          <p:attrName>style.visibility</p:attrName>
+                                        </p:attrNameLst>
+                                      </p:cBhvr>
+                                      <p:to>
+                                        <p:strVal val="visible"/>
+                                      </p:to>
+                                    </p:set>
+                                    <p:animEffect transition="in" filter="fade">
+                                      <p:cBhvr>
+                                        <p:cTn id="26" dur="500"/>
+                                        <p:tgtEl>
+                                          <p:spTgt spid="3">
+                                            <p:txEl>
+                                              <p:pRg st="5" end="5"/>
+                                            </p:txEl>
+                                          </p:spTgt>
+                                        </p:tgtEl>
+                                      </p:cBhvr>
+                                    </p:animEffect>
+                                  </p:childTnLst>
+                                </p:cTn>
+                              </p:par>
+                            </p:childTnLst>
+                          </p:cTn>
+                        </p:par>
+                      </p:childTnLst>
+                    </p:cTn>
+                  </p:par>
+                </p:childTnLst>
+              </p:cTn>
+              <p:prevCondLst>
+                <p:cond evt="onPrev" delay="0">
+                  <p:tgtEl>
+                    <p:sldTgt/>
+                  </p:tgtEl>
+                </p:cond>
+              </p:prevCondLst>
+              <p:nextCondLst>
+                <p:cond evt="onNext" delay="0">
+                  <p:tgtEl>
+                    <p:sldTgt/>
+                  </p:tgtEl>
+                </p:cond>
+              </p:nextCondLst>
+            </p:seq>
+          </p:childTnLst>
+        </p:cTn>
       </p:par>
     </p:tnLst>
+    <p:bldLst>
+      <p:bldP spid="3" grpId="0" build="p"/>
+    </p:bldLst>
   </p:timing>
 </p:sld>
 </file>
@@ -8185,9 +9240,200 @@
   <p:timing>
     <p:tnLst>
       <p:par>
-        <p:cTn id="1" dur="indefinite" restart="never" nodeType="tmRoot"/>
+        <p:cTn id="1" dur="indefinite" restart="never" nodeType="tmRoot">
+          <p:childTnLst>
+            <p:seq concurrent="1" nextAc="seek">
+              <p:cTn id="2" dur="indefinite" nodeType="mainSeq">
+                <p:childTnLst>
+                  <p:par>
+                    <p:cTn id="3" fill="hold">
+                      <p:stCondLst>
+                        <p:cond delay="indefinite"/>
+                      </p:stCondLst>
+                      <p:childTnLst>
+                        <p:par>
+                          <p:cTn id="4" fill="hold">
+                            <p:stCondLst>
+                              <p:cond delay="0"/>
+                            </p:stCondLst>
+                            <p:childTnLst>
+                              <p:par>
+                                <p:cTn id="5" presetID="10" presetClass="entr" presetSubtype="0" fill="hold" grpId="0" nodeType="clickEffect">
+                                  <p:stCondLst>
+                                    <p:cond delay="0"/>
+                                  </p:stCondLst>
+                                  <p:childTnLst>
+                                    <p:set>
+                                      <p:cBhvr>
+                                        <p:cTn id="6" dur="1" fill="hold">
+                                          <p:stCondLst>
+                                            <p:cond delay="0"/>
+                                          </p:stCondLst>
+                                        </p:cTn>
+                                        <p:tgtEl>
+                                          <p:spTgt spid="3">
+                                            <p:txEl>
+                                              <p:pRg st="0" end="0"/>
+                                            </p:txEl>
+                                          </p:spTgt>
+                                        </p:tgtEl>
+                                        <p:attrNameLst>
+                                          <p:attrName>style.visibility</p:attrName>
+                                        </p:attrNameLst>
+                                      </p:cBhvr>
+                                      <p:to>
+                                        <p:strVal val="visible"/>
+                                      </p:to>
+                                    </p:set>
+                                    <p:animEffect transition="in" filter="fade">
+                                      <p:cBhvr>
+                                        <p:cTn id="7" dur="500"/>
+                                        <p:tgtEl>
+                                          <p:spTgt spid="3">
+                                            <p:txEl>
+                                              <p:pRg st="0" end="0"/>
+                                            </p:txEl>
+                                          </p:spTgt>
+                                        </p:tgtEl>
+                                      </p:cBhvr>
+                                    </p:animEffect>
+                                  </p:childTnLst>
+                                </p:cTn>
+                              </p:par>
+                            </p:childTnLst>
+                          </p:cTn>
+                        </p:par>
+                      </p:childTnLst>
+                    </p:cTn>
+                  </p:par>
+                  <p:par>
+                    <p:cTn id="8" fill="hold">
+                      <p:stCondLst>
+                        <p:cond delay="indefinite"/>
+                      </p:stCondLst>
+                      <p:childTnLst>
+                        <p:par>
+                          <p:cTn id="9" fill="hold">
+                            <p:stCondLst>
+                              <p:cond delay="0"/>
+                            </p:stCondLst>
+                            <p:childTnLst>
+                              <p:par>
+                                <p:cTn id="10" presetID="10" presetClass="entr" presetSubtype="0" fill="hold" grpId="0" nodeType="clickEffect">
+                                  <p:stCondLst>
+                                    <p:cond delay="0"/>
+                                  </p:stCondLst>
+                                  <p:childTnLst>
+                                    <p:set>
+                                      <p:cBhvr>
+                                        <p:cTn id="11" dur="1" fill="hold">
+                                          <p:stCondLst>
+                                            <p:cond delay="0"/>
+                                          </p:stCondLst>
+                                        </p:cTn>
+                                        <p:tgtEl>
+                                          <p:spTgt spid="3">
+                                            <p:txEl>
+                                              <p:pRg st="1" end="1"/>
+                                            </p:txEl>
+                                          </p:spTgt>
+                                        </p:tgtEl>
+                                        <p:attrNameLst>
+                                          <p:attrName>style.visibility</p:attrName>
+                                        </p:attrNameLst>
+                                      </p:cBhvr>
+                                      <p:to>
+                                        <p:strVal val="visible"/>
+                                      </p:to>
+                                    </p:set>
+                                    <p:animEffect transition="in" filter="fade">
+                                      <p:cBhvr>
+                                        <p:cTn id="12" dur="500"/>
+                                        <p:tgtEl>
+                                          <p:spTgt spid="3">
+                                            <p:txEl>
+                                              <p:pRg st="1" end="1"/>
+                                            </p:txEl>
+                                          </p:spTgt>
+                                        </p:tgtEl>
+                                      </p:cBhvr>
+                                    </p:animEffect>
+                                  </p:childTnLst>
+                                </p:cTn>
+                              </p:par>
+                              <p:par>
+                                <p:cTn id="13" presetID="10" presetClass="entr" presetSubtype="0" fill="hold" grpId="0" nodeType="withEffect">
+                                  <p:stCondLst>
+                                    <p:cond delay="0"/>
+                                  </p:stCondLst>
+                                  <p:childTnLst>
+                                    <p:set>
+                                      <p:cBhvr>
+                                        <p:cTn id="14" dur="1" fill="hold">
+                                          <p:stCondLst>
+                                            <p:cond delay="0"/>
+                                          </p:stCondLst>
+                                        </p:cTn>
+                                        <p:tgtEl>
+                                          <p:spTgt spid="3">
+                                            <p:txEl>
+                                              <p:pRg st="2" end="2"/>
+                                            </p:txEl>
+                                          </p:spTgt>
+                                        </p:tgtEl>
+                                        <p:attrNameLst>
+                                          <p:attrName>style.visibility</p:attrName>
+                                        </p:attrNameLst>
+                                      </p:cBhvr>
+                                      <p:to>
+                                        <p:strVal val="visible"/>
+                                      </p:to>
+                                    </p:set>
+                                    <p:animEffect transition="in" filter="fade">
+                                      <p:cBhvr>
+                                        <p:cTn id="15" dur="500"/>
+                                        <p:tgtEl>
+                                          <p:spTgt spid="3">
+                                            <p:txEl>
+                                              <p:pRg st="2" end="2"/>
+                                            </p:txEl>
+                                          </p:spTgt>
+                                        </p:tgtEl>
+                                      </p:cBhvr>
+                                    </p:animEffect>
+                                  </p:childTnLst>
+                                </p:cTn>
+                              </p:par>
+                            </p:childTnLst>
+                          </p:cTn>
+                        </p:par>
+                      </p:childTnLst>
+                    </p:cTn>
+                  </p:par>
+                </p:childTnLst>
+              </p:cTn>
+              <p:prevCondLst>
+                <p:cond evt="onPrev" delay="0">
+                  <p:tgtEl>
+                    <p:sldTgt/>
+                  </p:tgtEl>
+                </p:cond>
+              </p:prevCondLst>
+              <p:nextCondLst>
+                <p:cond evt="onNext" delay="0">
+                  <p:tgtEl>
+                    <p:sldTgt/>
+                  </p:tgtEl>
+                </p:cond>
+              </p:nextCondLst>
+            </p:seq>
+          </p:childTnLst>
+        </p:cTn>
       </p:par>
     </p:tnLst>
+    <p:bldLst>
+      <p:bldP spid="3" grpId="0" build="p"/>
+    </p:bldLst>
   </p:timing>
 </p:sld>
 </file>
@@ -8286,9 +9532,157 @@
   <p:timing>
     <p:tnLst>
       <p:par>
-        <p:cTn id="1" dur="indefinite" restart="never" nodeType="tmRoot"/>
+        <p:cTn id="1" dur="indefinite" restart="never" nodeType="tmRoot">
+          <p:childTnLst>
+            <p:seq concurrent="1" nextAc="seek">
+              <p:cTn id="2" dur="indefinite" nodeType="mainSeq">
+                <p:childTnLst>
+                  <p:par>
+                    <p:cTn id="3" fill="hold">
+                      <p:stCondLst>
+                        <p:cond delay="indefinite"/>
+                      </p:stCondLst>
+                      <p:childTnLst>
+                        <p:par>
+                          <p:cTn id="4" fill="hold">
+                            <p:stCondLst>
+                              <p:cond delay="0"/>
+                            </p:stCondLst>
+                            <p:childTnLst>
+                              <p:par>
+                                <p:cTn id="5" presetID="10" presetClass="entr" presetSubtype="0" fill="hold" grpId="0" nodeType="clickEffect">
+                                  <p:stCondLst>
+                                    <p:cond delay="0"/>
+                                  </p:stCondLst>
+                                  <p:childTnLst>
+                                    <p:set>
+                                      <p:cBhvr>
+                                        <p:cTn id="6" dur="1" fill="hold">
+                                          <p:stCondLst>
+                                            <p:cond delay="0"/>
+                                          </p:stCondLst>
+                                        </p:cTn>
+                                        <p:tgtEl>
+                                          <p:spTgt spid="3">
+                                            <p:txEl>
+                                              <p:pRg st="0" end="0"/>
+                                            </p:txEl>
+                                          </p:spTgt>
+                                        </p:tgtEl>
+                                        <p:attrNameLst>
+                                          <p:attrName>style.visibility</p:attrName>
+                                        </p:attrNameLst>
+                                      </p:cBhvr>
+                                      <p:to>
+                                        <p:strVal val="visible"/>
+                                      </p:to>
+                                    </p:set>
+                                    <p:animEffect transition="in" filter="fade">
+                                      <p:cBhvr>
+                                        <p:cTn id="7" dur="500"/>
+                                        <p:tgtEl>
+                                          <p:spTgt spid="3">
+                                            <p:txEl>
+                                              <p:pRg st="0" end="0"/>
+                                            </p:txEl>
+                                          </p:spTgt>
+                                        </p:tgtEl>
+                                      </p:cBhvr>
+                                    </p:animEffect>
+                                  </p:childTnLst>
+                                </p:cTn>
+                              </p:par>
+                            </p:childTnLst>
+                          </p:cTn>
+                        </p:par>
+                      </p:childTnLst>
+                    </p:cTn>
+                  </p:par>
+                  <p:par>
+                    <p:cTn id="8" fill="hold">
+                      <p:stCondLst>
+                        <p:cond delay="indefinite"/>
+                      </p:stCondLst>
+                      <p:childTnLst>
+                        <p:par>
+                          <p:cTn id="9" fill="hold">
+                            <p:stCondLst>
+                              <p:cond delay="0"/>
+                            </p:stCondLst>
+                            <p:childTnLst>
+                              <p:par>
+                                <p:cTn id="10" presetID="10" presetClass="entr" presetSubtype="0" fill="hold" grpId="0" nodeType="clickEffect">
+                                  <p:stCondLst>
+                                    <p:cond delay="0"/>
+                                  </p:stCondLst>
+                                  <p:childTnLst>
+                                    <p:set>
+                                      <p:cBhvr>
+                                        <p:cTn id="11" dur="1" fill="hold">
+                                          <p:stCondLst>
+                                            <p:cond delay="0"/>
+                                          </p:stCondLst>
+                                        </p:cTn>
+                                        <p:tgtEl>
+                                          <p:spTgt spid="3">
+                                            <p:txEl>
+                                              <p:pRg st="1" end="1"/>
+                                            </p:txEl>
+                                          </p:spTgt>
+                                        </p:tgtEl>
+                                        <p:attrNameLst>
+                                          <p:attrName>style.visibility</p:attrName>
+                                        </p:attrNameLst>
+                                      </p:cBhvr>
+                                      <p:to>
+                                        <p:strVal val="visible"/>
+                                      </p:to>
+                                    </p:set>
+                                    <p:animEffect transition="in" filter="fade">
+                                      <p:cBhvr>
+                                        <p:cTn id="12" dur="500"/>
+                                        <p:tgtEl>
+                                          <p:spTgt spid="3">
+                                            <p:txEl>
+                                              <p:pRg st="1" end="1"/>
+                                            </p:txEl>
+                                          </p:spTgt>
+                                        </p:tgtEl>
+                                      </p:cBhvr>
+                                    </p:animEffect>
+                                  </p:childTnLst>
+                                </p:cTn>
+                              </p:par>
+                            </p:childTnLst>
+                          </p:cTn>
+                        </p:par>
+                      </p:childTnLst>
+                    </p:cTn>
+                  </p:par>
+                </p:childTnLst>
+              </p:cTn>
+              <p:prevCondLst>
+                <p:cond evt="onPrev" delay="0">
+                  <p:tgtEl>
+                    <p:sldTgt/>
+                  </p:tgtEl>
+                </p:cond>
+              </p:prevCondLst>
+              <p:nextCondLst>
+                <p:cond evt="onNext" delay="0">
+                  <p:tgtEl>
+                    <p:sldTgt/>
+                  </p:tgtEl>
+                </p:cond>
+              </p:nextCondLst>
+            </p:seq>
+          </p:childTnLst>
+        </p:cTn>
       </p:par>
     </p:tnLst>
+    <p:bldLst>
+      <p:bldP spid="3" grpId="0" build="p"/>
+    </p:bldLst>
   </p:timing>
 </p:sld>
 </file>
@@ -8407,9 +9801,286 @@
   <p:timing>
     <p:tnLst>
       <p:par>
-        <p:cTn id="1" dur="indefinite" restart="never" nodeType="tmRoot"/>
+        <p:cTn id="1" dur="indefinite" restart="never" nodeType="tmRoot">
+          <p:childTnLst>
+            <p:seq concurrent="1" nextAc="seek">
+              <p:cTn id="2" dur="indefinite" nodeType="mainSeq">
+                <p:childTnLst>
+                  <p:par>
+                    <p:cTn id="3" fill="hold">
+                      <p:stCondLst>
+                        <p:cond delay="indefinite"/>
+                      </p:stCondLst>
+                      <p:childTnLst>
+                        <p:par>
+                          <p:cTn id="4" fill="hold">
+                            <p:stCondLst>
+                              <p:cond delay="0"/>
+                            </p:stCondLst>
+                            <p:childTnLst>
+                              <p:par>
+                                <p:cTn id="5" presetID="10" presetClass="entr" presetSubtype="0" fill="hold" grpId="0" nodeType="clickEffect">
+                                  <p:stCondLst>
+                                    <p:cond delay="0"/>
+                                  </p:stCondLst>
+                                  <p:childTnLst>
+                                    <p:set>
+                                      <p:cBhvr>
+                                        <p:cTn id="6" dur="1" fill="hold">
+                                          <p:stCondLst>
+                                            <p:cond delay="0"/>
+                                          </p:stCondLst>
+                                        </p:cTn>
+                                        <p:tgtEl>
+                                          <p:spTgt spid="6">
+                                            <p:txEl>
+                                              <p:pRg st="0" end="0"/>
+                                            </p:txEl>
+                                          </p:spTgt>
+                                        </p:tgtEl>
+                                        <p:attrNameLst>
+                                          <p:attrName>style.visibility</p:attrName>
+                                        </p:attrNameLst>
+                                      </p:cBhvr>
+                                      <p:to>
+                                        <p:strVal val="visible"/>
+                                      </p:to>
+                                    </p:set>
+                                    <p:animEffect transition="in" filter="fade">
+                                      <p:cBhvr>
+                                        <p:cTn id="7" dur="500"/>
+                                        <p:tgtEl>
+                                          <p:spTgt spid="6">
+                                            <p:txEl>
+                                              <p:pRg st="0" end="0"/>
+                                            </p:txEl>
+                                          </p:spTgt>
+                                        </p:tgtEl>
+                                      </p:cBhvr>
+                                    </p:animEffect>
+                                  </p:childTnLst>
+                                </p:cTn>
+                              </p:par>
+                            </p:childTnLst>
+                          </p:cTn>
+                        </p:par>
+                      </p:childTnLst>
+                    </p:cTn>
+                  </p:par>
+                  <p:par>
+                    <p:cTn id="8" fill="hold">
+                      <p:stCondLst>
+                        <p:cond delay="indefinite"/>
+                      </p:stCondLst>
+                      <p:childTnLst>
+                        <p:par>
+                          <p:cTn id="9" fill="hold">
+                            <p:stCondLst>
+                              <p:cond delay="0"/>
+                            </p:stCondLst>
+                            <p:childTnLst>
+                              <p:par>
+                                <p:cTn id="10" presetID="10" presetClass="entr" presetSubtype="0" fill="hold" grpId="0" nodeType="clickEffect">
+                                  <p:stCondLst>
+                                    <p:cond delay="0"/>
+                                  </p:stCondLst>
+                                  <p:childTnLst>
+                                    <p:set>
+                                      <p:cBhvr>
+                                        <p:cTn id="11" dur="1" fill="hold">
+                                          <p:stCondLst>
+                                            <p:cond delay="0"/>
+                                          </p:stCondLst>
+                                        </p:cTn>
+                                        <p:tgtEl>
+                                          <p:spTgt spid="6">
+                                            <p:txEl>
+                                              <p:pRg st="1" end="1"/>
+                                            </p:txEl>
+                                          </p:spTgt>
+                                        </p:tgtEl>
+                                        <p:attrNameLst>
+                                          <p:attrName>style.visibility</p:attrName>
+                                        </p:attrNameLst>
+                                      </p:cBhvr>
+                                      <p:to>
+                                        <p:strVal val="visible"/>
+                                      </p:to>
+                                    </p:set>
+                                    <p:animEffect transition="in" filter="fade">
+                                      <p:cBhvr>
+                                        <p:cTn id="12" dur="500"/>
+                                        <p:tgtEl>
+                                          <p:spTgt spid="6">
+                                            <p:txEl>
+                                              <p:pRg st="1" end="1"/>
+                                            </p:txEl>
+                                          </p:spTgt>
+                                        </p:tgtEl>
+                                      </p:cBhvr>
+                                    </p:animEffect>
+                                  </p:childTnLst>
+                                </p:cTn>
+                              </p:par>
+                              <p:par>
+                                <p:cTn id="13" presetID="10" presetClass="entr" presetSubtype="0" fill="hold" grpId="0" nodeType="withEffect">
+                                  <p:stCondLst>
+                                    <p:cond delay="0"/>
+                                  </p:stCondLst>
+                                  <p:childTnLst>
+                                    <p:set>
+                                      <p:cBhvr>
+                                        <p:cTn id="14" dur="1" fill="hold">
+                                          <p:stCondLst>
+                                            <p:cond delay="0"/>
+                                          </p:stCondLst>
+                                        </p:cTn>
+                                        <p:tgtEl>
+                                          <p:spTgt spid="6">
+                                            <p:txEl>
+                                              <p:pRg st="2" end="2"/>
+                                            </p:txEl>
+                                          </p:spTgt>
+                                        </p:tgtEl>
+                                        <p:attrNameLst>
+                                          <p:attrName>style.visibility</p:attrName>
+                                        </p:attrNameLst>
+                                      </p:cBhvr>
+                                      <p:to>
+                                        <p:strVal val="visible"/>
+                                      </p:to>
+                                    </p:set>
+                                    <p:animEffect transition="in" filter="fade">
+                                      <p:cBhvr>
+                                        <p:cTn id="15" dur="500"/>
+                                        <p:tgtEl>
+                                          <p:spTgt spid="6">
+                                            <p:txEl>
+                                              <p:pRg st="2" end="2"/>
+                                            </p:txEl>
+                                          </p:spTgt>
+                                        </p:tgtEl>
+                                      </p:cBhvr>
+                                    </p:animEffect>
+                                  </p:childTnLst>
+                                </p:cTn>
+                              </p:par>
+                              <p:par>
+                                <p:cTn id="16" presetID="10" presetClass="entr" presetSubtype="0" fill="hold" grpId="0" nodeType="withEffect">
+                                  <p:stCondLst>
+                                    <p:cond delay="0"/>
+                                  </p:stCondLst>
+                                  <p:childTnLst>
+                                    <p:set>
+                                      <p:cBhvr>
+                                        <p:cTn id="17" dur="1" fill="hold">
+                                          <p:stCondLst>
+                                            <p:cond delay="0"/>
+                                          </p:stCondLst>
+                                        </p:cTn>
+                                        <p:tgtEl>
+                                          <p:spTgt spid="6">
+                                            <p:txEl>
+                                              <p:pRg st="3" end="3"/>
+                                            </p:txEl>
+                                          </p:spTgt>
+                                        </p:tgtEl>
+                                        <p:attrNameLst>
+                                          <p:attrName>style.visibility</p:attrName>
+                                        </p:attrNameLst>
+                                      </p:cBhvr>
+                                      <p:to>
+                                        <p:strVal val="visible"/>
+                                      </p:to>
+                                    </p:set>
+                                    <p:animEffect transition="in" filter="fade">
+                                      <p:cBhvr>
+                                        <p:cTn id="18" dur="500"/>
+                                        <p:tgtEl>
+                                          <p:spTgt spid="6">
+                                            <p:txEl>
+                                              <p:pRg st="3" end="3"/>
+                                            </p:txEl>
+                                          </p:spTgt>
+                                        </p:tgtEl>
+                                      </p:cBhvr>
+                                    </p:animEffect>
+                                  </p:childTnLst>
+                                </p:cTn>
+                              </p:par>
+                              <p:par>
+                                <p:cTn id="19" presetID="10" presetClass="entr" presetSubtype="0" fill="hold" grpId="0" nodeType="withEffect">
+                                  <p:stCondLst>
+                                    <p:cond delay="0"/>
+                                  </p:stCondLst>
+                                  <p:childTnLst>
+                                    <p:set>
+                                      <p:cBhvr>
+                                        <p:cTn id="20" dur="1" fill="hold">
+                                          <p:stCondLst>
+                                            <p:cond delay="0"/>
+                                          </p:stCondLst>
+                                        </p:cTn>
+                                        <p:tgtEl>
+                                          <p:spTgt spid="6">
+                                            <p:txEl>
+                                              <p:pRg st="4" end="4"/>
+                                            </p:txEl>
+                                          </p:spTgt>
+                                        </p:tgtEl>
+                                        <p:attrNameLst>
+                                          <p:attrName>style.visibility</p:attrName>
+                                        </p:attrNameLst>
+                                      </p:cBhvr>
+                                      <p:to>
+                                        <p:strVal val="visible"/>
+                                      </p:to>
+                                    </p:set>
+                                    <p:animEffect transition="in" filter="fade">
+                                      <p:cBhvr>
+                                        <p:cTn id="21" dur="500"/>
+                                        <p:tgtEl>
+                                          <p:spTgt spid="6">
+                                            <p:txEl>
+                                              <p:pRg st="4" end="4"/>
+                                            </p:txEl>
+                                          </p:spTgt>
+                                        </p:tgtEl>
+                                      </p:cBhvr>
+                                    </p:animEffect>
+                                  </p:childTnLst>
+                                </p:cTn>
+                              </p:par>
+                            </p:childTnLst>
+                          </p:cTn>
+                        </p:par>
+                      </p:childTnLst>
+                    </p:cTn>
+                  </p:par>
+                </p:childTnLst>
+              </p:cTn>
+              <p:prevCondLst>
+                <p:cond evt="onPrev" delay="0">
+                  <p:tgtEl>
+                    <p:sldTgt/>
+                  </p:tgtEl>
+                </p:cond>
+              </p:prevCondLst>
+              <p:nextCondLst>
+                <p:cond evt="onNext" delay="0">
+                  <p:tgtEl>
+                    <p:sldTgt/>
+                  </p:tgtEl>
+                </p:cond>
+              </p:nextCondLst>
+            </p:seq>
+          </p:childTnLst>
+        </p:cTn>
       </p:par>
     </p:tnLst>
+    <p:bldLst>
+      <p:bldP spid="6" grpId="0" build="p"/>
+    </p:bldLst>
   </p:timing>
 </p:sld>
 </file>
@@ -8521,9 +10192,304 @@
   <p:timing>
     <p:tnLst>
       <p:par>
-        <p:cTn id="1" dur="indefinite" restart="never" nodeType="tmRoot"/>
+        <p:cTn id="1" dur="indefinite" restart="never" nodeType="tmRoot">
+          <p:childTnLst>
+            <p:seq concurrent="1" nextAc="seek">
+              <p:cTn id="2" dur="indefinite" nodeType="mainSeq">
+                <p:childTnLst>
+                  <p:par>
+                    <p:cTn id="3" fill="hold">
+                      <p:stCondLst>
+                        <p:cond delay="indefinite"/>
+                      </p:stCondLst>
+                      <p:childTnLst>
+                        <p:par>
+                          <p:cTn id="4" fill="hold">
+                            <p:stCondLst>
+                              <p:cond delay="0"/>
+                            </p:stCondLst>
+                            <p:childTnLst>
+                              <p:par>
+                                <p:cTn id="5" presetID="10" presetClass="entr" presetSubtype="0" fill="hold" grpId="0" nodeType="clickEffect">
+                                  <p:stCondLst>
+                                    <p:cond delay="0"/>
+                                  </p:stCondLst>
+                                  <p:childTnLst>
+                                    <p:set>
+                                      <p:cBhvr>
+                                        <p:cTn id="6" dur="1" fill="hold">
+                                          <p:stCondLst>
+                                            <p:cond delay="0"/>
+                                          </p:stCondLst>
+                                        </p:cTn>
+                                        <p:tgtEl>
+                                          <p:spTgt spid="3">
+                                            <p:txEl>
+                                              <p:pRg st="0" end="0"/>
+                                            </p:txEl>
+                                          </p:spTgt>
+                                        </p:tgtEl>
+                                        <p:attrNameLst>
+                                          <p:attrName>style.visibility</p:attrName>
+                                        </p:attrNameLst>
+                                      </p:cBhvr>
+                                      <p:to>
+                                        <p:strVal val="visible"/>
+                                      </p:to>
+                                    </p:set>
+                                    <p:animEffect transition="in" filter="fade">
+                                      <p:cBhvr>
+                                        <p:cTn id="7" dur="500"/>
+                                        <p:tgtEl>
+                                          <p:spTgt spid="3">
+                                            <p:txEl>
+                                              <p:pRg st="0" end="0"/>
+                                            </p:txEl>
+                                          </p:spTgt>
+                                        </p:tgtEl>
+                                      </p:cBhvr>
+                                    </p:animEffect>
+                                  </p:childTnLst>
+                                </p:cTn>
+                              </p:par>
+                            </p:childTnLst>
+                          </p:cTn>
+                        </p:par>
+                      </p:childTnLst>
+                    </p:cTn>
+                  </p:par>
+                  <p:par>
+                    <p:cTn id="8" fill="hold">
+                      <p:stCondLst>
+                        <p:cond delay="indefinite"/>
+                      </p:stCondLst>
+                      <p:childTnLst>
+                        <p:par>
+                          <p:cTn id="9" fill="hold">
+                            <p:stCondLst>
+                              <p:cond delay="0"/>
+                            </p:stCondLst>
+                            <p:childTnLst>
+                              <p:par>
+                                <p:cTn id="10" presetID="10" presetClass="entr" presetSubtype="0" fill="hold" grpId="0" nodeType="clickEffect">
+                                  <p:stCondLst>
+                                    <p:cond delay="0"/>
+                                  </p:stCondLst>
+                                  <p:childTnLst>
+                                    <p:set>
+                                      <p:cBhvr>
+                                        <p:cTn id="11" dur="1" fill="hold">
+                                          <p:stCondLst>
+                                            <p:cond delay="0"/>
+                                          </p:stCondLst>
+                                        </p:cTn>
+                                        <p:tgtEl>
+                                          <p:spTgt spid="3">
+                                            <p:txEl>
+                                              <p:pRg st="1" end="1"/>
+                                            </p:txEl>
+                                          </p:spTgt>
+                                        </p:tgtEl>
+                                        <p:attrNameLst>
+                                          <p:attrName>style.visibility</p:attrName>
+                                        </p:attrNameLst>
+                                      </p:cBhvr>
+                                      <p:to>
+                                        <p:strVal val="visible"/>
+                                      </p:to>
+                                    </p:set>
+                                    <p:animEffect transition="in" filter="fade">
+                                      <p:cBhvr>
+                                        <p:cTn id="12" dur="500"/>
+                                        <p:tgtEl>
+                                          <p:spTgt spid="3">
+                                            <p:txEl>
+                                              <p:pRg st="1" end="1"/>
+                                            </p:txEl>
+                                          </p:spTgt>
+                                        </p:tgtEl>
+                                      </p:cBhvr>
+                                    </p:animEffect>
+                                  </p:childTnLst>
+                                </p:cTn>
+                              </p:par>
+                              <p:par>
+                                <p:cTn id="13" presetID="10" presetClass="entr" presetSubtype="0" fill="hold" grpId="0" nodeType="withEffect">
+                                  <p:stCondLst>
+                                    <p:cond delay="0"/>
+                                  </p:stCondLst>
+                                  <p:childTnLst>
+                                    <p:set>
+                                      <p:cBhvr>
+                                        <p:cTn id="14" dur="1" fill="hold">
+                                          <p:stCondLst>
+                                            <p:cond delay="0"/>
+                                          </p:stCondLst>
+                                        </p:cTn>
+                                        <p:tgtEl>
+                                          <p:spTgt spid="3">
+                                            <p:txEl>
+                                              <p:pRg st="2" end="2"/>
+                                            </p:txEl>
+                                          </p:spTgt>
+                                        </p:tgtEl>
+                                        <p:attrNameLst>
+                                          <p:attrName>style.visibility</p:attrName>
+                                        </p:attrNameLst>
+                                      </p:cBhvr>
+                                      <p:to>
+                                        <p:strVal val="visible"/>
+                                      </p:to>
+                                    </p:set>
+                                    <p:animEffect transition="in" filter="fade">
+                                      <p:cBhvr>
+                                        <p:cTn id="15" dur="500"/>
+                                        <p:tgtEl>
+                                          <p:spTgt spid="3">
+                                            <p:txEl>
+                                              <p:pRg st="2" end="2"/>
+                                            </p:txEl>
+                                          </p:spTgt>
+                                        </p:tgtEl>
+                                      </p:cBhvr>
+                                    </p:animEffect>
+                                  </p:childTnLst>
+                                </p:cTn>
+                              </p:par>
+                            </p:childTnLst>
+                          </p:cTn>
+                        </p:par>
+                      </p:childTnLst>
+                    </p:cTn>
+                  </p:par>
+                  <p:par>
+                    <p:cTn id="16" fill="hold">
+                      <p:stCondLst>
+                        <p:cond delay="indefinite"/>
+                      </p:stCondLst>
+                      <p:childTnLst>
+                        <p:par>
+                          <p:cTn id="17" fill="hold">
+                            <p:stCondLst>
+                              <p:cond delay="0"/>
+                            </p:stCondLst>
+                            <p:childTnLst>
+                              <p:par>
+                                <p:cTn id="18" presetID="10" presetClass="entr" presetSubtype="0" fill="hold" grpId="0" nodeType="clickEffect">
+                                  <p:stCondLst>
+                                    <p:cond delay="0"/>
+                                  </p:stCondLst>
+                                  <p:childTnLst>
+                                    <p:set>
+                                      <p:cBhvr>
+                                        <p:cTn id="19" dur="1" fill="hold">
+                                          <p:stCondLst>
+                                            <p:cond delay="0"/>
+                                          </p:stCondLst>
+                                        </p:cTn>
+                                        <p:tgtEl>
+                                          <p:spTgt spid="3">
+                                            <p:txEl>
+                                              <p:pRg st="3" end="3"/>
+                                            </p:txEl>
+                                          </p:spTgt>
+                                        </p:tgtEl>
+                                        <p:attrNameLst>
+                                          <p:attrName>style.visibility</p:attrName>
+                                        </p:attrNameLst>
+                                      </p:cBhvr>
+                                      <p:to>
+                                        <p:strVal val="visible"/>
+                                      </p:to>
+                                    </p:set>
+                                    <p:animEffect transition="in" filter="fade">
+                                      <p:cBhvr>
+                                        <p:cTn id="20" dur="500"/>
+                                        <p:tgtEl>
+                                          <p:spTgt spid="3">
+                                            <p:txEl>
+                                              <p:pRg st="3" end="3"/>
+                                            </p:txEl>
+                                          </p:spTgt>
+                                        </p:tgtEl>
+                                      </p:cBhvr>
+                                    </p:animEffect>
+                                  </p:childTnLst>
+                                </p:cTn>
+                              </p:par>
+                              <p:par>
+                                <p:cTn id="21" presetID="10" presetClass="entr" presetSubtype="0" fill="hold" grpId="0" nodeType="withEffect">
+                                  <p:stCondLst>
+                                    <p:cond delay="0"/>
+                                  </p:stCondLst>
+                                  <p:childTnLst>
+                                    <p:set>
+                                      <p:cBhvr>
+                                        <p:cTn id="22" dur="1" fill="hold">
+                                          <p:stCondLst>
+                                            <p:cond delay="0"/>
+                                          </p:stCondLst>
+                                        </p:cTn>
+                                        <p:tgtEl>
+                                          <p:spTgt spid="3">
+                                            <p:txEl>
+                                              <p:pRg st="4" end="4"/>
+                                            </p:txEl>
+                                          </p:spTgt>
+                                        </p:tgtEl>
+                                        <p:attrNameLst>
+                                          <p:attrName>style.visibility</p:attrName>
+                                        </p:attrNameLst>
+                                      </p:cBhvr>
+                                      <p:to>
+                                        <p:strVal val="visible"/>
+                                      </p:to>
+                                    </p:set>
+                                    <p:animEffect transition="in" filter="fade">
+                                      <p:cBhvr>
+                                        <p:cTn id="23" dur="500"/>
+                                        <p:tgtEl>
+                                          <p:spTgt spid="3">
+                                            <p:txEl>
+                                              <p:pRg st="4" end="4"/>
+                                            </p:txEl>
+                                          </p:spTgt>
+                                        </p:tgtEl>
+                                      </p:cBhvr>
+                                    </p:animEffect>
+                                  </p:childTnLst>
+                                </p:cTn>
+                              </p:par>
+                            </p:childTnLst>
+                          </p:cTn>
+                        </p:par>
+                      </p:childTnLst>
+                    </p:cTn>
+                  </p:par>
+                </p:childTnLst>
+              </p:cTn>
+              <p:prevCondLst>
+                <p:cond evt="onPrev" delay="0">
+                  <p:tgtEl>
+                    <p:sldTgt/>
+                  </p:tgtEl>
+                </p:cond>
+              </p:prevCondLst>
+              <p:nextCondLst>
+                <p:cond evt="onNext" delay="0">
+                  <p:tgtEl>
+                    <p:sldTgt/>
+                  </p:tgtEl>
+                </p:cond>
+              </p:nextCondLst>
+            </p:seq>
+          </p:childTnLst>
+        </p:cTn>
       </p:par>
     </p:tnLst>
+    <p:bldLst>
+      <p:bldP spid="3" grpId="0" build="p"/>
+    </p:bldLst>
   </p:timing>
 </p:sld>
 </file>
@@ -8636,9 +10602,304 @@
   <p:timing>
     <p:tnLst>
       <p:par>
-        <p:cTn id="1" dur="indefinite" restart="never" nodeType="tmRoot"/>
+        <p:cTn id="1" dur="indefinite" restart="never" nodeType="tmRoot">
+          <p:childTnLst>
+            <p:seq concurrent="1" nextAc="seek">
+              <p:cTn id="2" dur="indefinite" nodeType="mainSeq">
+                <p:childTnLst>
+                  <p:par>
+                    <p:cTn id="3" fill="hold">
+                      <p:stCondLst>
+                        <p:cond delay="indefinite"/>
+                      </p:stCondLst>
+                      <p:childTnLst>
+                        <p:par>
+                          <p:cTn id="4" fill="hold">
+                            <p:stCondLst>
+                              <p:cond delay="0"/>
+                            </p:stCondLst>
+                            <p:childTnLst>
+                              <p:par>
+                                <p:cTn id="5" presetID="10" presetClass="entr" presetSubtype="0" fill="hold" grpId="0" nodeType="clickEffect">
+                                  <p:stCondLst>
+                                    <p:cond delay="0"/>
+                                  </p:stCondLst>
+                                  <p:childTnLst>
+                                    <p:set>
+                                      <p:cBhvr>
+                                        <p:cTn id="6" dur="1" fill="hold">
+                                          <p:stCondLst>
+                                            <p:cond delay="0"/>
+                                          </p:stCondLst>
+                                        </p:cTn>
+                                        <p:tgtEl>
+                                          <p:spTgt spid="3">
+                                            <p:txEl>
+                                              <p:pRg st="0" end="0"/>
+                                            </p:txEl>
+                                          </p:spTgt>
+                                        </p:tgtEl>
+                                        <p:attrNameLst>
+                                          <p:attrName>style.visibility</p:attrName>
+                                        </p:attrNameLst>
+                                      </p:cBhvr>
+                                      <p:to>
+                                        <p:strVal val="visible"/>
+                                      </p:to>
+                                    </p:set>
+                                    <p:animEffect transition="in" filter="fade">
+                                      <p:cBhvr>
+                                        <p:cTn id="7" dur="500"/>
+                                        <p:tgtEl>
+                                          <p:spTgt spid="3">
+                                            <p:txEl>
+                                              <p:pRg st="0" end="0"/>
+                                            </p:txEl>
+                                          </p:spTgt>
+                                        </p:tgtEl>
+                                      </p:cBhvr>
+                                    </p:animEffect>
+                                  </p:childTnLst>
+                                </p:cTn>
+                              </p:par>
+                            </p:childTnLst>
+                          </p:cTn>
+                        </p:par>
+                      </p:childTnLst>
+                    </p:cTn>
+                  </p:par>
+                  <p:par>
+                    <p:cTn id="8" fill="hold">
+                      <p:stCondLst>
+                        <p:cond delay="indefinite"/>
+                      </p:stCondLst>
+                      <p:childTnLst>
+                        <p:par>
+                          <p:cTn id="9" fill="hold">
+                            <p:stCondLst>
+                              <p:cond delay="0"/>
+                            </p:stCondLst>
+                            <p:childTnLst>
+                              <p:par>
+                                <p:cTn id="10" presetID="10" presetClass="entr" presetSubtype="0" fill="hold" grpId="0" nodeType="clickEffect">
+                                  <p:stCondLst>
+                                    <p:cond delay="0"/>
+                                  </p:stCondLst>
+                                  <p:childTnLst>
+                                    <p:set>
+                                      <p:cBhvr>
+                                        <p:cTn id="11" dur="1" fill="hold">
+                                          <p:stCondLst>
+                                            <p:cond delay="0"/>
+                                          </p:stCondLst>
+                                        </p:cTn>
+                                        <p:tgtEl>
+                                          <p:spTgt spid="3">
+                                            <p:txEl>
+                                              <p:pRg st="1" end="1"/>
+                                            </p:txEl>
+                                          </p:spTgt>
+                                        </p:tgtEl>
+                                        <p:attrNameLst>
+                                          <p:attrName>style.visibility</p:attrName>
+                                        </p:attrNameLst>
+                                      </p:cBhvr>
+                                      <p:to>
+                                        <p:strVal val="visible"/>
+                                      </p:to>
+                                    </p:set>
+                                    <p:animEffect transition="in" filter="fade">
+                                      <p:cBhvr>
+                                        <p:cTn id="12" dur="500"/>
+                                        <p:tgtEl>
+                                          <p:spTgt spid="3">
+                                            <p:txEl>
+                                              <p:pRg st="1" end="1"/>
+                                            </p:txEl>
+                                          </p:spTgt>
+                                        </p:tgtEl>
+                                      </p:cBhvr>
+                                    </p:animEffect>
+                                  </p:childTnLst>
+                                </p:cTn>
+                              </p:par>
+                              <p:par>
+                                <p:cTn id="13" presetID="10" presetClass="entr" presetSubtype="0" fill="hold" grpId="0" nodeType="withEffect">
+                                  <p:stCondLst>
+                                    <p:cond delay="0"/>
+                                  </p:stCondLst>
+                                  <p:childTnLst>
+                                    <p:set>
+                                      <p:cBhvr>
+                                        <p:cTn id="14" dur="1" fill="hold">
+                                          <p:stCondLst>
+                                            <p:cond delay="0"/>
+                                          </p:stCondLst>
+                                        </p:cTn>
+                                        <p:tgtEl>
+                                          <p:spTgt spid="3">
+                                            <p:txEl>
+                                              <p:pRg st="2" end="2"/>
+                                            </p:txEl>
+                                          </p:spTgt>
+                                        </p:tgtEl>
+                                        <p:attrNameLst>
+                                          <p:attrName>style.visibility</p:attrName>
+                                        </p:attrNameLst>
+                                      </p:cBhvr>
+                                      <p:to>
+                                        <p:strVal val="visible"/>
+                                      </p:to>
+                                    </p:set>
+                                    <p:animEffect transition="in" filter="fade">
+                                      <p:cBhvr>
+                                        <p:cTn id="15" dur="500"/>
+                                        <p:tgtEl>
+                                          <p:spTgt spid="3">
+                                            <p:txEl>
+                                              <p:pRg st="2" end="2"/>
+                                            </p:txEl>
+                                          </p:spTgt>
+                                        </p:tgtEl>
+                                      </p:cBhvr>
+                                    </p:animEffect>
+                                  </p:childTnLst>
+                                </p:cTn>
+                              </p:par>
+                            </p:childTnLst>
+                          </p:cTn>
+                        </p:par>
+                      </p:childTnLst>
+                    </p:cTn>
+                  </p:par>
+                  <p:par>
+                    <p:cTn id="16" fill="hold">
+                      <p:stCondLst>
+                        <p:cond delay="indefinite"/>
+                      </p:stCondLst>
+                      <p:childTnLst>
+                        <p:par>
+                          <p:cTn id="17" fill="hold">
+                            <p:stCondLst>
+                              <p:cond delay="0"/>
+                            </p:stCondLst>
+                            <p:childTnLst>
+                              <p:par>
+                                <p:cTn id="18" presetID="10" presetClass="entr" presetSubtype="0" fill="hold" grpId="0" nodeType="clickEffect">
+                                  <p:stCondLst>
+                                    <p:cond delay="0"/>
+                                  </p:stCondLst>
+                                  <p:childTnLst>
+                                    <p:set>
+                                      <p:cBhvr>
+                                        <p:cTn id="19" dur="1" fill="hold">
+                                          <p:stCondLst>
+                                            <p:cond delay="0"/>
+                                          </p:stCondLst>
+                                        </p:cTn>
+                                        <p:tgtEl>
+                                          <p:spTgt spid="3">
+                                            <p:txEl>
+                                              <p:pRg st="3" end="3"/>
+                                            </p:txEl>
+                                          </p:spTgt>
+                                        </p:tgtEl>
+                                        <p:attrNameLst>
+                                          <p:attrName>style.visibility</p:attrName>
+                                        </p:attrNameLst>
+                                      </p:cBhvr>
+                                      <p:to>
+                                        <p:strVal val="visible"/>
+                                      </p:to>
+                                    </p:set>
+                                    <p:animEffect transition="in" filter="fade">
+                                      <p:cBhvr>
+                                        <p:cTn id="20" dur="500"/>
+                                        <p:tgtEl>
+                                          <p:spTgt spid="3">
+                                            <p:txEl>
+                                              <p:pRg st="3" end="3"/>
+                                            </p:txEl>
+                                          </p:spTgt>
+                                        </p:tgtEl>
+                                      </p:cBhvr>
+                                    </p:animEffect>
+                                  </p:childTnLst>
+                                </p:cTn>
+                              </p:par>
+                              <p:par>
+                                <p:cTn id="21" presetID="10" presetClass="entr" presetSubtype="0" fill="hold" grpId="0" nodeType="withEffect">
+                                  <p:stCondLst>
+                                    <p:cond delay="0"/>
+                                  </p:stCondLst>
+                                  <p:childTnLst>
+                                    <p:set>
+                                      <p:cBhvr>
+                                        <p:cTn id="22" dur="1" fill="hold">
+                                          <p:stCondLst>
+                                            <p:cond delay="0"/>
+                                          </p:stCondLst>
+                                        </p:cTn>
+                                        <p:tgtEl>
+                                          <p:spTgt spid="3">
+                                            <p:txEl>
+                                              <p:pRg st="4" end="4"/>
+                                            </p:txEl>
+                                          </p:spTgt>
+                                        </p:tgtEl>
+                                        <p:attrNameLst>
+                                          <p:attrName>style.visibility</p:attrName>
+                                        </p:attrNameLst>
+                                      </p:cBhvr>
+                                      <p:to>
+                                        <p:strVal val="visible"/>
+                                      </p:to>
+                                    </p:set>
+                                    <p:animEffect transition="in" filter="fade">
+                                      <p:cBhvr>
+                                        <p:cTn id="23" dur="500"/>
+                                        <p:tgtEl>
+                                          <p:spTgt spid="3">
+                                            <p:txEl>
+                                              <p:pRg st="4" end="4"/>
+                                            </p:txEl>
+                                          </p:spTgt>
+                                        </p:tgtEl>
+                                      </p:cBhvr>
+                                    </p:animEffect>
+                                  </p:childTnLst>
+                                </p:cTn>
+                              </p:par>
+                            </p:childTnLst>
+                          </p:cTn>
+                        </p:par>
+                      </p:childTnLst>
+                    </p:cTn>
+                  </p:par>
+                </p:childTnLst>
+              </p:cTn>
+              <p:prevCondLst>
+                <p:cond evt="onPrev" delay="0">
+                  <p:tgtEl>
+                    <p:sldTgt/>
+                  </p:tgtEl>
+                </p:cond>
+              </p:prevCondLst>
+              <p:nextCondLst>
+                <p:cond evt="onNext" delay="0">
+                  <p:tgtEl>
+                    <p:sldTgt/>
+                  </p:tgtEl>
+                </p:cond>
+              </p:nextCondLst>
+            </p:seq>
+          </p:childTnLst>
+        </p:cTn>
       </p:par>
     </p:tnLst>
+    <p:bldLst>
+      <p:bldP spid="3" grpId="0" build="p"/>
+    </p:bldLst>
   </p:timing>
 </p:sld>
 </file>
@@ -8738,9 +10999,200 @@
   <p:timing>
     <p:tnLst>
       <p:par>
-        <p:cTn id="1" dur="indefinite" restart="never" nodeType="tmRoot"/>
+        <p:cTn id="1" dur="indefinite" restart="never" nodeType="tmRoot">
+          <p:childTnLst>
+            <p:seq concurrent="1" nextAc="seek">
+              <p:cTn id="2" dur="indefinite" nodeType="mainSeq">
+                <p:childTnLst>
+                  <p:par>
+                    <p:cTn id="3" fill="hold">
+                      <p:stCondLst>
+                        <p:cond delay="indefinite"/>
+                      </p:stCondLst>
+                      <p:childTnLst>
+                        <p:par>
+                          <p:cTn id="4" fill="hold">
+                            <p:stCondLst>
+                              <p:cond delay="0"/>
+                            </p:stCondLst>
+                            <p:childTnLst>
+                              <p:par>
+                                <p:cTn id="5" presetID="10" presetClass="entr" presetSubtype="0" fill="hold" grpId="0" nodeType="clickEffect">
+                                  <p:stCondLst>
+                                    <p:cond delay="0"/>
+                                  </p:stCondLst>
+                                  <p:childTnLst>
+                                    <p:set>
+                                      <p:cBhvr>
+                                        <p:cTn id="6" dur="1" fill="hold">
+                                          <p:stCondLst>
+                                            <p:cond delay="0"/>
+                                          </p:stCondLst>
+                                        </p:cTn>
+                                        <p:tgtEl>
+                                          <p:spTgt spid="3">
+                                            <p:txEl>
+                                              <p:pRg st="0" end="0"/>
+                                            </p:txEl>
+                                          </p:spTgt>
+                                        </p:tgtEl>
+                                        <p:attrNameLst>
+                                          <p:attrName>style.visibility</p:attrName>
+                                        </p:attrNameLst>
+                                      </p:cBhvr>
+                                      <p:to>
+                                        <p:strVal val="visible"/>
+                                      </p:to>
+                                    </p:set>
+                                    <p:animEffect transition="in" filter="fade">
+                                      <p:cBhvr>
+                                        <p:cTn id="7" dur="500"/>
+                                        <p:tgtEl>
+                                          <p:spTgt spid="3">
+                                            <p:txEl>
+                                              <p:pRg st="0" end="0"/>
+                                            </p:txEl>
+                                          </p:spTgt>
+                                        </p:tgtEl>
+                                      </p:cBhvr>
+                                    </p:animEffect>
+                                  </p:childTnLst>
+                                </p:cTn>
+                              </p:par>
+                            </p:childTnLst>
+                          </p:cTn>
+                        </p:par>
+                      </p:childTnLst>
+                    </p:cTn>
+                  </p:par>
+                  <p:par>
+                    <p:cTn id="8" fill="hold">
+                      <p:stCondLst>
+                        <p:cond delay="indefinite"/>
+                      </p:stCondLst>
+                      <p:childTnLst>
+                        <p:par>
+                          <p:cTn id="9" fill="hold">
+                            <p:stCondLst>
+                              <p:cond delay="0"/>
+                            </p:stCondLst>
+                            <p:childTnLst>
+                              <p:par>
+                                <p:cTn id="10" presetID="10" presetClass="entr" presetSubtype="0" fill="hold" grpId="0" nodeType="clickEffect">
+                                  <p:stCondLst>
+                                    <p:cond delay="0"/>
+                                  </p:stCondLst>
+                                  <p:childTnLst>
+                                    <p:set>
+                                      <p:cBhvr>
+                                        <p:cTn id="11" dur="1" fill="hold">
+                                          <p:stCondLst>
+                                            <p:cond delay="0"/>
+                                          </p:stCondLst>
+                                        </p:cTn>
+                                        <p:tgtEl>
+                                          <p:spTgt spid="3">
+                                            <p:txEl>
+                                              <p:pRg st="1" end="1"/>
+                                            </p:txEl>
+                                          </p:spTgt>
+                                        </p:tgtEl>
+                                        <p:attrNameLst>
+                                          <p:attrName>style.visibility</p:attrName>
+                                        </p:attrNameLst>
+                                      </p:cBhvr>
+                                      <p:to>
+                                        <p:strVal val="visible"/>
+                                      </p:to>
+                                    </p:set>
+                                    <p:animEffect transition="in" filter="fade">
+                                      <p:cBhvr>
+                                        <p:cTn id="12" dur="500"/>
+                                        <p:tgtEl>
+                                          <p:spTgt spid="3">
+                                            <p:txEl>
+                                              <p:pRg st="1" end="1"/>
+                                            </p:txEl>
+                                          </p:spTgt>
+                                        </p:tgtEl>
+                                      </p:cBhvr>
+                                    </p:animEffect>
+                                  </p:childTnLst>
+                                </p:cTn>
+                              </p:par>
+                              <p:par>
+                                <p:cTn id="13" presetID="10" presetClass="entr" presetSubtype="0" fill="hold" grpId="0" nodeType="withEffect">
+                                  <p:stCondLst>
+                                    <p:cond delay="0"/>
+                                  </p:stCondLst>
+                                  <p:childTnLst>
+                                    <p:set>
+                                      <p:cBhvr>
+                                        <p:cTn id="14" dur="1" fill="hold">
+                                          <p:stCondLst>
+                                            <p:cond delay="0"/>
+                                          </p:stCondLst>
+                                        </p:cTn>
+                                        <p:tgtEl>
+                                          <p:spTgt spid="3">
+                                            <p:txEl>
+                                              <p:pRg st="2" end="2"/>
+                                            </p:txEl>
+                                          </p:spTgt>
+                                        </p:tgtEl>
+                                        <p:attrNameLst>
+                                          <p:attrName>style.visibility</p:attrName>
+                                        </p:attrNameLst>
+                                      </p:cBhvr>
+                                      <p:to>
+                                        <p:strVal val="visible"/>
+                                      </p:to>
+                                    </p:set>
+                                    <p:animEffect transition="in" filter="fade">
+                                      <p:cBhvr>
+                                        <p:cTn id="15" dur="500"/>
+                                        <p:tgtEl>
+                                          <p:spTgt spid="3">
+                                            <p:txEl>
+                                              <p:pRg st="2" end="2"/>
+                                            </p:txEl>
+                                          </p:spTgt>
+                                        </p:tgtEl>
+                                      </p:cBhvr>
+                                    </p:animEffect>
+                                  </p:childTnLst>
+                                </p:cTn>
+                              </p:par>
+                            </p:childTnLst>
+                          </p:cTn>
+                        </p:par>
+                      </p:childTnLst>
+                    </p:cTn>
+                  </p:par>
+                </p:childTnLst>
+              </p:cTn>
+              <p:prevCondLst>
+                <p:cond evt="onPrev" delay="0">
+                  <p:tgtEl>
+                    <p:sldTgt/>
+                  </p:tgtEl>
+                </p:cond>
+              </p:prevCondLst>
+              <p:nextCondLst>
+                <p:cond evt="onNext" delay="0">
+                  <p:tgtEl>
+                    <p:sldTgt/>
+                  </p:tgtEl>
+                </p:cond>
+              </p:nextCondLst>
+            </p:seq>
+          </p:childTnLst>
+        </p:cTn>
       </p:par>
     </p:tnLst>
+    <p:bldLst>
+      <p:bldP spid="3" grpId="0" build="p"/>
+    </p:bldLst>
   </p:timing>
 </p:sld>
 </file>
@@ -8833,9 +11285,157 @@
   <p:timing>
     <p:tnLst>
       <p:par>
-        <p:cTn id="1" dur="indefinite" restart="never" nodeType="tmRoot"/>
+        <p:cTn id="1" dur="indefinite" restart="never" nodeType="tmRoot">
+          <p:childTnLst>
+            <p:seq concurrent="1" nextAc="seek">
+              <p:cTn id="2" dur="indefinite" nodeType="mainSeq">
+                <p:childTnLst>
+                  <p:par>
+                    <p:cTn id="3" fill="hold">
+                      <p:stCondLst>
+                        <p:cond delay="indefinite"/>
+                      </p:stCondLst>
+                      <p:childTnLst>
+                        <p:par>
+                          <p:cTn id="4" fill="hold">
+                            <p:stCondLst>
+                              <p:cond delay="0"/>
+                            </p:stCondLst>
+                            <p:childTnLst>
+                              <p:par>
+                                <p:cTn id="5" presetID="10" presetClass="entr" presetSubtype="0" fill="hold" grpId="0" nodeType="clickEffect">
+                                  <p:stCondLst>
+                                    <p:cond delay="0"/>
+                                  </p:stCondLst>
+                                  <p:childTnLst>
+                                    <p:set>
+                                      <p:cBhvr>
+                                        <p:cTn id="6" dur="1" fill="hold">
+                                          <p:stCondLst>
+                                            <p:cond delay="0"/>
+                                          </p:stCondLst>
+                                        </p:cTn>
+                                        <p:tgtEl>
+                                          <p:spTgt spid="3">
+                                            <p:txEl>
+                                              <p:pRg st="0" end="0"/>
+                                            </p:txEl>
+                                          </p:spTgt>
+                                        </p:tgtEl>
+                                        <p:attrNameLst>
+                                          <p:attrName>style.visibility</p:attrName>
+                                        </p:attrNameLst>
+                                      </p:cBhvr>
+                                      <p:to>
+                                        <p:strVal val="visible"/>
+                                      </p:to>
+                                    </p:set>
+                                    <p:animEffect transition="in" filter="fade">
+                                      <p:cBhvr>
+                                        <p:cTn id="7" dur="500"/>
+                                        <p:tgtEl>
+                                          <p:spTgt spid="3">
+                                            <p:txEl>
+                                              <p:pRg st="0" end="0"/>
+                                            </p:txEl>
+                                          </p:spTgt>
+                                        </p:tgtEl>
+                                      </p:cBhvr>
+                                    </p:animEffect>
+                                  </p:childTnLst>
+                                </p:cTn>
+                              </p:par>
+                            </p:childTnLst>
+                          </p:cTn>
+                        </p:par>
+                      </p:childTnLst>
+                    </p:cTn>
+                  </p:par>
+                  <p:par>
+                    <p:cTn id="8" fill="hold">
+                      <p:stCondLst>
+                        <p:cond delay="indefinite"/>
+                      </p:stCondLst>
+                      <p:childTnLst>
+                        <p:par>
+                          <p:cTn id="9" fill="hold">
+                            <p:stCondLst>
+                              <p:cond delay="0"/>
+                            </p:stCondLst>
+                            <p:childTnLst>
+                              <p:par>
+                                <p:cTn id="10" presetID="10" presetClass="entr" presetSubtype="0" fill="hold" grpId="0" nodeType="clickEffect">
+                                  <p:stCondLst>
+                                    <p:cond delay="0"/>
+                                  </p:stCondLst>
+                                  <p:childTnLst>
+                                    <p:set>
+                                      <p:cBhvr>
+                                        <p:cTn id="11" dur="1" fill="hold">
+                                          <p:stCondLst>
+                                            <p:cond delay="0"/>
+                                          </p:stCondLst>
+                                        </p:cTn>
+                                        <p:tgtEl>
+                                          <p:spTgt spid="3">
+                                            <p:txEl>
+                                              <p:pRg st="1" end="1"/>
+                                            </p:txEl>
+                                          </p:spTgt>
+                                        </p:tgtEl>
+                                        <p:attrNameLst>
+                                          <p:attrName>style.visibility</p:attrName>
+                                        </p:attrNameLst>
+                                      </p:cBhvr>
+                                      <p:to>
+                                        <p:strVal val="visible"/>
+                                      </p:to>
+                                    </p:set>
+                                    <p:animEffect transition="in" filter="fade">
+                                      <p:cBhvr>
+                                        <p:cTn id="12" dur="500"/>
+                                        <p:tgtEl>
+                                          <p:spTgt spid="3">
+                                            <p:txEl>
+                                              <p:pRg st="1" end="1"/>
+                                            </p:txEl>
+                                          </p:spTgt>
+                                        </p:tgtEl>
+                                      </p:cBhvr>
+                                    </p:animEffect>
+                                  </p:childTnLst>
+                                </p:cTn>
+                              </p:par>
+                            </p:childTnLst>
+                          </p:cTn>
+                        </p:par>
+                      </p:childTnLst>
+                    </p:cTn>
+                  </p:par>
+                </p:childTnLst>
+              </p:cTn>
+              <p:prevCondLst>
+                <p:cond evt="onPrev" delay="0">
+                  <p:tgtEl>
+                    <p:sldTgt/>
+                  </p:tgtEl>
+                </p:cond>
+              </p:prevCondLst>
+              <p:nextCondLst>
+                <p:cond evt="onNext" delay="0">
+                  <p:tgtEl>
+                    <p:sldTgt/>
+                  </p:tgtEl>
+                </p:cond>
+              </p:nextCondLst>
+            </p:seq>
+          </p:childTnLst>
+        </p:cTn>
       </p:par>
     </p:tnLst>
+    <p:bldLst>
+      <p:bldP spid="3" grpId="0" build="p"/>
+    </p:bldLst>
   </p:timing>
 </p:sld>
 </file>
@@ -8968,9 +11568,329 @@
   <p:timing>
     <p:tnLst>
       <p:par>
-        <p:cTn id="1" dur="indefinite" restart="never" nodeType="tmRoot"/>
+        <p:cTn id="1" dur="indefinite" restart="never" nodeType="tmRoot">
+          <p:childTnLst>
+            <p:seq concurrent="1" nextAc="seek">
+              <p:cTn id="2" dur="indefinite" nodeType="mainSeq">
+                <p:childTnLst>
+                  <p:par>
+                    <p:cTn id="3" fill="hold">
+                      <p:stCondLst>
+                        <p:cond delay="indefinite"/>
+                      </p:stCondLst>
+                      <p:childTnLst>
+                        <p:par>
+                          <p:cTn id="4" fill="hold">
+                            <p:stCondLst>
+                              <p:cond delay="0"/>
+                            </p:stCondLst>
+                            <p:childTnLst>
+                              <p:par>
+                                <p:cTn id="5" presetID="10" presetClass="entr" presetSubtype="0" fill="hold" grpId="0" nodeType="clickEffect">
+                                  <p:stCondLst>
+                                    <p:cond delay="0"/>
+                                  </p:stCondLst>
+                                  <p:childTnLst>
+                                    <p:set>
+                                      <p:cBhvr>
+                                        <p:cTn id="6" dur="1" fill="hold">
+                                          <p:stCondLst>
+                                            <p:cond delay="0"/>
+                                          </p:stCondLst>
+                                        </p:cTn>
+                                        <p:tgtEl>
+                                          <p:spTgt spid="3">
+                                            <p:txEl>
+                                              <p:pRg st="0" end="0"/>
+                                            </p:txEl>
+                                          </p:spTgt>
+                                        </p:tgtEl>
+                                        <p:attrNameLst>
+                                          <p:attrName>style.visibility</p:attrName>
+                                        </p:attrNameLst>
+                                      </p:cBhvr>
+                                      <p:to>
+                                        <p:strVal val="visible"/>
+                                      </p:to>
+                                    </p:set>
+                                    <p:animEffect transition="in" filter="fade">
+                                      <p:cBhvr>
+                                        <p:cTn id="7" dur="500"/>
+                                        <p:tgtEl>
+                                          <p:spTgt spid="3">
+                                            <p:txEl>
+                                              <p:pRg st="0" end="0"/>
+                                            </p:txEl>
+                                          </p:spTgt>
+                                        </p:tgtEl>
+                                      </p:cBhvr>
+                                    </p:animEffect>
+                                  </p:childTnLst>
+                                </p:cTn>
+                              </p:par>
+                              <p:par>
+                                <p:cTn id="8" presetID="10" presetClass="entr" presetSubtype="0" fill="hold" grpId="0" nodeType="withEffect">
+                                  <p:stCondLst>
+                                    <p:cond delay="0"/>
+                                  </p:stCondLst>
+                                  <p:childTnLst>
+                                    <p:set>
+                                      <p:cBhvr>
+                                        <p:cTn id="9" dur="1" fill="hold">
+                                          <p:stCondLst>
+                                            <p:cond delay="0"/>
+                                          </p:stCondLst>
+                                        </p:cTn>
+                                        <p:tgtEl>
+                                          <p:spTgt spid="3">
+                                            <p:txEl>
+                                              <p:pRg st="1" end="1"/>
+                                            </p:txEl>
+                                          </p:spTgt>
+                                        </p:tgtEl>
+                                        <p:attrNameLst>
+                                          <p:attrName>style.visibility</p:attrName>
+                                        </p:attrNameLst>
+                                      </p:cBhvr>
+                                      <p:to>
+                                        <p:strVal val="visible"/>
+                                      </p:to>
+                                    </p:set>
+                                    <p:animEffect transition="in" filter="fade">
+                                      <p:cBhvr>
+                                        <p:cTn id="10" dur="500"/>
+                                        <p:tgtEl>
+                                          <p:spTgt spid="3">
+                                            <p:txEl>
+                                              <p:pRg st="1" end="1"/>
+                                            </p:txEl>
+                                          </p:spTgt>
+                                        </p:tgtEl>
+                                      </p:cBhvr>
+                                    </p:animEffect>
+                                  </p:childTnLst>
+                                </p:cTn>
+                              </p:par>
+                              <p:par>
+                                <p:cTn id="11" presetID="10" presetClass="entr" presetSubtype="0" fill="hold" grpId="0" nodeType="withEffect">
+                                  <p:stCondLst>
+                                    <p:cond delay="0"/>
+                                  </p:stCondLst>
+                                  <p:childTnLst>
+                                    <p:set>
+                                      <p:cBhvr>
+                                        <p:cTn id="12" dur="1" fill="hold">
+                                          <p:stCondLst>
+                                            <p:cond delay="0"/>
+                                          </p:stCondLst>
+                                        </p:cTn>
+                                        <p:tgtEl>
+                                          <p:spTgt spid="3">
+                                            <p:txEl>
+                                              <p:pRg st="2" end="2"/>
+                                            </p:txEl>
+                                          </p:spTgt>
+                                        </p:tgtEl>
+                                        <p:attrNameLst>
+                                          <p:attrName>style.visibility</p:attrName>
+                                        </p:attrNameLst>
+                                      </p:cBhvr>
+                                      <p:to>
+                                        <p:strVal val="visible"/>
+                                      </p:to>
+                                    </p:set>
+                                    <p:animEffect transition="in" filter="fade">
+                                      <p:cBhvr>
+                                        <p:cTn id="13" dur="500"/>
+                                        <p:tgtEl>
+                                          <p:spTgt spid="3">
+                                            <p:txEl>
+                                              <p:pRg st="2" end="2"/>
+                                            </p:txEl>
+                                          </p:spTgt>
+                                        </p:tgtEl>
+                                      </p:cBhvr>
+                                    </p:animEffect>
+                                  </p:childTnLst>
+                                </p:cTn>
+                              </p:par>
+                            </p:childTnLst>
+                          </p:cTn>
+                        </p:par>
+                      </p:childTnLst>
+                    </p:cTn>
+                  </p:par>
+                  <p:par>
+                    <p:cTn id="14" fill="hold">
+                      <p:stCondLst>
+                        <p:cond delay="indefinite"/>
+                      </p:stCondLst>
+                      <p:childTnLst>
+                        <p:par>
+                          <p:cTn id="15" fill="hold">
+                            <p:stCondLst>
+                              <p:cond delay="0"/>
+                            </p:stCondLst>
+                            <p:childTnLst>
+                              <p:par>
+                                <p:cTn id="16" presetID="10" presetClass="entr" presetSubtype="0" fill="hold" grpId="0" nodeType="clickEffect">
+                                  <p:stCondLst>
+                                    <p:cond delay="0"/>
+                                  </p:stCondLst>
+                                  <p:childTnLst>
+                                    <p:set>
+                                      <p:cBhvr>
+                                        <p:cTn id="17" dur="1" fill="hold">
+                                          <p:stCondLst>
+                                            <p:cond delay="0"/>
+                                          </p:stCondLst>
+                                        </p:cTn>
+                                        <p:tgtEl>
+                                          <p:spTgt spid="3">
+                                            <p:txEl>
+                                              <p:pRg st="3" end="3"/>
+                                            </p:txEl>
+                                          </p:spTgt>
+                                        </p:tgtEl>
+                                        <p:attrNameLst>
+                                          <p:attrName>style.visibility</p:attrName>
+                                        </p:attrNameLst>
+                                      </p:cBhvr>
+                                      <p:to>
+                                        <p:strVal val="visible"/>
+                                      </p:to>
+                                    </p:set>
+                                    <p:animEffect transition="in" filter="fade">
+                                      <p:cBhvr>
+                                        <p:cTn id="18" dur="500"/>
+                                        <p:tgtEl>
+                                          <p:spTgt spid="3">
+                                            <p:txEl>
+                                              <p:pRg st="3" end="3"/>
+                                            </p:txEl>
+                                          </p:spTgt>
+                                        </p:tgtEl>
+                                      </p:cBhvr>
+                                    </p:animEffect>
+                                  </p:childTnLst>
+                                </p:cTn>
+                              </p:par>
+                              <p:par>
+                                <p:cTn id="19" presetID="10" presetClass="entr" presetSubtype="0" fill="hold" grpId="0" nodeType="withEffect">
+                                  <p:stCondLst>
+                                    <p:cond delay="0"/>
+                                  </p:stCondLst>
+                                  <p:childTnLst>
+                                    <p:set>
+                                      <p:cBhvr>
+                                        <p:cTn id="20" dur="1" fill="hold">
+                                          <p:stCondLst>
+                                            <p:cond delay="0"/>
+                                          </p:stCondLst>
+                                        </p:cTn>
+                                        <p:tgtEl>
+                                          <p:spTgt spid="3">
+                                            <p:txEl>
+                                              <p:pRg st="4" end="4"/>
+                                            </p:txEl>
+                                          </p:spTgt>
+                                        </p:tgtEl>
+                                        <p:attrNameLst>
+                                          <p:attrName>style.visibility</p:attrName>
+                                        </p:attrNameLst>
+                                      </p:cBhvr>
+                                      <p:to>
+                                        <p:strVal val="visible"/>
+                                      </p:to>
+                                    </p:set>
+                                    <p:animEffect transition="in" filter="fade">
+                                      <p:cBhvr>
+                                        <p:cTn id="21" dur="500"/>
+                                        <p:tgtEl>
+                                          <p:spTgt spid="3">
+                                            <p:txEl>
+                                              <p:pRg st="4" end="4"/>
+                                            </p:txEl>
+                                          </p:spTgt>
+                                        </p:tgtEl>
+                                      </p:cBhvr>
+                                    </p:animEffect>
+                                  </p:childTnLst>
+                                </p:cTn>
+                              </p:par>
+                              <p:par>
+                                <p:cTn id="22" presetID="10" presetClass="entr" presetSubtype="0" fill="hold" grpId="0" nodeType="withEffect">
+                                  <p:stCondLst>
+                                    <p:cond delay="0"/>
+                                  </p:stCondLst>
+                                  <p:childTnLst>
+                                    <p:set>
+                                      <p:cBhvr>
+                                        <p:cTn id="23" dur="1" fill="hold">
+                                          <p:stCondLst>
+                                            <p:cond delay="0"/>
+                                          </p:stCondLst>
+                                        </p:cTn>
+                                        <p:tgtEl>
+                                          <p:spTgt spid="3">
+                                            <p:txEl>
+                                              <p:pRg st="5" end="5"/>
+                                            </p:txEl>
+                                          </p:spTgt>
+                                        </p:tgtEl>
+                                        <p:attrNameLst>
+                                          <p:attrName>style.visibility</p:attrName>
+                                        </p:attrNameLst>
+                                      </p:cBhvr>
+                                      <p:to>
+                                        <p:strVal val="visible"/>
+                                      </p:to>
+                                    </p:set>
+                                    <p:animEffect transition="in" filter="fade">
+                                      <p:cBhvr>
+                                        <p:cTn id="24" dur="500"/>
+                                        <p:tgtEl>
+                                          <p:spTgt spid="3">
+                                            <p:txEl>
+                                              <p:pRg st="5" end="5"/>
+                                            </p:txEl>
+                                          </p:spTgt>
+                                        </p:tgtEl>
+                                      </p:cBhvr>
+                                    </p:animEffect>
+                                  </p:childTnLst>
+                                </p:cTn>
+                              </p:par>
+                            </p:childTnLst>
+                          </p:cTn>
+                        </p:par>
+                      </p:childTnLst>
+                    </p:cTn>
+                  </p:par>
+                </p:childTnLst>
+              </p:cTn>
+              <p:prevCondLst>
+                <p:cond evt="onPrev" delay="0">
+                  <p:tgtEl>
+                    <p:sldTgt/>
+                  </p:tgtEl>
+                </p:cond>
+              </p:prevCondLst>
+              <p:nextCondLst>
+                <p:cond evt="onNext" delay="0">
+                  <p:tgtEl>
+                    <p:sldTgt/>
+                  </p:tgtEl>
+                </p:cond>
+              </p:nextCondLst>
+            </p:seq>
+          </p:childTnLst>
+        </p:cTn>
       </p:par>
     </p:tnLst>
+    <p:bldLst>
+      <p:bldP spid="3" grpId="0" build="p"/>
+    </p:bldLst>
   </p:timing>
 </p:sld>
 </file>
@@ -9223,9 +12143,243 @@
   <p:timing>
     <p:tnLst>
       <p:par>
-        <p:cTn id="1" dur="indefinite" restart="never" nodeType="tmRoot"/>
+        <p:cTn id="1" dur="indefinite" restart="never" nodeType="tmRoot">
+          <p:childTnLst>
+            <p:seq concurrent="1" nextAc="seek">
+              <p:cTn id="2" dur="indefinite" nodeType="mainSeq">
+                <p:childTnLst>
+                  <p:par>
+                    <p:cTn id="3" fill="hold">
+                      <p:stCondLst>
+                        <p:cond delay="indefinite"/>
+                      </p:stCondLst>
+                      <p:childTnLst>
+                        <p:par>
+                          <p:cTn id="4" fill="hold">
+                            <p:stCondLst>
+                              <p:cond delay="0"/>
+                            </p:stCondLst>
+                            <p:childTnLst>
+                              <p:par>
+                                <p:cTn id="5" presetID="10" presetClass="entr" presetSubtype="0" fill="hold" grpId="0" nodeType="clickEffect">
+                                  <p:stCondLst>
+                                    <p:cond delay="0"/>
+                                  </p:stCondLst>
+                                  <p:childTnLst>
+                                    <p:set>
+                                      <p:cBhvr>
+                                        <p:cTn id="6" dur="1" fill="hold">
+                                          <p:stCondLst>
+                                            <p:cond delay="0"/>
+                                          </p:stCondLst>
+                                        </p:cTn>
+                                        <p:tgtEl>
+                                          <p:spTgt spid="3">
+                                            <p:txEl>
+                                              <p:pRg st="0" end="0"/>
+                                            </p:txEl>
+                                          </p:spTgt>
+                                        </p:tgtEl>
+                                        <p:attrNameLst>
+                                          <p:attrName>style.visibility</p:attrName>
+                                        </p:attrNameLst>
+                                      </p:cBhvr>
+                                      <p:to>
+                                        <p:strVal val="visible"/>
+                                      </p:to>
+                                    </p:set>
+                                    <p:animEffect transition="in" filter="fade">
+                                      <p:cBhvr>
+                                        <p:cTn id="7" dur="500"/>
+                                        <p:tgtEl>
+                                          <p:spTgt spid="3">
+                                            <p:txEl>
+                                              <p:pRg st="0" end="0"/>
+                                            </p:txEl>
+                                          </p:spTgt>
+                                        </p:tgtEl>
+                                      </p:cBhvr>
+                                    </p:animEffect>
+                                  </p:childTnLst>
+                                </p:cTn>
+                              </p:par>
+                              <p:par>
+                                <p:cTn id="8" presetID="10" presetClass="entr" presetSubtype="0" fill="hold" grpId="0" nodeType="withEffect">
+                                  <p:stCondLst>
+                                    <p:cond delay="0"/>
+                                  </p:stCondLst>
+                                  <p:childTnLst>
+                                    <p:set>
+                                      <p:cBhvr>
+                                        <p:cTn id="9" dur="1" fill="hold">
+                                          <p:stCondLst>
+                                            <p:cond delay="0"/>
+                                          </p:stCondLst>
+                                        </p:cTn>
+                                        <p:tgtEl>
+                                          <p:spTgt spid="3">
+                                            <p:txEl>
+                                              <p:pRg st="1" end="1"/>
+                                            </p:txEl>
+                                          </p:spTgt>
+                                        </p:tgtEl>
+                                        <p:attrNameLst>
+                                          <p:attrName>style.visibility</p:attrName>
+                                        </p:attrNameLst>
+                                      </p:cBhvr>
+                                      <p:to>
+                                        <p:strVal val="visible"/>
+                                      </p:to>
+                                    </p:set>
+                                    <p:animEffect transition="in" filter="fade">
+                                      <p:cBhvr>
+                                        <p:cTn id="10" dur="500"/>
+                                        <p:tgtEl>
+                                          <p:spTgt spid="3">
+                                            <p:txEl>
+                                              <p:pRg st="1" end="1"/>
+                                            </p:txEl>
+                                          </p:spTgt>
+                                        </p:tgtEl>
+                                      </p:cBhvr>
+                                    </p:animEffect>
+                                  </p:childTnLst>
+                                </p:cTn>
+                              </p:par>
+                            </p:childTnLst>
+                          </p:cTn>
+                        </p:par>
+                      </p:childTnLst>
+                    </p:cTn>
+                  </p:par>
+                  <p:par>
+                    <p:cTn id="11" fill="hold">
+                      <p:stCondLst>
+                        <p:cond delay="indefinite"/>
+                      </p:stCondLst>
+                      <p:childTnLst>
+                        <p:par>
+                          <p:cTn id="12" fill="hold">
+                            <p:stCondLst>
+                              <p:cond delay="0"/>
+                            </p:stCondLst>
+                            <p:childTnLst>
+                              <p:par>
+                                <p:cTn id="13" presetID="10" presetClass="entr" presetSubtype="0" fill="hold" grpId="0" nodeType="clickEffect">
+                                  <p:stCondLst>
+                                    <p:cond delay="0"/>
+                                  </p:stCondLst>
+                                  <p:childTnLst>
+                                    <p:set>
+                                      <p:cBhvr>
+                                        <p:cTn id="14" dur="1" fill="hold">
+                                          <p:stCondLst>
+                                            <p:cond delay="0"/>
+                                          </p:stCondLst>
+                                        </p:cTn>
+                                        <p:tgtEl>
+                                          <p:spTgt spid="3">
+                                            <p:txEl>
+                                              <p:pRg st="2" end="2"/>
+                                            </p:txEl>
+                                          </p:spTgt>
+                                        </p:tgtEl>
+                                        <p:attrNameLst>
+                                          <p:attrName>style.visibility</p:attrName>
+                                        </p:attrNameLst>
+                                      </p:cBhvr>
+                                      <p:to>
+                                        <p:strVal val="visible"/>
+                                      </p:to>
+                                    </p:set>
+                                    <p:animEffect transition="in" filter="fade">
+                                      <p:cBhvr>
+                                        <p:cTn id="15" dur="500"/>
+                                        <p:tgtEl>
+                                          <p:spTgt spid="3">
+                                            <p:txEl>
+                                              <p:pRg st="2" end="2"/>
+                                            </p:txEl>
+                                          </p:spTgt>
+                                        </p:tgtEl>
+                                      </p:cBhvr>
+                                    </p:animEffect>
+                                  </p:childTnLst>
+                                </p:cTn>
+                              </p:par>
+                              <p:par>
+                                <p:cTn id="16" presetID="10" presetClass="entr" presetSubtype="0" fill="hold" grpId="0" nodeType="withEffect">
+                                  <p:stCondLst>
+                                    <p:cond delay="0"/>
+                                  </p:stCondLst>
+                                  <p:childTnLst>
+                                    <p:set>
+                                      <p:cBhvr>
+                                        <p:cTn id="17" dur="1" fill="hold">
+                                          <p:stCondLst>
+                                            <p:cond delay="0"/>
+                                          </p:stCondLst>
+                                        </p:cTn>
+                                        <p:tgtEl>
+                                          <p:spTgt spid="3">
+                                            <p:txEl>
+                                              <p:pRg st="3" end="3"/>
+                                            </p:txEl>
+                                          </p:spTgt>
+                                        </p:tgtEl>
+                                        <p:attrNameLst>
+                                          <p:attrName>style.visibility</p:attrName>
+                                        </p:attrNameLst>
+                                      </p:cBhvr>
+                                      <p:to>
+                                        <p:strVal val="visible"/>
+                                      </p:to>
+                                    </p:set>
+                                    <p:animEffect transition="in" filter="fade">
+                                      <p:cBhvr>
+                                        <p:cTn id="18" dur="500"/>
+                                        <p:tgtEl>
+                                          <p:spTgt spid="3">
+                                            <p:txEl>
+                                              <p:pRg st="3" end="3"/>
+                                            </p:txEl>
+                                          </p:spTgt>
+                                        </p:tgtEl>
+                                      </p:cBhvr>
+                                    </p:animEffect>
+                                  </p:childTnLst>
+                                </p:cTn>
+                              </p:par>
+                            </p:childTnLst>
+                          </p:cTn>
+                        </p:par>
+                      </p:childTnLst>
+                    </p:cTn>
+                  </p:par>
+                </p:childTnLst>
+              </p:cTn>
+              <p:prevCondLst>
+                <p:cond evt="onPrev" delay="0">
+                  <p:tgtEl>
+                    <p:sldTgt/>
+                  </p:tgtEl>
+                </p:cond>
+              </p:prevCondLst>
+              <p:nextCondLst>
+                <p:cond evt="onNext" delay="0">
+                  <p:tgtEl>
+                    <p:sldTgt/>
+                  </p:tgtEl>
+                </p:cond>
+              </p:nextCondLst>
+            </p:seq>
+          </p:childTnLst>
+        </p:cTn>
       </p:par>
     </p:tnLst>
+    <p:bldLst>
+      <p:bldP spid="3" grpId="0" build="p"/>
+    </p:bldLst>
   </p:timing>
 </p:sld>
 </file>
@@ -9348,9 +12502,286 @@
   <p:timing>
     <p:tnLst>
       <p:par>
-        <p:cTn id="1" dur="indefinite" restart="never" nodeType="tmRoot"/>
+        <p:cTn id="1" dur="indefinite" restart="never" nodeType="tmRoot">
+          <p:childTnLst>
+            <p:seq concurrent="1" nextAc="seek">
+              <p:cTn id="2" dur="indefinite" nodeType="mainSeq">
+                <p:childTnLst>
+                  <p:par>
+                    <p:cTn id="3" fill="hold">
+                      <p:stCondLst>
+                        <p:cond delay="indefinite"/>
+                      </p:stCondLst>
+                      <p:childTnLst>
+                        <p:par>
+                          <p:cTn id="4" fill="hold">
+                            <p:stCondLst>
+                              <p:cond delay="0"/>
+                            </p:stCondLst>
+                            <p:childTnLst>
+                              <p:par>
+                                <p:cTn id="5" presetID="10" presetClass="entr" presetSubtype="0" fill="hold" grpId="0" nodeType="clickEffect">
+                                  <p:stCondLst>
+                                    <p:cond delay="0"/>
+                                  </p:stCondLst>
+                                  <p:childTnLst>
+                                    <p:set>
+                                      <p:cBhvr>
+                                        <p:cTn id="6" dur="1" fill="hold">
+                                          <p:stCondLst>
+                                            <p:cond delay="0"/>
+                                          </p:stCondLst>
+                                        </p:cTn>
+                                        <p:tgtEl>
+                                          <p:spTgt spid="3">
+                                            <p:txEl>
+                                              <p:pRg st="0" end="0"/>
+                                            </p:txEl>
+                                          </p:spTgt>
+                                        </p:tgtEl>
+                                        <p:attrNameLst>
+                                          <p:attrName>style.visibility</p:attrName>
+                                        </p:attrNameLst>
+                                      </p:cBhvr>
+                                      <p:to>
+                                        <p:strVal val="visible"/>
+                                      </p:to>
+                                    </p:set>
+                                    <p:animEffect transition="in" filter="fade">
+                                      <p:cBhvr>
+                                        <p:cTn id="7" dur="500"/>
+                                        <p:tgtEl>
+                                          <p:spTgt spid="3">
+                                            <p:txEl>
+                                              <p:pRg st="0" end="0"/>
+                                            </p:txEl>
+                                          </p:spTgt>
+                                        </p:tgtEl>
+                                      </p:cBhvr>
+                                    </p:animEffect>
+                                  </p:childTnLst>
+                                </p:cTn>
+                              </p:par>
+                              <p:par>
+                                <p:cTn id="8" presetID="10" presetClass="entr" presetSubtype="0" fill="hold" grpId="0" nodeType="withEffect">
+                                  <p:stCondLst>
+                                    <p:cond delay="0"/>
+                                  </p:stCondLst>
+                                  <p:childTnLst>
+                                    <p:set>
+                                      <p:cBhvr>
+                                        <p:cTn id="9" dur="1" fill="hold">
+                                          <p:stCondLst>
+                                            <p:cond delay="0"/>
+                                          </p:stCondLst>
+                                        </p:cTn>
+                                        <p:tgtEl>
+                                          <p:spTgt spid="3">
+                                            <p:txEl>
+                                              <p:pRg st="1" end="1"/>
+                                            </p:txEl>
+                                          </p:spTgt>
+                                        </p:tgtEl>
+                                        <p:attrNameLst>
+                                          <p:attrName>style.visibility</p:attrName>
+                                        </p:attrNameLst>
+                                      </p:cBhvr>
+                                      <p:to>
+                                        <p:strVal val="visible"/>
+                                      </p:to>
+                                    </p:set>
+                                    <p:animEffect transition="in" filter="fade">
+                                      <p:cBhvr>
+                                        <p:cTn id="10" dur="500"/>
+                                        <p:tgtEl>
+                                          <p:spTgt spid="3">
+                                            <p:txEl>
+                                              <p:pRg st="1" end="1"/>
+                                            </p:txEl>
+                                          </p:spTgt>
+                                        </p:tgtEl>
+                                      </p:cBhvr>
+                                    </p:animEffect>
+                                  </p:childTnLst>
+                                </p:cTn>
+                              </p:par>
+                            </p:childTnLst>
+                          </p:cTn>
+                        </p:par>
+                      </p:childTnLst>
+                    </p:cTn>
+                  </p:par>
+                  <p:par>
+                    <p:cTn id="11" fill="hold">
+                      <p:stCondLst>
+                        <p:cond delay="indefinite"/>
+                      </p:stCondLst>
+                      <p:childTnLst>
+                        <p:par>
+                          <p:cTn id="12" fill="hold">
+                            <p:stCondLst>
+                              <p:cond delay="0"/>
+                            </p:stCondLst>
+                            <p:childTnLst>
+                              <p:par>
+                                <p:cTn id="13" presetID="10" presetClass="entr" presetSubtype="0" fill="hold" grpId="0" nodeType="clickEffect">
+                                  <p:stCondLst>
+                                    <p:cond delay="0"/>
+                                  </p:stCondLst>
+                                  <p:childTnLst>
+                                    <p:set>
+                                      <p:cBhvr>
+                                        <p:cTn id="14" dur="1" fill="hold">
+                                          <p:stCondLst>
+                                            <p:cond delay="0"/>
+                                          </p:stCondLst>
+                                        </p:cTn>
+                                        <p:tgtEl>
+                                          <p:spTgt spid="3">
+                                            <p:txEl>
+                                              <p:pRg st="2" end="2"/>
+                                            </p:txEl>
+                                          </p:spTgt>
+                                        </p:tgtEl>
+                                        <p:attrNameLst>
+                                          <p:attrName>style.visibility</p:attrName>
+                                        </p:attrNameLst>
+                                      </p:cBhvr>
+                                      <p:to>
+                                        <p:strVal val="visible"/>
+                                      </p:to>
+                                    </p:set>
+                                    <p:animEffect transition="in" filter="fade">
+                                      <p:cBhvr>
+                                        <p:cTn id="15" dur="500"/>
+                                        <p:tgtEl>
+                                          <p:spTgt spid="3">
+                                            <p:txEl>
+                                              <p:pRg st="2" end="2"/>
+                                            </p:txEl>
+                                          </p:spTgt>
+                                        </p:tgtEl>
+                                      </p:cBhvr>
+                                    </p:animEffect>
+                                  </p:childTnLst>
+                                </p:cTn>
+                              </p:par>
+                              <p:par>
+                                <p:cTn id="16" presetID="10" presetClass="entr" presetSubtype="0" fill="hold" grpId="0" nodeType="withEffect">
+                                  <p:stCondLst>
+                                    <p:cond delay="0"/>
+                                  </p:stCondLst>
+                                  <p:childTnLst>
+                                    <p:set>
+                                      <p:cBhvr>
+                                        <p:cTn id="17" dur="1" fill="hold">
+                                          <p:stCondLst>
+                                            <p:cond delay="0"/>
+                                          </p:stCondLst>
+                                        </p:cTn>
+                                        <p:tgtEl>
+                                          <p:spTgt spid="3">
+                                            <p:txEl>
+                                              <p:pRg st="3" end="3"/>
+                                            </p:txEl>
+                                          </p:spTgt>
+                                        </p:tgtEl>
+                                        <p:attrNameLst>
+                                          <p:attrName>style.visibility</p:attrName>
+                                        </p:attrNameLst>
+                                      </p:cBhvr>
+                                      <p:to>
+                                        <p:strVal val="visible"/>
+                                      </p:to>
+                                    </p:set>
+                                    <p:animEffect transition="in" filter="fade">
+                                      <p:cBhvr>
+                                        <p:cTn id="18" dur="500"/>
+                                        <p:tgtEl>
+                                          <p:spTgt spid="3">
+                                            <p:txEl>
+                                              <p:pRg st="3" end="3"/>
+                                            </p:txEl>
+                                          </p:spTgt>
+                                        </p:tgtEl>
+                                      </p:cBhvr>
+                                    </p:animEffect>
+                                  </p:childTnLst>
+                                </p:cTn>
+                              </p:par>
+                              <p:par>
+                                <p:cTn id="19" presetID="10" presetClass="entr" presetSubtype="0" fill="hold" grpId="0" nodeType="withEffect">
+                                  <p:stCondLst>
+                                    <p:cond delay="0"/>
+                                  </p:stCondLst>
+                                  <p:childTnLst>
+                                    <p:set>
+                                      <p:cBhvr>
+                                        <p:cTn id="20" dur="1" fill="hold">
+                                          <p:stCondLst>
+                                            <p:cond delay="0"/>
+                                          </p:stCondLst>
+                                        </p:cTn>
+                                        <p:tgtEl>
+                                          <p:spTgt spid="3">
+                                            <p:txEl>
+                                              <p:pRg st="4" end="4"/>
+                                            </p:txEl>
+                                          </p:spTgt>
+                                        </p:tgtEl>
+                                        <p:attrNameLst>
+                                          <p:attrName>style.visibility</p:attrName>
+                                        </p:attrNameLst>
+                                      </p:cBhvr>
+                                      <p:to>
+                                        <p:strVal val="visible"/>
+                                      </p:to>
+                                    </p:set>
+                                    <p:animEffect transition="in" filter="fade">
+                                      <p:cBhvr>
+                                        <p:cTn id="21" dur="500"/>
+                                        <p:tgtEl>
+                                          <p:spTgt spid="3">
+                                            <p:txEl>
+                                              <p:pRg st="4" end="4"/>
+                                            </p:txEl>
+                                          </p:spTgt>
+                                        </p:tgtEl>
+                                      </p:cBhvr>
+                                    </p:animEffect>
+                                  </p:childTnLst>
+                                </p:cTn>
+                              </p:par>
+                            </p:childTnLst>
+                          </p:cTn>
+                        </p:par>
+                      </p:childTnLst>
+                    </p:cTn>
+                  </p:par>
+                </p:childTnLst>
+              </p:cTn>
+              <p:prevCondLst>
+                <p:cond evt="onPrev" delay="0">
+                  <p:tgtEl>
+                    <p:sldTgt/>
+                  </p:tgtEl>
+                </p:cond>
+              </p:prevCondLst>
+              <p:nextCondLst>
+                <p:cond evt="onNext" delay="0">
+                  <p:tgtEl>
+                    <p:sldTgt/>
+                  </p:tgtEl>
+                </p:cond>
+              </p:nextCondLst>
+            </p:seq>
+          </p:childTnLst>
+        </p:cTn>
       </p:par>
     </p:tnLst>
+    <p:bldLst>
+      <p:bldP spid="3" grpId="0" build="p"/>
+    </p:bldLst>
   </p:timing>
 </p:sld>
 </file>
@@ -9436,6 +12867,161 @@
   <p:clrMapOvr>
     <a:masterClrMapping/>
   </p:clrMapOvr>
+  <p:timing>
+    <p:tnLst>
+      <p:par>
+        <p:cTn id="1" dur="indefinite" restart="never" nodeType="tmRoot">
+          <p:childTnLst>
+            <p:seq concurrent="1" nextAc="seek">
+              <p:cTn id="2" dur="indefinite" nodeType="mainSeq">
+                <p:childTnLst>
+                  <p:par>
+                    <p:cTn id="3" fill="hold">
+                      <p:stCondLst>
+                        <p:cond delay="indefinite"/>
+                      </p:stCondLst>
+                      <p:childTnLst>
+                        <p:par>
+                          <p:cTn id="4" fill="hold">
+                            <p:stCondLst>
+                              <p:cond delay="0"/>
+                            </p:stCondLst>
+                            <p:childTnLst>
+                              <p:par>
+                                <p:cTn id="5" presetID="10" presetClass="entr" presetSubtype="0" fill="hold" grpId="0" nodeType="clickEffect">
+                                  <p:stCondLst>
+                                    <p:cond delay="0"/>
+                                  </p:stCondLst>
+                                  <p:childTnLst>
+                                    <p:set>
+                                      <p:cBhvr>
+                                        <p:cTn id="6" dur="1" fill="hold">
+                                          <p:stCondLst>
+                                            <p:cond delay="0"/>
+                                          </p:stCondLst>
+                                        </p:cTn>
+                                        <p:tgtEl>
+                                          <p:spTgt spid="3">
+                                            <p:txEl>
+                                              <p:pRg st="0" end="0"/>
+                                            </p:txEl>
+                                          </p:spTgt>
+                                        </p:tgtEl>
+                                        <p:attrNameLst>
+                                          <p:attrName>style.visibility</p:attrName>
+                                        </p:attrNameLst>
+                                      </p:cBhvr>
+                                      <p:to>
+                                        <p:strVal val="visible"/>
+                                      </p:to>
+                                    </p:set>
+                                    <p:animEffect transition="in" filter="fade">
+                                      <p:cBhvr>
+                                        <p:cTn id="7" dur="500"/>
+                                        <p:tgtEl>
+                                          <p:spTgt spid="3">
+                                            <p:txEl>
+                                              <p:pRg st="0" end="0"/>
+                                            </p:txEl>
+                                          </p:spTgt>
+                                        </p:tgtEl>
+                                      </p:cBhvr>
+                                    </p:animEffect>
+                                  </p:childTnLst>
+                                </p:cTn>
+                              </p:par>
+                            </p:childTnLst>
+                          </p:cTn>
+                        </p:par>
+                      </p:childTnLst>
+                    </p:cTn>
+                  </p:par>
+                  <p:par>
+                    <p:cTn id="8" fill="hold">
+                      <p:stCondLst>
+                        <p:cond delay="indefinite"/>
+                      </p:stCondLst>
+                      <p:childTnLst>
+                        <p:par>
+                          <p:cTn id="9" fill="hold">
+                            <p:stCondLst>
+                              <p:cond delay="0"/>
+                            </p:stCondLst>
+                            <p:childTnLst>
+                              <p:par>
+                                <p:cTn id="10" presetID="10" presetClass="entr" presetSubtype="0" fill="hold" grpId="0" nodeType="clickEffect">
+                                  <p:stCondLst>
+                                    <p:cond delay="0"/>
+                                  </p:stCondLst>
+                                  <p:childTnLst>
+                                    <p:set>
+                                      <p:cBhvr>
+                                        <p:cTn id="11" dur="1" fill="hold">
+                                          <p:stCondLst>
+                                            <p:cond delay="0"/>
+                                          </p:stCondLst>
+                                        </p:cTn>
+                                        <p:tgtEl>
+                                          <p:spTgt spid="3">
+                                            <p:txEl>
+                                              <p:pRg st="1" end="1"/>
+                                            </p:txEl>
+                                          </p:spTgt>
+                                        </p:tgtEl>
+                                        <p:attrNameLst>
+                                          <p:attrName>style.visibility</p:attrName>
+                                        </p:attrNameLst>
+                                      </p:cBhvr>
+                                      <p:to>
+                                        <p:strVal val="visible"/>
+                                      </p:to>
+                                    </p:set>
+                                    <p:animEffect transition="in" filter="fade">
+                                      <p:cBhvr>
+                                        <p:cTn id="12" dur="500"/>
+                                        <p:tgtEl>
+                                          <p:spTgt spid="3">
+                                            <p:txEl>
+                                              <p:pRg st="1" end="1"/>
+                                            </p:txEl>
+                                          </p:spTgt>
+                                        </p:tgtEl>
+                                      </p:cBhvr>
+                                    </p:animEffect>
+                                  </p:childTnLst>
+                                </p:cTn>
+                              </p:par>
+                            </p:childTnLst>
+                          </p:cTn>
+                        </p:par>
+                      </p:childTnLst>
+                    </p:cTn>
+                  </p:par>
+                </p:childTnLst>
+              </p:cTn>
+              <p:prevCondLst>
+                <p:cond evt="onPrev" delay="0">
+                  <p:tgtEl>
+                    <p:sldTgt/>
+                  </p:tgtEl>
+                </p:cond>
+              </p:prevCondLst>
+              <p:nextCondLst>
+                <p:cond evt="onNext" delay="0">
+                  <p:tgtEl>
+                    <p:sldTgt/>
+                  </p:tgtEl>
+                </p:cond>
+              </p:nextCondLst>
+            </p:seq>
+          </p:childTnLst>
+        </p:cTn>
+      </p:par>
+    </p:tnLst>
+    <p:bldLst>
+      <p:bldP spid="3" grpId="0" build="p"/>
+    </p:bldLst>
+  </p:timing>
 </p:sld>
 </file>
 
@@ -10490,6 +14076,13 @@
   <p:clrMapOvr>
     <a:masterClrMapping/>
   </p:clrMapOvr>
+  <p:timing>
+    <p:tnLst>
+      <p:par>
+        <p:cTn id="1" dur="indefinite" restart="never" nodeType="tmRoot"/>
+      </p:par>
+    </p:tnLst>
+  </p:timing>
 </p:sld>
 </file>
 
@@ -10794,7 +14387,7 @@
               </a:spcAft>
             </a:pPr>
             <a:r>
-              <a:rPr lang="en-US" dirty="0">
+              <a:rPr lang="en-US" dirty="0" smtClean="0">
                 <a:solidFill>
                   <a:srgbClr val="000000"/>
                 </a:solidFill>
@@ -10805,7 +14398,7 @@
               <a:t>  </a:t>
             </a:r>
             <a:r>
-              <a:rPr lang="en-US" i="1" dirty="0">
+              <a:rPr lang="en-US" i="1" dirty="0" smtClean="0">
                 <a:solidFill>
                   <a:srgbClr val="0000FF"/>
                 </a:solidFill>
@@ -10816,7 +14409,7 @@
               <a:t>map</a:t>
             </a:r>
             <a:r>
-              <a:rPr lang="en-US" dirty="0">
+              <a:rPr lang="en-US" dirty="0" smtClean="0">
                 <a:solidFill>
                   <a:srgbClr val="000000"/>
                 </a:solidFill>
@@ -10827,7 +14420,7 @@
               <a:t>&lt;</a:t>
             </a:r>
             <a:r>
-              <a:rPr lang="en-US" dirty="0">
+              <a:rPr lang="en-US" dirty="0" smtClean="0">
                 <a:solidFill>
                   <a:srgbClr val="0000FF"/>
                 </a:solidFill>
@@ -10838,7 +14431,7 @@
               <a:t>Token</a:t>
             </a:r>
             <a:r>
-              <a:rPr lang="en-US" dirty="0">
+              <a:rPr lang="en-US" dirty="0" smtClean="0">
                 <a:solidFill>
                   <a:srgbClr val="000000"/>
                 </a:solidFill>
@@ -10849,7 +14442,7 @@
               <a:t>, </a:t>
             </a:r>
             <a:r>
-              <a:rPr lang="en-US" dirty="0" err="1">
+              <a:rPr lang="en-US" dirty="0" err="1" smtClean="0">
                 <a:solidFill>
                   <a:srgbClr val="0000FF"/>
                 </a:solidFill>
@@ -10860,7 +14453,7 @@
               <a:t>RateObserver</a:t>
             </a:r>
             <a:r>
-              <a:rPr lang="en-US" dirty="0">
+              <a:rPr lang="en-US" dirty="0" smtClean="0">
                 <a:solidFill>
                   <a:srgbClr val="000000"/>
                 </a:solidFill>
@@ -10871,7 +14464,7 @@
               <a:t>&gt; </a:t>
             </a:r>
             <a:r>
-              <a:rPr lang="en-US" dirty="0" err="1">
+              <a:rPr lang="en-US" dirty="0" err="1" smtClean="0">
                 <a:solidFill>
                   <a:srgbClr val="000080"/>
                 </a:solidFill>
@@ -10892,6 +14485,14 @@
               </a:rPr>
               <a:t>;</a:t>
             </a:r>
+            <a:endParaRPr lang="en-US" dirty="0" smtClean="0">
+              <a:solidFill>
+                <a:srgbClr val="000000"/>
+              </a:solidFill>
+              <a:latin typeface="Consolas" panose="020B0609020204030204" pitchFamily="49" charset="0"/>
+              <a:ea typeface="Calibri" panose="020F0502020204030204" pitchFamily="34" charset="0"/>
+              <a:cs typeface="Consolas" panose="020B0609020204030204" pitchFamily="49" charset="0"/>
+            </a:endParaRPr>
           </a:p>
           <a:p>
             <a:pPr>
@@ -10911,7 +14512,7 @@
               <a:t>public</a:t>
             </a:r>
             <a:r>
-              <a:rPr lang="en-US" dirty="0">
+              <a:rPr lang="en-US" dirty="0" smtClean="0">
                 <a:solidFill>
                   <a:srgbClr val="000000"/>
                 </a:solidFill>
@@ -19626,9 +23227,261 @@
   <p:timing>
     <p:tnLst>
       <p:par>
-        <p:cTn id="1" dur="indefinite" restart="never" nodeType="tmRoot"/>
+        <p:cTn id="1" dur="indefinite" restart="never" nodeType="tmRoot">
+          <p:childTnLst>
+            <p:seq concurrent="1" nextAc="seek">
+              <p:cTn id="2" dur="indefinite" nodeType="mainSeq">
+                <p:childTnLst>
+                  <p:par>
+                    <p:cTn id="3" fill="hold">
+                      <p:stCondLst>
+                        <p:cond delay="indefinite"/>
+                      </p:stCondLst>
+                      <p:childTnLst>
+                        <p:par>
+                          <p:cTn id="4" fill="hold">
+                            <p:stCondLst>
+                              <p:cond delay="0"/>
+                            </p:stCondLst>
+                            <p:childTnLst>
+                              <p:par>
+                                <p:cTn id="5" presetID="10" presetClass="entr" presetSubtype="0" fill="hold" grpId="0" nodeType="clickEffect">
+                                  <p:stCondLst>
+                                    <p:cond delay="0"/>
+                                  </p:stCondLst>
+                                  <p:childTnLst>
+                                    <p:set>
+                                      <p:cBhvr>
+                                        <p:cTn id="6" dur="1" fill="hold">
+                                          <p:stCondLst>
+                                            <p:cond delay="0"/>
+                                          </p:stCondLst>
+                                        </p:cTn>
+                                        <p:tgtEl>
+                                          <p:spTgt spid="3">
+                                            <p:txEl>
+                                              <p:pRg st="0" end="0"/>
+                                            </p:txEl>
+                                          </p:spTgt>
+                                        </p:tgtEl>
+                                        <p:attrNameLst>
+                                          <p:attrName>style.visibility</p:attrName>
+                                        </p:attrNameLst>
+                                      </p:cBhvr>
+                                      <p:to>
+                                        <p:strVal val="visible"/>
+                                      </p:to>
+                                    </p:set>
+                                    <p:animEffect transition="in" filter="fade">
+                                      <p:cBhvr>
+                                        <p:cTn id="7" dur="500"/>
+                                        <p:tgtEl>
+                                          <p:spTgt spid="3">
+                                            <p:txEl>
+                                              <p:pRg st="0" end="0"/>
+                                            </p:txEl>
+                                          </p:spTgt>
+                                        </p:tgtEl>
+                                      </p:cBhvr>
+                                    </p:animEffect>
+                                  </p:childTnLst>
+                                </p:cTn>
+                              </p:par>
+                            </p:childTnLst>
+                          </p:cTn>
+                        </p:par>
+                      </p:childTnLst>
+                    </p:cTn>
+                  </p:par>
+                  <p:par>
+                    <p:cTn id="8" fill="hold">
+                      <p:stCondLst>
+                        <p:cond delay="indefinite"/>
+                      </p:stCondLst>
+                      <p:childTnLst>
+                        <p:par>
+                          <p:cTn id="9" fill="hold">
+                            <p:stCondLst>
+                              <p:cond delay="0"/>
+                            </p:stCondLst>
+                            <p:childTnLst>
+                              <p:par>
+                                <p:cTn id="10" presetID="10" presetClass="entr" presetSubtype="0" fill="hold" grpId="0" nodeType="clickEffect">
+                                  <p:stCondLst>
+                                    <p:cond delay="0"/>
+                                  </p:stCondLst>
+                                  <p:childTnLst>
+                                    <p:set>
+                                      <p:cBhvr>
+                                        <p:cTn id="11" dur="1" fill="hold">
+                                          <p:stCondLst>
+                                            <p:cond delay="0"/>
+                                          </p:stCondLst>
+                                        </p:cTn>
+                                        <p:tgtEl>
+                                          <p:spTgt spid="3">
+                                            <p:txEl>
+                                              <p:pRg st="1" end="1"/>
+                                            </p:txEl>
+                                          </p:spTgt>
+                                        </p:tgtEl>
+                                        <p:attrNameLst>
+                                          <p:attrName>style.visibility</p:attrName>
+                                        </p:attrNameLst>
+                                      </p:cBhvr>
+                                      <p:to>
+                                        <p:strVal val="visible"/>
+                                      </p:to>
+                                    </p:set>
+                                    <p:animEffect transition="in" filter="fade">
+                                      <p:cBhvr>
+                                        <p:cTn id="12" dur="500"/>
+                                        <p:tgtEl>
+                                          <p:spTgt spid="3">
+                                            <p:txEl>
+                                              <p:pRg st="1" end="1"/>
+                                            </p:txEl>
+                                          </p:spTgt>
+                                        </p:tgtEl>
+                                      </p:cBhvr>
+                                    </p:animEffect>
+                                  </p:childTnLst>
+                                </p:cTn>
+                              </p:par>
+                            </p:childTnLst>
+                          </p:cTn>
+                        </p:par>
+                      </p:childTnLst>
+                    </p:cTn>
+                  </p:par>
+                  <p:par>
+                    <p:cTn id="13" fill="hold">
+                      <p:stCondLst>
+                        <p:cond delay="indefinite"/>
+                      </p:stCondLst>
+                      <p:childTnLst>
+                        <p:par>
+                          <p:cTn id="14" fill="hold">
+                            <p:stCondLst>
+                              <p:cond delay="0"/>
+                            </p:stCondLst>
+                            <p:childTnLst>
+                              <p:par>
+                                <p:cTn id="15" presetID="10" presetClass="entr" presetSubtype="0" fill="hold" grpId="0" nodeType="clickEffect">
+                                  <p:stCondLst>
+                                    <p:cond delay="0"/>
+                                  </p:stCondLst>
+                                  <p:childTnLst>
+                                    <p:set>
+                                      <p:cBhvr>
+                                        <p:cTn id="16" dur="1" fill="hold">
+                                          <p:stCondLst>
+                                            <p:cond delay="0"/>
+                                          </p:stCondLst>
+                                        </p:cTn>
+                                        <p:tgtEl>
+                                          <p:spTgt spid="3">
+                                            <p:txEl>
+                                              <p:pRg st="2" end="2"/>
+                                            </p:txEl>
+                                          </p:spTgt>
+                                        </p:tgtEl>
+                                        <p:attrNameLst>
+                                          <p:attrName>style.visibility</p:attrName>
+                                        </p:attrNameLst>
+                                      </p:cBhvr>
+                                      <p:to>
+                                        <p:strVal val="visible"/>
+                                      </p:to>
+                                    </p:set>
+                                    <p:animEffect transition="in" filter="fade">
+                                      <p:cBhvr>
+                                        <p:cTn id="17" dur="500"/>
+                                        <p:tgtEl>
+                                          <p:spTgt spid="3">
+                                            <p:txEl>
+                                              <p:pRg st="2" end="2"/>
+                                            </p:txEl>
+                                          </p:spTgt>
+                                        </p:tgtEl>
+                                      </p:cBhvr>
+                                    </p:animEffect>
+                                  </p:childTnLst>
+                                </p:cTn>
+                              </p:par>
+                              <p:par>
+                                <p:cTn id="18" presetID="10" presetClass="entr" presetSubtype="0" fill="hold" grpId="0" nodeType="withEffect">
+                                  <p:stCondLst>
+                                    <p:cond delay="0"/>
+                                  </p:stCondLst>
+                                  <p:childTnLst>
+                                    <p:set>
+                                      <p:cBhvr>
+                                        <p:cTn id="19" dur="1" fill="hold">
+                                          <p:stCondLst>
+                                            <p:cond delay="0"/>
+                                          </p:stCondLst>
+                                        </p:cTn>
+                                        <p:tgtEl>
+                                          <p:spTgt spid="3">
+                                            <p:txEl>
+                                              <p:pRg st="3" end="3"/>
+                                            </p:txEl>
+                                          </p:spTgt>
+                                        </p:tgtEl>
+                                        <p:attrNameLst>
+                                          <p:attrName>style.visibility</p:attrName>
+                                        </p:attrNameLst>
+                                      </p:cBhvr>
+                                      <p:to>
+                                        <p:strVal val="visible"/>
+                                      </p:to>
+                                    </p:set>
+                                    <p:animEffect transition="in" filter="fade">
+                                      <p:cBhvr>
+                                        <p:cTn id="20" dur="500"/>
+                                        <p:tgtEl>
+                                          <p:spTgt spid="3">
+                                            <p:txEl>
+                                              <p:pRg st="3" end="3"/>
+                                            </p:txEl>
+                                          </p:spTgt>
+                                        </p:tgtEl>
+                                      </p:cBhvr>
+                                    </p:animEffect>
+                                  </p:childTnLst>
+                                </p:cTn>
+                              </p:par>
+                            </p:childTnLst>
+                          </p:cTn>
+                        </p:par>
+                      </p:childTnLst>
+                    </p:cTn>
+                  </p:par>
+                </p:childTnLst>
+              </p:cTn>
+              <p:prevCondLst>
+                <p:cond evt="onPrev" delay="0">
+                  <p:tgtEl>
+                    <p:sldTgt/>
+                  </p:tgtEl>
+                </p:cond>
+              </p:prevCondLst>
+              <p:nextCondLst>
+                <p:cond evt="onNext" delay="0">
+                  <p:tgtEl>
+                    <p:sldTgt/>
+                  </p:tgtEl>
+                </p:cond>
+              </p:nextCondLst>
+            </p:seq>
+          </p:childTnLst>
+        </p:cTn>
       </p:par>
     </p:tnLst>
+    <p:bldLst>
+      <p:bldP spid="3" grpId="0" build="p"/>
+    </p:bldLst>
   </p:timing>
 </p:sld>
 </file>

--- a/lectures/02.observer/observer.pptx
+++ b/lectures/02.observer/observer.pptx
@@ -5,7 +5,7 @@
     <p:sldMasterId id="2147483672" r:id="rId1"/>
   </p:sldMasterIdLst>
   <p:notesMasterIdLst>
-    <p:notesMasterId r:id="rId38"/>
+    <p:notesMasterId r:id="rId40"/>
   </p:notesMasterIdLst>
   <p:sldIdLst>
     <p:sldId id="256" r:id="rId2"/>
@@ -33,22 +33,24 @@
     <p:sldId id="277" r:id="rId24"/>
     <p:sldId id="279" r:id="rId25"/>
     <p:sldId id="278" r:id="rId26"/>
-    <p:sldId id="280" r:id="rId27"/>
-    <p:sldId id="281" r:id="rId28"/>
-    <p:sldId id="282" r:id="rId29"/>
-    <p:sldId id="283" r:id="rId30"/>
-    <p:sldId id="284" r:id="rId31"/>
-    <p:sldId id="285" r:id="rId32"/>
-    <p:sldId id="287" r:id="rId33"/>
-    <p:sldId id="288" r:id="rId34"/>
-    <p:sldId id="289" r:id="rId35"/>
-    <p:sldId id="290" r:id="rId36"/>
-    <p:sldId id="291" r:id="rId37"/>
+    <p:sldId id="292" r:id="rId27"/>
+    <p:sldId id="280" r:id="rId28"/>
+    <p:sldId id="293" r:id="rId29"/>
+    <p:sldId id="281" r:id="rId30"/>
+    <p:sldId id="282" r:id="rId31"/>
+    <p:sldId id="283" r:id="rId32"/>
+    <p:sldId id="284" r:id="rId33"/>
+    <p:sldId id="285" r:id="rId34"/>
+    <p:sldId id="287" r:id="rId35"/>
+    <p:sldId id="288" r:id="rId36"/>
+    <p:sldId id="289" r:id="rId37"/>
+    <p:sldId id="290" r:id="rId38"/>
+    <p:sldId id="291" r:id="rId39"/>
   </p:sldIdLst>
   <p:sldSz cx="9144000" cy="6858000" type="screen4x3"/>
   <p:notesSz cx="6858000" cy="9144000"/>
   <p:custDataLst>
-    <p:tags r:id="rId39"/>
+    <p:tags r:id="rId41"/>
   </p:custDataLst>
   <p:defaultTextStyle>
     <a:defPPr>
@@ -246,7 +248,7 @@
           <a:p>
             <a:fld id="{2F3DCB6D-0B48-4A3D-B663-06C3F903A9D3}" type="datetimeFigureOut">
               <a:rPr lang="ru-RU" smtClean="0"/>
-              <a:t>12.09.2019</a:t>
+              <a:t>10.09.2020</a:t>
             </a:fld>
             <a:endParaRPr lang="ru-RU"/>
           </a:p>
@@ -1187,7 +1189,7 @@
           <a:p>
             <a:fld id="{C72A1285-F988-4153-B7C5-B887A867730D}" type="slidenum">
               <a:rPr lang="ru-RU" smtClean="0"/>
-              <a:t>35</a:t>
+              <a:t>37</a:t>
             </a:fld>
             <a:endParaRPr lang="ru-RU"/>
           </a:p>
@@ -1452,7 +1454,7 @@
           <a:p>
             <a:fld id="{2590F9C9-AB92-4E86-B698-DEC9BF4350FF}" type="datetimeFigureOut">
               <a:rPr lang="ru-RU" smtClean="0"/>
-              <a:t>12.09.2019</a:t>
+              <a:t>10.09.2020</a:t>
             </a:fld>
             <a:endParaRPr lang="ru-RU"/>
           </a:p>
@@ -1676,7 +1678,7 @@
           <a:p>
             <a:fld id="{2590F9C9-AB92-4E86-B698-DEC9BF4350FF}" type="datetimeFigureOut">
               <a:rPr lang="ru-RU" smtClean="0"/>
-              <a:t>12.09.2019</a:t>
+              <a:t>10.09.2020</a:t>
             </a:fld>
             <a:endParaRPr lang="ru-RU"/>
           </a:p>
@@ -1948,7 +1950,7 @@
           <a:p>
             <a:fld id="{2590F9C9-AB92-4E86-B698-DEC9BF4350FF}" type="datetimeFigureOut">
               <a:rPr lang="ru-RU" smtClean="0"/>
-              <a:t>12.09.2019</a:t>
+              <a:t>10.09.2020</a:t>
             </a:fld>
             <a:endParaRPr lang="ru-RU"/>
           </a:p>
@@ -2123,7 +2125,7 @@
           <a:p>
             <a:fld id="{2590F9C9-AB92-4E86-B698-DEC9BF4350FF}" type="datetimeFigureOut">
               <a:rPr lang="ru-RU" smtClean="0"/>
-              <a:t>12.09.2019</a:t>
+              <a:t>10.09.2020</a:t>
             </a:fld>
             <a:endParaRPr lang="ru-RU"/>
           </a:p>
@@ -2484,7 +2486,7 @@
           <a:p>
             <a:fld id="{2590F9C9-AB92-4E86-B698-DEC9BF4350FF}" type="datetimeFigureOut">
               <a:rPr lang="ru-RU" smtClean="0"/>
-              <a:t>12.09.2019</a:t>
+              <a:t>10.09.2020</a:t>
             </a:fld>
             <a:endParaRPr lang="ru-RU"/>
           </a:p>
@@ -2776,7 +2778,7 @@
           <a:p>
             <a:fld id="{2590F9C9-AB92-4E86-B698-DEC9BF4350FF}" type="datetimeFigureOut">
               <a:rPr lang="ru-RU" smtClean="0"/>
-              <a:t>12.09.2019</a:t>
+              <a:t>10.09.2020</a:t>
             </a:fld>
             <a:endParaRPr lang="ru-RU"/>
           </a:p>
@@ -3198,7 +3200,7 @@
           <a:p>
             <a:fld id="{2590F9C9-AB92-4E86-B698-DEC9BF4350FF}" type="datetimeFigureOut">
               <a:rPr lang="ru-RU" smtClean="0"/>
-              <a:t>12.09.2019</a:t>
+              <a:t>10.09.2020</a:t>
             </a:fld>
             <a:endParaRPr lang="ru-RU"/>
           </a:p>
@@ -3311,7 +3313,7 @@
           <a:p>
             <a:fld id="{2590F9C9-AB92-4E86-B698-DEC9BF4350FF}" type="datetimeFigureOut">
               <a:rPr lang="ru-RU" smtClean="0"/>
-              <a:t>12.09.2019</a:t>
+              <a:t>10.09.2020</a:t>
             </a:fld>
             <a:endParaRPr lang="ru-RU"/>
           </a:p>
@@ -3408,7 +3410,7 @@
           <a:p>
             <a:fld id="{2590F9C9-AB92-4E86-B698-DEC9BF4350FF}" type="datetimeFigureOut">
               <a:rPr lang="ru-RU" smtClean="0"/>
-              <a:t>12.09.2019</a:t>
+              <a:t>10.09.2020</a:t>
             </a:fld>
             <a:endParaRPr lang="ru-RU"/>
           </a:p>
@@ -3693,7 +3695,7 @@
           <a:p>
             <a:fld id="{2590F9C9-AB92-4E86-B698-DEC9BF4350FF}" type="datetimeFigureOut">
               <a:rPr lang="ru-RU" smtClean="0"/>
-              <a:t>12.09.2019</a:t>
+              <a:t>10.09.2020</a:t>
             </a:fld>
             <a:endParaRPr lang="ru-RU"/>
           </a:p>
@@ -4055,7 +4057,7 @@
           <a:p>
             <a:fld id="{2590F9C9-AB92-4E86-B698-DEC9BF4350FF}" type="datetimeFigureOut">
               <a:rPr lang="ru-RU" smtClean="0"/>
-              <a:t>12.09.2019</a:t>
+              <a:t>10.09.2020</a:t>
             </a:fld>
             <a:endParaRPr lang="ru-RU"/>
           </a:p>
@@ -4480,7 +4482,7 @@
           <a:p>
             <a:fld id="{2590F9C9-AB92-4E86-B698-DEC9BF4350FF}" type="datetimeFigureOut">
               <a:rPr lang="ru-RU" smtClean="0"/>
-              <a:t>12.09.2019</a:t>
+              <a:t>10.09.2020</a:t>
             </a:fld>
             <a:endParaRPr lang="ru-RU"/>
           </a:p>
@@ -6336,11 +6338,7 @@
           <a:p>
             <a:r>
               <a:rPr lang="ru-RU" dirty="0" smtClean="0"/>
-              <a:t>Инкапсуляция </a:t>
-            </a:r>
-            <a:r>
-              <a:rPr lang="ru-RU" dirty="0" smtClean="0"/>
-              <a:t>переменной области</a:t>
+              <a:t>Инкапсуляция переменной области</a:t>
             </a:r>
             <a:endParaRPr lang="ru-RU" dirty="0"/>
           </a:p>
@@ -8742,7 +8740,23 @@
           <a:p>
             <a:r>
               <a:rPr lang="ru-RU" dirty="0" smtClean="0"/>
-              <a:t>Субъект знает о Наблюдателе лишь то, что тот реализует некоторый интерфейс </a:t>
+              <a:t>Субъект </a:t>
+            </a:r>
+            <a:r>
+              <a:rPr lang="ru-RU" dirty="0" smtClean="0"/>
+              <a:t>знает, что </a:t>
+            </a:r>
+            <a:r>
+              <a:rPr lang="ru-RU" dirty="0" smtClean="0"/>
+              <a:t>Наблюдатель</a:t>
+            </a:r>
+            <a:r>
+              <a:rPr lang="ru-RU" dirty="0" smtClean="0"/>
+              <a:t> </a:t>
+            </a:r>
+            <a:r>
+              <a:rPr lang="ru-RU" dirty="0" smtClean="0"/>
+              <a:t>реализует некоторый интерфейс </a:t>
             </a:r>
             <a:r>
               <a:rPr lang="en-US" dirty="0" err="1" smtClean="0"/>
@@ -8767,7 +8781,15 @@
             <a:pPr lvl="1"/>
             <a:r>
               <a:rPr lang="ru-RU" dirty="0" smtClean="0"/>
-              <a:t>Любого наблюдателя можно заменить другим или исключить из списка прямо во время выполнения</a:t>
+              <a:t>Любого наблюдателя можно заменить другим или исключить из списка </a:t>
+            </a:r>
+            <a:r>
+              <a:rPr lang="ru-RU" dirty="0" smtClean="0"/>
+              <a:t>во </a:t>
+            </a:r>
+            <a:r>
+              <a:rPr lang="ru-RU" dirty="0" smtClean="0"/>
+              <a:t>время выполнения</a:t>
             </a:r>
           </a:p>
           <a:p>
@@ -8788,8 +8810,13 @@
             </a:r>
             <a:r>
               <a:rPr lang="ru-RU" dirty="0" smtClean="0"/>
-              <a:t> в новом классе и зарегистрировать</a:t>
-            </a:r>
+              <a:t> в новом </a:t>
+            </a:r>
+            <a:r>
+              <a:rPr lang="ru-RU" dirty="0" smtClean="0"/>
+              <a:t>классе</a:t>
+            </a:r>
+            <a:endParaRPr lang="ru-RU" dirty="0" smtClean="0"/>
           </a:p>
         </p:txBody>
       </p:sp>
@@ -10523,6 +10550,92 @@
         </p:nvSpPr>
         <p:spPr/>
         <p:txBody>
+          <a:bodyPr/>
+          <a:lstStyle/>
+          <a:p>
+            <a:r>
+              <a:rPr lang="en-US" dirty="0" smtClean="0"/>
+              <a:t>Pull Model</a:t>
+            </a:r>
+            <a:endParaRPr lang="ru-RU" dirty="0"/>
+          </a:p>
+        </p:txBody>
+      </p:sp>
+      <p:pic>
+        <p:nvPicPr>
+          <p:cNvPr id="7" name="Content Placeholder 6"/>
+          <p:cNvPicPr>
+            <a:picLocks noGrp="1" noChangeAspect="1"/>
+          </p:cNvPicPr>
+          <p:nvPr>
+            <p:ph idx="1"/>
+          </p:nvPr>
+        </p:nvPicPr>
+        <p:blipFill>
+          <a:blip r:embed="rId2"/>
+          <a:stretch>
+            <a:fillRect/>
+          </a:stretch>
+        </p:blipFill>
+        <p:spPr>
+          <a:xfrm>
+            <a:off x="371420" y="1556793"/>
+            <a:ext cx="8485015" cy="5112568"/>
+          </a:xfrm>
+          <a:prstGeom prst="rect">
+            <a:avLst/>
+          </a:prstGeom>
+        </p:spPr>
+      </p:pic>
+    </p:spTree>
+    <p:extLst>
+      <p:ext uri="{BB962C8B-B14F-4D97-AF65-F5344CB8AC3E}">
+        <p14:creationId xmlns:p14="http://schemas.microsoft.com/office/powerpoint/2010/main" val="3475233543"/>
+      </p:ext>
+    </p:extLst>
+  </p:cSld>
+  <p:clrMapOvr>
+    <a:masterClrMapping/>
+  </p:clrMapOvr>
+  <p:timing>
+    <p:tnLst>
+      <p:par>
+        <p:cTn id="1" dur="indefinite" restart="never" nodeType="tmRoot"/>
+      </p:par>
+    </p:tnLst>
+  </p:timing>
+</p:sld>
+</file>
+
+<file path=ppt/slides/slide27.xml><?xml version="1.0" encoding="utf-8"?>
+<p:sld xmlns:a="http://schemas.openxmlformats.org/drawingml/2006/main" xmlns:r="http://schemas.openxmlformats.org/officeDocument/2006/relationships" xmlns:p="http://schemas.openxmlformats.org/presentationml/2006/main">
+  <p:cSld>
+    <p:spTree>
+      <p:nvGrpSpPr>
+        <p:cNvPr id="1" name=""/>
+        <p:cNvGrpSpPr/>
+        <p:nvPr/>
+      </p:nvGrpSpPr>
+      <p:grpSpPr>
+        <a:xfrm>
+          <a:off x="0" y="0"/>
+          <a:ext cx="0" cy="0"/>
+          <a:chOff x="0" y="0"/>
+          <a:chExt cx="0" cy="0"/>
+        </a:xfrm>
+      </p:grpSpPr>
+      <p:sp>
+        <p:nvSpPr>
+          <p:cNvPr id="2" name="Title 1"/>
+          <p:cNvSpPr>
+            <a:spLocks noGrp="1"/>
+          </p:cNvSpPr>
+          <p:nvPr>
+            <p:ph type="title"/>
+          </p:nvPr>
+        </p:nvSpPr>
+        <p:spPr/>
+        <p:txBody>
           <a:bodyPr>
             <a:normAutofit fontScale="90000"/>
           </a:bodyPr>
@@ -10904,7 +11017,93 @@
 </p:sld>
 </file>
 
-<file path=ppt/slides/slide27.xml><?xml version="1.0" encoding="utf-8"?>
+<file path=ppt/slides/slide28.xml><?xml version="1.0" encoding="utf-8"?>
+<p:sld xmlns:a="http://schemas.openxmlformats.org/drawingml/2006/main" xmlns:r="http://schemas.openxmlformats.org/officeDocument/2006/relationships" xmlns:p="http://schemas.openxmlformats.org/presentationml/2006/main">
+  <p:cSld>
+    <p:spTree>
+      <p:nvGrpSpPr>
+        <p:cNvPr id="1" name=""/>
+        <p:cNvGrpSpPr/>
+        <p:nvPr/>
+      </p:nvGrpSpPr>
+      <p:grpSpPr>
+        <a:xfrm>
+          <a:off x="0" y="0"/>
+          <a:ext cx="0" cy="0"/>
+          <a:chOff x="0" y="0"/>
+          <a:chExt cx="0" cy="0"/>
+        </a:xfrm>
+      </p:grpSpPr>
+      <p:sp>
+        <p:nvSpPr>
+          <p:cNvPr id="2" name="Title 1"/>
+          <p:cNvSpPr>
+            <a:spLocks noGrp="1"/>
+          </p:cNvSpPr>
+          <p:nvPr>
+            <p:ph type="title"/>
+          </p:nvPr>
+        </p:nvSpPr>
+        <p:spPr/>
+        <p:txBody>
+          <a:bodyPr/>
+          <a:lstStyle/>
+          <a:p>
+            <a:r>
+              <a:rPr lang="en-US" dirty="0" smtClean="0"/>
+              <a:t>Push Model</a:t>
+            </a:r>
+            <a:endParaRPr lang="ru-RU" dirty="0"/>
+          </a:p>
+        </p:txBody>
+      </p:sp>
+      <p:pic>
+        <p:nvPicPr>
+          <p:cNvPr id="4" name="Content Placeholder 3"/>
+          <p:cNvPicPr>
+            <a:picLocks noGrp="1" noChangeAspect="1"/>
+          </p:cNvPicPr>
+          <p:nvPr>
+            <p:ph idx="1"/>
+          </p:nvPr>
+        </p:nvPicPr>
+        <p:blipFill>
+          <a:blip r:embed="rId2"/>
+          <a:stretch>
+            <a:fillRect/>
+          </a:stretch>
+        </p:blipFill>
+        <p:spPr>
+          <a:xfrm>
+            <a:off x="91520" y="1571663"/>
+            <a:ext cx="8728951" cy="5169705"/>
+          </a:xfrm>
+          <a:prstGeom prst="rect">
+            <a:avLst/>
+          </a:prstGeom>
+        </p:spPr>
+      </p:pic>
+    </p:spTree>
+    <p:extLst>
+      <p:ext uri="{BB962C8B-B14F-4D97-AF65-F5344CB8AC3E}">
+        <p14:creationId xmlns:p14="http://schemas.microsoft.com/office/powerpoint/2010/main" val="2088965373"/>
+      </p:ext>
+    </p:extLst>
+  </p:cSld>
+  <p:clrMapOvr>
+    <a:masterClrMapping/>
+  </p:clrMapOvr>
+  <p:timing>
+    <p:tnLst>
+      <p:par>
+        <p:cTn id="1" dur="indefinite" restart="never" nodeType="tmRoot"/>
+      </p:par>
+    </p:tnLst>
+  </p:timing>
+</p:sld>
+</file>
+
+<file path=ppt/slides/slide29.xml><?xml version="1.0" encoding="utf-8"?>
 <p:sld xmlns:a="http://schemas.openxmlformats.org/drawingml/2006/main" xmlns:r="http://schemas.openxmlformats.org/officeDocument/2006/relationships" xmlns:p="http://schemas.openxmlformats.org/presentationml/2006/main">
   <p:cSld>
     <p:spTree>
@@ -11197,7 +11396,155 @@
 </p:sld>
 </file>
 
-<file path=ppt/slides/slide28.xml><?xml version="1.0" encoding="utf-8"?>
+<file path=ppt/slides/slide3.xml><?xml version="1.0" encoding="utf-8"?>
+<p:sld xmlns:a="http://schemas.openxmlformats.org/drawingml/2006/main" xmlns:r="http://schemas.openxmlformats.org/officeDocument/2006/relationships" xmlns:p="http://schemas.openxmlformats.org/presentationml/2006/main">
+  <p:cSld>
+    <p:spTree>
+      <p:nvGrpSpPr>
+        <p:cNvPr id="1" name=""/>
+        <p:cNvGrpSpPr/>
+        <p:nvPr/>
+      </p:nvGrpSpPr>
+      <p:grpSpPr>
+        <a:xfrm>
+          <a:off x="0" y="0"/>
+          <a:ext cx="0" cy="0"/>
+          <a:chOff x="0" y="0"/>
+          <a:chExt cx="0" cy="0"/>
+        </a:xfrm>
+      </p:grpSpPr>
+      <p:sp>
+        <p:nvSpPr>
+          <p:cNvPr id="2" name="Заголовок 1"/>
+          <p:cNvSpPr>
+            <a:spLocks noGrp="1"/>
+          </p:cNvSpPr>
+          <p:nvPr>
+            <p:ph type="title"/>
+          </p:nvPr>
+        </p:nvSpPr>
+        <p:spPr/>
+        <p:txBody>
+          <a:bodyPr/>
+          <a:lstStyle/>
+          <a:p>
+            <a:r>
+              <a:rPr lang="ru-RU" dirty="0" smtClean="0"/>
+              <a:t>Обзор класса </a:t>
+            </a:r>
+            <a:r>
+              <a:rPr lang="en-US" dirty="0" err="1" smtClean="0"/>
+              <a:t>WeatherData</a:t>
+            </a:r>
+            <a:endParaRPr lang="ru-RU" dirty="0"/>
+          </a:p>
+        </p:txBody>
+      </p:sp>
+      <p:sp>
+        <p:nvSpPr>
+          <p:cNvPr id="7" name="TextBox 6"/>
+          <p:cNvSpPr txBox="1"/>
+          <p:nvPr/>
+        </p:nvSpPr>
+        <p:spPr>
+          <a:xfrm>
+            <a:off x="323528" y="5013176"/>
+            <a:ext cx="7488832" cy="923330"/>
+          </a:xfrm>
+          <a:prstGeom prst="rect">
+            <a:avLst/>
+          </a:prstGeom>
+          <a:noFill/>
+        </p:spPr>
+        <p:txBody>
+          <a:bodyPr wrap="square" rtlCol="0">
+            <a:spAutoFit/>
+          </a:bodyPr>
+          <a:lstStyle/>
+          <a:p>
+            <a:r>
+              <a:rPr lang="ru-RU" dirty="0" smtClean="0"/>
+              <a:t>Необходимо реализовать метод </a:t>
+            </a:r>
+            <a:r>
+              <a:rPr lang="en-US" dirty="0" err="1" smtClean="0">
+                <a:solidFill>
+                  <a:srgbClr val="FF0000"/>
+                </a:solidFill>
+                <a:latin typeface="Consolas" panose="020B0609020204030204" pitchFamily="49" charset="0"/>
+              </a:rPr>
+              <a:t>MeasurementsChanged</a:t>
+            </a:r>
+            <a:r>
+              <a:rPr lang="ru-RU" dirty="0" smtClean="0">
+                <a:solidFill>
+                  <a:srgbClr val="FF0000"/>
+                </a:solidFill>
+                <a:latin typeface="Consolas" panose="020B0609020204030204" pitchFamily="49" charset="0"/>
+              </a:rPr>
+              <a:t>()</a:t>
+            </a:r>
+            <a:r>
+              <a:rPr lang="ru-RU" dirty="0" smtClean="0">
+                <a:solidFill>
+                  <a:srgbClr val="FF0000"/>
+                </a:solidFill>
+              </a:rPr>
+              <a:t>, </a:t>
+            </a:r>
+            <a:r>
+              <a:rPr lang="ru-RU" dirty="0" smtClean="0"/>
+              <a:t>чтобы он обновлял изображение для различных датчиков: текущее состояние, статистика, прогноз погоды</a:t>
+            </a:r>
+            <a:endParaRPr lang="ru-RU" dirty="0"/>
+          </a:p>
+        </p:txBody>
+      </p:sp>
+      <p:pic>
+        <p:nvPicPr>
+          <p:cNvPr id="3" name="Picture 2"/>
+          <p:cNvPicPr>
+            <a:picLocks noChangeAspect="1"/>
+          </p:cNvPicPr>
+          <p:nvPr/>
+        </p:nvPicPr>
+        <p:blipFill>
+          <a:blip r:embed="rId3"/>
+          <a:stretch>
+            <a:fillRect/>
+          </a:stretch>
+        </p:blipFill>
+        <p:spPr>
+          <a:xfrm>
+            <a:off x="539552" y="1988840"/>
+            <a:ext cx="8000209" cy="2160240"/>
+          </a:xfrm>
+          <a:prstGeom prst="rect">
+            <a:avLst/>
+          </a:prstGeom>
+        </p:spPr>
+      </p:pic>
+    </p:spTree>
+    <p:extLst>
+      <p:ext uri="{BB962C8B-B14F-4D97-AF65-F5344CB8AC3E}">
+        <p14:creationId xmlns:p14="http://schemas.microsoft.com/office/powerpoint/2010/main" val="2521048157"/>
+      </p:ext>
+    </p:extLst>
+  </p:cSld>
+  <p:clrMapOvr>
+    <a:masterClrMapping/>
+  </p:clrMapOvr>
+  <p:timing>
+    <p:tnLst>
+      <p:par>
+        <p:cTn id="1" dur="indefinite" restart="never" nodeType="tmRoot"/>
+      </p:par>
+    </p:tnLst>
+  </p:timing>
+</p:sld>
+</file>
+
+<file path=ppt/slides/slide30.xml><?xml version="1.0" encoding="utf-8"?>
 <p:sld xmlns:a="http://schemas.openxmlformats.org/drawingml/2006/main" xmlns:r="http://schemas.openxmlformats.org/officeDocument/2006/relationships" xmlns:p="http://schemas.openxmlformats.org/presentationml/2006/main">
   <p:cSld>
     <p:spTree>
@@ -11440,7 +11787,7 @@
 </p:sld>
 </file>
 
-<file path=ppt/slides/slide29.xml><?xml version="1.0" encoding="utf-8"?>
+<file path=ppt/slides/slide31.xml><?xml version="1.0" encoding="utf-8"?>
 <p:sld xmlns:a="http://schemas.openxmlformats.org/drawingml/2006/main" xmlns:r="http://schemas.openxmlformats.org/officeDocument/2006/relationships" xmlns:p="http://schemas.openxmlformats.org/presentationml/2006/main">
   <p:cSld>
     <p:spTree>
@@ -11895,155 +12242,7 @@
 </p:sld>
 </file>
 
-<file path=ppt/slides/slide3.xml><?xml version="1.0" encoding="utf-8"?>
-<p:sld xmlns:a="http://schemas.openxmlformats.org/drawingml/2006/main" xmlns:r="http://schemas.openxmlformats.org/officeDocument/2006/relationships" xmlns:p="http://schemas.openxmlformats.org/presentationml/2006/main">
-  <p:cSld>
-    <p:spTree>
-      <p:nvGrpSpPr>
-        <p:cNvPr id="1" name=""/>
-        <p:cNvGrpSpPr/>
-        <p:nvPr/>
-      </p:nvGrpSpPr>
-      <p:grpSpPr>
-        <a:xfrm>
-          <a:off x="0" y="0"/>
-          <a:ext cx="0" cy="0"/>
-          <a:chOff x="0" y="0"/>
-          <a:chExt cx="0" cy="0"/>
-        </a:xfrm>
-      </p:grpSpPr>
-      <p:sp>
-        <p:nvSpPr>
-          <p:cNvPr id="2" name="Заголовок 1"/>
-          <p:cNvSpPr>
-            <a:spLocks noGrp="1"/>
-          </p:cNvSpPr>
-          <p:nvPr>
-            <p:ph type="title"/>
-          </p:nvPr>
-        </p:nvSpPr>
-        <p:spPr/>
-        <p:txBody>
-          <a:bodyPr/>
-          <a:lstStyle/>
-          <a:p>
-            <a:r>
-              <a:rPr lang="ru-RU" dirty="0" smtClean="0"/>
-              <a:t>Обзор класса </a:t>
-            </a:r>
-            <a:r>
-              <a:rPr lang="en-US" dirty="0" err="1" smtClean="0"/>
-              <a:t>WeatherData</a:t>
-            </a:r>
-            <a:endParaRPr lang="ru-RU" dirty="0"/>
-          </a:p>
-        </p:txBody>
-      </p:sp>
-      <p:sp>
-        <p:nvSpPr>
-          <p:cNvPr id="7" name="TextBox 6"/>
-          <p:cNvSpPr txBox="1"/>
-          <p:nvPr/>
-        </p:nvSpPr>
-        <p:spPr>
-          <a:xfrm>
-            <a:off x="323528" y="5013176"/>
-            <a:ext cx="7488832" cy="923330"/>
-          </a:xfrm>
-          <a:prstGeom prst="rect">
-            <a:avLst/>
-          </a:prstGeom>
-          <a:noFill/>
-        </p:spPr>
-        <p:txBody>
-          <a:bodyPr wrap="square" rtlCol="0">
-            <a:spAutoFit/>
-          </a:bodyPr>
-          <a:lstStyle/>
-          <a:p>
-            <a:r>
-              <a:rPr lang="ru-RU" dirty="0" smtClean="0"/>
-              <a:t>Необходимо реализовать метод </a:t>
-            </a:r>
-            <a:r>
-              <a:rPr lang="en-US" dirty="0" err="1" smtClean="0">
-                <a:solidFill>
-                  <a:srgbClr val="FF0000"/>
-                </a:solidFill>
-                <a:latin typeface="Consolas" panose="020B0609020204030204" pitchFamily="49" charset="0"/>
-              </a:rPr>
-              <a:t>MeasurementsChanged</a:t>
-            </a:r>
-            <a:r>
-              <a:rPr lang="ru-RU" dirty="0" smtClean="0">
-                <a:solidFill>
-                  <a:srgbClr val="FF0000"/>
-                </a:solidFill>
-                <a:latin typeface="Consolas" panose="020B0609020204030204" pitchFamily="49" charset="0"/>
-              </a:rPr>
-              <a:t>()</a:t>
-            </a:r>
-            <a:r>
-              <a:rPr lang="ru-RU" dirty="0" smtClean="0">
-                <a:solidFill>
-                  <a:srgbClr val="FF0000"/>
-                </a:solidFill>
-              </a:rPr>
-              <a:t>, </a:t>
-            </a:r>
-            <a:r>
-              <a:rPr lang="ru-RU" dirty="0" smtClean="0"/>
-              <a:t>чтобы он обновлял изображение для различных датчиков: текущее состояние, статистика, прогноз погоды</a:t>
-            </a:r>
-            <a:endParaRPr lang="ru-RU" dirty="0"/>
-          </a:p>
-        </p:txBody>
-      </p:sp>
-      <p:pic>
-        <p:nvPicPr>
-          <p:cNvPr id="3" name="Picture 2"/>
-          <p:cNvPicPr>
-            <a:picLocks noChangeAspect="1"/>
-          </p:cNvPicPr>
-          <p:nvPr/>
-        </p:nvPicPr>
-        <p:blipFill>
-          <a:blip r:embed="rId3"/>
-          <a:stretch>
-            <a:fillRect/>
-          </a:stretch>
-        </p:blipFill>
-        <p:spPr>
-          <a:xfrm>
-            <a:off x="539552" y="1988840"/>
-            <a:ext cx="8000209" cy="2160240"/>
-          </a:xfrm>
-          <a:prstGeom prst="rect">
-            <a:avLst/>
-          </a:prstGeom>
-        </p:spPr>
-      </p:pic>
-    </p:spTree>
-    <p:extLst>
-      <p:ext uri="{BB962C8B-B14F-4D97-AF65-F5344CB8AC3E}">
-        <p14:creationId xmlns:p14="http://schemas.microsoft.com/office/powerpoint/2010/main" val="2521048157"/>
-      </p:ext>
-    </p:extLst>
-  </p:cSld>
-  <p:clrMapOvr>
-    <a:masterClrMapping/>
-  </p:clrMapOvr>
-  <p:timing>
-    <p:tnLst>
-      <p:par>
-        <p:cTn id="1" dur="indefinite" restart="never" nodeType="tmRoot"/>
-      </p:par>
-    </p:tnLst>
-  </p:timing>
-</p:sld>
-</file>
-
-<file path=ppt/slides/slide30.xml><?xml version="1.0" encoding="utf-8"?>
+<file path=ppt/slides/slide32.xml><?xml version="1.0" encoding="utf-8"?>
 <p:sld xmlns:a="http://schemas.openxmlformats.org/drawingml/2006/main" xmlns:r="http://schemas.openxmlformats.org/officeDocument/2006/relationships" xmlns:p="http://schemas.openxmlformats.org/presentationml/2006/main">
   <p:cSld>
     <p:spTree>
@@ -12384,7 +12583,7 @@
 </p:sld>
 </file>
 
-<file path=ppt/slides/slide31.xml><?xml version="1.0" encoding="utf-8"?>
+<file path=ppt/slides/slide33.xml><?xml version="1.0" encoding="utf-8"?>
 <p:sld xmlns:a="http://schemas.openxmlformats.org/drawingml/2006/main" xmlns:r="http://schemas.openxmlformats.org/officeDocument/2006/relationships" xmlns:p="http://schemas.openxmlformats.org/presentationml/2006/main">
   <p:cSld>
     <p:spTree>
@@ -12786,7 +12985,7 @@
 </p:sld>
 </file>
 
-<file path=ppt/slides/slide32.xml><?xml version="1.0" encoding="utf-8"?>
+<file path=ppt/slides/slide34.xml><?xml version="1.0" encoding="utf-8"?>
 <p:sld xmlns:a="http://schemas.openxmlformats.org/drawingml/2006/main" xmlns:r="http://schemas.openxmlformats.org/officeDocument/2006/relationships" xmlns:p="http://schemas.openxmlformats.org/presentationml/2006/main">
   <p:cSld>
     <p:spTree>
@@ -13025,7 +13224,7 @@
 </p:sld>
 </file>
 
-<file path=ppt/slides/slide33.xml><?xml version="1.0" encoding="utf-8"?>
+<file path=ppt/slides/slide35.xml><?xml version="1.0" encoding="utf-8"?>
 <p:sld xmlns:a="http://schemas.openxmlformats.org/drawingml/2006/main" xmlns:r="http://schemas.openxmlformats.org/officeDocument/2006/relationships" xmlns:p="http://schemas.openxmlformats.org/presentationml/2006/main">
   <p:cSld>
     <p:spTree>
@@ -14086,7 +14285,7 @@
 </p:sld>
 </file>
 
-<file path=ppt/slides/slide34.xml><?xml version="1.0" encoding="utf-8"?>
+<file path=ppt/slides/slide36.xml><?xml version="1.0" encoding="utf-8"?>
 <p:sld xmlns:a="http://schemas.openxmlformats.org/drawingml/2006/main" xmlns:r="http://schemas.openxmlformats.org/officeDocument/2006/relationships" xmlns:p="http://schemas.openxmlformats.org/presentationml/2006/main">
   <p:cSld>
     <p:spTree>
@@ -14485,14 +14684,6 @@
               </a:rPr>
               <a:t>;</a:t>
             </a:r>
-            <a:endParaRPr lang="en-US" dirty="0" smtClean="0">
-              <a:solidFill>
-                <a:srgbClr val="000000"/>
-              </a:solidFill>
-              <a:latin typeface="Consolas" panose="020B0609020204030204" pitchFamily="49" charset="0"/>
-              <a:ea typeface="Calibri" panose="020F0502020204030204" pitchFamily="34" charset="0"/>
-              <a:cs typeface="Consolas" panose="020B0609020204030204" pitchFamily="49" charset="0"/>
-            </a:endParaRPr>
           </a:p>
           <a:p>
             <a:pPr>
@@ -15913,14 +16104,711 @@
   <p:timing>
     <p:tnLst>
       <p:par>
-        <p:cTn id="1" dur="indefinite" restart="never" nodeType="tmRoot"/>
+        <p:cTn id="1" dur="indefinite" restart="never" nodeType="tmRoot">
+          <p:childTnLst>
+            <p:seq concurrent="1" nextAc="seek">
+              <p:cTn id="2" dur="indefinite" nodeType="mainSeq">
+                <p:childTnLst>
+                  <p:par>
+                    <p:cTn id="3" fill="hold">
+                      <p:stCondLst>
+                        <p:cond delay="indefinite"/>
+                      </p:stCondLst>
+                      <p:childTnLst>
+                        <p:par>
+                          <p:cTn id="4" fill="hold">
+                            <p:stCondLst>
+                              <p:cond delay="0"/>
+                            </p:stCondLst>
+                            <p:childTnLst>
+                              <p:par>
+                                <p:cTn id="5" presetID="10" presetClass="entr" presetSubtype="0" fill="hold" nodeType="clickEffect">
+                                  <p:stCondLst>
+                                    <p:cond delay="0"/>
+                                  </p:stCondLst>
+                                  <p:childTnLst>
+                                    <p:set>
+                                      <p:cBhvr>
+                                        <p:cTn id="6" dur="1" fill="hold">
+                                          <p:stCondLst>
+                                            <p:cond delay="0"/>
+                                          </p:stCondLst>
+                                        </p:cTn>
+                                        <p:tgtEl>
+                                          <p:spTgt spid="2">
+                                            <p:txEl>
+                                              <p:pRg st="6" end="6"/>
+                                            </p:txEl>
+                                          </p:spTgt>
+                                        </p:tgtEl>
+                                        <p:attrNameLst>
+                                          <p:attrName>style.visibility</p:attrName>
+                                        </p:attrNameLst>
+                                      </p:cBhvr>
+                                      <p:to>
+                                        <p:strVal val="visible"/>
+                                      </p:to>
+                                    </p:set>
+                                    <p:animEffect transition="in" filter="fade">
+                                      <p:cBhvr>
+                                        <p:cTn id="7" dur="500"/>
+                                        <p:tgtEl>
+                                          <p:spTgt spid="2">
+                                            <p:txEl>
+                                              <p:pRg st="6" end="6"/>
+                                            </p:txEl>
+                                          </p:spTgt>
+                                        </p:tgtEl>
+                                      </p:cBhvr>
+                                    </p:animEffect>
+                                  </p:childTnLst>
+                                </p:cTn>
+                              </p:par>
+                              <p:par>
+                                <p:cTn id="8" presetID="10" presetClass="entr" presetSubtype="0" fill="hold" nodeType="withEffect">
+                                  <p:stCondLst>
+                                    <p:cond delay="0"/>
+                                  </p:stCondLst>
+                                  <p:childTnLst>
+                                    <p:set>
+                                      <p:cBhvr>
+                                        <p:cTn id="9" dur="1" fill="hold">
+                                          <p:stCondLst>
+                                            <p:cond delay="0"/>
+                                          </p:stCondLst>
+                                        </p:cTn>
+                                        <p:tgtEl>
+                                          <p:spTgt spid="2">
+                                            <p:txEl>
+                                              <p:pRg st="7" end="7"/>
+                                            </p:txEl>
+                                          </p:spTgt>
+                                        </p:tgtEl>
+                                        <p:attrNameLst>
+                                          <p:attrName>style.visibility</p:attrName>
+                                        </p:attrNameLst>
+                                      </p:cBhvr>
+                                      <p:to>
+                                        <p:strVal val="visible"/>
+                                      </p:to>
+                                    </p:set>
+                                    <p:animEffect transition="in" filter="fade">
+                                      <p:cBhvr>
+                                        <p:cTn id="10" dur="500"/>
+                                        <p:tgtEl>
+                                          <p:spTgt spid="2">
+                                            <p:txEl>
+                                              <p:pRg st="7" end="7"/>
+                                            </p:txEl>
+                                          </p:spTgt>
+                                        </p:tgtEl>
+                                      </p:cBhvr>
+                                    </p:animEffect>
+                                  </p:childTnLst>
+                                </p:cTn>
+                              </p:par>
+                              <p:par>
+                                <p:cTn id="11" presetID="10" presetClass="entr" presetSubtype="0" fill="hold" nodeType="withEffect">
+                                  <p:stCondLst>
+                                    <p:cond delay="0"/>
+                                  </p:stCondLst>
+                                  <p:childTnLst>
+                                    <p:set>
+                                      <p:cBhvr>
+                                        <p:cTn id="12" dur="1" fill="hold">
+                                          <p:stCondLst>
+                                            <p:cond delay="0"/>
+                                          </p:stCondLst>
+                                        </p:cTn>
+                                        <p:tgtEl>
+                                          <p:spTgt spid="2">
+                                            <p:txEl>
+                                              <p:pRg st="8" end="8"/>
+                                            </p:txEl>
+                                          </p:spTgt>
+                                        </p:tgtEl>
+                                        <p:attrNameLst>
+                                          <p:attrName>style.visibility</p:attrName>
+                                        </p:attrNameLst>
+                                      </p:cBhvr>
+                                      <p:to>
+                                        <p:strVal val="visible"/>
+                                      </p:to>
+                                    </p:set>
+                                    <p:animEffect transition="in" filter="fade">
+                                      <p:cBhvr>
+                                        <p:cTn id="13" dur="500"/>
+                                        <p:tgtEl>
+                                          <p:spTgt spid="2">
+                                            <p:txEl>
+                                              <p:pRg st="8" end="8"/>
+                                            </p:txEl>
+                                          </p:spTgt>
+                                        </p:tgtEl>
+                                      </p:cBhvr>
+                                    </p:animEffect>
+                                  </p:childTnLst>
+                                </p:cTn>
+                              </p:par>
+                              <p:par>
+                                <p:cTn id="14" presetID="10" presetClass="entr" presetSubtype="0" fill="hold" nodeType="withEffect">
+                                  <p:stCondLst>
+                                    <p:cond delay="0"/>
+                                  </p:stCondLst>
+                                  <p:childTnLst>
+                                    <p:set>
+                                      <p:cBhvr>
+                                        <p:cTn id="15" dur="1" fill="hold">
+                                          <p:stCondLst>
+                                            <p:cond delay="0"/>
+                                          </p:stCondLst>
+                                        </p:cTn>
+                                        <p:tgtEl>
+                                          <p:spTgt spid="2">
+                                            <p:txEl>
+                                              <p:pRg st="9" end="9"/>
+                                            </p:txEl>
+                                          </p:spTgt>
+                                        </p:tgtEl>
+                                        <p:attrNameLst>
+                                          <p:attrName>style.visibility</p:attrName>
+                                        </p:attrNameLst>
+                                      </p:cBhvr>
+                                      <p:to>
+                                        <p:strVal val="visible"/>
+                                      </p:to>
+                                    </p:set>
+                                    <p:animEffect transition="in" filter="fade">
+                                      <p:cBhvr>
+                                        <p:cTn id="16" dur="500"/>
+                                        <p:tgtEl>
+                                          <p:spTgt spid="2">
+                                            <p:txEl>
+                                              <p:pRg st="9" end="9"/>
+                                            </p:txEl>
+                                          </p:spTgt>
+                                        </p:tgtEl>
+                                      </p:cBhvr>
+                                    </p:animEffect>
+                                  </p:childTnLst>
+                                </p:cTn>
+                              </p:par>
+                              <p:par>
+                                <p:cTn id="17" presetID="10" presetClass="entr" presetSubtype="0" fill="hold" nodeType="withEffect">
+                                  <p:stCondLst>
+                                    <p:cond delay="0"/>
+                                  </p:stCondLst>
+                                  <p:childTnLst>
+                                    <p:set>
+                                      <p:cBhvr>
+                                        <p:cTn id="18" dur="1" fill="hold">
+                                          <p:stCondLst>
+                                            <p:cond delay="0"/>
+                                          </p:stCondLst>
+                                        </p:cTn>
+                                        <p:tgtEl>
+                                          <p:spTgt spid="2">
+                                            <p:txEl>
+                                              <p:pRg st="10" end="10"/>
+                                            </p:txEl>
+                                          </p:spTgt>
+                                        </p:tgtEl>
+                                        <p:attrNameLst>
+                                          <p:attrName>style.visibility</p:attrName>
+                                        </p:attrNameLst>
+                                      </p:cBhvr>
+                                      <p:to>
+                                        <p:strVal val="visible"/>
+                                      </p:to>
+                                    </p:set>
+                                    <p:animEffect transition="in" filter="fade">
+                                      <p:cBhvr>
+                                        <p:cTn id="19" dur="500"/>
+                                        <p:tgtEl>
+                                          <p:spTgt spid="2">
+                                            <p:txEl>
+                                              <p:pRg st="10" end="10"/>
+                                            </p:txEl>
+                                          </p:spTgt>
+                                        </p:tgtEl>
+                                      </p:cBhvr>
+                                    </p:animEffect>
+                                  </p:childTnLst>
+                                </p:cTn>
+                              </p:par>
+                              <p:par>
+                                <p:cTn id="20" presetID="10" presetClass="entr" presetSubtype="0" fill="hold" nodeType="withEffect">
+                                  <p:stCondLst>
+                                    <p:cond delay="0"/>
+                                  </p:stCondLst>
+                                  <p:childTnLst>
+                                    <p:set>
+                                      <p:cBhvr>
+                                        <p:cTn id="21" dur="1" fill="hold">
+                                          <p:stCondLst>
+                                            <p:cond delay="0"/>
+                                          </p:stCondLst>
+                                        </p:cTn>
+                                        <p:tgtEl>
+                                          <p:spTgt spid="2">
+                                            <p:txEl>
+                                              <p:pRg st="11" end="11"/>
+                                            </p:txEl>
+                                          </p:spTgt>
+                                        </p:tgtEl>
+                                        <p:attrNameLst>
+                                          <p:attrName>style.visibility</p:attrName>
+                                        </p:attrNameLst>
+                                      </p:cBhvr>
+                                      <p:to>
+                                        <p:strVal val="visible"/>
+                                      </p:to>
+                                    </p:set>
+                                    <p:animEffect transition="in" filter="fade">
+                                      <p:cBhvr>
+                                        <p:cTn id="22" dur="500"/>
+                                        <p:tgtEl>
+                                          <p:spTgt spid="2">
+                                            <p:txEl>
+                                              <p:pRg st="11" end="11"/>
+                                            </p:txEl>
+                                          </p:spTgt>
+                                        </p:tgtEl>
+                                      </p:cBhvr>
+                                    </p:animEffect>
+                                  </p:childTnLst>
+                                </p:cTn>
+                              </p:par>
+                            </p:childTnLst>
+                          </p:cTn>
+                        </p:par>
+                      </p:childTnLst>
+                    </p:cTn>
+                  </p:par>
+                  <p:par>
+                    <p:cTn id="23" fill="hold">
+                      <p:stCondLst>
+                        <p:cond delay="indefinite"/>
+                      </p:stCondLst>
+                      <p:childTnLst>
+                        <p:par>
+                          <p:cTn id="24" fill="hold">
+                            <p:stCondLst>
+                              <p:cond delay="0"/>
+                            </p:stCondLst>
+                            <p:childTnLst>
+                              <p:par>
+                                <p:cTn id="25" presetID="10" presetClass="entr" presetSubtype="0" fill="hold" nodeType="clickEffect">
+                                  <p:stCondLst>
+                                    <p:cond delay="0"/>
+                                  </p:stCondLst>
+                                  <p:childTnLst>
+                                    <p:set>
+                                      <p:cBhvr>
+                                        <p:cTn id="26" dur="1" fill="hold">
+                                          <p:stCondLst>
+                                            <p:cond delay="0"/>
+                                          </p:stCondLst>
+                                        </p:cTn>
+                                        <p:tgtEl>
+                                          <p:spTgt spid="2">
+                                            <p:txEl>
+                                              <p:pRg st="13" end="13"/>
+                                            </p:txEl>
+                                          </p:spTgt>
+                                        </p:tgtEl>
+                                        <p:attrNameLst>
+                                          <p:attrName>style.visibility</p:attrName>
+                                        </p:attrNameLst>
+                                      </p:cBhvr>
+                                      <p:to>
+                                        <p:strVal val="visible"/>
+                                      </p:to>
+                                    </p:set>
+                                    <p:animEffect transition="in" filter="fade">
+                                      <p:cBhvr>
+                                        <p:cTn id="27" dur="500"/>
+                                        <p:tgtEl>
+                                          <p:spTgt spid="2">
+                                            <p:txEl>
+                                              <p:pRg st="13" end="13"/>
+                                            </p:txEl>
+                                          </p:spTgt>
+                                        </p:tgtEl>
+                                      </p:cBhvr>
+                                    </p:animEffect>
+                                  </p:childTnLst>
+                                </p:cTn>
+                              </p:par>
+                              <p:par>
+                                <p:cTn id="28" presetID="10" presetClass="entr" presetSubtype="0" fill="hold" nodeType="withEffect">
+                                  <p:stCondLst>
+                                    <p:cond delay="0"/>
+                                  </p:stCondLst>
+                                  <p:childTnLst>
+                                    <p:set>
+                                      <p:cBhvr>
+                                        <p:cTn id="29" dur="1" fill="hold">
+                                          <p:stCondLst>
+                                            <p:cond delay="0"/>
+                                          </p:stCondLst>
+                                        </p:cTn>
+                                        <p:tgtEl>
+                                          <p:spTgt spid="2">
+                                            <p:txEl>
+                                              <p:pRg st="14" end="14"/>
+                                            </p:txEl>
+                                          </p:spTgt>
+                                        </p:tgtEl>
+                                        <p:attrNameLst>
+                                          <p:attrName>style.visibility</p:attrName>
+                                        </p:attrNameLst>
+                                      </p:cBhvr>
+                                      <p:to>
+                                        <p:strVal val="visible"/>
+                                      </p:to>
+                                    </p:set>
+                                    <p:animEffect transition="in" filter="fade">
+                                      <p:cBhvr>
+                                        <p:cTn id="30" dur="500"/>
+                                        <p:tgtEl>
+                                          <p:spTgt spid="2">
+                                            <p:txEl>
+                                              <p:pRg st="14" end="14"/>
+                                            </p:txEl>
+                                          </p:spTgt>
+                                        </p:tgtEl>
+                                      </p:cBhvr>
+                                    </p:animEffect>
+                                  </p:childTnLst>
+                                </p:cTn>
+                              </p:par>
+                              <p:par>
+                                <p:cTn id="31" presetID="10" presetClass="entr" presetSubtype="0" fill="hold" nodeType="withEffect">
+                                  <p:stCondLst>
+                                    <p:cond delay="0"/>
+                                  </p:stCondLst>
+                                  <p:childTnLst>
+                                    <p:set>
+                                      <p:cBhvr>
+                                        <p:cTn id="32" dur="1" fill="hold">
+                                          <p:stCondLst>
+                                            <p:cond delay="0"/>
+                                          </p:stCondLst>
+                                        </p:cTn>
+                                        <p:tgtEl>
+                                          <p:spTgt spid="2">
+                                            <p:txEl>
+                                              <p:pRg st="15" end="15"/>
+                                            </p:txEl>
+                                          </p:spTgt>
+                                        </p:tgtEl>
+                                        <p:attrNameLst>
+                                          <p:attrName>style.visibility</p:attrName>
+                                        </p:attrNameLst>
+                                      </p:cBhvr>
+                                      <p:to>
+                                        <p:strVal val="visible"/>
+                                      </p:to>
+                                    </p:set>
+                                    <p:animEffect transition="in" filter="fade">
+                                      <p:cBhvr>
+                                        <p:cTn id="33" dur="500"/>
+                                        <p:tgtEl>
+                                          <p:spTgt spid="2">
+                                            <p:txEl>
+                                              <p:pRg st="15" end="15"/>
+                                            </p:txEl>
+                                          </p:spTgt>
+                                        </p:tgtEl>
+                                      </p:cBhvr>
+                                    </p:animEffect>
+                                  </p:childTnLst>
+                                </p:cTn>
+                              </p:par>
+                              <p:par>
+                                <p:cTn id="34" presetID="10" presetClass="entr" presetSubtype="0" fill="hold" nodeType="withEffect">
+                                  <p:stCondLst>
+                                    <p:cond delay="0"/>
+                                  </p:stCondLst>
+                                  <p:childTnLst>
+                                    <p:set>
+                                      <p:cBhvr>
+                                        <p:cTn id="35" dur="1" fill="hold">
+                                          <p:stCondLst>
+                                            <p:cond delay="0"/>
+                                          </p:stCondLst>
+                                        </p:cTn>
+                                        <p:tgtEl>
+                                          <p:spTgt spid="2">
+                                            <p:txEl>
+                                              <p:pRg st="16" end="16"/>
+                                            </p:txEl>
+                                          </p:spTgt>
+                                        </p:tgtEl>
+                                        <p:attrNameLst>
+                                          <p:attrName>style.visibility</p:attrName>
+                                        </p:attrNameLst>
+                                      </p:cBhvr>
+                                      <p:to>
+                                        <p:strVal val="visible"/>
+                                      </p:to>
+                                    </p:set>
+                                    <p:animEffect transition="in" filter="fade">
+                                      <p:cBhvr>
+                                        <p:cTn id="36" dur="500"/>
+                                        <p:tgtEl>
+                                          <p:spTgt spid="2">
+                                            <p:txEl>
+                                              <p:pRg st="16" end="16"/>
+                                            </p:txEl>
+                                          </p:spTgt>
+                                        </p:tgtEl>
+                                      </p:cBhvr>
+                                    </p:animEffect>
+                                  </p:childTnLst>
+                                </p:cTn>
+                              </p:par>
+                            </p:childTnLst>
+                          </p:cTn>
+                        </p:par>
+                      </p:childTnLst>
+                    </p:cTn>
+                  </p:par>
+                  <p:par>
+                    <p:cTn id="37" fill="hold">
+                      <p:stCondLst>
+                        <p:cond delay="indefinite"/>
+                      </p:stCondLst>
+                      <p:childTnLst>
+                        <p:par>
+                          <p:cTn id="38" fill="hold">
+                            <p:stCondLst>
+                              <p:cond delay="0"/>
+                            </p:stCondLst>
+                            <p:childTnLst>
+                              <p:par>
+                                <p:cTn id="39" presetID="10" presetClass="entr" presetSubtype="0" fill="hold" nodeType="clickEffect">
+                                  <p:stCondLst>
+                                    <p:cond delay="0"/>
+                                  </p:stCondLst>
+                                  <p:childTnLst>
+                                    <p:set>
+                                      <p:cBhvr>
+                                        <p:cTn id="40" dur="1" fill="hold">
+                                          <p:stCondLst>
+                                            <p:cond delay="0"/>
+                                          </p:stCondLst>
+                                        </p:cTn>
+                                        <p:tgtEl>
+                                          <p:spTgt spid="2">
+                                            <p:txEl>
+                                              <p:pRg st="18" end="18"/>
+                                            </p:txEl>
+                                          </p:spTgt>
+                                        </p:tgtEl>
+                                        <p:attrNameLst>
+                                          <p:attrName>style.visibility</p:attrName>
+                                        </p:attrNameLst>
+                                      </p:cBhvr>
+                                      <p:to>
+                                        <p:strVal val="visible"/>
+                                      </p:to>
+                                    </p:set>
+                                    <p:animEffect transition="in" filter="fade">
+                                      <p:cBhvr>
+                                        <p:cTn id="41" dur="500"/>
+                                        <p:tgtEl>
+                                          <p:spTgt spid="2">
+                                            <p:txEl>
+                                              <p:pRg st="18" end="18"/>
+                                            </p:txEl>
+                                          </p:spTgt>
+                                        </p:tgtEl>
+                                      </p:cBhvr>
+                                    </p:animEffect>
+                                  </p:childTnLst>
+                                </p:cTn>
+                              </p:par>
+                            </p:childTnLst>
+                          </p:cTn>
+                        </p:par>
+                      </p:childTnLst>
+                    </p:cTn>
+                  </p:par>
+                  <p:par>
+                    <p:cTn id="42" fill="hold">
+                      <p:stCondLst>
+                        <p:cond delay="indefinite"/>
+                      </p:stCondLst>
+                      <p:childTnLst>
+                        <p:par>
+                          <p:cTn id="43" fill="hold">
+                            <p:stCondLst>
+                              <p:cond delay="0"/>
+                            </p:stCondLst>
+                            <p:childTnLst>
+                              <p:par>
+                                <p:cTn id="44" presetID="10" presetClass="entr" presetSubtype="0" fill="hold" nodeType="clickEffect">
+                                  <p:stCondLst>
+                                    <p:cond delay="0"/>
+                                  </p:stCondLst>
+                                  <p:childTnLst>
+                                    <p:set>
+                                      <p:cBhvr>
+                                        <p:cTn id="45" dur="1" fill="hold">
+                                          <p:stCondLst>
+                                            <p:cond delay="0"/>
+                                          </p:stCondLst>
+                                        </p:cTn>
+                                        <p:tgtEl>
+                                          <p:spTgt spid="2">
+                                            <p:txEl>
+                                              <p:pRg st="20" end="20"/>
+                                            </p:txEl>
+                                          </p:spTgt>
+                                        </p:tgtEl>
+                                        <p:attrNameLst>
+                                          <p:attrName>style.visibility</p:attrName>
+                                        </p:attrNameLst>
+                                      </p:cBhvr>
+                                      <p:to>
+                                        <p:strVal val="visible"/>
+                                      </p:to>
+                                    </p:set>
+                                    <p:animEffect transition="in" filter="fade">
+                                      <p:cBhvr>
+                                        <p:cTn id="46" dur="500"/>
+                                        <p:tgtEl>
+                                          <p:spTgt spid="2">
+                                            <p:txEl>
+                                              <p:pRg st="20" end="20"/>
+                                            </p:txEl>
+                                          </p:spTgt>
+                                        </p:tgtEl>
+                                      </p:cBhvr>
+                                    </p:animEffect>
+                                  </p:childTnLst>
+                                </p:cTn>
+                              </p:par>
+                              <p:par>
+                                <p:cTn id="47" presetID="10" presetClass="entr" presetSubtype="0" fill="hold" nodeType="withEffect">
+                                  <p:stCondLst>
+                                    <p:cond delay="0"/>
+                                  </p:stCondLst>
+                                  <p:childTnLst>
+                                    <p:set>
+                                      <p:cBhvr>
+                                        <p:cTn id="48" dur="1" fill="hold">
+                                          <p:stCondLst>
+                                            <p:cond delay="0"/>
+                                          </p:stCondLst>
+                                        </p:cTn>
+                                        <p:tgtEl>
+                                          <p:spTgt spid="2">
+                                            <p:txEl>
+                                              <p:pRg st="21" end="21"/>
+                                            </p:txEl>
+                                          </p:spTgt>
+                                        </p:tgtEl>
+                                        <p:attrNameLst>
+                                          <p:attrName>style.visibility</p:attrName>
+                                        </p:attrNameLst>
+                                      </p:cBhvr>
+                                      <p:to>
+                                        <p:strVal val="visible"/>
+                                      </p:to>
+                                    </p:set>
+                                    <p:animEffect transition="in" filter="fade">
+                                      <p:cBhvr>
+                                        <p:cTn id="49" dur="500"/>
+                                        <p:tgtEl>
+                                          <p:spTgt spid="2">
+                                            <p:txEl>
+                                              <p:pRg st="21" end="21"/>
+                                            </p:txEl>
+                                          </p:spTgt>
+                                        </p:tgtEl>
+                                      </p:cBhvr>
+                                    </p:animEffect>
+                                  </p:childTnLst>
+                                </p:cTn>
+                              </p:par>
+                              <p:par>
+                                <p:cTn id="50" presetID="10" presetClass="entr" presetSubtype="0" fill="hold" nodeType="withEffect">
+                                  <p:stCondLst>
+                                    <p:cond delay="0"/>
+                                  </p:stCondLst>
+                                  <p:childTnLst>
+                                    <p:set>
+                                      <p:cBhvr>
+                                        <p:cTn id="51" dur="1" fill="hold">
+                                          <p:stCondLst>
+                                            <p:cond delay="0"/>
+                                          </p:stCondLst>
+                                        </p:cTn>
+                                        <p:tgtEl>
+                                          <p:spTgt spid="2">
+                                            <p:txEl>
+                                              <p:pRg st="22" end="22"/>
+                                            </p:txEl>
+                                          </p:spTgt>
+                                        </p:tgtEl>
+                                        <p:attrNameLst>
+                                          <p:attrName>style.visibility</p:attrName>
+                                        </p:attrNameLst>
+                                      </p:cBhvr>
+                                      <p:to>
+                                        <p:strVal val="visible"/>
+                                      </p:to>
+                                    </p:set>
+                                    <p:animEffect transition="in" filter="fade">
+                                      <p:cBhvr>
+                                        <p:cTn id="52" dur="500"/>
+                                        <p:tgtEl>
+                                          <p:spTgt spid="2">
+                                            <p:txEl>
+                                              <p:pRg st="22" end="22"/>
+                                            </p:txEl>
+                                          </p:spTgt>
+                                        </p:tgtEl>
+                                      </p:cBhvr>
+                                    </p:animEffect>
+                                  </p:childTnLst>
+                                </p:cTn>
+                              </p:par>
+                            </p:childTnLst>
+                          </p:cTn>
+                        </p:par>
+                      </p:childTnLst>
+                    </p:cTn>
+                  </p:par>
+                </p:childTnLst>
+              </p:cTn>
+              <p:prevCondLst>
+                <p:cond evt="onPrev" delay="0">
+                  <p:tgtEl>
+                    <p:sldTgt/>
+                  </p:tgtEl>
+                </p:cond>
+              </p:prevCondLst>
+              <p:nextCondLst>
+                <p:cond evt="onNext" delay="0">
+                  <p:tgtEl>
+                    <p:sldTgt/>
+                  </p:tgtEl>
+                </p:cond>
+              </p:nextCondLst>
+            </p:seq>
+          </p:childTnLst>
+        </p:cTn>
       </p:par>
     </p:tnLst>
   </p:timing>
 </p:sld>
 </file>
 
-<file path=ppt/slides/slide35.xml><?xml version="1.0" encoding="utf-8"?>
+<file path=ppt/slides/slide37.xml><?xml version="1.0" encoding="utf-8"?>
 <p:sld xmlns:a="http://schemas.openxmlformats.org/drawingml/2006/main" xmlns:r="http://schemas.openxmlformats.org/officeDocument/2006/relationships" xmlns:p="http://schemas.openxmlformats.org/presentationml/2006/main">
   <p:cSld>
     <p:spTree>
@@ -18614,7 +19502,7 @@
 </p:sld>
 </file>
 
-<file path=ppt/slides/slide36.xml><?xml version="1.0" encoding="utf-8"?>
+<file path=ppt/slides/slide38.xml><?xml version="1.0" encoding="utf-8"?>
 <p:sld xmlns:a="http://schemas.openxmlformats.org/drawingml/2006/main" xmlns:r="http://schemas.openxmlformats.org/officeDocument/2006/relationships" xmlns:p="http://schemas.openxmlformats.org/presentationml/2006/main">
   <p:cSld>
     <p:spTree>

--- a/lectures/02.observer/observer.pptx
+++ b/lectures/02.observer/observer.pptx
@@ -5,52 +5,55 @@
     <p:sldMasterId id="2147483672" r:id="rId1"/>
   </p:sldMasterIdLst>
   <p:notesMasterIdLst>
-    <p:notesMasterId r:id="rId40"/>
+    <p:notesMasterId r:id="rId43"/>
   </p:notesMasterIdLst>
   <p:sldIdLst>
     <p:sldId id="256" r:id="rId2"/>
-    <p:sldId id="257" r:id="rId3"/>
-    <p:sldId id="258" r:id="rId4"/>
-    <p:sldId id="261" r:id="rId5"/>
-    <p:sldId id="259" r:id="rId6"/>
-    <p:sldId id="260" r:id="rId7"/>
-    <p:sldId id="262" r:id="rId8"/>
-    <p:sldId id="263" r:id="rId9"/>
-    <p:sldId id="264" r:id="rId10"/>
-    <p:sldId id="265" r:id="rId11"/>
-    <p:sldId id="266" r:id="rId12"/>
-    <p:sldId id="267" r:id="rId13"/>
-    <p:sldId id="269" r:id="rId14"/>
-    <p:sldId id="268" r:id="rId15"/>
-    <p:sldId id="270" r:id="rId16"/>
-    <p:sldId id="286" r:id="rId17"/>
-    <p:sldId id="271" r:id="rId18"/>
-    <p:sldId id="272" r:id="rId19"/>
-    <p:sldId id="273" r:id="rId20"/>
-    <p:sldId id="274" r:id="rId21"/>
-    <p:sldId id="275" r:id="rId22"/>
-    <p:sldId id="276" r:id="rId23"/>
-    <p:sldId id="277" r:id="rId24"/>
-    <p:sldId id="279" r:id="rId25"/>
-    <p:sldId id="278" r:id="rId26"/>
-    <p:sldId id="292" r:id="rId27"/>
-    <p:sldId id="280" r:id="rId28"/>
-    <p:sldId id="293" r:id="rId29"/>
-    <p:sldId id="281" r:id="rId30"/>
-    <p:sldId id="282" r:id="rId31"/>
-    <p:sldId id="283" r:id="rId32"/>
-    <p:sldId id="284" r:id="rId33"/>
-    <p:sldId id="285" r:id="rId34"/>
-    <p:sldId id="287" r:id="rId35"/>
-    <p:sldId id="288" r:id="rId36"/>
-    <p:sldId id="289" r:id="rId37"/>
-    <p:sldId id="290" r:id="rId38"/>
-    <p:sldId id="291" r:id="rId39"/>
+    <p:sldId id="294" r:id="rId3"/>
+    <p:sldId id="296" r:id="rId4"/>
+    <p:sldId id="295" r:id="rId5"/>
+    <p:sldId id="257" r:id="rId6"/>
+    <p:sldId id="258" r:id="rId7"/>
+    <p:sldId id="261" r:id="rId8"/>
+    <p:sldId id="259" r:id="rId9"/>
+    <p:sldId id="260" r:id="rId10"/>
+    <p:sldId id="262" r:id="rId11"/>
+    <p:sldId id="263" r:id="rId12"/>
+    <p:sldId id="264" r:id="rId13"/>
+    <p:sldId id="265" r:id="rId14"/>
+    <p:sldId id="266" r:id="rId15"/>
+    <p:sldId id="267" r:id="rId16"/>
+    <p:sldId id="269" r:id="rId17"/>
+    <p:sldId id="268" r:id="rId18"/>
+    <p:sldId id="270" r:id="rId19"/>
+    <p:sldId id="286" r:id="rId20"/>
+    <p:sldId id="271" r:id="rId21"/>
+    <p:sldId id="272" r:id="rId22"/>
+    <p:sldId id="273" r:id="rId23"/>
+    <p:sldId id="274" r:id="rId24"/>
+    <p:sldId id="275" r:id="rId25"/>
+    <p:sldId id="276" r:id="rId26"/>
+    <p:sldId id="277" r:id="rId27"/>
+    <p:sldId id="279" r:id="rId28"/>
+    <p:sldId id="278" r:id="rId29"/>
+    <p:sldId id="292" r:id="rId30"/>
+    <p:sldId id="280" r:id="rId31"/>
+    <p:sldId id="293" r:id="rId32"/>
+    <p:sldId id="281" r:id="rId33"/>
+    <p:sldId id="282" r:id="rId34"/>
+    <p:sldId id="283" r:id="rId35"/>
+    <p:sldId id="284" r:id="rId36"/>
+    <p:sldId id="285" r:id="rId37"/>
+    <p:sldId id="287" r:id="rId38"/>
+    <p:sldId id="288" r:id="rId39"/>
+    <p:sldId id="289" r:id="rId40"/>
+    <p:sldId id="290" r:id="rId41"/>
+    <p:sldId id="291" r:id="rId42"/>
   </p:sldIdLst>
   <p:sldSz cx="9144000" cy="6858000" type="screen4x3"/>
   <p:notesSz cx="6858000" cy="9144000"/>
   <p:custDataLst>
-    <p:tags r:id="rId41"/>
+    <p:tags r:id="rId44"/>
   </p:custDataLst>
   <p:defaultTextStyle>
     <a:defPPr>
@@ -248,7 +251,7 @@
           <a:p>
             <a:fld id="{2F3DCB6D-0B48-4A3D-B663-06C3F903A9D3}" type="datetimeFigureOut">
               <a:rPr lang="ru-RU" smtClean="0"/>
-              <a:t>10.09.2020</a:t>
+              <a:t>15.09.2022</a:t>
             </a:fld>
             <a:endParaRPr lang="ru-RU"/>
           </a:p>
@@ -312,38 +315,37 @@
           <a:p>
             <a:pPr lvl="0"/>
             <a:r>
-              <a:rPr lang="ru-RU" smtClean="0"/>
+              <a:rPr lang="ru-RU"/>
               <a:t>Образец текста</a:t>
             </a:r>
           </a:p>
           <a:p>
             <a:pPr lvl="1"/>
             <a:r>
-              <a:rPr lang="ru-RU" smtClean="0"/>
+              <a:rPr lang="ru-RU"/>
               <a:t>Второй уровень</a:t>
             </a:r>
           </a:p>
           <a:p>
             <a:pPr lvl="2"/>
             <a:r>
-              <a:rPr lang="ru-RU" smtClean="0"/>
+              <a:rPr lang="ru-RU"/>
               <a:t>Третий уровень</a:t>
             </a:r>
           </a:p>
           <a:p>
             <a:pPr lvl="3"/>
             <a:r>
-              <a:rPr lang="ru-RU" smtClean="0"/>
+              <a:rPr lang="ru-RU"/>
               <a:t>Четвертый уровень</a:t>
             </a:r>
           </a:p>
           <a:p>
             <a:pPr lvl="4"/>
             <a:r>
-              <a:rPr lang="ru-RU" smtClean="0"/>
+              <a:rPr lang="ru-RU"/>
               <a:t>Пятый уровень</a:t>
             </a:r>
-            <a:endParaRPr lang="ru-RU"/>
           </a:p>
         </p:txBody>
       </p:sp>
@@ -535,7 +537,7 @@
       </p:grpSpPr>
       <p:sp>
         <p:nvSpPr>
-          <p:cNvPr id="2" name="Slide Image Placeholder 1"/>
+          <p:cNvPr id="2" name="Образ слайда 1"/>
           <p:cNvSpPr>
             <a:spLocks noGrp="1" noRot="1" noChangeAspect="1"/>
           </p:cNvSpPr>
@@ -547,7 +549,7 @@
       </p:sp>
       <p:sp>
         <p:nvSpPr>
-          <p:cNvPr id="3" name="Notes Placeholder 2"/>
+          <p:cNvPr id="3" name="Заметки 2"/>
           <p:cNvSpPr>
             <a:spLocks noGrp="1"/>
           </p:cNvSpPr>
@@ -560,111 +562,18 @@
           <a:bodyPr/>
           <a:lstStyle/>
           <a:p>
-            <a:r>
-              <a:rPr lang="ru-RU" b="1" dirty="0" smtClean="0"/>
-              <a:t>Задание</a:t>
-            </a:r>
-          </a:p>
-          <a:p>
-            <a:r>
-              <a:rPr lang="ru-RU" dirty="0" smtClean="0"/>
-              <a:t>Метеостанция работает на основе объекта </a:t>
-            </a:r>
-            <a:r>
-              <a:rPr lang="en-US" dirty="0" err="1" smtClean="0"/>
-              <a:t>WeatherData</a:t>
-            </a:r>
-            <a:r>
-              <a:rPr lang="ru-RU" dirty="0" smtClean="0"/>
-              <a:t>, отслеживающего</a:t>
-            </a:r>
-            <a:r>
-              <a:rPr lang="ru-RU" baseline="0" dirty="0" smtClean="0"/>
-              <a:t> текущие погодные условия</a:t>
-            </a:r>
-          </a:p>
-          <a:p>
-            <a:r>
-              <a:rPr lang="ru-RU" baseline="0" dirty="0" smtClean="0"/>
-              <a:t>Необходимо создать приложение, которое отображает 3 визуальных элемента:</a:t>
-            </a:r>
-          </a:p>
-          <a:p>
-            <a:pPr marL="171450" indent="-171450">
-              <a:buFont typeface="Arial" panose="020B0604020202020204" pitchFamily="34" charset="0"/>
-              <a:buChar char="•"/>
-            </a:pPr>
-            <a:r>
-              <a:rPr lang="ru-RU" baseline="0" dirty="0" smtClean="0"/>
-              <a:t>Текущие условия</a:t>
-            </a:r>
-          </a:p>
-          <a:p>
-            <a:pPr marL="171450" indent="-171450">
-              <a:buFont typeface="Arial" panose="020B0604020202020204" pitchFamily="34" charset="0"/>
-              <a:buChar char="•"/>
-            </a:pPr>
-            <a:r>
-              <a:rPr lang="ru-RU" baseline="0" dirty="0" smtClean="0"/>
-              <a:t>Статистика (минимум, максимум, среднее)</a:t>
-            </a:r>
-          </a:p>
-          <a:p>
-            <a:pPr marL="171450" indent="-171450">
-              <a:buFont typeface="Arial" panose="020B0604020202020204" pitchFamily="34" charset="0"/>
-              <a:buChar char="•"/>
-            </a:pPr>
-            <a:r>
-              <a:rPr lang="ru-RU" dirty="0" smtClean="0"/>
-              <a:t>Прогноз</a:t>
-            </a:r>
-          </a:p>
-          <a:p>
-            <a:pPr marL="171450" indent="-171450">
-              <a:buFont typeface="Arial" panose="020B0604020202020204" pitchFamily="34" charset="0"/>
-              <a:buChar char="•"/>
-            </a:pPr>
-            <a:endParaRPr lang="ru-RU" dirty="0" smtClean="0"/>
-          </a:p>
-          <a:p>
-            <a:pPr marL="0" indent="0">
-              <a:buFont typeface="Arial" panose="020B0604020202020204" pitchFamily="34" charset="0"/>
-              <a:buNone/>
-            </a:pPr>
-            <a:r>
-              <a:rPr lang="ru-RU" dirty="0" smtClean="0"/>
-              <a:t>Предусмотреть возможность расширения программы. Нужно определить </a:t>
-            </a:r>
-            <a:r>
-              <a:rPr lang="en-US" dirty="0" smtClean="0"/>
-              <a:t>API</a:t>
-            </a:r>
-            <a:r>
-              <a:rPr lang="ru-RU" dirty="0" smtClean="0"/>
-              <a:t>,</a:t>
-            </a:r>
-            <a:r>
-              <a:rPr lang="ru-RU" baseline="0" dirty="0" smtClean="0"/>
-              <a:t> чтобы другие разработчики могли писать собственные визуальные элементы для отображения погоды и подключать их к приложению.</a:t>
-            </a:r>
-          </a:p>
-          <a:p>
-            <a:pPr marL="0" indent="0">
-              <a:buFont typeface="Arial" panose="020B0604020202020204" pitchFamily="34" charset="0"/>
-              <a:buNone/>
-            </a:pPr>
-            <a:endParaRPr lang="ru-RU" baseline="0" dirty="0" smtClean="0"/>
+            <a:endParaRPr lang="ru-RU" dirty="0"/>
           </a:p>
         </p:txBody>
       </p:sp>
       <p:sp>
         <p:nvSpPr>
-          <p:cNvPr id="4" name="Slide Number Placeholder 3"/>
+          <p:cNvPr id="4" name="Номер слайда 3"/>
           <p:cNvSpPr>
             <a:spLocks noGrp="1"/>
           </p:cNvSpPr>
           <p:nvPr>
-            <p:ph type="sldNum" sz="quarter" idx="10"/>
+            <p:ph type="sldNum" sz="quarter" idx="5"/>
           </p:nvPr>
         </p:nvSpPr>
         <p:spPr/>
@@ -674,7 +583,7 @@
           <a:p>
             <a:fld id="{C72A1285-F988-4153-B7C5-B887A867730D}" type="slidenum">
               <a:rPr lang="ru-RU" smtClean="0"/>
-              <a:t>2</a:t>
+              <a:t>3</a:t>
             </a:fld>
             <a:endParaRPr lang="ru-RU"/>
           </a:p>
@@ -683,7 +592,7 @@
     </p:spTree>
     <p:extLst>
       <p:ext uri="{BB962C8B-B14F-4D97-AF65-F5344CB8AC3E}">
-        <p14:creationId xmlns:p14="http://schemas.microsoft.com/office/powerpoint/2010/main" val="2434433173"/>
+        <p14:creationId xmlns:p14="http://schemas.microsoft.com/office/powerpoint/2010/main" val="4163581315"/>
       </p:ext>
     </p:extLst>
   </p:cSld>
@@ -712,7 +621,7 @@
       </p:grpSpPr>
       <p:sp>
         <p:nvSpPr>
-          <p:cNvPr id="2" name="Slide Image Placeholder 1"/>
+          <p:cNvPr id="2" name="Образ слайда 1"/>
           <p:cNvSpPr>
             <a:spLocks noGrp="1" noRot="1" noChangeAspect="1"/>
           </p:cNvSpPr>
@@ -724,7 +633,7 @@
       </p:sp>
       <p:sp>
         <p:nvSpPr>
-          <p:cNvPr id="3" name="Notes Placeholder 2"/>
+          <p:cNvPr id="3" name="Заметки 2"/>
           <p:cNvSpPr>
             <a:spLocks noGrp="1"/>
           </p:cNvSpPr>
@@ -743,12 +652,12 @@
       </p:sp>
       <p:sp>
         <p:nvSpPr>
-          <p:cNvPr id="4" name="Slide Number Placeholder 3"/>
+          <p:cNvPr id="4" name="Номер слайда 3"/>
           <p:cNvSpPr>
             <a:spLocks noGrp="1"/>
           </p:cNvSpPr>
           <p:nvPr>
-            <p:ph type="sldNum" sz="quarter" idx="10"/>
+            <p:ph type="sldNum" sz="quarter" idx="5"/>
           </p:nvPr>
         </p:nvSpPr>
         <p:spPr/>
@@ -758,7 +667,7 @@
           <a:p>
             <a:fld id="{C72A1285-F988-4153-B7C5-B887A867730D}" type="slidenum">
               <a:rPr lang="ru-RU" smtClean="0"/>
-              <a:t>3</a:t>
+              <a:t>4</a:t>
             </a:fld>
             <a:endParaRPr lang="ru-RU"/>
           </a:p>
@@ -767,7 +676,7 @@
     </p:spTree>
     <p:extLst>
       <p:ext uri="{BB962C8B-B14F-4D97-AF65-F5344CB8AC3E}">
-        <p14:creationId xmlns:p14="http://schemas.microsoft.com/office/powerpoint/2010/main" val="3714276040"/>
+        <p14:creationId xmlns:p14="http://schemas.microsoft.com/office/powerpoint/2010/main" val="2414736207"/>
       </p:ext>
     </p:extLst>
   </p:cSld>
@@ -822,54 +731,99 @@
           <a:lstStyle/>
           <a:p>
             <a:r>
-              <a:rPr lang="ru-RU" dirty="0" smtClean="0"/>
-              <a:t>Объект </a:t>
-            </a:r>
-            <a:r>
-              <a:rPr lang="ru-RU" dirty="0" err="1" smtClean="0"/>
+              <a:rPr lang="ru-RU" b="1" dirty="0"/>
+              <a:t>Задание</a:t>
+            </a:r>
+          </a:p>
+          <a:p>
+            <a:r>
+              <a:rPr lang="ru-RU" dirty="0"/>
+              <a:t>Метеостанция работает на основе объекта </a:t>
+            </a:r>
+            <a:r>
+              <a:rPr lang="en-US" dirty="0" err="1"/>
               <a:t>WeatherData</a:t>
             </a:r>
             <a:r>
-              <a:rPr lang="ru-RU" dirty="0" smtClean="0"/>
-              <a:t> предоставляет </a:t>
-            </a:r>
-            <a:r>
-              <a:rPr lang="ru-RU" dirty="0" err="1" smtClean="0"/>
-              <a:t>get</a:t>
-            </a:r>
-            <a:r>
-              <a:rPr lang="ru-RU" dirty="0" smtClean="0"/>
-              <a:t>-методы для получения текущих значений датчиков</a:t>
-            </a:r>
-          </a:p>
-          <a:p>
-            <a:endParaRPr lang="en-US" dirty="0" smtClean="0"/>
-          </a:p>
-          <a:p>
-            <a:r>
-              <a:rPr lang="ru-RU" dirty="0" smtClean="0"/>
-              <a:t>Метод</a:t>
-            </a:r>
-            <a:r>
-              <a:rPr lang="ru-RU" baseline="0" dirty="0" smtClean="0"/>
-              <a:t> </a:t>
-            </a:r>
-            <a:r>
-              <a:rPr lang="en-US" baseline="0" dirty="0" err="1" smtClean="0"/>
-              <a:t>MeasurementsChanged</a:t>
-            </a:r>
-            <a:r>
-              <a:rPr lang="en-US" baseline="0" dirty="0" smtClean="0"/>
-              <a:t> </a:t>
-            </a:r>
-            <a:r>
-              <a:rPr lang="ru-RU" baseline="0" dirty="0" smtClean="0"/>
-              <a:t>вызывается при появлении новых метеорологических данных. Как он вызывается – не важно. Важно знать, что он вызывается.</a:t>
-            </a:r>
-            <a:endParaRPr lang="en-US" baseline="0" dirty="0" smtClean="0"/>
-          </a:p>
-          <a:p>
-            <a:endParaRPr lang="en-US" baseline="0" dirty="0" smtClean="0"/>
+              <a:rPr lang="ru-RU" dirty="0"/>
+              <a:t>, отслеживающего</a:t>
+            </a:r>
+            <a:r>
+              <a:rPr lang="ru-RU" baseline="0" dirty="0"/>
+              <a:t> текущие погодные условия</a:t>
+            </a:r>
+          </a:p>
+          <a:p>
+            <a:r>
+              <a:rPr lang="ru-RU" baseline="0" dirty="0"/>
+              <a:t>Необходимо создать приложение, которое отображает 3 визуальных элемента:</a:t>
+            </a:r>
+          </a:p>
+          <a:p>
+            <a:pPr marL="171450" indent="-171450">
+              <a:buFont typeface="Arial" panose="020B0604020202020204" pitchFamily="34" charset="0"/>
+              <a:buChar char="•"/>
+            </a:pPr>
+            <a:r>
+              <a:rPr lang="ru-RU" baseline="0" dirty="0"/>
+              <a:t>Текущие условия</a:t>
+            </a:r>
+          </a:p>
+          <a:p>
+            <a:pPr marL="171450" indent="-171450">
+              <a:buFont typeface="Arial" panose="020B0604020202020204" pitchFamily="34" charset="0"/>
+              <a:buChar char="•"/>
+            </a:pPr>
+            <a:r>
+              <a:rPr lang="ru-RU" baseline="0" dirty="0"/>
+              <a:t>Статистика (минимум, максимум, среднее)</a:t>
+            </a:r>
+          </a:p>
+          <a:p>
+            <a:pPr marL="171450" indent="-171450">
+              <a:buFont typeface="Arial" panose="020B0604020202020204" pitchFamily="34" charset="0"/>
+              <a:buChar char="•"/>
+            </a:pPr>
+            <a:r>
+              <a:rPr lang="ru-RU" dirty="0"/>
+              <a:t>Прогноз</a:t>
+            </a:r>
+          </a:p>
+          <a:p>
+            <a:pPr marL="171450" indent="-171450">
+              <a:buFont typeface="Arial" panose="020B0604020202020204" pitchFamily="34" charset="0"/>
+              <a:buChar char="•"/>
+            </a:pPr>
+            <a:endParaRPr lang="ru-RU" dirty="0"/>
+          </a:p>
+          <a:p>
+            <a:pPr marL="0" indent="0">
+              <a:buFont typeface="Arial" panose="020B0604020202020204" pitchFamily="34" charset="0"/>
+              <a:buNone/>
+            </a:pPr>
+            <a:r>
+              <a:rPr lang="ru-RU" dirty="0"/>
+              <a:t>Предусмотреть возможность расширения программы. Нужно определить </a:t>
+            </a:r>
+            <a:r>
+              <a:rPr lang="en-US" dirty="0"/>
+              <a:t>API</a:t>
+            </a:r>
+            <a:r>
+              <a:rPr lang="ru-RU" dirty="0"/>
+              <a:t>,</a:t>
+            </a:r>
+            <a:r>
+              <a:rPr lang="ru-RU" baseline="0" dirty="0"/>
+              <a:t> чтобы другие разработчики могли писать собственные визуальные элементы для отображения погоды и подключать их к приложению.</a:t>
+            </a:r>
+          </a:p>
+          <a:p>
+            <a:pPr marL="0" indent="0">
+              <a:buFont typeface="Arial" panose="020B0604020202020204" pitchFamily="34" charset="0"/>
+              <a:buNone/>
+            </a:pPr>
+            <a:endParaRPr lang="ru-RU" baseline="0" dirty="0"/>
           </a:p>
         </p:txBody>
       </p:sp>
@@ -899,7 +853,7 @@
     </p:spTree>
     <p:extLst>
       <p:ext uri="{BB962C8B-B14F-4D97-AF65-F5344CB8AC3E}">
-        <p14:creationId xmlns:p14="http://schemas.microsoft.com/office/powerpoint/2010/main" val="1880967505"/>
+        <p14:creationId xmlns:p14="http://schemas.microsoft.com/office/powerpoint/2010/main" val="2434433173"/>
       </p:ext>
     </p:extLst>
   </p:cSld>
@@ -953,34 +907,6 @@
           <a:bodyPr/>
           <a:lstStyle/>
           <a:p>
-            <a:r>
-              <a:rPr lang="ru-RU" dirty="0" smtClean="0"/>
-              <a:t>Наивная реализация предполагает</a:t>
-            </a:r>
-            <a:r>
-              <a:rPr lang="ru-RU" baseline="0" dirty="0" smtClean="0"/>
-              <a:t> разместить объекты-датчики в полях класса </a:t>
-            </a:r>
-            <a:r>
-              <a:rPr lang="en-US" baseline="0" dirty="0" err="1" smtClean="0"/>
-              <a:t>CWeatherData</a:t>
-            </a:r>
-            <a:r>
-              <a:rPr lang="en-US" baseline="0" dirty="0" smtClean="0"/>
-              <a:t> </a:t>
-            </a:r>
-            <a:r>
-              <a:rPr lang="ru-RU" baseline="0" dirty="0" smtClean="0"/>
-              <a:t>и в методе </a:t>
-            </a:r>
-            <a:r>
-              <a:rPr lang="en-US" baseline="0" dirty="0" err="1" smtClean="0"/>
-              <a:t>MeasurementsChanged</a:t>
-            </a:r>
-            <a:r>
-              <a:rPr lang="ru-RU" baseline="0" dirty="0" smtClean="0"/>
-              <a:t> обновляем показания датчиков</a:t>
-            </a:r>
             <a:endParaRPr lang="ru-RU" dirty="0"/>
           </a:p>
         </p:txBody>
@@ -1002,7 +928,7 @@
           <a:p>
             <a:fld id="{C72A1285-F988-4153-B7C5-B887A867730D}" type="slidenum">
               <a:rPr lang="ru-RU" smtClean="0"/>
-              <a:t>7</a:t>
+              <a:t>6</a:t>
             </a:fld>
             <a:endParaRPr lang="ru-RU"/>
           </a:p>
@@ -1011,7 +937,7 @@
     </p:spTree>
     <p:extLst>
       <p:ext uri="{BB962C8B-B14F-4D97-AF65-F5344CB8AC3E}">
-        <p14:creationId xmlns:p14="http://schemas.microsoft.com/office/powerpoint/2010/main" val="2296307107"/>
+        <p14:creationId xmlns:p14="http://schemas.microsoft.com/office/powerpoint/2010/main" val="3714276040"/>
       </p:ext>
     </p:extLst>
   </p:cSld>
@@ -1066,25 +992,54 @@
           <a:lstStyle/>
           <a:p>
             <a:r>
-              <a:rPr lang="ru-RU" dirty="0" smtClean="0"/>
-              <a:t>Субъект управляет некоторыми данными</a:t>
-            </a:r>
-          </a:p>
-          <a:p>
-            <a:r>
-              <a:rPr lang="ru-RU" dirty="0" smtClean="0"/>
-              <a:t>Когда его данные обновляются, наблюдатели получают оповещения.</a:t>
-            </a:r>
-          </a:p>
-          <a:p>
-            <a:r>
-              <a:rPr lang="ru-RU" dirty="0" smtClean="0"/>
-              <a:t>Наблюдатели</a:t>
-            </a:r>
-            <a:r>
-              <a:rPr lang="ru-RU" baseline="0" dirty="0" smtClean="0"/>
-              <a:t> регистрируются у субъекта, чтобы получать оповещения при изменении его данных</a:t>
-            </a:r>
+              <a:rPr lang="ru-RU" dirty="0"/>
+              <a:t>Объект </a:t>
+            </a:r>
+            <a:r>
+              <a:rPr lang="ru-RU" dirty="0" err="1"/>
+              <a:t>WeatherData</a:t>
+            </a:r>
+            <a:r>
+              <a:rPr lang="ru-RU" dirty="0"/>
+              <a:t> предоставляет </a:t>
+            </a:r>
+            <a:r>
+              <a:rPr lang="ru-RU" dirty="0" err="1"/>
+              <a:t>get</a:t>
+            </a:r>
+            <a:r>
+              <a:rPr lang="ru-RU" dirty="0"/>
+              <a:t>-методы для получения текущих значений датчиков</a:t>
+            </a:r>
+          </a:p>
+          <a:p>
+            <a:endParaRPr lang="en-US" dirty="0"/>
+          </a:p>
+          <a:p>
+            <a:r>
+              <a:rPr lang="ru-RU" dirty="0"/>
+              <a:t>Метод</a:t>
+            </a:r>
+            <a:r>
+              <a:rPr lang="ru-RU" baseline="0" dirty="0"/>
+              <a:t> </a:t>
+            </a:r>
+            <a:r>
+              <a:rPr lang="en-US" baseline="0" dirty="0" err="1"/>
+              <a:t>MeasurementsChanged</a:t>
+            </a:r>
+            <a:r>
+              <a:rPr lang="en-US" baseline="0" dirty="0"/>
+              <a:t> </a:t>
+            </a:r>
+            <a:r>
+              <a:rPr lang="ru-RU" baseline="0" dirty="0"/>
+              <a:t>вызывается при появлении новых метеорологических данных. Как он вызывается – не важно. Важно знать, что он вызывается.</a:t>
+            </a:r>
+            <a:endParaRPr lang="en-US" baseline="0" dirty="0"/>
+          </a:p>
+          <a:p>
+            <a:endParaRPr lang="en-US" baseline="0" dirty="0"/>
           </a:p>
         </p:txBody>
       </p:sp>
@@ -1105,7 +1060,7 @@
           <a:p>
             <a:fld id="{C72A1285-F988-4153-B7C5-B887A867730D}" type="slidenum">
               <a:rPr lang="ru-RU" smtClean="0"/>
-              <a:t>16</a:t>
+              <a:t>8</a:t>
             </a:fld>
             <a:endParaRPr lang="ru-RU"/>
           </a:p>
@@ -1114,7 +1069,7 @@
     </p:spTree>
     <p:extLst>
       <p:ext uri="{BB962C8B-B14F-4D97-AF65-F5344CB8AC3E}">
-        <p14:creationId xmlns:p14="http://schemas.microsoft.com/office/powerpoint/2010/main" val="1779929311"/>
+        <p14:creationId xmlns:p14="http://schemas.microsoft.com/office/powerpoint/2010/main" val="1880967505"/>
       </p:ext>
     </p:extLst>
   </p:cSld>
@@ -1168,6 +1123,34 @@
           <a:bodyPr/>
           <a:lstStyle/>
           <a:p>
+            <a:r>
+              <a:rPr lang="ru-RU" dirty="0"/>
+              <a:t>Наивная реализация предполагает</a:t>
+            </a:r>
+            <a:r>
+              <a:rPr lang="ru-RU" baseline="0" dirty="0"/>
+              <a:t> разместить объекты-датчики в полях класса </a:t>
+            </a:r>
+            <a:r>
+              <a:rPr lang="en-US" baseline="0" dirty="0" err="1"/>
+              <a:t>CWeatherData</a:t>
+            </a:r>
+            <a:r>
+              <a:rPr lang="en-US" baseline="0" dirty="0"/>
+              <a:t> </a:t>
+            </a:r>
+            <a:r>
+              <a:rPr lang="ru-RU" baseline="0" dirty="0"/>
+              <a:t>и в методе </a:t>
+            </a:r>
+            <a:r>
+              <a:rPr lang="en-US" baseline="0" dirty="0" err="1"/>
+              <a:t>MeasurementsChanged</a:t>
+            </a:r>
+            <a:r>
+              <a:rPr lang="ru-RU" baseline="0" dirty="0"/>
+              <a:t> обновляем показания датчиков</a:t>
+            </a:r>
             <a:endParaRPr lang="ru-RU" dirty="0"/>
           </a:p>
         </p:txBody>
@@ -1189,7 +1172,194 @@
           <a:p>
             <a:fld id="{C72A1285-F988-4153-B7C5-B887A867730D}" type="slidenum">
               <a:rPr lang="ru-RU" smtClean="0"/>
-              <a:t>37</a:t>
+              <a:t>10</a:t>
+            </a:fld>
+            <a:endParaRPr lang="ru-RU"/>
+          </a:p>
+        </p:txBody>
+      </p:sp>
+    </p:spTree>
+    <p:extLst>
+      <p:ext uri="{BB962C8B-B14F-4D97-AF65-F5344CB8AC3E}">
+        <p14:creationId xmlns:p14="http://schemas.microsoft.com/office/powerpoint/2010/main" val="2296307107"/>
+      </p:ext>
+    </p:extLst>
+  </p:cSld>
+  <p:clrMapOvr>
+    <a:masterClrMapping/>
+  </p:clrMapOvr>
+</p:notes>
+</file>
+
+<file path=ppt/notesSlides/notesSlide7.xml><?xml version="1.0" encoding="utf-8"?>
+<p:notes xmlns:a="http://schemas.openxmlformats.org/drawingml/2006/main" xmlns:r="http://schemas.openxmlformats.org/officeDocument/2006/relationships" xmlns:p="http://schemas.openxmlformats.org/presentationml/2006/main">
+  <p:cSld>
+    <p:spTree>
+      <p:nvGrpSpPr>
+        <p:cNvPr id="1" name=""/>
+        <p:cNvGrpSpPr/>
+        <p:nvPr/>
+      </p:nvGrpSpPr>
+      <p:grpSpPr>
+        <a:xfrm>
+          <a:off x="0" y="0"/>
+          <a:ext cx="0" cy="0"/>
+          <a:chOff x="0" y="0"/>
+          <a:chExt cx="0" cy="0"/>
+        </a:xfrm>
+      </p:grpSpPr>
+      <p:sp>
+        <p:nvSpPr>
+          <p:cNvPr id="2" name="Slide Image Placeholder 1"/>
+          <p:cNvSpPr>
+            <a:spLocks noGrp="1" noRot="1" noChangeAspect="1"/>
+          </p:cNvSpPr>
+          <p:nvPr>
+            <p:ph type="sldImg"/>
+          </p:nvPr>
+        </p:nvSpPr>
+        <p:spPr/>
+      </p:sp>
+      <p:sp>
+        <p:nvSpPr>
+          <p:cNvPr id="3" name="Notes Placeholder 2"/>
+          <p:cNvSpPr>
+            <a:spLocks noGrp="1"/>
+          </p:cNvSpPr>
+          <p:nvPr>
+            <p:ph type="body" idx="1"/>
+          </p:nvPr>
+        </p:nvSpPr>
+        <p:spPr/>
+        <p:txBody>
+          <a:bodyPr/>
+          <a:lstStyle/>
+          <a:p>
+            <a:r>
+              <a:rPr lang="ru-RU" dirty="0"/>
+              <a:t>Субъект управляет некоторыми данными</a:t>
+            </a:r>
+          </a:p>
+          <a:p>
+            <a:r>
+              <a:rPr lang="ru-RU" dirty="0"/>
+              <a:t>Когда его данные обновляются, наблюдатели получают оповещения.</a:t>
+            </a:r>
+          </a:p>
+          <a:p>
+            <a:r>
+              <a:rPr lang="ru-RU" dirty="0"/>
+              <a:t>Наблюдатели</a:t>
+            </a:r>
+            <a:r>
+              <a:rPr lang="ru-RU" baseline="0" dirty="0"/>
+              <a:t> регистрируются у субъекта, чтобы получать оповещения при изменении его данных</a:t>
+            </a:r>
+          </a:p>
+        </p:txBody>
+      </p:sp>
+      <p:sp>
+        <p:nvSpPr>
+          <p:cNvPr id="4" name="Slide Number Placeholder 3"/>
+          <p:cNvSpPr>
+            <a:spLocks noGrp="1"/>
+          </p:cNvSpPr>
+          <p:nvPr>
+            <p:ph type="sldNum" sz="quarter" idx="10"/>
+          </p:nvPr>
+        </p:nvSpPr>
+        <p:spPr/>
+        <p:txBody>
+          <a:bodyPr/>
+          <a:lstStyle/>
+          <a:p>
+            <a:fld id="{C72A1285-F988-4153-B7C5-B887A867730D}" type="slidenum">
+              <a:rPr lang="ru-RU" smtClean="0"/>
+              <a:t>19</a:t>
+            </a:fld>
+            <a:endParaRPr lang="ru-RU"/>
+          </a:p>
+        </p:txBody>
+      </p:sp>
+    </p:spTree>
+    <p:extLst>
+      <p:ext uri="{BB962C8B-B14F-4D97-AF65-F5344CB8AC3E}">
+        <p14:creationId xmlns:p14="http://schemas.microsoft.com/office/powerpoint/2010/main" val="1779929311"/>
+      </p:ext>
+    </p:extLst>
+  </p:cSld>
+  <p:clrMapOvr>
+    <a:masterClrMapping/>
+  </p:clrMapOvr>
+</p:notes>
+</file>
+
+<file path=ppt/notesSlides/notesSlide8.xml><?xml version="1.0" encoding="utf-8"?>
+<p:notes xmlns:a="http://schemas.openxmlformats.org/drawingml/2006/main" xmlns:r="http://schemas.openxmlformats.org/officeDocument/2006/relationships" xmlns:p="http://schemas.openxmlformats.org/presentationml/2006/main">
+  <p:cSld>
+    <p:spTree>
+      <p:nvGrpSpPr>
+        <p:cNvPr id="1" name=""/>
+        <p:cNvGrpSpPr/>
+        <p:nvPr/>
+      </p:nvGrpSpPr>
+      <p:grpSpPr>
+        <a:xfrm>
+          <a:off x="0" y="0"/>
+          <a:ext cx="0" cy="0"/>
+          <a:chOff x="0" y="0"/>
+          <a:chExt cx="0" cy="0"/>
+        </a:xfrm>
+      </p:grpSpPr>
+      <p:sp>
+        <p:nvSpPr>
+          <p:cNvPr id="2" name="Slide Image Placeholder 1"/>
+          <p:cNvSpPr>
+            <a:spLocks noGrp="1" noRot="1" noChangeAspect="1"/>
+          </p:cNvSpPr>
+          <p:nvPr>
+            <p:ph type="sldImg"/>
+          </p:nvPr>
+        </p:nvSpPr>
+        <p:spPr/>
+      </p:sp>
+      <p:sp>
+        <p:nvSpPr>
+          <p:cNvPr id="3" name="Notes Placeholder 2"/>
+          <p:cNvSpPr>
+            <a:spLocks noGrp="1"/>
+          </p:cNvSpPr>
+          <p:nvPr>
+            <p:ph type="body" idx="1"/>
+          </p:nvPr>
+        </p:nvSpPr>
+        <p:spPr/>
+        <p:txBody>
+          <a:bodyPr/>
+          <a:lstStyle/>
+          <a:p>
+            <a:endParaRPr lang="ru-RU" dirty="0"/>
+          </a:p>
+        </p:txBody>
+      </p:sp>
+      <p:sp>
+        <p:nvSpPr>
+          <p:cNvPr id="4" name="Slide Number Placeholder 3"/>
+          <p:cNvSpPr>
+            <a:spLocks noGrp="1"/>
+          </p:cNvSpPr>
+          <p:nvPr>
+            <p:ph type="sldNum" sz="quarter" idx="10"/>
+          </p:nvPr>
+        </p:nvSpPr>
+        <p:spPr/>
+        <p:txBody>
+          <a:bodyPr/>
+          <a:lstStyle/>
+          <a:p>
+            <a:fld id="{C72A1285-F988-4153-B7C5-B887A867730D}" type="slidenum">
+              <a:rPr lang="ru-RU" smtClean="0"/>
+              <a:t>40</a:t>
             </a:fld>
             <a:endParaRPr lang="ru-RU"/>
           </a:p>
@@ -1312,7 +1482,7 @@
           </a:lstStyle>
           <a:p>
             <a:r>
-              <a:rPr kumimoji="0" lang="ru-RU" smtClean="0"/>
+              <a:rPr kumimoji="0" lang="ru-RU"/>
               <a:t>Образец заголовка</a:t>
             </a:r>
             <a:endParaRPr kumimoji="0" lang="en-US"/>
@@ -1430,7 +1600,7 @@
           </a:lstStyle>
           <a:p>
             <a:r>
-              <a:rPr kumimoji="0" lang="ru-RU" smtClean="0"/>
+              <a:rPr kumimoji="0" lang="ru-RU"/>
               <a:t>Образец подзаголовка</a:t>
             </a:r>
             <a:endParaRPr kumimoji="0" lang="en-US"/>
@@ -1454,7 +1624,7 @@
           <a:p>
             <a:fld id="{2590F9C9-AB92-4E86-B698-DEC9BF4350FF}" type="datetimeFigureOut">
               <a:rPr lang="ru-RU" smtClean="0"/>
-              <a:t>10.09.2020</a:t>
+              <a:t>15.09.2022</a:t>
             </a:fld>
             <a:endParaRPr lang="ru-RU"/>
           </a:p>
@@ -1559,13 +1729,6 @@
   <p:clrMapOvr>
     <a:overrideClrMapping bg1="dk1" tx1="lt1" bg2="dk2" tx2="lt2" accent1="accent1" accent2="accent2" accent3="accent3" accent4="accent4" accent5="accent5" accent6="accent6" hlink="hlink" folHlink="folHlink"/>
   </p:clrMapOvr>
-  <p:timing>
-    <p:tnLst>
-      <p:par>
-        <p:cTn id="1" dur="indefinite" restart="never" nodeType="tmRoot"/>
-      </p:par>
-    </p:tnLst>
-  </p:timing>
 </p:sldLayout>
 </file>
 
@@ -1602,7 +1765,7 @@
           <a:lstStyle/>
           <a:p>
             <a:r>
-              <a:rPr kumimoji="0" lang="ru-RU" smtClean="0"/>
+              <a:rPr kumimoji="0" lang="ru-RU"/>
               <a:t>Образец заголовка</a:t>
             </a:r>
             <a:endParaRPr kumimoji="0" lang="en-US"/>
@@ -1626,35 +1789,35 @@
           <a:p>
             <a:pPr lvl="0" eaLnBrk="1" latinLnBrk="0" hangingPunct="1"/>
             <a:r>
-              <a:rPr lang="ru-RU" smtClean="0"/>
+              <a:rPr lang="ru-RU"/>
               <a:t>Образец текста</a:t>
             </a:r>
           </a:p>
           <a:p>
             <a:pPr lvl="1" eaLnBrk="1" latinLnBrk="0" hangingPunct="1"/>
             <a:r>
-              <a:rPr lang="ru-RU" smtClean="0"/>
+              <a:rPr lang="ru-RU"/>
               <a:t>Второй уровень</a:t>
             </a:r>
           </a:p>
           <a:p>
             <a:pPr lvl="2" eaLnBrk="1" latinLnBrk="0" hangingPunct="1"/>
             <a:r>
-              <a:rPr lang="ru-RU" smtClean="0"/>
+              <a:rPr lang="ru-RU"/>
               <a:t>Третий уровень</a:t>
             </a:r>
           </a:p>
           <a:p>
             <a:pPr lvl="3" eaLnBrk="1" latinLnBrk="0" hangingPunct="1"/>
             <a:r>
-              <a:rPr lang="ru-RU" smtClean="0"/>
+              <a:rPr lang="ru-RU"/>
               <a:t>Четвертый уровень</a:t>
             </a:r>
           </a:p>
           <a:p>
             <a:pPr lvl="4" eaLnBrk="1" latinLnBrk="0" hangingPunct="1"/>
             <a:r>
-              <a:rPr lang="ru-RU" smtClean="0"/>
+              <a:rPr lang="ru-RU"/>
               <a:t>Пятый уровень</a:t>
             </a:r>
             <a:endParaRPr kumimoji="0" lang="en-US"/>
@@ -1678,7 +1841,7 @@
           <a:p>
             <a:fld id="{2590F9C9-AB92-4E86-B698-DEC9BF4350FF}" type="datetimeFigureOut">
               <a:rPr lang="ru-RU" smtClean="0"/>
-              <a:t>10.09.2020</a:t>
+              <a:t>15.09.2022</a:t>
             </a:fld>
             <a:endParaRPr lang="ru-RU"/>
           </a:p>
@@ -1869,7 +2032,7 @@
           <a:lstStyle/>
           <a:p>
             <a:r>
-              <a:rPr kumimoji="0" lang="ru-RU" smtClean="0"/>
+              <a:rPr kumimoji="0" lang="ru-RU"/>
               <a:t>Образец заголовка</a:t>
             </a:r>
             <a:endParaRPr kumimoji="0" lang="en-US"/>
@@ -1898,35 +2061,35 @@
           <a:p>
             <a:pPr lvl="0" eaLnBrk="1" latinLnBrk="0" hangingPunct="1"/>
             <a:r>
-              <a:rPr lang="ru-RU" smtClean="0"/>
+              <a:rPr lang="ru-RU"/>
               <a:t>Образец текста</a:t>
             </a:r>
           </a:p>
           <a:p>
             <a:pPr lvl="1" eaLnBrk="1" latinLnBrk="0" hangingPunct="1"/>
             <a:r>
-              <a:rPr lang="ru-RU" smtClean="0"/>
+              <a:rPr lang="ru-RU"/>
               <a:t>Второй уровень</a:t>
             </a:r>
           </a:p>
           <a:p>
             <a:pPr lvl="2" eaLnBrk="1" latinLnBrk="0" hangingPunct="1"/>
             <a:r>
-              <a:rPr lang="ru-RU" smtClean="0"/>
+              <a:rPr lang="ru-RU"/>
               <a:t>Третий уровень</a:t>
             </a:r>
           </a:p>
           <a:p>
             <a:pPr lvl="3" eaLnBrk="1" latinLnBrk="0" hangingPunct="1"/>
             <a:r>
-              <a:rPr lang="ru-RU" smtClean="0"/>
+              <a:rPr lang="ru-RU"/>
               <a:t>Четвертый уровень</a:t>
             </a:r>
           </a:p>
           <a:p>
             <a:pPr lvl="4" eaLnBrk="1" latinLnBrk="0" hangingPunct="1"/>
             <a:r>
-              <a:rPr lang="ru-RU" smtClean="0"/>
+              <a:rPr lang="ru-RU"/>
               <a:t>Пятый уровень</a:t>
             </a:r>
             <a:endParaRPr kumimoji="0" lang="en-US"/>
@@ -1950,7 +2113,7 @@
           <a:p>
             <a:fld id="{2590F9C9-AB92-4E86-B698-DEC9BF4350FF}" type="datetimeFigureOut">
               <a:rPr lang="ru-RU" smtClean="0"/>
-              <a:t>10.09.2020</a:t>
+              <a:t>15.09.2022</a:t>
             </a:fld>
             <a:endParaRPr lang="ru-RU"/>
           </a:p>
@@ -2049,7 +2212,7 @@
           <a:lstStyle/>
           <a:p>
             <a:r>
-              <a:rPr kumimoji="0" lang="ru-RU" smtClean="0"/>
+              <a:rPr kumimoji="0" lang="ru-RU"/>
               <a:t>Образец заголовка</a:t>
             </a:r>
             <a:endParaRPr kumimoji="0" lang="en-US"/>
@@ -2073,35 +2236,35 @@
           <a:p>
             <a:pPr lvl="0" eaLnBrk="1" latinLnBrk="0" hangingPunct="1"/>
             <a:r>
-              <a:rPr lang="ru-RU" smtClean="0"/>
+              <a:rPr lang="ru-RU"/>
               <a:t>Образец текста</a:t>
             </a:r>
           </a:p>
           <a:p>
             <a:pPr lvl="1" eaLnBrk="1" latinLnBrk="0" hangingPunct="1"/>
             <a:r>
-              <a:rPr lang="ru-RU" smtClean="0"/>
+              <a:rPr lang="ru-RU"/>
               <a:t>Второй уровень</a:t>
             </a:r>
           </a:p>
           <a:p>
             <a:pPr lvl="2" eaLnBrk="1" latinLnBrk="0" hangingPunct="1"/>
             <a:r>
-              <a:rPr lang="ru-RU" smtClean="0"/>
+              <a:rPr lang="ru-RU"/>
               <a:t>Третий уровень</a:t>
             </a:r>
           </a:p>
           <a:p>
             <a:pPr lvl="3" eaLnBrk="1" latinLnBrk="0" hangingPunct="1"/>
             <a:r>
-              <a:rPr lang="ru-RU" smtClean="0"/>
+              <a:rPr lang="ru-RU"/>
               <a:t>Четвертый уровень</a:t>
             </a:r>
           </a:p>
           <a:p>
             <a:pPr lvl="4" eaLnBrk="1" latinLnBrk="0" hangingPunct="1"/>
             <a:r>
-              <a:rPr lang="ru-RU" smtClean="0"/>
+              <a:rPr lang="ru-RU"/>
               <a:t>Пятый уровень</a:t>
             </a:r>
             <a:endParaRPr kumimoji="0" lang="en-US"/>
@@ -2125,7 +2288,7 @@
           <a:p>
             <a:fld id="{2590F9C9-AB92-4E86-B698-DEC9BF4350FF}" type="datetimeFigureOut">
               <a:rPr lang="ru-RU" smtClean="0"/>
-              <a:t>10.09.2020</a:t>
+              <a:t>15.09.2022</a:t>
             </a:fld>
             <a:endParaRPr lang="ru-RU"/>
           </a:p>
@@ -2178,13 +2341,6 @@
   <p:clrMapOvr>
     <a:masterClrMapping/>
   </p:clrMapOvr>
-  <p:timing>
-    <p:tnLst>
-      <p:par>
-        <p:cTn id="1" dur="indefinite" restart="never" nodeType="tmRoot"/>
-      </p:par>
-    </p:tnLst>
-  </p:timing>
 </p:sldLayout>
 </file>
 
@@ -2344,7 +2500,7 @@
           </a:lstStyle>
           <a:p>
             <a:r>
-              <a:rPr kumimoji="0" lang="ru-RU" smtClean="0"/>
+              <a:rPr kumimoji="0" lang="ru-RU"/>
               <a:t>Образец заголовка</a:t>
             </a:r>
             <a:endParaRPr kumimoji="0" lang="en-US"/>
@@ -2463,7 +2619,7 @@
           <a:p>
             <a:pPr lvl="0" eaLnBrk="1" latinLnBrk="0" hangingPunct="1"/>
             <a:r>
-              <a:rPr kumimoji="0" lang="ru-RU" smtClean="0"/>
+              <a:rPr kumimoji="0" lang="ru-RU"/>
               <a:t>Образец текста</a:t>
             </a:r>
           </a:p>
@@ -2486,7 +2642,7 @@
           <a:p>
             <a:fld id="{2590F9C9-AB92-4E86-B698-DEC9BF4350FF}" type="datetimeFigureOut">
               <a:rPr lang="ru-RU" smtClean="0"/>
-              <a:t>10.09.2020</a:t>
+              <a:t>15.09.2022</a:t>
             </a:fld>
             <a:endParaRPr lang="ru-RU"/>
           </a:p>
@@ -2539,13 +2695,6 @@
   <p:clrMapOvr>
     <a:overrideClrMapping bg1="dk1" tx1="lt1" bg2="dk2" tx2="lt2" accent1="accent1" accent2="accent2" accent3="accent3" accent4="accent4" accent5="accent5" accent6="accent6" hlink="hlink" folHlink="folHlink"/>
   </p:clrMapOvr>
-  <p:timing>
-    <p:tnLst>
-      <p:par>
-        <p:cTn id="1" dur="indefinite" restart="never" nodeType="tmRoot"/>
-      </p:par>
-    </p:tnLst>
-  </p:timing>
 </p:sldLayout>
 </file>
 
@@ -2582,7 +2731,7 @@
           <a:lstStyle/>
           <a:p>
             <a:r>
-              <a:rPr kumimoji="0" lang="ru-RU" smtClean="0"/>
+              <a:rPr kumimoji="0" lang="ru-RU"/>
               <a:t>Образец заголовка</a:t>
             </a:r>
             <a:endParaRPr kumimoji="0" lang="en-US"/>
@@ -2640,35 +2789,35 @@
           <a:p>
             <a:pPr lvl="0" eaLnBrk="1" latinLnBrk="0" hangingPunct="1"/>
             <a:r>
-              <a:rPr lang="ru-RU" smtClean="0"/>
+              <a:rPr lang="ru-RU"/>
               <a:t>Образец текста</a:t>
             </a:r>
           </a:p>
           <a:p>
             <a:pPr lvl="1" eaLnBrk="1" latinLnBrk="0" hangingPunct="1"/>
             <a:r>
-              <a:rPr lang="ru-RU" smtClean="0"/>
+              <a:rPr lang="ru-RU"/>
               <a:t>Второй уровень</a:t>
             </a:r>
           </a:p>
           <a:p>
             <a:pPr lvl="2" eaLnBrk="1" latinLnBrk="0" hangingPunct="1"/>
             <a:r>
-              <a:rPr lang="ru-RU" smtClean="0"/>
+              <a:rPr lang="ru-RU"/>
               <a:t>Третий уровень</a:t>
             </a:r>
           </a:p>
           <a:p>
             <a:pPr lvl="3" eaLnBrk="1" latinLnBrk="0" hangingPunct="1"/>
             <a:r>
-              <a:rPr lang="ru-RU" smtClean="0"/>
+              <a:rPr lang="ru-RU"/>
               <a:t>Четвертый уровень</a:t>
             </a:r>
           </a:p>
           <a:p>
             <a:pPr lvl="4" eaLnBrk="1" latinLnBrk="0" hangingPunct="1"/>
             <a:r>
-              <a:rPr lang="ru-RU" smtClean="0"/>
+              <a:rPr lang="ru-RU"/>
               <a:t>Пятый уровень</a:t>
             </a:r>
             <a:endParaRPr kumimoji="0" lang="en-US"/>
@@ -2726,35 +2875,35 @@
           <a:p>
             <a:pPr lvl="0" eaLnBrk="1" latinLnBrk="0" hangingPunct="1"/>
             <a:r>
-              <a:rPr lang="ru-RU" smtClean="0"/>
+              <a:rPr lang="ru-RU"/>
               <a:t>Образец текста</a:t>
             </a:r>
           </a:p>
           <a:p>
             <a:pPr lvl="1" eaLnBrk="1" latinLnBrk="0" hangingPunct="1"/>
             <a:r>
-              <a:rPr lang="ru-RU" smtClean="0"/>
+              <a:rPr lang="ru-RU"/>
               <a:t>Второй уровень</a:t>
             </a:r>
           </a:p>
           <a:p>
             <a:pPr lvl="2" eaLnBrk="1" latinLnBrk="0" hangingPunct="1"/>
             <a:r>
-              <a:rPr lang="ru-RU" smtClean="0"/>
+              <a:rPr lang="ru-RU"/>
               <a:t>Третий уровень</a:t>
             </a:r>
           </a:p>
           <a:p>
             <a:pPr lvl="3" eaLnBrk="1" latinLnBrk="0" hangingPunct="1"/>
             <a:r>
-              <a:rPr lang="ru-RU" smtClean="0"/>
+              <a:rPr lang="ru-RU"/>
               <a:t>Четвертый уровень</a:t>
             </a:r>
           </a:p>
           <a:p>
             <a:pPr lvl="4" eaLnBrk="1" latinLnBrk="0" hangingPunct="1"/>
             <a:r>
-              <a:rPr lang="ru-RU" smtClean="0"/>
+              <a:rPr lang="ru-RU"/>
               <a:t>Пятый уровень</a:t>
             </a:r>
             <a:endParaRPr kumimoji="0" lang="en-US"/>
@@ -2778,7 +2927,7 @@
           <a:p>
             <a:fld id="{2590F9C9-AB92-4E86-B698-DEC9BF4350FF}" type="datetimeFigureOut">
               <a:rPr lang="ru-RU" smtClean="0"/>
-              <a:t>10.09.2020</a:t>
+              <a:t>15.09.2022</a:t>
             </a:fld>
             <a:endParaRPr lang="ru-RU"/>
           </a:p>
@@ -2872,7 +3021,7 @@
           </a:lstStyle>
           <a:p>
             <a:r>
-              <a:rPr kumimoji="0" lang="ru-RU" smtClean="0"/>
+              <a:rPr kumimoji="0" lang="ru-RU"/>
               <a:t>Образец заголовка</a:t>
             </a:r>
             <a:endParaRPr kumimoji="0" lang="en-US"/>
@@ -2939,7 +3088,7 @@
           <a:p>
             <a:pPr lvl="0" eaLnBrk="1" latinLnBrk="0" hangingPunct="1"/>
             <a:r>
-              <a:rPr kumimoji="0" lang="ru-RU" smtClean="0"/>
+              <a:rPr kumimoji="0" lang="ru-RU"/>
               <a:t>Образец текста</a:t>
             </a:r>
           </a:p>
@@ -2996,35 +3145,35 @@
           <a:p>
             <a:pPr lvl="0" eaLnBrk="1" latinLnBrk="0" hangingPunct="1"/>
             <a:r>
-              <a:rPr lang="ru-RU" smtClean="0"/>
+              <a:rPr lang="ru-RU"/>
               <a:t>Образец текста</a:t>
             </a:r>
           </a:p>
           <a:p>
             <a:pPr lvl="1" eaLnBrk="1" latinLnBrk="0" hangingPunct="1"/>
             <a:r>
-              <a:rPr lang="ru-RU" smtClean="0"/>
+              <a:rPr lang="ru-RU"/>
               <a:t>Второй уровень</a:t>
             </a:r>
           </a:p>
           <a:p>
             <a:pPr lvl="2" eaLnBrk="1" latinLnBrk="0" hangingPunct="1"/>
             <a:r>
-              <a:rPr lang="ru-RU" smtClean="0"/>
+              <a:rPr lang="ru-RU"/>
               <a:t>Третий уровень</a:t>
             </a:r>
           </a:p>
           <a:p>
             <a:pPr lvl="3" eaLnBrk="1" latinLnBrk="0" hangingPunct="1"/>
             <a:r>
-              <a:rPr lang="ru-RU" smtClean="0"/>
+              <a:rPr lang="ru-RU"/>
               <a:t>Четвертый уровень</a:t>
             </a:r>
           </a:p>
           <a:p>
             <a:pPr lvl="4" eaLnBrk="1" latinLnBrk="0" hangingPunct="1"/>
             <a:r>
-              <a:rPr lang="ru-RU" smtClean="0"/>
+              <a:rPr lang="ru-RU"/>
               <a:t>Пятый уровень</a:t>
             </a:r>
             <a:endParaRPr kumimoji="0" lang="en-US"/>
@@ -3091,7 +3240,7 @@
           <a:p>
             <a:pPr lvl="0" eaLnBrk="1" latinLnBrk="0" hangingPunct="1"/>
             <a:r>
-              <a:rPr kumimoji="0" lang="ru-RU" smtClean="0"/>
+              <a:rPr kumimoji="0" lang="ru-RU"/>
               <a:t>Образец текста</a:t>
             </a:r>
           </a:p>
@@ -3148,35 +3297,35 @@
           <a:p>
             <a:pPr lvl="0" eaLnBrk="1" latinLnBrk="0" hangingPunct="1"/>
             <a:r>
-              <a:rPr lang="ru-RU" smtClean="0"/>
+              <a:rPr lang="ru-RU"/>
               <a:t>Образец текста</a:t>
             </a:r>
           </a:p>
           <a:p>
             <a:pPr lvl="1" eaLnBrk="1" latinLnBrk="0" hangingPunct="1"/>
             <a:r>
-              <a:rPr lang="ru-RU" smtClean="0"/>
+              <a:rPr lang="ru-RU"/>
               <a:t>Второй уровень</a:t>
             </a:r>
           </a:p>
           <a:p>
             <a:pPr lvl="2" eaLnBrk="1" latinLnBrk="0" hangingPunct="1"/>
             <a:r>
-              <a:rPr lang="ru-RU" smtClean="0"/>
+              <a:rPr lang="ru-RU"/>
               <a:t>Третий уровень</a:t>
             </a:r>
           </a:p>
           <a:p>
             <a:pPr lvl="3" eaLnBrk="1" latinLnBrk="0" hangingPunct="1"/>
             <a:r>
-              <a:rPr lang="ru-RU" smtClean="0"/>
+              <a:rPr lang="ru-RU"/>
               <a:t>Четвертый уровень</a:t>
             </a:r>
           </a:p>
           <a:p>
             <a:pPr lvl="4" eaLnBrk="1" latinLnBrk="0" hangingPunct="1"/>
             <a:r>
-              <a:rPr lang="ru-RU" smtClean="0"/>
+              <a:rPr lang="ru-RU"/>
               <a:t>Пятый уровень</a:t>
             </a:r>
             <a:endParaRPr kumimoji="0" lang="en-US"/>
@@ -3200,7 +3349,7 @@
           <a:p>
             <a:fld id="{2590F9C9-AB92-4E86-B698-DEC9BF4350FF}" type="datetimeFigureOut">
               <a:rPr lang="ru-RU" smtClean="0"/>
-              <a:t>10.09.2020</a:t>
+              <a:t>15.09.2022</a:t>
             </a:fld>
             <a:endParaRPr lang="ru-RU"/>
           </a:p>
@@ -3289,7 +3438,7 @@
           <a:lstStyle/>
           <a:p>
             <a:r>
-              <a:rPr kumimoji="0" lang="ru-RU" smtClean="0"/>
+              <a:rPr kumimoji="0" lang="ru-RU"/>
               <a:t>Образец заголовка</a:t>
             </a:r>
             <a:endParaRPr kumimoji="0" lang="en-US"/>
@@ -3313,7 +3462,7 @@
           <a:p>
             <a:fld id="{2590F9C9-AB92-4E86-B698-DEC9BF4350FF}" type="datetimeFigureOut">
               <a:rPr lang="ru-RU" smtClean="0"/>
-              <a:t>10.09.2020</a:t>
+              <a:t>15.09.2022</a:t>
             </a:fld>
             <a:endParaRPr lang="ru-RU"/>
           </a:p>
@@ -3366,13 +3515,6 @@
   <p:clrMapOvr>
     <a:masterClrMapping/>
   </p:clrMapOvr>
-  <p:timing>
-    <p:tnLst>
-      <p:par>
-        <p:cTn id="1" dur="indefinite" restart="never" nodeType="tmRoot"/>
-      </p:par>
-    </p:tnLst>
-  </p:timing>
 </p:sldLayout>
 </file>
 
@@ -3410,7 +3552,7 @@
           <a:p>
             <a:fld id="{2590F9C9-AB92-4E86-B698-DEC9BF4350FF}" type="datetimeFigureOut">
               <a:rPr lang="ru-RU" smtClean="0"/>
-              <a:t>10.09.2020</a:t>
+              <a:t>15.09.2022</a:t>
             </a:fld>
             <a:endParaRPr lang="ru-RU"/>
           </a:p>
@@ -3463,13 +3605,6 @@
   <p:clrMapOvr>
     <a:masterClrMapping/>
   </p:clrMapOvr>
-  <p:timing>
-    <p:tnLst>
-      <p:par>
-        <p:cTn id="1" dur="indefinite" restart="never" nodeType="tmRoot"/>
-      </p:par>
-    </p:tnLst>
-  </p:timing>
 </p:sldLayout>
 </file>
 
@@ -3519,7 +3654,7 @@
           </a:lstStyle>
           <a:p>
             <a:r>
-              <a:rPr kumimoji="0" lang="ru-RU" smtClean="0"/>
+              <a:rPr kumimoji="0" lang="ru-RU"/>
               <a:t>Образец заголовка</a:t>
             </a:r>
             <a:endParaRPr kumimoji="0" lang="en-US"/>
@@ -3577,35 +3712,35 @@
           <a:p>
             <a:pPr lvl="0" eaLnBrk="1" latinLnBrk="0" hangingPunct="1"/>
             <a:r>
-              <a:rPr lang="ru-RU" smtClean="0"/>
+              <a:rPr lang="ru-RU"/>
               <a:t>Образец текста</a:t>
             </a:r>
           </a:p>
           <a:p>
             <a:pPr lvl="1" eaLnBrk="1" latinLnBrk="0" hangingPunct="1"/>
             <a:r>
-              <a:rPr lang="ru-RU" smtClean="0"/>
+              <a:rPr lang="ru-RU"/>
               <a:t>Второй уровень</a:t>
             </a:r>
           </a:p>
           <a:p>
             <a:pPr lvl="2" eaLnBrk="1" latinLnBrk="0" hangingPunct="1"/>
             <a:r>
-              <a:rPr lang="ru-RU" smtClean="0"/>
+              <a:rPr lang="ru-RU"/>
               <a:t>Третий уровень</a:t>
             </a:r>
           </a:p>
           <a:p>
             <a:pPr lvl="3" eaLnBrk="1" latinLnBrk="0" hangingPunct="1"/>
             <a:r>
-              <a:rPr lang="ru-RU" smtClean="0"/>
+              <a:rPr lang="ru-RU"/>
               <a:t>Четвертый уровень</a:t>
             </a:r>
           </a:p>
           <a:p>
             <a:pPr lvl="4" eaLnBrk="1" latinLnBrk="0" hangingPunct="1"/>
             <a:r>
-              <a:rPr lang="ru-RU" smtClean="0"/>
+              <a:rPr lang="ru-RU"/>
               <a:t>Пятый уровень</a:t>
             </a:r>
             <a:endParaRPr kumimoji="0" lang="en-US"/>
@@ -3672,7 +3807,7 @@
           <a:p>
             <a:pPr lvl="0" eaLnBrk="1" latinLnBrk="0" hangingPunct="1"/>
             <a:r>
-              <a:rPr kumimoji="0" lang="ru-RU" smtClean="0"/>
+              <a:rPr kumimoji="0" lang="ru-RU"/>
               <a:t>Образец текста</a:t>
             </a:r>
           </a:p>
@@ -3695,7 +3830,7 @@
           <a:p>
             <a:fld id="{2590F9C9-AB92-4E86-B698-DEC9BF4350FF}" type="datetimeFigureOut">
               <a:rPr lang="ru-RU" smtClean="0"/>
-              <a:t>10.09.2020</a:t>
+              <a:t>15.09.2022</a:t>
             </a:fld>
             <a:endParaRPr lang="ru-RU"/>
           </a:p>
@@ -3891,7 +4026,7 @@
           </a:lstStyle>
           <a:p>
             <a:r>
-              <a:rPr kumimoji="0" lang="ru-RU" smtClean="0"/>
+              <a:rPr kumimoji="0" lang="ru-RU"/>
               <a:t>Образец заголовка</a:t>
             </a:r>
             <a:endParaRPr kumimoji="0" lang="en-US"/>
@@ -3962,7 +4097,7 @@
           </a:lstStyle>
           <a:p>
             <a:r>
-              <a:rPr kumimoji="0" lang="ru-RU" smtClean="0"/>
+              <a:rPr kumimoji="0" lang="ru-RU"/>
               <a:t>Вставка рисунка</a:t>
             </a:r>
             <a:endParaRPr kumimoji="0" lang="en-US" dirty="0"/>
@@ -4029,7 +4164,7 @@
           <a:p>
             <a:pPr lvl="0" eaLnBrk="1" latinLnBrk="0" hangingPunct="1"/>
             <a:r>
-              <a:rPr kumimoji="0" lang="ru-RU" smtClean="0"/>
+              <a:rPr kumimoji="0" lang="ru-RU"/>
               <a:t>Образец текста</a:t>
             </a:r>
           </a:p>
@@ -4057,7 +4192,7 @@
           <a:p>
             <a:fld id="{2590F9C9-AB92-4E86-B698-DEC9BF4350FF}" type="datetimeFigureOut">
               <a:rPr lang="ru-RU" smtClean="0"/>
-              <a:t>10.09.2020</a:t>
+              <a:t>15.09.2022</a:t>
             </a:fld>
             <a:endParaRPr lang="ru-RU"/>
           </a:p>
@@ -4377,7 +4512,7 @@
           <a:lstStyle/>
           <a:p>
             <a:r>
-              <a:rPr kumimoji="0" lang="ru-RU" smtClean="0"/>
+              <a:rPr kumimoji="0" lang="ru-RU"/>
               <a:t>Образец заголовка</a:t>
             </a:r>
             <a:endParaRPr kumimoji="0" lang="en-US"/>
@@ -4411,35 +4546,35 @@
           <a:p>
             <a:pPr lvl="0" eaLnBrk="1" latinLnBrk="0" hangingPunct="1"/>
             <a:r>
-              <a:rPr kumimoji="0" lang="ru-RU" smtClean="0"/>
+              <a:rPr kumimoji="0" lang="ru-RU"/>
               <a:t>Образец текста</a:t>
             </a:r>
           </a:p>
           <a:p>
             <a:pPr lvl="1" eaLnBrk="1" latinLnBrk="0" hangingPunct="1"/>
             <a:r>
-              <a:rPr kumimoji="0" lang="ru-RU" smtClean="0"/>
+              <a:rPr kumimoji="0" lang="ru-RU"/>
               <a:t>Второй уровень</a:t>
             </a:r>
           </a:p>
           <a:p>
             <a:pPr lvl="2" eaLnBrk="1" latinLnBrk="0" hangingPunct="1"/>
             <a:r>
-              <a:rPr kumimoji="0" lang="ru-RU" smtClean="0"/>
+              <a:rPr kumimoji="0" lang="ru-RU"/>
               <a:t>Третий уровень</a:t>
             </a:r>
           </a:p>
           <a:p>
             <a:pPr lvl="3" eaLnBrk="1" latinLnBrk="0" hangingPunct="1"/>
             <a:r>
-              <a:rPr kumimoji="0" lang="ru-RU" smtClean="0"/>
+              <a:rPr kumimoji="0" lang="ru-RU"/>
               <a:t>Четвертый уровень</a:t>
             </a:r>
           </a:p>
           <a:p>
             <a:pPr lvl="4" eaLnBrk="1" latinLnBrk="0" hangingPunct="1"/>
             <a:r>
-              <a:rPr kumimoji="0" lang="ru-RU" smtClean="0"/>
+              <a:rPr kumimoji="0" lang="ru-RU"/>
               <a:t>Пятый уровень</a:t>
             </a:r>
             <a:endParaRPr kumimoji="0" lang="en-US"/>
@@ -4482,7 +4617,7 @@
           <a:p>
             <a:fld id="{2590F9C9-AB92-4E86-B698-DEC9BF4350FF}" type="datetimeFigureOut">
               <a:rPr lang="ru-RU" smtClean="0"/>
-              <a:t>10.09.2020</a:t>
+              <a:t>15.09.2022</a:t>
             </a:fld>
             <a:endParaRPr lang="ru-RU"/>
           </a:p>
@@ -4584,13 +4719,6 @@
     <p:sldLayoutId id="2147483682" r:id="rId10"/>
     <p:sldLayoutId id="2147483683" r:id="rId11"/>
   </p:sldLayoutIdLst>
-  <p:timing>
-    <p:tnLst>
-      <p:par>
-        <p:cTn id="1" dur="indefinite" restart="never" nodeType="tmRoot"/>
-      </p:par>
-    </p:tnLst>
-  </p:timing>
   <p:txStyles>
     <p:titleStyle>
       <a:lvl1pPr algn="l" rtl="0" eaLnBrk="1" latinLnBrk="0" hangingPunct="1">
@@ -4911,10 +5039,9 @@
           <a:lstStyle/>
           <a:p>
             <a:r>
-              <a:rPr lang="ru-RU" dirty="0" smtClean="0"/>
+              <a:rPr lang="ru-RU" dirty="0"/>
               <a:t>Паттерн «Наблюдатель»</a:t>
             </a:r>
-            <a:endParaRPr lang="ru-RU" dirty="0"/>
           </a:p>
         </p:txBody>
       </p:sp>
@@ -4934,11 +5061,11 @@
           <a:lstStyle/>
           <a:p>
             <a:r>
-              <a:rPr lang="ru-RU" dirty="0" smtClean="0"/>
+              <a:rPr lang="ru-RU" dirty="0"/>
               <a:t>Лекция </a:t>
             </a:r>
             <a:r>
-              <a:rPr lang="en-US" dirty="0" smtClean="0"/>
+              <a:rPr lang="en-US" dirty="0"/>
               <a:t>2</a:t>
             </a:r>
             <a:endParaRPr lang="ru-RU" dirty="0"/>
@@ -4955,13 +5082,6 @@
   <p:clrMapOvr>
     <a:masterClrMapping/>
   </p:clrMapOvr>
-  <p:timing>
-    <p:tnLst>
-      <p:par>
-        <p:cTn id="1" dur="indefinite" restart="never" nodeType="tmRoot"/>
-      </p:par>
-    </p:tnLst>
-  </p:timing>
 </p:sld>
 </file>
 
@@ -4994,16 +5114,1174 @@
         </p:nvSpPr>
         <p:spPr/>
         <p:txBody>
+          <a:bodyPr/>
+          <a:lstStyle/>
+          <a:p>
+            <a:r>
+              <a:rPr lang="ru-RU" dirty="0"/>
+              <a:t>Наивная реализация</a:t>
+            </a:r>
+          </a:p>
+        </p:txBody>
+      </p:sp>
+      <p:sp>
+        <p:nvSpPr>
+          <p:cNvPr id="4" name="Прямоугольник 3"/>
+          <p:cNvSpPr/>
+          <p:nvPr/>
+        </p:nvSpPr>
+        <p:spPr>
+          <a:xfrm>
+            <a:off x="198190" y="1916832"/>
+            <a:ext cx="8712968" cy="4226798"/>
+          </a:xfrm>
+          <a:prstGeom prst="rect">
+            <a:avLst/>
+          </a:prstGeom>
+        </p:spPr>
+        <p:txBody>
+          <a:bodyPr wrap="square">
+            <a:spAutoFit/>
+          </a:bodyPr>
+          <a:lstStyle/>
+          <a:p>
+            <a:pPr defTabSz="447675">
+              <a:spcAft>
+                <a:spcPts val="0"/>
+              </a:spcAft>
+            </a:pPr>
+            <a:r>
+              <a:rPr lang="ru-RU" sz="1400" dirty="0" err="1">
+                <a:solidFill>
+                  <a:srgbClr val="0000FF"/>
+                </a:solidFill>
+                <a:latin typeface="Consolas"/>
+                <a:ea typeface="Calibri"/>
+                <a:cs typeface="Times New Roman"/>
+              </a:rPr>
+              <a:t>class</a:t>
+            </a:r>
+            <a:r>
+              <a:rPr lang="ru-RU" sz="1400" dirty="0">
+                <a:solidFill>
+                  <a:srgbClr val="000000"/>
+                </a:solidFill>
+                <a:latin typeface="Consolas"/>
+                <a:ea typeface="Calibri"/>
+                <a:cs typeface="Times New Roman"/>
+              </a:rPr>
+              <a:t> </a:t>
+            </a:r>
+            <a:r>
+              <a:rPr lang="ru-RU" sz="1400" dirty="0" err="1">
+                <a:solidFill>
+                  <a:srgbClr val="2B91AF"/>
+                </a:solidFill>
+                <a:latin typeface="Consolas"/>
+                <a:ea typeface="Calibri"/>
+                <a:cs typeface="Times New Roman"/>
+              </a:rPr>
+              <a:t>CWeatherData</a:t>
+            </a:r>
+            <a:endParaRPr lang="ru-RU" sz="1400" dirty="0">
+              <a:ea typeface="Calibri"/>
+              <a:cs typeface="Times New Roman"/>
+            </a:endParaRPr>
+          </a:p>
+          <a:p>
+            <a:pPr defTabSz="447675">
+              <a:spcAft>
+                <a:spcPts val="0"/>
+              </a:spcAft>
+            </a:pPr>
+            <a:r>
+              <a:rPr lang="ru-RU" sz="1400" dirty="0">
+                <a:solidFill>
+                  <a:srgbClr val="000000"/>
+                </a:solidFill>
+                <a:latin typeface="Consolas"/>
+                <a:ea typeface="Calibri"/>
+                <a:cs typeface="Times New Roman"/>
+              </a:rPr>
+              <a:t>{</a:t>
+            </a:r>
+            <a:endParaRPr lang="ru-RU" sz="1400" dirty="0">
+              <a:ea typeface="Calibri"/>
+              <a:cs typeface="Times New Roman"/>
+            </a:endParaRPr>
+          </a:p>
+          <a:p>
+            <a:pPr defTabSz="447675">
+              <a:spcAft>
+                <a:spcPts val="0"/>
+              </a:spcAft>
+            </a:pPr>
+            <a:r>
+              <a:rPr lang="ru-RU" sz="1400" dirty="0" err="1">
+                <a:solidFill>
+                  <a:srgbClr val="0000FF"/>
+                </a:solidFill>
+                <a:latin typeface="Consolas"/>
+                <a:ea typeface="Calibri"/>
+                <a:cs typeface="Times New Roman"/>
+              </a:rPr>
+              <a:t>public</a:t>
+            </a:r>
+            <a:r>
+              <a:rPr lang="ru-RU" sz="1400" dirty="0">
+                <a:solidFill>
+                  <a:srgbClr val="000000"/>
+                </a:solidFill>
+                <a:latin typeface="Consolas"/>
+                <a:ea typeface="Calibri"/>
+                <a:cs typeface="Times New Roman"/>
+              </a:rPr>
+              <a:t>:</a:t>
+            </a:r>
+            <a:endParaRPr lang="ru-RU" sz="1400" dirty="0">
+              <a:ea typeface="Calibri"/>
+              <a:cs typeface="Times New Roman"/>
+            </a:endParaRPr>
+          </a:p>
+          <a:p>
+            <a:pPr defTabSz="447675">
+              <a:spcAft>
+                <a:spcPts val="0"/>
+              </a:spcAft>
+            </a:pPr>
+            <a:r>
+              <a:rPr lang="en-US" sz="1400" dirty="0">
+                <a:solidFill>
+                  <a:srgbClr val="000000"/>
+                </a:solidFill>
+                <a:latin typeface="Consolas"/>
+                <a:ea typeface="Calibri"/>
+                <a:cs typeface="Times New Roman"/>
+              </a:rPr>
+              <a:t>	</a:t>
+            </a:r>
+            <a:r>
+              <a:rPr lang="en-US" sz="1400" dirty="0">
+                <a:solidFill>
+                  <a:srgbClr val="0000FF"/>
+                </a:solidFill>
+                <a:latin typeface="Consolas"/>
+                <a:ea typeface="Calibri"/>
+                <a:cs typeface="Times New Roman"/>
+              </a:rPr>
+              <a:t>void</a:t>
+            </a:r>
+            <a:r>
+              <a:rPr lang="en-US" sz="1400" dirty="0">
+                <a:solidFill>
+                  <a:srgbClr val="000000"/>
+                </a:solidFill>
+                <a:latin typeface="Consolas"/>
+                <a:ea typeface="Calibri"/>
+                <a:cs typeface="Times New Roman"/>
+              </a:rPr>
+              <a:t> </a:t>
+            </a:r>
+            <a:r>
+              <a:rPr lang="en-US" sz="1400" dirty="0" err="1">
+                <a:solidFill>
+                  <a:srgbClr val="000000"/>
+                </a:solidFill>
+                <a:latin typeface="Consolas"/>
+                <a:ea typeface="Calibri"/>
+                <a:cs typeface="Times New Roman"/>
+              </a:rPr>
+              <a:t>MeasurementsChanged</a:t>
+            </a:r>
+            <a:r>
+              <a:rPr lang="en-US" sz="1400" dirty="0">
+                <a:solidFill>
+                  <a:srgbClr val="000000"/>
+                </a:solidFill>
+                <a:latin typeface="Consolas"/>
+                <a:ea typeface="Calibri"/>
+                <a:cs typeface="Times New Roman"/>
+              </a:rPr>
+              <a:t>()</a:t>
+            </a:r>
+            <a:endParaRPr lang="ru-RU" sz="1400" dirty="0">
+              <a:ea typeface="Calibri"/>
+              <a:cs typeface="Times New Roman"/>
+            </a:endParaRPr>
+          </a:p>
+          <a:p>
+            <a:pPr defTabSz="447675">
+              <a:spcAft>
+                <a:spcPts val="0"/>
+              </a:spcAft>
+            </a:pPr>
+            <a:r>
+              <a:rPr lang="en-US" sz="1400" dirty="0">
+                <a:solidFill>
+                  <a:srgbClr val="000000"/>
+                </a:solidFill>
+                <a:latin typeface="Consolas"/>
+                <a:ea typeface="Calibri"/>
+                <a:cs typeface="Times New Roman"/>
+              </a:rPr>
+              <a:t>	{</a:t>
+            </a:r>
+          </a:p>
+          <a:p>
+            <a:pPr defTabSz="447675">
+              <a:spcAft>
+                <a:spcPts val="0"/>
+              </a:spcAft>
+            </a:pPr>
+            <a:r>
+              <a:rPr lang="en-US" sz="1400" dirty="0">
+                <a:ea typeface="Calibri"/>
+                <a:cs typeface="Times New Roman"/>
+              </a:rPr>
+              <a:t>		</a:t>
+            </a:r>
+            <a:r>
+              <a:rPr lang="ru-RU" sz="1400" dirty="0">
+                <a:solidFill>
+                  <a:srgbClr val="008000"/>
+                </a:solidFill>
+                <a:latin typeface="Consolas"/>
+                <a:ea typeface="Calibri"/>
+                <a:cs typeface="Times New Roman"/>
+              </a:rPr>
+              <a:t> // Для получения данных вызываем уже реализованные </a:t>
+            </a:r>
+            <a:r>
+              <a:rPr lang="en-US" sz="1400" dirty="0">
+                <a:solidFill>
+                  <a:srgbClr val="008000"/>
+                </a:solidFill>
+                <a:latin typeface="Consolas"/>
+                <a:ea typeface="Calibri"/>
+                <a:cs typeface="Times New Roman"/>
+              </a:rPr>
+              <a:t>getter-</a:t>
+            </a:r>
+            <a:r>
+              <a:rPr lang="ru-RU" sz="1400" dirty="0">
+                <a:solidFill>
+                  <a:srgbClr val="008000"/>
+                </a:solidFill>
+                <a:latin typeface="Consolas"/>
+                <a:ea typeface="Calibri"/>
+                <a:cs typeface="Times New Roman"/>
+              </a:rPr>
+              <a:t>ы</a:t>
+            </a:r>
+            <a:endParaRPr lang="ru-RU" sz="1400" dirty="0">
+              <a:ea typeface="Calibri"/>
+              <a:cs typeface="Times New Roman"/>
+            </a:endParaRPr>
+          </a:p>
+          <a:p>
+            <a:pPr defTabSz="447675">
+              <a:spcAft>
+                <a:spcPts val="0"/>
+              </a:spcAft>
+            </a:pPr>
+            <a:r>
+              <a:rPr lang="en-US" sz="1400" dirty="0">
+                <a:solidFill>
+                  <a:srgbClr val="000000"/>
+                </a:solidFill>
+                <a:latin typeface="Consolas"/>
+                <a:ea typeface="Calibri"/>
+                <a:cs typeface="Times New Roman"/>
+              </a:rPr>
+              <a:t>		</a:t>
+            </a:r>
+            <a:r>
+              <a:rPr lang="en-US" sz="1400" dirty="0">
+                <a:solidFill>
+                  <a:srgbClr val="0000FF"/>
+                </a:solidFill>
+                <a:latin typeface="Consolas"/>
+                <a:ea typeface="Calibri"/>
+                <a:cs typeface="Times New Roman"/>
+              </a:rPr>
+              <a:t>double</a:t>
+            </a:r>
+            <a:r>
+              <a:rPr lang="en-US" sz="1400" dirty="0">
+                <a:solidFill>
+                  <a:srgbClr val="000000"/>
+                </a:solidFill>
+                <a:latin typeface="Consolas"/>
+                <a:ea typeface="Calibri"/>
+                <a:cs typeface="Times New Roman"/>
+              </a:rPr>
+              <a:t> temp = </a:t>
+            </a:r>
+            <a:r>
+              <a:rPr lang="en-US" sz="1400" dirty="0" err="1">
+                <a:solidFill>
+                  <a:srgbClr val="000000"/>
+                </a:solidFill>
+                <a:latin typeface="Consolas"/>
+                <a:ea typeface="Calibri"/>
+                <a:cs typeface="Times New Roman"/>
+              </a:rPr>
+              <a:t>GetTemperature</a:t>
+            </a:r>
+            <a:r>
+              <a:rPr lang="en-US" sz="1400" dirty="0">
+                <a:solidFill>
+                  <a:srgbClr val="000000"/>
+                </a:solidFill>
+                <a:latin typeface="Consolas"/>
+                <a:ea typeface="Calibri"/>
+                <a:cs typeface="Times New Roman"/>
+              </a:rPr>
+              <a:t>();</a:t>
+            </a:r>
+            <a:endParaRPr lang="ru-RU" sz="1400" dirty="0">
+              <a:ea typeface="Calibri"/>
+              <a:cs typeface="Times New Roman"/>
+            </a:endParaRPr>
+          </a:p>
+          <a:p>
+            <a:pPr defTabSz="447675">
+              <a:spcAft>
+                <a:spcPts val="0"/>
+              </a:spcAft>
+            </a:pPr>
+            <a:r>
+              <a:rPr lang="en-US" sz="1400" dirty="0">
+                <a:solidFill>
+                  <a:srgbClr val="000000"/>
+                </a:solidFill>
+                <a:latin typeface="Consolas"/>
+                <a:ea typeface="Calibri"/>
+                <a:cs typeface="Times New Roman"/>
+              </a:rPr>
+              <a:t>		</a:t>
+            </a:r>
+            <a:r>
+              <a:rPr lang="en-US" sz="1400" dirty="0">
+                <a:solidFill>
+                  <a:srgbClr val="0000FF"/>
+                </a:solidFill>
+                <a:latin typeface="Consolas"/>
+                <a:ea typeface="Calibri"/>
+                <a:cs typeface="Times New Roman"/>
+              </a:rPr>
+              <a:t>double</a:t>
+            </a:r>
+            <a:r>
+              <a:rPr lang="en-US" sz="1400" dirty="0">
+                <a:solidFill>
+                  <a:srgbClr val="000000"/>
+                </a:solidFill>
+                <a:latin typeface="Consolas"/>
+                <a:ea typeface="Calibri"/>
+                <a:cs typeface="Times New Roman"/>
+              </a:rPr>
+              <a:t> humidity = </a:t>
+            </a:r>
+            <a:r>
+              <a:rPr lang="en-US" sz="1400" dirty="0" err="1">
+                <a:solidFill>
+                  <a:srgbClr val="000000"/>
+                </a:solidFill>
+                <a:latin typeface="Consolas"/>
+                <a:ea typeface="Calibri"/>
+                <a:cs typeface="Times New Roman"/>
+              </a:rPr>
+              <a:t>GetHumidity</a:t>
+            </a:r>
+            <a:r>
+              <a:rPr lang="en-US" sz="1400" dirty="0">
+                <a:solidFill>
+                  <a:srgbClr val="000000"/>
+                </a:solidFill>
+                <a:latin typeface="Consolas"/>
+                <a:ea typeface="Calibri"/>
+                <a:cs typeface="Times New Roman"/>
+              </a:rPr>
+              <a:t>();</a:t>
+            </a:r>
+            <a:endParaRPr lang="ru-RU" sz="1400" dirty="0">
+              <a:ea typeface="Calibri"/>
+              <a:cs typeface="Times New Roman"/>
+            </a:endParaRPr>
+          </a:p>
+          <a:p>
+            <a:pPr defTabSz="447675">
+              <a:spcAft>
+                <a:spcPts val="0"/>
+              </a:spcAft>
+            </a:pPr>
+            <a:r>
+              <a:rPr lang="en-US" sz="1400" dirty="0">
+                <a:solidFill>
+                  <a:srgbClr val="000000"/>
+                </a:solidFill>
+                <a:latin typeface="Consolas"/>
+                <a:ea typeface="Calibri"/>
+                <a:cs typeface="Times New Roman"/>
+              </a:rPr>
+              <a:t>		</a:t>
+            </a:r>
+            <a:r>
+              <a:rPr lang="en-US" sz="1400" dirty="0">
+                <a:solidFill>
+                  <a:srgbClr val="0000FF"/>
+                </a:solidFill>
+                <a:latin typeface="Consolas"/>
+                <a:ea typeface="Calibri"/>
+                <a:cs typeface="Times New Roman"/>
+              </a:rPr>
+              <a:t>double</a:t>
+            </a:r>
+            <a:r>
+              <a:rPr lang="en-US" sz="1400" dirty="0">
+                <a:solidFill>
+                  <a:srgbClr val="000000"/>
+                </a:solidFill>
+                <a:latin typeface="Consolas"/>
+                <a:ea typeface="Calibri"/>
+                <a:cs typeface="Times New Roman"/>
+              </a:rPr>
+              <a:t> pressure = </a:t>
+            </a:r>
+            <a:r>
+              <a:rPr lang="en-US" sz="1400" dirty="0" err="1">
+                <a:solidFill>
+                  <a:srgbClr val="000000"/>
+                </a:solidFill>
+                <a:latin typeface="Consolas"/>
+                <a:ea typeface="Calibri"/>
+                <a:cs typeface="Times New Roman"/>
+              </a:rPr>
+              <a:t>GetPressure</a:t>
+            </a:r>
+            <a:r>
+              <a:rPr lang="en-US" sz="1400" dirty="0">
+                <a:solidFill>
+                  <a:srgbClr val="000000"/>
+                </a:solidFill>
+                <a:latin typeface="Consolas"/>
+                <a:ea typeface="Calibri"/>
+                <a:cs typeface="Times New Roman"/>
+              </a:rPr>
+              <a:t>();</a:t>
+            </a:r>
+            <a:endParaRPr lang="ru-RU" sz="1400" dirty="0">
+              <a:ea typeface="Calibri"/>
+              <a:cs typeface="Times New Roman"/>
+            </a:endParaRPr>
+          </a:p>
+          <a:p>
+            <a:pPr defTabSz="447675">
+              <a:spcAft>
+                <a:spcPts val="0"/>
+              </a:spcAft>
+            </a:pPr>
+            <a:r>
+              <a:rPr lang="en-US" sz="1400" dirty="0">
+                <a:solidFill>
+                  <a:srgbClr val="000000"/>
+                </a:solidFill>
+                <a:latin typeface="Consolas"/>
+                <a:ea typeface="Calibri"/>
+                <a:cs typeface="Times New Roman"/>
+              </a:rPr>
+              <a:t> </a:t>
+            </a:r>
+            <a:endParaRPr lang="ru-RU" sz="1400" dirty="0">
+              <a:solidFill>
+                <a:srgbClr val="000000"/>
+              </a:solidFill>
+              <a:latin typeface="Consolas"/>
+              <a:ea typeface="Calibri"/>
+              <a:cs typeface="Times New Roman"/>
+            </a:endParaRPr>
+          </a:p>
+          <a:p>
+            <a:pPr defTabSz="447675">
+              <a:spcAft>
+                <a:spcPts val="0"/>
+              </a:spcAft>
+            </a:pPr>
+            <a:r>
+              <a:rPr lang="ru-RU" sz="1400" dirty="0">
+                <a:solidFill>
+                  <a:srgbClr val="008000"/>
+                </a:solidFill>
+                <a:latin typeface="Consolas"/>
+                <a:ea typeface="Calibri"/>
+                <a:cs typeface="Times New Roman"/>
+              </a:rPr>
+              <a:t>		// Обновляем показания индикаторов</a:t>
+            </a:r>
+            <a:endParaRPr lang="ru-RU" sz="1400" dirty="0">
+              <a:ea typeface="Calibri"/>
+              <a:cs typeface="Times New Roman"/>
+            </a:endParaRPr>
+          </a:p>
+          <a:p>
+            <a:pPr defTabSz="447675">
+              <a:spcAft>
+                <a:spcPts val="0"/>
+              </a:spcAft>
+            </a:pPr>
+            <a:r>
+              <a:rPr lang="en-US" sz="1400" dirty="0">
+                <a:solidFill>
+                  <a:srgbClr val="000000"/>
+                </a:solidFill>
+                <a:latin typeface="Consolas"/>
+                <a:ea typeface="Calibri"/>
+                <a:cs typeface="Times New Roman"/>
+              </a:rPr>
+              <a:t>		</a:t>
+            </a:r>
+            <a:r>
+              <a:rPr lang="en-US" sz="1400" dirty="0" err="1">
+                <a:solidFill>
+                  <a:srgbClr val="000000"/>
+                </a:solidFill>
+                <a:latin typeface="Consolas"/>
+                <a:ea typeface="Calibri"/>
+                <a:cs typeface="Times New Roman"/>
+              </a:rPr>
+              <a:t>m_currentConditionsDisplay.Update</a:t>
+            </a:r>
+            <a:r>
+              <a:rPr lang="en-US" sz="1400" dirty="0">
+                <a:solidFill>
+                  <a:srgbClr val="000000"/>
+                </a:solidFill>
+                <a:latin typeface="Consolas"/>
+                <a:ea typeface="Calibri"/>
+                <a:cs typeface="Times New Roman"/>
+              </a:rPr>
+              <a:t>(temp, humidity, pressure);</a:t>
+            </a:r>
+            <a:endParaRPr lang="ru-RU" sz="1400" dirty="0">
+              <a:ea typeface="Calibri"/>
+              <a:cs typeface="Times New Roman"/>
+            </a:endParaRPr>
+          </a:p>
+          <a:p>
+            <a:pPr defTabSz="447675">
+              <a:spcAft>
+                <a:spcPts val="0"/>
+              </a:spcAft>
+            </a:pPr>
+            <a:r>
+              <a:rPr lang="en-US" sz="1400" dirty="0">
+                <a:solidFill>
+                  <a:srgbClr val="000000"/>
+                </a:solidFill>
+                <a:latin typeface="Consolas"/>
+                <a:ea typeface="Calibri"/>
+                <a:cs typeface="Times New Roman"/>
+              </a:rPr>
+              <a:t>		</a:t>
+            </a:r>
+            <a:r>
+              <a:rPr lang="en-US" sz="1400" dirty="0" err="1">
+                <a:solidFill>
+                  <a:srgbClr val="000000"/>
+                </a:solidFill>
+                <a:latin typeface="Consolas"/>
+                <a:ea typeface="Calibri"/>
+                <a:cs typeface="Times New Roman"/>
+              </a:rPr>
+              <a:t>m_statisticsDisplay.Update</a:t>
+            </a:r>
+            <a:r>
+              <a:rPr lang="en-US" sz="1400" dirty="0">
+                <a:solidFill>
+                  <a:srgbClr val="000000"/>
+                </a:solidFill>
+                <a:latin typeface="Consolas"/>
+                <a:ea typeface="Calibri"/>
+                <a:cs typeface="Times New Roman"/>
+              </a:rPr>
+              <a:t>(temp, humidity, pressure);</a:t>
+            </a:r>
+            <a:endParaRPr lang="ru-RU" sz="1400" dirty="0">
+              <a:ea typeface="Calibri"/>
+              <a:cs typeface="Times New Roman"/>
+            </a:endParaRPr>
+          </a:p>
+          <a:p>
+            <a:pPr defTabSz="447675">
+              <a:spcAft>
+                <a:spcPts val="0"/>
+              </a:spcAft>
+            </a:pPr>
+            <a:r>
+              <a:rPr lang="en-US" sz="1400" dirty="0">
+                <a:solidFill>
+                  <a:srgbClr val="000000"/>
+                </a:solidFill>
+                <a:latin typeface="Consolas"/>
+                <a:ea typeface="Calibri"/>
+                <a:cs typeface="Times New Roman"/>
+              </a:rPr>
+              <a:t>		</a:t>
+            </a:r>
+            <a:r>
+              <a:rPr lang="en-US" sz="1400" dirty="0" err="1">
+                <a:solidFill>
+                  <a:srgbClr val="000000"/>
+                </a:solidFill>
+                <a:latin typeface="Consolas"/>
+                <a:ea typeface="Calibri"/>
+                <a:cs typeface="Times New Roman"/>
+              </a:rPr>
+              <a:t>m_forecastDisplay.Update</a:t>
+            </a:r>
+            <a:r>
+              <a:rPr lang="en-US" sz="1400" dirty="0">
+                <a:solidFill>
+                  <a:srgbClr val="000000"/>
+                </a:solidFill>
+                <a:latin typeface="Consolas"/>
+                <a:ea typeface="Calibri"/>
+                <a:cs typeface="Times New Roman"/>
+              </a:rPr>
+              <a:t>(temp, humidity, pressure);</a:t>
+            </a:r>
+            <a:endParaRPr lang="ru-RU" sz="1400" dirty="0">
+              <a:ea typeface="Calibri"/>
+              <a:cs typeface="Times New Roman"/>
+            </a:endParaRPr>
+          </a:p>
+          <a:p>
+            <a:pPr defTabSz="447675">
+              <a:spcAft>
+                <a:spcPts val="0"/>
+              </a:spcAft>
+            </a:pPr>
+            <a:r>
+              <a:rPr lang="en-US" sz="1400" dirty="0">
+                <a:solidFill>
+                  <a:srgbClr val="000000"/>
+                </a:solidFill>
+                <a:latin typeface="Consolas"/>
+                <a:ea typeface="Calibri"/>
+                <a:cs typeface="Times New Roman"/>
+              </a:rPr>
+              <a:t>	}</a:t>
+            </a:r>
+            <a:endParaRPr lang="ru-RU" sz="1400" dirty="0">
+              <a:ea typeface="Calibri"/>
+              <a:cs typeface="Times New Roman"/>
+            </a:endParaRPr>
+          </a:p>
+          <a:p>
+            <a:pPr defTabSz="447675">
+              <a:spcAft>
+                <a:spcPts val="1000"/>
+              </a:spcAft>
+            </a:pPr>
+            <a:r>
+              <a:rPr lang="en-US" sz="1400" dirty="0">
+                <a:solidFill>
+                  <a:srgbClr val="0000FF"/>
+                </a:solidFill>
+                <a:latin typeface="Consolas"/>
+                <a:ea typeface="Calibri"/>
+                <a:cs typeface="Times New Roman"/>
+              </a:rPr>
+              <a:t>private</a:t>
+            </a:r>
+            <a:r>
+              <a:rPr lang="ru-RU" sz="1400" dirty="0">
+                <a:solidFill>
+                  <a:srgbClr val="000000"/>
+                </a:solidFill>
+                <a:latin typeface="Consolas"/>
+                <a:ea typeface="Calibri"/>
+                <a:cs typeface="Times New Roman"/>
+              </a:rPr>
+              <a:t>:</a:t>
+            </a:r>
+            <a:endParaRPr lang="en-US" sz="1400" dirty="0">
+              <a:solidFill>
+                <a:srgbClr val="000000"/>
+              </a:solidFill>
+              <a:latin typeface="Consolas"/>
+              <a:ea typeface="Calibri"/>
+              <a:cs typeface="Times New Roman"/>
+            </a:endParaRPr>
+          </a:p>
+          <a:p>
+            <a:pPr defTabSz="447675">
+              <a:spcAft>
+                <a:spcPts val="1000"/>
+              </a:spcAft>
+            </a:pPr>
+            <a:r>
+              <a:rPr lang="en-US" sz="1400" dirty="0">
+                <a:solidFill>
+                  <a:srgbClr val="008000"/>
+                </a:solidFill>
+                <a:latin typeface="Consolas"/>
+                <a:ea typeface="Calibri"/>
+                <a:cs typeface="Times New Roman"/>
+              </a:rPr>
+              <a:t>	</a:t>
+            </a:r>
+            <a:r>
+              <a:rPr lang="ru-RU" sz="1400" dirty="0">
+                <a:solidFill>
+                  <a:srgbClr val="008000"/>
+                </a:solidFill>
+                <a:latin typeface="Consolas"/>
+                <a:ea typeface="Calibri"/>
+                <a:cs typeface="Times New Roman"/>
+              </a:rPr>
+              <a:t>// объявления переменных-индикаторов</a:t>
+            </a:r>
+            <a:endParaRPr lang="ru-RU" sz="1400" dirty="0">
+              <a:ea typeface="Calibri"/>
+              <a:cs typeface="Times New Roman"/>
+            </a:endParaRPr>
+          </a:p>
+          <a:p>
+            <a:pPr defTabSz="447675">
+              <a:spcAft>
+                <a:spcPts val="1000"/>
+              </a:spcAft>
+            </a:pPr>
+            <a:r>
+              <a:rPr lang="ru-RU" sz="1400" dirty="0">
+                <a:solidFill>
+                  <a:srgbClr val="000000"/>
+                </a:solidFill>
+                <a:latin typeface="Consolas"/>
+                <a:ea typeface="Calibri"/>
+                <a:cs typeface="Times New Roman"/>
+              </a:rPr>
+              <a:t>};</a:t>
+            </a:r>
+            <a:endParaRPr lang="ru-RU" sz="1400" dirty="0">
+              <a:ea typeface="Calibri"/>
+              <a:cs typeface="Times New Roman"/>
+            </a:endParaRPr>
+          </a:p>
+        </p:txBody>
+      </p:sp>
+    </p:spTree>
+    <p:extLst>
+      <p:ext uri="{BB962C8B-B14F-4D97-AF65-F5344CB8AC3E}">
+        <p14:creationId xmlns:p14="http://schemas.microsoft.com/office/powerpoint/2010/main" val="2136106387"/>
+      </p:ext>
+    </p:extLst>
+  </p:cSld>
+  <p:clrMapOvr>
+    <a:masterClrMapping/>
+  </p:clrMapOvr>
+</p:sld>
+</file>
+
+<file path=ppt/slides/slide11.xml><?xml version="1.0" encoding="utf-8"?>
+<p:sld xmlns:a="http://schemas.openxmlformats.org/drawingml/2006/main" xmlns:r="http://schemas.openxmlformats.org/officeDocument/2006/relationships" xmlns:p="http://schemas.openxmlformats.org/presentationml/2006/main">
+  <p:cSld>
+    <p:spTree>
+      <p:nvGrpSpPr>
+        <p:cNvPr id="1" name=""/>
+        <p:cNvGrpSpPr/>
+        <p:nvPr/>
+      </p:nvGrpSpPr>
+      <p:grpSpPr>
+        <a:xfrm>
+          <a:off x="0" y="0"/>
+          <a:ext cx="0" cy="0"/>
+          <a:chOff x="0" y="0"/>
+          <a:chExt cx="0" cy="0"/>
+        </a:xfrm>
+      </p:grpSpPr>
+      <p:sp>
+        <p:nvSpPr>
+          <p:cNvPr id="3" name="Заголовок 2"/>
+          <p:cNvSpPr>
+            <a:spLocks noGrp="1"/>
+          </p:cNvSpPr>
+          <p:nvPr>
+            <p:ph type="title"/>
+          </p:nvPr>
+        </p:nvSpPr>
+        <p:spPr/>
+        <p:txBody>
           <a:bodyPr>
             <a:normAutofit fontScale="90000"/>
           </a:bodyPr>
           <a:lstStyle/>
           <a:p>
             <a:r>
-              <a:rPr lang="ru-RU" dirty="0" smtClean="0"/>
+              <a:rPr lang="ru-RU" dirty="0"/>
+              <a:t>Блиц-анализ наивной реализации</a:t>
+            </a:r>
+          </a:p>
+        </p:txBody>
+      </p:sp>
+      <p:sp>
+        <p:nvSpPr>
+          <p:cNvPr id="4" name="Объект 3"/>
+          <p:cNvSpPr>
+            <a:spLocks noGrp="1"/>
+          </p:cNvSpPr>
+          <p:nvPr>
+            <p:ph idx="1"/>
+          </p:nvPr>
+        </p:nvSpPr>
+        <p:spPr/>
+        <p:txBody>
+          <a:bodyPr>
+            <a:normAutofit fontScale="92500" lnSpcReduction="20000"/>
+          </a:bodyPr>
+          <a:lstStyle/>
+          <a:p>
+            <a:r>
+              <a:rPr lang="ru-RU" dirty="0"/>
+              <a:t>Какие из следующих утверждений относятся к данной реализации</a:t>
+            </a:r>
+            <a:r>
+              <a:rPr lang="en-US" dirty="0"/>
+              <a:t>?</a:t>
+            </a:r>
+            <a:endParaRPr lang="ru-RU" dirty="0"/>
+          </a:p>
+          <a:p>
+            <a:pPr lvl="1"/>
+            <a:r>
+              <a:rPr lang="en-US" dirty="0"/>
+              <a:t>A. </a:t>
+            </a:r>
+            <a:r>
+              <a:rPr lang="ru-RU" dirty="0"/>
+              <a:t>Программирование на уровне реализаций, а не интерфейсов</a:t>
+            </a:r>
+          </a:p>
+          <a:p>
+            <a:pPr lvl="1"/>
+            <a:r>
+              <a:rPr lang="en-US" dirty="0"/>
+              <a:t>B. </a:t>
+            </a:r>
+            <a:r>
+              <a:rPr lang="ru-RU" dirty="0"/>
+              <a:t>Для каждого нового элемента придется изменять код</a:t>
+            </a:r>
+          </a:p>
+          <a:p>
+            <a:pPr lvl="1"/>
+            <a:r>
+              <a:rPr lang="en-US" dirty="0"/>
+              <a:t>C. </a:t>
+            </a:r>
+            <a:r>
+              <a:rPr lang="ru-RU" dirty="0"/>
+              <a:t>Нельзя добавлять/удалять элементы во время выполнения</a:t>
+            </a:r>
+          </a:p>
+          <a:p>
+            <a:pPr lvl="1"/>
+            <a:r>
+              <a:rPr lang="en-US" dirty="0"/>
+              <a:t>D. </a:t>
+            </a:r>
+            <a:r>
+              <a:rPr lang="ru-RU" dirty="0"/>
+              <a:t>Элементы не реализуют единый интерфейс</a:t>
+            </a:r>
+          </a:p>
+          <a:p>
+            <a:pPr lvl="1"/>
+            <a:r>
+              <a:rPr lang="en-US" dirty="0"/>
+              <a:t>E. </a:t>
+            </a:r>
+            <a:r>
+              <a:rPr lang="ru-RU" dirty="0"/>
+              <a:t>Переменные аспекты архитектуры не инкапсулируются</a:t>
+            </a:r>
+          </a:p>
+          <a:p>
+            <a:pPr lvl="1"/>
+            <a:r>
+              <a:rPr lang="en-US" dirty="0"/>
+              <a:t>F. </a:t>
+            </a:r>
+            <a:r>
+              <a:rPr lang="ru-RU" dirty="0"/>
+              <a:t>Нарушается инкапсуляция класса </a:t>
+            </a:r>
+            <a:r>
+              <a:rPr lang="en-US" dirty="0" err="1"/>
+              <a:t>WeatherData</a:t>
+            </a:r>
+            <a:endParaRPr lang="ru-RU" dirty="0"/>
+          </a:p>
+        </p:txBody>
+      </p:sp>
+    </p:spTree>
+    <p:extLst>
+      <p:ext uri="{BB962C8B-B14F-4D97-AF65-F5344CB8AC3E}">
+        <p14:creationId xmlns:p14="http://schemas.microsoft.com/office/powerpoint/2010/main" val="351695254"/>
+      </p:ext>
+    </p:extLst>
+  </p:cSld>
+  <p:clrMapOvr>
+    <a:masterClrMapping/>
+  </p:clrMapOvr>
+</p:sld>
+</file>
+
+<file path=ppt/slides/slide12.xml><?xml version="1.0" encoding="utf-8"?>
+<p:sld xmlns:a="http://schemas.openxmlformats.org/drawingml/2006/main" xmlns:r="http://schemas.openxmlformats.org/officeDocument/2006/relationships" xmlns:p="http://schemas.openxmlformats.org/presentationml/2006/main">
+  <p:cSld>
+    <p:spTree>
+      <p:nvGrpSpPr>
+        <p:cNvPr id="1" name=""/>
+        <p:cNvGrpSpPr/>
+        <p:nvPr/>
+      </p:nvGrpSpPr>
+      <p:grpSpPr>
+        <a:xfrm>
+          <a:off x="0" y="0"/>
+          <a:ext cx="0" cy="0"/>
+          <a:chOff x="0" y="0"/>
+          <a:chExt cx="0" cy="0"/>
+        </a:xfrm>
+      </p:grpSpPr>
+      <p:sp>
+        <p:nvSpPr>
+          <p:cNvPr id="3" name="Заголовок 2"/>
+          <p:cNvSpPr>
+            <a:spLocks noGrp="1"/>
+          </p:cNvSpPr>
+          <p:nvPr>
+            <p:ph type="title"/>
+          </p:nvPr>
+        </p:nvSpPr>
+        <p:spPr/>
+        <p:txBody>
+          <a:bodyPr>
+            <a:normAutofit fontScale="90000"/>
+          </a:bodyPr>
+          <a:lstStyle/>
+          <a:p>
+            <a:r>
+              <a:rPr lang="ru-RU" dirty="0"/>
+              <a:t>Блиц-анализ наивной реализации (ответы)</a:t>
+            </a:r>
+          </a:p>
+        </p:txBody>
+      </p:sp>
+      <p:sp>
+        <p:nvSpPr>
+          <p:cNvPr id="4" name="Объект 3"/>
+          <p:cNvSpPr>
+            <a:spLocks noGrp="1"/>
+          </p:cNvSpPr>
+          <p:nvPr>
+            <p:ph idx="1"/>
+          </p:nvPr>
+        </p:nvSpPr>
+        <p:spPr/>
+        <p:txBody>
+          <a:bodyPr>
+            <a:normAutofit fontScale="92500" lnSpcReduction="20000"/>
+          </a:bodyPr>
+          <a:lstStyle/>
+          <a:p>
+            <a:r>
+              <a:rPr lang="ru-RU" dirty="0"/>
+              <a:t>Какие из следующих утверждений относятся к данной реализации</a:t>
+            </a:r>
+          </a:p>
+          <a:p>
+            <a:pPr lvl="1">
+              <a:buClr>
+                <a:srgbClr val="00B050"/>
+              </a:buClr>
+              <a:buFont typeface="Wingdings" panose="05000000000000000000" pitchFamily="2" charset="2"/>
+              <a:buChar char="Ø"/>
+            </a:pPr>
+            <a:r>
+              <a:rPr lang="en-US" dirty="0">
+                <a:solidFill>
+                  <a:srgbClr val="00B050"/>
+                </a:solidFill>
+              </a:rPr>
+              <a:t>A. </a:t>
+            </a:r>
+            <a:r>
+              <a:rPr lang="ru-RU" dirty="0">
+                <a:solidFill>
+                  <a:srgbClr val="00B050"/>
+                </a:solidFill>
+              </a:rPr>
+              <a:t>Программирование на уровне реализаций, а не интерфейсов</a:t>
+            </a:r>
+          </a:p>
+          <a:p>
+            <a:pPr lvl="1">
+              <a:buClr>
+                <a:srgbClr val="00B050"/>
+              </a:buClr>
+              <a:buFont typeface="Wingdings" panose="05000000000000000000" pitchFamily="2" charset="2"/>
+              <a:buChar char="Ø"/>
+            </a:pPr>
+            <a:r>
+              <a:rPr lang="en-US" dirty="0">
+                <a:solidFill>
+                  <a:srgbClr val="00B050"/>
+                </a:solidFill>
+              </a:rPr>
+              <a:t>B. </a:t>
+            </a:r>
+            <a:r>
+              <a:rPr lang="ru-RU" dirty="0">
+                <a:solidFill>
+                  <a:srgbClr val="00B050"/>
+                </a:solidFill>
+              </a:rPr>
+              <a:t>Для каждого нового элемента придется изменять код</a:t>
+            </a:r>
+          </a:p>
+          <a:p>
+            <a:pPr lvl="1">
+              <a:buClr>
+                <a:srgbClr val="00B050"/>
+              </a:buClr>
+              <a:buFont typeface="Wingdings" panose="05000000000000000000" pitchFamily="2" charset="2"/>
+              <a:buChar char="Ø"/>
+            </a:pPr>
+            <a:r>
+              <a:rPr lang="en-US" dirty="0">
+                <a:solidFill>
+                  <a:srgbClr val="00B050"/>
+                </a:solidFill>
+              </a:rPr>
+              <a:t>C. </a:t>
+            </a:r>
+            <a:r>
+              <a:rPr lang="ru-RU" dirty="0">
+                <a:solidFill>
+                  <a:srgbClr val="00B050"/>
+                </a:solidFill>
+              </a:rPr>
+              <a:t>Нельзя добавлять/удалять элементы во время выполнения</a:t>
+            </a:r>
+          </a:p>
+          <a:p>
+            <a:pPr lvl="1"/>
+            <a:r>
+              <a:rPr lang="en-US" dirty="0"/>
+              <a:t>D. </a:t>
+            </a:r>
+            <a:r>
+              <a:rPr lang="ru-RU" dirty="0"/>
+              <a:t>Элементы не реализуют единый интерфейс</a:t>
+            </a:r>
+          </a:p>
+          <a:p>
+            <a:pPr lvl="1">
+              <a:buClr>
+                <a:srgbClr val="00B050"/>
+              </a:buClr>
+              <a:buFont typeface="Wingdings" panose="05000000000000000000" pitchFamily="2" charset="2"/>
+              <a:buChar char="Ø"/>
+            </a:pPr>
+            <a:r>
+              <a:rPr lang="en-US" dirty="0">
+                <a:solidFill>
+                  <a:srgbClr val="00B050"/>
+                </a:solidFill>
+              </a:rPr>
+              <a:t>E. </a:t>
+            </a:r>
+            <a:r>
+              <a:rPr lang="ru-RU" dirty="0">
+                <a:solidFill>
+                  <a:srgbClr val="00B050"/>
+                </a:solidFill>
+              </a:rPr>
+              <a:t>Переменные аспекты архитектуры не инкапсулируются</a:t>
+            </a:r>
+          </a:p>
+          <a:p>
+            <a:pPr lvl="1"/>
+            <a:r>
+              <a:rPr lang="en-US" dirty="0"/>
+              <a:t>F. </a:t>
+            </a:r>
+            <a:r>
+              <a:rPr lang="ru-RU" dirty="0"/>
+              <a:t>Нарушается инкапсуляция класса </a:t>
+            </a:r>
+            <a:r>
+              <a:rPr lang="en-US" dirty="0" err="1"/>
+              <a:t>CWeatherData</a:t>
+            </a:r>
+            <a:endParaRPr lang="ru-RU" dirty="0"/>
+          </a:p>
+        </p:txBody>
+      </p:sp>
+    </p:spTree>
+    <p:extLst>
+      <p:ext uri="{BB962C8B-B14F-4D97-AF65-F5344CB8AC3E}">
+        <p14:creationId xmlns:p14="http://schemas.microsoft.com/office/powerpoint/2010/main" val="522655290"/>
+      </p:ext>
+    </p:extLst>
+  </p:cSld>
+  <p:clrMapOvr>
+    <a:masterClrMapping/>
+  </p:clrMapOvr>
+</p:sld>
+</file>
+
+<file path=ppt/slides/slide13.xml><?xml version="1.0" encoding="utf-8"?>
+<p:sld xmlns:a="http://schemas.openxmlformats.org/drawingml/2006/main" xmlns:r="http://schemas.openxmlformats.org/officeDocument/2006/relationships" xmlns:p="http://schemas.openxmlformats.org/presentationml/2006/main">
+  <p:cSld>
+    <p:spTree>
+      <p:nvGrpSpPr>
+        <p:cNvPr id="1" name=""/>
+        <p:cNvGrpSpPr/>
+        <p:nvPr/>
+      </p:nvGrpSpPr>
+      <p:grpSpPr>
+        <a:xfrm>
+          <a:off x="0" y="0"/>
+          <a:ext cx="0" cy="0"/>
+          <a:chOff x="0" y="0"/>
+          <a:chExt cx="0" cy="0"/>
+        </a:xfrm>
+      </p:grpSpPr>
+      <p:sp>
+        <p:nvSpPr>
+          <p:cNvPr id="2" name="Заголовок 1"/>
+          <p:cNvSpPr>
+            <a:spLocks noGrp="1"/>
+          </p:cNvSpPr>
+          <p:nvPr>
+            <p:ph type="title"/>
+          </p:nvPr>
+        </p:nvSpPr>
+        <p:spPr/>
+        <p:txBody>
+          <a:bodyPr>
+            <a:normAutofit fontScale="90000"/>
+          </a:bodyPr>
+          <a:lstStyle/>
+          <a:p>
+            <a:r>
+              <a:rPr lang="ru-RU" dirty="0"/>
               <a:t>Жесткие зависимости от конкретных классов индикаторов</a:t>
             </a:r>
-            <a:endParaRPr lang="ru-RU" dirty="0"/>
           </a:p>
         </p:txBody>
       </p:sp>
@@ -5023,14 +6301,14 @@
           <a:lstStyle/>
           <a:p>
             <a:r>
-              <a:rPr lang="ru-RU" dirty="0" smtClean="0"/>
+              <a:rPr lang="ru-RU" dirty="0"/>
               <a:t>Программирование на уровне конкретной реализации не позволяет добавлять и удалять визуальные элементы без внесения изменений в класс </a:t>
             </a:r>
             <a:r>
-              <a:rPr lang="en-US" dirty="0" err="1" smtClean="0"/>
+              <a:rPr lang="en-US" dirty="0" err="1"/>
               <a:t>CWeatherData</a:t>
             </a:r>
-            <a:endParaRPr lang="en-US" dirty="0" smtClean="0"/>
+            <a:endParaRPr lang="en-US" dirty="0"/>
           </a:p>
         </p:txBody>
       </p:sp>
@@ -5057,7 +6335,7 @@
           <a:p>
             <a:pPr lvl="0" defTabSz="447675"/>
             <a:r>
-              <a:rPr lang="en-US" sz="1400" dirty="0" smtClean="0">
+              <a:rPr lang="en-US" sz="1400" dirty="0">
                 <a:solidFill>
                   <a:srgbClr val="0000FF"/>
                 </a:solidFill>
@@ -5068,7 +6346,7 @@
               <a:t>void</a:t>
             </a:r>
             <a:r>
-              <a:rPr lang="en-US" sz="1400" dirty="0" smtClean="0">
+              <a:rPr lang="en-US" sz="1400" dirty="0">
                 <a:solidFill>
                   <a:srgbClr val="000000"/>
                 </a:solidFill>
@@ -5111,7 +6389,7 @@
           <a:p>
             <a:pPr lvl="0" defTabSz="447675"/>
             <a:r>
-              <a:rPr lang="en-US" sz="1400" dirty="0" smtClean="0">
+              <a:rPr lang="en-US" sz="1400" dirty="0">
                 <a:solidFill>
                   <a:srgbClr val="000000"/>
                 </a:solidFill>
@@ -5466,7 +6744,7 @@
           <a:p>
             <a:pPr lvl="0" defTabSz="447675"/>
             <a:r>
-              <a:rPr lang="en-US" sz="1400" dirty="0" smtClean="0">
+              <a:rPr lang="en-US" sz="1400" dirty="0">
                 <a:solidFill>
                   <a:srgbClr val="000000"/>
                 </a:solidFill>
@@ -6302,7 +7580,7 @@
 </p:sld>
 </file>
 
-<file path=ppt/slides/slide11.xml><?xml version="1.0" encoding="utf-8"?>
+<file path=ppt/slides/slide14.xml><?xml version="1.0" encoding="utf-8"?>
 <p:sld xmlns:a="http://schemas.openxmlformats.org/drawingml/2006/main" xmlns:r="http://schemas.openxmlformats.org/officeDocument/2006/relationships" xmlns:p="http://schemas.openxmlformats.org/presentationml/2006/main">
   <p:cSld>
     <p:spTree>
@@ -6337,10 +7615,9 @@
           <a:lstStyle/>
           <a:p>
             <a:r>
-              <a:rPr lang="ru-RU" dirty="0" smtClean="0"/>
+              <a:rPr lang="ru-RU" dirty="0"/>
               <a:t>Инкапсуляция переменной области</a:t>
             </a:r>
-            <a:endParaRPr lang="ru-RU" dirty="0"/>
           </a:p>
         </p:txBody>
       </p:sp>
@@ -6360,10 +7637,9 @@
           <a:lstStyle/>
           <a:p>
             <a:r>
-              <a:rPr lang="ru-RU" dirty="0" smtClean="0"/>
+              <a:rPr lang="ru-RU" dirty="0"/>
               <a:t>Типы и количество индикаторов – переменная составляющая программы, и должна быть инкапсулирована</a:t>
             </a:r>
-            <a:endParaRPr lang="ru-RU" dirty="0"/>
           </a:p>
         </p:txBody>
       </p:sp>
@@ -6377,812 +7653,6 @@
   <p:clrMapOvr>
     <a:masterClrMapping/>
   </p:clrMapOvr>
-  <p:timing>
-    <p:tnLst>
-      <p:par>
-        <p:cTn id="1" dur="indefinite" restart="never" nodeType="tmRoot"/>
-      </p:par>
-    </p:tnLst>
-  </p:timing>
-</p:sld>
-</file>
-
-<file path=ppt/slides/slide12.xml><?xml version="1.0" encoding="utf-8"?>
-<p:sld xmlns:a="http://schemas.openxmlformats.org/drawingml/2006/main" xmlns:r="http://schemas.openxmlformats.org/officeDocument/2006/relationships" xmlns:p="http://schemas.openxmlformats.org/presentationml/2006/main">
-  <p:cSld>
-    <p:spTree>
-      <p:nvGrpSpPr>
-        <p:cNvPr id="1" name=""/>
-        <p:cNvGrpSpPr/>
-        <p:nvPr/>
-      </p:nvGrpSpPr>
-      <p:grpSpPr>
-        <a:xfrm>
-          <a:off x="0" y="0"/>
-          <a:ext cx="0" cy="0"/>
-          <a:chOff x="0" y="0"/>
-          <a:chExt cx="0" cy="0"/>
-        </a:xfrm>
-      </p:grpSpPr>
-      <p:sp>
-        <p:nvSpPr>
-          <p:cNvPr id="2" name="Заголовок 1"/>
-          <p:cNvSpPr>
-            <a:spLocks noGrp="1"/>
-          </p:cNvSpPr>
-          <p:nvPr>
-            <p:ph type="title"/>
-          </p:nvPr>
-        </p:nvSpPr>
-        <p:spPr/>
-        <p:txBody>
-          <a:bodyPr/>
-          <a:lstStyle/>
-          <a:p>
-            <a:r>
-              <a:rPr lang="ru-RU" dirty="0" smtClean="0"/>
-              <a:t>Выделение общего интерфейса</a:t>
-            </a:r>
-            <a:endParaRPr lang="ru-RU" dirty="0"/>
-          </a:p>
-        </p:txBody>
-      </p:sp>
-      <p:sp>
-        <p:nvSpPr>
-          <p:cNvPr id="3" name="Объект 2"/>
-          <p:cNvSpPr>
-            <a:spLocks noGrp="1"/>
-          </p:cNvSpPr>
-          <p:nvPr>
-            <p:ph idx="1"/>
-          </p:nvPr>
-        </p:nvSpPr>
-        <p:spPr/>
-        <p:txBody>
-          <a:bodyPr/>
-          <a:lstStyle/>
-          <a:p>
-            <a:r>
-              <a:rPr lang="ru-RU" dirty="0" smtClean="0"/>
-              <a:t>Обновление различных индикаторов осуществляется сходным образом</a:t>
-            </a:r>
-          </a:p>
-        </p:txBody>
-      </p:sp>
-      <p:sp>
-        <p:nvSpPr>
-          <p:cNvPr id="4" name="Прямоугольник 3"/>
-          <p:cNvSpPr/>
-          <p:nvPr/>
-        </p:nvSpPr>
-        <p:spPr>
-          <a:xfrm>
-            <a:off x="611560" y="4437112"/>
-            <a:ext cx="8208912" cy="2246769"/>
-          </a:xfrm>
-          <a:prstGeom prst="rect">
-            <a:avLst/>
-          </a:prstGeom>
-        </p:spPr>
-        <p:txBody>
-          <a:bodyPr wrap="square">
-            <a:spAutoFit/>
-          </a:bodyPr>
-          <a:lstStyle/>
-          <a:p>
-            <a:pPr lvl="0" defTabSz="447675"/>
-            <a:r>
-              <a:rPr lang="en-US" sz="1400" dirty="0" smtClean="0">
-                <a:solidFill>
-                  <a:srgbClr val="0000FF"/>
-                </a:solidFill>
-                <a:latin typeface="Consolas"/>
-                <a:ea typeface="Calibri"/>
-                <a:cs typeface="Times New Roman"/>
-              </a:rPr>
-              <a:t>void</a:t>
-            </a:r>
-            <a:r>
-              <a:rPr lang="en-US" sz="1400" dirty="0" smtClean="0">
-                <a:solidFill>
-                  <a:srgbClr val="000000"/>
-                </a:solidFill>
-                <a:latin typeface="Consolas"/>
-                <a:ea typeface="Calibri"/>
-                <a:cs typeface="Times New Roman"/>
-              </a:rPr>
-              <a:t> </a:t>
-            </a:r>
-            <a:r>
-              <a:rPr lang="en-US" sz="1400" dirty="0" err="1">
-                <a:solidFill>
-                  <a:srgbClr val="000000"/>
-                </a:solidFill>
-                <a:latin typeface="Consolas"/>
-                <a:ea typeface="Calibri"/>
-                <a:cs typeface="Times New Roman"/>
-              </a:rPr>
-              <a:t>MeasurementsChanged</a:t>
-            </a:r>
-            <a:r>
-              <a:rPr lang="en-US" sz="1400" dirty="0">
-                <a:solidFill>
-                  <a:srgbClr val="000000"/>
-                </a:solidFill>
-                <a:latin typeface="Consolas"/>
-                <a:ea typeface="Calibri"/>
-                <a:cs typeface="Times New Roman"/>
-              </a:rPr>
-              <a:t>()</a:t>
-            </a:r>
-            <a:endParaRPr lang="ru-RU" sz="1400" dirty="0">
-              <a:solidFill>
-                <a:prstClr val="black"/>
-              </a:solidFill>
-              <a:ea typeface="Calibri"/>
-              <a:cs typeface="Times New Roman"/>
-            </a:endParaRPr>
-          </a:p>
-          <a:p>
-            <a:pPr lvl="0" defTabSz="447675"/>
-            <a:r>
-              <a:rPr lang="en-US" sz="1400" dirty="0" smtClean="0">
-                <a:solidFill>
-                  <a:srgbClr val="000000"/>
-                </a:solidFill>
-                <a:latin typeface="Consolas"/>
-                <a:ea typeface="Calibri"/>
-                <a:cs typeface="Times New Roman"/>
-              </a:rPr>
-              <a:t>{</a:t>
-            </a:r>
-            <a:endParaRPr lang="ru-RU" sz="1400" dirty="0">
-              <a:solidFill>
-                <a:prstClr val="black"/>
-              </a:solidFill>
-              <a:ea typeface="Calibri"/>
-              <a:cs typeface="Times New Roman"/>
-            </a:endParaRPr>
-          </a:p>
-          <a:p>
-            <a:pPr lvl="0" defTabSz="447675"/>
-            <a:r>
-              <a:rPr lang="en-US" sz="1400" dirty="0">
-                <a:solidFill>
-                  <a:srgbClr val="000000"/>
-                </a:solidFill>
-                <a:latin typeface="Consolas"/>
-                <a:ea typeface="Calibri"/>
-                <a:cs typeface="Times New Roman"/>
-              </a:rPr>
-              <a:t>	</a:t>
-            </a:r>
-            <a:r>
-              <a:rPr lang="en-US" sz="1400" dirty="0">
-                <a:solidFill>
-                  <a:srgbClr val="0000FF"/>
-                </a:solidFill>
-                <a:latin typeface="Consolas"/>
-                <a:ea typeface="Calibri"/>
-                <a:cs typeface="Times New Roman"/>
-              </a:rPr>
-              <a:t>double</a:t>
-            </a:r>
-            <a:r>
-              <a:rPr lang="en-US" sz="1400" dirty="0">
-                <a:solidFill>
-                  <a:srgbClr val="000000"/>
-                </a:solidFill>
-                <a:latin typeface="Consolas"/>
-                <a:ea typeface="Calibri"/>
-                <a:cs typeface="Times New Roman"/>
-              </a:rPr>
-              <a:t> temp = </a:t>
-            </a:r>
-            <a:r>
-              <a:rPr lang="en-US" sz="1400" dirty="0" err="1">
-                <a:solidFill>
-                  <a:srgbClr val="000000"/>
-                </a:solidFill>
-                <a:latin typeface="Consolas"/>
-                <a:ea typeface="Calibri"/>
-                <a:cs typeface="Times New Roman"/>
-              </a:rPr>
-              <a:t>GetTemperature</a:t>
-            </a:r>
-            <a:r>
-              <a:rPr lang="en-US" sz="1400" dirty="0">
-                <a:solidFill>
-                  <a:srgbClr val="000000"/>
-                </a:solidFill>
-                <a:latin typeface="Consolas"/>
-                <a:ea typeface="Calibri"/>
-                <a:cs typeface="Times New Roman"/>
-              </a:rPr>
-              <a:t>();</a:t>
-            </a:r>
-            <a:endParaRPr lang="ru-RU" sz="1400" dirty="0">
-              <a:solidFill>
-                <a:prstClr val="black"/>
-              </a:solidFill>
-              <a:ea typeface="Calibri"/>
-              <a:cs typeface="Times New Roman"/>
-            </a:endParaRPr>
-          </a:p>
-          <a:p>
-            <a:pPr lvl="0" defTabSz="447675"/>
-            <a:r>
-              <a:rPr lang="en-US" sz="1400" dirty="0">
-                <a:solidFill>
-                  <a:srgbClr val="000000"/>
-                </a:solidFill>
-                <a:latin typeface="Consolas"/>
-                <a:ea typeface="Calibri"/>
-                <a:cs typeface="Times New Roman"/>
-              </a:rPr>
-              <a:t>	</a:t>
-            </a:r>
-            <a:r>
-              <a:rPr lang="en-US" sz="1400" dirty="0">
-                <a:solidFill>
-                  <a:srgbClr val="0000FF"/>
-                </a:solidFill>
-                <a:latin typeface="Consolas"/>
-                <a:ea typeface="Calibri"/>
-                <a:cs typeface="Times New Roman"/>
-              </a:rPr>
-              <a:t>double</a:t>
-            </a:r>
-            <a:r>
-              <a:rPr lang="en-US" sz="1400" dirty="0">
-                <a:solidFill>
-                  <a:srgbClr val="000000"/>
-                </a:solidFill>
-                <a:latin typeface="Consolas"/>
-                <a:ea typeface="Calibri"/>
-                <a:cs typeface="Times New Roman"/>
-              </a:rPr>
-              <a:t> humidity = </a:t>
-            </a:r>
-            <a:r>
-              <a:rPr lang="en-US" sz="1400" dirty="0" err="1">
-                <a:solidFill>
-                  <a:srgbClr val="000000"/>
-                </a:solidFill>
-                <a:latin typeface="Consolas"/>
-                <a:ea typeface="Calibri"/>
-                <a:cs typeface="Times New Roman"/>
-              </a:rPr>
-              <a:t>GetHumidity</a:t>
-            </a:r>
-            <a:r>
-              <a:rPr lang="en-US" sz="1400" dirty="0">
-                <a:solidFill>
-                  <a:srgbClr val="000000"/>
-                </a:solidFill>
-                <a:latin typeface="Consolas"/>
-                <a:ea typeface="Calibri"/>
-                <a:cs typeface="Times New Roman"/>
-              </a:rPr>
-              <a:t>();</a:t>
-            </a:r>
-            <a:endParaRPr lang="ru-RU" sz="1400" dirty="0">
-              <a:solidFill>
-                <a:prstClr val="black"/>
-              </a:solidFill>
-              <a:ea typeface="Calibri"/>
-              <a:cs typeface="Times New Roman"/>
-            </a:endParaRPr>
-          </a:p>
-          <a:p>
-            <a:pPr lvl="0" defTabSz="447675"/>
-            <a:r>
-              <a:rPr lang="en-US" sz="1400" dirty="0">
-                <a:solidFill>
-                  <a:srgbClr val="000000"/>
-                </a:solidFill>
-                <a:latin typeface="Consolas"/>
-                <a:ea typeface="Calibri"/>
-                <a:cs typeface="Times New Roman"/>
-              </a:rPr>
-              <a:t>	</a:t>
-            </a:r>
-            <a:r>
-              <a:rPr lang="en-US" sz="1400" dirty="0">
-                <a:solidFill>
-                  <a:srgbClr val="0000FF"/>
-                </a:solidFill>
-                <a:latin typeface="Consolas"/>
-                <a:ea typeface="Calibri"/>
-                <a:cs typeface="Times New Roman"/>
-              </a:rPr>
-              <a:t>double</a:t>
-            </a:r>
-            <a:r>
-              <a:rPr lang="en-US" sz="1400" dirty="0">
-                <a:solidFill>
-                  <a:srgbClr val="000000"/>
-                </a:solidFill>
-                <a:latin typeface="Consolas"/>
-                <a:ea typeface="Calibri"/>
-                <a:cs typeface="Times New Roman"/>
-              </a:rPr>
-              <a:t> pressure = </a:t>
-            </a:r>
-            <a:r>
-              <a:rPr lang="en-US" sz="1400" dirty="0" err="1">
-                <a:solidFill>
-                  <a:srgbClr val="000000"/>
-                </a:solidFill>
-                <a:latin typeface="Consolas"/>
-                <a:ea typeface="Calibri"/>
-                <a:cs typeface="Times New Roman"/>
-              </a:rPr>
-              <a:t>GetPressure</a:t>
-            </a:r>
-            <a:r>
-              <a:rPr lang="en-US" sz="1400" dirty="0">
-                <a:solidFill>
-                  <a:srgbClr val="000000"/>
-                </a:solidFill>
-                <a:latin typeface="Consolas"/>
-                <a:ea typeface="Calibri"/>
-                <a:cs typeface="Times New Roman"/>
-              </a:rPr>
-              <a:t>();</a:t>
-            </a:r>
-            <a:endParaRPr lang="ru-RU" sz="1400" dirty="0">
-              <a:solidFill>
-                <a:prstClr val="black"/>
-              </a:solidFill>
-              <a:ea typeface="Calibri"/>
-              <a:cs typeface="Times New Roman"/>
-            </a:endParaRPr>
-          </a:p>
-          <a:p>
-            <a:pPr lvl="0" defTabSz="447675"/>
-            <a:endParaRPr lang="ru-RU" sz="1400" dirty="0">
-              <a:solidFill>
-                <a:prstClr val="black"/>
-              </a:solidFill>
-              <a:ea typeface="Calibri"/>
-              <a:cs typeface="Times New Roman"/>
-            </a:endParaRPr>
-          </a:p>
-          <a:p>
-            <a:pPr lvl="0" defTabSz="447675"/>
-            <a:r>
-              <a:rPr lang="en-US" sz="1400" dirty="0">
-                <a:solidFill>
-                  <a:srgbClr val="000000"/>
-                </a:solidFill>
-                <a:latin typeface="Consolas"/>
-                <a:ea typeface="Calibri"/>
-                <a:cs typeface="Times New Roman"/>
-              </a:rPr>
-              <a:t>	</a:t>
-            </a:r>
-            <a:r>
-              <a:rPr lang="en-US" sz="1400" dirty="0" err="1">
-                <a:solidFill>
-                  <a:srgbClr val="000000"/>
-                </a:solidFill>
-                <a:latin typeface="Consolas"/>
-                <a:ea typeface="Calibri"/>
-                <a:cs typeface="Times New Roman"/>
-              </a:rPr>
-              <a:t>m_currentConditionsDisplay.</a:t>
-            </a:r>
-            <a:r>
-              <a:rPr lang="en-US" sz="1400" b="1" dirty="0" err="1">
-                <a:solidFill>
-                  <a:srgbClr val="FF0000"/>
-                </a:solidFill>
-                <a:latin typeface="Consolas"/>
-                <a:ea typeface="Calibri"/>
-                <a:cs typeface="Times New Roman"/>
-              </a:rPr>
-              <a:t>Update</a:t>
-            </a:r>
-            <a:r>
-              <a:rPr lang="en-US" sz="1400" b="1" dirty="0">
-                <a:solidFill>
-                  <a:srgbClr val="FF0000"/>
-                </a:solidFill>
-                <a:latin typeface="Consolas"/>
-                <a:ea typeface="Calibri"/>
-                <a:cs typeface="Times New Roman"/>
-              </a:rPr>
-              <a:t>(temp, humidity, pressure)</a:t>
-            </a:r>
-            <a:r>
-              <a:rPr lang="en-US" sz="1400" dirty="0">
-                <a:solidFill>
-                  <a:srgbClr val="000000"/>
-                </a:solidFill>
-                <a:latin typeface="Consolas"/>
-                <a:ea typeface="Calibri"/>
-                <a:cs typeface="Times New Roman"/>
-              </a:rPr>
-              <a:t>;</a:t>
-            </a:r>
-            <a:endParaRPr lang="ru-RU" sz="1400" dirty="0">
-              <a:solidFill>
-                <a:prstClr val="black"/>
-              </a:solidFill>
-              <a:ea typeface="Calibri"/>
-              <a:cs typeface="Times New Roman"/>
-            </a:endParaRPr>
-          </a:p>
-          <a:p>
-            <a:pPr lvl="0" defTabSz="447675"/>
-            <a:r>
-              <a:rPr lang="en-US" sz="1400" dirty="0">
-                <a:solidFill>
-                  <a:srgbClr val="000000"/>
-                </a:solidFill>
-                <a:latin typeface="Consolas"/>
-                <a:ea typeface="Calibri"/>
-                <a:cs typeface="Times New Roman"/>
-              </a:rPr>
-              <a:t>	</a:t>
-            </a:r>
-            <a:r>
-              <a:rPr lang="en-US" sz="1400" dirty="0" err="1">
-                <a:solidFill>
-                  <a:srgbClr val="000000"/>
-                </a:solidFill>
-                <a:latin typeface="Consolas"/>
-                <a:ea typeface="Calibri"/>
-                <a:cs typeface="Times New Roman"/>
-              </a:rPr>
-              <a:t>m_statisticsDisplay.</a:t>
-            </a:r>
-            <a:r>
-              <a:rPr lang="en-US" sz="1400" b="1" dirty="0" err="1">
-                <a:solidFill>
-                  <a:srgbClr val="FF0000"/>
-                </a:solidFill>
-                <a:latin typeface="Consolas"/>
-                <a:ea typeface="Calibri"/>
-                <a:cs typeface="Times New Roman"/>
-              </a:rPr>
-              <a:t>Update</a:t>
-            </a:r>
-            <a:r>
-              <a:rPr lang="en-US" sz="1400" b="1" dirty="0">
-                <a:solidFill>
-                  <a:srgbClr val="FF0000"/>
-                </a:solidFill>
-                <a:latin typeface="Consolas"/>
-                <a:ea typeface="Calibri"/>
-                <a:cs typeface="Times New Roman"/>
-              </a:rPr>
-              <a:t>(temp, humidity, pressure)</a:t>
-            </a:r>
-            <a:r>
-              <a:rPr lang="en-US" sz="1400" dirty="0">
-                <a:solidFill>
-                  <a:srgbClr val="000000"/>
-                </a:solidFill>
-                <a:latin typeface="Consolas"/>
-                <a:ea typeface="Calibri"/>
-                <a:cs typeface="Times New Roman"/>
-              </a:rPr>
-              <a:t>;</a:t>
-            </a:r>
-            <a:endParaRPr lang="ru-RU" sz="1400" dirty="0">
-              <a:solidFill>
-                <a:prstClr val="black"/>
-              </a:solidFill>
-              <a:ea typeface="Calibri"/>
-              <a:cs typeface="Times New Roman"/>
-            </a:endParaRPr>
-          </a:p>
-          <a:p>
-            <a:pPr lvl="0" defTabSz="447675"/>
-            <a:r>
-              <a:rPr lang="en-US" sz="1400" dirty="0">
-                <a:solidFill>
-                  <a:srgbClr val="000000"/>
-                </a:solidFill>
-                <a:latin typeface="Consolas"/>
-                <a:ea typeface="Calibri"/>
-                <a:cs typeface="Times New Roman"/>
-              </a:rPr>
-              <a:t>	</a:t>
-            </a:r>
-            <a:r>
-              <a:rPr lang="en-US" sz="1400" dirty="0" err="1">
-                <a:solidFill>
-                  <a:srgbClr val="000000"/>
-                </a:solidFill>
-                <a:latin typeface="Consolas"/>
-                <a:ea typeface="Calibri"/>
-                <a:cs typeface="Times New Roman"/>
-              </a:rPr>
-              <a:t>m_forecastDisplay.</a:t>
-            </a:r>
-            <a:r>
-              <a:rPr lang="en-US" sz="1400" b="1" dirty="0" err="1">
-                <a:solidFill>
-                  <a:srgbClr val="FF0000"/>
-                </a:solidFill>
-                <a:latin typeface="Consolas"/>
-                <a:ea typeface="Calibri"/>
-                <a:cs typeface="Times New Roman"/>
-              </a:rPr>
-              <a:t>Update</a:t>
-            </a:r>
-            <a:r>
-              <a:rPr lang="en-US" sz="1400" b="1" dirty="0">
-                <a:solidFill>
-                  <a:srgbClr val="FF0000"/>
-                </a:solidFill>
-                <a:latin typeface="Consolas"/>
-                <a:ea typeface="Calibri"/>
-                <a:cs typeface="Times New Roman"/>
-              </a:rPr>
-              <a:t>(temp, humidity, pressure)</a:t>
-            </a:r>
-            <a:r>
-              <a:rPr lang="en-US" sz="1400" dirty="0">
-                <a:solidFill>
-                  <a:srgbClr val="000000"/>
-                </a:solidFill>
-                <a:latin typeface="Consolas"/>
-                <a:ea typeface="Calibri"/>
-                <a:cs typeface="Times New Roman"/>
-              </a:rPr>
-              <a:t>;</a:t>
-            </a:r>
-            <a:endParaRPr lang="ru-RU" sz="1400" dirty="0">
-              <a:solidFill>
-                <a:prstClr val="black"/>
-              </a:solidFill>
-              <a:ea typeface="Calibri"/>
-              <a:cs typeface="Times New Roman"/>
-            </a:endParaRPr>
-          </a:p>
-          <a:p>
-            <a:pPr lvl="0" defTabSz="447675"/>
-            <a:r>
-              <a:rPr lang="en-US" sz="1400" dirty="0" smtClean="0">
-                <a:solidFill>
-                  <a:srgbClr val="000000"/>
-                </a:solidFill>
-                <a:latin typeface="Consolas"/>
-                <a:ea typeface="Calibri"/>
-                <a:cs typeface="Times New Roman"/>
-              </a:rPr>
-              <a:t>}</a:t>
-            </a:r>
-            <a:endParaRPr lang="ru-RU" sz="1400" dirty="0">
-              <a:solidFill>
-                <a:prstClr val="black"/>
-              </a:solidFill>
-              <a:ea typeface="Calibri"/>
-              <a:cs typeface="Times New Roman"/>
-            </a:endParaRPr>
-          </a:p>
-        </p:txBody>
-      </p:sp>
-    </p:spTree>
-    <p:extLst>
-      <p:ext uri="{BB962C8B-B14F-4D97-AF65-F5344CB8AC3E}">
-        <p14:creationId xmlns:p14="http://schemas.microsoft.com/office/powerpoint/2010/main" val="4263585756"/>
-      </p:ext>
-    </p:extLst>
-  </p:cSld>
-  <p:clrMapOvr>
-    <a:masterClrMapping/>
-  </p:clrMapOvr>
-  <p:timing>
-    <p:tnLst>
-      <p:par>
-        <p:cTn id="1" dur="indefinite" restart="never" nodeType="tmRoot"/>
-      </p:par>
-    </p:tnLst>
-  </p:timing>
-</p:sld>
-</file>
-
-<file path=ppt/slides/slide13.xml><?xml version="1.0" encoding="utf-8"?>
-<p:sld xmlns:a="http://schemas.openxmlformats.org/drawingml/2006/main" xmlns:r="http://schemas.openxmlformats.org/officeDocument/2006/relationships" xmlns:p="http://schemas.openxmlformats.org/presentationml/2006/main">
-  <p:cSld>
-    <p:spTree>
-      <p:nvGrpSpPr>
-        <p:cNvPr id="1" name=""/>
-        <p:cNvGrpSpPr/>
-        <p:nvPr/>
-      </p:nvGrpSpPr>
-      <p:grpSpPr>
-        <a:xfrm>
-          <a:off x="0" y="0"/>
-          <a:ext cx="0" cy="0"/>
-          <a:chOff x="0" y="0"/>
-          <a:chExt cx="0" cy="0"/>
-        </a:xfrm>
-      </p:grpSpPr>
-      <p:sp>
-        <p:nvSpPr>
-          <p:cNvPr id="4" name="Заголовок 3"/>
-          <p:cNvSpPr>
-            <a:spLocks noGrp="1"/>
-          </p:cNvSpPr>
-          <p:nvPr>
-            <p:ph type="title"/>
-          </p:nvPr>
-        </p:nvSpPr>
-        <p:spPr/>
-        <p:txBody>
-          <a:bodyPr/>
-          <a:lstStyle/>
-          <a:p>
-            <a:r>
-              <a:rPr lang="ru-RU" dirty="0" smtClean="0"/>
-              <a:t>Знакомство с паттерном Наблюдатель</a:t>
-            </a:r>
-            <a:endParaRPr lang="ru-RU" dirty="0"/>
-          </a:p>
-        </p:txBody>
-      </p:sp>
-      <p:sp>
-        <p:nvSpPr>
-          <p:cNvPr id="5" name="Текст 4"/>
-          <p:cNvSpPr>
-            <a:spLocks noGrp="1"/>
-          </p:cNvSpPr>
-          <p:nvPr>
-            <p:ph type="body" idx="1"/>
-          </p:nvPr>
-        </p:nvSpPr>
-        <p:spPr/>
-        <p:txBody>
-          <a:bodyPr/>
-          <a:lstStyle/>
-          <a:p>
-            <a:endParaRPr lang="ru-RU"/>
-          </a:p>
-        </p:txBody>
-      </p:sp>
-    </p:spTree>
-    <p:extLst>
-      <p:ext uri="{BB962C8B-B14F-4D97-AF65-F5344CB8AC3E}">
-        <p14:creationId xmlns:p14="http://schemas.microsoft.com/office/powerpoint/2010/main" val="1230720782"/>
-      </p:ext>
-    </p:extLst>
-  </p:cSld>
-  <p:clrMapOvr>
-    <a:masterClrMapping/>
-  </p:clrMapOvr>
-  <p:timing>
-    <p:tnLst>
-      <p:par>
-        <p:cTn id="1" dur="indefinite" restart="never" nodeType="tmRoot"/>
-      </p:par>
-    </p:tnLst>
-  </p:timing>
-</p:sld>
-</file>
-
-<file path=ppt/slides/slide14.xml><?xml version="1.0" encoding="utf-8"?>
-<p:sld xmlns:a="http://schemas.openxmlformats.org/drawingml/2006/main" xmlns:r="http://schemas.openxmlformats.org/officeDocument/2006/relationships" xmlns:p="http://schemas.openxmlformats.org/presentationml/2006/main">
-  <p:cSld>
-    <p:spTree>
-      <p:nvGrpSpPr>
-        <p:cNvPr id="1" name=""/>
-        <p:cNvGrpSpPr/>
-        <p:nvPr/>
-      </p:nvGrpSpPr>
-      <p:grpSpPr>
-        <a:xfrm>
-          <a:off x="0" y="0"/>
-          <a:ext cx="0" cy="0"/>
-          <a:chOff x="0" y="0"/>
-          <a:chExt cx="0" cy="0"/>
-        </a:xfrm>
-      </p:grpSpPr>
-      <p:sp>
-        <p:nvSpPr>
-          <p:cNvPr id="2" name="Заголовок 1"/>
-          <p:cNvSpPr>
-            <a:spLocks noGrp="1"/>
-          </p:cNvSpPr>
-          <p:nvPr>
-            <p:ph type="title"/>
-          </p:nvPr>
-        </p:nvSpPr>
-        <p:spPr/>
-        <p:txBody>
-          <a:bodyPr/>
-          <a:lstStyle/>
-          <a:p>
-            <a:r>
-              <a:rPr lang="ru-RU" dirty="0" smtClean="0"/>
-              <a:t>Аналогия из реального мира</a:t>
-            </a:r>
-            <a:endParaRPr lang="ru-RU" dirty="0"/>
-          </a:p>
-        </p:txBody>
-      </p:sp>
-      <p:sp>
-        <p:nvSpPr>
-          <p:cNvPr id="3" name="Объект 2"/>
-          <p:cNvSpPr>
-            <a:spLocks noGrp="1"/>
-          </p:cNvSpPr>
-          <p:nvPr>
-            <p:ph idx="1"/>
-          </p:nvPr>
-        </p:nvSpPr>
-        <p:spPr/>
-        <p:txBody>
-          <a:bodyPr>
-            <a:normAutofit lnSpcReduction="10000"/>
-          </a:bodyPr>
-          <a:lstStyle/>
-          <a:p>
-            <a:r>
-              <a:rPr lang="ru-RU" dirty="0" smtClean="0"/>
-              <a:t>Подписка на газету или журнал</a:t>
-            </a:r>
-          </a:p>
-          <a:p>
-            <a:pPr lvl="1"/>
-            <a:r>
-              <a:rPr lang="ru-RU" dirty="0" smtClean="0"/>
-              <a:t>Издатель выпускает газету</a:t>
-            </a:r>
-          </a:p>
-          <a:p>
-            <a:pPr lvl="1"/>
-            <a:r>
-              <a:rPr lang="ru-RU" dirty="0" smtClean="0"/>
-              <a:t>Вы оформляете подписку у конкретного издателя</a:t>
-            </a:r>
-          </a:p>
-          <a:p>
-            <a:pPr lvl="2"/>
-            <a:r>
-              <a:rPr lang="ru-RU" dirty="0" smtClean="0"/>
-              <a:t>При выходе нового номера, экземпляр доставляется вам</a:t>
-            </a:r>
-          </a:p>
-          <a:p>
-            <a:pPr lvl="1"/>
-            <a:r>
-              <a:rPr lang="ru-RU" dirty="0" smtClean="0"/>
-              <a:t>Если вы не хотите получать газету, вы прекращаете подписку</a:t>
-            </a:r>
-          </a:p>
-          <a:p>
-            <a:pPr lvl="1"/>
-            <a:r>
-              <a:rPr lang="ru-RU" dirty="0" smtClean="0"/>
-              <a:t>Пока газета публикуется, кто угодно может оформить или прекратить подписку</a:t>
-            </a:r>
-            <a:endParaRPr lang="ru-RU" dirty="0"/>
-          </a:p>
-        </p:txBody>
-      </p:sp>
-    </p:spTree>
-    <p:extLst>
-      <p:ext uri="{BB962C8B-B14F-4D97-AF65-F5344CB8AC3E}">
-        <p14:creationId xmlns:p14="http://schemas.microsoft.com/office/powerpoint/2010/main" val="2161613111"/>
-      </p:ext>
-    </p:extLst>
-  </p:cSld>
-  <p:clrMapOvr>
-    <a:masterClrMapping/>
-  </p:clrMapOvr>
-  <p:timing>
-    <p:tnLst>
-      <p:par>
-        <p:cTn id="1" dur="indefinite" restart="never" nodeType="tmRoot"/>
-      </p:par>
-    </p:tnLst>
-  </p:timing>
 </p:sld>
 </file>
 
@@ -7215,16 +7685,13 @@
         </p:nvSpPr>
         <p:spPr/>
         <p:txBody>
-          <a:bodyPr>
-            <a:normAutofit fontScale="90000"/>
-          </a:bodyPr>
+          <a:bodyPr/>
           <a:lstStyle/>
           <a:p>
             <a:r>
-              <a:rPr lang="ru-RU" dirty="0" smtClean="0"/>
-              <a:t>Издатели + Подписчики = Паттерн Наблюдатель</a:t>
-            </a:r>
-            <a:endParaRPr lang="ru-RU" dirty="0"/>
+              <a:rPr lang="ru-RU" dirty="0"/>
+              <a:t>Выделение общего интерфейса</a:t>
+            </a:r>
           </a:p>
         </p:txBody>
       </p:sp>
@@ -7244,35 +7711,811 @@
           <a:lstStyle/>
           <a:p>
             <a:r>
-              <a:rPr lang="ru-RU" b="1" dirty="0" smtClean="0"/>
+              <a:rPr lang="ru-RU" dirty="0"/>
+              <a:t>Обновление различных индикаторов осуществляется сходным образом</a:t>
+            </a:r>
+          </a:p>
+        </p:txBody>
+      </p:sp>
+      <p:sp>
+        <p:nvSpPr>
+          <p:cNvPr id="4" name="Прямоугольник 3"/>
+          <p:cNvSpPr/>
+          <p:nvPr/>
+        </p:nvSpPr>
+        <p:spPr>
+          <a:xfrm>
+            <a:off x="611560" y="4437112"/>
+            <a:ext cx="8208912" cy="2246769"/>
+          </a:xfrm>
+          <a:prstGeom prst="rect">
+            <a:avLst/>
+          </a:prstGeom>
+        </p:spPr>
+        <p:txBody>
+          <a:bodyPr wrap="square">
+            <a:spAutoFit/>
+          </a:bodyPr>
+          <a:lstStyle/>
+          <a:p>
+            <a:pPr lvl="0" defTabSz="447675"/>
+            <a:r>
+              <a:rPr lang="en-US" sz="1400" dirty="0">
+                <a:solidFill>
+                  <a:srgbClr val="0000FF"/>
+                </a:solidFill>
+                <a:latin typeface="Consolas"/>
+                <a:ea typeface="Calibri"/>
+                <a:cs typeface="Times New Roman"/>
+              </a:rPr>
+              <a:t>void</a:t>
+            </a:r>
+            <a:r>
+              <a:rPr lang="en-US" sz="1400" dirty="0">
+                <a:solidFill>
+                  <a:srgbClr val="000000"/>
+                </a:solidFill>
+                <a:latin typeface="Consolas"/>
+                <a:ea typeface="Calibri"/>
+                <a:cs typeface="Times New Roman"/>
+              </a:rPr>
+              <a:t> </a:t>
+            </a:r>
+            <a:r>
+              <a:rPr lang="en-US" sz="1400" dirty="0" err="1">
+                <a:solidFill>
+                  <a:srgbClr val="000000"/>
+                </a:solidFill>
+                <a:latin typeface="Consolas"/>
+                <a:ea typeface="Calibri"/>
+                <a:cs typeface="Times New Roman"/>
+              </a:rPr>
+              <a:t>MeasurementsChanged</a:t>
+            </a:r>
+            <a:r>
+              <a:rPr lang="en-US" sz="1400" dirty="0">
+                <a:solidFill>
+                  <a:srgbClr val="000000"/>
+                </a:solidFill>
+                <a:latin typeface="Consolas"/>
+                <a:ea typeface="Calibri"/>
+                <a:cs typeface="Times New Roman"/>
+              </a:rPr>
+              <a:t>()</a:t>
+            </a:r>
+            <a:endParaRPr lang="ru-RU" sz="1400" dirty="0">
+              <a:solidFill>
+                <a:prstClr val="black"/>
+              </a:solidFill>
+              <a:ea typeface="Calibri"/>
+              <a:cs typeface="Times New Roman"/>
+            </a:endParaRPr>
+          </a:p>
+          <a:p>
+            <a:pPr lvl="0" defTabSz="447675"/>
+            <a:r>
+              <a:rPr lang="en-US" sz="1400" dirty="0">
+                <a:solidFill>
+                  <a:srgbClr val="000000"/>
+                </a:solidFill>
+                <a:latin typeface="Consolas"/>
+                <a:ea typeface="Calibri"/>
+                <a:cs typeface="Times New Roman"/>
+              </a:rPr>
+              <a:t>{</a:t>
+            </a:r>
+            <a:endParaRPr lang="ru-RU" sz="1400" dirty="0">
+              <a:solidFill>
+                <a:prstClr val="black"/>
+              </a:solidFill>
+              <a:ea typeface="Calibri"/>
+              <a:cs typeface="Times New Roman"/>
+            </a:endParaRPr>
+          </a:p>
+          <a:p>
+            <a:pPr lvl="0" defTabSz="447675"/>
+            <a:r>
+              <a:rPr lang="en-US" sz="1400" dirty="0">
+                <a:solidFill>
+                  <a:srgbClr val="000000"/>
+                </a:solidFill>
+                <a:latin typeface="Consolas"/>
+                <a:ea typeface="Calibri"/>
+                <a:cs typeface="Times New Roman"/>
+              </a:rPr>
+              <a:t>	</a:t>
+            </a:r>
+            <a:r>
+              <a:rPr lang="en-US" sz="1400" dirty="0">
+                <a:solidFill>
+                  <a:srgbClr val="0000FF"/>
+                </a:solidFill>
+                <a:latin typeface="Consolas"/>
+                <a:ea typeface="Calibri"/>
+                <a:cs typeface="Times New Roman"/>
+              </a:rPr>
+              <a:t>double</a:t>
+            </a:r>
+            <a:r>
+              <a:rPr lang="en-US" sz="1400" dirty="0">
+                <a:solidFill>
+                  <a:srgbClr val="000000"/>
+                </a:solidFill>
+                <a:latin typeface="Consolas"/>
+                <a:ea typeface="Calibri"/>
+                <a:cs typeface="Times New Roman"/>
+              </a:rPr>
+              <a:t> temp = </a:t>
+            </a:r>
+            <a:r>
+              <a:rPr lang="en-US" sz="1400" dirty="0" err="1">
+                <a:solidFill>
+                  <a:srgbClr val="000000"/>
+                </a:solidFill>
+                <a:latin typeface="Consolas"/>
+                <a:ea typeface="Calibri"/>
+                <a:cs typeface="Times New Roman"/>
+              </a:rPr>
+              <a:t>GetTemperature</a:t>
+            </a:r>
+            <a:r>
+              <a:rPr lang="en-US" sz="1400" dirty="0">
+                <a:solidFill>
+                  <a:srgbClr val="000000"/>
+                </a:solidFill>
+                <a:latin typeface="Consolas"/>
+                <a:ea typeface="Calibri"/>
+                <a:cs typeface="Times New Roman"/>
+              </a:rPr>
+              <a:t>();</a:t>
+            </a:r>
+            <a:endParaRPr lang="ru-RU" sz="1400" dirty="0">
+              <a:solidFill>
+                <a:prstClr val="black"/>
+              </a:solidFill>
+              <a:ea typeface="Calibri"/>
+              <a:cs typeface="Times New Roman"/>
+            </a:endParaRPr>
+          </a:p>
+          <a:p>
+            <a:pPr lvl="0" defTabSz="447675"/>
+            <a:r>
+              <a:rPr lang="en-US" sz="1400" dirty="0">
+                <a:solidFill>
+                  <a:srgbClr val="000000"/>
+                </a:solidFill>
+                <a:latin typeface="Consolas"/>
+                <a:ea typeface="Calibri"/>
+                <a:cs typeface="Times New Roman"/>
+              </a:rPr>
+              <a:t>	</a:t>
+            </a:r>
+            <a:r>
+              <a:rPr lang="en-US" sz="1400" dirty="0">
+                <a:solidFill>
+                  <a:srgbClr val="0000FF"/>
+                </a:solidFill>
+                <a:latin typeface="Consolas"/>
+                <a:ea typeface="Calibri"/>
+                <a:cs typeface="Times New Roman"/>
+              </a:rPr>
+              <a:t>double</a:t>
+            </a:r>
+            <a:r>
+              <a:rPr lang="en-US" sz="1400" dirty="0">
+                <a:solidFill>
+                  <a:srgbClr val="000000"/>
+                </a:solidFill>
+                <a:latin typeface="Consolas"/>
+                <a:ea typeface="Calibri"/>
+                <a:cs typeface="Times New Roman"/>
+              </a:rPr>
+              <a:t> humidity = </a:t>
+            </a:r>
+            <a:r>
+              <a:rPr lang="en-US" sz="1400" dirty="0" err="1">
+                <a:solidFill>
+                  <a:srgbClr val="000000"/>
+                </a:solidFill>
+                <a:latin typeface="Consolas"/>
+                <a:ea typeface="Calibri"/>
+                <a:cs typeface="Times New Roman"/>
+              </a:rPr>
+              <a:t>GetHumidity</a:t>
+            </a:r>
+            <a:r>
+              <a:rPr lang="en-US" sz="1400" dirty="0">
+                <a:solidFill>
+                  <a:srgbClr val="000000"/>
+                </a:solidFill>
+                <a:latin typeface="Consolas"/>
+                <a:ea typeface="Calibri"/>
+                <a:cs typeface="Times New Roman"/>
+              </a:rPr>
+              <a:t>();</a:t>
+            </a:r>
+            <a:endParaRPr lang="ru-RU" sz="1400" dirty="0">
+              <a:solidFill>
+                <a:prstClr val="black"/>
+              </a:solidFill>
+              <a:ea typeface="Calibri"/>
+              <a:cs typeface="Times New Roman"/>
+            </a:endParaRPr>
+          </a:p>
+          <a:p>
+            <a:pPr lvl="0" defTabSz="447675"/>
+            <a:r>
+              <a:rPr lang="en-US" sz="1400" dirty="0">
+                <a:solidFill>
+                  <a:srgbClr val="000000"/>
+                </a:solidFill>
+                <a:latin typeface="Consolas"/>
+                <a:ea typeface="Calibri"/>
+                <a:cs typeface="Times New Roman"/>
+              </a:rPr>
+              <a:t>	</a:t>
+            </a:r>
+            <a:r>
+              <a:rPr lang="en-US" sz="1400" dirty="0">
+                <a:solidFill>
+                  <a:srgbClr val="0000FF"/>
+                </a:solidFill>
+                <a:latin typeface="Consolas"/>
+                <a:ea typeface="Calibri"/>
+                <a:cs typeface="Times New Roman"/>
+              </a:rPr>
+              <a:t>double</a:t>
+            </a:r>
+            <a:r>
+              <a:rPr lang="en-US" sz="1400" dirty="0">
+                <a:solidFill>
+                  <a:srgbClr val="000000"/>
+                </a:solidFill>
+                <a:latin typeface="Consolas"/>
+                <a:ea typeface="Calibri"/>
+                <a:cs typeface="Times New Roman"/>
+              </a:rPr>
+              <a:t> pressure = </a:t>
+            </a:r>
+            <a:r>
+              <a:rPr lang="en-US" sz="1400" dirty="0" err="1">
+                <a:solidFill>
+                  <a:srgbClr val="000000"/>
+                </a:solidFill>
+                <a:latin typeface="Consolas"/>
+                <a:ea typeface="Calibri"/>
+                <a:cs typeface="Times New Roman"/>
+              </a:rPr>
+              <a:t>GetPressure</a:t>
+            </a:r>
+            <a:r>
+              <a:rPr lang="en-US" sz="1400" dirty="0">
+                <a:solidFill>
+                  <a:srgbClr val="000000"/>
+                </a:solidFill>
+                <a:latin typeface="Consolas"/>
+                <a:ea typeface="Calibri"/>
+                <a:cs typeface="Times New Roman"/>
+              </a:rPr>
+              <a:t>();</a:t>
+            </a:r>
+            <a:endParaRPr lang="ru-RU" sz="1400" dirty="0">
+              <a:solidFill>
+                <a:prstClr val="black"/>
+              </a:solidFill>
+              <a:ea typeface="Calibri"/>
+              <a:cs typeface="Times New Roman"/>
+            </a:endParaRPr>
+          </a:p>
+          <a:p>
+            <a:pPr lvl="0" defTabSz="447675"/>
+            <a:endParaRPr lang="ru-RU" sz="1400" dirty="0">
+              <a:solidFill>
+                <a:prstClr val="black"/>
+              </a:solidFill>
+              <a:ea typeface="Calibri"/>
+              <a:cs typeface="Times New Roman"/>
+            </a:endParaRPr>
+          </a:p>
+          <a:p>
+            <a:pPr lvl="0" defTabSz="447675"/>
+            <a:r>
+              <a:rPr lang="en-US" sz="1400" dirty="0">
+                <a:solidFill>
+                  <a:srgbClr val="000000"/>
+                </a:solidFill>
+                <a:latin typeface="Consolas"/>
+                <a:ea typeface="Calibri"/>
+                <a:cs typeface="Times New Roman"/>
+              </a:rPr>
+              <a:t>	</a:t>
+            </a:r>
+            <a:r>
+              <a:rPr lang="en-US" sz="1400" dirty="0" err="1">
+                <a:solidFill>
+                  <a:srgbClr val="000000"/>
+                </a:solidFill>
+                <a:latin typeface="Consolas"/>
+                <a:ea typeface="Calibri"/>
+                <a:cs typeface="Times New Roman"/>
+              </a:rPr>
+              <a:t>m_currentConditionsDisplay.</a:t>
+            </a:r>
+            <a:r>
+              <a:rPr lang="en-US" sz="1400" b="1" dirty="0" err="1">
+                <a:solidFill>
+                  <a:srgbClr val="FF0000"/>
+                </a:solidFill>
+                <a:latin typeface="Consolas"/>
+                <a:ea typeface="Calibri"/>
+                <a:cs typeface="Times New Roman"/>
+              </a:rPr>
+              <a:t>Update</a:t>
+            </a:r>
+            <a:r>
+              <a:rPr lang="en-US" sz="1400" b="1" dirty="0">
+                <a:solidFill>
+                  <a:srgbClr val="FF0000"/>
+                </a:solidFill>
+                <a:latin typeface="Consolas"/>
+                <a:ea typeface="Calibri"/>
+                <a:cs typeface="Times New Roman"/>
+              </a:rPr>
+              <a:t>(temp, humidity, pressure)</a:t>
+            </a:r>
+            <a:r>
+              <a:rPr lang="en-US" sz="1400" dirty="0">
+                <a:solidFill>
+                  <a:srgbClr val="000000"/>
+                </a:solidFill>
+                <a:latin typeface="Consolas"/>
+                <a:ea typeface="Calibri"/>
+                <a:cs typeface="Times New Roman"/>
+              </a:rPr>
+              <a:t>;</a:t>
+            </a:r>
+            <a:endParaRPr lang="ru-RU" sz="1400" dirty="0">
+              <a:solidFill>
+                <a:prstClr val="black"/>
+              </a:solidFill>
+              <a:ea typeface="Calibri"/>
+              <a:cs typeface="Times New Roman"/>
+            </a:endParaRPr>
+          </a:p>
+          <a:p>
+            <a:pPr lvl="0" defTabSz="447675"/>
+            <a:r>
+              <a:rPr lang="en-US" sz="1400" dirty="0">
+                <a:solidFill>
+                  <a:srgbClr val="000000"/>
+                </a:solidFill>
+                <a:latin typeface="Consolas"/>
+                <a:ea typeface="Calibri"/>
+                <a:cs typeface="Times New Roman"/>
+              </a:rPr>
+              <a:t>	</a:t>
+            </a:r>
+            <a:r>
+              <a:rPr lang="en-US" sz="1400" dirty="0" err="1">
+                <a:solidFill>
+                  <a:srgbClr val="000000"/>
+                </a:solidFill>
+                <a:latin typeface="Consolas"/>
+                <a:ea typeface="Calibri"/>
+                <a:cs typeface="Times New Roman"/>
+              </a:rPr>
+              <a:t>m_statisticsDisplay.</a:t>
+            </a:r>
+            <a:r>
+              <a:rPr lang="en-US" sz="1400" b="1" dirty="0" err="1">
+                <a:solidFill>
+                  <a:srgbClr val="FF0000"/>
+                </a:solidFill>
+                <a:latin typeface="Consolas"/>
+                <a:ea typeface="Calibri"/>
+                <a:cs typeface="Times New Roman"/>
+              </a:rPr>
+              <a:t>Update</a:t>
+            </a:r>
+            <a:r>
+              <a:rPr lang="en-US" sz="1400" b="1" dirty="0">
+                <a:solidFill>
+                  <a:srgbClr val="FF0000"/>
+                </a:solidFill>
+                <a:latin typeface="Consolas"/>
+                <a:ea typeface="Calibri"/>
+                <a:cs typeface="Times New Roman"/>
+              </a:rPr>
+              <a:t>(temp, humidity, pressure)</a:t>
+            </a:r>
+            <a:r>
+              <a:rPr lang="en-US" sz="1400" dirty="0">
+                <a:solidFill>
+                  <a:srgbClr val="000000"/>
+                </a:solidFill>
+                <a:latin typeface="Consolas"/>
+                <a:ea typeface="Calibri"/>
+                <a:cs typeface="Times New Roman"/>
+              </a:rPr>
+              <a:t>;</a:t>
+            </a:r>
+            <a:endParaRPr lang="ru-RU" sz="1400" dirty="0">
+              <a:solidFill>
+                <a:prstClr val="black"/>
+              </a:solidFill>
+              <a:ea typeface="Calibri"/>
+              <a:cs typeface="Times New Roman"/>
+            </a:endParaRPr>
+          </a:p>
+          <a:p>
+            <a:pPr lvl="0" defTabSz="447675"/>
+            <a:r>
+              <a:rPr lang="en-US" sz="1400" dirty="0">
+                <a:solidFill>
+                  <a:srgbClr val="000000"/>
+                </a:solidFill>
+                <a:latin typeface="Consolas"/>
+                <a:ea typeface="Calibri"/>
+                <a:cs typeface="Times New Roman"/>
+              </a:rPr>
+              <a:t>	</a:t>
+            </a:r>
+            <a:r>
+              <a:rPr lang="en-US" sz="1400" dirty="0" err="1">
+                <a:solidFill>
+                  <a:srgbClr val="000000"/>
+                </a:solidFill>
+                <a:latin typeface="Consolas"/>
+                <a:ea typeface="Calibri"/>
+                <a:cs typeface="Times New Roman"/>
+              </a:rPr>
+              <a:t>m_forecastDisplay.</a:t>
+            </a:r>
+            <a:r>
+              <a:rPr lang="en-US" sz="1400" b="1" dirty="0" err="1">
+                <a:solidFill>
+                  <a:srgbClr val="FF0000"/>
+                </a:solidFill>
+                <a:latin typeface="Consolas"/>
+                <a:ea typeface="Calibri"/>
+                <a:cs typeface="Times New Roman"/>
+              </a:rPr>
+              <a:t>Update</a:t>
+            </a:r>
+            <a:r>
+              <a:rPr lang="en-US" sz="1400" b="1" dirty="0">
+                <a:solidFill>
+                  <a:srgbClr val="FF0000"/>
+                </a:solidFill>
+                <a:latin typeface="Consolas"/>
+                <a:ea typeface="Calibri"/>
+                <a:cs typeface="Times New Roman"/>
+              </a:rPr>
+              <a:t>(temp, humidity, pressure)</a:t>
+            </a:r>
+            <a:r>
+              <a:rPr lang="en-US" sz="1400" dirty="0">
+                <a:solidFill>
+                  <a:srgbClr val="000000"/>
+                </a:solidFill>
+                <a:latin typeface="Consolas"/>
+                <a:ea typeface="Calibri"/>
+                <a:cs typeface="Times New Roman"/>
+              </a:rPr>
+              <a:t>;</a:t>
+            </a:r>
+            <a:endParaRPr lang="ru-RU" sz="1400" dirty="0">
+              <a:solidFill>
+                <a:prstClr val="black"/>
+              </a:solidFill>
+              <a:ea typeface="Calibri"/>
+              <a:cs typeface="Times New Roman"/>
+            </a:endParaRPr>
+          </a:p>
+          <a:p>
+            <a:pPr lvl="0" defTabSz="447675"/>
+            <a:r>
+              <a:rPr lang="en-US" sz="1400" dirty="0">
+                <a:solidFill>
+                  <a:srgbClr val="000000"/>
+                </a:solidFill>
+                <a:latin typeface="Consolas"/>
+                <a:ea typeface="Calibri"/>
+                <a:cs typeface="Times New Roman"/>
+              </a:rPr>
+              <a:t>}</a:t>
+            </a:r>
+            <a:endParaRPr lang="ru-RU" sz="1400" dirty="0">
+              <a:solidFill>
+                <a:prstClr val="black"/>
+              </a:solidFill>
+              <a:ea typeface="Calibri"/>
+              <a:cs typeface="Times New Roman"/>
+            </a:endParaRPr>
+          </a:p>
+        </p:txBody>
+      </p:sp>
+    </p:spTree>
+    <p:extLst>
+      <p:ext uri="{BB962C8B-B14F-4D97-AF65-F5344CB8AC3E}">
+        <p14:creationId xmlns:p14="http://schemas.microsoft.com/office/powerpoint/2010/main" val="4263585756"/>
+      </p:ext>
+    </p:extLst>
+  </p:cSld>
+  <p:clrMapOvr>
+    <a:masterClrMapping/>
+  </p:clrMapOvr>
+</p:sld>
+</file>
+
+<file path=ppt/slides/slide16.xml><?xml version="1.0" encoding="utf-8"?>
+<p:sld xmlns:a="http://schemas.openxmlformats.org/drawingml/2006/main" xmlns:r="http://schemas.openxmlformats.org/officeDocument/2006/relationships" xmlns:p="http://schemas.openxmlformats.org/presentationml/2006/main">
+  <p:cSld>
+    <p:spTree>
+      <p:nvGrpSpPr>
+        <p:cNvPr id="1" name=""/>
+        <p:cNvGrpSpPr/>
+        <p:nvPr/>
+      </p:nvGrpSpPr>
+      <p:grpSpPr>
+        <a:xfrm>
+          <a:off x="0" y="0"/>
+          <a:ext cx="0" cy="0"/>
+          <a:chOff x="0" y="0"/>
+          <a:chExt cx="0" cy="0"/>
+        </a:xfrm>
+      </p:grpSpPr>
+      <p:sp>
+        <p:nvSpPr>
+          <p:cNvPr id="4" name="Заголовок 3"/>
+          <p:cNvSpPr>
+            <a:spLocks noGrp="1"/>
+          </p:cNvSpPr>
+          <p:nvPr>
+            <p:ph type="title"/>
+          </p:nvPr>
+        </p:nvSpPr>
+        <p:spPr/>
+        <p:txBody>
+          <a:bodyPr/>
+          <a:lstStyle/>
+          <a:p>
+            <a:r>
+              <a:rPr lang="ru-RU" dirty="0"/>
+              <a:t>Знакомство с паттерном Наблюдатель</a:t>
+            </a:r>
+          </a:p>
+        </p:txBody>
+      </p:sp>
+      <p:sp>
+        <p:nvSpPr>
+          <p:cNvPr id="5" name="Текст 4"/>
+          <p:cNvSpPr>
+            <a:spLocks noGrp="1"/>
+          </p:cNvSpPr>
+          <p:nvPr>
+            <p:ph type="body" idx="1"/>
+          </p:nvPr>
+        </p:nvSpPr>
+        <p:spPr/>
+        <p:txBody>
+          <a:bodyPr/>
+          <a:lstStyle/>
+          <a:p>
+            <a:endParaRPr lang="ru-RU"/>
+          </a:p>
+        </p:txBody>
+      </p:sp>
+    </p:spTree>
+    <p:extLst>
+      <p:ext uri="{BB962C8B-B14F-4D97-AF65-F5344CB8AC3E}">
+        <p14:creationId xmlns:p14="http://schemas.microsoft.com/office/powerpoint/2010/main" val="1230720782"/>
+      </p:ext>
+    </p:extLst>
+  </p:cSld>
+  <p:clrMapOvr>
+    <a:masterClrMapping/>
+  </p:clrMapOvr>
+</p:sld>
+</file>
+
+<file path=ppt/slides/slide17.xml><?xml version="1.0" encoding="utf-8"?>
+<p:sld xmlns:a="http://schemas.openxmlformats.org/drawingml/2006/main" xmlns:r="http://schemas.openxmlformats.org/officeDocument/2006/relationships" xmlns:p="http://schemas.openxmlformats.org/presentationml/2006/main">
+  <p:cSld>
+    <p:spTree>
+      <p:nvGrpSpPr>
+        <p:cNvPr id="1" name=""/>
+        <p:cNvGrpSpPr/>
+        <p:nvPr/>
+      </p:nvGrpSpPr>
+      <p:grpSpPr>
+        <a:xfrm>
+          <a:off x="0" y="0"/>
+          <a:ext cx="0" cy="0"/>
+          <a:chOff x="0" y="0"/>
+          <a:chExt cx="0" cy="0"/>
+        </a:xfrm>
+      </p:grpSpPr>
+      <p:sp>
+        <p:nvSpPr>
+          <p:cNvPr id="2" name="Заголовок 1"/>
+          <p:cNvSpPr>
+            <a:spLocks noGrp="1"/>
+          </p:cNvSpPr>
+          <p:nvPr>
+            <p:ph type="title"/>
+          </p:nvPr>
+        </p:nvSpPr>
+        <p:spPr/>
+        <p:txBody>
+          <a:bodyPr/>
+          <a:lstStyle/>
+          <a:p>
+            <a:r>
+              <a:rPr lang="ru-RU" dirty="0"/>
+              <a:t>Аналогия из реального мира</a:t>
+            </a:r>
+          </a:p>
+        </p:txBody>
+      </p:sp>
+      <p:sp>
+        <p:nvSpPr>
+          <p:cNvPr id="3" name="Объект 2"/>
+          <p:cNvSpPr>
+            <a:spLocks noGrp="1"/>
+          </p:cNvSpPr>
+          <p:nvPr>
+            <p:ph idx="1"/>
+          </p:nvPr>
+        </p:nvSpPr>
+        <p:spPr/>
+        <p:txBody>
+          <a:bodyPr>
+            <a:normAutofit lnSpcReduction="10000"/>
+          </a:bodyPr>
+          <a:lstStyle/>
+          <a:p>
+            <a:r>
+              <a:rPr lang="ru-RU" dirty="0"/>
+              <a:t>Подписка на газету или журнал</a:t>
+            </a:r>
+          </a:p>
+          <a:p>
+            <a:pPr lvl="1"/>
+            <a:r>
+              <a:rPr lang="ru-RU" dirty="0"/>
+              <a:t>Издатель выпускает газету</a:t>
+            </a:r>
+          </a:p>
+          <a:p>
+            <a:pPr lvl="1"/>
+            <a:r>
+              <a:rPr lang="ru-RU" dirty="0"/>
+              <a:t>Вы оформляете подписку у конкретного издателя</a:t>
+            </a:r>
+          </a:p>
+          <a:p>
+            <a:pPr lvl="2"/>
+            <a:r>
+              <a:rPr lang="ru-RU" dirty="0"/>
+              <a:t>При выходе нового номера, экземпляр доставляется вам</a:t>
+            </a:r>
+          </a:p>
+          <a:p>
+            <a:pPr lvl="1"/>
+            <a:r>
+              <a:rPr lang="ru-RU" dirty="0"/>
+              <a:t>Если вы не хотите получать газету, вы прекращаете подписку</a:t>
+            </a:r>
+          </a:p>
+          <a:p>
+            <a:pPr lvl="1"/>
+            <a:r>
+              <a:rPr lang="ru-RU" dirty="0"/>
+              <a:t>Пока газета публикуется, кто угодно может оформить или прекратить подписку</a:t>
+            </a:r>
+          </a:p>
+        </p:txBody>
+      </p:sp>
+    </p:spTree>
+    <p:extLst>
+      <p:ext uri="{BB962C8B-B14F-4D97-AF65-F5344CB8AC3E}">
+        <p14:creationId xmlns:p14="http://schemas.microsoft.com/office/powerpoint/2010/main" val="2161613111"/>
+      </p:ext>
+    </p:extLst>
+  </p:cSld>
+  <p:clrMapOvr>
+    <a:masterClrMapping/>
+  </p:clrMapOvr>
+</p:sld>
+</file>
+
+<file path=ppt/slides/slide18.xml><?xml version="1.0" encoding="utf-8"?>
+<p:sld xmlns:a="http://schemas.openxmlformats.org/drawingml/2006/main" xmlns:r="http://schemas.openxmlformats.org/officeDocument/2006/relationships" xmlns:p="http://schemas.openxmlformats.org/presentationml/2006/main">
+  <p:cSld>
+    <p:spTree>
+      <p:nvGrpSpPr>
+        <p:cNvPr id="1" name=""/>
+        <p:cNvGrpSpPr/>
+        <p:nvPr/>
+      </p:nvGrpSpPr>
+      <p:grpSpPr>
+        <a:xfrm>
+          <a:off x="0" y="0"/>
+          <a:ext cx="0" cy="0"/>
+          <a:chOff x="0" y="0"/>
+          <a:chExt cx="0" cy="0"/>
+        </a:xfrm>
+      </p:grpSpPr>
+      <p:sp>
+        <p:nvSpPr>
+          <p:cNvPr id="2" name="Заголовок 1"/>
+          <p:cNvSpPr>
+            <a:spLocks noGrp="1"/>
+          </p:cNvSpPr>
+          <p:nvPr>
+            <p:ph type="title"/>
+          </p:nvPr>
+        </p:nvSpPr>
+        <p:spPr/>
+        <p:txBody>
+          <a:bodyPr>
+            <a:normAutofit fontScale="90000"/>
+          </a:bodyPr>
+          <a:lstStyle/>
+          <a:p>
+            <a:r>
+              <a:rPr lang="ru-RU" dirty="0"/>
+              <a:t>Издатели + Подписчики = Паттерн Наблюдатель</a:t>
+            </a:r>
+          </a:p>
+        </p:txBody>
+      </p:sp>
+      <p:sp>
+        <p:nvSpPr>
+          <p:cNvPr id="3" name="Объект 2"/>
+          <p:cNvSpPr>
+            <a:spLocks noGrp="1"/>
+          </p:cNvSpPr>
+          <p:nvPr>
+            <p:ph idx="1"/>
+          </p:nvPr>
+        </p:nvSpPr>
+        <p:spPr/>
+        <p:txBody>
+          <a:bodyPr/>
+          <a:lstStyle/>
+          <a:p>
+            <a:r>
+              <a:rPr lang="ru-RU" b="1" dirty="0"/>
               <a:t>Субъект</a:t>
             </a:r>
             <a:r>
-              <a:rPr lang="ru-RU" dirty="0" smtClean="0"/>
+              <a:rPr lang="ru-RU" dirty="0"/>
               <a:t> – тот кто управляет данными</a:t>
             </a:r>
           </a:p>
           <a:p>
             <a:pPr lvl="1"/>
             <a:r>
-              <a:rPr lang="ru-RU" dirty="0" smtClean="0"/>
+              <a:rPr lang="ru-RU" dirty="0"/>
               <a:t>Оповещает наблюдателей об изменении данных</a:t>
             </a:r>
           </a:p>
           <a:p>
             <a:r>
-              <a:rPr lang="ru-RU" b="1" dirty="0" smtClean="0"/>
+              <a:rPr lang="ru-RU" b="1" dirty="0"/>
               <a:t>Наблюдатель</a:t>
             </a:r>
             <a:r>
-              <a:rPr lang="ru-RU" dirty="0" smtClean="0"/>
+              <a:rPr lang="ru-RU" dirty="0"/>
               <a:t> – тот, кто получает оповещения от Субъекта</a:t>
             </a:r>
           </a:p>
           <a:p>
             <a:pPr lvl="1"/>
             <a:r>
-              <a:rPr lang="ru-RU" dirty="0" smtClean="0"/>
+              <a:rPr lang="ru-RU" dirty="0"/>
               <a:t>Регистрируется у Субъекта для получения оповещения об изменении его данных</a:t>
             </a:r>
           </a:p>
@@ -7532,7 +8775,7 @@
 </p:sld>
 </file>
 
-<file path=ppt/slides/slide16.xml><?xml version="1.0" encoding="utf-8"?>
+<file path=ppt/slides/slide19.xml><?xml version="1.0" encoding="utf-8"?>
 <p:sld xmlns:a="http://schemas.openxmlformats.org/drawingml/2006/main" xmlns:r="http://schemas.openxmlformats.org/officeDocument/2006/relationships" xmlns:p="http://schemas.openxmlformats.org/presentationml/2006/main">
   <p:cSld>
     <p:spTree>
@@ -7565,10 +8808,9 @@
           <a:lstStyle/>
           <a:p>
             <a:r>
-              <a:rPr lang="ru-RU" dirty="0" smtClean="0"/>
+              <a:rPr lang="ru-RU" dirty="0"/>
               <a:t>Паттерн Наблюдатель</a:t>
             </a:r>
-            <a:endParaRPr lang="ru-RU" dirty="0"/>
           </a:p>
         </p:txBody>
       </p:sp>
@@ -7619,10 +8861,9 @@
           <a:lstStyle/>
           <a:p>
             <a:r>
-              <a:rPr lang="ru-RU" dirty="0" smtClean="0"/>
+              <a:rPr lang="ru-RU" dirty="0"/>
               <a:t>Объект не является наблюдателем, поэтому не получает оповещения</a:t>
             </a:r>
-            <a:endParaRPr lang="ru-RU" dirty="0"/>
           </a:p>
         </p:txBody>
       </p:sp>
@@ -7722,17 +8963,102 @@
   <p:clrMapOvr>
     <a:masterClrMapping/>
   </p:clrMapOvr>
-  <p:timing>
-    <p:tnLst>
-      <p:par>
-        <p:cTn id="1" dur="indefinite" restart="never" nodeType="tmRoot"/>
-      </p:par>
-    </p:tnLst>
-  </p:timing>
 </p:sld>
 </file>
 
-<file path=ppt/slides/slide17.xml><?xml version="1.0" encoding="utf-8"?>
+<file path=ppt/slides/slide2.xml><?xml version="1.0" encoding="utf-8"?>
+<p:sld xmlns:a="http://schemas.openxmlformats.org/drawingml/2006/main" xmlns:r="http://schemas.openxmlformats.org/officeDocument/2006/relationships" xmlns:p="http://schemas.openxmlformats.org/presentationml/2006/main">
+  <p:cSld>
+    <p:spTree>
+      <p:nvGrpSpPr>
+        <p:cNvPr id="1" name=""/>
+        <p:cNvGrpSpPr/>
+        <p:nvPr/>
+      </p:nvGrpSpPr>
+      <p:grpSpPr>
+        <a:xfrm>
+          <a:off x="0" y="0"/>
+          <a:ext cx="0" cy="0"/>
+          <a:chOff x="0" y="0"/>
+          <a:chExt cx="0" cy="0"/>
+        </a:xfrm>
+      </p:grpSpPr>
+      <p:sp>
+        <p:nvSpPr>
+          <p:cNvPr id="2" name="Заголовок 1">
+            <a:extLst>
+              <a:ext uri="{FF2B5EF4-FFF2-40B4-BE49-F238E27FC236}">
+                <a16:creationId xmlns:a16="http://schemas.microsoft.com/office/drawing/2014/main" id="{D2CD8298-70BA-18D6-EF7E-186A292849BB}"/>
+              </a:ext>
+            </a:extLst>
+          </p:cNvPr>
+          <p:cNvSpPr>
+            <a:spLocks noGrp="1"/>
+          </p:cNvSpPr>
+          <p:nvPr>
+            <p:ph type="title"/>
+          </p:nvPr>
+        </p:nvSpPr>
+        <p:spPr/>
+        <p:txBody>
+          <a:bodyPr/>
+          <a:lstStyle/>
+          <a:p>
+            <a:r>
+              <a:rPr lang="ru-RU" dirty="0"/>
+              <a:t>Пример</a:t>
+            </a:r>
+          </a:p>
+        </p:txBody>
+      </p:sp>
+      <p:pic>
+        <p:nvPicPr>
+          <p:cNvPr id="7" name="Объект 6">
+            <a:extLst>
+              <a:ext uri="{FF2B5EF4-FFF2-40B4-BE49-F238E27FC236}">
+                <a16:creationId xmlns:a16="http://schemas.microsoft.com/office/drawing/2014/main" id="{70E2EC8F-35C8-8CB4-19A1-552E98E3A9E0}"/>
+              </a:ext>
+            </a:extLst>
+          </p:cNvPr>
+          <p:cNvPicPr>
+            <a:picLocks noGrp="1" noChangeAspect="1"/>
+          </p:cNvPicPr>
+          <p:nvPr>
+            <p:ph idx="1"/>
+          </p:nvPr>
+        </p:nvPicPr>
+        <p:blipFill>
+          <a:blip r:embed="rId2">
+            <a:extLst>
+              <a:ext uri="{28A0092B-C50C-407E-A947-70E740481C1C}">
+                <a14:useLocalDpi xmlns:a14="http://schemas.microsoft.com/office/drawing/2010/main" val="0"/>
+              </a:ext>
+            </a:extLst>
+          </a:blip>
+          <a:srcRect/>
+          <a:stretch/>
+        </p:blipFill>
+        <p:spPr>
+          <a:xfrm>
+            <a:off x="752475" y="2163762"/>
+            <a:ext cx="7639049" cy="3848100"/>
+          </a:xfrm>
+        </p:spPr>
+      </p:pic>
+    </p:spTree>
+    <p:extLst>
+      <p:ext uri="{BB962C8B-B14F-4D97-AF65-F5344CB8AC3E}">
+        <p14:creationId xmlns:p14="http://schemas.microsoft.com/office/powerpoint/2010/main" val="1373731628"/>
+      </p:ext>
+    </p:extLst>
+  </p:cSld>
+  <p:clrMapOvr>
+    <a:masterClrMapping/>
+  </p:clrMapOvr>
+</p:sld>
+</file>
+
+<file path=ppt/slides/slide20.xml><?xml version="1.0" encoding="utf-8"?>
 <p:sld xmlns:a="http://schemas.openxmlformats.org/drawingml/2006/main" xmlns:r="http://schemas.openxmlformats.org/officeDocument/2006/relationships" xmlns:p="http://schemas.openxmlformats.org/presentationml/2006/main">
   <p:cSld>
     <p:spTree>
@@ -7765,10 +9091,9 @@
           <a:lstStyle/>
           <a:p>
             <a:r>
-              <a:rPr lang="ru-RU" dirty="0" smtClean="0"/>
+              <a:rPr lang="ru-RU" dirty="0"/>
               <a:t>Паттерн Наблюдатель</a:t>
             </a:r>
-            <a:endParaRPr lang="ru-RU" dirty="0"/>
           </a:p>
         </p:txBody>
       </p:sp>
@@ -7788,10 +9113,9 @@
           <a:lstStyle/>
           <a:p>
             <a:r>
-              <a:rPr lang="ru-RU" dirty="0" smtClean="0"/>
+              <a:rPr lang="ru-RU" dirty="0"/>
               <a:t>Определяет отношение «один-ко-многим» между объектами таким образом, что при изменении состояния одного объекта происходит автоматическое оповещение и обновление зависимых объектов</a:t>
             </a:r>
-            <a:endParaRPr lang="ru-RU" dirty="0"/>
           </a:p>
         </p:txBody>
       </p:sp>
@@ -7805,17 +9129,10 @@
   <p:clrMapOvr>
     <a:masterClrMapping/>
   </p:clrMapOvr>
-  <p:timing>
-    <p:tnLst>
-      <p:par>
-        <p:cTn id="1" dur="indefinite" restart="never" nodeType="tmRoot"/>
-      </p:par>
-    </p:tnLst>
-  </p:timing>
 </p:sld>
 </file>
 
-<file path=ppt/slides/slide18.xml><?xml version="1.0" encoding="utf-8"?>
+<file path=ppt/slides/slide21.xml><?xml version="1.0" encoding="utf-8"?>
 <p:sld xmlns:a="http://schemas.openxmlformats.org/drawingml/2006/main" xmlns:r="http://schemas.openxmlformats.org/officeDocument/2006/relationships" xmlns:p="http://schemas.openxmlformats.org/presentationml/2006/main">
   <p:cSld>
     <p:spTree>
@@ -7850,10 +9167,9 @@
           <a:lstStyle/>
           <a:p>
             <a:r>
-              <a:rPr lang="ru-RU" dirty="0" smtClean="0"/>
+              <a:rPr lang="ru-RU" dirty="0"/>
               <a:t>Структура паттерна Наблюдатель</a:t>
             </a:r>
-            <a:endParaRPr lang="ru-RU" dirty="0"/>
           </a:p>
         </p:txBody>
       </p:sp>
@@ -7891,17 +9207,10 @@
   <p:clrMapOvr>
     <a:masterClrMapping/>
   </p:clrMapOvr>
-  <p:timing>
-    <p:tnLst>
-      <p:par>
-        <p:cTn id="1" dur="indefinite" restart="never" nodeType="tmRoot"/>
-      </p:par>
-    </p:tnLst>
-  </p:timing>
 </p:sld>
 </file>
 
-<file path=ppt/slides/slide19.xml><?xml version="1.0" encoding="utf-8"?>
+<file path=ppt/slides/slide22.xml><?xml version="1.0" encoding="utf-8"?>
 <p:sld xmlns:a="http://schemas.openxmlformats.org/drawingml/2006/main" xmlns:r="http://schemas.openxmlformats.org/officeDocument/2006/relationships" xmlns:p="http://schemas.openxmlformats.org/presentationml/2006/main">
   <p:cSld>
     <p:spTree>
@@ -7934,10 +9243,9 @@
           <a:lstStyle/>
           <a:p>
             <a:r>
-              <a:rPr lang="ru-RU" dirty="0" smtClean="0"/>
+              <a:rPr lang="ru-RU" dirty="0"/>
               <a:t>Отношение «один-ко-многим»</a:t>
             </a:r>
-            <a:endParaRPr lang="ru-RU" dirty="0"/>
           </a:p>
         </p:txBody>
       </p:sp>
@@ -7957,26 +9265,26 @@
           <a:lstStyle/>
           <a:p>
             <a:r>
-              <a:rPr lang="ru-RU" dirty="0" smtClean="0"/>
+              <a:rPr lang="ru-RU" dirty="0"/>
               <a:t>Субъект обладает и управляет состоянием</a:t>
             </a:r>
           </a:p>
           <a:p>
             <a:r>
-              <a:rPr lang="ru-RU" dirty="0" smtClean="0"/>
+              <a:rPr lang="ru-RU" dirty="0"/>
               <a:t>Наблюдатели используют состояние, но не обладают им</a:t>
             </a:r>
           </a:p>
           <a:p>
             <a:pPr lvl="1"/>
             <a:r>
-              <a:rPr lang="ru-RU" dirty="0" smtClean="0"/>
+              <a:rPr lang="ru-RU" dirty="0"/>
               <a:t>Наблюдатели зависят от субъекта, который оповещает их об изменении состояния</a:t>
             </a:r>
           </a:p>
           <a:p>
             <a:r>
-              <a:rPr lang="ru-RU" dirty="0" smtClean="0"/>
+              <a:rPr lang="ru-RU" dirty="0"/>
               <a:t>Многие объекты используют одни и те же данные</a:t>
             </a:r>
           </a:p>
@@ -8254,187 +9562,7 @@
 </p:sld>
 </file>
 
-<file path=ppt/slides/slide2.xml><?xml version="1.0" encoding="utf-8"?>
-<p:sld xmlns:a="http://schemas.openxmlformats.org/drawingml/2006/main" xmlns:r="http://schemas.openxmlformats.org/officeDocument/2006/relationships" xmlns:p="http://schemas.openxmlformats.org/presentationml/2006/main">
-  <p:cSld>
-    <p:spTree>
-      <p:nvGrpSpPr>
-        <p:cNvPr id="1" name=""/>
-        <p:cNvGrpSpPr/>
-        <p:nvPr/>
-      </p:nvGrpSpPr>
-      <p:grpSpPr>
-        <a:xfrm>
-          <a:off x="0" y="0"/>
-          <a:ext cx="0" cy="0"/>
-          <a:chOff x="0" y="0"/>
-          <a:chExt cx="0" cy="0"/>
-        </a:xfrm>
-      </p:grpSpPr>
-      <p:sp>
-        <p:nvSpPr>
-          <p:cNvPr id="4" name="Заголовок 3"/>
-          <p:cNvSpPr>
-            <a:spLocks noGrp="1"/>
-          </p:cNvSpPr>
-          <p:nvPr>
-            <p:ph type="title"/>
-          </p:nvPr>
-        </p:nvSpPr>
-        <p:spPr/>
-        <p:txBody>
-          <a:bodyPr/>
-          <a:lstStyle/>
-          <a:p>
-            <a:r>
-              <a:rPr lang="ru-RU" dirty="0" smtClean="0"/>
-              <a:t>Приложение </a:t>
-            </a:r>
-            <a:r>
-              <a:rPr lang="en-US" dirty="0" smtClean="0"/>
-              <a:t>Weather Station</a:t>
-            </a:r>
-            <a:endParaRPr lang="ru-RU" dirty="0"/>
-          </a:p>
-        </p:txBody>
-      </p:sp>
-      <p:pic>
-        <p:nvPicPr>
-          <p:cNvPr id="1027" name="Picture 3"/>
-          <p:cNvPicPr>
-            <a:picLocks noChangeAspect="1" noChangeArrowheads="1"/>
-          </p:cNvPicPr>
-          <p:nvPr/>
-        </p:nvPicPr>
-        <p:blipFill>
-          <a:blip r:embed="rId3">
-            <a:extLst>
-              <a:ext uri="{28A0092B-C50C-407E-A947-70E740481C1C}">
-                <a14:useLocalDpi xmlns:a14="http://schemas.microsoft.com/office/drawing/2010/main" val="0"/>
-              </a:ext>
-            </a:extLst>
-          </a:blip>
-          <a:srcRect/>
-          <a:stretch>
-            <a:fillRect/>
-          </a:stretch>
-        </p:blipFill>
-        <p:spPr bwMode="auto">
-          <a:xfrm>
-            <a:off x="107503" y="2278104"/>
-            <a:ext cx="8856985" cy="3311135"/>
-          </a:xfrm>
-          <a:prstGeom prst="rect">
-            <a:avLst/>
-          </a:prstGeom>
-          <a:noFill/>
-          <a:ln>
-            <a:noFill/>
-          </a:ln>
-          <a:effectLst/>
-          <a:extLst>
-            <a:ext uri="{909E8E84-426E-40DD-AFC4-6F175D3DCCD1}">
-              <a14:hiddenFill xmlns:a14="http://schemas.microsoft.com/office/drawing/2010/main">
-                <a:solidFill>
-                  <a:schemeClr val="accent1"/>
-                </a:solidFill>
-              </a14:hiddenFill>
-            </a:ext>
-            <a:ext uri="{91240B29-F687-4F45-9708-019B960494DF}">
-              <a14:hiddenLine xmlns:a14="http://schemas.microsoft.com/office/drawing/2010/main" w="9525">
-                <a:solidFill>
-                  <a:schemeClr val="tx1"/>
-                </a:solidFill>
-                <a:miter lim="800000"/>
-                <a:headEnd/>
-                <a:tailEnd/>
-              </a14:hiddenLine>
-            </a:ext>
-            <a:ext uri="{AF507438-7753-43E0-B8FC-AC1667EBCBE1}">
-              <a14:hiddenEffects xmlns:a14="http://schemas.microsoft.com/office/drawing/2010/main">
-                <a:effectLst>
-                  <a:outerShdw dist="35921" dir="2700000" algn="ctr" rotWithShape="0">
-                    <a:schemeClr val="bg2"/>
-                  </a:outerShdw>
-                </a:effectLst>
-              </a14:hiddenEffects>
-            </a:ext>
-          </a:extLst>
-        </p:spPr>
-      </p:pic>
-      <p:sp>
-        <p:nvSpPr>
-          <p:cNvPr id="7" name="TextBox 6"/>
-          <p:cNvSpPr txBox="1"/>
-          <p:nvPr/>
-        </p:nvSpPr>
-        <p:spPr>
-          <a:xfrm>
-            <a:off x="624533" y="5733256"/>
-            <a:ext cx="7488832" cy="923330"/>
-          </a:xfrm>
-          <a:prstGeom prst="rect">
-            <a:avLst/>
-          </a:prstGeom>
-          <a:noFill/>
-        </p:spPr>
-        <p:txBody>
-          <a:bodyPr wrap="square" rtlCol="0">
-            <a:spAutoFit/>
-          </a:bodyPr>
-          <a:lstStyle/>
-          <a:p>
-            <a:r>
-              <a:rPr lang="ru-RU" b="1" dirty="0" smtClean="0"/>
-              <a:t>Задача</a:t>
-            </a:r>
-            <a:r>
-              <a:rPr lang="ru-RU" dirty="0" smtClean="0"/>
-              <a:t>:</a:t>
-            </a:r>
-          </a:p>
-          <a:p>
-            <a:r>
-              <a:rPr lang="ru-RU" dirty="0" smtClean="0"/>
-              <a:t>Разработать приложение, использующее состояние </a:t>
-            </a:r>
-            <a:r>
-              <a:rPr lang="en-US" dirty="0" err="1" smtClean="0"/>
-              <a:t>WeatherData</a:t>
-            </a:r>
-            <a:r>
-              <a:rPr lang="en-US" dirty="0" smtClean="0"/>
-              <a:t> </a:t>
-            </a:r>
-            <a:r>
-              <a:rPr lang="ru-RU" dirty="0" smtClean="0"/>
-              <a:t>для отображения текущих погодных условий, статистики и прогноза погоды</a:t>
-            </a:r>
-            <a:endParaRPr lang="ru-RU" dirty="0"/>
-          </a:p>
-        </p:txBody>
-      </p:sp>
-    </p:spTree>
-    <p:extLst>
-      <p:ext uri="{BB962C8B-B14F-4D97-AF65-F5344CB8AC3E}">
-        <p14:creationId xmlns:p14="http://schemas.microsoft.com/office/powerpoint/2010/main" val="1688958151"/>
-      </p:ext>
-    </p:extLst>
-  </p:cSld>
-  <p:clrMapOvr>
-    <a:masterClrMapping/>
-  </p:clrMapOvr>
-  <p:timing>
-    <p:tnLst>
-      <p:par>
-        <p:cTn id="1" dur="indefinite" restart="never" nodeType="tmRoot"/>
-      </p:par>
-    </p:tnLst>
-  </p:timing>
-</p:sld>
-</file>
-
-<file path=ppt/slides/slide20.xml><?xml version="1.0" encoding="utf-8"?>
+<file path=ppt/slides/slide23.xml><?xml version="1.0" encoding="utf-8"?>
 <p:sld xmlns:a="http://schemas.openxmlformats.org/drawingml/2006/main" xmlns:r="http://schemas.openxmlformats.org/officeDocument/2006/relationships" xmlns:p="http://schemas.openxmlformats.org/presentationml/2006/main">
   <p:cSld>
     <p:spTree>
@@ -8467,10 +9595,9 @@
           <a:lstStyle/>
           <a:p>
             <a:r>
-              <a:rPr lang="ru-RU" dirty="0" smtClean="0"/>
+              <a:rPr lang="ru-RU" dirty="0"/>
               <a:t>Сила слабых связей</a:t>
             </a:r>
-            <a:endParaRPr lang="ru-RU" dirty="0"/>
           </a:p>
         </p:txBody>
       </p:sp>
@@ -8490,15 +9617,15 @@
           <a:lstStyle/>
           <a:p>
             <a:r>
-              <a:rPr lang="ru-RU" dirty="0" smtClean="0"/>
+              <a:rPr lang="ru-RU" dirty="0"/>
               <a:t>Объекты являются </a:t>
             </a:r>
             <a:r>
-              <a:rPr lang="ru-RU" b="1" dirty="0" smtClean="0"/>
+              <a:rPr lang="ru-RU" b="1" dirty="0"/>
               <a:t>слабосвязанными</a:t>
             </a:r>
             <a:r>
-              <a:rPr lang="ru-RU" dirty="0" smtClean="0"/>
+              <a:rPr lang="ru-RU" dirty="0"/>
               <a:t>, если могут взаимодействовать, обладая минимумом информации друг о друге</a:t>
             </a:r>
           </a:p>
@@ -8507,7 +9634,7 @@
           </a:p>
           <a:p>
             <a:r>
-              <a:rPr lang="ru-RU" dirty="0" smtClean="0"/>
+              <a:rPr lang="ru-RU" dirty="0"/>
               <a:t>В паттерне Наблюдатель между субъектами и наблюдателями существует слабая связь</a:t>
             </a:r>
           </a:p>
@@ -8681,7 +9808,7 @@
 </p:sld>
 </file>
 
-<file path=ppt/slides/slide21.xml><?xml version="1.0" encoding="utf-8"?>
+<file path=ppt/slides/slide24.xml><?xml version="1.0" encoding="utf-8"?>
 <p:sld xmlns:a="http://schemas.openxmlformats.org/drawingml/2006/main" xmlns:r="http://schemas.openxmlformats.org/officeDocument/2006/relationships" xmlns:p="http://schemas.openxmlformats.org/presentationml/2006/main">
   <p:cSld>
     <p:spTree>
@@ -8714,10 +9841,9 @@
           <a:lstStyle/>
           <a:p>
             <a:r>
-              <a:rPr lang="ru-RU" dirty="0" smtClean="0"/>
+              <a:rPr lang="ru-RU" dirty="0"/>
               <a:t>Сила слабых связей</a:t>
             </a:r>
-            <a:endParaRPr lang="ru-RU" dirty="0"/>
           </a:p>
         </p:txBody>
       </p:sp>
@@ -8739,84 +9865,55 @@
           <a:lstStyle/>
           <a:p>
             <a:r>
-              <a:rPr lang="ru-RU" dirty="0" smtClean="0"/>
-              <a:t>Субъект </a:t>
-            </a:r>
-            <a:r>
-              <a:rPr lang="ru-RU" dirty="0" smtClean="0"/>
-              <a:t>знает, что </a:t>
-            </a:r>
-            <a:r>
-              <a:rPr lang="ru-RU" dirty="0" smtClean="0"/>
-              <a:t>Наблюдатель</a:t>
-            </a:r>
-            <a:r>
-              <a:rPr lang="ru-RU" dirty="0" smtClean="0"/>
-              <a:t> </a:t>
-            </a:r>
-            <a:r>
-              <a:rPr lang="ru-RU" dirty="0" smtClean="0"/>
-              <a:t>реализует некоторый интерфейс </a:t>
-            </a:r>
-            <a:r>
-              <a:rPr lang="en-US" dirty="0" err="1" smtClean="0"/>
+              <a:rPr lang="ru-RU" dirty="0"/>
+              <a:t>Субъект знает, что Наблюдатель реализует некоторый интерфейс </a:t>
+            </a:r>
+            <a:r>
+              <a:rPr lang="en-US" dirty="0" err="1"/>
               <a:t>IObserver</a:t>
             </a:r>
-            <a:endParaRPr lang="ru-RU" dirty="0" smtClean="0"/>
-          </a:p>
-          <a:p>
-            <a:r>
-              <a:rPr lang="ru-RU" dirty="0" smtClean="0"/>
+            <a:endParaRPr lang="ru-RU" dirty="0"/>
+          </a:p>
+          <a:p>
+            <a:r>
+              <a:rPr lang="ru-RU" dirty="0"/>
               <a:t>Легкость добавления новых наблюдателей</a:t>
             </a:r>
           </a:p>
           <a:p>
             <a:pPr lvl="1"/>
             <a:r>
-              <a:rPr lang="ru-RU" dirty="0" smtClean="0"/>
+              <a:rPr lang="ru-RU" dirty="0"/>
               <a:t>Субъект зависит только от списка наблюдателей</a:t>
             </a:r>
           </a:p>
           <a:p>
             <a:pPr lvl="1"/>
             <a:r>
-              <a:rPr lang="ru-RU" dirty="0" smtClean="0"/>
-              <a:t>Любого наблюдателя можно заменить другим или исключить из списка </a:t>
-            </a:r>
-            <a:r>
-              <a:rPr lang="ru-RU" dirty="0" smtClean="0"/>
-              <a:t>во </a:t>
-            </a:r>
-            <a:r>
-              <a:rPr lang="ru-RU" dirty="0" smtClean="0"/>
-              <a:t>время выполнения</a:t>
-            </a:r>
-          </a:p>
-          <a:p>
-            <a:r>
-              <a:rPr lang="ru-RU" dirty="0" smtClean="0"/>
+              <a:rPr lang="ru-RU" dirty="0"/>
+              <a:t>Любого наблюдателя можно заменить другим или исключить из списка во время выполнения</a:t>
+            </a:r>
+          </a:p>
+          <a:p>
+            <a:r>
+              <a:rPr lang="ru-RU" dirty="0"/>
               <a:t>Добавление новых типов наблюдателей не требует модификации субъекта</a:t>
             </a:r>
           </a:p>
           <a:p>
             <a:pPr lvl="1"/>
             <a:r>
-              <a:rPr lang="ru-RU" dirty="0" smtClean="0"/>
+              <a:rPr lang="ru-RU" dirty="0"/>
               <a:t>Достаточно реализовать интерфейс </a:t>
             </a:r>
             <a:r>
-              <a:rPr lang="en-US" dirty="0" err="1" smtClean="0"/>
+              <a:rPr lang="en-US" dirty="0" err="1"/>
               <a:t>IObserver</a:t>
             </a:r>
             <a:r>
-              <a:rPr lang="ru-RU" dirty="0" smtClean="0"/>
-              <a:t> в новом </a:t>
-            </a:r>
-            <a:r>
-              <a:rPr lang="ru-RU" dirty="0" smtClean="0"/>
-              <a:t>классе</a:t>
-            </a:r>
-            <a:endParaRPr lang="ru-RU" dirty="0" smtClean="0"/>
+              <a:rPr lang="ru-RU" dirty="0"/>
+              <a:t> в новом классе</a:t>
+            </a:r>
           </a:p>
         </p:txBody>
       </p:sp>
@@ -9178,7 +10275,7 @@
 </p:sld>
 </file>
 
-<file path=ppt/slides/slide22.xml><?xml version="1.0" encoding="utf-8"?>
+<file path=ppt/slides/slide25.xml><?xml version="1.0" encoding="utf-8"?>
 <p:sld xmlns:a="http://schemas.openxmlformats.org/drawingml/2006/main" xmlns:r="http://schemas.openxmlformats.org/officeDocument/2006/relationships" xmlns:p="http://schemas.openxmlformats.org/presentationml/2006/main">
   <p:cSld>
     <p:spTree>
@@ -9211,10 +10308,9 @@
           <a:lstStyle/>
           <a:p>
             <a:r>
-              <a:rPr lang="ru-RU" dirty="0" smtClean="0"/>
+              <a:rPr lang="ru-RU" dirty="0"/>
               <a:t>Сила слабых связей</a:t>
             </a:r>
-            <a:endParaRPr lang="ru-RU" dirty="0"/>
           </a:p>
         </p:txBody>
       </p:sp>
@@ -9234,23 +10330,22 @@
           <a:lstStyle/>
           <a:p>
             <a:r>
-              <a:rPr lang="ru-RU" dirty="0" smtClean="0"/>
+              <a:rPr lang="ru-RU" dirty="0"/>
               <a:t>Субъекты и наблюдатели могут использоваться повторно независимо друг от друга</a:t>
             </a:r>
           </a:p>
           <a:p>
             <a:r>
-              <a:rPr lang="ru-RU" dirty="0" smtClean="0"/>
+              <a:rPr lang="ru-RU" dirty="0"/>
               <a:t>Изменения в субъекте или наблюдателе не влияют на другую сторону</a:t>
             </a:r>
           </a:p>
           <a:p>
             <a:pPr lvl="1"/>
             <a:r>
-              <a:rPr lang="ru-RU" dirty="0" smtClean="0"/>
+              <a:rPr lang="ru-RU" dirty="0"/>
               <a:t>Имеет значение лишь то, что объект реализует необходимый интерфейс субъекта или наблюдателя</a:t>
             </a:r>
-            <a:endParaRPr lang="ru-RU" dirty="0"/>
           </a:p>
         </p:txBody>
       </p:sp>
@@ -9465,7 +10560,7 @@
 </p:sld>
 </file>
 
-<file path=ppt/slides/slide23.xml><?xml version="1.0" encoding="utf-8"?>
+<file path=ppt/slides/slide26.xml><?xml version="1.0" encoding="utf-8"?>
 <p:sld xmlns:a="http://schemas.openxmlformats.org/drawingml/2006/main" xmlns:r="http://schemas.openxmlformats.org/officeDocument/2006/relationships" xmlns:p="http://schemas.openxmlformats.org/presentationml/2006/main">
   <p:cSld>
     <p:spTree>
@@ -9498,10 +10593,9 @@
           <a:lstStyle/>
           <a:p>
             <a:r>
-              <a:rPr lang="ru-RU" dirty="0" smtClean="0"/>
+              <a:rPr lang="ru-RU" dirty="0"/>
               <a:t>Сила слабых связей</a:t>
             </a:r>
-            <a:endParaRPr lang="ru-RU" dirty="0"/>
           </a:p>
         </p:txBody>
       </p:sp>
@@ -9521,28 +10615,15 @@
           <a:lstStyle/>
           <a:p>
             <a:r>
-              <a:rPr lang="ru-RU" dirty="0" smtClean="0"/>
+              <a:rPr lang="ru-RU" dirty="0"/>
               <a:t>Стремитесь к слабой связанности взаимодействующих объектов</a:t>
             </a:r>
           </a:p>
           <a:p>
             <a:r>
               <a:rPr lang="ru-RU" dirty="0"/>
-              <a:t>На базе слабосвязанных архитектур строятся гибкие </a:t>
-            </a:r>
-            <a:r>
-              <a:rPr lang="ru-RU" dirty="0" smtClean="0"/>
-              <a:t>ОО-системы, которые хорошо адаптируются </a:t>
-            </a:r>
-            <a:r>
-              <a:rPr lang="ru-RU" dirty="0"/>
-              <a:t>к изменениям благодаря минимальным зависимостям между </a:t>
-            </a:r>
-            <a:r>
-              <a:rPr lang="ru-RU" dirty="0" smtClean="0"/>
-              <a:t>объектами</a:t>
-            </a:r>
-            <a:endParaRPr lang="ru-RU" dirty="0"/>
+              <a:t>На базе слабосвязанных архитектур строятся гибкие ОО-системы, которые хорошо адаптируются к изменениям благодаря минимальным зависимостям между объектами</a:t>
+            </a:r>
           </a:p>
         </p:txBody>
       </p:sp>
@@ -9714,7 +10795,7 @@
 </p:sld>
 </file>
 
-<file path=ppt/slides/slide24.xml><?xml version="1.0" encoding="utf-8"?>
+<file path=ppt/slides/slide27.xml><?xml version="1.0" encoding="utf-8"?>
 <p:sld xmlns:a="http://schemas.openxmlformats.org/drawingml/2006/main" xmlns:r="http://schemas.openxmlformats.org/officeDocument/2006/relationships" xmlns:p="http://schemas.openxmlformats.org/presentationml/2006/main">
   <p:cSld>
     <p:spTree>
@@ -9749,10 +10830,9 @@
           <a:lstStyle/>
           <a:p>
             <a:r>
-              <a:rPr lang="ru-RU" dirty="0" smtClean="0"/>
+              <a:rPr lang="ru-RU" dirty="0"/>
               <a:t>Модели взаимодействия субъекта с наблюдателями</a:t>
             </a:r>
-            <a:endParaRPr lang="ru-RU" dirty="0"/>
           </a:p>
         </p:txBody>
       </p:sp>
@@ -9772,44 +10852,44 @@
           <a:lstStyle/>
           <a:p>
             <a:r>
-              <a:rPr lang="ru-RU" dirty="0" smtClean="0"/>
+              <a:rPr lang="ru-RU" dirty="0"/>
               <a:t>Субъект часто транслирует наблюдателям доп. информацию о характере изменения</a:t>
             </a:r>
-            <a:endParaRPr lang="en-US" dirty="0" smtClean="0"/>
-          </a:p>
-          <a:p>
-            <a:r>
-              <a:rPr lang="ru-RU" dirty="0" smtClean="0"/>
+            <a:endParaRPr lang="en-US" dirty="0"/>
+          </a:p>
+          <a:p>
+            <a:r>
+              <a:rPr lang="ru-RU" dirty="0"/>
               <a:t>Можно выделить следующие модели передачи такой информации</a:t>
             </a:r>
           </a:p>
           <a:p>
             <a:pPr lvl="1"/>
             <a:r>
-              <a:rPr lang="ru-RU" dirty="0" smtClean="0"/>
+              <a:rPr lang="ru-RU" dirty="0"/>
               <a:t>Модель вытягивания (</a:t>
             </a:r>
             <a:r>
-              <a:rPr lang="en-US" dirty="0" smtClean="0"/>
+              <a:rPr lang="en-US" dirty="0"/>
               <a:t>pull model)</a:t>
             </a:r>
           </a:p>
           <a:p>
             <a:pPr lvl="1"/>
             <a:r>
-              <a:rPr lang="ru-RU" dirty="0" smtClean="0"/>
+              <a:rPr lang="ru-RU" dirty="0"/>
               <a:t>Модель проталкивания </a:t>
             </a:r>
             <a:r>
-              <a:rPr lang="en-US" dirty="0" smtClean="0"/>
+              <a:rPr lang="en-US" dirty="0"/>
               <a:t>(push model)</a:t>
             </a:r>
-            <a:endParaRPr lang="ru-RU" dirty="0" smtClean="0"/>
+            <a:endParaRPr lang="ru-RU" dirty="0"/>
           </a:p>
           <a:p>
             <a:pPr lvl="1"/>
             <a:r>
-              <a:rPr lang="ru-RU" dirty="0" smtClean="0"/>
+              <a:rPr lang="ru-RU" dirty="0"/>
               <a:t>Явное указание интересующих модификаций</a:t>
             </a:r>
           </a:p>
@@ -10112,7 +11192,7 @@
 </p:sld>
 </file>
 
-<file path=ppt/slides/slide25.xml><?xml version="1.0" encoding="utf-8"?>
+<file path=ppt/slides/slide28.xml><?xml version="1.0" encoding="utf-8"?>
 <p:sld xmlns:a="http://schemas.openxmlformats.org/drawingml/2006/main" xmlns:r="http://schemas.openxmlformats.org/officeDocument/2006/relationships" xmlns:p="http://schemas.openxmlformats.org/presentationml/2006/main">
   <p:cSld>
     <p:spTree>
@@ -10147,11 +11227,11 @@
           <a:lstStyle/>
           <a:p>
             <a:r>
-              <a:rPr lang="ru-RU" dirty="0" smtClean="0"/>
+              <a:rPr lang="ru-RU" dirty="0"/>
               <a:t>Модель вытягивания</a:t>
             </a:r>
             <a:r>
-              <a:rPr lang="en-US" dirty="0" smtClean="0"/>
+              <a:rPr lang="en-US" dirty="0"/>
               <a:t> (pull model)</a:t>
             </a:r>
             <a:endParaRPr lang="ru-RU" dirty="0"/>
@@ -10174,33 +11254,33 @@
           <a:lstStyle/>
           <a:p>
             <a:r>
-              <a:rPr lang="ru-RU" dirty="0" smtClean="0"/>
+              <a:rPr lang="ru-RU" dirty="0"/>
               <a:t>Субъект посылает минимум информации об изменении, наблюдатели запрашивают интересующие детали</a:t>
             </a:r>
           </a:p>
           <a:p>
             <a:r>
-              <a:rPr lang="ru-RU" dirty="0" smtClean="0"/>
+              <a:rPr lang="ru-RU" dirty="0"/>
               <a:t>Достоинства</a:t>
             </a:r>
           </a:p>
           <a:p>
             <a:pPr lvl="1"/>
             <a:r>
-              <a:rPr lang="ru-RU" dirty="0" smtClean="0"/>
+              <a:rPr lang="ru-RU" dirty="0"/>
               <a:t>Не изменяется интерфейс наблюдателя при изменении состояния субъекта</a:t>
             </a:r>
           </a:p>
           <a:p>
             <a:r>
-              <a:rPr lang="ru-RU" dirty="0" smtClean="0"/>
+              <a:rPr lang="ru-RU" dirty="0"/>
               <a:t>Недостатки</a:t>
             </a:r>
           </a:p>
           <a:p>
             <a:pPr lvl="1"/>
             <a:r>
-              <a:rPr lang="ru-RU" dirty="0" smtClean="0"/>
+              <a:rPr lang="ru-RU" dirty="0"/>
               <a:t>Наблюдателям приходится выяснять без помощи субъекта, что именно изменилось</a:t>
             </a:r>
           </a:p>
@@ -10521,7 +11601,7 @@
 </p:sld>
 </file>
 
-<file path=ppt/slides/slide26.xml><?xml version="1.0" encoding="utf-8"?>
+<file path=ppt/slides/slide29.xml><?xml version="1.0" encoding="utf-8"?>
 <p:sld xmlns:a="http://schemas.openxmlformats.org/drawingml/2006/main" xmlns:r="http://schemas.openxmlformats.org/officeDocument/2006/relationships" xmlns:p="http://schemas.openxmlformats.org/presentationml/2006/main">
   <p:cSld>
     <p:spTree>
@@ -10554,7 +11634,7 @@
           <a:lstStyle/>
           <a:p>
             <a:r>
-              <a:rPr lang="en-US" dirty="0" smtClean="0"/>
+              <a:rPr lang="en-US" dirty="0"/>
               <a:t>Pull Model</a:t>
             </a:r>
             <a:endParaRPr lang="ru-RU" dirty="0"/>
@@ -10597,17 +11677,104 @@
   <p:clrMapOvr>
     <a:masterClrMapping/>
   </p:clrMapOvr>
-  <p:timing>
-    <p:tnLst>
-      <p:par>
-        <p:cTn id="1" dur="indefinite" restart="never" nodeType="tmRoot"/>
-      </p:par>
-    </p:tnLst>
-  </p:timing>
 </p:sld>
 </file>
 
-<file path=ppt/slides/slide27.xml><?xml version="1.0" encoding="utf-8"?>
+<file path=ppt/slides/slide3.xml><?xml version="1.0" encoding="utf-8"?>
+<p:sld xmlns:a="http://schemas.openxmlformats.org/drawingml/2006/main" xmlns:r="http://schemas.openxmlformats.org/officeDocument/2006/relationships" xmlns:p="http://schemas.openxmlformats.org/presentationml/2006/main">
+  <p:cSld>
+    <p:spTree>
+      <p:nvGrpSpPr>
+        <p:cNvPr id="1" name=""/>
+        <p:cNvGrpSpPr/>
+        <p:nvPr/>
+      </p:nvGrpSpPr>
+      <p:grpSpPr>
+        <a:xfrm>
+          <a:off x="0" y="0"/>
+          <a:ext cx="0" cy="0"/>
+          <a:chOff x="0" y="0"/>
+          <a:chExt cx="0" cy="0"/>
+        </a:xfrm>
+      </p:grpSpPr>
+      <p:sp>
+        <p:nvSpPr>
+          <p:cNvPr id="2" name="Заголовок 1">
+            <a:extLst>
+              <a:ext uri="{FF2B5EF4-FFF2-40B4-BE49-F238E27FC236}">
+                <a16:creationId xmlns:a16="http://schemas.microsoft.com/office/drawing/2014/main" id="{97DCEB91-CF60-0378-B8CA-663023C53802}"/>
+              </a:ext>
+            </a:extLst>
+          </p:cNvPr>
+          <p:cNvSpPr>
+            <a:spLocks noGrp="1"/>
+          </p:cNvSpPr>
+          <p:nvPr>
+            <p:ph type="title"/>
+          </p:nvPr>
+        </p:nvSpPr>
+        <p:spPr/>
+        <p:txBody>
+          <a:bodyPr>
+            <a:normAutofit fontScale="90000"/>
+          </a:bodyPr>
+          <a:lstStyle/>
+          <a:p>
+            <a:r>
+              <a:rPr lang="ru-RU" dirty="0"/>
+              <a:t>Человек управляет светом самостоятельно</a:t>
+            </a:r>
+          </a:p>
+        </p:txBody>
+      </p:sp>
+      <p:pic>
+        <p:nvPicPr>
+          <p:cNvPr id="5" name="Объект 4">
+            <a:extLst>
+              <a:ext uri="{FF2B5EF4-FFF2-40B4-BE49-F238E27FC236}">
+                <a16:creationId xmlns:a16="http://schemas.microsoft.com/office/drawing/2014/main" id="{595ED375-8C36-869C-9D24-60944CD77EFF}"/>
+              </a:ext>
+            </a:extLst>
+          </p:cNvPr>
+          <p:cNvPicPr>
+            <a:picLocks noGrp="1" noChangeAspect="1"/>
+          </p:cNvPicPr>
+          <p:nvPr>
+            <p:ph idx="1"/>
+          </p:nvPr>
+        </p:nvPicPr>
+        <p:blipFill>
+          <a:blip r:embed="rId3">
+            <a:extLst>
+              <a:ext uri="{28A0092B-C50C-407E-A947-70E740481C1C}">
+                <a14:useLocalDpi xmlns:a14="http://schemas.microsoft.com/office/drawing/2010/main" val="0"/>
+              </a:ext>
+            </a:extLst>
+          </a:blip>
+          <a:srcRect/>
+          <a:stretch/>
+        </p:blipFill>
+        <p:spPr>
+          <a:xfrm>
+            <a:off x="88210" y="2811024"/>
+            <a:ext cx="8793927" cy="3210264"/>
+          </a:xfrm>
+        </p:spPr>
+      </p:pic>
+    </p:spTree>
+    <p:extLst>
+      <p:ext uri="{BB962C8B-B14F-4D97-AF65-F5344CB8AC3E}">
+        <p14:creationId xmlns:p14="http://schemas.microsoft.com/office/powerpoint/2010/main" val="3873289083"/>
+      </p:ext>
+    </p:extLst>
+  </p:cSld>
+  <p:clrMapOvr>
+    <a:masterClrMapping/>
+  </p:clrMapOvr>
+</p:sld>
+</file>
+
+<file path=ppt/slides/slide30.xml><?xml version="1.0" encoding="utf-8"?>
 <p:sld xmlns:a="http://schemas.openxmlformats.org/drawingml/2006/main" xmlns:r="http://schemas.openxmlformats.org/officeDocument/2006/relationships" xmlns:p="http://schemas.openxmlformats.org/presentationml/2006/main">
   <p:cSld>
     <p:spTree>
@@ -10642,11 +11809,11 @@
           <a:lstStyle/>
           <a:p>
             <a:r>
-              <a:rPr lang="ru-RU" dirty="0" smtClean="0"/>
+              <a:rPr lang="ru-RU" dirty="0"/>
               <a:t>Модель проталкивания </a:t>
             </a:r>
             <a:r>
-              <a:rPr lang="en-US" dirty="0" smtClean="0"/>
+              <a:rPr lang="en-US" dirty="0"/>
               <a:t>(push model)</a:t>
             </a:r>
             <a:endParaRPr lang="ru-RU" dirty="0"/>
@@ -10669,36 +11836,35 @@
           <a:lstStyle/>
           <a:p>
             <a:r>
-              <a:rPr lang="ru-RU" dirty="0" smtClean="0"/>
+              <a:rPr lang="ru-RU" dirty="0"/>
               <a:t>Субъект посылает детальную информацию об изменении, независимо от того, нужно ли это наблюдателям</a:t>
             </a:r>
           </a:p>
           <a:p>
             <a:r>
-              <a:rPr lang="ru-RU" dirty="0" smtClean="0"/>
+              <a:rPr lang="ru-RU" dirty="0"/>
               <a:t>Достоинства</a:t>
             </a:r>
           </a:p>
           <a:p>
             <a:pPr lvl="1"/>
             <a:r>
-              <a:rPr lang="ru-RU" dirty="0" smtClean="0"/>
+              <a:rPr lang="ru-RU" dirty="0"/>
               <a:t>Наблюдателям легче понять, что именно изменилось</a:t>
             </a:r>
           </a:p>
           <a:p>
             <a:r>
-              <a:rPr lang="ru-RU" dirty="0" smtClean="0"/>
+              <a:rPr lang="ru-RU" dirty="0"/>
               <a:t>Недостатки</a:t>
             </a:r>
           </a:p>
           <a:p>
             <a:pPr lvl="1"/>
             <a:r>
-              <a:rPr lang="ru-RU" dirty="0" smtClean="0"/>
+              <a:rPr lang="ru-RU" dirty="0"/>
               <a:t>Снижение повторного использования кода</a:t>
             </a:r>
-            <a:endParaRPr lang="ru-RU" dirty="0"/>
           </a:p>
         </p:txBody>
       </p:sp>
@@ -11017,7 +12183,7 @@
 </p:sld>
 </file>
 
-<file path=ppt/slides/slide28.xml><?xml version="1.0" encoding="utf-8"?>
+<file path=ppt/slides/slide31.xml><?xml version="1.0" encoding="utf-8"?>
 <p:sld xmlns:a="http://schemas.openxmlformats.org/drawingml/2006/main" xmlns:r="http://schemas.openxmlformats.org/officeDocument/2006/relationships" xmlns:p="http://schemas.openxmlformats.org/presentationml/2006/main">
   <p:cSld>
     <p:spTree>
@@ -11050,7 +12216,7 @@
           <a:lstStyle/>
           <a:p>
             <a:r>
-              <a:rPr lang="en-US" dirty="0" smtClean="0"/>
+              <a:rPr lang="en-US" dirty="0"/>
               <a:t>Push Model</a:t>
             </a:r>
             <a:endParaRPr lang="ru-RU" dirty="0"/>
@@ -11093,17 +12259,10 @@
   <p:clrMapOvr>
     <a:masterClrMapping/>
   </p:clrMapOvr>
-  <p:timing>
-    <p:tnLst>
-      <p:par>
-        <p:cTn id="1" dur="indefinite" restart="never" nodeType="tmRoot"/>
-      </p:par>
-    </p:tnLst>
-  </p:timing>
 </p:sld>
 </file>
 
-<file path=ppt/slides/slide29.xml><?xml version="1.0" encoding="utf-8"?>
+<file path=ppt/slides/slide32.xml><?xml version="1.0" encoding="utf-8"?>
 <p:sld xmlns:a="http://schemas.openxmlformats.org/drawingml/2006/main" xmlns:r="http://schemas.openxmlformats.org/officeDocument/2006/relationships" xmlns:p="http://schemas.openxmlformats.org/presentationml/2006/main">
   <p:cSld>
     <p:spTree>
@@ -11138,10 +12297,9 @@
           <a:lstStyle/>
           <a:p>
             <a:r>
-              <a:rPr lang="ru-RU" dirty="0" smtClean="0"/>
+              <a:rPr lang="ru-RU" dirty="0"/>
               <a:t>Явное указание интересующих модификаций</a:t>
             </a:r>
-            <a:endParaRPr lang="ru-RU" dirty="0"/>
           </a:p>
         </p:txBody>
       </p:sp>
@@ -11161,27 +12319,27 @@
           <a:lstStyle/>
           <a:p>
             <a:r>
-              <a:rPr lang="ru-RU" dirty="0" smtClean="0"/>
+              <a:rPr lang="ru-RU" dirty="0"/>
               <a:t>При регистрации наблюдатель указывает, какие события его интересуют</a:t>
             </a:r>
           </a:p>
           <a:p>
             <a:r>
-              <a:rPr lang="ru-RU" dirty="0" smtClean="0"/>
+              <a:rPr lang="ru-RU" dirty="0"/>
               <a:t>При наступлении события субъект информирует лишь тех наблюдателей, которых оно заинтересовало</a:t>
             </a:r>
           </a:p>
           <a:p>
             <a:pPr lvl="1"/>
             <a:r>
-              <a:rPr lang="ru-RU" dirty="0" smtClean="0"/>
+              <a:rPr lang="ru-RU" dirty="0"/>
               <a:t>Изменившийся аспект передается в виде параметра операции </a:t>
             </a:r>
             <a:r>
-              <a:rPr lang="en-US" dirty="0" smtClean="0"/>
+              <a:rPr lang="en-US" dirty="0"/>
               <a:t>Update</a:t>
             </a:r>
-            <a:endParaRPr lang="ru-RU" dirty="0" smtClean="0"/>
+            <a:endParaRPr lang="ru-RU" dirty="0"/>
           </a:p>
         </p:txBody>
       </p:sp>
@@ -11396,155 +12554,7 @@
 </p:sld>
 </file>
 
-<file path=ppt/slides/slide3.xml><?xml version="1.0" encoding="utf-8"?>
-<p:sld xmlns:a="http://schemas.openxmlformats.org/drawingml/2006/main" xmlns:r="http://schemas.openxmlformats.org/officeDocument/2006/relationships" xmlns:p="http://schemas.openxmlformats.org/presentationml/2006/main">
-  <p:cSld>
-    <p:spTree>
-      <p:nvGrpSpPr>
-        <p:cNvPr id="1" name=""/>
-        <p:cNvGrpSpPr/>
-        <p:nvPr/>
-      </p:nvGrpSpPr>
-      <p:grpSpPr>
-        <a:xfrm>
-          <a:off x="0" y="0"/>
-          <a:ext cx="0" cy="0"/>
-          <a:chOff x="0" y="0"/>
-          <a:chExt cx="0" cy="0"/>
-        </a:xfrm>
-      </p:grpSpPr>
-      <p:sp>
-        <p:nvSpPr>
-          <p:cNvPr id="2" name="Заголовок 1"/>
-          <p:cNvSpPr>
-            <a:spLocks noGrp="1"/>
-          </p:cNvSpPr>
-          <p:nvPr>
-            <p:ph type="title"/>
-          </p:nvPr>
-        </p:nvSpPr>
-        <p:spPr/>
-        <p:txBody>
-          <a:bodyPr/>
-          <a:lstStyle/>
-          <a:p>
-            <a:r>
-              <a:rPr lang="ru-RU" dirty="0" smtClean="0"/>
-              <a:t>Обзор класса </a:t>
-            </a:r>
-            <a:r>
-              <a:rPr lang="en-US" dirty="0" err="1" smtClean="0"/>
-              <a:t>WeatherData</a:t>
-            </a:r>
-            <a:endParaRPr lang="ru-RU" dirty="0"/>
-          </a:p>
-        </p:txBody>
-      </p:sp>
-      <p:sp>
-        <p:nvSpPr>
-          <p:cNvPr id="7" name="TextBox 6"/>
-          <p:cNvSpPr txBox="1"/>
-          <p:nvPr/>
-        </p:nvSpPr>
-        <p:spPr>
-          <a:xfrm>
-            <a:off x="323528" y="5013176"/>
-            <a:ext cx="7488832" cy="923330"/>
-          </a:xfrm>
-          <a:prstGeom prst="rect">
-            <a:avLst/>
-          </a:prstGeom>
-          <a:noFill/>
-        </p:spPr>
-        <p:txBody>
-          <a:bodyPr wrap="square" rtlCol="0">
-            <a:spAutoFit/>
-          </a:bodyPr>
-          <a:lstStyle/>
-          <a:p>
-            <a:r>
-              <a:rPr lang="ru-RU" dirty="0" smtClean="0"/>
-              <a:t>Необходимо реализовать метод </a:t>
-            </a:r>
-            <a:r>
-              <a:rPr lang="en-US" dirty="0" err="1" smtClean="0">
-                <a:solidFill>
-                  <a:srgbClr val="FF0000"/>
-                </a:solidFill>
-                <a:latin typeface="Consolas" panose="020B0609020204030204" pitchFamily="49" charset="0"/>
-              </a:rPr>
-              <a:t>MeasurementsChanged</a:t>
-            </a:r>
-            <a:r>
-              <a:rPr lang="ru-RU" dirty="0" smtClean="0">
-                <a:solidFill>
-                  <a:srgbClr val="FF0000"/>
-                </a:solidFill>
-                <a:latin typeface="Consolas" panose="020B0609020204030204" pitchFamily="49" charset="0"/>
-              </a:rPr>
-              <a:t>()</a:t>
-            </a:r>
-            <a:r>
-              <a:rPr lang="ru-RU" dirty="0" smtClean="0">
-                <a:solidFill>
-                  <a:srgbClr val="FF0000"/>
-                </a:solidFill>
-              </a:rPr>
-              <a:t>, </a:t>
-            </a:r>
-            <a:r>
-              <a:rPr lang="ru-RU" dirty="0" smtClean="0"/>
-              <a:t>чтобы он обновлял изображение для различных датчиков: текущее состояние, статистика, прогноз погоды</a:t>
-            </a:r>
-            <a:endParaRPr lang="ru-RU" dirty="0"/>
-          </a:p>
-        </p:txBody>
-      </p:sp>
-      <p:pic>
-        <p:nvPicPr>
-          <p:cNvPr id="3" name="Picture 2"/>
-          <p:cNvPicPr>
-            <a:picLocks noChangeAspect="1"/>
-          </p:cNvPicPr>
-          <p:nvPr/>
-        </p:nvPicPr>
-        <p:blipFill>
-          <a:blip r:embed="rId3"/>
-          <a:stretch>
-            <a:fillRect/>
-          </a:stretch>
-        </p:blipFill>
-        <p:spPr>
-          <a:xfrm>
-            <a:off x="539552" y="1988840"/>
-            <a:ext cx="8000209" cy="2160240"/>
-          </a:xfrm>
-          <a:prstGeom prst="rect">
-            <a:avLst/>
-          </a:prstGeom>
-        </p:spPr>
-      </p:pic>
-    </p:spTree>
-    <p:extLst>
-      <p:ext uri="{BB962C8B-B14F-4D97-AF65-F5344CB8AC3E}">
-        <p14:creationId xmlns:p14="http://schemas.microsoft.com/office/powerpoint/2010/main" val="2521048157"/>
-      </p:ext>
-    </p:extLst>
-  </p:cSld>
-  <p:clrMapOvr>
-    <a:masterClrMapping/>
-  </p:clrMapOvr>
-  <p:timing>
-    <p:tnLst>
-      <p:par>
-        <p:cTn id="1" dur="indefinite" restart="never" nodeType="tmRoot"/>
-      </p:par>
-    </p:tnLst>
-  </p:timing>
-</p:sld>
-</file>
-
-<file path=ppt/slides/slide30.xml><?xml version="1.0" encoding="utf-8"?>
+<file path=ppt/slides/slide33.xml><?xml version="1.0" encoding="utf-8"?>
 <p:sld xmlns:a="http://schemas.openxmlformats.org/drawingml/2006/main" xmlns:r="http://schemas.openxmlformats.org/officeDocument/2006/relationships" xmlns:p="http://schemas.openxmlformats.org/presentationml/2006/main">
   <p:cSld>
     <p:spTree>
@@ -11579,10 +12589,9 @@
           <a:lstStyle/>
           <a:p>
             <a:r>
-              <a:rPr lang="ru-RU" dirty="0" smtClean="0"/>
+              <a:rPr lang="ru-RU" dirty="0"/>
               <a:t>Наблюдение более чем за одним субъектом</a:t>
             </a:r>
-            <a:endParaRPr lang="ru-RU" dirty="0"/>
           </a:p>
         </p:txBody>
       </p:sp>
@@ -11602,17 +12611,17 @@
           <a:lstStyle/>
           <a:p>
             <a:r>
-              <a:rPr lang="ru-RU" dirty="0" smtClean="0"/>
+              <a:rPr lang="ru-RU" dirty="0"/>
               <a:t>Наблюдатель может зависеть от состояния более чем одного субъекта</a:t>
             </a:r>
           </a:p>
           <a:p>
             <a:r>
-              <a:rPr lang="ru-RU" dirty="0" smtClean="0"/>
+              <a:rPr lang="ru-RU" dirty="0"/>
               <a:t>Решение – передавать ссылку на субъект, приславший уведомление, в качестве параметра метода </a:t>
             </a:r>
             <a:r>
-              <a:rPr lang="en-US" dirty="0" smtClean="0"/>
+              <a:rPr lang="en-US" dirty="0"/>
               <a:t>Update</a:t>
             </a:r>
             <a:endParaRPr lang="ru-RU" dirty="0"/>
@@ -11787,7 +12796,7 @@
 </p:sld>
 </file>
 
-<file path=ppt/slides/slide31.xml><?xml version="1.0" encoding="utf-8"?>
+<file path=ppt/slides/slide34.xml><?xml version="1.0" encoding="utf-8"?>
 <p:sld xmlns:a="http://schemas.openxmlformats.org/drawingml/2006/main" xmlns:r="http://schemas.openxmlformats.org/officeDocument/2006/relationships" xmlns:p="http://schemas.openxmlformats.org/presentationml/2006/main">
   <p:cSld>
     <p:spTree>
@@ -11820,11 +12829,11 @@
           <a:lstStyle/>
           <a:p>
             <a:r>
-              <a:rPr lang="ru-RU" dirty="0" smtClean="0"/>
+              <a:rPr lang="ru-RU" dirty="0"/>
               <a:t>Кто инициирует оповещение</a:t>
             </a:r>
             <a:r>
-              <a:rPr lang="en-US" dirty="0" smtClean="0"/>
+              <a:rPr lang="en-US" dirty="0"/>
               <a:t>?</a:t>
             </a:r>
             <a:endParaRPr lang="ru-RU" dirty="0"/>
@@ -11849,53 +12858,53 @@
           <a:lstStyle/>
           <a:p>
             <a:r>
-              <a:rPr lang="ru-RU" dirty="0" smtClean="0"/>
+              <a:rPr lang="ru-RU" dirty="0"/>
               <a:t>Субъекты</a:t>
             </a:r>
           </a:p>
           <a:p>
             <a:pPr lvl="1"/>
             <a:r>
-              <a:rPr lang="ru-RU" dirty="0" smtClean="0"/>
+              <a:rPr lang="ru-RU" dirty="0"/>
               <a:t>Клиентам не надо помнить о необходимости вызова </a:t>
             </a:r>
             <a:r>
-              <a:rPr lang="en-US" dirty="0" smtClean="0"/>
+              <a:rPr lang="en-US" dirty="0"/>
               <a:t>Notify</a:t>
             </a:r>
             <a:r>
-              <a:rPr lang="ru-RU" dirty="0" smtClean="0"/>
+              <a:rPr lang="ru-RU" dirty="0"/>
               <a:t> субъектов</a:t>
             </a:r>
           </a:p>
           <a:p>
             <a:pPr lvl="1"/>
             <a:r>
-              <a:rPr lang="ru-RU" dirty="0" smtClean="0"/>
+              <a:rPr lang="ru-RU" dirty="0"/>
               <a:t>Возможное снижение производительности из-за каскада оповещений при выполнении серии последовательных операций над субъектом</a:t>
             </a:r>
           </a:p>
           <a:p>
             <a:r>
-              <a:rPr lang="ru-RU" dirty="0" smtClean="0"/>
+              <a:rPr lang="ru-RU" dirty="0"/>
               <a:t>Клиент</a:t>
             </a:r>
           </a:p>
           <a:p>
             <a:pPr lvl="1"/>
             <a:r>
-              <a:rPr lang="ru-RU" dirty="0" smtClean="0"/>
+              <a:rPr lang="ru-RU" dirty="0"/>
               <a:t>Клиент откладывает инициирование обновления до завершения серии изменений, исключив промежуточные обновления</a:t>
             </a:r>
           </a:p>
           <a:p>
             <a:pPr lvl="1"/>
             <a:r>
-              <a:rPr lang="ru-RU" dirty="0" smtClean="0"/>
+              <a:rPr lang="ru-RU" dirty="0"/>
               <a:t>У клиентов появляется дополнительная обязанность не забыть вызвать </a:t>
             </a:r>
             <a:r>
-              <a:rPr lang="en-US" dirty="0" err="1" smtClean="0"/>
+              <a:rPr lang="en-US" dirty="0" err="1"/>
               <a:t>NotifyObservers</a:t>
             </a:r>
             <a:endParaRPr lang="ru-RU" dirty="0"/>
@@ -12242,7 +13251,7 @@
 </p:sld>
 </file>
 
-<file path=ppt/slides/slide32.xml><?xml version="1.0" encoding="utf-8"?>
+<file path=ppt/slides/slide35.xml><?xml version="1.0" encoding="utf-8"?>
 <p:sld xmlns:a="http://schemas.openxmlformats.org/drawingml/2006/main" xmlns:r="http://schemas.openxmlformats.org/officeDocument/2006/relationships" xmlns:p="http://schemas.openxmlformats.org/presentationml/2006/main">
   <p:cSld>
     <p:spTree>
@@ -12277,10 +13286,9 @@
           <a:lstStyle/>
           <a:p>
             <a:r>
-              <a:rPr lang="ru-RU" dirty="0" smtClean="0"/>
+              <a:rPr lang="ru-RU" dirty="0"/>
               <a:t>Особенности использования в языках без сборщика мусора</a:t>
             </a:r>
-            <a:endParaRPr lang="ru-RU" dirty="0"/>
           </a:p>
         </p:txBody>
       </p:sp>
@@ -12302,30 +13310,29 @@
           <a:lstStyle/>
           <a:p>
             <a:r>
-              <a:rPr lang="ru-RU" dirty="0" smtClean="0"/>
+              <a:rPr lang="ru-RU" dirty="0"/>
               <a:t>Удаление субъекта не должно приводить к появлению висячих ссылок у наблюдателей</a:t>
             </a:r>
           </a:p>
           <a:p>
             <a:pPr lvl="1"/>
             <a:r>
-              <a:rPr lang="ru-RU" dirty="0" smtClean="0"/>
+              <a:rPr lang="ru-RU" dirty="0"/>
               <a:t>Субъект должен уведомлять наблюдателей о своем удалении, чтобы уничтожили ссылки на него</a:t>
             </a:r>
           </a:p>
           <a:p>
             <a:r>
-              <a:rPr lang="ru-RU" dirty="0" smtClean="0"/>
+              <a:rPr lang="ru-RU" dirty="0"/>
               <a:t>Удаление наблюдателя не должно приводить к появлению висячих ссылок у субъекта</a:t>
             </a:r>
           </a:p>
           <a:p>
             <a:pPr lvl="1"/>
             <a:r>
-              <a:rPr lang="ru-RU" dirty="0" smtClean="0"/>
+              <a:rPr lang="ru-RU" dirty="0"/>
               <a:t>Не забыть отписаться от субъекта перед удалением</a:t>
             </a:r>
-            <a:endParaRPr lang="ru-RU" dirty="0"/>
           </a:p>
         </p:txBody>
       </p:sp>
@@ -12583,7 +13590,7 @@
 </p:sld>
 </file>
 
-<file path=ppt/slides/slide33.xml><?xml version="1.0" encoding="utf-8"?>
+<file path=ppt/slides/slide36.xml><?xml version="1.0" encoding="utf-8"?>
 <p:sld xmlns:a="http://schemas.openxmlformats.org/drawingml/2006/main" xmlns:r="http://schemas.openxmlformats.org/officeDocument/2006/relationships" xmlns:p="http://schemas.openxmlformats.org/presentationml/2006/main">
   <p:cSld>
     <p:spTree>
@@ -12618,10 +13625,9 @@
           <a:lstStyle/>
           <a:p>
             <a:r>
-              <a:rPr lang="ru-RU" dirty="0" smtClean="0"/>
+              <a:rPr lang="ru-RU" dirty="0"/>
               <a:t>Согласованное состояние субъекта перед оповещением</a:t>
             </a:r>
-            <a:endParaRPr lang="ru-RU" dirty="0"/>
           </a:p>
         </p:txBody>
       </p:sp>
@@ -12643,42 +13649,42 @@
           <a:lstStyle/>
           <a:p>
             <a:r>
-              <a:rPr lang="ru-RU" dirty="0" smtClean="0"/>
+              <a:rPr lang="ru-RU" dirty="0"/>
               <a:t>Перед оповещением наблюдателей субъект должен находиться в непротиворечивом состоянии</a:t>
             </a:r>
           </a:p>
           <a:p>
             <a:pPr lvl="1"/>
             <a:r>
-              <a:rPr lang="ru-RU" dirty="0" smtClean="0"/>
+              <a:rPr lang="ru-RU" dirty="0"/>
               <a:t>Состояние будут опрашивать наблюдатели в ходе своего обновления</a:t>
             </a:r>
           </a:p>
           <a:p>
             <a:r>
-              <a:rPr lang="ru-RU" dirty="0" smtClean="0"/>
+              <a:rPr lang="ru-RU" dirty="0"/>
               <a:t>Возможное решение – паттерн «Шаблонный метод»</a:t>
             </a:r>
           </a:p>
           <a:p>
             <a:pPr lvl="1"/>
             <a:r>
-              <a:rPr lang="ru-RU" dirty="0" smtClean="0"/>
+              <a:rPr lang="ru-RU" dirty="0"/>
               <a:t>Определить примитивную операцию, замещаемую в подклассах, уведомлять наблюдателей после вызова операции</a:t>
             </a:r>
           </a:p>
           <a:p>
             <a:pPr lvl="1"/>
             <a:r>
-              <a:rPr lang="ru-RU" dirty="0" smtClean="0"/>
+              <a:rPr lang="ru-RU" dirty="0"/>
               <a:t>Важно фиксировать, какие операции субъекта</a:t>
             </a:r>
             <a:r>
-              <a:rPr lang="en-US" dirty="0" smtClean="0"/>
+              <a:rPr lang="en-US" dirty="0"/>
               <a:t> </a:t>
             </a:r>
             <a:r>
-              <a:rPr lang="ru-RU" dirty="0" smtClean="0"/>
+              <a:rPr lang="ru-RU" dirty="0"/>
               <a:t>инициируют обновления</a:t>
             </a:r>
           </a:p>
@@ -12985,7 +13991,7 @@
 </p:sld>
 </file>
 
-<file path=ppt/slides/slide34.xml><?xml version="1.0" encoding="utf-8"?>
+<file path=ppt/slides/slide37.xml><?xml version="1.0" encoding="utf-8"?>
 <p:sld xmlns:a="http://schemas.openxmlformats.org/drawingml/2006/main" xmlns:r="http://schemas.openxmlformats.org/officeDocument/2006/relationships" xmlns:p="http://schemas.openxmlformats.org/presentationml/2006/main">
   <p:cSld>
     <p:spTree>
@@ -13020,10 +14026,9 @@
           <a:lstStyle/>
           <a:p>
             <a:r>
-              <a:rPr lang="ru-RU" dirty="0" smtClean="0"/>
+              <a:rPr lang="ru-RU" dirty="0"/>
               <a:t>Наблюдатель в функциональном стиле</a:t>
             </a:r>
-            <a:endParaRPr lang="ru-RU" dirty="0"/>
           </a:p>
         </p:txBody>
       </p:sp>
@@ -13043,16 +14048,15 @@
           <a:lstStyle/>
           <a:p>
             <a:r>
-              <a:rPr lang="ru-RU" dirty="0" smtClean="0"/>
+              <a:rPr lang="ru-RU" dirty="0"/>
               <a:t>Если интерфейс наблюдателя содержит единственный метод, его можно заменить функциональным объектом</a:t>
             </a:r>
           </a:p>
           <a:p>
             <a:r>
-              <a:rPr lang="ru-RU" dirty="0" smtClean="0"/>
+              <a:rPr lang="ru-RU" dirty="0"/>
               <a:t>Это позволяет сделать код более компактным</a:t>
             </a:r>
-            <a:endParaRPr lang="ru-RU" dirty="0"/>
           </a:p>
         </p:txBody>
       </p:sp>
@@ -13224,7 +14228,7 @@
 </p:sld>
 </file>
 
-<file path=ppt/slides/slide35.xml><?xml version="1.0" encoding="utf-8"?>
+<file path=ppt/slides/slide38.xml><?xml version="1.0" encoding="utf-8"?>
 <p:sld xmlns:a="http://schemas.openxmlformats.org/drawingml/2006/main" xmlns:r="http://schemas.openxmlformats.org/officeDocument/2006/relationships" xmlns:p="http://schemas.openxmlformats.org/presentationml/2006/main">
   <p:cSld>
     <p:spTree>
@@ -13347,7 +14351,7 @@
               <a:t>public</a:t>
             </a:r>
             <a:r>
-              <a:rPr lang="en-US" dirty="0" smtClean="0">
+              <a:rPr lang="en-US" dirty="0">
                 <a:solidFill>
                   <a:srgbClr val="000000"/>
                 </a:solidFill>
@@ -13373,18 +14377,7 @@
                 <a:ea typeface="Calibri" panose="020F0502020204030204" pitchFamily="34" charset="0"/>
                 <a:cs typeface="Times New Roman" panose="02020603050405020304" pitchFamily="18" charset="0"/>
               </a:rPr>
-              <a:t> </a:t>
-            </a:r>
-            <a:r>
-              <a:rPr lang="en-US" dirty="0" smtClean="0">
-                <a:solidFill>
-                  <a:srgbClr val="000000"/>
-                </a:solidFill>
-                <a:latin typeface="Consolas" panose="020B0609020204030204" pitchFamily="49" charset="0"/>
-                <a:ea typeface="Calibri" panose="020F0502020204030204" pitchFamily="34" charset="0"/>
-                <a:cs typeface="Times New Roman" panose="02020603050405020304" pitchFamily="18" charset="0"/>
-              </a:rPr>
-              <a:t> </a:t>
+              <a:t>  </a:t>
             </a:r>
             <a:r>
               <a:rPr lang="ru-RU" dirty="0">
@@ -14041,7 +15034,7 @@
               <a:t> </a:t>
             </a:r>
             <a:r>
-              <a:rPr lang="en-US" dirty="0" err="1" smtClean="0">
+              <a:rPr lang="en-US" dirty="0" err="1">
                 <a:solidFill>
                   <a:srgbClr val="880000"/>
                 </a:solidFill>
@@ -14052,7 +15045,7 @@
               <a:t>GetRate</a:t>
             </a:r>
             <a:r>
-              <a:rPr lang="en-US" dirty="0" smtClean="0">
+              <a:rPr lang="en-US" dirty="0">
                 <a:solidFill>
                   <a:srgbClr val="000000"/>
                 </a:solidFill>
@@ -14258,10 +15251,9 @@
           <a:lstStyle/>
           <a:p>
             <a:r>
-              <a:rPr lang="ru-RU" dirty="0" smtClean="0"/>
+              <a:rPr lang="ru-RU" dirty="0"/>
               <a:t>Пример – наблюдение за курсом валюты</a:t>
             </a:r>
-            <a:endParaRPr lang="ru-RU" dirty="0"/>
           </a:p>
         </p:txBody>
       </p:sp>
@@ -14275,17 +15267,10 @@
   <p:clrMapOvr>
     <a:masterClrMapping/>
   </p:clrMapOvr>
-  <p:timing>
-    <p:tnLst>
-      <p:par>
-        <p:cTn id="1" dur="indefinite" restart="never" nodeType="tmRoot"/>
-      </p:par>
-    </p:tnLst>
-  </p:timing>
 </p:sld>
 </file>
 
-<file path=ppt/slides/slide36.xml><?xml version="1.0" encoding="utf-8"?>
+<file path=ppt/slides/slide39.xml><?xml version="1.0" encoding="utf-8"?>
 <p:sld xmlns:a="http://schemas.openxmlformats.org/drawingml/2006/main" xmlns:r="http://schemas.openxmlformats.org/officeDocument/2006/relationships" xmlns:p="http://schemas.openxmlformats.org/presentationml/2006/main">
   <p:cSld>
     <p:spTree>
@@ -14449,21 +15434,10 @@
                 <a:ea typeface="Calibri" panose="020F0502020204030204" pitchFamily="34" charset="0"/>
                 <a:cs typeface="Consolas" panose="020B0609020204030204" pitchFamily="49" charset="0"/>
               </a:rPr>
-              <a:t> </a:t>
-            </a:r>
-            <a:r>
-              <a:rPr lang="en-US" dirty="0" smtClean="0">
-                <a:solidFill>
-                  <a:srgbClr val="000000"/>
-                </a:solidFill>
-                <a:latin typeface="Consolas" panose="020B0609020204030204" pitchFamily="49" charset="0"/>
-                <a:ea typeface="Calibri" panose="020F0502020204030204" pitchFamily="34" charset="0"/>
-                <a:cs typeface="Consolas" panose="020B0609020204030204" pitchFamily="49" charset="0"/>
-              </a:rPr>
-              <a:t> </a:t>
-            </a:r>
-            <a:r>
-              <a:rPr lang="en-US" dirty="0" smtClean="0">
+              <a:t>  </a:t>
+            </a:r>
+            <a:r>
+              <a:rPr lang="en-US" dirty="0">
                 <a:solidFill>
                   <a:srgbClr val="0000FF"/>
                 </a:solidFill>
@@ -14474,7 +15448,7 @@
               <a:t>double</a:t>
             </a:r>
             <a:r>
-              <a:rPr lang="en-US" dirty="0" smtClean="0">
+              <a:rPr lang="en-US" dirty="0">
                 <a:solidFill>
                   <a:srgbClr val="000000"/>
                 </a:solidFill>
@@ -14586,7 +15560,7 @@
               </a:spcAft>
             </a:pPr>
             <a:r>
-              <a:rPr lang="en-US" dirty="0" smtClean="0">
+              <a:rPr lang="en-US" dirty="0">
                 <a:solidFill>
                   <a:srgbClr val="000000"/>
                 </a:solidFill>
@@ -14597,7 +15571,7 @@
               <a:t>  </a:t>
             </a:r>
             <a:r>
-              <a:rPr lang="en-US" i="1" dirty="0" smtClean="0">
+              <a:rPr lang="en-US" i="1" dirty="0">
                 <a:solidFill>
                   <a:srgbClr val="0000FF"/>
                 </a:solidFill>
@@ -14608,7 +15582,7 @@
               <a:t>map</a:t>
             </a:r>
             <a:r>
-              <a:rPr lang="en-US" dirty="0" smtClean="0">
+              <a:rPr lang="en-US" dirty="0">
                 <a:solidFill>
                   <a:srgbClr val="000000"/>
                 </a:solidFill>
@@ -14619,7 +15593,7 @@
               <a:t>&lt;</a:t>
             </a:r>
             <a:r>
-              <a:rPr lang="en-US" dirty="0" smtClean="0">
+              <a:rPr lang="en-US" dirty="0">
                 <a:solidFill>
                   <a:srgbClr val="0000FF"/>
                 </a:solidFill>
@@ -14630,7 +15604,7 @@
               <a:t>Token</a:t>
             </a:r>
             <a:r>
-              <a:rPr lang="en-US" dirty="0" smtClean="0">
+              <a:rPr lang="en-US" dirty="0">
                 <a:solidFill>
                   <a:srgbClr val="000000"/>
                 </a:solidFill>
@@ -14641,7 +15615,7 @@
               <a:t>, </a:t>
             </a:r>
             <a:r>
-              <a:rPr lang="en-US" dirty="0" err="1" smtClean="0">
+              <a:rPr lang="en-US" dirty="0" err="1">
                 <a:solidFill>
                   <a:srgbClr val="0000FF"/>
                 </a:solidFill>
@@ -14652,7 +15626,7 @@
               <a:t>RateObserver</a:t>
             </a:r>
             <a:r>
-              <a:rPr lang="en-US" dirty="0" smtClean="0">
+              <a:rPr lang="en-US" dirty="0">
                 <a:solidFill>
                   <a:srgbClr val="000000"/>
                 </a:solidFill>
@@ -14663,7 +15637,7 @@
               <a:t>&gt; </a:t>
             </a:r>
             <a:r>
-              <a:rPr lang="en-US" dirty="0" err="1" smtClean="0">
+              <a:rPr lang="en-US" dirty="0" err="1">
                 <a:solidFill>
                   <a:srgbClr val="000080"/>
                 </a:solidFill>
@@ -14674,7 +15648,7 @@
               <a:t>m_observers</a:t>
             </a:r>
             <a:r>
-              <a:rPr lang="en-US" dirty="0" smtClean="0">
+              <a:rPr lang="en-US" dirty="0">
                 <a:solidFill>
                   <a:srgbClr val="000000"/>
                 </a:solidFill>
@@ -14692,7 +15666,7 @@
               </a:spcAft>
             </a:pPr>
             <a:r>
-              <a:rPr lang="en-US" dirty="0" smtClean="0">
+              <a:rPr lang="en-US" dirty="0">
                 <a:solidFill>
                   <a:srgbClr val="0000FF"/>
                 </a:solidFill>
@@ -14703,7 +15677,7 @@
               <a:t>public</a:t>
             </a:r>
             <a:r>
-              <a:rPr lang="en-US" dirty="0" smtClean="0">
+              <a:rPr lang="en-US" dirty="0">
                 <a:solidFill>
                   <a:srgbClr val="000000"/>
                 </a:solidFill>
@@ -14814,7 +15788,7 @@
               <a:t>rate</a:t>
             </a:r>
             <a:r>
-              <a:rPr lang="en-US" dirty="0" smtClean="0">
+              <a:rPr lang="en-US" dirty="0">
                 <a:solidFill>
                   <a:srgbClr val="000000"/>
                 </a:solidFill>
@@ -14903,7 +15877,7 @@
               <a:t>rate</a:t>
             </a:r>
             <a:r>
-              <a:rPr lang="en-US" dirty="0" smtClean="0">
+              <a:rPr lang="en-US" dirty="0">
                 <a:solidFill>
                   <a:srgbClr val="000000"/>
                 </a:solidFill>
@@ -15070,7 +16044,7 @@
               <a:t> : </a:t>
             </a:r>
             <a:r>
-              <a:rPr lang="en-US" dirty="0" err="1" smtClean="0">
+              <a:rPr lang="en-US" dirty="0" err="1">
                 <a:solidFill>
                   <a:srgbClr val="000080"/>
                 </a:solidFill>
@@ -15081,7 +16055,7 @@
               <a:t>m_observers</a:t>
             </a:r>
             <a:r>
-              <a:rPr lang="en-US" dirty="0" smtClean="0">
+              <a:rPr lang="en-US" dirty="0">
                 <a:solidFill>
                   <a:srgbClr val="000000"/>
                 </a:solidFill>
@@ -15092,7 +16066,7 @@
               <a:t>) </a:t>
             </a:r>
             <a:r>
-              <a:rPr lang="en-US" dirty="0" err="1" smtClean="0">
+              <a:rPr lang="en-US" dirty="0" err="1">
                 <a:solidFill>
                   <a:srgbClr val="000080"/>
                 </a:solidFill>
@@ -15103,7 +16077,7 @@
               <a:t>observer</a:t>
             </a:r>
             <a:r>
-              <a:rPr lang="en-US" dirty="0" err="1" smtClean="0">
+              <a:rPr lang="en-US" dirty="0" err="1">
                 <a:solidFill>
                   <a:srgbClr val="000000"/>
                 </a:solidFill>
@@ -15114,7 +16088,7 @@
               <a:t>.</a:t>
             </a:r>
             <a:r>
-              <a:rPr lang="en-US" i="1" dirty="0" err="1" smtClean="0">
+              <a:rPr lang="en-US" i="1" dirty="0" err="1">
                 <a:solidFill>
                   <a:srgbClr val="000080"/>
                 </a:solidFill>
@@ -15125,7 +16099,7 @@
               <a:t>second</a:t>
             </a:r>
             <a:r>
-              <a:rPr lang="en-US" dirty="0" smtClean="0">
+              <a:rPr lang="en-US" dirty="0">
                 <a:solidFill>
                   <a:srgbClr val="008080"/>
                 </a:solidFill>
@@ -15136,7 +16110,7 @@
               <a:t>(</a:t>
             </a:r>
             <a:r>
-              <a:rPr lang="en-US" dirty="0" err="1" smtClean="0">
+              <a:rPr lang="en-US" dirty="0" err="1">
                 <a:solidFill>
                   <a:srgbClr val="000080"/>
                 </a:solidFill>
@@ -15181,7 +16155,7 @@
               </a:spcAft>
             </a:pPr>
             <a:r>
-              <a:rPr lang="en-US" dirty="0" smtClean="0">
+              <a:rPr lang="en-US" dirty="0">
                 <a:solidFill>
                   <a:srgbClr val="000000"/>
                 </a:solidFill>
@@ -15371,7 +16345,7 @@
               <a:t>) </a:t>
             </a:r>
             <a:r>
-              <a:rPr lang="en-US" dirty="0" smtClean="0">
+              <a:rPr lang="en-US" dirty="0">
                 <a:solidFill>
                   <a:srgbClr val="0000FF"/>
                 </a:solidFill>
@@ -15382,7 +16356,7 @@
               <a:t>override </a:t>
             </a:r>
             <a:r>
-              <a:rPr lang="en-US" dirty="0" smtClean="0">
+              <a:rPr lang="en-US" dirty="0">
                 <a:solidFill>
                   <a:srgbClr val="000000"/>
                 </a:solidFill>
@@ -15405,7 +16379,7 @@
               </a:spcAft>
             </a:pPr>
             <a:r>
-              <a:rPr lang="en-US" dirty="0" smtClean="0">
+              <a:rPr lang="en-US" dirty="0">
                 <a:solidFill>
                   <a:srgbClr val="0000FF"/>
                 </a:solidFill>
@@ -15524,7 +16498,7 @@
               <a:t>)</a:t>
             </a:r>
             <a:r>
-              <a:rPr lang="en-US" dirty="0" smtClean="0">
+              <a:rPr lang="en-US" dirty="0">
                 <a:solidFill>
                   <a:srgbClr val="000000"/>
                 </a:solidFill>
@@ -15547,7 +16521,7 @@
               </a:spcAft>
             </a:pPr>
             <a:r>
-              <a:rPr lang="en-US" dirty="0" smtClean="0">
+              <a:rPr lang="en-US" dirty="0">
                 <a:solidFill>
                   <a:srgbClr val="0000FF"/>
                 </a:solidFill>
@@ -15558,7 +16532,7 @@
               <a:t>    return</a:t>
             </a:r>
             <a:r>
-              <a:rPr lang="en-US" dirty="0" smtClean="0">
+              <a:rPr lang="en-US" dirty="0">
                 <a:solidFill>
                   <a:srgbClr val="000000"/>
                 </a:solidFill>
@@ -15682,7 +16656,7 @@
               <a:t> </a:t>
             </a:r>
             <a:r>
-              <a:rPr lang="en-US" dirty="0" err="1" smtClean="0">
+              <a:rPr lang="en-US" dirty="0" err="1">
                 <a:solidFill>
                   <a:srgbClr val="880000"/>
                 </a:solidFill>
@@ -15693,7 +16667,7 @@
               <a:t>GetRate</a:t>
             </a:r>
             <a:r>
-              <a:rPr lang="en-US" dirty="0" smtClean="0">
+              <a:rPr lang="en-US" dirty="0">
                 <a:solidFill>
                   <a:srgbClr val="000000"/>
                 </a:solidFill>
@@ -15726,7 +16700,7 @@
               <a:t> </a:t>
             </a:r>
             <a:r>
-              <a:rPr lang="en-US" dirty="0" smtClean="0">
+              <a:rPr lang="en-US" dirty="0">
                 <a:solidFill>
                   <a:srgbClr val="0000FF"/>
                 </a:solidFill>
@@ -15737,7 +16711,7 @@
               <a:t>override </a:t>
             </a:r>
             <a:r>
-              <a:rPr lang="en-US" dirty="0" smtClean="0">
+              <a:rPr lang="en-US" dirty="0">
                 <a:solidFill>
                   <a:srgbClr val="000000"/>
                 </a:solidFill>
@@ -15748,7 +16722,7 @@
               <a:t>{ </a:t>
             </a:r>
             <a:r>
-              <a:rPr lang="en-US" dirty="0" smtClean="0">
+              <a:rPr lang="en-US" dirty="0">
                 <a:solidFill>
                   <a:srgbClr val="0000FF"/>
                 </a:solidFill>
@@ -15759,7 +16733,7 @@
               <a:t>return</a:t>
             </a:r>
             <a:r>
-              <a:rPr lang="en-US" dirty="0" smtClean="0">
+              <a:rPr lang="en-US" dirty="0">
                 <a:solidFill>
                   <a:srgbClr val="000000"/>
                 </a:solidFill>
@@ -15781,7 +16755,7 @@
               <a:t>m_rubToUSD</a:t>
             </a:r>
             <a:r>
-              <a:rPr lang="en-US" dirty="0" smtClean="0">
+              <a:rPr lang="en-US" dirty="0">
                 <a:solidFill>
                   <a:srgbClr val="000000"/>
                 </a:solidFill>
@@ -15926,7 +16900,7 @@
               <a:t>) </a:t>
             </a:r>
             <a:r>
-              <a:rPr lang="en-US" dirty="0" smtClean="0">
+              <a:rPr lang="en-US" dirty="0">
                 <a:solidFill>
                   <a:srgbClr val="0000FF"/>
                 </a:solidFill>
@@ -15937,7 +16911,7 @@
               <a:t>override </a:t>
             </a:r>
             <a:r>
-              <a:rPr lang="en-US" dirty="0" smtClean="0">
+              <a:rPr lang="en-US" dirty="0">
                 <a:solidFill>
                   <a:srgbClr val="000000"/>
                 </a:solidFill>
@@ -16072,7 +17046,7 @@
               </a:spcAft>
             </a:pPr>
             <a:r>
-              <a:rPr lang="en-US" dirty="0" smtClean="0">
+              <a:rPr lang="en-US" dirty="0">
                 <a:solidFill>
                   <a:srgbClr val="000000"/>
                 </a:solidFill>
@@ -16808,7 +17782,225 @@
 </p:sld>
 </file>
 
-<file path=ppt/slides/slide37.xml><?xml version="1.0" encoding="utf-8"?>
+<file path=ppt/slides/slide4.xml><?xml version="1.0" encoding="utf-8"?>
+<p:sld xmlns:a="http://schemas.openxmlformats.org/drawingml/2006/main" xmlns:r="http://schemas.openxmlformats.org/officeDocument/2006/relationships" xmlns:p="http://schemas.openxmlformats.org/presentationml/2006/main">
+  <p:cSld>
+    <p:spTree>
+      <p:nvGrpSpPr>
+        <p:cNvPr id="1" name=""/>
+        <p:cNvGrpSpPr/>
+        <p:nvPr/>
+      </p:nvGrpSpPr>
+      <p:grpSpPr>
+        <a:xfrm>
+          <a:off x="0" y="0"/>
+          <a:ext cx="0" cy="0"/>
+          <a:chOff x="0" y="0"/>
+          <a:chExt cx="0" cy="0"/>
+        </a:xfrm>
+      </p:grpSpPr>
+      <p:sp>
+        <p:nvSpPr>
+          <p:cNvPr id="2" name="Заголовок 1">
+            <a:extLst>
+              <a:ext uri="{FF2B5EF4-FFF2-40B4-BE49-F238E27FC236}">
+                <a16:creationId xmlns:a16="http://schemas.microsoft.com/office/drawing/2014/main" id="{3031DCBF-2A6B-0FCD-BAFC-946192F98DA0}"/>
+              </a:ext>
+            </a:extLst>
+          </p:cNvPr>
+          <p:cNvSpPr>
+            <a:spLocks noGrp="1"/>
+          </p:cNvSpPr>
+          <p:nvPr>
+            <p:ph type="title"/>
+          </p:nvPr>
+        </p:nvSpPr>
+        <p:spPr/>
+        <p:txBody>
+          <a:bodyPr/>
+          <a:lstStyle/>
+          <a:p>
+            <a:r>
+              <a:rPr lang="ru-RU" dirty="0"/>
+              <a:t>Умный дом</a:t>
+            </a:r>
+          </a:p>
+        </p:txBody>
+      </p:sp>
+      <p:pic>
+        <p:nvPicPr>
+          <p:cNvPr id="5" name="Объект 4">
+            <a:extLst>
+              <a:ext uri="{FF2B5EF4-FFF2-40B4-BE49-F238E27FC236}">
+                <a16:creationId xmlns:a16="http://schemas.microsoft.com/office/drawing/2014/main" id="{F591236F-FA54-27EE-76BC-92A13064E087}"/>
+              </a:ext>
+            </a:extLst>
+          </p:cNvPr>
+          <p:cNvPicPr>
+            <a:picLocks noGrp="1" noChangeAspect="1"/>
+          </p:cNvPicPr>
+          <p:nvPr>
+            <p:ph idx="1"/>
+          </p:nvPr>
+        </p:nvPicPr>
+        <p:blipFill>
+          <a:blip r:embed="rId3">
+            <a:extLst>
+              <a:ext uri="{28A0092B-C50C-407E-A947-70E740481C1C}">
+                <a14:useLocalDpi xmlns:a14="http://schemas.microsoft.com/office/drawing/2010/main" val="0"/>
+              </a:ext>
+            </a:extLst>
+          </a:blip>
+          <a:srcRect/>
+          <a:stretch/>
+        </p:blipFill>
+        <p:spPr>
+          <a:xfrm>
+            <a:off x="457200" y="2759881"/>
+            <a:ext cx="8229600" cy="2655862"/>
+          </a:xfrm>
+        </p:spPr>
+      </p:pic>
+      <p:sp>
+        <p:nvSpPr>
+          <p:cNvPr id="6" name="TextBox 5">
+            <a:extLst>
+              <a:ext uri="{FF2B5EF4-FFF2-40B4-BE49-F238E27FC236}">
+                <a16:creationId xmlns:a16="http://schemas.microsoft.com/office/drawing/2014/main" id="{E71F64BE-41CB-F6C3-27CA-8A57A6554AB5}"/>
+              </a:ext>
+            </a:extLst>
+          </p:cNvPr>
+          <p:cNvSpPr txBox="1"/>
+          <p:nvPr/>
+        </p:nvSpPr>
+        <p:spPr>
+          <a:xfrm>
+            <a:off x="1907704" y="5949280"/>
+            <a:ext cx="5328592" cy="646331"/>
+          </a:xfrm>
+          <a:prstGeom prst="rect">
+            <a:avLst/>
+          </a:prstGeom>
+          <a:noFill/>
+        </p:spPr>
+        <p:txBody>
+          <a:bodyPr wrap="square" rtlCol="0">
+            <a:spAutoFit/>
+          </a:bodyPr>
+          <a:lstStyle/>
+          <a:p>
+            <a:r>
+              <a:rPr lang="ru-RU" dirty="0"/>
+              <a:t>Как умный дом узнает, в какой момент включить или выключить свет и музыку</a:t>
+            </a:r>
+            <a:r>
+              <a:rPr lang="en-US" dirty="0"/>
+              <a:t>?</a:t>
+            </a:r>
+            <a:endParaRPr lang="ru-RU" dirty="0"/>
+          </a:p>
+        </p:txBody>
+      </p:sp>
+    </p:spTree>
+    <p:extLst>
+      <p:ext uri="{BB962C8B-B14F-4D97-AF65-F5344CB8AC3E}">
+        <p14:creationId xmlns:p14="http://schemas.microsoft.com/office/powerpoint/2010/main" val="2752657398"/>
+      </p:ext>
+    </p:extLst>
+  </p:cSld>
+  <p:clrMapOvr>
+    <a:masterClrMapping/>
+  </p:clrMapOvr>
+  <p:timing>
+    <p:tnLst>
+      <p:par>
+        <p:cTn id="1" dur="indefinite" restart="never" nodeType="tmRoot">
+          <p:childTnLst>
+            <p:seq concurrent="1" nextAc="seek">
+              <p:cTn id="2" dur="indefinite" nodeType="mainSeq">
+                <p:childTnLst>
+                  <p:par>
+                    <p:cTn id="3" fill="hold">
+                      <p:stCondLst>
+                        <p:cond delay="indefinite"/>
+                      </p:stCondLst>
+                      <p:childTnLst>
+                        <p:par>
+                          <p:cTn id="4" fill="hold">
+                            <p:stCondLst>
+                              <p:cond delay="0"/>
+                            </p:stCondLst>
+                            <p:childTnLst>
+                              <p:par>
+                                <p:cTn id="5" presetID="10" presetClass="entr" presetSubtype="0" fill="hold" grpId="0" nodeType="clickEffect">
+                                  <p:stCondLst>
+                                    <p:cond delay="0"/>
+                                  </p:stCondLst>
+                                  <p:childTnLst>
+                                    <p:set>
+                                      <p:cBhvr>
+                                        <p:cTn id="6" dur="1" fill="hold">
+                                          <p:stCondLst>
+                                            <p:cond delay="0"/>
+                                          </p:stCondLst>
+                                        </p:cTn>
+                                        <p:tgtEl>
+                                          <p:spTgt spid="6"/>
+                                        </p:tgtEl>
+                                        <p:attrNameLst>
+                                          <p:attrName>style.visibility</p:attrName>
+                                        </p:attrNameLst>
+                                      </p:cBhvr>
+                                      <p:to>
+                                        <p:strVal val="visible"/>
+                                      </p:to>
+                                    </p:set>
+                                    <p:animEffect transition="in" filter="fade">
+                                      <p:cBhvr>
+                                        <p:cTn id="7" dur="500"/>
+                                        <p:tgtEl>
+                                          <p:spTgt spid="6"/>
+                                        </p:tgtEl>
+                                      </p:cBhvr>
+                                    </p:animEffect>
+                                  </p:childTnLst>
+                                </p:cTn>
+                              </p:par>
+                            </p:childTnLst>
+                          </p:cTn>
+                        </p:par>
+                      </p:childTnLst>
+                    </p:cTn>
+                  </p:par>
+                </p:childTnLst>
+              </p:cTn>
+              <p:prevCondLst>
+                <p:cond evt="onPrev" delay="0">
+                  <p:tgtEl>
+                    <p:sldTgt/>
+                  </p:tgtEl>
+                </p:cond>
+              </p:prevCondLst>
+              <p:nextCondLst>
+                <p:cond evt="onNext" delay="0">
+                  <p:tgtEl>
+                    <p:sldTgt/>
+                  </p:tgtEl>
+                </p:cond>
+              </p:nextCondLst>
+            </p:seq>
+          </p:childTnLst>
+        </p:cTn>
+      </p:par>
+    </p:tnLst>
+    <p:bldLst>
+      <p:bldP spid="6" grpId="0"/>
+    </p:bldLst>
+  </p:timing>
+</p:sld>
+</file>
+
+<file path=ppt/slides/slide40.xml><?xml version="1.0" encoding="utf-8"?>
 <p:sld xmlns:a="http://schemas.openxmlformats.org/drawingml/2006/main" xmlns:r="http://schemas.openxmlformats.org/officeDocument/2006/relationships" xmlns:p="http://schemas.openxmlformats.org/presentationml/2006/main">
   <p:cSld>
     <p:spTree>
@@ -16964,7 +18156,7 @@
               </a:spcAft>
             </a:pPr>
             <a:r>
-              <a:rPr lang="en-US" dirty="0" smtClean="0">
+              <a:rPr lang="en-US" dirty="0">
                 <a:solidFill>
                   <a:srgbClr val="000000"/>
                 </a:solidFill>
@@ -16975,7 +18167,7 @@
               <a:t>  </a:t>
             </a:r>
             <a:r>
-              <a:rPr lang="en-US" dirty="0" err="1" smtClean="0">
+              <a:rPr lang="en-US" dirty="0" err="1">
                 <a:solidFill>
                   <a:srgbClr val="0000FF"/>
                 </a:solidFill>
@@ -16986,7 +18178,7 @@
               <a:t>ICurrencyRate</a:t>
             </a:r>
             <a:r>
-              <a:rPr lang="en-US" dirty="0" smtClean="0">
+              <a:rPr lang="en-US" dirty="0">
                 <a:solidFill>
                   <a:srgbClr val="000000"/>
                 </a:solidFill>
@@ -16997,7 +18189,7 @@
               <a:t>&amp; </a:t>
             </a:r>
             <a:r>
-              <a:rPr lang="en-US" dirty="0" err="1" smtClean="0">
+              <a:rPr lang="en-US" dirty="0" err="1">
                 <a:solidFill>
                   <a:srgbClr val="000080"/>
                 </a:solidFill>
@@ -17008,7 +18200,7 @@
               <a:t>m_currencyRate</a:t>
             </a:r>
             <a:r>
-              <a:rPr lang="en-US" dirty="0" smtClean="0">
+              <a:rPr lang="en-US" dirty="0">
                 <a:solidFill>
                   <a:srgbClr val="000000"/>
                 </a:solidFill>
@@ -17018,7 +18210,7 @@
               </a:rPr>
               <a:t>;</a:t>
             </a:r>
-            <a:endParaRPr lang="ru-RU" dirty="0" smtClean="0">
+            <a:endParaRPr lang="ru-RU" dirty="0">
               <a:latin typeface="Consolas" panose="020B0609020204030204" pitchFamily="49" charset="0"/>
               <a:ea typeface="Calibri" panose="020F0502020204030204" pitchFamily="34" charset="0"/>
               <a:cs typeface="Times New Roman" panose="02020603050405020304" pitchFamily="18" charset="0"/>
@@ -17031,7 +18223,7 @@
               </a:spcAft>
             </a:pPr>
             <a:r>
-              <a:rPr lang="en-US" dirty="0" smtClean="0">
+              <a:rPr lang="en-US" dirty="0">
                 <a:solidFill>
                   <a:srgbClr val="000000"/>
                 </a:solidFill>
@@ -17097,7 +18289,7 @@
               <a:t>m_rateChangeToken</a:t>
             </a:r>
             <a:r>
-              <a:rPr lang="en-US" dirty="0" smtClean="0">
+              <a:rPr lang="en-US" dirty="0">
                 <a:solidFill>
                   <a:srgbClr val="000000"/>
                 </a:solidFill>
@@ -17107,7 +18299,7 @@
               </a:rPr>
               <a:t>;</a:t>
             </a:r>
-            <a:endParaRPr lang="ru-RU" dirty="0" smtClean="0">
+            <a:endParaRPr lang="ru-RU" dirty="0">
               <a:solidFill>
                 <a:srgbClr val="000000"/>
               </a:solidFill>
@@ -17123,7 +18315,7 @@
               </a:spcAft>
             </a:pPr>
             <a:r>
-              <a:rPr lang="ru-RU" dirty="0" smtClean="0">
+              <a:rPr lang="ru-RU" dirty="0">
                 <a:solidFill>
                   <a:srgbClr val="000000"/>
                 </a:solidFill>
@@ -17242,20 +18434,9 @@
                 <a:ea typeface="Calibri" panose="020F0502020204030204" pitchFamily="34" charset="0"/>
                 <a:cs typeface="Consolas" panose="020B0609020204030204" pitchFamily="49" charset="0"/>
               </a:rPr>
-              <a:t> = 0</a:t>
-            </a:r>
-            <a:r>
-              <a:rPr lang="en-US" dirty="0" smtClean="0">
-                <a:solidFill>
-                  <a:srgbClr val="000000"/>
-                </a:solidFill>
-                <a:latin typeface="Consolas" panose="020B0609020204030204" pitchFamily="49" charset="0"/>
-                <a:ea typeface="Calibri" panose="020F0502020204030204" pitchFamily="34" charset="0"/>
-                <a:cs typeface="Consolas" panose="020B0609020204030204" pitchFamily="49" charset="0"/>
-              </a:rPr>
-              <a:t>;</a:t>
-            </a:r>
-            <a:endParaRPr lang="ru-RU" dirty="0" smtClean="0">
+              <a:t> = 0;</a:t>
+            </a:r>
+            <a:endParaRPr lang="ru-RU" dirty="0">
               <a:solidFill>
                 <a:srgbClr val="000000"/>
               </a:solidFill>
@@ -17270,7 +18451,7 @@
                 <a:spcPts val="0"/>
               </a:spcAft>
             </a:pPr>
-            <a:endParaRPr lang="ru-RU" dirty="0" smtClean="0">
+            <a:endParaRPr lang="ru-RU" dirty="0">
               <a:solidFill>
                 <a:srgbClr val="000000"/>
               </a:solidFill>
@@ -17286,7 +18467,7 @@
               </a:spcAft>
             </a:pPr>
             <a:r>
-              <a:rPr lang="ru-RU" dirty="0" smtClean="0">
+              <a:rPr lang="ru-RU" dirty="0">
                 <a:solidFill>
                   <a:srgbClr val="000000"/>
                 </a:solidFill>
@@ -17297,7 +18478,7 @@
               <a:t> </a:t>
             </a:r>
             <a:r>
-              <a:rPr lang="en-US" dirty="0" smtClean="0">
+              <a:rPr lang="en-US" dirty="0">
                 <a:solidFill>
                   <a:srgbClr val="000000"/>
                 </a:solidFill>
@@ -17682,20 +18863,9 @@
                 <a:ea typeface="Calibri" panose="020F0502020204030204" pitchFamily="34" charset="0"/>
                 <a:cs typeface="Consolas" panose="020B0609020204030204" pitchFamily="49" charset="0"/>
               </a:rPr>
-              <a:t>  </a:t>
-            </a:r>
-            <a:r>
-              <a:rPr lang="en-US" dirty="0" smtClean="0">
-                <a:solidFill>
-                  <a:srgbClr val="000000"/>
-                </a:solidFill>
-                <a:latin typeface="Consolas" panose="020B0609020204030204" pitchFamily="49" charset="0"/>
-                <a:ea typeface="Calibri" panose="020F0502020204030204" pitchFamily="34" charset="0"/>
-                <a:cs typeface="Consolas" panose="020B0609020204030204" pitchFamily="49" charset="0"/>
-              </a:rPr>
-              <a:t>}</a:t>
-            </a:r>
-            <a:endParaRPr lang="ru-RU" dirty="0" smtClean="0">
+              <a:t>  }</a:t>
+            </a:r>
+            <a:endParaRPr lang="ru-RU" dirty="0">
               <a:solidFill>
                 <a:srgbClr val="000000"/>
               </a:solidFill>
@@ -17711,7 +18881,7 @@
               </a:spcAft>
             </a:pPr>
             <a:r>
-              <a:rPr lang="en-US" dirty="0" smtClean="0">
+              <a:rPr lang="en-US" dirty="0">
                 <a:solidFill>
                   <a:srgbClr val="0000FF"/>
                 </a:solidFill>
@@ -17811,7 +18981,7 @@
               <a:t>cr</a:t>
             </a:r>
             <a:r>
-              <a:rPr lang="en-US" dirty="0" smtClean="0">
+              <a:rPr lang="en-US" dirty="0">
                 <a:solidFill>
                   <a:srgbClr val="000000"/>
                 </a:solidFill>
@@ -17855,7 +19025,7 @@
               <a:t>cr</a:t>
             </a:r>
             <a:r>
-              <a:rPr lang="en-US" dirty="0" smtClean="0">
+              <a:rPr lang="en-US" dirty="0">
                 <a:solidFill>
                   <a:srgbClr val="000000"/>
                 </a:solidFill>
@@ -17873,7 +19043,7 @@
           </a:p>
           <a:p>
             <a:r>
-              <a:rPr lang="en-US" dirty="0" smtClean="0">
+              <a:rPr lang="en-US" dirty="0">
                 <a:solidFill>
                   <a:srgbClr val="000080"/>
                 </a:solidFill>
@@ -17994,7 +19164,7 @@
           </a:p>
           <a:p>
             <a:r>
-              <a:rPr lang="en-US" dirty="0" smtClean="0">
+              <a:rPr lang="en-US" dirty="0">
                 <a:solidFill>
                   <a:srgbClr val="880000"/>
                 </a:solidFill>
@@ -18003,7 +19173,7 @@
               <a:t>      </a:t>
             </a:r>
             <a:r>
-              <a:rPr lang="en-US" dirty="0" err="1" smtClean="0">
+              <a:rPr lang="en-US" dirty="0" err="1">
                 <a:solidFill>
                   <a:srgbClr val="880000"/>
                 </a:solidFill>
@@ -18012,7 +19182,7 @@
               <a:t>OnCurrencyRateChange</a:t>
             </a:r>
             <a:r>
-              <a:rPr lang="en-US" dirty="0" smtClean="0">
+              <a:rPr lang="en-US" dirty="0">
                 <a:solidFill>
                   <a:srgbClr val="000000"/>
                 </a:solidFill>
@@ -18021,7 +19191,7 @@
               <a:t>(</a:t>
             </a:r>
             <a:r>
-              <a:rPr lang="en-US" dirty="0" smtClean="0">
+              <a:rPr lang="en-US" dirty="0">
                 <a:solidFill>
                   <a:srgbClr val="000080"/>
                 </a:solidFill>
@@ -18041,7 +19211,7 @@
           </a:p>
           <a:p>
             <a:r>
-              <a:rPr lang="en-US" dirty="0" smtClean="0">
+              <a:rPr lang="en-US" dirty="0">
                 <a:solidFill>
                   <a:srgbClr val="000000"/>
                 </a:solidFill>
@@ -18050,7 +19220,7 @@
               <a:t>    </a:t>
             </a:r>
             <a:r>
-              <a:rPr lang="ru-RU" dirty="0" smtClean="0">
+              <a:rPr lang="ru-RU" dirty="0">
                 <a:solidFill>
                   <a:srgbClr val="000000"/>
                 </a:solidFill>
@@ -18094,26 +19264,15 @@
               </a:spcAft>
             </a:pPr>
             <a:r>
-              <a:rPr lang="en-US" dirty="0" smtClean="0">
-                <a:solidFill>
-                  <a:srgbClr val="000000"/>
-                </a:solidFill>
-                <a:latin typeface="Consolas" panose="020B0609020204030204" pitchFamily="49" charset="0"/>
-                <a:ea typeface="Calibri" panose="020F0502020204030204" pitchFamily="34" charset="0"/>
-                <a:cs typeface="Consolas" panose="020B0609020204030204" pitchFamily="49" charset="0"/>
-              </a:rPr>
-              <a:t>  </a:t>
-            </a:r>
-            <a:r>
-              <a:rPr lang="en-US" dirty="0">
-                <a:solidFill>
-                  <a:srgbClr val="000000"/>
-                </a:solidFill>
-                <a:latin typeface="Consolas" panose="020B0609020204030204" pitchFamily="49" charset="0"/>
-                <a:ea typeface="Calibri" panose="020F0502020204030204" pitchFamily="34" charset="0"/>
-                <a:cs typeface="Consolas" panose="020B0609020204030204" pitchFamily="49" charset="0"/>
-              </a:rPr>
-              <a:t>~</a:t>
+              <a:rPr lang="en-US" dirty="0">
+                <a:solidFill>
+                  <a:srgbClr val="000000"/>
+                </a:solidFill>
+                <a:latin typeface="Consolas" panose="020B0609020204030204" pitchFamily="49" charset="0"/>
+                <a:ea typeface="Calibri" panose="020F0502020204030204" pitchFamily="34" charset="0"/>
+                <a:cs typeface="Consolas" panose="020B0609020204030204" pitchFamily="49" charset="0"/>
+              </a:rPr>
+              <a:t>  ~</a:t>
             </a:r>
             <a:r>
               <a:rPr lang="en-US" dirty="0" err="1">
@@ -18127,7 +19286,7 @@
               <a:t>AverageCurrencyRateMonitor</a:t>
             </a:r>
             <a:r>
-              <a:rPr lang="en-US" dirty="0" smtClean="0">
+              <a:rPr lang="en-US" dirty="0">
                 <a:solidFill>
                   <a:srgbClr val="000000"/>
                 </a:solidFill>
@@ -18262,7 +19421,7 @@
               </a:spcAft>
             </a:pPr>
             <a:r>
-              <a:rPr lang="en-US" dirty="0" smtClean="0">
+              <a:rPr lang="en-US" dirty="0">
                 <a:solidFill>
                   <a:srgbClr val="000000"/>
                 </a:solidFill>
@@ -18317,7 +19476,7 @@
               <a:t>() </a:t>
             </a:r>
             <a:r>
-              <a:rPr lang="en-US" dirty="0" err="1" smtClean="0">
+              <a:rPr lang="en-US" dirty="0" err="1">
                 <a:solidFill>
                   <a:srgbClr val="0000FF"/>
                 </a:solidFill>
@@ -18328,7 +19487,7 @@
               <a:t>const</a:t>
             </a:r>
             <a:r>
-              <a:rPr lang="en-US" dirty="0" smtClean="0">
+              <a:rPr lang="en-US" dirty="0">
                 <a:solidFill>
                   <a:srgbClr val="0000FF"/>
                 </a:solidFill>
@@ -18339,7 +19498,7 @@
               <a:t> </a:t>
             </a:r>
             <a:r>
-              <a:rPr lang="en-US" dirty="0" smtClean="0">
+              <a:rPr lang="en-US" dirty="0">
                 <a:solidFill>
                   <a:srgbClr val="000000"/>
                 </a:solidFill>
@@ -18349,7 +19508,7 @@
               </a:rPr>
               <a:t>{</a:t>
             </a:r>
-            <a:endParaRPr lang="ru-RU" dirty="0" smtClean="0">
+            <a:endParaRPr lang="ru-RU" dirty="0">
               <a:latin typeface="Consolas" panose="020B0609020204030204" pitchFamily="49" charset="0"/>
               <a:ea typeface="Calibri" panose="020F0502020204030204" pitchFamily="34" charset="0"/>
               <a:cs typeface="Times New Roman" panose="02020603050405020304" pitchFamily="18" charset="0"/>
@@ -18362,7 +19521,7 @@
               </a:spcAft>
             </a:pPr>
             <a:r>
-              <a:rPr lang="en-US" dirty="0" smtClean="0">
+              <a:rPr lang="en-US" dirty="0">
                 <a:solidFill>
                   <a:srgbClr val="000000"/>
                 </a:solidFill>
@@ -18373,7 +19532,7 @@
               <a:t>    </a:t>
             </a:r>
             <a:r>
-              <a:rPr lang="en-US" dirty="0" smtClean="0">
+              <a:rPr lang="en-US" dirty="0">
                 <a:solidFill>
                   <a:srgbClr val="0000FF"/>
                 </a:solidFill>
@@ -18384,7 +19543,7 @@
               <a:t>return</a:t>
             </a:r>
             <a:r>
-              <a:rPr lang="en-US" dirty="0" smtClean="0">
+              <a:rPr lang="en-US" dirty="0">
                 <a:solidFill>
                   <a:srgbClr val="000000"/>
                 </a:solidFill>
@@ -18395,7 +19554,7 @@
               <a:t> (</a:t>
             </a:r>
             <a:r>
-              <a:rPr lang="en-US" dirty="0" err="1" smtClean="0">
+              <a:rPr lang="en-US" dirty="0" err="1">
                 <a:solidFill>
                   <a:srgbClr val="000080"/>
                 </a:solidFill>
@@ -18406,7 +19565,7 @@
               <a:t>m_count</a:t>
             </a:r>
             <a:r>
-              <a:rPr lang="en-US" dirty="0" smtClean="0">
+              <a:rPr lang="en-US" dirty="0">
                 <a:solidFill>
                   <a:srgbClr val="000000"/>
                 </a:solidFill>
@@ -18417,7 +19576,7 @@
               <a:t> != 0) ? </a:t>
             </a:r>
             <a:r>
-              <a:rPr lang="en-US" dirty="0" err="1" smtClean="0">
+              <a:rPr lang="en-US" dirty="0" err="1">
                 <a:solidFill>
                   <a:srgbClr val="000080"/>
                 </a:solidFill>
@@ -18428,7 +19587,7 @@
               <a:t>m_accRate</a:t>
             </a:r>
             <a:r>
-              <a:rPr lang="en-US" dirty="0" smtClean="0">
+              <a:rPr lang="en-US" dirty="0">
                 <a:solidFill>
                   <a:srgbClr val="000000"/>
                 </a:solidFill>
@@ -18439,7 +19598,7 @@
               <a:t> / </a:t>
             </a:r>
             <a:r>
-              <a:rPr lang="en-US" dirty="0" err="1" smtClean="0">
+              <a:rPr lang="en-US" dirty="0" err="1">
                 <a:solidFill>
                   <a:srgbClr val="000080"/>
                 </a:solidFill>
@@ -18450,7 +19609,7 @@
               <a:t>m_count</a:t>
             </a:r>
             <a:r>
-              <a:rPr lang="en-US" dirty="0" smtClean="0">
+              <a:rPr lang="en-US" dirty="0">
                 <a:solidFill>
                   <a:srgbClr val="000000"/>
                 </a:solidFill>
@@ -18460,7 +19619,7 @@
               </a:rPr>
               <a:t> : 0;</a:t>
             </a:r>
-            <a:endParaRPr lang="ru-RU" dirty="0" smtClean="0">
+            <a:endParaRPr lang="ru-RU" dirty="0">
               <a:latin typeface="Consolas" panose="020B0609020204030204" pitchFamily="49" charset="0"/>
               <a:ea typeface="Calibri" panose="020F0502020204030204" pitchFamily="34" charset="0"/>
               <a:cs typeface="Times New Roman" panose="02020603050405020304" pitchFamily="18" charset="0"/>
@@ -18473,26 +19632,15 @@
               </a:spcAft>
             </a:pPr>
             <a:r>
-              <a:rPr lang="en-US" dirty="0" smtClean="0">
-                <a:solidFill>
-                  <a:srgbClr val="000000"/>
-                </a:solidFill>
-                <a:latin typeface="Consolas" panose="020B0609020204030204" pitchFamily="49" charset="0"/>
-                <a:ea typeface="Calibri" panose="020F0502020204030204" pitchFamily="34" charset="0"/>
-                <a:cs typeface="Consolas" panose="020B0609020204030204" pitchFamily="49" charset="0"/>
-              </a:rPr>
-              <a:t>  </a:t>
-            </a:r>
-            <a:r>
-              <a:rPr lang="en-US" dirty="0">
-                <a:solidFill>
-                  <a:srgbClr val="000000"/>
-                </a:solidFill>
-                <a:latin typeface="Consolas" panose="020B0609020204030204" pitchFamily="49" charset="0"/>
-                <a:ea typeface="Calibri" panose="020F0502020204030204" pitchFamily="34" charset="0"/>
-                <a:cs typeface="Consolas" panose="020B0609020204030204" pitchFamily="49" charset="0"/>
-              </a:rPr>
-              <a:t>}</a:t>
+              <a:rPr lang="en-US" dirty="0">
+                <a:solidFill>
+                  <a:srgbClr val="000000"/>
+                </a:solidFill>
+                <a:latin typeface="Consolas" panose="020B0609020204030204" pitchFamily="49" charset="0"/>
+                <a:ea typeface="Calibri" panose="020F0502020204030204" pitchFamily="34" charset="0"/>
+                <a:cs typeface="Consolas" panose="020B0609020204030204" pitchFamily="49" charset="0"/>
+              </a:rPr>
+              <a:t>  }</a:t>
             </a:r>
             <a:endParaRPr lang="ru-RU" dirty="0">
               <a:latin typeface="Consolas" panose="020B0609020204030204" pitchFamily="49" charset="0"/>
@@ -18502,7 +19650,7 @@
           </a:p>
           <a:p>
             <a:r>
-              <a:rPr lang="en-US" dirty="0" smtClean="0">
+              <a:rPr lang="en-US" dirty="0">
                 <a:solidFill>
                   <a:srgbClr val="000000"/>
                 </a:solidFill>
@@ -19502,7 +20650,7 @@
 </p:sld>
 </file>
 
-<file path=ppt/slides/slide38.xml><?xml version="1.0" encoding="utf-8"?>
+<file path=ppt/slides/slide41.xml><?xml version="1.0" encoding="utf-8"?>
 <p:sld xmlns:a="http://schemas.openxmlformats.org/drawingml/2006/main" xmlns:r="http://schemas.openxmlformats.org/officeDocument/2006/relationships" xmlns:p="http://schemas.openxmlformats.org/presentationml/2006/main">
   <p:cSld>
     <p:spTree>
@@ -19579,7 +20727,7 @@
               <a:t>main</a:t>
             </a:r>
             <a:r>
-              <a:rPr lang="en-US" dirty="0" smtClean="0">
+              <a:rPr lang="en-US" dirty="0">
                 <a:solidFill>
                   <a:srgbClr val="000000"/>
                 </a:solidFill>
@@ -19590,7 +20738,7 @@
               <a:t>()</a:t>
             </a:r>
             <a:r>
-              <a:rPr lang="ru-RU" dirty="0" smtClean="0">
+              <a:rPr lang="ru-RU" dirty="0">
                 <a:solidFill>
                   <a:srgbClr val="000000"/>
                 </a:solidFill>
@@ -19601,7 +20749,7 @@
               <a:t> </a:t>
             </a:r>
             <a:r>
-              <a:rPr lang="en-US" dirty="0" smtClean="0">
+              <a:rPr lang="en-US" dirty="0">
                 <a:solidFill>
                   <a:srgbClr val="000000"/>
                 </a:solidFill>
@@ -19668,7 +20816,7 @@
               <a:t>s</a:t>
             </a:r>
             <a:r>
-              <a:rPr lang="en-US" dirty="0" smtClean="0">
+              <a:rPr lang="en-US" dirty="0">
                 <a:solidFill>
                   <a:srgbClr val="000000"/>
                 </a:solidFill>
@@ -19706,18 +20854,7 @@
                 <a:ea typeface="Calibri" panose="020F0502020204030204" pitchFamily="34" charset="0"/>
                 <a:cs typeface="Consolas" panose="020B0609020204030204" pitchFamily="49" charset="0"/>
               </a:rPr>
-              <a:t> </a:t>
-            </a:r>
-            <a:r>
-              <a:rPr lang="en-US" dirty="0" smtClean="0">
-                <a:solidFill>
-                  <a:srgbClr val="000000"/>
-                </a:solidFill>
-                <a:latin typeface="Consolas" panose="020B0609020204030204" pitchFamily="49" charset="0"/>
-                <a:ea typeface="Calibri" panose="020F0502020204030204" pitchFamily="34" charset="0"/>
-                <a:cs typeface="Consolas" panose="020B0609020204030204" pitchFamily="49" charset="0"/>
-              </a:rPr>
-              <a:t> </a:t>
+              <a:t>  </a:t>
             </a:r>
             <a:r>
               <a:rPr lang="en-US" dirty="0" err="1">
@@ -20049,18 +21186,7 @@
                 <a:ea typeface="Calibri" panose="020F0502020204030204" pitchFamily="34" charset="0"/>
                 <a:cs typeface="Consolas" panose="020B0609020204030204" pitchFamily="49" charset="0"/>
               </a:rPr>
-              <a:t>  </a:t>
-            </a:r>
-            <a:r>
-              <a:rPr lang="en-US" dirty="0" smtClean="0">
-                <a:solidFill>
-                  <a:srgbClr val="000000"/>
-                </a:solidFill>
-                <a:latin typeface="Consolas" panose="020B0609020204030204" pitchFamily="49" charset="0"/>
-                <a:ea typeface="Calibri" panose="020F0502020204030204" pitchFamily="34" charset="0"/>
-                <a:cs typeface="Consolas" panose="020B0609020204030204" pitchFamily="49" charset="0"/>
-              </a:rPr>
-              <a:t>});</a:t>
+              <a:t>  });</a:t>
             </a:r>
           </a:p>
           <a:p>
@@ -20090,18 +21216,7 @@
                 <a:ea typeface="Calibri" panose="020F0502020204030204" pitchFamily="34" charset="0"/>
                 <a:cs typeface="Consolas" panose="020B0609020204030204" pitchFamily="49" charset="0"/>
               </a:rPr>
-              <a:t> </a:t>
-            </a:r>
-            <a:r>
-              <a:rPr lang="en-US" dirty="0" smtClean="0">
-                <a:solidFill>
-                  <a:srgbClr val="000000"/>
-                </a:solidFill>
-                <a:latin typeface="Consolas" panose="020B0609020204030204" pitchFamily="49" charset="0"/>
-                <a:ea typeface="Calibri" panose="020F0502020204030204" pitchFamily="34" charset="0"/>
-                <a:cs typeface="Consolas" panose="020B0609020204030204" pitchFamily="49" charset="0"/>
-              </a:rPr>
-              <a:t> </a:t>
+              <a:t>  </a:t>
             </a:r>
             <a:r>
               <a:rPr lang="en-US" dirty="0" err="1">
@@ -20279,18 +21394,7 @@
                 <a:ea typeface="Calibri" panose="020F0502020204030204" pitchFamily="34" charset="0"/>
                 <a:cs typeface="Consolas" panose="020B0609020204030204" pitchFamily="49" charset="0"/>
               </a:rPr>
-              <a:t>(80</a:t>
-            </a:r>
-            <a:r>
-              <a:rPr lang="en-US" dirty="0" smtClean="0">
-                <a:solidFill>
-                  <a:srgbClr val="000000"/>
-                </a:solidFill>
-                <a:latin typeface="Consolas" panose="020B0609020204030204" pitchFamily="49" charset="0"/>
-                <a:ea typeface="Calibri" panose="020F0502020204030204" pitchFamily="34" charset="0"/>
-                <a:cs typeface="Consolas" panose="020B0609020204030204" pitchFamily="49" charset="0"/>
-              </a:rPr>
-              <a:t>);</a:t>
+              <a:t>(80);</a:t>
             </a:r>
           </a:p>
           <a:p>
@@ -20320,29 +21424,7 @@
                 <a:ea typeface="Calibri" panose="020F0502020204030204" pitchFamily="34" charset="0"/>
                 <a:cs typeface="Consolas" panose="020B0609020204030204" pitchFamily="49" charset="0"/>
               </a:rPr>
-              <a:t> </a:t>
-            </a:r>
-            <a:r>
-              <a:rPr lang="en-US" dirty="0" smtClean="0">
-                <a:solidFill>
-                  <a:srgbClr val="000000"/>
-                </a:solidFill>
-                <a:latin typeface="Consolas" panose="020B0609020204030204" pitchFamily="49" charset="0"/>
-                <a:ea typeface="Calibri" panose="020F0502020204030204" pitchFamily="34" charset="0"/>
-                <a:cs typeface="Consolas" panose="020B0609020204030204" pitchFamily="49" charset="0"/>
-              </a:rPr>
-              <a:t> </a:t>
-            </a:r>
-            <a:r>
-              <a:rPr lang="en-US" dirty="0">
-                <a:solidFill>
-                  <a:srgbClr val="000000"/>
-                </a:solidFill>
-                <a:latin typeface="Consolas" panose="020B0609020204030204" pitchFamily="49" charset="0"/>
-                <a:ea typeface="Calibri" panose="020F0502020204030204" pitchFamily="34" charset="0"/>
-                <a:cs typeface="Consolas" panose="020B0609020204030204" pitchFamily="49" charset="0"/>
-              </a:rPr>
-              <a:t>{</a:t>
+              <a:t>  {</a:t>
             </a:r>
             <a:endParaRPr lang="ru-RU" dirty="0">
               <a:latin typeface="Calibri" panose="020F0502020204030204" pitchFamily="34" charset="0"/>
@@ -20721,18 +21803,7 @@
                 <a:ea typeface="Calibri" panose="020F0502020204030204" pitchFamily="34" charset="0"/>
                 <a:cs typeface="Consolas" panose="020B0609020204030204" pitchFamily="49" charset="0"/>
               </a:rPr>
-              <a:t>  </a:t>
-            </a:r>
-            <a:r>
-              <a:rPr lang="en-US" dirty="0" smtClean="0">
-                <a:solidFill>
-                  <a:srgbClr val="000000"/>
-                </a:solidFill>
-                <a:latin typeface="Consolas" panose="020B0609020204030204" pitchFamily="49" charset="0"/>
-                <a:ea typeface="Calibri" panose="020F0502020204030204" pitchFamily="34" charset="0"/>
-                <a:cs typeface="Consolas" panose="020B0609020204030204" pitchFamily="49" charset="0"/>
-              </a:rPr>
-              <a:t>}</a:t>
+              <a:t>  }</a:t>
             </a:r>
           </a:p>
           <a:p>
@@ -20754,7 +21825,7 @@
               </a:spcAft>
             </a:pPr>
             <a:r>
-              <a:rPr lang="ru-RU" dirty="0" smtClean="0">
+              <a:rPr lang="ru-RU" dirty="0">
                 <a:solidFill>
                   <a:srgbClr val="000080"/>
                 </a:solidFill>
@@ -20765,7 +21836,7 @@
               <a:t>  </a:t>
             </a:r>
             <a:r>
-              <a:rPr lang="en-US" dirty="0" err="1" smtClean="0">
+              <a:rPr lang="en-US" dirty="0" err="1">
                 <a:solidFill>
                   <a:srgbClr val="000080"/>
                 </a:solidFill>
@@ -20776,7 +21847,7 @@
               <a:t>s</a:t>
             </a:r>
             <a:r>
-              <a:rPr lang="en-US" dirty="0" err="1" smtClean="0">
+              <a:rPr lang="en-US" dirty="0" err="1">
                 <a:solidFill>
                   <a:srgbClr val="000000"/>
                 </a:solidFill>
@@ -20787,7 +21858,7 @@
               <a:t>.</a:t>
             </a:r>
             <a:r>
-              <a:rPr lang="en-US" dirty="0" err="1" smtClean="0">
+              <a:rPr lang="en-US" dirty="0" err="1">
                 <a:solidFill>
                   <a:srgbClr val="880000"/>
                 </a:solidFill>
@@ -20798,26 +21869,15 @@
               <a:t>SetRate</a:t>
             </a:r>
             <a:r>
-              <a:rPr lang="en-US" dirty="0" smtClean="0">
-                <a:solidFill>
-                  <a:srgbClr val="000000"/>
-                </a:solidFill>
-                <a:latin typeface="Consolas" panose="020B0609020204030204" pitchFamily="49" charset="0"/>
-                <a:ea typeface="Calibri" panose="020F0502020204030204" pitchFamily="34" charset="0"/>
-                <a:cs typeface="Consolas" panose="020B0609020204030204" pitchFamily="49" charset="0"/>
-              </a:rPr>
-              <a:t>(80</a:t>
-            </a:r>
-            <a:r>
-              <a:rPr lang="en-US" dirty="0">
-                <a:solidFill>
-                  <a:srgbClr val="000000"/>
-                </a:solidFill>
-                <a:latin typeface="Consolas" panose="020B0609020204030204" pitchFamily="49" charset="0"/>
-                <a:ea typeface="Calibri" panose="020F0502020204030204" pitchFamily="34" charset="0"/>
-                <a:cs typeface="Consolas" panose="020B0609020204030204" pitchFamily="49" charset="0"/>
-              </a:rPr>
-              <a:t>);</a:t>
+              <a:rPr lang="en-US" dirty="0">
+                <a:solidFill>
+                  <a:srgbClr val="000000"/>
+                </a:solidFill>
+                <a:latin typeface="Consolas" panose="020B0609020204030204" pitchFamily="49" charset="0"/>
+                <a:ea typeface="Calibri" panose="020F0502020204030204" pitchFamily="34" charset="0"/>
+                <a:cs typeface="Consolas" panose="020B0609020204030204" pitchFamily="49" charset="0"/>
+              </a:rPr>
+              <a:t>(80);</a:t>
             </a:r>
             <a:endParaRPr lang="ru-RU" dirty="0">
               <a:latin typeface="Calibri" panose="020F0502020204030204" pitchFamily="34" charset="0"/>
@@ -21291,7 +22351,7 @@
           </a:p>
           <a:p>
             <a:r>
-              <a:rPr lang="ru-RU" dirty="0" err="1" smtClean="0">
+              <a:rPr lang="ru-RU" dirty="0" err="1">
                 <a:solidFill>
                   <a:schemeClr val="bg1"/>
                 </a:solidFill>
@@ -21300,7 +22360,7 @@
               <a:t>Rate</a:t>
             </a:r>
             <a:r>
-              <a:rPr lang="ru-RU" dirty="0" smtClean="0">
+              <a:rPr lang="ru-RU" dirty="0">
                 <a:solidFill>
                   <a:schemeClr val="bg1"/>
                 </a:solidFill>
@@ -21329,7 +22389,7 @@
           </a:p>
           <a:p>
             <a:r>
-              <a:rPr lang="ru-RU" dirty="0" err="1" smtClean="0">
+              <a:rPr lang="ru-RU" dirty="0" err="1">
                 <a:solidFill>
                   <a:schemeClr val="bg1"/>
                 </a:solidFill>
@@ -21338,7 +22398,7 @@
               <a:t>Average</a:t>
             </a:r>
             <a:r>
-              <a:rPr lang="ru-RU" dirty="0" smtClean="0">
+              <a:rPr lang="ru-RU" dirty="0">
                 <a:solidFill>
                   <a:schemeClr val="bg1"/>
                 </a:solidFill>
@@ -21434,7 +22494,7 @@
           </a:p>
           <a:p>
             <a:r>
-              <a:rPr lang="ru-RU" dirty="0" err="1" smtClean="0">
+              <a:rPr lang="ru-RU" dirty="0" err="1">
                 <a:solidFill>
                   <a:schemeClr val="bg1"/>
                 </a:solidFill>
@@ -21443,7 +22503,7 @@
               <a:t>Rate</a:t>
             </a:r>
             <a:r>
-              <a:rPr lang="ru-RU" dirty="0" smtClean="0">
+              <a:rPr lang="ru-RU" dirty="0">
                 <a:solidFill>
                   <a:schemeClr val="bg1"/>
                 </a:solidFill>
@@ -21472,7 +22532,7 @@
           </a:p>
           <a:p>
             <a:r>
-              <a:rPr lang="ru-RU" dirty="0" err="1" smtClean="0">
+              <a:rPr lang="ru-RU" dirty="0" err="1">
                 <a:solidFill>
                   <a:schemeClr val="bg1"/>
                 </a:solidFill>
@@ -21481,7 +22541,7 @@
               <a:t>Rate</a:t>
             </a:r>
             <a:r>
-              <a:rPr lang="ru-RU" dirty="0" smtClean="0">
+              <a:rPr lang="ru-RU" dirty="0">
                 <a:solidFill>
                   <a:schemeClr val="bg1"/>
                 </a:solidFill>
@@ -21505,23 +22565,8 @@
                 </a:solidFill>
                 <a:latin typeface="Consolas" panose="020B0609020204030204" pitchFamily="49" charset="0"/>
               </a:rPr>
-              <a:t>: 50 </a:t>
-            </a:r>
-            <a:r>
-              <a:rPr lang="ru-RU" dirty="0" smtClean="0">
-                <a:solidFill>
-                  <a:schemeClr val="bg1"/>
-                </a:solidFill>
-                <a:latin typeface="Consolas" panose="020B0609020204030204" pitchFamily="49" charset="0"/>
-              </a:rPr>
-              <a:t>RUR/USD</a:t>
-            </a:r>
-            <a:endParaRPr lang="ru-RU" dirty="0">
-              <a:solidFill>
-                <a:schemeClr val="bg1"/>
-              </a:solidFill>
-              <a:latin typeface="Consolas" panose="020B0609020204030204" pitchFamily="49" charset="0"/>
-            </a:endParaRPr>
+              <a:t>: 50 RUR/USD</a:t>
+            </a:r>
           </a:p>
         </p:txBody>
       </p:sp>
@@ -22906,7 +23951,319 @@
 </p:sld>
 </file>
 
-<file path=ppt/slides/slide4.xml><?xml version="1.0" encoding="utf-8"?>
+<file path=ppt/slides/slide5.xml><?xml version="1.0" encoding="utf-8"?>
+<p:sld xmlns:a="http://schemas.openxmlformats.org/drawingml/2006/main" xmlns:r="http://schemas.openxmlformats.org/officeDocument/2006/relationships" xmlns:p="http://schemas.openxmlformats.org/presentationml/2006/main">
+  <p:cSld>
+    <p:spTree>
+      <p:nvGrpSpPr>
+        <p:cNvPr id="1" name=""/>
+        <p:cNvGrpSpPr/>
+        <p:nvPr/>
+      </p:nvGrpSpPr>
+      <p:grpSpPr>
+        <a:xfrm>
+          <a:off x="0" y="0"/>
+          <a:ext cx="0" cy="0"/>
+          <a:chOff x="0" y="0"/>
+          <a:chExt cx="0" cy="0"/>
+        </a:xfrm>
+      </p:grpSpPr>
+      <p:sp>
+        <p:nvSpPr>
+          <p:cNvPr id="4" name="Заголовок 3"/>
+          <p:cNvSpPr>
+            <a:spLocks noGrp="1"/>
+          </p:cNvSpPr>
+          <p:nvPr>
+            <p:ph type="title"/>
+          </p:nvPr>
+        </p:nvSpPr>
+        <p:spPr/>
+        <p:txBody>
+          <a:bodyPr/>
+          <a:lstStyle/>
+          <a:p>
+            <a:r>
+              <a:rPr lang="ru-RU" dirty="0"/>
+              <a:t>Приложение </a:t>
+            </a:r>
+            <a:r>
+              <a:rPr lang="en-US" dirty="0"/>
+              <a:t>Weather Station</a:t>
+            </a:r>
+            <a:endParaRPr lang="ru-RU" dirty="0"/>
+          </a:p>
+        </p:txBody>
+      </p:sp>
+      <p:pic>
+        <p:nvPicPr>
+          <p:cNvPr id="1027" name="Picture 3"/>
+          <p:cNvPicPr>
+            <a:picLocks noChangeAspect="1" noChangeArrowheads="1"/>
+          </p:cNvPicPr>
+          <p:nvPr/>
+        </p:nvPicPr>
+        <p:blipFill>
+          <a:blip r:embed="rId3">
+            <a:extLst>
+              <a:ext uri="{28A0092B-C50C-407E-A947-70E740481C1C}">
+                <a14:useLocalDpi xmlns:a14="http://schemas.microsoft.com/office/drawing/2010/main" val="0"/>
+              </a:ext>
+            </a:extLst>
+          </a:blip>
+          <a:srcRect/>
+          <a:stretch>
+            <a:fillRect/>
+          </a:stretch>
+        </p:blipFill>
+        <p:spPr bwMode="auto">
+          <a:xfrm>
+            <a:off x="107503" y="2278104"/>
+            <a:ext cx="8856985" cy="3311135"/>
+          </a:xfrm>
+          <a:prstGeom prst="rect">
+            <a:avLst/>
+          </a:prstGeom>
+          <a:noFill/>
+          <a:ln>
+            <a:noFill/>
+          </a:ln>
+          <a:effectLst/>
+          <a:extLst>
+            <a:ext uri="{909E8E84-426E-40DD-AFC4-6F175D3DCCD1}">
+              <a14:hiddenFill xmlns:a14="http://schemas.microsoft.com/office/drawing/2010/main">
+                <a:solidFill>
+                  <a:schemeClr val="accent1"/>
+                </a:solidFill>
+              </a14:hiddenFill>
+            </a:ext>
+            <a:ext uri="{91240B29-F687-4F45-9708-019B960494DF}">
+              <a14:hiddenLine xmlns:a14="http://schemas.microsoft.com/office/drawing/2010/main" w="9525">
+                <a:solidFill>
+                  <a:schemeClr val="tx1"/>
+                </a:solidFill>
+                <a:miter lim="800000"/>
+                <a:headEnd/>
+                <a:tailEnd/>
+              </a14:hiddenLine>
+            </a:ext>
+            <a:ext uri="{AF507438-7753-43E0-B8FC-AC1667EBCBE1}">
+              <a14:hiddenEffects xmlns:a14="http://schemas.microsoft.com/office/drawing/2010/main">
+                <a:effectLst>
+                  <a:outerShdw dist="35921" dir="2700000" algn="ctr" rotWithShape="0">
+                    <a:schemeClr val="bg2"/>
+                  </a:outerShdw>
+                </a:effectLst>
+              </a14:hiddenEffects>
+            </a:ext>
+          </a:extLst>
+        </p:spPr>
+      </p:pic>
+      <p:sp>
+        <p:nvSpPr>
+          <p:cNvPr id="7" name="TextBox 6"/>
+          <p:cNvSpPr txBox="1"/>
+          <p:nvPr/>
+        </p:nvSpPr>
+        <p:spPr>
+          <a:xfrm>
+            <a:off x="624533" y="5733256"/>
+            <a:ext cx="7488832" cy="923330"/>
+          </a:xfrm>
+          <a:prstGeom prst="rect">
+            <a:avLst/>
+          </a:prstGeom>
+          <a:noFill/>
+        </p:spPr>
+        <p:txBody>
+          <a:bodyPr wrap="square" rtlCol="0">
+            <a:spAutoFit/>
+          </a:bodyPr>
+          <a:lstStyle/>
+          <a:p>
+            <a:r>
+              <a:rPr lang="ru-RU" b="1" dirty="0"/>
+              <a:t>Задача</a:t>
+            </a:r>
+            <a:r>
+              <a:rPr lang="ru-RU" dirty="0"/>
+              <a:t>:</a:t>
+            </a:r>
+          </a:p>
+          <a:p>
+            <a:r>
+              <a:rPr lang="ru-RU" dirty="0"/>
+              <a:t>Разработать приложение, использующее состояние </a:t>
+            </a:r>
+            <a:r>
+              <a:rPr lang="en-US" dirty="0" err="1"/>
+              <a:t>WeatherData</a:t>
+            </a:r>
+            <a:r>
+              <a:rPr lang="en-US" dirty="0"/>
+              <a:t> </a:t>
+            </a:r>
+            <a:r>
+              <a:rPr lang="ru-RU" dirty="0"/>
+              <a:t>для отображения текущих погодных условий, статистики и прогноза погоды</a:t>
+            </a:r>
+          </a:p>
+        </p:txBody>
+      </p:sp>
+    </p:spTree>
+    <p:extLst>
+      <p:ext uri="{BB962C8B-B14F-4D97-AF65-F5344CB8AC3E}">
+        <p14:creationId xmlns:p14="http://schemas.microsoft.com/office/powerpoint/2010/main" val="1688958151"/>
+      </p:ext>
+    </p:extLst>
+  </p:cSld>
+  <p:clrMapOvr>
+    <a:masterClrMapping/>
+  </p:clrMapOvr>
+</p:sld>
+</file>
+
+<file path=ppt/slides/slide6.xml><?xml version="1.0" encoding="utf-8"?>
+<p:sld xmlns:a="http://schemas.openxmlformats.org/drawingml/2006/main" xmlns:r="http://schemas.openxmlformats.org/officeDocument/2006/relationships" xmlns:p="http://schemas.openxmlformats.org/presentationml/2006/main">
+  <p:cSld>
+    <p:spTree>
+      <p:nvGrpSpPr>
+        <p:cNvPr id="1" name=""/>
+        <p:cNvGrpSpPr/>
+        <p:nvPr/>
+      </p:nvGrpSpPr>
+      <p:grpSpPr>
+        <a:xfrm>
+          <a:off x="0" y="0"/>
+          <a:ext cx="0" cy="0"/>
+          <a:chOff x="0" y="0"/>
+          <a:chExt cx="0" cy="0"/>
+        </a:xfrm>
+      </p:grpSpPr>
+      <p:sp>
+        <p:nvSpPr>
+          <p:cNvPr id="2" name="Заголовок 1"/>
+          <p:cNvSpPr>
+            <a:spLocks noGrp="1"/>
+          </p:cNvSpPr>
+          <p:nvPr>
+            <p:ph type="title"/>
+          </p:nvPr>
+        </p:nvSpPr>
+        <p:spPr/>
+        <p:txBody>
+          <a:bodyPr/>
+          <a:lstStyle/>
+          <a:p>
+            <a:r>
+              <a:rPr lang="ru-RU" dirty="0"/>
+              <a:t>Обзор класса </a:t>
+            </a:r>
+            <a:r>
+              <a:rPr lang="en-US" dirty="0" err="1"/>
+              <a:t>WeatherData</a:t>
+            </a:r>
+            <a:endParaRPr lang="ru-RU" dirty="0"/>
+          </a:p>
+        </p:txBody>
+      </p:sp>
+      <p:sp>
+        <p:nvSpPr>
+          <p:cNvPr id="7" name="TextBox 6"/>
+          <p:cNvSpPr txBox="1"/>
+          <p:nvPr/>
+        </p:nvSpPr>
+        <p:spPr>
+          <a:xfrm>
+            <a:off x="323528" y="5013176"/>
+            <a:ext cx="7488832" cy="923330"/>
+          </a:xfrm>
+          <a:prstGeom prst="rect">
+            <a:avLst/>
+          </a:prstGeom>
+          <a:noFill/>
+        </p:spPr>
+        <p:txBody>
+          <a:bodyPr wrap="square" rtlCol="0">
+            <a:spAutoFit/>
+          </a:bodyPr>
+          <a:lstStyle/>
+          <a:p>
+            <a:r>
+              <a:rPr lang="ru-RU" dirty="0"/>
+              <a:t>Необходимо реализовать метод </a:t>
+            </a:r>
+            <a:r>
+              <a:rPr lang="en-US" dirty="0" err="1">
+                <a:solidFill>
+                  <a:srgbClr val="FF0000"/>
+                </a:solidFill>
+                <a:latin typeface="Consolas" panose="020B0609020204030204" pitchFamily="49" charset="0"/>
+              </a:rPr>
+              <a:t>MeasurementsChanged</a:t>
+            </a:r>
+            <a:r>
+              <a:rPr lang="ru-RU" dirty="0">
+                <a:solidFill>
+                  <a:srgbClr val="FF0000"/>
+                </a:solidFill>
+                <a:latin typeface="Consolas" panose="020B0609020204030204" pitchFamily="49" charset="0"/>
+              </a:rPr>
+              <a:t>()</a:t>
+            </a:r>
+            <a:r>
+              <a:rPr lang="ru-RU" dirty="0">
+                <a:solidFill>
+                  <a:srgbClr val="FF0000"/>
+                </a:solidFill>
+              </a:rPr>
+              <a:t>, </a:t>
+            </a:r>
+            <a:r>
+              <a:rPr lang="ru-RU" dirty="0"/>
+              <a:t>чтобы он обновлял изображение для различных датчиков: текущее состояние, статистика, прогноз погоды</a:t>
+            </a:r>
+          </a:p>
+        </p:txBody>
+      </p:sp>
+      <p:pic>
+        <p:nvPicPr>
+          <p:cNvPr id="3" name="Picture 2"/>
+          <p:cNvPicPr>
+            <a:picLocks noChangeAspect="1"/>
+          </p:cNvPicPr>
+          <p:nvPr/>
+        </p:nvPicPr>
+        <p:blipFill>
+          <a:blip r:embed="rId3"/>
+          <a:stretch>
+            <a:fillRect/>
+          </a:stretch>
+        </p:blipFill>
+        <p:spPr>
+          <a:xfrm>
+            <a:off x="539552" y="1988840"/>
+            <a:ext cx="8000209" cy="2160240"/>
+          </a:xfrm>
+          <a:prstGeom prst="rect">
+            <a:avLst/>
+          </a:prstGeom>
+        </p:spPr>
+      </p:pic>
+    </p:spTree>
+    <p:extLst>
+      <p:ext uri="{BB962C8B-B14F-4D97-AF65-F5344CB8AC3E}">
+        <p14:creationId xmlns:p14="http://schemas.microsoft.com/office/powerpoint/2010/main" val="2521048157"/>
+      </p:ext>
+    </p:extLst>
+  </p:cSld>
+  <p:clrMapOvr>
+    <a:masterClrMapping/>
+  </p:clrMapOvr>
+</p:sld>
+</file>
+
+<file path=ppt/slides/slide7.xml><?xml version="1.0" encoding="utf-8"?>
 <p:sld xmlns:a="http://schemas.openxmlformats.org/drawingml/2006/main" xmlns:r="http://schemas.openxmlformats.org/officeDocument/2006/relationships" xmlns:p="http://schemas.openxmlformats.org/presentationml/2006/main">
   <p:cSld>
     <p:spTree>
@@ -22941,11 +24298,11 @@
           <a:lstStyle/>
           <a:p>
             <a:r>
-              <a:rPr lang="ru-RU" dirty="0" smtClean="0"/>
+              <a:rPr lang="ru-RU" dirty="0"/>
               <a:t>Примерная реализация </a:t>
             </a:r>
             <a:r>
-              <a:rPr lang="en-US" dirty="0" err="1" smtClean="0"/>
+              <a:rPr lang="en-US" dirty="0" err="1"/>
               <a:t>CWeatherData</a:t>
             </a:r>
             <a:endParaRPr lang="ru-RU" dirty="0"/>
@@ -23242,7 +24599,7 @@
               <a:t>		</a:t>
             </a:r>
             <a:r>
-              <a:rPr lang="en-US" sz="1200" dirty="0" smtClean="0">
+              <a:rPr lang="en-US" sz="1200" dirty="0">
                 <a:solidFill>
                   <a:srgbClr val="0000FF"/>
                 </a:solidFill>
@@ -23466,7 +24823,7 @@
               <a:t>		</a:t>
             </a:r>
             <a:r>
-              <a:rPr lang="en-US" sz="1200" dirty="0" smtClean="0">
+              <a:rPr lang="en-US" sz="1200" dirty="0">
                 <a:solidFill>
                   <a:srgbClr val="0000FF"/>
                 </a:solidFill>
@@ -23701,7 +25058,7 @@
               <a:t>		</a:t>
             </a:r>
             <a:r>
-              <a:rPr lang="en-US" sz="1200" dirty="0" smtClean="0">
+              <a:rPr lang="en-US" sz="1200" dirty="0">
                 <a:solidFill>
                   <a:srgbClr val="0000FF"/>
                 </a:solidFill>
@@ -23953,7 +25310,7 @@
               </a:spcAft>
             </a:pPr>
             <a:r>
-              <a:rPr lang="ru-RU" sz="1200" dirty="0" smtClean="0">
+              <a:rPr lang="ru-RU" sz="1200" dirty="0">
                 <a:solidFill>
                   <a:srgbClr val="000000"/>
                 </a:solidFill>
@@ -23980,17 +25337,10 @@
   <p:clrMapOvr>
     <a:masterClrMapping/>
   </p:clrMapOvr>
-  <p:timing>
-    <p:tnLst>
-      <p:par>
-        <p:cTn id="1" dur="indefinite" restart="never" nodeType="tmRoot"/>
-      </p:par>
-    </p:tnLst>
-  </p:timing>
 </p:sld>
 </file>
 
-<file path=ppt/slides/slide5.xml><?xml version="1.0" encoding="utf-8"?>
+<file path=ppt/slides/slide8.xml><?xml version="1.0" encoding="utf-8"?>
 <p:sld xmlns:a="http://schemas.openxmlformats.org/drawingml/2006/main" xmlns:r="http://schemas.openxmlformats.org/officeDocument/2006/relationships" xmlns:p="http://schemas.openxmlformats.org/presentationml/2006/main">
   <p:cSld>
     <p:spTree>
@@ -24023,10 +25373,9 @@
           <a:lstStyle/>
           <a:p>
             <a:r>
-              <a:rPr lang="ru-RU" dirty="0" smtClean="0"/>
+              <a:rPr lang="ru-RU" dirty="0"/>
               <a:t>Исходные данные</a:t>
             </a:r>
-            <a:endParaRPr lang="ru-RU" dirty="0"/>
           </a:p>
         </p:txBody>
       </p:sp>
@@ -24048,57 +25397,57 @@
           <a:lstStyle/>
           <a:p>
             <a:r>
-              <a:rPr lang="ru-RU" dirty="0" smtClean="0"/>
+              <a:rPr lang="ru-RU" dirty="0"/>
               <a:t>Объект </a:t>
             </a:r>
             <a:r>
-              <a:rPr lang="en-US" dirty="0" err="1" smtClean="0"/>
+              <a:rPr lang="en-US" dirty="0" err="1"/>
               <a:t>WeatherData</a:t>
             </a:r>
             <a:r>
-              <a:rPr lang="ru-RU" dirty="0" smtClean="0"/>
+              <a:rPr lang="ru-RU" dirty="0"/>
               <a:t> предоставляет </a:t>
             </a:r>
             <a:r>
-              <a:rPr lang="en-US" dirty="0" smtClean="0"/>
+              <a:rPr lang="en-US" dirty="0"/>
               <a:t>get-</a:t>
             </a:r>
             <a:r>
-              <a:rPr lang="ru-RU" dirty="0" smtClean="0"/>
+              <a:rPr lang="ru-RU" dirty="0"/>
               <a:t>методы для получения текущих значений датчиков</a:t>
             </a:r>
           </a:p>
           <a:p>
             <a:r>
-              <a:rPr lang="ru-RU" dirty="0" smtClean="0"/>
+              <a:rPr lang="ru-RU" dirty="0"/>
               <a:t>Метод </a:t>
             </a:r>
             <a:r>
-              <a:rPr lang="en-US" dirty="0" err="1" smtClean="0"/>
+              <a:rPr lang="en-US" dirty="0" err="1"/>
               <a:t>MeasurementsChanged</a:t>
             </a:r>
             <a:r>
-              <a:rPr lang="ru-RU" dirty="0" smtClean="0"/>
+              <a:rPr lang="ru-RU" dirty="0"/>
               <a:t> вызывается при смене метеорологических данных</a:t>
             </a:r>
           </a:p>
           <a:p>
             <a:r>
-              <a:rPr lang="ru-RU" dirty="0" smtClean="0"/>
+              <a:rPr lang="ru-RU" dirty="0"/>
               <a:t>Реализовать 3 экрана вывода: текущая погода, статистика, прогноз погоды</a:t>
             </a:r>
           </a:p>
           <a:p>
             <a:pPr lvl="1"/>
             <a:r>
-              <a:rPr lang="ru-RU" dirty="0" smtClean="0"/>
+              <a:rPr lang="ru-RU" dirty="0"/>
               <a:t>Экраны должны обновляться всякий раз при появлении новых данных у </a:t>
             </a:r>
             <a:r>
-              <a:rPr lang="en-US" dirty="0" err="1" smtClean="0"/>
+              <a:rPr lang="en-US" dirty="0" err="1"/>
               <a:t>WeatherData</a:t>
             </a:r>
-            <a:endParaRPr lang="en-US" dirty="0" smtClean="0"/>
+            <a:endParaRPr lang="en-US" dirty="0"/>
           </a:p>
         </p:txBody>
       </p:sp>
@@ -24374,7 +25723,7 @@
 </p:sld>
 </file>
 
-<file path=ppt/slides/slide6.xml><?xml version="1.0" encoding="utf-8"?>
+<file path=ppt/slides/slide9.xml><?xml version="1.0" encoding="utf-8"?>
 <p:sld xmlns:a="http://schemas.openxmlformats.org/drawingml/2006/main" xmlns:r="http://schemas.openxmlformats.org/officeDocument/2006/relationships" xmlns:p="http://schemas.openxmlformats.org/presentationml/2006/main">
   <p:cSld>
     <p:spTree>
@@ -24407,10 +25756,9 @@
           <a:lstStyle/>
           <a:p>
             <a:r>
-              <a:rPr lang="ru-RU" dirty="0" smtClean="0"/>
+              <a:rPr lang="ru-RU" dirty="0"/>
               <a:t>Требования к приложению</a:t>
             </a:r>
-            <a:endParaRPr lang="ru-RU" dirty="0"/>
           </a:p>
         </p:txBody>
       </p:sp>
@@ -24430,24 +25778,23 @@
           <a:lstStyle/>
           <a:p>
             <a:r>
-              <a:rPr lang="ru-RU" dirty="0" smtClean="0"/>
+              <a:rPr lang="ru-RU" dirty="0"/>
               <a:t>Расширяемость</a:t>
             </a:r>
           </a:p>
           <a:p>
             <a:pPr lvl="1"/>
             <a:r>
-              <a:rPr lang="ru-RU" dirty="0" smtClean="0"/>
+              <a:rPr lang="ru-RU" dirty="0"/>
               <a:t>Возможность реализации дополнительных экранов вывода</a:t>
             </a:r>
           </a:p>
           <a:p>
             <a:pPr lvl="1"/>
             <a:r>
-              <a:rPr lang="ru-RU" dirty="0" smtClean="0"/>
+              <a:rPr lang="ru-RU" dirty="0"/>
               <a:t>Возможность динамического добавления и удаления экранов</a:t>
             </a:r>
-            <a:endParaRPr lang="ru-RU" dirty="0"/>
           </a:p>
         </p:txBody>
       </p:sp>
@@ -24461,1225 +25808,6 @@
   <p:clrMapOvr>
     <a:masterClrMapping/>
   </p:clrMapOvr>
-  <p:timing>
-    <p:tnLst>
-      <p:par>
-        <p:cTn id="1" dur="indefinite" restart="never" nodeType="tmRoot"/>
-      </p:par>
-    </p:tnLst>
-  </p:timing>
-</p:sld>
-</file>
-
-<file path=ppt/slides/slide7.xml><?xml version="1.0" encoding="utf-8"?>
-<p:sld xmlns:a="http://schemas.openxmlformats.org/drawingml/2006/main" xmlns:r="http://schemas.openxmlformats.org/officeDocument/2006/relationships" xmlns:p="http://schemas.openxmlformats.org/presentationml/2006/main">
-  <p:cSld>
-    <p:spTree>
-      <p:nvGrpSpPr>
-        <p:cNvPr id="1" name=""/>
-        <p:cNvGrpSpPr/>
-        <p:nvPr/>
-      </p:nvGrpSpPr>
-      <p:grpSpPr>
-        <a:xfrm>
-          <a:off x="0" y="0"/>
-          <a:ext cx="0" cy="0"/>
-          <a:chOff x="0" y="0"/>
-          <a:chExt cx="0" cy="0"/>
-        </a:xfrm>
-      </p:grpSpPr>
-      <p:sp>
-        <p:nvSpPr>
-          <p:cNvPr id="2" name="Заголовок 1"/>
-          <p:cNvSpPr>
-            <a:spLocks noGrp="1"/>
-          </p:cNvSpPr>
-          <p:nvPr>
-            <p:ph type="title"/>
-          </p:nvPr>
-        </p:nvSpPr>
-        <p:spPr/>
-        <p:txBody>
-          <a:bodyPr/>
-          <a:lstStyle/>
-          <a:p>
-            <a:r>
-              <a:rPr lang="ru-RU" dirty="0" smtClean="0"/>
-              <a:t>Наивная реализаци</a:t>
-            </a:r>
-            <a:r>
-              <a:rPr lang="ru-RU" dirty="0"/>
-              <a:t>я</a:t>
-            </a:r>
-          </a:p>
-        </p:txBody>
-      </p:sp>
-      <p:sp>
-        <p:nvSpPr>
-          <p:cNvPr id="4" name="Прямоугольник 3"/>
-          <p:cNvSpPr/>
-          <p:nvPr/>
-        </p:nvSpPr>
-        <p:spPr>
-          <a:xfrm>
-            <a:off x="198190" y="1916832"/>
-            <a:ext cx="8712968" cy="4226798"/>
-          </a:xfrm>
-          <a:prstGeom prst="rect">
-            <a:avLst/>
-          </a:prstGeom>
-        </p:spPr>
-        <p:txBody>
-          <a:bodyPr wrap="square">
-            <a:spAutoFit/>
-          </a:bodyPr>
-          <a:lstStyle/>
-          <a:p>
-            <a:pPr defTabSz="447675">
-              <a:spcAft>
-                <a:spcPts val="0"/>
-              </a:spcAft>
-            </a:pPr>
-            <a:r>
-              <a:rPr lang="ru-RU" sz="1400" dirty="0" err="1">
-                <a:solidFill>
-                  <a:srgbClr val="0000FF"/>
-                </a:solidFill>
-                <a:latin typeface="Consolas"/>
-                <a:ea typeface="Calibri"/>
-                <a:cs typeface="Times New Roman"/>
-              </a:rPr>
-              <a:t>class</a:t>
-            </a:r>
-            <a:r>
-              <a:rPr lang="ru-RU" sz="1400" dirty="0">
-                <a:solidFill>
-                  <a:srgbClr val="000000"/>
-                </a:solidFill>
-                <a:latin typeface="Consolas"/>
-                <a:ea typeface="Calibri"/>
-                <a:cs typeface="Times New Roman"/>
-              </a:rPr>
-              <a:t> </a:t>
-            </a:r>
-            <a:r>
-              <a:rPr lang="ru-RU" sz="1400" dirty="0" err="1">
-                <a:solidFill>
-                  <a:srgbClr val="2B91AF"/>
-                </a:solidFill>
-                <a:latin typeface="Consolas"/>
-                <a:ea typeface="Calibri"/>
-                <a:cs typeface="Times New Roman"/>
-              </a:rPr>
-              <a:t>CWeatherData</a:t>
-            </a:r>
-            <a:endParaRPr lang="ru-RU" sz="1400" dirty="0">
-              <a:ea typeface="Calibri"/>
-              <a:cs typeface="Times New Roman"/>
-            </a:endParaRPr>
-          </a:p>
-          <a:p>
-            <a:pPr defTabSz="447675">
-              <a:spcAft>
-                <a:spcPts val="0"/>
-              </a:spcAft>
-            </a:pPr>
-            <a:r>
-              <a:rPr lang="ru-RU" sz="1400" dirty="0">
-                <a:solidFill>
-                  <a:srgbClr val="000000"/>
-                </a:solidFill>
-                <a:latin typeface="Consolas"/>
-                <a:ea typeface="Calibri"/>
-                <a:cs typeface="Times New Roman"/>
-              </a:rPr>
-              <a:t>{</a:t>
-            </a:r>
-            <a:endParaRPr lang="ru-RU" sz="1400" dirty="0">
-              <a:ea typeface="Calibri"/>
-              <a:cs typeface="Times New Roman"/>
-            </a:endParaRPr>
-          </a:p>
-          <a:p>
-            <a:pPr defTabSz="447675">
-              <a:spcAft>
-                <a:spcPts val="0"/>
-              </a:spcAft>
-            </a:pPr>
-            <a:r>
-              <a:rPr lang="ru-RU" sz="1400" dirty="0" err="1">
-                <a:solidFill>
-                  <a:srgbClr val="0000FF"/>
-                </a:solidFill>
-                <a:latin typeface="Consolas"/>
-                <a:ea typeface="Calibri"/>
-                <a:cs typeface="Times New Roman"/>
-              </a:rPr>
-              <a:t>public</a:t>
-            </a:r>
-            <a:r>
-              <a:rPr lang="ru-RU" sz="1400" dirty="0">
-                <a:solidFill>
-                  <a:srgbClr val="000000"/>
-                </a:solidFill>
-                <a:latin typeface="Consolas"/>
-                <a:ea typeface="Calibri"/>
-                <a:cs typeface="Times New Roman"/>
-              </a:rPr>
-              <a:t>:</a:t>
-            </a:r>
-            <a:endParaRPr lang="ru-RU" sz="1400" dirty="0">
-              <a:ea typeface="Calibri"/>
-              <a:cs typeface="Times New Roman"/>
-            </a:endParaRPr>
-          </a:p>
-          <a:p>
-            <a:pPr defTabSz="447675">
-              <a:spcAft>
-                <a:spcPts val="0"/>
-              </a:spcAft>
-            </a:pPr>
-            <a:r>
-              <a:rPr lang="en-US" sz="1400" dirty="0">
-                <a:solidFill>
-                  <a:srgbClr val="000000"/>
-                </a:solidFill>
-                <a:latin typeface="Consolas"/>
-                <a:ea typeface="Calibri"/>
-                <a:cs typeface="Times New Roman"/>
-              </a:rPr>
-              <a:t>	</a:t>
-            </a:r>
-            <a:r>
-              <a:rPr lang="en-US" sz="1400" dirty="0">
-                <a:solidFill>
-                  <a:srgbClr val="0000FF"/>
-                </a:solidFill>
-                <a:latin typeface="Consolas"/>
-                <a:ea typeface="Calibri"/>
-                <a:cs typeface="Times New Roman"/>
-              </a:rPr>
-              <a:t>void</a:t>
-            </a:r>
-            <a:r>
-              <a:rPr lang="en-US" sz="1400" dirty="0">
-                <a:solidFill>
-                  <a:srgbClr val="000000"/>
-                </a:solidFill>
-                <a:latin typeface="Consolas"/>
-                <a:ea typeface="Calibri"/>
-                <a:cs typeface="Times New Roman"/>
-              </a:rPr>
-              <a:t> </a:t>
-            </a:r>
-            <a:r>
-              <a:rPr lang="en-US" sz="1400" dirty="0" err="1">
-                <a:solidFill>
-                  <a:srgbClr val="000000"/>
-                </a:solidFill>
-                <a:latin typeface="Consolas"/>
-                <a:ea typeface="Calibri"/>
-                <a:cs typeface="Times New Roman"/>
-              </a:rPr>
-              <a:t>MeasurementsChanged</a:t>
-            </a:r>
-            <a:r>
-              <a:rPr lang="en-US" sz="1400" dirty="0">
-                <a:solidFill>
-                  <a:srgbClr val="000000"/>
-                </a:solidFill>
-                <a:latin typeface="Consolas"/>
-                <a:ea typeface="Calibri"/>
-                <a:cs typeface="Times New Roman"/>
-              </a:rPr>
-              <a:t>()</a:t>
-            </a:r>
-            <a:endParaRPr lang="ru-RU" sz="1400" dirty="0">
-              <a:ea typeface="Calibri"/>
-              <a:cs typeface="Times New Roman"/>
-            </a:endParaRPr>
-          </a:p>
-          <a:p>
-            <a:pPr defTabSz="447675">
-              <a:spcAft>
-                <a:spcPts val="0"/>
-              </a:spcAft>
-            </a:pPr>
-            <a:r>
-              <a:rPr lang="en-US" sz="1400" dirty="0">
-                <a:solidFill>
-                  <a:srgbClr val="000000"/>
-                </a:solidFill>
-                <a:latin typeface="Consolas"/>
-                <a:ea typeface="Calibri"/>
-                <a:cs typeface="Times New Roman"/>
-              </a:rPr>
-              <a:t>	</a:t>
-            </a:r>
-            <a:r>
-              <a:rPr lang="en-US" sz="1400" dirty="0" smtClean="0">
-                <a:solidFill>
-                  <a:srgbClr val="000000"/>
-                </a:solidFill>
-                <a:latin typeface="Consolas"/>
-                <a:ea typeface="Calibri"/>
-                <a:cs typeface="Times New Roman"/>
-              </a:rPr>
-              <a:t>{</a:t>
-            </a:r>
-          </a:p>
-          <a:p>
-            <a:pPr defTabSz="447675">
-              <a:spcAft>
-                <a:spcPts val="0"/>
-              </a:spcAft>
-            </a:pPr>
-            <a:r>
-              <a:rPr lang="en-US" sz="1400" dirty="0" smtClean="0">
-                <a:ea typeface="Calibri"/>
-                <a:cs typeface="Times New Roman"/>
-              </a:rPr>
-              <a:t>		</a:t>
-            </a:r>
-            <a:r>
-              <a:rPr lang="ru-RU" sz="1400" dirty="0">
-                <a:solidFill>
-                  <a:srgbClr val="008000"/>
-                </a:solidFill>
-                <a:latin typeface="Consolas"/>
-                <a:ea typeface="Calibri"/>
-                <a:cs typeface="Times New Roman"/>
-              </a:rPr>
-              <a:t> // </a:t>
-            </a:r>
-            <a:r>
-              <a:rPr lang="ru-RU" sz="1400" dirty="0" smtClean="0">
-                <a:solidFill>
-                  <a:srgbClr val="008000"/>
-                </a:solidFill>
-                <a:latin typeface="Consolas"/>
-                <a:ea typeface="Calibri"/>
-                <a:cs typeface="Times New Roman"/>
-              </a:rPr>
-              <a:t>Для получения данных вызываем уже реализованные </a:t>
-            </a:r>
-            <a:r>
-              <a:rPr lang="en-US" sz="1400" dirty="0" smtClean="0">
-                <a:solidFill>
-                  <a:srgbClr val="008000"/>
-                </a:solidFill>
-                <a:latin typeface="Consolas"/>
-                <a:ea typeface="Calibri"/>
-                <a:cs typeface="Times New Roman"/>
-              </a:rPr>
-              <a:t>getter-</a:t>
-            </a:r>
-            <a:r>
-              <a:rPr lang="ru-RU" sz="1400" dirty="0" smtClean="0">
-                <a:solidFill>
-                  <a:srgbClr val="008000"/>
-                </a:solidFill>
-                <a:latin typeface="Consolas"/>
-                <a:ea typeface="Calibri"/>
-                <a:cs typeface="Times New Roman"/>
-              </a:rPr>
-              <a:t>ы</a:t>
-            </a:r>
-            <a:endParaRPr lang="ru-RU" sz="1400" dirty="0">
-              <a:ea typeface="Calibri"/>
-              <a:cs typeface="Times New Roman"/>
-            </a:endParaRPr>
-          </a:p>
-          <a:p>
-            <a:pPr defTabSz="447675">
-              <a:spcAft>
-                <a:spcPts val="0"/>
-              </a:spcAft>
-            </a:pPr>
-            <a:r>
-              <a:rPr lang="en-US" sz="1400" dirty="0">
-                <a:solidFill>
-                  <a:srgbClr val="000000"/>
-                </a:solidFill>
-                <a:latin typeface="Consolas"/>
-                <a:ea typeface="Calibri"/>
-                <a:cs typeface="Times New Roman"/>
-              </a:rPr>
-              <a:t>		</a:t>
-            </a:r>
-            <a:r>
-              <a:rPr lang="en-US" sz="1400" dirty="0">
-                <a:solidFill>
-                  <a:srgbClr val="0000FF"/>
-                </a:solidFill>
-                <a:latin typeface="Consolas"/>
-                <a:ea typeface="Calibri"/>
-                <a:cs typeface="Times New Roman"/>
-              </a:rPr>
-              <a:t>double</a:t>
-            </a:r>
-            <a:r>
-              <a:rPr lang="en-US" sz="1400" dirty="0">
-                <a:solidFill>
-                  <a:srgbClr val="000000"/>
-                </a:solidFill>
-                <a:latin typeface="Consolas"/>
-                <a:ea typeface="Calibri"/>
-                <a:cs typeface="Times New Roman"/>
-              </a:rPr>
-              <a:t> temp = </a:t>
-            </a:r>
-            <a:r>
-              <a:rPr lang="en-US" sz="1400" dirty="0" err="1">
-                <a:solidFill>
-                  <a:srgbClr val="000000"/>
-                </a:solidFill>
-                <a:latin typeface="Consolas"/>
-                <a:ea typeface="Calibri"/>
-                <a:cs typeface="Times New Roman"/>
-              </a:rPr>
-              <a:t>GetTemperature</a:t>
-            </a:r>
-            <a:r>
-              <a:rPr lang="en-US" sz="1400" dirty="0">
-                <a:solidFill>
-                  <a:srgbClr val="000000"/>
-                </a:solidFill>
-                <a:latin typeface="Consolas"/>
-                <a:ea typeface="Calibri"/>
-                <a:cs typeface="Times New Roman"/>
-              </a:rPr>
-              <a:t>();</a:t>
-            </a:r>
-            <a:endParaRPr lang="ru-RU" sz="1400" dirty="0">
-              <a:ea typeface="Calibri"/>
-              <a:cs typeface="Times New Roman"/>
-            </a:endParaRPr>
-          </a:p>
-          <a:p>
-            <a:pPr defTabSz="447675">
-              <a:spcAft>
-                <a:spcPts val="0"/>
-              </a:spcAft>
-            </a:pPr>
-            <a:r>
-              <a:rPr lang="en-US" sz="1400" dirty="0">
-                <a:solidFill>
-                  <a:srgbClr val="000000"/>
-                </a:solidFill>
-                <a:latin typeface="Consolas"/>
-                <a:ea typeface="Calibri"/>
-                <a:cs typeface="Times New Roman"/>
-              </a:rPr>
-              <a:t>		</a:t>
-            </a:r>
-            <a:r>
-              <a:rPr lang="en-US" sz="1400" dirty="0">
-                <a:solidFill>
-                  <a:srgbClr val="0000FF"/>
-                </a:solidFill>
-                <a:latin typeface="Consolas"/>
-                <a:ea typeface="Calibri"/>
-                <a:cs typeface="Times New Roman"/>
-              </a:rPr>
-              <a:t>double</a:t>
-            </a:r>
-            <a:r>
-              <a:rPr lang="en-US" sz="1400" dirty="0">
-                <a:solidFill>
-                  <a:srgbClr val="000000"/>
-                </a:solidFill>
-                <a:latin typeface="Consolas"/>
-                <a:ea typeface="Calibri"/>
-                <a:cs typeface="Times New Roman"/>
-              </a:rPr>
-              <a:t> humidity = </a:t>
-            </a:r>
-            <a:r>
-              <a:rPr lang="en-US" sz="1400" dirty="0" err="1">
-                <a:solidFill>
-                  <a:srgbClr val="000000"/>
-                </a:solidFill>
-                <a:latin typeface="Consolas"/>
-                <a:ea typeface="Calibri"/>
-                <a:cs typeface="Times New Roman"/>
-              </a:rPr>
-              <a:t>GetHumidity</a:t>
-            </a:r>
-            <a:r>
-              <a:rPr lang="en-US" sz="1400" dirty="0">
-                <a:solidFill>
-                  <a:srgbClr val="000000"/>
-                </a:solidFill>
-                <a:latin typeface="Consolas"/>
-                <a:ea typeface="Calibri"/>
-                <a:cs typeface="Times New Roman"/>
-              </a:rPr>
-              <a:t>();</a:t>
-            </a:r>
-            <a:endParaRPr lang="ru-RU" sz="1400" dirty="0">
-              <a:ea typeface="Calibri"/>
-              <a:cs typeface="Times New Roman"/>
-            </a:endParaRPr>
-          </a:p>
-          <a:p>
-            <a:pPr defTabSz="447675">
-              <a:spcAft>
-                <a:spcPts val="0"/>
-              </a:spcAft>
-            </a:pPr>
-            <a:r>
-              <a:rPr lang="en-US" sz="1400" dirty="0">
-                <a:solidFill>
-                  <a:srgbClr val="000000"/>
-                </a:solidFill>
-                <a:latin typeface="Consolas"/>
-                <a:ea typeface="Calibri"/>
-                <a:cs typeface="Times New Roman"/>
-              </a:rPr>
-              <a:t>		</a:t>
-            </a:r>
-            <a:r>
-              <a:rPr lang="en-US" sz="1400" dirty="0">
-                <a:solidFill>
-                  <a:srgbClr val="0000FF"/>
-                </a:solidFill>
-                <a:latin typeface="Consolas"/>
-                <a:ea typeface="Calibri"/>
-                <a:cs typeface="Times New Roman"/>
-              </a:rPr>
-              <a:t>double</a:t>
-            </a:r>
-            <a:r>
-              <a:rPr lang="en-US" sz="1400" dirty="0">
-                <a:solidFill>
-                  <a:srgbClr val="000000"/>
-                </a:solidFill>
-                <a:latin typeface="Consolas"/>
-                <a:ea typeface="Calibri"/>
-                <a:cs typeface="Times New Roman"/>
-              </a:rPr>
-              <a:t> pressure = </a:t>
-            </a:r>
-            <a:r>
-              <a:rPr lang="en-US" sz="1400" dirty="0" err="1">
-                <a:solidFill>
-                  <a:srgbClr val="000000"/>
-                </a:solidFill>
-                <a:latin typeface="Consolas"/>
-                <a:ea typeface="Calibri"/>
-                <a:cs typeface="Times New Roman"/>
-              </a:rPr>
-              <a:t>GetPressure</a:t>
-            </a:r>
-            <a:r>
-              <a:rPr lang="en-US" sz="1400" dirty="0">
-                <a:solidFill>
-                  <a:srgbClr val="000000"/>
-                </a:solidFill>
-                <a:latin typeface="Consolas"/>
-                <a:ea typeface="Calibri"/>
-                <a:cs typeface="Times New Roman"/>
-              </a:rPr>
-              <a:t>();</a:t>
-            </a:r>
-            <a:endParaRPr lang="ru-RU" sz="1400" dirty="0">
-              <a:ea typeface="Calibri"/>
-              <a:cs typeface="Times New Roman"/>
-            </a:endParaRPr>
-          </a:p>
-          <a:p>
-            <a:pPr defTabSz="447675">
-              <a:spcAft>
-                <a:spcPts val="0"/>
-              </a:spcAft>
-            </a:pPr>
-            <a:r>
-              <a:rPr lang="en-US" sz="1400" dirty="0">
-                <a:solidFill>
-                  <a:srgbClr val="000000"/>
-                </a:solidFill>
-                <a:latin typeface="Consolas"/>
-                <a:ea typeface="Calibri"/>
-                <a:cs typeface="Times New Roman"/>
-              </a:rPr>
-              <a:t> </a:t>
-            </a:r>
-            <a:endParaRPr lang="ru-RU" sz="1400" dirty="0" smtClean="0">
-              <a:solidFill>
-                <a:srgbClr val="000000"/>
-              </a:solidFill>
-              <a:latin typeface="Consolas"/>
-              <a:ea typeface="Calibri"/>
-              <a:cs typeface="Times New Roman"/>
-            </a:endParaRPr>
-          </a:p>
-          <a:p>
-            <a:pPr defTabSz="447675">
-              <a:spcAft>
-                <a:spcPts val="0"/>
-              </a:spcAft>
-            </a:pPr>
-            <a:r>
-              <a:rPr lang="ru-RU" sz="1400" dirty="0" smtClean="0">
-                <a:solidFill>
-                  <a:srgbClr val="008000"/>
-                </a:solidFill>
-                <a:latin typeface="Consolas"/>
-                <a:ea typeface="Calibri"/>
-                <a:cs typeface="Times New Roman"/>
-              </a:rPr>
-              <a:t>		// Обновляем показания индикаторов</a:t>
-            </a:r>
-            <a:endParaRPr lang="ru-RU" sz="1400" dirty="0">
-              <a:ea typeface="Calibri"/>
-              <a:cs typeface="Times New Roman"/>
-            </a:endParaRPr>
-          </a:p>
-          <a:p>
-            <a:pPr defTabSz="447675">
-              <a:spcAft>
-                <a:spcPts val="0"/>
-              </a:spcAft>
-            </a:pPr>
-            <a:r>
-              <a:rPr lang="en-US" sz="1400" dirty="0">
-                <a:solidFill>
-                  <a:srgbClr val="000000"/>
-                </a:solidFill>
-                <a:latin typeface="Consolas"/>
-                <a:ea typeface="Calibri"/>
-                <a:cs typeface="Times New Roman"/>
-              </a:rPr>
-              <a:t>		</a:t>
-            </a:r>
-            <a:r>
-              <a:rPr lang="en-US" sz="1400" dirty="0" err="1">
-                <a:solidFill>
-                  <a:srgbClr val="000000"/>
-                </a:solidFill>
-                <a:latin typeface="Consolas"/>
-                <a:ea typeface="Calibri"/>
-                <a:cs typeface="Times New Roman"/>
-              </a:rPr>
-              <a:t>m_currentConditionsDisplay.Update</a:t>
-            </a:r>
-            <a:r>
-              <a:rPr lang="en-US" sz="1400" dirty="0">
-                <a:solidFill>
-                  <a:srgbClr val="000000"/>
-                </a:solidFill>
-                <a:latin typeface="Consolas"/>
-                <a:ea typeface="Calibri"/>
-                <a:cs typeface="Times New Roman"/>
-              </a:rPr>
-              <a:t>(temp, humidity, pressure);</a:t>
-            </a:r>
-            <a:endParaRPr lang="ru-RU" sz="1400" dirty="0">
-              <a:ea typeface="Calibri"/>
-              <a:cs typeface="Times New Roman"/>
-            </a:endParaRPr>
-          </a:p>
-          <a:p>
-            <a:pPr defTabSz="447675">
-              <a:spcAft>
-                <a:spcPts val="0"/>
-              </a:spcAft>
-            </a:pPr>
-            <a:r>
-              <a:rPr lang="en-US" sz="1400" dirty="0">
-                <a:solidFill>
-                  <a:srgbClr val="000000"/>
-                </a:solidFill>
-                <a:latin typeface="Consolas"/>
-                <a:ea typeface="Calibri"/>
-                <a:cs typeface="Times New Roman"/>
-              </a:rPr>
-              <a:t>		</a:t>
-            </a:r>
-            <a:r>
-              <a:rPr lang="en-US" sz="1400" dirty="0" err="1">
-                <a:solidFill>
-                  <a:srgbClr val="000000"/>
-                </a:solidFill>
-                <a:latin typeface="Consolas"/>
-                <a:ea typeface="Calibri"/>
-                <a:cs typeface="Times New Roman"/>
-              </a:rPr>
-              <a:t>m_statisticsDisplay.Update</a:t>
-            </a:r>
-            <a:r>
-              <a:rPr lang="en-US" sz="1400" dirty="0">
-                <a:solidFill>
-                  <a:srgbClr val="000000"/>
-                </a:solidFill>
-                <a:latin typeface="Consolas"/>
-                <a:ea typeface="Calibri"/>
-                <a:cs typeface="Times New Roman"/>
-              </a:rPr>
-              <a:t>(temp, humidity, pressure);</a:t>
-            </a:r>
-            <a:endParaRPr lang="ru-RU" sz="1400" dirty="0">
-              <a:ea typeface="Calibri"/>
-              <a:cs typeface="Times New Roman"/>
-            </a:endParaRPr>
-          </a:p>
-          <a:p>
-            <a:pPr defTabSz="447675">
-              <a:spcAft>
-                <a:spcPts val="0"/>
-              </a:spcAft>
-            </a:pPr>
-            <a:r>
-              <a:rPr lang="en-US" sz="1400" dirty="0">
-                <a:solidFill>
-                  <a:srgbClr val="000000"/>
-                </a:solidFill>
-                <a:latin typeface="Consolas"/>
-                <a:ea typeface="Calibri"/>
-                <a:cs typeface="Times New Roman"/>
-              </a:rPr>
-              <a:t>		</a:t>
-            </a:r>
-            <a:r>
-              <a:rPr lang="en-US" sz="1400" dirty="0" err="1">
-                <a:solidFill>
-                  <a:srgbClr val="000000"/>
-                </a:solidFill>
-                <a:latin typeface="Consolas"/>
-                <a:ea typeface="Calibri"/>
-                <a:cs typeface="Times New Roman"/>
-              </a:rPr>
-              <a:t>m_forecastDisplay.Update</a:t>
-            </a:r>
-            <a:r>
-              <a:rPr lang="en-US" sz="1400" dirty="0">
-                <a:solidFill>
-                  <a:srgbClr val="000000"/>
-                </a:solidFill>
-                <a:latin typeface="Consolas"/>
-                <a:ea typeface="Calibri"/>
-                <a:cs typeface="Times New Roman"/>
-              </a:rPr>
-              <a:t>(temp, humidity, pressure);</a:t>
-            </a:r>
-            <a:endParaRPr lang="ru-RU" sz="1400" dirty="0">
-              <a:ea typeface="Calibri"/>
-              <a:cs typeface="Times New Roman"/>
-            </a:endParaRPr>
-          </a:p>
-          <a:p>
-            <a:pPr defTabSz="447675">
-              <a:spcAft>
-                <a:spcPts val="0"/>
-              </a:spcAft>
-            </a:pPr>
-            <a:r>
-              <a:rPr lang="en-US" sz="1400" dirty="0">
-                <a:solidFill>
-                  <a:srgbClr val="000000"/>
-                </a:solidFill>
-                <a:latin typeface="Consolas"/>
-                <a:ea typeface="Calibri"/>
-                <a:cs typeface="Times New Roman"/>
-              </a:rPr>
-              <a:t>	}</a:t>
-            </a:r>
-            <a:endParaRPr lang="ru-RU" sz="1400" dirty="0">
-              <a:ea typeface="Calibri"/>
-              <a:cs typeface="Times New Roman"/>
-            </a:endParaRPr>
-          </a:p>
-          <a:p>
-            <a:pPr defTabSz="447675">
-              <a:spcAft>
-                <a:spcPts val="1000"/>
-              </a:spcAft>
-            </a:pPr>
-            <a:r>
-              <a:rPr lang="en-US" sz="1400" dirty="0" smtClean="0">
-                <a:solidFill>
-                  <a:srgbClr val="0000FF"/>
-                </a:solidFill>
-                <a:latin typeface="Consolas"/>
-                <a:ea typeface="Calibri"/>
-                <a:cs typeface="Times New Roman"/>
-              </a:rPr>
-              <a:t>private</a:t>
-            </a:r>
-            <a:r>
-              <a:rPr lang="ru-RU" sz="1400" dirty="0" smtClean="0">
-                <a:solidFill>
-                  <a:srgbClr val="000000"/>
-                </a:solidFill>
-                <a:latin typeface="Consolas"/>
-                <a:ea typeface="Calibri"/>
-                <a:cs typeface="Times New Roman"/>
-              </a:rPr>
-              <a:t>:</a:t>
-            </a:r>
-            <a:endParaRPr lang="en-US" sz="1400" dirty="0">
-              <a:solidFill>
-                <a:srgbClr val="000000"/>
-              </a:solidFill>
-              <a:latin typeface="Consolas"/>
-              <a:ea typeface="Calibri"/>
-              <a:cs typeface="Times New Roman"/>
-            </a:endParaRPr>
-          </a:p>
-          <a:p>
-            <a:pPr defTabSz="447675">
-              <a:spcAft>
-                <a:spcPts val="1000"/>
-              </a:spcAft>
-            </a:pPr>
-            <a:r>
-              <a:rPr lang="en-US" sz="1400" dirty="0" smtClean="0">
-                <a:solidFill>
-                  <a:srgbClr val="008000"/>
-                </a:solidFill>
-                <a:latin typeface="Consolas"/>
-                <a:ea typeface="Calibri"/>
-                <a:cs typeface="Times New Roman"/>
-              </a:rPr>
-              <a:t>	</a:t>
-            </a:r>
-            <a:r>
-              <a:rPr lang="ru-RU" sz="1400" dirty="0" smtClean="0">
-                <a:solidFill>
-                  <a:srgbClr val="008000"/>
-                </a:solidFill>
-                <a:latin typeface="Consolas"/>
-                <a:ea typeface="Calibri"/>
-                <a:cs typeface="Times New Roman"/>
-              </a:rPr>
-              <a:t>// объявления переменных-индикаторов</a:t>
-            </a:r>
-            <a:endParaRPr lang="ru-RU" sz="1400" dirty="0" smtClean="0">
-              <a:ea typeface="Calibri"/>
-              <a:cs typeface="Times New Roman"/>
-            </a:endParaRPr>
-          </a:p>
-          <a:p>
-            <a:pPr defTabSz="447675">
-              <a:spcAft>
-                <a:spcPts val="1000"/>
-              </a:spcAft>
-            </a:pPr>
-            <a:r>
-              <a:rPr lang="ru-RU" sz="1400" dirty="0" smtClean="0">
-                <a:solidFill>
-                  <a:srgbClr val="000000"/>
-                </a:solidFill>
-                <a:latin typeface="Consolas"/>
-                <a:ea typeface="Calibri"/>
-                <a:cs typeface="Times New Roman"/>
-              </a:rPr>
-              <a:t>};</a:t>
-            </a:r>
-            <a:endParaRPr lang="ru-RU" sz="1400" dirty="0">
-              <a:ea typeface="Calibri"/>
-              <a:cs typeface="Times New Roman"/>
-            </a:endParaRPr>
-          </a:p>
-        </p:txBody>
-      </p:sp>
-    </p:spTree>
-    <p:extLst>
-      <p:ext uri="{BB962C8B-B14F-4D97-AF65-F5344CB8AC3E}">
-        <p14:creationId xmlns:p14="http://schemas.microsoft.com/office/powerpoint/2010/main" val="2136106387"/>
-      </p:ext>
-    </p:extLst>
-  </p:cSld>
-  <p:clrMapOvr>
-    <a:masterClrMapping/>
-  </p:clrMapOvr>
-  <p:timing>
-    <p:tnLst>
-      <p:par>
-        <p:cTn id="1" dur="indefinite" restart="never" nodeType="tmRoot"/>
-      </p:par>
-    </p:tnLst>
-  </p:timing>
-</p:sld>
-</file>
-
-<file path=ppt/slides/slide8.xml><?xml version="1.0" encoding="utf-8"?>
-<p:sld xmlns:a="http://schemas.openxmlformats.org/drawingml/2006/main" xmlns:r="http://schemas.openxmlformats.org/officeDocument/2006/relationships" xmlns:p="http://schemas.openxmlformats.org/presentationml/2006/main">
-  <p:cSld>
-    <p:spTree>
-      <p:nvGrpSpPr>
-        <p:cNvPr id="1" name=""/>
-        <p:cNvGrpSpPr/>
-        <p:nvPr/>
-      </p:nvGrpSpPr>
-      <p:grpSpPr>
-        <a:xfrm>
-          <a:off x="0" y="0"/>
-          <a:ext cx="0" cy="0"/>
-          <a:chOff x="0" y="0"/>
-          <a:chExt cx="0" cy="0"/>
-        </a:xfrm>
-      </p:grpSpPr>
-      <p:sp>
-        <p:nvSpPr>
-          <p:cNvPr id="3" name="Заголовок 2"/>
-          <p:cNvSpPr>
-            <a:spLocks noGrp="1"/>
-          </p:cNvSpPr>
-          <p:nvPr>
-            <p:ph type="title"/>
-          </p:nvPr>
-        </p:nvSpPr>
-        <p:spPr/>
-        <p:txBody>
-          <a:bodyPr>
-            <a:normAutofit fontScale="90000"/>
-          </a:bodyPr>
-          <a:lstStyle/>
-          <a:p>
-            <a:r>
-              <a:rPr lang="ru-RU" dirty="0" smtClean="0"/>
-              <a:t>Блиц-анализ наивной реализации</a:t>
-            </a:r>
-            <a:endParaRPr lang="ru-RU" dirty="0"/>
-          </a:p>
-        </p:txBody>
-      </p:sp>
-      <p:sp>
-        <p:nvSpPr>
-          <p:cNvPr id="4" name="Объект 3"/>
-          <p:cNvSpPr>
-            <a:spLocks noGrp="1"/>
-          </p:cNvSpPr>
-          <p:nvPr>
-            <p:ph idx="1"/>
-          </p:nvPr>
-        </p:nvSpPr>
-        <p:spPr/>
-        <p:txBody>
-          <a:bodyPr>
-            <a:normAutofit fontScale="92500" lnSpcReduction="20000"/>
-          </a:bodyPr>
-          <a:lstStyle/>
-          <a:p>
-            <a:r>
-              <a:rPr lang="ru-RU" dirty="0" smtClean="0"/>
-              <a:t>Какие из следующих утверждений относятся к данной реализации</a:t>
-            </a:r>
-            <a:r>
-              <a:rPr lang="en-US" dirty="0" smtClean="0"/>
-              <a:t>?</a:t>
-            </a:r>
-            <a:endParaRPr lang="ru-RU" dirty="0" smtClean="0"/>
-          </a:p>
-          <a:p>
-            <a:pPr lvl="1"/>
-            <a:r>
-              <a:rPr lang="en-US" dirty="0" smtClean="0"/>
-              <a:t>A. </a:t>
-            </a:r>
-            <a:r>
-              <a:rPr lang="ru-RU" dirty="0" smtClean="0"/>
-              <a:t>Программирование на уровне реализаций, а не интерфейсов</a:t>
-            </a:r>
-          </a:p>
-          <a:p>
-            <a:pPr lvl="1"/>
-            <a:r>
-              <a:rPr lang="en-US" dirty="0" smtClean="0"/>
-              <a:t>B. </a:t>
-            </a:r>
-            <a:r>
-              <a:rPr lang="ru-RU" dirty="0" smtClean="0"/>
-              <a:t>Для каждого нового элемента придется изменять код</a:t>
-            </a:r>
-          </a:p>
-          <a:p>
-            <a:pPr lvl="1"/>
-            <a:r>
-              <a:rPr lang="en-US" dirty="0" smtClean="0"/>
-              <a:t>C. </a:t>
-            </a:r>
-            <a:r>
-              <a:rPr lang="ru-RU" dirty="0" smtClean="0"/>
-              <a:t>Нельзя добавлять/удалять элементы во время выполнения</a:t>
-            </a:r>
-          </a:p>
-          <a:p>
-            <a:pPr lvl="1"/>
-            <a:r>
-              <a:rPr lang="en-US" dirty="0" smtClean="0"/>
-              <a:t>D. </a:t>
-            </a:r>
-            <a:r>
-              <a:rPr lang="ru-RU" dirty="0" smtClean="0"/>
-              <a:t>Элементы не реализуют единый интерфейс</a:t>
-            </a:r>
-          </a:p>
-          <a:p>
-            <a:pPr lvl="1"/>
-            <a:r>
-              <a:rPr lang="en-US" dirty="0" smtClean="0"/>
-              <a:t>E. </a:t>
-            </a:r>
-            <a:r>
-              <a:rPr lang="ru-RU" dirty="0" smtClean="0"/>
-              <a:t>Переменные аспекты архитектуры не инкапсулируются</a:t>
-            </a:r>
-          </a:p>
-          <a:p>
-            <a:pPr lvl="1"/>
-            <a:r>
-              <a:rPr lang="en-US" dirty="0" smtClean="0"/>
-              <a:t>F. </a:t>
-            </a:r>
-            <a:r>
-              <a:rPr lang="ru-RU" dirty="0" smtClean="0"/>
-              <a:t>Нарушается инкапсуляция класса </a:t>
-            </a:r>
-            <a:r>
-              <a:rPr lang="en-US" dirty="0" err="1" smtClean="0"/>
-              <a:t>WeatherData</a:t>
-            </a:r>
-            <a:endParaRPr lang="ru-RU" dirty="0"/>
-          </a:p>
-        </p:txBody>
-      </p:sp>
-    </p:spTree>
-    <p:extLst>
-      <p:ext uri="{BB962C8B-B14F-4D97-AF65-F5344CB8AC3E}">
-        <p14:creationId xmlns:p14="http://schemas.microsoft.com/office/powerpoint/2010/main" val="351695254"/>
-      </p:ext>
-    </p:extLst>
-  </p:cSld>
-  <p:clrMapOvr>
-    <a:masterClrMapping/>
-  </p:clrMapOvr>
-  <p:timing>
-    <p:tnLst>
-      <p:par>
-        <p:cTn id="1" dur="indefinite" restart="never" nodeType="tmRoot"/>
-      </p:par>
-    </p:tnLst>
-  </p:timing>
-</p:sld>
-</file>
-
-<file path=ppt/slides/slide9.xml><?xml version="1.0" encoding="utf-8"?>
-<p:sld xmlns:a="http://schemas.openxmlformats.org/drawingml/2006/main" xmlns:r="http://schemas.openxmlformats.org/officeDocument/2006/relationships" xmlns:p="http://schemas.openxmlformats.org/presentationml/2006/main">
-  <p:cSld>
-    <p:spTree>
-      <p:nvGrpSpPr>
-        <p:cNvPr id="1" name=""/>
-        <p:cNvGrpSpPr/>
-        <p:nvPr/>
-      </p:nvGrpSpPr>
-      <p:grpSpPr>
-        <a:xfrm>
-          <a:off x="0" y="0"/>
-          <a:ext cx="0" cy="0"/>
-          <a:chOff x="0" y="0"/>
-          <a:chExt cx="0" cy="0"/>
-        </a:xfrm>
-      </p:grpSpPr>
-      <p:sp>
-        <p:nvSpPr>
-          <p:cNvPr id="3" name="Заголовок 2"/>
-          <p:cNvSpPr>
-            <a:spLocks noGrp="1"/>
-          </p:cNvSpPr>
-          <p:nvPr>
-            <p:ph type="title"/>
-          </p:nvPr>
-        </p:nvSpPr>
-        <p:spPr/>
-        <p:txBody>
-          <a:bodyPr>
-            <a:normAutofit fontScale="90000"/>
-          </a:bodyPr>
-          <a:lstStyle/>
-          <a:p>
-            <a:r>
-              <a:rPr lang="ru-RU" dirty="0"/>
-              <a:t>Блиц-анализ наивной </a:t>
-            </a:r>
-            <a:r>
-              <a:rPr lang="ru-RU" dirty="0" smtClean="0"/>
-              <a:t>реализации (ответы)</a:t>
-            </a:r>
-            <a:endParaRPr lang="ru-RU" dirty="0"/>
-          </a:p>
-        </p:txBody>
-      </p:sp>
-      <p:sp>
-        <p:nvSpPr>
-          <p:cNvPr id="4" name="Объект 3"/>
-          <p:cNvSpPr>
-            <a:spLocks noGrp="1"/>
-          </p:cNvSpPr>
-          <p:nvPr>
-            <p:ph idx="1"/>
-          </p:nvPr>
-        </p:nvSpPr>
-        <p:spPr/>
-        <p:txBody>
-          <a:bodyPr>
-            <a:normAutofit fontScale="92500" lnSpcReduction="20000"/>
-          </a:bodyPr>
-          <a:lstStyle/>
-          <a:p>
-            <a:r>
-              <a:rPr lang="ru-RU" dirty="0" smtClean="0"/>
-              <a:t>Какие из следующих утверждений относятся к данной реализации</a:t>
-            </a:r>
-          </a:p>
-          <a:p>
-            <a:pPr lvl="1">
-              <a:buClr>
-                <a:srgbClr val="00B050"/>
-              </a:buClr>
-              <a:buFont typeface="Wingdings" panose="05000000000000000000" pitchFamily="2" charset="2"/>
-              <a:buChar char="Ø"/>
-            </a:pPr>
-            <a:r>
-              <a:rPr lang="en-US" dirty="0">
-                <a:solidFill>
-                  <a:srgbClr val="00B050"/>
-                </a:solidFill>
-              </a:rPr>
-              <a:t>A. </a:t>
-            </a:r>
-            <a:r>
-              <a:rPr lang="ru-RU" dirty="0">
-                <a:solidFill>
-                  <a:srgbClr val="00B050"/>
-                </a:solidFill>
-              </a:rPr>
-              <a:t>Программирование на уровне реализаций, а не интерфейсов</a:t>
-            </a:r>
-          </a:p>
-          <a:p>
-            <a:pPr lvl="1">
-              <a:buClr>
-                <a:srgbClr val="00B050"/>
-              </a:buClr>
-              <a:buFont typeface="Wingdings" panose="05000000000000000000" pitchFamily="2" charset="2"/>
-              <a:buChar char="Ø"/>
-            </a:pPr>
-            <a:r>
-              <a:rPr lang="en-US" dirty="0">
-                <a:solidFill>
-                  <a:srgbClr val="00B050"/>
-                </a:solidFill>
-              </a:rPr>
-              <a:t>B. </a:t>
-            </a:r>
-            <a:r>
-              <a:rPr lang="ru-RU" dirty="0">
-                <a:solidFill>
-                  <a:srgbClr val="00B050"/>
-                </a:solidFill>
-              </a:rPr>
-              <a:t>Для каждого нового элемента придется изменять код</a:t>
-            </a:r>
-          </a:p>
-          <a:p>
-            <a:pPr lvl="1">
-              <a:buClr>
-                <a:srgbClr val="00B050"/>
-              </a:buClr>
-              <a:buFont typeface="Wingdings" panose="05000000000000000000" pitchFamily="2" charset="2"/>
-              <a:buChar char="Ø"/>
-            </a:pPr>
-            <a:r>
-              <a:rPr lang="en-US" dirty="0">
-                <a:solidFill>
-                  <a:srgbClr val="00B050"/>
-                </a:solidFill>
-              </a:rPr>
-              <a:t>C. </a:t>
-            </a:r>
-            <a:r>
-              <a:rPr lang="ru-RU" dirty="0">
-                <a:solidFill>
-                  <a:srgbClr val="00B050"/>
-                </a:solidFill>
-              </a:rPr>
-              <a:t>Нельзя добавлять/удалять элементы во время выполнения</a:t>
-            </a:r>
-          </a:p>
-          <a:p>
-            <a:pPr lvl="1"/>
-            <a:r>
-              <a:rPr lang="en-US" dirty="0"/>
-              <a:t>D. </a:t>
-            </a:r>
-            <a:r>
-              <a:rPr lang="ru-RU" dirty="0"/>
-              <a:t>Элементы не реализуют единый интерфейс</a:t>
-            </a:r>
-          </a:p>
-          <a:p>
-            <a:pPr lvl="1">
-              <a:buClr>
-                <a:srgbClr val="00B050"/>
-              </a:buClr>
-              <a:buFont typeface="Wingdings" panose="05000000000000000000" pitchFamily="2" charset="2"/>
-              <a:buChar char="Ø"/>
-            </a:pPr>
-            <a:r>
-              <a:rPr lang="en-US" dirty="0">
-                <a:solidFill>
-                  <a:srgbClr val="00B050"/>
-                </a:solidFill>
-              </a:rPr>
-              <a:t>E. </a:t>
-            </a:r>
-            <a:r>
-              <a:rPr lang="ru-RU" dirty="0">
-                <a:solidFill>
-                  <a:srgbClr val="00B050"/>
-                </a:solidFill>
-              </a:rPr>
-              <a:t>Переменные аспекты архитектуры не инкапсулируются</a:t>
-            </a:r>
-          </a:p>
-          <a:p>
-            <a:pPr lvl="1"/>
-            <a:r>
-              <a:rPr lang="en-US" dirty="0"/>
-              <a:t>F. </a:t>
-            </a:r>
-            <a:r>
-              <a:rPr lang="ru-RU" dirty="0"/>
-              <a:t>Нарушается инкапсуляция класса </a:t>
-            </a:r>
-            <a:r>
-              <a:rPr lang="en-US" dirty="0" err="1" smtClean="0"/>
-              <a:t>CWeatherData</a:t>
-            </a:r>
-            <a:endParaRPr lang="ru-RU" dirty="0"/>
-          </a:p>
-        </p:txBody>
-      </p:sp>
-    </p:spTree>
-    <p:extLst>
-      <p:ext uri="{BB962C8B-B14F-4D97-AF65-F5344CB8AC3E}">
-        <p14:creationId xmlns:p14="http://schemas.microsoft.com/office/powerpoint/2010/main" val="522655290"/>
-      </p:ext>
-    </p:extLst>
-  </p:cSld>
-  <p:clrMapOvr>
-    <a:masterClrMapping/>
-  </p:clrMapOvr>
-  <p:timing>
-    <p:tnLst>
-      <p:par>
-        <p:cTn id="1" dur="indefinite" restart="never" nodeType="tmRoot"/>
-      </p:par>
-    </p:tnLst>
-  </p:timing>
 </p:sld>
 </file>
 

--- a/lectures/02.observer/observer.pptx
+++ b/lectures/02.observer/observer.pptx
@@ -5,55 +5,57 @@
     <p:sldMasterId id="2147483672" r:id="rId1"/>
   </p:sldMasterIdLst>
   <p:notesMasterIdLst>
-    <p:notesMasterId r:id="rId43"/>
+    <p:notesMasterId r:id="rId45"/>
   </p:notesMasterIdLst>
   <p:sldIdLst>
     <p:sldId id="256" r:id="rId2"/>
     <p:sldId id="294" r:id="rId3"/>
     <p:sldId id="296" r:id="rId4"/>
-    <p:sldId id="295" r:id="rId5"/>
-    <p:sldId id="257" r:id="rId6"/>
-    <p:sldId id="258" r:id="rId7"/>
-    <p:sldId id="261" r:id="rId8"/>
-    <p:sldId id="259" r:id="rId9"/>
-    <p:sldId id="260" r:id="rId10"/>
-    <p:sldId id="262" r:id="rId11"/>
-    <p:sldId id="263" r:id="rId12"/>
-    <p:sldId id="264" r:id="rId13"/>
-    <p:sldId id="265" r:id="rId14"/>
-    <p:sldId id="266" r:id="rId15"/>
-    <p:sldId id="267" r:id="rId16"/>
-    <p:sldId id="269" r:id="rId17"/>
-    <p:sldId id="268" r:id="rId18"/>
-    <p:sldId id="270" r:id="rId19"/>
-    <p:sldId id="286" r:id="rId20"/>
-    <p:sldId id="271" r:id="rId21"/>
-    <p:sldId id="272" r:id="rId22"/>
-    <p:sldId id="273" r:id="rId23"/>
-    <p:sldId id="274" r:id="rId24"/>
-    <p:sldId id="275" r:id="rId25"/>
-    <p:sldId id="276" r:id="rId26"/>
-    <p:sldId id="277" r:id="rId27"/>
-    <p:sldId id="279" r:id="rId28"/>
-    <p:sldId id="278" r:id="rId29"/>
-    <p:sldId id="292" r:id="rId30"/>
-    <p:sldId id="280" r:id="rId31"/>
-    <p:sldId id="293" r:id="rId32"/>
-    <p:sldId id="281" r:id="rId33"/>
-    <p:sldId id="282" r:id="rId34"/>
-    <p:sldId id="283" r:id="rId35"/>
-    <p:sldId id="284" r:id="rId36"/>
-    <p:sldId id="285" r:id="rId37"/>
-    <p:sldId id="287" r:id="rId38"/>
-    <p:sldId id="288" r:id="rId39"/>
-    <p:sldId id="289" r:id="rId40"/>
-    <p:sldId id="290" r:id="rId41"/>
-    <p:sldId id="291" r:id="rId42"/>
+    <p:sldId id="297" r:id="rId5"/>
+    <p:sldId id="295" r:id="rId6"/>
+    <p:sldId id="257" r:id="rId7"/>
+    <p:sldId id="258" r:id="rId8"/>
+    <p:sldId id="261" r:id="rId9"/>
+    <p:sldId id="259" r:id="rId10"/>
+    <p:sldId id="260" r:id="rId11"/>
+    <p:sldId id="262" r:id="rId12"/>
+    <p:sldId id="263" r:id="rId13"/>
+    <p:sldId id="264" r:id="rId14"/>
+    <p:sldId id="265" r:id="rId15"/>
+    <p:sldId id="266" r:id="rId16"/>
+    <p:sldId id="267" r:id="rId17"/>
+    <p:sldId id="269" r:id="rId18"/>
+    <p:sldId id="268" r:id="rId19"/>
+    <p:sldId id="270" r:id="rId20"/>
+    <p:sldId id="286" r:id="rId21"/>
+    <p:sldId id="271" r:id="rId22"/>
+    <p:sldId id="272" r:id="rId23"/>
+    <p:sldId id="273" r:id="rId24"/>
+    <p:sldId id="274" r:id="rId25"/>
+    <p:sldId id="275" r:id="rId26"/>
+    <p:sldId id="276" r:id="rId27"/>
+    <p:sldId id="277" r:id="rId28"/>
+    <p:sldId id="298" r:id="rId29"/>
+    <p:sldId id="279" r:id="rId30"/>
+    <p:sldId id="278" r:id="rId31"/>
+    <p:sldId id="292" r:id="rId32"/>
+    <p:sldId id="280" r:id="rId33"/>
+    <p:sldId id="293" r:id="rId34"/>
+    <p:sldId id="281" r:id="rId35"/>
+    <p:sldId id="282" r:id="rId36"/>
+    <p:sldId id="283" r:id="rId37"/>
+    <p:sldId id="284" r:id="rId38"/>
+    <p:sldId id="285" r:id="rId39"/>
+    <p:sldId id="287" r:id="rId40"/>
+    <p:sldId id="288" r:id="rId41"/>
+    <p:sldId id="289" r:id="rId42"/>
+    <p:sldId id="290" r:id="rId43"/>
+    <p:sldId id="291" r:id="rId44"/>
   </p:sldIdLst>
   <p:sldSz cx="9144000" cy="6858000" type="screen4x3"/>
   <p:notesSz cx="6858000" cy="9144000"/>
   <p:custDataLst>
-    <p:tags r:id="rId44"/>
+    <p:tags r:id="rId46"/>
   </p:custDataLst>
   <p:defaultTextStyle>
     <a:defPPr>
@@ -667,7 +669,7 @@
           <a:p>
             <a:fld id="{C72A1285-F988-4153-B7C5-B887A867730D}" type="slidenum">
               <a:rPr lang="ru-RU" smtClean="0"/>
-              <a:t>4</a:t>
+              <a:t>5</a:t>
             </a:fld>
             <a:endParaRPr lang="ru-RU"/>
           </a:p>
@@ -844,7 +846,7 @@
           <a:p>
             <a:fld id="{C72A1285-F988-4153-B7C5-B887A867730D}" type="slidenum">
               <a:rPr lang="ru-RU" smtClean="0"/>
-              <a:t>5</a:t>
+              <a:t>6</a:t>
             </a:fld>
             <a:endParaRPr lang="ru-RU"/>
           </a:p>
@@ -928,7 +930,7 @@
           <a:p>
             <a:fld id="{C72A1285-F988-4153-B7C5-B887A867730D}" type="slidenum">
               <a:rPr lang="ru-RU" smtClean="0"/>
-              <a:t>6</a:t>
+              <a:t>7</a:t>
             </a:fld>
             <a:endParaRPr lang="ru-RU"/>
           </a:p>
@@ -1060,7 +1062,7 @@
           <a:p>
             <a:fld id="{C72A1285-F988-4153-B7C5-B887A867730D}" type="slidenum">
               <a:rPr lang="ru-RU" smtClean="0"/>
-              <a:t>8</a:t>
+              <a:t>9</a:t>
             </a:fld>
             <a:endParaRPr lang="ru-RU"/>
           </a:p>
@@ -1172,7 +1174,7 @@
           <a:p>
             <a:fld id="{C72A1285-F988-4153-B7C5-B887A867730D}" type="slidenum">
               <a:rPr lang="ru-RU" smtClean="0"/>
-              <a:t>10</a:t>
+              <a:t>11</a:t>
             </a:fld>
             <a:endParaRPr lang="ru-RU"/>
           </a:p>
@@ -1275,7 +1277,7 @@
           <a:p>
             <a:fld id="{C72A1285-F988-4153-B7C5-B887A867730D}" type="slidenum">
               <a:rPr lang="ru-RU" smtClean="0"/>
-              <a:t>19</a:t>
+              <a:t>20</a:t>
             </a:fld>
             <a:endParaRPr lang="ru-RU"/>
           </a:p>
@@ -1359,7 +1361,7 @@
           <a:p>
             <a:fld id="{C72A1285-F988-4153-B7C5-B887A867730D}" type="slidenum">
               <a:rPr lang="ru-RU" smtClean="0"/>
-              <a:t>40</a:t>
+              <a:t>42</a:t>
             </a:fld>
             <a:endParaRPr lang="ru-RU"/>
           </a:p>
@@ -5119,763 +5121,51 @@
           <a:p>
             <a:r>
               <a:rPr lang="ru-RU" dirty="0"/>
-              <a:t>Наивная реализация</a:t>
+              <a:t>Требования к приложению</a:t>
             </a:r>
           </a:p>
         </p:txBody>
       </p:sp>
       <p:sp>
         <p:nvSpPr>
-          <p:cNvPr id="4" name="Прямоугольник 3"/>
-          <p:cNvSpPr/>
-          <p:nvPr/>
+          <p:cNvPr id="3" name="Объект 2"/>
+          <p:cNvSpPr>
+            <a:spLocks noGrp="1"/>
+          </p:cNvSpPr>
+          <p:nvPr>
+            <p:ph idx="1"/>
+          </p:nvPr>
         </p:nvSpPr>
-        <p:spPr>
-          <a:xfrm>
-            <a:off x="198190" y="1916832"/>
-            <a:ext cx="8712968" cy="4226798"/>
-          </a:xfrm>
-          <a:prstGeom prst="rect">
-            <a:avLst/>
-          </a:prstGeom>
-        </p:spPr>
+        <p:spPr/>
         <p:txBody>
-          <a:bodyPr wrap="square">
-            <a:spAutoFit/>
-          </a:bodyPr>
+          <a:bodyPr/>
           <a:lstStyle/>
           <a:p>
-            <a:pPr defTabSz="447675">
-              <a:spcAft>
-                <a:spcPts val="0"/>
-              </a:spcAft>
-            </a:pPr>
-            <a:r>
-              <a:rPr lang="ru-RU" sz="1400" dirty="0" err="1">
-                <a:solidFill>
-                  <a:srgbClr val="0000FF"/>
-                </a:solidFill>
-                <a:latin typeface="Consolas"/>
-                <a:ea typeface="Calibri"/>
-                <a:cs typeface="Times New Roman"/>
-              </a:rPr>
-              <a:t>class</a:t>
-            </a:r>
-            <a:r>
-              <a:rPr lang="ru-RU" sz="1400" dirty="0">
-                <a:solidFill>
-                  <a:srgbClr val="000000"/>
-                </a:solidFill>
-                <a:latin typeface="Consolas"/>
-                <a:ea typeface="Calibri"/>
-                <a:cs typeface="Times New Roman"/>
-              </a:rPr>
-              <a:t> </a:t>
-            </a:r>
-            <a:r>
-              <a:rPr lang="ru-RU" sz="1400" dirty="0" err="1">
-                <a:solidFill>
-                  <a:srgbClr val="2B91AF"/>
-                </a:solidFill>
-                <a:latin typeface="Consolas"/>
-                <a:ea typeface="Calibri"/>
-                <a:cs typeface="Times New Roman"/>
-              </a:rPr>
-              <a:t>CWeatherData</a:t>
-            </a:r>
-            <a:endParaRPr lang="ru-RU" sz="1400" dirty="0">
-              <a:ea typeface="Calibri"/>
-              <a:cs typeface="Times New Roman"/>
-            </a:endParaRPr>
-          </a:p>
-          <a:p>
-            <a:pPr defTabSz="447675">
-              <a:spcAft>
-                <a:spcPts val="0"/>
-              </a:spcAft>
-            </a:pPr>
-            <a:r>
-              <a:rPr lang="ru-RU" sz="1400" dirty="0">
-                <a:solidFill>
-                  <a:srgbClr val="000000"/>
-                </a:solidFill>
-                <a:latin typeface="Consolas"/>
-                <a:ea typeface="Calibri"/>
-                <a:cs typeface="Times New Roman"/>
-              </a:rPr>
-              <a:t>{</a:t>
-            </a:r>
-            <a:endParaRPr lang="ru-RU" sz="1400" dirty="0">
-              <a:ea typeface="Calibri"/>
-              <a:cs typeface="Times New Roman"/>
-            </a:endParaRPr>
-          </a:p>
-          <a:p>
-            <a:pPr defTabSz="447675">
-              <a:spcAft>
-                <a:spcPts val="0"/>
-              </a:spcAft>
-            </a:pPr>
-            <a:r>
-              <a:rPr lang="ru-RU" sz="1400" dirty="0" err="1">
-                <a:solidFill>
-                  <a:srgbClr val="0000FF"/>
-                </a:solidFill>
-                <a:latin typeface="Consolas"/>
-                <a:ea typeface="Calibri"/>
-                <a:cs typeface="Times New Roman"/>
-              </a:rPr>
-              <a:t>public</a:t>
-            </a:r>
-            <a:r>
-              <a:rPr lang="ru-RU" sz="1400" dirty="0">
-                <a:solidFill>
-                  <a:srgbClr val="000000"/>
-                </a:solidFill>
-                <a:latin typeface="Consolas"/>
-                <a:ea typeface="Calibri"/>
-                <a:cs typeface="Times New Roman"/>
-              </a:rPr>
-              <a:t>:</a:t>
-            </a:r>
-            <a:endParaRPr lang="ru-RU" sz="1400" dirty="0">
-              <a:ea typeface="Calibri"/>
-              <a:cs typeface="Times New Roman"/>
-            </a:endParaRPr>
-          </a:p>
-          <a:p>
-            <a:pPr defTabSz="447675">
-              <a:spcAft>
-                <a:spcPts val="0"/>
-              </a:spcAft>
-            </a:pPr>
-            <a:r>
-              <a:rPr lang="en-US" sz="1400" dirty="0">
-                <a:solidFill>
-                  <a:srgbClr val="000000"/>
-                </a:solidFill>
-                <a:latin typeface="Consolas"/>
-                <a:ea typeface="Calibri"/>
-                <a:cs typeface="Times New Roman"/>
-              </a:rPr>
-              <a:t>	</a:t>
-            </a:r>
-            <a:r>
-              <a:rPr lang="en-US" sz="1400" dirty="0">
-                <a:solidFill>
-                  <a:srgbClr val="0000FF"/>
-                </a:solidFill>
-                <a:latin typeface="Consolas"/>
-                <a:ea typeface="Calibri"/>
-                <a:cs typeface="Times New Roman"/>
-              </a:rPr>
-              <a:t>void</a:t>
-            </a:r>
-            <a:r>
-              <a:rPr lang="en-US" sz="1400" dirty="0">
-                <a:solidFill>
-                  <a:srgbClr val="000000"/>
-                </a:solidFill>
-                <a:latin typeface="Consolas"/>
-                <a:ea typeface="Calibri"/>
-                <a:cs typeface="Times New Roman"/>
-              </a:rPr>
-              <a:t> </a:t>
-            </a:r>
-            <a:r>
-              <a:rPr lang="en-US" sz="1400" dirty="0" err="1">
-                <a:solidFill>
-                  <a:srgbClr val="000000"/>
-                </a:solidFill>
-                <a:latin typeface="Consolas"/>
-                <a:ea typeface="Calibri"/>
-                <a:cs typeface="Times New Roman"/>
-              </a:rPr>
-              <a:t>MeasurementsChanged</a:t>
-            </a:r>
-            <a:r>
-              <a:rPr lang="en-US" sz="1400" dirty="0">
-                <a:solidFill>
-                  <a:srgbClr val="000000"/>
-                </a:solidFill>
-                <a:latin typeface="Consolas"/>
-                <a:ea typeface="Calibri"/>
-                <a:cs typeface="Times New Roman"/>
-              </a:rPr>
-              <a:t>()</a:t>
-            </a:r>
-            <a:endParaRPr lang="ru-RU" sz="1400" dirty="0">
-              <a:ea typeface="Calibri"/>
-              <a:cs typeface="Times New Roman"/>
-            </a:endParaRPr>
-          </a:p>
-          <a:p>
-            <a:pPr defTabSz="447675">
-              <a:spcAft>
-                <a:spcPts val="0"/>
-              </a:spcAft>
-            </a:pPr>
-            <a:r>
-              <a:rPr lang="en-US" sz="1400" dirty="0">
-                <a:solidFill>
-                  <a:srgbClr val="000000"/>
-                </a:solidFill>
-                <a:latin typeface="Consolas"/>
-                <a:ea typeface="Calibri"/>
-                <a:cs typeface="Times New Roman"/>
-              </a:rPr>
-              <a:t>	{</a:t>
-            </a:r>
-          </a:p>
-          <a:p>
-            <a:pPr defTabSz="447675">
-              <a:spcAft>
-                <a:spcPts val="0"/>
-              </a:spcAft>
-            </a:pPr>
-            <a:r>
-              <a:rPr lang="en-US" sz="1400" dirty="0">
-                <a:ea typeface="Calibri"/>
-                <a:cs typeface="Times New Roman"/>
-              </a:rPr>
-              <a:t>		</a:t>
-            </a:r>
-            <a:r>
-              <a:rPr lang="ru-RU" sz="1400" dirty="0">
-                <a:solidFill>
-                  <a:srgbClr val="008000"/>
-                </a:solidFill>
-                <a:latin typeface="Consolas"/>
-                <a:ea typeface="Calibri"/>
-                <a:cs typeface="Times New Roman"/>
-              </a:rPr>
-              <a:t> // Для получения данных вызываем уже реализованные </a:t>
-            </a:r>
-            <a:r>
-              <a:rPr lang="en-US" sz="1400" dirty="0">
-                <a:solidFill>
-                  <a:srgbClr val="008000"/>
-                </a:solidFill>
-                <a:latin typeface="Consolas"/>
-                <a:ea typeface="Calibri"/>
-                <a:cs typeface="Times New Roman"/>
-              </a:rPr>
-              <a:t>getter-</a:t>
-            </a:r>
-            <a:r>
-              <a:rPr lang="ru-RU" sz="1400" dirty="0">
-                <a:solidFill>
-                  <a:srgbClr val="008000"/>
-                </a:solidFill>
-                <a:latin typeface="Consolas"/>
-                <a:ea typeface="Calibri"/>
-                <a:cs typeface="Times New Roman"/>
-              </a:rPr>
-              <a:t>ы</a:t>
-            </a:r>
-            <a:endParaRPr lang="ru-RU" sz="1400" dirty="0">
-              <a:ea typeface="Calibri"/>
-              <a:cs typeface="Times New Roman"/>
-            </a:endParaRPr>
-          </a:p>
-          <a:p>
-            <a:pPr defTabSz="447675">
-              <a:spcAft>
-                <a:spcPts val="0"/>
-              </a:spcAft>
-            </a:pPr>
-            <a:r>
-              <a:rPr lang="en-US" sz="1400" dirty="0">
-                <a:solidFill>
-                  <a:srgbClr val="000000"/>
-                </a:solidFill>
-                <a:latin typeface="Consolas"/>
-                <a:ea typeface="Calibri"/>
-                <a:cs typeface="Times New Roman"/>
-              </a:rPr>
-              <a:t>		</a:t>
-            </a:r>
-            <a:r>
-              <a:rPr lang="en-US" sz="1400" dirty="0">
-                <a:solidFill>
-                  <a:srgbClr val="0000FF"/>
-                </a:solidFill>
-                <a:latin typeface="Consolas"/>
-                <a:ea typeface="Calibri"/>
-                <a:cs typeface="Times New Roman"/>
-              </a:rPr>
-              <a:t>double</a:t>
-            </a:r>
-            <a:r>
-              <a:rPr lang="en-US" sz="1400" dirty="0">
-                <a:solidFill>
-                  <a:srgbClr val="000000"/>
-                </a:solidFill>
-                <a:latin typeface="Consolas"/>
-                <a:ea typeface="Calibri"/>
-                <a:cs typeface="Times New Roman"/>
-              </a:rPr>
-              <a:t> temp = </a:t>
-            </a:r>
-            <a:r>
-              <a:rPr lang="en-US" sz="1400" dirty="0" err="1">
-                <a:solidFill>
-                  <a:srgbClr val="000000"/>
-                </a:solidFill>
-                <a:latin typeface="Consolas"/>
-                <a:ea typeface="Calibri"/>
-                <a:cs typeface="Times New Roman"/>
-              </a:rPr>
-              <a:t>GetTemperature</a:t>
-            </a:r>
-            <a:r>
-              <a:rPr lang="en-US" sz="1400" dirty="0">
-                <a:solidFill>
-                  <a:srgbClr val="000000"/>
-                </a:solidFill>
-                <a:latin typeface="Consolas"/>
-                <a:ea typeface="Calibri"/>
-                <a:cs typeface="Times New Roman"/>
-              </a:rPr>
-              <a:t>();</a:t>
-            </a:r>
-            <a:endParaRPr lang="ru-RU" sz="1400" dirty="0">
-              <a:ea typeface="Calibri"/>
-              <a:cs typeface="Times New Roman"/>
-            </a:endParaRPr>
-          </a:p>
-          <a:p>
-            <a:pPr defTabSz="447675">
-              <a:spcAft>
-                <a:spcPts val="0"/>
-              </a:spcAft>
-            </a:pPr>
-            <a:r>
-              <a:rPr lang="en-US" sz="1400" dirty="0">
-                <a:solidFill>
-                  <a:srgbClr val="000000"/>
-                </a:solidFill>
-                <a:latin typeface="Consolas"/>
-                <a:ea typeface="Calibri"/>
-                <a:cs typeface="Times New Roman"/>
-              </a:rPr>
-              <a:t>		</a:t>
-            </a:r>
-            <a:r>
-              <a:rPr lang="en-US" sz="1400" dirty="0">
-                <a:solidFill>
-                  <a:srgbClr val="0000FF"/>
-                </a:solidFill>
-                <a:latin typeface="Consolas"/>
-                <a:ea typeface="Calibri"/>
-                <a:cs typeface="Times New Roman"/>
-              </a:rPr>
-              <a:t>double</a:t>
-            </a:r>
-            <a:r>
-              <a:rPr lang="en-US" sz="1400" dirty="0">
-                <a:solidFill>
-                  <a:srgbClr val="000000"/>
-                </a:solidFill>
-                <a:latin typeface="Consolas"/>
-                <a:ea typeface="Calibri"/>
-                <a:cs typeface="Times New Roman"/>
-              </a:rPr>
-              <a:t> humidity = </a:t>
-            </a:r>
-            <a:r>
-              <a:rPr lang="en-US" sz="1400" dirty="0" err="1">
-                <a:solidFill>
-                  <a:srgbClr val="000000"/>
-                </a:solidFill>
-                <a:latin typeface="Consolas"/>
-                <a:ea typeface="Calibri"/>
-                <a:cs typeface="Times New Roman"/>
-              </a:rPr>
-              <a:t>GetHumidity</a:t>
-            </a:r>
-            <a:r>
-              <a:rPr lang="en-US" sz="1400" dirty="0">
-                <a:solidFill>
-                  <a:srgbClr val="000000"/>
-                </a:solidFill>
-                <a:latin typeface="Consolas"/>
-                <a:ea typeface="Calibri"/>
-                <a:cs typeface="Times New Roman"/>
-              </a:rPr>
-              <a:t>();</a:t>
-            </a:r>
-            <a:endParaRPr lang="ru-RU" sz="1400" dirty="0">
-              <a:ea typeface="Calibri"/>
-              <a:cs typeface="Times New Roman"/>
-            </a:endParaRPr>
-          </a:p>
-          <a:p>
-            <a:pPr defTabSz="447675">
-              <a:spcAft>
-                <a:spcPts val="0"/>
-              </a:spcAft>
-            </a:pPr>
-            <a:r>
-              <a:rPr lang="en-US" sz="1400" dirty="0">
-                <a:solidFill>
-                  <a:srgbClr val="000000"/>
-                </a:solidFill>
-                <a:latin typeface="Consolas"/>
-                <a:ea typeface="Calibri"/>
-                <a:cs typeface="Times New Roman"/>
-              </a:rPr>
-              <a:t>		</a:t>
-            </a:r>
-            <a:r>
-              <a:rPr lang="en-US" sz="1400" dirty="0">
-                <a:solidFill>
-                  <a:srgbClr val="0000FF"/>
-                </a:solidFill>
-                <a:latin typeface="Consolas"/>
-                <a:ea typeface="Calibri"/>
-                <a:cs typeface="Times New Roman"/>
-              </a:rPr>
-              <a:t>double</a:t>
-            </a:r>
-            <a:r>
-              <a:rPr lang="en-US" sz="1400" dirty="0">
-                <a:solidFill>
-                  <a:srgbClr val="000000"/>
-                </a:solidFill>
-                <a:latin typeface="Consolas"/>
-                <a:ea typeface="Calibri"/>
-                <a:cs typeface="Times New Roman"/>
-              </a:rPr>
-              <a:t> pressure = </a:t>
-            </a:r>
-            <a:r>
-              <a:rPr lang="en-US" sz="1400" dirty="0" err="1">
-                <a:solidFill>
-                  <a:srgbClr val="000000"/>
-                </a:solidFill>
-                <a:latin typeface="Consolas"/>
-                <a:ea typeface="Calibri"/>
-                <a:cs typeface="Times New Roman"/>
-              </a:rPr>
-              <a:t>GetPressure</a:t>
-            </a:r>
-            <a:r>
-              <a:rPr lang="en-US" sz="1400" dirty="0">
-                <a:solidFill>
-                  <a:srgbClr val="000000"/>
-                </a:solidFill>
-                <a:latin typeface="Consolas"/>
-                <a:ea typeface="Calibri"/>
-                <a:cs typeface="Times New Roman"/>
-              </a:rPr>
-              <a:t>();</a:t>
-            </a:r>
-            <a:endParaRPr lang="ru-RU" sz="1400" dirty="0">
-              <a:ea typeface="Calibri"/>
-              <a:cs typeface="Times New Roman"/>
-            </a:endParaRPr>
-          </a:p>
-          <a:p>
-            <a:pPr defTabSz="447675">
-              <a:spcAft>
-                <a:spcPts val="0"/>
-              </a:spcAft>
-            </a:pPr>
-            <a:r>
-              <a:rPr lang="en-US" sz="1400" dirty="0">
-                <a:solidFill>
-                  <a:srgbClr val="000000"/>
-                </a:solidFill>
-                <a:latin typeface="Consolas"/>
-                <a:ea typeface="Calibri"/>
-                <a:cs typeface="Times New Roman"/>
-              </a:rPr>
-              <a:t> </a:t>
-            </a:r>
-            <a:endParaRPr lang="ru-RU" sz="1400" dirty="0">
-              <a:solidFill>
-                <a:srgbClr val="000000"/>
-              </a:solidFill>
-              <a:latin typeface="Consolas"/>
-              <a:ea typeface="Calibri"/>
-              <a:cs typeface="Times New Roman"/>
-            </a:endParaRPr>
-          </a:p>
-          <a:p>
-            <a:pPr defTabSz="447675">
-              <a:spcAft>
-                <a:spcPts val="0"/>
-              </a:spcAft>
-            </a:pPr>
-            <a:r>
-              <a:rPr lang="ru-RU" sz="1400" dirty="0">
-                <a:solidFill>
-                  <a:srgbClr val="008000"/>
-                </a:solidFill>
-                <a:latin typeface="Consolas"/>
-                <a:ea typeface="Calibri"/>
-                <a:cs typeface="Times New Roman"/>
-              </a:rPr>
-              <a:t>		// Обновляем показания индикаторов</a:t>
-            </a:r>
-            <a:endParaRPr lang="ru-RU" sz="1400" dirty="0">
-              <a:ea typeface="Calibri"/>
-              <a:cs typeface="Times New Roman"/>
-            </a:endParaRPr>
-          </a:p>
-          <a:p>
-            <a:pPr defTabSz="447675">
-              <a:spcAft>
-                <a:spcPts val="0"/>
-              </a:spcAft>
-            </a:pPr>
-            <a:r>
-              <a:rPr lang="en-US" sz="1400" dirty="0">
-                <a:solidFill>
-                  <a:srgbClr val="000000"/>
-                </a:solidFill>
-                <a:latin typeface="Consolas"/>
-                <a:ea typeface="Calibri"/>
-                <a:cs typeface="Times New Roman"/>
-              </a:rPr>
-              <a:t>		</a:t>
-            </a:r>
-            <a:r>
-              <a:rPr lang="en-US" sz="1400" dirty="0" err="1">
-                <a:solidFill>
-                  <a:srgbClr val="000000"/>
-                </a:solidFill>
-                <a:latin typeface="Consolas"/>
-                <a:ea typeface="Calibri"/>
-                <a:cs typeface="Times New Roman"/>
-              </a:rPr>
-              <a:t>m_currentConditionsDisplay.Update</a:t>
-            </a:r>
-            <a:r>
-              <a:rPr lang="en-US" sz="1400" dirty="0">
-                <a:solidFill>
-                  <a:srgbClr val="000000"/>
-                </a:solidFill>
-                <a:latin typeface="Consolas"/>
-                <a:ea typeface="Calibri"/>
-                <a:cs typeface="Times New Roman"/>
-              </a:rPr>
-              <a:t>(temp, humidity, pressure);</a:t>
-            </a:r>
-            <a:endParaRPr lang="ru-RU" sz="1400" dirty="0">
-              <a:ea typeface="Calibri"/>
-              <a:cs typeface="Times New Roman"/>
-            </a:endParaRPr>
-          </a:p>
-          <a:p>
-            <a:pPr defTabSz="447675">
-              <a:spcAft>
-                <a:spcPts val="0"/>
-              </a:spcAft>
-            </a:pPr>
-            <a:r>
-              <a:rPr lang="en-US" sz="1400" dirty="0">
-                <a:solidFill>
-                  <a:srgbClr val="000000"/>
-                </a:solidFill>
-                <a:latin typeface="Consolas"/>
-                <a:ea typeface="Calibri"/>
-                <a:cs typeface="Times New Roman"/>
-              </a:rPr>
-              <a:t>		</a:t>
-            </a:r>
-            <a:r>
-              <a:rPr lang="en-US" sz="1400" dirty="0" err="1">
-                <a:solidFill>
-                  <a:srgbClr val="000000"/>
-                </a:solidFill>
-                <a:latin typeface="Consolas"/>
-                <a:ea typeface="Calibri"/>
-                <a:cs typeface="Times New Roman"/>
-              </a:rPr>
-              <a:t>m_statisticsDisplay.Update</a:t>
-            </a:r>
-            <a:r>
-              <a:rPr lang="en-US" sz="1400" dirty="0">
-                <a:solidFill>
-                  <a:srgbClr val="000000"/>
-                </a:solidFill>
-                <a:latin typeface="Consolas"/>
-                <a:ea typeface="Calibri"/>
-                <a:cs typeface="Times New Roman"/>
-              </a:rPr>
-              <a:t>(temp, humidity, pressure);</a:t>
-            </a:r>
-            <a:endParaRPr lang="ru-RU" sz="1400" dirty="0">
-              <a:ea typeface="Calibri"/>
-              <a:cs typeface="Times New Roman"/>
-            </a:endParaRPr>
-          </a:p>
-          <a:p>
-            <a:pPr defTabSz="447675">
-              <a:spcAft>
-                <a:spcPts val="0"/>
-              </a:spcAft>
-            </a:pPr>
-            <a:r>
-              <a:rPr lang="en-US" sz="1400" dirty="0">
-                <a:solidFill>
-                  <a:srgbClr val="000000"/>
-                </a:solidFill>
-                <a:latin typeface="Consolas"/>
-                <a:ea typeface="Calibri"/>
-                <a:cs typeface="Times New Roman"/>
-              </a:rPr>
-              <a:t>		</a:t>
-            </a:r>
-            <a:r>
-              <a:rPr lang="en-US" sz="1400" dirty="0" err="1">
-                <a:solidFill>
-                  <a:srgbClr val="000000"/>
-                </a:solidFill>
-                <a:latin typeface="Consolas"/>
-                <a:ea typeface="Calibri"/>
-                <a:cs typeface="Times New Roman"/>
-              </a:rPr>
-              <a:t>m_forecastDisplay.Update</a:t>
-            </a:r>
-            <a:r>
-              <a:rPr lang="en-US" sz="1400" dirty="0">
-                <a:solidFill>
-                  <a:srgbClr val="000000"/>
-                </a:solidFill>
-                <a:latin typeface="Consolas"/>
-                <a:ea typeface="Calibri"/>
-                <a:cs typeface="Times New Roman"/>
-              </a:rPr>
-              <a:t>(temp, humidity, pressure);</a:t>
-            </a:r>
-            <a:endParaRPr lang="ru-RU" sz="1400" dirty="0">
-              <a:ea typeface="Calibri"/>
-              <a:cs typeface="Times New Roman"/>
-            </a:endParaRPr>
-          </a:p>
-          <a:p>
-            <a:pPr defTabSz="447675">
-              <a:spcAft>
-                <a:spcPts val="0"/>
-              </a:spcAft>
-            </a:pPr>
-            <a:r>
-              <a:rPr lang="en-US" sz="1400" dirty="0">
-                <a:solidFill>
-                  <a:srgbClr val="000000"/>
-                </a:solidFill>
-                <a:latin typeface="Consolas"/>
-                <a:ea typeface="Calibri"/>
-                <a:cs typeface="Times New Roman"/>
-              </a:rPr>
-              <a:t>	}</a:t>
-            </a:r>
-            <a:endParaRPr lang="ru-RU" sz="1400" dirty="0">
-              <a:ea typeface="Calibri"/>
-              <a:cs typeface="Times New Roman"/>
-            </a:endParaRPr>
-          </a:p>
-          <a:p>
-            <a:pPr defTabSz="447675">
-              <a:spcAft>
-                <a:spcPts val="1000"/>
-              </a:spcAft>
-            </a:pPr>
-            <a:r>
-              <a:rPr lang="en-US" sz="1400" dirty="0">
-                <a:solidFill>
-                  <a:srgbClr val="0000FF"/>
-                </a:solidFill>
-                <a:latin typeface="Consolas"/>
-                <a:ea typeface="Calibri"/>
-                <a:cs typeface="Times New Roman"/>
-              </a:rPr>
-              <a:t>private</a:t>
-            </a:r>
-            <a:r>
-              <a:rPr lang="ru-RU" sz="1400" dirty="0">
-                <a:solidFill>
-                  <a:srgbClr val="000000"/>
-                </a:solidFill>
-                <a:latin typeface="Consolas"/>
-                <a:ea typeface="Calibri"/>
-                <a:cs typeface="Times New Roman"/>
-              </a:rPr>
-              <a:t>:</a:t>
-            </a:r>
-            <a:endParaRPr lang="en-US" sz="1400" dirty="0">
-              <a:solidFill>
-                <a:srgbClr val="000000"/>
-              </a:solidFill>
-              <a:latin typeface="Consolas"/>
-              <a:ea typeface="Calibri"/>
-              <a:cs typeface="Times New Roman"/>
-            </a:endParaRPr>
-          </a:p>
-          <a:p>
-            <a:pPr defTabSz="447675">
-              <a:spcAft>
-                <a:spcPts val="1000"/>
-              </a:spcAft>
-            </a:pPr>
-            <a:r>
-              <a:rPr lang="en-US" sz="1400" dirty="0">
-                <a:solidFill>
-                  <a:srgbClr val="008000"/>
-                </a:solidFill>
-                <a:latin typeface="Consolas"/>
-                <a:ea typeface="Calibri"/>
-                <a:cs typeface="Times New Roman"/>
-              </a:rPr>
-              <a:t>	</a:t>
-            </a:r>
-            <a:r>
-              <a:rPr lang="ru-RU" sz="1400" dirty="0">
-                <a:solidFill>
-                  <a:srgbClr val="008000"/>
-                </a:solidFill>
-                <a:latin typeface="Consolas"/>
-                <a:ea typeface="Calibri"/>
-                <a:cs typeface="Times New Roman"/>
-              </a:rPr>
-              <a:t>// объявления переменных-индикаторов</a:t>
-            </a:r>
-            <a:endParaRPr lang="ru-RU" sz="1400" dirty="0">
-              <a:ea typeface="Calibri"/>
-              <a:cs typeface="Times New Roman"/>
-            </a:endParaRPr>
-          </a:p>
-          <a:p>
-            <a:pPr defTabSz="447675">
-              <a:spcAft>
-                <a:spcPts val="1000"/>
-              </a:spcAft>
-            </a:pPr>
-            <a:r>
-              <a:rPr lang="ru-RU" sz="1400" dirty="0">
-                <a:solidFill>
-                  <a:srgbClr val="000000"/>
-                </a:solidFill>
-                <a:latin typeface="Consolas"/>
-                <a:ea typeface="Calibri"/>
-                <a:cs typeface="Times New Roman"/>
-              </a:rPr>
-              <a:t>};</a:t>
-            </a:r>
-            <a:endParaRPr lang="ru-RU" sz="1400" dirty="0">
-              <a:ea typeface="Calibri"/>
-              <a:cs typeface="Times New Roman"/>
-            </a:endParaRPr>
+            <a:r>
+              <a:rPr lang="ru-RU" dirty="0"/>
+              <a:t>Расширяемость</a:t>
+            </a:r>
+          </a:p>
+          <a:p>
+            <a:pPr lvl="1"/>
+            <a:r>
+              <a:rPr lang="ru-RU" dirty="0"/>
+              <a:t>Возможность реализации дополнительных экранов вывода</a:t>
+            </a:r>
+          </a:p>
+          <a:p>
+            <a:pPr lvl="1"/>
+            <a:r>
+              <a:rPr lang="ru-RU" dirty="0"/>
+              <a:t>Возможность динамического добавления и удаления экранов</a:t>
+            </a:r>
           </a:p>
         </p:txBody>
       </p:sp>
     </p:spTree>
     <p:extLst>
       <p:ext uri="{BB962C8B-B14F-4D97-AF65-F5344CB8AC3E}">
-        <p14:creationId xmlns:p14="http://schemas.microsoft.com/office/powerpoint/2010/main" val="2136106387"/>
+        <p14:creationId xmlns:p14="http://schemas.microsoft.com/office/powerpoint/2010/main" val="1428663581"/>
       </p:ext>
     </p:extLst>
   </p:cSld>
@@ -5904,7 +5194,7 @@
       </p:grpSpPr>
       <p:sp>
         <p:nvSpPr>
-          <p:cNvPr id="3" name="Заголовок 2"/>
+          <p:cNvPr id="2" name="Заголовок 1"/>
           <p:cNvSpPr>
             <a:spLocks noGrp="1"/>
           </p:cNvSpPr>
@@ -5914,122 +5204,768 @@
         </p:nvSpPr>
         <p:spPr/>
         <p:txBody>
-          <a:bodyPr>
-            <a:normAutofit fontScale="90000"/>
-          </a:bodyPr>
+          <a:bodyPr/>
           <a:lstStyle/>
           <a:p>
             <a:r>
               <a:rPr lang="ru-RU" dirty="0"/>
-              <a:t>Блиц-анализ наивной реализации</a:t>
+              <a:t>Наивная реализация</a:t>
             </a:r>
           </a:p>
         </p:txBody>
       </p:sp>
       <p:sp>
         <p:nvSpPr>
-          <p:cNvPr id="4" name="Объект 3"/>
-          <p:cNvSpPr>
-            <a:spLocks noGrp="1"/>
-          </p:cNvSpPr>
-          <p:nvPr>
-            <p:ph idx="1"/>
-          </p:nvPr>
+          <p:cNvPr id="4" name="Прямоугольник 3"/>
+          <p:cNvSpPr/>
+          <p:nvPr/>
         </p:nvSpPr>
-        <p:spPr/>
+        <p:spPr>
+          <a:xfrm>
+            <a:off x="198190" y="1916832"/>
+            <a:ext cx="8712968" cy="4226798"/>
+          </a:xfrm>
+          <a:prstGeom prst="rect">
+            <a:avLst/>
+          </a:prstGeom>
+        </p:spPr>
         <p:txBody>
-          <a:bodyPr>
-            <a:normAutofit fontScale="92500" lnSpcReduction="20000"/>
+          <a:bodyPr wrap="square">
+            <a:spAutoFit/>
           </a:bodyPr>
           <a:lstStyle/>
           <a:p>
-            <a:r>
-              <a:rPr lang="ru-RU" dirty="0"/>
-              <a:t>Какие из следующих утверждений относятся к данной реализации</a:t>
-            </a:r>
-            <a:r>
-              <a:rPr lang="en-US" dirty="0"/>
-              <a:t>?</a:t>
-            </a:r>
-            <a:endParaRPr lang="ru-RU" dirty="0"/>
-          </a:p>
-          <a:p>
-            <a:pPr lvl="1"/>
-            <a:r>
-              <a:rPr lang="en-US" dirty="0"/>
-              <a:t>A. </a:t>
-            </a:r>
-            <a:r>
-              <a:rPr lang="ru-RU" dirty="0"/>
-              <a:t>Программирование на уровне реализаций, а не интерфейсов</a:t>
-            </a:r>
-          </a:p>
-          <a:p>
-            <a:pPr lvl="1"/>
-            <a:r>
-              <a:rPr lang="en-US" dirty="0"/>
-              <a:t>B. </a:t>
-            </a:r>
-            <a:r>
-              <a:rPr lang="ru-RU" dirty="0"/>
-              <a:t>Для каждого нового элемента придется изменять код</a:t>
-            </a:r>
-          </a:p>
-          <a:p>
-            <a:pPr lvl="1"/>
-            <a:r>
-              <a:rPr lang="en-US" dirty="0"/>
-              <a:t>C. </a:t>
-            </a:r>
-            <a:r>
-              <a:rPr lang="ru-RU" dirty="0"/>
-              <a:t>Нельзя добавлять/удалять элементы во время выполнения</a:t>
-            </a:r>
-          </a:p>
-          <a:p>
-            <a:pPr lvl="1"/>
-            <a:r>
-              <a:rPr lang="en-US" dirty="0"/>
-              <a:t>D. </a:t>
-            </a:r>
-            <a:r>
-              <a:rPr lang="ru-RU" dirty="0"/>
-              <a:t>Элементы не реализуют единый интерфейс</a:t>
-            </a:r>
-          </a:p>
-          <a:p>
-            <a:pPr lvl="1"/>
-            <a:r>
-              <a:rPr lang="en-US" dirty="0"/>
-              <a:t>E. </a:t>
-            </a:r>
-            <a:r>
-              <a:rPr lang="ru-RU" dirty="0"/>
-              <a:t>Переменные аспекты архитектуры не инкапсулируются</a:t>
-            </a:r>
-          </a:p>
-          <a:p>
-            <a:pPr lvl="1"/>
-            <a:r>
-              <a:rPr lang="en-US" dirty="0"/>
-              <a:t>F. </a:t>
-            </a:r>
-            <a:r>
-              <a:rPr lang="ru-RU" dirty="0"/>
-              <a:t>Нарушается инкапсуляция класса </a:t>
-            </a:r>
-            <a:r>
-              <a:rPr lang="en-US" dirty="0" err="1"/>
-              <a:t>WeatherData</a:t>
-            </a:r>
-            <a:endParaRPr lang="ru-RU" dirty="0"/>
+            <a:pPr defTabSz="447675">
+              <a:spcAft>
+                <a:spcPts val="0"/>
+              </a:spcAft>
+            </a:pPr>
+            <a:r>
+              <a:rPr lang="ru-RU" sz="1400" dirty="0" err="1">
+                <a:solidFill>
+                  <a:srgbClr val="0000FF"/>
+                </a:solidFill>
+                <a:latin typeface="Consolas"/>
+                <a:ea typeface="Calibri"/>
+                <a:cs typeface="Times New Roman"/>
+              </a:rPr>
+              <a:t>class</a:t>
+            </a:r>
+            <a:r>
+              <a:rPr lang="ru-RU" sz="1400" dirty="0">
+                <a:solidFill>
+                  <a:srgbClr val="000000"/>
+                </a:solidFill>
+                <a:latin typeface="Consolas"/>
+                <a:ea typeface="Calibri"/>
+                <a:cs typeface="Times New Roman"/>
+              </a:rPr>
+              <a:t> </a:t>
+            </a:r>
+            <a:r>
+              <a:rPr lang="ru-RU" sz="1400" dirty="0" err="1">
+                <a:solidFill>
+                  <a:srgbClr val="2B91AF"/>
+                </a:solidFill>
+                <a:latin typeface="Consolas"/>
+                <a:ea typeface="Calibri"/>
+                <a:cs typeface="Times New Roman"/>
+              </a:rPr>
+              <a:t>CWeatherData</a:t>
+            </a:r>
+            <a:endParaRPr lang="ru-RU" sz="1400" dirty="0">
+              <a:ea typeface="Calibri"/>
+              <a:cs typeface="Times New Roman"/>
+            </a:endParaRPr>
+          </a:p>
+          <a:p>
+            <a:pPr defTabSz="447675">
+              <a:spcAft>
+                <a:spcPts val="0"/>
+              </a:spcAft>
+            </a:pPr>
+            <a:r>
+              <a:rPr lang="ru-RU" sz="1400" dirty="0">
+                <a:solidFill>
+                  <a:srgbClr val="000000"/>
+                </a:solidFill>
+                <a:latin typeface="Consolas"/>
+                <a:ea typeface="Calibri"/>
+                <a:cs typeface="Times New Roman"/>
+              </a:rPr>
+              <a:t>{</a:t>
+            </a:r>
+            <a:endParaRPr lang="ru-RU" sz="1400" dirty="0">
+              <a:ea typeface="Calibri"/>
+              <a:cs typeface="Times New Roman"/>
+            </a:endParaRPr>
+          </a:p>
+          <a:p>
+            <a:pPr defTabSz="447675">
+              <a:spcAft>
+                <a:spcPts val="0"/>
+              </a:spcAft>
+            </a:pPr>
+            <a:r>
+              <a:rPr lang="ru-RU" sz="1400" dirty="0" err="1">
+                <a:solidFill>
+                  <a:srgbClr val="0000FF"/>
+                </a:solidFill>
+                <a:latin typeface="Consolas"/>
+                <a:ea typeface="Calibri"/>
+                <a:cs typeface="Times New Roman"/>
+              </a:rPr>
+              <a:t>public</a:t>
+            </a:r>
+            <a:r>
+              <a:rPr lang="ru-RU" sz="1400" dirty="0">
+                <a:solidFill>
+                  <a:srgbClr val="000000"/>
+                </a:solidFill>
+                <a:latin typeface="Consolas"/>
+                <a:ea typeface="Calibri"/>
+                <a:cs typeface="Times New Roman"/>
+              </a:rPr>
+              <a:t>:</a:t>
+            </a:r>
+            <a:endParaRPr lang="ru-RU" sz="1400" dirty="0">
+              <a:ea typeface="Calibri"/>
+              <a:cs typeface="Times New Roman"/>
+            </a:endParaRPr>
+          </a:p>
+          <a:p>
+            <a:pPr defTabSz="447675">
+              <a:spcAft>
+                <a:spcPts val="0"/>
+              </a:spcAft>
+            </a:pPr>
+            <a:r>
+              <a:rPr lang="en-US" sz="1400" dirty="0">
+                <a:solidFill>
+                  <a:srgbClr val="000000"/>
+                </a:solidFill>
+                <a:latin typeface="Consolas"/>
+                <a:ea typeface="Calibri"/>
+                <a:cs typeface="Times New Roman"/>
+              </a:rPr>
+              <a:t>	</a:t>
+            </a:r>
+            <a:r>
+              <a:rPr lang="en-US" sz="1400" dirty="0">
+                <a:solidFill>
+                  <a:srgbClr val="0000FF"/>
+                </a:solidFill>
+                <a:latin typeface="Consolas"/>
+                <a:ea typeface="Calibri"/>
+                <a:cs typeface="Times New Roman"/>
+              </a:rPr>
+              <a:t>void</a:t>
+            </a:r>
+            <a:r>
+              <a:rPr lang="en-US" sz="1400" dirty="0">
+                <a:solidFill>
+                  <a:srgbClr val="000000"/>
+                </a:solidFill>
+                <a:latin typeface="Consolas"/>
+                <a:ea typeface="Calibri"/>
+                <a:cs typeface="Times New Roman"/>
+              </a:rPr>
+              <a:t> </a:t>
+            </a:r>
+            <a:r>
+              <a:rPr lang="en-US" sz="1400" dirty="0" err="1">
+                <a:solidFill>
+                  <a:srgbClr val="000000"/>
+                </a:solidFill>
+                <a:latin typeface="Consolas"/>
+                <a:ea typeface="Calibri"/>
+                <a:cs typeface="Times New Roman"/>
+              </a:rPr>
+              <a:t>MeasurementsChanged</a:t>
+            </a:r>
+            <a:r>
+              <a:rPr lang="en-US" sz="1400" dirty="0">
+                <a:solidFill>
+                  <a:srgbClr val="000000"/>
+                </a:solidFill>
+                <a:latin typeface="Consolas"/>
+                <a:ea typeface="Calibri"/>
+                <a:cs typeface="Times New Roman"/>
+              </a:rPr>
+              <a:t>()</a:t>
+            </a:r>
+            <a:endParaRPr lang="ru-RU" sz="1400" dirty="0">
+              <a:ea typeface="Calibri"/>
+              <a:cs typeface="Times New Roman"/>
+            </a:endParaRPr>
+          </a:p>
+          <a:p>
+            <a:pPr defTabSz="447675">
+              <a:spcAft>
+                <a:spcPts val="0"/>
+              </a:spcAft>
+            </a:pPr>
+            <a:r>
+              <a:rPr lang="en-US" sz="1400" dirty="0">
+                <a:solidFill>
+                  <a:srgbClr val="000000"/>
+                </a:solidFill>
+                <a:latin typeface="Consolas"/>
+                <a:ea typeface="Calibri"/>
+                <a:cs typeface="Times New Roman"/>
+              </a:rPr>
+              <a:t>	{</a:t>
+            </a:r>
+          </a:p>
+          <a:p>
+            <a:pPr defTabSz="447675">
+              <a:spcAft>
+                <a:spcPts val="0"/>
+              </a:spcAft>
+            </a:pPr>
+            <a:r>
+              <a:rPr lang="en-US" sz="1400" dirty="0">
+                <a:ea typeface="Calibri"/>
+                <a:cs typeface="Times New Roman"/>
+              </a:rPr>
+              <a:t>		</a:t>
+            </a:r>
+            <a:r>
+              <a:rPr lang="ru-RU" sz="1400" dirty="0">
+                <a:solidFill>
+                  <a:srgbClr val="008000"/>
+                </a:solidFill>
+                <a:latin typeface="Consolas"/>
+                <a:ea typeface="Calibri"/>
+                <a:cs typeface="Times New Roman"/>
+              </a:rPr>
+              <a:t> // Для получения данных вызываем уже реализованные </a:t>
+            </a:r>
+            <a:r>
+              <a:rPr lang="en-US" sz="1400" dirty="0">
+                <a:solidFill>
+                  <a:srgbClr val="008000"/>
+                </a:solidFill>
+                <a:latin typeface="Consolas"/>
+                <a:ea typeface="Calibri"/>
+                <a:cs typeface="Times New Roman"/>
+              </a:rPr>
+              <a:t>getter-</a:t>
+            </a:r>
+            <a:r>
+              <a:rPr lang="ru-RU" sz="1400" dirty="0">
+                <a:solidFill>
+                  <a:srgbClr val="008000"/>
+                </a:solidFill>
+                <a:latin typeface="Consolas"/>
+                <a:ea typeface="Calibri"/>
+                <a:cs typeface="Times New Roman"/>
+              </a:rPr>
+              <a:t>ы</a:t>
+            </a:r>
+            <a:endParaRPr lang="ru-RU" sz="1400" dirty="0">
+              <a:ea typeface="Calibri"/>
+              <a:cs typeface="Times New Roman"/>
+            </a:endParaRPr>
+          </a:p>
+          <a:p>
+            <a:pPr defTabSz="447675">
+              <a:spcAft>
+                <a:spcPts val="0"/>
+              </a:spcAft>
+            </a:pPr>
+            <a:r>
+              <a:rPr lang="en-US" sz="1400" dirty="0">
+                <a:solidFill>
+                  <a:srgbClr val="000000"/>
+                </a:solidFill>
+                <a:latin typeface="Consolas"/>
+                <a:ea typeface="Calibri"/>
+                <a:cs typeface="Times New Roman"/>
+              </a:rPr>
+              <a:t>		</a:t>
+            </a:r>
+            <a:r>
+              <a:rPr lang="en-US" sz="1400" dirty="0">
+                <a:solidFill>
+                  <a:srgbClr val="0000FF"/>
+                </a:solidFill>
+                <a:latin typeface="Consolas"/>
+                <a:ea typeface="Calibri"/>
+                <a:cs typeface="Times New Roman"/>
+              </a:rPr>
+              <a:t>double</a:t>
+            </a:r>
+            <a:r>
+              <a:rPr lang="en-US" sz="1400" dirty="0">
+                <a:solidFill>
+                  <a:srgbClr val="000000"/>
+                </a:solidFill>
+                <a:latin typeface="Consolas"/>
+                <a:ea typeface="Calibri"/>
+                <a:cs typeface="Times New Roman"/>
+              </a:rPr>
+              <a:t> temp = </a:t>
+            </a:r>
+            <a:r>
+              <a:rPr lang="en-US" sz="1400" dirty="0" err="1">
+                <a:solidFill>
+                  <a:srgbClr val="000000"/>
+                </a:solidFill>
+                <a:latin typeface="Consolas"/>
+                <a:ea typeface="Calibri"/>
+                <a:cs typeface="Times New Roman"/>
+              </a:rPr>
+              <a:t>GetTemperature</a:t>
+            </a:r>
+            <a:r>
+              <a:rPr lang="en-US" sz="1400" dirty="0">
+                <a:solidFill>
+                  <a:srgbClr val="000000"/>
+                </a:solidFill>
+                <a:latin typeface="Consolas"/>
+                <a:ea typeface="Calibri"/>
+                <a:cs typeface="Times New Roman"/>
+              </a:rPr>
+              <a:t>();</a:t>
+            </a:r>
+            <a:endParaRPr lang="ru-RU" sz="1400" dirty="0">
+              <a:ea typeface="Calibri"/>
+              <a:cs typeface="Times New Roman"/>
+            </a:endParaRPr>
+          </a:p>
+          <a:p>
+            <a:pPr defTabSz="447675">
+              <a:spcAft>
+                <a:spcPts val="0"/>
+              </a:spcAft>
+            </a:pPr>
+            <a:r>
+              <a:rPr lang="en-US" sz="1400" dirty="0">
+                <a:solidFill>
+                  <a:srgbClr val="000000"/>
+                </a:solidFill>
+                <a:latin typeface="Consolas"/>
+                <a:ea typeface="Calibri"/>
+                <a:cs typeface="Times New Roman"/>
+              </a:rPr>
+              <a:t>		</a:t>
+            </a:r>
+            <a:r>
+              <a:rPr lang="en-US" sz="1400" dirty="0">
+                <a:solidFill>
+                  <a:srgbClr val="0000FF"/>
+                </a:solidFill>
+                <a:latin typeface="Consolas"/>
+                <a:ea typeface="Calibri"/>
+                <a:cs typeface="Times New Roman"/>
+              </a:rPr>
+              <a:t>double</a:t>
+            </a:r>
+            <a:r>
+              <a:rPr lang="en-US" sz="1400" dirty="0">
+                <a:solidFill>
+                  <a:srgbClr val="000000"/>
+                </a:solidFill>
+                <a:latin typeface="Consolas"/>
+                <a:ea typeface="Calibri"/>
+                <a:cs typeface="Times New Roman"/>
+              </a:rPr>
+              <a:t> humidity = </a:t>
+            </a:r>
+            <a:r>
+              <a:rPr lang="en-US" sz="1400" dirty="0" err="1">
+                <a:solidFill>
+                  <a:srgbClr val="000000"/>
+                </a:solidFill>
+                <a:latin typeface="Consolas"/>
+                <a:ea typeface="Calibri"/>
+                <a:cs typeface="Times New Roman"/>
+              </a:rPr>
+              <a:t>GetHumidity</a:t>
+            </a:r>
+            <a:r>
+              <a:rPr lang="en-US" sz="1400" dirty="0">
+                <a:solidFill>
+                  <a:srgbClr val="000000"/>
+                </a:solidFill>
+                <a:latin typeface="Consolas"/>
+                <a:ea typeface="Calibri"/>
+                <a:cs typeface="Times New Roman"/>
+              </a:rPr>
+              <a:t>();</a:t>
+            </a:r>
+            <a:endParaRPr lang="ru-RU" sz="1400" dirty="0">
+              <a:ea typeface="Calibri"/>
+              <a:cs typeface="Times New Roman"/>
+            </a:endParaRPr>
+          </a:p>
+          <a:p>
+            <a:pPr defTabSz="447675">
+              <a:spcAft>
+                <a:spcPts val="0"/>
+              </a:spcAft>
+            </a:pPr>
+            <a:r>
+              <a:rPr lang="en-US" sz="1400" dirty="0">
+                <a:solidFill>
+                  <a:srgbClr val="000000"/>
+                </a:solidFill>
+                <a:latin typeface="Consolas"/>
+                <a:ea typeface="Calibri"/>
+                <a:cs typeface="Times New Roman"/>
+              </a:rPr>
+              <a:t>		</a:t>
+            </a:r>
+            <a:r>
+              <a:rPr lang="en-US" sz="1400" dirty="0">
+                <a:solidFill>
+                  <a:srgbClr val="0000FF"/>
+                </a:solidFill>
+                <a:latin typeface="Consolas"/>
+                <a:ea typeface="Calibri"/>
+                <a:cs typeface="Times New Roman"/>
+              </a:rPr>
+              <a:t>double</a:t>
+            </a:r>
+            <a:r>
+              <a:rPr lang="en-US" sz="1400" dirty="0">
+                <a:solidFill>
+                  <a:srgbClr val="000000"/>
+                </a:solidFill>
+                <a:latin typeface="Consolas"/>
+                <a:ea typeface="Calibri"/>
+                <a:cs typeface="Times New Roman"/>
+              </a:rPr>
+              <a:t> pressure = </a:t>
+            </a:r>
+            <a:r>
+              <a:rPr lang="en-US" sz="1400" dirty="0" err="1">
+                <a:solidFill>
+                  <a:srgbClr val="000000"/>
+                </a:solidFill>
+                <a:latin typeface="Consolas"/>
+                <a:ea typeface="Calibri"/>
+                <a:cs typeface="Times New Roman"/>
+              </a:rPr>
+              <a:t>GetPressure</a:t>
+            </a:r>
+            <a:r>
+              <a:rPr lang="en-US" sz="1400" dirty="0">
+                <a:solidFill>
+                  <a:srgbClr val="000000"/>
+                </a:solidFill>
+                <a:latin typeface="Consolas"/>
+                <a:ea typeface="Calibri"/>
+                <a:cs typeface="Times New Roman"/>
+              </a:rPr>
+              <a:t>();</a:t>
+            </a:r>
+            <a:endParaRPr lang="ru-RU" sz="1400" dirty="0">
+              <a:ea typeface="Calibri"/>
+              <a:cs typeface="Times New Roman"/>
+            </a:endParaRPr>
+          </a:p>
+          <a:p>
+            <a:pPr defTabSz="447675">
+              <a:spcAft>
+                <a:spcPts val="0"/>
+              </a:spcAft>
+            </a:pPr>
+            <a:r>
+              <a:rPr lang="en-US" sz="1400" dirty="0">
+                <a:solidFill>
+                  <a:srgbClr val="000000"/>
+                </a:solidFill>
+                <a:latin typeface="Consolas"/>
+                <a:ea typeface="Calibri"/>
+                <a:cs typeface="Times New Roman"/>
+              </a:rPr>
+              <a:t> </a:t>
+            </a:r>
+            <a:endParaRPr lang="ru-RU" sz="1400" dirty="0">
+              <a:solidFill>
+                <a:srgbClr val="000000"/>
+              </a:solidFill>
+              <a:latin typeface="Consolas"/>
+              <a:ea typeface="Calibri"/>
+              <a:cs typeface="Times New Roman"/>
+            </a:endParaRPr>
+          </a:p>
+          <a:p>
+            <a:pPr defTabSz="447675">
+              <a:spcAft>
+                <a:spcPts val="0"/>
+              </a:spcAft>
+            </a:pPr>
+            <a:r>
+              <a:rPr lang="ru-RU" sz="1400" dirty="0">
+                <a:solidFill>
+                  <a:srgbClr val="008000"/>
+                </a:solidFill>
+                <a:latin typeface="Consolas"/>
+                <a:ea typeface="Calibri"/>
+                <a:cs typeface="Times New Roman"/>
+              </a:rPr>
+              <a:t>		// Обновляем показания индикаторов</a:t>
+            </a:r>
+            <a:endParaRPr lang="ru-RU" sz="1400" dirty="0">
+              <a:ea typeface="Calibri"/>
+              <a:cs typeface="Times New Roman"/>
+            </a:endParaRPr>
+          </a:p>
+          <a:p>
+            <a:pPr defTabSz="447675">
+              <a:spcAft>
+                <a:spcPts val="0"/>
+              </a:spcAft>
+            </a:pPr>
+            <a:r>
+              <a:rPr lang="en-US" sz="1400" dirty="0">
+                <a:solidFill>
+                  <a:srgbClr val="000000"/>
+                </a:solidFill>
+                <a:latin typeface="Consolas"/>
+                <a:ea typeface="Calibri"/>
+                <a:cs typeface="Times New Roman"/>
+              </a:rPr>
+              <a:t>		</a:t>
+            </a:r>
+            <a:r>
+              <a:rPr lang="en-US" sz="1400" dirty="0" err="1">
+                <a:solidFill>
+                  <a:srgbClr val="000000"/>
+                </a:solidFill>
+                <a:latin typeface="Consolas"/>
+                <a:ea typeface="Calibri"/>
+                <a:cs typeface="Times New Roman"/>
+              </a:rPr>
+              <a:t>m_currentConditionsDisplay.Update</a:t>
+            </a:r>
+            <a:r>
+              <a:rPr lang="en-US" sz="1400" dirty="0">
+                <a:solidFill>
+                  <a:srgbClr val="000000"/>
+                </a:solidFill>
+                <a:latin typeface="Consolas"/>
+                <a:ea typeface="Calibri"/>
+                <a:cs typeface="Times New Roman"/>
+              </a:rPr>
+              <a:t>(temp, humidity, pressure);</a:t>
+            </a:r>
+            <a:endParaRPr lang="ru-RU" sz="1400" dirty="0">
+              <a:ea typeface="Calibri"/>
+              <a:cs typeface="Times New Roman"/>
+            </a:endParaRPr>
+          </a:p>
+          <a:p>
+            <a:pPr defTabSz="447675">
+              <a:spcAft>
+                <a:spcPts val="0"/>
+              </a:spcAft>
+            </a:pPr>
+            <a:r>
+              <a:rPr lang="en-US" sz="1400" dirty="0">
+                <a:solidFill>
+                  <a:srgbClr val="000000"/>
+                </a:solidFill>
+                <a:latin typeface="Consolas"/>
+                <a:ea typeface="Calibri"/>
+                <a:cs typeface="Times New Roman"/>
+              </a:rPr>
+              <a:t>		</a:t>
+            </a:r>
+            <a:r>
+              <a:rPr lang="en-US" sz="1400" dirty="0" err="1">
+                <a:solidFill>
+                  <a:srgbClr val="000000"/>
+                </a:solidFill>
+                <a:latin typeface="Consolas"/>
+                <a:ea typeface="Calibri"/>
+                <a:cs typeface="Times New Roman"/>
+              </a:rPr>
+              <a:t>m_statisticsDisplay.Update</a:t>
+            </a:r>
+            <a:r>
+              <a:rPr lang="en-US" sz="1400" dirty="0">
+                <a:solidFill>
+                  <a:srgbClr val="000000"/>
+                </a:solidFill>
+                <a:latin typeface="Consolas"/>
+                <a:ea typeface="Calibri"/>
+                <a:cs typeface="Times New Roman"/>
+              </a:rPr>
+              <a:t>(temp, humidity, pressure);</a:t>
+            </a:r>
+            <a:endParaRPr lang="ru-RU" sz="1400" dirty="0">
+              <a:ea typeface="Calibri"/>
+              <a:cs typeface="Times New Roman"/>
+            </a:endParaRPr>
+          </a:p>
+          <a:p>
+            <a:pPr defTabSz="447675">
+              <a:spcAft>
+                <a:spcPts val="0"/>
+              </a:spcAft>
+            </a:pPr>
+            <a:r>
+              <a:rPr lang="en-US" sz="1400" dirty="0">
+                <a:solidFill>
+                  <a:srgbClr val="000000"/>
+                </a:solidFill>
+                <a:latin typeface="Consolas"/>
+                <a:ea typeface="Calibri"/>
+                <a:cs typeface="Times New Roman"/>
+              </a:rPr>
+              <a:t>		</a:t>
+            </a:r>
+            <a:r>
+              <a:rPr lang="en-US" sz="1400" dirty="0" err="1">
+                <a:solidFill>
+                  <a:srgbClr val="000000"/>
+                </a:solidFill>
+                <a:latin typeface="Consolas"/>
+                <a:ea typeface="Calibri"/>
+                <a:cs typeface="Times New Roman"/>
+              </a:rPr>
+              <a:t>m_forecastDisplay.Update</a:t>
+            </a:r>
+            <a:r>
+              <a:rPr lang="en-US" sz="1400" dirty="0">
+                <a:solidFill>
+                  <a:srgbClr val="000000"/>
+                </a:solidFill>
+                <a:latin typeface="Consolas"/>
+                <a:ea typeface="Calibri"/>
+                <a:cs typeface="Times New Roman"/>
+              </a:rPr>
+              <a:t>(temp, humidity, pressure);</a:t>
+            </a:r>
+            <a:endParaRPr lang="ru-RU" sz="1400" dirty="0">
+              <a:ea typeface="Calibri"/>
+              <a:cs typeface="Times New Roman"/>
+            </a:endParaRPr>
+          </a:p>
+          <a:p>
+            <a:pPr defTabSz="447675">
+              <a:spcAft>
+                <a:spcPts val="0"/>
+              </a:spcAft>
+            </a:pPr>
+            <a:r>
+              <a:rPr lang="en-US" sz="1400" dirty="0">
+                <a:solidFill>
+                  <a:srgbClr val="000000"/>
+                </a:solidFill>
+                <a:latin typeface="Consolas"/>
+                <a:ea typeface="Calibri"/>
+                <a:cs typeface="Times New Roman"/>
+              </a:rPr>
+              <a:t>	}</a:t>
+            </a:r>
+            <a:endParaRPr lang="ru-RU" sz="1400" dirty="0">
+              <a:ea typeface="Calibri"/>
+              <a:cs typeface="Times New Roman"/>
+            </a:endParaRPr>
+          </a:p>
+          <a:p>
+            <a:pPr defTabSz="447675">
+              <a:spcAft>
+                <a:spcPts val="1000"/>
+              </a:spcAft>
+            </a:pPr>
+            <a:r>
+              <a:rPr lang="en-US" sz="1400" dirty="0">
+                <a:solidFill>
+                  <a:srgbClr val="0000FF"/>
+                </a:solidFill>
+                <a:latin typeface="Consolas"/>
+                <a:ea typeface="Calibri"/>
+                <a:cs typeface="Times New Roman"/>
+              </a:rPr>
+              <a:t>private</a:t>
+            </a:r>
+            <a:r>
+              <a:rPr lang="ru-RU" sz="1400" dirty="0">
+                <a:solidFill>
+                  <a:srgbClr val="000000"/>
+                </a:solidFill>
+                <a:latin typeface="Consolas"/>
+                <a:ea typeface="Calibri"/>
+                <a:cs typeface="Times New Roman"/>
+              </a:rPr>
+              <a:t>:</a:t>
+            </a:r>
+            <a:endParaRPr lang="en-US" sz="1400" dirty="0">
+              <a:solidFill>
+                <a:srgbClr val="000000"/>
+              </a:solidFill>
+              <a:latin typeface="Consolas"/>
+              <a:ea typeface="Calibri"/>
+              <a:cs typeface="Times New Roman"/>
+            </a:endParaRPr>
+          </a:p>
+          <a:p>
+            <a:pPr defTabSz="447675">
+              <a:spcAft>
+                <a:spcPts val="1000"/>
+              </a:spcAft>
+            </a:pPr>
+            <a:r>
+              <a:rPr lang="en-US" sz="1400" dirty="0">
+                <a:solidFill>
+                  <a:srgbClr val="008000"/>
+                </a:solidFill>
+                <a:latin typeface="Consolas"/>
+                <a:ea typeface="Calibri"/>
+                <a:cs typeface="Times New Roman"/>
+              </a:rPr>
+              <a:t>	</a:t>
+            </a:r>
+            <a:r>
+              <a:rPr lang="ru-RU" sz="1400" dirty="0">
+                <a:solidFill>
+                  <a:srgbClr val="008000"/>
+                </a:solidFill>
+                <a:latin typeface="Consolas"/>
+                <a:ea typeface="Calibri"/>
+                <a:cs typeface="Times New Roman"/>
+              </a:rPr>
+              <a:t>// объявления переменных-индикаторов</a:t>
+            </a:r>
+            <a:endParaRPr lang="ru-RU" sz="1400" dirty="0">
+              <a:ea typeface="Calibri"/>
+              <a:cs typeface="Times New Roman"/>
+            </a:endParaRPr>
+          </a:p>
+          <a:p>
+            <a:pPr defTabSz="447675">
+              <a:spcAft>
+                <a:spcPts val="1000"/>
+              </a:spcAft>
+            </a:pPr>
+            <a:r>
+              <a:rPr lang="ru-RU" sz="1400" dirty="0">
+                <a:solidFill>
+                  <a:srgbClr val="000000"/>
+                </a:solidFill>
+                <a:latin typeface="Consolas"/>
+                <a:ea typeface="Calibri"/>
+                <a:cs typeface="Times New Roman"/>
+              </a:rPr>
+              <a:t>};</a:t>
+            </a:r>
+            <a:endParaRPr lang="ru-RU" sz="1400" dirty="0">
+              <a:ea typeface="Calibri"/>
+              <a:cs typeface="Times New Roman"/>
+            </a:endParaRPr>
           </a:p>
         </p:txBody>
       </p:sp>
     </p:spTree>
     <p:extLst>
       <p:ext uri="{BB962C8B-B14F-4D97-AF65-F5344CB8AC3E}">
-        <p14:creationId xmlns:p14="http://schemas.microsoft.com/office/powerpoint/2010/main" val="351695254"/>
+        <p14:creationId xmlns:p14="http://schemas.microsoft.com/office/powerpoint/2010/main" val="2136106387"/>
       </p:ext>
     </p:extLst>
   </p:cSld>
@@ -6075,7 +6011,7 @@
           <a:p>
             <a:r>
               <a:rPr lang="ru-RU" dirty="0"/>
-              <a:t>Блиц-анализ наивной реализации (ответы)</a:t>
+              <a:t>Блиц-анализ наивной реализации</a:t>
             </a:r>
           </a:p>
         </p:txBody>
@@ -6101,6 +6037,160 @@
               <a:rPr lang="ru-RU" dirty="0"/>
               <a:t>Какие из следующих утверждений относятся к данной реализации</a:t>
             </a:r>
+            <a:r>
+              <a:rPr lang="en-US" dirty="0"/>
+              <a:t>?</a:t>
+            </a:r>
+            <a:endParaRPr lang="ru-RU" dirty="0"/>
+          </a:p>
+          <a:p>
+            <a:pPr lvl="1"/>
+            <a:r>
+              <a:rPr lang="en-US" dirty="0"/>
+              <a:t>A. </a:t>
+            </a:r>
+            <a:r>
+              <a:rPr lang="ru-RU" dirty="0"/>
+              <a:t>Программирование на уровне реализаций, а не интерфейсов</a:t>
+            </a:r>
+          </a:p>
+          <a:p>
+            <a:pPr lvl="1"/>
+            <a:r>
+              <a:rPr lang="en-US" dirty="0"/>
+              <a:t>B. </a:t>
+            </a:r>
+            <a:r>
+              <a:rPr lang="ru-RU" dirty="0"/>
+              <a:t>Для каждого нового элемента придется изменять код</a:t>
+            </a:r>
+          </a:p>
+          <a:p>
+            <a:pPr lvl="1"/>
+            <a:r>
+              <a:rPr lang="en-US" dirty="0"/>
+              <a:t>C. </a:t>
+            </a:r>
+            <a:r>
+              <a:rPr lang="ru-RU" dirty="0"/>
+              <a:t>Нельзя добавлять/удалять элементы во время выполнения</a:t>
+            </a:r>
+          </a:p>
+          <a:p>
+            <a:pPr lvl="1"/>
+            <a:r>
+              <a:rPr lang="en-US" dirty="0"/>
+              <a:t>D. </a:t>
+            </a:r>
+            <a:r>
+              <a:rPr lang="ru-RU" dirty="0"/>
+              <a:t>Элементы не реализуют единый интерфейс</a:t>
+            </a:r>
+          </a:p>
+          <a:p>
+            <a:pPr lvl="1"/>
+            <a:r>
+              <a:rPr lang="en-US" dirty="0"/>
+              <a:t>E. </a:t>
+            </a:r>
+            <a:r>
+              <a:rPr lang="ru-RU" dirty="0"/>
+              <a:t>Переменные аспекты архитектуры не инкапсулируются</a:t>
+            </a:r>
+          </a:p>
+          <a:p>
+            <a:pPr lvl="1"/>
+            <a:r>
+              <a:rPr lang="en-US" dirty="0"/>
+              <a:t>F. </a:t>
+            </a:r>
+            <a:r>
+              <a:rPr lang="ru-RU" dirty="0"/>
+              <a:t>Нарушается инкапсуляция класса </a:t>
+            </a:r>
+            <a:r>
+              <a:rPr lang="en-US" dirty="0" err="1"/>
+              <a:t>WeatherData</a:t>
+            </a:r>
+            <a:endParaRPr lang="ru-RU" dirty="0"/>
+          </a:p>
+        </p:txBody>
+      </p:sp>
+    </p:spTree>
+    <p:extLst>
+      <p:ext uri="{BB962C8B-B14F-4D97-AF65-F5344CB8AC3E}">
+        <p14:creationId xmlns:p14="http://schemas.microsoft.com/office/powerpoint/2010/main" val="351695254"/>
+      </p:ext>
+    </p:extLst>
+  </p:cSld>
+  <p:clrMapOvr>
+    <a:masterClrMapping/>
+  </p:clrMapOvr>
+</p:sld>
+</file>
+
+<file path=ppt/slides/slide13.xml><?xml version="1.0" encoding="utf-8"?>
+<p:sld xmlns:a="http://schemas.openxmlformats.org/drawingml/2006/main" xmlns:r="http://schemas.openxmlformats.org/officeDocument/2006/relationships" xmlns:p="http://schemas.openxmlformats.org/presentationml/2006/main">
+  <p:cSld>
+    <p:spTree>
+      <p:nvGrpSpPr>
+        <p:cNvPr id="1" name=""/>
+        <p:cNvGrpSpPr/>
+        <p:nvPr/>
+      </p:nvGrpSpPr>
+      <p:grpSpPr>
+        <a:xfrm>
+          <a:off x="0" y="0"/>
+          <a:ext cx="0" cy="0"/>
+          <a:chOff x="0" y="0"/>
+          <a:chExt cx="0" cy="0"/>
+        </a:xfrm>
+      </p:grpSpPr>
+      <p:sp>
+        <p:nvSpPr>
+          <p:cNvPr id="3" name="Заголовок 2"/>
+          <p:cNvSpPr>
+            <a:spLocks noGrp="1"/>
+          </p:cNvSpPr>
+          <p:nvPr>
+            <p:ph type="title"/>
+          </p:nvPr>
+        </p:nvSpPr>
+        <p:spPr/>
+        <p:txBody>
+          <a:bodyPr>
+            <a:normAutofit fontScale="90000"/>
+          </a:bodyPr>
+          <a:lstStyle/>
+          <a:p>
+            <a:r>
+              <a:rPr lang="ru-RU" dirty="0"/>
+              <a:t>Блиц-анализ наивной реализации (ответы)</a:t>
+            </a:r>
+          </a:p>
+        </p:txBody>
+      </p:sp>
+      <p:sp>
+        <p:nvSpPr>
+          <p:cNvPr id="4" name="Объект 3"/>
+          <p:cNvSpPr>
+            <a:spLocks noGrp="1"/>
+          </p:cNvSpPr>
+          <p:nvPr>
+            <p:ph idx="1"/>
+          </p:nvPr>
+        </p:nvSpPr>
+        <p:spPr/>
+        <p:txBody>
+          <a:bodyPr>
+            <a:normAutofit fontScale="92500" lnSpcReduction="20000"/>
+          </a:bodyPr>
+          <a:lstStyle/>
+          <a:p>
+            <a:r>
+              <a:rPr lang="ru-RU" dirty="0"/>
+              <a:t>Какие из следующих утверждений относятся к данной реализации</a:t>
+            </a:r>
           </a:p>
           <a:p>
             <a:pPr lvl="1">
@@ -6244,7 +6334,7 @@
 </p:sld>
 </file>
 
-<file path=ppt/slides/slide13.xml><?xml version="1.0" encoding="utf-8"?>
+<file path=ppt/slides/slide14.xml><?xml version="1.0" encoding="utf-8"?>
 <p:sld xmlns:a="http://schemas.openxmlformats.org/drawingml/2006/main" xmlns:r="http://schemas.openxmlformats.org/officeDocument/2006/relationships" xmlns:p="http://schemas.openxmlformats.org/presentationml/2006/main">
   <p:cSld>
     <p:spTree>
@@ -7580,7 +7670,7 @@
 </p:sld>
 </file>
 
-<file path=ppt/slides/slide14.xml><?xml version="1.0" encoding="utf-8"?>
+<file path=ppt/slides/slide15.xml><?xml version="1.0" encoding="utf-8"?>
 <p:sld xmlns:a="http://schemas.openxmlformats.org/drawingml/2006/main" xmlns:r="http://schemas.openxmlformats.org/officeDocument/2006/relationships" xmlns:p="http://schemas.openxmlformats.org/presentationml/2006/main">
   <p:cSld>
     <p:spTree>
@@ -7656,7 +7746,7 @@
 </p:sld>
 </file>
 
-<file path=ppt/slides/slide15.xml><?xml version="1.0" encoding="utf-8"?>
+<file path=ppt/slides/slide16.xml><?xml version="1.0" encoding="utf-8"?>
 <p:sld xmlns:a="http://schemas.openxmlformats.org/drawingml/2006/main" xmlns:r="http://schemas.openxmlformats.org/officeDocument/2006/relationships" xmlns:p="http://schemas.openxmlformats.org/presentationml/2006/main">
   <p:cSld>
     <p:spTree>
@@ -8248,7 +8338,7 @@
 </p:sld>
 </file>
 
-<file path=ppt/slides/slide16.xml><?xml version="1.0" encoding="utf-8"?>
+<file path=ppt/slides/slide17.xml><?xml version="1.0" encoding="utf-8"?>
 <p:sld xmlns:a="http://schemas.openxmlformats.org/drawingml/2006/main" xmlns:r="http://schemas.openxmlformats.org/officeDocument/2006/relationships" xmlns:p="http://schemas.openxmlformats.org/presentationml/2006/main">
   <p:cSld>
     <p:spTree>
@@ -8319,7 +8409,7 @@
 </p:sld>
 </file>
 
-<file path=ppt/slides/slide17.xml><?xml version="1.0" encoding="utf-8"?>
+<file path=ppt/slides/slide18.xml><?xml version="1.0" encoding="utf-8"?>
 <p:sld xmlns:a="http://schemas.openxmlformats.org/drawingml/2006/main" xmlns:r="http://schemas.openxmlformats.org/officeDocument/2006/relationships" xmlns:p="http://schemas.openxmlformats.org/presentationml/2006/main">
   <p:cSld>
     <p:spTree>
@@ -8430,7 +8520,7 @@
 </p:sld>
 </file>
 
-<file path=ppt/slides/slide18.xml><?xml version="1.0" encoding="utf-8"?>
+<file path=ppt/slides/slide19.xml><?xml version="1.0" encoding="utf-8"?>
 <p:sld xmlns:a="http://schemas.openxmlformats.org/drawingml/2006/main" xmlns:r="http://schemas.openxmlformats.org/officeDocument/2006/relationships" xmlns:p="http://schemas.openxmlformats.org/presentationml/2006/main">
   <p:cSld>
     <p:spTree>
@@ -8775,7 +8865,99 @@
 </p:sld>
 </file>
 
-<file path=ppt/slides/slide19.xml><?xml version="1.0" encoding="utf-8"?>
+<file path=ppt/slides/slide2.xml><?xml version="1.0" encoding="utf-8"?>
+<p:sld xmlns:a="http://schemas.openxmlformats.org/drawingml/2006/main" xmlns:r="http://schemas.openxmlformats.org/officeDocument/2006/relationships" xmlns:p="http://schemas.openxmlformats.org/presentationml/2006/main">
+  <p:cSld>
+    <p:spTree>
+      <p:nvGrpSpPr>
+        <p:cNvPr id="1" name=""/>
+        <p:cNvGrpSpPr/>
+        <p:nvPr/>
+      </p:nvGrpSpPr>
+      <p:grpSpPr>
+        <a:xfrm>
+          <a:off x="0" y="0"/>
+          <a:ext cx="0" cy="0"/>
+          <a:chOff x="0" y="0"/>
+          <a:chExt cx="0" cy="0"/>
+        </a:xfrm>
+      </p:grpSpPr>
+      <p:sp>
+        <p:nvSpPr>
+          <p:cNvPr id="2" name="Заголовок 1">
+            <a:extLst>
+              <a:ext uri="{FF2B5EF4-FFF2-40B4-BE49-F238E27FC236}">
+                <a16:creationId xmlns:a16="http://schemas.microsoft.com/office/drawing/2014/main" id="{D2CD8298-70BA-18D6-EF7E-186A292849BB}"/>
+              </a:ext>
+            </a:extLst>
+          </p:cNvPr>
+          <p:cNvSpPr>
+            <a:spLocks noGrp="1"/>
+          </p:cNvSpPr>
+          <p:nvPr>
+            <p:ph type="title"/>
+          </p:nvPr>
+        </p:nvSpPr>
+        <p:spPr/>
+        <p:txBody>
+          <a:bodyPr/>
+          <a:lstStyle/>
+          <a:p>
+            <a:r>
+              <a:rPr lang="ru-RU" dirty="0"/>
+              <a:t>Пример</a:t>
+            </a:r>
+          </a:p>
+        </p:txBody>
+      </p:sp>
+      <p:pic>
+        <p:nvPicPr>
+          <p:cNvPr id="7" name="Объект 6">
+            <a:extLst>
+              <a:ext uri="{FF2B5EF4-FFF2-40B4-BE49-F238E27FC236}">
+                <a16:creationId xmlns:a16="http://schemas.microsoft.com/office/drawing/2014/main" id="{70E2EC8F-35C8-8CB4-19A1-552E98E3A9E0}"/>
+              </a:ext>
+            </a:extLst>
+          </p:cNvPr>
+          <p:cNvPicPr>
+            <a:picLocks noGrp="1" noChangeAspect="1"/>
+          </p:cNvPicPr>
+          <p:nvPr>
+            <p:ph idx="1"/>
+          </p:nvPr>
+        </p:nvPicPr>
+        <p:blipFill>
+          <a:blip r:embed="rId2">
+            <a:extLst>
+              <a:ext uri="{28A0092B-C50C-407E-A947-70E740481C1C}">
+                <a14:useLocalDpi xmlns:a14="http://schemas.microsoft.com/office/drawing/2010/main" val="0"/>
+              </a:ext>
+            </a:extLst>
+          </a:blip>
+          <a:srcRect/>
+          <a:stretch/>
+        </p:blipFill>
+        <p:spPr>
+          <a:xfrm>
+            <a:off x="752475" y="2163762"/>
+            <a:ext cx="7639049" cy="3848100"/>
+          </a:xfrm>
+        </p:spPr>
+      </p:pic>
+    </p:spTree>
+    <p:extLst>
+      <p:ext uri="{BB962C8B-B14F-4D97-AF65-F5344CB8AC3E}">
+        <p14:creationId xmlns:p14="http://schemas.microsoft.com/office/powerpoint/2010/main" val="1373731628"/>
+      </p:ext>
+    </p:extLst>
+  </p:cSld>
+  <p:clrMapOvr>
+    <a:masterClrMapping/>
+  </p:clrMapOvr>
+</p:sld>
+</file>
+
+<file path=ppt/slides/slide20.xml><?xml version="1.0" encoding="utf-8"?>
 <p:sld xmlns:a="http://schemas.openxmlformats.org/drawingml/2006/main" xmlns:r="http://schemas.openxmlformats.org/officeDocument/2006/relationships" xmlns:p="http://schemas.openxmlformats.org/presentationml/2006/main">
   <p:cSld>
     <p:spTree>
@@ -8966,99 +9148,7 @@
 </p:sld>
 </file>
 
-<file path=ppt/slides/slide2.xml><?xml version="1.0" encoding="utf-8"?>
-<p:sld xmlns:a="http://schemas.openxmlformats.org/drawingml/2006/main" xmlns:r="http://schemas.openxmlformats.org/officeDocument/2006/relationships" xmlns:p="http://schemas.openxmlformats.org/presentationml/2006/main">
-  <p:cSld>
-    <p:spTree>
-      <p:nvGrpSpPr>
-        <p:cNvPr id="1" name=""/>
-        <p:cNvGrpSpPr/>
-        <p:nvPr/>
-      </p:nvGrpSpPr>
-      <p:grpSpPr>
-        <a:xfrm>
-          <a:off x="0" y="0"/>
-          <a:ext cx="0" cy="0"/>
-          <a:chOff x="0" y="0"/>
-          <a:chExt cx="0" cy="0"/>
-        </a:xfrm>
-      </p:grpSpPr>
-      <p:sp>
-        <p:nvSpPr>
-          <p:cNvPr id="2" name="Заголовок 1">
-            <a:extLst>
-              <a:ext uri="{FF2B5EF4-FFF2-40B4-BE49-F238E27FC236}">
-                <a16:creationId xmlns:a16="http://schemas.microsoft.com/office/drawing/2014/main" id="{D2CD8298-70BA-18D6-EF7E-186A292849BB}"/>
-              </a:ext>
-            </a:extLst>
-          </p:cNvPr>
-          <p:cNvSpPr>
-            <a:spLocks noGrp="1"/>
-          </p:cNvSpPr>
-          <p:nvPr>
-            <p:ph type="title"/>
-          </p:nvPr>
-        </p:nvSpPr>
-        <p:spPr/>
-        <p:txBody>
-          <a:bodyPr/>
-          <a:lstStyle/>
-          <a:p>
-            <a:r>
-              <a:rPr lang="ru-RU" dirty="0"/>
-              <a:t>Пример</a:t>
-            </a:r>
-          </a:p>
-        </p:txBody>
-      </p:sp>
-      <p:pic>
-        <p:nvPicPr>
-          <p:cNvPr id="7" name="Объект 6">
-            <a:extLst>
-              <a:ext uri="{FF2B5EF4-FFF2-40B4-BE49-F238E27FC236}">
-                <a16:creationId xmlns:a16="http://schemas.microsoft.com/office/drawing/2014/main" id="{70E2EC8F-35C8-8CB4-19A1-552E98E3A9E0}"/>
-              </a:ext>
-            </a:extLst>
-          </p:cNvPr>
-          <p:cNvPicPr>
-            <a:picLocks noGrp="1" noChangeAspect="1"/>
-          </p:cNvPicPr>
-          <p:nvPr>
-            <p:ph idx="1"/>
-          </p:nvPr>
-        </p:nvPicPr>
-        <p:blipFill>
-          <a:blip r:embed="rId2">
-            <a:extLst>
-              <a:ext uri="{28A0092B-C50C-407E-A947-70E740481C1C}">
-                <a14:useLocalDpi xmlns:a14="http://schemas.microsoft.com/office/drawing/2010/main" val="0"/>
-              </a:ext>
-            </a:extLst>
-          </a:blip>
-          <a:srcRect/>
-          <a:stretch/>
-        </p:blipFill>
-        <p:spPr>
-          <a:xfrm>
-            <a:off x="752475" y="2163762"/>
-            <a:ext cx="7639049" cy="3848100"/>
-          </a:xfrm>
-        </p:spPr>
-      </p:pic>
-    </p:spTree>
-    <p:extLst>
-      <p:ext uri="{BB962C8B-B14F-4D97-AF65-F5344CB8AC3E}">
-        <p14:creationId xmlns:p14="http://schemas.microsoft.com/office/powerpoint/2010/main" val="1373731628"/>
-      </p:ext>
-    </p:extLst>
-  </p:cSld>
-  <p:clrMapOvr>
-    <a:masterClrMapping/>
-  </p:clrMapOvr>
-</p:sld>
-</file>
-
-<file path=ppt/slides/slide20.xml><?xml version="1.0" encoding="utf-8"?>
+<file path=ppt/slides/slide21.xml><?xml version="1.0" encoding="utf-8"?>
 <p:sld xmlns:a="http://schemas.openxmlformats.org/drawingml/2006/main" xmlns:r="http://schemas.openxmlformats.org/officeDocument/2006/relationships" xmlns:p="http://schemas.openxmlformats.org/presentationml/2006/main">
   <p:cSld>
     <p:spTree>
@@ -9132,7 +9222,7 @@
 </p:sld>
 </file>
 
-<file path=ppt/slides/slide21.xml><?xml version="1.0" encoding="utf-8"?>
+<file path=ppt/slides/slide22.xml><?xml version="1.0" encoding="utf-8"?>
 <p:sld xmlns:a="http://schemas.openxmlformats.org/drawingml/2006/main" xmlns:r="http://schemas.openxmlformats.org/officeDocument/2006/relationships" xmlns:p="http://schemas.openxmlformats.org/presentationml/2006/main">
   <p:cSld>
     <p:spTree>
@@ -9210,7 +9300,7 @@
 </p:sld>
 </file>
 
-<file path=ppt/slides/slide22.xml><?xml version="1.0" encoding="utf-8"?>
+<file path=ppt/slides/slide23.xml><?xml version="1.0" encoding="utf-8"?>
 <p:sld xmlns:a="http://schemas.openxmlformats.org/drawingml/2006/main" xmlns:r="http://schemas.openxmlformats.org/officeDocument/2006/relationships" xmlns:p="http://schemas.openxmlformats.org/presentationml/2006/main">
   <p:cSld>
     <p:spTree>
@@ -9562,7 +9652,7 @@
 </p:sld>
 </file>
 
-<file path=ppt/slides/slide23.xml><?xml version="1.0" encoding="utf-8"?>
+<file path=ppt/slides/slide24.xml><?xml version="1.0" encoding="utf-8"?>
 <p:sld xmlns:a="http://schemas.openxmlformats.org/drawingml/2006/main" xmlns:r="http://schemas.openxmlformats.org/officeDocument/2006/relationships" xmlns:p="http://schemas.openxmlformats.org/presentationml/2006/main">
   <p:cSld>
     <p:spTree>
@@ -9626,7 +9716,7 @@
             </a:r>
             <a:r>
               <a:rPr lang="ru-RU" dirty="0"/>
-              <a:t>, если могут взаимодействовать, обладая минимумом информации друг о друге</a:t>
+              <a:t>, если могут взаимодействовать, зная минимум информации друг о друге</a:t>
             </a:r>
           </a:p>
           <a:p>
@@ -9808,7 +9898,7 @@
 </p:sld>
 </file>
 
-<file path=ppt/slides/slide24.xml><?xml version="1.0" encoding="utf-8"?>
+<file path=ppt/slides/slide25.xml><?xml version="1.0" encoding="utf-8"?>
 <p:sld xmlns:a="http://schemas.openxmlformats.org/drawingml/2006/main" xmlns:r="http://schemas.openxmlformats.org/officeDocument/2006/relationships" xmlns:p="http://schemas.openxmlformats.org/presentationml/2006/main">
   <p:cSld>
     <p:spTree>
@@ -10275,7 +10365,7 @@
 </p:sld>
 </file>
 
-<file path=ppt/slides/slide25.xml><?xml version="1.0" encoding="utf-8"?>
+<file path=ppt/slides/slide26.xml><?xml version="1.0" encoding="utf-8"?>
 <p:sld xmlns:a="http://schemas.openxmlformats.org/drawingml/2006/main" xmlns:r="http://schemas.openxmlformats.org/officeDocument/2006/relationships" xmlns:p="http://schemas.openxmlformats.org/presentationml/2006/main">
   <p:cSld>
     <p:spTree>
@@ -10560,7 +10650,7 @@
 </p:sld>
 </file>
 
-<file path=ppt/slides/slide26.xml><?xml version="1.0" encoding="utf-8"?>
+<file path=ppt/slides/slide27.xml><?xml version="1.0" encoding="utf-8"?>
 <p:sld xmlns:a="http://schemas.openxmlformats.org/drawingml/2006/main" xmlns:r="http://schemas.openxmlformats.org/officeDocument/2006/relationships" xmlns:p="http://schemas.openxmlformats.org/presentationml/2006/main">
   <p:cSld>
     <p:spTree>
@@ -10795,7 +10885,109 @@
 </p:sld>
 </file>
 
-<file path=ppt/slides/slide27.xml><?xml version="1.0" encoding="utf-8"?>
+<file path=ppt/slides/slide28.xml><?xml version="1.0" encoding="utf-8"?>
+<p:sld xmlns:a="http://schemas.openxmlformats.org/drawingml/2006/main" xmlns:r="http://schemas.openxmlformats.org/officeDocument/2006/relationships" xmlns:p="http://schemas.openxmlformats.org/presentationml/2006/main">
+  <p:cSld>
+    <p:spTree>
+      <p:nvGrpSpPr>
+        <p:cNvPr id="1" name=""/>
+        <p:cNvGrpSpPr/>
+        <p:nvPr/>
+      </p:nvGrpSpPr>
+      <p:grpSpPr>
+        <a:xfrm>
+          <a:off x="0" y="0"/>
+          <a:ext cx="0" cy="0"/>
+          <a:chOff x="0" y="0"/>
+          <a:chExt cx="0" cy="0"/>
+        </a:xfrm>
+      </p:grpSpPr>
+      <p:sp>
+        <p:nvSpPr>
+          <p:cNvPr id="3" name="Заголовок 2">
+            <a:extLst>
+              <a:ext uri="{FF2B5EF4-FFF2-40B4-BE49-F238E27FC236}">
+                <a16:creationId xmlns:a16="http://schemas.microsoft.com/office/drawing/2014/main" id="{2C63959F-5E1B-4AD2-DAB0-AA833F725ADB}"/>
+              </a:ext>
+            </a:extLst>
+          </p:cNvPr>
+          <p:cNvSpPr>
+            <a:spLocks noGrp="1"/>
+          </p:cNvSpPr>
+          <p:nvPr>
+            <p:ph type="title"/>
+          </p:nvPr>
+        </p:nvSpPr>
+        <p:spPr/>
+        <p:txBody>
+          <a:bodyPr/>
+          <a:lstStyle/>
+          <a:p>
+            <a:r>
+              <a:rPr lang="en-US" dirty="0"/>
+              <a:t>Observer </a:t>
+            </a:r>
+            <a:r>
+              <a:rPr lang="ru-RU" dirty="0"/>
+              <a:t>и </a:t>
+            </a:r>
+            <a:r>
+              <a:rPr lang="en-US" dirty="0" err="1"/>
+              <a:t>WeatherData</a:t>
+            </a:r>
+            <a:endParaRPr lang="ru-RU" dirty="0"/>
+          </a:p>
+        </p:txBody>
+      </p:sp>
+      <p:pic>
+        <p:nvPicPr>
+          <p:cNvPr id="6" name="Объект 5">
+            <a:extLst>
+              <a:ext uri="{FF2B5EF4-FFF2-40B4-BE49-F238E27FC236}">
+                <a16:creationId xmlns:a16="http://schemas.microsoft.com/office/drawing/2014/main" id="{698313A8-3AE0-54EF-3646-45F1A189E95F}"/>
+              </a:ext>
+            </a:extLst>
+          </p:cNvPr>
+          <p:cNvPicPr>
+            <a:picLocks noGrp="1" noChangeAspect="1"/>
+          </p:cNvPicPr>
+          <p:nvPr>
+            <p:ph idx="1"/>
+          </p:nvPr>
+        </p:nvPicPr>
+        <p:blipFill>
+          <a:blip r:embed="rId2">
+            <a:extLst>
+              <a:ext uri="{28A0092B-C50C-407E-A947-70E740481C1C}">
+                <a14:useLocalDpi xmlns:a14="http://schemas.microsoft.com/office/drawing/2010/main" val="0"/>
+              </a:ext>
+            </a:extLst>
+          </a:blip>
+          <a:stretch>
+            <a:fillRect/>
+          </a:stretch>
+        </p:blipFill>
+        <p:spPr>
+          <a:xfrm>
+            <a:off x="457200" y="2636912"/>
+            <a:ext cx="8226117" cy="3449662"/>
+          </a:xfrm>
+        </p:spPr>
+      </p:pic>
+    </p:spTree>
+    <p:extLst>
+      <p:ext uri="{BB962C8B-B14F-4D97-AF65-F5344CB8AC3E}">
+        <p14:creationId xmlns:p14="http://schemas.microsoft.com/office/powerpoint/2010/main" val="60585863"/>
+      </p:ext>
+    </p:extLst>
+  </p:cSld>
+  <p:clrMapOvr>
+    <a:masterClrMapping/>
+  </p:clrMapOvr>
+</p:sld>
+</file>
+
+<file path=ppt/slides/slide29.xml><?xml version="1.0" encoding="utf-8"?>
 <p:sld xmlns:a="http://schemas.openxmlformats.org/drawingml/2006/main" xmlns:r="http://schemas.openxmlformats.org/officeDocument/2006/relationships" xmlns:p="http://schemas.openxmlformats.org/presentationml/2006/main">
   <p:cSld>
     <p:spTree>
@@ -11192,494 +11384,6 @@
 </p:sld>
 </file>
 
-<file path=ppt/slides/slide28.xml><?xml version="1.0" encoding="utf-8"?>
-<p:sld xmlns:a="http://schemas.openxmlformats.org/drawingml/2006/main" xmlns:r="http://schemas.openxmlformats.org/officeDocument/2006/relationships" xmlns:p="http://schemas.openxmlformats.org/presentationml/2006/main">
-  <p:cSld>
-    <p:spTree>
-      <p:nvGrpSpPr>
-        <p:cNvPr id="1" name=""/>
-        <p:cNvGrpSpPr/>
-        <p:nvPr/>
-      </p:nvGrpSpPr>
-      <p:grpSpPr>
-        <a:xfrm>
-          <a:off x="0" y="0"/>
-          <a:ext cx="0" cy="0"/>
-          <a:chOff x="0" y="0"/>
-          <a:chExt cx="0" cy="0"/>
-        </a:xfrm>
-      </p:grpSpPr>
-      <p:sp>
-        <p:nvSpPr>
-          <p:cNvPr id="2" name="Title 1"/>
-          <p:cNvSpPr>
-            <a:spLocks noGrp="1"/>
-          </p:cNvSpPr>
-          <p:nvPr>
-            <p:ph type="title"/>
-          </p:nvPr>
-        </p:nvSpPr>
-        <p:spPr/>
-        <p:txBody>
-          <a:bodyPr>
-            <a:normAutofit fontScale="90000"/>
-          </a:bodyPr>
-          <a:lstStyle/>
-          <a:p>
-            <a:r>
-              <a:rPr lang="ru-RU" dirty="0"/>
-              <a:t>Модель вытягивания</a:t>
-            </a:r>
-            <a:r>
-              <a:rPr lang="en-US" dirty="0"/>
-              <a:t> (pull model)</a:t>
-            </a:r>
-            <a:endParaRPr lang="ru-RU" dirty="0"/>
-          </a:p>
-        </p:txBody>
-      </p:sp>
-      <p:sp>
-        <p:nvSpPr>
-          <p:cNvPr id="3" name="Content Placeholder 2"/>
-          <p:cNvSpPr>
-            <a:spLocks noGrp="1"/>
-          </p:cNvSpPr>
-          <p:nvPr>
-            <p:ph idx="1"/>
-          </p:nvPr>
-        </p:nvSpPr>
-        <p:spPr/>
-        <p:txBody>
-          <a:bodyPr/>
-          <a:lstStyle/>
-          <a:p>
-            <a:r>
-              <a:rPr lang="ru-RU" dirty="0"/>
-              <a:t>Субъект посылает минимум информации об изменении, наблюдатели запрашивают интересующие детали</a:t>
-            </a:r>
-          </a:p>
-          <a:p>
-            <a:r>
-              <a:rPr lang="ru-RU" dirty="0"/>
-              <a:t>Достоинства</a:t>
-            </a:r>
-          </a:p>
-          <a:p>
-            <a:pPr lvl="1"/>
-            <a:r>
-              <a:rPr lang="ru-RU" dirty="0"/>
-              <a:t>Не изменяется интерфейс наблюдателя при изменении состояния субъекта</a:t>
-            </a:r>
-          </a:p>
-          <a:p>
-            <a:r>
-              <a:rPr lang="ru-RU" dirty="0"/>
-              <a:t>Недостатки</a:t>
-            </a:r>
-          </a:p>
-          <a:p>
-            <a:pPr lvl="1"/>
-            <a:r>
-              <a:rPr lang="ru-RU" dirty="0"/>
-              <a:t>Наблюдателям приходится выяснять без помощи субъекта, что именно изменилось</a:t>
-            </a:r>
-          </a:p>
-        </p:txBody>
-      </p:sp>
-    </p:spTree>
-    <p:extLst>
-      <p:ext uri="{BB962C8B-B14F-4D97-AF65-F5344CB8AC3E}">
-        <p14:creationId xmlns:p14="http://schemas.microsoft.com/office/powerpoint/2010/main" val="3917671406"/>
-      </p:ext>
-    </p:extLst>
-  </p:cSld>
-  <p:clrMapOvr>
-    <a:masterClrMapping/>
-  </p:clrMapOvr>
-  <p:timing>
-    <p:tnLst>
-      <p:par>
-        <p:cTn id="1" dur="indefinite" restart="never" nodeType="tmRoot">
-          <p:childTnLst>
-            <p:seq concurrent="1" nextAc="seek">
-              <p:cTn id="2" dur="indefinite" nodeType="mainSeq">
-                <p:childTnLst>
-                  <p:par>
-                    <p:cTn id="3" fill="hold">
-                      <p:stCondLst>
-                        <p:cond delay="indefinite"/>
-                      </p:stCondLst>
-                      <p:childTnLst>
-                        <p:par>
-                          <p:cTn id="4" fill="hold">
-                            <p:stCondLst>
-                              <p:cond delay="0"/>
-                            </p:stCondLst>
-                            <p:childTnLst>
-                              <p:par>
-                                <p:cTn id="5" presetID="10" presetClass="entr" presetSubtype="0" fill="hold" grpId="0" nodeType="clickEffect">
-                                  <p:stCondLst>
-                                    <p:cond delay="0"/>
-                                  </p:stCondLst>
-                                  <p:childTnLst>
-                                    <p:set>
-                                      <p:cBhvr>
-                                        <p:cTn id="6" dur="1" fill="hold">
-                                          <p:stCondLst>
-                                            <p:cond delay="0"/>
-                                          </p:stCondLst>
-                                        </p:cTn>
-                                        <p:tgtEl>
-                                          <p:spTgt spid="3">
-                                            <p:txEl>
-                                              <p:pRg st="0" end="0"/>
-                                            </p:txEl>
-                                          </p:spTgt>
-                                        </p:tgtEl>
-                                        <p:attrNameLst>
-                                          <p:attrName>style.visibility</p:attrName>
-                                        </p:attrNameLst>
-                                      </p:cBhvr>
-                                      <p:to>
-                                        <p:strVal val="visible"/>
-                                      </p:to>
-                                    </p:set>
-                                    <p:animEffect transition="in" filter="fade">
-                                      <p:cBhvr>
-                                        <p:cTn id="7" dur="500"/>
-                                        <p:tgtEl>
-                                          <p:spTgt spid="3">
-                                            <p:txEl>
-                                              <p:pRg st="0" end="0"/>
-                                            </p:txEl>
-                                          </p:spTgt>
-                                        </p:tgtEl>
-                                      </p:cBhvr>
-                                    </p:animEffect>
-                                  </p:childTnLst>
-                                </p:cTn>
-                              </p:par>
-                            </p:childTnLst>
-                          </p:cTn>
-                        </p:par>
-                      </p:childTnLst>
-                    </p:cTn>
-                  </p:par>
-                  <p:par>
-                    <p:cTn id="8" fill="hold">
-                      <p:stCondLst>
-                        <p:cond delay="indefinite"/>
-                      </p:stCondLst>
-                      <p:childTnLst>
-                        <p:par>
-                          <p:cTn id="9" fill="hold">
-                            <p:stCondLst>
-                              <p:cond delay="0"/>
-                            </p:stCondLst>
-                            <p:childTnLst>
-                              <p:par>
-                                <p:cTn id="10" presetID="10" presetClass="entr" presetSubtype="0" fill="hold" grpId="0" nodeType="clickEffect">
-                                  <p:stCondLst>
-                                    <p:cond delay="0"/>
-                                  </p:stCondLst>
-                                  <p:childTnLst>
-                                    <p:set>
-                                      <p:cBhvr>
-                                        <p:cTn id="11" dur="1" fill="hold">
-                                          <p:stCondLst>
-                                            <p:cond delay="0"/>
-                                          </p:stCondLst>
-                                        </p:cTn>
-                                        <p:tgtEl>
-                                          <p:spTgt spid="3">
-                                            <p:txEl>
-                                              <p:pRg st="1" end="1"/>
-                                            </p:txEl>
-                                          </p:spTgt>
-                                        </p:tgtEl>
-                                        <p:attrNameLst>
-                                          <p:attrName>style.visibility</p:attrName>
-                                        </p:attrNameLst>
-                                      </p:cBhvr>
-                                      <p:to>
-                                        <p:strVal val="visible"/>
-                                      </p:to>
-                                    </p:set>
-                                    <p:animEffect transition="in" filter="fade">
-                                      <p:cBhvr>
-                                        <p:cTn id="12" dur="500"/>
-                                        <p:tgtEl>
-                                          <p:spTgt spid="3">
-                                            <p:txEl>
-                                              <p:pRg st="1" end="1"/>
-                                            </p:txEl>
-                                          </p:spTgt>
-                                        </p:tgtEl>
-                                      </p:cBhvr>
-                                    </p:animEffect>
-                                  </p:childTnLst>
-                                </p:cTn>
-                              </p:par>
-                              <p:par>
-                                <p:cTn id="13" presetID="10" presetClass="entr" presetSubtype="0" fill="hold" grpId="0" nodeType="withEffect">
-                                  <p:stCondLst>
-                                    <p:cond delay="0"/>
-                                  </p:stCondLst>
-                                  <p:childTnLst>
-                                    <p:set>
-                                      <p:cBhvr>
-                                        <p:cTn id="14" dur="1" fill="hold">
-                                          <p:stCondLst>
-                                            <p:cond delay="0"/>
-                                          </p:stCondLst>
-                                        </p:cTn>
-                                        <p:tgtEl>
-                                          <p:spTgt spid="3">
-                                            <p:txEl>
-                                              <p:pRg st="2" end="2"/>
-                                            </p:txEl>
-                                          </p:spTgt>
-                                        </p:tgtEl>
-                                        <p:attrNameLst>
-                                          <p:attrName>style.visibility</p:attrName>
-                                        </p:attrNameLst>
-                                      </p:cBhvr>
-                                      <p:to>
-                                        <p:strVal val="visible"/>
-                                      </p:to>
-                                    </p:set>
-                                    <p:animEffect transition="in" filter="fade">
-                                      <p:cBhvr>
-                                        <p:cTn id="15" dur="500"/>
-                                        <p:tgtEl>
-                                          <p:spTgt spid="3">
-                                            <p:txEl>
-                                              <p:pRg st="2" end="2"/>
-                                            </p:txEl>
-                                          </p:spTgt>
-                                        </p:tgtEl>
-                                      </p:cBhvr>
-                                    </p:animEffect>
-                                  </p:childTnLst>
-                                </p:cTn>
-                              </p:par>
-                            </p:childTnLst>
-                          </p:cTn>
-                        </p:par>
-                      </p:childTnLst>
-                    </p:cTn>
-                  </p:par>
-                  <p:par>
-                    <p:cTn id="16" fill="hold">
-                      <p:stCondLst>
-                        <p:cond delay="indefinite"/>
-                      </p:stCondLst>
-                      <p:childTnLst>
-                        <p:par>
-                          <p:cTn id="17" fill="hold">
-                            <p:stCondLst>
-                              <p:cond delay="0"/>
-                            </p:stCondLst>
-                            <p:childTnLst>
-                              <p:par>
-                                <p:cTn id="18" presetID="10" presetClass="entr" presetSubtype="0" fill="hold" grpId="0" nodeType="clickEffect">
-                                  <p:stCondLst>
-                                    <p:cond delay="0"/>
-                                  </p:stCondLst>
-                                  <p:childTnLst>
-                                    <p:set>
-                                      <p:cBhvr>
-                                        <p:cTn id="19" dur="1" fill="hold">
-                                          <p:stCondLst>
-                                            <p:cond delay="0"/>
-                                          </p:stCondLst>
-                                        </p:cTn>
-                                        <p:tgtEl>
-                                          <p:spTgt spid="3">
-                                            <p:txEl>
-                                              <p:pRg st="3" end="3"/>
-                                            </p:txEl>
-                                          </p:spTgt>
-                                        </p:tgtEl>
-                                        <p:attrNameLst>
-                                          <p:attrName>style.visibility</p:attrName>
-                                        </p:attrNameLst>
-                                      </p:cBhvr>
-                                      <p:to>
-                                        <p:strVal val="visible"/>
-                                      </p:to>
-                                    </p:set>
-                                    <p:animEffect transition="in" filter="fade">
-                                      <p:cBhvr>
-                                        <p:cTn id="20" dur="500"/>
-                                        <p:tgtEl>
-                                          <p:spTgt spid="3">
-                                            <p:txEl>
-                                              <p:pRg st="3" end="3"/>
-                                            </p:txEl>
-                                          </p:spTgt>
-                                        </p:tgtEl>
-                                      </p:cBhvr>
-                                    </p:animEffect>
-                                  </p:childTnLst>
-                                </p:cTn>
-                              </p:par>
-                              <p:par>
-                                <p:cTn id="21" presetID="10" presetClass="entr" presetSubtype="0" fill="hold" grpId="0" nodeType="withEffect">
-                                  <p:stCondLst>
-                                    <p:cond delay="0"/>
-                                  </p:stCondLst>
-                                  <p:childTnLst>
-                                    <p:set>
-                                      <p:cBhvr>
-                                        <p:cTn id="22" dur="1" fill="hold">
-                                          <p:stCondLst>
-                                            <p:cond delay="0"/>
-                                          </p:stCondLst>
-                                        </p:cTn>
-                                        <p:tgtEl>
-                                          <p:spTgt spid="3">
-                                            <p:txEl>
-                                              <p:pRg st="4" end="4"/>
-                                            </p:txEl>
-                                          </p:spTgt>
-                                        </p:tgtEl>
-                                        <p:attrNameLst>
-                                          <p:attrName>style.visibility</p:attrName>
-                                        </p:attrNameLst>
-                                      </p:cBhvr>
-                                      <p:to>
-                                        <p:strVal val="visible"/>
-                                      </p:to>
-                                    </p:set>
-                                    <p:animEffect transition="in" filter="fade">
-                                      <p:cBhvr>
-                                        <p:cTn id="23" dur="500"/>
-                                        <p:tgtEl>
-                                          <p:spTgt spid="3">
-                                            <p:txEl>
-                                              <p:pRg st="4" end="4"/>
-                                            </p:txEl>
-                                          </p:spTgt>
-                                        </p:tgtEl>
-                                      </p:cBhvr>
-                                    </p:animEffect>
-                                  </p:childTnLst>
-                                </p:cTn>
-                              </p:par>
-                            </p:childTnLst>
-                          </p:cTn>
-                        </p:par>
-                      </p:childTnLst>
-                    </p:cTn>
-                  </p:par>
-                </p:childTnLst>
-              </p:cTn>
-              <p:prevCondLst>
-                <p:cond evt="onPrev" delay="0">
-                  <p:tgtEl>
-                    <p:sldTgt/>
-                  </p:tgtEl>
-                </p:cond>
-              </p:prevCondLst>
-              <p:nextCondLst>
-                <p:cond evt="onNext" delay="0">
-                  <p:tgtEl>
-                    <p:sldTgt/>
-                  </p:tgtEl>
-                </p:cond>
-              </p:nextCondLst>
-            </p:seq>
-          </p:childTnLst>
-        </p:cTn>
-      </p:par>
-    </p:tnLst>
-    <p:bldLst>
-      <p:bldP spid="3" grpId="0" build="p"/>
-    </p:bldLst>
-  </p:timing>
-</p:sld>
-</file>
-
-<file path=ppt/slides/slide29.xml><?xml version="1.0" encoding="utf-8"?>
-<p:sld xmlns:a="http://schemas.openxmlformats.org/drawingml/2006/main" xmlns:r="http://schemas.openxmlformats.org/officeDocument/2006/relationships" xmlns:p="http://schemas.openxmlformats.org/presentationml/2006/main">
-  <p:cSld>
-    <p:spTree>
-      <p:nvGrpSpPr>
-        <p:cNvPr id="1" name=""/>
-        <p:cNvGrpSpPr/>
-        <p:nvPr/>
-      </p:nvGrpSpPr>
-      <p:grpSpPr>
-        <a:xfrm>
-          <a:off x="0" y="0"/>
-          <a:ext cx="0" cy="0"/>
-          <a:chOff x="0" y="0"/>
-          <a:chExt cx="0" cy="0"/>
-        </a:xfrm>
-      </p:grpSpPr>
-      <p:sp>
-        <p:nvSpPr>
-          <p:cNvPr id="2" name="Title 1"/>
-          <p:cNvSpPr>
-            <a:spLocks noGrp="1"/>
-          </p:cNvSpPr>
-          <p:nvPr>
-            <p:ph type="title"/>
-          </p:nvPr>
-        </p:nvSpPr>
-        <p:spPr/>
-        <p:txBody>
-          <a:bodyPr/>
-          <a:lstStyle/>
-          <a:p>
-            <a:r>
-              <a:rPr lang="en-US" dirty="0"/>
-              <a:t>Pull Model</a:t>
-            </a:r>
-            <a:endParaRPr lang="ru-RU" dirty="0"/>
-          </a:p>
-        </p:txBody>
-      </p:sp>
-      <p:pic>
-        <p:nvPicPr>
-          <p:cNvPr id="7" name="Content Placeholder 6"/>
-          <p:cNvPicPr>
-            <a:picLocks noGrp="1" noChangeAspect="1"/>
-          </p:cNvPicPr>
-          <p:nvPr>
-            <p:ph idx="1"/>
-          </p:nvPr>
-        </p:nvPicPr>
-        <p:blipFill>
-          <a:blip r:embed="rId2"/>
-          <a:stretch>
-            <a:fillRect/>
-          </a:stretch>
-        </p:blipFill>
-        <p:spPr>
-          <a:xfrm>
-            <a:off x="371420" y="1556793"/>
-            <a:ext cx="8485015" cy="5112568"/>
-          </a:xfrm>
-          <a:prstGeom prst="rect">
-            <a:avLst/>
-          </a:prstGeom>
-        </p:spPr>
-      </p:pic>
-    </p:spTree>
-    <p:extLst>
-      <p:ext uri="{BB962C8B-B14F-4D97-AF65-F5344CB8AC3E}">
-        <p14:creationId xmlns:p14="http://schemas.microsoft.com/office/powerpoint/2010/main" val="3475233543"/>
-      </p:ext>
-    </p:extLst>
-  </p:cSld>
-  <p:clrMapOvr>
-    <a:masterClrMapping/>
-  </p:clrMapOvr>
-</p:sld>
-</file>
-
 <file path=ppt/slides/slide3.xml><?xml version="1.0" encoding="utf-8"?>
 <p:sld xmlns:a="http://schemas.openxmlformats.org/drawingml/2006/main" xmlns:r="http://schemas.openxmlformats.org/officeDocument/2006/relationships" xmlns:p="http://schemas.openxmlformats.org/presentationml/2006/main">
   <p:cSld>
@@ -11722,7 +11426,7 @@
           <a:p>
             <a:r>
               <a:rPr lang="ru-RU" dirty="0"/>
-              <a:t>Человек управляет светом самостоятельно</a:t>
+              <a:t>Человек управляет приборами самостоятельно</a:t>
             </a:r>
           </a:p>
         </p:txBody>
@@ -11810,11 +11514,11 @@
           <a:p>
             <a:r>
               <a:rPr lang="ru-RU" dirty="0"/>
-              <a:t>Модель проталкивания </a:t>
+              <a:t>Модель вытягивания</a:t>
             </a:r>
             <a:r>
               <a:rPr lang="en-US" dirty="0"/>
-              <a:t>(push model)</a:t>
+              <a:t> (pull model)</a:t>
             </a:r>
             <a:endParaRPr lang="ru-RU" dirty="0"/>
           </a:p>
@@ -11837,7 +11541,7 @@
           <a:p>
             <a:r>
               <a:rPr lang="ru-RU" dirty="0"/>
-              <a:t>Субъект посылает детальную информацию об изменении, независимо от того, нужно ли это наблюдателям</a:t>
+              <a:t>Субъект посылает минимум информации об изменении, наблюдатели запрашивают интересующие детали</a:t>
             </a:r>
           </a:p>
           <a:p>
@@ -11850,7 +11554,7 @@
             <a:pPr lvl="1"/>
             <a:r>
               <a:rPr lang="ru-RU" dirty="0"/>
-              <a:t>Наблюдателям легче понять, что именно изменилось</a:t>
+              <a:t>Не изменяется интерфейс наблюдателя при изменении состояния субъекта</a:t>
             </a:r>
           </a:p>
           <a:p>
@@ -11863,7 +11567,7 @@
             <a:pPr lvl="1"/>
             <a:r>
               <a:rPr lang="ru-RU" dirty="0"/>
-              <a:t>Снижение повторного использования кода</a:t>
+              <a:t>Наблюдателям приходится выяснять без помощи субъекта, что именно изменилось</a:t>
             </a:r>
           </a:p>
         </p:txBody>
@@ -11871,7 +11575,7 @@
     </p:spTree>
     <p:extLst>
       <p:ext uri="{BB962C8B-B14F-4D97-AF65-F5344CB8AC3E}">
-        <p14:creationId xmlns:p14="http://schemas.microsoft.com/office/powerpoint/2010/main" val="1832402990"/>
+        <p14:creationId xmlns:p14="http://schemas.microsoft.com/office/powerpoint/2010/main" val="3917671406"/>
       </p:ext>
     </p:extLst>
   </p:cSld>
@@ -12217,6 +11921,494 @@
           <a:p>
             <a:r>
               <a:rPr lang="en-US" dirty="0"/>
+              <a:t>Pull Model</a:t>
+            </a:r>
+            <a:endParaRPr lang="ru-RU" dirty="0"/>
+          </a:p>
+        </p:txBody>
+      </p:sp>
+      <p:pic>
+        <p:nvPicPr>
+          <p:cNvPr id="7" name="Content Placeholder 6"/>
+          <p:cNvPicPr>
+            <a:picLocks noGrp="1" noChangeAspect="1"/>
+          </p:cNvPicPr>
+          <p:nvPr>
+            <p:ph idx="1"/>
+          </p:nvPr>
+        </p:nvPicPr>
+        <p:blipFill>
+          <a:blip r:embed="rId2"/>
+          <a:stretch>
+            <a:fillRect/>
+          </a:stretch>
+        </p:blipFill>
+        <p:spPr>
+          <a:xfrm>
+            <a:off x="371420" y="1556793"/>
+            <a:ext cx="8485015" cy="5112568"/>
+          </a:xfrm>
+          <a:prstGeom prst="rect">
+            <a:avLst/>
+          </a:prstGeom>
+        </p:spPr>
+      </p:pic>
+    </p:spTree>
+    <p:extLst>
+      <p:ext uri="{BB962C8B-B14F-4D97-AF65-F5344CB8AC3E}">
+        <p14:creationId xmlns:p14="http://schemas.microsoft.com/office/powerpoint/2010/main" val="3475233543"/>
+      </p:ext>
+    </p:extLst>
+  </p:cSld>
+  <p:clrMapOvr>
+    <a:masterClrMapping/>
+  </p:clrMapOvr>
+</p:sld>
+</file>
+
+<file path=ppt/slides/slide32.xml><?xml version="1.0" encoding="utf-8"?>
+<p:sld xmlns:a="http://schemas.openxmlformats.org/drawingml/2006/main" xmlns:r="http://schemas.openxmlformats.org/officeDocument/2006/relationships" xmlns:p="http://schemas.openxmlformats.org/presentationml/2006/main">
+  <p:cSld>
+    <p:spTree>
+      <p:nvGrpSpPr>
+        <p:cNvPr id="1" name=""/>
+        <p:cNvGrpSpPr/>
+        <p:nvPr/>
+      </p:nvGrpSpPr>
+      <p:grpSpPr>
+        <a:xfrm>
+          <a:off x="0" y="0"/>
+          <a:ext cx="0" cy="0"/>
+          <a:chOff x="0" y="0"/>
+          <a:chExt cx="0" cy="0"/>
+        </a:xfrm>
+      </p:grpSpPr>
+      <p:sp>
+        <p:nvSpPr>
+          <p:cNvPr id="2" name="Title 1"/>
+          <p:cNvSpPr>
+            <a:spLocks noGrp="1"/>
+          </p:cNvSpPr>
+          <p:nvPr>
+            <p:ph type="title"/>
+          </p:nvPr>
+        </p:nvSpPr>
+        <p:spPr/>
+        <p:txBody>
+          <a:bodyPr>
+            <a:normAutofit fontScale="90000"/>
+          </a:bodyPr>
+          <a:lstStyle/>
+          <a:p>
+            <a:r>
+              <a:rPr lang="ru-RU" dirty="0"/>
+              <a:t>Модель проталкивания </a:t>
+            </a:r>
+            <a:r>
+              <a:rPr lang="en-US" dirty="0"/>
+              <a:t>(push model)</a:t>
+            </a:r>
+            <a:endParaRPr lang="ru-RU" dirty="0"/>
+          </a:p>
+        </p:txBody>
+      </p:sp>
+      <p:sp>
+        <p:nvSpPr>
+          <p:cNvPr id="3" name="Content Placeholder 2"/>
+          <p:cNvSpPr>
+            <a:spLocks noGrp="1"/>
+          </p:cNvSpPr>
+          <p:nvPr>
+            <p:ph idx="1"/>
+          </p:nvPr>
+        </p:nvSpPr>
+        <p:spPr/>
+        <p:txBody>
+          <a:bodyPr/>
+          <a:lstStyle/>
+          <a:p>
+            <a:r>
+              <a:rPr lang="ru-RU" dirty="0"/>
+              <a:t>Субъект посылает детальную информацию об изменении, независимо от того, нужно ли это наблюдателям</a:t>
+            </a:r>
+          </a:p>
+          <a:p>
+            <a:r>
+              <a:rPr lang="ru-RU" dirty="0"/>
+              <a:t>Достоинства</a:t>
+            </a:r>
+          </a:p>
+          <a:p>
+            <a:pPr lvl="1"/>
+            <a:r>
+              <a:rPr lang="ru-RU" dirty="0"/>
+              <a:t>Наблюдателям легче понять, что именно изменилось</a:t>
+            </a:r>
+          </a:p>
+          <a:p>
+            <a:r>
+              <a:rPr lang="ru-RU" dirty="0"/>
+              <a:t>Недостатки</a:t>
+            </a:r>
+          </a:p>
+          <a:p>
+            <a:pPr lvl="1"/>
+            <a:r>
+              <a:rPr lang="ru-RU" dirty="0"/>
+              <a:t>Снижение повторного использования кода</a:t>
+            </a:r>
+          </a:p>
+        </p:txBody>
+      </p:sp>
+    </p:spTree>
+    <p:extLst>
+      <p:ext uri="{BB962C8B-B14F-4D97-AF65-F5344CB8AC3E}">
+        <p14:creationId xmlns:p14="http://schemas.microsoft.com/office/powerpoint/2010/main" val="1832402990"/>
+      </p:ext>
+    </p:extLst>
+  </p:cSld>
+  <p:clrMapOvr>
+    <a:masterClrMapping/>
+  </p:clrMapOvr>
+  <p:timing>
+    <p:tnLst>
+      <p:par>
+        <p:cTn id="1" dur="indefinite" restart="never" nodeType="tmRoot">
+          <p:childTnLst>
+            <p:seq concurrent="1" nextAc="seek">
+              <p:cTn id="2" dur="indefinite" nodeType="mainSeq">
+                <p:childTnLst>
+                  <p:par>
+                    <p:cTn id="3" fill="hold">
+                      <p:stCondLst>
+                        <p:cond delay="indefinite"/>
+                      </p:stCondLst>
+                      <p:childTnLst>
+                        <p:par>
+                          <p:cTn id="4" fill="hold">
+                            <p:stCondLst>
+                              <p:cond delay="0"/>
+                            </p:stCondLst>
+                            <p:childTnLst>
+                              <p:par>
+                                <p:cTn id="5" presetID="10" presetClass="entr" presetSubtype="0" fill="hold" grpId="0" nodeType="clickEffect">
+                                  <p:stCondLst>
+                                    <p:cond delay="0"/>
+                                  </p:stCondLst>
+                                  <p:childTnLst>
+                                    <p:set>
+                                      <p:cBhvr>
+                                        <p:cTn id="6" dur="1" fill="hold">
+                                          <p:stCondLst>
+                                            <p:cond delay="0"/>
+                                          </p:stCondLst>
+                                        </p:cTn>
+                                        <p:tgtEl>
+                                          <p:spTgt spid="3">
+                                            <p:txEl>
+                                              <p:pRg st="0" end="0"/>
+                                            </p:txEl>
+                                          </p:spTgt>
+                                        </p:tgtEl>
+                                        <p:attrNameLst>
+                                          <p:attrName>style.visibility</p:attrName>
+                                        </p:attrNameLst>
+                                      </p:cBhvr>
+                                      <p:to>
+                                        <p:strVal val="visible"/>
+                                      </p:to>
+                                    </p:set>
+                                    <p:animEffect transition="in" filter="fade">
+                                      <p:cBhvr>
+                                        <p:cTn id="7" dur="500"/>
+                                        <p:tgtEl>
+                                          <p:spTgt spid="3">
+                                            <p:txEl>
+                                              <p:pRg st="0" end="0"/>
+                                            </p:txEl>
+                                          </p:spTgt>
+                                        </p:tgtEl>
+                                      </p:cBhvr>
+                                    </p:animEffect>
+                                  </p:childTnLst>
+                                </p:cTn>
+                              </p:par>
+                            </p:childTnLst>
+                          </p:cTn>
+                        </p:par>
+                      </p:childTnLst>
+                    </p:cTn>
+                  </p:par>
+                  <p:par>
+                    <p:cTn id="8" fill="hold">
+                      <p:stCondLst>
+                        <p:cond delay="indefinite"/>
+                      </p:stCondLst>
+                      <p:childTnLst>
+                        <p:par>
+                          <p:cTn id="9" fill="hold">
+                            <p:stCondLst>
+                              <p:cond delay="0"/>
+                            </p:stCondLst>
+                            <p:childTnLst>
+                              <p:par>
+                                <p:cTn id="10" presetID="10" presetClass="entr" presetSubtype="0" fill="hold" grpId="0" nodeType="clickEffect">
+                                  <p:stCondLst>
+                                    <p:cond delay="0"/>
+                                  </p:stCondLst>
+                                  <p:childTnLst>
+                                    <p:set>
+                                      <p:cBhvr>
+                                        <p:cTn id="11" dur="1" fill="hold">
+                                          <p:stCondLst>
+                                            <p:cond delay="0"/>
+                                          </p:stCondLst>
+                                        </p:cTn>
+                                        <p:tgtEl>
+                                          <p:spTgt spid="3">
+                                            <p:txEl>
+                                              <p:pRg st="1" end="1"/>
+                                            </p:txEl>
+                                          </p:spTgt>
+                                        </p:tgtEl>
+                                        <p:attrNameLst>
+                                          <p:attrName>style.visibility</p:attrName>
+                                        </p:attrNameLst>
+                                      </p:cBhvr>
+                                      <p:to>
+                                        <p:strVal val="visible"/>
+                                      </p:to>
+                                    </p:set>
+                                    <p:animEffect transition="in" filter="fade">
+                                      <p:cBhvr>
+                                        <p:cTn id="12" dur="500"/>
+                                        <p:tgtEl>
+                                          <p:spTgt spid="3">
+                                            <p:txEl>
+                                              <p:pRg st="1" end="1"/>
+                                            </p:txEl>
+                                          </p:spTgt>
+                                        </p:tgtEl>
+                                      </p:cBhvr>
+                                    </p:animEffect>
+                                  </p:childTnLst>
+                                </p:cTn>
+                              </p:par>
+                              <p:par>
+                                <p:cTn id="13" presetID="10" presetClass="entr" presetSubtype="0" fill="hold" grpId="0" nodeType="withEffect">
+                                  <p:stCondLst>
+                                    <p:cond delay="0"/>
+                                  </p:stCondLst>
+                                  <p:childTnLst>
+                                    <p:set>
+                                      <p:cBhvr>
+                                        <p:cTn id="14" dur="1" fill="hold">
+                                          <p:stCondLst>
+                                            <p:cond delay="0"/>
+                                          </p:stCondLst>
+                                        </p:cTn>
+                                        <p:tgtEl>
+                                          <p:spTgt spid="3">
+                                            <p:txEl>
+                                              <p:pRg st="2" end="2"/>
+                                            </p:txEl>
+                                          </p:spTgt>
+                                        </p:tgtEl>
+                                        <p:attrNameLst>
+                                          <p:attrName>style.visibility</p:attrName>
+                                        </p:attrNameLst>
+                                      </p:cBhvr>
+                                      <p:to>
+                                        <p:strVal val="visible"/>
+                                      </p:to>
+                                    </p:set>
+                                    <p:animEffect transition="in" filter="fade">
+                                      <p:cBhvr>
+                                        <p:cTn id="15" dur="500"/>
+                                        <p:tgtEl>
+                                          <p:spTgt spid="3">
+                                            <p:txEl>
+                                              <p:pRg st="2" end="2"/>
+                                            </p:txEl>
+                                          </p:spTgt>
+                                        </p:tgtEl>
+                                      </p:cBhvr>
+                                    </p:animEffect>
+                                  </p:childTnLst>
+                                </p:cTn>
+                              </p:par>
+                            </p:childTnLst>
+                          </p:cTn>
+                        </p:par>
+                      </p:childTnLst>
+                    </p:cTn>
+                  </p:par>
+                  <p:par>
+                    <p:cTn id="16" fill="hold">
+                      <p:stCondLst>
+                        <p:cond delay="indefinite"/>
+                      </p:stCondLst>
+                      <p:childTnLst>
+                        <p:par>
+                          <p:cTn id="17" fill="hold">
+                            <p:stCondLst>
+                              <p:cond delay="0"/>
+                            </p:stCondLst>
+                            <p:childTnLst>
+                              <p:par>
+                                <p:cTn id="18" presetID="10" presetClass="entr" presetSubtype="0" fill="hold" grpId="0" nodeType="clickEffect">
+                                  <p:stCondLst>
+                                    <p:cond delay="0"/>
+                                  </p:stCondLst>
+                                  <p:childTnLst>
+                                    <p:set>
+                                      <p:cBhvr>
+                                        <p:cTn id="19" dur="1" fill="hold">
+                                          <p:stCondLst>
+                                            <p:cond delay="0"/>
+                                          </p:stCondLst>
+                                        </p:cTn>
+                                        <p:tgtEl>
+                                          <p:spTgt spid="3">
+                                            <p:txEl>
+                                              <p:pRg st="3" end="3"/>
+                                            </p:txEl>
+                                          </p:spTgt>
+                                        </p:tgtEl>
+                                        <p:attrNameLst>
+                                          <p:attrName>style.visibility</p:attrName>
+                                        </p:attrNameLst>
+                                      </p:cBhvr>
+                                      <p:to>
+                                        <p:strVal val="visible"/>
+                                      </p:to>
+                                    </p:set>
+                                    <p:animEffect transition="in" filter="fade">
+                                      <p:cBhvr>
+                                        <p:cTn id="20" dur="500"/>
+                                        <p:tgtEl>
+                                          <p:spTgt spid="3">
+                                            <p:txEl>
+                                              <p:pRg st="3" end="3"/>
+                                            </p:txEl>
+                                          </p:spTgt>
+                                        </p:tgtEl>
+                                      </p:cBhvr>
+                                    </p:animEffect>
+                                  </p:childTnLst>
+                                </p:cTn>
+                              </p:par>
+                              <p:par>
+                                <p:cTn id="21" presetID="10" presetClass="entr" presetSubtype="0" fill="hold" grpId="0" nodeType="withEffect">
+                                  <p:stCondLst>
+                                    <p:cond delay="0"/>
+                                  </p:stCondLst>
+                                  <p:childTnLst>
+                                    <p:set>
+                                      <p:cBhvr>
+                                        <p:cTn id="22" dur="1" fill="hold">
+                                          <p:stCondLst>
+                                            <p:cond delay="0"/>
+                                          </p:stCondLst>
+                                        </p:cTn>
+                                        <p:tgtEl>
+                                          <p:spTgt spid="3">
+                                            <p:txEl>
+                                              <p:pRg st="4" end="4"/>
+                                            </p:txEl>
+                                          </p:spTgt>
+                                        </p:tgtEl>
+                                        <p:attrNameLst>
+                                          <p:attrName>style.visibility</p:attrName>
+                                        </p:attrNameLst>
+                                      </p:cBhvr>
+                                      <p:to>
+                                        <p:strVal val="visible"/>
+                                      </p:to>
+                                    </p:set>
+                                    <p:animEffect transition="in" filter="fade">
+                                      <p:cBhvr>
+                                        <p:cTn id="23" dur="500"/>
+                                        <p:tgtEl>
+                                          <p:spTgt spid="3">
+                                            <p:txEl>
+                                              <p:pRg st="4" end="4"/>
+                                            </p:txEl>
+                                          </p:spTgt>
+                                        </p:tgtEl>
+                                      </p:cBhvr>
+                                    </p:animEffect>
+                                  </p:childTnLst>
+                                </p:cTn>
+                              </p:par>
+                            </p:childTnLst>
+                          </p:cTn>
+                        </p:par>
+                      </p:childTnLst>
+                    </p:cTn>
+                  </p:par>
+                </p:childTnLst>
+              </p:cTn>
+              <p:prevCondLst>
+                <p:cond evt="onPrev" delay="0">
+                  <p:tgtEl>
+                    <p:sldTgt/>
+                  </p:tgtEl>
+                </p:cond>
+              </p:prevCondLst>
+              <p:nextCondLst>
+                <p:cond evt="onNext" delay="0">
+                  <p:tgtEl>
+                    <p:sldTgt/>
+                  </p:tgtEl>
+                </p:cond>
+              </p:nextCondLst>
+            </p:seq>
+          </p:childTnLst>
+        </p:cTn>
+      </p:par>
+    </p:tnLst>
+    <p:bldLst>
+      <p:bldP spid="3" grpId="0" build="p"/>
+    </p:bldLst>
+  </p:timing>
+</p:sld>
+</file>
+
+<file path=ppt/slides/slide33.xml><?xml version="1.0" encoding="utf-8"?>
+<p:sld xmlns:a="http://schemas.openxmlformats.org/drawingml/2006/main" xmlns:r="http://schemas.openxmlformats.org/officeDocument/2006/relationships" xmlns:p="http://schemas.openxmlformats.org/presentationml/2006/main">
+  <p:cSld>
+    <p:spTree>
+      <p:nvGrpSpPr>
+        <p:cNvPr id="1" name=""/>
+        <p:cNvGrpSpPr/>
+        <p:nvPr/>
+      </p:nvGrpSpPr>
+      <p:grpSpPr>
+        <a:xfrm>
+          <a:off x="0" y="0"/>
+          <a:ext cx="0" cy="0"/>
+          <a:chOff x="0" y="0"/>
+          <a:chExt cx="0" cy="0"/>
+        </a:xfrm>
+      </p:grpSpPr>
+      <p:sp>
+        <p:nvSpPr>
+          <p:cNvPr id="2" name="Title 1"/>
+          <p:cNvSpPr>
+            <a:spLocks noGrp="1"/>
+          </p:cNvSpPr>
+          <p:nvPr>
+            <p:ph type="title"/>
+          </p:nvPr>
+        </p:nvSpPr>
+        <p:spPr/>
+        <p:txBody>
+          <a:bodyPr/>
+          <a:lstStyle/>
+          <a:p>
+            <a:r>
+              <a:rPr lang="en-US" dirty="0"/>
               <a:t>Push Model</a:t>
             </a:r>
             <a:endParaRPr lang="ru-RU" dirty="0"/>
@@ -12262,7 +12454,7 @@
 </p:sld>
 </file>
 
-<file path=ppt/slides/slide32.xml><?xml version="1.0" encoding="utf-8"?>
+<file path=ppt/slides/slide34.xml><?xml version="1.0" encoding="utf-8"?>
 <p:sld xmlns:a="http://schemas.openxmlformats.org/drawingml/2006/main" xmlns:r="http://schemas.openxmlformats.org/officeDocument/2006/relationships" xmlns:p="http://schemas.openxmlformats.org/presentationml/2006/main">
   <p:cSld>
     <p:spTree>
@@ -12554,7 +12746,7 @@
 </p:sld>
 </file>
 
-<file path=ppt/slides/slide33.xml><?xml version="1.0" encoding="utf-8"?>
+<file path=ppt/slides/slide35.xml><?xml version="1.0" encoding="utf-8"?>
 <p:sld xmlns:a="http://schemas.openxmlformats.org/drawingml/2006/main" xmlns:r="http://schemas.openxmlformats.org/officeDocument/2006/relationships" xmlns:p="http://schemas.openxmlformats.org/presentationml/2006/main">
   <p:cSld>
     <p:spTree>
@@ -12796,7 +12988,7 @@
 </p:sld>
 </file>
 
-<file path=ppt/slides/slide34.xml><?xml version="1.0" encoding="utf-8"?>
+<file path=ppt/slides/slide36.xml><?xml version="1.0" encoding="utf-8"?>
 <p:sld xmlns:a="http://schemas.openxmlformats.org/drawingml/2006/main" xmlns:r="http://schemas.openxmlformats.org/officeDocument/2006/relationships" xmlns:p="http://schemas.openxmlformats.org/presentationml/2006/main">
   <p:cSld>
     <p:spTree>
@@ -13251,7 +13443,7 @@
 </p:sld>
 </file>
 
-<file path=ppt/slides/slide35.xml><?xml version="1.0" encoding="utf-8"?>
+<file path=ppt/slides/slide37.xml><?xml version="1.0" encoding="utf-8"?>
 <p:sld xmlns:a="http://schemas.openxmlformats.org/drawingml/2006/main" xmlns:r="http://schemas.openxmlformats.org/officeDocument/2006/relationships" xmlns:p="http://schemas.openxmlformats.org/presentationml/2006/main">
   <p:cSld>
     <p:spTree>
@@ -13590,7 +13782,7 @@
 </p:sld>
 </file>
 
-<file path=ppt/slides/slide36.xml><?xml version="1.0" encoding="utf-8"?>
+<file path=ppt/slides/slide38.xml><?xml version="1.0" encoding="utf-8"?>
 <p:sld xmlns:a="http://schemas.openxmlformats.org/drawingml/2006/main" xmlns:r="http://schemas.openxmlformats.org/officeDocument/2006/relationships" xmlns:p="http://schemas.openxmlformats.org/presentationml/2006/main">
   <p:cSld>
     <p:spTree>
@@ -13991,7 +14183,7 @@
 </p:sld>
 </file>
 
-<file path=ppt/slides/slide37.xml><?xml version="1.0" encoding="utf-8"?>
+<file path=ppt/slides/slide39.xml><?xml version="1.0" encoding="utf-8"?>
 <p:sld xmlns:a="http://schemas.openxmlformats.org/drawingml/2006/main" xmlns:r="http://schemas.openxmlformats.org/officeDocument/2006/relationships" xmlns:p="http://schemas.openxmlformats.org/presentationml/2006/main">
   <p:cSld>
     <p:spTree>
@@ -14228,7 +14420,105 @@
 </p:sld>
 </file>
 
-<file path=ppt/slides/slide38.xml><?xml version="1.0" encoding="utf-8"?>
+<file path=ppt/slides/slide4.xml><?xml version="1.0" encoding="utf-8"?>
+<p:sld xmlns:a="http://schemas.openxmlformats.org/drawingml/2006/main" xmlns:r="http://schemas.openxmlformats.org/officeDocument/2006/relationships" xmlns:p="http://schemas.openxmlformats.org/presentationml/2006/main">
+  <p:cSld>
+    <p:spTree>
+      <p:nvGrpSpPr>
+        <p:cNvPr id="1" name=""/>
+        <p:cNvGrpSpPr/>
+        <p:nvPr/>
+      </p:nvGrpSpPr>
+      <p:grpSpPr>
+        <a:xfrm>
+          <a:off x="0" y="0"/>
+          <a:ext cx="0" cy="0"/>
+          <a:chOff x="0" y="0"/>
+          <a:chExt cx="0" cy="0"/>
+        </a:xfrm>
+      </p:grpSpPr>
+      <p:sp>
+        <p:nvSpPr>
+          <p:cNvPr id="2" name="Заголовок 1">
+            <a:extLst>
+              <a:ext uri="{FF2B5EF4-FFF2-40B4-BE49-F238E27FC236}">
+                <a16:creationId xmlns:a16="http://schemas.microsoft.com/office/drawing/2014/main" id="{D008A480-B2AC-1F39-293E-6242280DB134}"/>
+              </a:ext>
+            </a:extLst>
+          </p:cNvPr>
+          <p:cNvSpPr>
+            <a:spLocks noGrp="1"/>
+          </p:cNvSpPr>
+          <p:nvPr>
+            <p:ph type="title"/>
+          </p:nvPr>
+        </p:nvSpPr>
+        <p:spPr/>
+        <p:txBody>
+          <a:bodyPr/>
+          <a:lstStyle/>
+          <a:p>
+            <a:r>
+              <a:rPr lang="ru-RU" dirty="0"/>
+              <a:t>А как насчёт окон</a:t>
+            </a:r>
+            <a:r>
+              <a:rPr lang="en-US" dirty="0"/>
+              <a:t>?</a:t>
+            </a:r>
+            <a:endParaRPr lang="ru-RU" dirty="0"/>
+          </a:p>
+        </p:txBody>
+      </p:sp>
+      <p:pic>
+        <p:nvPicPr>
+          <p:cNvPr id="5" name="Объект 4">
+            <a:extLst>
+              <a:ext uri="{FF2B5EF4-FFF2-40B4-BE49-F238E27FC236}">
+                <a16:creationId xmlns:a16="http://schemas.microsoft.com/office/drawing/2014/main" id="{96A5AA5C-14CC-7677-F546-E41121A0605A}"/>
+              </a:ext>
+            </a:extLst>
+          </p:cNvPr>
+          <p:cNvPicPr>
+            <a:picLocks noGrp="1" noChangeAspect="1"/>
+          </p:cNvPicPr>
+          <p:nvPr>
+            <p:ph idx="1"/>
+          </p:nvPr>
+        </p:nvPicPr>
+        <p:blipFill>
+          <a:blip r:embed="rId2">
+            <a:extLst>
+              <a:ext uri="{28A0092B-C50C-407E-A947-70E740481C1C}">
+                <a14:useLocalDpi xmlns:a14="http://schemas.microsoft.com/office/drawing/2010/main" val="0"/>
+              </a:ext>
+            </a:extLst>
+          </a:blip>
+          <a:stretch>
+            <a:fillRect/>
+          </a:stretch>
+        </p:blipFill>
+        <p:spPr>
+          <a:xfrm>
+            <a:off x="457200" y="2084977"/>
+            <a:ext cx="8229600" cy="4005671"/>
+          </a:xfrm>
+        </p:spPr>
+      </p:pic>
+    </p:spTree>
+    <p:extLst>
+      <p:ext uri="{BB962C8B-B14F-4D97-AF65-F5344CB8AC3E}">
+        <p14:creationId xmlns:p14="http://schemas.microsoft.com/office/powerpoint/2010/main" val="1732430678"/>
+      </p:ext>
+    </p:extLst>
+  </p:cSld>
+  <p:clrMapOvr>
+    <a:masterClrMapping/>
+  </p:clrMapOvr>
+</p:sld>
+</file>
+
+<file path=ppt/slides/slide40.xml><?xml version="1.0" encoding="utf-8"?>
 <p:sld xmlns:a="http://schemas.openxmlformats.org/drawingml/2006/main" xmlns:r="http://schemas.openxmlformats.org/officeDocument/2006/relationships" xmlns:p="http://schemas.openxmlformats.org/presentationml/2006/main">
   <p:cSld>
     <p:spTree>
@@ -15270,7 +15560,7 @@
 </p:sld>
 </file>
 
-<file path=ppt/slides/slide39.xml><?xml version="1.0" encoding="utf-8"?>
+<file path=ppt/slides/slide41.xml><?xml version="1.0" encoding="utf-8"?>
 <p:sld xmlns:a="http://schemas.openxmlformats.org/drawingml/2006/main" xmlns:r="http://schemas.openxmlformats.org/officeDocument/2006/relationships" xmlns:p="http://schemas.openxmlformats.org/presentationml/2006/main">
   <p:cSld>
     <p:spTree>
@@ -17782,225 +18072,7 @@
 </p:sld>
 </file>
 
-<file path=ppt/slides/slide4.xml><?xml version="1.0" encoding="utf-8"?>
-<p:sld xmlns:a="http://schemas.openxmlformats.org/drawingml/2006/main" xmlns:r="http://schemas.openxmlformats.org/officeDocument/2006/relationships" xmlns:p="http://schemas.openxmlformats.org/presentationml/2006/main">
-  <p:cSld>
-    <p:spTree>
-      <p:nvGrpSpPr>
-        <p:cNvPr id="1" name=""/>
-        <p:cNvGrpSpPr/>
-        <p:nvPr/>
-      </p:nvGrpSpPr>
-      <p:grpSpPr>
-        <a:xfrm>
-          <a:off x="0" y="0"/>
-          <a:ext cx="0" cy="0"/>
-          <a:chOff x="0" y="0"/>
-          <a:chExt cx="0" cy="0"/>
-        </a:xfrm>
-      </p:grpSpPr>
-      <p:sp>
-        <p:nvSpPr>
-          <p:cNvPr id="2" name="Заголовок 1">
-            <a:extLst>
-              <a:ext uri="{FF2B5EF4-FFF2-40B4-BE49-F238E27FC236}">
-                <a16:creationId xmlns:a16="http://schemas.microsoft.com/office/drawing/2014/main" id="{3031DCBF-2A6B-0FCD-BAFC-946192F98DA0}"/>
-              </a:ext>
-            </a:extLst>
-          </p:cNvPr>
-          <p:cNvSpPr>
-            <a:spLocks noGrp="1"/>
-          </p:cNvSpPr>
-          <p:nvPr>
-            <p:ph type="title"/>
-          </p:nvPr>
-        </p:nvSpPr>
-        <p:spPr/>
-        <p:txBody>
-          <a:bodyPr/>
-          <a:lstStyle/>
-          <a:p>
-            <a:r>
-              <a:rPr lang="ru-RU" dirty="0"/>
-              <a:t>Умный дом</a:t>
-            </a:r>
-          </a:p>
-        </p:txBody>
-      </p:sp>
-      <p:pic>
-        <p:nvPicPr>
-          <p:cNvPr id="5" name="Объект 4">
-            <a:extLst>
-              <a:ext uri="{FF2B5EF4-FFF2-40B4-BE49-F238E27FC236}">
-                <a16:creationId xmlns:a16="http://schemas.microsoft.com/office/drawing/2014/main" id="{F591236F-FA54-27EE-76BC-92A13064E087}"/>
-              </a:ext>
-            </a:extLst>
-          </p:cNvPr>
-          <p:cNvPicPr>
-            <a:picLocks noGrp="1" noChangeAspect="1"/>
-          </p:cNvPicPr>
-          <p:nvPr>
-            <p:ph idx="1"/>
-          </p:nvPr>
-        </p:nvPicPr>
-        <p:blipFill>
-          <a:blip r:embed="rId3">
-            <a:extLst>
-              <a:ext uri="{28A0092B-C50C-407E-A947-70E740481C1C}">
-                <a14:useLocalDpi xmlns:a14="http://schemas.microsoft.com/office/drawing/2010/main" val="0"/>
-              </a:ext>
-            </a:extLst>
-          </a:blip>
-          <a:srcRect/>
-          <a:stretch/>
-        </p:blipFill>
-        <p:spPr>
-          <a:xfrm>
-            <a:off x="457200" y="2759881"/>
-            <a:ext cx="8229600" cy="2655862"/>
-          </a:xfrm>
-        </p:spPr>
-      </p:pic>
-      <p:sp>
-        <p:nvSpPr>
-          <p:cNvPr id="6" name="TextBox 5">
-            <a:extLst>
-              <a:ext uri="{FF2B5EF4-FFF2-40B4-BE49-F238E27FC236}">
-                <a16:creationId xmlns:a16="http://schemas.microsoft.com/office/drawing/2014/main" id="{E71F64BE-41CB-F6C3-27CA-8A57A6554AB5}"/>
-              </a:ext>
-            </a:extLst>
-          </p:cNvPr>
-          <p:cNvSpPr txBox="1"/>
-          <p:nvPr/>
-        </p:nvSpPr>
-        <p:spPr>
-          <a:xfrm>
-            <a:off x="1907704" y="5949280"/>
-            <a:ext cx="5328592" cy="646331"/>
-          </a:xfrm>
-          <a:prstGeom prst="rect">
-            <a:avLst/>
-          </a:prstGeom>
-          <a:noFill/>
-        </p:spPr>
-        <p:txBody>
-          <a:bodyPr wrap="square" rtlCol="0">
-            <a:spAutoFit/>
-          </a:bodyPr>
-          <a:lstStyle/>
-          <a:p>
-            <a:r>
-              <a:rPr lang="ru-RU" dirty="0"/>
-              <a:t>Как умный дом узнает, в какой момент включить или выключить свет и музыку</a:t>
-            </a:r>
-            <a:r>
-              <a:rPr lang="en-US" dirty="0"/>
-              <a:t>?</a:t>
-            </a:r>
-            <a:endParaRPr lang="ru-RU" dirty="0"/>
-          </a:p>
-        </p:txBody>
-      </p:sp>
-    </p:spTree>
-    <p:extLst>
-      <p:ext uri="{BB962C8B-B14F-4D97-AF65-F5344CB8AC3E}">
-        <p14:creationId xmlns:p14="http://schemas.microsoft.com/office/powerpoint/2010/main" val="2752657398"/>
-      </p:ext>
-    </p:extLst>
-  </p:cSld>
-  <p:clrMapOvr>
-    <a:masterClrMapping/>
-  </p:clrMapOvr>
-  <p:timing>
-    <p:tnLst>
-      <p:par>
-        <p:cTn id="1" dur="indefinite" restart="never" nodeType="tmRoot">
-          <p:childTnLst>
-            <p:seq concurrent="1" nextAc="seek">
-              <p:cTn id="2" dur="indefinite" nodeType="mainSeq">
-                <p:childTnLst>
-                  <p:par>
-                    <p:cTn id="3" fill="hold">
-                      <p:stCondLst>
-                        <p:cond delay="indefinite"/>
-                      </p:stCondLst>
-                      <p:childTnLst>
-                        <p:par>
-                          <p:cTn id="4" fill="hold">
-                            <p:stCondLst>
-                              <p:cond delay="0"/>
-                            </p:stCondLst>
-                            <p:childTnLst>
-                              <p:par>
-                                <p:cTn id="5" presetID="10" presetClass="entr" presetSubtype="0" fill="hold" grpId="0" nodeType="clickEffect">
-                                  <p:stCondLst>
-                                    <p:cond delay="0"/>
-                                  </p:stCondLst>
-                                  <p:childTnLst>
-                                    <p:set>
-                                      <p:cBhvr>
-                                        <p:cTn id="6" dur="1" fill="hold">
-                                          <p:stCondLst>
-                                            <p:cond delay="0"/>
-                                          </p:stCondLst>
-                                        </p:cTn>
-                                        <p:tgtEl>
-                                          <p:spTgt spid="6"/>
-                                        </p:tgtEl>
-                                        <p:attrNameLst>
-                                          <p:attrName>style.visibility</p:attrName>
-                                        </p:attrNameLst>
-                                      </p:cBhvr>
-                                      <p:to>
-                                        <p:strVal val="visible"/>
-                                      </p:to>
-                                    </p:set>
-                                    <p:animEffect transition="in" filter="fade">
-                                      <p:cBhvr>
-                                        <p:cTn id="7" dur="500"/>
-                                        <p:tgtEl>
-                                          <p:spTgt spid="6"/>
-                                        </p:tgtEl>
-                                      </p:cBhvr>
-                                    </p:animEffect>
-                                  </p:childTnLst>
-                                </p:cTn>
-                              </p:par>
-                            </p:childTnLst>
-                          </p:cTn>
-                        </p:par>
-                      </p:childTnLst>
-                    </p:cTn>
-                  </p:par>
-                </p:childTnLst>
-              </p:cTn>
-              <p:prevCondLst>
-                <p:cond evt="onPrev" delay="0">
-                  <p:tgtEl>
-                    <p:sldTgt/>
-                  </p:tgtEl>
-                </p:cond>
-              </p:prevCondLst>
-              <p:nextCondLst>
-                <p:cond evt="onNext" delay="0">
-                  <p:tgtEl>
-                    <p:sldTgt/>
-                  </p:tgtEl>
-                </p:cond>
-              </p:nextCondLst>
-            </p:seq>
-          </p:childTnLst>
-        </p:cTn>
-      </p:par>
-    </p:tnLst>
-    <p:bldLst>
-      <p:bldP spid="6" grpId="0"/>
-    </p:bldLst>
-  </p:timing>
-</p:sld>
-</file>
-
-<file path=ppt/slides/slide40.xml><?xml version="1.0" encoding="utf-8"?>
+<file path=ppt/slides/slide42.xml><?xml version="1.0" encoding="utf-8"?>
 <p:sld xmlns:a="http://schemas.openxmlformats.org/drawingml/2006/main" xmlns:r="http://schemas.openxmlformats.org/officeDocument/2006/relationships" xmlns:p="http://schemas.openxmlformats.org/presentationml/2006/main">
   <p:cSld>
     <p:spTree>
@@ -20650,7 +20722,7 @@
 </p:sld>
 </file>
 
-<file path=ppt/slides/slide41.xml><?xml version="1.0" encoding="utf-8"?>
+<file path=ppt/slides/slide43.xml><?xml version="1.0" encoding="utf-8"?>
 <p:sld xmlns:a="http://schemas.openxmlformats.org/drawingml/2006/main" xmlns:r="http://schemas.openxmlformats.org/officeDocument/2006/relationships" xmlns:p="http://schemas.openxmlformats.org/presentationml/2006/main">
   <p:cSld>
     <p:spTree>
@@ -23970,6 +24042,224 @@
       </p:grpSpPr>
       <p:sp>
         <p:nvSpPr>
+          <p:cNvPr id="2" name="Заголовок 1">
+            <a:extLst>
+              <a:ext uri="{FF2B5EF4-FFF2-40B4-BE49-F238E27FC236}">
+                <a16:creationId xmlns:a16="http://schemas.microsoft.com/office/drawing/2014/main" id="{3031DCBF-2A6B-0FCD-BAFC-946192F98DA0}"/>
+              </a:ext>
+            </a:extLst>
+          </p:cNvPr>
+          <p:cNvSpPr>
+            <a:spLocks noGrp="1"/>
+          </p:cNvSpPr>
+          <p:nvPr>
+            <p:ph type="title"/>
+          </p:nvPr>
+        </p:nvSpPr>
+        <p:spPr/>
+        <p:txBody>
+          <a:bodyPr/>
+          <a:lstStyle/>
+          <a:p>
+            <a:r>
+              <a:rPr lang="ru-RU" dirty="0"/>
+              <a:t>Умный дом</a:t>
+            </a:r>
+          </a:p>
+        </p:txBody>
+      </p:sp>
+      <p:pic>
+        <p:nvPicPr>
+          <p:cNvPr id="5" name="Объект 4">
+            <a:extLst>
+              <a:ext uri="{FF2B5EF4-FFF2-40B4-BE49-F238E27FC236}">
+                <a16:creationId xmlns:a16="http://schemas.microsoft.com/office/drawing/2014/main" id="{F591236F-FA54-27EE-76BC-92A13064E087}"/>
+              </a:ext>
+            </a:extLst>
+          </p:cNvPr>
+          <p:cNvPicPr>
+            <a:picLocks noGrp="1" noChangeAspect="1"/>
+          </p:cNvPicPr>
+          <p:nvPr>
+            <p:ph idx="1"/>
+          </p:nvPr>
+        </p:nvPicPr>
+        <p:blipFill>
+          <a:blip r:embed="rId3">
+            <a:extLst>
+              <a:ext uri="{28A0092B-C50C-407E-A947-70E740481C1C}">
+                <a14:useLocalDpi xmlns:a14="http://schemas.microsoft.com/office/drawing/2010/main" val="0"/>
+              </a:ext>
+            </a:extLst>
+          </a:blip>
+          <a:srcRect/>
+          <a:stretch/>
+        </p:blipFill>
+        <p:spPr>
+          <a:xfrm>
+            <a:off x="827584" y="2126194"/>
+            <a:ext cx="8122368" cy="4255133"/>
+          </a:xfrm>
+        </p:spPr>
+      </p:pic>
+      <p:sp>
+        <p:nvSpPr>
+          <p:cNvPr id="6" name="TextBox 5">
+            <a:extLst>
+              <a:ext uri="{FF2B5EF4-FFF2-40B4-BE49-F238E27FC236}">
+                <a16:creationId xmlns:a16="http://schemas.microsoft.com/office/drawing/2014/main" id="{E71F64BE-41CB-F6C3-27CA-8A57A6554AB5}"/>
+              </a:ext>
+            </a:extLst>
+          </p:cNvPr>
+          <p:cNvSpPr txBox="1"/>
+          <p:nvPr/>
+        </p:nvSpPr>
+        <p:spPr>
+          <a:xfrm>
+            <a:off x="683568" y="5725436"/>
+            <a:ext cx="5328592" cy="646331"/>
+          </a:xfrm>
+          <a:prstGeom prst="rect">
+            <a:avLst/>
+          </a:prstGeom>
+          <a:noFill/>
+        </p:spPr>
+        <p:txBody>
+          <a:bodyPr wrap="square" rtlCol="0">
+            <a:spAutoFit/>
+          </a:bodyPr>
+          <a:lstStyle/>
+          <a:p>
+            <a:r>
+              <a:rPr lang="ru-RU" dirty="0"/>
+              <a:t>Как умный дом узнает, в какой момент включить или выключить свет и музыку</a:t>
+            </a:r>
+            <a:r>
+              <a:rPr lang="en-US" dirty="0"/>
+              <a:t>?</a:t>
+            </a:r>
+            <a:endParaRPr lang="ru-RU" dirty="0"/>
+          </a:p>
+        </p:txBody>
+      </p:sp>
+    </p:spTree>
+    <p:extLst>
+      <p:ext uri="{BB962C8B-B14F-4D97-AF65-F5344CB8AC3E}">
+        <p14:creationId xmlns:p14="http://schemas.microsoft.com/office/powerpoint/2010/main" val="2752657398"/>
+      </p:ext>
+    </p:extLst>
+  </p:cSld>
+  <p:clrMapOvr>
+    <a:masterClrMapping/>
+  </p:clrMapOvr>
+  <p:timing>
+    <p:tnLst>
+      <p:par>
+        <p:cTn id="1" dur="indefinite" restart="never" nodeType="tmRoot">
+          <p:childTnLst>
+            <p:seq concurrent="1" nextAc="seek">
+              <p:cTn id="2" dur="indefinite" nodeType="mainSeq">
+                <p:childTnLst>
+                  <p:par>
+                    <p:cTn id="3" fill="hold">
+                      <p:stCondLst>
+                        <p:cond delay="indefinite"/>
+                      </p:stCondLst>
+                      <p:childTnLst>
+                        <p:par>
+                          <p:cTn id="4" fill="hold">
+                            <p:stCondLst>
+                              <p:cond delay="0"/>
+                            </p:stCondLst>
+                            <p:childTnLst>
+                              <p:par>
+                                <p:cTn id="5" presetID="10" presetClass="entr" presetSubtype="0" fill="hold" grpId="0" nodeType="clickEffect">
+                                  <p:stCondLst>
+                                    <p:cond delay="0"/>
+                                  </p:stCondLst>
+                                  <p:childTnLst>
+                                    <p:set>
+                                      <p:cBhvr>
+                                        <p:cTn id="6" dur="1" fill="hold">
+                                          <p:stCondLst>
+                                            <p:cond delay="0"/>
+                                          </p:stCondLst>
+                                        </p:cTn>
+                                        <p:tgtEl>
+                                          <p:spTgt spid="6"/>
+                                        </p:tgtEl>
+                                        <p:attrNameLst>
+                                          <p:attrName>style.visibility</p:attrName>
+                                        </p:attrNameLst>
+                                      </p:cBhvr>
+                                      <p:to>
+                                        <p:strVal val="visible"/>
+                                      </p:to>
+                                    </p:set>
+                                    <p:animEffect transition="in" filter="fade">
+                                      <p:cBhvr>
+                                        <p:cTn id="7" dur="500"/>
+                                        <p:tgtEl>
+                                          <p:spTgt spid="6"/>
+                                        </p:tgtEl>
+                                      </p:cBhvr>
+                                    </p:animEffect>
+                                  </p:childTnLst>
+                                </p:cTn>
+                              </p:par>
+                            </p:childTnLst>
+                          </p:cTn>
+                        </p:par>
+                      </p:childTnLst>
+                    </p:cTn>
+                  </p:par>
+                </p:childTnLst>
+              </p:cTn>
+              <p:prevCondLst>
+                <p:cond evt="onPrev" delay="0">
+                  <p:tgtEl>
+                    <p:sldTgt/>
+                  </p:tgtEl>
+                </p:cond>
+              </p:prevCondLst>
+              <p:nextCondLst>
+                <p:cond evt="onNext" delay="0">
+                  <p:tgtEl>
+                    <p:sldTgt/>
+                  </p:tgtEl>
+                </p:cond>
+              </p:nextCondLst>
+            </p:seq>
+          </p:childTnLst>
+        </p:cTn>
+      </p:par>
+    </p:tnLst>
+    <p:bldLst>
+      <p:bldP spid="6" grpId="0"/>
+    </p:bldLst>
+  </p:timing>
+</p:sld>
+</file>
+
+<file path=ppt/slides/slide6.xml><?xml version="1.0" encoding="utf-8"?>
+<p:sld xmlns:a="http://schemas.openxmlformats.org/drawingml/2006/main" xmlns:r="http://schemas.openxmlformats.org/officeDocument/2006/relationships" xmlns:p="http://schemas.openxmlformats.org/presentationml/2006/main">
+  <p:cSld>
+    <p:spTree>
+      <p:nvGrpSpPr>
+        <p:cNvPr id="1" name=""/>
+        <p:cNvGrpSpPr/>
+        <p:nvPr/>
+      </p:nvGrpSpPr>
+      <p:grpSpPr>
+        <a:xfrm>
+          <a:off x="0" y="0"/>
+          <a:ext cx="0" cy="0"/>
+          <a:chOff x="0" y="0"/>
+          <a:chExt cx="0" cy="0"/>
+        </a:xfrm>
+      </p:grpSpPr>
+      <p:sp>
+        <p:nvSpPr>
           <p:cNvPr id="4" name="Заголовок 3"/>
           <p:cNvSpPr>
             <a:spLocks noGrp="1"/>
@@ -24123,7 +24413,7 @@
 </p:sld>
 </file>
 
-<file path=ppt/slides/slide6.xml><?xml version="1.0" encoding="utf-8"?>
+<file path=ppt/slides/slide7.xml><?xml version="1.0" encoding="utf-8"?>
 <p:sld xmlns:a="http://schemas.openxmlformats.org/drawingml/2006/main" xmlns:r="http://schemas.openxmlformats.org/officeDocument/2006/relationships" xmlns:p="http://schemas.openxmlformats.org/presentationml/2006/main">
   <p:cSld>
     <p:spTree>
@@ -24263,7 +24553,7 @@
 </p:sld>
 </file>
 
-<file path=ppt/slides/slide7.xml><?xml version="1.0" encoding="utf-8"?>
+<file path=ppt/slides/slide8.xml><?xml version="1.0" encoding="utf-8"?>
 <p:sld xmlns:a="http://schemas.openxmlformats.org/drawingml/2006/main" xmlns:r="http://schemas.openxmlformats.org/officeDocument/2006/relationships" xmlns:p="http://schemas.openxmlformats.org/presentationml/2006/main">
   <p:cSld>
     <p:spTree>
@@ -25340,7 +25630,7 @@
 </p:sld>
 </file>
 
-<file path=ppt/slides/slide8.xml><?xml version="1.0" encoding="utf-8"?>
+<file path=ppt/slides/slide9.xml><?xml version="1.0" encoding="utf-8"?>
 <p:sld xmlns:a="http://schemas.openxmlformats.org/drawingml/2006/main" xmlns:r="http://schemas.openxmlformats.org/officeDocument/2006/relationships" xmlns:p="http://schemas.openxmlformats.org/presentationml/2006/main">
   <p:cSld>
     <p:spTree>
@@ -25720,94 +26010,6 @@
       <p:bldP spid="3" grpId="0" build="p"/>
     </p:bldLst>
   </p:timing>
-</p:sld>
-</file>
-
-<file path=ppt/slides/slide9.xml><?xml version="1.0" encoding="utf-8"?>
-<p:sld xmlns:a="http://schemas.openxmlformats.org/drawingml/2006/main" xmlns:r="http://schemas.openxmlformats.org/officeDocument/2006/relationships" xmlns:p="http://schemas.openxmlformats.org/presentationml/2006/main">
-  <p:cSld>
-    <p:spTree>
-      <p:nvGrpSpPr>
-        <p:cNvPr id="1" name=""/>
-        <p:cNvGrpSpPr/>
-        <p:nvPr/>
-      </p:nvGrpSpPr>
-      <p:grpSpPr>
-        <a:xfrm>
-          <a:off x="0" y="0"/>
-          <a:ext cx="0" cy="0"/>
-          <a:chOff x="0" y="0"/>
-          <a:chExt cx="0" cy="0"/>
-        </a:xfrm>
-      </p:grpSpPr>
-      <p:sp>
-        <p:nvSpPr>
-          <p:cNvPr id="2" name="Заголовок 1"/>
-          <p:cNvSpPr>
-            <a:spLocks noGrp="1"/>
-          </p:cNvSpPr>
-          <p:nvPr>
-            <p:ph type="title"/>
-          </p:nvPr>
-        </p:nvSpPr>
-        <p:spPr/>
-        <p:txBody>
-          <a:bodyPr/>
-          <a:lstStyle/>
-          <a:p>
-            <a:r>
-              <a:rPr lang="ru-RU" dirty="0"/>
-              <a:t>Требования к приложению</a:t>
-            </a:r>
-          </a:p>
-        </p:txBody>
-      </p:sp>
-      <p:sp>
-        <p:nvSpPr>
-          <p:cNvPr id="3" name="Объект 2"/>
-          <p:cNvSpPr>
-            <a:spLocks noGrp="1"/>
-          </p:cNvSpPr>
-          <p:nvPr>
-            <p:ph idx="1"/>
-          </p:nvPr>
-        </p:nvSpPr>
-        <p:spPr/>
-        <p:txBody>
-          <a:bodyPr/>
-          <a:lstStyle/>
-          <a:p>
-            <a:r>
-              <a:rPr lang="ru-RU" dirty="0"/>
-              <a:t>Расширяемость</a:t>
-            </a:r>
-          </a:p>
-          <a:p>
-            <a:pPr lvl="1"/>
-            <a:r>
-              <a:rPr lang="ru-RU" dirty="0"/>
-              <a:t>Возможность реализации дополнительных экранов вывода</a:t>
-            </a:r>
-          </a:p>
-          <a:p>
-            <a:pPr lvl="1"/>
-            <a:r>
-              <a:rPr lang="ru-RU" dirty="0"/>
-              <a:t>Возможность динамического добавления и удаления экранов</a:t>
-            </a:r>
-          </a:p>
-        </p:txBody>
-      </p:sp>
-    </p:spTree>
-    <p:extLst>
-      <p:ext uri="{BB962C8B-B14F-4D97-AF65-F5344CB8AC3E}">
-        <p14:creationId xmlns:p14="http://schemas.microsoft.com/office/powerpoint/2010/main" val="1428663581"/>
-      </p:ext>
-    </p:extLst>
-  </p:cSld>
-  <p:clrMapOvr>
-    <a:masterClrMapping/>
-  </p:clrMapOvr>
 </p:sld>
 </file>
 

--- a/lectures/02.observer/observer.pptx
+++ b/lectures/02.observer/observer.pptx
@@ -5,7 +5,7 @@
     <p:sldMasterId id="2147483672" r:id="rId1"/>
   </p:sldMasterIdLst>
   <p:notesMasterIdLst>
-    <p:notesMasterId r:id="rId45"/>
+    <p:notesMasterId r:id="rId51"/>
   </p:notesMasterIdLst>
   <p:sldIdLst>
     <p:sldId id="256" r:id="rId2"/>
@@ -43,19 +43,25 @@
     <p:sldId id="293" r:id="rId34"/>
     <p:sldId id="281" r:id="rId35"/>
     <p:sldId id="282" r:id="rId36"/>
-    <p:sldId id="283" r:id="rId37"/>
-    <p:sldId id="284" r:id="rId38"/>
-    <p:sldId id="285" r:id="rId39"/>
-    <p:sldId id="287" r:id="rId40"/>
-    <p:sldId id="288" r:id="rId41"/>
-    <p:sldId id="289" r:id="rId42"/>
-    <p:sldId id="290" r:id="rId43"/>
-    <p:sldId id="291" r:id="rId44"/>
+    <p:sldId id="300" r:id="rId37"/>
+    <p:sldId id="299" r:id="rId38"/>
+    <p:sldId id="283" r:id="rId39"/>
+    <p:sldId id="284" r:id="rId40"/>
+    <p:sldId id="285" r:id="rId41"/>
+    <p:sldId id="287" r:id="rId42"/>
+    <p:sldId id="288" r:id="rId43"/>
+    <p:sldId id="289" r:id="rId44"/>
+    <p:sldId id="290" r:id="rId45"/>
+    <p:sldId id="291" r:id="rId46"/>
+    <p:sldId id="303" r:id="rId47"/>
+    <p:sldId id="304" r:id="rId48"/>
+    <p:sldId id="305" r:id="rId49"/>
+    <p:sldId id="306" r:id="rId50"/>
   </p:sldIdLst>
   <p:sldSz cx="9144000" cy="6858000" type="screen4x3"/>
   <p:notesSz cx="6858000" cy="9144000"/>
   <p:custDataLst>
-    <p:tags r:id="rId46"/>
+    <p:tags r:id="rId52"/>
   </p:custDataLst>
   <p:defaultTextStyle>
     <a:defPPr>
@@ -253,7 +259,7 @@
           <a:p>
             <a:fld id="{2F3DCB6D-0B48-4A3D-B663-06C3F903A9D3}" type="datetimeFigureOut">
               <a:rPr lang="ru-RU" smtClean="0"/>
-              <a:t>15.09.2022</a:t>
+              <a:t>15.09.2023</a:t>
             </a:fld>
             <a:endParaRPr lang="ru-RU"/>
           </a:p>
@@ -1361,7 +1367,7 @@
           <a:p>
             <a:fld id="{C72A1285-F988-4153-B7C5-B887A867730D}" type="slidenum">
               <a:rPr lang="ru-RU" smtClean="0"/>
-              <a:t>42</a:t>
+              <a:t>44</a:t>
             </a:fld>
             <a:endParaRPr lang="ru-RU"/>
           </a:p>
@@ -1626,7 +1632,7 @@
           <a:p>
             <a:fld id="{2590F9C9-AB92-4E86-B698-DEC9BF4350FF}" type="datetimeFigureOut">
               <a:rPr lang="ru-RU" smtClean="0"/>
-              <a:t>15.09.2022</a:t>
+              <a:t>15.09.2023</a:t>
             </a:fld>
             <a:endParaRPr lang="ru-RU"/>
           </a:p>
@@ -1843,7 +1849,7 @@
           <a:p>
             <a:fld id="{2590F9C9-AB92-4E86-B698-DEC9BF4350FF}" type="datetimeFigureOut">
               <a:rPr lang="ru-RU" smtClean="0"/>
-              <a:t>15.09.2022</a:t>
+              <a:t>15.09.2023</a:t>
             </a:fld>
             <a:endParaRPr lang="ru-RU"/>
           </a:p>
@@ -2115,7 +2121,7 @@
           <a:p>
             <a:fld id="{2590F9C9-AB92-4E86-B698-DEC9BF4350FF}" type="datetimeFigureOut">
               <a:rPr lang="ru-RU" smtClean="0"/>
-              <a:t>15.09.2022</a:t>
+              <a:t>15.09.2023</a:t>
             </a:fld>
             <a:endParaRPr lang="ru-RU"/>
           </a:p>
@@ -2290,7 +2296,7 @@
           <a:p>
             <a:fld id="{2590F9C9-AB92-4E86-B698-DEC9BF4350FF}" type="datetimeFigureOut">
               <a:rPr lang="ru-RU" smtClean="0"/>
-              <a:t>15.09.2022</a:t>
+              <a:t>15.09.2023</a:t>
             </a:fld>
             <a:endParaRPr lang="ru-RU"/>
           </a:p>
@@ -2644,7 +2650,7 @@
           <a:p>
             <a:fld id="{2590F9C9-AB92-4E86-B698-DEC9BF4350FF}" type="datetimeFigureOut">
               <a:rPr lang="ru-RU" smtClean="0"/>
-              <a:t>15.09.2022</a:t>
+              <a:t>15.09.2023</a:t>
             </a:fld>
             <a:endParaRPr lang="ru-RU"/>
           </a:p>
@@ -2929,7 +2935,7 @@
           <a:p>
             <a:fld id="{2590F9C9-AB92-4E86-B698-DEC9BF4350FF}" type="datetimeFigureOut">
               <a:rPr lang="ru-RU" smtClean="0"/>
-              <a:t>15.09.2022</a:t>
+              <a:t>15.09.2023</a:t>
             </a:fld>
             <a:endParaRPr lang="ru-RU"/>
           </a:p>
@@ -3351,7 +3357,7 @@
           <a:p>
             <a:fld id="{2590F9C9-AB92-4E86-B698-DEC9BF4350FF}" type="datetimeFigureOut">
               <a:rPr lang="ru-RU" smtClean="0"/>
-              <a:t>15.09.2022</a:t>
+              <a:t>15.09.2023</a:t>
             </a:fld>
             <a:endParaRPr lang="ru-RU"/>
           </a:p>
@@ -3464,7 +3470,7 @@
           <a:p>
             <a:fld id="{2590F9C9-AB92-4E86-B698-DEC9BF4350FF}" type="datetimeFigureOut">
               <a:rPr lang="ru-RU" smtClean="0"/>
-              <a:t>15.09.2022</a:t>
+              <a:t>15.09.2023</a:t>
             </a:fld>
             <a:endParaRPr lang="ru-RU"/>
           </a:p>
@@ -3554,7 +3560,7 @@
           <a:p>
             <a:fld id="{2590F9C9-AB92-4E86-B698-DEC9BF4350FF}" type="datetimeFigureOut">
               <a:rPr lang="ru-RU" smtClean="0"/>
-              <a:t>15.09.2022</a:t>
+              <a:t>15.09.2023</a:t>
             </a:fld>
             <a:endParaRPr lang="ru-RU"/>
           </a:p>
@@ -3832,7 +3838,7 @@
           <a:p>
             <a:fld id="{2590F9C9-AB92-4E86-B698-DEC9BF4350FF}" type="datetimeFigureOut">
               <a:rPr lang="ru-RU" smtClean="0"/>
-              <a:t>15.09.2022</a:t>
+              <a:t>15.09.2023</a:t>
             </a:fld>
             <a:endParaRPr lang="ru-RU"/>
           </a:p>
@@ -4194,7 +4200,7 @@
           <a:p>
             <a:fld id="{2590F9C9-AB92-4E86-B698-DEC9BF4350FF}" type="datetimeFigureOut">
               <a:rPr lang="ru-RU" smtClean="0"/>
-              <a:t>15.09.2022</a:t>
+              <a:t>15.09.2023</a:t>
             </a:fld>
             <a:endParaRPr lang="ru-RU"/>
           </a:p>
@@ -4619,7 +4625,7 @@
           <a:p>
             <a:fld id="{2590F9C9-AB92-4E86-B698-DEC9BF4350FF}" type="datetimeFigureOut">
               <a:rPr lang="ru-RU" smtClean="0"/>
-              <a:t>15.09.2022</a:t>
+              <a:t>15.09.2023</a:t>
             </a:fld>
             <a:endParaRPr lang="ru-RU"/>
           </a:p>
@@ -13007,6 +13013,196 @@
       </p:grpSpPr>
       <p:sp>
         <p:nvSpPr>
+          <p:cNvPr id="2" name="Title 1">
+            <a:extLst>
+              <a:ext uri="{FF2B5EF4-FFF2-40B4-BE49-F238E27FC236}">
+                <a16:creationId xmlns:a16="http://schemas.microsoft.com/office/drawing/2014/main" id="{BE629AE5-10BF-4141-8722-0550E78D5602}"/>
+              </a:ext>
+            </a:extLst>
+          </p:cNvPr>
+          <p:cNvSpPr>
+            <a:spLocks noGrp="1"/>
+          </p:cNvSpPr>
+          <p:nvPr>
+            <p:ph type="title"/>
+          </p:nvPr>
+        </p:nvSpPr>
+        <p:spPr/>
+        <p:txBody>
+          <a:bodyPr>
+            <a:normAutofit fontScale="90000"/>
+          </a:bodyPr>
+          <a:lstStyle/>
+          <a:p>
+            <a:r>
+              <a:rPr lang="ru-RU" dirty="0"/>
+              <a:t>Наблюдение за несколькими субъектами</a:t>
+            </a:r>
+          </a:p>
+        </p:txBody>
+      </p:sp>
+      <p:pic>
+        <p:nvPicPr>
+          <p:cNvPr id="5" name="Content Placeholder 4">
+            <a:extLst>
+              <a:ext uri="{FF2B5EF4-FFF2-40B4-BE49-F238E27FC236}">
+                <a16:creationId xmlns:a16="http://schemas.microsoft.com/office/drawing/2014/main" id="{8A424DD4-9801-4076-9BD0-29AAAE029E2A}"/>
+              </a:ext>
+            </a:extLst>
+          </p:cNvPr>
+          <p:cNvPicPr>
+            <a:picLocks noGrp="1" noChangeAspect="1"/>
+          </p:cNvPicPr>
+          <p:nvPr>
+            <p:ph idx="1"/>
+          </p:nvPr>
+        </p:nvPicPr>
+        <p:blipFill>
+          <a:blip r:embed="rId2">
+            <a:extLst>
+              <a:ext uri="{28A0092B-C50C-407E-A947-70E740481C1C}">
+                <a14:useLocalDpi xmlns:a14="http://schemas.microsoft.com/office/drawing/2010/main" val="0"/>
+              </a:ext>
+            </a:extLst>
+          </a:blip>
+          <a:stretch>
+            <a:fillRect/>
+          </a:stretch>
+        </p:blipFill>
+        <p:spPr>
+          <a:xfrm>
+            <a:off x="457200" y="2432947"/>
+            <a:ext cx="8229600" cy="3309730"/>
+          </a:xfrm>
+        </p:spPr>
+      </p:pic>
+    </p:spTree>
+    <p:extLst>
+      <p:ext uri="{BB962C8B-B14F-4D97-AF65-F5344CB8AC3E}">
+        <p14:creationId xmlns:p14="http://schemas.microsoft.com/office/powerpoint/2010/main" val="3635634490"/>
+      </p:ext>
+    </p:extLst>
+  </p:cSld>
+  <p:clrMapOvr>
+    <a:masterClrMapping/>
+  </p:clrMapOvr>
+</p:sld>
+</file>
+
+<file path=ppt/slides/slide37.xml><?xml version="1.0" encoding="utf-8"?>
+<p:sld xmlns:a="http://schemas.openxmlformats.org/drawingml/2006/main" xmlns:r="http://schemas.openxmlformats.org/officeDocument/2006/relationships" xmlns:p="http://schemas.openxmlformats.org/presentationml/2006/main">
+  <p:cSld>
+    <p:spTree>
+      <p:nvGrpSpPr>
+        <p:cNvPr id="1" name=""/>
+        <p:cNvGrpSpPr/>
+        <p:nvPr/>
+      </p:nvGrpSpPr>
+      <p:grpSpPr>
+        <a:xfrm>
+          <a:off x="0" y="0"/>
+          <a:ext cx="0" cy="0"/>
+          <a:chOff x="0" y="0"/>
+          <a:chExt cx="0" cy="0"/>
+        </a:xfrm>
+      </p:grpSpPr>
+      <p:sp>
+        <p:nvSpPr>
+          <p:cNvPr id="2" name="Title 1">
+            <a:extLst>
+              <a:ext uri="{FF2B5EF4-FFF2-40B4-BE49-F238E27FC236}">
+                <a16:creationId xmlns:a16="http://schemas.microsoft.com/office/drawing/2014/main" id="{240B4374-754F-45A9-A5B6-B7A68C625D7B}"/>
+              </a:ext>
+            </a:extLst>
+          </p:cNvPr>
+          <p:cNvSpPr>
+            <a:spLocks noGrp="1"/>
+          </p:cNvSpPr>
+          <p:nvPr>
+            <p:ph type="title"/>
+          </p:nvPr>
+        </p:nvSpPr>
+        <p:spPr/>
+        <p:txBody>
+          <a:bodyPr>
+            <a:normAutofit fontScale="90000"/>
+          </a:bodyPr>
+          <a:lstStyle/>
+          <a:p>
+            <a:r>
+              <a:rPr lang="ru-RU" dirty="0"/>
+              <a:t>Применяем «Наблюдатель» к Умному дому</a:t>
+            </a:r>
+          </a:p>
+        </p:txBody>
+      </p:sp>
+      <p:pic>
+        <p:nvPicPr>
+          <p:cNvPr id="5" name="Content Placeholder 4">
+            <a:extLst>
+              <a:ext uri="{FF2B5EF4-FFF2-40B4-BE49-F238E27FC236}">
+                <a16:creationId xmlns:a16="http://schemas.microsoft.com/office/drawing/2014/main" id="{C3DAB843-73DE-4F02-B474-222B1029A2CE}"/>
+              </a:ext>
+            </a:extLst>
+          </p:cNvPr>
+          <p:cNvPicPr>
+            <a:picLocks noGrp="1" noChangeAspect="1"/>
+          </p:cNvPicPr>
+          <p:nvPr>
+            <p:ph idx="1"/>
+          </p:nvPr>
+        </p:nvPicPr>
+        <p:blipFill>
+          <a:blip r:embed="rId2">
+            <a:extLst>
+              <a:ext uri="{28A0092B-C50C-407E-A947-70E740481C1C}">
+                <a14:useLocalDpi xmlns:a14="http://schemas.microsoft.com/office/drawing/2010/main" val="0"/>
+              </a:ext>
+            </a:extLst>
+          </a:blip>
+          <a:stretch>
+            <a:fillRect/>
+          </a:stretch>
+        </p:blipFill>
+        <p:spPr>
+          <a:xfrm>
+            <a:off x="548774" y="1774825"/>
+            <a:ext cx="8046452" cy="4625975"/>
+          </a:xfrm>
+        </p:spPr>
+      </p:pic>
+    </p:spTree>
+    <p:extLst>
+      <p:ext uri="{BB962C8B-B14F-4D97-AF65-F5344CB8AC3E}">
+        <p14:creationId xmlns:p14="http://schemas.microsoft.com/office/powerpoint/2010/main" val="130867455"/>
+      </p:ext>
+    </p:extLst>
+  </p:cSld>
+  <p:clrMapOvr>
+    <a:masterClrMapping/>
+  </p:clrMapOvr>
+</p:sld>
+</file>
+
+<file path=ppt/slides/slide38.xml><?xml version="1.0" encoding="utf-8"?>
+<p:sld xmlns:a="http://schemas.openxmlformats.org/drawingml/2006/main" xmlns:r="http://schemas.openxmlformats.org/officeDocument/2006/relationships" xmlns:p="http://schemas.openxmlformats.org/presentationml/2006/main">
+  <p:cSld>
+    <p:spTree>
+      <p:nvGrpSpPr>
+        <p:cNvPr id="1" name=""/>
+        <p:cNvGrpSpPr/>
+        <p:nvPr/>
+      </p:nvGrpSpPr>
+      <p:grpSpPr>
+        <a:xfrm>
+          <a:off x="0" y="0"/>
+          <a:ext cx="0" cy="0"/>
+          <a:chOff x="0" y="0"/>
+          <a:chExt cx="0" cy="0"/>
+        </a:xfrm>
+      </p:grpSpPr>
+      <p:sp>
+        <p:nvSpPr>
           <p:cNvPr id="2" name="Title 1"/>
           <p:cNvSpPr>
             <a:spLocks noGrp="1"/>
@@ -13443,7 +13639,7 @@
 </p:sld>
 </file>
 
-<file path=ppt/slides/slide37.xml><?xml version="1.0" encoding="utf-8"?>
+<file path=ppt/slides/slide39.xml><?xml version="1.0" encoding="utf-8"?>
 <p:sld xmlns:a="http://schemas.openxmlformats.org/drawingml/2006/main" xmlns:r="http://schemas.openxmlformats.org/officeDocument/2006/relationships" xmlns:p="http://schemas.openxmlformats.org/presentationml/2006/main">
   <p:cSld>
     <p:spTree>
@@ -13782,7 +13978,105 @@
 </p:sld>
 </file>
 
-<file path=ppt/slides/slide38.xml><?xml version="1.0" encoding="utf-8"?>
+<file path=ppt/slides/slide4.xml><?xml version="1.0" encoding="utf-8"?>
+<p:sld xmlns:a="http://schemas.openxmlformats.org/drawingml/2006/main" xmlns:r="http://schemas.openxmlformats.org/officeDocument/2006/relationships" xmlns:p="http://schemas.openxmlformats.org/presentationml/2006/main">
+  <p:cSld>
+    <p:spTree>
+      <p:nvGrpSpPr>
+        <p:cNvPr id="1" name=""/>
+        <p:cNvGrpSpPr/>
+        <p:nvPr/>
+      </p:nvGrpSpPr>
+      <p:grpSpPr>
+        <a:xfrm>
+          <a:off x="0" y="0"/>
+          <a:ext cx="0" cy="0"/>
+          <a:chOff x="0" y="0"/>
+          <a:chExt cx="0" cy="0"/>
+        </a:xfrm>
+      </p:grpSpPr>
+      <p:sp>
+        <p:nvSpPr>
+          <p:cNvPr id="2" name="Заголовок 1">
+            <a:extLst>
+              <a:ext uri="{FF2B5EF4-FFF2-40B4-BE49-F238E27FC236}">
+                <a16:creationId xmlns:a16="http://schemas.microsoft.com/office/drawing/2014/main" id="{D008A480-B2AC-1F39-293E-6242280DB134}"/>
+              </a:ext>
+            </a:extLst>
+          </p:cNvPr>
+          <p:cNvSpPr>
+            <a:spLocks noGrp="1"/>
+          </p:cNvSpPr>
+          <p:nvPr>
+            <p:ph type="title"/>
+          </p:nvPr>
+        </p:nvSpPr>
+        <p:spPr/>
+        <p:txBody>
+          <a:bodyPr/>
+          <a:lstStyle/>
+          <a:p>
+            <a:r>
+              <a:rPr lang="ru-RU" dirty="0"/>
+              <a:t>А как насчёт окон</a:t>
+            </a:r>
+            <a:r>
+              <a:rPr lang="en-US" dirty="0"/>
+              <a:t>?</a:t>
+            </a:r>
+            <a:endParaRPr lang="ru-RU" dirty="0"/>
+          </a:p>
+        </p:txBody>
+      </p:sp>
+      <p:pic>
+        <p:nvPicPr>
+          <p:cNvPr id="5" name="Объект 4">
+            <a:extLst>
+              <a:ext uri="{FF2B5EF4-FFF2-40B4-BE49-F238E27FC236}">
+                <a16:creationId xmlns:a16="http://schemas.microsoft.com/office/drawing/2014/main" id="{96A5AA5C-14CC-7677-F546-E41121A0605A}"/>
+              </a:ext>
+            </a:extLst>
+          </p:cNvPr>
+          <p:cNvPicPr>
+            <a:picLocks noGrp="1" noChangeAspect="1"/>
+          </p:cNvPicPr>
+          <p:nvPr>
+            <p:ph idx="1"/>
+          </p:nvPr>
+        </p:nvPicPr>
+        <p:blipFill>
+          <a:blip r:embed="rId2">
+            <a:extLst>
+              <a:ext uri="{28A0092B-C50C-407E-A947-70E740481C1C}">
+                <a14:useLocalDpi xmlns:a14="http://schemas.microsoft.com/office/drawing/2010/main" val="0"/>
+              </a:ext>
+            </a:extLst>
+          </a:blip>
+          <a:stretch>
+            <a:fillRect/>
+          </a:stretch>
+        </p:blipFill>
+        <p:spPr>
+          <a:xfrm>
+            <a:off x="457200" y="2084977"/>
+            <a:ext cx="8229600" cy="4005671"/>
+          </a:xfrm>
+        </p:spPr>
+      </p:pic>
+    </p:spTree>
+    <p:extLst>
+      <p:ext uri="{BB962C8B-B14F-4D97-AF65-F5344CB8AC3E}">
+        <p14:creationId xmlns:p14="http://schemas.microsoft.com/office/powerpoint/2010/main" val="1732430678"/>
+      </p:ext>
+    </p:extLst>
+  </p:cSld>
+  <p:clrMapOvr>
+    <a:masterClrMapping/>
+  </p:clrMapOvr>
+</p:sld>
+</file>
+
+<file path=ppt/slides/slide40.xml><?xml version="1.0" encoding="utf-8"?>
 <p:sld xmlns:a="http://schemas.openxmlformats.org/drawingml/2006/main" xmlns:r="http://schemas.openxmlformats.org/officeDocument/2006/relationships" xmlns:p="http://schemas.openxmlformats.org/presentationml/2006/main">
   <p:cSld>
     <p:spTree>
@@ -13855,7 +14149,15 @@
           <a:p>
             <a:r>
               <a:rPr lang="ru-RU" dirty="0"/>
-              <a:t>Возможное решение – паттерн «Шаблонный метод»</a:t>
+              <a:t>Возможное решение – паттерн «</a:t>
+            </a:r>
+            <a:r>
+              <a:rPr lang="ru-RU" b="1" dirty="0"/>
+              <a:t>Шаблонный метод</a:t>
+            </a:r>
+            <a:r>
+              <a:rPr lang="ru-RU" dirty="0"/>
+              <a:t>»</a:t>
             </a:r>
           </a:p>
           <a:p>
@@ -14183,7 +14485,7 @@
 </p:sld>
 </file>
 
-<file path=ppt/slides/slide39.xml><?xml version="1.0" encoding="utf-8"?>
+<file path=ppt/slides/slide41.xml><?xml version="1.0" encoding="utf-8"?>
 <p:sld xmlns:a="http://schemas.openxmlformats.org/drawingml/2006/main" xmlns:r="http://schemas.openxmlformats.org/officeDocument/2006/relationships" xmlns:p="http://schemas.openxmlformats.org/presentationml/2006/main">
   <p:cSld>
     <p:spTree>
@@ -14420,105 +14722,7 @@
 </p:sld>
 </file>
 
-<file path=ppt/slides/slide4.xml><?xml version="1.0" encoding="utf-8"?>
-<p:sld xmlns:a="http://schemas.openxmlformats.org/drawingml/2006/main" xmlns:r="http://schemas.openxmlformats.org/officeDocument/2006/relationships" xmlns:p="http://schemas.openxmlformats.org/presentationml/2006/main">
-  <p:cSld>
-    <p:spTree>
-      <p:nvGrpSpPr>
-        <p:cNvPr id="1" name=""/>
-        <p:cNvGrpSpPr/>
-        <p:nvPr/>
-      </p:nvGrpSpPr>
-      <p:grpSpPr>
-        <a:xfrm>
-          <a:off x="0" y="0"/>
-          <a:ext cx="0" cy="0"/>
-          <a:chOff x="0" y="0"/>
-          <a:chExt cx="0" cy="0"/>
-        </a:xfrm>
-      </p:grpSpPr>
-      <p:sp>
-        <p:nvSpPr>
-          <p:cNvPr id="2" name="Заголовок 1">
-            <a:extLst>
-              <a:ext uri="{FF2B5EF4-FFF2-40B4-BE49-F238E27FC236}">
-                <a16:creationId xmlns:a16="http://schemas.microsoft.com/office/drawing/2014/main" id="{D008A480-B2AC-1F39-293E-6242280DB134}"/>
-              </a:ext>
-            </a:extLst>
-          </p:cNvPr>
-          <p:cNvSpPr>
-            <a:spLocks noGrp="1"/>
-          </p:cNvSpPr>
-          <p:nvPr>
-            <p:ph type="title"/>
-          </p:nvPr>
-        </p:nvSpPr>
-        <p:spPr/>
-        <p:txBody>
-          <a:bodyPr/>
-          <a:lstStyle/>
-          <a:p>
-            <a:r>
-              <a:rPr lang="ru-RU" dirty="0"/>
-              <a:t>А как насчёт окон</a:t>
-            </a:r>
-            <a:r>
-              <a:rPr lang="en-US" dirty="0"/>
-              <a:t>?</a:t>
-            </a:r>
-            <a:endParaRPr lang="ru-RU" dirty="0"/>
-          </a:p>
-        </p:txBody>
-      </p:sp>
-      <p:pic>
-        <p:nvPicPr>
-          <p:cNvPr id="5" name="Объект 4">
-            <a:extLst>
-              <a:ext uri="{FF2B5EF4-FFF2-40B4-BE49-F238E27FC236}">
-                <a16:creationId xmlns:a16="http://schemas.microsoft.com/office/drawing/2014/main" id="{96A5AA5C-14CC-7677-F546-E41121A0605A}"/>
-              </a:ext>
-            </a:extLst>
-          </p:cNvPr>
-          <p:cNvPicPr>
-            <a:picLocks noGrp="1" noChangeAspect="1"/>
-          </p:cNvPicPr>
-          <p:nvPr>
-            <p:ph idx="1"/>
-          </p:nvPr>
-        </p:nvPicPr>
-        <p:blipFill>
-          <a:blip r:embed="rId2">
-            <a:extLst>
-              <a:ext uri="{28A0092B-C50C-407E-A947-70E740481C1C}">
-                <a14:useLocalDpi xmlns:a14="http://schemas.microsoft.com/office/drawing/2010/main" val="0"/>
-              </a:ext>
-            </a:extLst>
-          </a:blip>
-          <a:stretch>
-            <a:fillRect/>
-          </a:stretch>
-        </p:blipFill>
-        <p:spPr>
-          <a:xfrm>
-            <a:off x="457200" y="2084977"/>
-            <a:ext cx="8229600" cy="4005671"/>
-          </a:xfrm>
-        </p:spPr>
-      </p:pic>
-    </p:spTree>
-    <p:extLst>
-      <p:ext uri="{BB962C8B-B14F-4D97-AF65-F5344CB8AC3E}">
-        <p14:creationId xmlns:p14="http://schemas.microsoft.com/office/powerpoint/2010/main" val="1732430678"/>
-      </p:ext>
-    </p:extLst>
-  </p:cSld>
-  <p:clrMapOvr>
-    <a:masterClrMapping/>
-  </p:clrMapOvr>
-</p:sld>
-</file>
-
-<file path=ppt/slides/slide40.xml><?xml version="1.0" encoding="utf-8"?>
+<file path=ppt/slides/slide42.xml><?xml version="1.0" encoding="utf-8"?>
 <p:sld xmlns:a="http://schemas.openxmlformats.org/drawingml/2006/main" xmlns:r="http://schemas.openxmlformats.org/officeDocument/2006/relationships" xmlns:p="http://schemas.openxmlformats.org/presentationml/2006/main">
   <p:cSld>
     <p:spTree>
@@ -15560,7 +15764,7 @@
 </p:sld>
 </file>
 
-<file path=ppt/slides/slide41.xml><?xml version="1.0" encoding="utf-8"?>
+<file path=ppt/slides/slide43.xml><?xml version="1.0" encoding="utf-8"?>
 <p:sld xmlns:a="http://schemas.openxmlformats.org/drawingml/2006/main" xmlns:r="http://schemas.openxmlformats.org/officeDocument/2006/relationships" xmlns:p="http://schemas.openxmlformats.org/presentationml/2006/main">
   <p:cSld>
     <p:spTree>
@@ -16320,6 +16524,72 @@
                 <a:ea typeface="Calibri" panose="020F0502020204030204" pitchFamily="34" charset="0"/>
                 <a:cs typeface="Consolas" panose="020B0609020204030204" pitchFamily="49" charset="0"/>
               </a:rPr>
+              <a:t>[</a:t>
+            </a:r>
+            <a:r>
+              <a:rPr lang="en-US" dirty="0" err="1">
+                <a:solidFill>
+                  <a:srgbClr val="000080"/>
+                </a:solidFill>
+                <a:latin typeface="Consolas" panose="020B0609020204030204" pitchFamily="49" charset="0"/>
+                <a:ea typeface="Calibri" panose="020F0502020204030204" pitchFamily="34" charset="0"/>
+                <a:cs typeface="Consolas" panose="020B0609020204030204" pitchFamily="49" charset="0"/>
+              </a:rPr>
+              <a:t>tnk</a:t>
+            </a:r>
+            <a:r>
+              <a:rPr lang="en-US" dirty="0">
+                <a:solidFill>
+                  <a:srgbClr val="000080"/>
+                </a:solidFill>
+                <a:latin typeface="Consolas" panose="020B0609020204030204" pitchFamily="49" charset="0"/>
+                <a:ea typeface="Calibri" panose="020F0502020204030204" pitchFamily="34" charset="0"/>
+                <a:cs typeface="Consolas" panose="020B0609020204030204" pitchFamily="49" charset="0"/>
+              </a:rPr>
+              <a:t>, observer]</a:t>
+            </a:r>
+            <a:r>
+              <a:rPr lang="en-US" dirty="0">
+                <a:solidFill>
+                  <a:srgbClr val="000000"/>
+                </a:solidFill>
+                <a:latin typeface="Consolas" panose="020B0609020204030204" pitchFamily="49" charset="0"/>
+                <a:ea typeface="Calibri" panose="020F0502020204030204" pitchFamily="34" charset="0"/>
+                <a:cs typeface="Consolas" panose="020B0609020204030204" pitchFamily="49" charset="0"/>
+              </a:rPr>
+              <a:t> : </a:t>
+            </a:r>
+            <a:r>
+              <a:rPr lang="en-US" dirty="0" err="1">
+                <a:solidFill>
+                  <a:srgbClr val="000080"/>
+                </a:solidFill>
+                <a:latin typeface="Consolas" panose="020B0609020204030204" pitchFamily="49" charset="0"/>
+                <a:ea typeface="Calibri" panose="020F0502020204030204" pitchFamily="34" charset="0"/>
+                <a:cs typeface="Consolas" panose="020B0609020204030204" pitchFamily="49" charset="0"/>
+              </a:rPr>
+              <a:t>m_observers</a:t>
+            </a:r>
+            <a:r>
+              <a:rPr lang="en-US" dirty="0">
+                <a:solidFill>
+                  <a:srgbClr val="000000"/>
+                </a:solidFill>
+                <a:latin typeface="Consolas" panose="020B0609020204030204" pitchFamily="49" charset="0"/>
+                <a:ea typeface="Calibri" panose="020F0502020204030204" pitchFamily="34" charset="0"/>
+                <a:cs typeface="Consolas" panose="020B0609020204030204" pitchFamily="49" charset="0"/>
+              </a:rPr>
+              <a:t>) </a:t>
+            </a:r>
+            <a:r>
+              <a:rPr lang="en-US" dirty="0">
+                <a:solidFill>
+                  <a:srgbClr val="000080"/>
+                </a:solidFill>
+                <a:latin typeface="Consolas" panose="020B0609020204030204" pitchFamily="49" charset="0"/>
+                <a:ea typeface="Calibri" panose="020F0502020204030204" pitchFamily="34" charset="0"/>
+                <a:cs typeface="Consolas" panose="020B0609020204030204" pitchFamily="49" charset="0"/>
+              </a:rPr>
               <a:t>observer</a:t>
             </a:r>
             <a:r>
@@ -16331,62 +16601,7 @@
                 <a:ea typeface="Calibri" panose="020F0502020204030204" pitchFamily="34" charset="0"/>
                 <a:cs typeface="Consolas" panose="020B0609020204030204" pitchFamily="49" charset="0"/>
               </a:rPr>
-              <a:t> : </a:t>
-            </a:r>
-            <a:r>
-              <a:rPr lang="en-US" dirty="0" err="1">
-                <a:solidFill>
-                  <a:srgbClr val="000080"/>
-                </a:solidFill>
-                <a:latin typeface="Consolas" panose="020B0609020204030204" pitchFamily="49" charset="0"/>
-                <a:ea typeface="Calibri" panose="020F0502020204030204" pitchFamily="34" charset="0"/>
-                <a:cs typeface="Consolas" panose="020B0609020204030204" pitchFamily="49" charset="0"/>
-              </a:rPr>
-              <a:t>m_observers</a:t>
-            </a:r>
-            <a:r>
-              <a:rPr lang="en-US" dirty="0">
-                <a:solidFill>
-                  <a:srgbClr val="000000"/>
-                </a:solidFill>
-                <a:latin typeface="Consolas" panose="020B0609020204030204" pitchFamily="49" charset="0"/>
-                <a:ea typeface="Calibri" panose="020F0502020204030204" pitchFamily="34" charset="0"/>
-                <a:cs typeface="Consolas" panose="020B0609020204030204" pitchFamily="49" charset="0"/>
-              </a:rPr>
-              <a:t>) </a:t>
-            </a:r>
-            <a:r>
-              <a:rPr lang="en-US" dirty="0" err="1">
-                <a:solidFill>
-                  <a:srgbClr val="000080"/>
-                </a:solidFill>
-                <a:latin typeface="Consolas" panose="020B0609020204030204" pitchFamily="49" charset="0"/>
-                <a:ea typeface="Calibri" panose="020F0502020204030204" pitchFamily="34" charset="0"/>
-                <a:cs typeface="Consolas" panose="020B0609020204030204" pitchFamily="49" charset="0"/>
-              </a:rPr>
-              <a:t>observer</a:t>
-            </a:r>
-            <a:r>
-              <a:rPr lang="en-US" dirty="0" err="1">
-                <a:solidFill>
-                  <a:srgbClr val="000000"/>
-                </a:solidFill>
-                <a:latin typeface="Consolas" panose="020B0609020204030204" pitchFamily="49" charset="0"/>
-                <a:ea typeface="Calibri" panose="020F0502020204030204" pitchFamily="34" charset="0"/>
-                <a:cs typeface="Consolas" panose="020B0609020204030204" pitchFamily="49" charset="0"/>
-              </a:rPr>
-              <a:t>.</a:t>
-            </a:r>
-            <a:r>
-              <a:rPr lang="en-US" i="1" dirty="0" err="1">
-                <a:solidFill>
-                  <a:srgbClr val="000080"/>
-                </a:solidFill>
-                <a:latin typeface="Consolas" panose="020B0609020204030204" pitchFamily="49" charset="0"/>
-                <a:ea typeface="Calibri" panose="020F0502020204030204" pitchFamily="34" charset="0"/>
-                <a:cs typeface="Consolas" panose="020B0609020204030204" pitchFamily="49" charset="0"/>
-              </a:rPr>
-              <a:t>second</a:t>
+              <a:t> </a:t>
             </a:r>
             <a:r>
               <a:rPr lang="en-US" dirty="0">
@@ -18072,7 +18287,7 @@
 </p:sld>
 </file>
 
-<file path=ppt/slides/slide42.xml><?xml version="1.0" encoding="utf-8"?>
+<file path=ppt/slides/slide44.xml><?xml version="1.0" encoding="utf-8"?>
 <p:sld xmlns:a="http://schemas.openxmlformats.org/drawingml/2006/main" xmlns:r="http://schemas.openxmlformats.org/officeDocument/2006/relationships" xmlns:p="http://schemas.openxmlformats.org/presentationml/2006/main">
   <p:cSld>
     <p:spTree>
@@ -20722,7 +20937,7 @@
 </p:sld>
 </file>
 
-<file path=ppt/slides/slide43.xml><?xml version="1.0" encoding="utf-8"?>
+<file path=ppt/slides/slide45.xml><?xml version="1.0" encoding="utf-8"?>
 <p:sld xmlns:a="http://schemas.openxmlformats.org/drawingml/2006/main" xmlns:r="http://schemas.openxmlformats.org/officeDocument/2006/relationships" xmlns:p="http://schemas.openxmlformats.org/presentationml/2006/main">
   <p:cSld>
     <p:spTree>
@@ -24023,6 +24238,7666 @@
 </p:sld>
 </file>
 
+<file path=ppt/slides/slide46.xml><?xml version="1.0" encoding="utf-8"?>
+<p:sld xmlns:a="http://schemas.openxmlformats.org/drawingml/2006/main" xmlns:r="http://schemas.openxmlformats.org/officeDocument/2006/relationships" xmlns:p="http://schemas.openxmlformats.org/presentationml/2006/main">
+  <p:cSld>
+    <p:spTree>
+      <p:nvGrpSpPr>
+        <p:cNvPr id="1" name=""/>
+        <p:cNvGrpSpPr/>
+        <p:nvPr/>
+      </p:nvGrpSpPr>
+      <p:grpSpPr>
+        <a:xfrm>
+          <a:off x="0" y="0"/>
+          <a:ext cx="0" cy="0"/>
+          <a:chOff x="0" y="0"/>
+          <a:chExt cx="0" cy="0"/>
+        </a:xfrm>
+      </p:grpSpPr>
+      <p:sp>
+        <p:nvSpPr>
+          <p:cNvPr id="2" name="Rectangle 1">
+            <a:extLst>
+              <a:ext uri="{FF2B5EF4-FFF2-40B4-BE49-F238E27FC236}">
+                <a16:creationId xmlns:a16="http://schemas.microsoft.com/office/drawing/2014/main" id="{5A5FE292-9E2F-46DB-B21D-7488568D8BC2}"/>
+              </a:ext>
+            </a:extLst>
+          </p:cNvPr>
+          <p:cNvSpPr/>
+          <p:nvPr/>
+        </p:nvSpPr>
+        <p:spPr>
+          <a:xfrm>
+            <a:off x="107504" y="2564904"/>
+            <a:ext cx="8928992" cy="3078535"/>
+          </a:xfrm>
+          <a:prstGeom prst="rect">
+            <a:avLst/>
+          </a:prstGeom>
+        </p:spPr>
+        <p:txBody>
+          <a:bodyPr wrap="square">
+            <a:spAutoFit/>
+          </a:bodyPr>
+          <a:lstStyle/>
+          <a:p>
+            <a:pPr>
+              <a:lnSpc>
+                <a:spcPct val="107000"/>
+              </a:lnSpc>
+              <a:spcAft>
+                <a:spcPts val="0"/>
+              </a:spcAft>
+            </a:pPr>
+            <a:r>
+              <a:rPr lang="ru-RU" sz="1400" kern="0" dirty="0" err="1">
+                <a:solidFill>
+                  <a:srgbClr val="0000FF"/>
+                </a:solidFill>
+                <a:latin typeface="Consolas" panose="020B0609020204030204" pitchFamily="49" charset="0"/>
+                <a:ea typeface="Yu Mincho" panose="02020400000000000000" pitchFamily="18" charset="-128"/>
+                <a:cs typeface="Consolas" panose="020B0609020204030204" pitchFamily="49" charset="0"/>
+              </a:rPr>
+              <a:t>namespace</a:t>
+            </a:r>
+            <a:r>
+              <a:rPr lang="ru-RU" sz="1400" kern="0" dirty="0">
+                <a:solidFill>
+                  <a:srgbClr val="000000"/>
+                </a:solidFill>
+                <a:latin typeface="Consolas" panose="020B0609020204030204" pitchFamily="49" charset="0"/>
+                <a:ea typeface="Yu Mincho" panose="02020400000000000000" pitchFamily="18" charset="-128"/>
+                <a:cs typeface="Consolas" panose="020B0609020204030204" pitchFamily="49" charset="0"/>
+              </a:rPr>
+              <a:t> </a:t>
+            </a:r>
+            <a:r>
+              <a:rPr lang="ru-RU" sz="1400" kern="0" dirty="0" err="1">
+                <a:solidFill>
+                  <a:srgbClr val="000000"/>
+                </a:solidFill>
+                <a:latin typeface="Consolas" panose="020B0609020204030204" pitchFamily="49" charset="0"/>
+                <a:ea typeface="Yu Mincho" panose="02020400000000000000" pitchFamily="18" charset="-128"/>
+                <a:cs typeface="Consolas" panose="020B0609020204030204" pitchFamily="49" charset="0"/>
+              </a:rPr>
+              <a:t>ph</a:t>
+            </a:r>
+            <a:r>
+              <a:rPr lang="ru-RU" sz="1400" kern="0" dirty="0">
+                <a:solidFill>
+                  <a:srgbClr val="000000"/>
+                </a:solidFill>
+                <a:latin typeface="Consolas" panose="020B0609020204030204" pitchFamily="49" charset="0"/>
+                <a:ea typeface="Yu Mincho" panose="02020400000000000000" pitchFamily="18" charset="-128"/>
+                <a:cs typeface="Consolas" panose="020B0609020204030204" pitchFamily="49" charset="0"/>
+              </a:rPr>
+              <a:t> = </a:t>
+            </a:r>
+            <a:r>
+              <a:rPr lang="ru-RU" sz="1400" kern="0" dirty="0" err="1">
+                <a:solidFill>
+                  <a:srgbClr val="000000"/>
+                </a:solidFill>
+                <a:latin typeface="Consolas" panose="020B0609020204030204" pitchFamily="49" charset="0"/>
+                <a:ea typeface="Yu Mincho" panose="02020400000000000000" pitchFamily="18" charset="-128"/>
+                <a:cs typeface="Consolas" panose="020B0609020204030204" pitchFamily="49" charset="0"/>
+              </a:rPr>
+              <a:t>std</a:t>
+            </a:r>
+            <a:r>
+              <a:rPr lang="ru-RU" sz="1400" kern="0" dirty="0">
+                <a:solidFill>
+                  <a:srgbClr val="000000"/>
+                </a:solidFill>
+                <a:latin typeface="Consolas" panose="020B0609020204030204" pitchFamily="49" charset="0"/>
+                <a:ea typeface="Yu Mincho" panose="02020400000000000000" pitchFamily="18" charset="-128"/>
+                <a:cs typeface="Consolas" panose="020B0609020204030204" pitchFamily="49" charset="0"/>
+              </a:rPr>
+              <a:t>::</a:t>
+            </a:r>
+            <a:r>
+              <a:rPr lang="ru-RU" sz="1400" kern="0" dirty="0" err="1">
+                <a:solidFill>
+                  <a:srgbClr val="000000"/>
+                </a:solidFill>
+                <a:latin typeface="Consolas" panose="020B0609020204030204" pitchFamily="49" charset="0"/>
+                <a:ea typeface="Yu Mincho" panose="02020400000000000000" pitchFamily="18" charset="-128"/>
+                <a:cs typeface="Consolas" panose="020B0609020204030204" pitchFamily="49" charset="0"/>
+              </a:rPr>
+              <a:t>placeholders</a:t>
+            </a:r>
+            <a:r>
+              <a:rPr lang="ru-RU" sz="1400" kern="0" dirty="0">
+                <a:solidFill>
+                  <a:srgbClr val="000000"/>
+                </a:solidFill>
+                <a:latin typeface="Consolas" panose="020B0609020204030204" pitchFamily="49" charset="0"/>
+                <a:ea typeface="Yu Mincho" panose="02020400000000000000" pitchFamily="18" charset="-128"/>
+                <a:cs typeface="Consolas" panose="020B0609020204030204" pitchFamily="49" charset="0"/>
+              </a:rPr>
+              <a:t>;</a:t>
+            </a:r>
+            <a:endParaRPr lang="ru-RU" sz="1400" kern="100" dirty="0">
+              <a:latin typeface="Calibri" panose="020F0502020204030204" pitchFamily="34" charset="0"/>
+              <a:ea typeface="Yu Mincho" panose="02020400000000000000" pitchFamily="18" charset="-128"/>
+              <a:cs typeface="Times New Roman" panose="02020603050405020304" pitchFamily="18" charset="0"/>
+            </a:endParaRPr>
+          </a:p>
+          <a:p>
+            <a:pPr>
+              <a:lnSpc>
+                <a:spcPct val="107000"/>
+              </a:lnSpc>
+              <a:spcAft>
+                <a:spcPts val="0"/>
+              </a:spcAft>
+            </a:pPr>
+            <a:r>
+              <a:rPr lang="ru-RU" sz="1400" kern="0" dirty="0">
+                <a:solidFill>
+                  <a:srgbClr val="000000"/>
+                </a:solidFill>
+                <a:latin typeface="Consolas" panose="020B0609020204030204" pitchFamily="49" charset="0"/>
+                <a:ea typeface="Yu Mincho" panose="02020400000000000000" pitchFamily="18" charset="-128"/>
+                <a:cs typeface="Consolas" panose="020B0609020204030204" pitchFamily="49" charset="0"/>
+              </a:rPr>
+              <a:t> </a:t>
+            </a:r>
+            <a:endParaRPr lang="ru-RU" sz="1400" kern="100" dirty="0">
+              <a:latin typeface="Calibri" panose="020F0502020204030204" pitchFamily="34" charset="0"/>
+              <a:ea typeface="Yu Mincho" panose="02020400000000000000" pitchFamily="18" charset="-128"/>
+              <a:cs typeface="Times New Roman" panose="02020603050405020304" pitchFamily="18" charset="0"/>
+            </a:endParaRPr>
+          </a:p>
+          <a:p>
+            <a:pPr>
+              <a:lnSpc>
+                <a:spcPct val="107000"/>
+              </a:lnSpc>
+              <a:spcAft>
+                <a:spcPts val="0"/>
+              </a:spcAft>
+            </a:pPr>
+            <a:r>
+              <a:rPr lang="ru-RU" sz="1400" kern="0" dirty="0" err="1">
+                <a:solidFill>
+                  <a:srgbClr val="0000FF"/>
+                </a:solidFill>
+                <a:latin typeface="Consolas" panose="020B0609020204030204" pitchFamily="49" charset="0"/>
+                <a:ea typeface="Yu Mincho" panose="02020400000000000000" pitchFamily="18" charset="-128"/>
+                <a:cs typeface="Consolas" panose="020B0609020204030204" pitchFamily="49" charset="0"/>
+              </a:rPr>
+              <a:t>namespace</a:t>
+            </a:r>
+            <a:r>
+              <a:rPr lang="ru-RU" sz="1400" kern="0" dirty="0">
+                <a:solidFill>
+                  <a:srgbClr val="000000"/>
+                </a:solidFill>
+                <a:latin typeface="Consolas" panose="020B0609020204030204" pitchFamily="49" charset="0"/>
+                <a:ea typeface="Yu Mincho" panose="02020400000000000000" pitchFamily="18" charset="-128"/>
+                <a:cs typeface="Consolas" panose="020B0609020204030204" pitchFamily="49" charset="0"/>
+              </a:rPr>
+              <a:t> </a:t>
+            </a:r>
+            <a:r>
+              <a:rPr lang="ru-RU" sz="1400" kern="0" dirty="0" err="1">
+                <a:solidFill>
+                  <a:srgbClr val="000000"/>
+                </a:solidFill>
+                <a:latin typeface="Consolas" panose="020B0609020204030204" pitchFamily="49" charset="0"/>
+                <a:ea typeface="Yu Mincho" panose="02020400000000000000" pitchFamily="18" charset="-128"/>
+                <a:cs typeface="Consolas" panose="020B0609020204030204" pitchFamily="49" charset="0"/>
+              </a:rPr>
+              <a:t>signals</a:t>
+            </a:r>
+            <a:r>
+              <a:rPr lang="ru-RU" sz="1400" kern="0" dirty="0">
+                <a:solidFill>
+                  <a:srgbClr val="000000"/>
+                </a:solidFill>
+                <a:latin typeface="Consolas" panose="020B0609020204030204" pitchFamily="49" charset="0"/>
+                <a:ea typeface="Yu Mincho" panose="02020400000000000000" pitchFamily="18" charset="-128"/>
+                <a:cs typeface="Consolas" panose="020B0609020204030204" pitchFamily="49" charset="0"/>
+              </a:rPr>
+              <a:t> = </a:t>
+            </a:r>
+            <a:r>
+              <a:rPr lang="ru-RU" sz="1400" kern="0" dirty="0" err="1">
+                <a:solidFill>
+                  <a:srgbClr val="000000"/>
+                </a:solidFill>
+                <a:latin typeface="Consolas" panose="020B0609020204030204" pitchFamily="49" charset="0"/>
+                <a:ea typeface="Yu Mincho" panose="02020400000000000000" pitchFamily="18" charset="-128"/>
+                <a:cs typeface="Consolas" panose="020B0609020204030204" pitchFamily="49" charset="0"/>
+              </a:rPr>
+              <a:t>boost</a:t>
+            </a:r>
+            <a:r>
+              <a:rPr lang="ru-RU" sz="1400" kern="0" dirty="0">
+                <a:solidFill>
+                  <a:srgbClr val="000000"/>
+                </a:solidFill>
+                <a:latin typeface="Consolas" panose="020B0609020204030204" pitchFamily="49" charset="0"/>
+                <a:ea typeface="Yu Mincho" panose="02020400000000000000" pitchFamily="18" charset="-128"/>
+                <a:cs typeface="Consolas" panose="020B0609020204030204" pitchFamily="49" charset="0"/>
+              </a:rPr>
+              <a:t>::signals2;</a:t>
+            </a:r>
+            <a:endParaRPr lang="ru-RU" sz="1400" kern="100" dirty="0">
+              <a:latin typeface="Calibri" panose="020F0502020204030204" pitchFamily="34" charset="0"/>
+              <a:ea typeface="Yu Mincho" panose="02020400000000000000" pitchFamily="18" charset="-128"/>
+              <a:cs typeface="Times New Roman" panose="02020603050405020304" pitchFamily="18" charset="0"/>
+            </a:endParaRPr>
+          </a:p>
+          <a:p>
+            <a:pPr>
+              <a:lnSpc>
+                <a:spcPct val="107000"/>
+              </a:lnSpc>
+              <a:spcAft>
+                <a:spcPts val="0"/>
+              </a:spcAft>
+            </a:pPr>
+            <a:r>
+              <a:rPr lang="ru-RU" sz="1400" kern="0" dirty="0">
+                <a:solidFill>
+                  <a:srgbClr val="000000"/>
+                </a:solidFill>
+                <a:latin typeface="Consolas" panose="020B0609020204030204" pitchFamily="49" charset="0"/>
+                <a:ea typeface="Yu Mincho" panose="02020400000000000000" pitchFamily="18" charset="-128"/>
+                <a:cs typeface="Consolas" panose="020B0609020204030204" pitchFamily="49" charset="0"/>
+              </a:rPr>
+              <a:t> </a:t>
+            </a:r>
+            <a:endParaRPr lang="ru-RU" sz="1400" kern="100" dirty="0">
+              <a:latin typeface="Calibri" panose="020F0502020204030204" pitchFamily="34" charset="0"/>
+              <a:ea typeface="Yu Mincho" panose="02020400000000000000" pitchFamily="18" charset="-128"/>
+              <a:cs typeface="Times New Roman" panose="02020603050405020304" pitchFamily="18" charset="0"/>
+            </a:endParaRPr>
+          </a:p>
+          <a:p>
+            <a:pPr>
+              <a:lnSpc>
+                <a:spcPct val="107000"/>
+              </a:lnSpc>
+              <a:spcAft>
+                <a:spcPts val="0"/>
+              </a:spcAft>
+            </a:pPr>
+            <a:r>
+              <a:rPr lang="ru-RU" sz="1400" kern="0" dirty="0" err="1">
+                <a:solidFill>
+                  <a:srgbClr val="0000FF"/>
+                </a:solidFill>
+                <a:latin typeface="Consolas" panose="020B0609020204030204" pitchFamily="49" charset="0"/>
+                <a:ea typeface="Yu Mincho" panose="02020400000000000000" pitchFamily="18" charset="-128"/>
+                <a:cs typeface="Consolas" panose="020B0609020204030204" pitchFamily="49" charset="0"/>
+              </a:rPr>
+              <a:t>class</a:t>
+            </a:r>
+            <a:r>
+              <a:rPr lang="ru-RU" sz="1400" kern="0" dirty="0">
+                <a:solidFill>
+                  <a:srgbClr val="000000"/>
+                </a:solidFill>
+                <a:latin typeface="Consolas" panose="020B0609020204030204" pitchFamily="49" charset="0"/>
+                <a:ea typeface="Yu Mincho" panose="02020400000000000000" pitchFamily="18" charset="-128"/>
+                <a:cs typeface="Consolas" panose="020B0609020204030204" pitchFamily="49" charset="0"/>
+              </a:rPr>
+              <a:t> </a:t>
+            </a:r>
+            <a:r>
+              <a:rPr lang="ru-RU" sz="1400" kern="0" dirty="0" err="1">
+                <a:solidFill>
+                  <a:srgbClr val="2B91AF"/>
+                </a:solidFill>
+                <a:latin typeface="Consolas" panose="020B0609020204030204" pitchFamily="49" charset="0"/>
+                <a:ea typeface="Yu Mincho" panose="02020400000000000000" pitchFamily="18" charset="-128"/>
+                <a:cs typeface="Consolas" panose="020B0609020204030204" pitchFamily="49" charset="0"/>
+              </a:rPr>
+              <a:t>ICurrencyRate</a:t>
+            </a:r>
+            <a:r>
+              <a:rPr lang="ru-RU" sz="1400" kern="0" dirty="0">
+                <a:solidFill>
+                  <a:srgbClr val="2B91AF"/>
+                </a:solidFill>
+                <a:latin typeface="Consolas" panose="020B0609020204030204" pitchFamily="49" charset="0"/>
+                <a:ea typeface="Yu Mincho" panose="02020400000000000000" pitchFamily="18" charset="-128"/>
+                <a:cs typeface="Consolas" panose="020B0609020204030204" pitchFamily="49" charset="0"/>
+              </a:rPr>
+              <a:t> </a:t>
+            </a:r>
+            <a:r>
+              <a:rPr lang="ru-RU" sz="1400" kern="0" dirty="0">
+                <a:solidFill>
+                  <a:srgbClr val="000000"/>
+                </a:solidFill>
+                <a:latin typeface="Consolas" panose="020B0609020204030204" pitchFamily="49" charset="0"/>
+                <a:ea typeface="Yu Mincho" panose="02020400000000000000" pitchFamily="18" charset="-128"/>
+                <a:cs typeface="Consolas" panose="020B0609020204030204" pitchFamily="49" charset="0"/>
+              </a:rPr>
+              <a:t>{</a:t>
+            </a:r>
+            <a:endParaRPr lang="ru-RU" sz="1400" kern="100" dirty="0">
+              <a:latin typeface="Calibri" panose="020F0502020204030204" pitchFamily="34" charset="0"/>
+              <a:ea typeface="Yu Mincho" panose="02020400000000000000" pitchFamily="18" charset="-128"/>
+              <a:cs typeface="Times New Roman" panose="02020603050405020304" pitchFamily="18" charset="0"/>
+            </a:endParaRPr>
+          </a:p>
+          <a:p>
+            <a:pPr>
+              <a:lnSpc>
+                <a:spcPct val="107000"/>
+              </a:lnSpc>
+              <a:spcAft>
+                <a:spcPts val="0"/>
+              </a:spcAft>
+            </a:pPr>
+            <a:r>
+              <a:rPr lang="ru-RU" sz="1400" kern="0" dirty="0" err="1">
+                <a:solidFill>
+                  <a:srgbClr val="0000FF"/>
+                </a:solidFill>
+                <a:latin typeface="Consolas" panose="020B0609020204030204" pitchFamily="49" charset="0"/>
+                <a:ea typeface="Yu Mincho" panose="02020400000000000000" pitchFamily="18" charset="-128"/>
+                <a:cs typeface="Consolas" panose="020B0609020204030204" pitchFamily="49" charset="0"/>
+              </a:rPr>
+              <a:t>public</a:t>
+            </a:r>
+            <a:r>
+              <a:rPr lang="ru-RU" sz="1400" kern="0" dirty="0">
+                <a:solidFill>
+                  <a:srgbClr val="000000"/>
+                </a:solidFill>
+                <a:latin typeface="Consolas" panose="020B0609020204030204" pitchFamily="49" charset="0"/>
+                <a:ea typeface="Yu Mincho" panose="02020400000000000000" pitchFamily="18" charset="-128"/>
+                <a:cs typeface="Consolas" panose="020B0609020204030204" pitchFamily="49" charset="0"/>
+              </a:rPr>
+              <a:t>:</a:t>
+            </a:r>
+            <a:endParaRPr lang="ru-RU" sz="1400" kern="100" dirty="0">
+              <a:latin typeface="Calibri" panose="020F0502020204030204" pitchFamily="34" charset="0"/>
+              <a:ea typeface="Yu Mincho" panose="02020400000000000000" pitchFamily="18" charset="-128"/>
+              <a:cs typeface="Times New Roman" panose="02020603050405020304" pitchFamily="18" charset="0"/>
+            </a:endParaRPr>
+          </a:p>
+          <a:p>
+            <a:pPr>
+              <a:lnSpc>
+                <a:spcPct val="107000"/>
+              </a:lnSpc>
+              <a:spcAft>
+                <a:spcPts val="0"/>
+              </a:spcAft>
+            </a:pPr>
+            <a:r>
+              <a:rPr lang="ru-RU" sz="1400" kern="0" dirty="0">
+                <a:solidFill>
+                  <a:srgbClr val="000000"/>
+                </a:solidFill>
+                <a:latin typeface="Consolas" panose="020B0609020204030204" pitchFamily="49" charset="0"/>
+                <a:ea typeface="Yu Mincho" panose="02020400000000000000" pitchFamily="18" charset="-128"/>
+                <a:cs typeface="Consolas" panose="020B0609020204030204" pitchFamily="49" charset="0"/>
+              </a:rPr>
+              <a:t>  </a:t>
+            </a:r>
+            <a:r>
+              <a:rPr lang="ru-RU" sz="1400" kern="0" dirty="0" err="1">
+                <a:solidFill>
+                  <a:srgbClr val="0000FF"/>
+                </a:solidFill>
+                <a:latin typeface="Consolas" panose="020B0609020204030204" pitchFamily="49" charset="0"/>
+                <a:ea typeface="Yu Mincho" panose="02020400000000000000" pitchFamily="18" charset="-128"/>
+                <a:cs typeface="Consolas" panose="020B0609020204030204" pitchFamily="49" charset="0"/>
+              </a:rPr>
+              <a:t>using</a:t>
+            </a:r>
+            <a:r>
+              <a:rPr lang="ru-RU" sz="1400" kern="0" dirty="0">
+                <a:solidFill>
+                  <a:srgbClr val="000000"/>
+                </a:solidFill>
+                <a:latin typeface="Consolas" panose="020B0609020204030204" pitchFamily="49" charset="0"/>
+                <a:ea typeface="Yu Mincho" panose="02020400000000000000" pitchFamily="18" charset="-128"/>
+                <a:cs typeface="Consolas" panose="020B0609020204030204" pitchFamily="49" charset="0"/>
+              </a:rPr>
+              <a:t> </a:t>
+            </a:r>
+            <a:r>
+              <a:rPr lang="ru-RU" sz="1400" kern="0" dirty="0" err="1">
+                <a:solidFill>
+                  <a:srgbClr val="2B91AF"/>
+                </a:solidFill>
+                <a:latin typeface="Consolas" panose="020B0609020204030204" pitchFamily="49" charset="0"/>
+                <a:ea typeface="Yu Mincho" panose="02020400000000000000" pitchFamily="18" charset="-128"/>
+                <a:cs typeface="Consolas" panose="020B0609020204030204" pitchFamily="49" charset="0"/>
+              </a:rPr>
+              <a:t>RateSignal</a:t>
+            </a:r>
+            <a:r>
+              <a:rPr lang="ru-RU" sz="1400" kern="0" dirty="0">
+                <a:solidFill>
+                  <a:srgbClr val="000000"/>
+                </a:solidFill>
+                <a:latin typeface="Consolas" panose="020B0609020204030204" pitchFamily="49" charset="0"/>
+                <a:ea typeface="Yu Mincho" panose="02020400000000000000" pitchFamily="18" charset="-128"/>
+                <a:cs typeface="Consolas" panose="020B0609020204030204" pitchFamily="49" charset="0"/>
+              </a:rPr>
+              <a:t> = </a:t>
+            </a:r>
+            <a:r>
+              <a:rPr lang="ru-RU" sz="1400" kern="0" dirty="0" err="1">
+                <a:solidFill>
+                  <a:srgbClr val="000000"/>
+                </a:solidFill>
+                <a:latin typeface="Consolas" panose="020B0609020204030204" pitchFamily="49" charset="0"/>
+                <a:ea typeface="Yu Mincho" panose="02020400000000000000" pitchFamily="18" charset="-128"/>
+                <a:cs typeface="Consolas" panose="020B0609020204030204" pitchFamily="49" charset="0"/>
+              </a:rPr>
+              <a:t>signals</a:t>
+            </a:r>
+            <a:r>
+              <a:rPr lang="ru-RU" sz="1400" kern="0" dirty="0">
+                <a:solidFill>
+                  <a:srgbClr val="000000"/>
+                </a:solidFill>
+                <a:latin typeface="Consolas" panose="020B0609020204030204" pitchFamily="49" charset="0"/>
+                <a:ea typeface="Yu Mincho" panose="02020400000000000000" pitchFamily="18" charset="-128"/>
+                <a:cs typeface="Consolas" panose="020B0609020204030204" pitchFamily="49" charset="0"/>
+              </a:rPr>
+              <a:t>::</a:t>
+            </a:r>
+            <a:r>
+              <a:rPr lang="ru-RU" sz="1400" kern="0" dirty="0" err="1">
+                <a:solidFill>
+                  <a:srgbClr val="000000"/>
+                </a:solidFill>
+                <a:latin typeface="Consolas" panose="020B0609020204030204" pitchFamily="49" charset="0"/>
+                <a:ea typeface="Yu Mincho" panose="02020400000000000000" pitchFamily="18" charset="-128"/>
+                <a:cs typeface="Consolas" panose="020B0609020204030204" pitchFamily="49" charset="0"/>
+              </a:rPr>
+              <a:t>signal</a:t>
+            </a:r>
+            <a:r>
+              <a:rPr lang="ru-RU" sz="1400" kern="0" dirty="0">
+                <a:solidFill>
+                  <a:srgbClr val="000000"/>
+                </a:solidFill>
+                <a:latin typeface="Consolas" panose="020B0609020204030204" pitchFamily="49" charset="0"/>
+                <a:ea typeface="Yu Mincho" panose="02020400000000000000" pitchFamily="18" charset="-128"/>
+                <a:cs typeface="Consolas" panose="020B0609020204030204" pitchFamily="49" charset="0"/>
+              </a:rPr>
+              <a:t>&lt;</a:t>
+            </a:r>
+            <a:r>
+              <a:rPr lang="ru-RU" sz="1400" kern="0" dirty="0" err="1">
+                <a:solidFill>
+                  <a:srgbClr val="0000FF"/>
+                </a:solidFill>
+                <a:latin typeface="Consolas" panose="020B0609020204030204" pitchFamily="49" charset="0"/>
+                <a:ea typeface="Yu Mincho" panose="02020400000000000000" pitchFamily="18" charset="-128"/>
+                <a:cs typeface="Consolas" panose="020B0609020204030204" pitchFamily="49" charset="0"/>
+              </a:rPr>
+              <a:t>void</a:t>
+            </a:r>
+            <a:r>
+              <a:rPr lang="ru-RU" sz="1400" kern="0" dirty="0">
+                <a:solidFill>
+                  <a:srgbClr val="000000"/>
+                </a:solidFill>
+                <a:latin typeface="Consolas" panose="020B0609020204030204" pitchFamily="49" charset="0"/>
+                <a:ea typeface="Yu Mincho" panose="02020400000000000000" pitchFamily="18" charset="-128"/>
+                <a:cs typeface="Consolas" panose="020B0609020204030204" pitchFamily="49" charset="0"/>
+              </a:rPr>
+              <a:t>(</a:t>
+            </a:r>
+            <a:r>
+              <a:rPr lang="ru-RU" sz="1400" kern="0" dirty="0" err="1">
+                <a:solidFill>
+                  <a:srgbClr val="0000FF"/>
+                </a:solidFill>
+                <a:latin typeface="Consolas" panose="020B0609020204030204" pitchFamily="49" charset="0"/>
+                <a:ea typeface="Yu Mincho" panose="02020400000000000000" pitchFamily="18" charset="-128"/>
+                <a:cs typeface="Consolas" panose="020B0609020204030204" pitchFamily="49" charset="0"/>
+              </a:rPr>
+              <a:t>double</a:t>
+            </a:r>
+            <a:r>
+              <a:rPr lang="ru-RU" sz="1400" kern="0" dirty="0">
+                <a:solidFill>
+                  <a:srgbClr val="000000"/>
+                </a:solidFill>
+                <a:latin typeface="Consolas" panose="020B0609020204030204" pitchFamily="49" charset="0"/>
+                <a:ea typeface="Yu Mincho" panose="02020400000000000000" pitchFamily="18" charset="-128"/>
+                <a:cs typeface="Consolas" panose="020B0609020204030204" pitchFamily="49" charset="0"/>
+              </a:rPr>
+              <a:t> </a:t>
+            </a:r>
+            <a:r>
+              <a:rPr lang="ru-RU" sz="1400" kern="0" dirty="0" err="1">
+                <a:solidFill>
+                  <a:srgbClr val="000000"/>
+                </a:solidFill>
+                <a:latin typeface="Consolas" panose="020B0609020204030204" pitchFamily="49" charset="0"/>
+                <a:ea typeface="Yu Mincho" panose="02020400000000000000" pitchFamily="18" charset="-128"/>
+                <a:cs typeface="Consolas" panose="020B0609020204030204" pitchFamily="49" charset="0"/>
+              </a:rPr>
+              <a:t>rate</a:t>
+            </a:r>
+            <a:r>
+              <a:rPr lang="ru-RU" sz="1400" kern="0" dirty="0">
+                <a:solidFill>
+                  <a:srgbClr val="000000"/>
+                </a:solidFill>
+                <a:latin typeface="Consolas" panose="020B0609020204030204" pitchFamily="49" charset="0"/>
+                <a:ea typeface="Yu Mincho" panose="02020400000000000000" pitchFamily="18" charset="-128"/>
+                <a:cs typeface="Consolas" panose="020B0609020204030204" pitchFamily="49" charset="0"/>
+              </a:rPr>
+              <a:t>)&gt;;</a:t>
+            </a:r>
+            <a:endParaRPr lang="ru-RU" sz="1400" kern="100" dirty="0">
+              <a:latin typeface="Calibri" panose="020F0502020204030204" pitchFamily="34" charset="0"/>
+              <a:ea typeface="Yu Mincho" panose="02020400000000000000" pitchFamily="18" charset="-128"/>
+              <a:cs typeface="Times New Roman" panose="02020603050405020304" pitchFamily="18" charset="0"/>
+            </a:endParaRPr>
+          </a:p>
+          <a:p>
+            <a:pPr>
+              <a:lnSpc>
+                <a:spcPct val="107000"/>
+              </a:lnSpc>
+              <a:spcAft>
+                <a:spcPts val="0"/>
+              </a:spcAft>
+            </a:pPr>
+            <a:r>
+              <a:rPr lang="ru-RU" sz="1400" kern="0" dirty="0">
+                <a:solidFill>
+                  <a:srgbClr val="000000"/>
+                </a:solidFill>
+                <a:latin typeface="Consolas" panose="020B0609020204030204" pitchFamily="49" charset="0"/>
+                <a:ea typeface="Yu Mincho" panose="02020400000000000000" pitchFamily="18" charset="-128"/>
+                <a:cs typeface="Consolas" panose="020B0609020204030204" pitchFamily="49" charset="0"/>
+              </a:rPr>
+              <a:t> </a:t>
+            </a:r>
+            <a:endParaRPr lang="ru-RU" sz="1400" kern="100" dirty="0">
+              <a:latin typeface="Calibri" panose="020F0502020204030204" pitchFamily="34" charset="0"/>
+              <a:ea typeface="Yu Mincho" panose="02020400000000000000" pitchFamily="18" charset="-128"/>
+              <a:cs typeface="Times New Roman" panose="02020603050405020304" pitchFamily="18" charset="0"/>
+            </a:endParaRPr>
+          </a:p>
+          <a:p>
+            <a:pPr>
+              <a:lnSpc>
+                <a:spcPct val="107000"/>
+              </a:lnSpc>
+              <a:spcAft>
+                <a:spcPts val="0"/>
+              </a:spcAft>
+            </a:pPr>
+            <a:r>
+              <a:rPr lang="ru-RU" sz="1400" kern="0" dirty="0">
+                <a:solidFill>
+                  <a:srgbClr val="000000"/>
+                </a:solidFill>
+                <a:latin typeface="Consolas" panose="020B0609020204030204" pitchFamily="49" charset="0"/>
+                <a:ea typeface="Yu Mincho" panose="02020400000000000000" pitchFamily="18" charset="-128"/>
+                <a:cs typeface="Consolas" panose="020B0609020204030204" pitchFamily="49" charset="0"/>
+              </a:rPr>
+              <a:t>  </a:t>
+            </a:r>
+            <a:r>
+              <a:rPr lang="ru-RU" sz="1400" kern="0" dirty="0" err="1">
+                <a:solidFill>
+                  <a:srgbClr val="0000FF"/>
+                </a:solidFill>
+                <a:latin typeface="Consolas" panose="020B0609020204030204" pitchFamily="49" charset="0"/>
+                <a:ea typeface="Yu Mincho" panose="02020400000000000000" pitchFamily="18" charset="-128"/>
+                <a:cs typeface="Consolas" panose="020B0609020204030204" pitchFamily="49" charset="0"/>
+              </a:rPr>
+              <a:t>virtual</a:t>
+            </a:r>
+            <a:r>
+              <a:rPr lang="ru-RU" sz="1400" kern="0" dirty="0">
+                <a:solidFill>
+                  <a:srgbClr val="000000"/>
+                </a:solidFill>
+                <a:latin typeface="Consolas" panose="020B0609020204030204" pitchFamily="49" charset="0"/>
+                <a:ea typeface="Yu Mincho" panose="02020400000000000000" pitchFamily="18" charset="-128"/>
+                <a:cs typeface="Consolas" panose="020B0609020204030204" pitchFamily="49" charset="0"/>
+              </a:rPr>
+              <a:t> </a:t>
+            </a:r>
+            <a:r>
+              <a:rPr lang="ru-RU" sz="1400" kern="0" dirty="0" err="1">
+                <a:solidFill>
+                  <a:srgbClr val="000000"/>
+                </a:solidFill>
+                <a:latin typeface="Consolas" panose="020B0609020204030204" pitchFamily="49" charset="0"/>
+                <a:ea typeface="Yu Mincho" panose="02020400000000000000" pitchFamily="18" charset="-128"/>
+                <a:cs typeface="Consolas" panose="020B0609020204030204" pitchFamily="49" charset="0"/>
+              </a:rPr>
+              <a:t>signals</a:t>
+            </a:r>
+            <a:r>
+              <a:rPr lang="ru-RU" sz="1400" kern="0" dirty="0">
+                <a:solidFill>
+                  <a:srgbClr val="000000"/>
+                </a:solidFill>
+                <a:latin typeface="Consolas" panose="020B0609020204030204" pitchFamily="49" charset="0"/>
+                <a:ea typeface="Yu Mincho" panose="02020400000000000000" pitchFamily="18" charset="-128"/>
+                <a:cs typeface="Consolas" panose="020B0609020204030204" pitchFamily="49" charset="0"/>
+              </a:rPr>
+              <a:t>::</a:t>
+            </a:r>
+            <a:r>
+              <a:rPr lang="ru-RU" sz="1400" kern="0" dirty="0" err="1">
+                <a:solidFill>
+                  <a:srgbClr val="000000"/>
+                </a:solidFill>
+                <a:latin typeface="Consolas" panose="020B0609020204030204" pitchFamily="49" charset="0"/>
+                <a:ea typeface="Yu Mincho" panose="02020400000000000000" pitchFamily="18" charset="-128"/>
+                <a:cs typeface="Consolas" panose="020B0609020204030204" pitchFamily="49" charset="0"/>
+              </a:rPr>
+              <a:t>connection</a:t>
+            </a:r>
+            <a:r>
+              <a:rPr lang="ru-RU" sz="1400" kern="0" dirty="0">
+                <a:solidFill>
+                  <a:srgbClr val="000000"/>
+                </a:solidFill>
+                <a:latin typeface="Consolas" panose="020B0609020204030204" pitchFamily="49" charset="0"/>
+                <a:ea typeface="Yu Mincho" panose="02020400000000000000" pitchFamily="18" charset="-128"/>
+                <a:cs typeface="Consolas" panose="020B0609020204030204" pitchFamily="49" charset="0"/>
+              </a:rPr>
+              <a:t> </a:t>
+            </a:r>
+            <a:r>
+              <a:rPr lang="ru-RU" sz="1400" kern="0" dirty="0" err="1">
+                <a:solidFill>
+                  <a:srgbClr val="000000"/>
+                </a:solidFill>
+                <a:latin typeface="Consolas" panose="020B0609020204030204" pitchFamily="49" charset="0"/>
+                <a:ea typeface="Yu Mincho" panose="02020400000000000000" pitchFamily="18" charset="-128"/>
+                <a:cs typeface="Consolas" panose="020B0609020204030204" pitchFamily="49" charset="0"/>
+              </a:rPr>
+              <a:t>DoOnRateChange</a:t>
+            </a:r>
+            <a:r>
+              <a:rPr lang="ru-RU" sz="1400" kern="0" dirty="0">
+                <a:solidFill>
+                  <a:srgbClr val="000000"/>
+                </a:solidFill>
+                <a:latin typeface="Consolas" panose="020B0609020204030204" pitchFamily="49" charset="0"/>
+                <a:ea typeface="Yu Mincho" panose="02020400000000000000" pitchFamily="18" charset="-128"/>
+                <a:cs typeface="Consolas" panose="020B0609020204030204" pitchFamily="49" charset="0"/>
+              </a:rPr>
+              <a:t>(</a:t>
+            </a:r>
+            <a:r>
+              <a:rPr lang="ru-RU" sz="1400" kern="0" dirty="0" err="1">
+                <a:solidFill>
+                  <a:srgbClr val="0000FF"/>
+                </a:solidFill>
+                <a:latin typeface="Consolas" panose="020B0609020204030204" pitchFamily="49" charset="0"/>
+                <a:ea typeface="Yu Mincho" panose="02020400000000000000" pitchFamily="18" charset="-128"/>
+                <a:cs typeface="Consolas" panose="020B0609020204030204" pitchFamily="49" charset="0"/>
+              </a:rPr>
+              <a:t>const</a:t>
+            </a:r>
+            <a:r>
+              <a:rPr lang="ru-RU" sz="1400" kern="0" dirty="0">
+                <a:solidFill>
+                  <a:srgbClr val="000000"/>
+                </a:solidFill>
+                <a:latin typeface="Consolas" panose="020B0609020204030204" pitchFamily="49" charset="0"/>
+                <a:ea typeface="Yu Mincho" panose="02020400000000000000" pitchFamily="18" charset="-128"/>
+                <a:cs typeface="Consolas" panose="020B0609020204030204" pitchFamily="49" charset="0"/>
+              </a:rPr>
+              <a:t> </a:t>
+            </a:r>
+            <a:r>
+              <a:rPr lang="ru-RU" sz="1400" kern="0" dirty="0" err="1">
+                <a:solidFill>
+                  <a:srgbClr val="000000"/>
+                </a:solidFill>
+                <a:latin typeface="Consolas" panose="020B0609020204030204" pitchFamily="49" charset="0"/>
+                <a:ea typeface="Yu Mincho" panose="02020400000000000000" pitchFamily="18" charset="-128"/>
+                <a:cs typeface="Consolas" panose="020B0609020204030204" pitchFamily="49" charset="0"/>
+              </a:rPr>
+              <a:t>RateSignal</a:t>
+            </a:r>
+            <a:r>
+              <a:rPr lang="ru-RU" sz="1400" kern="0" dirty="0">
+                <a:solidFill>
+                  <a:srgbClr val="000000"/>
+                </a:solidFill>
+                <a:latin typeface="Consolas" panose="020B0609020204030204" pitchFamily="49" charset="0"/>
+                <a:ea typeface="Yu Mincho" panose="02020400000000000000" pitchFamily="18" charset="-128"/>
+                <a:cs typeface="Consolas" panose="020B0609020204030204" pitchFamily="49" charset="0"/>
+              </a:rPr>
+              <a:t>::</a:t>
+            </a:r>
+            <a:r>
+              <a:rPr lang="ru-RU" sz="1400" kern="0" dirty="0" err="1">
+                <a:solidFill>
+                  <a:srgbClr val="000000"/>
+                </a:solidFill>
+                <a:latin typeface="Consolas" panose="020B0609020204030204" pitchFamily="49" charset="0"/>
+                <a:ea typeface="Yu Mincho" panose="02020400000000000000" pitchFamily="18" charset="-128"/>
+                <a:cs typeface="Consolas" panose="020B0609020204030204" pitchFamily="49" charset="0"/>
+              </a:rPr>
+              <a:t>slot_type</a:t>
+            </a:r>
+            <a:r>
+              <a:rPr lang="ru-RU" sz="1400" kern="0" dirty="0">
+                <a:solidFill>
+                  <a:srgbClr val="000000"/>
+                </a:solidFill>
+                <a:latin typeface="Consolas" panose="020B0609020204030204" pitchFamily="49" charset="0"/>
+                <a:ea typeface="Yu Mincho" panose="02020400000000000000" pitchFamily="18" charset="-128"/>
+                <a:cs typeface="Consolas" panose="020B0609020204030204" pitchFamily="49" charset="0"/>
+              </a:rPr>
+              <a:t> &amp; </a:t>
+            </a:r>
+            <a:r>
+              <a:rPr lang="ru-RU" sz="1400" kern="0" dirty="0" err="1">
+                <a:solidFill>
+                  <a:srgbClr val="808080"/>
+                </a:solidFill>
+                <a:latin typeface="Consolas" panose="020B0609020204030204" pitchFamily="49" charset="0"/>
+                <a:ea typeface="Yu Mincho" panose="02020400000000000000" pitchFamily="18" charset="-128"/>
+                <a:cs typeface="Consolas" panose="020B0609020204030204" pitchFamily="49" charset="0"/>
+              </a:rPr>
+              <a:t>slot</a:t>
+            </a:r>
+            <a:r>
+              <a:rPr lang="ru-RU" sz="1400" kern="0" dirty="0">
+                <a:solidFill>
+                  <a:srgbClr val="000000"/>
+                </a:solidFill>
+                <a:latin typeface="Consolas" panose="020B0609020204030204" pitchFamily="49" charset="0"/>
+                <a:ea typeface="Yu Mincho" panose="02020400000000000000" pitchFamily="18" charset="-128"/>
+                <a:cs typeface="Consolas" panose="020B0609020204030204" pitchFamily="49" charset="0"/>
+              </a:rPr>
+              <a:t>) = 0;</a:t>
+            </a:r>
+            <a:endParaRPr lang="ru-RU" sz="1400" kern="100" dirty="0">
+              <a:latin typeface="Calibri" panose="020F0502020204030204" pitchFamily="34" charset="0"/>
+              <a:ea typeface="Yu Mincho" panose="02020400000000000000" pitchFamily="18" charset="-128"/>
+              <a:cs typeface="Times New Roman" panose="02020603050405020304" pitchFamily="18" charset="0"/>
+            </a:endParaRPr>
+          </a:p>
+          <a:p>
+            <a:pPr>
+              <a:lnSpc>
+                <a:spcPct val="107000"/>
+              </a:lnSpc>
+              <a:spcAft>
+                <a:spcPts val="0"/>
+              </a:spcAft>
+            </a:pPr>
+            <a:r>
+              <a:rPr lang="ru-RU" sz="1400" kern="0" dirty="0">
+                <a:solidFill>
+                  <a:srgbClr val="000000"/>
+                </a:solidFill>
+                <a:latin typeface="Consolas" panose="020B0609020204030204" pitchFamily="49" charset="0"/>
+                <a:ea typeface="Yu Mincho" panose="02020400000000000000" pitchFamily="18" charset="-128"/>
+                <a:cs typeface="Consolas" panose="020B0609020204030204" pitchFamily="49" charset="0"/>
+              </a:rPr>
+              <a:t>  </a:t>
+            </a:r>
+            <a:r>
+              <a:rPr lang="ru-RU" sz="1400" kern="0" dirty="0" err="1">
+                <a:solidFill>
+                  <a:srgbClr val="0000FF"/>
+                </a:solidFill>
+                <a:latin typeface="Consolas" panose="020B0609020204030204" pitchFamily="49" charset="0"/>
+                <a:ea typeface="Yu Mincho" panose="02020400000000000000" pitchFamily="18" charset="-128"/>
+                <a:cs typeface="Consolas" panose="020B0609020204030204" pitchFamily="49" charset="0"/>
+              </a:rPr>
+              <a:t>virtual</a:t>
+            </a:r>
+            <a:r>
+              <a:rPr lang="ru-RU" sz="1400" kern="0" dirty="0">
+                <a:solidFill>
+                  <a:srgbClr val="000000"/>
+                </a:solidFill>
+                <a:latin typeface="Consolas" panose="020B0609020204030204" pitchFamily="49" charset="0"/>
+                <a:ea typeface="Yu Mincho" panose="02020400000000000000" pitchFamily="18" charset="-128"/>
+                <a:cs typeface="Consolas" panose="020B0609020204030204" pitchFamily="49" charset="0"/>
+              </a:rPr>
+              <a:t> </a:t>
+            </a:r>
+            <a:r>
+              <a:rPr lang="ru-RU" sz="1400" kern="0" dirty="0" err="1">
+                <a:solidFill>
+                  <a:srgbClr val="0000FF"/>
+                </a:solidFill>
+                <a:latin typeface="Consolas" panose="020B0609020204030204" pitchFamily="49" charset="0"/>
+                <a:ea typeface="Yu Mincho" panose="02020400000000000000" pitchFamily="18" charset="-128"/>
+                <a:cs typeface="Consolas" panose="020B0609020204030204" pitchFamily="49" charset="0"/>
+              </a:rPr>
+              <a:t>double</a:t>
+            </a:r>
+            <a:r>
+              <a:rPr lang="ru-RU" sz="1400" kern="0" dirty="0">
+                <a:solidFill>
+                  <a:srgbClr val="000000"/>
+                </a:solidFill>
+                <a:latin typeface="Consolas" panose="020B0609020204030204" pitchFamily="49" charset="0"/>
+                <a:ea typeface="Yu Mincho" panose="02020400000000000000" pitchFamily="18" charset="-128"/>
+                <a:cs typeface="Consolas" panose="020B0609020204030204" pitchFamily="49" charset="0"/>
+              </a:rPr>
+              <a:t> </a:t>
+            </a:r>
+            <a:r>
+              <a:rPr lang="ru-RU" sz="1400" kern="0" dirty="0" err="1">
+                <a:solidFill>
+                  <a:srgbClr val="000000"/>
+                </a:solidFill>
+                <a:latin typeface="Consolas" panose="020B0609020204030204" pitchFamily="49" charset="0"/>
+                <a:ea typeface="Yu Mincho" panose="02020400000000000000" pitchFamily="18" charset="-128"/>
+                <a:cs typeface="Consolas" panose="020B0609020204030204" pitchFamily="49" charset="0"/>
+              </a:rPr>
+              <a:t>GetRate</a:t>
+            </a:r>
+            <a:r>
+              <a:rPr lang="ru-RU" sz="1400" kern="0" dirty="0">
+                <a:solidFill>
+                  <a:srgbClr val="000000"/>
+                </a:solidFill>
+                <a:latin typeface="Consolas" panose="020B0609020204030204" pitchFamily="49" charset="0"/>
+                <a:ea typeface="Yu Mincho" panose="02020400000000000000" pitchFamily="18" charset="-128"/>
+                <a:cs typeface="Consolas" panose="020B0609020204030204" pitchFamily="49" charset="0"/>
+              </a:rPr>
+              <a:t>()</a:t>
+            </a:r>
+            <a:r>
+              <a:rPr lang="ru-RU" sz="1400" kern="0" dirty="0" err="1">
+                <a:solidFill>
+                  <a:srgbClr val="0000FF"/>
+                </a:solidFill>
+                <a:latin typeface="Consolas" panose="020B0609020204030204" pitchFamily="49" charset="0"/>
+                <a:ea typeface="Yu Mincho" panose="02020400000000000000" pitchFamily="18" charset="-128"/>
+                <a:cs typeface="Consolas" panose="020B0609020204030204" pitchFamily="49" charset="0"/>
+              </a:rPr>
+              <a:t>const</a:t>
+            </a:r>
+            <a:r>
+              <a:rPr lang="ru-RU" sz="1400" kern="0" dirty="0">
+                <a:solidFill>
+                  <a:srgbClr val="000000"/>
+                </a:solidFill>
+                <a:latin typeface="Consolas" panose="020B0609020204030204" pitchFamily="49" charset="0"/>
+                <a:ea typeface="Yu Mincho" panose="02020400000000000000" pitchFamily="18" charset="-128"/>
+                <a:cs typeface="Consolas" panose="020B0609020204030204" pitchFamily="49" charset="0"/>
+              </a:rPr>
+              <a:t> = 0;</a:t>
+            </a:r>
+            <a:endParaRPr lang="ru-RU" sz="1400" kern="100" dirty="0">
+              <a:latin typeface="Calibri" panose="020F0502020204030204" pitchFamily="34" charset="0"/>
+              <a:ea typeface="Yu Mincho" panose="02020400000000000000" pitchFamily="18" charset="-128"/>
+              <a:cs typeface="Times New Roman" panose="02020603050405020304" pitchFamily="18" charset="0"/>
+            </a:endParaRPr>
+          </a:p>
+          <a:p>
+            <a:pPr>
+              <a:lnSpc>
+                <a:spcPct val="107000"/>
+              </a:lnSpc>
+              <a:spcAft>
+                <a:spcPts val="0"/>
+              </a:spcAft>
+            </a:pPr>
+            <a:r>
+              <a:rPr lang="ru-RU" sz="1400" kern="0" dirty="0">
+                <a:solidFill>
+                  <a:srgbClr val="000000"/>
+                </a:solidFill>
+                <a:latin typeface="Consolas" panose="020B0609020204030204" pitchFamily="49" charset="0"/>
+                <a:ea typeface="Yu Mincho" panose="02020400000000000000" pitchFamily="18" charset="-128"/>
+                <a:cs typeface="Consolas" panose="020B0609020204030204" pitchFamily="49" charset="0"/>
+              </a:rPr>
+              <a:t> </a:t>
+            </a:r>
+            <a:endParaRPr lang="ru-RU" sz="1400" kern="100" dirty="0">
+              <a:latin typeface="Calibri" panose="020F0502020204030204" pitchFamily="34" charset="0"/>
+              <a:ea typeface="Yu Mincho" panose="02020400000000000000" pitchFamily="18" charset="-128"/>
+              <a:cs typeface="Times New Roman" panose="02020603050405020304" pitchFamily="18" charset="0"/>
+            </a:endParaRPr>
+          </a:p>
+          <a:p>
+            <a:pPr>
+              <a:lnSpc>
+                <a:spcPct val="107000"/>
+              </a:lnSpc>
+              <a:spcAft>
+                <a:spcPts val="0"/>
+              </a:spcAft>
+            </a:pPr>
+            <a:r>
+              <a:rPr lang="ru-RU" sz="1400" kern="0" dirty="0">
+                <a:solidFill>
+                  <a:srgbClr val="000000"/>
+                </a:solidFill>
+                <a:latin typeface="Consolas" panose="020B0609020204030204" pitchFamily="49" charset="0"/>
+                <a:ea typeface="Yu Mincho" panose="02020400000000000000" pitchFamily="18" charset="-128"/>
+                <a:cs typeface="Consolas" panose="020B0609020204030204" pitchFamily="49" charset="0"/>
+              </a:rPr>
+              <a:t>  </a:t>
+            </a:r>
+            <a:r>
+              <a:rPr lang="ru-RU" sz="1400" kern="0" dirty="0" err="1">
+                <a:solidFill>
+                  <a:srgbClr val="0000FF"/>
+                </a:solidFill>
+                <a:latin typeface="Consolas" panose="020B0609020204030204" pitchFamily="49" charset="0"/>
+                <a:ea typeface="Yu Mincho" panose="02020400000000000000" pitchFamily="18" charset="-128"/>
+                <a:cs typeface="Consolas" panose="020B0609020204030204" pitchFamily="49" charset="0"/>
+              </a:rPr>
+              <a:t>virtual</a:t>
+            </a:r>
+            <a:r>
+              <a:rPr lang="ru-RU" sz="1400" kern="0" dirty="0">
+                <a:solidFill>
+                  <a:srgbClr val="000000"/>
+                </a:solidFill>
+                <a:latin typeface="Consolas" panose="020B0609020204030204" pitchFamily="49" charset="0"/>
+                <a:ea typeface="Yu Mincho" panose="02020400000000000000" pitchFamily="18" charset="-128"/>
+                <a:cs typeface="Consolas" panose="020B0609020204030204" pitchFamily="49" charset="0"/>
+              </a:rPr>
+              <a:t> ~</a:t>
+            </a:r>
+            <a:r>
+              <a:rPr lang="ru-RU" sz="1400" kern="0" dirty="0" err="1">
+                <a:solidFill>
+                  <a:srgbClr val="000000"/>
+                </a:solidFill>
+                <a:latin typeface="Consolas" panose="020B0609020204030204" pitchFamily="49" charset="0"/>
+                <a:ea typeface="Yu Mincho" panose="02020400000000000000" pitchFamily="18" charset="-128"/>
+                <a:cs typeface="Consolas" panose="020B0609020204030204" pitchFamily="49" charset="0"/>
+              </a:rPr>
+              <a:t>ICurrencyRate</a:t>
+            </a:r>
+            <a:r>
+              <a:rPr lang="ru-RU" sz="1400" kern="0" dirty="0">
+                <a:solidFill>
+                  <a:srgbClr val="000000"/>
+                </a:solidFill>
+                <a:latin typeface="Consolas" panose="020B0609020204030204" pitchFamily="49" charset="0"/>
+                <a:ea typeface="Yu Mincho" panose="02020400000000000000" pitchFamily="18" charset="-128"/>
+                <a:cs typeface="Consolas" panose="020B0609020204030204" pitchFamily="49" charset="0"/>
+              </a:rPr>
+              <a:t>() = </a:t>
+            </a:r>
+            <a:r>
+              <a:rPr lang="ru-RU" sz="1400" kern="0" dirty="0" err="1">
+                <a:solidFill>
+                  <a:srgbClr val="0000FF"/>
+                </a:solidFill>
+                <a:latin typeface="Consolas" panose="020B0609020204030204" pitchFamily="49" charset="0"/>
+                <a:ea typeface="Yu Mincho" panose="02020400000000000000" pitchFamily="18" charset="-128"/>
+                <a:cs typeface="Consolas" panose="020B0609020204030204" pitchFamily="49" charset="0"/>
+              </a:rPr>
+              <a:t>default</a:t>
+            </a:r>
+            <a:r>
+              <a:rPr lang="ru-RU" sz="1400" kern="0" dirty="0">
+                <a:solidFill>
+                  <a:srgbClr val="000000"/>
+                </a:solidFill>
+                <a:latin typeface="Consolas" panose="020B0609020204030204" pitchFamily="49" charset="0"/>
+                <a:ea typeface="Yu Mincho" panose="02020400000000000000" pitchFamily="18" charset="-128"/>
+                <a:cs typeface="Consolas" panose="020B0609020204030204" pitchFamily="49" charset="0"/>
+              </a:rPr>
+              <a:t>;</a:t>
+            </a:r>
+            <a:endParaRPr lang="ru-RU" sz="1400" kern="100" dirty="0">
+              <a:latin typeface="Calibri" panose="020F0502020204030204" pitchFamily="34" charset="0"/>
+              <a:ea typeface="Yu Mincho" panose="02020400000000000000" pitchFamily="18" charset="-128"/>
+              <a:cs typeface="Times New Roman" panose="02020603050405020304" pitchFamily="18" charset="0"/>
+            </a:endParaRPr>
+          </a:p>
+          <a:p>
+            <a:pPr>
+              <a:lnSpc>
+                <a:spcPct val="107000"/>
+              </a:lnSpc>
+              <a:spcAft>
+                <a:spcPts val="0"/>
+              </a:spcAft>
+            </a:pPr>
+            <a:r>
+              <a:rPr lang="ru-RU" sz="1400" kern="0" dirty="0">
+                <a:solidFill>
+                  <a:srgbClr val="000000"/>
+                </a:solidFill>
+                <a:latin typeface="Consolas" panose="020B0609020204030204" pitchFamily="49" charset="0"/>
+                <a:ea typeface="Yu Mincho" panose="02020400000000000000" pitchFamily="18" charset="-128"/>
+                <a:cs typeface="Consolas" panose="020B0609020204030204" pitchFamily="49" charset="0"/>
+              </a:rPr>
+              <a:t>};</a:t>
+            </a:r>
+            <a:endParaRPr lang="ru-RU" sz="1400" kern="100" dirty="0">
+              <a:effectLst/>
+              <a:latin typeface="Calibri" panose="020F0502020204030204" pitchFamily="34" charset="0"/>
+              <a:ea typeface="Yu Mincho" panose="02020400000000000000" pitchFamily="18" charset="-128"/>
+              <a:cs typeface="Times New Roman" panose="02020603050405020304" pitchFamily="18" charset="0"/>
+            </a:endParaRPr>
+          </a:p>
+        </p:txBody>
+      </p:sp>
+      <p:sp>
+        <p:nvSpPr>
+          <p:cNvPr id="4" name="Title 3">
+            <a:extLst>
+              <a:ext uri="{FF2B5EF4-FFF2-40B4-BE49-F238E27FC236}">
+                <a16:creationId xmlns:a16="http://schemas.microsoft.com/office/drawing/2014/main" id="{EC0C618F-7562-424E-9F7D-E37E7A787705}"/>
+              </a:ext>
+            </a:extLst>
+          </p:cNvPr>
+          <p:cNvSpPr>
+            <a:spLocks noGrp="1"/>
+          </p:cNvSpPr>
+          <p:nvPr>
+            <p:ph type="title"/>
+          </p:nvPr>
+        </p:nvSpPr>
+        <p:spPr/>
+        <p:txBody>
+          <a:bodyPr/>
+          <a:lstStyle/>
+          <a:p>
+            <a:r>
+              <a:rPr lang="ru-RU" dirty="0"/>
+              <a:t>Применяем </a:t>
+            </a:r>
+            <a:r>
+              <a:rPr lang="en-US" dirty="0"/>
+              <a:t>boost::signals2</a:t>
+            </a:r>
+            <a:endParaRPr lang="ru-RU" dirty="0"/>
+          </a:p>
+        </p:txBody>
+      </p:sp>
+    </p:spTree>
+    <p:extLst>
+      <p:ext uri="{BB962C8B-B14F-4D97-AF65-F5344CB8AC3E}">
+        <p14:creationId xmlns:p14="http://schemas.microsoft.com/office/powerpoint/2010/main" val="2917762038"/>
+      </p:ext>
+    </p:extLst>
+  </p:cSld>
+  <p:clrMapOvr>
+    <a:masterClrMapping/>
+  </p:clrMapOvr>
+</p:sld>
+</file>
+
+<file path=ppt/slides/slide47.xml><?xml version="1.0" encoding="utf-8"?>
+<p:sld xmlns:a="http://schemas.openxmlformats.org/drawingml/2006/main" xmlns:r="http://schemas.openxmlformats.org/officeDocument/2006/relationships" xmlns:p="http://schemas.openxmlformats.org/presentationml/2006/main">
+  <p:cSld>
+    <p:spTree>
+      <p:nvGrpSpPr>
+        <p:cNvPr id="1" name=""/>
+        <p:cNvGrpSpPr/>
+        <p:nvPr/>
+      </p:nvGrpSpPr>
+      <p:grpSpPr>
+        <a:xfrm>
+          <a:off x="0" y="0"/>
+          <a:ext cx="0" cy="0"/>
+          <a:chOff x="0" y="0"/>
+          <a:chExt cx="0" cy="0"/>
+        </a:xfrm>
+      </p:grpSpPr>
+      <p:sp>
+        <p:nvSpPr>
+          <p:cNvPr id="2" name="Rectangle 1">
+            <a:extLst>
+              <a:ext uri="{FF2B5EF4-FFF2-40B4-BE49-F238E27FC236}">
+                <a16:creationId xmlns:a16="http://schemas.microsoft.com/office/drawing/2014/main" id="{E3C25CD5-FF7E-4D14-9CAC-A5B6D409FEA3}"/>
+              </a:ext>
+            </a:extLst>
+          </p:cNvPr>
+          <p:cNvSpPr/>
+          <p:nvPr/>
+        </p:nvSpPr>
+        <p:spPr>
+          <a:xfrm>
+            <a:off x="107504" y="1052736"/>
+            <a:ext cx="8640960" cy="4922630"/>
+          </a:xfrm>
+          <a:prstGeom prst="rect">
+            <a:avLst/>
+          </a:prstGeom>
+        </p:spPr>
+        <p:txBody>
+          <a:bodyPr wrap="square">
+            <a:spAutoFit/>
+          </a:bodyPr>
+          <a:lstStyle/>
+          <a:p>
+            <a:pPr>
+              <a:lnSpc>
+                <a:spcPct val="107000"/>
+              </a:lnSpc>
+              <a:spcAft>
+                <a:spcPts val="0"/>
+              </a:spcAft>
+            </a:pPr>
+            <a:r>
+              <a:rPr lang="ru-RU" sz="1400" kern="0" dirty="0" err="1">
+                <a:solidFill>
+                  <a:srgbClr val="0000FF"/>
+                </a:solidFill>
+                <a:latin typeface="Consolas" panose="020B0609020204030204" pitchFamily="49" charset="0"/>
+                <a:ea typeface="Yu Mincho" panose="02020400000000000000" pitchFamily="18" charset="-128"/>
+                <a:cs typeface="Consolas" panose="020B0609020204030204" pitchFamily="49" charset="0"/>
+              </a:rPr>
+              <a:t>class</a:t>
+            </a:r>
+            <a:r>
+              <a:rPr lang="ru-RU" sz="1400" kern="0" dirty="0">
+                <a:solidFill>
+                  <a:srgbClr val="000000"/>
+                </a:solidFill>
+                <a:latin typeface="Consolas" panose="020B0609020204030204" pitchFamily="49" charset="0"/>
+                <a:ea typeface="Yu Mincho" panose="02020400000000000000" pitchFamily="18" charset="-128"/>
+                <a:cs typeface="Consolas" panose="020B0609020204030204" pitchFamily="49" charset="0"/>
+              </a:rPr>
+              <a:t> </a:t>
+            </a:r>
+            <a:r>
+              <a:rPr lang="ru-RU" sz="1400" kern="0" dirty="0" err="1">
+                <a:solidFill>
+                  <a:srgbClr val="2B91AF"/>
+                </a:solidFill>
+                <a:latin typeface="Consolas" panose="020B0609020204030204" pitchFamily="49" charset="0"/>
+                <a:ea typeface="Yu Mincho" panose="02020400000000000000" pitchFamily="18" charset="-128"/>
+                <a:cs typeface="Consolas" panose="020B0609020204030204" pitchFamily="49" charset="0"/>
+              </a:rPr>
+              <a:t>Stock</a:t>
+            </a:r>
+            <a:r>
+              <a:rPr lang="ru-RU" sz="1400" kern="0" dirty="0">
+                <a:solidFill>
+                  <a:srgbClr val="000000"/>
+                </a:solidFill>
+                <a:latin typeface="Consolas" panose="020B0609020204030204" pitchFamily="49" charset="0"/>
+                <a:ea typeface="Yu Mincho" panose="02020400000000000000" pitchFamily="18" charset="-128"/>
+                <a:cs typeface="Consolas" panose="020B0609020204030204" pitchFamily="49" charset="0"/>
+              </a:rPr>
+              <a:t> : </a:t>
+            </a:r>
+            <a:r>
+              <a:rPr lang="ru-RU" sz="1400" kern="0" dirty="0" err="1">
+                <a:solidFill>
+                  <a:srgbClr val="0000FF"/>
+                </a:solidFill>
+                <a:latin typeface="Consolas" panose="020B0609020204030204" pitchFamily="49" charset="0"/>
+                <a:ea typeface="Yu Mincho" panose="02020400000000000000" pitchFamily="18" charset="-128"/>
+                <a:cs typeface="Consolas" panose="020B0609020204030204" pitchFamily="49" charset="0"/>
+              </a:rPr>
+              <a:t>public</a:t>
+            </a:r>
+            <a:r>
+              <a:rPr lang="ru-RU" sz="1400" kern="0" dirty="0">
+                <a:solidFill>
+                  <a:srgbClr val="000000"/>
+                </a:solidFill>
+                <a:latin typeface="Consolas" panose="020B0609020204030204" pitchFamily="49" charset="0"/>
+                <a:ea typeface="Yu Mincho" panose="02020400000000000000" pitchFamily="18" charset="-128"/>
+                <a:cs typeface="Consolas" panose="020B0609020204030204" pitchFamily="49" charset="0"/>
+              </a:rPr>
+              <a:t> </a:t>
+            </a:r>
+            <a:r>
+              <a:rPr lang="ru-RU" sz="1400" kern="0" dirty="0" err="1">
+                <a:solidFill>
+                  <a:srgbClr val="2B91AF"/>
+                </a:solidFill>
+                <a:latin typeface="Consolas" panose="020B0609020204030204" pitchFamily="49" charset="0"/>
+                <a:ea typeface="Yu Mincho" panose="02020400000000000000" pitchFamily="18" charset="-128"/>
+                <a:cs typeface="Consolas" panose="020B0609020204030204" pitchFamily="49" charset="0"/>
+              </a:rPr>
+              <a:t>ICurrencyRate</a:t>
+            </a:r>
+            <a:r>
+              <a:rPr lang="ru-RU" sz="1400" kern="0" dirty="0">
+                <a:solidFill>
+                  <a:srgbClr val="2B91AF"/>
+                </a:solidFill>
+                <a:latin typeface="Consolas" panose="020B0609020204030204" pitchFamily="49" charset="0"/>
+                <a:ea typeface="Yu Mincho" panose="02020400000000000000" pitchFamily="18" charset="-128"/>
+                <a:cs typeface="Consolas" panose="020B0609020204030204" pitchFamily="49" charset="0"/>
+              </a:rPr>
+              <a:t> </a:t>
+            </a:r>
+            <a:r>
+              <a:rPr lang="ru-RU" sz="1400" kern="0" dirty="0">
+                <a:solidFill>
+                  <a:srgbClr val="000000"/>
+                </a:solidFill>
+                <a:latin typeface="Consolas" panose="020B0609020204030204" pitchFamily="49" charset="0"/>
+                <a:ea typeface="Yu Mincho" panose="02020400000000000000" pitchFamily="18" charset="-128"/>
+                <a:cs typeface="Consolas" panose="020B0609020204030204" pitchFamily="49" charset="0"/>
+              </a:rPr>
+              <a:t>{</a:t>
+            </a:r>
+            <a:endParaRPr lang="ru-RU" sz="1400" kern="100" dirty="0">
+              <a:latin typeface="Calibri" panose="020F0502020204030204" pitchFamily="34" charset="0"/>
+              <a:ea typeface="Yu Mincho" panose="02020400000000000000" pitchFamily="18" charset="-128"/>
+              <a:cs typeface="Times New Roman" panose="02020603050405020304" pitchFamily="18" charset="0"/>
+            </a:endParaRPr>
+          </a:p>
+          <a:p>
+            <a:pPr>
+              <a:lnSpc>
+                <a:spcPct val="107000"/>
+              </a:lnSpc>
+              <a:spcAft>
+                <a:spcPts val="0"/>
+              </a:spcAft>
+            </a:pPr>
+            <a:r>
+              <a:rPr lang="ru-RU" sz="1400" kern="0" dirty="0" err="1">
+                <a:solidFill>
+                  <a:srgbClr val="0000FF"/>
+                </a:solidFill>
+                <a:latin typeface="Consolas" panose="020B0609020204030204" pitchFamily="49" charset="0"/>
+                <a:ea typeface="Yu Mincho" panose="02020400000000000000" pitchFamily="18" charset="-128"/>
+                <a:cs typeface="Consolas" panose="020B0609020204030204" pitchFamily="49" charset="0"/>
+              </a:rPr>
+              <a:t>public</a:t>
+            </a:r>
+            <a:r>
+              <a:rPr lang="ru-RU" sz="1400" kern="0" dirty="0">
+                <a:solidFill>
+                  <a:srgbClr val="000000"/>
+                </a:solidFill>
+                <a:latin typeface="Consolas" panose="020B0609020204030204" pitchFamily="49" charset="0"/>
+                <a:ea typeface="Yu Mincho" panose="02020400000000000000" pitchFamily="18" charset="-128"/>
+                <a:cs typeface="Consolas" panose="020B0609020204030204" pitchFamily="49" charset="0"/>
+              </a:rPr>
+              <a:t>:</a:t>
+            </a:r>
+            <a:endParaRPr lang="ru-RU" sz="1400" kern="100" dirty="0">
+              <a:latin typeface="Calibri" panose="020F0502020204030204" pitchFamily="34" charset="0"/>
+              <a:ea typeface="Yu Mincho" panose="02020400000000000000" pitchFamily="18" charset="-128"/>
+              <a:cs typeface="Times New Roman" panose="02020603050405020304" pitchFamily="18" charset="0"/>
+            </a:endParaRPr>
+          </a:p>
+          <a:p>
+            <a:pPr>
+              <a:lnSpc>
+                <a:spcPct val="107000"/>
+              </a:lnSpc>
+              <a:spcAft>
+                <a:spcPts val="0"/>
+              </a:spcAft>
+            </a:pPr>
+            <a:r>
+              <a:rPr lang="ru-RU" sz="1400" kern="0" dirty="0">
+                <a:solidFill>
+                  <a:srgbClr val="000000"/>
+                </a:solidFill>
+                <a:latin typeface="Consolas" panose="020B0609020204030204" pitchFamily="49" charset="0"/>
+                <a:ea typeface="Yu Mincho" panose="02020400000000000000" pitchFamily="18" charset="-128"/>
+                <a:cs typeface="Consolas" panose="020B0609020204030204" pitchFamily="49" charset="0"/>
+              </a:rPr>
+              <a:t>  </a:t>
+            </a:r>
+            <a:r>
+              <a:rPr lang="ru-RU" sz="1400" kern="0" dirty="0" err="1">
+                <a:solidFill>
+                  <a:srgbClr val="0000FF"/>
+                </a:solidFill>
+                <a:latin typeface="Consolas" panose="020B0609020204030204" pitchFamily="49" charset="0"/>
+                <a:ea typeface="Yu Mincho" panose="02020400000000000000" pitchFamily="18" charset="-128"/>
+                <a:cs typeface="Consolas" panose="020B0609020204030204" pitchFamily="49" charset="0"/>
+              </a:rPr>
+              <a:t>void</a:t>
+            </a:r>
+            <a:r>
+              <a:rPr lang="ru-RU" sz="1400" kern="0" dirty="0">
+                <a:solidFill>
+                  <a:srgbClr val="000000"/>
+                </a:solidFill>
+                <a:latin typeface="Consolas" panose="020B0609020204030204" pitchFamily="49" charset="0"/>
+                <a:ea typeface="Yu Mincho" panose="02020400000000000000" pitchFamily="18" charset="-128"/>
+                <a:cs typeface="Consolas" panose="020B0609020204030204" pitchFamily="49" charset="0"/>
+              </a:rPr>
+              <a:t> </a:t>
+            </a:r>
+            <a:r>
+              <a:rPr lang="ru-RU" sz="1400" kern="0" dirty="0" err="1">
+                <a:solidFill>
+                  <a:srgbClr val="000000"/>
+                </a:solidFill>
+                <a:latin typeface="Consolas" panose="020B0609020204030204" pitchFamily="49" charset="0"/>
+                <a:ea typeface="Yu Mincho" panose="02020400000000000000" pitchFamily="18" charset="-128"/>
+                <a:cs typeface="Consolas" panose="020B0609020204030204" pitchFamily="49" charset="0"/>
+              </a:rPr>
+              <a:t>SetRate</a:t>
+            </a:r>
+            <a:r>
+              <a:rPr lang="ru-RU" sz="1400" kern="0" dirty="0">
+                <a:solidFill>
+                  <a:srgbClr val="000000"/>
+                </a:solidFill>
+                <a:latin typeface="Consolas" panose="020B0609020204030204" pitchFamily="49" charset="0"/>
+                <a:ea typeface="Yu Mincho" panose="02020400000000000000" pitchFamily="18" charset="-128"/>
+                <a:cs typeface="Consolas" panose="020B0609020204030204" pitchFamily="49" charset="0"/>
+              </a:rPr>
+              <a:t>(</a:t>
+            </a:r>
+            <a:r>
+              <a:rPr lang="ru-RU" sz="1400" kern="0" dirty="0" err="1">
+                <a:solidFill>
+                  <a:srgbClr val="0000FF"/>
+                </a:solidFill>
+                <a:latin typeface="Consolas" panose="020B0609020204030204" pitchFamily="49" charset="0"/>
+                <a:ea typeface="Yu Mincho" panose="02020400000000000000" pitchFamily="18" charset="-128"/>
+                <a:cs typeface="Consolas" panose="020B0609020204030204" pitchFamily="49" charset="0"/>
+              </a:rPr>
+              <a:t>double</a:t>
+            </a:r>
+            <a:r>
+              <a:rPr lang="ru-RU" sz="1400" kern="0" dirty="0">
+                <a:solidFill>
+                  <a:srgbClr val="000000"/>
+                </a:solidFill>
+                <a:latin typeface="Consolas" panose="020B0609020204030204" pitchFamily="49" charset="0"/>
+                <a:ea typeface="Yu Mincho" panose="02020400000000000000" pitchFamily="18" charset="-128"/>
+                <a:cs typeface="Consolas" panose="020B0609020204030204" pitchFamily="49" charset="0"/>
+              </a:rPr>
+              <a:t> </a:t>
+            </a:r>
+            <a:r>
+              <a:rPr lang="ru-RU" sz="1400" kern="0" dirty="0" err="1">
+                <a:solidFill>
+                  <a:srgbClr val="808080"/>
+                </a:solidFill>
+                <a:latin typeface="Consolas" panose="020B0609020204030204" pitchFamily="49" charset="0"/>
+                <a:ea typeface="Yu Mincho" panose="02020400000000000000" pitchFamily="18" charset="-128"/>
+                <a:cs typeface="Consolas" panose="020B0609020204030204" pitchFamily="49" charset="0"/>
+              </a:rPr>
+              <a:t>rate</a:t>
+            </a:r>
+            <a:r>
+              <a:rPr lang="ru-RU" sz="1400" kern="0" dirty="0">
+                <a:solidFill>
+                  <a:srgbClr val="000000"/>
+                </a:solidFill>
+                <a:latin typeface="Consolas" panose="020B0609020204030204" pitchFamily="49" charset="0"/>
+                <a:ea typeface="Yu Mincho" panose="02020400000000000000" pitchFamily="18" charset="-128"/>
+                <a:cs typeface="Consolas" panose="020B0609020204030204" pitchFamily="49" charset="0"/>
+              </a:rPr>
+              <a:t>) {</a:t>
+            </a:r>
+            <a:endParaRPr lang="ru-RU" sz="1400" kern="100" dirty="0">
+              <a:latin typeface="Calibri" panose="020F0502020204030204" pitchFamily="34" charset="0"/>
+              <a:ea typeface="Yu Mincho" panose="02020400000000000000" pitchFamily="18" charset="-128"/>
+              <a:cs typeface="Times New Roman" panose="02020603050405020304" pitchFamily="18" charset="0"/>
+            </a:endParaRPr>
+          </a:p>
+          <a:p>
+            <a:pPr>
+              <a:lnSpc>
+                <a:spcPct val="107000"/>
+              </a:lnSpc>
+              <a:spcAft>
+                <a:spcPts val="0"/>
+              </a:spcAft>
+            </a:pPr>
+            <a:r>
+              <a:rPr lang="ru-RU" sz="1400" kern="0" dirty="0">
+                <a:solidFill>
+                  <a:srgbClr val="000000"/>
+                </a:solidFill>
+                <a:latin typeface="Consolas" panose="020B0609020204030204" pitchFamily="49" charset="0"/>
+                <a:ea typeface="Yu Mincho" panose="02020400000000000000" pitchFamily="18" charset="-128"/>
+                <a:cs typeface="Consolas" panose="020B0609020204030204" pitchFamily="49" charset="0"/>
+              </a:rPr>
+              <a:t>    </a:t>
+            </a:r>
+            <a:r>
+              <a:rPr lang="ru-RU" sz="1400" kern="0" dirty="0" err="1">
+                <a:solidFill>
+                  <a:srgbClr val="0000FF"/>
+                </a:solidFill>
+                <a:latin typeface="Consolas" panose="020B0609020204030204" pitchFamily="49" charset="0"/>
+                <a:ea typeface="Yu Mincho" panose="02020400000000000000" pitchFamily="18" charset="-128"/>
+                <a:cs typeface="Consolas" panose="020B0609020204030204" pitchFamily="49" charset="0"/>
+              </a:rPr>
+              <a:t>if</a:t>
+            </a:r>
+            <a:r>
+              <a:rPr lang="ru-RU" sz="1400" kern="0" dirty="0">
+                <a:solidFill>
+                  <a:srgbClr val="000000"/>
+                </a:solidFill>
+                <a:latin typeface="Consolas" panose="020B0609020204030204" pitchFamily="49" charset="0"/>
+                <a:ea typeface="Yu Mincho" panose="02020400000000000000" pitchFamily="18" charset="-128"/>
+                <a:cs typeface="Consolas" panose="020B0609020204030204" pitchFamily="49" charset="0"/>
+              </a:rPr>
+              <a:t> (</a:t>
+            </a:r>
+            <a:r>
+              <a:rPr lang="ru-RU" sz="1400" kern="0" dirty="0" err="1">
+                <a:solidFill>
+                  <a:srgbClr val="000000"/>
+                </a:solidFill>
+                <a:latin typeface="Consolas" panose="020B0609020204030204" pitchFamily="49" charset="0"/>
+                <a:ea typeface="Yu Mincho" panose="02020400000000000000" pitchFamily="18" charset="-128"/>
+                <a:cs typeface="Consolas" panose="020B0609020204030204" pitchFamily="49" charset="0"/>
+              </a:rPr>
+              <a:t>m_rubToUSD</a:t>
+            </a:r>
+            <a:r>
+              <a:rPr lang="ru-RU" sz="1400" kern="0" dirty="0">
+                <a:solidFill>
+                  <a:srgbClr val="000000"/>
+                </a:solidFill>
+                <a:latin typeface="Consolas" panose="020B0609020204030204" pitchFamily="49" charset="0"/>
+                <a:ea typeface="Yu Mincho" panose="02020400000000000000" pitchFamily="18" charset="-128"/>
+                <a:cs typeface="Consolas" panose="020B0609020204030204" pitchFamily="49" charset="0"/>
+              </a:rPr>
+              <a:t> != </a:t>
+            </a:r>
+            <a:r>
+              <a:rPr lang="ru-RU" sz="1400" kern="0" dirty="0" err="1">
+                <a:solidFill>
+                  <a:srgbClr val="808080"/>
+                </a:solidFill>
+                <a:latin typeface="Consolas" panose="020B0609020204030204" pitchFamily="49" charset="0"/>
+                <a:ea typeface="Yu Mincho" panose="02020400000000000000" pitchFamily="18" charset="-128"/>
+                <a:cs typeface="Consolas" panose="020B0609020204030204" pitchFamily="49" charset="0"/>
+              </a:rPr>
+              <a:t>rate</a:t>
+            </a:r>
+            <a:r>
+              <a:rPr lang="ru-RU" sz="1400" kern="0" dirty="0">
+                <a:solidFill>
+                  <a:srgbClr val="000000"/>
+                </a:solidFill>
+                <a:latin typeface="Consolas" panose="020B0609020204030204" pitchFamily="49" charset="0"/>
+                <a:ea typeface="Yu Mincho" panose="02020400000000000000" pitchFamily="18" charset="-128"/>
+                <a:cs typeface="Consolas" panose="020B0609020204030204" pitchFamily="49" charset="0"/>
+              </a:rPr>
+              <a:t>) {</a:t>
+            </a:r>
+            <a:endParaRPr lang="ru-RU" sz="1400" kern="100" dirty="0">
+              <a:latin typeface="Calibri" panose="020F0502020204030204" pitchFamily="34" charset="0"/>
+              <a:ea typeface="Yu Mincho" panose="02020400000000000000" pitchFamily="18" charset="-128"/>
+              <a:cs typeface="Times New Roman" panose="02020603050405020304" pitchFamily="18" charset="0"/>
+            </a:endParaRPr>
+          </a:p>
+          <a:p>
+            <a:pPr>
+              <a:lnSpc>
+                <a:spcPct val="107000"/>
+              </a:lnSpc>
+              <a:spcAft>
+                <a:spcPts val="0"/>
+              </a:spcAft>
+            </a:pPr>
+            <a:r>
+              <a:rPr lang="ru-RU" sz="1400" kern="0" dirty="0">
+                <a:solidFill>
+                  <a:srgbClr val="000000"/>
+                </a:solidFill>
+                <a:latin typeface="Consolas" panose="020B0609020204030204" pitchFamily="49" charset="0"/>
+                <a:ea typeface="Yu Mincho" panose="02020400000000000000" pitchFamily="18" charset="-128"/>
+                <a:cs typeface="Consolas" panose="020B0609020204030204" pitchFamily="49" charset="0"/>
+              </a:rPr>
+              <a:t>      </a:t>
+            </a:r>
+            <a:r>
+              <a:rPr lang="ru-RU" sz="1400" kern="0" dirty="0" err="1">
+                <a:solidFill>
+                  <a:srgbClr val="000000"/>
+                </a:solidFill>
+                <a:latin typeface="Consolas" panose="020B0609020204030204" pitchFamily="49" charset="0"/>
+                <a:ea typeface="Yu Mincho" panose="02020400000000000000" pitchFamily="18" charset="-128"/>
+                <a:cs typeface="Consolas" panose="020B0609020204030204" pitchFamily="49" charset="0"/>
+              </a:rPr>
+              <a:t>m_rubToUSD</a:t>
+            </a:r>
+            <a:r>
+              <a:rPr lang="ru-RU" sz="1400" kern="0" dirty="0">
+                <a:solidFill>
+                  <a:srgbClr val="000000"/>
+                </a:solidFill>
+                <a:latin typeface="Consolas" panose="020B0609020204030204" pitchFamily="49" charset="0"/>
+                <a:ea typeface="Yu Mincho" panose="02020400000000000000" pitchFamily="18" charset="-128"/>
+                <a:cs typeface="Consolas" panose="020B0609020204030204" pitchFamily="49" charset="0"/>
+              </a:rPr>
+              <a:t> = </a:t>
+            </a:r>
+            <a:r>
+              <a:rPr lang="ru-RU" sz="1400" kern="0" dirty="0" err="1">
+                <a:solidFill>
+                  <a:srgbClr val="808080"/>
+                </a:solidFill>
+                <a:latin typeface="Consolas" panose="020B0609020204030204" pitchFamily="49" charset="0"/>
+                <a:ea typeface="Yu Mincho" panose="02020400000000000000" pitchFamily="18" charset="-128"/>
+                <a:cs typeface="Consolas" panose="020B0609020204030204" pitchFamily="49" charset="0"/>
+              </a:rPr>
+              <a:t>rate</a:t>
+            </a:r>
+            <a:r>
+              <a:rPr lang="ru-RU" sz="1400" kern="0" dirty="0">
+                <a:solidFill>
+                  <a:srgbClr val="000000"/>
+                </a:solidFill>
+                <a:latin typeface="Consolas" panose="020B0609020204030204" pitchFamily="49" charset="0"/>
+                <a:ea typeface="Yu Mincho" panose="02020400000000000000" pitchFamily="18" charset="-128"/>
+                <a:cs typeface="Consolas" panose="020B0609020204030204" pitchFamily="49" charset="0"/>
+              </a:rPr>
+              <a:t>;</a:t>
+            </a:r>
+            <a:endParaRPr lang="ru-RU" sz="1400" kern="100" dirty="0">
+              <a:latin typeface="Calibri" panose="020F0502020204030204" pitchFamily="34" charset="0"/>
+              <a:ea typeface="Yu Mincho" panose="02020400000000000000" pitchFamily="18" charset="-128"/>
+              <a:cs typeface="Times New Roman" panose="02020603050405020304" pitchFamily="18" charset="0"/>
+            </a:endParaRPr>
+          </a:p>
+          <a:p>
+            <a:pPr>
+              <a:lnSpc>
+                <a:spcPct val="107000"/>
+              </a:lnSpc>
+              <a:spcAft>
+                <a:spcPts val="0"/>
+              </a:spcAft>
+            </a:pPr>
+            <a:r>
+              <a:rPr lang="ru-RU" sz="1400" kern="0" dirty="0">
+                <a:solidFill>
+                  <a:srgbClr val="000000"/>
+                </a:solidFill>
+                <a:latin typeface="Consolas" panose="020B0609020204030204" pitchFamily="49" charset="0"/>
+                <a:ea typeface="Yu Mincho" panose="02020400000000000000" pitchFamily="18" charset="-128"/>
+                <a:cs typeface="Consolas" panose="020B0609020204030204" pitchFamily="49" charset="0"/>
+              </a:rPr>
+              <a:t>      </a:t>
+            </a:r>
+            <a:r>
+              <a:rPr lang="ru-RU" sz="1400" kern="0" dirty="0" err="1">
+                <a:solidFill>
+                  <a:srgbClr val="000000"/>
+                </a:solidFill>
+                <a:latin typeface="Consolas" panose="020B0609020204030204" pitchFamily="49" charset="0"/>
+                <a:ea typeface="Yu Mincho" panose="02020400000000000000" pitchFamily="18" charset="-128"/>
+                <a:cs typeface="Consolas" panose="020B0609020204030204" pitchFamily="49" charset="0"/>
+              </a:rPr>
+              <a:t>m_rateChangeSignal</a:t>
+            </a:r>
+            <a:r>
+              <a:rPr lang="ru-RU" sz="1400" kern="0" dirty="0">
+                <a:solidFill>
+                  <a:srgbClr val="000000"/>
+                </a:solidFill>
+                <a:latin typeface="Consolas" panose="020B0609020204030204" pitchFamily="49" charset="0"/>
+                <a:ea typeface="Yu Mincho" panose="02020400000000000000" pitchFamily="18" charset="-128"/>
+                <a:cs typeface="Consolas" panose="020B0609020204030204" pitchFamily="49" charset="0"/>
+              </a:rPr>
+              <a:t>(</a:t>
+            </a:r>
+            <a:r>
+              <a:rPr lang="ru-RU" sz="1400" kern="0" dirty="0" err="1">
+                <a:solidFill>
+                  <a:srgbClr val="808080"/>
+                </a:solidFill>
+                <a:latin typeface="Consolas" panose="020B0609020204030204" pitchFamily="49" charset="0"/>
+                <a:ea typeface="Yu Mincho" panose="02020400000000000000" pitchFamily="18" charset="-128"/>
+                <a:cs typeface="Consolas" panose="020B0609020204030204" pitchFamily="49" charset="0"/>
+              </a:rPr>
+              <a:t>rate</a:t>
+            </a:r>
+            <a:r>
+              <a:rPr lang="ru-RU" sz="1400" kern="0" dirty="0">
+                <a:solidFill>
+                  <a:srgbClr val="000000"/>
+                </a:solidFill>
+                <a:latin typeface="Consolas" panose="020B0609020204030204" pitchFamily="49" charset="0"/>
+                <a:ea typeface="Yu Mincho" panose="02020400000000000000" pitchFamily="18" charset="-128"/>
+                <a:cs typeface="Consolas" panose="020B0609020204030204" pitchFamily="49" charset="0"/>
+              </a:rPr>
+              <a:t>);</a:t>
+            </a:r>
+            <a:endParaRPr lang="ru-RU" sz="1400" kern="100" dirty="0">
+              <a:latin typeface="Calibri" panose="020F0502020204030204" pitchFamily="34" charset="0"/>
+              <a:ea typeface="Yu Mincho" panose="02020400000000000000" pitchFamily="18" charset="-128"/>
+              <a:cs typeface="Times New Roman" panose="02020603050405020304" pitchFamily="18" charset="0"/>
+            </a:endParaRPr>
+          </a:p>
+          <a:p>
+            <a:pPr>
+              <a:lnSpc>
+                <a:spcPct val="107000"/>
+              </a:lnSpc>
+              <a:spcAft>
+                <a:spcPts val="0"/>
+              </a:spcAft>
+            </a:pPr>
+            <a:r>
+              <a:rPr lang="ru-RU" sz="1400" kern="0" dirty="0">
+                <a:solidFill>
+                  <a:srgbClr val="000000"/>
+                </a:solidFill>
+                <a:latin typeface="Consolas" panose="020B0609020204030204" pitchFamily="49" charset="0"/>
+                <a:ea typeface="Yu Mincho" panose="02020400000000000000" pitchFamily="18" charset="-128"/>
+                <a:cs typeface="Consolas" panose="020B0609020204030204" pitchFamily="49" charset="0"/>
+              </a:rPr>
+              <a:t>    }</a:t>
+            </a:r>
+            <a:endParaRPr lang="ru-RU" sz="1400" kern="100" dirty="0">
+              <a:latin typeface="Calibri" panose="020F0502020204030204" pitchFamily="34" charset="0"/>
+              <a:ea typeface="Yu Mincho" panose="02020400000000000000" pitchFamily="18" charset="-128"/>
+              <a:cs typeface="Times New Roman" panose="02020603050405020304" pitchFamily="18" charset="0"/>
+            </a:endParaRPr>
+          </a:p>
+          <a:p>
+            <a:pPr>
+              <a:lnSpc>
+                <a:spcPct val="107000"/>
+              </a:lnSpc>
+              <a:spcAft>
+                <a:spcPts val="0"/>
+              </a:spcAft>
+            </a:pPr>
+            <a:r>
+              <a:rPr lang="ru-RU" sz="1400" kern="0" dirty="0">
+                <a:solidFill>
+                  <a:srgbClr val="000000"/>
+                </a:solidFill>
+                <a:latin typeface="Consolas" panose="020B0609020204030204" pitchFamily="49" charset="0"/>
+                <a:ea typeface="Yu Mincho" panose="02020400000000000000" pitchFamily="18" charset="-128"/>
+                <a:cs typeface="Consolas" panose="020B0609020204030204" pitchFamily="49" charset="0"/>
+              </a:rPr>
+              <a:t>  }</a:t>
+            </a:r>
+            <a:endParaRPr lang="ru-RU" sz="1400" kern="100" dirty="0">
+              <a:latin typeface="Calibri" panose="020F0502020204030204" pitchFamily="34" charset="0"/>
+              <a:ea typeface="Yu Mincho" panose="02020400000000000000" pitchFamily="18" charset="-128"/>
+              <a:cs typeface="Times New Roman" panose="02020603050405020304" pitchFamily="18" charset="0"/>
+            </a:endParaRPr>
+          </a:p>
+          <a:p>
+            <a:pPr>
+              <a:lnSpc>
+                <a:spcPct val="107000"/>
+              </a:lnSpc>
+              <a:spcAft>
+                <a:spcPts val="0"/>
+              </a:spcAft>
+            </a:pPr>
+            <a:r>
+              <a:rPr lang="ru-RU" sz="1400" kern="0" dirty="0">
+                <a:solidFill>
+                  <a:srgbClr val="000000"/>
+                </a:solidFill>
+                <a:latin typeface="Consolas" panose="020B0609020204030204" pitchFamily="49" charset="0"/>
+                <a:ea typeface="Yu Mincho" panose="02020400000000000000" pitchFamily="18" charset="-128"/>
+                <a:cs typeface="Consolas" panose="020B0609020204030204" pitchFamily="49" charset="0"/>
+              </a:rPr>
+              <a:t> </a:t>
+            </a:r>
+            <a:endParaRPr lang="ru-RU" sz="1400" kern="100" dirty="0">
+              <a:latin typeface="Calibri" panose="020F0502020204030204" pitchFamily="34" charset="0"/>
+              <a:ea typeface="Yu Mincho" panose="02020400000000000000" pitchFamily="18" charset="-128"/>
+              <a:cs typeface="Times New Roman" panose="02020603050405020304" pitchFamily="18" charset="0"/>
+            </a:endParaRPr>
+          </a:p>
+          <a:p>
+            <a:pPr>
+              <a:lnSpc>
+                <a:spcPct val="107000"/>
+              </a:lnSpc>
+              <a:spcAft>
+                <a:spcPts val="0"/>
+              </a:spcAft>
+            </a:pPr>
+            <a:r>
+              <a:rPr lang="ru-RU" sz="1400" kern="0" dirty="0">
+                <a:solidFill>
+                  <a:srgbClr val="000000"/>
+                </a:solidFill>
+                <a:latin typeface="Consolas" panose="020B0609020204030204" pitchFamily="49" charset="0"/>
+                <a:ea typeface="Yu Mincho" panose="02020400000000000000" pitchFamily="18" charset="-128"/>
+                <a:cs typeface="Consolas" panose="020B0609020204030204" pitchFamily="49" charset="0"/>
+              </a:rPr>
+              <a:t>  </a:t>
+            </a:r>
+            <a:r>
+              <a:rPr lang="ru-RU" sz="1400" kern="0" dirty="0" err="1">
+                <a:solidFill>
+                  <a:srgbClr val="0000FF"/>
+                </a:solidFill>
+                <a:latin typeface="Consolas" panose="020B0609020204030204" pitchFamily="49" charset="0"/>
+                <a:ea typeface="Yu Mincho" panose="02020400000000000000" pitchFamily="18" charset="-128"/>
+                <a:cs typeface="Consolas" panose="020B0609020204030204" pitchFamily="49" charset="0"/>
+              </a:rPr>
+              <a:t>double</a:t>
+            </a:r>
+            <a:r>
+              <a:rPr lang="ru-RU" sz="1400" kern="0" dirty="0">
+                <a:solidFill>
+                  <a:srgbClr val="000000"/>
+                </a:solidFill>
+                <a:latin typeface="Consolas" panose="020B0609020204030204" pitchFamily="49" charset="0"/>
+                <a:ea typeface="Yu Mincho" panose="02020400000000000000" pitchFamily="18" charset="-128"/>
+                <a:cs typeface="Consolas" panose="020B0609020204030204" pitchFamily="49" charset="0"/>
+              </a:rPr>
+              <a:t> </a:t>
+            </a:r>
+            <a:r>
+              <a:rPr lang="ru-RU" sz="1400" kern="0" dirty="0" err="1">
+                <a:solidFill>
+                  <a:srgbClr val="000000"/>
+                </a:solidFill>
+                <a:latin typeface="Consolas" panose="020B0609020204030204" pitchFamily="49" charset="0"/>
+                <a:ea typeface="Yu Mincho" panose="02020400000000000000" pitchFamily="18" charset="-128"/>
+                <a:cs typeface="Consolas" panose="020B0609020204030204" pitchFamily="49" charset="0"/>
+              </a:rPr>
+              <a:t>GetRate</a:t>
+            </a:r>
+            <a:r>
+              <a:rPr lang="ru-RU" sz="1400" kern="0" dirty="0">
+                <a:solidFill>
+                  <a:srgbClr val="000000"/>
+                </a:solidFill>
+                <a:latin typeface="Consolas" panose="020B0609020204030204" pitchFamily="49" charset="0"/>
+                <a:ea typeface="Yu Mincho" panose="02020400000000000000" pitchFamily="18" charset="-128"/>
+                <a:cs typeface="Consolas" panose="020B0609020204030204" pitchFamily="49" charset="0"/>
+              </a:rPr>
+              <a:t>() </a:t>
+            </a:r>
+            <a:r>
+              <a:rPr lang="ru-RU" sz="1400" kern="0" dirty="0" err="1">
+                <a:solidFill>
+                  <a:srgbClr val="0000FF"/>
+                </a:solidFill>
+                <a:latin typeface="Consolas" panose="020B0609020204030204" pitchFamily="49" charset="0"/>
+                <a:ea typeface="Yu Mincho" panose="02020400000000000000" pitchFamily="18" charset="-128"/>
+                <a:cs typeface="Consolas" panose="020B0609020204030204" pitchFamily="49" charset="0"/>
+              </a:rPr>
+              <a:t>const</a:t>
+            </a:r>
+            <a:r>
+              <a:rPr lang="ru-RU" sz="1400" kern="0" dirty="0">
+                <a:solidFill>
+                  <a:srgbClr val="000000"/>
+                </a:solidFill>
+                <a:latin typeface="Consolas" panose="020B0609020204030204" pitchFamily="49" charset="0"/>
+                <a:ea typeface="Yu Mincho" panose="02020400000000000000" pitchFamily="18" charset="-128"/>
+                <a:cs typeface="Consolas" panose="020B0609020204030204" pitchFamily="49" charset="0"/>
+              </a:rPr>
+              <a:t> </a:t>
+            </a:r>
+            <a:r>
+              <a:rPr lang="ru-RU" sz="1400" kern="0" dirty="0" err="1">
+                <a:solidFill>
+                  <a:srgbClr val="0000FF"/>
+                </a:solidFill>
+                <a:latin typeface="Consolas" panose="020B0609020204030204" pitchFamily="49" charset="0"/>
+                <a:ea typeface="Yu Mincho" panose="02020400000000000000" pitchFamily="18" charset="-128"/>
+                <a:cs typeface="Consolas" panose="020B0609020204030204" pitchFamily="49" charset="0"/>
+              </a:rPr>
+              <a:t>override</a:t>
+            </a:r>
+            <a:r>
+              <a:rPr lang="ru-RU" sz="1400" kern="0" dirty="0">
+                <a:solidFill>
+                  <a:srgbClr val="0000FF"/>
+                </a:solidFill>
+                <a:latin typeface="Consolas" panose="020B0609020204030204" pitchFamily="49" charset="0"/>
+                <a:ea typeface="Yu Mincho" panose="02020400000000000000" pitchFamily="18" charset="-128"/>
+                <a:cs typeface="Consolas" panose="020B0609020204030204" pitchFamily="49" charset="0"/>
+              </a:rPr>
+              <a:t> </a:t>
+            </a:r>
+            <a:r>
+              <a:rPr lang="ru-RU" sz="1400" kern="0" dirty="0">
+                <a:solidFill>
+                  <a:srgbClr val="000000"/>
+                </a:solidFill>
+                <a:latin typeface="Consolas" panose="020B0609020204030204" pitchFamily="49" charset="0"/>
+                <a:ea typeface="Yu Mincho" panose="02020400000000000000" pitchFamily="18" charset="-128"/>
+                <a:cs typeface="Consolas" panose="020B0609020204030204" pitchFamily="49" charset="0"/>
+              </a:rPr>
+              <a:t>{</a:t>
+            </a:r>
+            <a:endParaRPr lang="ru-RU" sz="1400" kern="100" dirty="0">
+              <a:latin typeface="Calibri" panose="020F0502020204030204" pitchFamily="34" charset="0"/>
+              <a:ea typeface="Yu Mincho" panose="02020400000000000000" pitchFamily="18" charset="-128"/>
+              <a:cs typeface="Times New Roman" panose="02020603050405020304" pitchFamily="18" charset="0"/>
+            </a:endParaRPr>
+          </a:p>
+          <a:p>
+            <a:pPr>
+              <a:lnSpc>
+                <a:spcPct val="107000"/>
+              </a:lnSpc>
+              <a:spcAft>
+                <a:spcPts val="0"/>
+              </a:spcAft>
+            </a:pPr>
+            <a:r>
+              <a:rPr lang="ru-RU" sz="1400" kern="0" dirty="0">
+                <a:solidFill>
+                  <a:srgbClr val="000000"/>
+                </a:solidFill>
+                <a:latin typeface="Consolas" panose="020B0609020204030204" pitchFamily="49" charset="0"/>
+                <a:ea typeface="Yu Mincho" panose="02020400000000000000" pitchFamily="18" charset="-128"/>
+                <a:cs typeface="Consolas" panose="020B0609020204030204" pitchFamily="49" charset="0"/>
+              </a:rPr>
+              <a:t>    </a:t>
+            </a:r>
+            <a:r>
+              <a:rPr lang="ru-RU" sz="1400" kern="0" dirty="0" err="1">
+                <a:solidFill>
+                  <a:srgbClr val="0000FF"/>
+                </a:solidFill>
+                <a:latin typeface="Consolas" panose="020B0609020204030204" pitchFamily="49" charset="0"/>
+                <a:ea typeface="Yu Mincho" panose="02020400000000000000" pitchFamily="18" charset="-128"/>
+                <a:cs typeface="Consolas" panose="020B0609020204030204" pitchFamily="49" charset="0"/>
+              </a:rPr>
+              <a:t>return</a:t>
+            </a:r>
+            <a:r>
+              <a:rPr lang="ru-RU" sz="1400" kern="0" dirty="0">
+                <a:solidFill>
+                  <a:srgbClr val="000000"/>
+                </a:solidFill>
+                <a:latin typeface="Consolas" panose="020B0609020204030204" pitchFamily="49" charset="0"/>
+                <a:ea typeface="Yu Mincho" panose="02020400000000000000" pitchFamily="18" charset="-128"/>
+                <a:cs typeface="Consolas" panose="020B0609020204030204" pitchFamily="49" charset="0"/>
+              </a:rPr>
+              <a:t> </a:t>
+            </a:r>
+            <a:r>
+              <a:rPr lang="ru-RU" sz="1400" kern="0" dirty="0" err="1">
+                <a:solidFill>
+                  <a:srgbClr val="000000"/>
+                </a:solidFill>
+                <a:latin typeface="Consolas" panose="020B0609020204030204" pitchFamily="49" charset="0"/>
+                <a:ea typeface="Yu Mincho" panose="02020400000000000000" pitchFamily="18" charset="-128"/>
+                <a:cs typeface="Consolas" panose="020B0609020204030204" pitchFamily="49" charset="0"/>
+              </a:rPr>
+              <a:t>m_rubToUSD</a:t>
+            </a:r>
+            <a:r>
+              <a:rPr lang="ru-RU" sz="1400" kern="0" dirty="0">
+                <a:solidFill>
+                  <a:srgbClr val="000000"/>
+                </a:solidFill>
+                <a:latin typeface="Consolas" panose="020B0609020204030204" pitchFamily="49" charset="0"/>
+                <a:ea typeface="Yu Mincho" panose="02020400000000000000" pitchFamily="18" charset="-128"/>
+                <a:cs typeface="Consolas" panose="020B0609020204030204" pitchFamily="49" charset="0"/>
+              </a:rPr>
+              <a:t>;</a:t>
+            </a:r>
+            <a:endParaRPr lang="ru-RU" sz="1400" kern="100" dirty="0">
+              <a:latin typeface="Calibri" panose="020F0502020204030204" pitchFamily="34" charset="0"/>
+              <a:ea typeface="Yu Mincho" panose="02020400000000000000" pitchFamily="18" charset="-128"/>
+              <a:cs typeface="Times New Roman" panose="02020603050405020304" pitchFamily="18" charset="0"/>
+            </a:endParaRPr>
+          </a:p>
+          <a:p>
+            <a:pPr>
+              <a:lnSpc>
+                <a:spcPct val="107000"/>
+              </a:lnSpc>
+              <a:spcAft>
+                <a:spcPts val="0"/>
+              </a:spcAft>
+            </a:pPr>
+            <a:r>
+              <a:rPr lang="ru-RU" sz="1400" kern="0" dirty="0">
+                <a:solidFill>
+                  <a:srgbClr val="000000"/>
+                </a:solidFill>
+                <a:latin typeface="Consolas" panose="020B0609020204030204" pitchFamily="49" charset="0"/>
+                <a:ea typeface="Yu Mincho" panose="02020400000000000000" pitchFamily="18" charset="-128"/>
+                <a:cs typeface="Consolas" panose="020B0609020204030204" pitchFamily="49" charset="0"/>
+              </a:rPr>
+              <a:t>  }</a:t>
+            </a:r>
+            <a:endParaRPr lang="ru-RU" sz="1400" kern="100" dirty="0">
+              <a:latin typeface="Calibri" panose="020F0502020204030204" pitchFamily="34" charset="0"/>
+              <a:ea typeface="Yu Mincho" panose="02020400000000000000" pitchFamily="18" charset="-128"/>
+              <a:cs typeface="Times New Roman" panose="02020603050405020304" pitchFamily="18" charset="0"/>
+            </a:endParaRPr>
+          </a:p>
+          <a:p>
+            <a:pPr>
+              <a:lnSpc>
+                <a:spcPct val="107000"/>
+              </a:lnSpc>
+              <a:spcAft>
+                <a:spcPts val="0"/>
+              </a:spcAft>
+            </a:pPr>
+            <a:r>
+              <a:rPr lang="ru-RU" sz="1400" kern="0" dirty="0">
+                <a:solidFill>
+                  <a:srgbClr val="000000"/>
+                </a:solidFill>
+                <a:latin typeface="Consolas" panose="020B0609020204030204" pitchFamily="49" charset="0"/>
+                <a:ea typeface="Yu Mincho" panose="02020400000000000000" pitchFamily="18" charset="-128"/>
+                <a:cs typeface="Consolas" panose="020B0609020204030204" pitchFamily="49" charset="0"/>
+              </a:rPr>
+              <a:t> </a:t>
+            </a:r>
+            <a:endParaRPr lang="ru-RU" sz="1400" kern="100" dirty="0">
+              <a:latin typeface="Calibri" panose="020F0502020204030204" pitchFamily="34" charset="0"/>
+              <a:ea typeface="Yu Mincho" panose="02020400000000000000" pitchFamily="18" charset="-128"/>
+              <a:cs typeface="Times New Roman" panose="02020603050405020304" pitchFamily="18" charset="0"/>
+            </a:endParaRPr>
+          </a:p>
+          <a:p>
+            <a:pPr>
+              <a:lnSpc>
+                <a:spcPct val="107000"/>
+              </a:lnSpc>
+              <a:spcAft>
+                <a:spcPts val="0"/>
+              </a:spcAft>
+            </a:pPr>
+            <a:r>
+              <a:rPr lang="ru-RU" sz="1400" kern="0" dirty="0">
+                <a:solidFill>
+                  <a:srgbClr val="000000"/>
+                </a:solidFill>
+                <a:latin typeface="Consolas" panose="020B0609020204030204" pitchFamily="49" charset="0"/>
+                <a:ea typeface="Yu Mincho" panose="02020400000000000000" pitchFamily="18" charset="-128"/>
+                <a:cs typeface="Consolas" panose="020B0609020204030204" pitchFamily="49" charset="0"/>
+              </a:rPr>
+              <a:t>  </a:t>
+            </a:r>
+            <a:r>
+              <a:rPr lang="ru-RU" sz="1400" kern="0" dirty="0" err="1">
+                <a:solidFill>
+                  <a:srgbClr val="000000"/>
+                </a:solidFill>
+                <a:latin typeface="Consolas" panose="020B0609020204030204" pitchFamily="49" charset="0"/>
+                <a:ea typeface="Yu Mincho" panose="02020400000000000000" pitchFamily="18" charset="-128"/>
+                <a:cs typeface="Consolas" panose="020B0609020204030204" pitchFamily="49" charset="0"/>
+              </a:rPr>
+              <a:t>signals</a:t>
+            </a:r>
+            <a:r>
+              <a:rPr lang="ru-RU" sz="1400" kern="0" dirty="0">
+                <a:solidFill>
+                  <a:srgbClr val="000000"/>
+                </a:solidFill>
+                <a:latin typeface="Consolas" panose="020B0609020204030204" pitchFamily="49" charset="0"/>
+                <a:ea typeface="Yu Mincho" panose="02020400000000000000" pitchFamily="18" charset="-128"/>
+                <a:cs typeface="Consolas" panose="020B0609020204030204" pitchFamily="49" charset="0"/>
+              </a:rPr>
+              <a:t>::</a:t>
+            </a:r>
+            <a:r>
+              <a:rPr lang="ru-RU" sz="1400" kern="0" dirty="0" err="1">
+                <a:solidFill>
+                  <a:srgbClr val="000000"/>
+                </a:solidFill>
+                <a:latin typeface="Consolas" panose="020B0609020204030204" pitchFamily="49" charset="0"/>
+                <a:ea typeface="Yu Mincho" panose="02020400000000000000" pitchFamily="18" charset="-128"/>
+                <a:cs typeface="Consolas" panose="020B0609020204030204" pitchFamily="49" charset="0"/>
+              </a:rPr>
+              <a:t>connection</a:t>
+            </a:r>
+            <a:r>
+              <a:rPr lang="ru-RU" sz="1400" kern="0" dirty="0">
+                <a:solidFill>
+                  <a:srgbClr val="000000"/>
+                </a:solidFill>
+                <a:latin typeface="Consolas" panose="020B0609020204030204" pitchFamily="49" charset="0"/>
+                <a:ea typeface="Yu Mincho" panose="02020400000000000000" pitchFamily="18" charset="-128"/>
+                <a:cs typeface="Consolas" panose="020B0609020204030204" pitchFamily="49" charset="0"/>
+              </a:rPr>
+              <a:t> </a:t>
+            </a:r>
+            <a:r>
+              <a:rPr lang="ru-RU" sz="1400" kern="0" dirty="0" err="1">
+                <a:solidFill>
+                  <a:srgbClr val="000000"/>
+                </a:solidFill>
+                <a:latin typeface="Consolas" panose="020B0609020204030204" pitchFamily="49" charset="0"/>
+                <a:ea typeface="Yu Mincho" panose="02020400000000000000" pitchFamily="18" charset="-128"/>
+                <a:cs typeface="Consolas" panose="020B0609020204030204" pitchFamily="49" charset="0"/>
+              </a:rPr>
+              <a:t>DoOnRateChange</a:t>
+            </a:r>
+            <a:r>
+              <a:rPr lang="ru-RU" sz="1400" kern="0" dirty="0">
+                <a:solidFill>
+                  <a:srgbClr val="000000"/>
+                </a:solidFill>
+                <a:latin typeface="Consolas" panose="020B0609020204030204" pitchFamily="49" charset="0"/>
+                <a:ea typeface="Yu Mincho" panose="02020400000000000000" pitchFamily="18" charset="-128"/>
+                <a:cs typeface="Consolas" panose="020B0609020204030204" pitchFamily="49" charset="0"/>
+              </a:rPr>
+              <a:t>(</a:t>
+            </a:r>
+            <a:r>
+              <a:rPr lang="ru-RU" sz="1400" kern="0" dirty="0" err="1">
+                <a:solidFill>
+                  <a:srgbClr val="0000FF"/>
+                </a:solidFill>
+                <a:latin typeface="Consolas" panose="020B0609020204030204" pitchFamily="49" charset="0"/>
+                <a:ea typeface="Yu Mincho" panose="02020400000000000000" pitchFamily="18" charset="-128"/>
+                <a:cs typeface="Consolas" panose="020B0609020204030204" pitchFamily="49" charset="0"/>
+              </a:rPr>
+              <a:t>const</a:t>
+            </a:r>
+            <a:r>
+              <a:rPr lang="ru-RU" sz="1400" kern="0" dirty="0">
+                <a:solidFill>
+                  <a:srgbClr val="000000"/>
+                </a:solidFill>
+                <a:latin typeface="Consolas" panose="020B0609020204030204" pitchFamily="49" charset="0"/>
+                <a:ea typeface="Yu Mincho" panose="02020400000000000000" pitchFamily="18" charset="-128"/>
+                <a:cs typeface="Consolas" panose="020B0609020204030204" pitchFamily="49" charset="0"/>
+              </a:rPr>
+              <a:t> </a:t>
+            </a:r>
+            <a:r>
+              <a:rPr lang="ru-RU" sz="1400" kern="0" dirty="0" err="1">
+                <a:solidFill>
+                  <a:srgbClr val="000000"/>
+                </a:solidFill>
+                <a:latin typeface="Consolas" panose="020B0609020204030204" pitchFamily="49" charset="0"/>
+                <a:ea typeface="Yu Mincho" panose="02020400000000000000" pitchFamily="18" charset="-128"/>
+                <a:cs typeface="Consolas" panose="020B0609020204030204" pitchFamily="49" charset="0"/>
+              </a:rPr>
+              <a:t>RateSignal</a:t>
+            </a:r>
+            <a:r>
+              <a:rPr lang="ru-RU" sz="1400" kern="0" dirty="0">
+                <a:solidFill>
+                  <a:srgbClr val="000000"/>
+                </a:solidFill>
+                <a:latin typeface="Consolas" panose="020B0609020204030204" pitchFamily="49" charset="0"/>
+                <a:ea typeface="Yu Mincho" panose="02020400000000000000" pitchFamily="18" charset="-128"/>
+                <a:cs typeface="Consolas" panose="020B0609020204030204" pitchFamily="49" charset="0"/>
+              </a:rPr>
+              <a:t>::</a:t>
+            </a:r>
+            <a:r>
+              <a:rPr lang="ru-RU" sz="1400" kern="0" dirty="0" err="1">
+                <a:solidFill>
+                  <a:srgbClr val="000000"/>
+                </a:solidFill>
+                <a:latin typeface="Consolas" panose="020B0609020204030204" pitchFamily="49" charset="0"/>
+                <a:ea typeface="Yu Mincho" panose="02020400000000000000" pitchFamily="18" charset="-128"/>
+                <a:cs typeface="Consolas" panose="020B0609020204030204" pitchFamily="49" charset="0"/>
+              </a:rPr>
+              <a:t>slot_type</a:t>
+            </a:r>
+            <a:r>
+              <a:rPr lang="ru-RU" sz="1400" kern="0" dirty="0">
+                <a:solidFill>
+                  <a:srgbClr val="000000"/>
+                </a:solidFill>
+                <a:latin typeface="Consolas" panose="020B0609020204030204" pitchFamily="49" charset="0"/>
+                <a:ea typeface="Yu Mincho" panose="02020400000000000000" pitchFamily="18" charset="-128"/>
+                <a:cs typeface="Consolas" panose="020B0609020204030204" pitchFamily="49" charset="0"/>
+              </a:rPr>
+              <a:t> &amp; </a:t>
+            </a:r>
+            <a:r>
+              <a:rPr lang="ru-RU" sz="1400" kern="0" dirty="0" err="1">
+                <a:solidFill>
+                  <a:srgbClr val="808080"/>
+                </a:solidFill>
+                <a:latin typeface="Consolas" panose="020B0609020204030204" pitchFamily="49" charset="0"/>
+                <a:ea typeface="Yu Mincho" panose="02020400000000000000" pitchFamily="18" charset="-128"/>
+                <a:cs typeface="Consolas" panose="020B0609020204030204" pitchFamily="49" charset="0"/>
+              </a:rPr>
+              <a:t>slot</a:t>
+            </a:r>
+            <a:r>
+              <a:rPr lang="ru-RU" sz="1400" kern="0" dirty="0">
+                <a:solidFill>
+                  <a:srgbClr val="000000"/>
+                </a:solidFill>
+                <a:latin typeface="Consolas" panose="020B0609020204030204" pitchFamily="49" charset="0"/>
+                <a:ea typeface="Yu Mincho" panose="02020400000000000000" pitchFamily="18" charset="-128"/>
+                <a:cs typeface="Consolas" panose="020B0609020204030204" pitchFamily="49" charset="0"/>
+              </a:rPr>
+              <a:t>) </a:t>
+            </a:r>
+            <a:r>
+              <a:rPr lang="ru-RU" sz="1400" kern="0" dirty="0" err="1">
+                <a:solidFill>
+                  <a:srgbClr val="0000FF"/>
+                </a:solidFill>
+                <a:latin typeface="Consolas" panose="020B0609020204030204" pitchFamily="49" charset="0"/>
+                <a:ea typeface="Yu Mincho" panose="02020400000000000000" pitchFamily="18" charset="-128"/>
+                <a:cs typeface="Consolas" panose="020B0609020204030204" pitchFamily="49" charset="0"/>
+              </a:rPr>
+              <a:t>override</a:t>
+            </a:r>
+            <a:r>
+              <a:rPr lang="ru-RU" sz="1400" kern="0" dirty="0">
+                <a:solidFill>
+                  <a:srgbClr val="0000FF"/>
+                </a:solidFill>
+                <a:latin typeface="Consolas" panose="020B0609020204030204" pitchFamily="49" charset="0"/>
+                <a:ea typeface="Yu Mincho" panose="02020400000000000000" pitchFamily="18" charset="-128"/>
+                <a:cs typeface="Consolas" panose="020B0609020204030204" pitchFamily="49" charset="0"/>
+              </a:rPr>
+              <a:t> </a:t>
+            </a:r>
+            <a:r>
+              <a:rPr lang="ru-RU" sz="1400" kern="0" dirty="0">
+                <a:solidFill>
+                  <a:srgbClr val="000000"/>
+                </a:solidFill>
+                <a:latin typeface="Consolas" panose="020B0609020204030204" pitchFamily="49" charset="0"/>
+                <a:ea typeface="Yu Mincho" panose="02020400000000000000" pitchFamily="18" charset="-128"/>
+                <a:cs typeface="Consolas" panose="020B0609020204030204" pitchFamily="49" charset="0"/>
+              </a:rPr>
+              <a:t>{</a:t>
+            </a:r>
+            <a:endParaRPr lang="ru-RU" sz="1400" kern="100" dirty="0">
+              <a:latin typeface="Calibri" panose="020F0502020204030204" pitchFamily="34" charset="0"/>
+              <a:ea typeface="Yu Mincho" panose="02020400000000000000" pitchFamily="18" charset="-128"/>
+              <a:cs typeface="Times New Roman" panose="02020603050405020304" pitchFamily="18" charset="0"/>
+            </a:endParaRPr>
+          </a:p>
+          <a:p>
+            <a:pPr>
+              <a:lnSpc>
+                <a:spcPct val="107000"/>
+              </a:lnSpc>
+              <a:spcAft>
+                <a:spcPts val="0"/>
+              </a:spcAft>
+            </a:pPr>
+            <a:r>
+              <a:rPr lang="ru-RU" sz="1400" kern="0" dirty="0">
+                <a:solidFill>
+                  <a:srgbClr val="000000"/>
+                </a:solidFill>
+                <a:latin typeface="Consolas" panose="020B0609020204030204" pitchFamily="49" charset="0"/>
+                <a:ea typeface="Yu Mincho" panose="02020400000000000000" pitchFamily="18" charset="-128"/>
+                <a:cs typeface="Consolas" panose="020B0609020204030204" pitchFamily="49" charset="0"/>
+              </a:rPr>
+              <a:t>    </a:t>
+            </a:r>
+            <a:r>
+              <a:rPr lang="ru-RU" sz="1400" kern="0" dirty="0" err="1">
+                <a:solidFill>
+                  <a:srgbClr val="0000FF"/>
+                </a:solidFill>
+                <a:latin typeface="Consolas" panose="020B0609020204030204" pitchFamily="49" charset="0"/>
+                <a:ea typeface="Yu Mincho" panose="02020400000000000000" pitchFamily="18" charset="-128"/>
+                <a:cs typeface="Consolas" panose="020B0609020204030204" pitchFamily="49" charset="0"/>
+              </a:rPr>
+              <a:t>return</a:t>
+            </a:r>
+            <a:r>
+              <a:rPr lang="ru-RU" sz="1400" kern="0" dirty="0">
+                <a:solidFill>
+                  <a:srgbClr val="000000"/>
+                </a:solidFill>
+                <a:latin typeface="Consolas" panose="020B0609020204030204" pitchFamily="49" charset="0"/>
+                <a:ea typeface="Yu Mincho" panose="02020400000000000000" pitchFamily="18" charset="-128"/>
+                <a:cs typeface="Consolas" panose="020B0609020204030204" pitchFamily="49" charset="0"/>
+              </a:rPr>
+              <a:t> </a:t>
+            </a:r>
+            <a:r>
+              <a:rPr lang="ru-RU" sz="1400" kern="0" dirty="0" err="1">
+                <a:solidFill>
+                  <a:srgbClr val="000000"/>
+                </a:solidFill>
+                <a:latin typeface="Consolas" panose="020B0609020204030204" pitchFamily="49" charset="0"/>
+                <a:ea typeface="Yu Mincho" panose="02020400000000000000" pitchFamily="18" charset="-128"/>
+                <a:cs typeface="Consolas" panose="020B0609020204030204" pitchFamily="49" charset="0"/>
+              </a:rPr>
+              <a:t>m_rateChangeSignal.connect</a:t>
+            </a:r>
+            <a:r>
+              <a:rPr lang="ru-RU" sz="1400" kern="0" dirty="0">
+                <a:solidFill>
+                  <a:srgbClr val="000000"/>
+                </a:solidFill>
+                <a:latin typeface="Consolas" panose="020B0609020204030204" pitchFamily="49" charset="0"/>
+                <a:ea typeface="Yu Mincho" panose="02020400000000000000" pitchFamily="18" charset="-128"/>
+                <a:cs typeface="Consolas" panose="020B0609020204030204" pitchFamily="49" charset="0"/>
+              </a:rPr>
+              <a:t>(</a:t>
+            </a:r>
+            <a:r>
+              <a:rPr lang="ru-RU" sz="1400" kern="0" dirty="0" err="1">
+                <a:solidFill>
+                  <a:srgbClr val="808080"/>
+                </a:solidFill>
+                <a:latin typeface="Consolas" panose="020B0609020204030204" pitchFamily="49" charset="0"/>
+                <a:ea typeface="Yu Mincho" panose="02020400000000000000" pitchFamily="18" charset="-128"/>
+                <a:cs typeface="Consolas" panose="020B0609020204030204" pitchFamily="49" charset="0"/>
+              </a:rPr>
+              <a:t>slot</a:t>
+            </a:r>
+            <a:r>
+              <a:rPr lang="ru-RU" sz="1400" kern="0" dirty="0">
+                <a:solidFill>
+                  <a:srgbClr val="000000"/>
+                </a:solidFill>
+                <a:latin typeface="Consolas" panose="020B0609020204030204" pitchFamily="49" charset="0"/>
+                <a:ea typeface="Yu Mincho" panose="02020400000000000000" pitchFamily="18" charset="-128"/>
+                <a:cs typeface="Consolas" panose="020B0609020204030204" pitchFamily="49" charset="0"/>
+              </a:rPr>
+              <a:t>);</a:t>
+            </a:r>
+            <a:endParaRPr lang="ru-RU" sz="1400" kern="100" dirty="0">
+              <a:latin typeface="Calibri" panose="020F0502020204030204" pitchFamily="34" charset="0"/>
+              <a:ea typeface="Yu Mincho" panose="02020400000000000000" pitchFamily="18" charset="-128"/>
+              <a:cs typeface="Times New Roman" panose="02020603050405020304" pitchFamily="18" charset="0"/>
+            </a:endParaRPr>
+          </a:p>
+          <a:p>
+            <a:pPr>
+              <a:lnSpc>
+                <a:spcPct val="107000"/>
+              </a:lnSpc>
+              <a:spcAft>
+                <a:spcPts val="0"/>
+              </a:spcAft>
+            </a:pPr>
+            <a:r>
+              <a:rPr lang="ru-RU" sz="1400" kern="0" dirty="0">
+                <a:solidFill>
+                  <a:srgbClr val="000000"/>
+                </a:solidFill>
+                <a:latin typeface="Consolas" panose="020B0609020204030204" pitchFamily="49" charset="0"/>
+                <a:ea typeface="Yu Mincho" panose="02020400000000000000" pitchFamily="18" charset="-128"/>
+                <a:cs typeface="Consolas" panose="020B0609020204030204" pitchFamily="49" charset="0"/>
+              </a:rPr>
+              <a:t>  }</a:t>
+            </a:r>
+            <a:endParaRPr lang="ru-RU" sz="1400" kern="100" dirty="0">
+              <a:latin typeface="Calibri" panose="020F0502020204030204" pitchFamily="34" charset="0"/>
+              <a:ea typeface="Yu Mincho" panose="02020400000000000000" pitchFamily="18" charset="-128"/>
+              <a:cs typeface="Times New Roman" panose="02020603050405020304" pitchFamily="18" charset="0"/>
+            </a:endParaRPr>
+          </a:p>
+          <a:p>
+            <a:pPr>
+              <a:lnSpc>
+                <a:spcPct val="107000"/>
+              </a:lnSpc>
+              <a:spcAft>
+                <a:spcPts val="0"/>
+              </a:spcAft>
+            </a:pPr>
+            <a:r>
+              <a:rPr lang="ru-RU" sz="1400" kern="0" dirty="0">
+                <a:solidFill>
+                  <a:srgbClr val="000000"/>
+                </a:solidFill>
+                <a:latin typeface="Consolas" panose="020B0609020204030204" pitchFamily="49" charset="0"/>
+                <a:ea typeface="Yu Mincho" panose="02020400000000000000" pitchFamily="18" charset="-128"/>
+                <a:cs typeface="Consolas" panose="020B0609020204030204" pitchFamily="49" charset="0"/>
+              </a:rPr>
+              <a:t> </a:t>
+            </a:r>
+            <a:endParaRPr lang="ru-RU" sz="1400" kern="100" dirty="0">
+              <a:latin typeface="Calibri" panose="020F0502020204030204" pitchFamily="34" charset="0"/>
+              <a:ea typeface="Yu Mincho" panose="02020400000000000000" pitchFamily="18" charset="-128"/>
+              <a:cs typeface="Times New Roman" panose="02020603050405020304" pitchFamily="18" charset="0"/>
+            </a:endParaRPr>
+          </a:p>
+          <a:p>
+            <a:pPr>
+              <a:lnSpc>
+                <a:spcPct val="107000"/>
+              </a:lnSpc>
+              <a:spcAft>
+                <a:spcPts val="0"/>
+              </a:spcAft>
+            </a:pPr>
+            <a:r>
+              <a:rPr lang="ru-RU" sz="1400" kern="0" dirty="0" err="1">
+                <a:solidFill>
+                  <a:srgbClr val="0000FF"/>
+                </a:solidFill>
+                <a:latin typeface="Consolas" panose="020B0609020204030204" pitchFamily="49" charset="0"/>
+                <a:ea typeface="Yu Mincho" panose="02020400000000000000" pitchFamily="18" charset="-128"/>
+                <a:cs typeface="Consolas" panose="020B0609020204030204" pitchFamily="49" charset="0"/>
+              </a:rPr>
+              <a:t>private</a:t>
+            </a:r>
+            <a:r>
+              <a:rPr lang="ru-RU" sz="1400" kern="0" dirty="0">
+                <a:solidFill>
+                  <a:srgbClr val="000000"/>
+                </a:solidFill>
+                <a:latin typeface="Consolas" panose="020B0609020204030204" pitchFamily="49" charset="0"/>
+                <a:ea typeface="Yu Mincho" panose="02020400000000000000" pitchFamily="18" charset="-128"/>
+                <a:cs typeface="Consolas" panose="020B0609020204030204" pitchFamily="49" charset="0"/>
+              </a:rPr>
+              <a:t>:</a:t>
+            </a:r>
+            <a:endParaRPr lang="ru-RU" sz="1400" kern="100" dirty="0">
+              <a:latin typeface="Calibri" panose="020F0502020204030204" pitchFamily="34" charset="0"/>
+              <a:ea typeface="Yu Mincho" panose="02020400000000000000" pitchFamily="18" charset="-128"/>
+              <a:cs typeface="Times New Roman" panose="02020603050405020304" pitchFamily="18" charset="0"/>
+            </a:endParaRPr>
+          </a:p>
+          <a:p>
+            <a:pPr>
+              <a:lnSpc>
+                <a:spcPct val="107000"/>
+              </a:lnSpc>
+              <a:spcAft>
+                <a:spcPts val="0"/>
+              </a:spcAft>
+            </a:pPr>
+            <a:r>
+              <a:rPr lang="ru-RU" sz="1400" kern="0" dirty="0">
+                <a:solidFill>
+                  <a:srgbClr val="000000"/>
+                </a:solidFill>
+                <a:latin typeface="Consolas" panose="020B0609020204030204" pitchFamily="49" charset="0"/>
+                <a:ea typeface="Yu Mincho" panose="02020400000000000000" pitchFamily="18" charset="-128"/>
+                <a:cs typeface="Consolas" panose="020B0609020204030204" pitchFamily="49" charset="0"/>
+              </a:rPr>
+              <a:t>  </a:t>
+            </a:r>
+            <a:r>
+              <a:rPr lang="ru-RU" sz="1400" kern="0" dirty="0" err="1">
+                <a:solidFill>
+                  <a:srgbClr val="0000FF"/>
+                </a:solidFill>
+                <a:latin typeface="Consolas" panose="020B0609020204030204" pitchFamily="49" charset="0"/>
+                <a:ea typeface="Yu Mincho" panose="02020400000000000000" pitchFamily="18" charset="-128"/>
+                <a:cs typeface="Consolas" panose="020B0609020204030204" pitchFamily="49" charset="0"/>
+              </a:rPr>
+              <a:t>double</a:t>
+            </a:r>
+            <a:r>
+              <a:rPr lang="ru-RU" sz="1400" kern="0" dirty="0">
+                <a:solidFill>
+                  <a:srgbClr val="000000"/>
+                </a:solidFill>
+                <a:latin typeface="Consolas" panose="020B0609020204030204" pitchFamily="49" charset="0"/>
+                <a:ea typeface="Yu Mincho" panose="02020400000000000000" pitchFamily="18" charset="-128"/>
+                <a:cs typeface="Consolas" panose="020B0609020204030204" pitchFamily="49" charset="0"/>
+              </a:rPr>
+              <a:t> </a:t>
+            </a:r>
+            <a:r>
+              <a:rPr lang="ru-RU" sz="1400" kern="0" dirty="0" err="1">
+                <a:solidFill>
+                  <a:srgbClr val="000000"/>
+                </a:solidFill>
+                <a:latin typeface="Consolas" panose="020B0609020204030204" pitchFamily="49" charset="0"/>
+                <a:ea typeface="Yu Mincho" panose="02020400000000000000" pitchFamily="18" charset="-128"/>
+                <a:cs typeface="Consolas" panose="020B0609020204030204" pitchFamily="49" charset="0"/>
+              </a:rPr>
+              <a:t>m_rubToUSD</a:t>
+            </a:r>
+            <a:r>
+              <a:rPr lang="ru-RU" sz="1400" kern="0" dirty="0">
+                <a:solidFill>
+                  <a:srgbClr val="000000"/>
+                </a:solidFill>
+                <a:latin typeface="Consolas" panose="020B0609020204030204" pitchFamily="49" charset="0"/>
+                <a:ea typeface="Yu Mincho" panose="02020400000000000000" pitchFamily="18" charset="-128"/>
+                <a:cs typeface="Consolas" panose="020B0609020204030204" pitchFamily="49" charset="0"/>
+              </a:rPr>
+              <a:t> = 59.0;</a:t>
+            </a:r>
+            <a:endParaRPr lang="ru-RU" sz="1400" kern="100" dirty="0">
+              <a:latin typeface="Calibri" panose="020F0502020204030204" pitchFamily="34" charset="0"/>
+              <a:ea typeface="Yu Mincho" panose="02020400000000000000" pitchFamily="18" charset="-128"/>
+              <a:cs typeface="Times New Roman" panose="02020603050405020304" pitchFamily="18" charset="0"/>
+            </a:endParaRPr>
+          </a:p>
+          <a:p>
+            <a:pPr>
+              <a:lnSpc>
+                <a:spcPct val="107000"/>
+              </a:lnSpc>
+              <a:spcAft>
+                <a:spcPts val="0"/>
+              </a:spcAft>
+            </a:pPr>
+            <a:r>
+              <a:rPr lang="ru-RU" sz="1400" kern="0" dirty="0">
+                <a:solidFill>
+                  <a:srgbClr val="000000"/>
+                </a:solidFill>
+                <a:latin typeface="Consolas" panose="020B0609020204030204" pitchFamily="49" charset="0"/>
+                <a:ea typeface="Yu Mincho" panose="02020400000000000000" pitchFamily="18" charset="-128"/>
+                <a:cs typeface="Consolas" panose="020B0609020204030204" pitchFamily="49" charset="0"/>
+              </a:rPr>
+              <a:t>  </a:t>
+            </a:r>
+            <a:r>
+              <a:rPr lang="ru-RU" sz="1400" kern="0" dirty="0" err="1">
+                <a:solidFill>
+                  <a:srgbClr val="2B91AF"/>
+                </a:solidFill>
+                <a:latin typeface="Consolas" panose="020B0609020204030204" pitchFamily="49" charset="0"/>
+                <a:ea typeface="Yu Mincho" panose="02020400000000000000" pitchFamily="18" charset="-128"/>
+                <a:cs typeface="Consolas" panose="020B0609020204030204" pitchFamily="49" charset="0"/>
+              </a:rPr>
+              <a:t>RateSignal</a:t>
+            </a:r>
+            <a:r>
+              <a:rPr lang="ru-RU" sz="1400" kern="0" dirty="0">
+                <a:solidFill>
+                  <a:srgbClr val="000000"/>
+                </a:solidFill>
+                <a:latin typeface="Consolas" panose="020B0609020204030204" pitchFamily="49" charset="0"/>
+                <a:ea typeface="Yu Mincho" panose="02020400000000000000" pitchFamily="18" charset="-128"/>
+                <a:cs typeface="Consolas" panose="020B0609020204030204" pitchFamily="49" charset="0"/>
+              </a:rPr>
+              <a:t> </a:t>
+            </a:r>
+            <a:r>
+              <a:rPr lang="ru-RU" sz="1400" kern="0" dirty="0" err="1">
+                <a:solidFill>
+                  <a:srgbClr val="000000"/>
+                </a:solidFill>
+                <a:latin typeface="Consolas" panose="020B0609020204030204" pitchFamily="49" charset="0"/>
+                <a:ea typeface="Yu Mincho" panose="02020400000000000000" pitchFamily="18" charset="-128"/>
+                <a:cs typeface="Consolas" panose="020B0609020204030204" pitchFamily="49" charset="0"/>
+              </a:rPr>
+              <a:t>m_rateChangeSignal</a:t>
+            </a:r>
+            <a:r>
+              <a:rPr lang="ru-RU" sz="1400" kern="0" dirty="0">
+                <a:solidFill>
+                  <a:srgbClr val="000000"/>
+                </a:solidFill>
+                <a:latin typeface="Consolas" panose="020B0609020204030204" pitchFamily="49" charset="0"/>
+                <a:ea typeface="Yu Mincho" panose="02020400000000000000" pitchFamily="18" charset="-128"/>
+                <a:cs typeface="Consolas" panose="020B0609020204030204" pitchFamily="49" charset="0"/>
+              </a:rPr>
+              <a:t>;</a:t>
+            </a:r>
+            <a:endParaRPr lang="ru-RU" sz="1400" kern="100" dirty="0">
+              <a:latin typeface="Calibri" panose="020F0502020204030204" pitchFamily="34" charset="0"/>
+              <a:ea typeface="Yu Mincho" panose="02020400000000000000" pitchFamily="18" charset="-128"/>
+              <a:cs typeface="Times New Roman" panose="02020603050405020304" pitchFamily="18" charset="0"/>
+            </a:endParaRPr>
+          </a:p>
+          <a:p>
+            <a:pPr>
+              <a:lnSpc>
+                <a:spcPct val="107000"/>
+              </a:lnSpc>
+              <a:spcAft>
+                <a:spcPts val="0"/>
+              </a:spcAft>
+            </a:pPr>
+            <a:r>
+              <a:rPr lang="ru-RU" sz="1400" kern="0" dirty="0">
+                <a:solidFill>
+                  <a:srgbClr val="000000"/>
+                </a:solidFill>
+                <a:latin typeface="Consolas" panose="020B0609020204030204" pitchFamily="49" charset="0"/>
+                <a:ea typeface="Yu Mincho" panose="02020400000000000000" pitchFamily="18" charset="-128"/>
+                <a:cs typeface="Consolas" panose="020B0609020204030204" pitchFamily="49" charset="0"/>
+              </a:rPr>
+              <a:t>};</a:t>
+            </a:r>
+            <a:endParaRPr lang="ru-RU" sz="1400" kern="100" dirty="0">
+              <a:effectLst/>
+              <a:latin typeface="Calibri" panose="020F0502020204030204" pitchFamily="34" charset="0"/>
+              <a:ea typeface="Yu Mincho" panose="02020400000000000000" pitchFamily="18" charset="-128"/>
+              <a:cs typeface="Times New Roman" panose="02020603050405020304" pitchFamily="18" charset="0"/>
+            </a:endParaRPr>
+          </a:p>
+        </p:txBody>
+      </p:sp>
+    </p:spTree>
+    <p:extLst>
+      <p:ext uri="{BB962C8B-B14F-4D97-AF65-F5344CB8AC3E}">
+        <p14:creationId xmlns:p14="http://schemas.microsoft.com/office/powerpoint/2010/main" val="287855026"/>
+      </p:ext>
+    </p:extLst>
+  </p:cSld>
+  <p:clrMapOvr>
+    <a:masterClrMapping/>
+  </p:clrMapOvr>
+  <p:timing>
+    <p:tnLst>
+      <p:par>
+        <p:cTn id="1" dur="indefinite" restart="never" nodeType="tmRoot">
+          <p:childTnLst>
+            <p:seq concurrent="1" nextAc="seek">
+              <p:cTn id="2" dur="indefinite" nodeType="mainSeq">
+                <p:childTnLst>
+                  <p:par>
+                    <p:cTn id="3" fill="hold">
+                      <p:stCondLst>
+                        <p:cond delay="indefinite"/>
+                      </p:stCondLst>
+                      <p:childTnLst>
+                        <p:par>
+                          <p:cTn id="4" fill="hold">
+                            <p:stCondLst>
+                              <p:cond delay="0"/>
+                            </p:stCondLst>
+                            <p:childTnLst>
+                              <p:par>
+                                <p:cTn id="5" presetID="10" presetClass="entr" presetSubtype="0" fill="hold" nodeType="clickEffect">
+                                  <p:stCondLst>
+                                    <p:cond delay="0"/>
+                                  </p:stCondLst>
+                                  <p:childTnLst>
+                                    <p:set>
+                                      <p:cBhvr>
+                                        <p:cTn id="6" dur="1" fill="hold">
+                                          <p:stCondLst>
+                                            <p:cond delay="0"/>
+                                          </p:stCondLst>
+                                        </p:cTn>
+                                        <p:tgtEl>
+                                          <p:spTgt spid="2">
+                                            <p:txEl>
+                                              <p:pRg st="2" end="2"/>
+                                            </p:txEl>
+                                          </p:spTgt>
+                                        </p:tgtEl>
+                                        <p:attrNameLst>
+                                          <p:attrName>style.visibility</p:attrName>
+                                        </p:attrNameLst>
+                                      </p:cBhvr>
+                                      <p:to>
+                                        <p:strVal val="visible"/>
+                                      </p:to>
+                                    </p:set>
+                                    <p:animEffect transition="in" filter="fade">
+                                      <p:cBhvr>
+                                        <p:cTn id="7" dur="500"/>
+                                        <p:tgtEl>
+                                          <p:spTgt spid="2">
+                                            <p:txEl>
+                                              <p:pRg st="2" end="2"/>
+                                            </p:txEl>
+                                          </p:spTgt>
+                                        </p:tgtEl>
+                                      </p:cBhvr>
+                                    </p:animEffect>
+                                  </p:childTnLst>
+                                </p:cTn>
+                              </p:par>
+                              <p:par>
+                                <p:cTn id="8" presetID="10" presetClass="entr" presetSubtype="0" fill="hold" nodeType="withEffect">
+                                  <p:stCondLst>
+                                    <p:cond delay="0"/>
+                                  </p:stCondLst>
+                                  <p:childTnLst>
+                                    <p:set>
+                                      <p:cBhvr>
+                                        <p:cTn id="9" dur="1" fill="hold">
+                                          <p:stCondLst>
+                                            <p:cond delay="0"/>
+                                          </p:stCondLst>
+                                        </p:cTn>
+                                        <p:tgtEl>
+                                          <p:spTgt spid="2">
+                                            <p:txEl>
+                                              <p:pRg st="3" end="3"/>
+                                            </p:txEl>
+                                          </p:spTgt>
+                                        </p:tgtEl>
+                                        <p:attrNameLst>
+                                          <p:attrName>style.visibility</p:attrName>
+                                        </p:attrNameLst>
+                                      </p:cBhvr>
+                                      <p:to>
+                                        <p:strVal val="visible"/>
+                                      </p:to>
+                                    </p:set>
+                                    <p:animEffect transition="in" filter="fade">
+                                      <p:cBhvr>
+                                        <p:cTn id="10" dur="500"/>
+                                        <p:tgtEl>
+                                          <p:spTgt spid="2">
+                                            <p:txEl>
+                                              <p:pRg st="3" end="3"/>
+                                            </p:txEl>
+                                          </p:spTgt>
+                                        </p:tgtEl>
+                                      </p:cBhvr>
+                                    </p:animEffect>
+                                  </p:childTnLst>
+                                </p:cTn>
+                              </p:par>
+                              <p:par>
+                                <p:cTn id="11" presetID="10" presetClass="entr" presetSubtype="0" fill="hold" nodeType="withEffect">
+                                  <p:stCondLst>
+                                    <p:cond delay="0"/>
+                                  </p:stCondLst>
+                                  <p:childTnLst>
+                                    <p:set>
+                                      <p:cBhvr>
+                                        <p:cTn id="12" dur="1" fill="hold">
+                                          <p:stCondLst>
+                                            <p:cond delay="0"/>
+                                          </p:stCondLst>
+                                        </p:cTn>
+                                        <p:tgtEl>
+                                          <p:spTgt spid="2">
+                                            <p:txEl>
+                                              <p:pRg st="4" end="4"/>
+                                            </p:txEl>
+                                          </p:spTgt>
+                                        </p:tgtEl>
+                                        <p:attrNameLst>
+                                          <p:attrName>style.visibility</p:attrName>
+                                        </p:attrNameLst>
+                                      </p:cBhvr>
+                                      <p:to>
+                                        <p:strVal val="visible"/>
+                                      </p:to>
+                                    </p:set>
+                                    <p:animEffect transition="in" filter="fade">
+                                      <p:cBhvr>
+                                        <p:cTn id="13" dur="500"/>
+                                        <p:tgtEl>
+                                          <p:spTgt spid="2">
+                                            <p:txEl>
+                                              <p:pRg st="4" end="4"/>
+                                            </p:txEl>
+                                          </p:spTgt>
+                                        </p:tgtEl>
+                                      </p:cBhvr>
+                                    </p:animEffect>
+                                  </p:childTnLst>
+                                </p:cTn>
+                              </p:par>
+                              <p:par>
+                                <p:cTn id="14" presetID="10" presetClass="entr" presetSubtype="0" fill="hold" nodeType="withEffect">
+                                  <p:stCondLst>
+                                    <p:cond delay="0"/>
+                                  </p:stCondLst>
+                                  <p:childTnLst>
+                                    <p:set>
+                                      <p:cBhvr>
+                                        <p:cTn id="15" dur="1" fill="hold">
+                                          <p:stCondLst>
+                                            <p:cond delay="0"/>
+                                          </p:stCondLst>
+                                        </p:cTn>
+                                        <p:tgtEl>
+                                          <p:spTgt spid="2">
+                                            <p:txEl>
+                                              <p:pRg st="5" end="5"/>
+                                            </p:txEl>
+                                          </p:spTgt>
+                                        </p:tgtEl>
+                                        <p:attrNameLst>
+                                          <p:attrName>style.visibility</p:attrName>
+                                        </p:attrNameLst>
+                                      </p:cBhvr>
+                                      <p:to>
+                                        <p:strVal val="visible"/>
+                                      </p:to>
+                                    </p:set>
+                                    <p:animEffect transition="in" filter="fade">
+                                      <p:cBhvr>
+                                        <p:cTn id="16" dur="500"/>
+                                        <p:tgtEl>
+                                          <p:spTgt spid="2">
+                                            <p:txEl>
+                                              <p:pRg st="5" end="5"/>
+                                            </p:txEl>
+                                          </p:spTgt>
+                                        </p:tgtEl>
+                                      </p:cBhvr>
+                                    </p:animEffect>
+                                  </p:childTnLst>
+                                </p:cTn>
+                              </p:par>
+                              <p:par>
+                                <p:cTn id="17" presetID="10" presetClass="entr" presetSubtype="0" fill="hold" nodeType="withEffect">
+                                  <p:stCondLst>
+                                    <p:cond delay="0"/>
+                                  </p:stCondLst>
+                                  <p:childTnLst>
+                                    <p:set>
+                                      <p:cBhvr>
+                                        <p:cTn id="18" dur="1" fill="hold">
+                                          <p:stCondLst>
+                                            <p:cond delay="0"/>
+                                          </p:stCondLst>
+                                        </p:cTn>
+                                        <p:tgtEl>
+                                          <p:spTgt spid="2">
+                                            <p:txEl>
+                                              <p:pRg st="6" end="6"/>
+                                            </p:txEl>
+                                          </p:spTgt>
+                                        </p:tgtEl>
+                                        <p:attrNameLst>
+                                          <p:attrName>style.visibility</p:attrName>
+                                        </p:attrNameLst>
+                                      </p:cBhvr>
+                                      <p:to>
+                                        <p:strVal val="visible"/>
+                                      </p:to>
+                                    </p:set>
+                                    <p:animEffect transition="in" filter="fade">
+                                      <p:cBhvr>
+                                        <p:cTn id="19" dur="500"/>
+                                        <p:tgtEl>
+                                          <p:spTgt spid="2">
+                                            <p:txEl>
+                                              <p:pRg st="6" end="6"/>
+                                            </p:txEl>
+                                          </p:spTgt>
+                                        </p:tgtEl>
+                                      </p:cBhvr>
+                                    </p:animEffect>
+                                  </p:childTnLst>
+                                </p:cTn>
+                              </p:par>
+                              <p:par>
+                                <p:cTn id="20" presetID="10" presetClass="entr" presetSubtype="0" fill="hold" nodeType="withEffect">
+                                  <p:stCondLst>
+                                    <p:cond delay="0"/>
+                                  </p:stCondLst>
+                                  <p:childTnLst>
+                                    <p:set>
+                                      <p:cBhvr>
+                                        <p:cTn id="21" dur="1" fill="hold">
+                                          <p:stCondLst>
+                                            <p:cond delay="0"/>
+                                          </p:stCondLst>
+                                        </p:cTn>
+                                        <p:tgtEl>
+                                          <p:spTgt spid="2">
+                                            <p:txEl>
+                                              <p:pRg st="7" end="7"/>
+                                            </p:txEl>
+                                          </p:spTgt>
+                                        </p:tgtEl>
+                                        <p:attrNameLst>
+                                          <p:attrName>style.visibility</p:attrName>
+                                        </p:attrNameLst>
+                                      </p:cBhvr>
+                                      <p:to>
+                                        <p:strVal val="visible"/>
+                                      </p:to>
+                                    </p:set>
+                                    <p:animEffect transition="in" filter="fade">
+                                      <p:cBhvr>
+                                        <p:cTn id="22" dur="500"/>
+                                        <p:tgtEl>
+                                          <p:spTgt spid="2">
+                                            <p:txEl>
+                                              <p:pRg st="7" end="7"/>
+                                            </p:txEl>
+                                          </p:spTgt>
+                                        </p:tgtEl>
+                                      </p:cBhvr>
+                                    </p:animEffect>
+                                  </p:childTnLst>
+                                </p:cTn>
+                              </p:par>
+                            </p:childTnLst>
+                          </p:cTn>
+                        </p:par>
+                      </p:childTnLst>
+                    </p:cTn>
+                  </p:par>
+                  <p:par>
+                    <p:cTn id="23" fill="hold">
+                      <p:stCondLst>
+                        <p:cond delay="indefinite"/>
+                      </p:stCondLst>
+                      <p:childTnLst>
+                        <p:par>
+                          <p:cTn id="24" fill="hold">
+                            <p:stCondLst>
+                              <p:cond delay="0"/>
+                            </p:stCondLst>
+                            <p:childTnLst>
+                              <p:par>
+                                <p:cTn id="25" presetID="10" presetClass="entr" presetSubtype="0" fill="hold" nodeType="clickEffect">
+                                  <p:stCondLst>
+                                    <p:cond delay="0"/>
+                                  </p:stCondLst>
+                                  <p:childTnLst>
+                                    <p:set>
+                                      <p:cBhvr>
+                                        <p:cTn id="26" dur="1" fill="hold">
+                                          <p:stCondLst>
+                                            <p:cond delay="0"/>
+                                          </p:stCondLst>
+                                        </p:cTn>
+                                        <p:tgtEl>
+                                          <p:spTgt spid="2">
+                                            <p:txEl>
+                                              <p:pRg st="9" end="9"/>
+                                            </p:txEl>
+                                          </p:spTgt>
+                                        </p:tgtEl>
+                                        <p:attrNameLst>
+                                          <p:attrName>style.visibility</p:attrName>
+                                        </p:attrNameLst>
+                                      </p:cBhvr>
+                                      <p:to>
+                                        <p:strVal val="visible"/>
+                                      </p:to>
+                                    </p:set>
+                                    <p:animEffect transition="in" filter="fade">
+                                      <p:cBhvr>
+                                        <p:cTn id="27" dur="500"/>
+                                        <p:tgtEl>
+                                          <p:spTgt spid="2">
+                                            <p:txEl>
+                                              <p:pRg st="9" end="9"/>
+                                            </p:txEl>
+                                          </p:spTgt>
+                                        </p:tgtEl>
+                                      </p:cBhvr>
+                                    </p:animEffect>
+                                  </p:childTnLst>
+                                </p:cTn>
+                              </p:par>
+                              <p:par>
+                                <p:cTn id="28" presetID="10" presetClass="entr" presetSubtype="0" fill="hold" nodeType="withEffect">
+                                  <p:stCondLst>
+                                    <p:cond delay="0"/>
+                                  </p:stCondLst>
+                                  <p:childTnLst>
+                                    <p:set>
+                                      <p:cBhvr>
+                                        <p:cTn id="29" dur="1" fill="hold">
+                                          <p:stCondLst>
+                                            <p:cond delay="0"/>
+                                          </p:stCondLst>
+                                        </p:cTn>
+                                        <p:tgtEl>
+                                          <p:spTgt spid="2">
+                                            <p:txEl>
+                                              <p:pRg st="10" end="10"/>
+                                            </p:txEl>
+                                          </p:spTgt>
+                                        </p:tgtEl>
+                                        <p:attrNameLst>
+                                          <p:attrName>style.visibility</p:attrName>
+                                        </p:attrNameLst>
+                                      </p:cBhvr>
+                                      <p:to>
+                                        <p:strVal val="visible"/>
+                                      </p:to>
+                                    </p:set>
+                                    <p:animEffect transition="in" filter="fade">
+                                      <p:cBhvr>
+                                        <p:cTn id="30" dur="500"/>
+                                        <p:tgtEl>
+                                          <p:spTgt spid="2">
+                                            <p:txEl>
+                                              <p:pRg st="10" end="10"/>
+                                            </p:txEl>
+                                          </p:spTgt>
+                                        </p:tgtEl>
+                                      </p:cBhvr>
+                                    </p:animEffect>
+                                  </p:childTnLst>
+                                </p:cTn>
+                              </p:par>
+                              <p:par>
+                                <p:cTn id="31" presetID="10" presetClass="entr" presetSubtype="0" fill="hold" nodeType="withEffect">
+                                  <p:stCondLst>
+                                    <p:cond delay="0"/>
+                                  </p:stCondLst>
+                                  <p:childTnLst>
+                                    <p:set>
+                                      <p:cBhvr>
+                                        <p:cTn id="32" dur="1" fill="hold">
+                                          <p:stCondLst>
+                                            <p:cond delay="0"/>
+                                          </p:stCondLst>
+                                        </p:cTn>
+                                        <p:tgtEl>
+                                          <p:spTgt spid="2">
+                                            <p:txEl>
+                                              <p:pRg st="11" end="11"/>
+                                            </p:txEl>
+                                          </p:spTgt>
+                                        </p:tgtEl>
+                                        <p:attrNameLst>
+                                          <p:attrName>style.visibility</p:attrName>
+                                        </p:attrNameLst>
+                                      </p:cBhvr>
+                                      <p:to>
+                                        <p:strVal val="visible"/>
+                                      </p:to>
+                                    </p:set>
+                                    <p:animEffect transition="in" filter="fade">
+                                      <p:cBhvr>
+                                        <p:cTn id="33" dur="500"/>
+                                        <p:tgtEl>
+                                          <p:spTgt spid="2">
+                                            <p:txEl>
+                                              <p:pRg st="11" end="11"/>
+                                            </p:txEl>
+                                          </p:spTgt>
+                                        </p:tgtEl>
+                                      </p:cBhvr>
+                                    </p:animEffect>
+                                  </p:childTnLst>
+                                </p:cTn>
+                              </p:par>
+                            </p:childTnLst>
+                          </p:cTn>
+                        </p:par>
+                      </p:childTnLst>
+                    </p:cTn>
+                  </p:par>
+                  <p:par>
+                    <p:cTn id="34" fill="hold">
+                      <p:stCondLst>
+                        <p:cond delay="indefinite"/>
+                      </p:stCondLst>
+                      <p:childTnLst>
+                        <p:par>
+                          <p:cTn id="35" fill="hold">
+                            <p:stCondLst>
+                              <p:cond delay="0"/>
+                            </p:stCondLst>
+                            <p:childTnLst>
+                              <p:par>
+                                <p:cTn id="36" presetID="10" presetClass="entr" presetSubtype="0" fill="hold" nodeType="clickEffect">
+                                  <p:stCondLst>
+                                    <p:cond delay="0"/>
+                                  </p:stCondLst>
+                                  <p:childTnLst>
+                                    <p:set>
+                                      <p:cBhvr>
+                                        <p:cTn id="37" dur="1" fill="hold">
+                                          <p:stCondLst>
+                                            <p:cond delay="0"/>
+                                          </p:stCondLst>
+                                        </p:cTn>
+                                        <p:tgtEl>
+                                          <p:spTgt spid="2">
+                                            <p:txEl>
+                                              <p:pRg st="13" end="13"/>
+                                            </p:txEl>
+                                          </p:spTgt>
+                                        </p:tgtEl>
+                                        <p:attrNameLst>
+                                          <p:attrName>style.visibility</p:attrName>
+                                        </p:attrNameLst>
+                                      </p:cBhvr>
+                                      <p:to>
+                                        <p:strVal val="visible"/>
+                                      </p:to>
+                                    </p:set>
+                                    <p:animEffect transition="in" filter="fade">
+                                      <p:cBhvr>
+                                        <p:cTn id="38" dur="500"/>
+                                        <p:tgtEl>
+                                          <p:spTgt spid="2">
+                                            <p:txEl>
+                                              <p:pRg st="13" end="13"/>
+                                            </p:txEl>
+                                          </p:spTgt>
+                                        </p:tgtEl>
+                                      </p:cBhvr>
+                                    </p:animEffect>
+                                  </p:childTnLst>
+                                </p:cTn>
+                              </p:par>
+                              <p:par>
+                                <p:cTn id="39" presetID="10" presetClass="entr" presetSubtype="0" fill="hold" nodeType="withEffect">
+                                  <p:stCondLst>
+                                    <p:cond delay="0"/>
+                                  </p:stCondLst>
+                                  <p:childTnLst>
+                                    <p:set>
+                                      <p:cBhvr>
+                                        <p:cTn id="40" dur="1" fill="hold">
+                                          <p:stCondLst>
+                                            <p:cond delay="0"/>
+                                          </p:stCondLst>
+                                        </p:cTn>
+                                        <p:tgtEl>
+                                          <p:spTgt spid="2">
+                                            <p:txEl>
+                                              <p:pRg st="14" end="14"/>
+                                            </p:txEl>
+                                          </p:spTgt>
+                                        </p:tgtEl>
+                                        <p:attrNameLst>
+                                          <p:attrName>style.visibility</p:attrName>
+                                        </p:attrNameLst>
+                                      </p:cBhvr>
+                                      <p:to>
+                                        <p:strVal val="visible"/>
+                                      </p:to>
+                                    </p:set>
+                                    <p:animEffect transition="in" filter="fade">
+                                      <p:cBhvr>
+                                        <p:cTn id="41" dur="500"/>
+                                        <p:tgtEl>
+                                          <p:spTgt spid="2">
+                                            <p:txEl>
+                                              <p:pRg st="14" end="14"/>
+                                            </p:txEl>
+                                          </p:spTgt>
+                                        </p:tgtEl>
+                                      </p:cBhvr>
+                                    </p:animEffect>
+                                  </p:childTnLst>
+                                </p:cTn>
+                              </p:par>
+                              <p:par>
+                                <p:cTn id="42" presetID="10" presetClass="entr" presetSubtype="0" fill="hold" nodeType="withEffect">
+                                  <p:stCondLst>
+                                    <p:cond delay="0"/>
+                                  </p:stCondLst>
+                                  <p:childTnLst>
+                                    <p:set>
+                                      <p:cBhvr>
+                                        <p:cTn id="43" dur="1" fill="hold">
+                                          <p:stCondLst>
+                                            <p:cond delay="0"/>
+                                          </p:stCondLst>
+                                        </p:cTn>
+                                        <p:tgtEl>
+                                          <p:spTgt spid="2">
+                                            <p:txEl>
+                                              <p:pRg st="15" end="15"/>
+                                            </p:txEl>
+                                          </p:spTgt>
+                                        </p:tgtEl>
+                                        <p:attrNameLst>
+                                          <p:attrName>style.visibility</p:attrName>
+                                        </p:attrNameLst>
+                                      </p:cBhvr>
+                                      <p:to>
+                                        <p:strVal val="visible"/>
+                                      </p:to>
+                                    </p:set>
+                                    <p:animEffect transition="in" filter="fade">
+                                      <p:cBhvr>
+                                        <p:cTn id="44" dur="500"/>
+                                        <p:tgtEl>
+                                          <p:spTgt spid="2">
+                                            <p:txEl>
+                                              <p:pRg st="15" end="15"/>
+                                            </p:txEl>
+                                          </p:spTgt>
+                                        </p:tgtEl>
+                                      </p:cBhvr>
+                                    </p:animEffect>
+                                  </p:childTnLst>
+                                </p:cTn>
+                              </p:par>
+                            </p:childTnLst>
+                          </p:cTn>
+                        </p:par>
+                      </p:childTnLst>
+                    </p:cTn>
+                  </p:par>
+                </p:childTnLst>
+              </p:cTn>
+              <p:prevCondLst>
+                <p:cond evt="onPrev" delay="0">
+                  <p:tgtEl>
+                    <p:sldTgt/>
+                  </p:tgtEl>
+                </p:cond>
+              </p:prevCondLst>
+              <p:nextCondLst>
+                <p:cond evt="onNext" delay="0">
+                  <p:tgtEl>
+                    <p:sldTgt/>
+                  </p:tgtEl>
+                </p:cond>
+              </p:nextCondLst>
+            </p:seq>
+          </p:childTnLst>
+        </p:cTn>
+      </p:par>
+    </p:tnLst>
+  </p:timing>
+</p:sld>
+</file>
+
+<file path=ppt/slides/slide48.xml><?xml version="1.0" encoding="utf-8"?>
+<p:sld xmlns:a="http://schemas.openxmlformats.org/drawingml/2006/main" xmlns:r="http://schemas.openxmlformats.org/officeDocument/2006/relationships" xmlns:p="http://schemas.openxmlformats.org/presentationml/2006/main">
+  <p:cSld>
+    <p:spTree>
+      <p:nvGrpSpPr>
+        <p:cNvPr id="1" name=""/>
+        <p:cNvGrpSpPr/>
+        <p:nvPr/>
+      </p:nvGrpSpPr>
+      <p:grpSpPr>
+        <a:xfrm>
+          <a:off x="0" y="0"/>
+          <a:ext cx="0" cy="0"/>
+          <a:chOff x="0" y="0"/>
+          <a:chExt cx="0" cy="0"/>
+        </a:xfrm>
+      </p:grpSpPr>
+      <p:sp>
+        <p:nvSpPr>
+          <p:cNvPr id="3" name="Rectangle 2">
+            <a:extLst>
+              <a:ext uri="{FF2B5EF4-FFF2-40B4-BE49-F238E27FC236}">
+                <a16:creationId xmlns:a16="http://schemas.microsoft.com/office/drawing/2014/main" id="{BD7904F1-C25A-4740-807C-4214CD341A44}"/>
+              </a:ext>
+            </a:extLst>
+          </p:cNvPr>
+          <p:cNvSpPr/>
+          <p:nvPr/>
+        </p:nvSpPr>
+        <p:spPr>
+          <a:xfrm>
+            <a:off x="0" y="1484784"/>
+            <a:ext cx="9073008" cy="5153142"/>
+          </a:xfrm>
+          <a:prstGeom prst="rect">
+            <a:avLst/>
+          </a:prstGeom>
+        </p:spPr>
+        <p:txBody>
+          <a:bodyPr wrap="square">
+            <a:spAutoFit/>
+          </a:bodyPr>
+          <a:lstStyle/>
+          <a:p>
+            <a:pPr>
+              <a:lnSpc>
+                <a:spcPct val="107000"/>
+              </a:lnSpc>
+              <a:spcAft>
+                <a:spcPts val="0"/>
+              </a:spcAft>
+            </a:pPr>
+            <a:r>
+              <a:rPr lang="ru-RU" sz="1400" kern="0" dirty="0" err="1">
+                <a:solidFill>
+                  <a:srgbClr val="0000FF"/>
+                </a:solidFill>
+                <a:latin typeface="Consolas" panose="020B0609020204030204" pitchFamily="49" charset="0"/>
+                <a:ea typeface="Yu Mincho" panose="02020400000000000000" pitchFamily="18" charset="-128"/>
+                <a:cs typeface="Consolas" panose="020B0609020204030204" pitchFamily="49" charset="0"/>
+              </a:rPr>
+              <a:t>class</a:t>
+            </a:r>
+            <a:r>
+              <a:rPr lang="ru-RU" sz="1400" kern="0" dirty="0">
+                <a:solidFill>
+                  <a:srgbClr val="000000"/>
+                </a:solidFill>
+                <a:latin typeface="Consolas" panose="020B0609020204030204" pitchFamily="49" charset="0"/>
+                <a:ea typeface="Yu Mincho" panose="02020400000000000000" pitchFamily="18" charset="-128"/>
+                <a:cs typeface="Consolas" panose="020B0609020204030204" pitchFamily="49" charset="0"/>
+              </a:rPr>
+              <a:t> </a:t>
+            </a:r>
+            <a:r>
+              <a:rPr lang="ru-RU" sz="1400" kern="0" dirty="0" err="1">
+                <a:solidFill>
+                  <a:srgbClr val="2B91AF"/>
+                </a:solidFill>
+                <a:latin typeface="Consolas" panose="020B0609020204030204" pitchFamily="49" charset="0"/>
+                <a:ea typeface="Yu Mincho" panose="02020400000000000000" pitchFamily="18" charset="-128"/>
+                <a:cs typeface="Consolas" panose="020B0609020204030204" pitchFamily="49" charset="0"/>
+              </a:rPr>
+              <a:t>AverageCurrencyRateMonitor</a:t>
+            </a:r>
+            <a:r>
+              <a:rPr lang="ru-RU" sz="1400" kern="0" dirty="0">
+                <a:solidFill>
+                  <a:srgbClr val="000000"/>
+                </a:solidFill>
+                <a:latin typeface="Consolas" panose="020B0609020204030204" pitchFamily="49" charset="0"/>
+                <a:ea typeface="Yu Mincho" panose="02020400000000000000" pitchFamily="18" charset="-128"/>
+                <a:cs typeface="Consolas" panose="020B0609020204030204" pitchFamily="49" charset="0"/>
+              </a:rPr>
+              <a:t> {</a:t>
+            </a:r>
+            <a:endParaRPr lang="ru-RU" sz="1400" kern="100" dirty="0">
+              <a:latin typeface="Calibri" panose="020F0502020204030204" pitchFamily="34" charset="0"/>
+              <a:ea typeface="Yu Mincho" panose="02020400000000000000" pitchFamily="18" charset="-128"/>
+              <a:cs typeface="Times New Roman" panose="02020603050405020304" pitchFamily="18" charset="0"/>
+            </a:endParaRPr>
+          </a:p>
+          <a:p>
+            <a:pPr>
+              <a:lnSpc>
+                <a:spcPct val="107000"/>
+              </a:lnSpc>
+              <a:spcAft>
+                <a:spcPts val="0"/>
+              </a:spcAft>
+            </a:pPr>
+            <a:r>
+              <a:rPr lang="ru-RU" sz="1400" kern="0" dirty="0" err="1">
+                <a:solidFill>
+                  <a:srgbClr val="0000FF"/>
+                </a:solidFill>
+                <a:latin typeface="Consolas" panose="020B0609020204030204" pitchFamily="49" charset="0"/>
+                <a:ea typeface="Yu Mincho" panose="02020400000000000000" pitchFamily="18" charset="-128"/>
+                <a:cs typeface="Consolas" panose="020B0609020204030204" pitchFamily="49" charset="0"/>
+              </a:rPr>
+              <a:t>public</a:t>
+            </a:r>
+            <a:r>
+              <a:rPr lang="ru-RU" sz="1400" kern="0" dirty="0">
+                <a:solidFill>
+                  <a:srgbClr val="000000"/>
+                </a:solidFill>
+                <a:latin typeface="Consolas" panose="020B0609020204030204" pitchFamily="49" charset="0"/>
+                <a:ea typeface="Yu Mincho" panose="02020400000000000000" pitchFamily="18" charset="-128"/>
+                <a:cs typeface="Consolas" panose="020B0609020204030204" pitchFamily="49" charset="0"/>
+              </a:rPr>
+              <a:t>:</a:t>
+            </a:r>
+            <a:endParaRPr lang="ru-RU" sz="1400" kern="100" dirty="0">
+              <a:latin typeface="Calibri" panose="020F0502020204030204" pitchFamily="34" charset="0"/>
+              <a:ea typeface="Yu Mincho" panose="02020400000000000000" pitchFamily="18" charset="-128"/>
+              <a:cs typeface="Times New Roman" panose="02020603050405020304" pitchFamily="18" charset="0"/>
+            </a:endParaRPr>
+          </a:p>
+          <a:p>
+            <a:pPr>
+              <a:lnSpc>
+                <a:spcPct val="107000"/>
+              </a:lnSpc>
+              <a:spcAft>
+                <a:spcPts val="0"/>
+              </a:spcAft>
+            </a:pPr>
+            <a:r>
+              <a:rPr lang="ru-RU" sz="1400" kern="0" dirty="0">
+                <a:solidFill>
+                  <a:srgbClr val="000000"/>
+                </a:solidFill>
+                <a:latin typeface="Consolas" panose="020B0609020204030204" pitchFamily="49" charset="0"/>
+                <a:ea typeface="Yu Mincho" panose="02020400000000000000" pitchFamily="18" charset="-128"/>
+                <a:cs typeface="Consolas" panose="020B0609020204030204" pitchFamily="49" charset="0"/>
+              </a:rPr>
+              <a:t>  </a:t>
+            </a:r>
+            <a:r>
+              <a:rPr lang="ru-RU" sz="1400" kern="0" dirty="0" err="1">
+                <a:solidFill>
+                  <a:srgbClr val="000000"/>
+                </a:solidFill>
+                <a:latin typeface="Consolas" panose="020B0609020204030204" pitchFamily="49" charset="0"/>
+                <a:ea typeface="Yu Mincho" panose="02020400000000000000" pitchFamily="18" charset="-128"/>
+                <a:cs typeface="Consolas" panose="020B0609020204030204" pitchFamily="49" charset="0"/>
+              </a:rPr>
+              <a:t>AverageCurrencyRateMonitor</a:t>
+            </a:r>
+            <a:r>
+              <a:rPr lang="ru-RU" sz="1400" kern="0" dirty="0">
+                <a:solidFill>
+                  <a:srgbClr val="000000"/>
+                </a:solidFill>
+                <a:latin typeface="Consolas" panose="020B0609020204030204" pitchFamily="49" charset="0"/>
+                <a:ea typeface="Yu Mincho" panose="02020400000000000000" pitchFamily="18" charset="-128"/>
+                <a:cs typeface="Consolas" panose="020B0609020204030204" pitchFamily="49" charset="0"/>
+              </a:rPr>
+              <a:t>(</a:t>
+            </a:r>
+            <a:r>
+              <a:rPr lang="ru-RU" sz="1400" kern="0" dirty="0" err="1">
+                <a:solidFill>
+                  <a:srgbClr val="2B91AF"/>
+                </a:solidFill>
+                <a:latin typeface="Consolas" panose="020B0609020204030204" pitchFamily="49" charset="0"/>
+                <a:ea typeface="Yu Mincho" panose="02020400000000000000" pitchFamily="18" charset="-128"/>
+                <a:cs typeface="Consolas" panose="020B0609020204030204" pitchFamily="49" charset="0"/>
+              </a:rPr>
+              <a:t>ICurrencyRate</a:t>
+            </a:r>
+            <a:r>
+              <a:rPr lang="ru-RU" sz="1400" kern="0" dirty="0">
+                <a:solidFill>
+                  <a:srgbClr val="000000"/>
+                </a:solidFill>
+                <a:latin typeface="Consolas" panose="020B0609020204030204" pitchFamily="49" charset="0"/>
+                <a:ea typeface="Yu Mincho" panose="02020400000000000000" pitchFamily="18" charset="-128"/>
+                <a:cs typeface="Consolas" panose="020B0609020204030204" pitchFamily="49" charset="0"/>
+              </a:rPr>
+              <a:t> &amp; </a:t>
+            </a:r>
+            <a:r>
+              <a:rPr lang="ru-RU" sz="1400" kern="0" dirty="0" err="1">
+                <a:solidFill>
+                  <a:srgbClr val="808080"/>
+                </a:solidFill>
+                <a:latin typeface="Consolas" panose="020B0609020204030204" pitchFamily="49" charset="0"/>
+                <a:ea typeface="Yu Mincho" panose="02020400000000000000" pitchFamily="18" charset="-128"/>
+                <a:cs typeface="Consolas" panose="020B0609020204030204" pitchFamily="49" charset="0"/>
+              </a:rPr>
+              <a:t>cr</a:t>
+            </a:r>
+            <a:r>
+              <a:rPr lang="ru-RU" sz="1400" kern="0" dirty="0">
+                <a:solidFill>
+                  <a:srgbClr val="000000"/>
+                </a:solidFill>
+                <a:latin typeface="Consolas" panose="020B0609020204030204" pitchFamily="49" charset="0"/>
+                <a:ea typeface="Yu Mincho" panose="02020400000000000000" pitchFamily="18" charset="-128"/>
+                <a:cs typeface="Consolas" panose="020B0609020204030204" pitchFamily="49" charset="0"/>
+              </a:rPr>
+              <a:t>) {</a:t>
+            </a:r>
+            <a:endParaRPr lang="ru-RU" sz="1400" kern="100" dirty="0">
+              <a:latin typeface="Calibri" panose="020F0502020204030204" pitchFamily="34" charset="0"/>
+              <a:ea typeface="Yu Mincho" panose="02020400000000000000" pitchFamily="18" charset="-128"/>
+              <a:cs typeface="Times New Roman" panose="02020603050405020304" pitchFamily="18" charset="0"/>
+            </a:endParaRPr>
+          </a:p>
+          <a:p>
+            <a:pPr>
+              <a:lnSpc>
+                <a:spcPct val="107000"/>
+              </a:lnSpc>
+              <a:spcAft>
+                <a:spcPts val="0"/>
+              </a:spcAft>
+            </a:pPr>
+            <a:r>
+              <a:rPr lang="ru-RU" sz="1400" kern="0" dirty="0">
+                <a:solidFill>
+                  <a:srgbClr val="000000"/>
+                </a:solidFill>
+                <a:latin typeface="Consolas" panose="020B0609020204030204" pitchFamily="49" charset="0"/>
+                <a:ea typeface="Yu Mincho" panose="02020400000000000000" pitchFamily="18" charset="-128"/>
+                <a:cs typeface="Consolas" panose="020B0609020204030204" pitchFamily="49" charset="0"/>
+              </a:rPr>
+              <a:t>    m_</a:t>
+            </a:r>
+            <a:r>
+              <a:rPr lang="en-US" sz="1400" kern="0" dirty="0">
+                <a:solidFill>
+                  <a:srgbClr val="000000"/>
+                </a:solidFill>
+                <a:latin typeface="Consolas" panose="020B0609020204030204" pitchFamily="49" charset="0"/>
+                <a:ea typeface="Yu Mincho" panose="02020400000000000000" pitchFamily="18" charset="-128"/>
+                <a:cs typeface="Consolas" panose="020B0609020204030204" pitchFamily="49" charset="0"/>
+              </a:rPr>
+              <a:t>con</a:t>
+            </a:r>
+            <a:r>
+              <a:rPr lang="ru-RU" sz="1400" kern="0" dirty="0">
+                <a:solidFill>
+                  <a:srgbClr val="000000"/>
+                </a:solidFill>
+                <a:latin typeface="Consolas" panose="020B0609020204030204" pitchFamily="49" charset="0"/>
+                <a:ea typeface="Yu Mincho" panose="02020400000000000000" pitchFamily="18" charset="-128"/>
+                <a:cs typeface="Consolas" panose="020B0609020204030204" pitchFamily="49" charset="0"/>
+              </a:rPr>
+              <a:t>n = </a:t>
+            </a:r>
+            <a:r>
+              <a:rPr lang="ru-RU" sz="1400" kern="0" dirty="0" err="1">
+                <a:solidFill>
+                  <a:srgbClr val="808080"/>
+                </a:solidFill>
+                <a:latin typeface="Consolas" panose="020B0609020204030204" pitchFamily="49" charset="0"/>
+                <a:ea typeface="Yu Mincho" panose="02020400000000000000" pitchFamily="18" charset="-128"/>
+                <a:cs typeface="Consolas" panose="020B0609020204030204" pitchFamily="49" charset="0"/>
+              </a:rPr>
+              <a:t>cr</a:t>
+            </a:r>
+            <a:r>
+              <a:rPr lang="ru-RU" sz="1400" kern="0" dirty="0" err="1">
+                <a:solidFill>
+                  <a:srgbClr val="000000"/>
+                </a:solidFill>
+                <a:latin typeface="Consolas" panose="020B0609020204030204" pitchFamily="49" charset="0"/>
+                <a:ea typeface="Yu Mincho" panose="02020400000000000000" pitchFamily="18" charset="-128"/>
+                <a:cs typeface="Consolas" panose="020B0609020204030204" pitchFamily="49" charset="0"/>
+              </a:rPr>
+              <a:t>.DoOnRateChange</a:t>
+            </a:r>
+            <a:r>
+              <a:rPr lang="ru-RU" sz="1400" kern="0" dirty="0">
+                <a:solidFill>
+                  <a:srgbClr val="000000"/>
+                </a:solidFill>
+                <a:latin typeface="Consolas" panose="020B0609020204030204" pitchFamily="49" charset="0"/>
+                <a:ea typeface="Yu Mincho" panose="02020400000000000000" pitchFamily="18" charset="-128"/>
+                <a:cs typeface="Consolas" panose="020B0609020204030204" pitchFamily="49" charset="0"/>
+              </a:rPr>
+              <a:t>(</a:t>
+            </a:r>
+            <a:endParaRPr lang="en-US" sz="1400" kern="0" dirty="0">
+              <a:solidFill>
+                <a:srgbClr val="000000"/>
+              </a:solidFill>
+              <a:latin typeface="Consolas" panose="020B0609020204030204" pitchFamily="49" charset="0"/>
+              <a:ea typeface="Yu Mincho" panose="02020400000000000000" pitchFamily="18" charset="-128"/>
+              <a:cs typeface="Consolas" panose="020B0609020204030204" pitchFamily="49" charset="0"/>
+            </a:endParaRPr>
+          </a:p>
+          <a:p>
+            <a:pPr>
+              <a:lnSpc>
+                <a:spcPct val="107000"/>
+              </a:lnSpc>
+              <a:spcAft>
+                <a:spcPts val="0"/>
+              </a:spcAft>
+            </a:pPr>
+            <a:r>
+              <a:rPr lang="en-US" sz="1400" kern="0" dirty="0">
+                <a:solidFill>
+                  <a:srgbClr val="000000"/>
+                </a:solidFill>
+                <a:latin typeface="Consolas" panose="020B0609020204030204" pitchFamily="49" charset="0"/>
+                <a:ea typeface="Yu Mincho" panose="02020400000000000000" pitchFamily="18" charset="-128"/>
+                <a:cs typeface="Consolas" panose="020B0609020204030204" pitchFamily="49" charset="0"/>
+              </a:rPr>
+              <a:t>      </a:t>
+            </a:r>
+            <a:r>
+              <a:rPr lang="ru-RU" sz="1400" kern="0" dirty="0" err="1">
+                <a:solidFill>
+                  <a:srgbClr val="000000"/>
+                </a:solidFill>
+                <a:latin typeface="Consolas" panose="020B0609020204030204" pitchFamily="49" charset="0"/>
+                <a:ea typeface="Yu Mincho" panose="02020400000000000000" pitchFamily="18" charset="-128"/>
+                <a:cs typeface="Consolas" panose="020B0609020204030204" pitchFamily="49" charset="0"/>
+              </a:rPr>
+              <a:t>bind</a:t>
+            </a:r>
+            <a:r>
+              <a:rPr lang="ru-RU" sz="1400" kern="0" dirty="0">
+                <a:solidFill>
+                  <a:srgbClr val="000000"/>
+                </a:solidFill>
+                <a:latin typeface="Consolas" panose="020B0609020204030204" pitchFamily="49" charset="0"/>
+                <a:ea typeface="Yu Mincho" panose="02020400000000000000" pitchFamily="18" charset="-128"/>
+                <a:cs typeface="Consolas" panose="020B0609020204030204" pitchFamily="49" charset="0"/>
+              </a:rPr>
+              <a:t>(&amp;</a:t>
+            </a:r>
+            <a:r>
+              <a:rPr lang="ru-RU" sz="1400" kern="0" dirty="0" err="1">
+                <a:solidFill>
+                  <a:srgbClr val="2B91AF"/>
+                </a:solidFill>
+                <a:latin typeface="Consolas" panose="020B0609020204030204" pitchFamily="49" charset="0"/>
+                <a:ea typeface="Yu Mincho" panose="02020400000000000000" pitchFamily="18" charset="-128"/>
+                <a:cs typeface="Consolas" panose="020B0609020204030204" pitchFamily="49" charset="0"/>
+              </a:rPr>
+              <a:t>AverageCurrencyRateMonitor</a:t>
+            </a:r>
+            <a:r>
+              <a:rPr lang="ru-RU" sz="1400" kern="0" dirty="0">
+                <a:solidFill>
+                  <a:srgbClr val="000000"/>
+                </a:solidFill>
+                <a:latin typeface="Consolas" panose="020B0609020204030204" pitchFamily="49" charset="0"/>
+                <a:ea typeface="Yu Mincho" panose="02020400000000000000" pitchFamily="18" charset="-128"/>
+                <a:cs typeface="Consolas" panose="020B0609020204030204" pitchFamily="49" charset="0"/>
+              </a:rPr>
+              <a:t>::</a:t>
+            </a:r>
+            <a:r>
+              <a:rPr lang="ru-RU" sz="1400" kern="0" dirty="0" err="1">
+                <a:solidFill>
+                  <a:srgbClr val="000000"/>
+                </a:solidFill>
+                <a:latin typeface="Consolas" panose="020B0609020204030204" pitchFamily="49" charset="0"/>
+                <a:ea typeface="Yu Mincho" panose="02020400000000000000" pitchFamily="18" charset="-128"/>
+                <a:cs typeface="Consolas" panose="020B0609020204030204" pitchFamily="49" charset="0"/>
+              </a:rPr>
+              <a:t>OnCurrencyRateChange</a:t>
+            </a:r>
+            <a:r>
+              <a:rPr lang="ru-RU" sz="1400" kern="0" dirty="0">
+                <a:solidFill>
+                  <a:srgbClr val="000000"/>
+                </a:solidFill>
+                <a:latin typeface="Consolas" panose="020B0609020204030204" pitchFamily="49" charset="0"/>
+                <a:ea typeface="Yu Mincho" panose="02020400000000000000" pitchFamily="18" charset="-128"/>
+                <a:cs typeface="Consolas" panose="020B0609020204030204" pitchFamily="49" charset="0"/>
+              </a:rPr>
+              <a:t>, </a:t>
+            </a:r>
+            <a:r>
+              <a:rPr lang="ru-RU" sz="1400" kern="0" dirty="0" err="1">
+                <a:solidFill>
+                  <a:srgbClr val="0000FF"/>
+                </a:solidFill>
+                <a:latin typeface="Consolas" panose="020B0609020204030204" pitchFamily="49" charset="0"/>
+                <a:ea typeface="Yu Mincho" panose="02020400000000000000" pitchFamily="18" charset="-128"/>
+                <a:cs typeface="Consolas" panose="020B0609020204030204" pitchFamily="49" charset="0"/>
+              </a:rPr>
+              <a:t>this</a:t>
+            </a:r>
+            <a:r>
+              <a:rPr lang="ru-RU" sz="1400" kern="0" dirty="0">
+                <a:solidFill>
+                  <a:srgbClr val="000000"/>
+                </a:solidFill>
+                <a:latin typeface="Consolas" panose="020B0609020204030204" pitchFamily="49" charset="0"/>
+                <a:ea typeface="Yu Mincho" panose="02020400000000000000" pitchFamily="18" charset="-128"/>
+                <a:cs typeface="Consolas" panose="020B0609020204030204" pitchFamily="49" charset="0"/>
+              </a:rPr>
+              <a:t>, </a:t>
+            </a:r>
+            <a:r>
+              <a:rPr lang="ru-RU" sz="1400" kern="0" dirty="0" err="1">
+                <a:solidFill>
+                  <a:srgbClr val="000000"/>
+                </a:solidFill>
+                <a:latin typeface="Consolas" panose="020B0609020204030204" pitchFamily="49" charset="0"/>
+                <a:ea typeface="Yu Mincho" panose="02020400000000000000" pitchFamily="18" charset="-128"/>
+                <a:cs typeface="Consolas" panose="020B0609020204030204" pitchFamily="49" charset="0"/>
+              </a:rPr>
+              <a:t>ph</a:t>
+            </a:r>
+            <a:r>
+              <a:rPr lang="ru-RU" sz="1400" kern="0" dirty="0">
+                <a:solidFill>
+                  <a:srgbClr val="000000"/>
+                </a:solidFill>
+                <a:latin typeface="Consolas" panose="020B0609020204030204" pitchFamily="49" charset="0"/>
+                <a:ea typeface="Yu Mincho" panose="02020400000000000000" pitchFamily="18" charset="-128"/>
+                <a:cs typeface="Consolas" panose="020B0609020204030204" pitchFamily="49" charset="0"/>
+              </a:rPr>
+              <a:t>::_1));</a:t>
+            </a:r>
+            <a:endParaRPr lang="ru-RU" sz="1400" kern="100" dirty="0">
+              <a:latin typeface="Calibri" panose="020F0502020204030204" pitchFamily="34" charset="0"/>
+              <a:ea typeface="Yu Mincho" panose="02020400000000000000" pitchFamily="18" charset="-128"/>
+              <a:cs typeface="Times New Roman" panose="02020603050405020304" pitchFamily="18" charset="0"/>
+            </a:endParaRPr>
+          </a:p>
+          <a:p>
+            <a:pPr>
+              <a:lnSpc>
+                <a:spcPct val="107000"/>
+              </a:lnSpc>
+              <a:spcAft>
+                <a:spcPts val="0"/>
+              </a:spcAft>
+            </a:pPr>
+            <a:r>
+              <a:rPr lang="ru-RU" sz="1400" kern="0" dirty="0">
+                <a:solidFill>
+                  <a:srgbClr val="000000"/>
+                </a:solidFill>
+                <a:latin typeface="Consolas" panose="020B0609020204030204" pitchFamily="49" charset="0"/>
+                <a:ea typeface="Yu Mincho" panose="02020400000000000000" pitchFamily="18" charset="-128"/>
+                <a:cs typeface="Consolas" panose="020B0609020204030204" pitchFamily="49" charset="0"/>
+              </a:rPr>
+              <a:t>  }</a:t>
+            </a:r>
+            <a:endParaRPr lang="ru-RU" sz="1400" kern="100" dirty="0">
+              <a:latin typeface="Calibri" panose="020F0502020204030204" pitchFamily="34" charset="0"/>
+              <a:ea typeface="Yu Mincho" panose="02020400000000000000" pitchFamily="18" charset="-128"/>
+              <a:cs typeface="Times New Roman" panose="02020603050405020304" pitchFamily="18" charset="0"/>
+            </a:endParaRPr>
+          </a:p>
+          <a:p>
+            <a:pPr>
+              <a:lnSpc>
+                <a:spcPct val="107000"/>
+              </a:lnSpc>
+              <a:spcAft>
+                <a:spcPts val="0"/>
+              </a:spcAft>
+            </a:pPr>
+            <a:r>
+              <a:rPr lang="ru-RU" sz="1400" kern="0" dirty="0">
+                <a:solidFill>
+                  <a:srgbClr val="000000"/>
+                </a:solidFill>
+                <a:latin typeface="Consolas" panose="020B0609020204030204" pitchFamily="49" charset="0"/>
+                <a:ea typeface="Yu Mincho" panose="02020400000000000000" pitchFamily="18" charset="-128"/>
+                <a:cs typeface="Consolas" panose="020B0609020204030204" pitchFamily="49" charset="0"/>
+              </a:rPr>
+              <a:t> </a:t>
+            </a:r>
+            <a:endParaRPr lang="ru-RU" sz="1400" kern="100" dirty="0">
+              <a:latin typeface="Calibri" panose="020F0502020204030204" pitchFamily="34" charset="0"/>
+              <a:ea typeface="Yu Mincho" panose="02020400000000000000" pitchFamily="18" charset="-128"/>
+              <a:cs typeface="Times New Roman" panose="02020603050405020304" pitchFamily="18" charset="0"/>
+            </a:endParaRPr>
+          </a:p>
+          <a:p>
+            <a:pPr>
+              <a:lnSpc>
+                <a:spcPct val="107000"/>
+              </a:lnSpc>
+              <a:spcAft>
+                <a:spcPts val="0"/>
+              </a:spcAft>
+            </a:pPr>
+            <a:r>
+              <a:rPr lang="ru-RU" sz="1400" kern="0" dirty="0">
+                <a:solidFill>
+                  <a:srgbClr val="000000"/>
+                </a:solidFill>
+                <a:latin typeface="Consolas" panose="020B0609020204030204" pitchFamily="49" charset="0"/>
+                <a:ea typeface="Yu Mincho" panose="02020400000000000000" pitchFamily="18" charset="-128"/>
+                <a:cs typeface="Consolas" panose="020B0609020204030204" pitchFamily="49" charset="0"/>
+              </a:rPr>
+              <a:t>  </a:t>
+            </a:r>
+            <a:r>
+              <a:rPr lang="ru-RU" sz="1400" kern="0" dirty="0" err="1">
+                <a:solidFill>
+                  <a:srgbClr val="0000FF"/>
+                </a:solidFill>
+                <a:latin typeface="Consolas" panose="020B0609020204030204" pitchFamily="49" charset="0"/>
+                <a:ea typeface="Yu Mincho" panose="02020400000000000000" pitchFamily="18" charset="-128"/>
+                <a:cs typeface="Consolas" panose="020B0609020204030204" pitchFamily="49" charset="0"/>
+              </a:rPr>
+              <a:t>double</a:t>
+            </a:r>
+            <a:r>
+              <a:rPr lang="ru-RU" sz="1400" kern="0" dirty="0">
+                <a:solidFill>
+                  <a:srgbClr val="000000"/>
+                </a:solidFill>
+                <a:latin typeface="Consolas" panose="020B0609020204030204" pitchFamily="49" charset="0"/>
+                <a:ea typeface="Yu Mincho" panose="02020400000000000000" pitchFamily="18" charset="-128"/>
+                <a:cs typeface="Consolas" panose="020B0609020204030204" pitchFamily="49" charset="0"/>
+              </a:rPr>
+              <a:t> </a:t>
+            </a:r>
+            <a:r>
+              <a:rPr lang="ru-RU" sz="1400" kern="0" dirty="0" err="1">
+                <a:solidFill>
+                  <a:srgbClr val="000000"/>
+                </a:solidFill>
+                <a:latin typeface="Consolas" panose="020B0609020204030204" pitchFamily="49" charset="0"/>
+                <a:ea typeface="Yu Mincho" panose="02020400000000000000" pitchFamily="18" charset="-128"/>
+                <a:cs typeface="Consolas" panose="020B0609020204030204" pitchFamily="49" charset="0"/>
+              </a:rPr>
+              <a:t>GetAverageRate</a:t>
+            </a:r>
+            <a:r>
+              <a:rPr lang="ru-RU" sz="1400" kern="0" dirty="0">
+                <a:solidFill>
+                  <a:srgbClr val="000000"/>
+                </a:solidFill>
+                <a:latin typeface="Consolas" panose="020B0609020204030204" pitchFamily="49" charset="0"/>
+                <a:ea typeface="Yu Mincho" panose="02020400000000000000" pitchFamily="18" charset="-128"/>
+                <a:cs typeface="Consolas" panose="020B0609020204030204" pitchFamily="49" charset="0"/>
+              </a:rPr>
+              <a:t>()</a:t>
+            </a:r>
+            <a:r>
+              <a:rPr lang="ru-RU" sz="1400" kern="0" dirty="0" err="1">
+                <a:solidFill>
+                  <a:srgbClr val="0000FF"/>
+                </a:solidFill>
+                <a:latin typeface="Consolas" panose="020B0609020204030204" pitchFamily="49" charset="0"/>
+                <a:ea typeface="Yu Mincho" panose="02020400000000000000" pitchFamily="18" charset="-128"/>
+                <a:cs typeface="Consolas" panose="020B0609020204030204" pitchFamily="49" charset="0"/>
+              </a:rPr>
+              <a:t>const</a:t>
+            </a:r>
+            <a:r>
+              <a:rPr lang="ru-RU" sz="1400" kern="0" dirty="0">
+                <a:solidFill>
+                  <a:srgbClr val="0000FF"/>
+                </a:solidFill>
+                <a:latin typeface="Consolas" panose="020B0609020204030204" pitchFamily="49" charset="0"/>
+                <a:ea typeface="Yu Mincho" panose="02020400000000000000" pitchFamily="18" charset="-128"/>
+                <a:cs typeface="Consolas" panose="020B0609020204030204" pitchFamily="49" charset="0"/>
+              </a:rPr>
+              <a:t> </a:t>
+            </a:r>
+            <a:r>
+              <a:rPr lang="ru-RU" sz="1400" kern="0" dirty="0">
+                <a:solidFill>
+                  <a:srgbClr val="000000"/>
+                </a:solidFill>
+                <a:latin typeface="Consolas" panose="020B0609020204030204" pitchFamily="49" charset="0"/>
+                <a:ea typeface="Yu Mincho" panose="02020400000000000000" pitchFamily="18" charset="-128"/>
+                <a:cs typeface="Consolas" panose="020B0609020204030204" pitchFamily="49" charset="0"/>
+              </a:rPr>
+              <a:t>{</a:t>
+            </a:r>
+            <a:endParaRPr lang="ru-RU" sz="1400" kern="100" dirty="0">
+              <a:latin typeface="Calibri" panose="020F0502020204030204" pitchFamily="34" charset="0"/>
+              <a:ea typeface="Yu Mincho" panose="02020400000000000000" pitchFamily="18" charset="-128"/>
+              <a:cs typeface="Times New Roman" panose="02020603050405020304" pitchFamily="18" charset="0"/>
+            </a:endParaRPr>
+          </a:p>
+          <a:p>
+            <a:pPr>
+              <a:lnSpc>
+                <a:spcPct val="107000"/>
+              </a:lnSpc>
+              <a:spcAft>
+                <a:spcPts val="0"/>
+              </a:spcAft>
+            </a:pPr>
+            <a:r>
+              <a:rPr lang="ru-RU" sz="1400" kern="0" dirty="0">
+                <a:solidFill>
+                  <a:srgbClr val="000000"/>
+                </a:solidFill>
+                <a:latin typeface="Consolas" panose="020B0609020204030204" pitchFamily="49" charset="0"/>
+                <a:ea typeface="Yu Mincho" panose="02020400000000000000" pitchFamily="18" charset="-128"/>
+                <a:cs typeface="Consolas" panose="020B0609020204030204" pitchFamily="49" charset="0"/>
+              </a:rPr>
+              <a:t>    </a:t>
+            </a:r>
+            <a:r>
+              <a:rPr lang="ru-RU" sz="1400" kern="0" dirty="0" err="1">
+                <a:solidFill>
+                  <a:srgbClr val="0000FF"/>
+                </a:solidFill>
+                <a:latin typeface="Consolas" panose="020B0609020204030204" pitchFamily="49" charset="0"/>
+                <a:ea typeface="Yu Mincho" panose="02020400000000000000" pitchFamily="18" charset="-128"/>
+                <a:cs typeface="Consolas" panose="020B0609020204030204" pitchFamily="49" charset="0"/>
+              </a:rPr>
+              <a:t>return</a:t>
+            </a:r>
+            <a:r>
+              <a:rPr lang="ru-RU" sz="1400" kern="0" dirty="0">
+                <a:solidFill>
+                  <a:srgbClr val="000000"/>
+                </a:solidFill>
+                <a:latin typeface="Consolas" panose="020B0609020204030204" pitchFamily="49" charset="0"/>
+                <a:ea typeface="Yu Mincho" panose="02020400000000000000" pitchFamily="18" charset="-128"/>
+                <a:cs typeface="Consolas" panose="020B0609020204030204" pitchFamily="49" charset="0"/>
+              </a:rPr>
+              <a:t> (</a:t>
+            </a:r>
+            <a:r>
+              <a:rPr lang="ru-RU" sz="1400" kern="0" dirty="0" err="1">
+                <a:solidFill>
+                  <a:srgbClr val="000000"/>
+                </a:solidFill>
+                <a:latin typeface="Consolas" panose="020B0609020204030204" pitchFamily="49" charset="0"/>
+                <a:ea typeface="Yu Mincho" panose="02020400000000000000" pitchFamily="18" charset="-128"/>
+                <a:cs typeface="Consolas" panose="020B0609020204030204" pitchFamily="49" charset="0"/>
+              </a:rPr>
+              <a:t>m_count</a:t>
+            </a:r>
+            <a:r>
+              <a:rPr lang="ru-RU" sz="1400" kern="0" dirty="0">
+                <a:solidFill>
+                  <a:srgbClr val="000000"/>
+                </a:solidFill>
+                <a:latin typeface="Consolas" panose="020B0609020204030204" pitchFamily="49" charset="0"/>
+                <a:ea typeface="Yu Mincho" panose="02020400000000000000" pitchFamily="18" charset="-128"/>
+                <a:cs typeface="Consolas" panose="020B0609020204030204" pitchFamily="49" charset="0"/>
+              </a:rPr>
+              <a:t> != 0) ? </a:t>
+            </a:r>
+            <a:r>
+              <a:rPr lang="ru-RU" sz="1400" kern="0" dirty="0" err="1">
+                <a:solidFill>
+                  <a:srgbClr val="000000"/>
+                </a:solidFill>
+                <a:latin typeface="Consolas" panose="020B0609020204030204" pitchFamily="49" charset="0"/>
+                <a:ea typeface="Yu Mincho" panose="02020400000000000000" pitchFamily="18" charset="-128"/>
+                <a:cs typeface="Consolas" panose="020B0609020204030204" pitchFamily="49" charset="0"/>
+              </a:rPr>
+              <a:t>m_accRate</a:t>
+            </a:r>
+            <a:r>
+              <a:rPr lang="ru-RU" sz="1400" kern="0" dirty="0">
+                <a:solidFill>
+                  <a:srgbClr val="000000"/>
+                </a:solidFill>
+                <a:latin typeface="Consolas" panose="020B0609020204030204" pitchFamily="49" charset="0"/>
+                <a:ea typeface="Yu Mincho" panose="02020400000000000000" pitchFamily="18" charset="-128"/>
+                <a:cs typeface="Consolas" panose="020B0609020204030204" pitchFamily="49" charset="0"/>
+              </a:rPr>
+              <a:t> / </a:t>
+            </a:r>
+            <a:r>
+              <a:rPr lang="ru-RU" sz="1400" kern="0" dirty="0" err="1">
+                <a:solidFill>
+                  <a:srgbClr val="000000"/>
+                </a:solidFill>
+                <a:latin typeface="Consolas" panose="020B0609020204030204" pitchFamily="49" charset="0"/>
+                <a:ea typeface="Yu Mincho" panose="02020400000000000000" pitchFamily="18" charset="-128"/>
+                <a:cs typeface="Consolas" panose="020B0609020204030204" pitchFamily="49" charset="0"/>
+              </a:rPr>
+              <a:t>m_count</a:t>
+            </a:r>
+            <a:r>
+              <a:rPr lang="ru-RU" sz="1400" kern="0" dirty="0">
+                <a:solidFill>
+                  <a:srgbClr val="000000"/>
+                </a:solidFill>
+                <a:latin typeface="Consolas" panose="020B0609020204030204" pitchFamily="49" charset="0"/>
+                <a:ea typeface="Yu Mincho" panose="02020400000000000000" pitchFamily="18" charset="-128"/>
+                <a:cs typeface="Consolas" panose="020B0609020204030204" pitchFamily="49" charset="0"/>
+              </a:rPr>
+              <a:t> : 0;</a:t>
+            </a:r>
+            <a:endParaRPr lang="ru-RU" sz="1400" kern="100" dirty="0">
+              <a:latin typeface="Calibri" panose="020F0502020204030204" pitchFamily="34" charset="0"/>
+              <a:ea typeface="Yu Mincho" panose="02020400000000000000" pitchFamily="18" charset="-128"/>
+              <a:cs typeface="Times New Roman" panose="02020603050405020304" pitchFamily="18" charset="0"/>
+            </a:endParaRPr>
+          </a:p>
+          <a:p>
+            <a:pPr>
+              <a:lnSpc>
+                <a:spcPct val="107000"/>
+              </a:lnSpc>
+              <a:spcAft>
+                <a:spcPts val="0"/>
+              </a:spcAft>
+            </a:pPr>
+            <a:r>
+              <a:rPr lang="ru-RU" sz="1400" kern="0" dirty="0">
+                <a:solidFill>
+                  <a:srgbClr val="000000"/>
+                </a:solidFill>
+                <a:latin typeface="Consolas" panose="020B0609020204030204" pitchFamily="49" charset="0"/>
+                <a:ea typeface="Yu Mincho" panose="02020400000000000000" pitchFamily="18" charset="-128"/>
+                <a:cs typeface="Consolas" panose="020B0609020204030204" pitchFamily="49" charset="0"/>
+              </a:rPr>
+              <a:t>  }</a:t>
+            </a:r>
+            <a:endParaRPr lang="ru-RU" sz="1400" kern="100" dirty="0">
+              <a:latin typeface="Calibri" panose="020F0502020204030204" pitchFamily="34" charset="0"/>
+              <a:ea typeface="Yu Mincho" panose="02020400000000000000" pitchFamily="18" charset="-128"/>
+              <a:cs typeface="Times New Roman" panose="02020603050405020304" pitchFamily="18" charset="0"/>
+            </a:endParaRPr>
+          </a:p>
+          <a:p>
+            <a:pPr>
+              <a:lnSpc>
+                <a:spcPct val="107000"/>
+              </a:lnSpc>
+              <a:spcAft>
+                <a:spcPts val="0"/>
+              </a:spcAft>
+            </a:pPr>
+            <a:r>
+              <a:rPr lang="ru-RU" sz="1400" kern="0" dirty="0">
+                <a:solidFill>
+                  <a:srgbClr val="000000"/>
+                </a:solidFill>
+                <a:latin typeface="Consolas" panose="020B0609020204030204" pitchFamily="49" charset="0"/>
+                <a:ea typeface="Yu Mincho" panose="02020400000000000000" pitchFamily="18" charset="-128"/>
+                <a:cs typeface="Consolas" panose="020B0609020204030204" pitchFamily="49" charset="0"/>
+              </a:rPr>
+              <a:t> </a:t>
+            </a:r>
+            <a:endParaRPr lang="ru-RU" sz="1400" kern="100" dirty="0">
+              <a:latin typeface="Calibri" panose="020F0502020204030204" pitchFamily="34" charset="0"/>
+              <a:ea typeface="Yu Mincho" panose="02020400000000000000" pitchFamily="18" charset="-128"/>
+              <a:cs typeface="Times New Roman" panose="02020603050405020304" pitchFamily="18" charset="0"/>
+            </a:endParaRPr>
+          </a:p>
+          <a:p>
+            <a:pPr>
+              <a:lnSpc>
+                <a:spcPct val="107000"/>
+              </a:lnSpc>
+              <a:spcAft>
+                <a:spcPts val="0"/>
+              </a:spcAft>
+            </a:pPr>
+            <a:r>
+              <a:rPr lang="ru-RU" sz="1400" kern="0" dirty="0" err="1">
+                <a:solidFill>
+                  <a:srgbClr val="0000FF"/>
+                </a:solidFill>
+                <a:latin typeface="Consolas" panose="020B0609020204030204" pitchFamily="49" charset="0"/>
+                <a:ea typeface="Yu Mincho" panose="02020400000000000000" pitchFamily="18" charset="-128"/>
+                <a:cs typeface="Consolas" panose="020B0609020204030204" pitchFamily="49" charset="0"/>
+              </a:rPr>
+              <a:t>private</a:t>
+            </a:r>
+            <a:r>
+              <a:rPr lang="ru-RU" sz="1400" kern="0" dirty="0">
+                <a:solidFill>
+                  <a:srgbClr val="000000"/>
+                </a:solidFill>
+                <a:latin typeface="Consolas" panose="020B0609020204030204" pitchFamily="49" charset="0"/>
+                <a:ea typeface="Yu Mincho" panose="02020400000000000000" pitchFamily="18" charset="-128"/>
+                <a:cs typeface="Consolas" panose="020B0609020204030204" pitchFamily="49" charset="0"/>
+              </a:rPr>
+              <a:t>:</a:t>
+            </a:r>
+            <a:endParaRPr lang="ru-RU" sz="1400" kern="100" dirty="0">
+              <a:latin typeface="Calibri" panose="020F0502020204030204" pitchFamily="34" charset="0"/>
+              <a:ea typeface="Yu Mincho" panose="02020400000000000000" pitchFamily="18" charset="-128"/>
+              <a:cs typeface="Times New Roman" panose="02020603050405020304" pitchFamily="18" charset="0"/>
+            </a:endParaRPr>
+          </a:p>
+          <a:p>
+            <a:pPr>
+              <a:lnSpc>
+                <a:spcPct val="107000"/>
+              </a:lnSpc>
+              <a:spcAft>
+                <a:spcPts val="0"/>
+              </a:spcAft>
+            </a:pPr>
+            <a:r>
+              <a:rPr lang="ru-RU" sz="1400" kern="0" dirty="0">
+                <a:solidFill>
+                  <a:srgbClr val="000000"/>
+                </a:solidFill>
+                <a:latin typeface="Consolas" panose="020B0609020204030204" pitchFamily="49" charset="0"/>
+                <a:ea typeface="Yu Mincho" panose="02020400000000000000" pitchFamily="18" charset="-128"/>
+                <a:cs typeface="Consolas" panose="020B0609020204030204" pitchFamily="49" charset="0"/>
+              </a:rPr>
+              <a:t>  </a:t>
+            </a:r>
+            <a:r>
+              <a:rPr lang="ru-RU" sz="1400" kern="0" dirty="0" err="1">
+                <a:solidFill>
+                  <a:srgbClr val="0000FF"/>
+                </a:solidFill>
+                <a:latin typeface="Consolas" panose="020B0609020204030204" pitchFamily="49" charset="0"/>
+                <a:ea typeface="Yu Mincho" panose="02020400000000000000" pitchFamily="18" charset="-128"/>
+                <a:cs typeface="Consolas" panose="020B0609020204030204" pitchFamily="49" charset="0"/>
+              </a:rPr>
+              <a:t>void</a:t>
+            </a:r>
+            <a:r>
+              <a:rPr lang="ru-RU" sz="1400" kern="0" dirty="0">
+                <a:solidFill>
+                  <a:srgbClr val="000000"/>
+                </a:solidFill>
+                <a:latin typeface="Consolas" panose="020B0609020204030204" pitchFamily="49" charset="0"/>
+                <a:ea typeface="Yu Mincho" panose="02020400000000000000" pitchFamily="18" charset="-128"/>
+                <a:cs typeface="Consolas" panose="020B0609020204030204" pitchFamily="49" charset="0"/>
+              </a:rPr>
+              <a:t> </a:t>
+            </a:r>
+            <a:r>
+              <a:rPr lang="ru-RU" sz="1400" kern="0" dirty="0" err="1">
+                <a:solidFill>
+                  <a:srgbClr val="000000"/>
+                </a:solidFill>
+                <a:latin typeface="Consolas" panose="020B0609020204030204" pitchFamily="49" charset="0"/>
+                <a:ea typeface="Yu Mincho" panose="02020400000000000000" pitchFamily="18" charset="-128"/>
+                <a:cs typeface="Consolas" panose="020B0609020204030204" pitchFamily="49" charset="0"/>
+              </a:rPr>
+              <a:t>OnCurrencyRateChange</a:t>
+            </a:r>
+            <a:r>
+              <a:rPr lang="ru-RU" sz="1400" kern="0" dirty="0">
+                <a:solidFill>
+                  <a:srgbClr val="000000"/>
+                </a:solidFill>
+                <a:latin typeface="Consolas" panose="020B0609020204030204" pitchFamily="49" charset="0"/>
+                <a:ea typeface="Yu Mincho" panose="02020400000000000000" pitchFamily="18" charset="-128"/>
+                <a:cs typeface="Consolas" panose="020B0609020204030204" pitchFamily="49" charset="0"/>
+              </a:rPr>
+              <a:t>(</a:t>
+            </a:r>
+            <a:r>
+              <a:rPr lang="ru-RU" sz="1400" kern="0" dirty="0" err="1">
+                <a:solidFill>
+                  <a:srgbClr val="0000FF"/>
+                </a:solidFill>
+                <a:latin typeface="Consolas" panose="020B0609020204030204" pitchFamily="49" charset="0"/>
+                <a:ea typeface="Yu Mincho" panose="02020400000000000000" pitchFamily="18" charset="-128"/>
+                <a:cs typeface="Consolas" panose="020B0609020204030204" pitchFamily="49" charset="0"/>
+              </a:rPr>
+              <a:t>double</a:t>
+            </a:r>
+            <a:r>
+              <a:rPr lang="ru-RU" sz="1400" kern="0" dirty="0">
+                <a:solidFill>
+                  <a:srgbClr val="000000"/>
+                </a:solidFill>
+                <a:latin typeface="Consolas" panose="020B0609020204030204" pitchFamily="49" charset="0"/>
+                <a:ea typeface="Yu Mincho" panose="02020400000000000000" pitchFamily="18" charset="-128"/>
+                <a:cs typeface="Consolas" panose="020B0609020204030204" pitchFamily="49" charset="0"/>
+              </a:rPr>
+              <a:t> </a:t>
+            </a:r>
+            <a:r>
+              <a:rPr lang="ru-RU" sz="1400" kern="0" dirty="0" err="1">
+                <a:solidFill>
+                  <a:srgbClr val="808080"/>
+                </a:solidFill>
+                <a:latin typeface="Consolas" panose="020B0609020204030204" pitchFamily="49" charset="0"/>
+                <a:ea typeface="Yu Mincho" panose="02020400000000000000" pitchFamily="18" charset="-128"/>
+                <a:cs typeface="Consolas" panose="020B0609020204030204" pitchFamily="49" charset="0"/>
+              </a:rPr>
+              <a:t>newRate</a:t>
+            </a:r>
+            <a:r>
+              <a:rPr lang="ru-RU" sz="1400" kern="0" dirty="0">
+                <a:solidFill>
+                  <a:srgbClr val="000000"/>
+                </a:solidFill>
+                <a:latin typeface="Consolas" panose="020B0609020204030204" pitchFamily="49" charset="0"/>
+                <a:ea typeface="Yu Mincho" panose="02020400000000000000" pitchFamily="18" charset="-128"/>
+                <a:cs typeface="Consolas" panose="020B0609020204030204" pitchFamily="49" charset="0"/>
+              </a:rPr>
+              <a:t>) {</a:t>
+            </a:r>
+            <a:endParaRPr lang="ru-RU" sz="1400" kern="100" dirty="0">
+              <a:latin typeface="Calibri" panose="020F0502020204030204" pitchFamily="34" charset="0"/>
+              <a:ea typeface="Yu Mincho" panose="02020400000000000000" pitchFamily="18" charset="-128"/>
+              <a:cs typeface="Times New Roman" panose="02020603050405020304" pitchFamily="18" charset="0"/>
+            </a:endParaRPr>
+          </a:p>
+          <a:p>
+            <a:pPr>
+              <a:lnSpc>
+                <a:spcPct val="107000"/>
+              </a:lnSpc>
+              <a:spcAft>
+                <a:spcPts val="0"/>
+              </a:spcAft>
+            </a:pPr>
+            <a:r>
+              <a:rPr lang="ru-RU" sz="1400" kern="0" dirty="0">
+                <a:solidFill>
+                  <a:srgbClr val="000000"/>
+                </a:solidFill>
+                <a:latin typeface="Consolas" panose="020B0609020204030204" pitchFamily="49" charset="0"/>
+                <a:ea typeface="Yu Mincho" panose="02020400000000000000" pitchFamily="18" charset="-128"/>
+                <a:cs typeface="Consolas" panose="020B0609020204030204" pitchFamily="49" charset="0"/>
+              </a:rPr>
+              <a:t>    </a:t>
+            </a:r>
+            <a:r>
+              <a:rPr lang="ru-RU" sz="1400" kern="0" dirty="0" err="1">
+                <a:solidFill>
+                  <a:srgbClr val="000000"/>
+                </a:solidFill>
+                <a:latin typeface="Consolas" panose="020B0609020204030204" pitchFamily="49" charset="0"/>
+                <a:ea typeface="Yu Mincho" panose="02020400000000000000" pitchFamily="18" charset="-128"/>
+                <a:cs typeface="Consolas" panose="020B0609020204030204" pitchFamily="49" charset="0"/>
+              </a:rPr>
+              <a:t>m_accRate</a:t>
+            </a:r>
+            <a:r>
+              <a:rPr lang="ru-RU" sz="1400" kern="0" dirty="0">
+                <a:solidFill>
+                  <a:srgbClr val="000000"/>
+                </a:solidFill>
+                <a:latin typeface="Consolas" panose="020B0609020204030204" pitchFamily="49" charset="0"/>
+                <a:ea typeface="Yu Mincho" panose="02020400000000000000" pitchFamily="18" charset="-128"/>
+                <a:cs typeface="Consolas" panose="020B0609020204030204" pitchFamily="49" charset="0"/>
+              </a:rPr>
+              <a:t> += </a:t>
+            </a:r>
+            <a:r>
+              <a:rPr lang="ru-RU" sz="1400" kern="0" dirty="0" err="1">
+                <a:solidFill>
+                  <a:srgbClr val="808080"/>
+                </a:solidFill>
+                <a:latin typeface="Consolas" panose="020B0609020204030204" pitchFamily="49" charset="0"/>
+                <a:ea typeface="Yu Mincho" panose="02020400000000000000" pitchFamily="18" charset="-128"/>
+                <a:cs typeface="Consolas" panose="020B0609020204030204" pitchFamily="49" charset="0"/>
+              </a:rPr>
+              <a:t>newRate</a:t>
+            </a:r>
+            <a:r>
+              <a:rPr lang="ru-RU" sz="1400" kern="0" dirty="0">
+                <a:solidFill>
+                  <a:srgbClr val="000000"/>
+                </a:solidFill>
+                <a:latin typeface="Consolas" panose="020B0609020204030204" pitchFamily="49" charset="0"/>
+                <a:ea typeface="Yu Mincho" panose="02020400000000000000" pitchFamily="18" charset="-128"/>
+                <a:cs typeface="Consolas" panose="020B0609020204030204" pitchFamily="49" charset="0"/>
+              </a:rPr>
+              <a:t>;</a:t>
+            </a:r>
+            <a:endParaRPr lang="ru-RU" sz="1400" kern="100" dirty="0">
+              <a:latin typeface="Calibri" panose="020F0502020204030204" pitchFamily="34" charset="0"/>
+              <a:ea typeface="Yu Mincho" panose="02020400000000000000" pitchFamily="18" charset="-128"/>
+              <a:cs typeface="Times New Roman" panose="02020603050405020304" pitchFamily="18" charset="0"/>
+            </a:endParaRPr>
+          </a:p>
+          <a:p>
+            <a:pPr>
+              <a:lnSpc>
+                <a:spcPct val="107000"/>
+              </a:lnSpc>
+              <a:spcAft>
+                <a:spcPts val="0"/>
+              </a:spcAft>
+            </a:pPr>
+            <a:r>
+              <a:rPr lang="ru-RU" sz="1400" kern="0" dirty="0">
+                <a:solidFill>
+                  <a:srgbClr val="000000"/>
+                </a:solidFill>
+                <a:latin typeface="Consolas" panose="020B0609020204030204" pitchFamily="49" charset="0"/>
+                <a:ea typeface="Yu Mincho" panose="02020400000000000000" pitchFamily="18" charset="-128"/>
+                <a:cs typeface="Consolas" panose="020B0609020204030204" pitchFamily="49" charset="0"/>
+              </a:rPr>
+              <a:t>    ++</a:t>
+            </a:r>
+            <a:r>
+              <a:rPr lang="ru-RU" sz="1400" kern="0" dirty="0" err="1">
+                <a:solidFill>
+                  <a:srgbClr val="000000"/>
+                </a:solidFill>
+                <a:latin typeface="Consolas" panose="020B0609020204030204" pitchFamily="49" charset="0"/>
+                <a:ea typeface="Yu Mincho" panose="02020400000000000000" pitchFamily="18" charset="-128"/>
+                <a:cs typeface="Consolas" panose="020B0609020204030204" pitchFamily="49" charset="0"/>
+              </a:rPr>
+              <a:t>m_count</a:t>
+            </a:r>
+            <a:r>
+              <a:rPr lang="ru-RU" sz="1400" kern="0" dirty="0">
+                <a:solidFill>
+                  <a:srgbClr val="000000"/>
+                </a:solidFill>
+                <a:latin typeface="Consolas" panose="020B0609020204030204" pitchFamily="49" charset="0"/>
+                <a:ea typeface="Yu Mincho" panose="02020400000000000000" pitchFamily="18" charset="-128"/>
+                <a:cs typeface="Consolas" panose="020B0609020204030204" pitchFamily="49" charset="0"/>
+              </a:rPr>
+              <a:t>;</a:t>
+            </a:r>
+            <a:endParaRPr lang="ru-RU" sz="1400" kern="100" dirty="0">
+              <a:latin typeface="Calibri" panose="020F0502020204030204" pitchFamily="34" charset="0"/>
+              <a:ea typeface="Yu Mincho" panose="02020400000000000000" pitchFamily="18" charset="-128"/>
+              <a:cs typeface="Times New Roman" panose="02020603050405020304" pitchFamily="18" charset="0"/>
+            </a:endParaRPr>
+          </a:p>
+          <a:p>
+            <a:pPr>
+              <a:lnSpc>
+                <a:spcPct val="107000"/>
+              </a:lnSpc>
+              <a:spcAft>
+                <a:spcPts val="0"/>
+              </a:spcAft>
+            </a:pPr>
+            <a:r>
+              <a:rPr lang="ru-RU" sz="1400" kern="0" dirty="0">
+                <a:solidFill>
+                  <a:srgbClr val="000000"/>
+                </a:solidFill>
+                <a:latin typeface="Consolas" panose="020B0609020204030204" pitchFamily="49" charset="0"/>
+                <a:ea typeface="Yu Mincho" panose="02020400000000000000" pitchFamily="18" charset="-128"/>
+                <a:cs typeface="Consolas" panose="020B0609020204030204" pitchFamily="49" charset="0"/>
+              </a:rPr>
+              <a:t>    </a:t>
+            </a:r>
+            <a:r>
+              <a:rPr lang="ru-RU" sz="1400" kern="0" dirty="0" err="1">
+                <a:solidFill>
+                  <a:srgbClr val="000000"/>
+                </a:solidFill>
+                <a:latin typeface="Consolas" panose="020B0609020204030204" pitchFamily="49" charset="0"/>
+                <a:ea typeface="Yu Mincho" panose="02020400000000000000" pitchFamily="18" charset="-128"/>
+                <a:cs typeface="Consolas" panose="020B0609020204030204" pitchFamily="49" charset="0"/>
+              </a:rPr>
+              <a:t>cout</a:t>
+            </a:r>
+            <a:r>
+              <a:rPr lang="ru-RU" sz="1400" kern="0" dirty="0">
+                <a:solidFill>
+                  <a:srgbClr val="000000"/>
+                </a:solidFill>
+                <a:latin typeface="Consolas" panose="020B0609020204030204" pitchFamily="49" charset="0"/>
+                <a:ea typeface="Yu Mincho" panose="02020400000000000000" pitchFamily="18" charset="-128"/>
+                <a:cs typeface="Consolas" panose="020B0609020204030204" pitchFamily="49" charset="0"/>
+              </a:rPr>
+              <a:t> </a:t>
+            </a:r>
+            <a:r>
+              <a:rPr lang="ru-RU" sz="1400" kern="0" dirty="0">
+                <a:solidFill>
+                  <a:srgbClr val="008080"/>
+                </a:solidFill>
+                <a:latin typeface="Consolas" panose="020B0609020204030204" pitchFamily="49" charset="0"/>
+                <a:ea typeface="Yu Mincho" panose="02020400000000000000" pitchFamily="18" charset="-128"/>
+                <a:cs typeface="Consolas" panose="020B0609020204030204" pitchFamily="49" charset="0"/>
+              </a:rPr>
+              <a:t>&lt;&lt;</a:t>
+            </a:r>
+            <a:r>
+              <a:rPr lang="ru-RU" sz="1400" kern="0" dirty="0">
+                <a:solidFill>
+                  <a:srgbClr val="000000"/>
+                </a:solidFill>
+                <a:latin typeface="Consolas" panose="020B0609020204030204" pitchFamily="49" charset="0"/>
+                <a:ea typeface="Yu Mincho" panose="02020400000000000000" pitchFamily="18" charset="-128"/>
+                <a:cs typeface="Consolas" panose="020B0609020204030204" pitchFamily="49" charset="0"/>
+              </a:rPr>
+              <a:t> </a:t>
+            </a:r>
+            <a:r>
+              <a:rPr lang="ru-RU" sz="1400" kern="0" dirty="0">
+                <a:solidFill>
+                  <a:srgbClr val="A31515"/>
+                </a:solidFill>
+                <a:latin typeface="Consolas" panose="020B0609020204030204" pitchFamily="49" charset="0"/>
+                <a:ea typeface="Yu Mincho" panose="02020400000000000000" pitchFamily="18" charset="-128"/>
+                <a:cs typeface="Consolas" panose="020B0609020204030204" pitchFamily="49" charset="0"/>
+              </a:rPr>
+              <a:t>"</a:t>
+            </a:r>
+            <a:r>
+              <a:rPr lang="ru-RU" sz="1400" kern="0" dirty="0" err="1">
+                <a:solidFill>
+                  <a:srgbClr val="A31515"/>
+                </a:solidFill>
+                <a:latin typeface="Consolas" panose="020B0609020204030204" pitchFamily="49" charset="0"/>
+                <a:ea typeface="Yu Mincho" panose="02020400000000000000" pitchFamily="18" charset="-128"/>
+                <a:cs typeface="Consolas" panose="020B0609020204030204" pitchFamily="49" charset="0"/>
+              </a:rPr>
+              <a:t>Average</a:t>
+            </a:r>
+            <a:r>
+              <a:rPr lang="ru-RU" sz="1400" kern="0" dirty="0">
+                <a:solidFill>
+                  <a:srgbClr val="A31515"/>
+                </a:solidFill>
+                <a:latin typeface="Consolas" panose="020B0609020204030204" pitchFamily="49" charset="0"/>
+                <a:ea typeface="Yu Mincho" panose="02020400000000000000" pitchFamily="18" charset="-128"/>
+                <a:cs typeface="Consolas" panose="020B0609020204030204" pitchFamily="49" charset="0"/>
+              </a:rPr>
+              <a:t> </a:t>
+            </a:r>
+            <a:r>
+              <a:rPr lang="ru-RU" sz="1400" kern="0" dirty="0" err="1">
+                <a:solidFill>
+                  <a:srgbClr val="A31515"/>
+                </a:solidFill>
+                <a:latin typeface="Consolas" panose="020B0609020204030204" pitchFamily="49" charset="0"/>
+                <a:ea typeface="Yu Mincho" panose="02020400000000000000" pitchFamily="18" charset="-128"/>
+                <a:cs typeface="Consolas" panose="020B0609020204030204" pitchFamily="49" charset="0"/>
+              </a:rPr>
+              <a:t>rate</a:t>
+            </a:r>
+            <a:r>
+              <a:rPr lang="ru-RU" sz="1400" kern="0" dirty="0">
+                <a:solidFill>
+                  <a:srgbClr val="A31515"/>
+                </a:solidFill>
+                <a:latin typeface="Consolas" panose="020B0609020204030204" pitchFamily="49" charset="0"/>
+                <a:ea typeface="Yu Mincho" panose="02020400000000000000" pitchFamily="18" charset="-128"/>
+                <a:cs typeface="Consolas" panose="020B0609020204030204" pitchFamily="49" charset="0"/>
+              </a:rPr>
+              <a:t> </a:t>
+            </a:r>
+            <a:r>
+              <a:rPr lang="ru-RU" sz="1400" kern="0" dirty="0" err="1">
+                <a:solidFill>
+                  <a:srgbClr val="A31515"/>
+                </a:solidFill>
+                <a:latin typeface="Consolas" panose="020B0609020204030204" pitchFamily="49" charset="0"/>
+                <a:ea typeface="Yu Mincho" panose="02020400000000000000" pitchFamily="18" charset="-128"/>
+                <a:cs typeface="Consolas" panose="020B0609020204030204" pitchFamily="49" charset="0"/>
+              </a:rPr>
+              <a:t>is</a:t>
+            </a:r>
+            <a:r>
+              <a:rPr lang="ru-RU" sz="1400" kern="0" dirty="0">
+                <a:solidFill>
+                  <a:srgbClr val="A31515"/>
+                </a:solidFill>
+                <a:latin typeface="Consolas" panose="020B0609020204030204" pitchFamily="49" charset="0"/>
+                <a:ea typeface="Yu Mincho" panose="02020400000000000000" pitchFamily="18" charset="-128"/>
+                <a:cs typeface="Consolas" panose="020B0609020204030204" pitchFamily="49" charset="0"/>
+              </a:rPr>
+              <a:t>: "</a:t>
+            </a:r>
+            <a:r>
+              <a:rPr lang="ru-RU" sz="1400" kern="0" dirty="0">
+                <a:solidFill>
+                  <a:srgbClr val="000000"/>
+                </a:solidFill>
+                <a:latin typeface="Consolas" panose="020B0609020204030204" pitchFamily="49" charset="0"/>
+                <a:ea typeface="Yu Mincho" panose="02020400000000000000" pitchFamily="18" charset="-128"/>
+                <a:cs typeface="Consolas" panose="020B0609020204030204" pitchFamily="49" charset="0"/>
+              </a:rPr>
+              <a:t> </a:t>
+            </a:r>
+            <a:r>
+              <a:rPr lang="ru-RU" sz="1400" kern="0" dirty="0">
+                <a:solidFill>
+                  <a:srgbClr val="008080"/>
+                </a:solidFill>
+                <a:latin typeface="Consolas" panose="020B0609020204030204" pitchFamily="49" charset="0"/>
+                <a:ea typeface="Yu Mincho" panose="02020400000000000000" pitchFamily="18" charset="-128"/>
+                <a:cs typeface="Consolas" panose="020B0609020204030204" pitchFamily="49" charset="0"/>
+              </a:rPr>
+              <a:t>&lt;&lt;</a:t>
+            </a:r>
+            <a:r>
+              <a:rPr lang="ru-RU" sz="1400" kern="0" dirty="0">
+                <a:solidFill>
+                  <a:srgbClr val="000000"/>
+                </a:solidFill>
+                <a:latin typeface="Consolas" panose="020B0609020204030204" pitchFamily="49" charset="0"/>
+                <a:ea typeface="Yu Mincho" panose="02020400000000000000" pitchFamily="18" charset="-128"/>
+                <a:cs typeface="Consolas" panose="020B0609020204030204" pitchFamily="49" charset="0"/>
+              </a:rPr>
+              <a:t> </a:t>
+            </a:r>
+            <a:r>
+              <a:rPr lang="ru-RU" sz="1400" kern="0" dirty="0" err="1">
+                <a:solidFill>
+                  <a:srgbClr val="000000"/>
+                </a:solidFill>
+                <a:latin typeface="Consolas" panose="020B0609020204030204" pitchFamily="49" charset="0"/>
+                <a:ea typeface="Yu Mincho" panose="02020400000000000000" pitchFamily="18" charset="-128"/>
+                <a:cs typeface="Consolas" panose="020B0609020204030204" pitchFamily="49" charset="0"/>
+              </a:rPr>
+              <a:t>GetAverageRate</a:t>
+            </a:r>
+            <a:r>
+              <a:rPr lang="ru-RU" sz="1400" kern="0" dirty="0">
+                <a:solidFill>
+                  <a:srgbClr val="000000"/>
+                </a:solidFill>
+                <a:latin typeface="Consolas" panose="020B0609020204030204" pitchFamily="49" charset="0"/>
+                <a:ea typeface="Yu Mincho" panose="02020400000000000000" pitchFamily="18" charset="-128"/>
+                <a:cs typeface="Consolas" panose="020B0609020204030204" pitchFamily="49" charset="0"/>
+              </a:rPr>
+              <a:t>() </a:t>
+            </a:r>
+            <a:r>
+              <a:rPr lang="ru-RU" sz="1400" kern="0" dirty="0">
+                <a:solidFill>
+                  <a:srgbClr val="008080"/>
+                </a:solidFill>
+                <a:latin typeface="Consolas" panose="020B0609020204030204" pitchFamily="49" charset="0"/>
+                <a:ea typeface="Yu Mincho" panose="02020400000000000000" pitchFamily="18" charset="-128"/>
+                <a:cs typeface="Consolas" panose="020B0609020204030204" pitchFamily="49" charset="0"/>
+              </a:rPr>
+              <a:t>&lt;&lt;</a:t>
+            </a:r>
+            <a:r>
+              <a:rPr lang="ru-RU" sz="1400" kern="0" dirty="0">
+                <a:solidFill>
+                  <a:srgbClr val="000000"/>
+                </a:solidFill>
+                <a:latin typeface="Consolas" panose="020B0609020204030204" pitchFamily="49" charset="0"/>
+                <a:ea typeface="Yu Mincho" panose="02020400000000000000" pitchFamily="18" charset="-128"/>
+                <a:cs typeface="Consolas" panose="020B0609020204030204" pitchFamily="49" charset="0"/>
+              </a:rPr>
+              <a:t> </a:t>
+            </a:r>
+            <a:r>
+              <a:rPr lang="ru-RU" sz="1400" kern="0" dirty="0" err="1">
+                <a:solidFill>
+                  <a:srgbClr val="000000"/>
+                </a:solidFill>
+                <a:latin typeface="Consolas" panose="020B0609020204030204" pitchFamily="49" charset="0"/>
+                <a:ea typeface="Yu Mincho" panose="02020400000000000000" pitchFamily="18" charset="-128"/>
+                <a:cs typeface="Consolas" panose="020B0609020204030204" pitchFamily="49" charset="0"/>
+              </a:rPr>
+              <a:t>endl</a:t>
+            </a:r>
+            <a:r>
+              <a:rPr lang="ru-RU" sz="1400" kern="0" dirty="0">
+                <a:solidFill>
+                  <a:srgbClr val="000000"/>
+                </a:solidFill>
+                <a:latin typeface="Consolas" panose="020B0609020204030204" pitchFamily="49" charset="0"/>
+                <a:ea typeface="Yu Mincho" panose="02020400000000000000" pitchFamily="18" charset="-128"/>
+                <a:cs typeface="Consolas" panose="020B0609020204030204" pitchFamily="49" charset="0"/>
+              </a:rPr>
+              <a:t>;</a:t>
+            </a:r>
+            <a:endParaRPr lang="ru-RU" sz="1400" kern="100" dirty="0">
+              <a:latin typeface="Calibri" panose="020F0502020204030204" pitchFamily="34" charset="0"/>
+              <a:ea typeface="Yu Mincho" panose="02020400000000000000" pitchFamily="18" charset="-128"/>
+              <a:cs typeface="Times New Roman" panose="02020603050405020304" pitchFamily="18" charset="0"/>
+            </a:endParaRPr>
+          </a:p>
+          <a:p>
+            <a:pPr>
+              <a:lnSpc>
+                <a:spcPct val="107000"/>
+              </a:lnSpc>
+              <a:spcAft>
+                <a:spcPts val="0"/>
+              </a:spcAft>
+            </a:pPr>
+            <a:r>
+              <a:rPr lang="ru-RU" sz="1400" kern="0" dirty="0">
+                <a:solidFill>
+                  <a:srgbClr val="000000"/>
+                </a:solidFill>
+                <a:latin typeface="Consolas" panose="020B0609020204030204" pitchFamily="49" charset="0"/>
+                <a:ea typeface="Yu Mincho" panose="02020400000000000000" pitchFamily="18" charset="-128"/>
+                <a:cs typeface="Consolas" panose="020B0609020204030204" pitchFamily="49" charset="0"/>
+              </a:rPr>
+              <a:t>  }</a:t>
+            </a:r>
+            <a:endParaRPr lang="ru-RU" sz="1400" kern="100" dirty="0">
+              <a:latin typeface="Calibri" panose="020F0502020204030204" pitchFamily="34" charset="0"/>
+              <a:ea typeface="Yu Mincho" panose="02020400000000000000" pitchFamily="18" charset="-128"/>
+              <a:cs typeface="Times New Roman" panose="02020603050405020304" pitchFamily="18" charset="0"/>
+            </a:endParaRPr>
+          </a:p>
+          <a:p>
+            <a:pPr>
+              <a:lnSpc>
+                <a:spcPct val="107000"/>
+              </a:lnSpc>
+              <a:spcAft>
+                <a:spcPts val="0"/>
+              </a:spcAft>
+            </a:pPr>
+            <a:r>
+              <a:rPr lang="ru-RU" sz="1400" kern="0" dirty="0">
+                <a:solidFill>
+                  <a:srgbClr val="000000"/>
+                </a:solidFill>
+                <a:latin typeface="Consolas" panose="020B0609020204030204" pitchFamily="49" charset="0"/>
+                <a:ea typeface="Yu Mincho" panose="02020400000000000000" pitchFamily="18" charset="-128"/>
+                <a:cs typeface="Consolas" panose="020B0609020204030204" pitchFamily="49" charset="0"/>
+              </a:rPr>
+              <a:t> </a:t>
+            </a:r>
+            <a:endParaRPr lang="ru-RU" sz="1400" kern="100" dirty="0">
+              <a:latin typeface="Calibri" panose="020F0502020204030204" pitchFamily="34" charset="0"/>
+              <a:ea typeface="Yu Mincho" panose="02020400000000000000" pitchFamily="18" charset="-128"/>
+              <a:cs typeface="Times New Roman" panose="02020603050405020304" pitchFamily="18" charset="0"/>
+            </a:endParaRPr>
+          </a:p>
+          <a:p>
+            <a:pPr>
+              <a:lnSpc>
+                <a:spcPct val="107000"/>
+              </a:lnSpc>
+              <a:spcAft>
+                <a:spcPts val="0"/>
+              </a:spcAft>
+            </a:pPr>
+            <a:r>
+              <a:rPr lang="ru-RU" sz="1400" kern="0" dirty="0">
+                <a:solidFill>
+                  <a:srgbClr val="000000"/>
+                </a:solidFill>
+                <a:latin typeface="Consolas" panose="020B0609020204030204" pitchFamily="49" charset="0"/>
+                <a:ea typeface="Yu Mincho" panose="02020400000000000000" pitchFamily="18" charset="-128"/>
+                <a:cs typeface="Consolas" panose="020B0609020204030204" pitchFamily="49" charset="0"/>
+              </a:rPr>
+              <a:t>  </a:t>
+            </a:r>
+            <a:r>
+              <a:rPr lang="ru-RU" sz="1400" kern="0" dirty="0" err="1">
+                <a:solidFill>
+                  <a:srgbClr val="0000FF"/>
+                </a:solidFill>
+                <a:latin typeface="Consolas" panose="020B0609020204030204" pitchFamily="49" charset="0"/>
+                <a:ea typeface="Yu Mincho" panose="02020400000000000000" pitchFamily="18" charset="-128"/>
+                <a:cs typeface="Consolas" panose="020B0609020204030204" pitchFamily="49" charset="0"/>
+              </a:rPr>
+              <a:t>double</a:t>
+            </a:r>
+            <a:r>
+              <a:rPr lang="ru-RU" sz="1400" kern="0" dirty="0">
+                <a:solidFill>
+                  <a:srgbClr val="000000"/>
+                </a:solidFill>
+                <a:latin typeface="Consolas" panose="020B0609020204030204" pitchFamily="49" charset="0"/>
+                <a:ea typeface="Yu Mincho" panose="02020400000000000000" pitchFamily="18" charset="-128"/>
+                <a:cs typeface="Consolas" panose="020B0609020204030204" pitchFamily="49" charset="0"/>
+              </a:rPr>
+              <a:t> </a:t>
+            </a:r>
+            <a:r>
+              <a:rPr lang="ru-RU" sz="1400" kern="0" dirty="0" err="1">
+                <a:solidFill>
+                  <a:srgbClr val="000000"/>
+                </a:solidFill>
+                <a:latin typeface="Consolas" panose="020B0609020204030204" pitchFamily="49" charset="0"/>
+                <a:ea typeface="Yu Mincho" panose="02020400000000000000" pitchFamily="18" charset="-128"/>
+                <a:cs typeface="Consolas" panose="020B0609020204030204" pitchFamily="49" charset="0"/>
+              </a:rPr>
+              <a:t>m_accRate</a:t>
+            </a:r>
+            <a:r>
+              <a:rPr lang="ru-RU" sz="1400" kern="0" dirty="0">
+                <a:solidFill>
+                  <a:srgbClr val="000000"/>
+                </a:solidFill>
+                <a:latin typeface="Consolas" panose="020B0609020204030204" pitchFamily="49" charset="0"/>
+                <a:ea typeface="Yu Mincho" panose="02020400000000000000" pitchFamily="18" charset="-128"/>
+                <a:cs typeface="Consolas" panose="020B0609020204030204" pitchFamily="49" charset="0"/>
+              </a:rPr>
+              <a:t> = 0.0;</a:t>
+            </a:r>
+            <a:endParaRPr lang="ru-RU" sz="1400" kern="100" dirty="0">
+              <a:latin typeface="Calibri" panose="020F0502020204030204" pitchFamily="34" charset="0"/>
+              <a:ea typeface="Yu Mincho" panose="02020400000000000000" pitchFamily="18" charset="-128"/>
+              <a:cs typeface="Times New Roman" panose="02020603050405020304" pitchFamily="18" charset="0"/>
+            </a:endParaRPr>
+          </a:p>
+          <a:p>
+            <a:pPr>
+              <a:lnSpc>
+                <a:spcPct val="107000"/>
+              </a:lnSpc>
+              <a:spcAft>
+                <a:spcPts val="0"/>
+              </a:spcAft>
+            </a:pPr>
+            <a:r>
+              <a:rPr lang="ru-RU" sz="1400" kern="0" dirty="0">
+                <a:solidFill>
+                  <a:srgbClr val="000000"/>
+                </a:solidFill>
+                <a:latin typeface="Consolas" panose="020B0609020204030204" pitchFamily="49" charset="0"/>
+                <a:ea typeface="Yu Mincho" panose="02020400000000000000" pitchFamily="18" charset="-128"/>
+                <a:cs typeface="Consolas" panose="020B0609020204030204" pitchFamily="49" charset="0"/>
+              </a:rPr>
+              <a:t>  </a:t>
+            </a:r>
+            <a:r>
+              <a:rPr lang="ru-RU" sz="1400" kern="0" dirty="0" err="1">
+                <a:solidFill>
+                  <a:srgbClr val="0000FF"/>
+                </a:solidFill>
+                <a:latin typeface="Consolas" panose="020B0609020204030204" pitchFamily="49" charset="0"/>
+                <a:ea typeface="Yu Mincho" panose="02020400000000000000" pitchFamily="18" charset="-128"/>
+                <a:cs typeface="Consolas" panose="020B0609020204030204" pitchFamily="49" charset="0"/>
+              </a:rPr>
+              <a:t>int</a:t>
+            </a:r>
+            <a:r>
+              <a:rPr lang="ru-RU" sz="1400" kern="0" dirty="0">
+                <a:solidFill>
+                  <a:srgbClr val="000000"/>
+                </a:solidFill>
+                <a:latin typeface="Consolas" panose="020B0609020204030204" pitchFamily="49" charset="0"/>
+                <a:ea typeface="Yu Mincho" panose="02020400000000000000" pitchFamily="18" charset="-128"/>
+                <a:cs typeface="Consolas" panose="020B0609020204030204" pitchFamily="49" charset="0"/>
+              </a:rPr>
+              <a:t> </a:t>
+            </a:r>
+            <a:r>
+              <a:rPr lang="ru-RU" sz="1400" kern="0" dirty="0" err="1">
+                <a:solidFill>
+                  <a:srgbClr val="000000"/>
+                </a:solidFill>
+                <a:latin typeface="Consolas" panose="020B0609020204030204" pitchFamily="49" charset="0"/>
+                <a:ea typeface="Yu Mincho" panose="02020400000000000000" pitchFamily="18" charset="-128"/>
+                <a:cs typeface="Consolas" panose="020B0609020204030204" pitchFamily="49" charset="0"/>
+              </a:rPr>
+              <a:t>m_count</a:t>
+            </a:r>
+            <a:r>
+              <a:rPr lang="ru-RU" sz="1400" kern="0" dirty="0">
+                <a:solidFill>
+                  <a:srgbClr val="000000"/>
+                </a:solidFill>
+                <a:latin typeface="Consolas" panose="020B0609020204030204" pitchFamily="49" charset="0"/>
+                <a:ea typeface="Yu Mincho" panose="02020400000000000000" pitchFamily="18" charset="-128"/>
+                <a:cs typeface="Consolas" panose="020B0609020204030204" pitchFamily="49" charset="0"/>
+              </a:rPr>
+              <a:t> = 0;</a:t>
+            </a:r>
+            <a:endParaRPr lang="ru-RU" sz="1400" kern="100" dirty="0">
+              <a:latin typeface="Calibri" panose="020F0502020204030204" pitchFamily="34" charset="0"/>
+              <a:ea typeface="Yu Mincho" panose="02020400000000000000" pitchFamily="18" charset="-128"/>
+              <a:cs typeface="Times New Roman" panose="02020603050405020304" pitchFamily="18" charset="0"/>
+            </a:endParaRPr>
+          </a:p>
+          <a:p>
+            <a:pPr>
+              <a:lnSpc>
+                <a:spcPct val="107000"/>
+              </a:lnSpc>
+              <a:spcAft>
+                <a:spcPts val="0"/>
+              </a:spcAft>
+            </a:pPr>
+            <a:r>
+              <a:rPr lang="ru-RU" sz="1400" kern="0" dirty="0">
+                <a:solidFill>
+                  <a:srgbClr val="000000"/>
+                </a:solidFill>
+                <a:latin typeface="Consolas" panose="020B0609020204030204" pitchFamily="49" charset="0"/>
+                <a:ea typeface="Yu Mincho" panose="02020400000000000000" pitchFamily="18" charset="-128"/>
+                <a:cs typeface="Consolas" panose="020B0609020204030204" pitchFamily="49" charset="0"/>
+              </a:rPr>
+              <a:t>  </a:t>
+            </a:r>
+            <a:r>
+              <a:rPr lang="ru-RU" sz="1400" kern="0" dirty="0" err="1">
+                <a:solidFill>
+                  <a:srgbClr val="000000"/>
+                </a:solidFill>
+                <a:latin typeface="Consolas" panose="020B0609020204030204" pitchFamily="49" charset="0"/>
+                <a:ea typeface="Yu Mincho" panose="02020400000000000000" pitchFamily="18" charset="-128"/>
+                <a:cs typeface="Consolas" panose="020B0609020204030204" pitchFamily="49" charset="0"/>
+              </a:rPr>
+              <a:t>signals</a:t>
+            </a:r>
+            <a:r>
+              <a:rPr lang="ru-RU" sz="1400" kern="0" dirty="0">
+                <a:solidFill>
+                  <a:srgbClr val="000000"/>
+                </a:solidFill>
+                <a:latin typeface="Consolas" panose="020B0609020204030204" pitchFamily="49" charset="0"/>
+                <a:ea typeface="Yu Mincho" panose="02020400000000000000" pitchFamily="18" charset="-128"/>
+                <a:cs typeface="Consolas" panose="020B0609020204030204" pitchFamily="49" charset="0"/>
+              </a:rPr>
+              <a:t>::</a:t>
+            </a:r>
+            <a:r>
+              <a:rPr lang="ru-RU" sz="1400" kern="0" dirty="0" err="1">
+                <a:solidFill>
+                  <a:srgbClr val="000000"/>
+                </a:solidFill>
+                <a:latin typeface="Consolas" panose="020B0609020204030204" pitchFamily="49" charset="0"/>
+                <a:ea typeface="Yu Mincho" panose="02020400000000000000" pitchFamily="18" charset="-128"/>
+                <a:cs typeface="Consolas" panose="020B0609020204030204" pitchFamily="49" charset="0"/>
+              </a:rPr>
+              <a:t>scoped_connection</a:t>
+            </a:r>
+            <a:r>
+              <a:rPr lang="ru-RU" sz="1400" kern="0" dirty="0">
+                <a:solidFill>
+                  <a:srgbClr val="000000"/>
+                </a:solidFill>
+                <a:latin typeface="Consolas" panose="020B0609020204030204" pitchFamily="49" charset="0"/>
+                <a:ea typeface="Yu Mincho" panose="02020400000000000000" pitchFamily="18" charset="-128"/>
+                <a:cs typeface="Consolas" panose="020B0609020204030204" pitchFamily="49" charset="0"/>
+              </a:rPr>
+              <a:t> m_</a:t>
+            </a:r>
+            <a:r>
+              <a:rPr lang="en-US" sz="1400" kern="0" dirty="0">
+                <a:solidFill>
+                  <a:srgbClr val="000000"/>
+                </a:solidFill>
+                <a:latin typeface="Consolas" panose="020B0609020204030204" pitchFamily="49" charset="0"/>
+                <a:ea typeface="Yu Mincho" panose="02020400000000000000" pitchFamily="18" charset="-128"/>
+                <a:cs typeface="Consolas" panose="020B0609020204030204" pitchFamily="49" charset="0"/>
+              </a:rPr>
+              <a:t>conn</a:t>
+            </a:r>
+            <a:r>
+              <a:rPr lang="ru-RU" sz="1400" kern="0" dirty="0">
+                <a:solidFill>
+                  <a:srgbClr val="000000"/>
+                </a:solidFill>
+                <a:latin typeface="Consolas" panose="020B0609020204030204" pitchFamily="49" charset="0"/>
+                <a:ea typeface="Yu Mincho" panose="02020400000000000000" pitchFamily="18" charset="-128"/>
+                <a:cs typeface="Consolas" panose="020B0609020204030204" pitchFamily="49" charset="0"/>
+              </a:rPr>
+              <a:t>;</a:t>
+            </a:r>
+            <a:endParaRPr lang="ru-RU" sz="1400" kern="100" dirty="0">
+              <a:latin typeface="Calibri" panose="020F0502020204030204" pitchFamily="34" charset="0"/>
+              <a:ea typeface="Yu Mincho" panose="02020400000000000000" pitchFamily="18" charset="-128"/>
+              <a:cs typeface="Times New Roman" panose="02020603050405020304" pitchFamily="18" charset="0"/>
+            </a:endParaRPr>
+          </a:p>
+          <a:p>
+            <a:pPr>
+              <a:lnSpc>
+                <a:spcPct val="107000"/>
+              </a:lnSpc>
+              <a:spcAft>
+                <a:spcPts val="0"/>
+              </a:spcAft>
+            </a:pPr>
+            <a:r>
+              <a:rPr lang="ru-RU" sz="1400" kern="0" dirty="0">
+                <a:solidFill>
+                  <a:srgbClr val="000000"/>
+                </a:solidFill>
+                <a:latin typeface="Consolas" panose="020B0609020204030204" pitchFamily="49" charset="0"/>
+                <a:ea typeface="Yu Mincho" panose="02020400000000000000" pitchFamily="18" charset="-128"/>
+                <a:cs typeface="Consolas" panose="020B0609020204030204" pitchFamily="49" charset="0"/>
+              </a:rPr>
+              <a:t>};</a:t>
+            </a:r>
+            <a:endParaRPr lang="ru-RU" sz="1400" kern="100" dirty="0">
+              <a:effectLst/>
+              <a:latin typeface="Calibri" panose="020F0502020204030204" pitchFamily="34" charset="0"/>
+              <a:ea typeface="Yu Mincho" panose="02020400000000000000" pitchFamily="18" charset="-128"/>
+              <a:cs typeface="Times New Roman" panose="02020603050405020304" pitchFamily="18" charset="0"/>
+            </a:endParaRPr>
+          </a:p>
+        </p:txBody>
+      </p:sp>
+    </p:spTree>
+    <p:extLst>
+      <p:ext uri="{BB962C8B-B14F-4D97-AF65-F5344CB8AC3E}">
+        <p14:creationId xmlns:p14="http://schemas.microsoft.com/office/powerpoint/2010/main" val="3953245648"/>
+      </p:ext>
+    </p:extLst>
+  </p:cSld>
+  <p:clrMapOvr>
+    <a:masterClrMapping/>
+  </p:clrMapOvr>
+  <p:timing>
+    <p:tnLst>
+      <p:par>
+        <p:cTn id="1" dur="indefinite" restart="never" nodeType="tmRoot">
+          <p:childTnLst>
+            <p:seq concurrent="1" nextAc="seek">
+              <p:cTn id="2" dur="indefinite" nodeType="mainSeq">
+                <p:childTnLst>
+                  <p:par>
+                    <p:cTn id="3" fill="hold">
+                      <p:stCondLst>
+                        <p:cond delay="indefinite"/>
+                      </p:stCondLst>
+                      <p:childTnLst>
+                        <p:par>
+                          <p:cTn id="4" fill="hold">
+                            <p:stCondLst>
+                              <p:cond delay="0"/>
+                            </p:stCondLst>
+                            <p:childTnLst>
+                              <p:par>
+                                <p:cTn id="5" presetID="10" presetClass="entr" presetSubtype="0" fill="hold" nodeType="clickEffect">
+                                  <p:stCondLst>
+                                    <p:cond delay="0"/>
+                                  </p:stCondLst>
+                                  <p:childTnLst>
+                                    <p:set>
+                                      <p:cBhvr>
+                                        <p:cTn id="6" dur="1" fill="hold">
+                                          <p:stCondLst>
+                                            <p:cond delay="0"/>
+                                          </p:stCondLst>
+                                        </p:cTn>
+                                        <p:tgtEl>
+                                          <p:spTgt spid="3">
+                                            <p:txEl>
+                                              <p:pRg st="18" end="18"/>
+                                            </p:txEl>
+                                          </p:spTgt>
+                                        </p:tgtEl>
+                                        <p:attrNameLst>
+                                          <p:attrName>style.visibility</p:attrName>
+                                        </p:attrNameLst>
+                                      </p:cBhvr>
+                                      <p:to>
+                                        <p:strVal val="visible"/>
+                                      </p:to>
+                                    </p:set>
+                                    <p:animEffect transition="in" filter="fade">
+                                      <p:cBhvr>
+                                        <p:cTn id="7" dur="500"/>
+                                        <p:tgtEl>
+                                          <p:spTgt spid="3">
+                                            <p:txEl>
+                                              <p:pRg st="18" end="18"/>
+                                            </p:txEl>
+                                          </p:spTgt>
+                                        </p:tgtEl>
+                                      </p:cBhvr>
+                                    </p:animEffect>
+                                  </p:childTnLst>
+                                </p:cTn>
+                              </p:par>
+                              <p:par>
+                                <p:cTn id="8" presetID="10" presetClass="entr" presetSubtype="0" fill="hold" nodeType="withEffect">
+                                  <p:stCondLst>
+                                    <p:cond delay="0"/>
+                                  </p:stCondLst>
+                                  <p:childTnLst>
+                                    <p:set>
+                                      <p:cBhvr>
+                                        <p:cTn id="9" dur="1" fill="hold">
+                                          <p:stCondLst>
+                                            <p:cond delay="0"/>
+                                          </p:stCondLst>
+                                        </p:cTn>
+                                        <p:tgtEl>
+                                          <p:spTgt spid="3">
+                                            <p:txEl>
+                                              <p:pRg st="19" end="19"/>
+                                            </p:txEl>
+                                          </p:spTgt>
+                                        </p:tgtEl>
+                                        <p:attrNameLst>
+                                          <p:attrName>style.visibility</p:attrName>
+                                        </p:attrNameLst>
+                                      </p:cBhvr>
+                                      <p:to>
+                                        <p:strVal val="visible"/>
+                                      </p:to>
+                                    </p:set>
+                                    <p:animEffect transition="in" filter="fade">
+                                      <p:cBhvr>
+                                        <p:cTn id="10" dur="500"/>
+                                        <p:tgtEl>
+                                          <p:spTgt spid="3">
+                                            <p:txEl>
+                                              <p:pRg st="19" end="19"/>
+                                            </p:txEl>
+                                          </p:spTgt>
+                                        </p:tgtEl>
+                                      </p:cBhvr>
+                                    </p:animEffect>
+                                  </p:childTnLst>
+                                </p:cTn>
+                              </p:par>
+                              <p:par>
+                                <p:cTn id="11" presetID="10" presetClass="entr" presetSubtype="0" fill="hold" nodeType="withEffect">
+                                  <p:stCondLst>
+                                    <p:cond delay="0"/>
+                                  </p:stCondLst>
+                                  <p:childTnLst>
+                                    <p:set>
+                                      <p:cBhvr>
+                                        <p:cTn id="12" dur="1" fill="hold">
+                                          <p:stCondLst>
+                                            <p:cond delay="0"/>
+                                          </p:stCondLst>
+                                        </p:cTn>
+                                        <p:tgtEl>
+                                          <p:spTgt spid="3">
+                                            <p:txEl>
+                                              <p:pRg st="20" end="20"/>
+                                            </p:txEl>
+                                          </p:spTgt>
+                                        </p:tgtEl>
+                                        <p:attrNameLst>
+                                          <p:attrName>style.visibility</p:attrName>
+                                        </p:attrNameLst>
+                                      </p:cBhvr>
+                                      <p:to>
+                                        <p:strVal val="visible"/>
+                                      </p:to>
+                                    </p:set>
+                                    <p:animEffect transition="in" filter="fade">
+                                      <p:cBhvr>
+                                        <p:cTn id="13" dur="500"/>
+                                        <p:tgtEl>
+                                          <p:spTgt spid="3">
+                                            <p:txEl>
+                                              <p:pRg st="20" end="20"/>
+                                            </p:txEl>
+                                          </p:spTgt>
+                                        </p:tgtEl>
+                                      </p:cBhvr>
+                                    </p:animEffect>
+                                  </p:childTnLst>
+                                </p:cTn>
+                              </p:par>
+                            </p:childTnLst>
+                          </p:cTn>
+                        </p:par>
+                      </p:childTnLst>
+                    </p:cTn>
+                  </p:par>
+                  <p:par>
+                    <p:cTn id="14" fill="hold">
+                      <p:stCondLst>
+                        <p:cond delay="indefinite"/>
+                      </p:stCondLst>
+                      <p:childTnLst>
+                        <p:par>
+                          <p:cTn id="15" fill="hold">
+                            <p:stCondLst>
+                              <p:cond delay="0"/>
+                            </p:stCondLst>
+                            <p:childTnLst>
+                              <p:par>
+                                <p:cTn id="16" presetID="10" presetClass="entr" presetSubtype="0" fill="hold" nodeType="clickEffect">
+                                  <p:stCondLst>
+                                    <p:cond delay="0"/>
+                                  </p:stCondLst>
+                                  <p:childTnLst>
+                                    <p:set>
+                                      <p:cBhvr>
+                                        <p:cTn id="17" dur="1" fill="hold">
+                                          <p:stCondLst>
+                                            <p:cond delay="0"/>
+                                          </p:stCondLst>
+                                        </p:cTn>
+                                        <p:tgtEl>
+                                          <p:spTgt spid="3">
+                                            <p:txEl>
+                                              <p:pRg st="2" end="2"/>
+                                            </p:txEl>
+                                          </p:spTgt>
+                                        </p:tgtEl>
+                                        <p:attrNameLst>
+                                          <p:attrName>style.visibility</p:attrName>
+                                        </p:attrNameLst>
+                                      </p:cBhvr>
+                                      <p:to>
+                                        <p:strVal val="visible"/>
+                                      </p:to>
+                                    </p:set>
+                                    <p:animEffect transition="in" filter="fade">
+                                      <p:cBhvr>
+                                        <p:cTn id="18" dur="500"/>
+                                        <p:tgtEl>
+                                          <p:spTgt spid="3">
+                                            <p:txEl>
+                                              <p:pRg st="2" end="2"/>
+                                            </p:txEl>
+                                          </p:spTgt>
+                                        </p:tgtEl>
+                                      </p:cBhvr>
+                                    </p:animEffect>
+                                  </p:childTnLst>
+                                </p:cTn>
+                              </p:par>
+                              <p:par>
+                                <p:cTn id="19" presetID="10" presetClass="entr" presetSubtype="0" fill="hold" nodeType="withEffect">
+                                  <p:stCondLst>
+                                    <p:cond delay="0"/>
+                                  </p:stCondLst>
+                                  <p:childTnLst>
+                                    <p:set>
+                                      <p:cBhvr>
+                                        <p:cTn id="20" dur="1" fill="hold">
+                                          <p:stCondLst>
+                                            <p:cond delay="0"/>
+                                          </p:stCondLst>
+                                        </p:cTn>
+                                        <p:tgtEl>
+                                          <p:spTgt spid="3">
+                                            <p:txEl>
+                                              <p:pRg st="3" end="3"/>
+                                            </p:txEl>
+                                          </p:spTgt>
+                                        </p:tgtEl>
+                                        <p:attrNameLst>
+                                          <p:attrName>style.visibility</p:attrName>
+                                        </p:attrNameLst>
+                                      </p:cBhvr>
+                                      <p:to>
+                                        <p:strVal val="visible"/>
+                                      </p:to>
+                                    </p:set>
+                                    <p:animEffect transition="in" filter="fade">
+                                      <p:cBhvr>
+                                        <p:cTn id="21" dur="500"/>
+                                        <p:tgtEl>
+                                          <p:spTgt spid="3">
+                                            <p:txEl>
+                                              <p:pRg st="3" end="3"/>
+                                            </p:txEl>
+                                          </p:spTgt>
+                                        </p:tgtEl>
+                                      </p:cBhvr>
+                                    </p:animEffect>
+                                  </p:childTnLst>
+                                </p:cTn>
+                              </p:par>
+                              <p:par>
+                                <p:cTn id="22" presetID="10" presetClass="entr" presetSubtype="0" fill="hold" nodeType="withEffect">
+                                  <p:stCondLst>
+                                    <p:cond delay="0"/>
+                                  </p:stCondLst>
+                                  <p:childTnLst>
+                                    <p:set>
+                                      <p:cBhvr>
+                                        <p:cTn id="23" dur="1" fill="hold">
+                                          <p:stCondLst>
+                                            <p:cond delay="0"/>
+                                          </p:stCondLst>
+                                        </p:cTn>
+                                        <p:tgtEl>
+                                          <p:spTgt spid="3">
+                                            <p:txEl>
+                                              <p:pRg st="4" end="4"/>
+                                            </p:txEl>
+                                          </p:spTgt>
+                                        </p:tgtEl>
+                                        <p:attrNameLst>
+                                          <p:attrName>style.visibility</p:attrName>
+                                        </p:attrNameLst>
+                                      </p:cBhvr>
+                                      <p:to>
+                                        <p:strVal val="visible"/>
+                                      </p:to>
+                                    </p:set>
+                                    <p:animEffect transition="in" filter="fade">
+                                      <p:cBhvr>
+                                        <p:cTn id="24" dur="500"/>
+                                        <p:tgtEl>
+                                          <p:spTgt spid="3">
+                                            <p:txEl>
+                                              <p:pRg st="4" end="4"/>
+                                            </p:txEl>
+                                          </p:spTgt>
+                                        </p:tgtEl>
+                                      </p:cBhvr>
+                                    </p:animEffect>
+                                  </p:childTnLst>
+                                </p:cTn>
+                              </p:par>
+                              <p:par>
+                                <p:cTn id="25" presetID="10" presetClass="entr" presetSubtype="0" fill="hold" nodeType="withEffect">
+                                  <p:stCondLst>
+                                    <p:cond delay="0"/>
+                                  </p:stCondLst>
+                                  <p:childTnLst>
+                                    <p:set>
+                                      <p:cBhvr>
+                                        <p:cTn id="26" dur="1" fill="hold">
+                                          <p:stCondLst>
+                                            <p:cond delay="0"/>
+                                          </p:stCondLst>
+                                        </p:cTn>
+                                        <p:tgtEl>
+                                          <p:spTgt spid="3">
+                                            <p:txEl>
+                                              <p:pRg st="5" end="5"/>
+                                            </p:txEl>
+                                          </p:spTgt>
+                                        </p:tgtEl>
+                                        <p:attrNameLst>
+                                          <p:attrName>style.visibility</p:attrName>
+                                        </p:attrNameLst>
+                                      </p:cBhvr>
+                                      <p:to>
+                                        <p:strVal val="visible"/>
+                                      </p:to>
+                                    </p:set>
+                                    <p:animEffect transition="in" filter="fade">
+                                      <p:cBhvr>
+                                        <p:cTn id="27" dur="500"/>
+                                        <p:tgtEl>
+                                          <p:spTgt spid="3">
+                                            <p:txEl>
+                                              <p:pRg st="5" end="5"/>
+                                            </p:txEl>
+                                          </p:spTgt>
+                                        </p:tgtEl>
+                                      </p:cBhvr>
+                                    </p:animEffect>
+                                  </p:childTnLst>
+                                </p:cTn>
+                              </p:par>
+                            </p:childTnLst>
+                          </p:cTn>
+                        </p:par>
+                      </p:childTnLst>
+                    </p:cTn>
+                  </p:par>
+                  <p:par>
+                    <p:cTn id="28" fill="hold">
+                      <p:stCondLst>
+                        <p:cond delay="indefinite"/>
+                      </p:stCondLst>
+                      <p:childTnLst>
+                        <p:par>
+                          <p:cTn id="29" fill="hold">
+                            <p:stCondLst>
+                              <p:cond delay="0"/>
+                            </p:stCondLst>
+                            <p:childTnLst>
+                              <p:par>
+                                <p:cTn id="30" presetID="10" presetClass="entr" presetSubtype="0" fill="hold" nodeType="clickEffect">
+                                  <p:stCondLst>
+                                    <p:cond delay="0"/>
+                                  </p:stCondLst>
+                                  <p:childTnLst>
+                                    <p:set>
+                                      <p:cBhvr>
+                                        <p:cTn id="31" dur="1" fill="hold">
+                                          <p:stCondLst>
+                                            <p:cond delay="0"/>
+                                          </p:stCondLst>
+                                        </p:cTn>
+                                        <p:tgtEl>
+                                          <p:spTgt spid="3">
+                                            <p:txEl>
+                                              <p:pRg st="12" end="12"/>
+                                            </p:txEl>
+                                          </p:spTgt>
+                                        </p:tgtEl>
+                                        <p:attrNameLst>
+                                          <p:attrName>style.visibility</p:attrName>
+                                        </p:attrNameLst>
+                                      </p:cBhvr>
+                                      <p:to>
+                                        <p:strVal val="visible"/>
+                                      </p:to>
+                                    </p:set>
+                                    <p:animEffect transition="in" filter="fade">
+                                      <p:cBhvr>
+                                        <p:cTn id="32" dur="500"/>
+                                        <p:tgtEl>
+                                          <p:spTgt spid="3">
+                                            <p:txEl>
+                                              <p:pRg st="12" end="12"/>
+                                            </p:txEl>
+                                          </p:spTgt>
+                                        </p:tgtEl>
+                                      </p:cBhvr>
+                                    </p:animEffect>
+                                  </p:childTnLst>
+                                </p:cTn>
+                              </p:par>
+                              <p:par>
+                                <p:cTn id="33" presetID="10" presetClass="entr" presetSubtype="0" fill="hold" nodeType="withEffect">
+                                  <p:stCondLst>
+                                    <p:cond delay="0"/>
+                                  </p:stCondLst>
+                                  <p:childTnLst>
+                                    <p:set>
+                                      <p:cBhvr>
+                                        <p:cTn id="34" dur="1" fill="hold">
+                                          <p:stCondLst>
+                                            <p:cond delay="0"/>
+                                          </p:stCondLst>
+                                        </p:cTn>
+                                        <p:tgtEl>
+                                          <p:spTgt spid="3">
+                                            <p:txEl>
+                                              <p:pRg st="13" end="13"/>
+                                            </p:txEl>
+                                          </p:spTgt>
+                                        </p:tgtEl>
+                                        <p:attrNameLst>
+                                          <p:attrName>style.visibility</p:attrName>
+                                        </p:attrNameLst>
+                                      </p:cBhvr>
+                                      <p:to>
+                                        <p:strVal val="visible"/>
+                                      </p:to>
+                                    </p:set>
+                                    <p:animEffect transition="in" filter="fade">
+                                      <p:cBhvr>
+                                        <p:cTn id="35" dur="500"/>
+                                        <p:tgtEl>
+                                          <p:spTgt spid="3">
+                                            <p:txEl>
+                                              <p:pRg st="13" end="13"/>
+                                            </p:txEl>
+                                          </p:spTgt>
+                                        </p:tgtEl>
+                                      </p:cBhvr>
+                                    </p:animEffect>
+                                  </p:childTnLst>
+                                </p:cTn>
+                              </p:par>
+                              <p:par>
+                                <p:cTn id="36" presetID="10" presetClass="entr" presetSubtype="0" fill="hold" nodeType="withEffect">
+                                  <p:stCondLst>
+                                    <p:cond delay="0"/>
+                                  </p:stCondLst>
+                                  <p:childTnLst>
+                                    <p:set>
+                                      <p:cBhvr>
+                                        <p:cTn id="37" dur="1" fill="hold">
+                                          <p:stCondLst>
+                                            <p:cond delay="0"/>
+                                          </p:stCondLst>
+                                        </p:cTn>
+                                        <p:tgtEl>
+                                          <p:spTgt spid="3">
+                                            <p:txEl>
+                                              <p:pRg st="14" end="14"/>
+                                            </p:txEl>
+                                          </p:spTgt>
+                                        </p:tgtEl>
+                                        <p:attrNameLst>
+                                          <p:attrName>style.visibility</p:attrName>
+                                        </p:attrNameLst>
+                                      </p:cBhvr>
+                                      <p:to>
+                                        <p:strVal val="visible"/>
+                                      </p:to>
+                                    </p:set>
+                                    <p:animEffect transition="in" filter="fade">
+                                      <p:cBhvr>
+                                        <p:cTn id="38" dur="500"/>
+                                        <p:tgtEl>
+                                          <p:spTgt spid="3">
+                                            <p:txEl>
+                                              <p:pRg st="14" end="14"/>
+                                            </p:txEl>
+                                          </p:spTgt>
+                                        </p:tgtEl>
+                                      </p:cBhvr>
+                                    </p:animEffect>
+                                  </p:childTnLst>
+                                </p:cTn>
+                              </p:par>
+                              <p:par>
+                                <p:cTn id="39" presetID="10" presetClass="entr" presetSubtype="0" fill="hold" nodeType="withEffect">
+                                  <p:stCondLst>
+                                    <p:cond delay="0"/>
+                                  </p:stCondLst>
+                                  <p:childTnLst>
+                                    <p:set>
+                                      <p:cBhvr>
+                                        <p:cTn id="40" dur="1" fill="hold">
+                                          <p:stCondLst>
+                                            <p:cond delay="0"/>
+                                          </p:stCondLst>
+                                        </p:cTn>
+                                        <p:tgtEl>
+                                          <p:spTgt spid="3">
+                                            <p:txEl>
+                                              <p:pRg st="15" end="15"/>
+                                            </p:txEl>
+                                          </p:spTgt>
+                                        </p:tgtEl>
+                                        <p:attrNameLst>
+                                          <p:attrName>style.visibility</p:attrName>
+                                        </p:attrNameLst>
+                                      </p:cBhvr>
+                                      <p:to>
+                                        <p:strVal val="visible"/>
+                                      </p:to>
+                                    </p:set>
+                                    <p:animEffect transition="in" filter="fade">
+                                      <p:cBhvr>
+                                        <p:cTn id="41" dur="500"/>
+                                        <p:tgtEl>
+                                          <p:spTgt spid="3">
+                                            <p:txEl>
+                                              <p:pRg st="15" end="15"/>
+                                            </p:txEl>
+                                          </p:spTgt>
+                                        </p:tgtEl>
+                                      </p:cBhvr>
+                                    </p:animEffect>
+                                  </p:childTnLst>
+                                </p:cTn>
+                              </p:par>
+                              <p:par>
+                                <p:cTn id="42" presetID="10" presetClass="entr" presetSubtype="0" fill="hold" nodeType="withEffect">
+                                  <p:stCondLst>
+                                    <p:cond delay="0"/>
+                                  </p:stCondLst>
+                                  <p:childTnLst>
+                                    <p:set>
+                                      <p:cBhvr>
+                                        <p:cTn id="43" dur="1" fill="hold">
+                                          <p:stCondLst>
+                                            <p:cond delay="0"/>
+                                          </p:stCondLst>
+                                        </p:cTn>
+                                        <p:tgtEl>
+                                          <p:spTgt spid="3">
+                                            <p:txEl>
+                                              <p:pRg st="16" end="16"/>
+                                            </p:txEl>
+                                          </p:spTgt>
+                                        </p:tgtEl>
+                                        <p:attrNameLst>
+                                          <p:attrName>style.visibility</p:attrName>
+                                        </p:attrNameLst>
+                                      </p:cBhvr>
+                                      <p:to>
+                                        <p:strVal val="visible"/>
+                                      </p:to>
+                                    </p:set>
+                                    <p:animEffect transition="in" filter="fade">
+                                      <p:cBhvr>
+                                        <p:cTn id="44" dur="500"/>
+                                        <p:tgtEl>
+                                          <p:spTgt spid="3">
+                                            <p:txEl>
+                                              <p:pRg st="16" end="16"/>
+                                            </p:txEl>
+                                          </p:spTgt>
+                                        </p:tgtEl>
+                                      </p:cBhvr>
+                                    </p:animEffect>
+                                  </p:childTnLst>
+                                </p:cTn>
+                              </p:par>
+                            </p:childTnLst>
+                          </p:cTn>
+                        </p:par>
+                      </p:childTnLst>
+                    </p:cTn>
+                  </p:par>
+                  <p:par>
+                    <p:cTn id="45" fill="hold">
+                      <p:stCondLst>
+                        <p:cond delay="indefinite"/>
+                      </p:stCondLst>
+                      <p:childTnLst>
+                        <p:par>
+                          <p:cTn id="46" fill="hold">
+                            <p:stCondLst>
+                              <p:cond delay="0"/>
+                            </p:stCondLst>
+                            <p:childTnLst>
+                              <p:par>
+                                <p:cTn id="47" presetID="10" presetClass="entr" presetSubtype="0" fill="hold" nodeType="clickEffect">
+                                  <p:stCondLst>
+                                    <p:cond delay="0"/>
+                                  </p:stCondLst>
+                                  <p:childTnLst>
+                                    <p:set>
+                                      <p:cBhvr>
+                                        <p:cTn id="48" dur="1" fill="hold">
+                                          <p:stCondLst>
+                                            <p:cond delay="0"/>
+                                          </p:stCondLst>
+                                        </p:cTn>
+                                        <p:tgtEl>
+                                          <p:spTgt spid="3">
+                                            <p:txEl>
+                                              <p:pRg st="7" end="7"/>
+                                            </p:txEl>
+                                          </p:spTgt>
+                                        </p:tgtEl>
+                                        <p:attrNameLst>
+                                          <p:attrName>style.visibility</p:attrName>
+                                        </p:attrNameLst>
+                                      </p:cBhvr>
+                                      <p:to>
+                                        <p:strVal val="visible"/>
+                                      </p:to>
+                                    </p:set>
+                                    <p:animEffect transition="in" filter="fade">
+                                      <p:cBhvr>
+                                        <p:cTn id="49" dur="500"/>
+                                        <p:tgtEl>
+                                          <p:spTgt spid="3">
+                                            <p:txEl>
+                                              <p:pRg st="7" end="7"/>
+                                            </p:txEl>
+                                          </p:spTgt>
+                                        </p:tgtEl>
+                                      </p:cBhvr>
+                                    </p:animEffect>
+                                  </p:childTnLst>
+                                </p:cTn>
+                              </p:par>
+                              <p:par>
+                                <p:cTn id="50" presetID="10" presetClass="entr" presetSubtype="0" fill="hold" nodeType="withEffect">
+                                  <p:stCondLst>
+                                    <p:cond delay="0"/>
+                                  </p:stCondLst>
+                                  <p:childTnLst>
+                                    <p:set>
+                                      <p:cBhvr>
+                                        <p:cTn id="51" dur="1" fill="hold">
+                                          <p:stCondLst>
+                                            <p:cond delay="0"/>
+                                          </p:stCondLst>
+                                        </p:cTn>
+                                        <p:tgtEl>
+                                          <p:spTgt spid="3">
+                                            <p:txEl>
+                                              <p:pRg st="8" end="8"/>
+                                            </p:txEl>
+                                          </p:spTgt>
+                                        </p:tgtEl>
+                                        <p:attrNameLst>
+                                          <p:attrName>style.visibility</p:attrName>
+                                        </p:attrNameLst>
+                                      </p:cBhvr>
+                                      <p:to>
+                                        <p:strVal val="visible"/>
+                                      </p:to>
+                                    </p:set>
+                                    <p:animEffect transition="in" filter="fade">
+                                      <p:cBhvr>
+                                        <p:cTn id="52" dur="500"/>
+                                        <p:tgtEl>
+                                          <p:spTgt spid="3">
+                                            <p:txEl>
+                                              <p:pRg st="8" end="8"/>
+                                            </p:txEl>
+                                          </p:spTgt>
+                                        </p:tgtEl>
+                                      </p:cBhvr>
+                                    </p:animEffect>
+                                  </p:childTnLst>
+                                </p:cTn>
+                              </p:par>
+                              <p:par>
+                                <p:cTn id="53" presetID="10" presetClass="entr" presetSubtype="0" fill="hold" nodeType="withEffect">
+                                  <p:stCondLst>
+                                    <p:cond delay="0"/>
+                                  </p:stCondLst>
+                                  <p:childTnLst>
+                                    <p:set>
+                                      <p:cBhvr>
+                                        <p:cTn id="54" dur="1" fill="hold">
+                                          <p:stCondLst>
+                                            <p:cond delay="0"/>
+                                          </p:stCondLst>
+                                        </p:cTn>
+                                        <p:tgtEl>
+                                          <p:spTgt spid="3">
+                                            <p:txEl>
+                                              <p:pRg st="9" end="9"/>
+                                            </p:txEl>
+                                          </p:spTgt>
+                                        </p:tgtEl>
+                                        <p:attrNameLst>
+                                          <p:attrName>style.visibility</p:attrName>
+                                        </p:attrNameLst>
+                                      </p:cBhvr>
+                                      <p:to>
+                                        <p:strVal val="visible"/>
+                                      </p:to>
+                                    </p:set>
+                                    <p:animEffect transition="in" filter="fade">
+                                      <p:cBhvr>
+                                        <p:cTn id="55" dur="500"/>
+                                        <p:tgtEl>
+                                          <p:spTgt spid="3">
+                                            <p:txEl>
+                                              <p:pRg st="9" end="9"/>
+                                            </p:txEl>
+                                          </p:spTgt>
+                                        </p:tgtEl>
+                                      </p:cBhvr>
+                                    </p:animEffect>
+                                  </p:childTnLst>
+                                </p:cTn>
+                              </p:par>
+                            </p:childTnLst>
+                          </p:cTn>
+                        </p:par>
+                      </p:childTnLst>
+                    </p:cTn>
+                  </p:par>
+                </p:childTnLst>
+              </p:cTn>
+              <p:prevCondLst>
+                <p:cond evt="onPrev" delay="0">
+                  <p:tgtEl>
+                    <p:sldTgt/>
+                  </p:tgtEl>
+                </p:cond>
+              </p:prevCondLst>
+              <p:nextCondLst>
+                <p:cond evt="onNext" delay="0">
+                  <p:tgtEl>
+                    <p:sldTgt/>
+                  </p:tgtEl>
+                </p:cond>
+              </p:nextCondLst>
+            </p:seq>
+          </p:childTnLst>
+        </p:cTn>
+      </p:par>
+    </p:tnLst>
+  </p:timing>
+</p:sld>
+</file>
+
+<file path=ppt/slides/slide49.xml><?xml version="1.0" encoding="utf-8"?>
+<p:sld xmlns:a="http://schemas.openxmlformats.org/drawingml/2006/main" xmlns:r="http://schemas.openxmlformats.org/officeDocument/2006/relationships" xmlns:p="http://schemas.openxmlformats.org/presentationml/2006/main">
+  <p:cSld>
+    <p:spTree>
+      <p:nvGrpSpPr>
+        <p:cNvPr id="1" name=""/>
+        <p:cNvGrpSpPr/>
+        <p:nvPr/>
+      </p:nvGrpSpPr>
+      <p:grpSpPr>
+        <a:xfrm>
+          <a:off x="0" y="0"/>
+          <a:ext cx="0" cy="0"/>
+          <a:chOff x="0" y="0"/>
+          <a:chExt cx="0" cy="0"/>
+        </a:xfrm>
+      </p:grpSpPr>
+      <p:sp>
+        <p:nvSpPr>
+          <p:cNvPr id="2" name="Rectangle 1">
+            <a:extLst>
+              <a:ext uri="{FF2B5EF4-FFF2-40B4-BE49-F238E27FC236}">
+                <a16:creationId xmlns:a16="http://schemas.microsoft.com/office/drawing/2014/main" id="{3203535F-C8D9-4FD7-8E31-E372EAEB9540}"/>
+              </a:ext>
+            </a:extLst>
+          </p:cNvPr>
+          <p:cNvSpPr/>
+          <p:nvPr/>
+        </p:nvSpPr>
+        <p:spPr>
+          <a:xfrm>
+            <a:off x="215516" y="188640"/>
+            <a:ext cx="8712968" cy="6598858"/>
+          </a:xfrm>
+          <a:prstGeom prst="rect">
+            <a:avLst/>
+          </a:prstGeom>
+        </p:spPr>
+        <p:txBody>
+          <a:bodyPr wrap="square">
+            <a:spAutoFit/>
+          </a:bodyPr>
+          <a:lstStyle/>
+          <a:p>
+            <a:pPr>
+              <a:lnSpc>
+                <a:spcPct val="107000"/>
+              </a:lnSpc>
+              <a:spcAft>
+                <a:spcPts val="0"/>
+              </a:spcAft>
+            </a:pPr>
+            <a:r>
+              <a:rPr lang="ru-RU" kern="0" dirty="0" err="1">
+                <a:solidFill>
+                  <a:srgbClr val="0000FF"/>
+                </a:solidFill>
+                <a:latin typeface="Consolas" panose="020B0609020204030204" pitchFamily="49" charset="0"/>
+                <a:ea typeface="Yu Mincho" panose="02020400000000000000" pitchFamily="18" charset="-128"/>
+                <a:cs typeface="Consolas" panose="020B0609020204030204" pitchFamily="49" charset="0"/>
+              </a:rPr>
+              <a:t>int</a:t>
+            </a:r>
+            <a:r>
+              <a:rPr lang="ru-RU" kern="0" dirty="0">
+                <a:solidFill>
+                  <a:srgbClr val="000000"/>
+                </a:solidFill>
+                <a:latin typeface="Consolas" panose="020B0609020204030204" pitchFamily="49" charset="0"/>
+                <a:ea typeface="Yu Mincho" panose="02020400000000000000" pitchFamily="18" charset="-128"/>
+                <a:cs typeface="Consolas" panose="020B0609020204030204" pitchFamily="49" charset="0"/>
+              </a:rPr>
+              <a:t> </a:t>
+            </a:r>
+            <a:r>
+              <a:rPr lang="ru-RU" kern="0" dirty="0" err="1">
+                <a:solidFill>
+                  <a:srgbClr val="000000"/>
+                </a:solidFill>
+                <a:latin typeface="Consolas" panose="020B0609020204030204" pitchFamily="49" charset="0"/>
+                <a:ea typeface="Yu Mincho" panose="02020400000000000000" pitchFamily="18" charset="-128"/>
+                <a:cs typeface="Consolas" panose="020B0609020204030204" pitchFamily="49" charset="0"/>
+              </a:rPr>
+              <a:t>main</a:t>
+            </a:r>
+            <a:r>
+              <a:rPr lang="ru-RU" kern="0" dirty="0">
+                <a:solidFill>
+                  <a:srgbClr val="000000"/>
+                </a:solidFill>
+                <a:latin typeface="Consolas" panose="020B0609020204030204" pitchFamily="49" charset="0"/>
+                <a:ea typeface="Yu Mincho" panose="02020400000000000000" pitchFamily="18" charset="-128"/>
+                <a:cs typeface="Consolas" panose="020B0609020204030204" pitchFamily="49" charset="0"/>
+              </a:rPr>
+              <a:t>() {</a:t>
+            </a:r>
+            <a:endParaRPr lang="ru-RU" kern="100" dirty="0">
+              <a:latin typeface="Calibri" panose="020F0502020204030204" pitchFamily="34" charset="0"/>
+              <a:ea typeface="Yu Mincho" panose="02020400000000000000" pitchFamily="18" charset="-128"/>
+              <a:cs typeface="Times New Roman" panose="02020603050405020304" pitchFamily="18" charset="0"/>
+            </a:endParaRPr>
+          </a:p>
+          <a:p>
+            <a:pPr>
+              <a:lnSpc>
+                <a:spcPct val="107000"/>
+              </a:lnSpc>
+              <a:spcAft>
+                <a:spcPts val="0"/>
+              </a:spcAft>
+            </a:pPr>
+            <a:r>
+              <a:rPr lang="ru-RU" kern="0" dirty="0">
+                <a:solidFill>
+                  <a:srgbClr val="000000"/>
+                </a:solidFill>
+                <a:latin typeface="Consolas" panose="020B0609020204030204" pitchFamily="49" charset="0"/>
+                <a:ea typeface="Yu Mincho" panose="02020400000000000000" pitchFamily="18" charset="-128"/>
+                <a:cs typeface="Consolas" panose="020B0609020204030204" pitchFamily="49" charset="0"/>
+              </a:rPr>
+              <a:t>  </a:t>
+            </a:r>
+            <a:r>
+              <a:rPr lang="ru-RU" kern="0" dirty="0" err="1">
+                <a:solidFill>
+                  <a:srgbClr val="2B91AF"/>
+                </a:solidFill>
+                <a:latin typeface="Consolas" panose="020B0609020204030204" pitchFamily="49" charset="0"/>
+                <a:ea typeface="Yu Mincho" panose="02020400000000000000" pitchFamily="18" charset="-128"/>
+                <a:cs typeface="Consolas" panose="020B0609020204030204" pitchFamily="49" charset="0"/>
+              </a:rPr>
+              <a:t>Stock</a:t>
+            </a:r>
+            <a:r>
+              <a:rPr lang="ru-RU" kern="0" dirty="0">
+                <a:solidFill>
+                  <a:srgbClr val="000000"/>
+                </a:solidFill>
+                <a:latin typeface="Consolas" panose="020B0609020204030204" pitchFamily="49" charset="0"/>
+                <a:ea typeface="Yu Mincho" panose="02020400000000000000" pitchFamily="18" charset="-128"/>
+                <a:cs typeface="Consolas" panose="020B0609020204030204" pitchFamily="49" charset="0"/>
+              </a:rPr>
+              <a:t> s;</a:t>
+            </a:r>
+            <a:endParaRPr lang="ru-RU" kern="100" dirty="0">
+              <a:latin typeface="Calibri" panose="020F0502020204030204" pitchFamily="34" charset="0"/>
+              <a:ea typeface="Yu Mincho" panose="02020400000000000000" pitchFamily="18" charset="-128"/>
+              <a:cs typeface="Times New Roman" panose="02020603050405020304" pitchFamily="18" charset="0"/>
+            </a:endParaRPr>
+          </a:p>
+          <a:p>
+            <a:pPr>
+              <a:lnSpc>
+                <a:spcPct val="107000"/>
+              </a:lnSpc>
+              <a:spcAft>
+                <a:spcPts val="0"/>
+              </a:spcAft>
+            </a:pPr>
+            <a:r>
+              <a:rPr lang="ru-RU" kern="0" dirty="0">
+                <a:solidFill>
+                  <a:srgbClr val="000000"/>
+                </a:solidFill>
+                <a:latin typeface="Consolas" panose="020B0609020204030204" pitchFamily="49" charset="0"/>
+                <a:ea typeface="Yu Mincho" panose="02020400000000000000" pitchFamily="18" charset="-128"/>
+                <a:cs typeface="Consolas" panose="020B0609020204030204" pitchFamily="49" charset="0"/>
+              </a:rPr>
+              <a:t> </a:t>
+            </a:r>
+            <a:endParaRPr lang="ru-RU" kern="100" dirty="0">
+              <a:latin typeface="Calibri" panose="020F0502020204030204" pitchFamily="34" charset="0"/>
+              <a:ea typeface="Yu Mincho" panose="02020400000000000000" pitchFamily="18" charset="-128"/>
+              <a:cs typeface="Times New Roman" panose="02020603050405020304" pitchFamily="18" charset="0"/>
+            </a:endParaRPr>
+          </a:p>
+          <a:p>
+            <a:pPr>
+              <a:lnSpc>
+                <a:spcPct val="107000"/>
+              </a:lnSpc>
+              <a:spcAft>
+                <a:spcPts val="0"/>
+              </a:spcAft>
+            </a:pPr>
+            <a:r>
+              <a:rPr lang="ru-RU" kern="0" dirty="0">
+                <a:solidFill>
+                  <a:srgbClr val="000000"/>
+                </a:solidFill>
+                <a:latin typeface="Consolas" panose="020B0609020204030204" pitchFamily="49" charset="0"/>
+                <a:ea typeface="Yu Mincho" panose="02020400000000000000" pitchFamily="18" charset="-128"/>
+                <a:cs typeface="Consolas" panose="020B0609020204030204" pitchFamily="49" charset="0"/>
+              </a:rPr>
+              <a:t>  </a:t>
+            </a:r>
+            <a:r>
+              <a:rPr lang="ru-RU" kern="0" dirty="0" err="1">
+                <a:solidFill>
+                  <a:srgbClr val="000000"/>
+                </a:solidFill>
+                <a:latin typeface="Consolas" panose="020B0609020204030204" pitchFamily="49" charset="0"/>
+                <a:ea typeface="Yu Mincho" panose="02020400000000000000" pitchFamily="18" charset="-128"/>
+                <a:cs typeface="Consolas" panose="020B0609020204030204" pitchFamily="49" charset="0"/>
+              </a:rPr>
+              <a:t>s.DoOnRateChange</a:t>
+            </a:r>
+            <a:r>
+              <a:rPr lang="ru-RU" kern="0" dirty="0">
+                <a:solidFill>
+                  <a:srgbClr val="000000"/>
+                </a:solidFill>
+                <a:latin typeface="Consolas" panose="020B0609020204030204" pitchFamily="49" charset="0"/>
+                <a:ea typeface="Yu Mincho" panose="02020400000000000000" pitchFamily="18" charset="-128"/>
+                <a:cs typeface="Consolas" panose="020B0609020204030204" pitchFamily="49" charset="0"/>
+              </a:rPr>
+              <a:t>([](</a:t>
+            </a:r>
+            <a:r>
+              <a:rPr lang="ru-RU" kern="0" dirty="0" err="1">
+                <a:solidFill>
+                  <a:srgbClr val="0000FF"/>
+                </a:solidFill>
+                <a:latin typeface="Consolas" panose="020B0609020204030204" pitchFamily="49" charset="0"/>
+                <a:ea typeface="Yu Mincho" panose="02020400000000000000" pitchFamily="18" charset="-128"/>
+                <a:cs typeface="Consolas" panose="020B0609020204030204" pitchFamily="49" charset="0"/>
+              </a:rPr>
+              <a:t>double</a:t>
+            </a:r>
+            <a:r>
+              <a:rPr lang="ru-RU" kern="0" dirty="0">
+                <a:solidFill>
+                  <a:srgbClr val="000000"/>
+                </a:solidFill>
+                <a:latin typeface="Consolas" panose="020B0609020204030204" pitchFamily="49" charset="0"/>
+                <a:ea typeface="Yu Mincho" panose="02020400000000000000" pitchFamily="18" charset="-128"/>
+                <a:cs typeface="Consolas" panose="020B0609020204030204" pitchFamily="49" charset="0"/>
+              </a:rPr>
+              <a:t> </a:t>
+            </a:r>
+            <a:r>
+              <a:rPr lang="ru-RU" kern="0" dirty="0" err="1">
+                <a:solidFill>
+                  <a:srgbClr val="808080"/>
+                </a:solidFill>
+                <a:latin typeface="Consolas" panose="020B0609020204030204" pitchFamily="49" charset="0"/>
+                <a:ea typeface="Yu Mincho" panose="02020400000000000000" pitchFamily="18" charset="-128"/>
+                <a:cs typeface="Consolas" panose="020B0609020204030204" pitchFamily="49" charset="0"/>
+              </a:rPr>
+              <a:t>rate</a:t>
+            </a:r>
+            <a:r>
+              <a:rPr lang="ru-RU" kern="0" dirty="0">
+                <a:solidFill>
+                  <a:srgbClr val="000000"/>
+                </a:solidFill>
+                <a:latin typeface="Consolas" panose="020B0609020204030204" pitchFamily="49" charset="0"/>
+                <a:ea typeface="Yu Mincho" panose="02020400000000000000" pitchFamily="18" charset="-128"/>
+                <a:cs typeface="Consolas" panose="020B0609020204030204" pitchFamily="49" charset="0"/>
+              </a:rPr>
+              <a:t>) {</a:t>
+            </a:r>
+            <a:endParaRPr lang="ru-RU" kern="100" dirty="0">
+              <a:latin typeface="Calibri" panose="020F0502020204030204" pitchFamily="34" charset="0"/>
+              <a:ea typeface="Yu Mincho" panose="02020400000000000000" pitchFamily="18" charset="-128"/>
+              <a:cs typeface="Times New Roman" panose="02020603050405020304" pitchFamily="18" charset="0"/>
+            </a:endParaRPr>
+          </a:p>
+          <a:p>
+            <a:pPr>
+              <a:lnSpc>
+                <a:spcPct val="107000"/>
+              </a:lnSpc>
+              <a:spcAft>
+                <a:spcPts val="0"/>
+              </a:spcAft>
+            </a:pPr>
+            <a:r>
+              <a:rPr lang="ru-RU" kern="0" dirty="0">
+                <a:solidFill>
+                  <a:srgbClr val="000000"/>
+                </a:solidFill>
+                <a:latin typeface="Consolas" panose="020B0609020204030204" pitchFamily="49" charset="0"/>
+                <a:ea typeface="Yu Mincho" panose="02020400000000000000" pitchFamily="18" charset="-128"/>
+                <a:cs typeface="Consolas" panose="020B0609020204030204" pitchFamily="49" charset="0"/>
+              </a:rPr>
+              <a:t>    </a:t>
+            </a:r>
+            <a:r>
+              <a:rPr lang="ru-RU" kern="0" dirty="0" err="1">
+                <a:solidFill>
+                  <a:srgbClr val="000000"/>
+                </a:solidFill>
+                <a:latin typeface="Consolas" panose="020B0609020204030204" pitchFamily="49" charset="0"/>
+                <a:ea typeface="Yu Mincho" panose="02020400000000000000" pitchFamily="18" charset="-128"/>
+                <a:cs typeface="Consolas" panose="020B0609020204030204" pitchFamily="49" charset="0"/>
+              </a:rPr>
+              <a:t>cout</a:t>
+            </a:r>
+            <a:r>
+              <a:rPr lang="ru-RU" kern="0" dirty="0">
+                <a:solidFill>
+                  <a:srgbClr val="000000"/>
+                </a:solidFill>
+                <a:latin typeface="Consolas" panose="020B0609020204030204" pitchFamily="49" charset="0"/>
+                <a:ea typeface="Yu Mincho" panose="02020400000000000000" pitchFamily="18" charset="-128"/>
+                <a:cs typeface="Consolas" panose="020B0609020204030204" pitchFamily="49" charset="0"/>
+              </a:rPr>
+              <a:t> </a:t>
+            </a:r>
+            <a:r>
+              <a:rPr lang="ru-RU" kern="0" dirty="0">
+                <a:solidFill>
+                  <a:srgbClr val="008080"/>
+                </a:solidFill>
+                <a:latin typeface="Consolas" panose="020B0609020204030204" pitchFamily="49" charset="0"/>
+                <a:ea typeface="Yu Mincho" panose="02020400000000000000" pitchFamily="18" charset="-128"/>
+                <a:cs typeface="Consolas" panose="020B0609020204030204" pitchFamily="49" charset="0"/>
+              </a:rPr>
+              <a:t>&lt;&lt;</a:t>
+            </a:r>
+            <a:r>
+              <a:rPr lang="ru-RU" kern="0" dirty="0">
+                <a:solidFill>
+                  <a:srgbClr val="000000"/>
+                </a:solidFill>
+                <a:latin typeface="Consolas" panose="020B0609020204030204" pitchFamily="49" charset="0"/>
+                <a:ea typeface="Yu Mincho" panose="02020400000000000000" pitchFamily="18" charset="-128"/>
+                <a:cs typeface="Consolas" panose="020B0609020204030204" pitchFamily="49" charset="0"/>
+              </a:rPr>
+              <a:t> </a:t>
+            </a:r>
+            <a:r>
+              <a:rPr lang="ru-RU" kern="0" dirty="0">
+                <a:solidFill>
+                  <a:srgbClr val="A31515"/>
+                </a:solidFill>
+                <a:latin typeface="Consolas" panose="020B0609020204030204" pitchFamily="49" charset="0"/>
+                <a:ea typeface="Yu Mincho" panose="02020400000000000000" pitchFamily="18" charset="-128"/>
+                <a:cs typeface="Consolas" panose="020B0609020204030204" pitchFamily="49" charset="0"/>
+              </a:rPr>
+              <a:t>"</a:t>
+            </a:r>
+            <a:r>
+              <a:rPr lang="ru-RU" kern="0" dirty="0" err="1">
+                <a:solidFill>
+                  <a:srgbClr val="A31515"/>
+                </a:solidFill>
+                <a:latin typeface="Consolas" panose="020B0609020204030204" pitchFamily="49" charset="0"/>
+                <a:ea typeface="Yu Mincho" panose="02020400000000000000" pitchFamily="18" charset="-128"/>
+                <a:cs typeface="Consolas" panose="020B0609020204030204" pitchFamily="49" charset="0"/>
+              </a:rPr>
+              <a:t>Rate</a:t>
+            </a:r>
+            <a:r>
+              <a:rPr lang="ru-RU" kern="0" dirty="0">
+                <a:solidFill>
+                  <a:srgbClr val="A31515"/>
+                </a:solidFill>
+                <a:latin typeface="Consolas" panose="020B0609020204030204" pitchFamily="49" charset="0"/>
+                <a:ea typeface="Yu Mincho" panose="02020400000000000000" pitchFamily="18" charset="-128"/>
+                <a:cs typeface="Consolas" panose="020B0609020204030204" pitchFamily="49" charset="0"/>
+              </a:rPr>
+              <a:t> </a:t>
+            </a:r>
+            <a:r>
+              <a:rPr lang="ru-RU" kern="0" dirty="0" err="1">
+                <a:solidFill>
+                  <a:srgbClr val="A31515"/>
+                </a:solidFill>
+                <a:latin typeface="Consolas" panose="020B0609020204030204" pitchFamily="49" charset="0"/>
+                <a:ea typeface="Yu Mincho" panose="02020400000000000000" pitchFamily="18" charset="-128"/>
+                <a:cs typeface="Consolas" panose="020B0609020204030204" pitchFamily="49" charset="0"/>
+              </a:rPr>
+              <a:t>is</a:t>
+            </a:r>
+            <a:r>
+              <a:rPr lang="ru-RU" kern="0" dirty="0">
+                <a:solidFill>
+                  <a:srgbClr val="A31515"/>
+                </a:solidFill>
+                <a:latin typeface="Consolas" panose="020B0609020204030204" pitchFamily="49" charset="0"/>
+                <a:ea typeface="Yu Mincho" panose="02020400000000000000" pitchFamily="18" charset="-128"/>
+                <a:cs typeface="Consolas" panose="020B0609020204030204" pitchFamily="49" charset="0"/>
+              </a:rPr>
+              <a:t>: "</a:t>
+            </a:r>
+            <a:r>
+              <a:rPr lang="ru-RU" kern="0" dirty="0">
+                <a:solidFill>
+                  <a:srgbClr val="000000"/>
+                </a:solidFill>
+                <a:latin typeface="Consolas" panose="020B0609020204030204" pitchFamily="49" charset="0"/>
+                <a:ea typeface="Yu Mincho" panose="02020400000000000000" pitchFamily="18" charset="-128"/>
+                <a:cs typeface="Consolas" panose="020B0609020204030204" pitchFamily="49" charset="0"/>
+              </a:rPr>
+              <a:t> </a:t>
+            </a:r>
+            <a:r>
+              <a:rPr lang="ru-RU" kern="0" dirty="0">
+                <a:solidFill>
+                  <a:srgbClr val="008080"/>
+                </a:solidFill>
+                <a:latin typeface="Consolas" panose="020B0609020204030204" pitchFamily="49" charset="0"/>
+                <a:ea typeface="Yu Mincho" panose="02020400000000000000" pitchFamily="18" charset="-128"/>
+                <a:cs typeface="Consolas" panose="020B0609020204030204" pitchFamily="49" charset="0"/>
+              </a:rPr>
+              <a:t>&lt;&lt;</a:t>
+            </a:r>
+            <a:r>
+              <a:rPr lang="ru-RU" kern="0" dirty="0">
+                <a:solidFill>
+                  <a:srgbClr val="000000"/>
+                </a:solidFill>
+                <a:latin typeface="Consolas" panose="020B0609020204030204" pitchFamily="49" charset="0"/>
+                <a:ea typeface="Yu Mincho" panose="02020400000000000000" pitchFamily="18" charset="-128"/>
+                <a:cs typeface="Consolas" panose="020B0609020204030204" pitchFamily="49" charset="0"/>
+              </a:rPr>
+              <a:t> </a:t>
+            </a:r>
+            <a:r>
+              <a:rPr lang="ru-RU" kern="0" dirty="0" err="1">
+                <a:solidFill>
+                  <a:srgbClr val="808080"/>
+                </a:solidFill>
+                <a:latin typeface="Consolas" panose="020B0609020204030204" pitchFamily="49" charset="0"/>
+                <a:ea typeface="Yu Mincho" panose="02020400000000000000" pitchFamily="18" charset="-128"/>
+                <a:cs typeface="Consolas" panose="020B0609020204030204" pitchFamily="49" charset="0"/>
+              </a:rPr>
+              <a:t>rate</a:t>
+            </a:r>
+            <a:r>
+              <a:rPr lang="ru-RU" kern="0" dirty="0">
+                <a:solidFill>
+                  <a:srgbClr val="000000"/>
+                </a:solidFill>
+                <a:latin typeface="Consolas" panose="020B0609020204030204" pitchFamily="49" charset="0"/>
+                <a:ea typeface="Yu Mincho" panose="02020400000000000000" pitchFamily="18" charset="-128"/>
+                <a:cs typeface="Consolas" panose="020B0609020204030204" pitchFamily="49" charset="0"/>
+              </a:rPr>
+              <a:t> </a:t>
+            </a:r>
+            <a:r>
+              <a:rPr lang="ru-RU" kern="0" dirty="0">
+                <a:solidFill>
+                  <a:srgbClr val="008080"/>
+                </a:solidFill>
+                <a:latin typeface="Consolas" panose="020B0609020204030204" pitchFamily="49" charset="0"/>
+                <a:ea typeface="Yu Mincho" panose="02020400000000000000" pitchFamily="18" charset="-128"/>
+                <a:cs typeface="Consolas" panose="020B0609020204030204" pitchFamily="49" charset="0"/>
+              </a:rPr>
+              <a:t>&lt;&lt;</a:t>
+            </a:r>
+            <a:r>
+              <a:rPr lang="ru-RU" kern="0" dirty="0">
+                <a:solidFill>
+                  <a:srgbClr val="000000"/>
+                </a:solidFill>
+                <a:latin typeface="Consolas" panose="020B0609020204030204" pitchFamily="49" charset="0"/>
+                <a:ea typeface="Yu Mincho" panose="02020400000000000000" pitchFamily="18" charset="-128"/>
+                <a:cs typeface="Consolas" panose="020B0609020204030204" pitchFamily="49" charset="0"/>
+              </a:rPr>
+              <a:t> </a:t>
+            </a:r>
+            <a:r>
+              <a:rPr lang="ru-RU" kern="0" dirty="0">
+                <a:solidFill>
+                  <a:srgbClr val="A31515"/>
+                </a:solidFill>
+                <a:latin typeface="Consolas" panose="020B0609020204030204" pitchFamily="49" charset="0"/>
+                <a:ea typeface="Yu Mincho" panose="02020400000000000000" pitchFamily="18" charset="-128"/>
+                <a:cs typeface="Consolas" panose="020B0609020204030204" pitchFamily="49" charset="0"/>
+              </a:rPr>
+              <a:t>" RUR/USD"</a:t>
+            </a:r>
+            <a:r>
+              <a:rPr lang="ru-RU" kern="0" dirty="0">
+                <a:solidFill>
+                  <a:srgbClr val="000000"/>
+                </a:solidFill>
+                <a:latin typeface="Consolas" panose="020B0609020204030204" pitchFamily="49" charset="0"/>
+                <a:ea typeface="Yu Mincho" panose="02020400000000000000" pitchFamily="18" charset="-128"/>
+                <a:cs typeface="Consolas" panose="020B0609020204030204" pitchFamily="49" charset="0"/>
+              </a:rPr>
+              <a:t> </a:t>
+            </a:r>
+            <a:r>
+              <a:rPr lang="ru-RU" kern="0" dirty="0">
+                <a:solidFill>
+                  <a:srgbClr val="008080"/>
+                </a:solidFill>
+                <a:latin typeface="Consolas" panose="020B0609020204030204" pitchFamily="49" charset="0"/>
+                <a:ea typeface="Yu Mincho" panose="02020400000000000000" pitchFamily="18" charset="-128"/>
+                <a:cs typeface="Consolas" panose="020B0609020204030204" pitchFamily="49" charset="0"/>
+              </a:rPr>
+              <a:t>&lt;&lt;</a:t>
+            </a:r>
+            <a:r>
+              <a:rPr lang="ru-RU" kern="0" dirty="0">
+                <a:solidFill>
+                  <a:srgbClr val="000000"/>
+                </a:solidFill>
+                <a:latin typeface="Consolas" panose="020B0609020204030204" pitchFamily="49" charset="0"/>
+                <a:ea typeface="Yu Mincho" panose="02020400000000000000" pitchFamily="18" charset="-128"/>
+                <a:cs typeface="Consolas" panose="020B0609020204030204" pitchFamily="49" charset="0"/>
+              </a:rPr>
+              <a:t> </a:t>
+            </a:r>
+            <a:r>
+              <a:rPr lang="ru-RU" kern="0" dirty="0" err="1">
+                <a:solidFill>
+                  <a:srgbClr val="000000"/>
+                </a:solidFill>
+                <a:latin typeface="Consolas" panose="020B0609020204030204" pitchFamily="49" charset="0"/>
+                <a:ea typeface="Yu Mincho" panose="02020400000000000000" pitchFamily="18" charset="-128"/>
+                <a:cs typeface="Consolas" panose="020B0609020204030204" pitchFamily="49" charset="0"/>
+              </a:rPr>
+              <a:t>endl</a:t>
+            </a:r>
+            <a:r>
+              <a:rPr lang="ru-RU" kern="0" dirty="0">
+                <a:solidFill>
+                  <a:srgbClr val="000000"/>
+                </a:solidFill>
+                <a:latin typeface="Consolas" panose="020B0609020204030204" pitchFamily="49" charset="0"/>
+                <a:ea typeface="Yu Mincho" panose="02020400000000000000" pitchFamily="18" charset="-128"/>
+                <a:cs typeface="Consolas" panose="020B0609020204030204" pitchFamily="49" charset="0"/>
+              </a:rPr>
+              <a:t>;</a:t>
+            </a:r>
+            <a:endParaRPr lang="ru-RU" kern="100" dirty="0">
+              <a:latin typeface="Calibri" panose="020F0502020204030204" pitchFamily="34" charset="0"/>
+              <a:ea typeface="Yu Mincho" panose="02020400000000000000" pitchFamily="18" charset="-128"/>
+              <a:cs typeface="Times New Roman" panose="02020603050405020304" pitchFamily="18" charset="0"/>
+            </a:endParaRPr>
+          </a:p>
+          <a:p>
+            <a:pPr>
+              <a:lnSpc>
+                <a:spcPct val="107000"/>
+              </a:lnSpc>
+              <a:spcAft>
+                <a:spcPts val="0"/>
+              </a:spcAft>
+            </a:pPr>
+            <a:r>
+              <a:rPr lang="ru-RU" kern="0" dirty="0">
+                <a:solidFill>
+                  <a:srgbClr val="000000"/>
+                </a:solidFill>
+                <a:latin typeface="Consolas" panose="020B0609020204030204" pitchFamily="49" charset="0"/>
+                <a:ea typeface="Yu Mincho" panose="02020400000000000000" pitchFamily="18" charset="-128"/>
+                <a:cs typeface="Consolas" panose="020B0609020204030204" pitchFamily="49" charset="0"/>
+              </a:rPr>
+              <a:t>  });</a:t>
+            </a:r>
+            <a:endParaRPr lang="ru-RU" kern="100" dirty="0">
+              <a:latin typeface="Calibri" panose="020F0502020204030204" pitchFamily="34" charset="0"/>
+              <a:ea typeface="Yu Mincho" panose="02020400000000000000" pitchFamily="18" charset="-128"/>
+              <a:cs typeface="Times New Roman" panose="02020603050405020304" pitchFamily="18" charset="0"/>
+            </a:endParaRPr>
+          </a:p>
+          <a:p>
+            <a:pPr>
+              <a:lnSpc>
+                <a:spcPct val="107000"/>
+              </a:lnSpc>
+              <a:spcAft>
+                <a:spcPts val="0"/>
+              </a:spcAft>
+            </a:pPr>
+            <a:r>
+              <a:rPr lang="ru-RU" kern="0" dirty="0">
+                <a:solidFill>
+                  <a:srgbClr val="000000"/>
+                </a:solidFill>
+                <a:latin typeface="Consolas" panose="020B0609020204030204" pitchFamily="49" charset="0"/>
+                <a:ea typeface="Yu Mincho" panose="02020400000000000000" pitchFamily="18" charset="-128"/>
+                <a:cs typeface="Consolas" panose="020B0609020204030204" pitchFamily="49" charset="0"/>
+              </a:rPr>
+              <a:t> </a:t>
+            </a:r>
+            <a:endParaRPr lang="ru-RU" kern="100" dirty="0">
+              <a:latin typeface="Calibri" panose="020F0502020204030204" pitchFamily="34" charset="0"/>
+              <a:ea typeface="Yu Mincho" panose="02020400000000000000" pitchFamily="18" charset="-128"/>
+              <a:cs typeface="Times New Roman" panose="02020603050405020304" pitchFamily="18" charset="0"/>
+            </a:endParaRPr>
+          </a:p>
+          <a:p>
+            <a:pPr>
+              <a:lnSpc>
+                <a:spcPct val="107000"/>
+              </a:lnSpc>
+              <a:spcAft>
+                <a:spcPts val="0"/>
+              </a:spcAft>
+            </a:pPr>
+            <a:r>
+              <a:rPr lang="ru-RU" kern="0" dirty="0">
+                <a:solidFill>
+                  <a:srgbClr val="000000"/>
+                </a:solidFill>
+                <a:latin typeface="Consolas" panose="020B0609020204030204" pitchFamily="49" charset="0"/>
+                <a:ea typeface="Yu Mincho" panose="02020400000000000000" pitchFamily="18" charset="-128"/>
+                <a:cs typeface="Consolas" panose="020B0609020204030204" pitchFamily="49" charset="0"/>
+              </a:rPr>
+              <a:t>  </a:t>
+            </a:r>
+            <a:r>
+              <a:rPr lang="ru-RU" kern="0" dirty="0" err="1">
+                <a:solidFill>
+                  <a:srgbClr val="000000"/>
+                </a:solidFill>
+                <a:latin typeface="Consolas" panose="020B0609020204030204" pitchFamily="49" charset="0"/>
+                <a:ea typeface="Yu Mincho" panose="02020400000000000000" pitchFamily="18" charset="-128"/>
+                <a:cs typeface="Consolas" panose="020B0609020204030204" pitchFamily="49" charset="0"/>
+              </a:rPr>
+              <a:t>s.SetRate</a:t>
+            </a:r>
+            <a:r>
+              <a:rPr lang="ru-RU" kern="0" dirty="0">
+                <a:solidFill>
+                  <a:srgbClr val="000000"/>
+                </a:solidFill>
+                <a:latin typeface="Consolas" panose="020B0609020204030204" pitchFamily="49" charset="0"/>
+                <a:ea typeface="Yu Mincho" panose="02020400000000000000" pitchFamily="18" charset="-128"/>
+                <a:cs typeface="Consolas" panose="020B0609020204030204" pitchFamily="49" charset="0"/>
+              </a:rPr>
+              <a:t>(70);</a:t>
+            </a:r>
+            <a:endParaRPr lang="ru-RU" kern="100" dirty="0">
+              <a:latin typeface="Calibri" panose="020F0502020204030204" pitchFamily="34" charset="0"/>
+              <a:ea typeface="Yu Mincho" panose="02020400000000000000" pitchFamily="18" charset="-128"/>
+              <a:cs typeface="Times New Roman" panose="02020603050405020304" pitchFamily="18" charset="0"/>
+            </a:endParaRPr>
+          </a:p>
+          <a:p>
+            <a:pPr>
+              <a:lnSpc>
+                <a:spcPct val="107000"/>
+              </a:lnSpc>
+              <a:spcAft>
+                <a:spcPts val="0"/>
+              </a:spcAft>
+            </a:pPr>
+            <a:r>
+              <a:rPr lang="ru-RU" kern="0" dirty="0">
+                <a:solidFill>
+                  <a:srgbClr val="000000"/>
+                </a:solidFill>
+                <a:latin typeface="Consolas" panose="020B0609020204030204" pitchFamily="49" charset="0"/>
+                <a:ea typeface="Yu Mincho" panose="02020400000000000000" pitchFamily="18" charset="-128"/>
+                <a:cs typeface="Consolas" panose="020B0609020204030204" pitchFamily="49" charset="0"/>
+              </a:rPr>
+              <a:t>  </a:t>
+            </a:r>
+            <a:r>
+              <a:rPr lang="ru-RU" kern="0" dirty="0" err="1">
+                <a:solidFill>
+                  <a:srgbClr val="000000"/>
+                </a:solidFill>
+                <a:latin typeface="Consolas" panose="020B0609020204030204" pitchFamily="49" charset="0"/>
+                <a:ea typeface="Yu Mincho" panose="02020400000000000000" pitchFamily="18" charset="-128"/>
+                <a:cs typeface="Consolas" panose="020B0609020204030204" pitchFamily="49" charset="0"/>
+              </a:rPr>
+              <a:t>s.SetRate</a:t>
+            </a:r>
+            <a:r>
+              <a:rPr lang="ru-RU" kern="0" dirty="0">
+                <a:solidFill>
+                  <a:srgbClr val="000000"/>
+                </a:solidFill>
+                <a:latin typeface="Consolas" panose="020B0609020204030204" pitchFamily="49" charset="0"/>
+                <a:ea typeface="Yu Mincho" panose="02020400000000000000" pitchFamily="18" charset="-128"/>
+                <a:cs typeface="Consolas" panose="020B0609020204030204" pitchFamily="49" charset="0"/>
+              </a:rPr>
+              <a:t>(59);</a:t>
+            </a:r>
+            <a:endParaRPr lang="ru-RU" kern="100" dirty="0">
+              <a:latin typeface="Calibri" panose="020F0502020204030204" pitchFamily="34" charset="0"/>
+              <a:ea typeface="Yu Mincho" panose="02020400000000000000" pitchFamily="18" charset="-128"/>
+              <a:cs typeface="Times New Roman" panose="02020603050405020304" pitchFamily="18" charset="0"/>
+            </a:endParaRPr>
+          </a:p>
+          <a:p>
+            <a:pPr>
+              <a:lnSpc>
+                <a:spcPct val="107000"/>
+              </a:lnSpc>
+              <a:spcAft>
+                <a:spcPts val="0"/>
+              </a:spcAft>
+            </a:pPr>
+            <a:r>
+              <a:rPr lang="ru-RU" kern="0" dirty="0">
+                <a:solidFill>
+                  <a:srgbClr val="000000"/>
+                </a:solidFill>
+                <a:latin typeface="Consolas" panose="020B0609020204030204" pitchFamily="49" charset="0"/>
+                <a:ea typeface="Yu Mincho" panose="02020400000000000000" pitchFamily="18" charset="-128"/>
+                <a:cs typeface="Consolas" panose="020B0609020204030204" pitchFamily="49" charset="0"/>
+              </a:rPr>
+              <a:t>  </a:t>
+            </a:r>
+            <a:r>
+              <a:rPr lang="ru-RU" kern="0" dirty="0" err="1">
+                <a:solidFill>
+                  <a:srgbClr val="000000"/>
+                </a:solidFill>
+                <a:latin typeface="Consolas" panose="020B0609020204030204" pitchFamily="49" charset="0"/>
+                <a:ea typeface="Yu Mincho" panose="02020400000000000000" pitchFamily="18" charset="-128"/>
+                <a:cs typeface="Consolas" panose="020B0609020204030204" pitchFamily="49" charset="0"/>
+              </a:rPr>
+              <a:t>s.SetRate</a:t>
+            </a:r>
+            <a:r>
+              <a:rPr lang="ru-RU" kern="0" dirty="0">
+                <a:solidFill>
+                  <a:srgbClr val="000000"/>
+                </a:solidFill>
+                <a:latin typeface="Consolas" panose="020B0609020204030204" pitchFamily="49" charset="0"/>
+                <a:ea typeface="Yu Mincho" panose="02020400000000000000" pitchFamily="18" charset="-128"/>
+                <a:cs typeface="Consolas" panose="020B0609020204030204" pitchFamily="49" charset="0"/>
+              </a:rPr>
+              <a:t>(80);</a:t>
+            </a:r>
+            <a:endParaRPr lang="ru-RU" kern="100" dirty="0">
+              <a:latin typeface="Calibri" panose="020F0502020204030204" pitchFamily="34" charset="0"/>
+              <a:ea typeface="Yu Mincho" panose="02020400000000000000" pitchFamily="18" charset="-128"/>
+              <a:cs typeface="Times New Roman" panose="02020603050405020304" pitchFamily="18" charset="0"/>
+            </a:endParaRPr>
+          </a:p>
+          <a:p>
+            <a:pPr>
+              <a:lnSpc>
+                <a:spcPct val="107000"/>
+              </a:lnSpc>
+              <a:spcAft>
+                <a:spcPts val="0"/>
+              </a:spcAft>
+            </a:pPr>
+            <a:r>
+              <a:rPr lang="ru-RU" kern="0" dirty="0">
+                <a:solidFill>
+                  <a:srgbClr val="000000"/>
+                </a:solidFill>
+                <a:latin typeface="Consolas" panose="020B0609020204030204" pitchFamily="49" charset="0"/>
+                <a:ea typeface="Yu Mincho" panose="02020400000000000000" pitchFamily="18" charset="-128"/>
+                <a:cs typeface="Consolas" panose="020B0609020204030204" pitchFamily="49" charset="0"/>
+              </a:rPr>
+              <a:t> </a:t>
+            </a:r>
+            <a:endParaRPr lang="ru-RU" kern="100" dirty="0">
+              <a:latin typeface="Calibri" panose="020F0502020204030204" pitchFamily="34" charset="0"/>
+              <a:ea typeface="Yu Mincho" panose="02020400000000000000" pitchFamily="18" charset="-128"/>
+              <a:cs typeface="Times New Roman" panose="02020603050405020304" pitchFamily="18" charset="0"/>
+            </a:endParaRPr>
+          </a:p>
+          <a:p>
+            <a:pPr>
+              <a:lnSpc>
+                <a:spcPct val="107000"/>
+              </a:lnSpc>
+              <a:spcAft>
+                <a:spcPts val="0"/>
+              </a:spcAft>
+            </a:pPr>
+            <a:r>
+              <a:rPr lang="ru-RU" kern="0" dirty="0">
+                <a:solidFill>
+                  <a:srgbClr val="000000"/>
+                </a:solidFill>
+                <a:latin typeface="Consolas" panose="020B0609020204030204" pitchFamily="49" charset="0"/>
+                <a:ea typeface="Yu Mincho" panose="02020400000000000000" pitchFamily="18" charset="-128"/>
+                <a:cs typeface="Consolas" panose="020B0609020204030204" pitchFamily="49" charset="0"/>
+              </a:rPr>
+              <a:t>  {</a:t>
+            </a:r>
+            <a:endParaRPr lang="ru-RU" kern="100" dirty="0">
+              <a:latin typeface="Calibri" panose="020F0502020204030204" pitchFamily="34" charset="0"/>
+              <a:ea typeface="Yu Mincho" panose="02020400000000000000" pitchFamily="18" charset="-128"/>
+              <a:cs typeface="Times New Roman" panose="02020603050405020304" pitchFamily="18" charset="0"/>
+            </a:endParaRPr>
+          </a:p>
+          <a:p>
+            <a:pPr>
+              <a:lnSpc>
+                <a:spcPct val="107000"/>
+              </a:lnSpc>
+              <a:spcAft>
+                <a:spcPts val="0"/>
+              </a:spcAft>
+            </a:pPr>
+            <a:r>
+              <a:rPr lang="ru-RU" kern="0" dirty="0">
+                <a:solidFill>
+                  <a:srgbClr val="000000"/>
+                </a:solidFill>
+                <a:latin typeface="Consolas" panose="020B0609020204030204" pitchFamily="49" charset="0"/>
+                <a:ea typeface="Yu Mincho" panose="02020400000000000000" pitchFamily="18" charset="-128"/>
+                <a:cs typeface="Consolas" panose="020B0609020204030204" pitchFamily="49" charset="0"/>
+              </a:rPr>
+              <a:t>    </a:t>
+            </a:r>
+            <a:r>
+              <a:rPr lang="ru-RU" kern="0" dirty="0" err="1">
+                <a:solidFill>
+                  <a:srgbClr val="2B91AF"/>
+                </a:solidFill>
+                <a:latin typeface="Consolas" panose="020B0609020204030204" pitchFamily="49" charset="0"/>
+                <a:ea typeface="Yu Mincho" panose="02020400000000000000" pitchFamily="18" charset="-128"/>
+                <a:cs typeface="Consolas" panose="020B0609020204030204" pitchFamily="49" charset="0"/>
+              </a:rPr>
+              <a:t>AverageCurrencyRateMonitor</a:t>
+            </a:r>
+            <a:r>
+              <a:rPr lang="ru-RU" kern="0" dirty="0">
+                <a:solidFill>
+                  <a:srgbClr val="000000"/>
+                </a:solidFill>
+                <a:latin typeface="Consolas" panose="020B0609020204030204" pitchFamily="49" charset="0"/>
+                <a:ea typeface="Yu Mincho" panose="02020400000000000000" pitchFamily="18" charset="-128"/>
+                <a:cs typeface="Consolas" panose="020B0609020204030204" pitchFamily="49" charset="0"/>
+              </a:rPr>
+              <a:t> </a:t>
+            </a:r>
+            <a:r>
+              <a:rPr lang="ru-RU" kern="0" dirty="0" err="1">
+                <a:solidFill>
+                  <a:srgbClr val="000000"/>
+                </a:solidFill>
+                <a:latin typeface="Consolas" panose="020B0609020204030204" pitchFamily="49" charset="0"/>
+                <a:ea typeface="Yu Mincho" panose="02020400000000000000" pitchFamily="18" charset="-128"/>
+                <a:cs typeface="Consolas" panose="020B0609020204030204" pitchFamily="49" charset="0"/>
+              </a:rPr>
+              <a:t>avgRateMonitor</a:t>
+            </a:r>
+            <a:r>
+              <a:rPr lang="ru-RU" kern="0" dirty="0">
+                <a:solidFill>
+                  <a:srgbClr val="000000"/>
+                </a:solidFill>
+                <a:latin typeface="Consolas" panose="020B0609020204030204" pitchFamily="49" charset="0"/>
+                <a:ea typeface="Yu Mincho" panose="02020400000000000000" pitchFamily="18" charset="-128"/>
+                <a:cs typeface="Consolas" panose="020B0609020204030204" pitchFamily="49" charset="0"/>
+              </a:rPr>
+              <a:t>(s);</a:t>
+            </a:r>
+            <a:endParaRPr lang="ru-RU" kern="100" dirty="0">
+              <a:latin typeface="Calibri" panose="020F0502020204030204" pitchFamily="34" charset="0"/>
+              <a:ea typeface="Yu Mincho" panose="02020400000000000000" pitchFamily="18" charset="-128"/>
+              <a:cs typeface="Times New Roman" panose="02020603050405020304" pitchFamily="18" charset="0"/>
+            </a:endParaRPr>
+          </a:p>
+          <a:p>
+            <a:pPr>
+              <a:lnSpc>
+                <a:spcPct val="107000"/>
+              </a:lnSpc>
+              <a:spcAft>
+                <a:spcPts val="0"/>
+              </a:spcAft>
+            </a:pPr>
+            <a:r>
+              <a:rPr lang="ru-RU" kern="0" dirty="0">
+                <a:solidFill>
+                  <a:srgbClr val="000000"/>
+                </a:solidFill>
+                <a:latin typeface="Consolas" panose="020B0609020204030204" pitchFamily="49" charset="0"/>
+                <a:ea typeface="Yu Mincho" panose="02020400000000000000" pitchFamily="18" charset="-128"/>
+                <a:cs typeface="Consolas" panose="020B0609020204030204" pitchFamily="49" charset="0"/>
+              </a:rPr>
+              <a:t>    </a:t>
+            </a:r>
+            <a:r>
+              <a:rPr lang="ru-RU" kern="0" dirty="0" err="1">
+                <a:solidFill>
+                  <a:srgbClr val="000000"/>
+                </a:solidFill>
+                <a:latin typeface="Consolas" panose="020B0609020204030204" pitchFamily="49" charset="0"/>
+                <a:ea typeface="Yu Mincho" panose="02020400000000000000" pitchFamily="18" charset="-128"/>
+                <a:cs typeface="Consolas" panose="020B0609020204030204" pitchFamily="49" charset="0"/>
+              </a:rPr>
+              <a:t>s.SetRate</a:t>
+            </a:r>
+            <a:r>
+              <a:rPr lang="ru-RU" kern="0" dirty="0">
+                <a:solidFill>
+                  <a:srgbClr val="000000"/>
+                </a:solidFill>
+                <a:latin typeface="Consolas" panose="020B0609020204030204" pitchFamily="49" charset="0"/>
+                <a:ea typeface="Yu Mincho" panose="02020400000000000000" pitchFamily="18" charset="-128"/>
+                <a:cs typeface="Consolas" panose="020B0609020204030204" pitchFamily="49" charset="0"/>
+              </a:rPr>
+              <a:t>(60);</a:t>
+            </a:r>
+            <a:endParaRPr lang="ru-RU" kern="100" dirty="0">
+              <a:latin typeface="Calibri" panose="020F0502020204030204" pitchFamily="34" charset="0"/>
+              <a:ea typeface="Yu Mincho" panose="02020400000000000000" pitchFamily="18" charset="-128"/>
+              <a:cs typeface="Times New Roman" panose="02020603050405020304" pitchFamily="18" charset="0"/>
+            </a:endParaRPr>
+          </a:p>
+          <a:p>
+            <a:pPr>
+              <a:lnSpc>
+                <a:spcPct val="107000"/>
+              </a:lnSpc>
+              <a:spcAft>
+                <a:spcPts val="0"/>
+              </a:spcAft>
+            </a:pPr>
+            <a:r>
+              <a:rPr lang="ru-RU" kern="0" dirty="0">
+                <a:solidFill>
+                  <a:srgbClr val="000000"/>
+                </a:solidFill>
+                <a:latin typeface="Consolas" panose="020B0609020204030204" pitchFamily="49" charset="0"/>
+                <a:ea typeface="Yu Mincho" panose="02020400000000000000" pitchFamily="18" charset="-128"/>
+                <a:cs typeface="Consolas" panose="020B0609020204030204" pitchFamily="49" charset="0"/>
+              </a:rPr>
+              <a:t>    </a:t>
+            </a:r>
+            <a:r>
+              <a:rPr lang="ru-RU" kern="0" dirty="0" err="1">
+                <a:solidFill>
+                  <a:srgbClr val="000000"/>
+                </a:solidFill>
+                <a:latin typeface="Consolas" panose="020B0609020204030204" pitchFamily="49" charset="0"/>
+                <a:ea typeface="Yu Mincho" panose="02020400000000000000" pitchFamily="18" charset="-128"/>
+                <a:cs typeface="Consolas" panose="020B0609020204030204" pitchFamily="49" charset="0"/>
+              </a:rPr>
+              <a:t>s.SetRate</a:t>
+            </a:r>
+            <a:r>
+              <a:rPr lang="ru-RU" kern="0" dirty="0">
+                <a:solidFill>
+                  <a:srgbClr val="000000"/>
+                </a:solidFill>
+                <a:latin typeface="Consolas" panose="020B0609020204030204" pitchFamily="49" charset="0"/>
+                <a:ea typeface="Yu Mincho" panose="02020400000000000000" pitchFamily="18" charset="-128"/>
+                <a:cs typeface="Consolas" panose="020B0609020204030204" pitchFamily="49" charset="0"/>
+              </a:rPr>
+              <a:t>(70);</a:t>
+            </a:r>
+            <a:endParaRPr lang="ru-RU" kern="100" dirty="0">
+              <a:latin typeface="Calibri" panose="020F0502020204030204" pitchFamily="34" charset="0"/>
+              <a:ea typeface="Yu Mincho" panose="02020400000000000000" pitchFamily="18" charset="-128"/>
+              <a:cs typeface="Times New Roman" panose="02020603050405020304" pitchFamily="18" charset="0"/>
+            </a:endParaRPr>
+          </a:p>
+          <a:p>
+            <a:pPr>
+              <a:lnSpc>
+                <a:spcPct val="107000"/>
+              </a:lnSpc>
+              <a:spcAft>
+                <a:spcPts val="0"/>
+              </a:spcAft>
+            </a:pPr>
+            <a:r>
+              <a:rPr lang="ru-RU" kern="0" dirty="0">
+                <a:solidFill>
+                  <a:srgbClr val="000000"/>
+                </a:solidFill>
+                <a:latin typeface="Consolas" panose="020B0609020204030204" pitchFamily="49" charset="0"/>
+                <a:ea typeface="Yu Mincho" panose="02020400000000000000" pitchFamily="18" charset="-128"/>
+                <a:cs typeface="Consolas" panose="020B0609020204030204" pitchFamily="49" charset="0"/>
+              </a:rPr>
+              <a:t>    </a:t>
+            </a:r>
+            <a:r>
+              <a:rPr lang="ru-RU" kern="0" dirty="0" err="1">
+                <a:solidFill>
+                  <a:srgbClr val="000000"/>
+                </a:solidFill>
+                <a:latin typeface="Consolas" panose="020B0609020204030204" pitchFamily="49" charset="0"/>
+                <a:ea typeface="Yu Mincho" panose="02020400000000000000" pitchFamily="18" charset="-128"/>
+                <a:cs typeface="Consolas" panose="020B0609020204030204" pitchFamily="49" charset="0"/>
+              </a:rPr>
+              <a:t>cout</a:t>
+            </a:r>
+            <a:r>
+              <a:rPr lang="ru-RU" kern="0" dirty="0">
+                <a:solidFill>
+                  <a:srgbClr val="000000"/>
+                </a:solidFill>
+                <a:latin typeface="Consolas" panose="020B0609020204030204" pitchFamily="49" charset="0"/>
+                <a:ea typeface="Yu Mincho" panose="02020400000000000000" pitchFamily="18" charset="-128"/>
+                <a:cs typeface="Consolas" panose="020B0609020204030204" pitchFamily="49" charset="0"/>
+              </a:rPr>
+              <a:t> </a:t>
+            </a:r>
+            <a:r>
+              <a:rPr lang="ru-RU" kern="0" dirty="0">
+                <a:solidFill>
+                  <a:srgbClr val="008080"/>
+                </a:solidFill>
+                <a:latin typeface="Consolas" panose="020B0609020204030204" pitchFamily="49" charset="0"/>
+                <a:ea typeface="Yu Mincho" panose="02020400000000000000" pitchFamily="18" charset="-128"/>
+                <a:cs typeface="Consolas" panose="020B0609020204030204" pitchFamily="49" charset="0"/>
+              </a:rPr>
+              <a:t>&lt;&lt;</a:t>
+            </a:r>
+            <a:r>
+              <a:rPr lang="ru-RU" kern="0" dirty="0">
+                <a:solidFill>
+                  <a:srgbClr val="000000"/>
+                </a:solidFill>
+                <a:latin typeface="Consolas" panose="020B0609020204030204" pitchFamily="49" charset="0"/>
+                <a:ea typeface="Yu Mincho" panose="02020400000000000000" pitchFamily="18" charset="-128"/>
+                <a:cs typeface="Consolas" panose="020B0609020204030204" pitchFamily="49" charset="0"/>
+              </a:rPr>
+              <a:t> </a:t>
+            </a:r>
+            <a:r>
+              <a:rPr lang="ru-RU" kern="0" dirty="0">
+                <a:solidFill>
+                  <a:srgbClr val="A31515"/>
+                </a:solidFill>
+                <a:latin typeface="Consolas" panose="020B0609020204030204" pitchFamily="49" charset="0"/>
+                <a:ea typeface="Yu Mincho" panose="02020400000000000000" pitchFamily="18" charset="-128"/>
+                <a:cs typeface="Consolas" panose="020B0609020204030204" pitchFamily="49" charset="0"/>
+              </a:rPr>
+              <a:t>"------------"</a:t>
+            </a:r>
+            <a:r>
+              <a:rPr lang="ru-RU" kern="0" dirty="0">
+                <a:solidFill>
+                  <a:srgbClr val="000000"/>
+                </a:solidFill>
+                <a:latin typeface="Consolas" panose="020B0609020204030204" pitchFamily="49" charset="0"/>
+                <a:ea typeface="Yu Mincho" panose="02020400000000000000" pitchFamily="18" charset="-128"/>
+                <a:cs typeface="Consolas" panose="020B0609020204030204" pitchFamily="49" charset="0"/>
+              </a:rPr>
+              <a:t> </a:t>
+            </a:r>
+            <a:r>
+              <a:rPr lang="ru-RU" kern="0" dirty="0">
+                <a:solidFill>
+                  <a:srgbClr val="008080"/>
+                </a:solidFill>
+                <a:latin typeface="Consolas" panose="020B0609020204030204" pitchFamily="49" charset="0"/>
+                <a:ea typeface="Yu Mincho" panose="02020400000000000000" pitchFamily="18" charset="-128"/>
+                <a:cs typeface="Consolas" panose="020B0609020204030204" pitchFamily="49" charset="0"/>
+              </a:rPr>
+              <a:t>&lt;&lt;</a:t>
+            </a:r>
+            <a:r>
+              <a:rPr lang="ru-RU" kern="0" dirty="0">
+                <a:solidFill>
+                  <a:srgbClr val="000000"/>
+                </a:solidFill>
+                <a:latin typeface="Consolas" panose="020B0609020204030204" pitchFamily="49" charset="0"/>
+                <a:ea typeface="Yu Mincho" panose="02020400000000000000" pitchFamily="18" charset="-128"/>
+                <a:cs typeface="Consolas" panose="020B0609020204030204" pitchFamily="49" charset="0"/>
+              </a:rPr>
+              <a:t> </a:t>
+            </a:r>
+            <a:r>
+              <a:rPr lang="ru-RU" kern="0" dirty="0" err="1">
+                <a:solidFill>
+                  <a:srgbClr val="000000"/>
+                </a:solidFill>
+                <a:latin typeface="Consolas" panose="020B0609020204030204" pitchFamily="49" charset="0"/>
+                <a:ea typeface="Yu Mincho" panose="02020400000000000000" pitchFamily="18" charset="-128"/>
+                <a:cs typeface="Consolas" panose="020B0609020204030204" pitchFamily="49" charset="0"/>
+              </a:rPr>
+              <a:t>endl</a:t>
+            </a:r>
+            <a:r>
+              <a:rPr lang="ru-RU" kern="0" dirty="0">
+                <a:solidFill>
+                  <a:srgbClr val="000000"/>
+                </a:solidFill>
+                <a:latin typeface="Consolas" panose="020B0609020204030204" pitchFamily="49" charset="0"/>
+                <a:ea typeface="Yu Mincho" panose="02020400000000000000" pitchFamily="18" charset="-128"/>
+                <a:cs typeface="Consolas" panose="020B0609020204030204" pitchFamily="49" charset="0"/>
+              </a:rPr>
+              <a:t>;</a:t>
+            </a:r>
+            <a:endParaRPr lang="ru-RU" kern="100" dirty="0">
+              <a:latin typeface="Calibri" panose="020F0502020204030204" pitchFamily="34" charset="0"/>
+              <a:ea typeface="Yu Mincho" panose="02020400000000000000" pitchFamily="18" charset="-128"/>
+              <a:cs typeface="Times New Roman" panose="02020603050405020304" pitchFamily="18" charset="0"/>
+            </a:endParaRPr>
+          </a:p>
+          <a:p>
+            <a:pPr>
+              <a:lnSpc>
+                <a:spcPct val="107000"/>
+              </a:lnSpc>
+              <a:spcAft>
+                <a:spcPts val="0"/>
+              </a:spcAft>
+            </a:pPr>
+            <a:r>
+              <a:rPr lang="ru-RU" kern="0" dirty="0">
+                <a:solidFill>
+                  <a:srgbClr val="000000"/>
+                </a:solidFill>
+                <a:latin typeface="Consolas" panose="020B0609020204030204" pitchFamily="49" charset="0"/>
+                <a:ea typeface="Yu Mincho" panose="02020400000000000000" pitchFamily="18" charset="-128"/>
+                <a:cs typeface="Consolas" panose="020B0609020204030204" pitchFamily="49" charset="0"/>
+              </a:rPr>
+              <a:t>  }</a:t>
+            </a:r>
+            <a:endParaRPr lang="ru-RU" kern="100" dirty="0">
+              <a:latin typeface="Calibri" panose="020F0502020204030204" pitchFamily="34" charset="0"/>
+              <a:ea typeface="Yu Mincho" panose="02020400000000000000" pitchFamily="18" charset="-128"/>
+              <a:cs typeface="Times New Roman" panose="02020603050405020304" pitchFamily="18" charset="0"/>
+            </a:endParaRPr>
+          </a:p>
+          <a:p>
+            <a:pPr>
+              <a:lnSpc>
+                <a:spcPct val="107000"/>
+              </a:lnSpc>
+              <a:spcAft>
+                <a:spcPts val="0"/>
+              </a:spcAft>
+            </a:pPr>
+            <a:r>
+              <a:rPr lang="ru-RU" kern="0" dirty="0">
+                <a:solidFill>
+                  <a:srgbClr val="000000"/>
+                </a:solidFill>
+                <a:latin typeface="Consolas" panose="020B0609020204030204" pitchFamily="49" charset="0"/>
+                <a:ea typeface="Yu Mincho" panose="02020400000000000000" pitchFamily="18" charset="-128"/>
+                <a:cs typeface="Consolas" panose="020B0609020204030204" pitchFamily="49" charset="0"/>
+              </a:rPr>
+              <a:t>  </a:t>
+            </a:r>
+            <a:r>
+              <a:rPr lang="ru-RU" kern="0" dirty="0" err="1">
+                <a:solidFill>
+                  <a:srgbClr val="2B91AF"/>
+                </a:solidFill>
+                <a:latin typeface="Consolas" panose="020B0609020204030204" pitchFamily="49" charset="0"/>
+                <a:ea typeface="Yu Mincho" panose="02020400000000000000" pitchFamily="18" charset="-128"/>
+                <a:cs typeface="Consolas" panose="020B0609020204030204" pitchFamily="49" charset="0"/>
+              </a:rPr>
+              <a:t>string</a:t>
+            </a:r>
+            <a:r>
+              <a:rPr lang="ru-RU" kern="0" dirty="0">
+                <a:solidFill>
+                  <a:srgbClr val="000000"/>
+                </a:solidFill>
+                <a:latin typeface="Consolas" panose="020B0609020204030204" pitchFamily="49" charset="0"/>
+                <a:ea typeface="Yu Mincho" panose="02020400000000000000" pitchFamily="18" charset="-128"/>
+                <a:cs typeface="Consolas" panose="020B0609020204030204" pitchFamily="49" charset="0"/>
+              </a:rPr>
+              <a:t> </a:t>
+            </a:r>
+            <a:r>
+              <a:rPr lang="ru-RU" kern="0" dirty="0" err="1">
+                <a:solidFill>
+                  <a:srgbClr val="000000"/>
+                </a:solidFill>
+                <a:latin typeface="Consolas" panose="020B0609020204030204" pitchFamily="49" charset="0"/>
+                <a:ea typeface="Yu Mincho" panose="02020400000000000000" pitchFamily="18" charset="-128"/>
+                <a:cs typeface="Consolas" panose="020B0609020204030204" pitchFamily="49" charset="0"/>
+              </a:rPr>
+              <a:t>ss</a:t>
+            </a:r>
+            <a:r>
+              <a:rPr lang="ru-RU" kern="0" dirty="0">
+                <a:solidFill>
+                  <a:srgbClr val="000000"/>
+                </a:solidFill>
+                <a:latin typeface="Consolas" panose="020B0609020204030204" pitchFamily="49" charset="0"/>
+                <a:ea typeface="Yu Mincho" panose="02020400000000000000" pitchFamily="18" charset="-128"/>
+                <a:cs typeface="Consolas" panose="020B0609020204030204" pitchFamily="49" charset="0"/>
+              </a:rPr>
+              <a:t>;</a:t>
+            </a:r>
+            <a:endParaRPr lang="ru-RU" kern="100" dirty="0">
+              <a:latin typeface="Calibri" panose="020F0502020204030204" pitchFamily="34" charset="0"/>
+              <a:ea typeface="Yu Mincho" panose="02020400000000000000" pitchFamily="18" charset="-128"/>
+              <a:cs typeface="Times New Roman" panose="02020603050405020304" pitchFamily="18" charset="0"/>
+            </a:endParaRPr>
+          </a:p>
+          <a:p>
+            <a:pPr>
+              <a:lnSpc>
+                <a:spcPct val="107000"/>
+              </a:lnSpc>
+              <a:spcAft>
+                <a:spcPts val="0"/>
+              </a:spcAft>
+            </a:pPr>
+            <a:r>
+              <a:rPr lang="ru-RU" kern="0" dirty="0">
+                <a:solidFill>
+                  <a:srgbClr val="000000"/>
+                </a:solidFill>
+                <a:latin typeface="Consolas" panose="020B0609020204030204" pitchFamily="49" charset="0"/>
+                <a:ea typeface="Yu Mincho" panose="02020400000000000000" pitchFamily="18" charset="-128"/>
+                <a:cs typeface="Consolas" panose="020B0609020204030204" pitchFamily="49" charset="0"/>
+              </a:rPr>
+              <a:t>  </a:t>
+            </a:r>
+            <a:r>
+              <a:rPr lang="ru-RU" kern="0" dirty="0" err="1">
+                <a:solidFill>
+                  <a:srgbClr val="000000"/>
+                </a:solidFill>
+                <a:latin typeface="Consolas" panose="020B0609020204030204" pitchFamily="49" charset="0"/>
+                <a:ea typeface="Yu Mincho" panose="02020400000000000000" pitchFamily="18" charset="-128"/>
+                <a:cs typeface="Consolas" panose="020B0609020204030204" pitchFamily="49" charset="0"/>
+              </a:rPr>
+              <a:t>s.SetRate</a:t>
+            </a:r>
+            <a:r>
+              <a:rPr lang="ru-RU" kern="0" dirty="0">
+                <a:solidFill>
+                  <a:srgbClr val="000000"/>
+                </a:solidFill>
+                <a:latin typeface="Consolas" panose="020B0609020204030204" pitchFamily="49" charset="0"/>
+                <a:ea typeface="Yu Mincho" panose="02020400000000000000" pitchFamily="18" charset="-128"/>
+                <a:cs typeface="Consolas" panose="020B0609020204030204" pitchFamily="49" charset="0"/>
+              </a:rPr>
+              <a:t>(80);</a:t>
+            </a:r>
+            <a:endParaRPr lang="ru-RU" kern="100" dirty="0">
+              <a:latin typeface="Calibri" panose="020F0502020204030204" pitchFamily="34" charset="0"/>
+              <a:ea typeface="Yu Mincho" panose="02020400000000000000" pitchFamily="18" charset="-128"/>
+              <a:cs typeface="Times New Roman" panose="02020603050405020304" pitchFamily="18" charset="0"/>
+            </a:endParaRPr>
+          </a:p>
+          <a:p>
+            <a:pPr>
+              <a:lnSpc>
+                <a:spcPct val="107000"/>
+              </a:lnSpc>
+              <a:spcAft>
+                <a:spcPts val="0"/>
+              </a:spcAft>
+            </a:pPr>
+            <a:r>
+              <a:rPr lang="ru-RU" kern="0" dirty="0">
+                <a:solidFill>
+                  <a:srgbClr val="000000"/>
+                </a:solidFill>
+                <a:latin typeface="Consolas" panose="020B0609020204030204" pitchFamily="49" charset="0"/>
+                <a:ea typeface="Yu Mincho" panose="02020400000000000000" pitchFamily="18" charset="-128"/>
+                <a:cs typeface="Consolas" panose="020B0609020204030204" pitchFamily="49" charset="0"/>
+              </a:rPr>
+              <a:t>  </a:t>
+            </a:r>
+            <a:r>
+              <a:rPr lang="ru-RU" kern="0" dirty="0" err="1">
+                <a:solidFill>
+                  <a:srgbClr val="000000"/>
+                </a:solidFill>
+                <a:latin typeface="Consolas" panose="020B0609020204030204" pitchFamily="49" charset="0"/>
+                <a:ea typeface="Yu Mincho" panose="02020400000000000000" pitchFamily="18" charset="-128"/>
+                <a:cs typeface="Consolas" panose="020B0609020204030204" pitchFamily="49" charset="0"/>
+              </a:rPr>
+              <a:t>s.SetRate</a:t>
+            </a:r>
+            <a:r>
+              <a:rPr lang="ru-RU" kern="0" dirty="0">
+                <a:solidFill>
+                  <a:srgbClr val="000000"/>
+                </a:solidFill>
+                <a:latin typeface="Consolas" panose="020B0609020204030204" pitchFamily="49" charset="0"/>
+                <a:ea typeface="Yu Mincho" panose="02020400000000000000" pitchFamily="18" charset="-128"/>
+                <a:cs typeface="Consolas" panose="020B0609020204030204" pitchFamily="49" charset="0"/>
+              </a:rPr>
+              <a:t>(90);</a:t>
+            </a:r>
+            <a:endParaRPr lang="ru-RU" kern="100" dirty="0">
+              <a:latin typeface="Calibri" panose="020F0502020204030204" pitchFamily="34" charset="0"/>
+              <a:ea typeface="Yu Mincho" panose="02020400000000000000" pitchFamily="18" charset="-128"/>
+              <a:cs typeface="Times New Roman" panose="02020603050405020304" pitchFamily="18" charset="0"/>
+            </a:endParaRPr>
+          </a:p>
+          <a:p>
+            <a:pPr>
+              <a:lnSpc>
+                <a:spcPct val="107000"/>
+              </a:lnSpc>
+              <a:spcAft>
+                <a:spcPts val="0"/>
+              </a:spcAft>
+            </a:pPr>
+            <a:r>
+              <a:rPr lang="ru-RU" kern="0" dirty="0">
+                <a:solidFill>
+                  <a:srgbClr val="000000"/>
+                </a:solidFill>
+                <a:latin typeface="Consolas" panose="020B0609020204030204" pitchFamily="49" charset="0"/>
+                <a:ea typeface="Yu Mincho" panose="02020400000000000000" pitchFamily="18" charset="-128"/>
+                <a:cs typeface="Consolas" panose="020B0609020204030204" pitchFamily="49" charset="0"/>
+              </a:rPr>
+              <a:t>  </a:t>
+            </a:r>
+            <a:r>
+              <a:rPr lang="ru-RU" kern="0" dirty="0" err="1">
+                <a:solidFill>
+                  <a:srgbClr val="000000"/>
+                </a:solidFill>
+                <a:latin typeface="Consolas" panose="020B0609020204030204" pitchFamily="49" charset="0"/>
+                <a:ea typeface="Yu Mincho" panose="02020400000000000000" pitchFamily="18" charset="-128"/>
+                <a:cs typeface="Consolas" panose="020B0609020204030204" pitchFamily="49" charset="0"/>
+              </a:rPr>
+              <a:t>s.SetRate</a:t>
+            </a:r>
+            <a:r>
+              <a:rPr lang="ru-RU" kern="0" dirty="0">
+                <a:solidFill>
+                  <a:srgbClr val="000000"/>
+                </a:solidFill>
+                <a:latin typeface="Consolas" panose="020B0609020204030204" pitchFamily="49" charset="0"/>
+                <a:ea typeface="Yu Mincho" panose="02020400000000000000" pitchFamily="18" charset="-128"/>
+                <a:cs typeface="Consolas" panose="020B0609020204030204" pitchFamily="49" charset="0"/>
+              </a:rPr>
+              <a:t>(50);</a:t>
+            </a:r>
+            <a:endParaRPr lang="ru-RU" kern="100" dirty="0">
+              <a:latin typeface="Calibri" panose="020F0502020204030204" pitchFamily="34" charset="0"/>
+              <a:ea typeface="Yu Mincho" panose="02020400000000000000" pitchFamily="18" charset="-128"/>
+              <a:cs typeface="Times New Roman" panose="02020603050405020304" pitchFamily="18" charset="0"/>
+            </a:endParaRPr>
+          </a:p>
+          <a:p>
+            <a:pPr>
+              <a:lnSpc>
+                <a:spcPct val="107000"/>
+              </a:lnSpc>
+              <a:spcAft>
+                <a:spcPts val="0"/>
+              </a:spcAft>
+            </a:pPr>
+            <a:r>
+              <a:rPr lang="ru-RU" kern="0" dirty="0">
+                <a:solidFill>
+                  <a:srgbClr val="000000"/>
+                </a:solidFill>
+                <a:latin typeface="Consolas" panose="020B0609020204030204" pitchFamily="49" charset="0"/>
+                <a:ea typeface="Yu Mincho" panose="02020400000000000000" pitchFamily="18" charset="-128"/>
+                <a:cs typeface="Consolas" panose="020B0609020204030204" pitchFamily="49" charset="0"/>
+              </a:rPr>
+              <a:t>}</a:t>
+            </a:r>
+            <a:endParaRPr lang="ru-RU" kern="100" dirty="0">
+              <a:effectLst/>
+              <a:latin typeface="Calibri" panose="020F0502020204030204" pitchFamily="34" charset="0"/>
+              <a:ea typeface="Yu Mincho" panose="02020400000000000000" pitchFamily="18" charset="-128"/>
+              <a:cs typeface="Times New Roman" panose="02020603050405020304" pitchFamily="18" charset="0"/>
+            </a:endParaRPr>
+          </a:p>
+        </p:txBody>
+      </p:sp>
+    </p:spTree>
+    <p:extLst>
+      <p:ext uri="{BB962C8B-B14F-4D97-AF65-F5344CB8AC3E}">
+        <p14:creationId xmlns:p14="http://schemas.microsoft.com/office/powerpoint/2010/main" val="1030747687"/>
+      </p:ext>
+    </p:extLst>
+  </p:cSld>
+  <p:clrMapOvr>
+    <a:masterClrMapping/>
+  </p:clrMapOvr>
+  <p:timing>
+    <p:tnLst>
+      <p:par>
+        <p:cTn id="1" dur="indefinite" restart="never" nodeType="tmRoot">
+          <p:childTnLst>
+            <p:seq concurrent="1" nextAc="seek">
+              <p:cTn id="2" dur="indefinite" nodeType="mainSeq">
+                <p:childTnLst>
+                  <p:par>
+                    <p:cTn id="3" fill="hold">
+                      <p:stCondLst>
+                        <p:cond delay="indefinite"/>
+                      </p:stCondLst>
+                      <p:childTnLst>
+                        <p:par>
+                          <p:cTn id="4" fill="hold">
+                            <p:stCondLst>
+                              <p:cond delay="0"/>
+                            </p:stCondLst>
+                            <p:childTnLst>
+                              <p:par>
+                                <p:cTn id="5" presetID="10" presetClass="entr" presetSubtype="0" fill="hold" nodeType="clickEffect">
+                                  <p:stCondLst>
+                                    <p:cond delay="0"/>
+                                  </p:stCondLst>
+                                  <p:childTnLst>
+                                    <p:set>
+                                      <p:cBhvr>
+                                        <p:cTn id="6" dur="1" fill="hold">
+                                          <p:stCondLst>
+                                            <p:cond delay="0"/>
+                                          </p:stCondLst>
+                                        </p:cTn>
+                                        <p:tgtEl>
+                                          <p:spTgt spid="2">
+                                            <p:txEl>
+                                              <p:pRg st="3" end="3"/>
+                                            </p:txEl>
+                                          </p:spTgt>
+                                        </p:tgtEl>
+                                        <p:attrNameLst>
+                                          <p:attrName>style.visibility</p:attrName>
+                                        </p:attrNameLst>
+                                      </p:cBhvr>
+                                      <p:to>
+                                        <p:strVal val="visible"/>
+                                      </p:to>
+                                    </p:set>
+                                    <p:animEffect transition="in" filter="fade">
+                                      <p:cBhvr>
+                                        <p:cTn id="7" dur="500"/>
+                                        <p:tgtEl>
+                                          <p:spTgt spid="2">
+                                            <p:txEl>
+                                              <p:pRg st="3" end="3"/>
+                                            </p:txEl>
+                                          </p:spTgt>
+                                        </p:tgtEl>
+                                      </p:cBhvr>
+                                    </p:animEffect>
+                                  </p:childTnLst>
+                                </p:cTn>
+                              </p:par>
+                              <p:par>
+                                <p:cTn id="8" presetID="10" presetClass="entr" presetSubtype="0" fill="hold" nodeType="withEffect">
+                                  <p:stCondLst>
+                                    <p:cond delay="0"/>
+                                  </p:stCondLst>
+                                  <p:childTnLst>
+                                    <p:set>
+                                      <p:cBhvr>
+                                        <p:cTn id="9" dur="1" fill="hold">
+                                          <p:stCondLst>
+                                            <p:cond delay="0"/>
+                                          </p:stCondLst>
+                                        </p:cTn>
+                                        <p:tgtEl>
+                                          <p:spTgt spid="2">
+                                            <p:txEl>
+                                              <p:pRg st="4" end="4"/>
+                                            </p:txEl>
+                                          </p:spTgt>
+                                        </p:tgtEl>
+                                        <p:attrNameLst>
+                                          <p:attrName>style.visibility</p:attrName>
+                                        </p:attrNameLst>
+                                      </p:cBhvr>
+                                      <p:to>
+                                        <p:strVal val="visible"/>
+                                      </p:to>
+                                    </p:set>
+                                    <p:animEffect transition="in" filter="fade">
+                                      <p:cBhvr>
+                                        <p:cTn id="10" dur="500"/>
+                                        <p:tgtEl>
+                                          <p:spTgt spid="2">
+                                            <p:txEl>
+                                              <p:pRg st="4" end="4"/>
+                                            </p:txEl>
+                                          </p:spTgt>
+                                        </p:tgtEl>
+                                      </p:cBhvr>
+                                    </p:animEffect>
+                                  </p:childTnLst>
+                                </p:cTn>
+                              </p:par>
+                              <p:par>
+                                <p:cTn id="11" presetID="10" presetClass="entr" presetSubtype="0" fill="hold" nodeType="withEffect">
+                                  <p:stCondLst>
+                                    <p:cond delay="0"/>
+                                  </p:stCondLst>
+                                  <p:childTnLst>
+                                    <p:set>
+                                      <p:cBhvr>
+                                        <p:cTn id="12" dur="1" fill="hold">
+                                          <p:stCondLst>
+                                            <p:cond delay="0"/>
+                                          </p:stCondLst>
+                                        </p:cTn>
+                                        <p:tgtEl>
+                                          <p:spTgt spid="2">
+                                            <p:txEl>
+                                              <p:pRg st="5" end="5"/>
+                                            </p:txEl>
+                                          </p:spTgt>
+                                        </p:tgtEl>
+                                        <p:attrNameLst>
+                                          <p:attrName>style.visibility</p:attrName>
+                                        </p:attrNameLst>
+                                      </p:cBhvr>
+                                      <p:to>
+                                        <p:strVal val="visible"/>
+                                      </p:to>
+                                    </p:set>
+                                    <p:animEffect transition="in" filter="fade">
+                                      <p:cBhvr>
+                                        <p:cTn id="13" dur="500"/>
+                                        <p:tgtEl>
+                                          <p:spTgt spid="2">
+                                            <p:txEl>
+                                              <p:pRg st="5" end="5"/>
+                                            </p:txEl>
+                                          </p:spTgt>
+                                        </p:tgtEl>
+                                      </p:cBhvr>
+                                    </p:animEffect>
+                                  </p:childTnLst>
+                                </p:cTn>
+                              </p:par>
+                            </p:childTnLst>
+                          </p:cTn>
+                        </p:par>
+                      </p:childTnLst>
+                    </p:cTn>
+                  </p:par>
+                  <p:par>
+                    <p:cTn id="14" fill="hold">
+                      <p:stCondLst>
+                        <p:cond delay="indefinite"/>
+                      </p:stCondLst>
+                      <p:childTnLst>
+                        <p:par>
+                          <p:cTn id="15" fill="hold">
+                            <p:stCondLst>
+                              <p:cond delay="0"/>
+                            </p:stCondLst>
+                            <p:childTnLst>
+                              <p:par>
+                                <p:cTn id="16" presetID="10" presetClass="entr" presetSubtype="0" fill="hold" nodeType="clickEffect">
+                                  <p:stCondLst>
+                                    <p:cond delay="0"/>
+                                  </p:stCondLst>
+                                  <p:childTnLst>
+                                    <p:set>
+                                      <p:cBhvr>
+                                        <p:cTn id="17" dur="1" fill="hold">
+                                          <p:stCondLst>
+                                            <p:cond delay="0"/>
+                                          </p:stCondLst>
+                                        </p:cTn>
+                                        <p:tgtEl>
+                                          <p:spTgt spid="2">
+                                            <p:txEl>
+                                              <p:pRg st="7" end="7"/>
+                                            </p:txEl>
+                                          </p:spTgt>
+                                        </p:tgtEl>
+                                        <p:attrNameLst>
+                                          <p:attrName>style.visibility</p:attrName>
+                                        </p:attrNameLst>
+                                      </p:cBhvr>
+                                      <p:to>
+                                        <p:strVal val="visible"/>
+                                      </p:to>
+                                    </p:set>
+                                    <p:animEffect transition="in" filter="fade">
+                                      <p:cBhvr>
+                                        <p:cTn id="18" dur="500"/>
+                                        <p:tgtEl>
+                                          <p:spTgt spid="2">
+                                            <p:txEl>
+                                              <p:pRg st="7" end="7"/>
+                                            </p:txEl>
+                                          </p:spTgt>
+                                        </p:tgtEl>
+                                      </p:cBhvr>
+                                    </p:animEffect>
+                                  </p:childTnLst>
+                                </p:cTn>
+                              </p:par>
+                              <p:par>
+                                <p:cTn id="19" presetID="10" presetClass="entr" presetSubtype="0" fill="hold" nodeType="withEffect">
+                                  <p:stCondLst>
+                                    <p:cond delay="0"/>
+                                  </p:stCondLst>
+                                  <p:childTnLst>
+                                    <p:set>
+                                      <p:cBhvr>
+                                        <p:cTn id="20" dur="1" fill="hold">
+                                          <p:stCondLst>
+                                            <p:cond delay="0"/>
+                                          </p:stCondLst>
+                                        </p:cTn>
+                                        <p:tgtEl>
+                                          <p:spTgt spid="2">
+                                            <p:txEl>
+                                              <p:pRg st="8" end="8"/>
+                                            </p:txEl>
+                                          </p:spTgt>
+                                        </p:tgtEl>
+                                        <p:attrNameLst>
+                                          <p:attrName>style.visibility</p:attrName>
+                                        </p:attrNameLst>
+                                      </p:cBhvr>
+                                      <p:to>
+                                        <p:strVal val="visible"/>
+                                      </p:to>
+                                    </p:set>
+                                    <p:animEffect transition="in" filter="fade">
+                                      <p:cBhvr>
+                                        <p:cTn id="21" dur="500"/>
+                                        <p:tgtEl>
+                                          <p:spTgt spid="2">
+                                            <p:txEl>
+                                              <p:pRg st="8" end="8"/>
+                                            </p:txEl>
+                                          </p:spTgt>
+                                        </p:tgtEl>
+                                      </p:cBhvr>
+                                    </p:animEffect>
+                                  </p:childTnLst>
+                                </p:cTn>
+                              </p:par>
+                              <p:par>
+                                <p:cTn id="22" presetID="10" presetClass="entr" presetSubtype="0" fill="hold" nodeType="withEffect">
+                                  <p:stCondLst>
+                                    <p:cond delay="0"/>
+                                  </p:stCondLst>
+                                  <p:childTnLst>
+                                    <p:set>
+                                      <p:cBhvr>
+                                        <p:cTn id="23" dur="1" fill="hold">
+                                          <p:stCondLst>
+                                            <p:cond delay="0"/>
+                                          </p:stCondLst>
+                                        </p:cTn>
+                                        <p:tgtEl>
+                                          <p:spTgt spid="2">
+                                            <p:txEl>
+                                              <p:pRg st="9" end="9"/>
+                                            </p:txEl>
+                                          </p:spTgt>
+                                        </p:tgtEl>
+                                        <p:attrNameLst>
+                                          <p:attrName>style.visibility</p:attrName>
+                                        </p:attrNameLst>
+                                      </p:cBhvr>
+                                      <p:to>
+                                        <p:strVal val="visible"/>
+                                      </p:to>
+                                    </p:set>
+                                    <p:animEffect transition="in" filter="fade">
+                                      <p:cBhvr>
+                                        <p:cTn id="24" dur="500"/>
+                                        <p:tgtEl>
+                                          <p:spTgt spid="2">
+                                            <p:txEl>
+                                              <p:pRg st="9" end="9"/>
+                                            </p:txEl>
+                                          </p:spTgt>
+                                        </p:tgtEl>
+                                      </p:cBhvr>
+                                    </p:animEffect>
+                                  </p:childTnLst>
+                                </p:cTn>
+                              </p:par>
+                            </p:childTnLst>
+                          </p:cTn>
+                        </p:par>
+                      </p:childTnLst>
+                    </p:cTn>
+                  </p:par>
+                  <p:par>
+                    <p:cTn id="25" fill="hold">
+                      <p:stCondLst>
+                        <p:cond delay="indefinite"/>
+                      </p:stCondLst>
+                      <p:childTnLst>
+                        <p:par>
+                          <p:cTn id="26" fill="hold">
+                            <p:stCondLst>
+                              <p:cond delay="0"/>
+                            </p:stCondLst>
+                            <p:childTnLst>
+                              <p:par>
+                                <p:cTn id="27" presetID="10" presetClass="entr" presetSubtype="0" fill="hold" nodeType="clickEffect">
+                                  <p:stCondLst>
+                                    <p:cond delay="0"/>
+                                  </p:stCondLst>
+                                  <p:childTnLst>
+                                    <p:set>
+                                      <p:cBhvr>
+                                        <p:cTn id="28" dur="1" fill="hold">
+                                          <p:stCondLst>
+                                            <p:cond delay="0"/>
+                                          </p:stCondLst>
+                                        </p:cTn>
+                                        <p:tgtEl>
+                                          <p:spTgt spid="2">
+                                            <p:txEl>
+                                              <p:pRg st="11" end="11"/>
+                                            </p:txEl>
+                                          </p:spTgt>
+                                        </p:tgtEl>
+                                        <p:attrNameLst>
+                                          <p:attrName>style.visibility</p:attrName>
+                                        </p:attrNameLst>
+                                      </p:cBhvr>
+                                      <p:to>
+                                        <p:strVal val="visible"/>
+                                      </p:to>
+                                    </p:set>
+                                    <p:animEffect transition="in" filter="fade">
+                                      <p:cBhvr>
+                                        <p:cTn id="29" dur="500"/>
+                                        <p:tgtEl>
+                                          <p:spTgt spid="2">
+                                            <p:txEl>
+                                              <p:pRg st="11" end="11"/>
+                                            </p:txEl>
+                                          </p:spTgt>
+                                        </p:tgtEl>
+                                      </p:cBhvr>
+                                    </p:animEffect>
+                                  </p:childTnLst>
+                                </p:cTn>
+                              </p:par>
+                              <p:par>
+                                <p:cTn id="30" presetID="10" presetClass="entr" presetSubtype="0" fill="hold" nodeType="withEffect">
+                                  <p:stCondLst>
+                                    <p:cond delay="0"/>
+                                  </p:stCondLst>
+                                  <p:childTnLst>
+                                    <p:set>
+                                      <p:cBhvr>
+                                        <p:cTn id="31" dur="1" fill="hold">
+                                          <p:stCondLst>
+                                            <p:cond delay="0"/>
+                                          </p:stCondLst>
+                                        </p:cTn>
+                                        <p:tgtEl>
+                                          <p:spTgt spid="2">
+                                            <p:txEl>
+                                              <p:pRg st="12" end="12"/>
+                                            </p:txEl>
+                                          </p:spTgt>
+                                        </p:tgtEl>
+                                        <p:attrNameLst>
+                                          <p:attrName>style.visibility</p:attrName>
+                                        </p:attrNameLst>
+                                      </p:cBhvr>
+                                      <p:to>
+                                        <p:strVal val="visible"/>
+                                      </p:to>
+                                    </p:set>
+                                    <p:animEffect transition="in" filter="fade">
+                                      <p:cBhvr>
+                                        <p:cTn id="32" dur="500"/>
+                                        <p:tgtEl>
+                                          <p:spTgt spid="2">
+                                            <p:txEl>
+                                              <p:pRg st="12" end="12"/>
+                                            </p:txEl>
+                                          </p:spTgt>
+                                        </p:tgtEl>
+                                      </p:cBhvr>
+                                    </p:animEffect>
+                                  </p:childTnLst>
+                                </p:cTn>
+                              </p:par>
+                              <p:par>
+                                <p:cTn id="33" presetID="10" presetClass="entr" presetSubtype="0" fill="hold" nodeType="withEffect">
+                                  <p:stCondLst>
+                                    <p:cond delay="0"/>
+                                  </p:stCondLst>
+                                  <p:childTnLst>
+                                    <p:set>
+                                      <p:cBhvr>
+                                        <p:cTn id="34" dur="1" fill="hold">
+                                          <p:stCondLst>
+                                            <p:cond delay="0"/>
+                                          </p:stCondLst>
+                                        </p:cTn>
+                                        <p:tgtEl>
+                                          <p:spTgt spid="2">
+                                            <p:txEl>
+                                              <p:pRg st="13" end="13"/>
+                                            </p:txEl>
+                                          </p:spTgt>
+                                        </p:tgtEl>
+                                        <p:attrNameLst>
+                                          <p:attrName>style.visibility</p:attrName>
+                                        </p:attrNameLst>
+                                      </p:cBhvr>
+                                      <p:to>
+                                        <p:strVal val="visible"/>
+                                      </p:to>
+                                    </p:set>
+                                    <p:animEffect transition="in" filter="fade">
+                                      <p:cBhvr>
+                                        <p:cTn id="35" dur="500"/>
+                                        <p:tgtEl>
+                                          <p:spTgt spid="2">
+                                            <p:txEl>
+                                              <p:pRg st="13" end="13"/>
+                                            </p:txEl>
+                                          </p:spTgt>
+                                        </p:tgtEl>
+                                      </p:cBhvr>
+                                    </p:animEffect>
+                                  </p:childTnLst>
+                                </p:cTn>
+                              </p:par>
+                              <p:par>
+                                <p:cTn id="36" presetID="10" presetClass="entr" presetSubtype="0" fill="hold" nodeType="withEffect">
+                                  <p:stCondLst>
+                                    <p:cond delay="0"/>
+                                  </p:stCondLst>
+                                  <p:childTnLst>
+                                    <p:set>
+                                      <p:cBhvr>
+                                        <p:cTn id="37" dur="1" fill="hold">
+                                          <p:stCondLst>
+                                            <p:cond delay="0"/>
+                                          </p:stCondLst>
+                                        </p:cTn>
+                                        <p:tgtEl>
+                                          <p:spTgt spid="2">
+                                            <p:txEl>
+                                              <p:pRg st="14" end="14"/>
+                                            </p:txEl>
+                                          </p:spTgt>
+                                        </p:tgtEl>
+                                        <p:attrNameLst>
+                                          <p:attrName>style.visibility</p:attrName>
+                                        </p:attrNameLst>
+                                      </p:cBhvr>
+                                      <p:to>
+                                        <p:strVal val="visible"/>
+                                      </p:to>
+                                    </p:set>
+                                    <p:animEffect transition="in" filter="fade">
+                                      <p:cBhvr>
+                                        <p:cTn id="38" dur="500"/>
+                                        <p:tgtEl>
+                                          <p:spTgt spid="2">
+                                            <p:txEl>
+                                              <p:pRg st="14" end="14"/>
+                                            </p:txEl>
+                                          </p:spTgt>
+                                        </p:tgtEl>
+                                      </p:cBhvr>
+                                    </p:animEffect>
+                                  </p:childTnLst>
+                                </p:cTn>
+                              </p:par>
+                              <p:par>
+                                <p:cTn id="39" presetID="10" presetClass="entr" presetSubtype="0" fill="hold" nodeType="withEffect">
+                                  <p:stCondLst>
+                                    <p:cond delay="0"/>
+                                  </p:stCondLst>
+                                  <p:childTnLst>
+                                    <p:set>
+                                      <p:cBhvr>
+                                        <p:cTn id="40" dur="1" fill="hold">
+                                          <p:stCondLst>
+                                            <p:cond delay="0"/>
+                                          </p:stCondLst>
+                                        </p:cTn>
+                                        <p:tgtEl>
+                                          <p:spTgt spid="2">
+                                            <p:txEl>
+                                              <p:pRg st="15" end="15"/>
+                                            </p:txEl>
+                                          </p:spTgt>
+                                        </p:tgtEl>
+                                        <p:attrNameLst>
+                                          <p:attrName>style.visibility</p:attrName>
+                                        </p:attrNameLst>
+                                      </p:cBhvr>
+                                      <p:to>
+                                        <p:strVal val="visible"/>
+                                      </p:to>
+                                    </p:set>
+                                    <p:animEffect transition="in" filter="fade">
+                                      <p:cBhvr>
+                                        <p:cTn id="41" dur="500"/>
+                                        <p:tgtEl>
+                                          <p:spTgt spid="2">
+                                            <p:txEl>
+                                              <p:pRg st="15" end="15"/>
+                                            </p:txEl>
+                                          </p:spTgt>
+                                        </p:tgtEl>
+                                      </p:cBhvr>
+                                    </p:animEffect>
+                                  </p:childTnLst>
+                                </p:cTn>
+                              </p:par>
+                              <p:par>
+                                <p:cTn id="42" presetID="10" presetClass="entr" presetSubtype="0" fill="hold" nodeType="withEffect">
+                                  <p:stCondLst>
+                                    <p:cond delay="0"/>
+                                  </p:stCondLst>
+                                  <p:childTnLst>
+                                    <p:set>
+                                      <p:cBhvr>
+                                        <p:cTn id="43" dur="1" fill="hold">
+                                          <p:stCondLst>
+                                            <p:cond delay="0"/>
+                                          </p:stCondLst>
+                                        </p:cTn>
+                                        <p:tgtEl>
+                                          <p:spTgt spid="2">
+                                            <p:txEl>
+                                              <p:pRg st="16" end="16"/>
+                                            </p:txEl>
+                                          </p:spTgt>
+                                        </p:tgtEl>
+                                        <p:attrNameLst>
+                                          <p:attrName>style.visibility</p:attrName>
+                                        </p:attrNameLst>
+                                      </p:cBhvr>
+                                      <p:to>
+                                        <p:strVal val="visible"/>
+                                      </p:to>
+                                    </p:set>
+                                    <p:animEffect transition="in" filter="fade">
+                                      <p:cBhvr>
+                                        <p:cTn id="44" dur="500"/>
+                                        <p:tgtEl>
+                                          <p:spTgt spid="2">
+                                            <p:txEl>
+                                              <p:pRg st="16" end="16"/>
+                                            </p:txEl>
+                                          </p:spTgt>
+                                        </p:tgtEl>
+                                      </p:cBhvr>
+                                    </p:animEffect>
+                                  </p:childTnLst>
+                                </p:cTn>
+                              </p:par>
+                            </p:childTnLst>
+                          </p:cTn>
+                        </p:par>
+                      </p:childTnLst>
+                    </p:cTn>
+                  </p:par>
+                  <p:par>
+                    <p:cTn id="45" fill="hold">
+                      <p:stCondLst>
+                        <p:cond delay="indefinite"/>
+                      </p:stCondLst>
+                      <p:childTnLst>
+                        <p:par>
+                          <p:cTn id="46" fill="hold">
+                            <p:stCondLst>
+                              <p:cond delay="0"/>
+                            </p:stCondLst>
+                            <p:childTnLst>
+                              <p:par>
+                                <p:cTn id="47" presetID="10" presetClass="entr" presetSubtype="0" fill="hold" nodeType="clickEffect">
+                                  <p:stCondLst>
+                                    <p:cond delay="0"/>
+                                  </p:stCondLst>
+                                  <p:childTnLst>
+                                    <p:set>
+                                      <p:cBhvr>
+                                        <p:cTn id="48" dur="1" fill="hold">
+                                          <p:stCondLst>
+                                            <p:cond delay="0"/>
+                                          </p:stCondLst>
+                                        </p:cTn>
+                                        <p:tgtEl>
+                                          <p:spTgt spid="2">
+                                            <p:txEl>
+                                              <p:pRg st="17" end="17"/>
+                                            </p:txEl>
+                                          </p:spTgt>
+                                        </p:tgtEl>
+                                        <p:attrNameLst>
+                                          <p:attrName>style.visibility</p:attrName>
+                                        </p:attrNameLst>
+                                      </p:cBhvr>
+                                      <p:to>
+                                        <p:strVal val="visible"/>
+                                      </p:to>
+                                    </p:set>
+                                    <p:animEffect transition="in" filter="fade">
+                                      <p:cBhvr>
+                                        <p:cTn id="49" dur="500"/>
+                                        <p:tgtEl>
+                                          <p:spTgt spid="2">
+                                            <p:txEl>
+                                              <p:pRg st="17" end="17"/>
+                                            </p:txEl>
+                                          </p:spTgt>
+                                        </p:tgtEl>
+                                      </p:cBhvr>
+                                    </p:animEffect>
+                                  </p:childTnLst>
+                                </p:cTn>
+                              </p:par>
+                              <p:par>
+                                <p:cTn id="50" presetID="10" presetClass="entr" presetSubtype="0" fill="hold" nodeType="withEffect">
+                                  <p:stCondLst>
+                                    <p:cond delay="0"/>
+                                  </p:stCondLst>
+                                  <p:childTnLst>
+                                    <p:set>
+                                      <p:cBhvr>
+                                        <p:cTn id="51" dur="1" fill="hold">
+                                          <p:stCondLst>
+                                            <p:cond delay="0"/>
+                                          </p:stCondLst>
+                                        </p:cTn>
+                                        <p:tgtEl>
+                                          <p:spTgt spid="2">
+                                            <p:txEl>
+                                              <p:pRg st="18" end="18"/>
+                                            </p:txEl>
+                                          </p:spTgt>
+                                        </p:tgtEl>
+                                        <p:attrNameLst>
+                                          <p:attrName>style.visibility</p:attrName>
+                                        </p:attrNameLst>
+                                      </p:cBhvr>
+                                      <p:to>
+                                        <p:strVal val="visible"/>
+                                      </p:to>
+                                    </p:set>
+                                    <p:animEffect transition="in" filter="fade">
+                                      <p:cBhvr>
+                                        <p:cTn id="52" dur="500"/>
+                                        <p:tgtEl>
+                                          <p:spTgt spid="2">
+                                            <p:txEl>
+                                              <p:pRg st="18" end="18"/>
+                                            </p:txEl>
+                                          </p:spTgt>
+                                        </p:tgtEl>
+                                      </p:cBhvr>
+                                    </p:animEffect>
+                                  </p:childTnLst>
+                                </p:cTn>
+                              </p:par>
+                              <p:par>
+                                <p:cTn id="53" presetID="10" presetClass="entr" presetSubtype="0" fill="hold" nodeType="withEffect">
+                                  <p:stCondLst>
+                                    <p:cond delay="0"/>
+                                  </p:stCondLst>
+                                  <p:childTnLst>
+                                    <p:set>
+                                      <p:cBhvr>
+                                        <p:cTn id="54" dur="1" fill="hold">
+                                          <p:stCondLst>
+                                            <p:cond delay="0"/>
+                                          </p:stCondLst>
+                                        </p:cTn>
+                                        <p:tgtEl>
+                                          <p:spTgt spid="2">
+                                            <p:txEl>
+                                              <p:pRg st="19" end="19"/>
+                                            </p:txEl>
+                                          </p:spTgt>
+                                        </p:tgtEl>
+                                        <p:attrNameLst>
+                                          <p:attrName>style.visibility</p:attrName>
+                                        </p:attrNameLst>
+                                      </p:cBhvr>
+                                      <p:to>
+                                        <p:strVal val="visible"/>
+                                      </p:to>
+                                    </p:set>
+                                    <p:animEffect transition="in" filter="fade">
+                                      <p:cBhvr>
+                                        <p:cTn id="55" dur="500"/>
+                                        <p:tgtEl>
+                                          <p:spTgt spid="2">
+                                            <p:txEl>
+                                              <p:pRg st="19" end="19"/>
+                                            </p:txEl>
+                                          </p:spTgt>
+                                        </p:tgtEl>
+                                      </p:cBhvr>
+                                    </p:animEffect>
+                                  </p:childTnLst>
+                                </p:cTn>
+                              </p:par>
+                              <p:par>
+                                <p:cTn id="56" presetID="10" presetClass="entr" presetSubtype="0" fill="hold" nodeType="withEffect">
+                                  <p:stCondLst>
+                                    <p:cond delay="0"/>
+                                  </p:stCondLst>
+                                  <p:childTnLst>
+                                    <p:set>
+                                      <p:cBhvr>
+                                        <p:cTn id="57" dur="1" fill="hold">
+                                          <p:stCondLst>
+                                            <p:cond delay="0"/>
+                                          </p:stCondLst>
+                                        </p:cTn>
+                                        <p:tgtEl>
+                                          <p:spTgt spid="2">
+                                            <p:txEl>
+                                              <p:pRg st="20" end="20"/>
+                                            </p:txEl>
+                                          </p:spTgt>
+                                        </p:tgtEl>
+                                        <p:attrNameLst>
+                                          <p:attrName>style.visibility</p:attrName>
+                                        </p:attrNameLst>
+                                      </p:cBhvr>
+                                      <p:to>
+                                        <p:strVal val="visible"/>
+                                      </p:to>
+                                    </p:set>
+                                    <p:animEffect transition="in" filter="fade">
+                                      <p:cBhvr>
+                                        <p:cTn id="58" dur="500"/>
+                                        <p:tgtEl>
+                                          <p:spTgt spid="2">
+                                            <p:txEl>
+                                              <p:pRg st="20" end="20"/>
+                                            </p:txEl>
+                                          </p:spTgt>
+                                        </p:tgtEl>
+                                      </p:cBhvr>
+                                    </p:animEffect>
+                                  </p:childTnLst>
+                                </p:cTn>
+                              </p:par>
+                            </p:childTnLst>
+                          </p:cTn>
+                        </p:par>
+                      </p:childTnLst>
+                    </p:cTn>
+                  </p:par>
+                </p:childTnLst>
+              </p:cTn>
+              <p:prevCondLst>
+                <p:cond evt="onPrev" delay="0">
+                  <p:tgtEl>
+                    <p:sldTgt/>
+                  </p:tgtEl>
+                </p:cond>
+              </p:prevCondLst>
+              <p:nextCondLst>
+                <p:cond evt="onNext" delay="0">
+                  <p:tgtEl>
+                    <p:sldTgt/>
+                  </p:tgtEl>
+                </p:cond>
+              </p:nextCondLst>
+            </p:seq>
+          </p:childTnLst>
+        </p:cTn>
+      </p:par>
+    </p:tnLst>
+  </p:timing>
+</p:sld>
+</file>
+
 <file path=ppt/slides/slide5.xml><?xml version="1.0" encoding="utf-8"?>
 <p:sld xmlns:a="http://schemas.openxmlformats.org/drawingml/2006/main" xmlns:r="http://schemas.openxmlformats.org/officeDocument/2006/relationships" xmlns:p="http://schemas.openxmlformats.org/presentationml/2006/main">
   <p:cSld>

--- a/lectures/02.observer/observer.pptx
+++ b/lectures/02.observer/observer.pptx
@@ -2,13 +2,13 @@
 <file path=ppt/presentation.xml><?xml version="1.0" encoding="utf-8"?>
 <p:presentation xmlns:a="http://schemas.openxmlformats.org/drawingml/2006/main" xmlns:r="http://schemas.openxmlformats.org/officeDocument/2006/relationships" xmlns:p="http://schemas.openxmlformats.org/presentationml/2006/main" saveSubsetFonts="1">
   <p:sldMasterIdLst>
-    <p:sldMasterId id="2147483672" r:id="rId1"/>
+    <p:sldMasterId id="2147483684" r:id="rId1"/>
   </p:sldMasterIdLst>
   <p:notesMasterIdLst>
     <p:notesMasterId r:id="rId51"/>
   </p:notesMasterIdLst>
   <p:sldIdLst>
-    <p:sldId id="256" r:id="rId2"/>
+    <p:sldId id="307" r:id="rId2"/>
     <p:sldId id="294" r:id="rId3"/>
     <p:sldId id="296" r:id="rId4"/>
     <p:sldId id="297" r:id="rId5"/>
@@ -58,14 +58,14 @@
     <p:sldId id="305" r:id="rId49"/>
     <p:sldId id="306" r:id="rId50"/>
   </p:sldIdLst>
-  <p:sldSz cx="9144000" cy="6858000" type="screen4x3"/>
+  <p:sldSz cx="12192000" cy="6858000"/>
   <p:notesSz cx="6858000" cy="9144000"/>
   <p:custDataLst>
     <p:tags r:id="rId52"/>
   </p:custDataLst>
   <p:defaultTextStyle>
     <a:defPPr>
-      <a:defRPr lang="ru-RU"/>
+      <a:defRPr lang="en-US"/>
     </a:defPPr>
     <a:lvl1pPr marL="0" algn="l" defTabSz="914400" rtl="0" eaLnBrk="1" latinLnBrk="0" hangingPunct="1">
       <a:defRPr sz="1800" kern="1200">
@@ -161,12 +161,12 @@
   <p:extLst>
     <p:ext uri="{EFAFB233-063F-42B5-8137-9DF3F51BA10A}">
       <p15:sldGuideLst xmlns:p15="http://schemas.microsoft.com/office/powerpoint/2012/main">
-        <p15:guide id="1" orient="horz" pos="2160">
+        <p15:guide id="1" orient="horz" pos="2160" userDrawn="1">
           <p15:clr>
             <a:srgbClr val="A4A3A4"/>
           </p15:clr>
         </p15:guide>
-        <p15:guide id="2" pos="2880">
+        <p15:guide id="2" pos="3840" userDrawn="1">
           <p15:clr>
             <a:srgbClr val="A4A3A4"/>
           </p15:clr>
@@ -259,7 +259,7 @@
           <a:p>
             <a:fld id="{2F3DCB6D-0B48-4A3D-B663-06C3F903A9D3}" type="datetimeFigureOut">
               <a:rPr lang="ru-RU" smtClean="0"/>
-              <a:t>15.09.2023</a:t>
+              <a:t>13.09.2024</a:t>
             </a:fld>
             <a:endParaRPr lang="ru-RU"/>
           </a:p>
@@ -277,8 +277,8 @@
         </p:nvSpPr>
         <p:spPr>
           <a:xfrm>
-            <a:off x="1143000" y="685800"/>
-            <a:ext cx="4572000" cy="3429000"/>
+            <a:off x="381000" y="685800"/>
+            <a:ext cx="6096000" cy="3429000"/>
           </a:xfrm>
           <a:prstGeom prst="rect">
             <a:avLst/>
@@ -553,7 +553,12 @@
             <p:ph type="sldImg"/>
           </p:nvPr>
         </p:nvSpPr>
-        <p:spPr/>
+        <p:spPr>
+          <a:xfrm>
+            <a:off x="381000" y="685800"/>
+            <a:ext cx="6096000" cy="3429000"/>
+          </a:xfrm>
+        </p:spPr>
       </p:sp>
       <p:sp>
         <p:nvSpPr>
@@ -637,7 +642,12 @@
             <p:ph type="sldImg"/>
           </p:nvPr>
         </p:nvSpPr>
-        <p:spPr/>
+        <p:spPr>
+          <a:xfrm>
+            <a:off x="381000" y="685800"/>
+            <a:ext cx="6096000" cy="3429000"/>
+          </a:xfrm>
+        </p:spPr>
       </p:sp>
       <p:sp>
         <p:nvSpPr>
@@ -721,7 +731,12 @@
             <p:ph type="sldImg"/>
           </p:nvPr>
         </p:nvSpPr>
-        <p:spPr/>
+        <p:spPr>
+          <a:xfrm>
+            <a:off x="381000" y="685800"/>
+            <a:ext cx="6096000" cy="3429000"/>
+          </a:xfrm>
+        </p:spPr>
       </p:sp>
       <p:sp>
         <p:nvSpPr>
@@ -898,7 +913,12 @@
             <p:ph type="sldImg"/>
           </p:nvPr>
         </p:nvSpPr>
-        <p:spPr/>
+        <p:spPr>
+          <a:xfrm>
+            <a:off x="381000" y="685800"/>
+            <a:ext cx="6096000" cy="3429000"/>
+          </a:xfrm>
+        </p:spPr>
       </p:sp>
       <p:sp>
         <p:nvSpPr>
@@ -982,7 +1002,12 @@
             <p:ph type="sldImg"/>
           </p:nvPr>
         </p:nvSpPr>
-        <p:spPr/>
+        <p:spPr>
+          <a:xfrm>
+            <a:off x="381000" y="685800"/>
+            <a:ext cx="6096000" cy="3429000"/>
+          </a:xfrm>
+        </p:spPr>
       </p:sp>
       <p:sp>
         <p:nvSpPr>
@@ -1114,7 +1139,12 @@
             <p:ph type="sldImg"/>
           </p:nvPr>
         </p:nvSpPr>
-        <p:spPr/>
+        <p:spPr>
+          <a:xfrm>
+            <a:off x="381000" y="685800"/>
+            <a:ext cx="6096000" cy="3429000"/>
+          </a:xfrm>
+        </p:spPr>
       </p:sp>
       <p:sp>
         <p:nvSpPr>
@@ -1226,7 +1256,12 @@
             <p:ph type="sldImg"/>
           </p:nvPr>
         </p:nvSpPr>
-        <p:spPr/>
+        <p:spPr>
+          <a:xfrm>
+            <a:off x="381000" y="685800"/>
+            <a:ext cx="6096000" cy="3429000"/>
+          </a:xfrm>
+        </p:spPr>
       </p:sp>
       <p:sp>
         <p:nvSpPr>
@@ -1329,7 +1364,12 @@
             <p:ph type="sldImg"/>
           </p:nvPr>
         </p:nvSpPr>
-        <p:spPr/>
+        <p:spPr>
+          <a:xfrm>
+            <a:off x="381000" y="685800"/>
+            <a:ext cx="6096000" cy="3429000"/>
+          </a:xfrm>
+        </p:spPr>
       </p:sp>
       <p:sp>
         <p:nvSpPr>
@@ -1387,13 +1427,8 @@
 </file>
 
 <file path=ppt/slideLayouts/slideLayout1.xml><?xml version="1.0" encoding="utf-8"?>
-<p:sldLayout xmlns:a="http://schemas.openxmlformats.org/drawingml/2006/main" xmlns:r="http://schemas.openxmlformats.org/officeDocument/2006/relationships" xmlns:p="http://schemas.openxmlformats.org/presentationml/2006/main" showMasterSp="0" type="title" preserve="1">
-  <p:cSld name="Титульный слайд">
-    <p:bg>
-      <p:bgRef idx="1002">
-        <a:schemeClr val="bg2"/>
-      </p:bgRef>
-    </p:bg>
+<p:sldLayout xmlns:a="http://schemas.openxmlformats.org/drawingml/2006/main" xmlns:r="http://schemas.openxmlformats.org/officeDocument/2006/relationships" xmlns:p="http://schemas.openxmlformats.org/presentationml/2006/main" type="title" preserve="1">
+  <p:cSld name="Title Slide">
     <p:spTree>
       <p:nvGrpSpPr>
         <p:cNvPr id="1" name=""/>
@@ -1410,52 +1445,13 @@
       </p:grpSpPr>
       <p:sp>
         <p:nvSpPr>
-          <p:cNvPr id="9" name="Прямоугольник 8"/>
-          <p:cNvSpPr/>
-          <p:nvPr/>
-        </p:nvSpPr>
-        <p:spPr bwMode="ltGray">
-          <a:xfrm>
-            <a:off x="0" y="0"/>
-            <a:ext cx="9143999" cy="5135430"/>
-          </a:xfrm>
-          <a:prstGeom prst="rect">
-            <a:avLst/>
-          </a:prstGeom>
-          <a:solidFill>
-            <a:srgbClr val="000000"/>
-          </a:solidFill>
-          <a:ln w="48000" cap="flat" cmpd="thickThin" algn="ctr">
-            <a:noFill/>
-            <a:prstDash val="solid"/>
-          </a:ln>
-        </p:spPr>
-        <p:style>
-          <a:lnRef idx="2">
-            <a:schemeClr val="accent1"/>
-          </a:lnRef>
-          <a:fillRef idx="1">
-            <a:schemeClr val="accent1"/>
-          </a:fillRef>
-          <a:effectRef idx="0">
-            <a:schemeClr val="accent1"/>
-          </a:effectRef>
-          <a:fontRef idx="minor">
-            <a:schemeClr val="lt1"/>
-          </a:fontRef>
-        </p:style>
-        <p:txBody>
-          <a:bodyPr rtlCol="0" anchor="ctr"/>
-          <a:lstStyle/>
-          <a:p>
-            <a:pPr algn="ctr" eaLnBrk="1" latinLnBrk="0" hangingPunct="1"/>
-            <a:endParaRPr kumimoji="0" lang="en-US"/>
-          </a:p>
-        </p:txBody>
-      </p:sp>
-      <p:sp>
-        <p:nvSpPr>
-          <p:cNvPr id="2" name="Заголовок 1"/>
+          <p:cNvPr id="2" name="Title 1">
+            <a:extLst>
+              <a:ext uri="{FF2B5EF4-FFF2-40B4-BE49-F238E27FC236}">
+                <a16:creationId xmlns:a16="http://schemas.microsoft.com/office/drawing/2014/main" id="{0A25202C-C757-2500-ED25-F837C35035F9}"/>
+              </a:ext>
+            </a:extLst>
+          </p:cNvPr>
           <p:cNvSpPr>
             <a:spLocks noGrp="1"/>
           </p:cNvSpPr>
@@ -1465,41 +1461,34 @@
         </p:nvSpPr>
         <p:spPr>
           <a:xfrm>
-            <a:off x="685800" y="3355848"/>
-            <a:ext cx="8077200" cy="1673352"/>
+            <a:off x="1524000" y="1122363"/>
+            <a:ext cx="9144000" cy="2387600"/>
           </a:xfrm>
         </p:spPr>
         <p:txBody>
-          <a:bodyPr vert="horz" lIns="91440" tIns="0" rIns="45720" bIns="0" rtlCol="0" anchor="t">
-            <a:normAutofit/>
-            <a:scene3d>
-              <a:camera prst="orthographicFront"/>
-              <a:lightRig rig="threePt" dir="t">
-                <a:rot lat="0" lon="0" rev="4800000"/>
-              </a:lightRig>
-            </a:scene3d>
-            <a:sp3d prstMaterial="matte">
-              <a:bevelT w="50800" h="10160"/>
-            </a:sp3d>
-          </a:bodyPr>
+          <a:bodyPr anchor="b"/>
           <a:lstStyle>
-            <a:lvl1pPr algn="l">
-              <a:defRPr sz="4700" b="1"/>
+            <a:lvl1pPr algn="ctr">
+              <a:defRPr sz="6000"/>
             </a:lvl1pPr>
-            <a:extLst/>
           </a:lstStyle>
           <a:p>
             <a:r>
-              <a:rPr kumimoji="0" lang="ru-RU"/>
-              <a:t>Образец заголовка</a:t>
-            </a:r>
-            <a:endParaRPr kumimoji="0" lang="en-US"/>
+              <a:rPr lang="en-US"/>
+              <a:t>Click to edit Master title style</a:t>
+            </a:r>
           </a:p>
         </p:txBody>
       </p:sp>
       <p:sp>
         <p:nvSpPr>
-          <p:cNvPr id="3" name="Подзаголовок 2"/>
+          <p:cNvPr id="3" name="Subtitle 2">
+            <a:extLst>
+              <a:ext uri="{FF2B5EF4-FFF2-40B4-BE49-F238E27FC236}">
+                <a16:creationId xmlns:a16="http://schemas.microsoft.com/office/drawing/2014/main" id="{AB216542-07F8-43DF-08E0-59EFD4649435}"/>
+              </a:ext>
+            </a:extLst>
+          </p:cNvPr>
           <p:cNvSpPr>
             <a:spLocks noGrp="1"/>
           </p:cNvSpPr>
@@ -1509,115 +1498,67 @@
         </p:nvSpPr>
         <p:spPr>
           <a:xfrm>
-            <a:off x="685800" y="1828800"/>
-            <a:ext cx="8077200" cy="1499616"/>
+            <a:off x="1524000" y="3602038"/>
+            <a:ext cx="9144000" cy="1655762"/>
           </a:xfrm>
         </p:spPr>
         <p:txBody>
-          <a:bodyPr lIns="118872" tIns="0" rIns="45720" bIns="0" anchor="b"/>
+          <a:bodyPr/>
           <a:lstStyle>
-            <a:lvl1pPr marL="0" indent="0" algn="l">
+            <a:lvl1pPr marL="0" indent="0" algn="ctr">
               <a:buNone/>
-              <a:defRPr sz="2000">
-                <a:solidFill>
-                  <a:srgbClr val="FFFFFF"/>
-                </a:solidFill>
-              </a:defRPr>
+              <a:defRPr sz="2400"/>
             </a:lvl1pPr>
             <a:lvl2pPr marL="457200" indent="0" algn="ctr">
               <a:buNone/>
-              <a:defRPr>
-                <a:solidFill>
-                  <a:schemeClr val="tx1">
-                    <a:tint val="75000"/>
-                  </a:schemeClr>
-                </a:solidFill>
-              </a:defRPr>
+              <a:defRPr sz="2000"/>
             </a:lvl2pPr>
             <a:lvl3pPr marL="914400" indent="0" algn="ctr">
               <a:buNone/>
-              <a:defRPr>
-                <a:solidFill>
-                  <a:schemeClr val="tx1">
-                    <a:tint val="75000"/>
-                  </a:schemeClr>
-                </a:solidFill>
-              </a:defRPr>
+              <a:defRPr sz="1800"/>
             </a:lvl3pPr>
             <a:lvl4pPr marL="1371600" indent="0" algn="ctr">
               <a:buNone/>
-              <a:defRPr>
-                <a:solidFill>
-                  <a:schemeClr val="tx1">
-                    <a:tint val="75000"/>
-                  </a:schemeClr>
-                </a:solidFill>
-              </a:defRPr>
+              <a:defRPr sz="1600"/>
             </a:lvl4pPr>
             <a:lvl5pPr marL="1828800" indent="0" algn="ctr">
               <a:buNone/>
-              <a:defRPr>
-                <a:solidFill>
-                  <a:schemeClr val="tx1">
-                    <a:tint val="75000"/>
-                  </a:schemeClr>
-                </a:solidFill>
-              </a:defRPr>
+              <a:defRPr sz="1600"/>
             </a:lvl5pPr>
             <a:lvl6pPr marL="2286000" indent="0" algn="ctr">
               <a:buNone/>
-              <a:defRPr>
-                <a:solidFill>
-                  <a:schemeClr val="tx1">
-                    <a:tint val="75000"/>
-                  </a:schemeClr>
-                </a:solidFill>
-              </a:defRPr>
+              <a:defRPr sz="1600"/>
             </a:lvl6pPr>
             <a:lvl7pPr marL="2743200" indent="0" algn="ctr">
               <a:buNone/>
-              <a:defRPr>
-                <a:solidFill>
-                  <a:schemeClr val="tx1">
-                    <a:tint val="75000"/>
-                  </a:schemeClr>
-                </a:solidFill>
-              </a:defRPr>
+              <a:defRPr sz="1600"/>
             </a:lvl7pPr>
             <a:lvl8pPr marL="3200400" indent="0" algn="ctr">
               <a:buNone/>
-              <a:defRPr>
-                <a:solidFill>
-                  <a:schemeClr val="tx1">
-                    <a:tint val="75000"/>
-                  </a:schemeClr>
-                </a:solidFill>
-              </a:defRPr>
+              <a:defRPr sz="1600"/>
             </a:lvl8pPr>
             <a:lvl9pPr marL="3657600" indent="0" algn="ctr">
               <a:buNone/>
-              <a:defRPr>
-                <a:solidFill>
-                  <a:schemeClr val="tx1">
-                    <a:tint val="75000"/>
-                  </a:schemeClr>
-                </a:solidFill>
-              </a:defRPr>
+              <a:defRPr sz="1600"/>
             </a:lvl9pPr>
-            <a:extLst/>
           </a:lstStyle>
           <a:p>
             <a:r>
-              <a:rPr kumimoji="0" lang="ru-RU"/>
-              <a:t>Образец подзаголовка</a:t>
-            </a:r>
-            <a:endParaRPr kumimoji="0" lang="en-US"/>
+              <a:rPr lang="en-US"/>
+              <a:t>Click to edit Master subtitle style</a:t>
+            </a:r>
           </a:p>
         </p:txBody>
       </p:sp>
       <p:sp>
         <p:nvSpPr>
-          <p:cNvPr id="4" name="Дата 3"/>
+          <p:cNvPr id="4" name="Date Placeholder 3">
+            <a:extLst>
+              <a:ext uri="{FF2B5EF4-FFF2-40B4-BE49-F238E27FC236}">
+                <a16:creationId xmlns:a16="http://schemas.microsoft.com/office/drawing/2014/main" id="{4046A920-3606-23F4-CF18-E500FB2D5313}"/>
+              </a:ext>
+            </a:extLst>
+          </p:cNvPr>
           <p:cNvSpPr>
             <a:spLocks noGrp="1"/>
           </p:cNvSpPr>
@@ -1632,7 +1573,7 @@
           <a:p>
             <a:fld id="{2590F9C9-AB92-4E86-B698-DEC9BF4350FF}" type="datetimeFigureOut">
               <a:rPr lang="ru-RU" smtClean="0"/>
-              <a:t>15.09.2023</a:t>
+              <a:t>13.09.2024</a:t>
             </a:fld>
             <a:endParaRPr lang="ru-RU"/>
           </a:p>
@@ -1640,7 +1581,13 @@
       </p:sp>
       <p:sp>
         <p:nvSpPr>
-          <p:cNvPr id="5" name="Нижний колонтитул 4"/>
+          <p:cNvPr id="5" name="Footer Placeholder 4">
+            <a:extLst>
+              <a:ext uri="{FF2B5EF4-FFF2-40B4-BE49-F238E27FC236}">
+                <a16:creationId xmlns:a16="http://schemas.microsoft.com/office/drawing/2014/main" id="{7F96C568-D05B-D001-9A9F-B542CC815D91}"/>
+              </a:ext>
+            </a:extLst>
+          </p:cNvPr>
           <p:cNvSpPr>
             <a:spLocks noGrp="1"/>
           </p:cNvSpPr>
@@ -1659,7 +1606,13 @@
       </p:sp>
       <p:sp>
         <p:nvSpPr>
-          <p:cNvPr id="6" name="Номер слайда 5"/>
+          <p:cNvPr id="6" name="Slide Number Placeholder 5">
+            <a:extLst>
+              <a:ext uri="{FF2B5EF4-FFF2-40B4-BE49-F238E27FC236}">
+                <a16:creationId xmlns:a16="http://schemas.microsoft.com/office/drawing/2014/main" id="{C358E84C-9278-F387-2403-412D514E0D62}"/>
+              </a:ext>
+            </a:extLst>
+          </p:cNvPr>
           <p:cNvSpPr>
             <a:spLocks noGrp="1"/>
           </p:cNvSpPr>
@@ -1680,69 +1633,22 @@
           </a:p>
         </p:txBody>
       </p:sp>
-      <p:sp>
-        <p:nvSpPr>
-          <p:cNvPr id="10" name="Прямоугольник 9"/>
-          <p:cNvSpPr/>
-          <p:nvPr/>
-        </p:nvSpPr>
-        <p:spPr bwMode="invGray">
-          <a:xfrm>
-            <a:off x="0" y="5128334"/>
-            <a:ext cx="9144000" cy="45720"/>
-          </a:xfrm>
-          <a:prstGeom prst="rect">
-            <a:avLst/>
-          </a:prstGeom>
-          <a:solidFill>
-            <a:srgbClr val="FFFFFF"/>
-          </a:solidFill>
-          <a:ln w="48000" cap="flat" cmpd="thickThin" algn="ctr">
-            <a:noFill/>
-            <a:prstDash val="solid"/>
-          </a:ln>
-          <a:effectLst>
-            <a:outerShdw blurRad="31750" dist="10160" dir="5400000" algn="tl" rotWithShape="0">
-              <a:srgbClr val="000000">
-                <a:alpha val="60000"/>
-              </a:srgbClr>
-            </a:outerShdw>
-          </a:effectLst>
-        </p:spPr>
-        <p:style>
-          <a:lnRef idx="2">
-            <a:schemeClr val="accent1"/>
-          </a:lnRef>
-          <a:fillRef idx="1">
-            <a:schemeClr val="accent1"/>
-          </a:fillRef>
-          <a:effectRef idx="0">
-            <a:schemeClr val="accent1"/>
-          </a:effectRef>
-          <a:fontRef idx="minor">
-            <a:schemeClr val="lt1"/>
-          </a:fontRef>
-        </p:style>
-        <p:txBody>
-          <a:bodyPr rtlCol="0" anchor="ctr"/>
-          <a:lstStyle/>
-          <a:p>
-            <a:pPr algn="ctr" eaLnBrk="1" latinLnBrk="0" hangingPunct="1"/>
-            <a:endParaRPr kumimoji="0" lang="en-US"/>
-          </a:p>
-        </p:txBody>
-      </p:sp>
     </p:spTree>
+    <p:extLst>
+      <p:ext uri="{BB962C8B-B14F-4D97-AF65-F5344CB8AC3E}">
+        <p14:creationId xmlns:p14="http://schemas.microsoft.com/office/powerpoint/2010/main" val="1991108459"/>
+      </p:ext>
+    </p:extLst>
   </p:cSld>
   <p:clrMapOvr>
-    <a:overrideClrMapping bg1="dk1" tx1="lt1" bg2="dk2" tx2="lt2" accent1="accent1" accent2="accent2" accent3="accent3" accent4="accent4" accent5="accent5" accent6="accent6" hlink="hlink" folHlink="folHlink"/>
+    <a:masterClrMapping/>
   </p:clrMapOvr>
 </p:sldLayout>
 </file>
 
 <file path=ppt/slideLayouts/slideLayout10.xml><?xml version="1.0" encoding="utf-8"?>
 <p:sldLayout xmlns:a="http://schemas.openxmlformats.org/drawingml/2006/main" xmlns:r="http://schemas.openxmlformats.org/officeDocument/2006/relationships" xmlns:p="http://schemas.openxmlformats.org/presentationml/2006/main" type="vertTx" preserve="1">
-  <p:cSld name="Заголовок и вертикальный текст">
+  <p:cSld name="Title and Vertical Text">
     <p:spTree>
       <p:nvGrpSpPr>
         <p:cNvPr id="1" name=""/>
@@ -1759,7 +1665,13 @@
       </p:grpSpPr>
       <p:sp>
         <p:nvSpPr>
-          <p:cNvPr id="2" name="Заголовок 1"/>
+          <p:cNvPr id="2" name="Title 1">
+            <a:extLst>
+              <a:ext uri="{FF2B5EF4-FFF2-40B4-BE49-F238E27FC236}">
+                <a16:creationId xmlns:a16="http://schemas.microsoft.com/office/drawing/2014/main" id="{B8C6B0A7-B3ED-FB3B-E0AD-F99B64EE9F07}"/>
+              </a:ext>
+            </a:extLst>
+          </p:cNvPr>
           <p:cNvSpPr>
             <a:spLocks noGrp="1"/>
           </p:cNvSpPr>
@@ -1773,16 +1685,21 @@
           <a:lstStyle/>
           <a:p>
             <a:r>
-              <a:rPr kumimoji="0" lang="ru-RU"/>
-              <a:t>Образец заголовка</a:t>
-            </a:r>
-            <a:endParaRPr kumimoji="0" lang="en-US"/>
+              <a:rPr lang="en-US"/>
+              <a:t>Click to edit Master title style</a:t>
+            </a:r>
           </a:p>
         </p:txBody>
       </p:sp>
       <p:sp>
         <p:nvSpPr>
-          <p:cNvPr id="3" name="Вертикальный текст 2"/>
+          <p:cNvPr id="3" name="Vertical Text Placeholder 2">
+            <a:extLst>
+              <a:ext uri="{FF2B5EF4-FFF2-40B4-BE49-F238E27FC236}">
+                <a16:creationId xmlns:a16="http://schemas.microsoft.com/office/drawing/2014/main" id="{197C3173-4271-3D7E-579F-7252CFB1CEED}"/>
+              </a:ext>
+            </a:extLst>
+          </p:cNvPr>
           <p:cNvSpPr>
             <a:spLocks noGrp="1"/>
           </p:cNvSpPr>
@@ -1795,46 +1712,51 @@
           <a:bodyPr vert="eaVert"/>
           <a:lstStyle/>
           <a:p>
-            <a:pPr lvl="0" eaLnBrk="1" latinLnBrk="0" hangingPunct="1"/>
-            <a:r>
-              <a:rPr lang="ru-RU"/>
-              <a:t>Образец текста</a:t>
-            </a:r>
-          </a:p>
-          <a:p>
-            <a:pPr lvl="1" eaLnBrk="1" latinLnBrk="0" hangingPunct="1"/>
-            <a:r>
-              <a:rPr lang="ru-RU"/>
-              <a:t>Второй уровень</a:t>
-            </a:r>
-          </a:p>
-          <a:p>
-            <a:pPr lvl="2" eaLnBrk="1" latinLnBrk="0" hangingPunct="1"/>
-            <a:r>
-              <a:rPr lang="ru-RU"/>
-              <a:t>Третий уровень</a:t>
-            </a:r>
-          </a:p>
-          <a:p>
-            <a:pPr lvl="3" eaLnBrk="1" latinLnBrk="0" hangingPunct="1"/>
-            <a:r>
-              <a:rPr lang="ru-RU"/>
-              <a:t>Четвертый уровень</a:t>
-            </a:r>
-          </a:p>
-          <a:p>
-            <a:pPr lvl="4" eaLnBrk="1" latinLnBrk="0" hangingPunct="1"/>
-            <a:r>
-              <a:rPr lang="ru-RU"/>
-              <a:t>Пятый уровень</a:t>
-            </a:r>
-            <a:endParaRPr kumimoji="0" lang="en-US"/>
+            <a:pPr lvl="0"/>
+            <a:r>
+              <a:rPr lang="en-US"/>
+              <a:t>Click to edit Master text styles</a:t>
+            </a:r>
+          </a:p>
+          <a:p>
+            <a:pPr lvl="1"/>
+            <a:r>
+              <a:rPr lang="en-US"/>
+              <a:t>Second level</a:t>
+            </a:r>
+          </a:p>
+          <a:p>
+            <a:pPr lvl="2"/>
+            <a:r>
+              <a:rPr lang="en-US"/>
+              <a:t>Third level</a:t>
+            </a:r>
+          </a:p>
+          <a:p>
+            <a:pPr lvl="3"/>
+            <a:r>
+              <a:rPr lang="en-US"/>
+              <a:t>Fourth level</a:t>
+            </a:r>
+          </a:p>
+          <a:p>
+            <a:pPr lvl="4"/>
+            <a:r>
+              <a:rPr lang="en-US"/>
+              <a:t>Fifth level</a:t>
+            </a:r>
           </a:p>
         </p:txBody>
       </p:sp>
       <p:sp>
         <p:nvSpPr>
-          <p:cNvPr id="4" name="Дата 3"/>
+          <p:cNvPr id="4" name="Date Placeholder 3">
+            <a:extLst>
+              <a:ext uri="{FF2B5EF4-FFF2-40B4-BE49-F238E27FC236}">
+                <a16:creationId xmlns:a16="http://schemas.microsoft.com/office/drawing/2014/main" id="{C9E70B86-CB15-2FF1-BADA-6B86AF888904}"/>
+              </a:ext>
+            </a:extLst>
+          </p:cNvPr>
           <p:cNvSpPr>
             <a:spLocks noGrp="1"/>
           </p:cNvSpPr>
@@ -1849,7 +1771,7 @@
           <a:p>
             <a:fld id="{2590F9C9-AB92-4E86-B698-DEC9BF4350FF}" type="datetimeFigureOut">
               <a:rPr lang="ru-RU" smtClean="0"/>
-              <a:t>15.09.2023</a:t>
+              <a:t>13.09.2024</a:t>
             </a:fld>
             <a:endParaRPr lang="ru-RU"/>
           </a:p>
@@ -1857,7 +1779,13 @@
       </p:sp>
       <p:sp>
         <p:nvSpPr>
-          <p:cNvPr id="5" name="Нижний колонтитул 4"/>
+          <p:cNvPr id="5" name="Footer Placeholder 4">
+            <a:extLst>
+              <a:ext uri="{FF2B5EF4-FFF2-40B4-BE49-F238E27FC236}">
+                <a16:creationId xmlns:a16="http://schemas.microsoft.com/office/drawing/2014/main" id="{A7489824-25BD-D93E-CC9A-D2CD005CE390}"/>
+              </a:ext>
+            </a:extLst>
+          </p:cNvPr>
           <p:cNvSpPr>
             <a:spLocks noGrp="1"/>
           </p:cNvSpPr>
@@ -1876,7 +1804,13 @@
       </p:sp>
       <p:sp>
         <p:nvSpPr>
-          <p:cNvPr id="6" name="Номер слайда 5"/>
+          <p:cNvPr id="6" name="Slide Number Placeholder 5">
+            <a:extLst>
+              <a:ext uri="{FF2B5EF4-FFF2-40B4-BE49-F238E27FC236}">
+                <a16:creationId xmlns:a16="http://schemas.microsoft.com/office/drawing/2014/main" id="{0080686B-4387-B905-F97B-34FC905AE4F2}"/>
+              </a:ext>
+            </a:extLst>
+          </p:cNvPr>
           <p:cNvSpPr>
             <a:spLocks noGrp="1"/>
           </p:cNvSpPr>
@@ -1898,6 +1832,11 @@
         </p:txBody>
       </p:sp>
     </p:spTree>
+    <p:extLst>
+      <p:ext uri="{BB962C8B-B14F-4D97-AF65-F5344CB8AC3E}">
+        <p14:creationId xmlns:p14="http://schemas.microsoft.com/office/powerpoint/2010/main" val="1299673530"/>
+      </p:ext>
+    </p:extLst>
   </p:cSld>
   <p:clrMapOvr>
     <a:masterClrMapping/>
@@ -1906,8 +1845,8 @@
 </file>
 
 <file path=ppt/slideLayouts/slideLayout11.xml><?xml version="1.0" encoding="utf-8"?>
-<p:sldLayout xmlns:a="http://schemas.openxmlformats.org/drawingml/2006/main" xmlns:r="http://schemas.openxmlformats.org/officeDocument/2006/relationships" xmlns:p="http://schemas.openxmlformats.org/presentationml/2006/main" showMasterSp="0" type="vertTitleAndTx" preserve="1">
-  <p:cSld name="Вертикальный заголовок и текст">
+<p:sldLayout xmlns:a="http://schemas.openxmlformats.org/drawingml/2006/main" xmlns:r="http://schemas.openxmlformats.org/officeDocument/2006/relationships" xmlns:p="http://schemas.openxmlformats.org/presentationml/2006/main" type="vertTitleAndTx" preserve="1">
+  <p:cSld name="Vertical Title and Text">
     <p:spTree>
       <p:nvGrpSpPr>
         <p:cNvPr id="1" name=""/>
@@ -1924,104 +1863,13 @@
       </p:grpSpPr>
       <p:sp>
         <p:nvSpPr>
-          <p:cNvPr id="9" name="Прямоугольник 8"/>
-          <p:cNvSpPr/>
-          <p:nvPr/>
-        </p:nvSpPr>
-        <p:spPr bwMode="invGray">
-          <a:xfrm>
-            <a:off x="6598920" y="0"/>
-            <a:ext cx="45720" cy="6858000"/>
-          </a:xfrm>
-          <a:prstGeom prst="rect">
-            <a:avLst/>
-          </a:prstGeom>
-          <a:solidFill>
-            <a:srgbClr val="FFFFFF"/>
-          </a:solidFill>
-          <a:ln w="48000" cap="flat" cmpd="thickThin" algn="ctr">
-            <a:noFill/>
-            <a:prstDash val="solid"/>
-          </a:ln>
-          <a:effectLst>
-            <a:outerShdw blurRad="31750" dist="10160" dir="10800000" algn="tl" rotWithShape="0">
-              <a:srgbClr val="000000">
-                <a:alpha val="60000"/>
-              </a:srgbClr>
-            </a:outerShdw>
-          </a:effectLst>
-        </p:spPr>
-        <p:style>
-          <a:lnRef idx="2">
-            <a:schemeClr val="accent1"/>
-          </a:lnRef>
-          <a:fillRef idx="1">
-            <a:schemeClr val="accent1"/>
-          </a:fillRef>
-          <a:effectRef idx="0">
-            <a:schemeClr val="accent1"/>
-          </a:effectRef>
-          <a:fontRef idx="minor">
-            <a:schemeClr val="lt1"/>
-          </a:fontRef>
-        </p:style>
-        <p:txBody>
-          <a:bodyPr rtlCol="0" anchor="ctr"/>
-          <a:lstStyle/>
-          <a:p>
-            <a:pPr algn="ctr" eaLnBrk="1" latinLnBrk="0" hangingPunct="1"/>
-            <a:endParaRPr kumimoji="0" lang="en-US"/>
-          </a:p>
-        </p:txBody>
-      </p:sp>
-      <p:sp>
-        <p:nvSpPr>
-          <p:cNvPr id="8" name="Прямоугольник 7"/>
-          <p:cNvSpPr/>
-          <p:nvPr/>
-        </p:nvSpPr>
-        <p:spPr bwMode="ltGray">
-          <a:xfrm>
-            <a:off x="6647687" y="0"/>
-            <a:ext cx="2514601" cy="6858000"/>
-          </a:xfrm>
-          <a:prstGeom prst="rect">
-            <a:avLst/>
-          </a:prstGeom>
-          <a:solidFill>
-            <a:srgbClr val="000000"/>
-          </a:solidFill>
-          <a:ln w="48000" cap="flat" cmpd="thickThin" algn="ctr">
-            <a:noFill/>
-            <a:prstDash val="solid"/>
-          </a:ln>
-        </p:spPr>
-        <p:style>
-          <a:lnRef idx="2">
-            <a:schemeClr val="accent1"/>
-          </a:lnRef>
-          <a:fillRef idx="1">
-            <a:schemeClr val="accent1"/>
-          </a:fillRef>
-          <a:effectRef idx="0">
-            <a:schemeClr val="accent1"/>
-          </a:effectRef>
-          <a:fontRef idx="minor">
-            <a:schemeClr val="lt1"/>
-          </a:fontRef>
-        </p:style>
-        <p:txBody>
-          <a:bodyPr rtlCol="0" anchor="ctr"/>
-          <a:lstStyle/>
-          <a:p>
-            <a:pPr algn="ctr" eaLnBrk="1" latinLnBrk="0" hangingPunct="1"/>
-            <a:endParaRPr kumimoji="0" lang="en-US"/>
-          </a:p>
-        </p:txBody>
-      </p:sp>
-      <p:sp>
-        <p:nvSpPr>
-          <p:cNvPr id="2" name="Вертикальный заголовок 1"/>
+          <p:cNvPr id="2" name="Vertical Title 1">
+            <a:extLst>
+              <a:ext uri="{FF2B5EF4-FFF2-40B4-BE49-F238E27FC236}">
+                <a16:creationId xmlns:a16="http://schemas.microsoft.com/office/drawing/2014/main" id="{A7D78333-9E47-198A-501D-2AEF64D3214B}"/>
+              </a:ext>
+            </a:extLst>
+          </p:cNvPr>
           <p:cNvSpPr>
             <a:spLocks noGrp="1"/>
           </p:cNvSpPr>
@@ -2031,8 +1879,8 @@
         </p:nvSpPr>
         <p:spPr>
           <a:xfrm>
-            <a:off x="6781800" y="274640"/>
-            <a:ext cx="1905000" cy="5851525"/>
+            <a:off x="8724900" y="365125"/>
+            <a:ext cx="2628900" cy="5811838"/>
           </a:xfrm>
         </p:spPr>
         <p:txBody>
@@ -2040,16 +1888,21 @@
           <a:lstStyle/>
           <a:p>
             <a:r>
-              <a:rPr kumimoji="0" lang="ru-RU"/>
-              <a:t>Образец заголовка</a:t>
-            </a:r>
-            <a:endParaRPr kumimoji="0" lang="en-US"/>
+              <a:rPr lang="en-US"/>
+              <a:t>Click to edit Master title style</a:t>
+            </a:r>
           </a:p>
         </p:txBody>
       </p:sp>
       <p:sp>
         <p:nvSpPr>
-          <p:cNvPr id="3" name="Вертикальный текст 2"/>
+          <p:cNvPr id="3" name="Vertical Text Placeholder 2">
+            <a:extLst>
+              <a:ext uri="{FF2B5EF4-FFF2-40B4-BE49-F238E27FC236}">
+                <a16:creationId xmlns:a16="http://schemas.microsoft.com/office/drawing/2014/main" id="{EF4175CB-AF93-08E3-9E0D-9E6E8FDFE170}"/>
+              </a:ext>
+            </a:extLst>
+          </p:cNvPr>
           <p:cNvSpPr>
             <a:spLocks noGrp="1"/>
           </p:cNvSpPr>
@@ -2059,54 +1912,59 @@
         </p:nvSpPr>
         <p:spPr>
           <a:xfrm>
-            <a:off x="457200" y="304800"/>
-            <a:ext cx="6019800" cy="5851525"/>
+            <a:off x="838200" y="365125"/>
+            <a:ext cx="7734300" cy="5811838"/>
           </a:xfrm>
         </p:spPr>
         <p:txBody>
           <a:bodyPr vert="eaVert"/>
           <a:lstStyle/>
           <a:p>
-            <a:pPr lvl="0" eaLnBrk="1" latinLnBrk="0" hangingPunct="1"/>
-            <a:r>
-              <a:rPr lang="ru-RU"/>
-              <a:t>Образец текста</a:t>
-            </a:r>
-          </a:p>
-          <a:p>
-            <a:pPr lvl="1" eaLnBrk="1" latinLnBrk="0" hangingPunct="1"/>
-            <a:r>
-              <a:rPr lang="ru-RU"/>
-              <a:t>Второй уровень</a:t>
-            </a:r>
-          </a:p>
-          <a:p>
-            <a:pPr lvl="2" eaLnBrk="1" latinLnBrk="0" hangingPunct="1"/>
-            <a:r>
-              <a:rPr lang="ru-RU"/>
-              <a:t>Третий уровень</a:t>
-            </a:r>
-          </a:p>
-          <a:p>
-            <a:pPr lvl="3" eaLnBrk="1" latinLnBrk="0" hangingPunct="1"/>
-            <a:r>
-              <a:rPr lang="ru-RU"/>
-              <a:t>Четвертый уровень</a:t>
-            </a:r>
-          </a:p>
-          <a:p>
-            <a:pPr lvl="4" eaLnBrk="1" latinLnBrk="0" hangingPunct="1"/>
-            <a:r>
-              <a:rPr lang="ru-RU"/>
-              <a:t>Пятый уровень</a:t>
-            </a:r>
-            <a:endParaRPr kumimoji="0" lang="en-US"/>
+            <a:pPr lvl="0"/>
+            <a:r>
+              <a:rPr lang="en-US"/>
+              <a:t>Click to edit Master text styles</a:t>
+            </a:r>
+          </a:p>
+          <a:p>
+            <a:pPr lvl="1"/>
+            <a:r>
+              <a:rPr lang="en-US"/>
+              <a:t>Second level</a:t>
+            </a:r>
+          </a:p>
+          <a:p>
+            <a:pPr lvl="2"/>
+            <a:r>
+              <a:rPr lang="en-US"/>
+              <a:t>Third level</a:t>
+            </a:r>
+          </a:p>
+          <a:p>
+            <a:pPr lvl="3"/>
+            <a:r>
+              <a:rPr lang="en-US"/>
+              <a:t>Fourth level</a:t>
+            </a:r>
+          </a:p>
+          <a:p>
+            <a:pPr lvl="4"/>
+            <a:r>
+              <a:rPr lang="en-US"/>
+              <a:t>Fifth level</a:t>
+            </a:r>
           </a:p>
         </p:txBody>
       </p:sp>
       <p:sp>
         <p:nvSpPr>
-          <p:cNvPr id="4" name="Дата 3"/>
+          <p:cNvPr id="4" name="Date Placeholder 3">
+            <a:extLst>
+              <a:ext uri="{FF2B5EF4-FFF2-40B4-BE49-F238E27FC236}">
+                <a16:creationId xmlns:a16="http://schemas.microsoft.com/office/drawing/2014/main" id="{B9B3080E-7633-F7EF-1056-95A8C14DA30F}"/>
+              </a:ext>
+            </a:extLst>
+          </p:cNvPr>
           <p:cNvSpPr>
             <a:spLocks noGrp="1"/>
           </p:cNvSpPr>
@@ -2121,7 +1979,7 @@
           <a:p>
             <a:fld id="{2590F9C9-AB92-4E86-B698-DEC9BF4350FF}" type="datetimeFigureOut">
               <a:rPr lang="ru-RU" smtClean="0"/>
-              <a:t>15.09.2023</a:t>
+              <a:t>13.09.2024</a:t>
             </a:fld>
             <a:endParaRPr lang="ru-RU"/>
           </a:p>
@@ -2129,7 +1987,13 @@
       </p:sp>
       <p:sp>
         <p:nvSpPr>
-          <p:cNvPr id="5" name="Нижний колонтитул 4"/>
+          <p:cNvPr id="5" name="Footer Placeholder 4">
+            <a:extLst>
+              <a:ext uri="{FF2B5EF4-FFF2-40B4-BE49-F238E27FC236}">
+                <a16:creationId xmlns:a16="http://schemas.microsoft.com/office/drawing/2014/main" id="{1A64C927-D4F2-A2DB-C2BA-BC082153B681}"/>
+              </a:ext>
+            </a:extLst>
+          </p:cNvPr>
           <p:cNvSpPr>
             <a:spLocks noGrp="1"/>
           </p:cNvSpPr>
@@ -2137,12 +2001,7 @@
             <p:ph type="ftr" sz="quarter" idx="11"/>
           </p:nvPr>
         </p:nvSpPr>
-        <p:spPr>
-          <a:xfrm>
-            <a:off x="2640597" y="6377459"/>
-            <a:ext cx="3836404" cy="365125"/>
-          </a:xfrm>
-        </p:spPr>
+        <p:spPr/>
         <p:txBody>
           <a:bodyPr/>
           <a:lstStyle/>
@@ -2153,7 +2012,13 @@
       </p:sp>
       <p:sp>
         <p:nvSpPr>
-          <p:cNvPr id="6" name="Номер слайда 5"/>
+          <p:cNvPr id="6" name="Slide Number Placeholder 5">
+            <a:extLst>
+              <a:ext uri="{FF2B5EF4-FFF2-40B4-BE49-F238E27FC236}">
+                <a16:creationId xmlns:a16="http://schemas.microsoft.com/office/drawing/2014/main" id="{F92DB9C4-942F-F744-F5EA-8B3117F9136C}"/>
+              </a:ext>
+            </a:extLst>
+          </p:cNvPr>
           <p:cNvSpPr>
             <a:spLocks noGrp="1"/>
           </p:cNvSpPr>
@@ -2175,6 +2040,11 @@
         </p:txBody>
       </p:sp>
     </p:spTree>
+    <p:extLst>
+      <p:ext uri="{BB962C8B-B14F-4D97-AF65-F5344CB8AC3E}">
+        <p14:creationId xmlns:p14="http://schemas.microsoft.com/office/powerpoint/2010/main" val="3723548724"/>
+      </p:ext>
+    </p:extLst>
   </p:cSld>
   <p:clrMapOvr>
     <a:masterClrMapping/>
@@ -2184,7 +2054,7 @@
 
 <file path=ppt/slideLayouts/slideLayout2.xml><?xml version="1.0" encoding="utf-8"?>
 <p:sldLayout xmlns:a="http://schemas.openxmlformats.org/drawingml/2006/main" xmlns:r="http://schemas.openxmlformats.org/officeDocument/2006/relationships" xmlns:p="http://schemas.openxmlformats.org/presentationml/2006/main" type="obj" preserve="1">
-  <p:cSld name="Заголовок и объект">
+  <p:cSld name="Title and Content">
     <p:spTree>
       <p:nvGrpSpPr>
         <p:cNvPr id="1" name=""/>
@@ -2201,7 +2071,13 @@
       </p:grpSpPr>
       <p:sp>
         <p:nvSpPr>
-          <p:cNvPr id="2" name="Заголовок 1"/>
+          <p:cNvPr id="2" name="Title 1">
+            <a:extLst>
+              <a:ext uri="{FF2B5EF4-FFF2-40B4-BE49-F238E27FC236}">
+                <a16:creationId xmlns:a16="http://schemas.microsoft.com/office/drawing/2014/main" id="{AA13D574-634F-2C1D-41B0-618021E88409}"/>
+              </a:ext>
+            </a:extLst>
+          </p:cNvPr>
           <p:cNvSpPr>
             <a:spLocks noGrp="1"/>
           </p:cNvSpPr>
@@ -2209,27 +2085,27 @@
             <p:ph type="title"/>
           </p:nvPr>
         </p:nvSpPr>
-        <p:spPr>
-          <a:xfrm>
-            <a:off x="457200" y="155448"/>
-            <a:ext cx="8229600" cy="1252728"/>
-          </a:xfrm>
-        </p:spPr>
+        <p:spPr/>
         <p:txBody>
           <a:bodyPr/>
           <a:lstStyle/>
           <a:p>
             <a:r>
-              <a:rPr kumimoji="0" lang="ru-RU"/>
-              <a:t>Образец заголовка</a:t>
-            </a:r>
-            <a:endParaRPr kumimoji="0" lang="en-US"/>
+              <a:rPr lang="en-US"/>
+              <a:t>Click to edit Master title style</a:t>
+            </a:r>
           </a:p>
         </p:txBody>
       </p:sp>
       <p:sp>
         <p:nvSpPr>
-          <p:cNvPr id="3" name="Объект 2"/>
+          <p:cNvPr id="3" name="Content Placeholder 2">
+            <a:extLst>
+              <a:ext uri="{FF2B5EF4-FFF2-40B4-BE49-F238E27FC236}">
+                <a16:creationId xmlns:a16="http://schemas.microsoft.com/office/drawing/2014/main" id="{3A916825-4B61-5067-C489-94D448213B5A}"/>
+              </a:ext>
+            </a:extLst>
+          </p:cNvPr>
           <p:cNvSpPr>
             <a:spLocks noGrp="1"/>
           </p:cNvSpPr>
@@ -2242,46 +2118,51 @@
           <a:bodyPr/>
           <a:lstStyle/>
           <a:p>
-            <a:pPr lvl="0" eaLnBrk="1" latinLnBrk="0" hangingPunct="1"/>
-            <a:r>
-              <a:rPr lang="ru-RU"/>
-              <a:t>Образец текста</a:t>
-            </a:r>
-          </a:p>
-          <a:p>
-            <a:pPr lvl="1" eaLnBrk="1" latinLnBrk="0" hangingPunct="1"/>
-            <a:r>
-              <a:rPr lang="ru-RU"/>
-              <a:t>Второй уровень</a:t>
-            </a:r>
-          </a:p>
-          <a:p>
-            <a:pPr lvl="2" eaLnBrk="1" latinLnBrk="0" hangingPunct="1"/>
-            <a:r>
-              <a:rPr lang="ru-RU"/>
-              <a:t>Третий уровень</a:t>
-            </a:r>
-          </a:p>
-          <a:p>
-            <a:pPr lvl="3" eaLnBrk="1" latinLnBrk="0" hangingPunct="1"/>
-            <a:r>
-              <a:rPr lang="ru-RU"/>
-              <a:t>Четвертый уровень</a:t>
-            </a:r>
-          </a:p>
-          <a:p>
-            <a:pPr lvl="4" eaLnBrk="1" latinLnBrk="0" hangingPunct="1"/>
-            <a:r>
-              <a:rPr lang="ru-RU"/>
-              <a:t>Пятый уровень</a:t>
-            </a:r>
-            <a:endParaRPr kumimoji="0" lang="en-US"/>
+            <a:pPr lvl="0"/>
+            <a:r>
+              <a:rPr lang="en-US"/>
+              <a:t>Click to edit Master text styles</a:t>
+            </a:r>
+          </a:p>
+          <a:p>
+            <a:pPr lvl="1"/>
+            <a:r>
+              <a:rPr lang="en-US"/>
+              <a:t>Second level</a:t>
+            </a:r>
+          </a:p>
+          <a:p>
+            <a:pPr lvl="2"/>
+            <a:r>
+              <a:rPr lang="en-US"/>
+              <a:t>Third level</a:t>
+            </a:r>
+          </a:p>
+          <a:p>
+            <a:pPr lvl="3"/>
+            <a:r>
+              <a:rPr lang="en-US"/>
+              <a:t>Fourth level</a:t>
+            </a:r>
+          </a:p>
+          <a:p>
+            <a:pPr lvl="4"/>
+            <a:r>
+              <a:rPr lang="en-US"/>
+              <a:t>Fifth level</a:t>
+            </a:r>
           </a:p>
         </p:txBody>
       </p:sp>
       <p:sp>
         <p:nvSpPr>
-          <p:cNvPr id="4" name="Дата 3"/>
+          <p:cNvPr id="4" name="Date Placeholder 3">
+            <a:extLst>
+              <a:ext uri="{FF2B5EF4-FFF2-40B4-BE49-F238E27FC236}">
+                <a16:creationId xmlns:a16="http://schemas.microsoft.com/office/drawing/2014/main" id="{002E7162-BA6B-4EE0-0128-B9191DDAB9C7}"/>
+              </a:ext>
+            </a:extLst>
+          </p:cNvPr>
           <p:cNvSpPr>
             <a:spLocks noGrp="1"/>
           </p:cNvSpPr>
@@ -2296,7 +2177,7 @@
           <a:p>
             <a:fld id="{2590F9C9-AB92-4E86-B698-DEC9BF4350FF}" type="datetimeFigureOut">
               <a:rPr lang="ru-RU" smtClean="0"/>
-              <a:t>15.09.2023</a:t>
+              <a:t>13.09.2024</a:t>
             </a:fld>
             <a:endParaRPr lang="ru-RU"/>
           </a:p>
@@ -2304,7 +2185,13 @@
       </p:sp>
       <p:sp>
         <p:nvSpPr>
-          <p:cNvPr id="5" name="Нижний колонтитул 4"/>
+          <p:cNvPr id="5" name="Footer Placeholder 4">
+            <a:extLst>
+              <a:ext uri="{FF2B5EF4-FFF2-40B4-BE49-F238E27FC236}">
+                <a16:creationId xmlns:a16="http://schemas.microsoft.com/office/drawing/2014/main" id="{E9E0D258-F5C6-A96D-04A5-9B2A5D313325}"/>
+              </a:ext>
+            </a:extLst>
+          </p:cNvPr>
           <p:cNvSpPr>
             <a:spLocks noGrp="1"/>
           </p:cNvSpPr>
@@ -2323,7 +2210,13 @@
       </p:sp>
       <p:sp>
         <p:nvSpPr>
-          <p:cNvPr id="6" name="Номер слайда 5"/>
+          <p:cNvPr id="6" name="Slide Number Placeholder 5">
+            <a:extLst>
+              <a:ext uri="{FF2B5EF4-FFF2-40B4-BE49-F238E27FC236}">
+                <a16:creationId xmlns:a16="http://schemas.microsoft.com/office/drawing/2014/main" id="{B9786EBC-7127-8D38-F0FB-0D31860262A3}"/>
+              </a:ext>
+            </a:extLst>
+          </p:cNvPr>
           <p:cNvSpPr>
             <a:spLocks noGrp="1"/>
           </p:cNvSpPr>
@@ -2345,6 +2238,11 @@
         </p:txBody>
       </p:sp>
     </p:spTree>
+    <p:extLst>
+      <p:ext uri="{BB962C8B-B14F-4D97-AF65-F5344CB8AC3E}">
+        <p14:creationId xmlns:p14="http://schemas.microsoft.com/office/powerpoint/2010/main" val="2091536678"/>
+      </p:ext>
+    </p:extLst>
   </p:cSld>
   <p:clrMapOvr>
     <a:masterClrMapping/>
@@ -2353,13 +2251,8 @@
 </file>
 
 <file path=ppt/slideLayouts/slideLayout3.xml><?xml version="1.0" encoding="utf-8"?>
-<p:sldLayout xmlns:a="http://schemas.openxmlformats.org/drawingml/2006/main" xmlns:r="http://schemas.openxmlformats.org/officeDocument/2006/relationships" xmlns:p="http://schemas.openxmlformats.org/presentationml/2006/main" showMasterSp="0" type="secHead" preserve="1">
-  <p:cSld name="Заголовок раздела">
-    <p:bg>
-      <p:bgRef idx="1002">
-        <a:schemeClr val="bg2"/>
-      </p:bgRef>
-    </p:bg>
+<p:sldLayout xmlns:a="http://schemas.openxmlformats.org/drawingml/2006/main" xmlns:r="http://schemas.openxmlformats.org/officeDocument/2006/relationships" xmlns:p="http://schemas.openxmlformats.org/presentationml/2006/main" type="secHead" preserve="1">
+  <p:cSld name="Section Header">
     <p:spTree>
       <p:nvGrpSpPr>
         <p:cNvPr id="1" name=""/>
@@ -2376,104 +2269,13 @@
       </p:grpSpPr>
       <p:sp>
         <p:nvSpPr>
-          <p:cNvPr id="9" name="Прямоугольник 8"/>
-          <p:cNvSpPr/>
-          <p:nvPr/>
-        </p:nvSpPr>
-        <p:spPr bwMode="ltGray">
-          <a:xfrm>
-            <a:off x="0" y="1"/>
-            <a:ext cx="9144000" cy="2602520"/>
-          </a:xfrm>
-          <a:prstGeom prst="rect">
-            <a:avLst/>
-          </a:prstGeom>
-          <a:solidFill>
-            <a:srgbClr val="000000"/>
-          </a:solidFill>
-          <a:ln w="48000" cap="flat" cmpd="thickThin" algn="ctr">
-            <a:noFill/>
-            <a:prstDash val="solid"/>
-          </a:ln>
-        </p:spPr>
-        <p:style>
-          <a:lnRef idx="2">
-            <a:schemeClr val="accent1"/>
-          </a:lnRef>
-          <a:fillRef idx="1">
-            <a:schemeClr val="accent1"/>
-          </a:fillRef>
-          <a:effectRef idx="0">
-            <a:schemeClr val="accent1"/>
-          </a:effectRef>
-          <a:fontRef idx="minor">
-            <a:schemeClr val="lt1"/>
-          </a:fontRef>
-        </p:style>
-        <p:txBody>
-          <a:bodyPr rtlCol="0" anchor="ctr"/>
-          <a:lstStyle/>
-          <a:p>
-            <a:pPr algn="ctr" eaLnBrk="1" latinLnBrk="0" hangingPunct="1"/>
-            <a:endParaRPr kumimoji="0" lang="en-US"/>
-          </a:p>
-        </p:txBody>
-      </p:sp>
-      <p:sp>
-        <p:nvSpPr>
-          <p:cNvPr id="12" name="Прямоугольник 11"/>
-          <p:cNvSpPr/>
-          <p:nvPr/>
-        </p:nvSpPr>
-        <p:spPr bwMode="invGray">
-          <a:xfrm>
-            <a:off x="0" y="2602520"/>
-            <a:ext cx="9144000" cy="45720"/>
-          </a:xfrm>
-          <a:prstGeom prst="rect">
-            <a:avLst/>
-          </a:prstGeom>
-          <a:solidFill>
-            <a:srgbClr val="FFFFFF"/>
-          </a:solidFill>
-          <a:ln w="48000" cap="flat" cmpd="thickThin" algn="ctr">
-            <a:noFill/>
-            <a:prstDash val="solid"/>
-          </a:ln>
-          <a:effectLst>
-            <a:outerShdw blurRad="31750" dist="10160" dir="5400000" algn="tl" rotWithShape="0">
-              <a:srgbClr val="000000">
-                <a:alpha val="60000"/>
-              </a:srgbClr>
-            </a:outerShdw>
-          </a:effectLst>
-        </p:spPr>
-        <p:style>
-          <a:lnRef idx="2">
-            <a:schemeClr val="accent1"/>
-          </a:lnRef>
-          <a:fillRef idx="1">
-            <a:schemeClr val="accent1"/>
-          </a:fillRef>
-          <a:effectRef idx="0">
-            <a:schemeClr val="accent1"/>
-          </a:effectRef>
-          <a:fontRef idx="minor">
-            <a:schemeClr val="lt1"/>
-          </a:fontRef>
-        </p:style>
-        <p:txBody>
-          <a:bodyPr rtlCol="0" anchor="ctr"/>
-          <a:lstStyle/>
-          <a:p>
-            <a:pPr algn="ctr" eaLnBrk="1" latinLnBrk="0" hangingPunct="1"/>
-            <a:endParaRPr kumimoji="0" lang="en-US"/>
-          </a:p>
-        </p:txBody>
-      </p:sp>
-      <p:sp>
-        <p:nvSpPr>
-          <p:cNvPr id="2" name="Заголовок 1"/>
+          <p:cNvPr id="2" name="Title 1">
+            <a:extLst>
+              <a:ext uri="{FF2B5EF4-FFF2-40B4-BE49-F238E27FC236}">
+                <a16:creationId xmlns:a16="http://schemas.microsoft.com/office/drawing/2014/main" id="{D46BC919-061A-82D3-2C64-2A2E44147EE7}"/>
+              </a:ext>
+            </a:extLst>
+          </p:cNvPr>
           <p:cNvSpPr>
             <a:spLocks noGrp="1"/>
           </p:cNvSpPr>
@@ -2483,41 +2285,34 @@
         </p:nvSpPr>
         <p:spPr>
           <a:xfrm>
-            <a:off x="749808" y="118872"/>
-            <a:ext cx="8013192" cy="1636776"/>
+            <a:off x="831850" y="1709738"/>
+            <a:ext cx="10515600" cy="2852737"/>
           </a:xfrm>
         </p:spPr>
         <p:txBody>
-          <a:bodyPr vert="horz" lIns="91440" tIns="0" rIns="91440" bIns="0" rtlCol="0" anchor="b">
-            <a:normAutofit/>
-            <a:scene3d>
-              <a:camera prst="orthographicFront"/>
-              <a:lightRig rig="threePt" dir="t">
-                <a:rot lat="0" lon="0" rev="4800000"/>
-              </a:lightRig>
-            </a:scene3d>
-            <a:sp3d prstMaterial="matte">
-              <a:bevelT w="50800" h="10160"/>
-            </a:sp3d>
-          </a:bodyPr>
+          <a:bodyPr anchor="b"/>
           <a:lstStyle>
-            <a:lvl1pPr algn="l">
-              <a:defRPr sz="4700" b="1" cap="none" baseline="0"/>
+            <a:lvl1pPr>
+              <a:defRPr sz="6000"/>
             </a:lvl1pPr>
-            <a:extLst/>
           </a:lstStyle>
           <a:p>
             <a:r>
-              <a:rPr kumimoji="0" lang="ru-RU"/>
-              <a:t>Образец заголовка</a:t>
-            </a:r>
-            <a:endParaRPr kumimoji="0" lang="en-US"/>
+              <a:rPr lang="en-US"/>
+              <a:t>Click to edit Master title style</a:t>
+            </a:r>
           </a:p>
         </p:txBody>
       </p:sp>
       <p:sp>
         <p:nvSpPr>
-          <p:cNvPr id="3" name="Текст 2"/>
+          <p:cNvPr id="3" name="Text Placeholder 2">
+            <a:extLst>
+              <a:ext uri="{FF2B5EF4-FFF2-40B4-BE49-F238E27FC236}">
+                <a16:creationId xmlns:a16="http://schemas.microsoft.com/office/drawing/2014/main" id="{3412BF95-F98C-E46D-2FC0-D8C34F4AA42B}"/>
+              </a:ext>
+            </a:extLst>
+          </p:cNvPr>
           <p:cNvSpPr>
             <a:spLocks noGrp="1"/>
           </p:cNvSpPr>
@@ -2527,115 +2322,122 @@
         </p:nvSpPr>
         <p:spPr>
           <a:xfrm>
-            <a:off x="740664" y="1828800"/>
-            <a:ext cx="8022336" cy="685800"/>
+            <a:off x="831850" y="4589463"/>
+            <a:ext cx="10515600" cy="1500187"/>
           </a:xfrm>
         </p:spPr>
         <p:txBody>
-          <a:bodyPr lIns="146304" tIns="0" rIns="45720" bIns="0" anchor="t"/>
+          <a:bodyPr/>
           <a:lstStyle>
             <a:lvl1pPr marL="0" indent="0">
               <a:buNone/>
-              <a:defRPr sz="2000">
-                <a:solidFill>
-                  <a:srgbClr val="FFFFFF"/>
+              <a:defRPr sz="2400">
+                <a:solidFill>
+                  <a:schemeClr val="tx1">
+                    <a:tint val="82000"/>
+                  </a:schemeClr>
                 </a:solidFill>
               </a:defRPr>
             </a:lvl1pPr>
             <a:lvl2pPr marL="457200" indent="0">
               <a:buNone/>
-              <a:defRPr sz="1800">
+              <a:defRPr sz="2000">
                 <a:solidFill>
                   <a:schemeClr val="tx1">
-                    <a:tint val="75000"/>
+                    <a:tint val="82000"/>
                   </a:schemeClr>
                 </a:solidFill>
               </a:defRPr>
             </a:lvl2pPr>
             <a:lvl3pPr marL="914400" indent="0">
               <a:buNone/>
-              <a:defRPr sz="1600">
+              <a:defRPr sz="1800">
                 <a:solidFill>
                   <a:schemeClr val="tx1">
-                    <a:tint val="75000"/>
+                    <a:tint val="82000"/>
                   </a:schemeClr>
                 </a:solidFill>
               </a:defRPr>
             </a:lvl3pPr>
             <a:lvl4pPr marL="1371600" indent="0">
               <a:buNone/>
-              <a:defRPr sz="1400">
+              <a:defRPr sz="1600">
                 <a:solidFill>
                   <a:schemeClr val="tx1">
-                    <a:tint val="75000"/>
+                    <a:tint val="82000"/>
                   </a:schemeClr>
                 </a:solidFill>
               </a:defRPr>
             </a:lvl4pPr>
             <a:lvl5pPr marL="1828800" indent="0">
               <a:buNone/>
-              <a:defRPr sz="1400">
+              <a:defRPr sz="1600">
                 <a:solidFill>
                   <a:schemeClr val="tx1">
-                    <a:tint val="75000"/>
+                    <a:tint val="82000"/>
                   </a:schemeClr>
                 </a:solidFill>
               </a:defRPr>
             </a:lvl5pPr>
             <a:lvl6pPr marL="2286000" indent="0">
               <a:buNone/>
-              <a:defRPr sz="1400">
+              <a:defRPr sz="1600">
                 <a:solidFill>
                   <a:schemeClr val="tx1">
-                    <a:tint val="75000"/>
+                    <a:tint val="82000"/>
                   </a:schemeClr>
                 </a:solidFill>
               </a:defRPr>
             </a:lvl6pPr>
             <a:lvl7pPr marL="2743200" indent="0">
               <a:buNone/>
-              <a:defRPr sz="1400">
+              <a:defRPr sz="1600">
                 <a:solidFill>
                   <a:schemeClr val="tx1">
-                    <a:tint val="75000"/>
+                    <a:tint val="82000"/>
                   </a:schemeClr>
                 </a:solidFill>
               </a:defRPr>
             </a:lvl7pPr>
             <a:lvl8pPr marL="3200400" indent="0">
               <a:buNone/>
-              <a:defRPr sz="1400">
+              <a:defRPr sz="1600">
                 <a:solidFill>
                   <a:schemeClr val="tx1">
-                    <a:tint val="75000"/>
+                    <a:tint val="82000"/>
                   </a:schemeClr>
                 </a:solidFill>
               </a:defRPr>
             </a:lvl8pPr>
             <a:lvl9pPr marL="3657600" indent="0">
               <a:buNone/>
-              <a:defRPr sz="1400">
+              <a:defRPr sz="1600">
                 <a:solidFill>
                   <a:schemeClr val="tx1">
-                    <a:tint val="75000"/>
+                    <a:tint val="82000"/>
                   </a:schemeClr>
                 </a:solidFill>
               </a:defRPr>
             </a:lvl9pPr>
-            <a:extLst/>
           </a:lstStyle>
           <a:p>
-            <a:pPr lvl="0" eaLnBrk="1" latinLnBrk="0" hangingPunct="1"/>
-            <a:r>
-              <a:rPr kumimoji="0" lang="ru-RU"/>
-              <a:t>Образец текста</a:t>
+            <a:pPr lvl="0"/>
+            <a:r>
+              <a:rPr lang="en-US"/>
+              <a:t>Click to edit Master text styles</a:t>
             </a:r>
           </a:p>
         </p:txBody>
       </p:sp>
       <p:sp>
         <p:nvSpPr>
-          <p:cNvPr id="4" name="Дата 3"/>
+          <p:cNvPr id="4" name="Date Placeholder 3">
+            <a:extLst>
+              <a:ext uri="{FF2B5EF4-FFF2-40B4-BE49-F238E27FC236}">
+                <a16:creationId xmlns:a16="http://schemas.microsoft.com/office/drawing/2014/main" id="{C9FD96FA-C11E-26A7-1E24-3690709B0795}"/>
+              </a:ext>
+            </a:extLst>
+          </p:cNvPr>
           <p:cNvSpPr>
             <a:spLocks noGrp="1"/>
           </p:cNvSpPr>
@@ -2650,7 +2452,7 @@
           <a:p>
             <a:fld id="{2590F9C9-AB92-4E86-B698-DEC9BF4350FF}" type="datetimeFigureOut">
               <a:rPr lang="ru-RU" smtClean="0"/>
-              <a:t>15.09.2023</a:t>
+              <a:t>13.09.2024</a:t>
             </a:fld>
             <a:endParaRPr lang="ru-RU"/>
           </a:p>
@@ -2658,7 +2460,13 @@
       </p:sp>
       <p:sp>
         <p:nvSpPr>
-          <p:cNvPr id="5" name="Нижний колонтитул 4"/>
+          <p:cNvPr id="5" name="Footer Placeholder 4">
+            <a:extLst>
+              <a:ext uri="{FF2B5EF4-FFF2-40B4-BE49-F238E27FC236}">
+                <a16:creationId xmlns:a16="http://schemas.microsoft.com/office/drawing/2014/main" id="{0B626E5E-C3DD-EB9C-93B1-10378C2F7FFA}"/>
+              </a:ext>
+            </a:extLst>
+          </p:cNvPr>
           <p:cNvSpPr>
             <a:spLocks noGrp="1"/>
           </p:cNvSpPr>
@@ -2677,7 +2485,13 @@
       </p:sp>
       <p:sp>
         <p:nvSpPr>
-          <p:cNvPr id="6" name="Номер слайда 5"/>
+          <p:cNvPr id="6" name="Slide Number Placeholder 5">
+            <a:extLst>
+              <a:ext uri="{FF2B5EF4-FFF2-40B4-BE49-F238E27FC236}">
+                <a16:creationId xmlns:a16="http://schemas.microsoft.com/office/drawing/2014/main" id="{361A490D-5F5B-FCE3-962E-0FF91B4B50D1}"/>
+              </a:ext>
+            </a:extLst>
+          </p:cNvPr>
           <p:cNvSpPr>
             <a:spLocks noGrp="1"/>
           </p:cNvSpPr>
@@ -2699,16 +2513,21 @@
         </p:txBody>
       </p:sp>
     </p:spTree>
+    <p:extLst>
+      <p:ext uri="{BB962C8B-B14F-4D97-AF65-F5344CB8AC3E}">
+        <p14:creationId xmlns:p14="http://schemas.microsoft.com/office/powerpoint/2010/main" val="3986717667"/>
+      </p:ext>
+    </p:extLst>
   </p:cSld>
   <p:clrMapOvr>
-    <a:overrideClrMapping bg1="dk1" tx1="lt1" bg2="dk2" tx2="lt2" accent1="accent1" accent2="accent2" accent3="accent3" accent4="accent4" accent5="accent5" accent6="accent6" hlink="hlink" folHlink="folHlink"/>
+    <a:masterClrMapping/>
   </p:clrMapOvr>
 </p:sldLayout>
 </file>
 
 <file path=ppt/slideLayouts/slideLayout4.xml><?xml version="1.0" encoding="utf-8"?>
 <p:sldLayout xmlns:a="http://schemas.openxmlformats.org/drawingml/2006/main" xmlns:r="http://schemas.openxmlformats.org/officeDocument/2006/relationships" xmlns:p="http://schemas.openxmlformats.org/presentationml/2006/main" type="twoObj" preserve="1">
-  <p:cSld name="Два объекта">
+  <p:cSld name="Two Content">
     <p:spTree>
       <p:nvGrpSpPr>
         <p:cNvPr id="1" name=""/>
@@ -2725,7 +2544,13 @@
       </p:grpSpPr>
       <p:sp>
         <p:nvSpPr>
-          <p:cNvPr id="2" name="Заголовок 1"/>
+          <p:cNvPr id="2" name="Title 1">
+            <a:extLst>
+              <a:ext uri="{FF2B5EF4-FFF2-40B4-BE49-F238E27FC236}">
+                <a16:creationId xmlns:a16="http://schemas.microsoft.com/office/drawing/2014/main" id="{552E1A3A-40E1-2B45-E546-EC6315A8ED33}"/>
+              </a:ext>
+            </a:extLst>
+          </p:cNvPr>
           <p:cNvSpPr>
             <a:spLocks noGrp="1"/>
           </p:cNvSpPr>
@@ -2739,16 +2564,21 @@
           <a:lstStyle/>
           <a:p>
             <a:r>
-              <a:rPr kumimoji="0" lang="ru-RU"/>
-              <a:t>Образец заголовка</a:t>
-            </a:r>
-            <a:endParaRPr kumimoji="0" lang="en-US"/>
+              <a:rPr lang="en-US"/>
+              <a:t>Click to edit Master title style</a:t>
+            </a:r>
           </a:p>
         </p:txBody>
       </p:sp>
       <p:sp>
         <p:nvSpPr>
-          <p:cNvPr id="3" name="Объект 2"/>
+          <p:cNvPr id="3" name="Content Placeholder 2">
+            <a:extLst>
+              <a:ext uri="{FF2B5EF4-FFF2-40B4-BE49-F238E27FC236}">
+                <a16:creationId xmlns:a16="http://schemas.microsoft.com/office/drawing/2014/main" id="{CE6C25E1-3A7E-DCB8-030C-89208469C3C2}"/>
+              </a:ext>
+            </a:extLst>
+          </p:cNvPr>
           <p:cNvSpPr>
             <a:spLocks noGrp="1"/>
           </p:cNvSpPr>
@@ -2758,83 +2588,59 @@
         </p:nvSpPr>
         <p:spPr>
           <a:xfrm>
-            <a:off x="457200" y="1773936"/>
-            <a:ext cx="4038600" cy="4623816"/>
+            <a:off x="838200" y="1825625"/>
+            <a:ext cx="5181600" cy="4351338"/>
           </a:xfrm>
         </p:spPr>
         <p:txBody>
-          <a:bodyPr lIns="91440"/>
-          <a:lstStyle>
-            <a:lvl1pPr>
-              <a:defRPr sz="2800"/>
-            </a:lvl1pPr>
-            <a:lvl2pPr>
-              <a:defRPr sz="2400"/>
-            </a:lvl2pPr>
-            <a:lvl3pPr>
-              <a:defRPr sz="2000"/>
-            </a:lvl3pPr>
-            <a:lvl4pPr>
-              <a:defRPr sz="1800"/>
-            </a:lvl4pPr>
-            <a:lvl5pPr>
-              <a:defRPr sz="1800"/>
-            </a:lvl5pPr>
-            <a:lvl6pPr>
-              <a:defRPr sz="1800"/>
-            </a:lvl6pPr>
-            <a:lvl7pPr>
-              <a:defRPr sz="1800"/>
-            </a:lvl7pPr>
-            <a:lvl8pPr>
-              <a:defRPr sz="1800"/>
-            </a:lvl8pPr>
-            <a:lvl9pPr>
-              <a:defRPr sz="1800"/>
-            </a:lvl9pPr>
-            <a:extLst/>
-          </a:lstStyle>
-          <a:p>
-            <a:pPr lvl="0" eaLnBrk="1" latinLnBrk="0" hangingPunct="1"/>
-            <a:r>
-              <a:rPr lang="ru-RU"/>
-              <a:t>Образец текста</a:t>
-            </a:r>
-          </a:p>
-          <a:p>
-            <a:pPr lvl="1" eaLnBrk="1" latinLnBrk="0" hangingPunct="1"/>
-            <a:r>
-              <a:rPr lang="ru-RU"/>
-              <a:t>Второй уровень</a:t>
-            </a:r>
-          </a:p>
-          <a:p>
-            <a:pPr lvl="2" eaLnBrk="1" latinLnBrk="0" hangingPunct="1"/>
-            <a:r>
-              <a:rPr lang="ru-RU"/>
-              <a:t>Третий уровень</a:t>
-            </a:r>
-          </a:p>
-          <a:p>
-            <a:pPr lvl="3" eaLnBrk="1" latinLnBrk="0" hangingPunct="1"/>
-            <a:r>
-              <a:rPr lang="ru-RU"/>
-              <a:t>Четвертый уровень</a:t>
-            </a:r>
-          </a:p>
-          <a:p>
-            <a:pPr lvl="4" eaLnBrk="1" latinLnBrk="0" hangingPunct="1"/>
-            <a:r>
-              <a:rPr lang="ru-RU"/>
-              <a:t>Пятый уровень</a:t>
-            </a:r>
-            <a:endParaRPr kumimoji="0" lang="en-US"/>
+          <a:bodyPr/>
+          <a:lstStyle/>
+          <a:p>
+            <a:pPr lvl="0"/>
+            <a:r>
+              <a:rPr lang="en-US"/>
+              <a:t>Click to edit Master text styles</a:t>
+            </a:r>
+          </a:p>
+          <a:p>
+            <a:pPr lvl="1"/>
+            <a:r>
+              <a:rPr lang="en-US"/>
+              <a:t>Second level</a:t>
+            </a:r>
+          </a:p>
+          <a:p>
+            <a:pPr lvl="2"/>
+            <a:r>
+              <a:rPr lang="en-US"/>
+              <a:t>Third level</a:t>
+            </a:r>
+          </a:p>
+          <a:p>
+            <a:pPr lvl="3"/>
+            <a:r>
+              <a:rPr lang="en-US"/>
+              <a:t>Fourth level</a:t>
+            </a:r>
+          </a:p>
+          <a:p>
+            <a:pPr lvl="4"/>
+            <a:r>
+              <a:rPr lang="en-US"/>
+              <a:t>Fifth level</a:t>
+            </a:r>
           </a:p>
         </p:txBody>
       </p:sp>
       <p:sp>
         <p:nvSpPr>
-          <p:cNvPr id="4" name="Объект 3"/>
+          <p:cNvPr id="4" name="Content Placeholder 3">
+            <a:extLst>
+              <a:ext uri="{FF2B5EF4-FFF2-40B4-BE49-F238E27FC236}">
+                <a16:creationId xmlns:a16="http://schemas.microsoft.com/office/drawing/2014/main" id="{3F1D3A79-3E0C-B856-F0F5-C502C281C177}"/>
+              </a:ext>
+            </a:extLst>
+          </p:cNvPr>
           <p:cNvSpPr>
             <a:spLocks noGrp="1"/>
           </p:cNvSpPr>
@@ -2844,83 +2650,59 @@
         </p:nvSpPr>
         <p:spPr>
           <a:xfrm>
-            <a:off x="4648200" y="1773936"/>
-            <a:ext cx="4038600" cy="4623816"/>
+            <a:off x="6172200" y="1825625"/>
+            <a:ext cx="5181600" cy="4351338"/>
           </a:xfrm>
         </p:spPr>
         <p:txBody>
           <a:bodyPr/>
-          <a:lstStyle>
-            <a:lvl1pPr>
-              <a:defRPr sz="2800"/>
-            </a:lvl1pPr>
-            <a:lvl2pPr>
-              <a:defRPr sz="2400"/>
-            </a:lvl2pPr>
-            <a:lvl3pPr>
-              <a:defRPr sz="2000"/>
-            </a:lvl3pPr>
-            <a:lvl4pPr>
-              <a:defRPr sz="1800"/>
-            </a:lvl4pPr>
-            <a:lvl5pPr>
-              <a:defRPr sz="1800"/>
-            </a:lvl5pPr>
-            <a:lvl6pPr>
-              <a:defRPr sz="1800"/>
-            </a:lvl6pPr>
-            <a:lvl7pPr>
-              <a:defRPr sz="1800"/>
-            </a:lvl7pPr>
-            <a:lvl8pPr>
-              <a:defRPr sz="1800"/>
-            </a:lvl8pPr>
-            <a:lvl9pPr>
-              <a:defRPr sz="1800"/>
-            </a:lvl9pPr>
-            <a:extLst/>
-          </a:lstStyle>
-          <a:p>
-            <a:pPr lvl="0" eaLnBrk="1" latinLnBrk="0" hangingPunct="1"/>
-            <a:r>
-              <a:rPr lang="ru-RU"/>
-              <a:t>Образец текста</a:t>
-            </a:r>
-          </a:p>
-          <a:p>
-            <a:pPr lvl="1" eaLnBrk="1" latinLnBrk="0" hangingPunct="1"/>
-            <a:r>
-              <a:rPr lang="ru-RU"/>
-              <a:t>Второй уровень</a:t>
-            </a:r>
-          </a:p>
-          <a:p>
-            <a:pPr lvl="2" eaLnBrk="1" latinLnBrk="0" hangingPunct="1"/>
-            <a:r>
-              <a:rPr lang="ru-RU"/>
-              <a:t>Третий уровень</a:t>
-            </a:r>
-          </a:p>
-          <a:p>
-            <a:pPr lvl="3" eaLnBrk="1" latinLnBrk="0" hangingPunct="1"/>
-            <a:r>
-              <a:rPr lang="ru-RU"/>
-              <a:t>Четвертый уровень</a:t>
-            </a:r>
-          </a:p>
-          <a:p>
-            <a:pPr lvl="4" eaLnBrk="1" latinLnBrk="0" hangingPunct="1"/>
-            <a:r>
-              <a:rPr lang="ru-RU"/>
-              <a:t>Пятый уровень</a:t>
-            </a:r>
-            <a:endParaRPr kumimoji="0" lang="en-US"/>
+          <a:lstStyle/>
+          <a:p>
+            <a:pPr lvl="0"/>
+            <a:r>
+              <a:rPr lang="en-US"/>
+              <a:t>Click to edit Master text styles</a:t>
+            </a:r>
+          </a:p>
+          <a:p>
+            <a:pPr lvl="1"/>
+            <a:r>
+              <a:rPr lang="en-US"/>
+              <a:t>Second level</a:t>
+            </a:r>
+          </a:p>
+          <a:p>
+            <a:pPr lvl="2"/>
+            <a:r>
+              <a:rPr lang="en-US"/>
+              <a:t>Third level</a:t>
+            </a:r>
+          </a:p>
+          <a:p>
+            <a:pPr lvl="3"/>
+            <a:r>
+              <a:rPr lang="en-US"/>
+              <a:t>Fourth level</a:t>
+            </a:r>
+          </a:p>
+          <a:p>
+            <a:pPr lvl="4"/>
+            <a:r>
+              <a:rPr lang="en-US"/>
+              <a:t>Fifth level</a:t>
+            </a:r>
           </a:p>
         </p:txBody>
       </p:sp>
       <p:sp>
         <p:nvSpPr>
-          <p:cNvPr id="5" name="Дата 4"/>
+          <p:cNvPr id="5" name="Date Placeholder 4">
+            <a:extLst>
+              <a:ext uri="{FF2B5EF4-FFF2-40B4-BE49-F238E27FC236}">
+                <a16:creationId xmlns:a16="http://schemas.microsoft.com/office/drawing/2014/main" id="{06F9A1CA-A293-017D-AB44-49CA8DC40DEA}"/>
+              </a:ext>
+            </a:extLst>
+          </p:cNvPr>
           <p:cNvSpPr>
             <a:spLocks noGrp="1"/>
           </p:cNvSpPr>
@@ -2935,7 +2717,7 @@
           <a:p>
             <a:fld id="{2590F9C9-AB92-4E86-B698-DEC9BF4350FF}" type="datetimeFigureOut">
               <a:rPr lang="ru-RU" smtClean="0"/>
-              <a:t>15.09.2023</a:t>
+              <a:t>13.09.2024</a:t>
             </a:fld>
             <a:endParaRPr lang="ru-RU"/>
           </a:p>
@@ -2943,7 +2725,13 @@
       </p:sp>
       <p:sp>
         <p:nvSpPr>
-          <p:cNvPr id="6" name="Нижний колонтитул 5"/>
+          <p:cNvPr id="6" name="Footer Placeholder 5">
+            <a:extLst>
+              <a:ext uri="{FF2B5EF4-FFF2-40B4-BE49-F238E27FC236}">
+                <a16:creationId xmlns:a16="http://schemas.microsoft.com/office/drawing/2014/main" id="{AAF61955-B11D-0AFF-98D6-80281DD150E2}"/>
+              </a:ext>
+            </a:extLst>
+          </p:cNvPr>
           <p:cNvSpPr>
             <a:spLocks noGrp="1"/>
           </p:cNvSpPr>
@@ -2962,7 +2750,13 @@
       </p:sp>
       <p:sp>
         <p:nvSpPr>
-          <p:cNvPr id="7" name="Номер слайда 6"/>
+          <p:cNvPr id="7" name="Slide Number Placeholder 6">
+            <a:extLst>
+              <a:ext uri="{FF2B5EF4-FFF2-40B4-BE49-F238E27FC236}">
+                <a16:creationId xmlns:a16="http://schemas.microsoft.com/office/drawing/2014/main" id="{1F100D1B-6D53-FD79-8B29-B9EDB0E7A0E2}"/>
+              </a:ext>
+            </a:extLst>
+          </p:cNvPr>
           <p:cNvSpPr>
             <a:spLocks noGrp="1"/>
           </p:cNvSpPr>
@@ -2984,6 +2778,11 @@
         </p:txBody>
       </p:sp>
     </p:spTree>
+    <p:extLst>
+      <p:ext uri="{BB962C8B-B14F-4D97-AF65-F5344CB8AC3E}">
+        <p14:creationId xmlns:p14="http://schemas.microsoft.com/office/powerpoint/2010/main" val="3542597552"/>
+      </p:ext>
+    </p:extLst>
   </p:cSld>
   <p:clrMapOvr>
     <a:masterClrMapping/>
@@ -2993,7 +2792,7 @@
 
 <file path=ppt/slideLayouts/slideLayout5.xml><?xml version="1.0" encoding="utf-8"?>
 <p:sldLayout xmlns:a="http://schemas.openxmlformats.org/drawingml/2006/main" xmlns:r="http://schemas.openxmlformats.org/officeDocument/2006/relationships" xmlns:p="http://schemas.openxmlformats.org/presentationml/2006/main" type="twoTxTwoObj" preserve="1">
-  <p:cSld name="Сравнение">
+  <p:cSld name="Comparison">
     <p:spTree>
       <p:nvGrpSpPr>
         <p:cNvPr id="1" name=""/>
@@ -3010,7 +2809,13 @@
       </p:grpSpPr>
       <p:sp>
         <p:nvSpPr>
-          <p:cNvPr id="2" name="Заголовок 1"/>
+          <p:cNvPr id="2" name="Title 1">
+            <a:extLst>
+              <a:ext uri="{FF2B5EF4-FFF2-40B4-BE49-F238E27FC236}">
+                <a16:creationId xmlns:a16="http://schemas.microsoft.com/office/drawing/2014/main" id="{5B779FDB-80E8-B1E7-BDFF-CB959A215809}"/>
+              </a:ext>
+            </a:extLst>
+          </p:cNvPr>
           <p:cNvSpPr>
             <a:spLocks noGrp="1"/>
           </p:cNvSpPr>
@@ -3018,27 +2823,32 @@
             <p:ph type="title"/>
           </p:nvPr>
         </p:nvSpPr>
-        <p:spPr/>
+        <p:spPr>
+          <a:xfrm>
+            <a:off x="839788" y="365125"/>
+            <a:ext cx="10515600" cy="1325563"/>
+          </a:xfrm>
+        </p:spPr>
         <p:txBody>
           <a:bodyPr/>
-          <a:lstStyle>
-            <a:lvl1pPr>
-              <a:defRPr/>
-            </a:lvl1pPr>
-            <a:extLst/>
-          </a:lstStyle>
-          <a:p>
-            <a:r>
-              <a:rPr kumimoji="0" lang="ru-RU"/>
-              <a:t>Образец заголовка</a:t>
-            </a:r>
-            <a:endParaRPr kumimoji="0" lang="en-US"/>
+          <a:lstStyle/>
+          <a:p>
+            <a:r>
+              <a:rPr lang="en-US"/>
+              <a:t>Click to edit Master title style</a:t>
+            </a:r>
           </a:p>
         </p:txBody>
       </p:sp>
       <p:sp>
         <p:nvSpPr>
-          <p:cNvPr id="3" name="Текст 2"/>
+          <p:cNvPr id="3" name="Text Placeholder 2">
+            <a:extLst>
+              <a:ext uri="{FF2B5EF4-FFF2-40B4-BE49-F238E27FC236}">
+                <a16:creationId xmlns:a16="http://schemas.microsoft.com/office/drawing/2014/main" id="{D4F98D28-4C28-B735-9752-515519A36823}"/>
+              </a:ext>
+            </a:extLst>
+          </p:cNvPr>
           <p:cNvSpPr>
             <a:spLocks noGrp="1"/>
           </p:cNvSpPr>
@@ -3048,16 +2858,16 @@
         </p:nvSpPr>
         <p:spPr>
           <a:xfrm>
-            <a:off x="457200" y="1698987"/>
-            <a:ext cx="4040188" cy="715355"/>
+            <a:off x="839788" y="1681163"/>
+            <a:ext cx="5157787" cy="823912"/>
           </a:xfrm>
         </p:spPr>
         <p:txBody>
-          <a:bodyPr lIns="146304" anchor="ctr"/>
+          <a:bodyPr anchor="b"/>
           <a:lstStyle>
             <a:lvl1pPr marL="0" indent="0">
               <a:buNone/>
-              <a:defRPr sz="2300" b="1" cap="all" baseline="0"/>
+              <a:defRPr sz="2400" b="1"/>
             </a:lvl1pPr>
             <a:lvl2pPr marL="457200" indent="0">
               <a:buNone/>
@@ -3091,20 +2901,25 @@
               <a:buNone/>
               <a:defRPr sz="1600" b="1"/>
             </a:lvl9pPr>
-            <a:extLst/>
           </a:lstStyle>
           <a:p>
-            <a:pPr lvl="0" eaLnBrk="1" latinLnBrk="0" hangingPunct="1"/>
-            <a:r>
-              <a:rPr kumimoji="0" lang="ru-RU"/>
-              <a:t>Образец текста</a:t>
+            <a:pPr lvl="0"/>
+            <a:r>
+              <a:rPr lang="en-US"/>
+              <a:t>Click to edit Master text styles</a:t>
             </a:r>
           </a:p>
         </p:txBody>
       </p:sp>
       <p:sp>
         <p:nvSpPr>
-          <p:cNvPr id="4" name="Объект 3"/>
+          <p:cNvPr id="4" name="Content Placeholder 3">
+            <a:extLst>
+              <a:ext uri="{FF2B5EF4-FFF2-40B4-BE49-F238E27FC236}">
+                <a16:creationId xmlns:a16="http://schemas.microsoft.com/office/drawing/2014/main" id="{57BF372F-0127-BD68-A9AF-CA52D4EA73B0}"/>
+              </a:ext>
+            </a:extLst>
+          </p:cNvPr>
           <p:cNvSpPr>
             <a:spLocks noGrp="1"/>
           </p:cNvSpPr>
@@ -3114,83 +2929,59 @@
         </p:nvSpPr>
         <p:spPr>
           <a:xfrm>
-            <a:off x="457200" y="2449512"/>
-            <a:ext cx="4040188" cy="3951288"/>
+            <a:off x="839788" y="2505075"/>
+            <a:ext cx="5157787" cy="3684588"/>
           </a:xfrm>
         </p:spPr>
         <p:txBody>
           <a:bodyPr/>
-          <a:lstStyle>
-            <a:lvl1pPr>
-              <a:defRPr sz="2400"/>
-            </a:lvl1pPr>
-            <a:lvl2pPr>
-              <a:defRPr sz="2000"/>
-            </a:lvl2pPr>
-            <a:lvl3pPr>
-              <a:defRPr sz="1800"/>
-            </a:lvl3pPr>
-            <a:lvl4pPr>
-              <a:defRPr sz="1600"/>
-            </a:lvl4pPr>
-            <a:lvl5pPr>
-              <a:defRPr sz="1600"/>
-            </a:lvl5pPr>
-            <a:lvl6pPr>
-              <a:defRPr sz="1600"/>
-            </a:lvl6pPr>
-            <a:lvl7pPr>
-              <a:defRPr sz="1600"/>
-            </a:lvl7pPr>
-            <a:lvl8pPr>
-              <a:defRPr sz="1600"/>
-            </a:lvl8pPr>
-            <a:lvl9pPr>
-              <a:defRPr sz="1600"/>
-            </a:lvl9pPr>
-            <a:extLst/>
-          </a:lstStyle>
-          <a:p>
-            <a:pPr lvl="0" eaLnBrk="1" latinLnBrk="0" hangingPunct="1"/>
-            <a:r>
-              <a:rPr lang="ru-RU"/>
-              <a:t>Образец текста</a:t>
-            </a:r>
-          </a:p>
-          <a:p>
-            <a:pPr lvl="1" eaLnBrk="1" latinLnBrk="0" hangingPunct="1"/>
-            <a:r>
-              <a:rPr lang="ru-RU"/>
-              <a:t>Второй уровень</a:t>
-            </a:r>
-          </a:p>
-          <a:p>
-            <a:pPr lvl="2" eaLnBrk="1" latinLnBrk="0" hangingPunct="1"/>
-            <a:r>
-              <a:rPr lang="ru-RU"/>
-              <a:t>Третий уровень</a:t>
-            </a:r>
-          </a:p>
-          <a:p>
-            <a:pPr lvl="3" eaLnBrk="1" latinLnBrk="0" hangingPunct="1"/>
-            <a:r>
-              <a:rPr lang="ru-RU"/>
-              <a:t>Четвертый уровень</a:t>
-            </a:r>
-          </a:p>
-          <a:p>
-            <a:pPr lvl="4" eaLnBrk="1" latinLnBrk="0" hangingPunct="1"/>
-            <a:r>
-              <a:rPr lang="ru-RU"/>
-              <a:t>Пятый уровень</a:t>
-            </a:r>
-            <a:endParaRPr kumimoji="0" lang="en-US"/>
+          <a:lstStyle/>
+          <a:p>
+            <a:pPr lvl="0"/>
+            <a:r>
+              <a:rPr lang="en-US"/>
+              <a:t>Click to edit Master text styles</a:t>
+            </a:r>
+          </a:p>
+          <a:p>
+            <a:pPr lvl="1"/>
+            <a:r>
+              <a:rPr lang="en-US"/>
+              <a:t>Second level</a:t>
+            </a:r>
+          </a:p>
+          <a:p>
+            <a:pPr lvl="2"/>
+            <a:r>
+              <a:rPr lang="en-US"/>
+              <a:t>Third level</a:t>
+            </a:r>
+          </a:p>
+          <a:p>
+            <a:pPr lvl="3"/>
+            <a:r>
+              <a:rPr lang="en-US"/>
+              <a:t>Fourth level</a:t>
+            </a:r>
+          </a:p>
+          <a:p>
+            <a:pPr lvl="4"/>
+            <a:r>
+              <a:rPr lang="en-US"/>
+              <a:t>Fifth level</a:t>
+            </a:r>
           </a:p>
         </p:txBody>
       </p:sp>
       <p:sp>
         <p:nvSpPr>
-          <p:cNvPr id="5" name="Текст 4"/>
+          <p:cNvPr id="5" name="Text Placeholder 4">
+            <a:extLst>
+              <a:ext uri="{FF2B5EF4-FFF2-40B4-BE49-F238E27FC236}">
+                <a16:creationId xmlns:a16="http://schemas.microsoft.com/office/drawing/2014/main" id="{48680E85-8AD3-FABF-4A3D-7F7F0CCA6C2F}"/>
+              </a:ext>
+            </a:extLst>
+          </p:cNvPr>
           <p:cNvSpPr>
             <a:spLocks noGrp="1"/>
           </p:cNvSpPr>
@@ -3200,16 +2991,16 @@
         </p:nvSpPr>
         <p:spPr>
           <a:xfrm>
-            <a:off x="4645025" y="1698987"/>
-            <a:ext cx="4041775" cy="715355"/>
+            <a:off x="6172200" y="1681163"/>
+            <a:ext cx="5183188" cy="823912"/>
           </a:xfrm>
         </p:spPr>
         <p:txBody>
-          <a:bodyPr lIns="146304" anchor="ctr"/>
+          <a:bodyPr anchor="b"/>
           <a:lstStyle>
             <a:lvl1pPr marL="0" indent="0">
               <a:buNone/>
-              <a:defRPr sz="2300" b="1" cap="all" baseline="0"/>
+              <a:defRPr sz="2400" b="1"/>
             </a:lvl1pPr>
             <a:lvl2pPr marL="457200" indent="0">
               <a:buNone/>
@@ -3243,20 +3034,25 @@
               <a:buNone/>
               <a:defRPr sz="1600" b="1"/>
             </a:lvl9pPr>
-            <a:extLst/>
           </a:lstStyle>
           <a:p>
-            <a:pPr lvl="0" eaLnBrk="1" latinLnBrk="0" hangingPunct="1"/>
-            <a:r>
-              <a:rPr kumimoji="0" lang="ru-RU"/>
-              <a:t>Образец текста</a:t>
+            <a:pPr lvl="0"/>
+            <a:r>
+              <a:rPr lang="en-US"/>
+              <a:t>Click to edit Master text styles</a:t>
             </a:r>
           </a:p>
         </p:txBody>
       </p:sp>
       <p:sp>
         <p:nvSpPr>
-          <p:cNvPr id="6" name="Объект 5"/>
+          <p:cNvPr id="6" name="Content Placeholder 5">
+            <a:extLst>
+              <a:ext uri="{FF2B5EF4-FFF2-40B4-BE49-F238E27FC236}">
+                <a16:creationId xmlns:a16="http://schemas.microsoft.com/office/drawing/2014/main" id="{0EF0A3AE-72F0-18B4-4F0B-85B0B5FB281F}"/>
+              </a:ext>
+            </a:extLst>
+          </p:cNvPr>
           <p:cNvSpPr>
             <a:spLocks noGrp="1"/>
           </p:cNvSpPr>
@@ -3266,83 +3062,59 @@
         </p:nvSpPr>
         <p:spPr>
           <a:xfrm>
-            <a:off x="4645025" y="2449512"/>
-            <a:ext cx="4041775" cy="3951288"/>
+            <a:off x="6172200" y="2505075"/>
+            <a:ext cx="5183188" cy="3684588"/>
           </a:xfrm>
         </p:spPr>
         <p:txBody>
           <a:bodyPr/>
-          <a:lstStyle>
-            <a:lvl1pPr>
-              <a:defRPr sz="2400"/>
-            </a:lvl1pPr>
-            <a:lvl2pPr>
-              <a:defRPr sz="2000"/>
-            </a:lvl2pPr>
-            <a:lvl3pPr>
-              <a:defRPr sz="1800"/>
-            </a:lvl3pPr>
-            <a:lvl4pPr>
-              <a:defRPr sz="1600"/>
-            </a:lvl4pPr>
-            <a:lvl5pPr>
-              <a:defRPr sz="1600"/>
-            </a:lvl5pPr>
-            <a:lvl6pPr>
-              <a:defRPr sz="1600"/>
-            </a:lvl6pPr>
-            <a:lvl7pPr>
-              <a:defRPr sz="1600"/>
-            </a:lvl7pPr>
-            <a:lvl8pPr>
-              <a:defRPr sz="1600"/>
-            </a:lvl8pPr>
-            <a:lvl9pPr>
-              <a:defRPr sz="1600"/>
-            </a:lvl9pPr>
-            <a:extLst/>
-          </a:lstStyle>
-          <a:p>
-            <a:pPr lvl="0" eaLnBrk="1" latinLnBrk="0" hangingPunct="1"/>
-            <a:r>
-              <a:rPr lang="ru-RU"/>
-              <a:t>Образец текста</a:t>
-            </a:r>
-          </a:p>
-          <a:p>
-            <a:pPr lvl="1" eaLnBrk="1" latinLnBrk="0" hangingPunct="1"/>
-            <a:r>
-              <a:rPr lang="ru-RU"/>
-              <a:t>Второй уровень</a:t>
-            </a:r>
-          </a:p>
-          <a:p>
-            <a:pPr lvl="2" eaLnBrk="1" latinLnBrk="0" hangingPunct="1"/>
-            <a:r>
-              <a:rPr lang="ru-RU"/>
-              <a:t>Третий уровень</a:t>
-            </a:r>
-          </a:p>
-          <a:p>
-            <a:pPr lvl="3" eaLnBrk="1" latinLnBrk="0" hangingPunct="1"/>
-            <a:r>
-              <a:rPr lang="ru-RU"/>
-              <a:t>Четвертый уровень</a:t>
-            </a:r>
-          </a:p>
-          <a:p>
-            <a:pPr lvl="4" eaLnBrk="1" latinLnBrk="0" hangingPunct="1"/>
-            <a:r>
-              <a:rPr lang="ru-RU"/>
-              <a:t>Пятый уровень</a:t>
-            </a:r>
-            <a:endParaRPr kumimoji="0" lang="en-US"/>
+          <a:lstStyle/>
+          <a:p>
+            <a:pPr lvl="0"/>
+            <a:r>
+              <a:rPr lang="en-US"/>
+              <a:t>Click to edit Master text styles</a:t>
+            </a:r>
+          </a:p>
+          <a:p>
+            <a:pPr lvl="1"/>
+            <a:r>
+              <a:rPr lang="en-US"/>
+              <a:t>Second level</a:t>
+            </a:r>
+          </a:p>
+          <a:p>
+            <a:pPr lvl="2"/>
+            <a:r>
+              <a:rPr lang="en-US"/>
+              <a:t>Third level</a:t>
+            </a:r>
+          </a:p>
+          <a:p>
+            <a:pPr lvl="3"/>
+            <a:r>
+              <a:rPr lang="en-US"/>
+              <a:t>Fourth level</a:t>
+            </a:r>
+          </a:p>
+          <a:p>
+            <a:pPr lvl="4"/>
+            <a:r>
+              <a:rPr lang="en-US"/>
+              <a:t>Fifth level</a:t>
+            </a:r>
           </a:p>
         </p:txBody>
       </p:sp>
       <p:sp>
         <p:nvSpPr>
-          <p:cNvPr id="7" name="Дата 6"/>
+          <p:cNvPr id="7" name="Date Placeholder 6">
+            <a:extLst>
+              <a:ext uri="{FF2B5EF4-FFF2-40B4-BE49-F238E27FC236}">
+                <a16:creationId xmlns:a16="http://schemas.microsoft.com/office/drawing/2014/main" id="{4A9CA8EF-6F0A-B19A-A641-906678C3B540}"/>
+              </a:ext>
+            </a:extLst>
+          </p:cNvPr>
           <p:cNvSpPr>
             <a:spLocks noGrp="1"/>
           </p:cNvSpPr>
@@ -3357,7 +3129,7 @@
           <a:p>
             <a:fld id="{2590F9C9-AB92-4E86-B698-DEC9BF4350FF}" type="datetimeFigureOut">
               <a:rPr lang="ru-RU" smtClean="0"/>
-              <a:t>15.09.2023</a:t>
+              <a:t>13.09.2024</a:t>
             </a:fld>
             <a:endParaRPr lang="ru-RU"/>
           </a:p>
@@ -3365,7 +3137,13 @@
       </p:sp>
       <p:sp>
         <p:nvSpPr>
-          <p:cNvPr id="8" name="Нижний колонтитул 7"/>
+          <p:cNvPr id="8" name="Footer Placeholder 7">
+            <a:extLst>
+              <a:ext uri="{FF2B5EF4-FFF2-40B4-BE49-F238E27FC236}">
+                <a16:creationId xmlns:a16="http://schemas.microsoft.com/office/drawing/2014/main" id="{95C9DC53-65ED-02DB-2B45-D1C93D56D78D}"/>
+              </a:ext>
+            </a:extLst>
+          </p:cNvPr>
           <p:cNvSpPr>
             <a:spLocks noGrp="1"/>
           </p:cNvSpPr>
@@ -3384,7 +3162,13 @@
       </p:sp>
       <p:sp>
         <p:nvSpPr>
-          <p:cNvPr id="9" name="Номер слайда 8"/>
+          <p:cNvPr id="9" name="Slide Number Placeholder 8">
+            <a:extLst>
+              <a:ext uri="{FF2B5EF4-FFF2-40B4-BE49-F238E27FC236}">
+                <a16:creationId xmlns:a16="http://schemas.microsoft.com/office/drawing/2014/main" id="{7E450A49-AE82-F776-DDE0-F07E71F5801D}"/>
+              </a:ext>
+            </a:extLst>
+          </p:cNvPr>
           <p:cNvSpPr>
             <a:spLocks noGrp="1"/>
           </p:cNvSpPr>
@@ -3406,6 +3190,11 @@
         </p:txBody>
       </p:sp>
     </p:spTree>
+    <p:extLst>
+      <p:ext uri="{BB962C8B-B14F-4D97-AF65-F5344CB8AC3E}">
+        <p14:creationId xmlns:p14="http://schemas.microsoft.com/office/powerpoint/2010/main" val="1745988675"/>
+      </p:ext>
+    </p:extLst>
   </p:cSld>
   <p:clrMapOvr>
     <a:masterClrMapping/>
@@ -3415,7 +3204,7 @@
 
 <file path=ppt/slideLayouts/slideLayout6.xml><?xml version="1.0" encoding="utf-8"?>
 <p:sldLayout xmlns:a="http://schemas.openxmlformats.org/drawingml/2006/main" xmlns:r="http://schemas.openxmlformats.org/officeDocument/2006/relationships" xmlns:p="http://schemas.openxmlformats.org/presentationml/2006/main" type="titleOnly" preserve="1">
-  <p:cSld name="Только заголовок">
+  <p:cSld name="Title Only">
     <p:spTree>
       <p:nvGrpSpPr>
         <p:cNvPr id="1" name=""/>
@@ -3432,7 +3221,13 @@
       </p:grpSpPr>
       <p:sp>
         <p:nvSpPr>
-          <p:cNvPr id="2" name="Заголовок 1"/>
+          <p:cNvPr id="2" name="Title 1">
+            <a:extLst>
+              <a:ext uri="{FF2B5EF4-FFF2-40B4-BE49-F238E27FC236}">
+                <a16:creationId xmlns:a16="http://schemas.microsoft.com/office/drawing/2014/main" id="{8D4E6E05-30CA-5783-8B94-E57C6C406B3A}"/>
+              </a:ext>
+            </a:extLst>
+          </p:cNvPr>
           <p:cNvSpPr>
             <a:spLocks noGrp="1"/>
           </p:cNvSpPr>
@@ -3446,16 +3241,21 @@
           <a:lstStyle/>
           <a:p>
             <a:r>
-              <a:rPr kumimoji="0" lang="ru-RU"/>
-              <a:t>Образец заголовка</a:t>
-            </a:r>
-            <a:endParaRPr kumimoji="0" lang="en-US"/>
+              <a:rPr lang="en-US"/>
+              <a:t>Click to edit Master title style</a:t>
+            </a:r>
           </a:p>
         </p:txBody>
       </p:sp>
       <p:sp>
         <p:nvSpPr>
-          <p:cNvPr id="3" name="Дата 2"/>
+          <p:cNvPr id="3" name="Date Placeholder 2">
+            <a:extLst>
+              <a:ext uri="{FF2B5EF4-FFF2-40B4-BE49-F238E27FC236}">
+                <a16:creationId xmlns:a16="http://schemas.microsoft.com/office/drawing/2014/main" id="{2BA9BCD2-F283-DE83-4004-84281BAB7165}"/>
+              </a:ext>
+            </a:extLst>
+          </p:cNvPr>
           <p:cNvSpPr>
             <a:spLocks noGrp="1"/>
           </p:cNvSpPr>
@@ -3470,7 +3270,7 @@
           <a:p>
             <a:fld id="{2590F9C9-AB92-4E86-B698-DEC9BF4350FF}" type="datetimeFigureOut">
               <a:rPr lang="ru-RU" smtClean="0"/>
-              <a:t>15.09.2023</a:t>
+              <a:t>13.09.2024</a:t>
             </a:fld>
             <a:endParaRPr lang="ru-RU"/>
           </a:p>
@@ -3478,7 +3278,13 @@
       </p:sp>
       <p:sp>
         <p:nvSpPr>
-          <p:cNvPr id="4" name="Нижний колонтитул 3"/>
+          <p:cNvPr id="4" name="Footer Placeholder 3">
+            <a:extLst>
+              <a:ext uri="{FF2B5EF4-FFF2-40B4-BE49-F238E27FC236}">
+                <a16:creationId xmlns:a16="http://schemas.microsoft.com/office/drawing/2014/main" id="{37B4AB79-CCB1-5B52-1C2E-98420FC03A68}"/>
+              </a:ext>
+            </a:extLst>
+          </p:cNvPr>
           <p:cNvSpPr>
             <a:spLocks noGrp="1"/>
           </p:cNvSpPr>
@@ -3497,7 +3303,13 @@
       </p:sp>
       <p:sp>
         <p:nvSpPr>
-          <p:cNvPr id="5" name="Номер слайда 4"/>
+          <p:cNvPr id="5" name="Slide Number Placeholder 4">
+            <a:extLst>
+              <a:ext uri="{FF2B5EF4-FFF2-40B4-BE49-F238E27FC236}">
+                <a16:creationId xmlns:a16="http://schemas.microsoft.com/office/drawing/2014/main" id="{32B3E53A-DD8E-C957-4A12-4802176DD97C}"/>
+              </a:ext>
+            </a:extLst>
+          </p:cNvPr>
           <p:cNvSpPr>
             <a:spLocks noGrp="1"/>
           </p:cNvSpPr>
@@ -3519,6 +3331,11 @@
         </p:txBody>
       </p:sp>
     </p:spTree>
+    <p:extLst>
+      <p:ext uri="{BB962C8B-B14F-4D97-AF65-F5344CB8AC3E}">
+        <p14:creationId xmlns:p14="http://schemas.microsoft.com/office/powerpoint/2010/main" val="3277781354"/>
+      </p:ext>
+    </p:extLst>
   </p:cSld>
   <p:clrMapOvr>
     <a:masterClrMapping/>
@@ -3527,8 +3344,8 @@
 </file>
 
 <file path=ppt/slideLayouts/slideLayout7.xml><?xml version="1.0" encoding="utf-8"?>
-<p:sldLayout xmlns:a="http://schemas.openxmlformats.org/drawingml/2006/main" xmlns:r="http://schemas.openxmlformats.org/officeDocument/2006/relationships" xmlns:p="http://schemas.openxmlformats.org/presentationml/2006/main" showMasterSp="0" type="blank" preserve="1">
-  <p:cSld name="Пустой слайд">
+<p:sldLayout xmlns:a="http://schemas.openxmlformats.org/drawingml/2006/main" xmlns:r="http://schemas.openxmlformats.org/officeDocument/2006/relationships" xmlns:p="http://schemas.openxmlformats.org/presentationml/2006/main" type="blank" preserve="1">
+  <p:cSld name="Blank">
     <p:spTree>
       <p:nvGrpSpPr>
         <p:cNvPr id="1" name=""/>
@@ -3545,7 +3362,13 @@
       </p:grpSpPr>
       <p:sp>
         <p:nvSpPr>
-          <p:cNvPr id="2" name="Дата 1"/>
+          <p:cNvPr id="2" name="Date Placeholder 1">
+            <a:extLst>
+              <a:ext uri="{FF2B5EF4-FFF2-40B4-BE49-F238E27FC236}">
+                <a16:creationId xmlns:a16="http://schemas.microsoft.com/office/drawing/2014/main" id="{F4357591-4B0B-BC0A-C958-0E487E0D2C76}"/>
+              </a:ext>
+            </a:extLst>
+          </p:cNvPr>
           <p:cNvSpPr>
             <a:spLocks noGrp="1"/>
           </p:cNvSpPr>
@@ -3560,7 +3383,7 @@
           <a:p>
             <a:fld id="{2590F9C9-AB92-4E86-B698-DEC9BF4350FF}" type="datetimeFigureOut">
               <a:rPr lang="ru-RU" smtClean="0"/>
-              <a:t>15.09.2023</a:t>
+              <a:t>13.09.2024</a:t>
             </a:fld>
             <a:endParaRPr lang="ru-RU"/>
           </a:p>
@@ -3568,7 +3391,13 @@
       </p:sp>
       <p:sp>
         <p:nvSpPr>
-          <p:cNvPr id="3" name="Нижний колонтитул 2"/>
+          <p:cNvPr id="3" name="Footer Placeholder 2">
+            <a:extLst>
+              <a:ext uri="{FF2B5EF4-FFF2-40B4-BE49-F238E27FC236}">
+                <a16:creationId xmlns:a16="http://schemas.microsoft.com/office/drawing/2014/main" id="{9D989099-DD17-15AB-C4BD-3E7E90BC7DE8}"/>
+              </a:ext>
+            </a:extLst>
+          </p:cNvPr>
           <p:cNvSpPr>
             <a:spLocks noGrp="1"/>
           </p:cNvSpPr>
@@ -3587,7 +3416,13 @@
       </p:sp>
       <p:sp>
         <p:nvSpPr>
-          <p:cNvPr id="4" name="Номер слайда 3"/>
+          <p:cNvPr id="4" name="Slide Number Placeholder 3">
+            <a:extLst>
+              <a:ext uri="{FF2B5EF4-FFF2-40B4-BE49-F238E27FC236}">
+                <a16:creationId xmlns:a16="http://schemas.microsoft.com/office/drawing/2014/main" id="{BD40CAF6-FF53-B5E1-1F8E-106DE2A11D2A}"/>
+              </a:ext>
+            </a:extLst>
+          </p:cNvPr>
           <p:cNvSpPr>
             <a:spLocks noGrp="1"/>
           </p:cNvSpPr>
@@ -3609,6 +3444,11 @@
         </p:txBody>
       </p:sp>
     </p:spTree>
+    <p:extLst>
+      <p:ext uri="{BB962C8B-B14F-4D97-AF65-F5344CB8AC3E}">
+        <p14:creationId xmlns:p14="http://schemas.microsoft.com/office/powerpoint/2010/main" val="1550273739"/>
+      </p:ext>
+    </p:extLst>
   </p:cSld>
   <p:clrMapOvr>
     <a:masterClrMapping/>
@@ -3618,7 +3458,7 @@
 
 <file path=ppt/slideLayouts/slideLayout8.xml><?xml version="1.0" encoding="utf-8"?>
 <p:sldLayout xmlns:a="http://schemas.openxmlformats.org/drawingml/2006/main" xmlns:r="http://schemas.openxmlformats.org/officeDocument/2006/relationships" xmlns:p="http://schemas.openxmlformats.org/presentationml/2006/main" type="objTx" preserve="1">
-  <p:cSld name="Объект с подписью">
+  <p:cSld name="Content with Caption">
     <p:spTree>
       <p:nvGrpSpPr>
         <p:cNvPr id="1" name=""/>
@@ -3635,7 +3475,13 @@
       </p:grpSpPr>
       <p:sp>
         <p:nvSpPr>
-          <p:cNvPr id="2" name="Заголовок 1"/>
+          <p:cNvPr id="2" name="Title 1">
+            <a:extLst>
+              <a:ext uri="{FF2B5EF4-FFF2-40B4-BE49-F238E27FC236}">
+                <a16:creationId xmlns:a16="http://schemas.microsoft.com/office/drawing/2014/main" id="{8158B275-DB73-BA24-19DA-DA56018C664B}"/>
+              </a:ext>
+            </a:extLst>
+          </p:cNvPr>
           <p:cNvSpPr>
             <a:spLocks noGrp="1"/>
           </p:cNvSpPr>
@@ -3645,33 +3491,34 @@
         </p:nvSpPr>
         <p:spPr>
           <a:xfrm>
-            <a:off x="167838" y="152400"/>
-            <a:ext cx="2523744" cy="978408"/>
+            <a:off x="839788" y="457200"/>
+            <a:ext cx="3932237" cy="1600200"/>
           </a:xfrm>
         </p:spPr>
         <p:txBody>
-          <a:bodyPr vert="horz" lIns="73152" rIns="45720" bIns="0" rtlCol="0" anchor="b">
-            <a:normAutofit/>
-            <a:sp3d prstMaterial="matte"/>
-          </a:bodyPr>
+          <a:bodyPr anchor="b"/>
           <a:lstStyle>
-            <a:lvl1pPr algn="l">
-              <a:defRPr sz="2000" b="0"/>
+            <a:lvl1pPr>
+              <a:defRPr sz="3200"/>
             </a:lvl1pPr>
-            <a:extLst/>
           </a:lstStyle>
           <a:p>
             <a:r>
-              <a:rPr kumimoji="0" lang="ru-RU"/>
-              <a:t>Образец заголовка</a:t>
-            </a:r>
-            <a:endParaRPr kumimoji="0" lang="en-US"/>
+              <a:rPr lang="en-US"/>
+              <a:t>Click to edit Master title style</a:t>
+            </a:r>
           </a:p>
         </p:txBody>
       </p:sp>
       <p:sp>
         <p:nvSpPr>
-          <p:cNvPr id="3" name="Объект 2"/>
+          <p:cNvPr id="3" name="Content Placeholder 2">
+            <a:extLst>
+              <a:ext uri="{FF2B5EF4-FFF2-40B4-BE49-F238E27FC236}">
+                <a16:creationId xmlns:a16="http://schemas.microsoft.com/office/drawing/2014/main" id="{C80A6BB2-4966-7532-C789-EA442DC234D0}"/>
+              </a:ext>
+            </a:extLst>
+          </p:cNvPr>
           <p:cNvSpPr>
             <a:spLocks noGrp="1"/>
           </p:cNvSpPr>
@@ -3681,8 +3528,8 @@
         </p:nvSpPr>
         <p:spPr>
           <a:xfrm>
-            <a:off x="3019377" y="1743133"/>
-            <a:ext cx="5920641" cy="4558885"/>
+            <a:off x="5183188" y="987425"/>
+            <a:ext cx="6172200" cy="4873625"/>
           </a:xfrm>
         </p:spPr>
         <p:txBody>
@@ -3715,49 +3562,53 @@
             <a:lvl9pPr>
               <a:defRPr sz="2000"/>
             </a:lvl9pPr>
-            <a:extLst/>
           </a:lstStyle>
           <a:p>
-            <a:pPr lvl="0" eaLnBrk="1" latinLnBrk="0" hangingPunct="1"/>
-            <a:r>
-              <a:rPr lang="ru-RU"/>
-              <a:t>Образец текста</a:t>
-            </a:r>
-          </a:p>
-          <a:p>
-            <a:pPr lvl="1" eaLnBrk="1" latinLnBrk="0" hangingPunct="1"/>
-            <a:r>
-              <a:rPr lang="ru-RU"/>
-              <a:t>Второй уровень</a:t>
-            </a:r>
-          </a:p>
-          <a:p>
-            <a:pPr lvl="2" eaLnBrk="1" latinLnBrk="0" hangingPunct="1"/>
-            <a:r>
-              <a:rPr lang="ru-RU"/>
-              <a:t>Третий уровень</a:t>
-            </a:r>
-          </a:p>
-          <a:p>
-            <a:pPr lvl="3" eaLnBrk="1" latinLnBrk="0" hangingPunct="1"/>
-            <a:r>
-              <a:rPr lang="ru-RU"/>
-              <a:t>Четвертый уровень</a:t>
-            </a:r>
-          </a:p>
-          <a:p>
-            <a:pPr lvl="4" eaLnBrk="1" latinLnBrk="0" hangingPunct="1"/>
-            <a:r>
-              <a:rPr lang="ru-RU"/>
-              <a:t>Пятый уровень</a:t>
-            </a:r>
-            <a:endParaRPr kumimoji="0" lang="en-US"/>
+            <a:pPr lvl="0"/>
+            <a:r>
+              <a:rPr lang="en-US"/>
+              <a:t>Click to edit Master text styles</a:t>
+            </a:r>
+          </a:p>
+          <a:p>
+            <a:pPr lvl="1"/>
+            <a:r>
+              <a:rPr lang="en-US"/>
+              <a:t>Second level</a:t>
+            </a:r>
+          </a:p>
+          <a:p>
+            <a:pPr lvl="2"/>
+            <a:r>
+              <a:rPr lang="en-US"/>
+              <a:t>Third level</a:t>
+            </a:r>
+          </a:p>
+          <a:p>
+            <a:pPr lvl="3"/>
+            <a:r>
+              <a:rPr lang="en-US"/>
+              <a:t>Fourth level</a:t>
+            </a:r>
+          </a:p>
+          <a:p>
+            <a:pPr lvl="4"/>
+            <a:r>
+              <a:rPr lang="en-US"/>
+              <a:t>Fifth level</a:t>
+            </a:r>
           </a:p>
         </p:txBody>
       </p:sp>
       <p:sp>
         <p:nvSpPr>
-          <p:cNvPr id="4" name="Текст 3"/>
+          <p:cNvPr id="4" name="Text Placeholder 3">
+            <a:extLst>
+              <a:ext uri="{FF2B5EF4-FFF2-40B4-BE49-F238E27FC236}">
+                <a16:creationId xmlns:a16="http://schemas.microsoft.com/office/drawing/2014/main" id="{9AD9404D-2DBB-8C50-699B-DB48B1393AE5}"/>
+              </a:ext>
+            </a:extLst>
+          </p:cNvPr>
           <p:cNvSpPr>
             <a:spLocks noGrp="1"/>
           </p:cNvSpPr>
@@ -3767,8 +3618,8 @@
         </p:nvSpPr>
         <p:spPr>
           <a:xfrm>
-            <a:off x="167838" y="1730018"/>
-            <a:ext cx="2468880" cy="4572000"/>
+            <a:off x="839788" y="2057400"/>
+            <a:ext cx="3932237" cy="3811588"/>
           </a:xfrm>
         </p:spPr>
         <p:txBody>
@@ -3776,54 +3627,59 @@
           <a:lstStyle>
             <a:lvl1pPr marL="0" indent="0">
               <a:buNone/>
-              <a:defRPr sz="1400"/>
+              <a:defRPr sz="1600"/>
             </a:lvl1pPr>
             <a:lvl2pPr marL="457200" indent="0">
               <a:buNone/>
-              <a:defRPr sz="1200"/>
+              <a:defRPr sz="1400"/>
             </a:lvl2pPr>
             <a:lvl3pPr marL="914400" indent="0">
               <a:buNone/>
-              <a:defRPr sz="1000"/>
+              <a:defRPr sz="1200"/>
             </a:lvl3pPr>
             <a:lvl4pPr marL="1371600" indent="0">
               <a:buNone/>
-              <a:defRPr sz="900"/>
+              <a:defRPr sz="1000"/>
             </a:lvl4pPr>
             <a:lvl5pPr marL="1828800" indent="0">
               <a:buNone/>
-              <a:defRPr sz="900"/>
+              <a:defRPr sz="1000"/>
             </a:lvl5pPr>
             <a:lvl6pPr marL="2286000" indent="0">
               <a:buNone/>
-              <a:defRPr sz="900"/>
+              <a:defRPr sz="1000"/>
             </a:lvl6pPr>
             <a:lvl7pPr marL="2743200" indent="0">
               <a:buNone/>
-              <a:defRPr sz="900"/>
+              <a:defRPr sz="1000"/>
             </a:lvl7pPr>
             <a:lvl8pPr marL="3200400" indent="0">
               <a:buNone/>
-              <a:defRPr sz="900"/>
+              <a:defRPr sz="1000"/>
             </a:lvl8pPr>
             <a:lvl9pPr marL="3657600" indent="0">
               <a:buNone/>
-              <a:defRPr sz="900"/>
+              <a:defRPr sz="1000"/>
             </a:lvl9pPr>
-            <a:extLst/>
           </a:lstStyle>
           <a:p>
-            <a:pPr lvl="0" eaLnBrk="1" latinLnBrk="0" hangingPunct="1"/>
-            <a:r>
-              <a:rPr kumimoji="0" lang="ru-RU"/>
-              <a:t>Образец текста</a:t>
+            <a:pPr lvl="0"/>
+            <a:r>
+              <a:rPr lang="en-US"/>
+              <a:t>Click to edit Master text styles</a:t>
             </a:r>
           </a:p>
         </p:txBody>
       </p:sp>
       <p:sp>
         <p:nvSpPr>
-          <p:cNvPr id="5" name="Дата 4"/>
+          <p:cNvPr id="5" name="Date Placeholder 4">
+            <a:extLst>
+              <a:ext uri="{FF2B5EF4-FFF2-40B4-BE49-F238E27FC236}">
+                <a16:creationId xmlns:a16="http://schemas.microsoft.com/office/drawing/2014/main" id="{795A1CAA-A007-EEDF-356F-00F66D2A0E8D}"/>
+              </a:ext>
+            </a:extLst>
+          </p:cNvPr>
           <p:cNvSpPr>
             <a:spLocks noGrp="1"/>
           </p:cNvSpPr>
@@ -3838,7 +3694,7 @@
           <a:p>
             <a:fld id="{2590F9C9-AB92-4E86-B698-DEC9BF4350FF}" type="datetimeFigureOut">
               <a:rPr lang="ru-RU" smtClean="0"/>
-              <a:t>15.09.2023</a:t>
+              <a:t>13.09.2024</a:t>
             </a:fld>
             <a:endParaRPr lang="ru-RU"/>
           </a:p>
@@ -3846,7 +3702,13 @@
       </p:sp>
       <p:sp>
         <p:nvSpPr>
-          <p:cNvPr id="6" name="Нижний колонтитул 5"/>
+          <p:cNvPr id="6" name="Footer Placeholder 5">
+            <a:extLst>
+              <a:ext uri="{FF2B5EF4-FFF2-40B4-BE49-F238E27FC236}">
+                <a16:creationId xmlns:a16="http://schemas.microsoft.com/office/drawing/2014/main" id="{45EA65E7-64ED-38A9-773E-850E53B9C9DA}"/>
+              </a:ext>
+            </a:extLst>
+          </p:cNvPr>
           <p:cNvSpPr>
             <a:spLocks noGrp="1"/>
           </p:cNvSpPr>
@@ -3865,7 +3727,13 @@
       </p:sp>
       <p:sp>
         <p:nvSpPr>
-          <p:cNvPr id="7" name="Номер слайда 6"/>
+          <p:cNvPr id="7" name="Slide Number Placeholder 6">
+            <a:extLst>
+              <a:ext uri="{FF2B5EF4-FFF2-40B4-BE49-F238E27FC236}">
+                <a16:creationId xmlns:a16="http://schemas.microsoft.com/office/drawing/2014/main" id="{809B3127-B814-7C03-BD2F-F997369A6263}"/>
+              </a:ext>
+            </a:extLst>
+          </p:cNvPr>
           <p:cNvSpPr>
             <a:spLocks noGrp="1"/>
           </p:cNvSpPr>
@@ -3886,97 +3754,12 @@
           </a:p>
         </p:txBody>
       </p:sp>
-      <p:sp>
-        <p:nvSpPr>
-          <p:cNvPr id="12" name="Прямоугольник 11"/>
-          <p:cNvSpPr/>
-          <p:nvPr/>
-        </p:nvSpPr>
-        <p:spPr bwMode="invGray">
-          <a:xfrm>
-            <a:off x="2855737" y="0"/>
-            <a:ext cx="45720" cy="1453896"/>
-          </a:xfrm>
-          <a:prstGeom prst="rect">
-            <a:avLst/>
-          </a:prstGeom>
-          <a:solidFill>
-            <a:srgbClr val="FFFFFF"/>
-          </a:solidFill>
-          <a:ln w="48000" cap="flat" cmpd="thickThin" algn="ctr">
-            <a:noFill/>
-            <a:prstDash val="solid"/>
-          </a:ln>
-        </p:spPr>
-        <p:style>
-          <a:lnRef idx="2">
-            <a:schemeClr val="accent1"/>
-          </a:lnRef>
-          <a:fillRef idx="1">
-            <a:schemeClr val="accent1"/>
-          </a:fillRef>
-          <a:effectRef idx="0">
-            <a:schemeClr val="accent1"/>
-          </a:effectRef>
-          <a:fontRef idx="minor">
-            <a:schemeClr val="lt1"/>
-          </a:fontRef>
-        </p:style>
-        <p:txBody>
-          <a:bodyPr rtlCol="0" anchor="ctr"/>
-          <a:lstStyle/>
-          <a:p>
-            <a:pPr algn="ctr" eaLnBrk="1" latinLnBrk="0" hangingPunct="1"/>
-            <a:endParaRPr kumimoji="0" lang="en-US"/>
-          </a:p>
-        </p:txBody>
-      </p:sp>
-      <p:sp>
-        <p:nvSpPr>
-          <p:cNvPr id="9" name="Прямоугольник 8"/>
-          <p:cNvSpPr/>
-          <p:nvPr/>
-        </p:nvSpPr>
-        <p:spPr bwMode="invGray">
-          <a:xfrm>
-            <a:off x="2855737" y="0"/>
-            <a:ext cx="45720" cy="1453896"/>
-          </a:xfrm>
-          <a:prstGeom prst="rect">
-            <a:avLst/>
-          </a:prstGeom>
-          <a:solidFill>
-            <a:srgbClr val="FFFFFF"/>
-          </a:solidFill>
-          <a:ln w="48000" cap="flat" cmpd="thickThin" algn="ctr">
-            <a:noFill/>
-            <a:prstDash val="solid"/>
-          </a:ln>
-        </p:spPr>
-        <p:style>
-          <a:lnRef idx="2">
-            <a:schemeClr val="accent1"/>
-          </a:lnRef>
-          <a:fillRef idx="1">
-            <a:schemeClr val="accent1"/>
-          </a:fillRef>
-          <a:effectRef idx="0">
-            <a:schemeClr val="accent1"/>
-          </a:effectRef>
-          <a:fontRef idx="minor">
-            <a:schemeClr val="lt1"/>
-          </a:fontRef>
-        </p:style>
-        <p:txBody>
-          <a:bodyPr rtlCol="0" anchor="ctr"/>
-          <a:lstStyle/>
-          <a:p>
-            <a:pPr algn="ctr" eaLnBrk="1" latinLnBrk="0" hangingPunct="1"/>
-            <a:endParaRPr kumimoji="0" lang="en-US"/>
-          </a:p>
-        </p:txBody>
-      </p:sp>
     </p:spTree>
+    <p:extLst>
+      <p:ext uri="{BB962C8B-B14F-4D97-AF65-F5344CB8AC3E}">
+        <p14:creationId xmlns:p14="http://schemas.microsoft.com/office/powerpoint/2010/main" val="3114522253"/>
+      </p:ext>
+    </p:extLst>
   </p:cSld>
   <p:clrMapOvr>
     <a:masterClrMapping/>
@@ -3986,12 +3769,7 @@
 
 <file path=ppt/slideLayouts/slideLayout9.xml><?xml version="1.0" encoding="utf-8"?>
 <p:sldLayout xmlns:a="http://schemas.openxmlformats.org/drawingml/2006/main" xmlns:r="http://schemas.openxmlformats.org/officeDocument/2006/relationships" xmlns:p="http://schemas.openxmlformats.org/presentationml/2006/main" type="picTx" preserve="1">
-  <p:cSld name="Рисунок с подписью">
-    <p:bg>
-      <p:bgRef idx="1001">
-        <a:schemeClr val="bg2"/>
-      </p:bgRef>
-    </p:bg>
+  <p:cSld name="Picture with Caption">
     <p:spTree>
       <p:nvGrpSpPr>
         <p:cNvPr id="1" name=""/>
@@ -4008,7 +3786,13 @@
       </p:grpSpPr>
       <p:sp>
         <p:nvSpPr>
-          <p:cNvPr id="2" name="Заголовок 1"/>
+          <p:cNvPr id="2" name="Title 1">
+            <a:extLst>
+              <a:ext uri="{FF2B5EF4-FFF2-40B4-BE49-F238E27FC236}">
+                <a16:creationId xmlns:a16="http://schemas.microsoft.com/office/drawing/2014/main" id="{BCC73CE8-ABF8-0491-115A-9078694AE0C3}"/>
+              </a:ext>
+            </a:extLst>
+          </p:cNvPr>
           <p:cNvSpPr>
             <a:spLocks noGrp="1"/>
           </p:cNvSpPr>
@@ -4018,32 +3802,34 @@
         </p:nvSpPr>
         <p:spPr>
           <a:xfrm>
-            <a:off x="164592" y="155448"/>
-            <a:ext cx="2525150" cy="978408"/>
+            <a:off x="839788" y="457200"/>
+            <a:ext cx="3932237" cy="1600200"/>
           </a:xfrm>
         </p:spPr>
         <p:txBody>
-          <a:bodyPr lIns="73152" bIns="0" anchor="b">
-            <a:sp3d prstMaterial="matte"/>
-          </a:bodyPr>
+          <a:bodyPr anchor="b"/>
           <a:lstStyle>
-            <a:lvl1pPr algn="l">
-              <a:defRPr sz="2000" b="0"/>
+            <a:lvl1pPr>
+              <a:defRPr sz="3200"/>
             </a:lvl1pPr>
-            <a:extLst/>
           </a:lstStyle>
           <a:p>
             <a:r>
-              <a:rPr kumimoji="0" lang="ru-RU"/>
-              <a:t>Образец заголовка</a:t>
-            </a:r>
-            <a:endParaRPr kumimoji="0" lang="en-US"/>
+              <a:rPr lang="en-US"/>
+              <a:t>Click to edit Master title style</a:t>
+            </a:r>
           </a:p>
         </p:txBody>
       </p:sp>
       <p:sp>
         <p:nvSpPr>
-          <p:cNvPr id="3" name="Рисунок 2"/>
+          <p:cNvPr id="3" name="Picture Placeholder 2">
+            <a:extLst>
+              <a:ext uri="{FF2B5EF4-FFF2-40B4-BE49-F238E27FC236}">
+                <a16:creationId xmlns:a16="http://schemas.microsoft.com/office/drawing/2014/main" id="{2672B34D-7FD2-3297-9E05-D51BC65D4F85}"/>
+              </a:ext>
+            </a:extLst>
+          </p:cNvPr>
           <p:cNvSpPr>
             <a:spLocks noGrp="1"/>
           </p:cNvSpPr>
@@ -4053,14 +3839,9 @@
         </p:nvSpPr>
         <p:spPr>
           <a:xfrm>
-            <a:off x="2903805" y="1484808"/>
-            <a:ext cx="6247397" cy="5373192"/>
+            <a:off x="5183188" y="987425"/>
+            <a:ext cx="6172200" cy="4873625"/>
           </a:xfrm>
-          <a:solidFill>
-            <a:schemeClr val="bg2">
-              <a:shade val="75000"/>
-            </a:schemeClr>
-          </a:solidFill>
         </p:spPr>
         <p:txBody>
           <a:bodyPr/>
@@ -4101,20 +3882,21 @@
               <a:buNone/>
               <a:defRPr sz="2000"/>
             </a:lvl9pPr>
-            <a:extLst/>
           </a:lstStyle>
           <a:p>
-            <a:r>
-              <a:rPr kumimoji="0" lang="ru-RU"/>
-              <a:t>Вставка рисунка</a:t>
-            </a:r>
-            <a:endParaRPr kumimoji="0" lang="en-US" dirty="0"/>
+            <a:endParaRPr lang="en-US"/>
           </a:p>
         </p:txBody>
       </p:sp>
       <p:sp>
         <p:nvSpPr>
-          <p:cNvPr id="4" name="Текст 3"/>
+          <p:cNvPr id="4" name="Text Placeholder 3">
+            <a:extLst>
+              <a:ext uri="{FF2B5EF4-FFF2-40B4-BE49-F238E27FC236}">
+                <a16:creationId xmlns:a16="http://schemas.microsoft.com/office/drawing/2014/main" id="{76894E4A-EDD6-9DFD-9D30-1EB3B2B7972B}"/>
+              </a:ext>
+            </a:extLst>
+          </p:cNvPr>
           <p:cNvSpPr>
             <a:spLocks noGrp="1"/>
           </p:cNvSpPr>
@@ -4124,8 +3906,8 @@
         </p:nvSpPr>
         <p:spPr>
           <a:xfrm>
-            <a:off x="164592" y="1728216"/>
-            <a:ext cx="2468880" cy="4572000"/>
+            <a:off x="839788" y="2057400"/>
+            <a:ext cx="3932237" cy="3811588"/>
           </a:xfrm>
         </p:spPr>
         <p:txBody>
@@ -4133,54 +3915,59 @@
           <a:lstStyle>
             <a:lvl1pPr marL="0" indent="0">
               <a:buNone/>
-              <a:defRPr sz="1400"/>
+              <a:defRPr sz="1600"/>
             </a:lvl1pPr>
             <a:lvl2pPr marL="457200" indent="0">
               <a:buNone/>
-              <a:defRPr sz="1200"/>
+              <a:defRPr sz="1400"/>
             </a:lvl2pPr>
             <a:lvl3pPr marL="914400" indent="0">
               <a:buNone/>
-              <a:defRPr sz="1000"/>
+              <a:defRPr sz="1200"/>
             </a:lvl3pPr>
             <a:lvl4pPr marL="1371600" indent="0">
               <a:buNone/>
-              <a:defRPr sz="900"/>
+              <a:defRPr sz="1000"/>
             </a:lvl4pPr>
             <a:lvl5pPr marL="1828800" indent="0">
               <a:buNone/>
-              <a:defRPr sz="900"/>
+              <a:defRPr sz="1000"/>
             </a:lvl5pPr>
             <a:lvl6pPr marL="2286000" indent="0">
               <a:buNone/>
-              <a:defRPr sz="900"/>
+              <a:defRPr sz="1000"/>
             </a:lvl6pPr>
             <a:lvl7pPr marL="2743200" indent="0">
               <a:buNone/>
-              <a:defRPr sz="900"/>
+              <a:defRPr sz="1000"/>
             </a:lvl7pPr>
             <a:lvl8pPr marL="3200400" indent="0">
               <a:buNone/>
-              <a:defRPr sz="900"/>
+              <a:defRPr sz="1000"/>
             </a:lvl8pPr>
             <a:lvl9pPr marL="3657600" indent="0">
               <a:buNone/>
-              <a:defRPr sz="900"/>
+              <a:defRPr sz="1000"/>
             </a:lvl9pPr>
-            <a:extLst/>
           </a:lstStyle>
           <a:p>
-            <a:pPr lvl="0" eaLnBrk="1" latinLnBrk="0" hangingPunct="1"/>
-            <a:r>
-              <a:rPr kumimoji="0" lang="ru-RU"/>
-              <a:t>Образец текста</a:t>
+            <a:pPr lvl="0"/>
+            <a:r>
+              <a:rPr lang="en-US"/>
+              <a:t>Click to edit Master text styles</a:t>
             </a:r>
           </a:p>
         </p:txBody>
       </p:sp>
       <p:sp>
         <p:nvSpPr>
-          <p:cNvPr id="5" name="Дата 4"/>
+          <p:cNvPr id="5" name="Date Placeholder 4">
+            <a:extLst>
+              <a:ext uri="{FF2B5EF4-FFF2-40B4-BE49-F238E27FC236}">
+                <a16:creationId xmlns:a16="http://schemas.microsoft.com/office/drawing/2014/main" id="{5AD5C858-A66B-0954-6AD9-59D6BD3D769C}"/>
+              </a:ext>
+            </a:extLst>
+          </p:cNvPr>
           <p:cNvSpPr>
             <a:spLocks noGrp="1"/>
           </p:cNvSpPr>
@@ -4188,19 +3975,14 @@
             <p:ph type="dt" sz="half" idx="10"/>
           </p:nvPr>
         </p:nvSpPr>
-        <p:spPr>
-          <a:xfrm>
-            <a:off x="164592" y="1170432"/>
-            <a:ext cx="2523744" cy="201168"/>
-          </a:xfrm>
-        </p:spPr>
+        <p:spPr/>
         <p:txBody>
           <a:bodyPr/>
           <a:lstStyle/>
           <a:p>
             <a:fld id="{2590F9C9-AB92-4E86-B698-DEC9BF4350FF}" type="datetimeFigureOut">
               <a:rPr lang="ru-RU" smtClean="0"/>
-              <a:t>15.09.2023</a:t>
+              <a:t>13.09.2024</a:t>
             </a:fld>
             <a:endParaRPr lang="ru-RU"/>
           </a:p>
@@ -4208,97 +3990,13 @@
       </p:sp>
       <p:sp>
         <p:nvSpPr>
-          <p:cNvPr id="11" name="Прямоугольник 10"/>
-          <p:cNvSpPr/>
-          <p:nvPr/>
-        </p:nvSpPr>
-        <p:spPr>
-          <a:xfrm>
-            <a:off x="2855737" y="0"/>
-            <a:ext cx="45720" cy="6858000"/>
-          </a:xfrm>
-          <a:prstGeom prst="rect">
-            <a:avLst/>
-          </a:prstGeom>
-          <a:solidFill>
-            <a:srgbClr val="FFFFFF"/>
-          </a:solidFill>
-          <a:ln w="48000" cap="flat" cmpd="thickThin" algn="ctr">
-            <a:noFill/>
-            <a:prstDash val="solid"/>
-          </a:ln>
-        </p:spPr>
-        <p:style>
-          <a:lnRef idx="2">
-            <a:schemeClr val="accent1"/>
-          </a:lnRef>
-          <a:fillRef idx="1">
-            <a:schemeClr val="accent1"/>
-          </a:fillRef>
-          <a:effectRef idx="0">
-            <a:schemeClr val="accent1"/>
-          </a:effectRef>
-          <a:fontRef idx="minor">
-            <a:schemeClr val="lt1"/>
-          </a:fontRef>
-        </p:style>
-        <p:txBody>
-          <a:bodyPr rtlCol="0" anchor="ctr"/>
-          <a:lstStyle/>
-          <a:p>
-            <a:pPr algn="ctr" eaLnBrk="1" latinLnBrk="0" hangingPunct="1"/>
-            <a:endParaRPr kumimoji="0" lang="en-US"/>
-          </a:p>
-        </p:txBody>
-      </p:sp>
-      <p:sp>
-        <p:nvSpPr>
-          <p:cNvPr id="9" name="Прямоугольник 8"/>
-          <p:cNvSpPr/>
-          <p:nvPr/>
-        </p:nvSpPr>
-        <p:spPr bwMode="invGray">
-          <a:xfrm>
-            <a:off x="2855737" y="0"/>
-            <a:ext cx="45720" cy="6858000"/>
-          </a:xfrm>
-          <a:prstGeom prst="rect">
-            <a:avLst/>
-          </a:prstGeom>
-          <a:solidFill>
-            <a:srgbClr val="FFFFFF"/>
-          </a:solidFill>
-          <a:ln w="48000" cap="flat" cmpd="thickThin" algn="ctr">
-            <a:noFill/>
-            <a:prstDash val="solid"/>
-          </a:ln>
-        </p:spPr>
-        <p:style>
-          <a:lnRef idx="2">
-            <a:schemeClr val="accent1"/>
-          </a:lnRef>
-          <a:fillRef idx="1">
-            <a:schemeClr val="accent1"/>
-          </a:fillRef>
-          <a:effectRef idx="0">
-            <a:schemeClr val="accent1"/>
-          </a:effectRef>
-          <a:fontRef idx="minor">
-            <a:schemeClr val="lt1"/>
-          </a:fontRef>
-        </p:style>
-        <p:txBody>
-          <a:bodyPr rtlCol="0" anchor="ctr"/>
-          <a:lstStyle/>
-          <a:p>
-            <a:pPr algn="ctr" eaLnBrk="1" latinLnBrk="0" hangingPunct="1"/>
-            <a:endParaRPr kumimoji="0" lang="en-US"/>
-          </a:p>
-        </p:txBody>
-      </p:sp>
-      <p:sp>
-        <p:nvSpPr>
-          <p:cNvPr id="6" name="Нижний колонтитул 5"/>
+          <p:cNvPr id="6" name="Footer Placeholder 5">
+            <a:extLst>
+              <a:ext uri="{FF2B5EF4-FFF2-40B4-BE49-F238E27FC236}">
+                <a16:creationId xmlns:a16="http://schemas.microsoft.com/office/drawing/2014/main" id="{C4279681-E838-226A-DF58-FFA3866573AB}"/>
+              </a:ext>
+            </a:extLst>
+          </p:cNvPr>
           <p:cNvSpPr>
             <a:spLocks noGrp="1"/>
           </p:cNvSpPr>
@@ -4306,25 +4004,10 @@
             <p:ph type="ftr" sz="quarter" idx="11"/>
           </p:nvPr>
         </p:nvSpPr>
-        <p:spPr>
-          <a:xfrm>
-            <a:off x="3035808" y="1170432"/>
-            <a:ext cx="5193792" cy="201168"/>
-          </a:xfrm>
-        </p:spPr>
+        <p:spPr/>
         <p:txBody>
           <a:bodyPr/>
-          <a:lstStyle>
-            <a:lvl1pPr>
-              <a:defRPr>
-                <a:solidFill>
-                  <a:schemeClr val="bg1">
-                    <a:shade val="50000"/>
-                  </a:schemeClr>
-                </a:solidFill>
-              </a:defRPr>
-            </a:lvl1pPr>
-          </a:lstStyle>
+          <a:lstStyle/>
           <a:p>
             <a:endParaRPr lang="ru-RU"/>
           </a:p>
@@ -4332,7 +4015,13 @@
       </p:sp>
       <p:sp>
         <p:nvSpPr>
-          <p:cNvPr id="7" name="Номер слайда 6"/>
+          <p:cNvPr id="7" name="Slide Number Placeholder 6">
+            <a:extLst>
+              <a:ext uri="{FF2B5EF4-FFF2-40B4-BE49-F238E27FC236}">
+                <a16:creationId xmlns:a16="http://schemas.microsoft.com/office/drawing/2014/main" id="{D326DD35-A857-9BCB-3085-8BAC9E683E21}"/>
+              </a:ext>
+            </a:extLst>
+          </p:cNvPr>
           <p:cNvSpPr>
             <a:spLocks noGrp="1"/>
           </p:cNvSpPr>
@@ -4340,12 +4029,7 @@
             <p:ph type="sldNum" sz="quarter" idx="12"/>
           </p:nvPr>
         </p:nvSpPr>
-        <p:spPr>
-          <a:xfrm>
-            <a:off x="8339328" y="1170432"/>
-            <a:ext cx="733864" cy="201168"/>
-          </a:xfrm>
-        </p:spPr>
+        <p:spPr/>
         <p:txBody>
           <a:bodyPr/>
           <a:lstStyle/>
@@ -4359,9 +4043,14 @@
         </p:txBody>
       </p:sp>
     </p:spTree>
+    <p:extLst>
+      <p:ext uri="{BB962C8B-B14F-4D97-AF65-F5344CB8AC3E}">
+        <p14:creationId xmlns:p14="http://schemas.microsoft.com/office/powerpoint/2010/main" val="3252894720"/>
+      </p:ext>
+    </p:extLst>
   </p:cSld>
   <p:clrMapOvr>
-    <a:overrideClrMapping bg1="lt1" tx1="dk1" bg2="lt2" tx2="dk2" accent1="accent1" accent2="accent2" accent3="accent3" accent4="accent4" accent5="accent5" accent6="accent6" hlink="hlink" folHlink="folHlink"/>
+    <a:masterClrMapping/>
   </p:clrMapOvr>
 </p:sldLayout>
 </file>
@@ -4390,104 +4079,13 @@
       </p:grpSpPr>
       <p:sp>
         <p:nvSpPr>
-          <p:cNvPr id="10" name="Прямоугольник 9"/>
-          <p:cNvSpPr/>
-          <p:nvPr/>
-        </p:nvSpPr>
-        <p:spPr bwMode="invGray">
-          <a:xfrm>
-            <a:off x="0" y="1435895"/>
-            <a:ext cx="9144000" cy="45720"/>
-          </a:xfrm>
-          <a:prstGeom prst="rect">
-            <a:avLst/>
-          </a:prstGeom>
-          <a:solidFill>
-            <a:srgbClr val="FFFFFF"/>
-          </a:solidFill>
-          <a:ln w="48000" cap="flat" cmpd="thickThin" algn="ctr">
-            <a:noFill/>
-            <a:prstDash val="solid"/>
-          </a:ln>
-          <a:effectLst>
-            <a:outerShdw blurRad="31750" dist="10160" dir="5400000" algn="tl" rotWithShape="0">
-              <a:srgbClr val="000000">
-                <a:alpha val="60000"/>
-              </a:srgbClr>
-            </a:outerShdw>
-          </a:effectLst>
-        </p:spPr>
-        <p:style>
-          <a:lnRef idx="2">
-            <a:schemeClr val="accent1"/>
-          </a:lnRef>
-          <a:fillRef idx="1">
-            <a:schemeClr val="accent1"/>
-          </a:fillRef>
-          <a:effectRef idx="0">
-            <a:schemeClr val="accent1"/>
-          </a:effectRef>
-          <a:fontRef idx="minor">
-            <a:schemeClr val="lt1"/>
-          </a:fontRef>
-        </p:style>
-        <p:txBody>
-          <a:bodyPr rtlCol="0" anchor="ctr"/>
-          <a:lstStyle/>
-          <a:p>
-            <a:pPr algn="ctr" eaLnBrk="1" latinLnBrk="0" hangingPunct="1"/>
-            <a:endParaRPr kumimoji="0" lang="en-US"/>
-          </a:p>
-        </p:txBody>
-      </p:sp>
-      <p:sp>
-        <p:nvSpPr>
-          <p:cNvPr id="7" name="Прямоугольник 6"/>
-          <p:cNvSpPr/>
-          <p:nvPr/>
-        </p:nvSpPr>
-        <p:spPr bwMode="ltGray">
-          <a:xfrm>
-            <a:off x="0" y="0"/>
-            <a:ext cx="9143999" cy="1433733"/>
-          </a:xfrm>
-          <a:prstGeom prst="rect">
-            <a:avLst/>
-          </a:prstGeom>
-          <a:solidFill>
-            <a:srgbClr val="000000"/>
-          </a:solidFill>
-          <a:ln w="48000" cap="flat" cmpd="thickThin" algn="ctr">
-            <a:noFill/>
-            <a:prstDash val="solid"/>
-          </a:ln>
-        </p:spPr>
-        <p:style>
-          <a:lnRef idx="2">
-            <a:schemeClr val="accent1"/>
-          </a:lnRef>
-          <a:fillRef idx="1">
-            <a:schemeClr val="accent1"/>
-          </a:fillRef>
-          <a:effectRef idx="0">
-            <a:schemeClr val="accent1"/>
-          </a:effectRef>
-          <a:fontRef idx="minor">
-            <a:schemeClr val="lt1"/>
-          </a:fontRef>
-        </p:style>
-        <p:txBody>
-          <a:bodyPr rtlCol="0" anchor="ctr"/>
-          <a:lstStyle/>
-          <a:p>
-            <a:pPr algn="ctr" eaLnBrk="1" latinLnBrk="0" hangingPunct="1"/>
-            <a:endParaRPr kumimoji="0" lang="en-US"/>
-          </a:p>
-        </p:txBody>
-      </p:sp>
-      <p:sp>
-        <p:nvSpPr>
-          <p:cNvPr id="2" name="Заголовок 1"/>
+          <p:cNvPr id="2" name="Title Placeholder 1">
+            <a:extLst>
+              <a:ext uri="{FF2B5EF4-FFF2-40B4-BE49-F238E27FC236}">
+                <a16:creationId xmlns:a16="http://schemas.microsoft.com/office/drawing/2014/main" id="{87413508-1F67-799D-5791-4783A806BFFC}"/>
+              </a:ext>
+            </a:extLst>
+          </p:cNvPr>
           <p:cNvSpPr>
             <a:spLocks noGrp="1"/>
           </p:cNvSpPr>
@@ -4497,39 +4095,35 @@
         </p:nvSpPr>
         <p:spPr>
           <a:xfrm>
-            <a:off x="457200" y="152400"/>
-            <a:ext cx="8229600" cy="1251062"/>
+            <a:off x="838200" y="365125"/>
+            <a:ext cx="10515600" cy="1325563"/>
           </a:xfrm>
           <a:prstGeom prst="rect">
             <a:avLst/>
           </a:prstGeom>
         </p:spPr>
         <p:txBody>
-          <a:bodyPr vert="horz" lIns="91440" rIns="45720" rtlCol="0" anchor="ctr">
+          <a:bodyPr vert="horz" lIns="91440" tIns="45720" rIns="91440" bIns="45720" rtlCol="0" anchor="ctr">
             <a:normAutofit/>
-            <a:scene3d>
-              <a:camera prst="orthographicFront"/>
-              <a:lightRig rig="threePt" dir="t">
-                <a:rot lat="0" lon="0" rev="4800000"/>
-              </a:lightRig>
-            </a:scene3d>
-            <a:sp3d prstMaterial="matte">
-              <a:bevelT w="50800" h="10160"/>
-            </a:sp3d>
           </a:bodyPr>
           <a:lstStyle/>
           <a:p>
             <a:r>
-              <a:rPr kumimoji="0" lang="ru-RU"/>
-              <a:t>Образец заголовка</a:t>
-            </a:r>
-            <a:endParaRPr kumimoji="0" lang="en-US"/>
+              <a:rPr lang="en-US"/>
+              <a:t>Click to edit Master title style</a:t>
+            </a:r>
           </a:p>
         </p:txBody>
       </p:sp>
       <p:sp>
         <p:nvSpPr>
-          <p:cNvPr id="3" name="Текст 2"/>
+          <p:cNvPr id="3" name="Text Placeholder 2">
+            <a:extLst>
+              <a:ext uri="{FF2B5EF4-FFF2-40B4-BE49-F238E27FC236}">
+                <a16:creationId xmlns:a16="http://schemas.microsoft.com/office/drawing/2014/main" id="{69811A5E-505C-D8D7-B7B9-7563107ADAC6}"/>
+              </a:ext>
+            </a:extLst>
+          </p:cNvPr>
           <p:cNvSpPr>
             <a:spLocks noGrp="1"/>
           </p:cNvSpPr>
@@ -4539,59 +4133,64 @@
         </p:nvSpPr>
         <p:spPr>
           <a:xfrm>
-            <a:off x="457200" y="1775191"/>
-            <a:ext cx="8229600" cy="4625609"/>
+            <a:off x="838200" y="1825625"/>
+            <a:ext cx="10515600" cy="4351338"/>
           </a:xfrm>
           <a:prstGeom prst="rect">
             <a:avLst/>
           </a:prstGeom>
         </p:spPr>
         <p:txBody>
-          <a:bodyPr vert="horz" lIns="54864" tIns="91440" rtlCol="0">
+          <a:bodyPr vert="horz" lIns="91440" tIns="45720" rIns="91440" bIns="45720" rtlCol="0">
             <a:normAutofit/>
           </a:bodyPr>
           <a:lstStyle/>
           <a:p>
-            <a:pPr lvl="0" eaLnBrk="1" latinLnBrk="0" hangingPunct="1"/>
-            <a:r>
-              <a:rPr kumimoji="0" lang="ru-RU"/>
-              <a:t>Образец текста</a:t>
-            </a:r>
-          </a:p>
-          <a:p>
-            <a:pPr lvl="1" eaLnBrk="1" latinLnBrk="0" hangingPunct="1"/>
-            <a:r>
-              <a:rPr kumimoji="0" lang="ru-RU"/>
-              <a:t>Второй уровень</a:t>
-            </a:r>
-          </a:p>
-          <a:p>
-            <a:pPr lvl="2" eaLnBrk="1" latinLnBrk="0" hangingPunct="1"/>
-            <a:r>
-              <a:rPr kumimoji="0" lang="ru-RU"/>
-              <a:t>Третий уровень</a:t>
-            </a:r>
-          </a:p>
-          <a:p>
-            <a:pPr lvl="3" eaLnBrk="1" latinLnBrk="0" hangingPunct="1"/>
-            <a:r>
-              <a:rPr kumimoji="0" lang="ru-RU"/>
-              <a:t>Четвертый уровень</a:t>
-            </a:r>
-          </a:p>
-          <a:p>
-            <a:pPr lvl="4" eaLnBrk="1" latinLnBrk="0" hangingPunct="1"/>
-            <a:r>
-              <a:rPr kumimoji="0" lang="ru-RU"/>
-              <a:t>Пятый уровень</a:t>
-            </a:r>
-            <a:endParaRPr kumimoji="0" lang="en-US"/>
+            <a:pPr lvl="0"/>
+            <a:r>
+              <a:rPr lang="en-US"/>
+              <a:t>Click to edit Master text styles</a:t>
+            </a:r>
+          </a:p>
+          <a:p>
+            <a:pPr lvl="1"/>
+            <a:r>
+              <a:rPr lang="en-US"/>
+              <a:t>Second level</a:t>
+            </a:r>
+          </a:p>
+          <a:p>
+            <a:pPr lvl="2"/>
+            <a:r>
+              <a:rPr lang="en-US"/>
+              <a:t>Third level</a:t>
+            </a:r>
+          </a:p>
+          <a:p>
+            <a:pPr lvl="3"/>
+            <a:r>
+              <a:rPr lang="en-US"/>
+              <a:t>Fourth level</a:t>
+            </a:r>
+          </a:p>
+          <a:p>
+            <a:pPr lvl="4"/>
+            <a:r>
+              <a:rPr lang="en-US"/>
+              <a:t>Fifth level</a:t>
+            </a:r>
           </a:p>
         </p:txBody>
       </p:sp>
       <p:sp>
         <p:nvSpPr>
-          <p:cNvPr id="4" name="Дата 3"/>
+          <p:cNvPr id="4" name="Date Placeholder 3">
+            <a:extLst>
+              <a:ext uri="{FF2B5EF4-FFF2-40B4-BE49-F238E27FC236}">
+                <a16:creationId xmlns:a16="http://schemas.microsoft.com/office/drawing/2014/main" id="{9FB183EC-3A6A-E8FB-FFE0-A400CA075987}"/>
+              </a:ext>
+            </a:extLst>
+          </p:cNvPr>
           <p:cNvSpPr>
             <a:spLocks noGrp="1"/>
           </p:cNvSpPr>
@@ -4601,31 +4200,30 @@
         </p:nvSpPr>
         <p:spPr>
           <a:xfrm>
-            <a:off x="457200" y="6476999"/>
-            <a:ext cx="2133600" cy="274320"/>
+            <a:off x="838200" y="6356350"/>
+            <a:ext cx="2743200" cy="365125"/>
           </a:xfrm>
           <a:prstGeom prst="rect">
             <a:avLst/>
           </a:prstGeom>
         </p:spPr>
         <p:txBody>
-          <a:bodyPr vert="horz" lIns="109728" rIns="45720" bIns="0" rtlCol="0" anchor="b"/>
+          <a:bodyPr vert="horz" lIns="91440" tIns="45720" rIns="91440" bIns="45720" rtlCol="0" anchor="ctr"/>
           <a:lstStyle>
-            <a:lvl1pPr algn="l" eaLnBrk="1" latinLnBrk="0" hangingPunct="1">
-              <a:defRPr kumimoji="0" sz="1200">
+            <a:lvl1pPr algn="l">
+              <a:defRPr sz="1200">
                 <a:solidFill>
                   <a:schemeClr val="tx1">
-                    <a:tint val="95000"/>
+                    <a:tint val="82000"/>
                   </a:schemeClr>
                 </a:solidFill>
               </a:defRPr>
             </a:lvl1pPr>
-            <a:extLst/>
           </a:lstStyle>
           <a:p>
             <a:fld id="{2590F9C9-AB92-4E86-B698-DEC9BF4350FF}" type="datetimeFigureOut">
               <a:rPr lang="ru-RU" smtClean="0"/>
-              <a:t>15.09.2023</a:t>
+              <a:t>13.09.2024</a:t>
             </a:fld>
             <a:endParaRPr lang="ru-RU"/>
           </a:p>
@@ -4633,7 +4231,13 @@
       </p:sp>
       <p:sp>
         <p:nvSpPr>
-          <p:cNvPr id="5" name="Нижний колонтитул 4"/>
+          <p:cNvPr id="5" name="Footer Placeholder 4">
+            <a:extLst>
+              <a:ext uri="{FF2B5EF4-FFF2-40B4-BE49-F238E27FC236}">
+                <a16:creationId xmlns:a16="http://schemas.microsoft.com/office/drawing/2014/main" id="{ECFA9771-DD9F-B271-19B8-2F7956B4CC4B}"/>
+              </a:ext>
+            </a:extLst>
+          </p:cNvPr>
           <p:cNvSpPr>
             <a:spLocks noGrp="1"/>
           </p:cNvSpPr>
@@ -4643,26 +4247,25 @@
         </p:nvSpPr>
         <p:spPr>
           <a:xfrm>
-            <a:off x="2640596" y="6476999"/>
-            <a:ext cx="5507719" cy="274320"/>
+            <a:off x="4038600" y="6356350"/>
+            <a:ext cx="4114800" cy="365125"/>
           </a:xfrm>
           <a:prstGeom prst="rect">
             <a:avLst/>
           </a:prstGeom>
         </p:spPr>
         <p:txBody>
-          <a:bodyPr vert="horz" lIns="45720" rIns="45720" bIns="0" rtlCol="0" anchor="b"/>
+          <a:bodyPr vert="horz" lIns="91440" tIns="45720" rIns="91440" bIns="45720" rtlCol="0" anchor="ctr"/>
           <a:lstStyle>
-            <a:lvl1pPr algn="l" eaLnBrk="1" latinLnBrk="0" hangingPunct="1">
-              <a:defRPr kumimoji="0" sz="1200">
+            <a:lvl1pPr algn="ctr">
+              <a:defRPr sz="1200">
                 <a:solidFill>
                   <a:schemeClr val="tx1">
-                    <a:tint val="95000"/>
+                    <a:tint val="82000"/>
                   </a:schemeClr>
                 </a:solidFill>
               </a:defRPr>
             </a:lvl1pPr>
-            <a:extLst/>
           </a:lstStyle>
           <a:p>
             <a:endParaRPr lang="ru-RU"/>
@@ -4671,7 +4274,13 @@
       </p:sp>
       <p:sp>
         <p:nvSpPr>
-          <p:cNvPr id="6" name="Номер слайда 5"/>
+          <p:cNvPr id="6" name="Slide Number Placeholder 5">
+            <a:extLst>
+              <a:ext uri="{FF2B5EF4-FFF2-40B4-BE49-F238E27FC236}">
+                <a16:creationId xmlns:a16="http://schemas.microsoft.com/office/drawing/2014/main" id="{0EB1D920-86E0-DE45-9DFE-C3C34294392B}"/>
+              </a:ext>
+            </a:extLst>
+          </p:cNvPr>
           <p:cNvSpPr>
             <a:spLocks noGrp="1"/>
           </p:cNvSpPr>
@@ -4681,26 +4290,25 @@
         </p:nvSpPr>
         <p:spPr>
           <a:xfrm>
-            <a:off x="8204396" y="6476999"/>
-            <a:ext cx="733864" cy="274320"/>
+            <a:off x="8610600" y="6356350"/>
+            <a:ext cx="2743200" cy="365125"/>
           </a:xfrm>
           <a:prstGeom prst="rect">
             <a:avLst/>
           </a:prstGeom>
         </p:spPr>
         <p:txBody>
-          <a:bodyPr vert="horz" bIns="0" rtlCol="0" anchor="b"/>
+          <a:bodyPr vert="horz" lIns="91440" tIns="45720" rIns="91440" bIns="45720" rtlCol="0" anchor="ctr"/>
           <a:lstStyle>
-            <a:lvl1pPr algn="r" eaLnBrk="1" latinLnBrk="0" hangingPunct="1">
-              <a:defRPr kumimoji="0" sz="1200">
+            <a:lvl1pPr algn="r">
+              <a:defRPr sz="1200">
                 <a:solidFill>
                   <a:schemeClr val="tx1">
-                    <a:tint val="95000"/>
+                    <a:tint val="82000"/>
                   </a:schemeClr>
                 </a:solidFill>
               </a:defRPr>
             </a:lvl1pPr>
-            <a:extLst/>
           </a:lstStyle>
           <a:p>
             <a:fld id="{DFFDEFA0-FF01-4CA2-B8AA-E5F5B71BEE8D}" type="slidenum">
@@ -4712,54 +4320,57 @@
         </p:txBody>
       </p:sp>
     </p:spTree>
+    <p:extLst>
+      <p:ext uri="{BB962C8B-B14F-4D97-AF65-F5344CB8AC3E}">
+        <p14:creationId xmlns:p14="http://schemas.microsoft.com/office/powerpoint/2010/main" val="1718688786"/>
+      </p:ext>
+    </p:extLst>
   </p:cSld>
   <p:clrMap bg1="lt1" tx1="dk1" bg2="lt2" tx2="dk2" accent1="accent1" accent2="accent2" accent3="accent3" accent4="accent4" accent5="accent5" accent6="accent6" hlink="hlink" folHlink="folHlink"/>
   <p:sldLayoutIdLst>
-    <p:sldLayoutId id="2147483673" r:id="rId1"/>
-    <p:sldLayoutId id="2147483674" r:id="rId2"/>
-    <p:sldLayoutId id="2147483675" r:id="rId3"/>
-    <p:sldLayoutId id="2147483676" r:id="rId4"/>
-    <p:sldLayoutId id="2147483677" r:id="rId5"/>
-    <p:sldLayoutId id="2147483678" r:id="rId6"/>
-    <p:sldLayoutId id="2147483679" r:id="rId7"/>
-    <p:sldLayoutId id="2147483680" r:id="rId8"/>
-    <p:sldLayoutId id="2147483681" r:id="rId9"/>
-    <p:sldLayoutId id="2147483682" r:id="rId10"/>
-    <p:sldLayoutId id="2147483683" r:id="rId11"/>
+    <p:sldLayoutId id="2147483685" r:id="rId1"/>
+    <p:sldLayoutId id="2147483686" r:id="rId2"/>
+    <p:sldLayoutId id="2147483687" r:id="rId3"/>
+    <p:sldLayoutId id="2147483688" r:id="rId4"/>
+    <p:sldLayoutId id="2147483689" r:id="rId5"/>
+    <p:sldLayoutId id="2147483690" r:id="rId6"/>
+    <p:sldLayoutId id="2147483691" r:id="rId7"/>
+    <p:sldLayoutId id="2147483692" r:id="rId8"/>
+    <p:sldLayoutId id="2147483693" r:id="rId9"/>
+    <p:sldLayoutId id="2147483694" r:id="rId10"/>
+    <p:sldLayoutId id="2147483695" r:id="rId11"/>
   </p:sldLayoutIdLst>
   <p:txStyles>
     <p:titleStyle>
-      <a:lvl1pPr algn="l" rtl="0" eaLnBrk="1" latinLnBrk="0" hangingPunct="1">
+      <a:lvl1pPr algn="l" defTabSz="914400" rtl="0" eaLnBrk="1" latinLnBrk="0" hangingPunct="1">
+        <a:lnSpc>
+          <a:spcPct val="90000"/>
+        </a:lnSpc>
         <a:spcBef>
           <a:spcPct val="0"/>
         </a:spcBef>
         <a:buNone/>
-        <a:defRPr kumimoji="0" sz="4500" b="1" kern="1200">
+        <a:defRPr sz="4400" kern="1200">
           <a:solidFill>
-            <a:schemeClr val="accent1">
-              <a:satMod val="150000"/>
-            </a:schemeClr>
+            <a:schemeClr val="tx1"/>
           </a:solidFill>
-          <a:effectLst/>
           <a:latin typeface="+mj-lt"/>
           <a:ea typeface="+mj-ea"/>
           <a:cs typeface="+mj-cs"/>
         </a:defRPr>
       </a:lvl1pPr>
-      <a:extLst/>
     </p:titleStyle>
     <p:bodyStyle>
-      <a:lvl1pPr marL="438912" indent="-320040" algn="l" rtl="0" eaLnBrk="1" latinLnBrk="0" hangingPunct="1">
+      <a:lvl1pPr marL="228600" indent="-228600" algn="l" defTabSz="914400" rtl="0" eaLnBrk="1" latinLnBrk="0" hangingPunct="1">
+        <a:lnSpc>
+          <a:spcPct val="90000"/>
+        </a:lnSpc>
         <a:spcBef>
-          <a:spcPts val="0"/>
+          <a:spcPts val="1000"/>
         </a:spcBef>
-        <a:buClr>
-          <a:schemeClr val="accent1"/>
-        </a:buClr>
-        <a:buSzPct val="80000"/>
-        <a:buFont typeface="Wingdings 2"/>
-        <a:buChar char=""/>
-        <a:defRPr kumimoji="0" sz="3200" kern="1200">
+        <a:buFont typeface="Arial" panose="020B0604020202020204" pitchFamily="34" charset="0"/>
+        <a:buChar char="•"/>
+        <a:defRPr sz="2800" kern="1200">
           <a:solidFill>
             <a:schemeClr val="tx1"/>
           </a:solidFill>
@@ -4768,17 +4379,16 @@
           <a:cs typeface="+mn-cs"/>
         </a:defRPr>
       </a:lvl1pPr>
-      <a:lvl2pPr marL="731520" indent="-274320" algn="l" rtl="0" eaLnBrk="1" latinLnBrk="0" hangingPunct="1">
+      <a:lvl2pPr marL="685800" indent="-228600" algn="l" defTabSz="914400" rtl="0" eaLnBrk="1" latinLnBrk="0" hangingPunct="1">
+        <a:lnSpc>
+          <a:spcPct val="90000"/>
+        </a:lnSpc>
         <a:spcBef>
-          <a:spcPct val="20000"/>
+          <a:spcPts val="500"/>
         </a:spcBef>
-        <a:buClr>
-          <a:schemeClr val="accent2"/>
-        </a:buClr>
-        <a:buSzPct val="90000"/>
-        <a:buFont typeface="Wingdings"/>
-        <a:buChar char=""/>
-        <a:defRPr kumimoji="0" sz="2800" kern="1200">
+        <a:buFont typeface="Arial" panose="020B0604020202020204" pitchFamily="34" charset="0"/>
+        <a:buChar char="•"/>
+        <a:defRPr sz="2400" kern="1200">
           <a:solidFill>
             <a:schemeClr val="tx1"/>
           </a:solidFill>
@@ -4787,16 +4397,16 @@
           <a:cs typeface="+mn-cs"/>
         </a:defRPr>
       </a:lvl2pPr>
-      <a:lvl3pPr marL="996696" indent="-228600" algn="l" rtl="0" eaLnBrk="1" latinLnBrk="0" hangingPunct="1">
+      <a:lvl3pPr marL="1143000" indent="-228600" algn="l" defTabSz="914400" rtl="0" eaLnBrk="1" latinLnBrk="0" hangingPunct="1">
+        <a:lnSpc>
+          <a:spcPct val="90000"/>
+        </a:lnSpc>
         <a:spcBef>
-          <a:spcPct val="20000"/>
+          <a:spcPts val="500"/>
         </a:spcBef>
-        <a:buClr>
-          <a:schemeClr val="accent3"/>
-        </a:buClr>
-        <a:buFont typeface="Arial"/>
-        <a:buChar char="▪"/>
-        <a:defRPr kumimoji="0" sz="2400" kern="1200">
+        <a:buFont typeface="Arial" panose="020B0604020202020204" pitchFamily="34" charset="0"/>
+        <a:buChar char="•"/>
+        <a:defRPr sz="2000" kern="1200">
           <a:solidFill>
             <a:schemeClr val="tx1"/>
           </a:solidFill>
@@ -4805,16 +4415,16 @@
           <a:cs typeface="+mn-cs"/>
         </a:defRPr>
       </a:lvl3pPr>
-      <a:lvl4pPr marL="1216152" indent="-182880" algn="l" rtl="0" eaLnBrk="1" latinLnBrk="0" hangingPunct="1">
+      <a:lvl4pPr marL="1600200" indent="-228600" algn="l" defTabSz="914400" rtl="0" eaLnBrk="1" latinLnBrk="0" hangingPunct="1">
+        <a:lnSpc>
+          <a:spcPct val="90000"/>
+        </a:lnSpc>
         <a:spcBef>
-          <a:spcPct val="20000"/>
+          <a:spcPts val="500"/>
         </a:spcBef>
-        <a:buClr>
-          <a:schemeClr val="accent4"/>
-        </a:buClr>
-        <a:buFont typeface="Arial"/>
-        <a:buChar char="▪"/>
-        <a:defRPr kumimoji="0" sz="2000" kern="1200">
+        <a:buFont typeface="Arial" panose="020B0604020202020204" pitchFamily="34" charset="0"/>
+        <a:buChar char="•"/>
+        <a:defRPr sz="1800" kern="1200">
           <a:solidFill>
             <a:schemeClr val="tx1"/>
           </a:solidFill>
@@ -4823,16 +4433,16 @@
           <a:cs typeface="+mn-cs"/>
         </a:defRPr>
       </a:lvl4pPr>
-      <a:lvl5pPr marL="1426464" indent="-182880" algn="l" rtl="0" eaLnBrk="1" latinLnBrk="0" hangingPunct="1">
+      <a:lvl5pPr marL="2057400" indent="-228600" algn="l" defTabSz="914400" rtl="0" eaLnBrk="1" latinLnBrk="0" hangingPunct="1">
+        <a:lnSpc>
+          <a:spcPct val="90000"/>
+        </a:lnSpc>
         <a:spcBef>
-          <a:spcPct val="20000"/>
+          <a:spcPts val="500"/>
         </a:spcBef>
-        <a:buClr>
-          <a:schemeClr val="accent5"/>
-        </a:buClr>
-        <a:buFont typeface="Wingdings 3"/>
-        <a:buChar char=""/>
-        <a:defRPr kumimoji="0" lang="en-US" sz="2000" kern="1200" smtClean="0">
+        <a:buFont typeface="Arial" panose="020B0604020202020204" pitchFamily="34" charset="0"/>
+        <a:buChar char="•"/>
+        <a:defRPr sz="1800" kern="1200">
           <a:solidFill>
             <a:schemeClr val="tx1"/>
           </a:solidFill>
@@ -4841,17 +4451,16 @@
           <a:cs typeface="+mn-cs"/>
         </a:defRPr>
       </a:lvl5pPr>
-      <a:lvl6pPr marL="1627632" indent="-182880" algn="l" rtl="0" eaLnBrk="1" latinLnBrk="0" hangingPunct="1">
+      <a:lvl6pPr marL="2514600" indent="-228600" algn="l" defTabSz="914400" rtl="0" eaLnBrk="1" latinLnBrk="0" hangingPunct="1">
+        <a:lnSpc>
+          <a:spcPct val="90000"/>
+        </a:lnSpc>
         <a:spcBef>
-          <a:spcPct val="20000"/>
+          <a:spcPts val="500"/>
         </a:spcBef>
-        <a:buClr>
-          <a:schemeClr val="accent6"/>
-        </a:buClr>
-        <a:buSzPct val="100000"/>
-        <a:buFont typeface="Wingdings 2"/>
-        <a:buChar char=""/>
-        <a:defRPr kumimoji="0" sz="2000" kern="1200">
+        <a:buFont typeface="Arial" panose="020B0604020202020204" pitchFamily="34" charset="0"/>
+        <a:buChar char="•"/>
+        <a:defRPr sz="1800" kern="1200">
           <a:solidFill>
             <a:schemeClr val="tx1"/>
           </a:solidFill>
@@ -4860,17 +4469,16 @@
           <a:cs typeface="+mn-cs"/>
         </a:defRPr>
       </a:lvl6pPr>
-      <a:lvl7pPr marL="1828800" indent="-182880" algn="l" rtl="0" eaLnBrk="1" latinLnBrk="0" hangingPunct="1">
+      <a:lvl7pPr marL="2971800" indent="-228600" algn="l" defTabSz="914400" rtl="0" eaLnBrk="1" latinLnBrk="0" hangingPunct="1">
+        <a:lnSpc>
+          <a:spcPct val="90000"/>
+        </a:lnSpc>
         <a:spcBef>
-          <a:spcPct val="20000"/>
+          <a:spcPts val="500"/>
         </a:spcBef>
-        <a:buClr>
-          <a:schemeClr val="accent1"/>
-        </a:buClr>
-        <a:buSzPct val="100000"/>
-        <a:buFont typeface="Wingdings 2"/>
-        <a:buChar char=""/>
-        <a:defRPr kumimoji="0" sz="1800" kern="1200">
+        <a:buFont typeface="Arial" panose="020B0604020202020204" pitchFamily="34" charset="0"/>
+        <a:buChar char="•"/>
+        <a:defRPr sz="1800" kern="1200">
           <a:solidFill>
             <a:schemeClr val="tx1"/>
           </a:solidFill>
@@ -4879,16 +4487,16 @@
           <a:cs typeface="+mn-cs"/>
         </a:defRPr>
       </a:lvl7pPr>
-      <a:lvl8pPr marL="2029968" indent="-182880" algn="l" rtl="0" eaLnBrk="1" latinLnBrk="0" hangingPunct="1">
+      <a:lvl8pPr marL="3429000" indent="-228600" algn="l" defTabSz="914400" rtl="0" eaLnBrk="1" latinLnBrk="0" hangingPunct="1">
+        <a:lnSpc>
+          <a:spcPct val="90000"/>
+        </a:lnSpc>
         <a:spcBef>
-          <a:spcPct val="20000"/>
+          <a:spcPts val="500"/>
         </a:spcBef>
-        <a:buClr>
-          <a:schemeClr val="accent2"/>
-        </a:buClr>
-        <a:buFont typeface="Wingdings 2" pitchFamily="18" charset="2"/>
-        <a:buChar char=""/>
-        <a:defRPr kumimoji="0" sz="1800" kern="1200">
+        <a:buFont typeface="Arial" panose="020B0604020202020204" pitchFamily="34" charset="0"/>
+        <a:buChar char="•"/>
+        <a:defRPr sz="1800" kern="1200">
           <a:solidFill>
             <a:schemeClr val="tx1"/>
           </a:solidFill>
@@ -4897,16 +4505,16 @@
           <a:cs typeface="+mn-cs"/>
         </a:defRPr>
       </a:lvl8pPr>
-      <a:lvl9pPr marL="2231136" indent="-182880" algn="l" rtl="0" eaLnBrk="1" latinLnBrk="0" hangingPunct="1">
+      <a:lvl9pPr marL="3886200" indent="-228600" algn="l" defTabSz="914400" rtl="0" eaLnBrk="1" latinLnBrk="0" hangingPunct="1">
+        <a:lnSpc>
+          <a:spcPct val="90000"/>
+        </a:lnSpc>
         <a:spcBef>
-          <a:spcPct val="20000"/>
+          <a:spcPts val="500"/>
         </a:spcBef>
-        <a:buClr>
-          <a:schemeClr val="accent3"/>
-        </a:buClr>
-        <a:buFont typeface="Wingdings 2" pitchFamily="18" charset="2"/>
-        <a:buChar char=""/>
-        <a:defRPr kumimoji="0" sz="1800" kern="1200" baseline="0">
+        <a:buFont typeface="Arial" panose="020B0604020202020204" pitchFamily="34" charset="0"/>
+        <a:buChar char="•"/>
+        <a:defRPr sz="1800" kern="1200">
           <a:solidFill>
             <a:schemeClr val="tx1"/>
           </a:solidFill>
@@ -4915,11 +4523,13 @@
           <a:cs typeface="+mn-cs"/>
         </a:defRPr>
       </a:lvl9pPr>
-      <a:extLst/>
     </p:bodyStyle>
     <p:otherStyle>
-      <a:lvl1pPr marL="0" algn="l" rtl="0" eaLnBrk="1" latinLnBrk="0" hangingPunct="1">
-        <a:defRPr kumimoji="0" kern="1200">
+      <a:defPPr>
+        <a:defRPr lang="en-US"/>
+      </a:defPPr>
+      <a:lvl1pPr marL="0" algn="l" defTabSz="914400" rtl="0" eaLnBrk="1" latinLnBrk="0" hangingPunct="1">
+        <a:defRPr sz="1800" kern="1200">
           <a:solidFill>
             <a:schemeClr val="tx1"/>
           </a:solidFill>
@@ -4928,8 +4538,8 @@
           <a:cs typeface="+mn-cs"/>
         </a:defRPr>
       </a:lvl1pPr>
-      <a:lvl2pPr marL="457200" algn="l" rtl="0" eaLnBrk="1" latinLnBrk="0" hangingPunct="1">
-        <a:defRPr kumimoji="0" kern="1200">
+      <a:lvl2pPr marL="457200" algn="l" defTabSz="914400" rtl="0" eaLnBrk="1" latinLnBrk="0" hangingPunct="1">
+        <a:defRPr sz="1800" kern="1200">
           <a:solidFill>
             <a:schemeClr val="tx1"/>
           </a:solidFill>
@@ -4938,8 +4548,8 @@
           <a:cs typeface="+mn-cs"/>
         </a:defRPr>
       </a:lvl2pPr>
-      <a:lvl3pPr marL="914400" algn="l" rtl="0" eaLnBrk="1" latinLnBrk="0" hangingPunct="1">
-        <a:defRPr kumimoji="0" kern="1200">
+      <a:lvl3pPr marL="914400" algn="l" defTabSz="914400" rtl="0" eaLnBrk="1" latinLnBrk="0" hangingPunct="1">
+        <a:defRPr sz="1800" kern="1200">
           <a:solidFill>
             <a:schemeClr val="tx1"/>
           </a:solidFill>
@@ -4948,8 +4558,8 @@
           <a:cs typeface="+mn-cs"/>
         </a:defRPr>
       </a:lvl3pPr>
-      <a:lvl4pPr marL="1371600" algn="l" rtl="0" eaLnBrk="1" latinLnBrk="0" hangingPunct="1">
-        <a:defRPr kumimoji="0" kern="1200">
+      <a:lvl4pPr marL="1371600" algn="l" defTabSz="914400" rtl="0" eaLnBrk="1" latinLnBrk="0" hangingPunct="1">
+        <a:defRPr sz="1800" kern="1200">
           <a:solidFill>
             <a:schemeClr val="tx1"/>
           </a:solidFill>
@@ -4958,8 +4568,8 @@
           <a:cs typeface="+mn-cs"/>
         </a:defRPr>
       </a:lvl4pPr>
-      <a:lvl5pPr marL="1828800" algn="l" rtl="0" eaLnBrk="1" latinLnBrk="0" hangingPunct="1">
-        <a:defRPr kumimoji="0" kern="1200">
+      <a:lvl5pPr marL="1828800" algn="l" defTabSz="914400" rtl="0" eaLnBrk="1" latinLnBrk="0" hangingPunct="1">
+        <a:defRPr sz="1800" kern="1200">
           <a:solidFill>
             <a:schemeClr val="tx1"/>
           </a:solidFill>
@@ -4968,8 +4578,8 @@
           <a:cs typeface="+mn-cs"/>
         </a:defRPr>
       </a:lvl5pPr>
-      <a:lvl6pPr marL="2286000" algn="l" rtl="0" eaLnBrk="1" latinLnBrk="0" hangingPunct="1">
-        <a:defRPr kumimoji="0" kern="1200">
+      <a:lvl6pPr marL="2286000" algn="l" defTabSz="914400" rtl="0" eaLnBrk="1" latinLnBrk="0" hangingPunct="1">
+        <a:defRPr sz="1800" kern="1200">
           <a:solidFill>
             <a:schemeClr val="tx1"/>
           </a:solidFill>
@@ -4978,8 +4588,8 @@
           <a:cs typeface="+mn-cs"/>
         </a:defRPr>
       </a:lvl6pPr>
-      <a:lvl7pPr marL="2743200" algn="l" rtl="0" eaLnBrk="1" latinLnBrk="0" hangingPunct="1">
-        <a:defRPr kumimoji="0" kern="1200">
+      <a:lvl7pPr marL="2743200" algn="l" defTabSz="914400" rtl="0" eaLnBrk="1" latinLnBrk="0" hangingPunct="1">
+        <a:defRPr sz="1800" kern="1200">
           <a:solidFill>
             <a:schemeClr val="tx1"/>
           </a:solidFill>
@@ -4988,8 +4598,8 @@
           <a:cs typeface="+mn-cs"/>
         </a:defRPr>
       </a:lvl7pPr>
-      <a:lvl8pPr marL="3200400" algn="l" rtl="0" eaLnBrk="1" latinLnBrk="0" hangingPunct="1">
-        <a:defRPr kumimoji="0" kern="1200">
+      <a:lvl8pPr marL="3200400" algn="l" defTabSz="914400" rtl="0" eaLnBrk="1" latinLnBrk="0" hangingPunct="1">
+        <a:defRPr sz="1800" kern="1200">
           <a:solidFill>
             <a:schemeClr val="tx1"/>
           </a:solidFill>
@@ -4998,8 +4608,8 @@
           <a:cs typeface="+mn-cs"/>
         </a:defRPr>
       </a:lvl8pPr>
-      <a:lvl9pPr marL="3657600" algn="l" rtl="0" eaLnBrk="1" latinLnBrk="0" hangingPunct="1">
-        <a:defRPr kumimoji="0" kern="1200">
+      <a:lvl9pPr marL="3657600" algn="l" defTabSz="914400" rtl="0" eaLnBrk="1" latinLnBrk="0" hangingPunct="1">
+        <a:defRPr sz="1800" kern="1200">
           <a:solidFill>
             <a:schemeClr val="tx1"/>
           </a:solidFill>
@@ -5008,7 +4618,6 @@
           <a:cs typeface="+mn-cs"/>
         </a:defRPr>
       </a:lvl9pPr>
-      <a:extLst/>
     </p:otherStyle>
   </p:txStyles>
 </p:sldMaster>
@@ -5031,6 +4640,36 @@
           <a:chExt cx="0" cy="0"/>
         </a:xfrm>
       </p:grpSpPr>
+      <p:pic>
+        <p:nvPicPr>
+          <p:cNvPr id="5" name="Picture 4">
+            <a:extLst>
+              <a:ext uri="{FF2B5EF4-FFF2-40B4-BE49-F238E27FC236}">
+                <a16:creationId xmlns:a16="http://schemas.microsoft.com/office/drawing/2014/main" id="{754E85F0-DCD6-42D1-0560-0E0070092A4A}"/>
+              </a:ext>
+            </a:extLst>
+          </p:cNvPr>
+          <p:cNvPicPr>
+            <a:picLocks noChangeAspect="1"/>
+          </p:cNvPicPr>
+          <p:nvPr/>
+        </p:nvPicPr>
+        <p:blipFill>
+          <a:blip r:embed="rId2"/>
+          <a:stretch>
+            <a:fillRect/>
+          </a:stretch>
+        </p:blipFill>
+        <p:spPr>
+          <a:xfrm>
+            <a:off x="0" y="0"/>
+            <a:ext cx="12191999" cy="6858000"/>
+          </a:xfrm>
+          <a:prstGeom prst="rect">
+            <a:avLst/>
+          </a:prstGeom>
+        </p:spPr>
+      </p:pic>
       <p:sp>
         <p:nvSpPr>
           <p:cNvPr id="2" name="Заголовок 1"/>
@@ -5041,21 +4680,46 @@
             <p:ph type="ctrTitle"/>
           </p:nvPr>
         </p:nvSpPr>
-        <p:spPr/>
+        <p:spPr>
+          <a:xfrm>
+            <a:off x="1524000" y="1122362"/>
+            <a:ext cx="9144000" cy="4135437"/>
+          </a:xfrm>
+        </p:spPr>
         <p:txBody>
-          <a:bodyPr/>
+          <a:bodyPr>
+            <a:noAutofit/>
+          </a:bodyPr>
           <a:lstStyle/>
           <a:p>
             <a:r>
-              <a:rPr lang="ru-RU" dirty="0"/>
-              <a:t>Паттерн «Наблюдатель»</a:t>
+              <a:rPr lang="ru-RU" sz="8800" dirty="0">
+                <a:solidFill>
+                  <a:schemeClr val="bg1"/>
+                </a:solidFill>
+                <a:effectLst>
+                  <a:outerShdw blurRad="38100" dist="38100" dir="2700000" algn="tl">
+                    <a:srgbClr val="000000">
+                      <a:alpha val="43137"/>
+                    </a:srgbClr>
+                  </a:outerShdw>
+                </a:effectLst>
+                <a:latin typeface="Impact" panose="020B0806030902050204" pitchFamily="34" charset="0"/>
+              </a:rPr>
+              <a:t>Паттерн проектирования «Наблюдатель»</a:t>
             </a:r>
           </a:p>
         </p:txBody>
       </p:sp>
       <p:sp>
         <p:nvSpPr>
-          <p:cNvPr id="3" name="Подзаголовок 2"/>
+          <p:cNvPr id="7" name="Subtitle 6">
+            <a:extLst>
+              <a:ext uri="{FF2B5EF4-FFF2-40B4-BE49-F238E27FC236}">
+                <a16:creationId xmlns:a16="http://schemas.microsoft.com/office/drawing/2014/main" id="{7AC0D265-F069-D38F-DBA3-5F7F2D801E44}"/>
+              </a:ext>
+            </a:extLst>
+          </p:cNvPr>
           <p:cNvSpPr>
             <a:spLocks noGrp="1"/>
           </p:cNvSpPr>
@@ -5068,22 +4732,14 @@
           <a:bodyPr/>
           <a:lstStyle/>
           <a:p>
-            <a:r>
-              <a:rPr lang="ru-RU" dirty="0"/>
-              <a:t>Лекция </a:t>
-            </a:r>
-            <a:r>
-              <a:rPr lang="en-US" dirty="0"/>
-              <a:t>2</a:t>
-            </a:r>
-            <a:endParaRPr lang="ru-RU" dirty="0"/>
+            <a:endParaRPr lang="en-US" dirty="0"/>
           </a:p>
         </p:txBody>
       </p:sp>
     </p:spTree>
     <p:extLst>
       <p:ext uri="{BB962C8B-B14F-4D97-AF65-F5344CB8AC3E}">
-        <p14:creationId xmlns:p14="http://schemas.microsoft.com/office/powerpoint/2010/main" val="4239331289"/>
+        <p14:creationId xmlns:p14="http://schemas.microsoft.com/office/powerpoint/2010/main" val="4225625183"/>
       </p:ext>
     </p:extLst>
   </p:cSld>
@@ -5228,7 +4884,7 @@
         </p:nvSpPr>
         <p:spPr>
           <a:xfrm>
-            <a:off x="198190" y="1916832"/>
+            <a:off x="1722190" y="1916832"/>
             <a:ext cx="8712968" cy="4226798"/>
           </a:xfrm>
           <a:prstGeom prst="rect">
@@ -5241,11 +4897,7 @@
           </a:bodyPr>
           <a:lstStyle/>
           <a:p>
-            <a:pPr defTabSz="447675">
-              <a:spcAft>
-                <a:spcPts val="0"/>
-              </a:spcAft>
-            </a:pPr>
+            <a:pPr defTabSz="447675"/>
             <a:r>
               <a:rPr lang="ru-RU" sz="1400" dirty="0" err="1">
                 <a:solidFill>
@@ -5285,11 +4937,7 @@
             </a:endParaRPr>
           </a:p>
           <a:p>
-            <a:pPr defTabSz="447675">
-              <a:spcAft>
-                <a:spcPts val="0"/>
-              </a:spcAft>
-            </a:pPr>
+            <a:pPr defTabSz="447675"/>
             <a:r>
               <a:rPr lang="ru-RU" sz="1400" dirty="0">
                 <a:solidFill>
@@ -5307,11 +4955,7 @@
             </a:endParaRPr>
           </a:p>
           <a:p>
-            <a:pPr defTabSz="447675">
-              <a:spcAft>
-                <a:spcPts val="0"/>
-              </a:spcAft>
-            </a:pPr>
+            <a:pPr defTabSz="447675"/>
             <a:r>
               <a:rPr lang="ru-RU" sz="1400" dirty="0" err="1">
                 <a:solidFill>
@@ -5340,11 +4984,7 @@
             </a:endParaRPr>
           </a:p>
           <a:p>
-            <a:pPr defTabSz="447675">
-              <a:spcAft>
-                <a:spcPts val="0"/>
-              </a:spcAft>
-            </a:pPr>
+            <a:pPr defTabSz="447675"/>
             <a:r>
               <a:rPr lang="en-US" sz="1400" dirty="0">
                 <a:solidFill>
@@ -5406,11 +5046,7 @@
             </a:endParaRPr>
           </a:p>
           <a:p>
-            <a:pPr defTabSz="447675">
-              <a:spcAft>
-                <a:spcPts val="0"/>
-              </a:spcAft>
-            </a:pPr>
+            <a:pPr defTabSz="447675"/>
             <a:r>
               <a:rPr lang="en-US" sz="1400" dirty="0">
                 <a:solidFill>
@@ -5424,11 +5060,7 @@
             </a:r>
           </a:p>
           <a:p>
-            <a:pPr defTabSz="447675">
-              <a:spcAft>
-                <a:spcPts val="0"/>
-              </a:spcAft>
-            </a:pPr>
+            <a:pPr defTabSz="447675"/>
             <a:r>
               <a:rPr lang="en-US" sz="1400" dirty="0">
                 <a:ea typeface="Calibri"/>
@@ -5475,11 +5107,7 @@
             </a:endParaRPr>
           </a:p>
           <a:p>
-            <a:pPr defTabSz="447675">
-              <a:spcAft>
-                <a:spcPts val="0"/>
-              </a:spcAft>
-            </a:pPr>
+            <a:pPr defTabSz="447675"/>
             <a:r>
               <a:rPr lang="en-US" sz="1400" dirty="0">
                 <a:solidFill>
@@ -5541,11 +5169,7 @@
             </a:endParaRPr>
           </a:p>
           <a:p>
-            <a:pPr defTabSz="447675">
-              <a:spcAft>
-                <a:spcPts val="0"/>
-              </a:spcAft>
-            </a:pPr>
+            <a:pPr defTabSz="447675"/>
             <a:r>
               <a:rPr lang="en-US" sz="1400" dirty="0">
                 <a:solidFill>
@@ -5607,11 +5231,7 @@
             </a:endParaRPr>
           </a:p>
           <a:p>
-            <a:pPr defTabSz="447675">
-              <a:spcAft>
-                <a:spcPts val="0"/>
-              </a:spcAft>
-            </a:pPr>
+            <a:pPr defTabSz="447675"/>
             <a:r>
               <a:rPr lang="en-US" sz="1400" dirty="0">
                 <a:solidFill>
@@ -5673,11 +5293,7 @@
             </a:endParaRPr>
           </a:p>
           <a:p>
-            <a:pPr defTabSz="447675">
-              <a:spcAft>
-                <a:spcPts val="0"/>
-              </a:spcAft>
-            </a:pPr>
+            <a:pPr defTabSz="447675"/>
             <a:r>
               <a:rPr lang="en-US" sz="1400" dirty="0">
                 <a:solidFill>
@@ -5699,11 +5315,7 @@
             </a:endParaRPr>
           </a:p>
           <a:p>
-            <a:pPr defTabSz="447675">
-              <a:spcAft>
-                <a:spcPts val="0"/>
-              </a:spcAft>
-            </a:pPr>
+            <a:pPr defTabSz="447675"/>
             <a:r>
               <a:rPr lang="ru-RU" sz="1400" dirty="0">
                 <a:solidFill>
@@ -5721,11 +5333,7 @@
             </a:endParaRPr>
           </a:p>
           <a:p>
-            <a:pPr defTabSz="447675">
-              <a:spcAft>
-                <a:spcPts val="0"/>
-              </a:spcAft>
-            </a:pPr>
+            <a:pPr defTabSz="447675"/>
             <a:r>
               <a:rPr lang="en-US" sz="1400" dirty="0">
                 <a:solidFill>
@@ -5765,11 +5373,7 @@
             </a:endParaRPr>
           </a:p>
           <a:p>
-            <a:pPr defTabSz="447675">
-              <a:spcAft>
-                <a:spcPts val="0"/>
-              </a:spcAft>
-            </a:pPr>
+            <a:pPr defTabSz="447675"/>
             <a:r>
               <a:rPr lang="en-US" sz="1400" dirty="0">
                 <a:solidFill>
@@ -5809,11 +5413,7 @@
             </a:endParaRPr>
           </a:p>
           <a:p>
-            <a:pPr defTabSz="447675">
-              <a:spcAft>
-                <a:spcPts val="0"/>
-              </a:spcAft>
-            </a:pPr>
+            <a:pPr defTabSz="447675"/>
             <a:r>
               <a:rPr lang="en-US" sz="1400" dirty="0">
                 <a:solidFill>
@@ -5853,11 +5453,7 @@
             </a:endParaRPr>
           </a:p>
           <a:p>
-            <a:pPr defTabSz="447675">
-              <a:spcAft>
-                <a:spcPts val="0"/>
-              </a:spcAft>
-            </a:pPr>
+            <a:pPr defTabSz="447675"/>
             <a:r>
               <a:rPr lang="en-US" sz="1400" dirty="0">
                 <a:solidFill>
@@ -6011,7 +5607,7 @@
         <p:spPr/>
         <p:txBody>
           <a:bodyPr>
-            <a:normAutofit fontScale="90000"/>
+            <a:normAutofit/>
           </a:bodyPr>
           <a:lstStyle/>
           <a:p>
@@ -6035,7 +5631,7 @@
         <p:spPr/>
         <p:txBody>
           <a:bodyPr>
-            <a:normAutofit fontScale="92500" lnSpcReduction="20000"/>
+            <a:normAutofit/>
           </a:bodyPr>
           <a:lstStyle/>
           <a:p>
@@ -6165,7 +5761,7 @@
         <p:spPr/>
         <p:txBody>
           <a:bodyPr>
-            <a:normAutofit fontScale="90000"/>
+            <a:normAutofit/>
           </a:bodyPr>
           <a:lstStyle/>
           <a:p>
@@ -6189,7 +5785,7 @@
         <p:spPr/>
         <p:txBody>
           <a:bodyPr>
-            <a:normAutofit fontScale="92500" lnSpcReduction="20000"/>
+            <a:normAutofit/>
           </a:bodyPr>
           <a:lstStyle/>
           <a:p>
@@ -6370,7 +5966,7 @@
         <p:spPr/>
         <p:txBody>
           <a:bodyPr>
-            <a:normAutofit fontScale="90000"/>
+            <a:normAutofit/>
           </a:bodyPr>
           <a:lstStyle/>
           <a:p>
@@ -6416,7 +6012,7 @@
         </p:nvSpPr>
         <p:spPr>
           <a:xfrm>
-            <a:off x="611560" y="4437112"/>
+            <a:off x="2135560" y="4437113"/>
             <a:ext cx="8208912" cy="2246769"/>
           </a:xfrm>
           <a:prstGeom prst="rect">
@@ -6429,7 +6025,7 @@
           </a:bodyPr>
           <a:lstStyle/>
           <a:p>
-            <a:pPr lvl="0" defTabSz="447675"/>
+            <a:pPr defTabSz="447675"/>
             <a:r>
               <a:rPr lang="en-US" sz="1400" dirty="0">
                 <a:solidFill>
@@ -6483,7 +6079,7 @@
             </a:endParaRPr>
           </a:p>
           <a:p>
-            <a:pPr lvl="0" defTabSz="447675"/>
+            <a:pPr defTabSz="447675"/>
             <a:r>
               <a:rPr lang="en-US" sz="1400" dirty="0">
                 <a:solidFill>
@@ -6504,7 +6100,7 @@
             </a:endParaRPr>
           </a:p>
           <a:p>
-            <a:pPr lvl="0" defTabSz="447675"/>
+            <a:pPr defTabSz="447675"/>
             <a:r>
               <a:rPr lang="en-US" sz="1400" dirty="0">
                 <a:solidFill>
@@ -6569,7 +6165,7 @@
             </a:endParaRPr>
           </a:p>
           <a:p>
-            <a:pPr lvl="0" defTabSz="447675"/>
+            <a:pPr defTabSz="447675"/>
             <a:r>
               <a:rPr lang="en-US" sz="1400" dirty="0">
                 <a:solidFill>
@@ -6634,7 +6230,7 @@
             </a:endParaRPr>
           </a:p>
           <a:p>
-            <a:pPr lvl="0" defTabSz="447675"/>
+            <a:pPr defTabSz="447675"/>
             <a:r>
               <a:rPr lang="en-US" sz="1400" dirty="0">
                 <a:solidFill>
@@ -6699,7 +6295,7 @@
             </a:endParaRPr>
           </a:p>
           <a:p>
-            <a:pPr lvl="0" defTabSz="447675"/>
+            <a:pPr defTabSz="447675"/>
             <a:endParaRPr lang="ru-RU" sz="1400" dirty="0">
               <a:solidFill>
                 <a:prstClr val="black"/>
@@ -6709,7 +6305,7 @@
             </a:endParaRPr>
           </a:p>
           <a:p>
-            <a:pPr lvl="0" defTabSz="447675"/>
+            <a:pPr defTabSz="447675"/>
             <a:r>
               <a:rPr lang="en-US" sz="1400" dirty="0">
                 <a:solidFill>
@@ -6752,7 +6348,7 @@
             </a:endParaRPr>
           </a:p>
           <a:p>
-            <a:pPr lvl="0" defTabSz="447675"/>
+            <a:pPr defTabSz="447675"/>
             <a:r>
               <a:rPr lang="en-US" sz="1400" dirty="0">
                 <a:solidFill>
@@ -6795,7 +6391,7 @@
             </a:endParaRPr>
           </a:p>
           <a:p>
-            <a:pPr lvl="0" defTabSz="447675"/>
+            <a:pPr defTabSz="447675"/>
             <a:r>
               <a:rPr lang="en-US" sz="1400" dirty="0">
                 <a:solidFill>
@@ -6838,7 +6434,7 @@
             </a:endParaRPr>
           </a:p>
           <a:p>
-            <a:pPr lvl="0" defTabSz="447675"/>
+            <a:pPr defTabSz="447675"/>
             <a:r>
               <a:rPr lang="en-US" sz="1400" dirty="0">
                 <a:solidFill>
@@ -6868,7 +6464,7 @@
         </p:nvSpPr>
         <p:spPr>
           <a:xfrm>
-            <a:off x="889000" y="5549900"/>
+            <a:off x="2413000" y="5549900"/>
             <a:ext cx="2967438" cy="1193800"/>
           </a:xfrm>
           <a:custGeom>
@@ -7706,7 +7302,7 @@
         <p:spPr/>
         <p:txBody>
           <a:bodyPr>
-            <a:normAutofit fontScale="90000"/>
+            <a:normAutofit/>
           </a:bodyPr>
           <a:lstStyle/>
           <a:p>
@@ -7821,7 +7417,7 @@
         </p:nvSpPr>
         <p:spPr>
           <a:xfrm>
-            <a:off x="611560" y="4437112"/>
+            <a:off x="2135560" y="4437113"/>
             <a:ext cx="8208912" cy="2246769"/>
           </a:xfrm>
           <a:prstGeom prst="rect">
@@ -7834,7 +7430,7 @@
           </a:bodyPr>
           <a:lstStyle/>
           <a:p>
-            <a:pPr lvl="0" defTabSz="447675"/>
+            <a:pPr defTabSz="447675"/>
             <a:r>
               <a:rPr lang="en-US" sz="1400" dirty="0">
                 <a:solidFill>
@@ -7888,7 +7484,7 @@
             </a:endParaRPr>
           </a:p>
           <a:p>
-            <a:pPr lvl="0" defTabSz="447675"/>
+            <a:pPr defTabSz="447675"/>
             <a:r>
               <a:rPr lang="en-US" sz="1400" dirty="0">
                 <a:solidFill>
@@ -7909,7 +7505,7 @@
             </a:endParaRPr>
           </a:p>
           <a:p>
-            <a:pPr lvl="0" defTabSz="447675"/>
+            <a:pPr defTabSz="447675"/>
             <a:r>
               <a:rPr lang="en-US" sz="1400" dirty="0">
                 <a:solidFill>
@@ -7974,7 +7570,7 @@
             </a:endParaRPr>
           </a:p>
           <a:p>
-            <a:pPr lvl="0" defTabSz="447675"/>
+            <a:pPr defTabSz="447675"/>
             <a:r>
               <a:rPr lang="en-US" sz="1400" dirty="0">
                 <a:solidFill>
@@ -8039,7 +7635,7 @@
             </a:endParaRPr>
           </a:p>
           <a:p>
-            <a:pPr lvl="0" defTabSz="447675"/>
+            <a:pPr defTabSz="447675"/>
             <a:r>
               <a:rPr lang="en-US" sz="1400" dirty="0">
                 <a:solidFill>
@@ -8104,7 +7700,7 @@
             </a:endParaRPr>
           </a:p>
           <a:p>
-            <a:pPr lvl="0" defTabSz="447675"/>
+            <a:pPr defTabSz="447675"/>
             <a:endParaRPr lang="ru-RU" sz="1400" dirty="0">
               <a:solidFill>
                 <a:prstClr val="black"/>
@@ -8114,7 +7710,7 @@
             </a:endParaRPr>
           </a:p>
           <a:p>
-            <a:pPr lvl="0" defTabSz="447675"/>
+            <a:pPr defTabSz="447675"/>
             <a:r>
               <a:rPr lang="en-US" sz="1400" dirty="0">
                 <a:solidFill>
@@ -8179,7 +7775,7 @@
             </a:endParaRPr>
           </a:p>
           <a:p>
-            <a:pPr lvl="0" defTabSz="447675"/>
+            <a:pPr defTabSz="447675"/>
             <a:r>
               <a:rPr lang="en-US" sz="1400" dirty="0">
                 <a:solidFill>
@@ -8244,7 +7840,7 @@
             </a:endParaRPr>
           </a:p>
           <a:p>
-            <a:pPr lvl="0" defTabSz="447675"/>
+            <a:pPr defTabSz="447675"/>
             <a:r>
               <a:rPr lang="en-US" sz="1400" dirty="0">
                 <a:solidFill>
@@ -8309,7 +7905,7 @@
             </a:endParaRPr>
           </a:p>
           <a:p>
-            <a:pPr lvl="0" defTabSz="447675"/>
+            <a:pPr defTabSz="447675"/>
             <a:r>
               <a:rPr lang="en-US" sz="1400" dirty="0">
                 <a:solidFill>
@@ -8467,7 +8063,7 @@
         <p:spPr/>
         <p:txBody>
           <a:bodyPr>
-            <a:normAutofit lnSpcReduction="10000"/>
+            <a:normAutofit/>
           </a:bodyPr>
           <a:lstStyle/>
           <a:p>
@@ -8556,7 +8152,7 @@
         <p:spPr/>
         <p:txBody>
           <a:bodyPr>
-            <a:normAutofit fontScale="90000"/>
+            <a:normAutofit/>
           </a:bodyPr>
           <a:lstStyle/>
           <a:p>
@@ -8940,13 +8536,12 @@
               </a:ext>
             </a:extLst>
           </a:blip>
-          <a:srcRect/>
           <a:stretch/>
         </p:blipFill>
         <p:spPr>
           <a:xfrm>
-            <a:off x="752475" y="2163762"/>
-            <a:ext cx="7639049" cy="3848100"/>
+            <a:off x="2276475" y="2077244"/>
+            <a:ext cx="7639050" cy="3848100"/>
           </a:xfrm>
         </p:spPr>
       </p:pic>
@@ -9018,7 +8613,7 @@
         </p:blipFill>
         <p:spPr>
           <a:xfrm>
-            <a:off x="208166" y="1844824"/>
+            <a:off x="1732167" y="1844824"/>
             <a:ext cx="8727667" cy="3328268"/>
           </a:xfrm>
           <a:prstGeom prst="rect">
@@ -9034,7 +8629,7 @@
         </p:nvSpPr>
         <p:spPr>
           <a:xfrm>
-            <a:off x="1979712" y="5877272"/>
+            <a:off x="3503712" y="5877273"/>
             <a:ext cx="4752528" cy="646331"/>
           </a:xfrm>
           <a:prstGeom prst="rect">
@@ -9063,7 +8658,7 @@
         </p:nvSpPr>
         <p:spPr>
           <a:xfrm>
-            <a:off x="1977763" y="4965405"/>
+            <a:off x="3501764" y="4965406"/>
             <a:ext cx="648479" cy="861237"/>
           </a:xfrm>
           <a:custGeom>
@@ -9258,7 +8853,7 @@
         <p:spPr/>
         <p:txBody>
           <a:bodyPr>
-            <a:normAutofit fontScale="90000"/>
+            <a:normAutofit/>
           </a:bodyPr>
           <a:lstStyle/>
           <a:p>
@@ -9285,7 +8880,7 @@
         </p:blipFill>
         <p:spPr>
           <a:xfrm>
-            <a:off x="-7699" y="1700808"/>
+            <a:off x="1516302" y="1700808"/>
             <a:ext cx="9010085" cy="4320480"/>
           </a:xfrm>
           <a:prstGeom prst="rect">
@@ -9956,7 +9551,7 @@
         <p:spPr/>
         <p:txBody>
           <a:bodyPr>
-            <a:normAutofit fontScale="92500" lnSpcReduction="10000"/>
+            <a:normAutofit/>
           </a:bodyPr>
           <a:lstStyle/>
           <a:p>
@@ -10975,7 +10570,7 @@
         </p:blipFill>
         <p:spPr>
           <a:xfrm>
-            <a:off x="457200" y="2636912"/>
+            <a:off x="1981201" y="2636912"/>
             <a:ext cx="8226117" cy="3449662"/>
           </a:xfrm>
         </p:spPr>
@@ -11023,7 +10618,7 @@
         <p:spPr/>
         <p:txBody>
           <a:bodyPr>
-            <a:normAutofit fontScale="90000"/>
+            <a:normAutofit/>
           </a:bodyPr>
           <a:lstStyle/>
           <a:p>
@@ -11426,7 +11021,7 @@
         <p:spPr/>
         <p:txBody>
           <a:bodyPr>
-            <a:normAutofit fontScale="90000"/>
+            <a:normAutofit/>
           </a:bodyPr>
           <a:lstStyle/>
           <a:p>
@@ -11466,7 +11061,7 @@
         </p:blipFill>
         <p:spPr>
           <a:xfrm>
-            <a:off x="88210" y="2811024"/>
+            <a:off x="1612211" y="2811024"/>
             <a:ext cx="8793927" cy="3210264"/>
           </a:xfrm>
         </p:spPr>
@@ -11514,7 +11109,7 @@
         <p:spPr/>
         <p:txBody>
           <a:bodyPr>
-            <a:normAutofit fontScale="90000"/>
+            <a:normAutofit/>
           </a:bodyPr>
           <a:lstStyle/>
           <a:p>
@@ -11951,8 +11546,8 @@
         </p:blipFill>
         <p:spPr>
           <a:xfrm>
-            <a:off x="371420" y="1556793"/>
-            <a:ext cx="8485015" cy="5112568"/>
+            <a:off x="2485176" y="1825625"/>
+            <a:ext cx="7221647" cy="4351338"/>
           </a:xfrm>
           <a:prstGeom prst="rect">
             <a:avLst/>
@@ -12002,7 +11597,7 @@
         <p:spPr/>
         <p:txBody>
           <a:bodyPr>
-            <a:normAutofit fontScale="90000"/>
+            <a:normAutofit/>
           </a:bodyPr>
           <a:lstStyle/>
           <a:p>
@@ -12439,7 +12034,7 @@
         </p:blipFill>
         <p:spPr>
           <a:xfrm>
-            <a:off x="91520" y="1571663"/>
+            <a:off x="1615521" y="1571664"/>
             <a:ext cx="8728951" cy="5169705"/>
           </a:xfrm>
           <a:prstGeom prst="rect">
@@ -12490,7 +12085,7 @@
         <p:spPr/>
         <p:txBody>
           <a:bodyPr>
-            <a:normAutofit fontScale="90000"/>
+            <a:normAutofit/>
           </a:bodyPr>
           <a:lstStyle/>
           <a:p>
@@ -12782,7 +12377,7 @@
         <p:spPr/>
         <p:txBody>
           <a:bodyPr>
-            <a:normAutofit fontScale="90000"/>
+            <a:normAutofit/>
           </a:bodyPr>
           <a:lstStyle/>
           <a:p>
@@ -13030,7 +12625,7 @@
         <p:spPr/>
         <p:txBody>
           <a:bodyPr>
-            <a:normAutofit fontScale="90000"/>
+            <a:normAutofit/>
           </a:bodyPr>
           <a:lstStyle/>
           <a:p>
@@ -13071,8 +12666,8 @@
         </p:blipFill>
         <p:spPr>
           <a:xfrm>
-            <a:off x="457200" y="2432947"/>
-            <a:ext cx="8229600" cy="3309730"/>
+            <a:off x="838200" y="1886744"/>
+            <a:ext cx="10515600" cy="4229100"/>
           </a:xfrm>
         </p:spPr>
       </p:pic>
@@ -13125,7 +12720,7 @@
         <p:spPr/>
         <p:txBody>
           <a:bodyPr>
-            <a:normAutofit fontScale="90000"/>
+            <a:normAutofit/>
           </a:bodyPr>
           <a:lstStyle/>
           <a:p>
@@ -13166,8 +12761,8 @@
         </p:blipFill>
         <p:spPr>
           <a:xfrm>
-            <a:off x="548774" y="1774825"/>
-            <a:ext cx="8046452" cy="4625975"/>
+            <a:off x="2311627" y="1825625"/>
+            <a:ext cx="7568746" cy="4351338"/>
           </a:xfrm>
         </p:spPr>
       </p:pic>
@@ -13241,7 +12836,7 @@
         <p:spPr/>
         <p:txBody>
           <a:bodyPr>
-            <a:normAutofit fontScale="92500" lnSpcReduction="20000"/>
+            <a:normAutofit/>
           </a:bodyPr>
           <a:lstStyle/>
           <a:p>
@@ -13669,7 +13264,7 @@
         <p:spPr/>
         <p:txBody>
           <a:bodyPr>
-            <a:normAutofit fontScale="90000"/>
+            <a:normAutofit/>
           </a:bodyPr>
           <a:lstStyle/>
           <a:p>
@@ -13693,7 +13288,7 @@
         <p:spPr/>
         <p:txBody>
           <a:bodyPr>
-            <a:normAutofit lnSpcReduction="10000"/>
+            <a:normAutofit/>
           </a:bodyPr>
           <a:lstStyle/>
           <a:p>
@@ -14058,8 +13653,8 @@
         </p:blipFill>
         <p:spPr>
           <a:xfrm>
-            <a:off x="457200" y="2084977"/>
-            <a:ext cx="8229600" cy="4005671"/>
+            <a:off x="1626116" y="1825625"/>
+            <a:ext cx="8939768" cy="4351338"/>
           </a:xfrm>
         </p:spPr>
       </p:pic>
@@ -14106,7 +13701,7 @@
         <p:spPr/>
         <p:txBody>
           <a:bodyPr>
-            <a:normAutofit fontScale="90000"/>
+            <a:normAutofit/>
           </a:bodyPr>
           <a:lstStyle/>
           <a:p>
@@ -14130,7 +13725,7 @@
         <p:spPr/>
         <p:txBody>
           <a:bodyPr>
-            <a:normAutofit fontScale="92500" lnSpcReduction="20000"/>
+            <a:normAutofit/>
           </a:bodyPr>
           <a:lstStyle/>
           <a:p>
@@ -14515,7 +14110,7 @@
         <p:spPr/>
         <p:txBody>
           <a:bodyPr>
-            <a:normAutofit fontScale="90000"/>
+            <a:normAutofit/>
           </a:bodyPr>
           <a:lstStyle/>
           <a:p>
@@ -14747,7 +14342,7 @@
         </p:nvSpPr>
         <p:spPr>
           <a:xfrm>
-            <a:off x="0" y="2204864"/>
+            <a:off x="1524000" y="2204865"/>
             <a:ext cx="9144000" cy="4247317"/>
           </a:xfrm>
           <a:prstGeom prst="rect">
@@ -14760,11 +14355,6 @@
           </a:bodyPr>
           <a:lstStyle/>
           <a:p>
-            <a:pPr>
-              <a:spcAft>
-                <a:spcPts val="0"/>
-              </a:spcAft>
-            </a:pPr>
             <a:r>
               <a:rPr lang="en-US" dirty="0">
                 <a:solidFill>
@@ -14805,11 +14395,6 @@
             </a:endParaRPr>
           </a:p>
           <a:p>
-            <a:pPr>
-              <a:spcAft>
-                <a:spcPts val="0"/>
-              </a:spcAft>
-            </a:pPr>
             <a:r>
               <a:rPr lang="en-US" dirty="0">
                 <a:solidFill>
@@ -14828,11 +14413,6 @@
             </a:endParaRPr>
           </a:p>
           <a:p>
-            <a:pPr>
-              <a:spcAft>
-                <a:spcPts val="0"/>
-              </a:spcAft>
-            </a:pPr>
             <a:r>
               <a:rPr lang="en-US" dirty="0">
                 <a:solidFill>
@@ -14857,11 +14437,6 @@
             </a:r>
           </a:p>
           <a:p>
-            <a:pPr>
-              <a:spcAft>
-                <a:spcPts val="0"/>
-              </a:spcAft>
-            </a:pPr>
             <a:r>
               <a:rPr lang="en-US" dirty="0">
                 <a:solidFill>
@@ -14889,11 +14464,6 @@
             </a:endParaRPr>
           </a:p>
           <a:p>
-            <a:pPr>
-              <a:spcAft>
-                <a:spcPts val="0"/>
-              </a:spcAft>
-            </a:pPr>
             <a:r>
               <a:rPr lang="en-US" dirty="0">
                 <a:solidFill>
@@ -15044,11 +14614,6 @@
             </a:endParaRPr>
           </a:p>
           <a:p>
-            <a:pPr>
-              <a:spcAft>
-                <a:spcPts val="0"/>
-              </a:spcAft>
-            </a:pPr>
             <a:r>
               <a:rPr lang="en-US" dirty="0">
                 <a:solidFill>
@@ -15067,11 +14632,6 @@
             </a:endParaRPr>
           </a:p>
           <a:p>
-            <a:pPr>
-              <a:spcAft>
-                <a:spcPts val="0"/>
-              </a:spcAft>
-            </a:pPr>
             <a:r>
               <a:rPr lang="en-US" dirty="0">
                 <a:solidFill>
@@ -15156,11 +14716,6 @@
             </a:endParaRPr>
           </a:p>
           <a:p>
-            <a:pPr>
-              <a:spcAft>
-                <a:spcPts val="0"/>
-              </a:spcAft>
-            </a:pPr>
             <a:r>
               <a:rPr lang="en-US" dirty="0">
                 <a:solidFill>
@@ -15179,11 +14734,6 @@
             </a:endParaRPr>
           </a:p>
           <a:p>
-            <a:pPr>
-              <a:spcAft>
-                <a:spcPts val="0"/>
-              </a:spcAft>
-            </a:pPr>
             <a:r>
               <a:rPr lang="en-US" dirty="0">
                 <a:solidFill>
@@ -15334,11 +14884,6 @@
             </a:endParaRPr>
           </a:p>
           <a:p>
-            <a:pPr>
-              <a:spcAft>
-                <a:spcPts val="0"/>
-              </a:spcAft>
-            </a:pPr>
             <a:r>
               <a:rPr lang="en-US" dirty="0">
                 <a:solidFill>
@@ -15467,11 +15012,6 @@
             </a:endParaRPr>
           </a:p>
           <a:p>
-            <a:pPr>
-              <a:spcAft>
-                <a:spcPts val="0"/>
-              </a:spcAft>
-            </a:pPr>
             <a:r>
               <a:rPr lang="en-US" dirty="0">
                 <a:solidFill>
@@ -15578,11 +15118,6 @@
             </a:endParaRPr>
           </a:p>
           <a:p>
-            <a:pPr>
-              <a:spcAft>
-                <a:spcPts val="0"/>
-              </a:spcAft>
-            </a:pPr>
             <a:r>
               <a:rPr lang="en-US" dirty="0">
                 <a:solidFill>
@@ -15601,11 +15136,6 @@
             </a:endParaRPr>
           </a:p>
           <a:p>
-            <a:pPr>
-              <a:spcAft>
-                <a:spcPts val="0"/>
-              </a:spcAft>
-            </a:pPr>
             <a:r>
               <a:rPr lang="en-US" dirty="0">
                 <a:solidFill>
@@ -15635,11 +15165,6 @@
             </a:endParaRPr>
           </a:p>
           <a:p>
-            <a:pPr>
-              <a:spcAft>
-                <a:spcPts val="0"/>
-              </a:spcAft>
-            </a:pPr>
             <a:r>
               <a:rPr lang="en-US" dirty="0">
                 <a:solidFill>
@@ -15702,11 +15227,6 @@
             </a:endParaRPr>
           </a:p>
           <a:p>
-            <a:pPr>
-              <a:spcAft>
-                <a:spcPts val="0"/>
-              </a:spcAft>
-            </a:pPr>
             <a:r>
               <a:rPr lang="en-US" dirty="0">
                 <a:solidFill>
@@ -15719,7 +15239,6 @@
               <a:t>};</a:t>
             </a:r>
             <a:endParaRPr lang="ru-RU" dirty="0">
-              <a:effectLst/>
               <a:latin typeface="Calibri" panose="020F0502020204030204" pitchFamily="34" charset="0"/>
               <a:ea typeface="Calibri" panose="020F0502020204030204" pitchFamily="34" charset="0"/>
               <a:cs typeface="Times New Roman" panose="02020603050405020304" pitchFamily="18" charset="0"/>
@@ -15740,7 +15259,7 @@
         <p:spPr/>
         <p:txBody>
           <a:bodyPr>
-            <a:normAutofit fontScale="90000"/>
+            <a:normAutofit/>
           </a:bodyPr>
           <a:lstStyle/>
           <a:p>
@@ -15789,7 +15308,7 @@
         </p:nvSpPr>
         <p:spPr>
           <a:xfrm>
-            <a:off x="0" y="0"/>
+            <a:off x="1524000" y="1"/>
             <a:ext cx="9144000" cy="6740307"/>
           </a:xfrm>
           <a:prstGeom prst="rect">
@@ -15802,11 +15321,6 @@
           </a:bodyPr>
           <a:lstStyle/>
           <a:p>
-            <a:pPr>
-              <a:spcAft>
-                <a:spcPts val="0"/>
-              </a:spcAft>
-            </a:pPr>
             <a:r>
               <a:rPr lang="en-US" dirty="0">
                 <a:solidFill>
@@ -15891,11 +15405,6 @@
             </a:endParaRPr>
           </a:p>
           <a:p>
-            <a:pPr>
-              <a:spcAft>
-                <a:spcPts val="0"/>
-              </a:spcAft>
-            </a:pPr>
             <a:r>
               <a:rPr lang="en-US" dirty="0">
                 <a:solidFill>
@@ -15914,11 +15423,6 @@
             </a:endParaRPr>
           </a:p>
           <a:p>
-            <a:pPr>
-              <a:spcAft>
-                <a:spcPts val="0"/>
-              </a:spcAft>
-            </a:pPr>
             <a:r>
               <a:rPr lang="en-US" dirty="0">
                 <a:solidFill>
@@ -15981,11 +15485,6 @@
             </a:endParaRPr>
           </a:p>
           <a:p>
-            <a:pPr>
-              <a:spcAft>
-                <a:spcPts val="0"/>
-              </a:spcAft>
-            </a:pPr>
             <a:r>
               <a:rPr lang="en-US" dirty="0">
                 <a:solidFill>
@@ -16048,11 +15547,6 @@
             </a:endParaRPr>
           </a:p>
           <a:p>
-            <a:pPr>
-              <a:spcAft>
-                <a:spcPts val="0"/>
-              </a:spcAft>
-            </a:pPr>
             <a:r>
               <a:rPr lang="en-US" dirty="0">
                 <a:solidFill>
@@ -16154,11 +15648,6 @@
             </a:r>
           </a:p>
           <a:p>
-            <a:pPr>
-              <a:spcAft>
-                <a:spcPts val="0"/>
-              </a:spcAft>
-            </a:pPr>
             <a:r>
               <a:rPr lang="en-US" dirty="0">
                 <a:solidFill>
@@ -16188,11 +15677,6 @@
             </a:endParaRPr>
           </a:p>
           <a:p>
-            <a:pPr>
-              <a:spcAft>
-                <a:spcPts val="0"/>
-              </a:spcAft>
-            </a:pPr>
             <a:r>
               <a:rPr lang="en-US" dirty="0">
                 <a:solidFill>
@@ -16299,11 +15783,6 @@
             </a:endParaRPr>
           </a:p>
           <a:p>
-            <a:pPr>
-              <a:spcAft>
-                <a:spcPts val="0"/>
-              </a:spcAft>
-            </a:pPr>
             <a:r>
               <a:rPr lang="en-US" dirty="0">
                 <a:solidFill>
@@ -16388,11 +15867,6 @@
             </a:endParaRPr>
           </a:p>
           <a:p>
-            <a:pPr>
-              <a:spcAft>
-                <a:spcPts val="0"/>
-              </a:spcAft>
-            </a:pPr>
             <a:r>
               <a:rPr lang="en-US" dirty="0">
                 <a:solidFill>
@@ -16455,11 +15929,6 @@
             </a:endParaRPr>
           </a:p>
           <a:p>
-            <a:pPr>
-              <a:spcAft>
-                <a:spcPts val="0"/>
-              </a:spcAft>
-            </a:pPr>
             <a:r>
               <a:rPr lang="en-US" dirty="0">
                 <a:solidFill>
@@ -16654,11 +16123,6 @@
             </a:endParaRPr>
           </a:p>
           <a:p>
-            <a:pPr>
-              <a:spcAft>
-                <a:spcPts val="0"/>
-              </a:spcAft>
-            </a:pPr>
             <a:r>
               <a:rPr lang="en-US" dirty="0">
                 <a:solidFill>
@@ -16677,11 +16141,6 @@
             </a:endParaRPr>
           </a:p>
           <a:p>
-            <a:pPr>
-              <a:spcAft>
-                <a:spcPts val="0"/>
-              </a:spcAft>
-            </a:pPr>
             <a:r>
               <a:rPr lang="en-US" dirty="0">
                 <a:solidFill>
@@ -16700,11 +16159,6 @@
             </a:endParaRPr>
           </a:p>
           <a:p>
-            <a:pPr>
-              <a:spcAft>
-                <a:spcPts val="0"/>
-              </a:spcAft>
-            </a:pPr>
             <a:r>
               <a:rPr lang="en-US" dirty="0">
                 <a:solidFill>
@@ -16723,11 +16177,6 @@
             </a:endParaRPr>
           </a:p>
           <a:p>
-            <a:pPr>
-              <a:spcAft>
-                <a:spcPts val="0"/>
-              </a:spcAft>
-            </a:pPr>
             <a:r>
               <a:rPr lang="en-US" dirty="0">
                 <a:solidFill>
@@ -16878,11 +16327,6 @@
             </a:endParaRPr>
           </a:p>
           <a:p>
-            <a:pPr>
-              <a:spcAft>
-                <a:spcPts val="0"/>
-              </a:spcAft>
-            </a:pPr>
             <a:r>
               <a:rPr lang="en-US" dirty="0">
                 <a:solidFill>
@@ -17020,11 +16464,6 @@
             </a:endParaRPr>
           </a:p>
           <a:p>
-            <a:pPr>
-              <a:spcAft>
-                <a:spcPts val="0"/>
-              </a:spcAft>
-            </a:pPr>
             <a:r>
               <a:rPr lang="en-US" dirty="0">
                 <a:solidFill>
@@ -17076,11 +16515,6 @@
             </a:endParaRPr>
           </a:p>
           <a:p>
-            <a:pPr>
-              <a:spcAft>
-                <a:spcPts val="0"/>
-              </a:spcAft>
-            </a:pPr>
             <a:r>
               <a:rPr lang="en-US" dirty="0">
                 <a:solidFill>
@@ -17099,11 +16533,6 @@
             </a:endParaRPr>
           </a:p>
           <a:p>
-            <a:pPr>
-              <a:spcAft>
-                <a:spcPts val="0"/>
-              </a:spcAft>
-            </a:pPr>
             <a:r>
               <a:rPr lang="en-US" dirty="0">
                 <a:solidFill>
@@ -17122,11 +16551,6 @@
             </a:endParaRPr>
           </a:p>
           <a:p>
-            <a:pPr>
-              <a:spcAft>
-                <a:spcPts val="0"/>
-              </a:spcAft>
-            </a:pPr>
             <a:r>
               <a:rPr lang="en-US" dirty="0">
                 <a:solidFill>
@@ -17277,11 +16701,6 @@
             </a:endParaRPr>
           </a:p>
           <a:p>
-            <a:pPr>
-              <a:spcAft>
-                <a:spcPts val="0"/>
-              </a:spcAft>
-            </a:pPr>
             <a:r>
               <a:rPr lang="en-US" dirty="0">
                 <a:solidFill>
@@ -17300,11 +16719,6 @@
             </a:endParaRPr>
           </a:p>
           <a:p>
-            <a:pPr>
-              <a:spcAft>
-                <a:spcPts val="0"/>
-              </a:spcAft>
-            </a:pPr>
             <a:r>
               <a:rPr lang="en-US" dirty="0">
                 <a:solidFill>
@@ -17433,11 +16847,6 @@
             </a:endParaRPr>
           </a:p>
           <a:p>
-            <a:pPr>
-              <a:spcAft>
-                <a:spcPts val="0"/>
-              </a:spcAft>
-            </a:pPr>
             <a:r>
               <a:rPr lang="en-US" dirty="0">
                 <a:solidFill>
@@ -17522,11 +16931,6 @@
             </a:endParaRPr>
           </a:p>
           <a:p>
-            <a:pPr>
-              <a:spcAft>
-                <a:spcPts val="0"/>
-              </a:spcAft>
-            </a:pPr>
             <a:r>
               <a:rPr lang="en-US" dirty="0">
                 <a:solidFill>
@@ -17545,11 +16949,6 @@
             </a:endParaRPr>
           </a:p>
           <a:p>
-            <a:pPr>
-              <a:spcAft>
-                <a:spcPts val="0"/>
-              </a:spcAft>
-            </a:pPr>
             <a:r>
               <a:rPr lang="en-US" dirty="0">
                 <a:solidFill>
@@ -17562,7 +16961,6 @@
               <a:t>};</a:t>
             </a:r>
             <a:endParaRPr lang="ru-RU" dirty="0">
-              <a:effectLst/>
               <a:latin typeface="Calibri" panose="020F0502020204030204" pitchFamily="34" charset="0"/>
               <a:ea typeface="Calibri" panose="020F0502020204030204" pitchFamily="34" charset="0"/>
               <a:cs typeface="Times New Roman" panose="02020603050405020304" pitchFamily="18" charset="0"/>
@@ -18312,7 +17710,7 @@
         </p:nvSpPr>
         <p:spPr>
           <a:xfrm>
-            <a:off x="0" y="0"/>
+            <a:off x="1524000" y="1"/>
             <a:ext cx="9144000" cy="6740307"/>
           </a:xfrm>
           <a:prstGeom prst="rect">
@@ -18325,11 +17723,6 @@
           </a:bodyPr>
           <a:lstStyle/>
           <a:p>
-            <a:pPr>
-              <a:spcAft>
-                <a:spcPts val="0"/>
-              </a:spcAft>
-            </a:pPr>
             <a:r>
               <a:rPr lang="en-US" dirty="0">
                 <a:solidFill>
@@ -18414,11 +17807,6 @@
             </a:endParaRPr>
           </a:p>
           <a:p>
-            <a:pPr>
-              <a:spcAft>
-                <a:spcPts val="0"/>
-              </a:spcAft>
-            </a:pPr>
             <a:r>
               <a:rPr lang="en-US" dirty="0">
                 <a:solidFill>
@@ -18437,11 +17825,6 @@
             </a:endParaRPr>
           </a:p>
           <a:p>
-            <a:pPr>
-              <a:spcAft>
-                <a:spcPts val="0"/>
-              </a:spcAft>
-            </a:pPr>
             <a:r>
               <a:rPr lang="en-US" dirty="0">
                 <a:solidFill>
@@ -18504,11 +17887,6 @@
             </a:endParaRPr>
           </a:p>
           <a:p>
-            <a:pPr>
-              <a:spcAft>
-                <a:spcPts val="0"/>
-              </a:spcAft>
-            </a:pPr>
             <a:r>
               <a:rPr lang="en-US" dirty="0">
                 <a:solidFill>
@@ -18596,11 +17974,6 @@
             </a:endParaRPr>
           </a:p>
           <a:p>
-            <a:pPr>
-              <a:spcAft>
-                <a:spcPts val="0"/>
-              </a:spcAft>
-            </a:pPr>
             <a:r>
               <a:rPr lang="ru-RU" dirty="0">
                 <a:solidFill>
@@ -18663,11 +18036,6 @@
             </a:endParaRPr>
           </a:p>
           <a:p>
-            <a:pPr>
-              <a:spcAft>
-                <a:spcPts val="0"/>
-              </a:spcAft>
-            </a:pPr>
             <a:r>
               <a:rPr lang="en-US" dirty="0">
                 <a:solidFill>
@@ -18733,11 +18101,6 @@
             </a:endParaRPr>
           </a:p>
           <a:p>
-            <a:pPr>
-              <a:spcAft>
-                <a:spcPts val="0"/>
-              </a:spcAft>
-            </a:pPr>
             <a:endParaRPr lang="ru-RU" dirty="0">
               <a:solidFill>
                 <a:srgbClr val="000000"/>
@@ -18748,11 +18111,6 @@
             </a:endParaRPr>
           </a:p>
           <a:p>
-            <a:pPr>
-              <a:spcAft>
-                <a:spcPts val="0"/>
-              </a:spcAft>
-            </a:pPr>
             <a:r>
               <a:rPr lang="ru-RU" dirty="0">
                 <a:solidFill>
@@ -18870,11 +18228,6 @@
             </a:endParaRPr>
           </a:p>
           <a:p>
-            <a:pPr>
-              <a:spcAft>
-                <a:spcPts val="0"/>
-              </a:spcAft>
-            </a:pPr>
             <a:r>
               <a:rPr lang="en-US" dirty="0">
                 <a:solidFill>
@@ -18959,11 +18312,6 @@
             </a:endParaRPr>
           </a:p>
           <a:p>
-            <a:pPr>
-              <a:spcAft>
-                <a:spcPts val="0"/>
-              </a:spcAft>
-            </a:pPr>
             <a:r>
               <a:rPr lang="en-US" dirty="0">
                 <a:solidFill>
@@ -19136,11 +18484,6 @@
             </a:endParaRPr>
           </a:p>
           <a:p>
-            <a:pPr>
-              <a:spcAft>
-                <a:spcPts val="0"/>
-              </a:spcAft>
-            </a:pPr>
             <a:r>
               <a:rPr lang="en-US" dirty="0">
                 <a:solidFill>
@@ -19162,11 +18505,6 @@
             </a:endParaRPr>
           </a:p>
           <a:p>
-            <a:pPr>
-              <a:spcAft>
-                <a:spcPts val="0"/>
-              </a:spcAft>
-            </a:pPr>
             <a:r>
               <a:rPr lang="en-US" dirty="0">
                 <a:solidFill>
@@ -19196,11 +18534,6 @@
             </a:endParaRPr>
           </a:p>
           <a:p>
-            <a:pPr>
-              <a:spcAft>
-                <a:spcPts val="0"/>
-              </a:spcAft>
-            </a:pPr>
             <a:r>
               <a:rPr lang="en-US" dirty="0">
                 <a:solidFill>
@@ -19522,11 +18855,6 @@
             </a:endParaRPr>
           </a:p>
           <a:p>
-            <a:pPr>
-              <a:spcAft>
-                <a:spcPts val="0"/>
-              </a:spcAft>
-            </a:pPr>
             <a:r>
               <a:rPr lang="en-US" dirty="0">
                 <a:solidFill>
@@ -19545,11 +18873,6 @@
             </a:endParaRPr>
           </a:p>
           <a:p>
-            <a:pPr>
-              <a:spcAft>
-                <a:spcPts val="0"/>
-              </a:spcAft>
-            </a:pPr>
             <a:r>
               <a:rPr lang="en-US" dirty="0">
                 <a:solidFill>
@@ -19590,11 +18913,6 @@
             </a:endParaRPr>
           </a:p>
           <a:p>
-            <a:pPr>
-              <a:spcAft>
-                <a:spcPts val="0"/>
-              </a:spcAft>
-            </a:pPr>
             <a:r>
               <a:rPr lang="en-US" dirty="0">
                 <a:solidFill>
@@ -19679,11 +18997,6 @@
             </a:endParaRPr>
           </a:p>
           <a:p>
-            <a:pPr>
-              <a:spcAft>
-                <a:spcPts val="0"/>
-              </a:spcAft>
-            </a:pPr>
             <a:r>
               <a:rPr lang="en-US" dirty="0">
                 <a:solidFill>
@@ -19702,11 +19015,6 @@
             </a:endParaRPr>
           </a:p>
           <a:p>
-            <a:pPr>
-              <a:spcAft>
-                <a:spcPts val="0"/>
-              </a:spcAft>
-            </a:pPr>
             <a:r>
               <a:rPr lang="en-US" dirty="0">
                 <a:solidFill>
@@ -19802,11 +19110,6 @@
             </a:endParaRPr>
           </a:p>
           <a:p>
-            <a:pPr>
-              <a:spcAft>
-                <a:spcPts val="0"/>
-              </a:spcAft>
-            </a:pPr>
             <a:r>
               <a:rPr lang="en-US" dirty="0">
                 <a:solidFill>
@@ -19913,11 +19216,6 @@
             </a:endParaRPr>
           </a:p>
           <a:p>
-            <a:pPr>
-              <a:spcAft>
-                <a:spcPts val="0"/>
-              </a:spcAft>
-            </a:pPr>
             <a:r>
               <a:rPr lang="en-US" dirty="0">
                 <a:solidFill>
@@ -20962,7 +20260,7 @@
         </p:nvSpPr>
         <p:spPr>
           <a:xfrm>
-            <a:off x="0" y="35396"/>
+            <a:off x="1524000" y="35397"/>
             <a:ext cx="9144000" cy="6740307"/>
           </a:xfrm>
           <a:prstGeom prst="rect">
@@ -20975,11 +20273,6 @@
           </a:bodyPr>
           <a:lstStyle/>
           <a:p>
-            <a:pPr>
-              <a:spcAft>
-                <a:spcPts val="0"/>
-              </a:spcAft>
-            </a:pPr>
             <a:r>
               <a:rPr lang="en-US" dirty="0" err="1">
                 <a:solidFill>
@@ -21053,11 +20346,6 @@
             </a:endParaRPr>
           </a:p>
           <a:p>
-            <a:pPr>
-              <a:spcAft>
-                <a:spcPts val="0"/>
-              </a:spcAft>
-            </a:pPr>
             <a:r>
               <a:rPr lang="en-US" dirty="0">
                 <a:solidFill>
@@ -21115,11 +20403,6 @@
             </a:r>
           </a:p>
           <a:p>
-            <a:pPr>
-              <a:spcAft>
-                <a:spcPts val="0"/>
-              </a:spcAft>
-            </a:pPr>
             <a:endParaRPr lang="ru-RU" dirty="0">
               <a:latin typeface="Calibri" panose="020F0502020204030204" pitchFamily="34" charset="0"/>
               <a:ea typeface="Calibri" panose="020F0502020204030204" pitchFamily="34" charset="0"/>
@@ -21127,11 +20410,6 @@
             </a:endParaRPr>
           </a:p>
           <a:p>
-            <a:pPr>
-              <a:spcAft>
-                <a:spcPts val="0"/>
-              </a:spcAft>
-            </a:pPr>
             <a:r>
               <a:rPr lang="en-US" dirty="0">
                 <a:solidFill>
@@ -21238,11 +20516,6 @@
             </a:endParaRPr>
           </a:p>
           <a:p>
-            <a:pPr>
-              <a:spcAft>
-                <a:spcPts val="0"/>
-              </a:spcAft>
-            </a:pPr>
             <a:r>
               <a:rPr lang="en-US" dirty="0">
                 <a:solidFill>
@@ -21459,11 +20732,6 @@
             </a:endParaRPr>
           </a:p>
           <a:p>
-            <a:pPr>
-              <a:spcAft>
-                <a:spcPts val="0"/>
-              </a:spcAft>
-            </a:pPr>
             <a:r>
               <a:rPr lang="en-US" dirty="0">
                 <a:solidFill>
@@ -21477,11 +20745,6 @@
             </a:r>
           </a:p>
           <a:p>
-            <a:pPr>
-              <a:spcAft>
-                <a:spcPts val="0"/>
-              </a:spcAft>
-            </a:pPr>
             <a:endParaRPr lang="ru-RU" dirty="0">
               <a:latin typeface="Calibri" panose="020F0502020204030204" pitchFamily="34" charset="0"/>
               <a:ea typeface="Calibri" panose="020F0502020204030204" pitchFamily="34" charset="0"/>
@@ -21489,11 +20752,6 @@
             </a:endParaRPr>
           </a:p>
           <a:p>
-            <a:pPr>
-              <a:spcAft>
-                <a:spcPts val="0"/>
-              </a:spcAft>
-            </a:pPr>
             <a:r>
               <a:rPr lang="en-US" dirty="0">
                 <a:solidFill>
@@ -21556,11 +20814,6 @@
             </a:endParaRPr>
           </a:p>
           <a:p>
-            <a:pPr>
-              <a:spcAft>
-                <a:spcPts val="0"/>
-              </a:spcAft>
-            </a:pPr>
             <a:r>
               <a:rPr lang="en-US" dirty="0">
                 <a:solidFill>
@@ -21623,11 +20876,6 @@
             </a:endParaRPr>
           </a:p>
           <a:p>
-            <a:pPr>
-              <a:spcAft>
-                <a:spcPts val="0"/>
-              </a:spcAft>
-            </a:pPr>
             <a:r>
               <a:rPr lang="en-US" dirty="0">
                 <a:solidFill>
@@ -21685,11 +20933,6 @@
             </a:r>
           </a:p>
           <a:p>
-            <a:pPr>
-              <a:spcAft>
-                <a:spcPts val="0"/>
-              </a:spcAft>
-            </a:pPr>
             <a:endParaRPr lang="ru-RU" dirty="0">
               <a:latin typeface="Calibri" panose="020F0502020204030204" pitchFamily="34" charset="0"/>
               <a:ea typeface="Calibri" panose="020F0502020204030204" pitchFamily="34" charset="0"/>
@@ -21697,11 +20940,6 @@
             </a:endParaRPr>
           </a:p>
           <a:p>
-            <a:pPr>
-              <a:spcAft>
-                <a:spcPts val="0"/>
-              </a:spcAft>
-            </a:pPr>
             <a:r>
               <a:rPr lang="en-US" dirty="0">
                 <a:solidFill>
@@ -21720,11 +20958,6 @@
             </a:endParaRPr>
           </a:p>
           <a:p>
-            <a:pPr>
-              <a:spcAft>
-                <a:spcPts val="0"/>
-              </a:spcAft>
-            </a:pPr>
             <a:r>
               <a:rPr lang="en-US" dirty="0">
                 <a:solidFill>
@@ -21809,11 +21042,6 @@
             </a:endParaRPr>
           </a:p>
           <a:p>
-            <a:pPr>
-              <a:spcAft>
-                <a:spcPts val="0"/>
-              </a:spcAft>
-            </a:pPr>
             <a:r>
               <a:rPr lang="en-US" dirty="0">
                 <a:solidFill>
@@ -21876,11 +21104,6 @@
             </a:endParaRPr>
           </a:p>
           <a:p>
-            <a:pPr>
-              <a:spcAft>
-                <a:spcPts val="0"/>
-              </a:spcAft>
-            </a:pPr>
             <a:r>
               <a:rPr lang="en-US" dirty="0">
                 <a:solidFill>
@@ -21943,11 +21166,6 @@
             </a:endParaRPr>
           </a:p>
           <a:p>
-            <a:pPr>
-              <a:spcAft>
-                <a:spcPts val="0"/>
-              </a:spcAft>
-            </a:pPr>
             <a:r>
               <a:rPr lang="en-US" dirty="0">
                 <a:solidFill>
@@ -22076,11 +21294,6 @@
             </a:endParaRPr>
           </a:p>
           <a:p>
-            <a:pPr>
-              <a:spcAft>
-                <a:spcPts val="0"/>
-              </a:spcAft>
-            </a:pPr>
             <a:r>
               <a:rPr lang="en-US" dirty="0">
                 <a:solidFill>
@@ -22094,11 +21307,6 @@
             </a:r>
           </a:p>
           <a:p>
-            <a:pPr>
-              <a:spcAft>
-                <a:spcPts val="0"/>
-              </a:spcAft>
-            </a:pPr>
             <a:endParaRPr lang="ru-RU" dirty="0">
               <a:latin typeface="Calibri" panose="020F0502020204030204" pitchFamily="34" charset="0"/>
               <a:ea typeface="Calibri" panose="020F0502020204030204" pitchFamily="34" charset="0"/>
@@ -22106,11 +21314,6 @@
             </a:endParaRPr>
           </a:p>
           <a:p>
-            <a:pPr>
-              <a:spcAft>
-                <a:spcPts val="0"/>
-              </a:spcAft>
-            </a:pPr>
             <a:r>
               <a:rPr lang="ru-RU" dirty="0">
                 <a:solidFill>
@@ -22173,11 +21376,6 @@
             </a:endParaRPr>
           </a:p>
           <a:p>
-            <a:pPr>
-              <a:spcAft>
-                <a:spcPts val="0"/>
-              </a:spcAft>
-            </a:pPr>
             <a:r>
               <a:rPr lang="en-US" dirty="0">
                 <a:solidFill>
@@ -22240,11 +21438,6 @@
             </a:endParaRPr>
           </a:p>
           <a:p>
-            <a:pPr>
-              <a:spcAft>
-                <a:spcPts val="0"/>
-              </a:spcAft>
-            </a:pPr>
             <a:r>
               <a:rPr lang="en-US" dirty="0">
                 <a:solidFill>
@@ -22307,11 +21500,6 @@
             </a:endParaRPr>
           </a:p>
           <a:p>
-            <a:pPr>
-              <a:spcAft>
-                <a:spcPts val="0"/>
-              </a:spcAft>
-            </a:pPr>
             <a:r>
               <a:rPr lang="en-US" dirty="0">
                 <a:solidFill>
@@ -22330,11 +21518,6 @@
             </a:endParaRPr>
           </a:p>
           <a:p>
-            <a:pPr>
-              <a:spcAft>
-                <a:spcPts val="0"/>
-              </a:spcAft>
-            </a:pPr>
             <a:r>
               <a:rPr lang="en-US" dirty="0">
                 <a:solidFill>
@@ -22375,11 +21558,6 @@
             </a:endParaRPr>
           </a:p>
           <a:p>
-            <a:pPr>
-              <a:spcAft>
-                <a:spcPts val="0"/>
-              </a:spcAft>
-            </a:pPr>
             <a:r>
               <a:rPr lang="ru-RU" dirty="0">
                 <a:solidFill>
@@ -22392,7 +21570,6 @@
               <a:t>}</a:t>
             </a:r>
             <a:endParaRPr lang="ru-RU" dirty="0">
-              <a:effectLst/>
               <a:latin typeface="Calibri" panose="020F0502020204030204" pitchFamily="34" charset="0"/>
               <a:ea typeface="Calibri" panose="020F0502020204030204" pitchFamily="34" charset="0"/>
               <a:cs typeface="Times New Roman" panose="02020603050405020304" pitchFamily="18" charset="0"/>
@@ -22408,7 +21585,7 @@
         </p:nvSpPr>
         <p:spPr>
           <a:xfrm>
-            <a:off x="6444208" y="3731751"/>
+            <a:off x="7968208" y="3731752"/>
             <a:ext cx="2699792" cy="3139321"/>
           </a:xfrm>
           <a:prstGeom prst="rect">
@@ -24269,7 +23446,7 @@
         </p:nvSpPr>
         <p:spPr>
           <a:xfrm>
-            <a:off x="107504" y="2564904"/>
+            <a:off x="1631504" y="2564905"/>
             <a:ext cx="8928992" cy="3078535"/>
           </a:xfrm>
           <a:prstGeom prst="rect">
@@ -24286,9 +23463,6 @@
               <a:lnSpc>
                 <a:spcPct val="107000"/>
               </a:lnSpc>
-              <a:spcAft>
-                <a:spcPts val="0"/>
-              </a:spcAft>
             </a:pPr>
             <a:r>
               <a:rPr lang="ru-RU" sz="1400" kern="0" dirty="0" err="1">
@@ -24389,9 +23563,6 @@
               <a:lnSpc>
                 <a:spcPct val="107000"/>
               </a:lnSpc>
-              <a:spcAft>
-                <a:spcPts val="0"/>
-              </a:spcAft>
             </a:pPr>
             <a:r>
               <a:rPr lang="ru-RU" sz="1400" kern="0" dirty="0">
@@ -24415,9 +23586,6 @@
               <a:lnSpc>
                 <a:spcPct val="107000"/>
               </a:lnSpc>
-              <a:spcAft>
-                <a:spcPts val="0"/>
-              </a:spcAft>
             </a:pPr>
             <a:r>
               <a:rPr lang="ru-RU" sz="1400" kern="0" dirty="0" err="1">
@@ -24496,9 +23664,6 @@
               <a:lnSpc>
                 <a:spcPct val="107000"/>
               </a:lnSpc>
-              <a:spcAft>
-                <a:spcPts val="0"/>
-              </a:spcAft>
             </a:pPr>
             <a:r>
               <a:rPr lang="ru-RU" sz="1400" kern="0" dirty="0">
@@ -24522,9 +23687,6 @@
               <a:lnSpc>
                 <a:spcPct val="107000"/>
               </a:lnSpc>
-              <a:spcAft>
-                <a:spcPts val="0"/>
-              </a:spcAft>
             </a:pPr>
             <a:r>
               <a:rPr lang="ru-RU" sz="1400" kern="0" dirty="0" err="1">
@@ -24592,9 +23754,6 @@
               <a:lnSpc>
                 <a:spcPct val="107000"/>
               </a:lnSpc>
-              <a:spcAft>
-                <a:spcPts val="0"/>
-              </a:spcAft>
             </a:pPr>
             <a:r>
               <a:rPr lang="ru-RU" sz="1400" kern="0" dirty="0" err="1">
@@ -24629,9 +23788,6 @@
               <a:lnSpc>
                 <a:spcPct val="107000"/>
               </a:lnSpc>
-              <a:spcAft>
-                <a:spcPts val="0"/>
-              </a:spcAft>
             </a:pPr>
             <a:r>
               <a:rPr lang="ru-RU" sz="1400" kern="0" dirty="0">
@@ -24809,9 +23965,6 @@
               <a:lnSpc>
                 <a:spcPct val="107000"/>
               </a:lnSpc>
-              <a:spcAft>
-                <a:spcPts val="0"/>
-              </a:spcAft>
             </a:pPr>
             <a:r>
               <a:rPr lang="ru-RU" sz="1400" kern="0" dirty="0">
@@ -24835,9 +23988,6 @@
               <a:lnSpc>
                 <a:spcPct val="107000"/>
               </a:lnSpc>
-              <a:spcAft>
-                <a:spcPts val="0"/>
-              </a:spcAft>
             </a:pPr>
             <a:r>
               <a:rPr lang="ru-RU" sz="1400" kern="0" dirty="0">
@@ -25037,9 +24187,6 @@
               <a:lnSpc>
                 <a:spcPct val="107000"/>
               </a:lnSpc>
-              <a:spcAft>
-                <a:spcPts val="0"/>
-              </a:spcAft>
             </a:pPr>
             <a:r>
               <a:rPr lang="ru-RU" sz="1400" kern="0" dirty="0">
@@ -25151,9 +24298,6 @@
               <a:lnSpc>
                 <a:spcPct val="107000"/>
               </a:lnSpc>
-              <a:spcAft>
-                <a:spcPts val="0"/>
-              </a:spcAft>
             </a:pPr>
             <a:r>
               <a:rPr lang="ru-RU" sz="1400" kern="0" dirty="0">
@@ -25177,9 +24321,6 @@
               <a:lnSpc>
                 <a:spcPct val="107000"/>
               </a:lnSpc>
-              <a:spcAft>
-                <a:spcPts val="0"/>
-              </a:spcAft>
             </a:pPr>
             <a:r>
               <a:rPr lang="ru-RU" sz="1400" kern="0" dirty="0">
@@ -25269,9 +24410,6 @@
               <a:lnSpc>
                 <a:spcPct val="107000"/>
               </a:lnSpc>
-              <a:spcAft>
-                <a:spcPts val="0"/>
-              </a:spcAft>
             </a:pPr>
             <a:r>
               <a:rPr lang="ru-RU" sz="1400" kern="0" dirty="0">
@@ -25285,7 +24423,6 @@
               <a:t>};</a:t>
             </a:r>
             <a:endParaRPr lang="ru-RU" sz="1400" kern="100" dirty="0">
-              <a:effectLst/>
               <a:latin typeface="Calibri" panose="020F0502020204030204" pitchFamily="34" charset="0"/>
               <a:ea typeface="Yu Mincho" panose="02020400000000000000" pitchFamily="18" charset="-128"/>
               <a:cs typeface="Times New Roman" panose="02020603050405020304" pitchFamily="18" charset="0"/>
@@ -25370,7 +24507,7 @@
         </p:nvSpPr>
         <p:spPr>
           <a:xfrm>
-            <a:off x="107504" y="1052736"/>
+            <a:off x="1631504" y="1052736"/>
             <a:ext cx="8640960" cy="4922630"/>
           </a:xfrm>
           <a:prstGeom prst="rect">
@@ -25387,9 +24524,6 @@
               <a:lnSpc>
                 <a:spcPct val="107000"/>
               </a:lnSpc>
-              <a:spcAft>
-                <a:spcPts val="0"/>
-              </a:spcAft>
             </a:pPr>
             <a:r>
               <a:rPr lang="ru-RU" sz="1400" kern="0" dirty="0" err="1">
@@ -25501,9 +24635,6 @@
               <a:lnSpc>
                 <a:spcPct val="107000"/>
               </a:lnSpc>
-              <a:spcAft>
-                <a:spcPts val="0"/>
-              </a:spcAft>
             </a:pPr>
             <a:r>
               <a:rPr lang="ru-RU" sz="1400" kern="0" dirty="0" err="1">
@@ -25538,9 +24669,6 @@
               <a:lnSpc>
                 <a:spcPct val="107000"/>
               </a:lnSpc>
-              <a:spcAft>
-                <a:spcPts val="0"/>
-              </a:spcAft>
             </a:pPr>
             <a:r>
               <a:rPr lang="ru-RU" sz="1400" kern="0" dirty="0">
@@ -25652,9 +24780,6 @@
               <a:lnSpc>
                 <a:spcPct val="107000"/>
               </a:lnSpc>
-              <a:spcAft>
-                <a:spcPts val="0"/>
-              </a:spcAft>
             </a:pPr>
             <a:r>
               <a:rPr lang="ru-RU" sz="1400" kern="0" dirty="0">
@@ -25744,9 +24869,6 @@
               <a:lnSpc>
                 <a:spcPct val="107000"/>
               </a:lnSpc>
-              <a:spcAft>
-                <a:spcPts val="0"/>
-              </a:spcAft>
             </a:pPr>
             <a:r>
               <a:rPr lang="ru-RU" sz="1400" kern="0" dirty="0">
@@ -25814,9 +24936,6 @@
               <a:lnSpc>
                 <a:spcPct val="107000"/>
               </a:lnSpc>
-              <a:spcAft>
-                <a:spcPts val="0"/>
-              </a:spcAft>
             </a:pPr>
             <a:r>
               <a:rPr lang="ru-RU" sz="1400" kern="0" dirty="0">
@@ -25884,9 +25003,6 @@
               <a:lnSpc>
                 <a:spcPct val="107000"/>
               </a:lnSpc>
-              <a:spcAft>
-                <a:spcPts val="0"/>
-              </a:spcAft>
             </a:pPr>
             <a:r>
               <a:rPr lang="ru-RU" sz="1400" kern="0" dirty="0">
@@ -25910,9 +25026,6 @@
               <a:lnSpc>
                 <a:spcPct val="107000"/>
               </a:lnSpc>
-              <a:spcAft>
-                <a:spcPts val="0"/>
-              </a:spcAft>
             </a:pPr>
             <a:r>
               <a:rPr lang="ru-RU" sz="1400" kern="0" dirty="0">
@@ -25936,9 +25049,6 @@
               <a:lnSpc>
                 <a:spcPct val="107000"/>
               </a:lnSpc>
-              <a:spcAft>
-                <a:spcPts val="0"/>
-              </a:spcAft>
             </a:pPr>
             <a:r>
               <a:rPr lang="ru-RU" sz="1400" kern="0" dirty="0">
@@ -25962,9 +25072,6 @@
               <a:lnSpc>
                 <a:spcPct val="107000"/>
               </a:lnSpc>
-              <a:spcAft>
-                <a:spcPts val="0"/>
-              </a:spcAft>
             </a:pPr>
             <a:r>
               <a:rPr lang="ru-RU" sz="1400" kern="0" dirty="0">
@@ -26087,9 +25194,6 @@
               <a:lnSpc>
                 <a:spcPct val="107000"/>
               </a:lnSpc>
-              <a:spcAft>
-                <a:spcPts val="0"/>
-              </a:spcAft>
             </a:pPr>
             <a:r>
               <a:rPr lang="ru-RU" sz="1400" kern="0" dirty="0">
@@ -26157,9 +25261,6 @@
               <a:lnSpc>
                 <a:spcPct val="107000"/>
               </a:lnSpc>
-              <a:spcAft>
-                <a:spcPts val="0"/>
-              </a:spcAft>
             </a:pPr>
             <a:r>
               <a:rPr lang="ru-RU" sz="1400" kern="0" dirty="0">
@@ -26183,9 +25284,6 @@
               <a:lnSpc>
                 <a:spcPct val="107000"/>
               </a:lnSpc>
-              <a:spcAft>
-                <a:spcPts val="0"/>
-              </a:spcAft>
             </a:pPr>
             <a:r>
               <a:rPr lang="ru-RU" sz="1400" kern="0" dirty="0">
@@ -26209,9 +25307,6 @@
               <a:lnSpc>
                 <a:spcPct val="107000"/>
               </a:lnSpc>
-              <a:spcAft>
-                <a:spcPts val="0"/>
-              </a:spcAft>
             </a:pPr>
             <a:r>
               <a:rPr lang="ru-RU" sz="1400" kern="0" dirty="0">
@@ -26422,9 +25517,6 @@
               <a:lnSpc>
                 <a:spcPct val="107000"/>
               </a:lnSpc>
-              <a:spcAft>
-                <a:spcPts val="0"/>
-              </a:spcAft>
             </a:pPr>
             <a:r>
               <a:rPr lang="ru-RU" sz="1400" kern="0" dirty="0">
@@ -26514,9 +25606,6 @@
               <a:lnSpc>
                 <a:spcPct val="107000"/>
               </a:lnSpc>
-              <a:spcAft>
-                <a:spcPts val="0"/>
-              </a:spcAft>
             </a:pPr>
             <a:r>
               <a:rPr lang="ru-RU" sz="1400" kern="0" dirty="0">
@@ -26540,9 +25629,6 @@
               <a:lnSpc>
                 <a:spcPct val="107000"/>
               </a:lnSpc>
-              <a:spcAft>
-                <a:spcPts val="0"/>
-              </a:spcAft>
             </a:pPr>
             <a:r>
               <a:rPr lang="ru-RU" sz="1400" kern="0" dirty="0">
@@ -26566,9 +25652,6 @@
               <a:lnSpc>
                 <a:spcPct val="107000"/>
               </a:lnSpc>
-              <a:spcAft>
-                <a:spcPts val="0"/>
-              </a:spcAft>
             </a:pPr>
             <a:r>
               <a:rPr lang="ru-RU" sz="1400" kern="0" dirty="0" err="1">
@@ -26603,9 +25686,6 @@
               <a:lnSpc>
                 <a:spcPct val="107000"/>
               </a:lnSpc>
-              <a:spcAft>
-                <a:spcPts val="0"/>
-              </a:spcAft>
             </a:pPr>
             <a:r>
               <a:rPr lang="ru-RU" sz="1400" kern="0" dirty="0">
@@ -26673,9 +25753,6 @@
               <a:lnSpc>
                 <a:spcPct val="107000"/>
               </a:lnSpc>
-              <a:spcAft>
-                <a:spcPts val="0"/>
-              </a:spcAft>
             </a:pPr>
             <a:r>
               <a:rPr lang="ru-RU" sz="1400" kern="0" dirty="0">
@@ -26743,9 +25820,6 @@
               <a:lnSpc>
                 <a:spcPct val="107000"/>
               </a:lnSpc>
-              <a:spcAft>
-                <a:spcPts val="0"/>
-              </a:spcAft>
             </a:pPr>
             <a:r>
               <a:rPr lang="ru-RU" sz="1400" kern="0" dirty="0">
@@ -26759,7 +25833,6 @@
               <a:t>};</a:t>
             </a:r>
             <a:endParaRPr lang="ru-RU" sz="1400" kern="100" dirty="0">
-              <a:effectLst/>
               <a:latin typeface="Calibri" panose="020F0502020204030204" pitchFamily="34" charset="0"/>
               <a:ea typeface="Yu Mincho" panose="02020400000000000000" pitchFamily="18" charset="-128"/>
               <a:cs typeface="Times New Roman" panose="02020603050405020304" pitchFamily="18" charset="0"/>
@@ -27411,7 +26484,7 @@
         </p:nvSpPr>
         <p:spPr>
           <a:xfrm>
-            <a:off x="0" y="1484784"/>
+            <a:off x="1524000" y="1484784"/>
             <a:ext cx="9073008" cy="5153142"/>
           </a:xfrm>
           <a:prstGeom prst="rect">
@@ -27428,9 +26501,6 @@
               <a:lnSpc>
                 <a:spcPct val="107000"/>
               </a:lnSpc>
-              <a:spcAft>
-                <a:spcPts val="0"/>
-              </a:spcAft>
             </a:pPr>
             <a:r>
               <a:rPr lang="ru-RU" sz="1400" kern="0" dirty="0" err="1">
@@ -27487,9 +26557,6 @@
               <a:lnSpc>
                 <a:spcPct val="107000"/>
               </a:lnSpc>
-              <a:spcAft>
-                <a:spcPts val="0"/>
-              </a:spcAft>
             </a:pPr>
             <a:r>
               <a:rPr lang="ru-RU" sz="1400" kern="0" dirty="0" err="1">
@@ -27524,9 +26591,6 @@
               <a:lnSpc>
                 <a:spcPct val="107000"/>
               </a:lnSpc>
-              <a:spcAft>
-                <a:spcPts val="0"/>
-              </a:spcAft>
             </a:pPr>
             <a:r>
               <a:rPr lang="ru-RU" sz="1400" kern="0" dirty="0">
@@ -27616,9 +26680,6 @@
               <a:lnSpc>
                 <a:spcPct val="107000"/>
               </a:lnSpc>
-              <a:spcAft>
-                <a:spcPts val="0"/>
-              </a:spcAft>
             </a:pPr>
             <a:r>
               <a:rPr lang="ru-RU" sz="1400" kern="0" dirty="0">
@@ -27700,9 +26761,6 @@
               <a:lnSpc>
                 <a:spcPct val="107000"/>
               </a:lnSpc>
-              <a:spcAft>
-                <a:spcPts val="0"/>
-              </a:spcAft>
             </a:pPr>
             <a:r>
               <a:rPr lang="en-US" sz="1400" kern="0" dirty="0">
@@ -27836,9 +26894,6 @@
               <a:lnSpc>
                 <a:spcPct val="107000"/>
               </a:lnSpc>
-              <a:spcAft>
-                <a:spcPts val="0"/>
-              </a:spcAft>
             </a:pPr>
             <a:r>
               <a:rPr lang="ru-RU" sz="1400" kern="0" dirty="0">
@@ -27862,9 +26917,6 @@
               <a:lnSpc>
                 <a:spcPct val="107000"/>
               </a:lnSpc>
-              <a:spcAft>
-                <a:spcPts val="0"/>
-              </a:spcAft>
             </a:pPr>
             <a:r>
               <a:rPr lang="ru-RU" sz="1400" kern="0" dirty="0">
@@ -27888,9 +26940,6 @@
               <a:lnSpc>
                 <a:spcPct val="107000"/>
               </a:lnSpc>
-              <a:spcAft>
-                <a:spcPts val="0"/>
-              </a:spcAft>
             </a:pPr>
             <a:r>
               <a:rPr lang="ru-RU" sz="1400" kern="0" dirty="0">
@@ -27991,9 +27040,6 @@
               <a:lnSpc>
                 <a:spcPct val="107000"/>
               </a:lnSpc>
-              <a:spcAft>
-                <a:spcPts val="0"/>
-              </a:spcAft>
             </a:pPr>
             <a:r>
               <a:rPr lang="ru-RU" sz="1400" kern="0" dirty="0">
@@ -28105,9 +27151,6 @@
               <a:lnSpc>
                 <a:spcPct val="107000"/>
               </a:lnSpc>
-              <a:spcAft>
-                <a:spcPts val="0"/>
-              </a:spcAft>
             </a:pPr>
             <a:r>
               <a:rPr lang="ru-RU" sz="1400" kern="0" dirty="0">
@@ -28131,9 +27174,6 @@
               <a:lnSpc>
                 <a:spcPct val="107000"/>
               </a:lnSpc>
-              <a:spcAft>
-                <a:spcPts val="0"/>
-              </a:spcAft>
             </a:pPr>
             <a:r>
               <a:rPr lang="ru-RU" sz="1400" kern="0" dirty="0">
@@ -28157,9 +27197,6 @@
               <a:lnSpc>
                 <a:spcPct val="107000"/>
               </a:lnSpc>
-              <a:spcAft>
-                <a:spcPts val="0"/>
-              </a:spcAft>
             </a:pPr>
             <a:r>
               <a:rPr lang="ru-RU" sz="1400" kern="0" dirty="0" err="1">
@@ -28194,9 +27231,6 @@
               <a:lnSpc>
                 <a:spcPct val="107000"/>
               </a:lnSpc>
-              <a:spcAft>
-                <a:spcPts val="0"/>
-              </a:spcAft>
             </a:pPr>
             <a:r>
               <a:rPr lang="ru-RU" sz="1400" kern="0" dirty="0">
@@ -28308,9 +27342,6 @@
               <a:lnSpc>
                 <a:spcPct val="107000"/>
               </a:lnSpc>
-              <a:spcAft>
-                <a:spcPts val="0"/>
-              </a:spcAft>
             </a:pPr>
             <a:r>
               <a:rPr lang="ru-RU" sz="1400" kern="0" dirty="0">
@@ -28378,9 +27409,6 @@
               <a:lnSpc>
                 <a:spcPct val="107000"/>
               </a:lnSpc>
-              <a:spcAft>
-                <a:spcPts val="0"/>
-              </a:spcAft>
             </a:pPr>
             <a:r>
               <a:rPr lang="ru-RU" sz="1400" kern="0" dirty="0">
@@ -28426,9 +27454,6 @@
               <a:lnSpc>
                 <a:spcPct val="107000"/>
               </a:lnSpc>
-              <a:spcAft>
-                <a:spcPts val="0"/>
-              </a:spcAft>
             </a:pPr>
             <a:r>
               <a:rPr lang="ru-RU" sz="1400" kern="0" dirty="0">
@@ -28672,9 +27697,6 @@
               <a:lnSpc>
                 <a:spcPct val="107000"/>
               </a:lnSpc>
-              <a:spcAft>
-                <a:spcPts val="0"/>
-              </a:spcAft>
             </a:pPr>
             <a:r>
               <a:rPr lang="ru-RU" sz="1400" kern="0" dirty="0">
@@ -28698,9 +27720,6 @@
               <a:lnSpc>
                 <a:spcPct val="107000"/>
               </a:lnSpc>
-              <a:spcAft>
-                <a:spcPts val="0"/>
-              </a:spcAft>
             </a:pPr>
             <a:r>
               <a:rPr lang="ru-RU" sz="1400" kern="0" dirty="0">
@@ -28724,9 +27743,6 @@
               <a:lnSpc>
                 <a:spcPct val="107000"/>
               </a:lnSpc>
-              <a:spcAft>
-                <a:spcPts val="0"/>
-              </a:spcAft>
             </a:pPr>
             <a:r>
               <a:rPr lang="ru-RU" sz="1400" kern="0" dirty="0">
@@ -28794,9 +27810,6 @@
               <a:lnSpc>
                 <a:spcPct val="107000"/>
               </a:lnSpc>
-              <a:spcAft>
-                <a:spcPts val="0"/>
-              </a:spcAft>
             </a:pPr>
             <a:r>
               <a:rPr lang="ru-RU" sz="1400" kern="0" dirty="0">
@@ -28864,9 +27877,6 @@
               <a:lnSpc>
                 <a:spcPct val="107000"/>
               </a:lnSpc>
-              <a:spcAft>
-                <a:spcPts val="0"/>
-              </a:spcAft>
             </a:pPr>
             <a:r>
               <a:rPr lang="ru-RU" sz="1400" kern="0" dirty="0">
@@ -28956,9 +27966,6 @@
               <a:lnSpc>
                 <a:spcPct val="107000"/>
               </a:lnSpc>
-              <a:spcAft>
-                <a:spcPts val="0"/>
-              </a:spcAft>
             </a:pPr>
             <a:r>
               <a:rPr lang="ru-RU" sz="1400" kern="0" dirty="0">
@@ -28972,7 +27979,6 @@
               <a:t>};</a:t>
             </a:r>
             <a:endParaRPr lang="ru-RU" sz="1400" kern="100" dirty="0">
-              <a:effectLst/>
               <a:latin typeface="Calibri" panose="020F0502020204030204" pitchFamily="34" charset="0"/>
               <a:ea typeface="Yu Mincho" panose="02020400000000000000" pitchFamily="18" charset="-128"/>
               <a:cs typeface="Times New Roman" panose="02020603050405020304" pitchFamily="18" charset="0"/>
@@ -29771,7 +28777,7 @@
         </p:nvSpPr>
         <p:spPr>
           <a:xfrm>
-            <a:off x="215516" y="188640"/>
+            <a:off x="1739516" y="188640"/>
             <a:ext cx="8712968" cy="6598858"/>
           </a:xfrm>
           <a:prstGeom prst="rect">
@@ -29788,9 +28794,6 @@
               <a:lnSpc>
                 <a:spcPct val="107000"/>
               </a:lnSpc>
-              <a:spcAft>
-                <a:spcPts val="0"/>
-              </a:spcAft>
             </a:pPr>
             <a:r>
               <a:rPr lang="ru-RU" kern="0" dirty="0" err="1">
@@ -29847,9 +28850,6 @@
               <a:lnSpc>
                 <a:spcPct val="107000"/>
               </a:lnSpc>
-              <a:spcAft>
-                <a:spcPts val="0"/>
-              </a:spcAft>
             </a:pPr>
             <a:r>
               <a:rPr lang="ru-RU" kern="0" dirty="0">
@@ -29895,9 +28895,6 @@
               <a:lnSpc>
                 <a:spcPct val="107000"/>
               </a:lnSpc>
-              <a:spcAft>
-                <a:spcPts val="0"/>
-              </a:spcAft>
             </a:pPr>
             <a:r>
               <a:rPr lang="ru-RU" kern="0" dirty="0">
@@ -29921,9 +28918,6 @@
               <a:lnSpc>
                 <a:spcPct val="107000"/>
               </a:lnSpc>
-              <a:spcAft>
-                <a:spcPts val="0"/>
-              </a:spcAft>
             </a:pPr>
             <a:r>
               <a:rPr lang="ru-RU" kern="0" dirty="0">
@@ -30013,9 +29007,6 @@
               <a:lnSpc>
                 <a:spcPct val="107000"/>
               </a:lnSpc>
-              <a:spcAft>
-                <a:spcPts val="0"/>
-              </a:spcAft>
             </a:pPr>
             <a:r>
               <a:rPr lang="ru-RU" kern="0" dirty="0">
@@ -30281,9 +29272,6 @@
               <a:lnSpc>
                 <a:spcPct val="107000"/>
               </a:lnSpc>
-              <a:spcAft>
-                <a:spcPts val="0"/>
-              </a:spcAft>
             </a:pPr>
             <a:r>
               <a:rPr lang="ru-RU" kern="0" dirty="0">
@@ -30307,9 +29295,6 @@
               <a:lnSpc>
                 <a:spcPct val="107000"/>
               </a:lnSpc>
-              <a:spcAft>
-                <a:spcPts val="0"/>
-              </a:spcAft>
             </a:pPr>
             <a:r>
               <a:rPr lang="ru-RU" kern="0" dirty="0">
@@ -30333,9 +29318,6 @@
               <a:lnSpc>
                 <a:spcPct val="107000"/>
               </a:lnSpc>
-              <a:spcAft>
-                <a:spcPts val="0"/>
-              </a:spcAft>
             </a:pPr>
             <a:r>
               <a:rPr lang="ru-RU" kern="0" dirty="0">
@@ -30381,9 +29363,6 @@
               <a:lnSpc>
                 <a:spcPct val="107000"/>
               </a:lnSpc>
-              <a:spcAft>
-                <a:spcPts val="0"/>
-              </a:spcAft>
             </a:pPr>
             <a:r>
               <a:rPr lang="ru-RU" kern="0" dirty="0">
@@ -30429,9 +29408,6 @@
               <a:lnSpc>
                 <a:spcPct val="107000"/>
               </a:lnSpc>
-              <a:spcAft>
-                <a:spcPts val="0"/>
-              </a:spcAft>
             </a:pPr>
             <a:r>
               <a:rPr lang="ru-RU" kern="0" dirty="0">
@@ -30477,9 +29453,6 @@
               <a:lnSpc>
                 <a:spcPct val="107000"/>
               </a:lnSpc>
-              <a:spcAft>
-                <a:spcPts val="0"/>
-              </a:spcAft>
             </a:pPr>
             <a:r>
               <a:rPr lang="ru-RU" kern="0" dirty="0">
@@ -30503,9 +29476,6 @@
               <a:lnSpc>
                 <a:spcPct val="107000"/>
               </a:lnSpc>
-              <a:spcAft>
-                <a:spcPts val="0"/>
-              </a:spcAft>
             </a:pPr>
             <a:r>
               <a:rPr lang="ru-RU" kern="0" dirty="0">
@@ -30529,9 +29499,6 @@
               <a:lnSpc>
                 <a:spcPct val="107000"/>
               </a:lnSpc>
-              <a:spcAft>
-                <a:spcPts val="0"/>
-              </a:spcAft>
             </a:pPr>
             <a:r>
               <a:rPr lang="ru-RU" kern="0" dirty="0">
@@ -30599,9 +29566,6 @@
               <a:lnSpc>
                 <a:spcPct val="107000"/>
               </a:lnSpc>
-              <a:spcAft>
-                <a:spcPts val="0"/>
-              </a:spcAft>
             </a:pPr>
             <a:r>
               <a:rPr lang="ru-RU" kern="0" dirty="0">
@@ -30647,9 +29611,6 @@
               <a:lnSpc>
                 <a:spcPct val="107000"/>
               </a:lnSpc>
-              <a:spcAft>
-                <a:spcPts val="0"/>
-              </a:spcAft>
             </a:pPr>
             <a:r>
               <a:rPr lang="ru-RU" kern="0" dirty="0">
@@ -30695,9 +29656,6 @@
               <a:lnSpc>
                 <a:spcPct val="107000"/>
               </a:lnSpc>
-              <a:spcAft>
-                <a:spcPts val="0"/>
-              </a:spcAft>
             </a:pPr>
             <a:r>
               <a:rPr lang="ru-RU" kern="0" dirty="0">
@@ -30831,9 +29789,6 @@
               <a:lnSpc>
                 <a:spcPct val="107000"/>
               </a:lnSpc>
-              <a:spcAft>
-                <a:spcPts val="0"/>
-              </a:spcAft>
             </a:pPr>
             <a:r>
               <a:rPr lang="ru-RU" kern="0" dirty="0">
@@ -30857,9 +29812,6 @@
               <a:lnSpc>
                 <a:spcPct val="107000"/>
               </a:lnSpc>
-              <a:spcAft>
-                <a:spcPts val="0"/>
-              </a:spcAft>
             </a:pPr>
             <a:r>
               <a:rPr lang="ru-RU" kern="0" dirty="0">
@@ -30927,9 +29879,6 @@
               <a:lnSpc>
                 <a:spcPct val="107000"/>
               </a:lnSpc>
-              <a:spcAft>
-                <a:spcPts val="0"/>
-              </a:spcAft>
             </a:pPr>
             <a:r>
               <a:rPr lang="ru-RU" kern="0" dirty="0">
@@ -30975,9 +29924,6 @@
               <a:lnSpc>
                 <a:spcPct val="107000"/>
               </a:lnSpc>
-              <a:spcAft>
-                <a:spcPts val="0"/>
-              </a:spcAft>
             </a:pPr>
             <a:r>
               <a:rPr lang="ru-RU" kern="0" dirty="0">
@@ -31023,9 +29969,6 @@
               <a:lnSpc>
                 <a:spcPct val="107000"/>
               </a:lnSpc>
-              <a:spcAft>
-                <a:spcPts val="0"/>
-              </a:spcAft>
             </a:pPr>
             <a:r>
               <a:rPr lang="ru-RU" kern="0" dirty="0">
@@ -31071,9 +30014,6 @@
               <a:lnSpc>
                 <a:spcPct val="107000"/>
               </a:lnSpc>
-              <a:spcAft>
-                <a:spcPts val="0"/>
-              </a:spcAft>
             </a:pPr>
             <a:r>
               <a:rPr lang="ru-RU" kern="0" dirty="0">
@@ -31087,7 +30027,6 @@
               <a:t>}</a:t>
             </a:r>
             <a:endParaRPr lang="ru-RU" kern="100" dirty="0">
-              <a:effectLst/>
               <a:latin typeface="Calibri" panose="020F0502020204030204" pitchFamily="34" charset="0"/>
               <a:ea typeface="Yu Mincho" panose="02020400000000000000" pitchFamily="18" charset="-128"/>
               <a:cs typeface="Times New Roman" panose="02020603050405020304" pitchFamily="18" charset="0"/>
@@ -31967,13 +30906,12 @@
               </a:ext>
             </a:extLst>
           </a:blip>
-          <a:srcRect/>
           <a:stretch/>
         </p:blipFill>
         <p:spPr>
           <a:xfrm>
-            <a:off x="827584" y="2126194"/>
-            <a:ext cx="8122368" cy="4255133"/>
+            <a:off x="1942996" y="1825625"/>
+            <a:ext cx="8306007" cy="4351338"/>
           </a:xfrm>
         </p:spPr>
       </p:pic>
@@ -31991,7 +30929,7 @@
         </p:nvSpPr>
         <p:spPr>
           <a:xfrm>
-            <a:off x="683568" y="5725436"/>
+            <a:off x="2207568" y="5725437"/>
             <a:ext cx="5328592" cy="646331"/>
           </a:xfrm>
           <a:prstGeom prst="rect">
@@ -32183,7 +31121,7 @@
         </p:blipFill>
         <p:spPr bwMode="auto">
           <a:xfrm>
-            <a:off x="107503" y="2278104"/>
+            <a:off x="1631504" y="2278105"/>
             <a:ext cx="8856985" cy="3311135"/>
           </a:xfrm>
           <a:prstGeom prst="rect">
@@ -32232,7 +31170,7 @@
         </p:nvSpPr>
         <p:spPr>
           <a:xfrm>
-            <a:off x="624533" y="5733256"/>
+            <a:off x="2148533" y="5733256"/>
             <a:ext cx="7488832" cy="923330"/>
           </a:xfrm>
           <a:prstGeom prst="rect">
@@ -32340,7 +31278,7 @@
         </p:nvSpPr>
         <p:spPr>
           <a:xfrm>
-            <a:off x="323528" y="5013176"/>
+            <a:off x="1847528" y="5013176"/>
             <a:ext cx="7488832" cy="923330"/>
           </a:xfrm>
           <a:prstGeom prst="rect">
@@ -32407,7 +31345,7 @@
         </p:blipFill>
         <p:spPr>
           <a:xfrm>
-            <a:off x="539552" y="1988840"/>
+            <a:off x="2063553" y="1988840"/>
             <a:ext cx="8000209" cy="2160240"/>
           </a:xfrm>
           <a:prstGeom prst="rect">
@@ -32458,7 +31396,7 @@
         <p:spPr/>
         <p:txBody>
           <a:bodyPr>
-            <a:normAutofit fontScale="90000"/>
+            <a:normAutofit/>
           </a:bodyPr>
           <a:lstStyle/>
           <a:p>
@@ -32482,7 +31420,7 @@
         </p:nvSpPr>
         <p:spPr>
           <a:xfrm>
-            <a:off x="251520" y="1668887"/>
+            <a:off x="1775520" y="1668888"/>
             <a:ext cx="8352928" cy="5189113"/>
           </a:xfrm>
           <a:prstGeom prst="rect">
@@ -32499,9 +31437,6 @@
               <a:lnSpc>
                 <a:spcPct val="115000"/>
               </a:lnSpc>
-              <a:spcAft>
-                <a:spcPts val="0"/>
-              </a:spcAft>
             </a:pPr>
             <a:r>
               <a:rPr lang="ru-RU" sz="1200" dirty="0" err="1">
@@ -32546,9 +31481,6 @@
               <a:lnSpc>
                 <a:spcPct val="115000"/>
               </a:lnSpc>
-              <a:spcAft>
-                <a:spcPts val="0"/>
-              </a:spcAft>
             </a:pPr>
             <a:r>
               <a:rPr lang="ru-RU" sz="1200" dirty="0">
@@ -32571,9 +31503,6 @@
               <a:lnSpc>
                 <a:spcPct val="115000"/>
               </a:lnSpc>
-              <a:spcAft>
-                <a:spcPts val="0"/>
-              </a:spcAft>
             </a:pPr>
             <a:r>
               <a:rPr lang="ru-RU" sz="1200" dirty="0" err="1">
@@ -32607,9 +31536,6 @@
               <a:lnSpc>
                 <a:spcPct val="115000"/>
               </a:lnSpc>
-              <a:spcAft>
-                <a:spcPts val="0"/>
-              </a:spcAft>
             </a:pPr>
             <a:r>
               <a:rPr lang="ru-RU" sz="1200" dirty="0">
@@ -32643,9 +31569,6 @@
               <a:lnSpc>
                 <a:spcPct val="115000"/>
               </a:lnSpc>
-              <a:spcAft>
-                <a:spcPts val="0"/>
-              </a:spcAft>
             </a:pPr>
             <a:r>
               <a:rPr lang="ru-RU" sz="1200" dirty="0">
@@ -32723,9 +31646,6 @@
               <a:lnSpc>
                 <a:spcPct val="115000"/>
               </a:lnSpc>
-              <a:spcAft>
-                <a:spcPts val="0"/>
-              </a:spcAft>
             </a:pPr>
             <a:r>
               <a:rPr lang="en-US" sz="1200" dirty="0">
@@ -32748,9 +31668,6 @@
               <a:lnSpc>
                 <a:spcPct val="115000"/>
               </a:lnSpc>
-              <a:spcAft>
-                <a:spcPts val="0"/>
-              </a:spcAft>
             </a:pPr>
             <a:r>
               <a:rPr lang="en-US" sz="1200" dirty="0">
@@ -32784,9 +31701,6 @@
               <a:lnSpc>
                 <a:spcPct val="115000"/>
               </a:lnSpc>
-              <a:spcAft>
-                <a:spcPts val="0"/>
-              </a:spcAft>
             </a:pPr>
             <a:r>
               <a:rPr lang="en-US" sz="1200" dirty="0">
@@ -32809,9 +31723,6 @@
               <a:lnSpc>
                 <a:spcPct val="115000"/>
               </a:lnSpc>
-              <a:spcAft>
-                <a:spcPts val="0"/>
-              </a:spcAft>
             </a:pPr>
             <a:r>
               <a:rPr lang="en-US" sz="1200" dirty="0">
@@ -32867,9 +31778,6 @@
               <a:lnSpc>
                 <a:spcPct val="115000"/>
               </a:lnSpc>
-              <a:spcAft>
-                <a:spcPts val="0"/>
-              </a:spcAft>
             </a:pPr>
             <a:r>
               <a:rPr lang="en-US" sz="1200" dirty="0">
@@ -32947,9 +31855,6 @@
               <a:lnSpc>
                 <a:spcPct val="115000"/>
               </a:lnSpc>
-              <a:spcAft>
-                <a:spcPts val="0"/>
-              </a:spcAft>
             </a:pPr>
             <a:r>
               <a:rPr lang="en-US" sz="1200" dirty="0">
@@ -32972,9 +31877,6 @@
               <a:lnSpc>
                 <a:spcPct val="115000"/>
               </a:lnSpc>
-              <a:spcAft>
-                <a:spcPts val="0"/>
-              </a:spcAft>
             </a:pPr>
             <a:r>
               <a:rPr lang="en-US" sz="1200" dirty="0">
@@ -33008,9 +31910,6 @@
               <a:lnSpc>
                 <a:spcPct val="115000"/>
               </a:lnSpc>
-              <a:spcAft>
-                <a:spcPts val="0"/>
-              </a:spcAft>
             </a:pPr>
             <a:r>
               <a:rPr lang="en-US" sz="1200" dirty="0">
@@ -33044,9 +31943,6 @@
               <a:lnSpc>
                 <a:spcPct val="115000"/>
               </a:lnSpc>
-              <a:spcAft>
-                <a:spcPts val="0"/>
-              </a:spcAft>
             </a:pPr>
             <a:r>
               <a:rPr lang="ru-RU" sz="1200" dirty="0">
@@ -33102,9 +31998,6 @@
               <a:lnSpc>
                 <a:spcPct val="115000"/>
               </a:lnSpc>
-              <a:spcAft>
-                <a:spcPts val="0"/>
-              </a:spcAft>
             </a:pPr>
             <a:r>
               <a:rPr lang="ru-RU" sz="1200" dirty="0">
@@ -33182,9 +32075,6 @@
               <a:lnSpc>
                 <a:spcPct val="115000"/>
               </a:lnSpc>
-              <a:spcAft>
-                <a:spcPts val="0"/>
-              </a:spcAft>
             </a:pPr>
             <a:r>
               <a:rPr lang="en-US" sz="1200" dirty="0">
@@ -33207,9 +32097,6 @@
               <a:lnSpc>
                 <a:spcPct val="115000"/>
               </a:lnSpc>
-              <a:spcAft>
-                <a:spcPts val="0"/>
-              </a:spcAft>
             </a:pPr>
             <a:r>
               <a:rPr lang="en-US" sz="1200" dirty="0">
@@ -33243,9 +32130,6 @@
               <a:lnSpc>
                 <a:spcPct val="115000"/>
               </a:lnSpc>
-              <a:spcAft>
-                <a:spcPts val="0"/>
-              </a:spcAft>
             </a:pPr>
             <a:r>
               <a:rPr lang="en-US" sz="1200" dirty="0">
@@ -33279,9 +32163,6 @@
               <a:lnSpc>
                 <a:spcPct val="115000"/>
               </a:lnSpc>
-              <a:spcAft>
-                <a:spcPts val="0"/>
-              </a:spcAft>
             </a:pPr>
             <a:r>
               <a:rPr lang="ru-RU" sz="1200" dirty="0">
@@ -33304,9 +32185,6 @@
               <a:lnSpc>
                 <a:spcPct val="115000"/>
               </a:lnSpc>
-              <a:spcAft>
-                <a:spcPts val="0"/>
-              </a:spcAft>
             </a:pPr>
             <a:r>
               <a:rPr lang="ru-RU" sz="1200" dirty="0">
@@ -33373,9 +32251,6 @@
               <a:lnSpc>
                 <a:spcPct val="115000"/>
               </a:lnSpc>
-              <a:spcAft>
-                <a:spcPts val="0"/>
-              </a:spcAft>
             </a:pPr>
             <a:r>
               <a:rPr lang="ru-RU" sz="1200" dirty="0">
@@ -33398,9 +32273,6 @@
               <a:lnSpc>
                 <a:spcPct val="115000"/>
               </a:lnSpc>
-              <a:spcAft>
-                <a:spcPts val="0"/>
-              </a:spcAft>
             </a:pPr>
             <a:r>
               <a:rPr lang="ru-RU" sz="1200" dirty="0">
@@ -33434,9 +32306,6 @@
               <a:lnSpc>
                 <a:spcPct val="115000"/>
               </a:lnSpc>
-              <a:spcAft>
-                <a:spcPts val="0"/>
-              </a:spcAft>
             </a:pPr>
             <a:r>
               <a:rPr lang="ru-RU" sz="1200" dirty="0">
@@ -33895,9 +32764,9 @@
 </file>
 
 <file path=ppt/theme/theme1.xml><?xml version="1.0" encoding="utf-8"?>
-<a:theme xmlns:a="http://schemas.openxmlformats.org/drawingml/2006/main" name="Модульная">
+<a:theme xmlns:a="http://schemas.openxmlformats.org/drawingml/2006/main" name="Office Theme">
   <a:themeElements>
-    <a:clrScheme name="Модульная">
+    <a:clrScheme name="Office">
       <a:dk1>
         <a:sysClr val="windowText" lastClr="000000"/>
       </a:dk1>
@@ -33905,44 +32774,44 @@
         <a:sysClr val="window" lastClr="FFFFFF"/>
       </a:lt1>
       <a:dk2>
-        <a:srgbClr val="5A6378"/>
+        <a:srgbClr val="0E2841"/>
       </a:dk2>
       <a:lt2>
-        <a:srgbClr val="D4D4D6"/>
+        <a:srgbClr val="E8E8E8"/>
       </a:lt2>
       <a:accent1>
-        <a:srgbClr val="F0AD00"/>
+        <a:srgbClr val="156082"/>
       </a:accent1>
       <a:accent2>
-        <a:srgbClr val="60B5CC"/>
+        <a:srgbClr val="E97132"/>
       </a:accent2>
       <a:accent3>
-        <a:srgbClr val="E66C7D"/>
+        <a:srgbClr val="196B24"/>
       </a:accent3>
       <a:accent4>
-        <a:srgbClr val="6BB76D"/>
+        <a:srgbClr val="0F9ED5"/>
       </a:accent4>
       <a:accent5>
-        <a:srgbClr val="E88651"/>
+        <a:srgbClr val="A02B93"/>
       </a:accent5>
       <a:accent6>
-        <a:srgbClr val="C64847"/>
+        <a:srgbClr val="4EA72E"/>
       </a:accent6>
       <a:hlink>
-        <a:srgbClr val="168BBA"/>
+        <a:srgbClr val="467886"/>
       </a:hlink>
       <a:folHlink>
-        <a:srgbClr val="680000"/>
+        <a:srgbClr val="96607D"/>
       </a:folHlink>
     </a:clrScheme>
-    <a:fontScheme name="Стандартная">
+    <a:fontScheme name="Office">
       <a:majorFont>
-        <a:latin typeface="Calibri"/>
+        <a:latin typeface="Aptos Display" panose="02110004020202020204"/>
         <a:ea typeface=""/>
         <a:cs typeface=""/>
-        <a:font script="Jpan" typeface="ＭＳ Ｐゴシック"/>
+        <a:font script="Jpan" typeface="游ゴシック Light"/>
         <a:font script="Hang" typeface="맑은 고딕"/>
-        <a:font script="Hans" typeface="宋体"/>
+        <a:font script="Hans" typeface="等线 Light"/>
         <a:font script="Hant" typeface="新細明體"/>
         <a:font script="Arab" typeface="Times New Roman"/>
         <a:font script="Hebr" typeface="Times New Roman"/>
@@ -33970,14 +32839,31 @@
         <a:font script="Viet" typeface="Times New Roman"/>
         <a:font script="Uigh" typeface="Microsoft Uighur"/>
         <a:font script="Geor" typeface="Sylfaen"/>
+        <a:font script="Armn" typeface="Arial"/>
+        <a:font script="Bugi" typeface="Leelawadee UI"/>
+        <a:font script="Bopo" typeface="Microsoft JhengHei"/>
+        <a:font script="Java" typeface="Javanese Text"/>
+        <a:font script="Lisu" typeface="Segoe UI"/>
+        <a:font script="Mymr" typeface="Myanmar Text"/>
+        <a:font script="Nkoo" typeface="Ebrima"/>
+        <a:font script="Olck" typeface="Nirmala UI"/>
+        <a:font script="Osma" typeface="Ebrima"/>
+        <a:font script="Phag" typeface="Phagspa"/>
+        <a:font script="Syrn" typeface="Estrangelo Edessa"/>
+        <a:font script="Syrj" typeface="Estrangelo Edessa"/>
+        <a:font script="Syre" typeface="Estrangelo Edessa"/>
+        <a:font script="Sora" typeface="Nirmala UI"/>
+        <a:font script="Tale" typeface="Microsoft Tai Le"/>
+        <a:font script="Talu" typeface="Microsoft New Tai Lue"/>
+        <a:font script="Tfng" typeface="Ebrima"/>
       </a:majorFont>
       <a:minorFont>
-        <a:latin typeface="Calibri"/>
+        <a:latin typeface="Aptos" panose="02110004020202020204"/>
         <a:ea typeface=""/>
         <a:cs typeface=""/>
-        <a:font script="Jpan" typeface="ＭＳ Ｐゴシック"/>
+        <a:font script="Jpan" typeface="游ゴシック"/>
         <a:font script="Hang" typeface="맑은 고딕"/>
-        <a:font script="Hans" typeface="宋体"/>
+        <a:font script="Hans" typeface="等线"/>
         <a:font script="Hant" typeface="新細明體"/>
         <a:font script="Arab" typeface="Arial"/>
         <a:font script="Hebr" typeface="Arial"/>
@@ -34005,9 +32891,26 @@
         <a:font script="Viet" typeface="Arial"/>
         <a:font script="Uigh" typeface="Microsoft Uighur"/>
         <a:font script="Geor" typeface="Sylfaen"/>
+        <a:font script="Armn" typeface="Arial"/>
+        <a:font script="Bugi" typeface="Leelawadee UI"/>
+        <a:font script="Bopo" typeface="Microsoft JhengHei"/>
+        <a:font script="Java" typeface="Javanese Text"/>
+        <a:font script="Lisu" typeface="Segoe UI"/>
+        <a:font script="Mymr" typeface="Myanmar Text"/>
+        <a:font script="Nkoo" typeface="Ebrima"/>
+        <a:font script="Olck" typeface="Nirmala UI"/>
+        <a:font script="Osma" typeface="Ebrima"/>
+        <a:font script="Phag" typeface="Phagspa"/>
+        <a:font script="Syrn" typeface="Estrangelo Edessa"/>
+        <a:font script="Syrj" typeface="Estrangelo Edessa"/>
+        <a:font script="Syre" typeface="Estrangelo Edessa"/>
+        <a:font script="Sora" typeface="Nirmala UI"/>
+        <a:font script="Tale" typeface="Microsoft Tai Le"/>
+        <a:font script="Talu" typeface="Microsoft New Tai Lue"/>
+        <a:font script="Tfng" typeface="Ebrima"/>
       </a:minorFont>
     </a:fontScheme>
-    <a:fmtScheme name="Модульная">
+    <a:fmtScheme name="Office">
       <a:fillStyleLst>
         <a:solidFill>
           <a:schemeClr val="phClr"/>
@@ -34016,166 +32919,162 @@
           <a:gsLst>
             <a:gs pos="0">
               <a:schemeClr val="phClr">
-                <a:tint val="50000"/>
-                <a:satMod val="300000"/>
+                <a:lumMod val="110000"/>
+                <a:satMod val="105000"/>
+                <a:tint val="67000"/>
               </a:schemeClr>
             </a:gs>
-            <a:gs pos="35000">
+            <a:gs pos="50000">
               <a:schemeClr val="phClr">
-                <a:tint val="37000"/>
-                <a:satMod val="300000"/>
+                <a:lumMod val="105000"/>
+                <a:satMod val="103000"/>
+                <a:tint val="73000"/>
               </a:schemeClr>
             </a:gs>
             <a:gs pos="100000">
               <a:schemeClr val="phClr">
-                <a:tint val="15000"/>
-                <a:satMod val="350000"/>
+                <a:lumMod val="105000"/>
+                <a:satMod val="109000"/>
+                <a:tint val="81000"/>
               </a:schemeClr>
             </a:gs>
           </a:gsLst>
-          <a:lin ang="16200000" scaled="1"/>
+          <a:lin ang="5400000" scaled="0"/>
         </a:gradFill>
         <a:gradFill rotWithShape="1">
           <a:gsLst>
             <a:gs pos="0">
               <a:schemeClr val="phClr">
-                <a:shade val="47500"/>
-                <a:satMod val="137000"/>
+                <a:satMod val="103000"/>
+                <a:lumMod val="102000"/>
+                <a:tint val="94000"/>
               </a:schemeClr>
             </a:gs>
-            <a:gs pos="55000">
+            <a:gs pos="50000">
               <a:schemeClr val="phClr">
-                <a:shade val="69000"/>
-                <a:satMod val="137000"/>
+                <a:satMod val="110000"/>
+                <a:lumMod val="100000"/>
+                <a:shade val="100000"/>
               </a:schemeClr>
             </a:gs>
             <a:gs pos="100000">
               <a:schemeClr val="phClr">
-                <a:shade val="98000"/>
-                <a:satMod val="137000"/>
+                <a:lumMod val="99000"/>
+                <a:satMod val="120000"/>
+                <a:shade val="78000"/>
               </a:schemeClr>
             </a:gs>
           </a:gsLst>
-          <a:lin ang="16200000" scaled="0"/>
+          <a:lin ang="5400000" scaled="0"/>
         </a:gradFill>
       </a:fillStyleLst>
       <a:lnStyleLst>
-        <a:ln w="6350" cap="rnd" cmpd="sng" algn="ctr">
-          <a:solidFill>
-            <a:schemeClr val="phClr">
-              <a:shade val="95000"/>
-              <a:satMod val="105000"/>
-            </a:schemeClr>
-          </a:solidFill>
-          <a:prstDash val="solid"/>
-        </a:ln>
-        <a:ln w="48000" cap="flat" cmpd="thickThin" algn="ctr">
+        <a:ln w="12700" cap="flat" cmpd="sng" algn="ctr">
           <a:solidFill>
             <a:schemeClr val="phClr"/>
           </a:solidFill>
           <a:prstDash val="solid"/>
+          <a:miter lim="800000"/>
         </a:ln>
-        <a:ln w="48500" cap="flat" cmpd="thickThin" algn="ctr">
+        <a:ln w="19050" cap="flat" cmpd="sng" algn="ctr">
           <a:solidFill>
             <a:schemeClr val="phClr"/>
           </a:solidFill>
           <a:prstDash val="solid"/>
+          <a:miter lim="800000"/>
+        </a:ln>
+        <a:ln w="25400" cap="flat" cmpd="sng" algn="ctr">
+          <a:solidFill>
+            <a:schemeClr val="phClr"/>
+          </a:solidFill>
+          <a:prstDash val="solid"/>
+          <a:miter lim="800000"/>
         </a:ln>
       </a:lnStyleLst>
       <a:effectStyleLst>
         <a:effectStyle>
+          <a:effectLst/>
+        </a:effectStyle>
+        <a:effectStyle>
+          <a:effectLst/>
+        </a:effectStyle>
+        <a:effectStyle>
           <a:effectLst>
-            <a:outerShdw blurRad="45000" dist="25000" dir="5400000" rotWithShape="0">
+            <a:outerShdw blurRad="57150" dist="19050" dir="5400000" algn="ctr" rotWithShape="0">
               <a:srgbClr val="000000">
-                <a:alpha val="38000"/>
+                <a:alpha val="63000"/>
               </a:srgbClr>
             </a:outerShdw>
           </a:effectLst>
-        </a:effectStyle>
-        <a:effectStyle>
-          <a:effectLst>
-            <a:outerShdw blurRad="39000" dist="25400" dir="5400000" rotWithShape="0">
-              <a:srgbClr val="000000">
-                <a:alpha val="38000"/>
-              </a:srgbClr>
-            </a:outerShdw>
-          </a:effectLst>
-        </a:effectStyle>
-        <a:effectStyle>
-          <a:effectLst>
-            <a:outerShdw blurRad="39000" dist="25400" dir="5400000" rotWithShape="0">
-              <a:srgbClr val="000000">
-                <a:alpha val="38000"/>
-              </a:srgbClr>
-            </a:outerShdw>
-          </a:effectLst>
-          <a:scene3d>
-            <a:camera prst="orthographicFront" fov="0">
-              <a:rot lat="0" lon="0" rev="0"/>
-            </a:camera>
-            <a:lightRig rig="threePt" dir="t">
-              <a:rot lat="0" lon="0" rev="1800000"/>
-            </a:lightRig>
-          </a:scene3d>
-          <a:sp3d prstMaterial="matte">
-            <a:bevelT h="20000"/>
-          </a:sp3d>
         </a:effectStyle>
       </a:effectStyleLst>
       <a:bgFillStyleLst>
         <a:solidFill>
           <a:schemeClr val="phClr"/>
         </a:solidFill>
+        <a:solidFill>
+          <a:schemeClr val="phClr">
+            <a:tint val="95000"/>
+            <a:satMod val="170000"/>
+          </a:schemeClr>
+        </a:solidFill>
         <a:gradFill rotWithShape="1">
           <a:gsLst>
             <a:gs pos="0">
               <a:schemeClr val="phClr">
-                <a:tint val="48000"/>
-                <a:satMod val="300000"/>
+                <a:tint val="93000"/>
+                <a:satMod val="150000"/>
+                <a:shade val="98000"/>
+                <a:lumMod val="102000"/>
               </a:schemeClr>
             </a:gs>
-            <a:gs pos="12000">
+            <a:gs pos="50000">
               <a:schemeClr val="phClr">
-                <a:tint val="48000"/>
-                <a:satMod val="300000"/>
-              </a:schemeClr>
-            </a:gs>
-            <a:gs pos="20000">
-              <a:schemeClr val="phClr">
-                <a:tint val="49000"/>
-                <a:satMod val="300000"/>
+                <a:tint val="98000"/>
+                <a:satMod val="130000"/>
+                <a:shade val="90000"/>
+                <a:lumMod val="103000"/>
               </a:schemeClr>
             </a:gs>
             <a:gs pos="100000">
               <a:schemeClr val="phClr">
-                <a:shade val="30000"/>
+                <a:shade val="63000"/>
+                <a:satMod val="120000"/>
               </a:schemeClr>
             </a:gs>
           </a:gsLst>
-          <a:path path="circle">
-            <a:fillToRect l="10000" t="-25000" r="10000" b="125000"/>
-          </a:path>
+          <a:lin ang="5400000" scaled="0"/>
         </a:gradFill>
-        <a:blipFill>
-          <a:blip xmlns:r="http://schemas.openxmlformats.org/officeDocument/2006/relationships" r:embed="rId1">
-            <a:duotone>
-              <a:schemeClr val="phClr">
-                <a:shade val="75000"/>
-                <a:satMod val="105000"/>
-              </a:schemeClr>
-              <a:schemeClr val="phClr">
-                <a:tint val="95000"/>
-                <a:satMod val="105000"/>
-              </a:schemeClr>
-            </a:duotone>
-          </a:blip>
-          <a:tile tx="0" ty="0" sx="38000" sy="38000" flip="none" algn="tl"/>
-        </a:blipFill>
       </a:bgFillStyleLst>
     </a:fmtScheme>
   </a:themeElements>
-  <a:objectDefaults/>
+  <a:objectDefaults>
+    <a:lnDef>
+      <a:spPr/>
+      <a:bodyPr/>
+      <a:lstStyle/>
+      <a:style>
+        <a:lnRef idx="2">
+          <a:schemeClr val="accent1"/>
+        </a:lnRef>
+        <a:fillRef idx="0">
+          <a:schemeClr val="accent1"/>
+        </a:fillRef>
+        <a:effectRef idx="1">
+          <a:schemeClr val="accent1"/>
+        </a:effectRef>
+        <a:fontRef idx="minor">
+          <a:schemeClr val="tx1"/>
+        </a:fontRef>
+      </a:style>
+    </a:lnDef>
+  </a:objectDefaults>
   <a:extraClrSchemeLst/>
+  <a:extLst>
+    <a:ext uri="{05A4C25C-085E-4340-85A3-A5531E510DB2}">
+      <thm15:themeFamily xmlns:thm15="http://schemas.microsoft.com/office/thememl/2012/main" name="Office Theme" id="{2E142A2C-CD16-42D6-873A-C26D2A0506FA}" vid="{1BDDFF52-6CD6-40A5-AB3C-68EB2F1E4D0A}"/>
+    </a:ext>
+  </a:extLst>
 </a:theme>
 </file>
 

--- a/lectures/02.observer/observer.pptx
+++ b/lectures/02.observer/observer.pptx
@@ -20,43 +20,43 @@
     <p:sldId id="260" r:id="rId11"/>
     <p:sldId id="262" r:id="rId12"/>
     <p:sldId id="263" r:id="rId13"/>
-    <p:sldId id="264" r:id="rId14"/>
-    <p:sldId id="265" r:id="rId15"/>
-    <p:sldId id="266" r:id="rId16"/>
-    <p:sldId id="267" r:id="rId17"/>
-    <p:sldId id="269" r:id="rId18"/>
-    <p:sldId id="268" r:id="rId19"/>
-    <p:sldId id="270" r:id="rId20"/>
-    <p:sldId id="286" r:id="rId21"/>
-    <p:sldId id="271" r:id="rId22"/>
-    <p:sldId id="272" r:id="rId23"/>
-    <p:sldId id="273" r:id="rId24"/>
-    <p:sldId id="274" r:id="rId25"/>
-    <p:sldId id="275" r:id="rId26"/>
-    <p:sldId id="276" r:id="rId27"/>
-    <p:sldId id="277" r:id="rId28"/>
-    <p:sldId id="298" r:id="rId29"/>
-    <p:sldId id="279" r:id="rId30"/>
-    <p:sldId id="278" r:id="rId31"/>
-    <p:sldId id="292" r:id="rId32"/>
-    <p:sldId id="280" r:id="rId33"/>
-    <p:sldId id="293" r:id="rId34"/>
-    <p:sldId id="281" r:id="rId35"/>
-    <p:sldId id="282" r:id="rId36"/>
-    <p:sldId id="300" r:id="rId37"/>
-    <p:sldId id="299" r:id="rId38"/>
-    <p:sldId id="283" r:id="rId39"/>
-    <p:sldId id="284" r:id="rId40"/>
-    <p:sldId id="285" r:id="rId41"/>
-    <p:sldId id="287" r:id="rId42"/>
-    <p:sldId id="288" r:id="rId43"/>
-    <p:sldId id="289" r:id="rId44"/>
-    <p:sldId id="290" r:id="rId45"/>
-    <p:sldId id="291" r:id="rId46"/>
-    <p:sldId id="303" r:id="rId47"/>
-    <p:sldId id="304" r:id="rId48"/>
-    <p:sldId id="305" r:id="rId49"/>
-    <p:sldId id="306" r:id="rId50"/>
+    <p:sldId id="265" r:id="rId14"/>
+    <p:sldId id="266" r:id="rId15"/>
+    <p:sldId id="267" r:id="rId16"/>
+    <p:sldId id="269" r:id="rId17"/>
+    <p:sldId id="268" r:id="rId18"/>
+    <p:sldId id="270" r:id="rId19"/>
+    <p:sldId id="286" r:id="rId20"/>
+    <p:sldId id="271" r:id="rId21"/>
+    <p:sldId id="272" r:id="rId22"/>
+    <p:sldId id="273" r:id="rId23"/>
+    <p:sldId id="274" r:id="rId24"/>
+    <p:sldId id="275" r:id="rId25"/>
+    <p:sldId id="276" r:id="rId26"/>
+    <p:sldId id="277" r:id="rId27"/>
+    <p:sldId id="298" r:id="rId28"/>
+    <p:sldId id="279" r:id="rId29"/>
+    <p:sldId id="278" r:id="rId30"/>
+    <p:sldId id="292" r:id="rId31"/>
+    <p:sldId id="280" r:id="rId32"/>
+    <p:sldId id="293" r:id="rId33"/>
+    <p:sldId id="281" r:id="rId34"/>
+    <p:sldId id="282" r:id="rId35"/>
+    <p:sldId id="300" r:id="rId36"/>
+    <p:sldId id="299" r:id="rId37"/>
+    <p:sldId id="283" r:id="rId38"/>
+    <p:sldId id="284" r:id="rId39"/>
+    <p:sldId id="285" r:id="rId40"/>
+    <p:sldId id="287" r:id="rId41"/>
+    <p:sldId id="288" r:id="rId42"/>
+    <p:sldId id="289" r:id="rId43"/>
+    <p:sldId id="290" r:id="rId44"/>
+    <p:sldId id="291" r:id="rId45"/>
+    <p:sldId id="303" r:id="rId46"/>
+    <p:sldId id="304" r:id="rId47"/>
+    <p:sldId id="305" r:id="rId48"/>
+    <p:sldId id="306" r:id="rId49"/>
+    <p:sldId id="308" r:id="rId50"/>
   </p:sldIdLst>
   <p:sldSz cx="12192000" cy="6858000"/>
   <p:notesSz cx="6858000" cy="9144000"/>
@@ -615,6 +615,95 @@
 </p:notes>
 </file>
 
+<file path=ppt/notesSlides/notesSlide10.xml><?xml version="1.0" encoding="utf-8"?>
+<p:notes xmlns:a="http://schemas.openxmlformats.org/drawingml/2006/main" xmlns:r="http://schemas.openxmlformats.org/officeDocument/2006/relationships" xmlns:p="http://schemas.openxmlformats.org/presentationml/2006/main">
+  <p:cSld>
+    <p:spTree>
+      <p:nvGrpSpPr>
+        <p:cNvPr id="1" name=""/>
+        <p:cNvGrpSpPr/>
+        <p:nvPr/>
+      </p:nvGrpSpPr>
+      <p:grpSpPr>
+        <a:xfrm>
+          <a:off x="0" y="0"/>
+          <a:ext cx="0" cy="0"/>
+          <a:chOff x="0" y="0"/>
+          <a:chExt cx="0" cy="0"/>
+        </a:xfrm>
+      </p:grpSpPr>
+      <p:sp>
+        <p:nvSpPr>
+          <p:cNvPr id="2" name="Slide Image Placeholder 1"/>
+          <p:cNvSpPr>
+            <a:spLocks noGrp="1" noRot="1" noChangeAspect="1"/>
+          </p:cNvSpPr>
+          <p:nvPr>
+            <p:ph type="sldImg"/>
+          </p:nvPr>
+        </p:nvSpPr>
+        <p:spPr>
+          <a:xfrm>
+            <a:off x="381000" y="685800"/>
+            <a:ext cx="6096000" cy="3429000"/>
+          </a:xfrm>
+        </p:spPr>
+      </p:sp>
+      <p:sp>
+        <p:nvSpPr>
+          <p:cNvPr id="3" name="Notes Placeholder 2"/>
+          <p:cNvSpPr>
+            <a:spLocks noGrp="1"/>
+          </p:cNvSpPr>
+          <p:nvPr>
+            <p:ph type="body" idx="1"/>
+          </p:nvPr>
+        </p:nvSpPr>
+        <p:spPr/>
+        <p:txBody>
+          <a:bodyPr/>
+          <a:lstStyle/>
+          <a:p>
+            <a:endParaRPr lang="ru-RU" dirty="0"/>
+          </a:p>
+        </p:txBody>
+      </p:sp>
+      <p:sp>
+        <p:nvSpPr>
+          <p:cNvPr id="4" name="Slide Number Placeholder 3"/>
+          <p:cNvSpPr>
+            <a:spLocks noGrp="1"/>
+          </p:cNvSpPr>
+          <p:nvPr>
+            <p:ph type="sldNum" sz="quarter" idx="10"/>
+          </p:nvPr>
+        </p:nvSpPr>
+        <p:spPr/>
+        <p:txBody>
+          <a:bodyPr/>
+          <a:lstStyle/>
+          <a:p>
+            <a:fld id="{C72A1285-F988-4153-B7C5-B887A867730D}" type="slidenum">
+              <a:rPr lang="ru-RU" smtClean="0"/>
+              <a:t>43</a:t>
+            </a:fld>
+            <a:endParaRPr lang="ru-RU"/>
+          </a:p>
+        </p:txBody>
+      </p:sp>
+    </p:spTree>
+    <p:extLst>
+      <p:ext uri="{BB962C8B-B14F-4D97-AF65-F5344CB8AC3E}">
+        <p14:creationId xmlns:p14="http://schemas.microsoft.com/office/powerpoint/2010/main" val="3908967648"/>
+      </p:ext>
+    </p:extLst>
+  </p:cSld>
+  <p:clrMapOvr>
+    <a:masterClrMapping/>
+  </p:clrMapOvr>
+</p:notes>
+</file>
+
 <file path=ppt/notesSlides/notesSlide2.xml><?xml version="1.0" encoding="utf-8"?>
 <p:notes xmlns:a="http://schemas.openxmlformats.org/drawingml/2006/main" xmlns:r="http://schemas.openxmlformats.org/officeDocument/2006/relationships" xmlns:p="http://schemas.openxmlformats.org/presentationml/2006/main">
   <p:cSld>
@@ -1318,7 +1407,7 @@
           <a:p>
             <a:fld id="{C72A1285-F988-4153-B7C5-B887A867730D}" type="slidenum">
               <a:rPr lang="ru-RU" smtClean="0"/>
-              <a:t>20</a:t>
+              <a:t>19</a:t>
             </a:fld>
             <a:endParaRPr lang="ru-RU"/>
           </a:p>
@@ -1364,12 +1453,7 @@
             <p:ph type="sldImg"/>
           </p:nvPr>
         </p:nvSpPr>
-        <p:spPr>
-          <a:xfrm>
-            <a:off x="381000" y="685800"/>
-            <a:ext cx="6096000" cy="3429000"/>
-          </a:xfrm>
-        </p:spPr>
+        <p:spPr/>
       </p:sp>
       <p:sp>
         <p:nvSpPr>
@@ -1386,7 +1470,7 @@
           <a:bodyPr/>
           <a:lstStyle/>
           <a:p>
-            <a:endParaRPr lang="ru-RU" dirty="0"/>
+            <a:endParaRPr lang="en-US" dirty="0"/>
           </a:p>
         </p:txBody>
       </p:sp>
@@ -1397,7 +1481,7 @@
             <a:spLocks noGrp="1"/>
           </p:cNvSpPr>
           <p:nvPr>
-            <p:ph type="sldNum" sz="quarter" idx="10"/>
+            <p:ph type="sldNum" sz="quarter" idx="5"/>
           </p:nvPr>
         </p:nvSpPr>
         <p:spPr/>
@@ -1407,7 +1491,7 @@
           <a:p>
             <a:fld id="{C72A1285-F988-4153-B7C5-B887A867730D}" type="slidenum">
               <a:rPr lang="ru-RU" smtClean="0"/>
-              <a:t>44</a:t>
+              <a:t>23</a:t>
             </a:fld>
             <a:endParaRPr lang="ru-RU"/>
           </a:p>
@@ -1416,7 +1500,136 @@
     </p:spTree>
     <p:extLst>
       <p:ext uri="{BB962C8B-B14F-4D97-AF65-F5344CB8AC3E}">
-        <p14:creationId xmlns:p14="http://schemas.microsoft.com/office/powerpoint/2010/main" val="3908967648"/>
+        <p14:creationId xmlns:p14="http://schemas.microsoft.com/office/powerpoint/2010/main" val="3248895948"/>
+      </p:ext>
+    </p:extLst>
+  </p:cSld>
+  <p:clrMapOvr>
+    <a:masterClrMapping/>
+  </p:clrMapOvr>
+</p:notes>
+</file>
+
+<file path=ppt/notesSlides/notesSlide9.xml><?xml version="1.0" encoding="utf-8"?>
+<p:notes xmlns:a="http://schemas.openxmlformats.org/drawingml/2006/main" xmlns:r="http://schemas.openxmlformats.org/officeDocument/2006/relationships" xmlns:p="http://schemas.openxmlformats.org/presentationml/2006/main">
+  <p:cSld>
+    <p:spTree>
+      <p:nvGrpSpPr>
+        <p:cNvPr id="1" name=""/>
+        <p:cNvGrpSpPr/>
+        <p:nvPr/>
+      </p:nvGrpSpPr>
+      <p:grpSpPr>
+        <a:xfrm>
+          <a:off x="0" y="0"/>
+          <a:ext cx="0" cy="0"/>
+          <a:chOff x="0" y="0"/>
+          <a:chExt cx="0" cy="0"/>
+        </a:xfrm>
+      </p:grpSpPr>
+      <p:sp>
+        <p:nvSpPr>
+          <p:cNvPr id="2" name="Slide Image Placeholder 1"/>
+          <p:cNvSpPr>
+            <a:spLocks noGrp="1" noRot="1" noChangeAspect="1"/>
+          </p:cNvSpPr>
+          <p:nvPr>
+            <p:ph type="sldImg"/>
+          </p:nvPr>
+        </p:nvSpPr>
+        <p:spPr/>
+      </p:sp>
+      <p:sp>
+        <p:nvSpPr>
+          <p:cNvPr id="3" name="Notes Placeholder 2"/>
+          <p:cNvSpPr>
+            <a:spLocks noGrp="1"/>
+          </p:cNvSpPr>
+          <p:nvPr>
+            <p:ph type="body" idx="1"/>
+          </p:nvPr>
+        </p:nvSpPr>
+        <p:spPr/>
+        <p:txBody>
+          <a:bodyPr/>
+          <a:lstStyle/>
+          <a:p>
+            <a:pPr marL="0" marR="0" lvl="0" indent="0" algn="l" defTabSz="914400" rtl="0" eaLnBrk="1" fontAlgn="auto" latinLnBrk="0" hangingPunct="1">
+              <a:lnSpc>
+                <a:spcPct val="100000"/>
+              </a:lnSpc>
+              <a:spcBef>
+                <a:spcPts val="0"/>
+              </a:spcBef>
+              <a:spcAft>
+                <a:spcPts val="0"/>
+              </a:spcAft>
+              <a:buClrTx/>
+              <a:buSzTx/>
+              <a:buFontTx/>
+              <a:buNone/>
+              <a:tabLst/>
+              <a:defRPr/>
+            </a:pPr>
+            <a:r>
+              <a:rPr lang="ru-RU" dirty="0"/>
+              <a:t>Субъекту не нужно знать конкретные классы наблюдателей, и их конкретные методы. Он использует только интерфейс </a:t>
+            </a:r>
+            <a:r>
+              <a:rPr lang="en-US" dirty="0" err="1"/>
+              <a:t>Iobserver</a:t>
+            </a:r>
+            <a:endParaRPr lang="ru-RU" dirty="0"/>
+          </a:p>
+          <a:p>
+            <a:pPr marL="0" marR="0" lvl="0" indent="0" algn="l" defTabSz="914400" rtl="0" eaLnBrk="1" fontAlgn="auto" latinLnBrk="0" hangingPunct="1">
+              <a:lnSpc>
+                <a:spcPct val="100000"/>
+              </a:lnSpc>
+              <a:spcBef>
+                <a:spcPts val="0"/>
+              </a:spcBef>
+              <a:spcAft>
+                <a:spcPts val="0"/>
+              </a:spcAft>
+              <a:buClrTx/>
+              <a:buSzTx/>
+              <a:buFontTx/>
+              <a:buNone/>
+              <a:tabLst/>
+              <a:defRPr/>
+            </a:pPr>
+            <a:endParaRPr lang="en-US" dirty="0"/>
+          </a:p>
+        </p:txBody>
+      </p:sp>
+      <p:sp>
+        <p:nvSpPr>
+          <p:cNvPr id="4" name="Slide Number Placeholder 3"/>
+          <p:cNvSpPr>
+            <a:spLocks noGrp="1"/>
+          </p:cNvSpPr>
+          <p:nvPr>
+            <p:ph type="sldNum" sz="quarter" idx="5"/>
+          </p:nvPr>
+        </p:nvSpPr>
+        <p:spPr/>
+        <p:txBody>
+          <a:bodyPr/>
+          <a:lstStyle/>
+          <a:p>
+            <a:fld id="{C72A1285-F988-4153-B7C5-B887A867730D}" type="slidenum">
+              <a:rPr lang="ru-RU" smtClean="0"/>
+              <a:t>24</a:t>
+            </a:fld>
+            <a:endParaRPr lang="ru-RU"/>
+          </a:p>
+        </p:txBody>
+      </p:sp>
+    </p:spTree>
+    <p:extLst>
+      <p:ext uri="{BB962C8B-B14F-4D97-AF65-F5344CB8AC3E}">
+        <p14:creationId xmlns:p14="http://schemas.microsoft.com/office/powerpoint/2010/main" val="2304184100"/>
       </p:ext>
     </p:extLst>
   </p:cSld>
@@ -5613,8 +5826,13 @@
           <a:p>
             <a:r>
               <a:rPr lang="ru-RU" dirty="0"/>
-              <a:t>Блиц-анализ наивной реализации</a:t>
-            </a:r>
+              <a:t>Какие недостатки есть у этой реализации</a:t>
+            </a:r>
+            <a:r>
+              <a:rPr lang="en-US" dirty="0"/>
+              <a:t>?</a:t>
+            </a:r>
+            <a:endParaRPr lang="ru-RU" dirty="0"/>
           </a:p>
         </p:txBody>
       </p:sp>
@@ -5636,79 +5854,75 @@
           <a:lstStyle/>
           <a:p>
             <a:r>
-              <a:rPr lang="ru-RU" dirty="0"/>
-              <a:t>Какие из следующих утверждений относятся к данной реализации</a:t>
-            </a:r>
-            <a:r>
-              <a:rPr lang="en-US" dirty="0"/>
-              <a:t>?</a:t>
-            </a:r>
-            <a:endParaRPr lang="ru-RU" dirty="0"/>
-          </a:p>
-          <a:p>
-            <a:pPr lvl="1"/>
-            <a:r>
               <a:rPr lang="en-US" dirty="0"/>
               <a:t>A. </a:t>
             </a:r>
             <a:r>
               <a:rPr lang="ru-RU" dirty="0"/>
-              <a:t>Программирование на уровне реализаций, а не интерфейсов</a:t>
-            </a:r>
-          </a:p>
-          <a:p>
-            <a:pPr lvl="1"/>
+              <a:t>Мы привязываемся к конкретным классам, а не интерфейсам</a:t>
+            </a:r>
+          </a:p>
+          <a:p>
             <a:r>
               <a:rPr lang="en-US" dirty="0"/>
               <a:t>B. </a:t>
             </a:r>
             <a:r>
               <a:rPr lang="ru-RU" dirty="0"/>
-              <a:t>Для каждого нового элемента придется изменять код</a:t>
-            </a:r>
-          </a:p>
-          <a:p>
-            <a:pPr lvl="1"/>
+              <a:t>Для добавления нового индикатора нужно изменить </a:t>
+            </a:r>
+            <a:r>
+              <a:rPr lang="en-US" dirty="0" err="1"/>
+              <a:t>WeatherData</a:t>
+            </a:r>
+            <a:endParaRPr lang="ru-RU" dirty="0"/>
+          </a:p>
+          <a:p>
             <a:r>
               <a:rPr lang="en-US" dirty="0"/>
               <a:t>C. </a:t>
             </a:r>
             <a:r>
               <a:rPr lang="ru-RU" dirty="0"/>
-              <a:t>Нельзя добавлять/удалять элементы во время выполнения</a:t>
-            </a:r>
-          </a:p>
-          <a:p>
-            <a:pPr lvl="1"/>
+              <a:t>Во время выполнения программы нельзя добавлять индикаторы</a:t>
+            </a:r>
+          </a:p>
+          <a:p>
             <a:r>
               <a:rPr lang="en-US" dirty="0"/>
               <a:t>D. </a:t>
             </a:r>
             <a:r>
               <a:rPr lang="ru-RU" dirty="0"/>
-              <a:t>Элементы не реализуют единый интерфейс</a:t>
-            </a:r>
-          </a:p>
-          <a:p>
-            <a:pPr lvl="1"/>
+              <a:t>Индикаторы </a:t>
+            </a:r>
+            <a:r>
+              <a:rPr lang="ru-RU" b="1" dirty="0"/>
+              <a:t>не</a:t>
+            </a:r>
+            <a:r>
+              <a:rPr lang="ru-RU" dirty="0"/>
+              <a:t> реализуют единый интерфейс</a:t>
+            </a:r>
+          </a:p>
+          <a:p>
             <a:r>
               <a:rPr lang="en-US" dirty="0"/>
               <a:t>E. </a:t>
             </a:r>
             <a:r>
               <a:rPr lang="ru-RU" dirty="0"/>
-              <a:t>Переменные аспекты архитектуры не инкапсулируются</a:t>
-            </a:r>
-          </a:p>
-          <a:p>
-            <a:pPr lvl="1"/>
+              <a:t>Изменяемые части программы не инкапсулируются</a:t>
+            </a:r>
+          </a:p>
+          <a:p>
             <a:r>
               <a:rPr lang="en-US" dirty="0"/>
               <a:t>F. </a:t>
             </a:r>
             <a:r>
               <a:rPr lang="ru-RU" dirty="0"/>
-              <a:t>Нарушается инкапсуляция класса </a:t>
+              <a:t>Мы нарушаем инкапсуляцию класса </a:t>
             </a:r>
             <a:r>
               <a:rPr lang="en-US" dirty="0" err="1"/>
@@ -5728,215 +5942,166 @@
   <p:clrMapOvr>
     <a:masterClrMapping/>
   </p:clrMapOvr>
+  <p:timing>
+    <p:tnLst>
+      <p:par>
+        <p:cTn id="1" dur="indefinite" restart="never" nodeType="tmRoot">
+          <p:childTnLst>
+            <p:seq concurrent="1" nextAc="seek">
+              <p:cTn id="2" dur="indefinite" nodeType="mainSeq">
+                <p:childTnLst>
+                  <p:par>
+                    <p:cTn id="3" fill="hold">
+                      <p:stCondLst>
+                        <p:cond delay="indefinite"/>
+                      </p:stCondLst>
+                      <p:childTnLst>
+                        <p:par>
+                          <p:cTn id="4" fill="hold">
+                            <p:stCondLst>
+                              <p:cond delay="0"/>
+                            </p:stCondLst>
+                            <p:childTnLst>
+                              <p:par>
+                                <p:cTn id="5" presetID="3" presetClass="emph" presetSubtype="2" fill="hold" nodeType="clickEffect">
+                                  <p:stCondLst>
+                                    <p:cond delay="0"/>
+                                  </p:stCondLst>
+                                  <p:childTnLst>
+                                    <p:animClr clrSpc="rgb" dir="cw">
+                                      <p:cBhvr override="childStyle">
+                                        <p:cTn id="6" dur="2000" fill="hold"/>
+                                        <p:tgtEl>
+                                          <p:spTgt spid="4">
+                                            <p:txEl>
+                                              <p:pRg st="0" end="0"/>
+                                            </p:txEl>
+                                          </p:spTgt>
+                                        </p:tgtEl>
+                                        <p:attrNameLst>
+                                          <p:attrName>style.color</p:attrName>
+                                        </p:attrNameLst>
+                                      </p:cBhvr>
+                                      <p:to>
+                                        <a:srgbClr val="00B853"/>
+                                      </p:to>
+                                    </p:animClr>
+                                  </p:childTnLst>
+                                </p:cTn>
+                              </p:par>
+                              <p:par>
+                                <p:cTn id="7" presetID="3" presetClass="emph" presetSubtype="2" fill="hold" nodeType="withEffect">
+                                  <p:stCondLst>
+                                    <p:cond delay="0"/>
+                                  </p:stCondLst>
+                                  <p:childTnLst>
+                                    <p:animClr clrSpc="rgb" dir="cw">
+                                      <p:cBhvr override="childStyle">
+                                        <p:cTn id="8" dur="2000" fill="hold"/>
+                                        <p:tgtEl>
+                                          <p:spTgt spid="4">
+                                            <p:txEl>
+                                              <p:pRg st="1" end="1"/>
+                                            </p:txEl>
+                                          </p:spTgt>
+                                        </p:tgtEl>
+                                        <p:attrNameLst>
+                                          <p:attrName>style.color</p:attrName>
+                                        </p:attrNameLst>
+                                      </p:cBhvr>
+                                      <p:to>
+                                        <a:srgbClr val="00B853"/>
+                                      </p:to>
+                                    </p:animClr>
+                                  </p:childTnLst>
+                                </p:cTn>
+                              </p:par>
+                              <p:par>
+                                <p:cTn id="9" presetID="3" presetClass="emph" presetSubtype="2" fill="hold" nodeType="withEffect">
+                                  <p:stCondLst>
+                                    <p:cond delay="0"/>
+                                  </p:stCondLst>
+                                  <p:childTnLst>
+                                    <p:animClr clrSpc="rgb" dir="cw">
+                                      <p:cBhvr override="childStyle">
+                                        <p:cTn id="10" dur="2000" fill="hold"/>
+                                        <p:tgtEl>
+                                          <p:spTgt spid="4">
+                                            <p:txEl>
+                                              <p:pRg st="2" end="2"/>
+                                            </p:txEl>
+                                          </p:spTgt>
+                                        </p:tgtEl>
+                                        <p:attrNameLst>
+                                          <p:attrName>style.color</p:attrName>
+                                        </p:attrNameLst>
+                                      </p:cBhvr>
+                                      <p:to>
+                                        <a:srgbClr val="00B853"/>
+                                      </p:to>
+                                    </p:animClr>
+                                  </p:childTnLst>
+                                </p:cTn>
+                              </p:par>
+                              <p:par>
+                                <p:cTn id="11" presetID="3" presetClass="emph" presetSubtype="2" fill="hold" nodeType="withEffect">
+                                  <p:stCondLst>
+                                    <p:cond delay="0"/>
+                                  </p:stCondLst>
+                                  <p:childTnLst>
+                                    <p:animClr clrSpc="rgb" dir="cw">
+                                      <p:cBhvr override="childStyle">
+                                        <p:cTn id="12" dur="2000" fill="hold"/>
+                                        <p:tgtEl>
+                                          <p:spTgt spid="4">
+                                            <p:txEl>
+                                              <p:pRg st="4" end="4"/>
+                                            </p:txEl>
+                                          </p:spTgt>
+                                        </p:tgtEl>
+                                        <p:attrNameLst>
+                                          <p:attrName>style.color</p:attrName>
+                                        </p:attrNameLst>
+                                      </p:cBhvr>
+                                      <p:to>
+                                        <a:srgbClr val="00B853"/>
+                                      </p:to>
+                                    </p:animClr>
+                                  </p:childTnLst>
+                                </p:cTn>
+                              </p:par>
+                            </p:childTnLst>
+                          </p:cTn>
+                        </p:par>
+                      </p:childTnLst>
+                    </p:cTn>
+                  </p:par>
+                </p:childTnLst>
+              </p:cTn>
+              <p:prevCondLst>
+                <p:cond evt="onPrev" delay="0">
+                  <p:tgtEl>
+                    <p:sldTgt/>
+                  </p:tgtEl>
+                </p:cond>
+              </p:prevCondLst>
+              <p:nextCondLst>
+                <p:cond evt="onNext" delay="0">
+                  <p:tgtEl>
+                    <p:sldTgt/>
+                  </p:tgtEl>
+                </p:cond>
+              </p:nextCondLst>
+            </p:seq>
+          </p:childTnLst>
+        </p:cTn>
+      </p:par>
+    </p:tnLst>
+  </p:timing>
 </p:sld>
 </file>
 
 <file path=ppt/slides/slide13.xml><?xml version="1.0" encoding="utf-8"?>
-<p:sld xmlns:a="http://schemas.openxmlformats.org/drawingml/2006/main" xmlns:r="http://schemas.openxmlformats.org/officeDocument/2006/relationships" xmlns:p="http://schemas.openxmlformats.org/presentationml/2006/main">
-  <p:cSld>
-    <p:spTree>
-      <p:nvGrpSpPr>
-        <p:cNvPr id="1" name=""/>
-        <p:cNvGrpSpPr/>
-        <p:nvPr/>
-      </p:nvGrpSpPr>
-      <p:grpSpPr>
-        <a:xfrm>
-          <a:off x="0" y="0"/>
-          <a:ext cx="0" cy="0"/>
-          <a:chOff x="0" y="0"/>
-          <a:chExt cx="0" cy="0"/>
-        </a:xfrm>
-      </p:grpSpPr>
-      <p:sp>
-        <p:nvSpPr>
-          <p:cNvPr id="3" name="Заголовок 2"/>
-          <p:cNvSpPr>
-            <a:spLocks noGrp="1"/>
-          </p:cNvSpPr>
-          <p:nvPr>
-            <p:ph type="title"/>
-          </p:nvPr>
-        </p:nvSpPr>
-        <p:spPr/>
-        <p:txBody>
-          <a:bodyPr>
-            <a:normAutofit/>
-          </a:bodyPr>
-          <a:lstStyle/>
-          <a:p>
-            <a:r>
-              <a:rPr lang="ru-RU" dirty="0"/>
-              <a:t>Блиц-анализ наивной реализации (ответы)</a:t>
-            </a:r>
-          </a:p>
-        </p:txBody>
-      </p:sp>
-      <p:sp>
-        <p:nvSpPr>
-          <p:cNvPr id="4" name="Объект 3"/>
-          <p:cNvSpPr>
-            <a:spLocks noGrp="1"/>
-          </p:cNvSpPr>
-          <p:nvPr>
-            <p:ph idx="1"/>
-          </p:nvPr>
-        </p:nvSpPr>
-        <p:spPr/>
-        <p:txBody>
-          <a:bodyPr>
-            <a:normAutofit/>
-          </a:bodyPr>
-          <a:lstStyle/>
-          <a:p>
-            <a:r>
-              <a:rPr lang="ru-RU" dirty="0"/>
-              <a:t>Какие из следующих утверждений относятся к данной реализации</a:t>
-            </a:r>
-          </a:p>
-          <a:p>
-            <a:pPr lvl="1">
-              <a:buClr>
-                <a:srgbClr val="00B050"/>
-              </a:buClr>
-              <a:buFont typeface="Wingdings" panose="05000000000000000000" pitchFamily="2" charset="2"/>
-              <a:buChar char="Ø"/>
-            </a:pPr>
-            <a:r>
-              <a:rPr lang="en-US" dirty="0">
-                <a:solidFill>
-                  <a:srgbClr val="00B050"/>
-                </a:solidFill>
-              </a:rPr>
-              <a:t>A. </a:t>
-            </a:r>
-            <a:r>
-              <a:rPr lang="ru-RU" dirty="0">
-                <a:solidFill>
-                  <a:srgbClr val="00B050"/>
-                </a:solidFill>
-              </a:rPr>
-              <a:t>Программирование на уровне реализаций, а не интерфейсов</a:t>
-            </a:r>
-          </a:p>
-          <a:p>
-            <a:pPr lvl="1">
-              <a:buClr>
-                <a:srgbClr val="00B050"/>
-              </a:buClr>
-              <a:buFont typeface="Wingdings" panose="05000000000000000000" pitchFamily="2" charset="2"/>
-              <a:buChar char="Ø"/>
-            </a:pPr>
-            <a:r>
-              <a:rPr lang="en-US" dirty="0">
-                <a:solidFill>
-                  <a:srgbClr val="00B050"/>
-                </a:solidFill>
-              </a:rPr>
-              <a:t>B. </a:t>
-            </a:r>
-            <a:r>
-              <a:rPr lang="ru-RU" dirty="0">
-                <a:solidFill>
-                  <a:srgbClr val="00B050"/>
-                </a:solidFill>
-              </a:rPr>
-              <a:t>Для каждого нового элемента придется изменять код</a:t>
-            </a:r>
-          </a:p>
-          <a:p>
-            <a:pPr lvl="1">
-              <a:buClr>
-                <a:srgbClr val="00B050"/>
-              </a:buClr>
-              <a:buFont typeface="Wingdings" panose="05000000000000000000" pitchFamily="2" charset="2"/>
-              <a:buChar char="Ø"/>
-            </a:pPr>
-            <a:r>
-              <a:rPr lang="en-US" dirty="0">
-                <a:solidFill>
-                  <a:srgbClr val="00B050"/>
-                </a:solidFill>
-              </a:rPr>
-              <a:t>C. </a:t>
-            </a:r>
-            <a:r>
-              <a:rPr lang="ru-RU" dirty="0">
-                <a:solidFill>
-                  <a:srgbClr val="00B050"/>
-                </a:solidFill>
-              </a:rPr>
-              <a:t>Нельзя добавлять/удалять элементы во время выполнения</a:t>
-            </a:r>
-          </a:p>
-          <a:p>
-            <a:pPr lvl="1"/>
-            <a:r>
-              <a:rPr lang="en-US" dirty="0"/>
-              <a:t>D. </a:t>
-            </a:r>
-            <a:r>
-              <a:rPr lang="ru-RU" dirty="0"/>
-              <a:t>Элементы не реализуют единый интерфейс</a:t>
-            </a:r>
-          </a:p>
-          <a:p>
-            <a:pPr lvl="1">
-              <a:buClr>
-                <a:srgbClr val="00B050"/>
-              </a:buClr>
-              <a:buFont typeface="Wingdings" panose="05000000000000000000" pitchFamily="2" charset="2"/>
-              <a:buChar char="Ø"/>
-            </a:pPr>
-            <a:r>
-              <a:rPr lang="en-US" dirty="0">
-                <a:solidFill>
-                  <a:srgbClr val="00B050"/>
-                </a:solidFill>
-              </a:rPr>
-              <a:t>E. </a:t>
-            </a:r>
-            <a:r>
-              <a:rPr lang="ru-RU" dirty="0">
-                <a:solidFill>
-                  <a:srgbClr val="00B050"/>
-                </a:solidFill>
-              </a:rPr>
-              <a:t>Переменные аспекты архитектуры не инкапсулируются</a:t>
-            </a:r>
-          </a:p>
-          <a:p>
-            <a:pPr lvl="1"/>
-            <a:r>
-              <a:rPr lang="en-US" dirty="0"/>
-              <a:t>F. </a:t>
-            </a:r>
-            <a:r>
-              <a:rPr lang="ru-RU" dirty="0"/>
-              <a:t>Нарушается инкапсуляция класса </a:t>
-            </a:r>
-            <a:r>
-              <a:rPr lang="en-US" dirty="0" err="1"/>
-              <a:t>CWeatherData</a:t>
-            </a:r>
-            <a:endParaRPr lang="ru-RU" dirty="0"/>
-          </a:p>
-        </p:txBody>
-      </p:sp>
-    </p:spTree>
-    <p:extLst>
-      <p:ext uri="{BB962C8B-B14F-4D97-AF65-F5344CB8AC3E}">
-        <p14:creationId xmlns:p14="http://schemas.microsoft.com/office/powerpoint/2010/main" val="522655290"/>
-      </p:ext>
-    </p:extLst>
-  </p:cSld>
-  <p:clrMapOvr>
-    <a:masterClrMapping/>
-  </p:clrMapOvr>
-</p:sld>
-</file>
-
-<file path=ppt/slides/slide14.xml><?xml version="1.0" encoding="utf-8"?>
 <p:sld xmlns:a="http://schemas.openxmlformats.org/drawingml/2006/main" xmlns:r="http://schemas.openxmlformats.org/officeDocument/2006/relationships" xmlns:p="http://schemas.openxmlformats.org/presentationml/2006/main">
   <p:cSld>
     <p:spTree>
@@ -7272,7 +7437,7 @@
 </p:sld>
 </file>
 
-<file path=ppt/slides/slide15.xml><?xml version="1.0" encoding="utf-8"?>
+<file path=ppt/slides/slide14.xml><?xml version="1.0" encoding="utf-8"?>
 <p:sld xmlns:a="http://schemas.openxmlformats.org/drawingml/2006/main" xmlns:r="http://schemas.openxmlformats.org/officeDocument/2006/relationships" xmlns:p="http://schemas.openxmlformats.org/presentationml/2006/main">
   <p:cSld>
     <p:spTree>
@@ -7348,7 +7513,7 @@
 </p:sld>
 </file>
 
-<file path=ppt/slides/slide16.xml><?xml version="1.0" encoding="utf-8"?>
+<file path=ppt/slides/slide15.xml><?xml version="1.0" encoding="utf-8"?>
 <p:sld xmlns:a="http://schemas.openxmlformats.org/drawingml/2006/main" xmlns:r="http://schemas.openxmlformats.org/officeDocument/2006/relationships" xmlns:p="http://schemas.openxmlformats.org/presentationml/2006/main">
   <p:cSld>
     <p:spTree>
@@ -7940,7 +8105,7 @@
 </p:sld>
 </file>
 
-<file path=ppt/slides/slide17.xml><?xml version="1.0" encoding="utf-8"?>
+<file path=ppt/slides/slide16.xml><?xml version="1.0" encoding="utf-8"?>
 <p:sld xmlns:a="http://schemas.openxmlformats.org/drawingml/2006/main" xmlns:r="http://schemas.openxmlformats.org/officeDocument/2006/relationships" xmlns:p="http://schemas.openxmlformats.org/presentationml/2006/main">
   <p:cSld>
     <p:spTree>
@@ -8002,6 +8167,107 @@
     <p:extLst>
       <p:ext uri="{BB962C8B-B14F-4D97-AF65-F5344CB8AC3E}">
         <p14:creationId xmlns:p14="http://schemas.microsoft.com/office/powerpoint/2010/main" val="1230720782"/>
+      </p:ext>
+    </p:extLst>
+  </p:cSld>
+  <p:clrMapOvr>
+    <a:masterClrMapping/>
+  </p:clrMapOvr>
+</p:sld>
+</file>
+
+<file path=ppt/slides/slide17.xml><?xml version="1.0" encoding="utf-8"?>
+<p:sld xmlns:a="http://schemas.openxmlformats.org/drawingml/2006/main" xmlns:r="http://schemas.openxmlformats.org/officeDocument/2006/relationships" xmlns:p="http://schemas.openxmlformats.org/presentationml/2006/main">
+  <p:cSld>
+    <p:spTree>
+      <p:nvGrpSpPr>
+        <p:cNvPr id="1" name=""/>
+        <p:cNvGrpSpPr/>
+        <p:nvPr/>
+      </p:nvGrpSpPr>
+      <p:grpSpPr>
+        <a:xfrm>
+          <a:off x="0" y="0"/>
+          <a:ext cx="0" cy="0"/>
+          <a:chOff x="0" y="0"/>
+          <a:chExt cx="0" cy="0"/>
+        </a:xfrm>
+      </p:grpSpPr>
+      <p:sp>
+        <p:nvSpPr>
+          <p:cNvPr id="2" name="Заголовок 1"/>
+          <p:cNvSpPr>
+            <a:spLocks noGrp="1"/>
+          </p:cNvSpPr>
+          <p:nvPr>
+            <p:ph type="title"/>
+          </p:nvPr>
+        </p:nvSpPr>
+        <p:spPr/>
+        <p:txBody>
+          <a:bodyPr/>
+          <a:lstStyle/>
+          <a:p>
+            <a:r>
+              <a:rPr lang="ru-RU" dirty="0"/>
+              <a:t>Аналогия с подпиской на журнал</a:t>
+            </a:r>
+          </a:p>
+        </p:txBody>
+      </p:sp>
+      <p:sp>
+        <p:nvSpPr>
+          <p:cNvPr id="3" name="Объект 2"/>
+          <p:cNvSpPr>
+            <a:spLocks noGrp="1"/>
+          </p:cNvSpPr>
+          <p:nvPr>
+            <p:ph idx="1"/>
+          </p:nvPr>
+        </p:nvSpPr>
+        <p:spPr/>
+        <p:txBody>
+          <a:bodyPr>
+            <a:normAutofit/>
+          </a:bodyPr>
+          <a:lstStyle/>
+          <a:p>
+            <a:r>
+              <a:rPr lang="ru-RU" dirty="0"/>
+              <a:t>Издатель выпускает газеты и журналы</a:t>
+            </a:r>
+          </a:p>
+          <a:p>
+            <a:r>
+              <a:rPr lang="ru-RU" dirty="0"/>
+              <a:t>Вы оформляете подписку у издателя на интересный вам журнал</a:t>
+            </a:r>
+          </a:p>
+          <a:p>
+            <a:pPr lvl="1"/>
+            <a:r>
+              <a:rPr lang="ru-RU" dirty="0"/>
+              <a:t>При выходе нового номера, его доставляют лично вам</a:t>
+            </a:r>
+          </a:p>
+          <a:p>
+            <a:r>
+              <a:rPr lang="ru-RU" dirty="0"/>
+              <a:t>Если вы не хотите получать журнал, вы прекращаете подписку</a:t>
+            </a:r>
+          </a:p>
+          <a:p>
+            <a:r>
+              <a:rPr lang="ru-RU" dirty="0"/>
+              <a:t>Кроме вас на журнал может подписаться кто угодно</a:t>
+            </a:r>
+          </a:p>
+        </p:txBody>
+      </p:sp>
+    </p:spTree>
+    <p:extLst>
+      <p:ext uri="{BB962C8B-B14F-4D97-AF65-F5344CB8AC3E}">
+        <p14:creationId xmlns:p14="http://schemas.microsoft.com/office/powerpoint/2010/main" val="2161613111"/>
       </p:ext>
     </p:extLst>
   </p:cSld>
@@ -8040,12 +8306,14 @@
         </p:nvSpPr>
         <p:spPr/>
         <p:txBody>
-          <a:bodyPr/>
+          <a:bodyPr>
+            <a:normAutofit/>
+          </a:bodyPr>
           <a:lstStyle/>
           <a:p>
             <a:r>
               <a:rPr lang="ru-RU" dirty="0"/>
-              <a:t>Аналогия из реального мира</a:t>
+              <a:t>Издатели + Подписчики = Паттерн Наблюдатель</a:t>
             </a:r>
           </a:p>
         </p:txBody>
@@ -8062,49 +8330,33 @@
         </p:nvSpPr>
         <p:spPr/>
         <p:txBody>
-          <a:bodyPr>
-            <a:normAutofit/>
-          </a:bodyPr>
+          <a:bodyPr/>
           <a:lstStyle/>
           <a:p>
             <a:r>
+              <a:rPr lang="ru-RU" b="1" dirty="0"/>
+              <a:t>Субъект</a:t>
+            </a:r>
+            <a:r>
               <a:rPr lang="ru-RU" dirty="0"/>
-              <a:t>Подписка на газету или журнал</a:t>
+              <a:t> – тот, кто управляет состоянием и оповещает наблюдателей об изменении состояния</a:t>
+            </a:r>
+          </a:p>
+          <a:p>
+            <a:r>
+              <a:rPr lang="ru-RU" b="1" dirty="0"/>
+              <a:t>Наблюдатель</a:t>
+            </a:r>
+            <a:r>
+              <a:rPr lang="ru-RU" dirty="0"/>
+              <a:t> – тот, кто получает оповещения от Субъекта</a:t>
             </a:r>
           </a:p>
           <a:p>
             <a:pPr lvl="1"/>
             <a:r>
               <a:rPr lang="ru-RU" dirty="0"/>
-              <a:t>Издатель выпускает газету</a:t>
-            </a:r>
-          </a:p>
-          <a:p>
-            <a:pPr lvl="1"/>
-            <a:r>
-              <a:rPr lang="ru-RU" dirty="0"/>
-              <a:t>Вы оформляете подписку у конкретного издателя</a:t>
-            </a:r>
-          </a:p>
-          <a:p>
-            <a:pPr lvl="2"/>
-            <a:r>
-              <a:rPr lang="ru-RU" dirty="0"/>
-              <a:t>При выходе нового номера, экземпляр доставляется вам</a:t>
-            </a:r>
-          </a:p>
-          <a:p>
-            <a:pPr lvl="1"/>
-            <a:r>
-              <a:rPr lang="ru-RU" dirty="0"/>
-              <a:t>Если вы не хотите получать газету, вы прекращаете подписку</a:t>
-            </a:r>
-          </a:p>
-          <a:p>
-            <a:pPr lvl="1"/>
-            <a:r>
-              <a:rPr lang="ru-RU" dirty="0"/>
-              <a:t>Пока газета публикуется, кто угодно может оформить или прекратить подписку</a:t>
+              <a:t>Регистрируется у Субъекта для получения оповещения об изменении его данных</a:t>
             </a:r>
           </a:p>
         </p:txBody>
@@ -8112,7 +8364,402 @@
     </p:spTree>
     <p:extLst>
       <p:ext uri="{BB962C8B-B14F-4D97-AF65-F5344CB8AC3E}">
-        <p14:creationId xmlns:p14="http://schemas.microsoft.com/office/powerpoint/2010/main" val="2161613111"/>
+        <p14:creationId xmlns:p14="http://schemas.microsoft.com/office/powerpoint/2010/main" val="1022904673"/>
+      </p:ext>
+    </p:extLst>
+  </p:cSld>
+  <p:clrMapOvr>
+    <a:masterClrMapping/>
+  </p:clrMapOvr>
+  <p:timing>
+    <p:tnLst>
+      <p:par>
+        <p:cTn id="1" dur="indefinite" restart="never" nodeType="tmRoot">
+          <p:childTnLst>
+            <p:seq concurrent="1" nextAc="seek">
+              <p:cTn id="2" dur="indefinite" nodeType="mainSeq">
+                <p:childTnLst>
+                  <p:par>
+                    <p:cTn id="3" fill="hold">
+                      <p:stCondLst>
+                        <p:cond delay="indefinite"/>
+                      </p:stCondLst>
+                      <p:childTnLst>
+                        <p:par>
+                          <p:cTn id="4" fill="hold">
+                            <p:stCondLst>
+                              <p:cond delay="0"/>
+                            </p:stCondLst>
+                            <p:childTnLst>
+                              <p:par>
+                                <p:cTn id="5" presetID="10" presetClass="entr" presetSubtype="0" fill="hold" grpId="0" nodeType="clickEffect">
+                                  <p:stCondLst>
+                                    <p:cond delay="0"/>
+                                  </p:stCondLst>
+                                  <p:childTnLst>
+                                    <p:set>
+                                      <p:cBhvr>
+                                        <p:cTn id="6" dur="1" fill="hold">
+                                          <p:stCondLst>
+                                            <p:cond delay="0"/>
+                                          </p:stCondLst>
+                                        </p:cTn>
+                                        <p:tgtEl>
+                                          <p:spTgt spid="3">
+                                            <p:txEl>
+                                              <p:pRg st="0" end="0"/>
+                                            </p:txEl>
+                                          </p:spTgt>
+                                        </p:tgtEl>
+                                        <p:attrNameLst>
+                                          <p:attrName>style.visibility</p:attrName>
+                                        </p:attrNameLst>
+                                      </p:cBhvr>
+                                      <p:to>
+                                        <p:strVal val="visible"/>
+                                      </p:to>
+                                    </p:set>
+                                    <p:animEffect transition="in" filter="fade">
+                                      <p:cBhvr>
+                                        <p:cTn id="7" dur="500"/>
+                                        <p:tgtEl>
+                                          <p:spTgt spid="3">
+                                            <p:txEl>
+                                              <p:pRg st="0" end="0"/>
+                                            </p:txEl>
+                                          </p:spTgt>
+                                        </p:tgtEl>
+                                      </p:cBhvr>
+                                    </p:animEffect>
+                                  </p:childTnLst>
+                                </p:cTn>
+                              </p:par>
+                            </p:childTnLst>
+                          </p:cTn>
+                        </p:par>
+                      </p:childTnLst>
+                    </p:cTn>
+                  </p:par>
+                  <p:par>
+                    <p:cTn id="8" fill="hold">
+                      <p:stCondLst>
+                        <p:cond delay="indefinite"/>
+                      </p:stCondLst>
+                      <p:childTnLst>
+                        <p:par>
+                          <p:cTn id="9" fill="hold">
+                            <p:stCondLst>
+                              <p:cond delay="0"/>
+                            </p:stCondLst>
+                            <p:childTnLst>
+                              <p:par>
+                                <p:cTn id="10" presetID="10" presetClass="entr" presetSubtype="0" fill="hold" grpId="0" nodeType="clickEffect">
+                                  <p:stCondLst>
+                                    <p:cond delay="0"/>
+                                  </p:stCondLst>
+                                  <p:childTnLst>
+                                    <p:set>
+                                      <p:cBhvr>
+                                        <p:cTn id="11" dur="1" fill="hold">
+                                          <p:stCondLst>
+                                            <p:cond delay="0"/>
+                                          </p:stCondLst>
+                                        </p:cTn>
+                                        <p:tgtEl>
+                                          <p:spTgt spid="3">
+                                            <p:txEl>
+                                              <p:pRg st="1" end="1"/>
+                                            </p:txEl>
+                                          </p:spTgt>
+                                        </p:tgtEl>
+                                        <p:attrNameLst>
+                                          <p:attrName>style.visibility</p:attrName>
+                                        </p:attrNameLst>
+                                      </p:cBhvr>
+                                      <p:to>
+                                        <p:strVal val="visible"/>
+                                      </p:to>
+                                    </p:set>
+                                    <p:animEffect transition="in" filter="fade">
+                                      <p:cBhvr>
+                                        <p:cTn id="12" dur="500"/>
+                                        <p:tgtEl>
+                                          <p:spTgt spid="3">
+                                            <p:txEl>
+                                              <p:pRg st="1" end="1"/>
+                                            </p:txEl>
+                                          </p:spTgt>
+                                        </p:tgtEl>
+                                      </p:cBhvr>
+                                    </p:animEffect>
+                                  </p:childTnLst>
+                                </p:cTn>
+                              </p:par>
+                              <p:par>
+                                <p:cTn id="13" presetID="10" presetClass="entr" presetSubtype="0" fill="hold" grpId="0" nodeType="withEffect">
+                                  <p:stCondLst>
+                                    <p:cond delay="0"/>
+                                  </p:stCondLst>
+                                  <p:childTnLst>
+                                    <p:set>
+                                      <p:cBhvr>
+                                        <p:cTn id="14" dur="1" fill="hold">
+                                          <p:stCondLst>
+                                            <p:cond delay="0"/>
+                                          </p:stCondLst>
+                                        </p:cTn>
+                                        <p:tgtEl>
+                                          <p:spTgt spid="3">
+                                            <p:txEl>
+                                              <p:pRg st="2" end="2"/>
+                                            </p:txEl>
+                                          </p:spTgt>
+                                        </p:tgtEl>
+                                        <p:attrNameLst>
+                                          <p:attrName>style.visibility</p:attrName>
+                                        </p:attrNameLst>
+                                      </p:cBhvr>
+                                      <p:to>
+                                        <p:strVal val="visible"/>
+                                      </p:to>
+                                    </p:set>
+                                    <p:animEffect transition="in" filter="fade">
+                                      <p:cBhvr>
+                                        <p:cTn id="15" dur="500"/>
+                                        <p:tgtEl>
+                                          <p:spTgt spid="3">
+                                            <p:txEl>
+                                              <p:pRg st="2" end="2"/>
+                                            </p:txEl>
+                                          </p:spTgt>
+                                        </p:tgtEl>
+                                      </p:cBhvr>
+                                    </p:animEffect>
+                                  </p:childTnLst>
+                                </p:cTn>
+                              </p:par>
+                            </p:childTnLst>
+                          </p:cTn>
+                        </p:par>
+                      </p:childTnLst>
+                    </p:cTn>
+                  </p:par>
+                </p:childTnLst>
+              </p:cTn>
+              <p:prevCondLst>
+                <p:cond evt="onPrev" delay="0">
+                  <p:tgtEl>
+                    <p:sldTgt/>
+                  </p:tgtEl>
+                </p:cond>
+              </p:prevCondLst>
+              <p:nextCondLst>
+                <p:cond evt="onNext" delay="0">
+                  <p:tgtEl>
+                    <p:sldTgt/>
+                  </p:tgtEl>
+                </p:cond>
+              </p:nextCondLst>
+            </p:seq>
+          </p:childTnLst>
+        </p:cTn>
+      </p:par>
+    </p:tnLst>
+    <p:bldLst>
+      <p:bldP spid="3" grpId="0" build="p"/>
+    </p:bldLst>
+  </p:timing>
+</p:sld>
+</file>
+
+<file path=ppt/slides/slide19.xml><?xml version="1.0" encoding="utf-8"?>
+<p:sld xmlns:a="http://schemas.openxmlformats.org/drawingml/2006/main" xmlns:r="http://schemas.openxmlformats.org/officeDocument/2006/relationships" xmlns:p="http://schemas.openxmlformats.org/presentationml/2006/main">
+  <p:cSld>
+    <p:spTree>
+      <p:nvGrpSpPr>
+        <p:cNvPr id="1" name=""/>
+        <p:cNvGrpSpPr/>
+        <p:nvPr/>
+      </p:nvGrpSpPr>
+      <p:grpSpPr>
+        <a:xfrm>
+          <a:off x="0" y="0"/>
+          <a:ext cx="0" cy="0"/>
+          <a:chOff x="0" y="0"/>
+          <a:chExt cx="0" cy="0"/>
+        </a:xfrm>
+      </p:grpSpPr>
+      <p:sp>
+        <p:nvSpPr>
+          <p:cNvPr id="4" name="Заголовок 3"/>
+          <p:cNvSpPr>
+            <a:spLocks noGrp="1"/>
+          </p:cNvSpPr>
+          <p:nvPr>
+            <p:ph type="title"/>
+          </p:nvPr>
+        </p:nvSpPr>
+        <p:spPr/>
+        <p:txBody>
+          <a:bodyPr/>
+          <a:lstStyle/>
+          <a:p>
+            <a:r>
+              <a:rPr lang="ru-RU" dirty="0"/>
+              <a:t>Паттерн Наблюдатель</a:t>
+            </a:r>
+          </a:p>
+        </p:txBody>
+      </p:sp>
+      <p:pic>
+        <p:nvPicPr>
+          <p:cNvPr id="2" name="Picture 1"/>
+          <p:cNvPicPr>
+            <a:picLocks noChangeAspect="1"/>
+          </p:cNvPicPr>
+          <p:nvPr/>
+        </p:nvPicPr>
+        <p:blipFill>
+          <a:blip r:embed="rId3" cstate="print">
+            <a:extLst>
+              <a:ext uri="{28A0092B-C50C-407E-A947-70E740481C1C}">
+                <a14:useLocalDpi xmlns:a14="http://schemas.microsoft.com/office/drawing/2010/main" val="0"/>
+              </a:ext>
+            </a:extLst>
+          </a:blip>
+          <a:stretch>
+            <a:fillRect/>
+          </a:stretch>
+        </p:blipFill>
+        <p:spPr>
+          <a:xfrm>
+            <a:off x="1703512" y="1484784"/>
+            <a:ext cx="8784976" cy="4374668"/>
+          </a:xfrm>
+          <a:prstGeom prst="rect">
+            <a:avLst/>
+          </a:prstGeom>
+        </p:spPr>
+      </p:pic>
+      <p:sp>
+        <p:nvSpPr>
+          <p:cNvPr id="3" name="TextBox 2"/>
+          <p:cNvSpPr txBox="1"/>
+          <p:nvPr/>
+        </p:nvSpPr>
+        <p:spPr>
+          <a:xfrm>
+            <a:off x="3803639" y="6169709"/>
+            <a:ext cx="4752528" cy="646331"/>
+          </a:xfrm>
+          <a:prstGeom prst="rect">
+            <a:avLst/>
+          </a:prstGeom>
+          <a:noFill/>
+        </p:spPr>
+        <p:txBody>
+          <a:bodyPr wrap="square" rtlCol="0">
+            <a:spAutoFit/>
+          </a:bodyPr>
+          <a:lstStyle/>
+          <a:p>
+            <a:r>
+              <a:rPr lang="ru-RU" dirty="0"/>
+              <a:t>Объект не является наблюдателем, поэтому не получает оповещения</a:t>
+            </a:r>
+          </a:p>
+        </p:txBody>
+      </p:sp>
+      <p:sp>
+        <p:nvSpPr>
+          <p:cNvPr id="5" name="Freeform 4"/>
+          <p:cNvSpPr/>
+          <p:nvPr/>
+        </p:nvSpPr>
+        <p:spPr>
+          <a:xfrm>
+            <a:off x="3359696" y="5308472"/>
+            <a:ext cx="648479" cy="861237"/>
+          </a:xfrm>
+          <a:custGeom>
+            <a:avLst/>
+            <a:gdLst>
+              <a:gd name="connsiteX0" fmla="*/ 648479 w 648479"/>
+              <a:gd name="connsiteY0" fmla="*/ 861237 h 861237"/>
+              <a:gd name="connsiteX1" fmla="*/ 63688 w 648479"/>
+              <a:gd name="connsiteY1" fmla="*/ 595423 h 861237"/>
+              <a:gd name="connsiteX2" fmla="*/ 42423 w 648479"/>
+              <a:gd name="connsiteY2" fmla="*/ 0 h 861237"/>
+            </a:gdLst>
+            <a:ahLst/>
+            <a:cxnLst>
+              <a:cxn ang="0">
+                <a:pos x="connsiteX0" y="connsiteY0"/>
+              </a:cxn>
+              <a:cxn ang="0">
+                <a:pos x="connsiteX1" y="connsiteY1"/>
+              </a:cxn>
+              <a:cxn ang="0">
+                <a:pos x="connsiteX2" y="connsiteY2"/>
+              </a:cxn>
+            </a:cxnLst>
+            <a:rect l="l" t="t" r="r" b="b"/>
+            <a:pathLst>
+              <a:path w="648479" h="861237">
+                <a:moveTo>
+                  <a:pt x="648479" y="861237"/>
+                </a:moveTo>
+                <a:cubicBezTo>
+                  <a:pt x="406588" y="800100"/>
+                  <a:pt x="164697" y="738963"/>
+                  <a:pt x="63688" y="595423"/>
+                </a:cubicBezTo>
+                <a:cubicBezTo>
+                  <a:pt x="-37321" y="451883"/>
+                  <a:pt x="2551" y="225941"/>
+                  <a:pt x="42423" y="0"/>
+                </a:cubicBezTo>
+              </a:path>
+            </a:pathLst>
+          </a:custGeom>
+          <a:noFill/>
+          <a:ln w="12700">
+            <a:solidFill>
+              <a:schemeClr val="tx1"/>
+            </a:solidFill>
+            <a:headEnd type="none" w="med" len="med"/>
+            <a:tailEnd type="arrow" w="med" len="med"/>
+          </a:ln>
+        </p:spPr>
+        <p:style>
+          <a:lnRef idx="2">
+            <a:schemeClr val="accent1">
+              <a:shade val="50000"/>
+            </a:schemeClr>
+          </a:lnRef>
+          <a:fillRef idx="1">
+            <a:schemeClr val="accent1"/>
+          </a:fillRef>
+          <a:effectRef idx="0">
+            <a:schemeClr val="accent1"/>
+          </a:effectRef>
+          <a:fontRef idx="minor">
+            <a:schemeClr val="lt1"/>
+          </a:fontRef>
+        </p:style>
+        <p:txBody>
+          <a:bodyPr rtlCol="0" anchor="ctr"/>
+          <a:lstStyle/>
+          <a:p>
+            <a:pPr algn="ctr"/>
+            <a:endParaRPr lang="ru-RU"/>
+          </a:p>
+        </p:txBody>
+      </p:sp>
+    </p:spTree>
+    <p:extLst>
+      <p:ext uri="{BB962C8B-B14F-4D97-AF65-F5344CB8AC3E}">
+        <p14:creationId xmlns:p14="http://schemas.microsoft.com/office/powerpoint/2010/main" val="3644593393"/>
       </p:ext>
     </p:extLst>
   </p:cSld>
@@ -8122,7 +8769,100 @@
 </p:sld>
 </file>
 
-<file path=ppt/slides/slide19.xml><?xml version="1.0" encoding="utf-8"?>
+<file path=ppt/slides/slide2.xml><?xml version="1.0" encoding="utf-8"?>
+<p:sld xmlns:a="http://schemas.openxmlformats.org/drawingml/2006/main" xmlns:r="http://schemas.openxmlformats.org/officeDocument/2006/relationships" xmlns:p="http://schemas.openxmlformats.org/presentationml/2006/main">
+  <p:cSld>
+    <p:spTree>
+      <p:nvGrpSpPr>
+        <p:cNvPr id="1" name=""/>
+        <p:cNvGrpSpPr/>
+        <p:nvPr/>
+      </p:nvGrpSpPr>
+      <p:grpSpPr>
+        <a:xfrm>
+          <a:off x="0" y="0"/>
+          <a:ext cx="0" cy="0"/>
+          <a:chOff x="0" y="0"/>
+          <a:chExt cx="0" cy="0"/>
+        </a:xfrm>
+      </p:grpSpPr>
+      <p:sp>
+        <p:nvSpPr>
+          <p:cNvPr id="2" name="Заголовок 1">
+            <a:extLst>
+              <a:ext uri="{FF2B5EF4-FFF2-40B4-BE49-F238E27FC236}">
+                <a16:creationId xmlns:a16="http://schemas.microsoft.com/office/drawing/2014/main" id="{D2CD8298-70BA-18D6-EF7E-186A292849BB}"/>
+              </a:ext>
+            </a:extLst>
+          </p:cNvPr>
+          <p:cNvSpPr>
+            <a:spLocks noGrp="1"/>
+          </p:cNvSpPr>
+          <p:nvPr>
+            <p:ph type="title"/>
+          </p:nvPr>
+        </p:nvSpPr>
+        <p:spPr/>
+        <p:txBody>
+          <a:bodyPr/>
+          <a:lstStyle/>
+          <a:p>
+            <a:r>
+              <a:rPr lang="ru-RU" dirty="0"/>
+              <a:t>Пример</a:t>
+            </a:r>
+          </a:p>
+        </p:txBody>
+      </p:sp>
+      <p:pic>
+        <p:nvPicPr>
+          <p:cNvPr id="7" name="Объект 6">
+            <a:extLst>
+              <a:ext uri="{FF2B5EF4-FFF2-40B4-BE49-F238E27FC236}">
+                <a16:creationId xmlns:a16="http://schemas.microsoft.com/office/drawing/2014/main" id="{70E2EC8F-35C8-8CB4-19A1-552E98E3A9E0}"/>
+              </a:ext>
+            </a:extLst>
+          </p:cNvPr>
+          <p:cNvPicPr>
+            <a:picLocks noGrp="1" noChangeAspect="1"/>
+          </p:cNvPicPr>
+          <p:nvPr>
+            <p:ph idx="1"/>
+          </p:nvPr>
+        </p:nvPicPr>
+        <p:blipFill>
+          <a:blip r:embed="rId2">
+            <a:extLst>
+              <a:ext uri="{28A0092B-C50C-407E-A947-70E740481C1C}">
+                <a14:useLocalDpi xmlns:a14="http://schemas.microsoft.com/office/drawing/2010/main" val="0"/>
+              </a:ext>
+            </a:extLst>
+          </a:blip>
+          <a:stretch>
+            <a:fillRect/>
+          </a:stretch>
+        </p:blipFill>
+        <p:spPr>
+          <a:xfrm>
+            <a:off x="2447239" y="2077244"/>
+            <a:ext cx="7297522" cy="3848100"/>
+          </a:xfrm>
+        </p:spPr>
+      </p:pic>
+    </p:spTree>
+    <p:extLst>
+      <p:ext uri="{BB962C8B-B14F-4D97-AF65-F5344CB8AC3E}">
+        <p14:creationId xmlns:p14="http://schemas.microsoft.com/office/powerpoint/2010/main" val="1373731628"/>
+      </p:ext>
+    </p:extLst>
+  </p:cSld>
+  <p:clrMapOvr>
+    <a:masterClrMapping/>
+  </p:clrMapOvr>
+</p:sld>
+</file>
+
+<file path=ppt/slides/slide20.xml><?xml version="1.0" encoding="utf-8"?>
 <p:sld xmlns:a="http://schemas.openxmlformats.org/drawingml/2006/main" xmlns:r="http://schemas.openxmlformats.org/officeDocument/2006/relationships" xmlns:p="http://schemas.openxmlformats.org/presentationml/2006/main">
   <p:cSld>
     <p:spTree>
@@ -8151,14 +8891,12 @@
         </p:nvSpPr>
         <p:spPr/>
         <p:txBody>
-          <a:bodyPr>
-            <a:normAutofit/>
-          </a:bodyPr>
+          <a:bodyPr/>
           <a:lstStyle/>
           <a:p>
             <a:r>
               <a:rPr lang="ru-RU" dirty="0"/>
-              <a:t>Издатели + Подписчики = Паттерн Наблюдатель</a:t>
+              <a:t>Паттерн Наблюдатель</a:t>
             </a:r>
           </a:p>
         </p:txBody>
@@ -8179,36 +8917,8 @@
           <a:lstStyle/>
           <a:p>
             <a:r>
-              <a:rPr lang="ru-RU" b="1" dirty="0"/>
-              <a:t>Субъект</a:t>
-            </a:r>
-            <a:r>
               <a:rPr lang="ru-RU" dirty="0"/>
-              <a:t> – тот кто управляет данными</a:t>
-            </a:r>
-          </a:p>
-          <a:p>
-            <a:pPr lvl="1"/>
-            <a:r>
-              <a:rPr lang="ru-RU" dirty="0"/>
-              <a:t>Оповещает наблюдателей об изменении данных</a:t>
-            </a:r>
-          </a:p>
-          <a:p>
-            <a:r>
-              <a:rPr lang="ru-RU" b="1" dirty="0"/>
-              <a:t>Наблюдатель</a:t>
-            </a:r>
-            <a:r>
-              <a:rPr lang="ru-RU" dirty="0"/>
-              <a:t> – тот, кто получает оповещения от Субъекта</a:t>
-            </a:r>
-          </a:p>
-          <a:p>
-            <a:pPr lvl="1"/>
-            <a:r>
-              <a:rPr lang="ru-RU" dirty="0"/>
-              <a:t>Регистрируется у Субъекта для получения оповещения об изменении его данных</a:t>
+              <a:t>Определяет отношение «один-ко-многим» между объектами таким образом, что при изменении состояния одного объекта происходит автоматическое оповещение и обновление зависимых объектов</a:t>
             </a:r>
           </a:p>
         </p:txBody>
@@ -8216,7 +8926,211 @@
     </p:spTree>
     <p:extLst>
       <p:ext uri="{BB962C8B-B14F-4D97-AF65-F5344CB8AC3E}">
-        <p14:creationId xmlns:p14="http://schemas.microsoft.com/office/powerpoint/2010/main" val="1022904673"/>
+        <p14:creationId xmlns:p14="http://schemas.microsoft.com/office/powerpoint/2010/main" val="937458018"/>
+      </p:ext>
+    </p:extLst>
+  </p:cSld>
+  <p:clrMapOvr>
+    <a:masterClrMapping/>
+  </p:clrMapOvr>
+</p:sld>
+</file>
+
+<file path=ppt/slides/slide21.xml><?xml version="1.0" encoding="utf-8"?>
+<p:sld xmlns:a="http://schemas.openxmlformats.org/drawingml/2006/main" xmlns:r="http://schemas.openxmlformats.org/officeDocument/2006/relationships" xmlns:p="http://schemas.openxmlformats.org/presentationml/2006/main">
+  <p:cSld>
+    <p:spTree>
+      <p:nvGrpSpPr>
+        <p:cNvPr id="1" name=""/>
+        <p:cNvGrpSpPr/>
+        <p:nvPr/>
+      </p:nvGrpSpPr>
+      <p:grpSpPr>
+        <a:xfrm>
+          <a:off x="0" y="0"/>
+          <a:ext cx="0" cy="0"/>
+          <a:chOff x="0" y="0"/>
+          <a:chExt cx="0" cy="0"/>
+        </a:xfrm>
+      </p:grpSpPr>
+      <p:sp>
+        <p:nvSpPr>
+          <p:cNvPr id="4" name="Title 3"/>
+          <p:cNvSpPr>
+            <a:spLocks noGrp="1"/>
+          </p:cNvSpPr>
+          <p:nvPr>
+            <p:ph type="title"/>
+          </p:nvPr>
+        </p:nvSpPr>
+        <p:spPr/>
+        <p:txBody>
+          <a:bodyPr>
+            <a:normAutofit/>
+          </a:bodyPr>
+          <a:lstStyle/>
+          <a:p>
+            <a:r>
+              <a:rPr lang="ru-RU" dirty="0"/>
+              <a:t>Структура паттерна Наблюдатель</a:t>
+            </a:r>
+          </a:p>
+        </p:txBody>
+      </p:sp>
+      <p:pic>
+        <p:nvPicPr>
+          <p:cNvPr id="5" name="Picture 4"/>
+          <p:cNvPicPr>
+            <a:picLocks noChangeAspect="1"/>
+          </p:cNvPicPr>
+          <p:nvPr/>
+        </p:nvPicPr>
+        <p:blipFill>
+          <a:blip r:embed="rId2" cstate="print">
+            <a:extLst>
+              <a:ext uri="{28A0092B-C50C-407E-A947-70E740481C1C}">
+                <a14:useLocalDpi xmlns:a14="http://schemas.microsoft.com/office/drawing/2010/main" val="0"/>
+              </a:ext>
+            </a:extLst>
+          </a:blip>
+          <a:stretch>
+            <a:fillRect/>
+          </a:stretch>
+        </p:blipFill>
+        <p:spPr>
+          <a:xfrm>
+            <a:off x="1775520" y="1628800"/>
+            <a:ext cx="8214208" cy="5154930"/>
+          </a:xfrm>
+          <a:prstGeom prst="rect">
+            <a:avLst/>
+          </a:prstGeom>
+        </p:spPr>
+      </p:pic>
+    </p:spTree>
+    <p:extLst>
+      <p:ext uri="{BB962C8B-B14F-4D97-AF65-F5344CB8AC3E}">
+        <p14:creationId xmlns:p14="http://schemas.microsoft.com/office/powerpoint/2010/main" val="2126311908"/>
+      </p:ext>
+    </p:extLst>
+  </p:cSld>
+  <p:clrMapOvr>
+    <a:masterClrMapping/>
+  </p:clrMapOvr>
+</p:sld>
+</file>
+
+<file path=ppt/slides/slide22.xml><?xml version="1.0" encoding="utf-8"?>
+<p:sld xmlns:a="http://schemas.openxmlformats.org/drawingml/2006/main" xmlns:r="http://schemas.openxmlformats.org/officeDocument/2006/relationships" xmlns:p="http://schemas.openxmlformats.org/presentationml/2006/main">
+  <p:cSld>
+    <p:spTree>
+      <p:nvGrpSpPr>
+        <p:cNvPr id="1" name=""/>
+        <p:cNvGrpSpPr/>
+        <p:nvPr/>
+      </p:nvGrpSpPr>
+      <p:grpSpPr>
+        <a:xfrm>
+          <a:off x="0" y="0"/>
+          <a:ext cx="0" cy="0"/>
+          <a:chOff x="0" y="0"/>
+          <a:chExt cx="0" cy="0"/>
+        </a:xfrm>
+      </p:grpSpPr>
+      <p:sp>
+        <p:nvSpPr>
+          <p:cNvPr id="2" name="Title 1"/>
+          <p:cNvSpPr>
+            <a:spLocks noGrp="1"/>
+          </p:cNvSpPr>
+          <p:nvPr>
+            <p:ph type="title"/>
+          </p:nvPr>
+        </p:nvSpPr>
+        <p:spPr/>
+        <p:txBody>
+          <a:bodyPr/>
+          <a:lstStyle/>
+          <a:p>
+            <a:r>
+              <a:rPr lang="ru-RU" dirty="0"/>
+              <a:t>Отношение «один-ко-многим»</a:t>
+            </a:r>
+          </a:p>
+        </p:txBody>
+      </p:sp>
+      <p:sp>
+        <p:nvSpPr>
+          <p:cNvPr id="3" name="Content Placeholder 2"/>
+          <p:cNvSpPr>
+            <a:spLocks noGrp="1"/>
+          </p:cNvSpPr>
+          <p:nvPr>
+            <p:ph idx="1"/>
+          </p:nvPr>
+        </p:nvSpPr>
+        <p:spPr/>
+        <p:txBody>
+          <a:bodyPr/>
+          <a:lstStyle/>
+          <a:p>
+            <a:r>
+              <a:rPr lang="ru-RU" b="1" dirty="0"/>
+              <a:t>Один субъект </a:t>
+            </a:r>
+            <a:r>
+              <a:rPr lang="ru-RU" dirty="0"/>
+              <a:t>обладает и управляет состоянием</a:t>
+            </a:r>
+          </a:p>
+          <a:p>
+            <a:pPr lvl="1"/>
+            <a:r>
+              <a:rPr lang="ru-RU" dirty="0"/>
+              <a:t>Нельзя изменить состояние в обход субъекта</a:t>
+            </a:r>
+          </a:p>
+          <a:p>
+            <a:r>
+              <a:rPr lang="ru-RU" dirty="0"/>
+              <a:t>Наблюдатели используют состояние, но не обладают им</a:t>
+            </a:r>
+          </a:p>
+          <a:p>
+            <a:pPr lvl="1"/>
+            <a:r>
+              <a:rPr lang="ru-RU" dirty="0"/>
+              <a:t>Наблюдатели зависят от субъекта, который оповещает их об изменении состояния</a:t>
+            </a:r>
+          </a:p>
+          <a:p>
+            <a:r>
+              <a:rPr lang="ru-RU" dirty="0"/>
+              <a:t>Может быть </a:t>
+            </a:r>
+            <a:r>
+              <a:rPr lang="ru-RU" b="1" dirty="0"/>
+              <a:t>много</a:t>
+            </a:r>
+            <a:r>
+              <a:rPr lang="ru-RU" dirty="0"/>
+              <a:t> </a:t>
+            </a:r>
+            <a:r>
+              <a:rPr lang="ru-RU" b="1" dirty="0"/>
+              <a:t>наблюдателей</a:t>
+            </a:r>
+            <a:r>
+              <a:rPr lang="ru-RU" dirty="0"/>
+              <a:t>, которые получают уведомления от субъекта</a:t>
+            </a:r>
+          </a:p>
+        </p:txBody>
+      </p:sp>
+    </p:spTree>
+    <p:extLst>
+      <p:ext uri="{BB962C8B-B14F-4D97-AF65-F5344CB8AC3E}">
+        <p14:creationId xmlns:p14="http://schemas.microsoft.com/office/powerpoint/2010/main" val="1743482509"/>
       </p:ext>
     </p:extLst>
   </p:cSld>
@@ -8439,587 +9353,27 @@
                       </p:childTnLst>
                     </p:cTn>
                   </p:par>
-                </p:childTnLst>
-              </p:cTn>
-              <p:prevCondLst>
-                <p:cond evt="onPrev" delay="0">
-                  <p:tgtEl>
-                    <p:sldTgt/>
-                  </p:tgtEl>
-                </p:cond>
-              </p:prevCondLst>
-              <p:nextCondLst>
-                <p:cond evt="onNext" delay="0">
-                  <p:tgtEl>
-                    <p:sldTgt/>
-                  </p:tgtEl>
-                </p:cond>
-              </p:nextCondLst>
-            </p:seq>
-          </p:childTnLst>
-        </p:cTn>
-      </p:par>
-    </p:tnLst>
-    <p:bldLst>
-      <p:bldP spid="3" grpId="0" build="p"/>
-    </p:bldLst>
-  </p:timing>
-</p:sld>
-</file>
-
-<file path=ppt/slides/slide2.xml><?xml version="1.0" encoding="utf-8"?>
-<p:sld xmlns:a="http://schemas.openxmlformats.org/drawingml/2006/main" xmlns:r="http://schemas.openxmlformats.org/officeDocument/2006/relationships" xmlns:p="http://schemas.openxmlformats.org/presentationml/2006/main">
-  <p:cSld>
-    <p:spTree>
-      <p:nvGrpSpPr>
-        <p:cNvPr id="1" name=""/>
-        <p:cNvGrpSpPr/>
-        <p:nvPr/>
-      </p:nvGrpSpPr>
-      <p:grpSpPr>
-        <a:xfrm>
-          <a:off x="0" y="0"/>
-          <a:ext cx="0" cy="0"/>
-          <a:chOff x="0" y="0"/>
-          <a:chExt cx="0" cy="0"/>
-        </a:xfrm>
-      </p:grpSpPr>
-      <p:sp>
-        <p:nvSpPr>
-          <p:cNvPr id="2" name="Заголовок 1">
-            <a:extLst>
-              <a:ext uri="{FF2B5EF4-FFF2-40B4-BE49-F238E27FC236}">
-                <a16:creationId xmlns:a16="http://schemas.microsoft.com/office/drawing/2014/main" id="{D2CD8298-70BA-18D6-EF7E-186A292849BB}"/>
-              </a:ext>
-            </a:extLst>
-          </p:cNvPr>
-          <p:cNvSpPr>
-            <a:spLocks noGrp="1"/>
-          </p:cNvSpPr>
-          <p:nvPr>
-            <p:ph type="title"/>
-          </p:nvPr>
-        </p:nvSpPr>
-        <p:spPr/>
-        <p:txBody>
-          <a:bodyPr/>
-          <a:lstStyle/>
-          <a:p>
-            <a:r>
-              <a:rPr lang="ru-RU" dirty="0"/>
-              <a:t>Пример</a:t>
-            </a:r>
-          </a:p>
-        </p:txBody>
-      </p:sp>
-      <p:pic>
-        <p:nvPicPr>
-          <p:cNvPr id="7" name="Объект 6">
-            <a:extLst>
-              <a:ext uri="{FF2B5EF4-FFF2-40B4-BE49-F238E27FC236}">
-                <a16:creationId xmlns:a16="http://schemas.microsoft.com/office/drawing/2014/main" id="{70E2EC8F-35C8-8CB4-19A1-552E98E3A9E0}"/>
-              </a:ext>
-            </a:extLst>
-          </p:cNvPr>
-          <p:cNvPicPr>
-            <a:picLocks noGrp="1" noChangeAspect="1"/>
-          </p:cNvPicPr>
-          <p:nvPr>
-            <p:ph idx="1"/>
-          </p:nvPr>
-        </p:nvPicPr>
-        <p:blipFill>
-          <a:blip r:embed="rId2">
-            <a:extLst>
-              <a:ext uri="{28A0092B-C50C-407E-A947-70E740481C1C}">
-                <a14:useLocalDpi xmlns:a14="http://schemas.microsoft.com/office/drawing/2010/main" val="0"/>
-              </a:ext>
-            </a:extLst>
-          </a:blip>
-          <a:stretch/>
-        </p:blipFill>
-        <p:spPr>
-          <a:xfrm>
-            <a:off x="2276475" y="2077244"/>
-            <a:ext cx="7639050" cy="3848100"/>
-          </a:xfrm>
-        </p:spPr>
-      </p:pic>
-    </p:spTree>
-    <p:extLst>
-      <p:ext uri="{BB962C8B-B14F-4D97-AF65-F5344CB8AC3E}">
-        <p14:creationId xmlns:p14="http://schemas.microsoft.com/office/powerpoint/2010/main" val="1373731628"/>
-      </p:ext>
-    </p:extLst>
-  </p:cSld>
-  <p:clrMapOvr>
-    <a:masterClrMapping/>
-  </p:clrMapOvr>
-</p:sld>
-</file>
-
-<file path=ppt/slides/slide20.xml><?xml version="1.0" encoding="utf-8"?>
-<p:sld xmlns:a="http://schemas.openxmlformats.org/drawingml/2006/main" xmlns:r="http://schemas.openxmlformats.org/officeDocument/2006/relationships" xmlns:p="http://schemas.openxmlformats.org/presentationml/2006/main">
-  <p:cSld>
-    <p:spTree>
-      <p:nvGrpSpPr>
-        <p:cNvPr id="1" name=""/>
-        <p:cNvGrpSpPr/>
-        <p:nvPr/>
-      </p:nvGrpSpPr>
-      <p:grpSpPr>
-        <a:xfrm>
-          <a:off x="0" y="0"/>
-          <a:ext cx="0" cy="0"/>
-          <a:chOff x="0" y="0"/>
-          <a:chExt cx="0" cy="0"/>
-        </a:xfrm>
-      </p:grpSpPr>
-      <p:sp>
-        <p:nvSpPr>
-          <p:cNvPr id="4" name="Заголовок 3"/>
-          <p:cNvSpPr>
-            <a:spLocks noGrp="1"/>
-          </p:cNvSpPr>
-          <p:nvPr>
-            <p:ph type="title"/>
-          </p:nvPr>
-        </p:nvSpPr>
-        <p:spPr/>
-        <p:txBody>
-          <a:bodyPr/>
-          <a:lstStyle/>
-          <a:p>
-            <a:r>
-              <a:rPr lang="ru-RU" dirty="0"/>
-              <a:t>Паттерн Наблюдатель</a:t>
-            </a:r>
-          </a:p>
-        </p:txBody>
-      </p:sp>
-      <p:pic>
-        <p:nvPicPr>
-          <p:cNvPr id="2" name="Picture 1"/>
-          <p:cNvPicPr>
-            <a:picLocks noChangeAspect="1"/>
-          </p:cNvPicPr>
-          <p:nvPr/>
-        </p:nvPicPr>
-        <p:blipFill>
-          <a:blip r:embed="rId3"/>
-          <a:stretch>
-            <a:fillRect/>
-          </a:stretch>
-        </p:blipFill>
-        <p:spPr>
-          <a:xfrm>
-            <a:off x="1732167" y="1844824"/>
-            <a:ext cx="8727667" cy="3328268"/>
-          </a:xfrm>
-          <a:prstGeom prst="rect">
-            <a:avLst/>
-          </a:prstGeom>
-        </p:spPr>
-      </p:pic>
-      <p:sp>
-        <p:nvSpPr>
-          <p:cNvPr id="3" name="TextBox 2"/>
-          <p:cNvSpPr txBox="1"/>
-          <p:nvPr/>
-        </p:nvSpPr>
-        <p:spPr>
-          <a:xfrm>
-            <a:off x="3503712" y="5877273"/>
-            <a:ext cx="4752528" cy="646331"/>
-          </a:xfrm>
-          <a:prstGeom prst="rect">
-            <a:avLst/>
-          </a:prstGeom>
-          <a:noFill/>
-        </p:spPr>
-        <p:txBody>
-          <a:bodyPr wrap="square" rtlCol="0">
-            <a:spAutoFit/>
-          </a:bodyPr>
-          <a:lstStyle/>
-          <a:p>
-            <a:r>
-              <a:rPr lang="ru-RU" dirty="0"/>
-              <a:t>Объект не является наблюдателем, поэтому не получает оповещения</a:t>
-            </a:r>
-          </a:p>
-        </p:txBody>
-      </p:sp>
-      <p:sp>
-        <p:nvSpPr>
-          <p:cNvPr id="5" name="Freeform 4"/>
-          <p:cNvSpPr/>
-          <p:nvPr/>
-        </p:nvSpPr>
-        <p:spPr>
-          <a:xfrm>
-            <a:off x="3501764" y="4965406"/>
-            <a:ext cx="648479" cy="861237"/>
-          </a:xfrm>
-          <a:custGeom>
-            <a:avLst/>
-            <a:gdLst>
-              <a:gd name="connsiteX0" fmla="*/ 648479 w 648479"/>
-              <a:gd name="connsiteY0" fmla="*/ 861237 h 861237"/>
-              <a:gd name="connsiteX1" fmla="*/ 63688 w 648479"/>
-              <a:gd name="connsiteY1" fmla="*/ 595423 h 861237"/>
-              <a:gd name="connsiteX2" fmla="*/ 42423 w 648479"/>
-              <a:gd name="connsiteY2" fmla="*/ 0 h 861237"/>
-            </a:gdLst>
-            <a:ahLst/>
-            <a:cxnLst>
-              <a:cxn ang="0">
-                <a:pos x="connsiteX0" y="connsiteY0"/>
-              </a:cxn>
-              <a:cxn ang="0">
-                <a:pos x="connsiteX1" y="connsiteY1"/>
-              </a:cxn>
-              <a:cxn ang="0">
-                <a:pos x="connsiteX2" y="connsiteY2"/>
-              </a:cxn>
-            </a:cxnLst>
-            <a:rect l="l" t="t" r="r" b="b"/>
-            <a:pathLst>
-              <a:path w="648479" h="861237">
-                <a:moveTo>
-                  <a:pt x="648479" y="861237"/>
-                </a:moveTo>
-                <a:cubicBezTo>
-                  <a:pt x="406588" y="800100"/>
-                  <a:pt x="164697" y="738963"/>
-                  <a:pt x="63688" y="595423"/>
-                </a:cubicBezTo>
-                <a:cubicBezTo>
-                  <a:pt x="-37321" y="451883"/>
-                  <a:pt x="2551" y="225941"/>
-                  <a:pt x="42423" y="0"/>
-                </a:cubicBezTo>
-              </a:path>
-            </a:pathLst>
-          </a:custGeom>
-          <a:noFill/>
-          <a:ln w="12700">
-            <a:solidFill>
-              <a:schemeClr val="tx1"/>
-            </a:solidFill>
-            <a:headEnd type="none" w="med" len="med"/>
-            <a:tailEnd type="arrow" w="med" len="med"/>
-          </a:ln>
-        </p:spPr>
-        <p:style>
-          <a:lnRef idx="2">
-            <a:schemeClr val="accent1">
-              <a:shade val="50000"/>
-            </a:schemeClr>
-          </a:lnRef>
-          <a:fillRef idx="1">
-            <a:schemeClr val="accent1"/>
-          </a:fillRef>
-          <a:effectRef idx="0">
-            <a:schemeClr val="accent1"/>
-          </a:effectRef>
-          <a:fontRef idx="minor">
-            <a:schemeClr val="lt1"/>
-          </a:fontRef>
-        </p:style>
-        <p:txBody>
-          <a:bodyPr rtlCol="0" anchor="ctr"/>
-          <a:lstStyle/>
-          <a:p>
-            <a:pPr algn="ctr"/>
-            <a:endParaRPr lang="ru-RU"/>
-          </a:p>
-        </p:txBody>
-      </p:sp>
-    </p:spTree>
-    <p:extLst>
-      <p:ext uri="{BB962C8B-B14F-4D97-AF65-F5344CB8AC3E}">
-        <p14:creationId xmlns:p14="http://schemas.microsoft.com/office/powerpoint/2010/main" val="3644593393"/>
-      </p:ext>
-    </p:extLst>
-  </p:cSld>
-  <p:clrMapOvr>
-    <a:masterClrMapping/>
-  </p:clrMapOvr>
-</p:sld>
-</file>
-
-<file path=ppt/slides/slide21.xml><?xml version="1.0" encoding="utf-8"?>
-<p:sld xmlns:a="http://schemas.openxmlformats.org/drawingml/2006/main" xmlns:r="http://schemas.openxmlformats.org/officeDocument/2006/relationships" xmlns:p="http://schemas.openxmlformats.org/presentationml/2006/main">
-  <p:cSld>
-    <p:spTree>
-      <p:nvGrpSpPr>
-        <p:cNvPr id="1" name=""/>
-        <p:cNvGrpSpPr/>
-        <p:nvPr/>
-      </p:nvGrpSpPr>
-      <p:grpSpPr>
-        <a:xfrm>
-          <a:off x="0" y="0"/>
-          <a:ext cx="0" cy="0"/>
-          <a:chOff x="0" y="0"/>
-          <a:chExt cx="0" cy="0"/>
-        </a:xfrm>
-      </p:grpSpPr>
-      <p:sp>
-        <p:nvSpPr>
-          <p:cNvPr id="2" name="Заголовок 1"/>
-          <p:cNvSpPr>
-            <a:spLocks noGrp="1"/>
-          </p:cNvSpPr>
-          <p:nvPr>
-            <p:ph type="title"/>
-          </p:nvPr>
-        </p:nvSpPr>
-        <p:spPr/>
-        <p:txBody>
-          <a:bodyPr/>
-          <a:lstStyle/>
-          <a:p>
-            <a:r>
-              <a:rPr lang="ru-RU" dirty="0"/>
-              <a:t>Паттерн Наблюдатель</a:t>
-            </a:r>
-          </a:p>
-        </p:txBody>
-      </p:sp>
-      <p:sp>
-        <p:nvSpPr>
-          <p:cNvPr id="3" name="Объект 2"/>
-          <p:cNvSpPr>
-            <a:spLocks noGrp="1"/>
-          </p:cNvSpPr>
-          <p:nvPr>
-            <p:ph idx="1"/>
-          </p:nvPr>
-        </p:nvSpPr>
-        <p:spPr/>
-        <p:txBody>
-          <a:bodyPr/>
-          <a:lstStyle/>
-          <a:p>
-            <a:r>
-              <a:rPr lang="ru-RU" dirty="0"/>
-              <a:t>Определяет отношение «один-ко-многим» между объектами таким образом, что при изменении состояния одного объекта происходит автоматическое оповещение и обновление зависимых объектов</a:t>
-            </a:r>
-          </a:p>
-        </p:txBody>
-      </p:sp>
-    </p:spTree>
-    <p:extLst>
-      <p:ext uri="{BB962C8B-B14F-4D97-AF65-F5344CB8AC3E}">
-        <p14:creationId xmlns:p14="http://schemas.microsoft.com/office/powerpoint/2010/main" val="937458018"/>
-      </p:ext>
-    </p:extLst>
-  </p:cSld>
-  <p:clrMapOvr>
-    <a:masterClrMapping/>
-  </p:clrMapOvr>
-</p:sld>
-</file>
-
-<file path=ppt/slides/slide22.xml><?xml version="1.0" encoding="utf-8"?>
-<p:sld xmlns:a="http://schemas.openxmlformats.org/drawingml/2006/main" xmlns:r="http://schemas.openxmlformats.org/officeDocument/2006/relationships" xmlns:p="http://schemas.openxmlformats.org/presentationml/2006/main">
-  <p:cSld>
-    <p:spTree>
-      <p:nvGrpSpPr>
-        <p:cNvPr id="1" name=""/>
-        <p:cNvGrpSpPr/>
-        <p:nvPr/>
-      </p:nvGrpSpPr>
-      <p:grpSpPr>
-        <a:xfrm>
-          <a:off x="0" y="0"/>
-          <a:ext cx="0" cy="0"/>
-          <a:chOff x="0" y="0"/>
-          <a:chExt cx="0" cy="0"/>
-        </a:xfrm>
-      </p:grpSpPr>
-      <p:sp>
-        <p:nvSpPr>
-          <p:cNvPr id="4" name="Title 3"/>
-          <p:cNvSpPr>
-            <a:spLocks noGrp="1"/>
-          </p:cNvSpPr>
-          <p:nvPr>
-            <p:ph type="title"/>
-          </p:nvPr>
-        </p:nvSpPr>
-        <p:spPr/>
-        <p:txBody>
-          <a:bodyPr>
-            <a:normAutofit/>
-          </a:bodyPr>
-          <a:lstStyle/>
-          <a:p>
-            <a:r>
-              <a:rPr lang="ru-RU" dirty="0"/>
-              <a:t>Структура паттерна Наблюдатель</a:t>
-            </a:r>
-          </a:p>
-        </p:txBody>
-      </p:sp>
-      <p:pic>
-        <p:nvPicPr>
-          <p:cNvPr id="5" name="Picture 4"/>
-          <p:cNvPicPr>
-            <a:picLocks noChangeAspect="1"/>
-          </p:cNvPicPr>
-          <p:nvPr/>
-        </p:nvPicPr>
-        <p:blipFill>
-          <a:blip r:embed="rId2"/>
-          <a:stretch>
-            <a:fillRect/>
-          </a:stretch>
-        </p:blipFill>
-        <p:spPr>
-          <a:xfrm>
-            <a:off x="1516302" y="1700808"/>
-            <a:ext cx="9010085" cy="4320480"/>
-          </a:xfrm>
-          <a:prstGeom prst="rect">
-            <a:avLst/>
-          </a:prstGeom>
-        </p:spPr>
-      </p:pic>
-    </p:spTree>
-    <p:extLst>
-      <p:ext uri="{BB962C8B-B14F-4D97-AF65-F5344CB8AC3E}">
-        <p14:creationId xmlns:p14="http://schemas.microsoft.com/office/powerpoint/2010/main" val="2126311908"/>
-      </p:ext>
-    </p:extLst>
-  </p:cSld>
-  <p:clrMapOvr>
-    <a:masterClrMapping/>
-  </p:clrMapOvr>
-</p:sld>
-</file>
-
-<file path=ppt/slides/slide23.xml><?xml version="1.0" encoding="utf-8"?>
-<p:sld xmlns:a="http://schemas.openxmlformats.org/drawingml/2006/main" xmlns:r="http://schemas.openxmlformats.org/officeDocument/2006/relationships" xmlns:p="http://schemas.openxmlformats.org/presentationml/2006/main">
-  <p:cSld>
-    <p:spTree>
-      <p:nvGrpSpPr>
-        <p:cNvPr id="1" name=""/>
-        <p:cNvGrpSpPr/>
-        <p:nvPr/>
-      </p:nvGrpSpPr>
-      <p:grpSpPr>
-        <a:xfrm>
-          <a:off x="0" y="0"/>
-          <a:ext cx="0" cy="0"/>
-          <a:chOff x="0" y="0"/>
-          <a:chExt cx="0" cy="0"/>
-        </a:xfrm>
-      </p:grpSpPr>
-      <p:sp>
-        <p:nvSpPr>
-          <p:cNvPr id="2" name="Title 1"/>
-          <p:cNvSpPr>
-            <a:spLocks noGrp="1"/>
-          </p:cNvSpPr>
-          <p:nvPr>
-            <p:ph type="title"/>
-          </p:nvPr>
-        </p:nvSpPr>
-        <p:spPr/>
-        <p:txBody>
-          <a:bodyPr/>
-          <a:lstStyle/>
-          <a:p>
-            <a:r>
-              <a:rPr lang="ru-RU" dirty="0"/>
-              <a:t>Отношение «один-ко-многим»</a:t>
-            </a:r>
-          </a:p>
-        </p:txBody>
-      </p:sp>
-      <p:sp>
-        <p:nvSpPr>
-          <p:cNvPr id="3" name="Content Placeholder 2"/>
-          <p:cNvSpPr>
-            <a:spLocks noGrp="1"/>
-          </p:cNvSpPr>
-          <p:nvPr>
-            <p:ph idx="1"/>
-          </p:nvPr>
-        </p:nvSpPr>
-        <p:spPr/>
-        <p:txBody>
-          <a:bodyPr/>
-          <a:lstStyle/>
-          <a:p>
-            <a:r>
-              <a:rPr lang="ru-RU" dirty="0"/>
-              <a:t>Субъект обладает и управляет состоянием</a:t>
-            </a:r>
-          </a:p>
-          <a:p>
-            <a:r>
-              <a:rPr lang="ru-RU" dirty="0"/>
-              <a:t>Наблюдатели используют состояние, но не обладают им</a:t>
-            </a:r>
-          </a:p>
-          <a:p>
-            <a:pPr lvl="1"/>
-            <a:r>
-              <a:rPr lang="ru-RU" dirty="0"/>
-              <a:t>Наблюдатели зависят от субъекта, который оповещает их об изменении состояния</a:t>
-            </a:r>
-          </a:p>
-          <a:p>
-            <a:r>
-              <a:rPr lang="ru-RU" dirty="0"/>
-              <a:t>Многие объекты используют одни и те же данные</a:t>
-            </a:r>
-          </a:p>
-        </p:txBody>
-      </p:sp>
-    </p:spTree>
-    <p:extLst>
-      <p:ext uri="{BB962C8B-B14F-4D97-AF65-F5344CB8AC3E}">
-        <p14:creationId xmlns:p14="http://schemas.microsoft.com/office/powerpoint/2010/main" val="1743482509"/>
-      </p:ext>
-    </p:extLst>
-  </p:cSld>
-  <p:clrMapOvr>
-    <a:masterClrMapping/>
-  </p:clrMapOvr>
-  <p:timing>
-    <p:tnLst>
-      <p:par>
-        <p:cTn id="1" dur="indefinite" restart="never" nodeType="tmRoot">
-          <p:childTnLst>
-            <p:seq concurrent="1" nextAc="seek">
-              <p:cTn id="2" dur="indefinite" nodeType="mainSeq">
-                <p:childTnLst>
                   <p:par>
-                    <p:cTn id="3" fill="hold">
+                    <p:cTn id="19" fill="hold">
                       <p:stCondLst>
                         <p:cond delay="indefinite"/>
                       </p:stCondLst>
                       <p:childTnLst>
                         <p:par>
-                          <p:cTn id="4" fill="hold">
+                          <p:cTn id="20" fill="hold">
                             <p:stCondLst>
                               <p:cond delay="0"/>
                             </p:stCondLst>
                             <p:childTnLst>
                               <p:par>
-                                <p:cTn id="5" presetID="10" presetClass="entr" presetSubtype="0" fill="hold" grpId="0" nodeType="clickEffect">
+                                <p:cTn id="21" presetID="10" presetClass="entr" presetSubtype="0" fill="hold" grpId="0" nodeType="clickEffect">
                                   <p:stCondLst>
                                     <p:cond delay="0"/>
                                   </p:stCondLst>
                                   <p:childTnLst>
                                     <p:set>
                                       <p:cBhvr>
-                                        <p:cTn id="6" dur="1" fill="hold">
+                                        <p:cTn id="22" dur="1" fill="hold">
                                           <p:stCondLst>
                                             <p:cond delay="0"/>
                                           </p:stCondLst>
@@ -9027,7 +9381,7 @@
                                         <p:tgtEl>
                                           <p:spTgt spid="3">
                                             <p:txEl>
-                                              <p:pRg st="0" end="0"/>
+                                              <p:pRg st="4" end="4"/>
                                             </p:txEl>
                                           </p:spTgt>
                                         </p:tgtEl>
@@ -9041,176 +9395,11 @@
                                     </p:set>
                                     <p:animEffect transition="in" filter="fade">
                                       <p:cBhvr>
-                                        <p:cTn id="7" dur="500"/>
+                                        <p:cTn id="23" dur="500"/>
                                         <p:tgtEl>
                                           <p:spTgt spid="3">
                                             <p:txEl>
-                                              <p:pRg st="0" end="0"/>
-                                            </p:txEl>
-                                          </p:spTgt>
-                                        </p:tgtEl>
-                                      </p:cBhvr>
-                                    </p:animEffect>
-                                  </p:childTnLst>
-                                </p:cTn>
-                              </p:par>
-                            </p:childTnLst>
-                          </p:cTn>
-                        </p:par>
-                      </p:childTnLst>
-                    </p:cTn>
-                  </p:par>
-                  <p:par>
-                    <p:cTn id="8" fill="hold">
-                      <p:stCondLst>
-                        <p:cond delay="indefinite"/>
-                      </p:stCondLst>
-                      <p:childTnLst>
-                        <p:par>
-                          <p:cTn id="9" fill="hold">
-                            <p:stCondLst>
-                              <p:cond delay="0"/>
-                            </p:stCondLst>
-                            <p:childTnLst>
-                              <p:par>
-                                <p:cTn id="10" presetID="10" presetClass="entr" presetSubtype="0" fill="hold" grpId="0" nodeType="clickEffect">
-                                  <p:stCondLst>
-                                    <p:cond delay="0"/>
-                                  </p:stCondLst>
-                                  <p:childTnLst>
-                                    <p:set>
-                                      <p:cBhvr>
-                                        <p:cTn id="11" dur="1" fill="hold">
-                                          <p:stCondLst>
-                                            <p:cond delay="0"/>
-                                          </p:stCondLst>
-                                        </p:cTn>
-                                        <p:tgtEl>
-                                          <p:spTgt spid="3">
-                                            <p:txEl>
-                                              <p:pRg st="1" end="1"/>
-                                            </p:txEl>
-                                          </p:spTgt>
-                                        </p:tgtEl>
-                                        <p:attrNameLst>
-                                          <p:attrName>style.visibility</p:attrName>
-                                        </p:attrNameLst>
-                                      </p:cBhvr>
-                                      <p:to>
-                                        <p:strVal val="visible"/>
-                                      </p:to>
-                                    </p:set>
-                                    <p:animEffect transition="in" filter="fade">
-                                      <p:cBhvr>
-                                        <p:cTn id="12" dur="500"/>
-                                        <p:tgtEl>
-                                          <p:spTgt spid="3">
-                                            <p:txEl>
-                                              <p:pRg st="1" end="1"/>
-                                            </p:txEl>
-                                          </p:spTgt>
-                                        </p:tgtEl>
-                                      </p:cBhvr>
-                                    </p:animEffect>
-                                  </p:childTnLst>
-                                </p:cTn>
-                              </p:par>
-                              <p:par>
-                                <p:cTn id="13" presetID="10" presetClass="entr" presetSubtype="0" fill="hold" grpId="0" nodeType="withEffect">
-                                  <p:stCondLst>
-                                    <p:cond delay="0"/>
-                                  </p:stCondLst>
-                                  <p:childTnLst>
-                                    <p:set>
-                                      <p:cBhvr>
-                                        <p:cTn id="14" dur="1" fill="hold">
-                                          <p:stCondLst>
-                                            <p:cond delay="0"/>
-                                          </p:stCondLst>
-                                        </p:cTn>
-                                        <p:tgtEl>
-                                          <p:spTgt spid="3">
-                                            <p:txEl>
-                                              <p:pRg st="2" end="2"/>
-                                            </p:txEl>
-                                          </p:spTgt>
-                                        </p:tgtEl>
-                                        <p:attrNameLst>
-                                          <p:attrName>style.visibility</p:attrName>
-                                        </p:attrNameLst>
-                                      </p:cBhvr>
-                                      <p:to>
-                                        <p:strVal val="visible"/>
-                                      </p:to>
-                                    </p:set>
-                                    <p:animEffect transition="in" filter="fade">
-                                      <p:cBhvr>
-                                        <p:cTn id="15" dur="500"/>
-                                        <p:tgtEl>
-                                          <p:spTgt spid="3">
-                                            <p:txEl>
-                                              <p:pRg st="2" end="2"/>
-                                            </p:txEl>
-                                          </p:spTgt>
-                                        </p:tgtEl>
-                                      </p:cBhvr>
-                                    </p:animEffect>
-                                  </p:childTnLst>
-                                </p:cTn>
-                              </p:par>
-                            </p:childTnLst>
-                          </p:cTn>
-                        </p:par>
-                      </p:childTnLst>
-                    </p:cTn>
-                  </p:par>
-                  <p:par>
-                    <p:cTn id="16" fill="hold">
-                      <p:stCondLst>
-                        <p:cond delay="indefinite"/>
-                      </p:stCondLst>
-                      <p:childTnLst>
-                        <p:par>
-                          <p:cTn id="17" fill="hold">
-                            <p:stCondLst>
-                              <p:cond delay="0"/>
-                            </p:stCondLst>
-                            <p:childTnLst>
-                              <p:par>
-                                <p:cTn id="18" presetID="10" presetClass="entr" presetSubtype="0" fill="hold" grpId="0" nodeType="clickEffect">
-                                  <p:stCondLst>
-                                    <p:cond delay="0"/>
-                                  </p:stCondLst>
-                                  <p:childTnLst>
-                                    <p:set>
-                                      <p:cBhvr>
-                                        <p:cTn id="19" dur="1" fill="hold">
-                                          <p:stCondLst>
-                                            <p:cond delay="0"/>
-                                          </p:stCondLst>
-                                        </p:cTn>
-                                        <p:tgtEl>
-                                          <p:spTgt spid="3">
-                                            <p:txEl>
-                                              <p:pRg st="3" end="3"/>
-                                            </p:txEl>
-                                          </p:spTgt>
-                                        </p:tgtEl>
-                                        <p:attrNameLst>
-                                          <p:attrName>style.visibility</p:attrName>
-                                        </p:attrNameLst>
-                                      </p:cBhvr>
-                                      <p:to>
-                                        <p:strVal val="visible"/>
-                                      </p:to>
-                                    </p:set>
-                                    <p:animEffect transition="in" filter="fade">
-                                      <p:cBhvr>
-                                        <p:cTn id="20" dur="500"/>
-                                        <p:tgtEl>
-                                          <p:spTgt spid="3">
-                                            <p:txEl>
-                                              <p:pRg st="3" end="3"/>
+                                              <p:pRg st="4" end="4"/>
                                             </p:txEl>
                                           </p:spTgt>
                                         </p:tgtEl>
@@ -9253,7 +9442,7 @@
 </p:sld>
 </file>
 
-<file path=ppt/slides/slide24.xml><?xml version="1.0" encoding="utf-8"?>
+<file path=ppt/slides/slide23.xml><?xml version="1.0" encoding="utf-8"?>
 <p:sld xmlns:a="http://schemas.openxmlformats.org/drawingml/2006/main" xmlns:r="http://schemas.openxmlformats.org/officeDocument/2006/relationships" xmlns:p="http://schemas.openxmlformats.org/presentationml/2006/main">
   <p:cSld>
     <p:spTree>
@@ -9326,7 +9515,15 @@
           <a:p>
             <a:r>
               <a:rPr lang="ru-RU" dirty="0"/>
-              <a:t>В паттерне Наблюдатель между субъектами и наблюдателями существует слабая связь</a:t>
+              <a:t>В паттерне «Наблюдатель»</a:t>
+            </a:r>
+            <a:r>
+              <a:rPr lang="en-US" dirty="0"/>
+              <a:t> </a:t>
+            </a:r>
+            <a:r>
+              <a:rPr lang="ru-RU" dirty="0"/>
+              <a:t>субъектами и наблюдатели слабо связаны</a:t>
             </a:r>
           </a:p>
         </p:txBody>
@@ -9499,7 +9696,7 @@
 </p:sld>
 </file>
 
-<file path=ppt/slides/slide25.xml><?xml version="1.0" encoding="utf-8"?>
+<file path=ppt/slides/slide24.xml><?xml version="1.0" encoding="utf-8"?>
 <p:sld xmlns:a="http://schemas.openxmlformats.org/drawingml/2006/main" xmlns:r="http://schemas.openxmlformats.org/officeDocument/2006/relationships" xmlns:p="http://schemas.openxmlformats.org/presentationml/2006/main">
   <p:cSld>
     <p:spTree>
@@ -9564,6 +9761,13 @@
               <a:t>IObserver</a:t>
             </a:r>
             <a:endParaRPr lang="ru-RU" dirty="0"/>
+          </a:p>
+          <a:p>
+            <a:pPr lvl="1"/>
+            <a:r>
+              <a:rPr lang="ru-RU" dirty="0"/>
+              <a:t>Субъект не зависит от конкретных классов наблюдателей</a:t>
+            </a:r>
           </a:p>
           <a:p>
             <a:r>
@@ -9681,33 +9885,15 @@
                                   </p:childTnLst>
                                 </p:cTn>
                               </p:par>
-                            </p:childTnLst>
-                          </p:cTn>
-                        </p:par>
-                      </p:childTnLst>
-                    </p:cTn>
-                  </p:par>
-                  <p:par>
-                    <p:cTn id="8" fill="hold">
-                      <p:stCondLst>
-                        <p:cond delay="indefinite"/>
-                      </p:stCondLst>
-                      <p:childTnLst>
-                        <p:par>
-                          <p:cTn id="9" fill="hold">
-                            <p:stCondLst>
-                              <p:cond delay="0"/>
-                            </p:stCondLst>
-                            <p:childTnLst>
                               <p:par>
-                                <p:cTn id="10" presetID="10" presetClass="entr" presetSubtype="0" fill="hold" grpId="0" nodeType="clickEffect">
+                                <p:cTn id="8" presetID="10" presetClass="entr" presetSubtype="0" fill="hold" grpId="0" nodeType="withEffect">
                                   <p:stCondLst>
                                     <p:cond delay="0"/>
                                   </p:stCondLst>
                                   <p:childTnLst>
                                     <p:set>
                                       <p:cBhvr>
-                                        <p:cTn id="11" dur="1" fill="hold">
+                                        <p:cTn id="9" dur="1" fill="hold">
                                           <p:stCondLst>
                                             <p:cond delay="0"/>
                                           </p:stCondLst>
@@ -9729,7 +9915,7 @@
                                     </p:set>
                                     <p:animEffect transition="in" filter="fade">
                                       <p:cBhvr>
-                                        <p:cTn id="12" dur="500"/>
+                                        <p:cTn id="10" dur="500"/>
                                         <p:tgtEl>
                                           <p:spTgt spid="3">
                                             <p:txEl>
@@ -9742,8 +9928,26 @@
                                   </p:childTnLst>
                                 </p:cTn>
                               </p:par>
+                            </p:childTnLst>
+                          </p:cTn>
+                        </p:par>
+                      </p:childTnLst>
+                    </p:cTn>
+                  </p:par>
+                  <p:par>
+                    <p:cTn id="11" fill="hold">
+                      <p:stCondLst>
+                        <p:cond delay="indefinite"/>
+                      </p:stCondLst>
+                      <p:childTnLst>
+                        <p:par>
+                          <p:cTn id="12" fill="hold">
+                            <p:stCondLst>
+                              <p:cond delay="0"/>
+                            </p:stCondLst>
+                            <p:childTnLst>
                               <p:par>
-                                <p:cTn id="13" presetID="10" presetClass="entr" presetSubtype="0" fill="hold" grpId="0" nodeType="withEffect">
+                                <p:cTn id="13" presetID="10" presetClass="entr" presetSubtype="0" fill="hold" grpId="0" nodeType="clickEffect">
                                   <p:stCondLst>
                                     <p:cond delay="0"/>
                                   </p:stCondLst>
@@ -9828,33 +10032,15 @@
                                   </p:childTnLst>
                                 </p:cTn>
                               </p:par>
-                            </p:childTnLst>
-                          </p:cTn>
-                        </p:par>
-                      </p:childTnLst>
-                    </p:cTn>
-                  </p:par>
-                  <p:par>
-                    <p:cTn id="19" fill="hold">
-                      <p:stCondLst>
-                        <p:cond delay="indefinite"/>
-                      </p:stCondLst>
-                      <p:childTnLst>
-                        <p:par>
-                          <p:cTn id="20" fill="hold">
-                            <p:stCondLst>
-                              <p:cond delay="0"/>
-                            </p:stCondLst>
-                            <p:childTnLst>
                               <p:par>
-                                <p:cTn id="21" presetID="10" presetClass="entr" presetSubtype="0" fill="hold" grpId="0" nodeType="clickEffect">
+                                <p:cTn id="19" presetID="10" presetClass="entr" presetSubtype="0" fill="hold" grpId="0" nodeType="withEffect">
                                   <p:stCondLst>
                                     <p:cond delay="0"/>
                                   </p:stCondLst>
                                   <p:childTnLst>
                                     <p:set>
                                       <p:cBhvr>
-                                        <p:cTn id="22" dur="1" fill="hold">
+                                        <p:cTn id="20" dur="1" fill="hold">
                                           <p:stCondLst>
                                             <p:cond delay="0"/>
                                           </p:stCondLst>
@@ -9876,7 +10062,7 @@
                                     </p:set>
                                     <p:animEffect transition="in" filter="fade">
                                       <p:cBhvr>
-                                        <p:cTn id="23" dur="500"/>
+                                        <p:cTn id="21" dur="500"/>
                                         <p:tgtEl>
                                           <p:spTgt spid="3">
                                             <p:txEl>
@@ -9889,8 +10075,26 @@
                                   </p:childTnLst>
                                 </p:cTn>
                               </p:par>
+                            </p:childTnLst>
+                          </p:cTn>
+                        </p:par>
+                      </p:childTnLst>
+                    </p:cTn>
+                  </p:par>
+                  <p:par>
+                    <p:cTn id="22" fill="hold">
+                      <p:stCondLst>
+                        <p:cond delay="indefinite"/>
+                      </p:stCondLst>
+                      <p:childTnLst>
+                        <p:par>
+                          <p:cTn id="23" fill="hold">
+                            <p:stCondLst>
+                              <p:cond delay="0"/>
+                            </p:stCondLst>
+                            <p:childTnLst>
                               <p:par>
-                                <p:cTn id="24" presetID="10" presetClass="entr" presetSubtype="0" fill="hold" grpId="0" nodeType="withEffect">
+                                <p:cTn id="24" presetID="10" presetClass="entr" presetSubtype="0" fill="hold" grpId="0" nodeType="clickEffect">
                                   <p:stCondLst>
                                     <p:cond delay="0"/>
                                   </p:stCondLst>
@@ -9924,6 +10128,49 @@
                                           <p:spTgt spid="3">
                                             <p:txEl>
                                               <p:pRg st="5" end="5"/>
+                                            </p:txEl>
+                                          </p:spTgt>
+                                        </p:tgtEl>
+                                      </p:cBhvr>
+                                    </p:animEffect>
+                                  </p:childTnLst>
+                                </p:cTn>
+                              </p:par>
+                              <p:par>
+                                <p:cTn id="27" presetID="10" presetClass="entr" presetSubtype="0" fill="hold" grpId="0" nodeType="withEffect">
+                                  <p:stCondLst>
+                                    <p:cond delay="0"/>
+                                  </p:stCondLst>
+                                  <p:childTnLst>
+                                    <p:set>
+                                      <p:cBhvr>
+                                        <p:cTn id="28" dur="1" fill="hold">
+                                          <p:stCondLst>
+                                            <p:cond delay="0"/>
+                                          </p:stCondLst>
+                                        </p:cTn>
+                                        <p:tgtEl>
+                                          <p:spTgt spid="3">
+                                            <p:txEl>
+                                              <p:pRg st="6" end="6"/>
+                                            </p:txEl>
+                                          </p:spTgt>
+                                        </p:tgtEl>
+                                        <p:attrNameLst>
+                                          <p:attrName>style.visibility</p:attrName>
+                                        </p:attrNameLst>
+                                      </p:cBhvr>
+                                      <p:to>
+                                        <p:strVal val="visible"/>
+                                      </p:to>
+                                    </p:set>
+                                    <p:animEffect transition="in" filter="fade">
+                                      <p:cBhvr>
+                                        <p:cTn id="29" dur="500"/>
+                                        <p:tgtEl>
+                                          <p:spTgt spid="3">
+                                            <p:txEl>
+                                              <p:pRg st="6" end="6"/>
                                             </p:txEl>
                                           </p:spTgt>
                                         </p:tgtEl>
@@ -9966,7 +10213,7 @@
 </p:sld>
 </file>
 
-<file path=ppt/slides/slide26.xml><?xml version="1.0" encoding="utf-8"?>
+<file path=ppt/slides/slide25.xml><?xml version="1.0" encoding="utf-8"?>
 <p:sld xmlns:a="http://schemas.openxmlformats.org/drawingml/2006/main" xmlns:r="http://schemas.openxmlformats.org/officeDocument/2006/relationships" xmlns:p="http://schemas.openxmlformats.org/presentationml/2006/main">
   <p:cSld>
     <p:spTree>
@@ -10251,7 +10498,7 @@
 </p:sld>
 </file>
 
-<file path=ppt/slides/slide27.xml><?xml version="1.0" encoding="utf-8"?>
+<file path=ppt/slides/slide26.xml><?xml version="1.0" encoding="utf-8"?>
 <p:sld xmlns:a="http://schemas.openxmlformats.org/drawingml/2006/main" xmlns:r="http://schemas.openxmlformats.org/officeDocument/2006/relationships" xmlns:p="http://schemas.openxmlformats.org/presentationml/2006/main">
   <p:cSld>
     <p:spTree>
@@ -10486,7 +10733,7 @@
 </p:sld>
 </file>
 
-<file path=ppt/slides/slide28.xml><?xml version="1.0" encoding="utf-8"?>
+<file path=ppt/slides/slide27.xml><?xml version="1.0" encoding="utf-8"?>
 <p:sld xmlns:a="http://schemas.openxmlformats.org/drawingml/2006/main" xmlns:r="http://schemas.openxmlformats.org/officeDocument/2006/relationships" xmlns:p="http://schemas.openxmlformats.org/presentationml/2006/main">
   <p:cSld>
     <p:spTree>
@@ -10588,7 +10835,7 @@
 </p:sld>
 </file>
 
-<file path=ppt/slides/slide29.xml><?xml version="1.0" encoding="utf-8"?>
+<file path=ppt/slides/slide28.xml><?xml version="1.0" encoding="utf-8"?>
 <p:sld xmlns:a="http://schemas.openxmlformats.org/drawingml/2006/main" xmlns:r="http://schemas.openxmlformats.org/officeDocument/2006/relationships" xmlns:p="http://schemas.openxmlformats.org/presentationml/2006/main">
   <p:cSld>
     <p:spTree>
@@ -10985,101 +11232,7 @@
 </p:sld>
 </file>
 
-<file path=ppt/slides/slide3.xml><?xml version="1.0" encoding="utf-8"?>
-<p:sld xmlns:a="http://schemas.openxmlformats.org/drawingml/2006/main" xmlns:r="http://schemas.openxmlformats.org/officeDocument/2006/relationships" xmlns:p="http://schemas.openxmlformats.org/presentationml/2006/main">
-  <p:cSld>
-    <p:spTree>
-      <p:nvGrpSpPr>
-        <p:cNvPr id="1" name=""/>
-        <p:cNvGrpSpPr/>
-        <p:nvPr/>
-      </p:nvGrpSpPr>
-      <p:grpSpPr>
-        <a:xfrm>
-          <a:off x="0" y="0"/>
-          <a:ext cx="0" cy="0"/>
-          <a:chOff x="0" y="0"/>
-          <a:chExt cx="0" cy="0"/>
-        </a:xfrm>
-      </p:grpSpPr>
-      <p:sp>
-        <p:nvSpPr>
-          <p:cNvPr id="2" name="Заголовок 1">
-            <a:extLst>
-              <a:ext uri="{FF2B5EF4-FFF2-40B4-BE49-F238E27FC236}">
-                <a16:creationId xmlns:a16="http://schemas.microsoft.com/office/drawing/2014/main" id="{97DCEB91-CF60-0378-B8CA-663023C53802}"/>
-              </a:ext>
-            </a:extLst>
-          </p:cNvPr>
-          <p:cNvSpPr>
-            <a:spLocks noGrp="1"/>
-          </p:cNvSpPr>
-          <p:nvPr>
-            <p:ph type="title"/>
-          </p:nvPr>
-        </p:nvSpPr>
-        <p:spPr/>
-        <p:txBody>
-          <a:bodyPr>
-            <a:normAutofit/>
-          </a:bodyPr>
-          <a:lstStyle/>
-          <a:p>
-            <a:r>
-              <a:rPr lang="ru-RU" dirty="0"/>
-              <a:t>Человек управляет приборами самостоятельно</a:t>
-            </a:r>
-          </a:p>
-        </p:txBody>
-      </p:sp>
-      <p:pic>
-        <p:nvPicPr>
-          <p:cNvPr id="5" name="Объект 4">
-            <a:extLst>
-              <a:ext uri="{FF2B5EF4-FFF2-40B4-BE49-F238E27FC236}">
-                <a16:creationId xmlns:a16="http://schemas.microsoft.com/office/drawing/2014/main" id="{595ED375-8C36-869C-9D24-60944CD77EFF}"/>
-              </a:ext>
-            </a:extLst>
-          </p:cNvPr>
-          <p:cNvPicPr>
-            <a:picLocks noGrp="1" noChangeAspect="1"/>
-          </p:cNvPicPr>
-          <p:nvPr>
-            <p:ph idx="1"/>
-          </p:nvPr>
-        </p:nvPicPr>
-        <p:blipFill>
-          <a:blip r:embed="rId3">
-            <a:extLst>
-              <a:ext uri="{28A0092B-C50C-407E-A947-70E740481C1C}">
-                <a14:useLocalDpi xmlns:a14="http://schemas.microsoft.com/office/drawing/2010/main" val="0"/>
-              </a:ext>
-            </a:extLst>
-          </a:blip>
-          <a:srcRect/>
-          <a:stretch/>
-        </p:blipFill>
-        <p:spPr>
-          <a:xfrm>
-            <a:off x="1612211" y="2811024"/>
-            <a:ext cx="8793927" cy="3210264"/>
-          </a:xfrm>
-        </p:spPr>
-      </p:pic>
-    </p:spTree>
-    <p:extLst>
-      <p:ext uri="{BB962C8B-B14F-4D97-AF65-F5344CB8AC3E}">
-        <p14:creationId xmlns:p14="http://schemas.microsoft.com/office/powerpoint/2010/main" val="3873289083"/>
-      </p:ext>
-    </p:extLst>
-  </p:cSld>
-  <p:clrMapOvr>
-    <a:masterClrMapping/>
-  </p:clrMapOvr>
-</p:sld>
-</file>
-
-<file path=ppt/slides/slide30.xml><?xml version="1.0" encoding="utf-8"?>
+<file path=ppt/slides/slide29.xml><?xml version="1.0" encoding="utf-8"?>
 <p:sld xmlns:a="http://schemas.openxmlformats.org/drawingml/2006/main" xmlns:r="http://schemas.openxmlformats.org/officeDocument/2006/relationships" xmlns:p="http://schemas.openxmlformats.org/presentationml/2006/main">
   <p:cSld>
     <p:spTree>
@@ -11488,7 +11641,110 @@
 </p:sld>
 </file>
 
-<file path=ppt/slides/slide31.xml><?xml version="1.0" encoding="utf-8"?>
+<file path=ppt/slides/slide3.xml><?xml version="1.0" encoding="utf-8"?>
+<p:sld xmlns:a="http://schemas.openxmlformats.org/drawingml/2006/main" xmlns:r="http://schemas.openxmlformats.org/officeDocument/2006/relationships" xmlns:p="http://schemas.openxmlformats.org/presentationml/2006/main">
+  <p:cSld>
+    <p:spTree>
+      <p:nvGrpSpPr>
+        <p:cNvPr id="1" name=""/>
+        <p:cNvGrpSpPr/>
+        <p:nvPr/>
+      </p:nvGrpSpPr>
+      <p:grpSpPr>
+        <a:xfrm>
+          <a:off x="0" y="0"/>
+          <a:ext cx="0" cy="0"/>
+          <a:chOff x="0" y="0"/>
+          <a:chExt cx="0" cy="0"/>
+        </a:xfrm>
+      </p:grpSpPr>
+      <p:sp>
+        <p:nvSpPr>
+          <p:cNvPr id="2" name="Заголовок 1">
+            <a:extLst>
+              <a:ext uri="{FF2B5EF4-FFF2-40B4-BE49-F238E27FC236}">
+                <a16:creationId xmlns:a16="http://schemas.microsoft.com/office/drawing/2014/main" id="{97DCEB91-CF60-0378-B8CA-663023C53802}"/>
+              </a:ext>
+            </a:extLst>
+          </p:cNvPr>
+          <p:cNvSpPr>
+            <a:spLocks noGrp="1"/>
+          </p:cNvSpPr>
+          <p:nvPr>
+            <p:ph type="title"/>
+          </p:nvPr>
+        </p:nvSpPr>
+        <p:spPr/>
+        <p:txBody>
+          <a:bodyPr>
+            <a:normAutofit/>
+          </a:bodyPr>
+          <a:lstStyle/>
+          <a:p>
+            <a:r>
+              <a:rPr lang="ru-RU" dirty="0"/>
+              <a:t>Человек сам</a:t>
+            </a:r>
+            <a:r>
+              <a:rPr lang="en-US" dirty="0"/>
+              <a:t> </a:t>
+            </a:r>
+            <a:r>
+              <a:rPr lang="ru-RU" dirty="0"/>
+              <a:t>управляет приборами</a:t>
+            </a:r>
+          </a:p>
+        </p:txBody>
+      </p:sp>
+      <p:pic>
+        <p:nvPicPr>
+          <p:cNvPr id="5" name="Объект 4">
+            <a:extLst>
+              <a:ext uri="{FF2B5EF4-FFF2-40B4-BE49-F238E27FC236}">
+                <a16:creationId xmlns:a16="http://schemas.microsoft.com/office/drawing/2014/main" id="{595ED375-8C36-869C-9D24-60944CD77EFF}"/>
+              </a:ext>
+            </a:extLst>
+          </p:cNvPr>
+          <p:cNvPicPr>
+            <a:picLocks noGrp="1" noChangeAspect="1"/>
+          </p:cNvPicPr>
+          <p:nvPr>
+            <p:ph idx="1"/>
+          </p:nvPr>
+        </p:nvPicPr>
+        <p:blipFill>
+          <a:blip r:embed="rId3" cstate="print">
+            <a:extLst>
+              <a:ext uri="{28A0092B-C50C-407E-A947-70E740481C1C}">
+                <a14:useLocalDpi xmlns:a14="http://schemas.microsoft.com/office/drawing/2010/main" val="0"/>
+              </a:ext>
+            </a:extLst>
+          </a:blip>
+          <a:stretch>
+            <a:fillRect/>
+          </a:stretch>
+        </p:blipFill>
+        <p:spPr>
+          <a:xfrm>
+            <a:off x="1832040" y="2811024"/>
+            <a:ext cx="8354269" cy="3210264"/>
+          </a:xfrm>
+        </p:spPr>
+      </p:pic>
+    </p:spTree>
+    <p:extLst>
+      <p:ext uri="{BB962C8B-B14F-4D97-AF65-F5344CB8AC3E}">
+        <p14:creationId xmlns:p14="http://schemas.microsoft.com/office/powerpoint/2010/main" val="3873289083"/>
+      </p:ext>
+    </p:extLst>
+  </p:cSld>
+  <p:clrMapOvr>
+    <a:masterClrMapping/>
+  </p:clrMapOvr>
+</p:sld>
+</file>
+
+<file path=ppt/slides/slide30.xml><?xml version="1.0" encoding="utf-8"?>
 <p:sld xmlns:a="http://schemas.openxmlformats.org/drawingml/2006/main" xmlns:r="http://schemas.openxmlformats.org/officeDocument/2006/relationships" xmlns:p="http://schemas.openxmlformats.org/presentationml/2006/main">
   <p:cSld>
     <p:spTree>
@@ -11539,15 +11795,21 @@
           </p:nvPr>
         </p:nvPicPr>
         <p:blipFill>
-          <a:blip r:embed="rId2"/>
+          <a:blip r:embed="rId2" cstate="print">
+            <a:extLst>
+              <a:ext uri="{28A0092B-C50C-407E-A947-70E740481C1C}">
+                <a14:useLocalDpi xmlns:a14="http://schemas.microsoft.com/office/drawing/2010/main" val="0"/>
+              </a:ext>
+            </a:extLst>
+          </a:blip>
           <a:stretch>
             <a:fillRect/>
           </a:stretch>
         </p:blipFill>
         <p:spPr>
           <a:xfrm>
-            <a:off x="2485176" y="1825625"/>
-            <a:ext cx="7221647" cy="4351338"/>
+            <a:off x="1991544" y="1844824"/>
+            <a:ext cx="7901829" cy="4898858"/>
           </a:xfrm>
           <a:prstGeom prst="rect">
             <a:avLst/>
@@ -11567,7 +11829,7 @@
 </p:sld>
 </file>
 
-<file path=ppt/slides/slide32.xml><?xml version="1.0" encoding="utf-8"?>
+<file path=ppt/slides/slide31.xml><?xml version="1.0" encoding="utf-8"?>
 <p:sld xmlns:a="http://schemas.openxmlformats.org/drawingml/2006/main" xmlns:r="http://schemas.openxmlformats.org/officeDocument/2006/relationships" xmlns:p="http://schemas.openxmlformats.org/presentationml/2006/main">
   <p:cSld>
     <p:spTree>
@@ -11976,7 +12238,7 @@
 </p:sld>
 </file>
 
-<file path=ppt/slides/slide33.xml><?xml version="1.0" encoding="utf-8"?>
+<file path=ppt/slides/slide32.xml><?xml version="1.0" encoding="utf-8"?>
 <p:sld xmlns:a="http://schemas.openxmlformats.org/drawingml/2006/main" xmlns:r="http://schemas.openxmlformats.org/officeDocument/2006/relationships" xmlns:p="http://schemas.openxmlformats.org/presentationml/2006/main">
   <p:cSld>
     <p:spTree>
@@ -12027,15 +12289,21 @@
           </p:nvPr>
         </p:nvPicPr>
         <p:blipFill>
-          <a:blip r:embed="rId2"/>
+          <a:blip r:embed="rId2" cstate="print">
+            <a:extLst>
+              <a:ext uri="{28A0092B-C50C-407E-A947-70E740481C1C}">
+                <a14:useLocalDpi xmlns:a14="http://schemas.microsoft.com/office/drawing/2010/main" val="0"/>
+              </a:ext>
+            </a:extLst>
+          </a:blip>
           <a:stretch>
             <a:fillRect/>
           </a:stretch>
         </p:blipFill>
         <p:spPr>
           <a:xfrm>
-            <a:off x="1615521" y="1571664"/>
-            <a:ext cx="8728951" cy="5169705"/>
+            <a:off x="1725227" y="1571664"/>
+            <a:ext cx="8509539" cy="5169705"/>
           </a:xfrm>
           <a:prstGeom prst="rect">
             <a:avLst/>
@@ -12055,7 +12323,7 @@
 </p:sld>
 </file>
 
-<file path=ppt/slides/slide34.xml><?xml version="1.0" encoding="utf-8"?>
+<file path=ppt/slides/slide33.xml><?xml version="1.0" encoding="utf-8"?>
 <p:sld xmlns:a="http://schemas.openxmlformats.org/drawingml/2006/main" xmlns:r="http://schemas.openxmlformats.org/officeDocument/2006/relationships" xmlns:p="http://schemas.openxmlformats.org/presentationml/2006/main">
   <p:cSld>
     <p:spTree>
@@ -12347,7 +12615,7 @@
 </p:sld>
 </file>
 
-<file path=ppt/slides/slide35.xml><?xml version="1.0" encoding="utf-8"?>
+<file path=ppt/slides/slide34.xml><?xml version="1.0" encoding="utf-8"?>
 <p:sld xmlns:a="http://schemas.openxmlformats.org/drawingml/2006/main" xmlns:r="http://schemas.openxmlformats.org/officeDocument/2006/relationships" xmlns:p="http://schemas.openxmlformats.org/presentationml/2006/main">
   <p:cSld>
     <p:spTree>
@@ -12589,7 +12857,7 @@
 </p:sld>
 </file>
 
-<file path=ppt/slides/slide36.xml><?xml version="1.0" encoding="utf-8"?>
+<file path=ppt/slides/slide35.xml><?xml version="1.0" encoding="utf-8"?>
 <p:sld xmlns:a="http://schemas.openxmlformats.org/drawingml/2006/main" xmlns:r="http://schemas.openxmlformats.org/officeDocument/2006/relationships" xmlns:p="http://schemas.openxmlformats.org/presentationml/2006/main">
   <p:cSld>
     <p:spTree>
@@ -12684,7 +12952,7 @@
 </p:sld>
 </file>
 
-<file path=ppt/slides/slide37.xml><?xml version="1.0" encoding="utf-8"?>
+<file path=ppt/slides/slide36.xml><?xml version="1.0" encoding="utf-8"?>
 <p:sld xmlns:a="http://schemas.openxmlformats.org/drawingml/2006/main" xmlns:r="http://schemas.openxmlformats.org/officeDocument/2006/relationships" xmlns:p="http://schemas.openxmlformats.org/presentationml/2006/main">
   <p:cSld>
     <p:spTree>
@@ -12779,7 +13047,7 @@
 </p:sld>
 </file>
 
-<file path=ppt/slides/slide38.xml><?xml version="1.0" encoding="utf-8"?>
+<file path=ppt/slides/slide37.xml><?xml version="1.0" encoding="utf-8"?>
 <p:sld xmlns:a="http://schemas.openxmlformats.org/drawingml/2006/main" xmlns:r="http://schemas.openxmlformats.org/officeDocument/2006/relationships" xmlns:p="http://schemas.openxmlformats.org/presentationml/2006/main">
   <p:cSld>
     <p:spTree>
@@ -13234,7 +13502,7 @@
 </p:sld>
 </file>
 
-<file path=ppt/slides/slide39.xml><?xml version="1.0" encoding="utf-8"?>
+<file path=ppt/slides/slide38.xml><?xml version="1.0" encoding="utf-8"?>
 <p:sld xmlns:a="http://schemas.openxmlformats.org/drawingml/2006/main" xmlns:r="http://schemas.openxmlformats.org/officeDocument/2006/relationships" xmlns:p="http://schemas.openxmlformats.org/presentationml/2006/main">
   <p:cSld>
     <p:spTree>
@@ -13573,105 +13841,7 @@
 </p:sld>
 </file>
 
-<file path=ppt/slides/slide4.xml><?xml version="1.0" encoding="utf-8"?>
-<p:sld xmlns:a="http://schemas.openxmlformats.org/drawingml/2006/main" xmlns:r="http://schemas.openxmlformats.org/officeDocument/2006/relationships" xmlns:p="http://schemas.openxmlformats.org/presentationml/2006/main">
-  <p:cSld>
-    <p:spTree>
-      <p:nvGrpSpPr>
-        <p:cNvPr id="1" name=""/>
-        <p:cNvGrpSpPr/>
-        <p:nvPr/>
-      </p:nvGrpSpPr>
-      <p:grpSpPr>
-        <a:xfrm>
-          <a:off x="0" y="0"/>
-          <a:ext cx="0" cy="0"/>
-          <a:chOff x="0" y="0"/>
-          <a:chExt cx="0" cy="0"/>
-        </a:xfrm>
-      </p:grpSpPr>
-      <p:sp>
-        <p:nvSpPr>
-          <p:cNvPr id="2" name="Заголовок 1">
-            <a:extLst>
-              <a:ext uri="{FF2B5EF4-FFF2-40B4-BE49-F238E27FC236}">
-                <a16:creationId xmlns:a16="http://schemas.microsoft.com/office/drawing/2014/main" id="{D008A480-B2AC-1F39-293E-6242280DB134}"/>
-              </a:ext>
-            </a:extLst>
-          </p:cNvPr>
-          <p:cNvSpPr>
-            <a:spLocks noGrp="1"/>
-          </p:cNvSpPr>
-          <p:nvPr>
-            <p:ph type="title"/>
-          </p:nvPr>
-        </p:nvSpPr>
-        <p:spPr/>
-        <p:txBody>
-          <a:bodyPr/>
-          <a:lstStyle/>
-          <a:p>
-            <a:r>
-              <a:rPr lang="ru-RU" dirty="0"/>
-              <a:t>А как насчёт окон</a:t>
-            </a:r>
-            <a:r>
-              <a:rPr lang="en-US" dirty="0"/>
-              <a:t>?</a:t>
-            </a:r>
-            <a:endParaRPr lang="ru-RU" dirty="0"/>
-          </a:p>
-        </p:txBody>
-      </p:sp>
-      <p:pic>
-        <p:nvPicPr>
-          <p:cNvPr id="5" name="Объект 4">
-            <a:extLst>
-              <a:ext uri="{FF2B5EF4-FFF2-40B4-BE49-F238E27FC236}">
-                <a16:creationId xmlns:a16="http://schemas.microsoft.com/office/drawing/2014/main" id="{96A5AA5C-14CC-7677-F546-E41121A0605A}"/>
-              </a:ext>
-            </a:extLst>
-          </p:cNvPr>
-          <p:cNvPicPr>
-            <a:picLocks noGrp="1" noChangeAspect="1"/>
-          </p:cNvPicPr>
-          <p:nvPr>
-            <p:ph idx="1"/>
-          </p:nvPr>
-        </p:nvPicPr>
-        <p:blipFill>
-          <a:blip r:embed="rId2">
-            <a:extLst>
-              <a:ext uri="{28A0092B-C50C-407E-A947-70E740481C1C}">
-                <a14:useLocalDpi xmlns:a14="http://schemas.microsoft.com/office/drawing/2010/main" val="0"/>
-              </a:ext>
-            </a:extLst>
-          </a:blip>
-          <a:stretch>
-            <a:fillRect/>
-          </a:stretch>
-        </p:blipFill>
-        <p:spPr>
-          <a:xfrm>
-            <a:off x="1626116" y="1825625"/>
-            <a:ext cx="8939768" cy="4351338"/>
-          </a:xfrm>
-        </p:spPr>
-      </p:pic>
-    </p:spTree>
-    <p:extLst>
-      <p:ext uri="{BB962C8B-B14F-4D97-AF65-F5344CB8AC3E}">
-        <p14:creationId xmlns:p14="http://schemas.microsoft.com/office/powerpoint/2010/main" val="1732430678"/>
-      </p:ext>
-    </p:extLst>
-  </p:cSld>
-  <p:clrMapOvr>
-    <a:masterClrMapping/>
-  </p:clrMapOvr>
-</p:sld>
-</file>
-
-<file path=ppt/slides/slide40.xml><?xml version="1.0" encoding="utf-8"?>
+<file path=ppt/slides/slide39.xml><?xml version="1.0" encoding="utf-8"?>
 <p:sld xmlns:a="http://schemas.openxmlformats.org/drawingml/2006/main" xmlns:r="http://schemas.openxmlformats.org/officeDocument/2006/relationships" xmlns:p="http://schemas.openxmlformats.org/presentationml/2006/main">
   <p:cSld>
     <p:spTree>
@@ -14080,7 +14250,100 @@
 </p:sld>
 </file>
 
-<file path=ppt/slides/slide41.xml><?xml version="1.0" encoding="utf-8"?>
+<file path=ppt/slides/slide4.xml><?xml version="1.0" encoding="utf-8"?>
+<p:sld xmlns:a="http://schemas.openxmlformats.org/drawingml/2006/main" xmlns:r="http://schemas.openxmlformats.org/officeDocument/2006/relationships" xmlns:p="http://schemas.openxmlformats.org/presentationml/2006/main">
+  <p:cSld>
+    <p:spTree>
+      <p:nvGrpSpPr>
+        <p:cNvPr id="1" name=""/>
+        <p:cNvGrpSpPr/>
+        <p:nvPr/>
+      </p:nvGrpSpPr>
+      <p:grpSpPr>
+        <a:xfrm>
+          <a:off x="0" y="0"/>
+          <a:ext cx="0" cy="0"/>
+          <a:chOff x="0" y="0"/>
+          <a:chExt cx="0" cy="0"/>
+        </a:xfrm>
+      </p:grpSpPr>
+      <p:sp>
+        <p:nvSpPr>
+          <p:cNvPr id="2" name="Заголовок 1">
+            <a:extLst>
+              <a:ext uri="{FF2B5EF4-FFF2-40B4-BE49-F238E27FC236}">
+                <a16:creationId xmlns:a16="http://schemas.microsoft.com/office/drawing/2014/main" id="{D008A480-B2AC-1F39-293E-6242280DB134}"/>
+              </a:ext>
+            </a:extLst>
+          </p:cNvPr>
+          <p:cNvSpPr>
+            <a:spLocks noGrp="1"/>
+          </p:cNvSpPr>
+          <p:nvPr>
+            <p:ph type="title"/>
+          </p:nvPr>
+        </p:nvSpPr>
+        <p:spPr/>
+        <p:txBody>
+          <a:bodyPr/>
+          <a:lstStyle/>
+          <a:p>
+            <a:r>
+              <a:rPr lang="ru-RU" dirty="0"/>
+              <a:t>При пробуждении нужно открывать окна, а при засыпании — закрывать</a:t>
+            </a:r>
+          </a:p>
+        </p:txBody>
+      </p:sp>
+      <p:pic>
+        <p:nvPicPr>
+          <p:cNvPr id="5" name="Объект 4">
+            <a:extLst>
+              <a:ext uri="{FF2B5EF4-FFF2-40B4-BE49-F238E27FC236}">
+                <a16:creationId xmlns:a16="http://schemas.microsoft.com/office/drawing/2014/main" id="{96A5AA5C-14CC-7677-F546-E41121A0605A}"/>
+              </a:ext>
+            </a:extLst>
+          </p:cNvPr>
+          <p:cNvPicPr>
+            <a:picLocks noGrp="1" noChangeAspect="1"/>
+          </p:cNvPicPr>
+          <p:nvPr>
+            <p:ph idx="1"/>
+          </p:nvPr>
+        </p:nvPicPr>
+        <p:blipFill>
+          <a:blip r:embed="rId2" cstate="print">
+            <a:extLst>
+              <a:ext uri="{28A0092B-C50C-407E-A947-70E740481C1C}">
+                <a14:useLocalDpi xmlns:a14="http://schemas.microsoft.com/office/drawing/2010/main" val="0"/>
+              </a:ext>
+            </a:extLst>
+          </a:blip>
+          <a:stretch>
+            <a:fillRect/>
+          </a:stretch>
+        </p:blipFill>
+        <p:spPr>
+          <a:xfrm>
+            <a:off x="1764322" y="1825625"/>
+            <a:ext cx="8663356" cy="4351338"/>
+          </a:xfrm>
+        </p:spPr>
+      </p:pic>
+    </p:spTree>
+    <p:extLst>
+      <p:ext uri="{BB962C8B-B14F-4D97-AF65-F5344CB8AC3E}">
+        <p14:creationId xmlns:p14="http://schemas.microsoft.com/office/powerpoint/2010/main" val="1732430678"/>
+      </p:ext>
+    </p:extLst>
+  </p:cSld>
+  <p:clrMapOvr>
+    <a:masterClrMapping/>
+  </p:clrMapOvr>
+</p:sld>
+</file>
+
+<file path=ppt/slides/slide40.xml><?xml version="1.0" encoding="utf-8"?>
 <p:sld xmlns:a="http://schemas.openxmlformats.org/drawingml/2006/main" xmlns:r="http://schemas.openxmlformats.org/officeDocument/2006/relationships" xmlns:p="http://schemas.openxmlformats.org/presentationml/2006/main">
   <p:cSld>
     <p:spTree>
@@ -14317,7 +14580,7 @@
 </p:sld>
 </file>
 
-<file path=ppt/slides/slide42.xml><?xml version="1.0" encoding="utf-8"?>
+<file path=ppt/slides/slide41.xml><?xml version="1.0" encoding="utf-8"?>
 <p:sld xmlns:a="http://schemas.openxmlformats.org/drawingml/2006/main" xmlns:r="http://schemas.openxmlformats.org/officeDocument/2006/relationships" xmlns:p="http://schemas.openxmlformats.org/presentationml/2006/main">
   <p:cSld>
     <p:spTree>
@@ -15283,7 +15546,7 @@
 </p:sld>
 </file>
 
-<file path=ppt/slides/slide43.xml><?xml version="1.0" encoding="utf-8"?>
+<file path=ppt/slides/slide42.xml><?xml version="1.0" encoding="utf-8"?>
 <p:sld xmlns:a="http://schemas.openxmlformats.org/drawingml/2006/main" xmlns:r="http://schemas.openxmlformats.org/officeDocument/2006/relationships" xmlns:p="http://schemas.openxmlformats.org/presentationml/2006/main">
   <p:cSld>
     <p:spTree>
@@ -17685,7 +17948,7 @@
 </p:sld>
 </file>
 
-<file path=ppt/slides/slide44.xml><?xml version="1.0" encoding="utf-8"?>
+<file path=ppt/slides/slide43.xml><?xml version="1.0" encoding="utf-8"?>
 <p:sld xmlns:a="http://schemas.openxmlformats.org/drawingml/2006/main" xmlns:r="http://schemas.openxmlformats.org/officeDocument/2006/relationships" xmlns:p="http://schemas.openxmlformats.org/presentationml/2006/main">
   <p:cSld>
     <p:spTree>
@@ -20235,7 +20498,7 @@
 </p:sld>
 </file>
 
-<file path=ppt/slides/slide45.xml><?xml version="1.0" encoding="utf-8"?>
+<file path=ppt/slides/slide44.xml><?xml version="1.0" encoding="utf-8"?>
 <p:sld xmlns:a="http://schemas.openxmlformats.org/drawingml/2006/main" xmlns:r="http://schemas.openxmlformats.org/officeDocument/2006/relationships" xmlns:p="http://schemas.openxmlformats.org/presentationml/2006/main">
   <p:cSld>
     <p:spTree>
@@ -23415,7 +23678,7 @@
 </p:sld>
 </file>
 
-<file path=ppt/slides/slide46.xml><?xml version="1.0" encoding="utf-8"?>
+<file path=ppt/slides/slide45.xml><?xml version="1.0" encoding="utf-8"?>
 <p:sld xmlns:a="http://schemas.openxmlformats.org/drawingml/2006/main" xmlns:r="http://schemas.openxmlformats.org/officeDocument/2006/relationships" xmlns:p="http://schemas.openxmlformats.org/presentationml/2006/main">
   <p:cSld>
     <p:spTree>
@@ -23446,8 +23709,8 @@
         </p:nvSpPr>
         <p:spPr>
           <a:xfrm>
-            <a:off x="1631504" y="2564905"/>
-            <a:ext cx="8928992" cy="3078535"/>
+            <a:off x="0" y="1844824"/>
+            <a:ext cx="11928648" cy="3338863"/>
           </a:xfrm>
           <a:prstGeom prst="rect">
             <a:avLst/>
@@ -23465,7 +23728,7 @@
               </a:lnSpc>
             </a:pPr>
             <a:r>
-              <a:rPr lang="ru-RU" sz="1400" kern="0" dirty="0" err="1">
+              <a:rPr lang="ru-RU" kern="0" dirty="0" err="1">
                 <a:solidFill>
                   <a:srgbClr val="0000FF"/>
                 </a:solidFill>
@@ -23476,7 +23739,7 @@
               <a:t>namespace</a:t>
             </a:r>
             <a:r>
-              <a:rPr lang="ru-RU" sz="1400" kern="0" dirty="0">
+              <a:rPr lang="ru-RU" kern="0" dirty="0">
                 <a:solidFill>
                   <a:srgbClr val="000000"/>
                 </a:solidFill>
@@ -23487,18 +23750,18 @@
               <a:t> </a:t>
             </a:r>
             <a:r>
-              <a:rPr lang="ru-RU" sz="1400" kern="0" dirty="0" err="1">
-                <a:solidFill>
-                  <a:srgbClr val="000000"/>
-                </a:solidFill>
-                <a:latin typeface="Consolas" panose="020B0609020204030204" pitchFamily="49" charset="0"/>
-                <a:ea typeface="Yu Mincho" panose="02020400000000000000" pitchFamily="18" charset="-128"/>
-                <a:cs typeface="Consolas" panose="020B0609020204030204" pitchFamily="49" charset="0"/>
-              </a:rPr>
-              <a:t>ph</a:t>
-            </a:r>
-            <a:r>
-              <a:rPr lang="ru-RU" sz="1400" kern="0" dirty="0">
+              <a:rPr lang="ru-RU" kern="0" dirty="0" err="1">
+                <a:solidFill>
+                  <a:srgbClr val="000000"/>
+                </a:solidFill>
+                <a:latin typeface="Consolas" panose="020B0609020204030204" pitchFamily="49" charset="0"/>
+                <a:ea typeface="Yu Mincho" panose="02020400000000000000" pitchFamily="18" charset="-128"/>
+                <a:cs typeface="Consolas" panose="020B0609020204030204" pitchFamily="49" charset="0"/>
+              </a:rPr>
+              <a:t>signals</a:t>
+            </a:r>
+            <a:r>
+              <a:rPr lang="ru-RU" kern="0" dirty="0">
                 <a:solidFill>
                   <a:srgbClr val="000000"/>
                 </a:solidFill>
@@ -23509,50 +23772,28 @@
               <a:t> = </a:t>
             </a:r>
             <a:r>
-              <a:rPr lang="ru-RU" sz="1400" kern="0" dirty="0" err="1">
-                <a:solidFill>
-                  <a:srgbClr val="000000"/>
-                </a:solidFill>
-                <a:latin typeface="Consolas" panose="020B0609020204030204" pitchFamily="49" charset="0"/>
-                <a:ea typeface="Yu Mincho" panose="02020400000000000000" pitchFamily="18" charset="-128"/>
-                <a:cs typeface="Consolas" panose="020B0609020204030204" pitchFamily="49" charset="0"/>
-              </a:rPr>
-              <a:t>std</a:t>
-            </a:r>
-            <a:r>
-              <a:rPr lang="ru-RU" sz="1400" kern="0" dirty="0">
-                <a:solidFill>
-                  <a:srgbClr val="000000"/>
-                </a:solidFill>
-                <a:latin typeface="Consolas" panose="020B0609020204030204" pitchFamily="49" charset="0"/>
-                <a:ea typeface="Yu Mincho" panose="02020400000000000000" pitchFamily="18" charset="-128"/>
-                <a:cs typeface="Consolas" panose="020B0609020204030204" pitchFamily="49" charset="0"/>
-              </a:rPr>
-              <a:t>::</a:t>
-            </a:r>
-            <a:r>
-              <a:rPr lang="ru-RU" sz="1400" kern="0" dirty="0" err="1">
-                <a:solidFill>
-                  <a:srgbClr val="000000"/>
-                </a:solidFill>
-                <a:latin typeface="Consolas" panose="020B0609020204030204" pitchFamily="49" charset="0"/>
-                <a:ea typeface="Yu Mincho" panose="02020400000000000000" pitchFamily="18" charset="-128"/>
-                <a:cs typeface="Consolas" panose="020B0609020204030204" pitchFamily="49" charset="0"/>
-              </a:rPr>
-              <a:t>placeholders</a:t>
-            </a:r>
-            <a:r>
-              <a:rPr lang="ru-RU" sz="1400" kern="0" dirty="0">
-                <a:solidFill>
-                  <a:srgbClr val="000000"/>
-                </a:solidFill>
-                <a:latin typeface="Consolas" panose="020B0609020204030204" pitchFamily="49" charset="0"/>
-                <a:ea typeface="Yu Mincho" panose="02020400000000000000" pitchFamily="18" charset="-128"/>
-                <a:cs typeface="Consolas" panose="020B0609020204030204" pitchFamily="49" charset="0"/>
-              </a:rPr>
-              <a:t>;</a:t>
-            </a:r>
-            <a:endParaRPr lang="ru-RU" sz="1400" kern="100" dirty="0">
+              <a:rPr lang="ru-RU" kern="0" dirty="0" err="1">
+                <a:solidFill>
+                  <a:srgbClr val="000000"/>
+                </a:solidFill>
+                <a:latin typeface="Consolas" panose="020B0609020204030204" pitchFamily="49" charset="0"/>
+                <a:ea typeface="Yu Mincho" panose="02020400000000000000" pitchFamily="18" charset="-128"/>
+                <a:cs typeface="Consolas" panose="020B0609020204030204" pitchFamily="49" charset="0"/>
+              </a:rPr>
+              <a:t>boost</a:t>
+            </a:r>
+            <a:r>
+              <a:rPr lang="ru-RU" kern="0" dirty="0">
+                <a:solidFill>
+                  <a:srgbClr val="000000"/>
+                </a:solidFill>
+                <a:latin typeface="Consolas" panose="020B0609020204030204" pitchFamily="49" charset="0"/>
+                <a:ea typeface="Yu Mincho" panose="02020400000000000000" pitchFamily="18" charset="-128"/>
+                <a:cs typeface="Consolas" panose="020B0609020204030204" pitchFamily="49" charset="0"/>
+              </a:rPr>
+              <a:t>::signals2;</a:t>
+            </a:r>
+            <a:endParaRPr lang="ru-RU" kern="100" dirty="0">
               <a:latin typeface="Calibri" panose="020F0502020204030204" pitchFamily="34" charset="0"/>
               <a:ea typeface="Yu Mincho" panose="02020400000000000000" pitchFamily="18" charset="-128"/>
               <a:cs typeface="Times New Roman" panose="02020603050405020304" pitchFamily="18" charset="0"/>
@@ -23565,7 +23806,7 @@
               </a:lnSpc>
             </a:pPr>
             <a:r>
-              <a:rPr lang="ru-RU" sz="1400" kern="0" dirty="0">
+              <a:rPr lang="ru-RU" kern="0" dirty="0">
                 <a:solidFill>
                   <a:srgbClr val="000000"/>
                 </a:solidFill>
@@ -23575,7 +23816,7 @@
               </a:rPr>
               <a:t> </a:t>
             </a:r>
-            <a:endParaRPr lang="ru-RU" sz="1400" kern="100" dirty="0">
+            <a:endParaRPr lang="ru-RU" kern="100" dirty="0">
               <a:latin typeface="Calibri" panose="020F0502020204030204" pitchFamily="34" charset="0"/>
               <a:ea typeface="Yu Mincho" panose="02020400000000000000" pitchFamily="18" charset="-128"/>
               <a:cs typeface="Times New Roman" panose="02020603050405020304" pitchFamily="18" charset="0"/>
@@ -23588,7 +23829,7 @@
               </a:lnSpc>
             </a:pPr>
             <a:r>
-              <a:rPr lang="ru-RU" sz="1400" kern="0" dirty="0" err="1">
+              <a:rPr lang="ru-RU" kern="0" dirty="0" err="1">
                 <a:solidFill>
                   <a:srgbClr val="0000FF"/>
                 </a:solidFill>
@@ -23596,10 +23837,10 @@
                 <a:ea typeface="Yu Mincho" panose="02020400000000000000" pitchFamily="18" charset="-128"/>
                 <a:cs typeface="Consolas" panose="020B0609020204030204" pitchFamily="49" charset="0"/>
               </a:rPr>
-              <a:t>namespace</a:t>
-            </a:r>
-            <a:r>
-              <a:rPr lang="ru-RU" sz="1400" kern="0" dirty="0">
+              <a:t>class</a:t>
+            </a:r>
+            <a:r>
+              <a:rPr lang="ru-RU" kern="0" dirty="0">
                 <a:solidFill>
                   <a:srgbClr val="000000"/>
                 </a:solidFill>
@@ -23610,50 +23851,39 @@
               <a:t> </a:t>
             </a:r>
             <a:r>
-              <a:rPr lang="ru-RU" sz="1400" kern="0" dirty="0" err="1">
-                <a:solidFill>
-                  <a:srgbClr val="000000"/>
-                </a:solidFill>
-                <a:latin typeface="Consolas" panose="020B0609020204030204" pitchFamily="49" charset="0"/>
-                <a:ea typeface="Yu Mincho" panose="02020400000000000000" pitchFamily="18" charset="-128"/>
-                <a:cs typeface="Consolas" panose="020B0609020204030204" pitchFamily="49" charset="0"/>
-              </a:rPr>
-              <a:t>signals</a:t>
-            </a:r>
-            <a:r>
-              <a:rPr lang="ru-RU" sz="1400" kern="0" dirty="0">
-                <a:solidFill>
-                  <a:srgbClr val="000000"/>
-                </a:solidFill>
-                <a:latin typeface="Consolas" panose="020B0609020204030204" pitchFamily="49" charset="0"/>
-                <a:ea typeface="Yu Mincho" panose="02020400000000000000" pitchFamily="18" charset="-128"/>
-                <a:cs typeface="Consolas" panose="020B0609020204030204" pitchFamily="49" charset="0"/>
-              </a:rPr>
-              <a:t> = </a:t>
-            </a:r>
-            <a:r>
-              <a:rPr lang="ru-RU" sz="1400" kern="0" dirty="0" err="1">
-                <a:solidFill>
-                  <a:srgbClr val="000000"/>
-                </a:solidFill>
-                <a:latin typeface="Consolas" panose="020B0609020204030204" pitchFamily="49" charset="0"/>
-                <a:ea typeface="Yu Mincho" panose="02020400000000000000" pitchFamily="18" charset="-128"/>
-                <a:cs typeface="Consolas" panose="020B0609020204030204" pitchFamily="49" charset="0"/>
-              </a:rPr>
-              <a:t>boost</a:t>
-            </a:r>
-            <a:r>
-              <a:rPr lang="ru-RU" sz="1400" kern="0" dirty="0">
-                <a:solidFill>
-                  <a:srgbClr val="000000"/>
-                </a:solidFill>
-                <a:latin typeface="Consolas" panose="020B0609020204030204" pitchFamily="49" charset="0"/>
-                <a:ea typeface="Yu Mincho" panose="02020400000000000000" pitchFamily="18" charset="-128"/>
-                <a:cs typeface="Consolas" panose="020B0609020204030204" pitchFamily="49" charset="0"/>
-              </a:rPr>
-              <a:t>::signals2;</a:t>
-            </a:r>
-            <a:endParaRPr lang="ru-RU" sz="1400" kern="100" dirty="0">
+              <a:rPr lang="ru-RU" kern="0" dirty="0" err="1">
+                <a:solidFill>
+                  <a:srgbClr val="2B91AF"/>
+                </a:solidFill>
+                <a:latin typeface="Consolas" panose="020B0609020204030204" pitchFamily="49" charset="0"/>
+                <a:ea typeface="Yu Mincho" panose="02020400000000000000" pitchFamily="18" charset="-128"/>
+                <a:cs typeface="Consolas" panose="020B0609020204030204" pitchFamily="49" charset="0"/>
+              </a:rPr>
+              <a:t>ICurrencyRate</a:t>
+            </a:r>
+            <a:r>
+              <a:rPr lang="ru-RU" kern="0" dirty="0">
+                <a:solidFill>
+                  <a:srgbClr val="2B91AF"/>
+                </a:solidFill>
+                <a:latin typeface="Consolas" panose="020B0609020204030204" pitchFamily="49" charset="0"/>
+                <a:ea typeface="Yu Mincho" panose="02020400000000000000" pitchFamily="18" charset="-128"/>
+                <a:cs typeface="Consolas" panose="020B0609020204030204" pitchFamily="49" charset="0"/>
+              </a:rPr>
+              <a:t> </a:t>
+            </a:r>
+            <a:r>
+              <a:rPr lang="ru-RU" kern="0" dirty="0">
+                <a:solidFill>
+                  <a:srgbClr val="000000"/>
+                </a:solidFill>
+                <a:latin typeface="Consolas" panose="020B0609020204030204" pitchFamily="49" charset="0"/>
+                <a:ea typeface="Yu Mincho" panose="02020400000000000000" pitchFamily="18" charset="-128"/>
+                <a:cs typeface="Consolas" panose="020B0609020204030204" pitchFamily="49" charset="0"/>
+              </a:rPr>
+              <a:t>{</a:t>
+            </a:r>
+            <a:endParaRPr lang="ru-RU" kern="100" dirty="0">
               <a:latin typeface="Calibri" panose="020F0502020204030204" pitchFamily="34" charset="0"/>
               <a:ea typeface="Yu Mincho" panose="02020400000000000000" pitchFamily="18" charset="-128"/>
               <a:cs typeface="Times New Roman" panose="02020603050405020304" pitchFamily="18" charset="0"/>
@@ -23666,17 +23896,28 @@
               </a:lnSpc>
             </a:pPr>
             <a:r>
-              <a:rPr lang="ru-RU" sz="1400" kern="0" dirty="0">
-                <a:solidFill>
-                  <a:srgbClr val="000000"/>
-                </a:solidFill>
-                <a:latin typeface="Consolas" panose="020B0609020204030204" pitchFamily="49" charset="0"/>
-                <a:ea typeface="Yu Mincho" panose="02020400000000000000" pitchFamily="18" charset="-128"/>
-                <a:cs typeface="Consolas" panose="020B0609020204030204" pitchFamily="49" charset="0"/>
-              </a:rPr>
-              <a:t> </a:t>
-            </a:r>
-            <a:endParaRPr lang="ru-RU" sz="1400" kern="100" dirty="0">
+              <a:rPr lang="ru-RU" kern="0" dirty="0" err="1">
+                <a:solidFill>
+                  <a:srgbClr val="0000FF"/>
+                </a:solidFill>
+                <a:latin typeface="Consolas" panose="020B0609020204030204" pitchFamily="49" charset="0"/>
+                <a:ea typeface="Yu Mincho" panose="02020400000000000000" pitchFamily="18" charset="-128"/>
+                <a:cs typeface="Consolas" panose="020B0609020204030204" pitchFamily="49" charset="0"/>
+              </a:rPr>
+              <a:t>public</a:t>
+            </a:r>
+            <a:r>
+              <a:rPr lang="ru-RU" kern="0" dirty="0">
+                <a:solidFill>
+                  <a:srgbClr val="000000"/>
+                </a:solidFill>
+                <a:latin typeface="Consolas" panose="020B0609020204030204" pitchFamily="49" charset="0"/>
+                <a:ea typeface="Yu Mincho" panose="02020400000000000000" pitchFamily="18" charset="-128"/>
+                <a:cs typeface="Consolas" panose="020B0609020204030204" pitchFamily="49" charset="0"/>
+              </a:rPr>
+              <a:t>:</a:t>
+            </a:r>
+            <a:endParaRPr lang="ru-RU" kern="100" dirty="0">
               <a:latin typeface="Calibri" panose="020F0502020204030204" pitchFamily="34" charset="0"/>
               <a:ea typeface="Yu Mincho" panose="02020400000000000000" pitchFamily="18" charset="-128"/>
               <a:cs typeface="Times New Roman" panose="02020603050405020304" pitchFamily="18" charset="0"/>
@@ -23689,7 +23930,18 @@
               </a:lnSpc>
             </a:pPr>
             <a:r>
-              <a:rPr lang="ru-RU" sz="1400" kern="0" dirty="0" err="1">
+              <a:rPr lang="ru-RU" kern="0" dirty="0">
+                <a:solidFill>
+                  <a:srgbClr val="000000"/>
+                </a:solidFill>
+                <a:latin typeface="Consolas" panose="020B0609020204030204" pitchFamily="49" charset="0"/>
+                <a:ea typeface="Yu Mincho" panose="02020400000000000000" pitchFamily="18" charset="-128"/>
+                <a:cs typeface="Consolas" panose="020B0609020204030204" pitchFamily="49" charset="0"/>
+              </a:rPr>
+              <a:t>  </a:t>
+            </a:r>
+            <a:r>
+              <a:rPr lang="ru-RU" kern="0" dirty="0" err="1">
                 <a:solidFill>
                   <a:srgbClr val="0000FF"/>
                 </a:solidFill>
@@ -23697,10 +23949,10 @@
                 <a:ea typeface="Yu Mincho" panose="02020400000000000000" pitchFamily="18" charset="-128"/>
                 <a:cs typeface="Consolas" panose="020B0609020204030204" pitchFamily="49" charset="0"/>
               </a:rPr>
-              <a:t>class</a:t>
-            </a:r>
-            <a:r>
-              <a:rPr lang="ru-RU" sz="1400" kern="0" dirty="0">
+              <a:t>using</a:t>
+            </a:r>
+            <a:r>
+              <a:rPr lang="ru-RU" kern="0" dirty="0">
                 <a:solidFill>
                   <a:srgbClr val="000000"/>
                 </a:solidFill>
@@ -23711,7 +23963,7 @@
               <a:t> </a:t>
             </a:r>
             <a:r>
-              <a:rPr lang="ru-RU" sz="1400" kern="0" dirty="0" err="1">
+              <a:rPr lang="ru-RU" kern="0" dirty="0" err="1">
                 <a:solidFill>
                   <a:srgbClr val="2B91AF"/>
                 </a:solidFill>
@@ -23719,12 +23971,100 @@
                 <a:ea typeface="Yu Mincho" panose="02020400000000000000" pitchFamily="18" charset="-128"/>
                 <a:cs typeface="Consolas" panose="020B0609020204030204" pitchFamily="49" charset="0"/>
               </a:rPr>
-              <a:t>ICurrencyRate</a:t>
-            </a:r>
-            <a:r>
-              <a:rPr lang="ru-RU" sz="1400" kern="0" dirty="0">
-                <a:solidFill>
-                  <a:srgbClr val="2B91AF"/>
+              <a:t>RateSignal</a:t>
+            </a:r>
+            <a:r>
+              <a:rPr lang="ru-RU" kern="0" dirty="0">
+                <a:solidFill>
+                  <a:srgbClr val="000000"/>
+                </a:solidFill>
+                <a:latin typeface="Consolas" panose="020B0609020204030204" pitchFamily="49" charset="0"/>
+                <a:ea typeface="Yu Mincho" panose="02020400000000000000" pitchFamily="18" charset="-128"/>
+                <a:cs typeface="Consolas" panose="020B0609020204030204" pitchFamily="49" charset="0"/>
+              </a:rPr>
+              <a:t> = </a:t>
+            </a:r>
+            <a:r>
+              <a:rPr lang="ru-RU" kern="0" dirty="0" err="1">
+                <a:solidFill>
+                  <a:srgbClr val="000000"/>
+                </a:solidFill>
+                <a:latin typeface="Consolas" panose="020B0609020204030204" pitchFamily="49" charset="0"/>
+                <a:ea typeface="Yu Mincho" panose="02020400000000000000" pitchFamily="18" charset="-128"/>
+                <a:cs typeface="Consolas" panose="020B0609020204030204" pitchFamily="49" charset="0"/>
+              </a:rPr>
+              <a:t>signals</a:t>
+            </a:r>
+            <a:r>
+              <a:rPr lang="ru-RU" kern="0" dirty="0">
+                <a:solidFill>
+                  <a:srgbClr val="000000"/>
+                </a:solidFill>
+                <a:latin typeface="Consolas" panose="020B0609020204030204" pitchFamily="49" charset="0"/>
+                <a:ea typeface="Yu Mincho" panose="02020400000000000000" pitchFamily="18" charset="-128"/>
+                <a:cs typeface="Consolas" panose="020B0609020204030204" pitchFamily="49" charset="0"/>
+              </a:rPr>
+              <a:t>::</a:t>
+            </a:r>
+            <a:r>
+              <a:rPr lang="ru-RU" kern="0" dirty="0" err="1">
+                <a:solidFill>
+                  <a:srgbClr val="000000"/>
+                </a:solidFill>
+                <a:latin typeface="Consolas" panose="020B0609020204030204" pitchFamily="49" charset="0"/>
+                <a:ea typeface="Yu Mincho" panose="02020400000000000000" pitchFamily="18" charset="-128"/>
+                <a:cs typeface="Consolas" panose="020B0609020204030204" pitchFamily="49" charset="0"/>
+              </a:rPr>
+              <a:t>signal</a:t>
+            </a:r>
+            <a:r>
+              <a:rPr lang="ru-RU" kern="0" dirty="0">
+                <a:solidFill>
+                  <a:srgbClr val="000000"/>
+                </a:solidFill>
+                <a:latin typeface="Consolas" panose="020B0609020204030204" pitchFamily="49" charset="0"/>
+                <a:ea typeface="Yu Mincho" panose="02020400000000000000" pitchFamily="18" charset="-128"/>
+                <a:cs typeface="Consolas" panose="020B0609020204030204" pitchFamily="49" charset="0"/>
+              </a:rPr>
+              <a:t>&lt;</a:t>
+            </a:r>
+            <a:r>
+              <a:rPr lang="ru-RU" kern="0" dirty="0" err="1">
+                <a:solidFill>
+                  <a:srgbClr val="0000FF"/>
+                </a:solidFill>
+                <a:latin typeface="Consolas" panose="020B0609020204030204" pitchFamily="49" charset="0"/>
+                <a:ea typeface="Yu Mincho" panose="02020400000000000000" pitchFamily="18" charset="-128"/>
+                <a:cs typeface="Consolas" panose="020B0609020204030204" pitchFamily="49" charset="0"/>
+              </a:rPr>
+              <a:t>void</a:t>
+            </a:r>
+            <a:r>
+              <a:rPr lang="ru-RU" kern="0" dirty="0">
+                <a:solidFill>
+                  <a:srgbClr val="000000"/>
+                </a:solidFill>
+                <a:latin typeface="Consolas" panose="020B0609020204030204" pitchFamily="49" charset="0"/>
+                <a:ea typeface="Yu Mincho" panose="02020400000000000000" pitchFamily="18" charset="-128"/>
+                <a:cs typeface="Consolas" panose="020B0609020204030204" pitchFamily="49" charset="0"/>
+              </a:rPr>
+              <a:t>(</a:t>
+            </a:r>
+            <a:r>
+              <a:rPr lang="ru-RU" kern="0" dirty="0" err="1">
+                <a:solidFill>
+                  <a:srgbClr val="0000FF"/>
+                </a:solidFill>
+                <a:latin typeface="Consolas" panose="020B0609020204030204" pitchFamily="49" charset="0"/>
+                <a:ea typeface="Yu Mincho" panose="02020400000000000000" pitchFamily="18" charset="-128"/>
+                <a:cs typeface="Consolas" panose="020B0609020204030204" pitchFamily="49" charset="0"/>
+              </a:rPr>
+              <a:t>double</a:t>
+            </a:r>
+            <a:r>
+              <a:rPr lang="ru-RU" kern="0" dirty="0">
+                <a:solidFill>
+                  <a:srgbClr val="000000"/>
                 </a:solidFill>
                 <a:latin typeface="Consolas" panose="020B0609020204030204" pitchFamily="49" charset="0"/>
                 <a:ea typeface="Yu Mincho" panose="02020400000000000000" pitchFamily="18" charset="-128"/>
@@ -23733,17 +24073,28 @@
               <a:t> </a:t>
             </a:r>
             <a:r>
-              <a:rPr lang="ru-RU" sz="1400" kern="0" dirty="0">
-                <a:solidFill>
-                  <a:srgbClr val="000000"/>
-                </a:solidFill>
-                <a:latin typeface="Consolas" panose="020B0609020204030204" pitchFamily="49" charset="0"/>
-                <a:ea typeface="Yu Mincho" panose="02020400000000000000" pitchFamily="18" charset="-128"/>
-                <a:cs typeface="Consolas" panose="020B0609020204030204" pitchFamily="49" charset="0"/>
-              </a:rPr>
-              <a:t>{</a:t>
-            </a:r>
-            <a:endParaRPr lang="ru-RU" sz="1400" kern="100" dirty="0">
+              <a:rPr lang="ru-RU" kern="0" dirty="0" err="1">
+                <a:solidFill>
+                  <a:srgbClr val="000000"/>
+                </a:solidFill>
+                <a:latin typeface="Consolas" panose="020B0609020204030204" pitchFamily="49" charset="0"/>
+                <a:ea typeface="Yu Mincho" panose="02020400000000000000" pitchFamily="18" charset="-128"/>
+                <a:cs typeface="Consolas" panose="020B0609020204030204" pitchFamily="49" charset="0"/>
+              </a:rPr>
+              <a:t>rate</a:t>
+            </a:r>
+            <a:r>
+              <a:rPr lang="ru-RU" kern="0" dirty="0">
+                <a:solidFill>
+                  <a:srgbClr val="000000"/>
+                </a:solidFill>
+                <a:latin typeface="Consolas" panose="020B0609020204030204" pitchFamily="49" charset="0"/>
+                <a:ea typeface="Yu Mincho" panose="02020400000000000000" pitchFamily="18" charset="-128"/>
+                <a:cs typeface="Consolas" panose="020B0609020204030204" pitchFamily="49" charset="0"/>
+              </a:rPr>
+              <a:t>)&gt;;</a:t>
+            </a:r>
+            <a:endParaRPr lang="ru-RU" kern="100" dirty="0">
               <a:latin typeface="Calibri" panose="020F0502020204030204" pitchFamily="34" charset="0"/>
               <a:ea typeface="Yu Mincho" panose="02020400000000000000" pitchFamily="18" charset="-128"/>
               <a:cs typeface="Times New Roman" panose="02020603050405020304" pitchFamily="18" charset="0"/>
@@ -23756,28 +24107,17 @@
               </a:lnSpc>
             </a:pPr>
             <a:r>
-              <a:rPr lang="ru-RU" sz="1400" kern="0" dirty="0" err="1">
-                <a:solidFill>
-                  <a:srgbClr val="0000FF"/>
-                </a:solidFill>
-                <a:latin typeface="Consolas" panose="020B0609020204030204" pitchFamily="49" charset="0"/>
-                <a:ea typeface="Yu Mincho" panose="02020400000000000000" pitchFamily="18" charset="-128"/>
-                <a:cs typeface="Consolas" panose="020B0609020204030204" pitchFamily="49" charset="0"/>
-              </a:rPr>
-              <a:t>public</a:t>
-            </a:r>
-            <a:r>
-              <a:rPr lang="ru-RU" sz="1400" kern="0" dirty="0">
-                <a:solidFill>
-                  <a:srgbClr val="000000"/>
-                </a:solidFill>
-                <a:latin typeface="Consolas" panose="020B0609020204030204" pitchFamily="49" charset="0"/>
-                <a:ea typeface="Yu Mincho" panose="02020400000000000000" pitchFamily="18" charset="-128"/>
-                <a:cs typeface="Consolas" panose="020B0609020204030204" pitchFamily="49" charset="0"/>
-              </a:rPr>
-              <a:t>:</a:t>
-            </a:r>
-            <a:endParaRPr lang="ru-RU" sz="1400" kern="100" dirty="0">
+              <a:rPr lang="ru-RU" kern="0" dirty="0">
+                <a:solidFill>
+                  <a:srgbClr val="000000"/>
+                </a:solidFill>
+                <a:latin typeface="Consolas" panose="020B0609020204030204" pitchFamily="49" charset="0"/>
+                <a:ea typeface="Yu Mincho" panose="02020400000000000000" pitchFamily="18" charset="-128"/>
+                <a:cs typeface="Consolas" panose="020B0609020204030204" pitchFamily="49" charset="0"/>
+              </a:rPr>
+              <a:t> </a:t>
+            </a:r>
+            <a:endParaRPr lang="ru-RU" kern="100" dirty="0">
               <a:latin typeface="Calibri" panose="020F0502020204030204" pitchFamily="34" charset="0"/>
               <a:ea typeface="Yu Mincho" panose="02020400000000000000" pitchFamily="18" charset="-128"/>
               <a:cs typeface="Times New Roman" panose="02020603050405020304" pitchFamily="18" charset="0"/>
@@ -23790,7 +24130,7 @@
               </a:lnSpc>
             </a:pPr>
             <a:r>
-              <a:rPr lang="ru-RU" sz="1400" kern="0" dirty="0">
+              <a:rPr lang="ru-RU" kern="0" dirty="0">
                 <a:solidFill>
                   <a:srgbClr val="000000"/>
                 </a:solidFill>
@@ -23801,7 +24141,7 @@
               <a:t>  </a:t>
             </a:r>
             <a:r>
-              <a:rPr lang="ru-RU" sz="1400" kern="0" dirty="0" err="1">
+              <a:rPr lang="ru-RU" kern="0" dirty="0" err="1">
                 <a:solidFill>
                   <a:srgbClr val="0000FF"/>
                 </a:solidFill>
@@ -23809,10 +24149,10 @@
                 <a:ea typeface="Yu Mincho" panose="02020400000000000000" pitchFamily="18" charset="-128"/>
                 <a:cs typeface="Consolas" panose="020B0609020204030204" pitchFamily="49" charset="0"/>
               </a:rPr>
-              <a:t>using</a:t>
-            </a:r>
-            <a:r>
-              <a:rPr lang="ru-RU" sz="1400" kern="0" dirty="0">
+              <a:t>virtual</a:t>
+            </a:r>
+            <a:r>
+              <a:rPr lang="ru-RU" kern="0" dirty="0">
                 <a:solidFill>
                   <a:srgbClr val="000000"/>
                 </a:solidFill>
@@ -23823,9 +24163,108 @@
               <a:t> </a:t>
             </a:r>
             <a:r>
-              <a:rPr lang="ru-RU" sz="1400" kern="0" dirty="0" err="1">
-                <a:solidFill>
-                  <a:srgbClr val="2B91AF"/>
+              <a:rPr lang="ru-RU" kern="0" dirty="0" err="1">
+                <a:solidFill>
+                  <a:srgbClr val="000000"/>
+                </a:solidFill>
+                <a:latin typeface="Consolas" panose="020B0609020204030204" pitchFamily="49" charset="0"/>
+                <a:ea typeface="Yu Mincho" panose="02020400000000000000" pitchFamily="18" charset="-128"/>
+                <a:cs typeface="Consolas" panose="020B0609020204030204" pitchFamily="49" charset="0"/>
+              </a:rPr>
+              <a:t>signals</a:t>
+            </a:r>
+            <a:r>
+              <a:rPr lang="ru-RU" kern="0" dirty="0">
+                <a:solidFill>
+                  <a:srgbClr val="000000"/>
+                </a:solidFill>
+                <a:latin typeface="Consolas" panose="020B0609020204030204" pitchFamily="49" charset="0"/>
+                <a:ea typeface="Yu Mincho" panose="02020400000000000000" pitchFamily="18" charset="-128"/>
+                <a:cs typeface="Consolas" panose="020B0609020204030204" pitchFamily="49" charset="0"/>
+              </a:rPr>
+              <a:t>::</a:t>
+            </a:r>
+            <a:r>
+              <a:rPr lang="en-US" kern="0" dirty="0">
+                <a:solidFill>
+                  <a:srgbClr val="000000"/>
+                </a:solidFill>
+                <a:latin typeface="Consolas" panose="020B0609020204030204" pitchFamily="49" charset="0"/>
+                <a:ea typeface="Yu Mincho" panose="02020400000000000000" pitchFamily="18" charset="-128"/>
+                <a:cs typeface="Consolas" panose="020B0609020204030204" pitchFamily="49" charset="0"/>
+              </a:rPr>
+              <a:t>scoped_</a:t>
+            </a:r>
+            <a:r>
+              <a:rPr lang="ru-RU" kern="0" dirty="0" err="1">
+                <a:solidFill>
+                  <a:srgbClr val="000000"/>
+                </a:solidFill>
+                <a:latin typeface="Consolas" panose="020B0609020204030204" pitchFamily="49" charset="0"/>
+                <a:ea typeface="Yu Mincho" panose="02020400000000000000" pitchFamily="18" charset="-128"/>
+                <a:cs typeface="Consolas" panose="020B0609020204030204" pitchFamily="49" charset="0"/>
+              </a:rPr>
+              <a:t>connection</a:t>
+            </a:r>
+            <a:r>
+              <a:rPr lang="ru-RU" kern="0" dirty="0">
+                <a:solidFill>
+                  <a:srgbClr val="000000"/>
+                </a:solidFill>
+                <a:latin typeface="Consolas" panose="020B0609020204030204" pitchFamily="49" charset="0"/>
+                <a:ea typeface="Yu Mincho" panose="02020400000000000000" pitchFamily="18" charset="-128"/>
+                <a:cs typeface="Consolas" panose="020B0609020204030204" pitchFamily="49" charset="0"/>
+              </a:rPr>
+              <a:t> </a:t>
+            </a:r>
+            <a:r>
+              <a:rPr lang="ru-RU" kern="0" dirty="0" err="1">
+                <a:solidFill>
+                  <a:srgbClr val="000000"/>
+                </a:solidFill>
+                <a:latin typeface="Consolas" panose="020B0609020204030204" pitchFamily="49" charset="0"/>
+                <a:ea typeface="Yu Mincho" panose="02020400000000000000" pitchFamily="18" charset="-128"/>
+                <a:cs typeface="Consolas" panose="020B0609020204030204" pitchFamily="49" charset="0"/>
+              </a:rPr>
+              <a:t>DoOnRateChange</a:t>
+            </a:r>
+            <a:r>
+              <a:rPr lang="ru-RU" kern="0" dirty="0">
+                <a:solidFill>
+                  <a:srgbClr val="000000"/>
+                </a:solidFill>
+                <a:latin typeface="Consolas" panose="020B0609020204030204" pitchFamily="49" charset="0"/>
+                <a:ea typeface="Yu Mincho" panose="02020400000000000000" pitchFamily="18" charset="-128"/>
+                <a:cs typeface="Consolas" panose="020B0609020204030204" pitchFamily="49" charset="0"/>
+              </a:rPr>
+              <a:t>(</a:t>
+            </a:r>
+            <a:r>
+              <a:rPr lang="ru-RU" kern="0" dirty="0" err="1">
+                <a:solidFill>
+                  <a:srgbClr val="0000FF"/>
+                </a:solidFill>
+                <a:latin typeface="Consolas" panose="020B0609020204030204" pitchFamily="49" charset="0"/>
+                <a:ea typeface="Yu Mincho" panose="02020400000000000000" pitchFamily="18" charset="-128"/>
+                <a:cs typeface="Consolas" panose="020B0609020204030204" pitchFamily="49" charset="0"/>
+              </a:rPr>
+              <a:t>const</a:t>
+            </a:r>
+            <a:r>
+              <a:rPr lang="ru-RU" kern="0" dirty="0">
+                <a:solidFill>
+                  <a:srgbClr val="000000"/>
+                </a:solidFill>
+                <a:latin typeface="Consolas" panose="020B0609020204030204" pitchFamily="49" charset="0"/>
+                <a:ea typeface="Yu Mincho" panose="02020400000000000000" pitchFamily="18" charset="-128"/>
+                <a:cs typeface="Consolas" panose="020B0609020204030204" pitchFamily="49" charset="0"/>
+              </a:rPr>
+              <a:t> </a:t>
+            </a:r>
+            <a:r>
+              <a:rPr lang="ru-RU" kern="0" dirty="0" err="1">
+                <a:solidFill>
+                  <a:srgbClr val="000000"/>
                 </a:solidFill>
                 <a:latin typeface="Consolas" panose="020B0609020204030204" pitchFamily="49" charset="0"/>
                 <a:ea typeface="Yu Mincho" panose="02020400000000000000" pitchFamily="18" charset="-128"/>
@@ -23834,29 +24273,7 @@
               <a:t>RateSignal</a:t>
             </a:r>
             <a:r>
-              <a:rPr lang="ru-RU" sz="1400" kern="0" dirty="0">
-                <a:solidFill>
-                  <a:srgbClr val="000000"/>
-                </a:solidFill>
-                <a:latin typeface="Consolas" panose="020B0609020204030204" pitchFamily="49" charset="0"/>
-                <a:ea typeface="Yu Mincho" panose="02020400000000000000" pitchFamily="18" charset="-128"/>
-                <a:cs typeface="Consolas" panose="020B0609020204030204" pitchFamily="49" charset="0"/>
-              </a:rPr>
-              <a:t> = </a:t>
-            </a:r>
-            <a:r>
-              <a:rPr lang="ru-RU" sz="1400" kern="0" dirty="0" err="1">
-                <a:solidFill>
-                  <a:srgbClr val="000000"/>
-                </a:solidFill>
-                <a:latin typeface="Consolas" panose="020B0609020204030204" pitchFamily="49" charset="0"/>
-                <a:ea typeface="Yu Mincho" panose="02020400000000000000" pitchFamily="18" charset="-128"/>
-                <a:cs typeface="Consolas" panose="020B0609020204030204" pitchFamily="49" charset="0"/>
-              </a:rPr>
-              <a:t>signals</a:t>
-            </a:r>
-            <a:r>
-              <a:rPr lang="ru-RU" sz="1400" kern="0" dirty="0">
+              <a:rPr lang="ru-RU" kern="0" dirty="0">
                 <a:solidFill>
                   <a:srgbClr val="000000"/>
                 </a:solidFill>
@@ -23867,94 +24284,50 @@
               <a:t>::</a:t>
             </a:r>
             <a:r>
-              <a:rPr lang="ru-RU" sz="1400" kern="0" dirty="0" err="1">
-                <a:solidFill>
-                  <a:srgbClr val="000000"/>
-                </a:solidFill>
-                <a:latin typeface="Consolas" panose="020B0609020204030204" pitchFamily="49" charset="0"/>
-                <a:ea typeface="Yu Mincho" panose="02020400000000000000" pitchFamily="18" charset="-128"/>
-                <a:cs typeface="Consolas" panose="020B0609020204030204" pitchFamily="49" charset="0"/>
-              </a:rPr>
-              <a:t>signal</a:t>
-            </a:r>
-            <a:r>
-              <a:rPr lang="ru-RU" sz="1400" kern="0" dirty="0">
-                <a:solidFill>
-                  <a:srgbClr val="000000"/>
-                </a:solidFill>
-                <a:latin typeface="Consolas" panose="020B0609020204030204" pitchFamily="49" charset="0"/>
-                <a:ea typeface="Yu Mincho" panose="02020400000000000000" pitchFamily="18" charset="-128"/>
-                <a:cs typeface="Consolas" panose="020B0609020204030204" pitchFamily="49" charset="0"/>
-              </a:rPr>
-              <a:t>&lt;</a:t>
-            </a:r>
-            <a:r>
-              <a:rPr lang="ru-RU" sz="1400" kern="0" dirty="0" err="1">
-                <a:solidFill>
-                  <a:srgbClr val="0000FF"/>
-                </a:solidFill>
-                <a:latin typeface="Consolas" panose="020B0609020204030204" pitchFamily="49" charset="0"/>
-                <a:ea typeface="Yu Mincho" panose="02020400000000000000" pitchFamily="18" charset="-128"/>
-                <a:cs typeface="Consolas" panose="020B0609020204030204" pitchFamily="49" charset="0"/>
-              </a:rPr>
-              <a:t>void</a:t>
-            </a:r>
-            <a:r>
-              <a:rPr lang="ru-RU" sz="1400" kern="0" dirty="0">
-                <a:solidFill>
-                  <a:srgbClr val="000000"/>
-                </a:solidFill>
-                <a:latin typeface="Consolas" panose="020B0609020204030204" pitchFamily="49" charset="0"/>
-                <a:ea typeface="Yu Mincho" panose="02020400000000000000" pitchFamily="18" charset="-128"/>
-                <a:cs typeface="Consolas" panose="020B0609020204030204" pitchFamily="49" charset="0"/>
-              </a:rPr>
-              <a:t>(</a:t>
-            </a:r>
-            <a:r>
-              <a:rPr lang="ru-RU" sz="1400" kern="0" dirty="0" err="1">
-                <a:solidFill>
-                  <a:srgbClr val="0000FF"/>
-                </a:solidFill>
-                <a:latin typeface="Consolas" panose="020B0609020204030204" pitchFamily="49" charset="0"/>
-                <a:ea typeface="Yu Mincho" panose="02020400000000000000" pitchFamily="18" charset="-128"/>
-                <a:cs typeface="Consolas" panose="020B0609020204030204" pitchFamily="49" charset="0"/>
-              </a:rPr>
-              <a:t>double</a:t>
-            </a:r>
-            <a:r>
-              <a:rPr lang="ru-RU" sz="1400" kern="0" dirty="0">
-                <a:solidFill>
-                  <a:srgbClr val="000000"/>
-                </a:solidFill>
-                <a:latin typeface="Consolas" panose="020B0609020204030204" pitchFamily="49" charset="0"/>
-                <a:ea typeface="Yu Mincho" panose="02020400000000000000" pitchFamily="18" charset="-128"/>
-                <a:cs typeface="Consolas" panose="020B0609020204030204" pitchFamily="49" charset="0"/>
-              </a:rPr>
-              <a:t> </a:t>
-            </a:r>
-            <a:r>
-              <a:rPr lang="ru-RU" sz="1400" kern="0" dirty="0" err="1">
-                <a:solidFill>
-                  <a:srgbClr val="000000"/>
-                </a:solidFill>
-                <a:latin typeface="Consolas" panose="020B0609020204030204" pitchFamily="49" charset="0"/>
-                <a:ea typeface="Yu Mincho" panose="02020400000000000000" pitchFamily="18" charset="-128"/>
-                <a:cs typeface="Consolas" panose="020B0609020204030204" pitchFamily="49" charset="0"/>
-              </a:rPr>
-              <a:t>rate</a:t>
-            </a:r>
-            <a:r>
-              <a:rPr lang="ru-RU" sz="1400" kern="0" dirty="0">
-                <a:solidFill>
-                  <a:srgbClr val="000000"/>
-                </a:solidFill>
-                <a:latin typeface="Consolas" panose="020B0609020204030204" pitchFamily="49" charset="0"/>
-                <a:ea typeface="Yu Mincho" panose="02020400000000000000" pitchFamily="18" charset="-128"/>
-                <a:cs typeface="Consolas" panose="020B0609020204030204" pitchFamily="49" charset="0"/>
-              </a:rPr>
-              <a:t>)&gt;;</a:t>
-            </a:r>
-            <a:endParaRPr lang="ru-RU" sz="1400" kern="100" dirty="0">
+              <a:rPr lang="ru-RU" kern="0" dirty="0" err="1">
+                <a:solidFill>
+                  <a:srgbClr val="000000"/>
+                </a:solidFill>
+                <a:latin typeface="Consolas" panose="020B0609020204030204" pitchFamily="49" charset="0"/>
+                <a:ea typeface="Yu Mincho" panose="02020400000000000000" pitchFamily="18" charset="-128"/>
+                <a:cs typeface="Consolas" panose="020B0609020204030204" pitchFamily="49" charset="0"/>
+              </a:rPr>
+              <a:t>slot_type</a:t>
+            </a:r>
+            <a:r>
+              <a:rPr lang="ru-RU" kern="0" dirty="0">
+                <a:solidFill>
+                  <a:srgbClr val="000000"/>
+                </a:solidFill>
+                <a:latin typeface="Consolas" panose="020B0609020204030204" pitchFamily="49" charset="0"/>
+                <a:ea typeface="Yu Mincho" panose="02020400000000000000" pitchFamily="18" charset="-128"/>
+                <a:cs typeface="Consolas" panose="020B0609020204030204" pitchFamily="49" charset="0"/>
+              </a:rPr>
+              <a:t> &amp; </a:t>
+            </a:r>
+            <a:r>
+              <a:rPr lang="ru-RU" kern="0" dirty="0" err="1">
+                <a:solidFill>
+                  <a:srgbClr val="808080"/>
+                </a:solidFill>
+                <a:latin typeface="Consolas" panose="020B0609020204030204" pitchFamily="49" charset="0"/>
+                <a:ea typeface="Yu Mincho" panose="02020400000000000000" pitchFamily="18" charset="-128"/>
+                <a:cs typeface="Consolas" panose="020B0609020204030204" pitchFamily="49" charset="0"/>
+              </a:rPr>
+              <a:t>slot</a:t>
+            </a:r>
+            <a:r>
+              <a:rPr lang="ru-RU" kern="0" dirty="0">
+                <a:solidFill>
+                  <a:srgbClr val="000000"/>
+                </a:solidFill>
+                <a:latin typeface="Consolas" panose="020B0609020204030204" pitchFamily="49" charset="0"/>
+                <a:ea typeface="Yu Mincho" panose="02020400000000000000" pitchFamily="18" charset="-128"/>
+                <a:cs typeface="Consolas" panose="020B0609020204030204" pitchFamily="49" charset="0"/>
+              </a:rPr>
+              <a:t>) = 0;</a:t>
+            </a:r>
+            <a:endParaRPr lang="ru-RU" kern="100" dirty="0">
               <a:latin typeface="Calibri" panose="020F0502020204030204" pitchFamily="34" charset="0"/>
               <a:ea typeface="Yu Mincho" panose="02020400000000000000" pitchFamily="18" charset="-128"/>
               <a:cs typeface="Times New Roman" panose="02020603050405020304" pitchFamily="18" charset="0"/>
@@ -23967,17 +24340,105 @@
               </a:lnSpc>
             </a:pPr>
             <a:r>
-              <a:rPr lang="ru-RU" sz="1400" kern="0" dirty="0">
-                <a:solidFill>
-                  <a:srgbClr val="000000"/>
-                </a:solidFill>
-                <a:latin typeface="Consolas" panose="020B0609020204030204" pitchFamily="49" charset="0"/>
-                <a:ea typeface="Yu Mincho" panose="02020400000000000000" pitchFamily="18" charset="-128"/>
-                <a:cs typeface="Consolas" panose="020B0609020204030204" pitchFamily="49" charset="0"/>
-              </a:rPr>
-              <a:t> </a:t>
-            </a:r>
-            <a:endParaRPr lang="ru-RU" sz="1400" kern="100" dirty="0">
+              <a:rPr lang="ru-RU" kern="0" dirty="0">
+                <a:solidFill>
+                  <a:srgbClr val="000000"/>
+                </a:solidFill>
+                <a:latin typeface="Consolas" panose="020B0609020204030204" pitchFamily="49" charset="0"/>
+                <a:ea typeface="Yu Mincho" panose="02020400000000000000" pitchFamily="18" charset="-128"/>
+                <a:cs typeface="Consolas" panose="020B0609020204030204" pitchFamily="49" charset="0"/>
+              </a:rPr>
+              <a:t>  </a:t>
+            </a:r>
+            <a:r>
+              <a:rPr lang="ru-RU" kern="0" dirty="0" err="1">
+                <a:solidFill>
+                  <a:srgbClr val="0000FF"/>
+                </a:solidFill>
+                <a:latin typeface="Consolas" panose="020B0609020204030204" pitchFamily="49" charset="0"/>
+                <a:ea typeface="Yu Mincho" panose="02020400000000000000" pitchFamily="18" charset="-128"/>
+                <a:cs typeface="Consolas" panose="020B0609020204030204" pitchFamily="49" charset="0"/>
+              </a:rPr>
+              <a:t>virtual</a:t>
+            </a:r>
+            <a:r>
+              <a:rPr lang="ru-RU" kern="0" dirty="0">
+                <a:solidFill>
+                  <a:srgbClr val="000000"/>
+                </a:solidFill>
+                <a:latin typeface="Consolas" panose="020B0609020204030204" pitchFamily="49" charset="0"/>
+                <a:ea typeface="Yu Mincho" panose="02020400000000000000" pitchFamily="18" charset="-128"/>
+                <a:cs typeface="Consolas" panose="020B0609020204030204" pitchFamily="49" charset="0"/>
+              </a:rPr>
+              <a:t> </a:t>
+            </a:r>
+            <a:r>
+              <a:rPr lang="ru-RU" kern="0" dirty="0" err="1">
+                <a:solidFill>
+                  <a:srgbClr val="0000FF"/>
+                </a:solidFill>
+                <a:latin typeface="Consolas" panose="020B0609020204030204" pitchFamily="49" charset="0"/>
+                <a:ea typeface="Yu Mincho" panose="02020400000000000000" pitchFamily="18" charset="-128"/>
+                <a:cs typeface="Consolas" panose="020B0609020204030204" pitchFamily="49" charset="0"/>
+              </a:rPr>
+              <a:t>double</a:t>
+            </a:r>
+            <a:r>
+              <a:rPr lang="ru-RU" kern="0" dirty="0">
+                <a:solidFill>
+                  <a:srgbClr val="000000"/>
+                </a:solidFill>
+                <a:latin typeface="Consolas" panose="020B0609020204030204" pitchFamily="49" charset="0"/>
+                <a:ea typeface="Yu Mincho" panose="02020400000000000000" pitchFamily="18" charset="-128"/>
+                <a:cs typeface="Consolas" panose="020B0609020204030204" pitchFamily="49" charset="0"/>
+              </a:rPr>
+              <a:t> </a:t>
+            </a:r>
+            <a:r>
+              <a:rPr lang="ru-RU" kern="0" dirty="0" err="1">
+                <a:solidFill>
+                  <a:srgbClr val="000000"/>
+                </a:solidFill>
+                <a:latin typeface="Consolas" panose="020B0609020204030204" pitchFamily="49" charset="0"/>
+                <a:ea typeface="Yu Mincho" panose="02020400000000000000" pitchFamily="18" charset="-128"/>
+                <a:cs typeface="Consolas" panose="020B0609020204030204" pitchFamily="49" charset="0"/>
+              </a:rPr>
+              <a:t>GetRate</a:t>
+            </a:r>
+            <a:r>
+              <a:rPr lang="ru-RU" kern="0" dirty="0">
+                <a:solidFill>
+                  <a:srgbClr val="000000"/>
+                </a:solidFill>
+                <a:latin typeface="Consolas" panose="020B0609020204030204" pitchFamily="49" charset="0"/>
+                <a:ea typeface="Yu Mincho" panose="02020400000000000000" pitchFamily="18" charset="-128"/>
+                <a:cs typeface="Consolas" panose="020B0609020204030204" pitchFamily="49" charset="0"/>
+              </a:rPr>
+              <a:t>()</a:t>
+            </a:r>
+            <a:r>
+              <a:rPr lang="ru-RU" kern="0" dirty="0" err="1">
+                <a:solidFill>
+                  <a:srgbClr val="0000FF"/>
+                </a:solidFill>
+                <a:latin typeface="Consolas" panose="020B0609020204030204" pitchFamily="49" charset="0"/>
+                <a:ea typeface="Yu Mincho" panose="02020400000000000000" pitchFamily="18" charset="-128"/>
+                <a:cs typeface="Consolas" panose="020B0609020204030204" pitchFamily="49" charset="0"/>
+              </a:rPr>
+              <a:t>const</a:t>
+            </a:r>
+            <a:r>
+              <a:rPr lang="ru-RU" kern="0" dirty="0">
+                <a:solidFill>
+                  <a:srgbClr val="000000"/>
+                </a:solidFill>
+                <a:latin typeface="Consolas" panose="020B0609020204030204" pitchFamily="49" charset="0"/>
+                <a:ea typeface="Yu Mincho" panose="02020400000000000000" pitchFamily="18" charset="-128"/>
+                <a:cs typeface="Consolas" panose="020B0609020204030204" pitchFamily="49" charset="0"/>
+              </a:rPr>
+              <a:t> = 0;</a:t>
+            </a:r>
+            <a:endParaRPr lang="ru-RU" kern="100" dirty="0">
               <a:latin typeface="Calibri" panose="020F0502020204030204" pitchFamily="34" charset="0"/>
               <a:ea typeface="Yu Mincho" panose="02020400000000000000" pitchFamily="18" charset="-128"/>
               <a:cs typeface="Times New Roman" panose="02020603050405020304" pitchFamily="18" charset="0"/>
@@ -23990,193 +24451,17 @@
               </a:lnSpc>
             </a:pPr>
             <a:r>
-              <a:rPr lang="ru-RU" sz="1400" kern="0" dirty="0">
-                <a:solidFill>
-                  <a:srgbClr val="000000"/>
-                </a:solidFill>
-                <a:latin typeface="Consolas" panose="020B0609020204030204" pitchFamily="49" charset="0"/>
-                <a:ea typeface="Yu Mincho" panose="02020400000000000000" pitchFamily="18" charset="-128"/>
-                <a:cs typeface="Consolas" panose="020B0609020204030204" pitchFamily="49" charset="0"/>
-              </a:rPr>
-              <a:t>  </a:t>
-            </a:r>
-            <a:r>
-              <a:rPr lang="ru-RU" sz="1400" kern="0" dirty="0" err="1">
-                <a:solidFill>
-                  <a:srgbClr val="0000FF"/>
-                </a:solidFill>
-                <a:latin typeface="Consolas" panose="020B0609020204030204" pitchFamily="49" charset="0"/>
-                <a:ea typeface="Yu Mincho" panose="02020400000000000000" pitchFamily="18" charset="-128"/>
-                <a:cs typeface="Consolas" panose="020B0609020204030204" pitchFamily="49" charset="0"/>
-              </a:rPr>
-              <a:t>virtual</a:t>
-            </a:r>
-            <a:r>
-              <a:rPr lang="ru-RU" sz="1400" kern="0" dirty="0">
-                <a:solidFill>
-                  <a:srgbClr val="000000"/>
-                </a:solidFill>
-                <a:latin typeface="Consolas" panose="020B0609020204030204" pitchFamily="49" charset="0"/>
-                <a:ea typeface="Yu Mincho" panose="02020400000000000000" pitchFamily="18" charset="-128"/>
-                <a:cs typeface="Consolas" panose="020B0609020204030204" pitchFamily="49" charset="0"/>
-              </a:rPr>
-              <a:t> </a:t>
-            </a:r>
-            <a:r>
-              <a:rPr lang="ru-RU" sz="1400" kern="0" dirty="0" err="1">
-                <a:solidFill>
-                  <a:srgbClr val="000000"/>
-                </a:solidFill>
-                <a:latin typeface="Consolas" panose="020B0609020204030204" pitchFamily="49" charset="0"/>
-                <a:ea typeface="Yu Mincho" panose="02020400000000000000" pitchFamily="18" charset="-128"/>
-                <a:cs typeface="Consolas" panose="020B0609020204030204" pitchFamily="49" charset="0"/>
-              </a:rPr>
-              <a:t>signals</a:t>
-            </a:r>
-            <a:r>
-              <a:rPr lang="ru-RU" sz="1400" kern="0" dirty="0">
-                <a:solidFill>
-                  <a:srgbClr val="000000"/>
-                </a:solidFill>
-                <a:latin typeface="Consolas" panose="020B0609020204030204" pitchFamily="49" charset="0"/>
-                <a:ea typeface="Yu Mincho" panose="02020400000000000000" pitchFamily="18" charset="-128"/>
-                <a:cs typeface="Consolas" panose="020B0609020204030204" pitchFamily="49" charset="0"/>
-              </a:rPr>
-              <a:t>::</a:t>
-            </a:r>
-            <a:r>
-              <a:rPr lang="ru-RU" sz="1400" kern="0" dirty="0" err="1">
-                <a:solidFill>
-                  <a:srgbClr val="000000"/>
-                </a:solidFill>
-                <a:latin typeface="Consolas" panose="020B0609020204030204" pitchFamily="49" charset="0"/>
-                <a:ea typeface="Yu Mincho" panose="02020400000000000000" pitchFamily="18" charset="-128"/>
-                <a:cs typeface="Consolas" panose="020B0609020204030204" pitchFamily="49" charset="0"/>
-              </a:rPr>
-              <a:t>connection</a:t>
-            </a:r>
-            <a:r>
-              <a:rPr lang="ru-RU" sz="1400" kern="0" dirty="0">
-                <a:solidFill>
-                  <a:srgbClr val="000000"/>
-                </a:solidFill>
-                <a:latin typeface="Consolas" panose="020B0609020204030204" pitchFamily="49" charset="0"/>
-                <a:ea typeface="Yu Mincho" panose="02020400000000000000" pitchFamily="18" charset="-128"/>
-                <a:cs typeface="Consolas" panose="020B0609020204030204" pitchFamily="49" charset="0"/>
-              </a:rPr>
-              <a:t> </a:t>
-            </a:r>
-            <a:r>
-              <a:rPr lang="ru-RU" sz="1400" kern="0" dirty="0" err="1">
-                <a:solidFill>
-                  <a:srgbClr val="000000"/>
-                </a:solidFill>
-                <a:latin typeface="Consolas" panose="020B0609020204030204" pitchFamily="49" charset="0"/>
-                <a:ea typeface="Yu Mincho" panose="02020400000000000000" pitchFamily="18" charset="-128"/>
-                <a:cs typeface="Consolas" panose="020B0609020204030204" pitchFamily="49" charset="0"/>
-              </a:rPr>
-              <a:t>DoOnRateChange</a:t>
-            </a:r>
-            <a:r>
-              <a:rPr lang="ru-RU" sz="1400" kern="0" dirty="0">
-                <a:solidFill>
-                  <a:srgbClr val="000000"/>
-                </a:solidFill>
-                <a:latin typeface="Consolas" panose="020B0609020204030204" pitchFamily="49" charset="0"/>
-                <a:ea typeface="Yu Mincho" panose="02020400000000000000" pitchFamily="18" charset="-128"/>
-                <a:cs typeface="Consolas" panose="020B0609020204030204" pitchFamily="49" charset="0"/>
-              </a:rPr>
-              <a:t>(</a:t>
-            </a:r>
-            <a:r>
-              <a:rPr lang="ru-RU" sz="1400" kern="0" dirty="0" err="1">
-                <a:solidFill>
-                  <a:srgbClr val="0000FF"/>
-                </a:solidFill>
-                <a:latin typeface="Consolas" panose="020B0609020204030204" pitchFamily="49" charset="0"/>
-                <a:ea typeface="Yu Mincho" panose="02020400000000000000" pitchFamily="18" charset="-128"/>
-                <a:cs typeface="Consolas" panose="020B0609020204030204" pitchFamily="49" charset="0"/>
-              </a:rPr>
-              <a:t>const</a:t>
-            </a:r>
-            <a:r>
-              <a:rPr lang="ru-RU" sz="1400" kern="0" dirty="0">
-                <a:solidFill>
-                  <a:srgbClr val="000000"/>
-                </a:solidFill>
-                <a:latin typeface="Consolas" panose="020B0609020204030204" pitchFamily="49" charset="0"/>
-                <a:ea typeface="Yu Mincho" panose="02020400000000000000" pitchFamily="18" charset="-128"/>
-                <a:cs typeface="Consolas" panose="020B0609020204030204" pitchFamily="49" charset="0"/>
-              </a:rPr>
-              <a:t> </a:t>
-            </a:r>
-            <a:r>
-              <a:rPr lang="ru-RU" sz="1400" kern="0" dirty="0" err="1">
-                <a:solidFill>
-                  <a:srgbClr val="000000"/>
-                </a:solidFill>
-                <a:latin typeface="Consolas" panose="020B0609020204030204" pitchFamily="49" charset="0"/>
-                <a:ea typeface="Yu Mincho" panose="02020400000000000000" pitchFamily="18" charset="-128"/>
-                <a:cs typeface="Consolas" panose="020B0609020204030204" pitchFamily="49" charset="0"/>
-              </a:rPr>
-              <a:t>RateSignal</a:t>
-            </a:r>
-            <a:r>
-              <a:rPr lang="ru-RU" sz="1400" kern="0" dirty="0">
-                <a:solidFill>
-                  <a:srgbClr val="000000"/>
-                </a:solidFill>
-                <a:latin typeface="Consolas" panose="020B0609020204030204" pitchFamily="49" charset="0"/>
-                <a:ea typeface="Yu Mincho" panose="02020400000000000000" pitchFamily="18" charset="-128"/>
-                <a:cs typeface="Consolas" panose="020B0609020204030204" pitchFamily="49" charset="0"/>
-              </a:rPr>
-              <a:t>::</a:t>
-            </a:r>
-            <a:r>
-              <a:rPr lang="ru-RU" sz="1400" kern="0" dirty="0" err="1">
-                <a:solidFill>
-                  <a:srgbClr val="000000"/>
-                </a:solidFill>
-                <a:latin typeface="Consolas" panose="020B0609020204030204" pitchFamily="49" charset="0"/>
-                <a:ea typeface="Yu Mincho" panose="02020400000000000000" pitchFamily="18" charset="-128"/>
-                <a:cs typeface="Consolas" panose="020B0609020204030204" pitchFamily="49" charset="0"/>
-              </a:rPr>
-              <a:t>slot_type</a:t>
-            </a:r>
-            <a:r>
-              <a:rPr lang="ru-RU" sz="1400" kern="0" dirty="0">
-                <a:solidFill>
-                  <a:srgbClr val="000000"/>
-                </a:solidFill>
-                <a:latin typeface="Consolas" panose="020B0609020204030204" pitchFamily="49" charset="0"/>
-                <a:ea typeface="Yu Mincho" panose="02020400000000000000" pitchFamily="18" charset="-128"/>
-                <a:cs typeface="Consolas" panose="020B0609020204030204" pitchFamily="49" charset="0"/>
-              </a:rPr>
-              <a:t> &amp; </a:t>
-            </a:r>
-            <a:r>
-              <a:rPr lang="ru-RU" sz="1400" kern="0" dirty="0" err="1">
-                <a:solidFill>
-                  <a:srgbClr val="808080"/>
-                </a:solidFill>
-                <a:latin typeface="Consolas" panose="020B0609020204030204" pitchFamily="49" charset="0"/>
-                <a:ea typeface="Yu Mincho" panose="02020400000000000000" pitchFamily="18" charset="-128"/>
-                <a:cs typeface="Consolas" panose="020B0609020204030204" pitchFamily="49" charset="0"/>
-              </a:rPr>
-              <a:t>slot</a:t>
-            </a:r>
-            <a:r>
-              <a:rPr lang="ru-RU" sz="1400" kern="0" dirty="0">
-                <a:solidFill>
-                  <a:srgbClr val="000000"/>
-                </a:solidFill>
-                <a:latin typeface="Consolas" panose="020B0609020204030204" pitchFamily="49" charset="0"/>
-                <a:ea typeface="Yu Mincho" panose="02020400000000000000" pitchFamily="18" charset="-128"/>
-                <a:cs typeface="Consolas" panose="020B0609020204030204" pitchFamily="49" charset="0"/>
-              </a:rPr>
-              <a:t>) = 0;</a:t>
-            </a:r>
-            <a:endParaRPr lang="ru-RU" sz="1400" kern="100" dirty="0">
+              <a:rPr lang="ru-RU" kern="0" dirty="0">
+                <a:solidFill>
+                  <a:srgbClr val="000000"/>
+                </a:solidFill>
+                <a:latin typeface="Consolas" panose="020B0609020204030204" pitchFamily="49" charset="0"/>
+                <a:ea typeface="Yu Mincho" panose="02020400000000000000" pitchFamily="18" charset="-128"/>
+                <a:cs typeface="Consolas" panose="020B0609020204030204" pitchFamily="49" charset="0"/>
+              </a:rPr>
+              <a:t> </a:t>
+            </a:r>
+            <a:endParaRPr lang="ru-RU" kern="100" dirty="0">
               <a:latin typeface="Calibri" panose="020F0502020204030204" pitchFamily="34" charset="0"/>
               <a:ea typeface="Yu Mincho" panose="02020400000000000000" pitchFamily="18" charset="-128"/>
               <a:cs typeface="Times New Roman" panose="02020603050405020304" pitchFamily="18" charset="0"/>
@@ -24189,7 +24474,7 @@
               </a:lnSpc>
             </a:pPr>
             <a:r>
-              <a:rPr lang="ru-RU" sz="1400" kern="0" dirty="0">
+              <a:rPr lang="ru-RU" kern="0" dirty="0">
                 <a:solidFill>
                   <a:srgbClr val="000000"/>
                 </a:solidFill>
@@ -24200,7 +24485,7 @@
               <a:t>  </a:t>
             </a:r>
             <a:r>
-              <a:rPr lang="ru-RU" sz="1400" kern="0" dirty="0" err="1">
+              <a:rPr lang="ru-RU" kern="0" dirty="0" err="1">
                 <a:solidFill>
                   <a:srgbClr val="0000FF"/>
                 </a:solidFill>
@@ -24211,18 +24496,40 @@
               <a:t>virtual</a:t>
             </a:r>
             <a:r>
-              <a:rPr lang="ru-RU" sz="1400" kern="0" dirty="0">
-                <a:solidFill>
-                  <a:srgbClr val="000000"/>
-                </a:solidFill>
-                <a:latin typeface="Consolas" panose="020B0609020204030204" pitchFamily="49" charset="0"/>
-                <a:ea typeface="Yu Mincho" panose="02020400000000000000" pitchFamily="18" charset="-128"/>
-                <a:cs typeface="Consolas" panose="020B0609020204030204" pitchFamily="49" charset="0"/>
-              </a:rPr>
-              <a:t> </a:t>
-            </a:r>
-            <a:r>
-              <a:rPr lang="ru-RU" sz="1400" kern="0" dirty="0" err="1">
+              <a:rPr lang="ru-RU" kern="0" dirty="0">
+                <a:solidFill>
+                  <a:srgbClr val="000000"/>
+                </a:solidFill>
+                <a:latin typeface="Consolas" panose="020B0609020204030204" pitchFamily="49" charset="0"/>
+                <a:ea typeface="Yu Mincho" panose="02020400000000000000" pitchFamily="18" charset="-128"/>
+                <a:cs typeface="Consolas" panose="020B0609020204030204" pitchFamily="49" charset="0"/>
+              </a:rPr>
+              <a:t> ~</a:t>
+            </a:r>
+            <a:r>
+              <a:rPr lang="ru-RU" kern="0" dirty="0" err="1">
+                <a:solidFill>
+                  <a:srgbClr val="000000"/>
+                </a:solidFill>
+                <a:latin typeface="Consolas" panose="020B0609020204030204" pitchFamily="49" charset="0"/>
+                <a:ea typeface="Yu Mincho" panose="02020400000000000000" pitchFamily="18" charset="-128"/>
+                <a:cs typeface="Consolas" panose="020B0609020204030204" pitchFamily="49" charset="0"/>
+              </a:rPr>
+              <a:t>ICurrencyRate</a:t>
+            </a:r>
+            <a:r>
+              <a:rPr lang="ru-RU" kern="0" dirty="0">
+                <a:solidFill>
+                  <a:srgbClr val="000000"/>
+                </a:solidFill>
+                <a:latin typeface="Consolas" panose="020B0609020204030204" pitchFamily="49" charset="0"/>
+                <a:ea typeface="Yu Mincho" panose="02020400000000000000" pitchFamily="18" charset="-128"/>
+                <a:cs typeface="Consolas" panose="020B0609020204030204" pitchFamily="49" charset="0"/>
+              </a:rPr>
+              <a:t>() = </a:t>
+            </a:r>
+            <a:r>
+              <a:rPr lang="ru-RU" kern="0" dirty="0" err="1">
                 <a:solidFill>
                   <a:srgbClr val="0000FF"/>
                 </a:solidFill>
@@ -24230,64 +24537,20 @@
                 <a:ea typeface="Yu Mincho" panose="02020400000000000000" pitchFamily="18" charset="-128"/>
                 <a:cs typeface="Consolas" panose="020B0609020204030204" pitchFamily="49" charset="0"/>
               </a:rPr>
-              <a:t>double</a:t>
-            </a:r>
-            <a:r>
-              <a:rPr lang="ru-RU" sz="1400" kern="0" dirty="0">
-                <a:solidFill>
-                  <a:srgbClr val="000000"/>
-                </a:solidFill>
-                <a:latin typeface="Consolas" panose="020B0609020204030204" pitchFamily="49" charset="0"/>
-                <a:ea typeface="Yu Mincho" panose="02020400000000000000" pitchFamily="18" charset="-128"/>
-                <a:cs typeface="Consolas" panose="020B0609020204030204" pitchFamily="49" charset="0"/>
-              </a:rPr>
-              <a:t> </a:t>
-            </a:r>
-            <a:r>
-              <a:rPr lang="ru-RU" sz="1400" kern="0" dirty="0" err="1">
-                <a:solidFill>
-                  <a:srgbClr val="000000"/>
-                </a:solidFill>
-                <a:latin typeface="Consolas" panose="020B0609020204030204" pitchFamily="49" charset="0"/>
-                <a:ea typeface="Yu Mincho" panose="02020400000000000000" pitchFamily="18" charset="-128"/>
-                <a:cs typeface="Consolas" panose="020B0609020204030204" pitchFamily="49" charset="0"/>
-              </a:rPr>
-              <a:t>GetRate</a:t>
-            </a:r>
-            <a:r>
-              <a:rPr lang="ru-RU" sz="1400" kern="0" dirty="0">
-                <a:solidFill>
-                  <a:srgbClr val="000000"/>
-                </a:solidFill>
-                <a:latin typeface="Consolas" panose="020B0609020204030204" pitchFamily="49" charset="0"/>
-                <a:ea typeface="Yu Mincho" panose="02020400000000000000" pitchFamily="18" charset="-128"/>
-                <a:cs typeface="Consolas" panose="020B0609020204030204" pitchFamily="49" charset="0"/>
-              </a:rPr>
-              <a:t>()</a:t>
-            </a:r>
-            <a:r>
-              <a:rPr lang="ru-RU" sz="1400" kern="0" dirty="0" err="1">
-                <a:solidFill>
-                  <a:srgbClr val="0000FF"/>
-                </a:solidFill>
-                <a:latin typeface="Consolas" panose="020B0609020204030204" pitchFamily="49" charset="0"/>
-                <a:ea typeface="Yu Mincho" panose="02020400000000000000" pitchFamily="18" charset="-128"/>
-                <a:cs typeface="Consolas" panose="020B0609020204030204" pitchFamily="49" charset="0"/>
-              </a:rPr>
-              <a:t>const</a:t>
-            </a:r>
-            <a:r>
-              <a:rPr lang="ru-RU" sz="1400" kern="0" dirty="0">
-                <a:solidFill>
-                  <a:srgbClr val="000000"/>
-                </a:solidFill>
-                <a:latin typeface="Consolas" panose="020B0609020204030204" pitchFamily="49" charset="0"/>
-                <a:ea typeface="Yu Mincho" panose="02020400000000000000" pitchFamily="18" charset="-128"/>
-                <a:cs typeface="Consolas" panose="020B0609020204030204" pitchFamily="49" charset="0"/>
-              </a:rPr>
-              <a:t> = 0;</a:t>
-            </a:r>
-            <a:endParaRPr lang="ru-RU" sz="1400" kern="100" dirty="0">
+              <a:t>default</a:t>
+            </a:r>
+            <a:r>
+              <a:rPr lang="ru-RU" kern="0" dirty="0">
+                <a:solidFill>
+                  <a:srgbClr val="000000"/>
+                </a:solidFill>
+                <a:latin typeface="Consolas" panose="020B0609020204030204" pitchFamily="49" charset="0"/>
+                <a:ea typeface="Yu Mincho" panose="02020400000000000000" pitchFamily="18" charset="-128"/>
+                <a:cs typeface="Consolas" panose="020B0609020204030204" pitchFamily="49" charset="0"/>
+              </a:rPr>
+              <a:t>;</a:t>
+            </a:r>
+            <a:endParaRPr lang="ru-RU" kern="100" dirty="0">
               <a:latin typeface="Calibri" panose="020F0502020204030204" pitchFamily="34" charset="0"/>
               <a:ea typeface="Yu Mincho" panose="02020400000000000000" pitchFamily="18" charset="-128"/>
               <a:cs typeface="Times New Roman" panose="02020603050405020304" pitchFamily="18" charset="0"/>
@@ -24300,119 +24563,7 @@
               </a:lnSpc>
             </a:pPr>
             <a:r>
-              <a:rPr lang="ru-RU" sz="1400" kern="0" dirty="0">
-                <a:solidFill>
-                  <a:srgbClr val="000000"/>
-                </a:solidFill>
-                <a:latin typeface="Consolas" panose="020B0609020204030204" pitchFamily="49" charset="0"/>
-                <a:ea typeface="Yu Mincho" panose="02020400000000000000" pitchFamily="18" charset="-128"/>
-                <a:cs typeface="Consolas" panose="020B0609020204030204" pitchFamily="49" charset="0"/>
-              </a:rPr>
-              <a:t> </a:t>
-            </a:r>
-            <a:endParaRPr lang="ru-RU" sz="1400" kern="100" dirty="0">
-              <a:latin typeface="Calibri" panose="020F0502020204030204" pitchFamily="34" charset="0"/>
-              <a:ea typeface="Yu Mincho" panose="02020400000000000000" pitchFamily="18" charset="-128"/>
-              <a:cs typeface="Times New Roman" panose="02020603050405020304" pitchFamily="18" charset="0"/>
-            </a:endParaRPr>
-          </a:p>
-          <a:p>
-            <a:pPr>
-              <a:lnSpc>
-                <a:spcPct val="107000"/>
-              </a:lnSpc>
-            </a:pPr>
-            <a:r>
-              <a:rPr lang="ru-RU" sz="1400" kern="0" dirty="0">
-                <a:solidFill>
-                  <a:srgbClr val="000000"/>
-                </a:solidFill>
-                <a:latin typeface="Consolas" panose="020B0609020204030204" pitchFamily="49" charset="0"/>
-                <a:ea typeface="Yu Mincho" panose="02020400000000000000" pitchFamily="18" charset="-128"/>
-                <a:cs typeface="Consolas" panose="020B0609020204030204" pitchFamily="49" charset="0"/>
-              </a:rPr>
-              <a:t>  </a:t>
-            </a:r>
-            <a:r>
-              <a:rPr lang="ru-RU" sz="1400" kern="0" dirty="0" err="1">
-                <a:solidFill>
-                  <a:srgbClr val="0000FF"/>
-                </a:solidFill>
-                <a:latin typeface="Consolas" panose="020B0609020204030204" pitchFamily="49" charset="0"/>
-                <a:ea typeface="Yu Mincho" panose="02020400000000000000" pitchFamily="18" charset="-128"/>
-                <a:cs typeface="Consolas" panose="020B0609020204030204" pitchFamily="49" charset="0"/>
-              </a:rPr>
-              <a:t>virtual</a:t>
-            </a:r>
-            <a:r>
-              <a:rPr lang="ru-RU" sz="1400" kern="0" dirty="0">
-                <a:solidFill>
-                  <a:srgbClr val="000000"/>
-                </a:solidFill>
-                <a:latin typeface="Consolas" panose="020B0609020204030204" pitchFamily="49" charset="0"/>
-                <a:ea typeface="Yu Mincho" panose="02020400000000000000" pitchFamily="18" charset="-128"/>
-                <a:cs typeface="Consolas" panose="020B0609020204030204" pitchFamily="49" charset="0"/>
-              </a:rPr>
-              <a:t> ~</a:t>
-            </a:r>
-            <a:r>
-              <a:rPr lang="ru-RU" sz="1400" kern="0" dirty="0" err="1">
-                <a:solidFill>
-                  <a:srgbClr val="000000"/>
-                </a:solidFill>
-                <a:latin typeface="Consolas" panose="020B0609020204030204" pitchFamily="49" charset="0"/>
-                <a:ea typeface="Yu Mincho" panose="02020400000000000000" pitchFamily="18" charset="-128"/>
-                <a:cs typeface="Consolas" panose="020B0609020204030204" pitchFamily="49" charset="0"/>
-              </a:rPr>
-              <a:t>ICurrencyRate</a:t>
-            </a:r>
-            <a:r>
-              <a:rPr lang="ru-RU" sz="1400" kern="0" dirty="0">
-                <a:solidFill>
-                  <a:srgbClr val="000000"/>
-                </a:solidFill>
-                <a:latin typeface="Consolas" panose="020B0609020204030204" pitchFamily="49" charset="0"/>
-                <a:ea typeface="Yu Mincho" panose="02020400000000000000" pitchFamily="18" charset="-128"/>
-                <a:cs typeface="Consolas" panose="020B0609020204030204" pitchFamily="49" charset="0"/>
-              </a:rPr>
-              <a:t>() = </a:t>
-            </a:r>
-            <a:r>
-              <a:rPr lang="ru-RU" sz="1400" kern="0" dirty="0" err="1">
-                <a:solidFill>
-                  <a:srgbClr val="0000FF"/>
-                </a:solidFill>
-                <a:latin typeface="Consolas" panose="020B0609020204030204" pitchFamily="49" charset="0"/>
-                <a:ea typeface="Yu Mincho" panose="02020400000000000000" pitchFamily="18" charset="-128"/>
-                <a:cs typeface="Consolas" panose="020B0609020204030204" pitchFamily="49" charset="0"/>
-              </a:rPr>
-              <a:t>default</a:t>
-            </a:r>
-            <a:r>
-              <a:rPr lang="ru-RU" sz="1400" kern="0" dirty="0">
-                <a:solidFill>
-                  <a:srgbClr val="000000"/>
-                </a:solidFill>
-                <a:latin typeface="Consolas" panose="020B0609020204030204" pitchFamily="49" charset="0"/>
-                <a:ea typeface="Yu Mincho" panose="02020400000000000000" pitchFamily="18" charset="-128"/>
-                <a:cs typeface="Consolas" panose="020B0609020204030204" pitchFamily="49" charset="0"/>
-              </a:rPr>
-              <a:t>;</a:t>
-            </a:r>
-            <a:endParaRPr lang="ru-RU" sz="1400" kern="100" dirty="0">
-              <a:latin typeface="Calibri" panose="020F0502020204030204" pitchFamily="34" charset="0"/>
-              <a:ea typeface="Yu Mincho" panose="02020400000000000000" pitchFamily="18" charset="-128"/>
-              <a:cs typeface="Times New Roman" panose="02020603050405020304" pitchFamily="18" charset="0"/>
-            </a:endParaRPr>
-          </a:p>
-          <a:p>
-            <a:pPr>
-              <a:lnSpc>
-                <a:spcPct val="107000"/>
-              </a:lnSpc>
-            </a:pPr>
-            <a:r>
-              <a:rPr lang="ru-RU" sz="1400" kern="0" dirty="0">
+              <a:rPr lang="ru-RU" kern="0" dirty="0">
                 <a:solidFill>
                   <a:srgbClr val="000000"/>
                 </a:solidFill>
@@ -24422,7 +24573,7 @@
               </a:rPr>
               <a:t>};</a:t>
             </a:r>
-            <a:endParaRPr lang="ru-RU" sz="1400" kern="100" dirty="0">
+            <a:endParaRPr lang="ru-RU" kern="100" dirty="0">
               <a:latin typeface="Calibri" panose="020F0502020204030204" pitchFamily="34" charset="0"/>
               <a:ea typeface="Yu Mincho" panose="02020400000000000000" pitchFamily="18" charset="-128"/>
               <a:cs typeface="Times New Roman" panose="02020603050405020304" pitchFamily="18" charset="0"/>
@@ -24476,7 +24627,7 @@
 </p:sld>
 </file>
 
-<file path=ppt/slides/slide47.xml><?xml version="1.0" encoding="utf-8"?>
+<file path=ppt/slides/slide46.xml><?xml version="1.0" encoding="utf-8"?>
 <p:sld xmlns:a="http://schemas.openxmlformats.org/drawingml/2006/main" xmlns:r="http://schemas.openxmlformats.org/officeDocument/2006/relationships" xmlns:p="http://schemas.openxmlformats.org/presentationml/2006/main">
   <p:cSld>
     <p:spTree>
@@ -24507,8 +24658,8 @@
         </p:nvSpPr>
         <p:spPr>
           <a:xfrm>
-            <a:off x="1631504" y="1052736"/>
-            <a:ext cx="8640960" cy="4922630"/>
+            <a:off x="119336" y="555505"/>
+            <a:ext cx="11737304" cy="6302495"/>
           </a:xfrm>
           <a:prstGeom prst="rect">
             <a:avLst/>
@@ -24526,7 +24677,7 @@
               </a:lnSpc>
             </a:pPr>
             <a:r>
-              <a:rPr lang="ru-RU" sz="1400" kern="0" dirty="0" err="1">
+              <a:rPr lang="ru-RU" kern="0" dirty="0" err="1">
                 <a:solidFill>
                   <a:srgbClr val="0000FF"/>
                 </a:solidFill>
@@ -24537,7 +24688,7 @@
               <a:t>class</a:t>
             </a:r>
             <a:r>
-              <a:rPr lang="ru-RU" sz="1400" kern="0" dirty="0">
+              <a:rPr lang="ru-RU" kern="0" dirty="0">
                 <a:solidFill>
                   <a:srgbClr val="000000"/>
                 </a:solidFill>
@@ -24548,7 +24699,7 @@
               <a:t> </a:t>
             </a:r>
             <a:r>
-              <a:rPr lang="ru-RU" sz="1400" kern="0" dirty="0" err="1">
+              <a:rPr lang="ru-RU" kern="0" dirty="0" err="1">
                 <a:solidFill>
                   <a:srgbClr val="2B91AF"/>
                 </a:solidFill>
@@ -24559,7 +24710,7 @@
               <a:t>Stock</a:t>
             </a:r>
             <a:r>
-              <a:rPr lang="ru-RU" sz="1400" kern="0" dirty="0">
+              <a:rPr lang="ru-RU" kern="0" dirty="0">
                 <a:solidFill>
                   <a:srgbClr val="000000"/>
                 </a:solidFill>
@@ -24570,7 +24721,7 @@
               <a:t> : </a:t>
             </a:r>
             <a:r>
-              <a:rPr lang="ru-RU" sz="1400" kern="0" dirty="0" err="1">
+              <a:rPr lang="ru-RU" kern="0" dirty="0" err="1">
                 <a:solidFill>
                   <a:srgbClr val="0000FF"/>
                 </a:solidFill>
@@ -24581,7 +24732,7 @@
               <a:t>public</a:t>
             </a:r>
             <a:r>
-              <a:rPr lang="ru-RU" sz="1400" kern="0" dirty="0">
+              <a:rPr lang="ru-RU" kern="0" dirty="0">
                 <a:solidFill>
                   <a:srgbClr val="000000"/>
                 </a:solidFill>
@@ -24592,7 +24743,7 @@
               <a:t> </a:t>
             </a:r>
             <a:r>
-              <a:rPr lang="ru-RU" sz="1400" kern="0" dirty="0" err="1">
+              <a:rPr lang="ru-RU" kern="0" dirty="0" err="1">
                 <a:solidFill>
                   <a:srgbClr val="2B91AF"/>
                 </a:solidFill>
@@ -24603,7 +24754,7 @@
               <a:t>ICurrencyRate</a:t>
             </a:r>
             <a:r>
-              <a:rPr lang="ru-RU" sz="1400" kern="0" dirty="0">
+              <a:rPr lang="ru-RU" kern="0" dirty="0">
                 <a:solidFill>
                   <a:srgbClr val="2B91AF"/>
                 </a:solidFill>
@@ -24614,7 +24765,7 @@
               <a:t> </a:t>
             </a:r>
             <a:r>
-              <a:rPr lang="ru-RU" sz="1400" kern="0" dirty="0">
+              <a:rPr lang="ru-RU" kern="0" dirty="0">
                 <a:solidFill>
                   <a:srgbClr val="000000"/>
                 </a:solidFill>
@@ -24624,7 +24775,7 @@
               </a:rPr>
               <a:t>{</a:t>
             </a:r>
-            <a:endParaRPr lang="ru-RU" sz="1400" kern="100" dirty="0">
+            <a:endParaRPr lang="ru-RU" kern="100" dirty="0">
               <a:latin typeface="Calibri" panose="020F0502020204030204" pitchFamily="34" charset="0"/>
               <a:ea typeface="Yu Mincho" panose="02020400000000000000" pitchFamily="18" charset="-128"/>
               <a:cs typeface="Times New Roman" panose="02020603050405020304" pitchFamily="18" charset="0"/>
@@ -24637,7 +24788,7 @@
               </a:lnSpc>
             </a:pPr>
             <a:r>
-              <a:rPr lang="ru-RU" sz="1400" kern="0" dirty="0" err="1">
+              <a:rPr lang="ru-RU" kern="0" dirty="0" err="1">
                 <a:solidFill>
                   <a:srgbClr val="0000FF"/>
                 </a:solidFill>
@@ -24648,7 +24799,7 @@
               <a:t>public</a:t>
             </a:r>
             <a:r>
-              <a:rPr lang="ru-RU" sz="1400" kern="0" dirty="0">
+              <a:rPr lang="ru-RU" kern="0" dirty="0">
                 <a:solidFill>
                   <a:srgbClr val="000000"/>
                 </a:solidFill>
@@ -24658,7 +24809,7 @@
               </a:rPr>
               <a:t>:</a:t>
             </a:r>
-            <a:endParaRPr lang="ru-RU" sz="1400" kern="100" dirty="0">
+            <a:endParaRPr lang="ru-RU" kern="100" dirty="0">
               <a:latin typeface="Calibri" panose="020F0502020204030204" pitchFamily="34" charset="0"/>
               <a:ea typeface="Yu Mincho" panose="02020400000000000000" pitchFamily="18" charset="-128"/>
               <a:cs typeface="Times New Roman" panose="02020603050405020304" pitchFamily="18" charset="0"/>
@@ -24671,7 +24822,7 @@
               </a:lnSpc>
             </a:pPr>
             <a:r>
-              <a:rPr lang="ru-RU" sz="1400" kern="0" dirty="0">
+              <a:rPr lang="ru-RU" kern="0" dirty="0">
                 <a:solidFill>
                   <a:srgbClr val="000000"/>
                 </a:solidFill>
@@ -24682,7 +24833,7 @@
               <a:t>  </a:t>
             </a:r>
             <a:r>
-              <a:rPr lang="ru-RU" sz="1400" kern="0" dirty="0" err="1">
+              <a:rPr lang="ru-RU" kern="0" dirty="0" err="1">
                 <a:solidFill>
                   <a:srgbClr val="0000FF"/>
                 </a:solidFill>
@@ -24693,7 +24844,7 @@
               <a:t>void</a:t>
             </a:r>
             <a:r>
-              <a:rPr lang="ru-RU" sz="1400" kern="0" dirty="0">
+              <a:rPr lang="ru-RU" kern="0" dirty="0">
                 <a:solidFill>
                   <a:srgbClr val="000000"/>
                 </a:solidFill>
@@ -24704,7 +24855,7 @@
               <a:t> </a:t>
             </a:r>
             <a:r>
-              <a:rPr lang="ru-RU" sz="1400" kern="0" dirty="0" err="1">
+              <a:rPr lang="ru-RU" kern="0" dirty="0" err="1">
                 <a:solidFill>
                   <a:srgbClr val="000000"/>
                 </a:solidFill>
@@ -24715,7 +24866,7 @@
               <a:t>SetRate</a:t>
             </a:r>
             <a:r>
-              <a:rPr lang="ru-RU" sz="1400" kern="0" dirty="0">
+              <a:rPr lang="ru-RU" kern="0" dirty="0">
                 <a:solidFill>
                   <a:srgbClr val="000000"/>
                 </a:solidFill>
@@ -24726,7 +24877,7 @@
               <a:t>(</a:t>
             </a:r>
             <a:r>
-              <a:rPr lang="ru-RU" sz="1400" kern="0" dirty="0" err="1">
+              <a:rPr lang="ru-RU" kern="0" dirty="0" err="1">
                 <a:solidFill>
                   <a:srgbClr val="0000FF"/>
                 </a:solidFill>
@@ -24737,7 +24888,7 @@
               <a:t>double</a:t>
             </a:r>
             <a:r>
-              <a:rPr lang="ru-RU" sz="1400" kern="0" dirty="0">
+              <a:rPr lang="ru-RU" kern="0" dirty="0">
                 <a:solidFill>
                   <a:srgbClr val="000000"/>
                 </a:solidFill>
@@ -24748,7 +24899,7 @@
               <a:t> </a:t>
             </a:r>
             <a:r>
-              <a:rPr lang="ru-RU" sz="1400" kern="0" dirty="0" err="1">
+              <a:rPr lang="ru-RU" kern="0" dirty="0" err="1">
                 <a:solidFill>
                   <a:srgbClr val="808080"/>
                 </a:solidFill>
@@ -24759,7 +24910,7 @@
               <a:t>rate</a:t>
             </a:r>
             <a:r>
-              <a:rPr lang="ru-RU" sz="1400" kern="0" dirty="0">
+              <a:rPr lang="ru-RU" kern="0" dirty="0">
                 <a:solidFill>
                   <a:srgbClr val="000000"/>
                 </a:solidFill>
@@ -24769,7 +24920,7 @@
               </a:rPr>
               <a:t>) {</a:t>
             </a:r>
-            <a:endParaRPr lang="ru-RU" sz="1400" kern="100" dirty="0">
+            <a:endParaRPr lang="ru-RU" kern="100" dirty="0">
               <a:latin typeface="Calibri" panose="020F0502020204030204" pitchFamily="34" charset="0"/>
               <a:ea typeface="Yu Mincho" panose="02020400000000000000" pitchFamily="18" charset="-128"/>
               <a:cs typeface="Times New Roman" panose="02020603050405020304" pitchFamily="18" charset="0"/>
@@ -24782,7 +24933,7 @@
               </a:lnSpc>
             </a:pPr>
             <a:r>
-              <a:rPr lang="ru-RU" sz="1400" kern="0" dirty="0">
+              <a:rPr lang="ru-RU" kern="0" dirty="0">
                 <a:solidFill>
                   <a:srgbClr val="000000"/>
                 </a:solidFill>
@@ -24793,7 +24944,7 @@
               <a:t>    </a:t>
             </a:r>
             <a:r>
-              <a:rPr lang="ru-RU" sz="1400" kern="0" dirty="0" err="1">
+              <a:rPr lang="ru-RU" kern="0" dirty="0" err="1">
                 <a:solidFill>
                   <a:srgbClr val="0000FF"/>
                 </a:solidFill>
@@ -24804,7 +24955,7 @@
               <a:t>if</a:t>
             </a:r>
             <a:r>
-              <a:rPr lang="ru-RU" sz="1400" kern="0" dirty="0">
+              <a:rPr lang="ru-RU" kern="0" dirty="0">
                 <a:solidFill>
                   <a:srgbClr val="000000"/>
                 </a:solidFill>
@@ -24815,7 +24966,7 @@
               <a:t> (</a:t>
             </a:r>
             <a:r>
-              <a:rPr lang="ru-RU" sz="1400" kern="0" dirty="0" err="1">
+              <a:rPr lang="ru-RU" kern="0" dirty="0" err="1">
                 <a:solidFill>
                   <a:srgbClr val="000000"/>
                 </a:solidFill>
@@ -24826,7 +24977,7 @@
               <a:t>m_rubToUSD</a:t>
             </a:r>
             <a:r>
-              <a:rPr lang="ru-RU" sz="1400" kern="0" dirty="0">
+              <a:rPr lang="ru-RU" kern="0" dirty="0">
                 <a:solidFill>
                   <a:srgbClr val="000000"/>
                 </a:solidFill>
@@ -24837,7 +24988,7 @@
               <a:t> != </a:t>
             </a:r>
             <a:r>
-              <a:rPr lang="ru-RU" sz="1400" kern="0" dirty="0" err="1">
+              <a:rPr lang="ru-RU" kern="0" dirty="0" err="1">
                 <a:solidFill>
                   <a:srgbClr val="808080"/>
                 </a:solidFill>
@@ -24848,7 +24999,7 @@
               <a:t>rate</a:t>
             </a:r>
             <a:r>
-              <a:rPr lang="ru-RU" sz="1400" kern="0" dirty="0">
+              <a:rPr lang="ru-RU" kern="0" dirty="0">
                 <a:solidFill>
                   <a:srgbClr val="000000"/>
                 </a:solidFill>
@@ -24858,7 +25009,7 @@
               </a:rPr>
               <a:t>) {</a:t>
             </a:r>
-            <a:endParaRPr lang="ru-RU" sz="1400" kern="100" dirty="0">
+            <a:endParaRPr lang="ru-RU" kern="100" dirty="0">
               <a:latin typeface="Calibri" panose="020F0502020204030204" pitchFamily="34" charset="0"/>
               <a:ea typeface="Yu Mincho" panose="02020400000000000000" pitchFamily="18" charset="-128"/>
               <a:cs typeface="Times New Roman" panose="02020603050405020304" pitchFamily="18" charset="0"/>
@@ -24871,7 +25022,7 @@
               </a:lnSpc>
             </a:pPr>
             <a:r>
-              <a:rPr lang="ru-RU" sz="1400" kern="0" dirty="0">
+              <a:rPr lang="ru-RU" kern="0" dirty="0">
                 <a:solidFill>
                   <a:srgbClr val="000000"/>
                 </a:solidFill>
@@ -24882,7 +25033,7 @@
               <a:t>      </a:t>
             </a:r>
             <a:r>
-              <a:rPr lang="ru-RU" sz="1400" kern="0" dirty="0" err="1">
+              <a:rPr lang="ru-RU" kern="0" dirty="0" err="1">
                 <a:solidFill>
                   <a:srgbClr val="000000"/>
                 </a:solidFill>
@@ -24893,7 +25044,7 @@
               <a:t>m_rubToUSD</a:t>
             </a:r>
             <a:r>
-              <a:rPr lang="ru-RU" sz="1400" kern="0" dirty="0">
+              <a:rPr lang="ru-RU" kern="0" dirty="0">
                 <a:solidFill>
                   <a:srgbClr val="000000"/>
                 </a:solidFill>
@@ -24904,7 +25055,7 @@
               <a:t> = </a:t>
             </a:r>
             <a:r>
-              <a:rPr lang="ru-RU" sz="1400" kern="0" dirty="0" err="1">
+              <a:rPr lang="ru-RU" kern="0" dirty="0" err="1">
                 <a:solidFill>
                   <a:srgbClr val="808080"/>
                 </a:solidFill>
@@ -24915,7 +25066,7 @@
               <a:t>rate</a:t>
             </a:r>
             <a:r>
-              <a:rPr lang="ru-RU" sz="1400" kern="0" dirty="0">
+              <a:rPr lang="ru-RU" kern="0" dirty="0">
                 <a:solidFill>
                   <a:srgbClr val="000000"/>
                 </a:solidFill>
@@ -24925,7 +25076,7 @@
               </a:rPr>
               <a:t>;</a:t>
             </a:r>
-            <a:endParaRPr lang="ru-RU" sz="1400" kern="100" dirty="0">
+            <a:endParaRPr lang="ru-RU" kern="100" dirty="0">
               <a:latin typeface="Calibri" panose="020F0502020204030204" pitchFamily="34" charset="0"/>
               <a:ea typeface="Yu Mincho" panose="02020400000000000000" pitchFamily="18" charset="-128"/>
               <a:cs typeface="Times New Roman" panose="02020603050405020304" pitchFamily="18" charset="0"/>
@@ -24938,7 +25089,7 @@
               </a:lnSpc>
             </a:pPr>
             <a:r>
-              <a:rPr lang="ru-RU" sz="1400" kern="0" dirty="0">
+              <a:rPr lang="ru-RU" kern="0" dirty="0">
                 <a:solidFill>
                   <a:srgbClr val="000000"/>
                 </a:solidFill>
@@ -24949,7 +25100,7 @@
               <a:t>      </a:t>
             </a:r>
             <a:r>
-              <a:rPr lang="ru-RU" sz="1400" kern="0" dirty="0" err="1">
+              <a:rPr lang="ru-RU" kern="0" dirty="0" err="1">
                 <a:solidFill>
                   <a:srgbClr val="000000"/>
                 </a:solidFill>
@@ -24960,7 +25111,7 @@
               <a:t>m_rateChangeSignal</a:t>
             </a:r>
             <a:r>
-              <a:rPr lang="ru-RU" sz="1400" kern="0" dirty="0">
+              <a:rPr lang="ru-RU" kern="0" dirty="0">
                 <a:solidFill>
                   <a:srgbClr val="000000"/>
                 </a:solidFill>
@@ -24971,7 +25122,7 @@
               <a:t>(</a:t>
             </a:r>
             <a:r>
-              <a:rPr lang="ru-RU" sz="1400" kern="0" dirty="0" err="1">
+              <a:rPr lang="ru-RU" kern="0" dirty="0" err="1">
                 <a:solidFill>
                   <a:srgbClr val="808080"/>
                 </a:solidFill>
@@ -24982,7 +25133,7 @@
               <a:t>rate</a:t>
             </a:r>
             <a:r>
-              <a:rPr lang="ru-RU" sz="1400" kern="0" dirty="0">
+              <a:rPr lang="ru-RU" kern="0" dirty="0">
                 <a:solidFill>
                   <a:srgbClr val="000000"/>
                 </a:solidFill>
@@ -24992,7 +25143,7 @@
               </a:rPr>
               <a:t>);</a:t>
             </a:r>
-            <a:endParaRPr lang="ru-RU" sz="1400" kern="100" dirty="0">
+            <a:endParaRPr lang="ru-RU" kern="100" dirty="0">
               <a:latin typeface="Calibri" panose="020F0502020204030204" pitchFamily="34" charset="0"/>
               <a:ea typeface="Yu Mincho" panose="02020400000000000000" pitchFamily="18" charset="-128"/>
               <a:cs typeface="Times New Roman" panose="02020603050405020304" pitchFamily="18" charset="0"/>
@@ -25005,7 +25156,7 @@
               </a:lnSpc>
             </a:pPr>
             <a:r>
-              <a:rPr lang="ru-RU" sz="1400" kern="0" dirty="0">
+              <a:rPr lang="ru-RU" kern="0" dirty="0">
                 <a:solidFill>
                   <a:srgbClr val="000000"/>
                 </a:solidFill>
@@ -25015,7 +25166,7 @@
               </a:rPr>
               <a:t>    }</a:t>
             </a:r>
-            <a:endParaRPr lang="ru-RU" sz="1400" kern="100" dirty="0">
+            <a:endParaRPr lang="ru-RU" kern="100" dirty="0">
               <a:latin typeface="Calibri" panose="020F0502020204030204" pitchFamily="34" charset="0"/>
               <a:ea typeface="Yu Mincho" panose="02020400000000000000" pitchFamily="18" charset="-128"/>
               <a:cs typeface="Times New Roman" panose="02020603050405020304" pitchFamily="18" charset="0"/>
@@ -25028,7 +25179,7 @@
               </a:lnSpc>
             </a:pPr>
             <a:r>
-              <a:rPr lang="ru-RU" sz="1400" kern="0" dirty="0">
+              <a:rPr lang="ru-RU" kern="0" dirty="0">
                 <a:solidFill>
                   <a:srgbClr val="000000"/>
                 </a:solidFill>
@@ -25038,7 +25189,7 @@
               </a:rPr>
               <a:t>  }</a:t>
             </a:r>
-            <a:endParaRPr lang="ru-RU" sz="1400" kern="100" dirty="0">
+            <a:endParaRPr lang="ru-RU" kern="100" dirty="0">
               <a:latin typeface="Calibri" panose="020F0502020204030204" pitchFamily="34" charset="0"/>
               <a:ea typeface="Yu Mincho" panose="02020400000000000000" pitchFamily="18" charset="-128"/>
               <a:cs typeface="Times New Roman" panose="02020603050405020304" pitchFamily="18" charset="0"/>
@@ -25051,7 +25202,7 @@
               </a:lnSpc>
             </a:pPr>
             <a:r>
-              <a:rPr lang="ru-RU" sz="1400" kern="0" dirty="0">
+              <a:rPr lang="ru-RU" kern="0" dirty="0">
                 <a:solidFill>
                   <a:srgbClr val="000000"/>
                 </a:solidFill>
@@ -25061,7 +25212,7 @@
               </a:rPr>
               <a:t> </a:t>
             </a:r>
-            <a:endParaRPr lang="ru-RU" sz="1400" kern="100" dirty="0">
+            <a:endParaRPr lang="ru-RU" kern="100" dirty="0">
               <a:latin typeface="Calibri" panose="020F0502020204030204" pitchFamily="34" charset="0"/>
               <a:ea typeface="Yu Mincho" panose="02020400000000000000" pitchFamily="18" charset="-128"/>
               <a:cs typeface="Times New Roman" panose="02020603050405020304" pitchFamily="18" charset="0"/>
@@ -25074,7 +25225,7 @@
               </a:lnSpc>
             </a:pPr>
             <a:r>
-              <a:rPr lang="ru-RU" sz="1400" kern="0" dirty="0">
+              <a:rPr lang="ru-RU" kern="0" dirty="0">
                 <a:solidFill>
                   <a:srgbClr val="000000"/>
                 </a:solidFill>
@@ -25085,7 +25236,7 @@
               <a:t>  </a:t>
             </a:r>
             <a:r>
-              <a:rPr lang="ru-RU" sz="1400" kern="0" dirty="0" err="1">
+              <a:rPr lang="ru-RU" kern="0" dirty="0" err="1">
                 <a:solidFill>
                   <a:srgbClr val="0000FF"/>
                 </a:solidFill>
@@ -25096,7 +25247,7 @@
               <a:t>double</a:t>
             </a:r>
             <a:r>
-              <a:rPr lang="ru-RU" sz="1400" kern="0" dirty="0">
+              <a:rPr lang="ru-RU" kern="0" dirty="0">
                 <a:solidFill>
                   <a:srgbClr val="000000"/>
                 </a:solidFill>
@@ -25107,7 +25258,7 @@
               <a:t> </a:t>
             </a:r>
             <a:r>
-              <a:rPr lang="ru-RU" sz="1400" kern="0" dirty="0" err="1">
+              <a:rPr lang="ru-RU" kern="0" dirty="0" err="1">
                 <a:solidFill>
                   <a:srgbClr val="000000"/>
                 </a:solidFill>
@@ -25118,7 +25269,7 @@
               <a:t>GetRate</a:t>
             </a:r>
             <a:r>
-              <a:rPr lang="ru-RU" sz="1400" kern="0" dirty="0">
+              <a:rPr lang="ru-RU" kern="0" dirty="0">
                 <a:solidFill>
                   <a:srgbClr val="000000"/>
                 </a:solidFill>
@@ -25129,7 +25280,7 @@
               <a:t>() </a:t>
             </a:r>
             <a:r>
-              <a:rPr lang="ru-RU" sz="1400" kern="0" dirty="0" err="1">
+              <a:rPr lang="ru-RU" kern="0" dirty="0" err="1">
                 <a:solidFill>
                   <a:srgbClr val="0000FF"/>
                 </a:solidFill>
@@ -25140,7 +25291,7 @@
               <a:t>const</a:t>
             </a:r>
             <a:r>
-              <a:rPr lang="ru-RU" sz="1400" kern="0" dirty="0">
+              <a:rPr lang="ru-RU" kern="0" dirty="0">
                 <a:solidFill>
                   <a:srgbClr val="000000"/>
                 </a:solidFill>
@@ -25151,7 +25302,7 @@
               <a:t> </a:t>
             </a:r>
             <a:r>
-              <a:rPr lang="ru-RU" sz="1400" kern="0" dirty="0" err="1">
+              <a:rPr lang="ru-RU" kern="0" dirty="0" err="1">
                 <a:solidFill>
                   <a:srgbClr val="0000FF"/>
                 </a:solidFill>
@@ -25162,7 +25313,7 @@
               <a:t>override</a:t>
             </a:r>
             <a:r>
-              <a:rPr lang="ru-RU" sz="1400" kern="0" dirty="0">
+              <a:rPr lang="ru-RU" kern="0" dirty="0">
                 <a:solidFill>
                   <a:srgbClr val="0000FF"/>
                 </a:solidFill>
@@ -25173,7 +25324,7 @@
               <a:t> </a:t>
             </a:r>
             <a:r>
-              <a:rPr lang="ru-RU" sz="1400" kern="0" dirty="0">
+              <a:rPr lang="ru-RU" kern="0" dirty="0">
                 <a:solidFill>
                   <a:srgbClr val="000000"/>
                 </a:solidFill>
@@ -25183,7 +25334,7 @@
               </a:rPr>
               <a:t>{</a:t>
             </a:r>
-            <a:endParaRPr lang="ru-RU" sz="1400" kern="100" dirty="0">
+            <a:endParaRPr lang="ru-RU" kern="100" dirty="0">
               <a:latin typeface="Calibri" panose="020F0502020204030204" pitchFamily="34" charset="0"/>
               <a:ea typeface="Yu Mincho" panose="02020400000000000000" pitchFamily="18" charset="-128"/>
               <a:cs typeface="Times New Roman" panose="02020603050405020304" pitchFamily="18" charset="0"/>
@@ -25196,7 +25347,7 @@
               </a:lnSpc>
             </a:pPr>
             <a:r>
-              <a:rPr lang="ru-RU" sz="1400" kern="0" dirty="0">
+              <a:rPr lang="ru-RU" kern="0" dirty="0">
                 <a:solidFill>
                   <a:srgbClr val="000000"/>
                 </a:solidFill>
@@ -25207,7 +25358,7 @@
               <a:t>    </a:t>
             </a:r>
             <a:r>
-              <a:rPr lang="ru-RU" sz="1400" kern="0" dirty="0" err="1">
+              <a:rPr lang="ru-RU" kern="0" dirty="0" err="1">
                 <a:solidFill>
                   <a:srgbClr val="0000FF"/>
                 </a:solidFill>
@@ -25218,7 +25369,7 @@
               <a:t>return</a:t>
             </a:r>
             <a:r>
-              <a:rPr lang="ru-RU" sz="1400" kern="0" dirty="0">
+              <a:rPr lang="ru-RU" kern="0" dirty="0">
                 <a:solidFill>
                   <a:srgbClr val="000000"/>
                 </a:solidFill>
@@ -25229,7 +25380,7 @@
               <a:t> </a:t>
             </a:r>
             <a:r>
-              <a:rPr lang="ru-RU" sz="1400" kern="0" dirty="0" err="1">
+              <a:rPr lang="ru-RU" kern="0" dirty="0" err="1">
                 <a:solidFill>
                   <a:srgbClr val="000000"/>
                 </a:solidFill>
@@ -25240,7 +25391,7 @@
               <a:t>m_rubToUSD</a:t>
             </a:r>
             <a:r>
-              <a:rPr lang="ru-RU" sz="1400" kern="0" dirty="0">
+              <a:rPr lang="ru-RU" kern="0" dirty="0">
                 <a:solidFill>
                   <a:srgbClr val="000000"/>
                 </a:solidFill>
@@ -25250,7 +25401,7 @@
               </a:rPr>
               <a:t>;</a:t>
             </a:r>
-            <a:endParaRPr lang="ru-RU" sz="1400" kern="100" dirty="0">
+            <a:endParaRPr lang="ru-RU" kern="100" dirty="0">
               <a:latin typeface="Calibri" panose="020F0502020204030204" pitchFamily="34" charset="0"/>
               <a:ea typeface="Yu Mincho" panose="02020400000000000000" pitchFamily="18" charset="-128"/>
               <a:cs typeface="Times New Roman" panose="02020603050405020304" pitchFamily="18" charset="0"/>
@@ -25263,7 +25414,7 @@
               </a:lnSpc>
             </a:pPr>
             <a:r>
-              <a:rPr lang="ru-RU" sz="1400" kern="0" dirty="0">
+              <a:rPr lang="ru-RU" kern="0" dirty="0">
                 <a:solidFill>
                   <a:srgbClr val="000000"/>
                 </a:solidFill>
@@ -25273,7 +25424,7 @@
               </a:rPr>
               <a:t>  }</a:t>
             </a:r>
-            <a:endParaRPr lang="ru-RU" sz="1400" kern="100" dirty="0">
+            <a:endParaRPr lang="ru-RU" kern="100" dirty="0">
               <a:latin typeface="Calibri" panose="020F0502020204030204" pitchFamily="34" charset="0"/>
               <a:ea typeface="Yu Mincho" panose="02020400000000000000" pitchFamily="18" charset="-128"/>
               <a:cs typeface="Times New Roman" panose="02020603050405020304" pitchFamily="18" charset="0"/>
@@ -25286,7 +25437,7 @@
               </a:lnSpc>
             </a:pPr>
             <a:r>
-              <a:rPr lang="ru-RU" sz="1400" kern="0" dirty="0">
+              <a:rPr lang="ru-RU" kern="0" dirty="0">
                 <a:solidFill>
                   <a:srgbClr val="000000"/>
                 </a:solidFill>
@@ -25296,7 +25447,7 @@
               </a:rPr>
               <a:t> </a:t>
             </a:r>
-            <a:endParaRPr lang="ru-RU" sz="1400" kern="100" dirty="0">
+            <a:endParaRPr lang="ru-RU" kern="100" dirty="0">
               <a:latin typeface="Calibri" panose="020F0502020204030204" pitchFamily="34" charset="0"/>
               <a:ea typeface="Yu Mincho" panose="02020400000000000000" pitchFamily="18" charset="-128"/>
               <a:cs typeface="Times New Roman" panose="02020603050405020304" pitchFamily="18" charset="0"/>
@@ -25309,7 +25460,7 @@
               </a:lnSpc>
             </a:pPr>
             <a:r>
-              <a:rPr lang="ru-RU" sz="1400" kern="0" dirty="0">
+              <a:rPr lang="ru-RU" kern="0" dirty="0">
                 <a:solidFill>
                   <a:srgbClr val="000000"/>
                 </a:solidFill>
@@ -25320,7 +25471,7 @@
               <a:t>  </a:t>
             </a:r>
             <a:r>
-              <a:rPr lang="ru-RU" sz="1400" kern="0" dirty="0" err="1">
+              <a:rPr lang="ru-RU" kern="0" dirty="0" err="1">
                 <a:solidFill>
                   <a:srgbClr val="000000"/>
                 </a:solidFill>
@@ -25331,7 +25482,7 @@
               <a:t>signals</a:t>
             </a:r>
             <a:r>
-              <a:rPr lang="ru-RU" sz="1400" kern="0" dirty="0">
+              <a:rPr lang="ru-RU" kern="0" dirty="0">
                 <a:solidFill>
                   <a:srgbClr val="000000"/>
                 </a:solidFill>
@@ -25342,7 +25493,18 @@
               <a:t>::</a:t>
             </a:r>
             <a:r>
-              <a:rPr lang="ru-RU" sz="1400" kern="0" dirty="0" err="1">
+              <a:rPr lang="en-US" kern="0" dirty="0">
+                <a:solidFill>
+                  <a:srgbClr val="000000"/>
+                </a:solidFill>
+                <a:latin typeface="Consolas" panose="020B0609020204030204" pitchFamily="49" charset="0"/>
+                <a:ea typeface="Yu Mincho" panose="02020400000000000000" pitchFamily="18" charset="-128"/>
+                <a:cs typeface="Consolas" panose="020B0609020204030204" pitchFamily="49" charset="0"/>
+              </a:rPr>
+              <a:t>scoped_</a:t>
+            </a:r>
+            <a:r>
+              <a:rPr lang="ru-RU" kern="0" dirty="0" err="1">
                 <a:solidFill>
                   <a:srgbClr val="000000"/>
                 </a:solidFill>
@@ -25353,7 +25515,7 @@
               <a:t>connection</a:t>
             </a:r>
             <a:r>
-              <a:rPr lang="ru-RU" sz="1400" kern="0" dirty="0">
+              <a:rPr lang="ru-RU" kern="0" dirty="0">
                 <a:solidFill>
                   <a:srgbClr val="000000"/>
                 </a:solidFill>
@@ -25364,7 +25526,7 @@
               <a:t> </a:t>
             </a:r>
             <a:r>
-              <a:rPr lang="ru-RU" sz="1400" kern="0" dirty="0" err="1">
+              <a:rPr lang="ru-RU" kern="0" dirty="0" err="1">
                 <a:solidFill>
                   <a:srgbClr val="000000"/>
                 </a:solidFill>
@@ -25375,7 +25537,7 @@
               <a:t>DoOnRateChange</a:t>
             </a:r>
             <a:r>
-              <a:rPr lang="ru-RU" sz="1400" kern="0" dirty="0">
+              <a:rPr lang="ru-RU" kern="0" dirty="0">
                 <a:solidFill>
                   <a:srgbClr val="000000"/>
                 </a:solidFill>
@@ -25386,7 +25548,7 @@
               <a:t>(</a:t>
             </a:r>
             <a:r>
-              <a:rPr lang="ru-RU" sz="1400" kern="0" dirty="0" err="1">
+              <a:rPr lang="ru-RU" kern="0" dirty="0" err="1">
                 <a:solidFill>
                   <a:srgbClr val="0000FF"/>
                 </a:solidFill>
@@ -25397,7 +25559,7 @@
               <a:t>const</a:t>
             </a:r>
             <a:r>
-              <a:rPr lang="ru-RU" sz="1400" kern="0" dirty="0">
+              <a:rPr lang="ru-RU" kern="0" dirty="0">
                 <a:solidFill>
                   <a:srgbClr val="000000"/>
                 </a:solidFill>
@@ -25408,7 +25570,7 @@
               <a:t> </a:t>
             </a:r>
             <a:r>
-              <a:rPr lang="ru-RU" sz="1400" kern="0" dirty="0" err="1">
+              <a:rPr lang="ru-RU" kern="0" dirty="0" err="1">
                 <a:solidFill>
                   <a:srgbClr val="000000"/>
                 </a:solidFill>
@@ -25419,7 +25581,7 @@
               <a:t>RateSignal</a:t>
             </a:r>
             <a:r>
-              <a:rPr lang="ru-RU" sz="1400" kern="0" dirty="0">
+              <a:rPr lang="ru-RU" kern="0" dirty="0">
                 <a:solidFill>
                   <a:srgbClr val="000000"/>
                 </a:solidFill>
@@ -25430,7 +25592,7 @@
               <a:t>::</a:t>
             </a:r>
             <a:r>
-              <a:rPr lang="ru-RU" sz="1400" kern="0" dirty="0" err="1">
+              <a:rPr lang="ru-RU" kern="0" dirty="0" err="1">
                 <a:solidFill>
                   <a:srgbClr val="000000"/>
                 </a:solidFill>
@@ -25441,7 +25603,7 @@
               <a:t>slot_type</a:t>
             </a:r>
             <a:r>
-              <a:rPr lang="ru-RU" sz="1400" kern="0" dirty="0">
+              <a:rPr lang="ru-RU" kern="0" dirty="0">
                 <a:solidFill>
                   <a:srgbClr val="000000"/>
                 </a:solidFill>
@@ -25452,7 +25614,7 @@
               <a:t> &amp; </a:t>
             </a:r>
             <a:r>
-              <a:rPr lang="ru-RU" sz="1400" kern="0" dirty="0" err="1">
+              <a:rPr lang="ru-RU" kern="0" dirty="0" err="1">
                 <a:solidFill>
                   <a:srgbClr val="808080"/>
                 </a:solidFill>
@@ -25463,7 +25625,7 @@
               <a:t>slot</a:t>
             </a:r>
             <a:r>
-              <a:rPr lang="ru-RU" sz="1400" kern="0" dirty="0">
+              <a:rPr lang="ru-RU" kern="0" dirty="0">
                 <a:solidFill>
                   <a:srgbClr val="000000"/>
                 </a:solidFill>
@@ -25474,7 +25636,7 @@
               <a:t>) </a:t>
             </a:r>
             <a:r>
-              <a:rPr lang="ru-RU" sz="1400" kern="0" dirty="0" err="1">
+              <a:rPr lang="ru-RU" kern="0" dirty="0" err="1">
                 <a:solidFill>
                   <a:srgbClr val="0000FF"/>
                 </a:solidFill>
@@ -25485,7 +25647,7 @@
               <a:t>override</a:t>
             </a:r>
             <a:r>
-              <a:rPr lang="ru-RU" sz="1400" kern="0" dirty="0">
+              <a:rPr lang="ru-RU" kern="0" dirty="0">
                 <a:solidFill>
                   <a:srgbClr val="0000FF"/>
                 </a:solidFill>
@@ -25496,7 +25658,7 @@
               <a:t> </a:t>
             </a:r>
             <a:r>
-              <a:rPr lang="ru-RU" sz="1400" kern="0" dirty="0">
+              <a:rPr lang="ru-RU" kern="0" dirty="0">
                 <a:solidFill>
                   <a:srgbClr val="000000"/>
                 </a:solidFill>
@@ -25506,7 +25668,7 @@
               </a:rPr>
               <a:t>{</a:t>
             </a:r>
-            <a:endParaRPr lang="ru-RU" sz="1400" kern="100" dirty="0">
+            <a:endParaRPr lang="ru-RU" kern="100" dirty="0">
               <a:latin typeface="Calibri" panose="020F0502020204030204" pitchFamily="34" charset="0"/>
               <a:ea typeface="Yu Mincho" panose="02020400000000000000" pitchFamily="18" charset="-128"/>
               <a:cs typeface="Times New Roman" panose="02020603050405020304" pitchFamily="18" charset="0"/>
@@ -25519,7 +25681,7 @@
               </a:lnSpc>
             </a:pPr>
             <a:r>
-              <a:rPr lang="ru-RU" sz="1400" kern="0" dirty="0">
+              <a:rPr lang="ru-RU" kern="0" dirty="0">
                 <a:solidFill>
                   <a:srgbClr val="000000"/>
                 </a:solidFill>
@@ -25530,7 +25692,7 @@
               <a:t>    </a:t>
             </a:r>
             <a:r>
-              <a:rPr lang="ru-RU" sz="1400" kern="0" dirty="0" err="1">
+              <a:rPr lang="ru-RU" kern="0" dirty="0" err="1">
                 <a:solidFill>
                   <a:srgbClr val="0000FF"/>
                 </a:solidFill>
@@ -25541,7 +25703,7 @@
               <a:t>return</a:t>
             </a:r>
             <a:r>
-              <a:rPr lang="ru-RU" sz="1400" kern="0" dirty="0">
+              <a:rPr lang="ru-RU" kern="0" dirty="0">
                 <a:solidFill>
                   <a:srgbClr val="000000"/>
                 </a:solidFill>
@@ -25552,7 +25714,7 @@
               <a:t> </a:t>
             </a:r>
             <a:r>
-              <a:rPr lang="ru-RU" sz="1400" kern="0" dirty="0" err="1">
+              <a:rPr lang="ru-RU" kern="0" dirty="0" err="1">
                 <a:solidFill>
                   <a:srgbClr val="000000"/>
                 </a:solidFill>
@@ -25563,7 +25725,7 @@
               <a:t>m_rateChangeSignal.connect</a:t>
             </a:r>
             <a:r>
-              <a:rPr lang="ru-RU" sz="1400" kern="0" dirty="0">
+              <a:rPr lang="ru-RU" kern="0" dirty="0">
                 <a:solidFill>
                   <a:srgbClr val="000000"/>
                 </a:solidFill>
@@ -25574,7 +25736,7 @@
               <a:t>(</a:t>
             </a:r>
             <a:r>
-              <a:rPr lang="ru-RU" sz="1400" kern="0" dirty="0" err="1">
+              <a:rPr lang="ru-RU" kern="0" dirty="0" err="1">
                 <a:solidFill>
                   <a:srgbClr val="808080"/>
                 </a:solidFill>
@@ -25585,7 +25747,7 @@
               <a:t>slot</a:t>
             </a:r>
             <a:r>
-              <a:rPr lang="ru-RU" sz="1400" kern="0" dirty="0">
+              <a:rPr lang="ru-RU" kern="0" dirty="0">
                 <a:solidFill>
                   <a:srgbClr val="000000"/>
                 </a:solidFill>
@@ -25595,7 +25757,7 @@
               </a:rPr>
               <a:t>);</a:t>
             </a:r>
-            <a:endParaRPr lang="ru-RU" sz="1400" kern="100" dirty="0">
+            <a:endParaRPr lang="ru-RU" kern="100" dirty="0">
               <a:latin typeface="Calibri" panose="020F0502020204030204" pitchFamily="34" charset="0"/>
               <a:ea typeface="Yu Mincho" panose="02020400000000000000" pitchFamily="18" charset="-128"/>
               <a:cs typeface="Times New Roman" panose="02020603050405020304" pitchFamily="18" charset="0"/>
@@ -25608,7 +25770,7 @@
               </a:lnSpc>
             </a:pPr>
             <a:r>
-              <a:rPr lang="ru-RU" sz="1400" kern="0" dirty="0">
+              <a:rPr lang="ru-RU" kern="0" dirty="0">
                 <a:solidFill>
                   <a:srgbClr val="000000"/>
                 </a:solidFill>
@@ -25618,7 +25780,7 @@
               </a:rPr>
               <a:t>  }</a:t>
             </a:r>
-            <a:endParaRPr lang="ru-RU" sz="1400" kern="100" dirty="0">
+            <a:endParaRPr lang="ru-RU" kern="100" dirty="0">
               <a:latin typeface="Calibri" panose="020F0502020204030204" pitchFamily="34" charset="0"/>
               <a:ea typeface="Yu Mincho" panose="02020400000000000000" pitchFamily="18" charset="-128"/>
               <a:cs typeface="Times New Roman" panose="02020603050405020304" pitchFamily="18" charset="0"/>
@@ -25631,7 +25793,7 @@
               </a:lnSpc>
             </a:pPr>
             <a:r>
-              <a:rPr lang="ru-RU" sz="1400" kern="0" dirty="0">
+              <a:rPr lang="ru-RU" kern="0" dirty="0">
                 <a:solidFill>
                   <a:srgbClr val="000000"/>
                 </a:solidFill>
@@ -25641,7 +25803,7 @@
               </a:rPr>
               <a:t> </a:t>
             </a:r>
-            <a:endParaRPr lang="ru-RU" sz="1400" kern="100" dirty="0">
+            <a:endParaRPr lang="ru-RU" kern="100" dirty="0">
               <a:latin typeface="Calibri" panose="020F0502020204030204" pitchFamily="34" charset="0"/>
               <a:ea typeface="Yu Mincho" panose="02020400000000000000" pitchFamily="18" charset="-128"/>
               <a:cs typeface="Times New Roman" panose="02020603050405020304" pitchFamily="18" charset="0"/>
@@ -25654,7 +25816,7 @@
               </a:lnSpc>
             </a:pPr>
             <a:r>
-              <a:rPr lang="ru-RU" sz="1400" kern="0" dirty="0" err="1">
+              <a:rPr lang="ru-RU" kern="0" dirty="0" err="1">
                 <a:solidFill>
                   <a:srgbClr val="0000FF"/>
                 </a:solidFill>
@@ -25665,7 +25827,7 @@
               <a:t>private</a:t>
             </a:r>
             <a:r>
-              <a:rPr lang="ru-RU" sz="1400" kern="0" dirty="0">
+              <a:rPr lang="ru-RU" kern="0" dirty="0">
                 <a:solidFill>
                   <a:srgbClr val="000000"/>
                 </a:solidFill>
@@ -25675,7 +25837,7 @@
               </a:rPr>
               <a:t>:</a:t>
             </a:r>
-            <a:endParaRPr lang="ru-RU" sz="1400" kern="100" dirty="0">
+            <a:endParaRPr lang="ru-RU" kern="100" dirty="0">
               <a:latin typeface="Calibri" panose="020F0502020204030204" pitchFamily="34" charset="0"/>
               <a:ea typeface="Yu Mincho" panose="02020400000000000000" pitchFamily="18" charset="-128"/>
               <a:cs typeface="Times New Roman" panose="02020603050405020304" pitchFamily="18" charset="0"/>
@@ -25688,7 +25850,7 @@
               </a:lnSpc>
             </a:pPr>
             <a:r>
-              <a:rPr lang="ru-RU" sz="1400" kern="0" dirty="0">
+              <a:rPr lang="ru-RU" kern="0" dirty="0">
                 <a:solidFill>
                   <a:srgbClr val="000000"/>
                 </a:solidFill>
@@ -25699,7 +25861,7 @@
               <a:t>  </a:t>
             </a:r>
             <a:r>
-              <a:rPr lang="ru-RU" sz="1400" kern="0" dirty="0" err="1">
+              <a:rPr lang="ru-RU" kern="0" dirty="0" err="1">
                 <a:solidFill>
                   <a:srgbClr val="0000FF"/>
                 </a:solidFill>
@@ -25710,7 +25872,7 @@
               <a:t>double</a:t>
             </a:r>
             <a:r>
-              <a:rPr lang="ru-RU" sz="1400" kern="0" dirty="0">
+              <a:rPr lang="ru-RU" kern="0" dirty="0">
                 <a:solidFill>
                   <a:srgbClr val="000000"/>
                 </a:solidFill>
@@ -25721,7 +25883,7 @@
               <a:t> </a:t>
             </a:r>
             <a:r>
-              <a:rPr lang="ru-RU" sz="1400" kern="0" dirty="0" err="1">
+              <a:rPr lang="ru-RU" kern="0" dirty="0" err="1">
                 <a:solidFill>
                   <a:srgbClr val="000000"/>
                 </a:solidFill>
@@ -25732,7 +25894,7 @@
               <a:t>m_rubToUSD</a:t>
             </a:r>
             <a:r>
-              <a:rPr lang="ru-RU" sz="1400" kern="0" dirty="0">
+              <a:rPr lang="ru-RU" kern="0" dirty="0">
                 <a:solidFill>
                   <a:srgbClr val="000000"/>
                 </a:solidFill>
@@ -25742,7 +25904,7 @@
               </a:rPr>
               <a:t> = 59.0;</a:t>
             </a:r>
-            <a:endParaRPr lang="ru-RU" sz="1400" kern="100" dirty="0">
+            <a:endParaRPr lang="ru-RU" kern="100" dirty="0">
               <a:latin typeface="Calibri" panose="020F0502020204030204" pitchFamily="34" charset="0"/>
               <a:ea typeface="Yu Mincho" panose="02020400000000000000" pitchFamily="18" charset="-128"/>
               <a:cs typeface="Times New Roman" panose="02020603050405020304" pitchFamily="18" charset="0"/>
@@ -25755,7 +25917,7 @@
               </a:lnSpc>
             </a:pPr>
             <a:r>
-              <a:rPr lang="ru-RU" sz="1400" kern="0" dirty="0">
+              <a:rPr lang="ru-RU" kern="0" dirty="0">
                 <a:solidFill>
                   <a:srgbClr val="000000"/>
                 </a:solidFill>
@@ -25766,7 +25928,7 @@
               <a:t>  </a:t>
             </a:r>
             <a:r>
-              <a:rPr lang="ru-RU" sz="1400" kern="0" dirty="0" err="1">
+              <a:rPr lang="ru-RU" kern="0" dirty="0" err="1">
                 <a:solidFill>
                   <a:srgbClr val="2B91AF"/>
                 </a:solidFill>
@@ -25777,7 +25939,7 @@
               <a:t>RateSignal</a:t>
             </a:r>
             <a:r>
-              <a:rPr lang="ru-RU" sz="1400" kern="0" dirty="0">
+              <a:rPr lang="ru-RU" kern="0" dirty="0">
                 <a:solidFill>
                   <a:srgbClr val="000000"/>
                 </a:solidFill>
@@ -25788,7 +25950,7 @@
               <a:t> </a:t>
             </a:r>
             <a:r>
-              <a:rPr lang="ru-RU" sz="1400" kern="0" dirty="0" err="1">
+              <a:rPr lang="ru-RU" kern="0" dirty="0" err="1">
                 <a:solidFill>
                   <a:srgbClr val="000000"/>
                 </a:solidFill>
@@ -25799,7 +25961,7 @@
               <a:t>m_rateChangeSignal</a:t>
             </a:r>
             <a:r>
-              <a:rPr lang="ru-RU" sz="1400" kern="0" dirty="0">
+              <a:rPr lang="ru-RU" kern="0" dirty="0">
                 <a:solidFill>
                   <a:srgbClr val="000000"/>
                 </a:solidFill>
@@ -25809,7 +25971,7 @@
               </a:rPr>
               <a:t>;</a:t>
             </a:r>
-            <a:endParaRPr lang="ru-RU" sz="1400" kern="100" dirty="0">
+            <a:endParaRPr lang="ru-RU" kern="100" dirty="0">
               <a:latin typeface="Calibri" panose="020F0502020204030204" pitchFamily="34" charset="0"/>
               <a:ea typeface="Yu Mincho" panose="02020400000000000000" pitchFamily="18" charset="-128"/>
               <a:cs typeface="Times New Roman" panose="02020603050405020304" pitchFamily="18" charset="0"/>
@@ -25822,7 +25984,7 @@
               </a:lnSpc>
             </a:pPr>
             <a:r>
-              <a:rPr lang="ru-RU" sz="1400" kern="0" dirty="0">
+              <a:rPr lang="ru-RU" kern="0" dirty="0">
                 <a:solidFill>
                   <a:srgbClr val="000000"/>
                 </a:solidFill>
@@ -25832,7 +25994,7 @@
               </a:rPr>
               <a:t>};</a:t>
             </a:r>
-            <a:endParaRPr lang="ru-RU" sz="1400" kern="100" dirty="0">
+            <a:endParaRPr lang="ru-RU" kern="100" dirty="0">
               <a:latin typeface="Calibri" panose="020F0502020204030204" pitchFamily="34" charset="0"/>
               <a:ea typeface="Yu Mincho" panose="02020400000000000000" pitchFamily="18" charset="-128"/>
               <a:cs typeface="Times New Roman" panose="02020603050405020304" pitchFamily="18" charset="0"/>
@@ -26453,7 +26615,7 @@
 </p:sld>
 </file>
 
-<file path=ppt/slides/slide48.xml><?xml version="1.0" encoding="utf-8"?>
+<file path=ppt/slides/slide47.xml><?xml version="1.0" encoding="utf-8"?>
 <p:sld xmlns:a="http://schemas.openxmlformats.org/drawingml/2006/main" xmlns:r="http://schemas.openxmlformats.org/officeDocument/2006/relationships" xmlns:p="http://schemas.openxmlformats.org/presentationml/2006/main">
   <p:cSld>
     <p:spTree>
@@ -26484,8 +26646,8 @@
         </p:nvSpPr>
         <p:spPr>
           <a:xfrm>
-            <a:off x="1524000" y="1484784"/>
-            <a:ext cx="9073008" cy="5153142"/>
+            <a:off x="479376" y="129571"/>
+            <a:ext cx="10441160" cy="6598858"/>
           </a:xfrm>
           <a:prstGeom prst="rect">
             <a:avLst/>
@@ -26503,7 +26665,7 @@
               </a:lnSpc>
             </a:pPr>
             <a:r>
-              <a:rPr lang="ru-RU" sz="1400" kern="0" dirty="0" err="1">
+              <a:rPr lang="ru-RU" kern="0" dirty="0" err="1">
                 <a:solidFill>
                   <a:srgbClr val="0000FF"/>
                 </a:solidFill>
@@ -26514,7 +26676,7 @@
               <a:t>class</a:t>
             </a:r>
             <a:r>
-              <a:rPr lang="ru-RU" sz="1400" kern="0" dirty="0">
+              <a:rPr lang="ru-RU" kern="0" dirty="0">
                 <a:solidFill>
                   <a:srgbClr val="000000"/>
                 </a:solidFill>
@@ -26525,7 +26687,7 @@
               <a:t> </a:t>
             </a:r>
             <a:r>
-              <a:rPr lang="ru-RU" sz="1400" kern="0" dirty="0" err="1">
+              <a:rPr lang="ru-RU" kern="0" dirty="0" err="1">
                 <a:solidFill>
                   <a:srgbClr val="2B91AF"/>
                 </a:solidFill>
@@ -26536,7 +26698,7 @@
               <a:t>AverageCurrencyRateMonitor</a:t>
             </a:r>
             <a:r>
-              <a:rPr lang="ru-RU" sz="1400" kern="0" dirty="0">
+              <a:rPr lang="ru-RU" kern="0" dirty="0">
                 <a:solidFill>
                   <a:srgbClr val="000000"/>
                 </a:solidFill>
@@ -26546,7 +26708,7 @@
               </a:rPr>
               <a:t> {</a:t>
             </a:r>
-            <a:endParaRPr lang="ru-RU" sz="1400" kern="100" dirty="0">
+            <a:endParaRPr lang="ru-RU" kern="100" dirty="0">
               <a:latin typeface="Calibri" panose="020F0502020204030204" pitchFamily="34" charset="0"/>
               <a:ea typeface="Yu Mincho" panose="02020400000000000000" pitchFamily="18" charset="-128"/>
               <a:cs typeface="Times New Roman" panose="02020603050405020304" pitchFamily="18" charset="0"/>
@@ -26559,7 +26721,7 @@
               </a:lnSpc>
             </a:pPr>
             <a:r>
-              <a:rPr lang="ru-RU" sz="1400" kern="0" dirty="0" err="1">
+              <a:rPr lang="ru-RU" kern="0" dirty="0" err="1">
                 <a:solidFill>
                   <a:srgbClr val="0000FF"/>
                 </a:solidFill>
@@ -26570,7 +26732,7 @@
               <a:t>public</a:t>
             </a:r>
             <a:r>
-              <a:rPr lang="ru-RU" sz="1400" kern="0" dirty="0">
+              <a:rPr lang="ru-RU" kern="0" dirty="0">
                 <a:solidFill>
                   <a:srgbClr val="000000"/>
                 </a:solidFill>
@@ -26580,7 +26742,7 @@
               </a:rPr>
               <a:t>:</a:t>
             </a:r>
-            <a:endParaRPr lang="ru-RU" sz="1400" kern="100" dirty="0">
+            <a:endParaRPr lang="ru-RU" kern="100" dirty="0">
               <a:latin typeface="Calibri" panose="020F0502020204030204" pitchFamily="34" charset="0"/>
               <a:ea typeface="Yu Mincho" panose="02020400000000000000" pitchFamily="18" charset="-128"/>
               <a:cs typeface="Times New Roman" panose="02020603050405020304" pitchFamily="18" charset="0"/>
@@ -26593,7 +26755,7 @@
               </a:lnSpc>
             </a:pPr>
             <a:r>
-              <a:rPr lang="ru-RU" sz="1400" kern="0" dirty="0">
+              <a:rPr lang="ru-RU" kern="0" dirty="0">
                 <a:solidFill>
                   <a:srgbClr val="000000"/>
                 </a:solidFill>
@@ -26604,7 +26766,7 @@
               <a:t>  </a:t>
             </a:r>
             <a:r>
-              <a:rPr lang="ru-RU" sz="1400" kern="0" dirty="0" err="1">
+              <a:rPr lang="ru-RU" kern="0" dirty="0" err="1">
                 <a:solidFill>
                   <a:srgbClr val="000000"/>
                 </a:solidFill>
@@ -26615,7 +26777,7 @@
               <a:t>AverageCurrencyRateMonitor</a:t>
             </a:r>
             <a:r>
-              <a:rPr lang="ru-RU" sz="1400" kern="0" dirty="0">
+              <a:rPr lang="ru-RU" kern="0" dirty="0">
                 <a:solidFill>
                   <a:srgbClr val="000000"/>
                 </a:solidFill>
@@ -26626,7 +26788,7 @@
               <a:t>(</a:t>
             </a:r>
             <a:r>
-              <a:rPr lang="ru-RU" sz="1400" kern="0" dirty="0" err="1">
+              <a:rPr lang="ru-RU" kern="0" dirty="0" err="1">
                 <a:solidFill>
                   <a:srgbClr val="2B91AF"/>
                 </a:solidFill>
@@ -26637,7 +26799,7 @@
               <a:t>ICurrencyRate</a:t>
             </a:r>
             <a:r>
-              <a:rPr lang="ru-RU" sz="1400" kern="0" dirty="0">
+              <a:rPr lang="ru-RU" kern="0" dirty="0">
                 <a:solidFill>
                   <a:srgbClr val="000000"/>
                 </a:solidFill>
@@ -26648,7 +26810,7 @@
               <a:t> &amp; </a:t>
             </a:r>
             <a:r>
-              <a:rPr lang="ru-RU" sz="1400" kern="0" dirty="0" err="1">
+              <a:rPr lang="ru-RU" kern="0" dirty="0" err="1">
                 <a:solidFill>
                   <a:srgbClr val="808080"/>
                 </a:solidFill>
@@ -26659,7 +26821,7 @@
               <a:t>cr</a:t>
             </a:r>
             <a:r>
-              <a:rPr lang="ru-RU" sz="1400" kern="0" dirty="0">
+              <a:rPr lang="ru-RU" kern="0" dirty="0">
                 <a:solidFill>
                   <a:srgbClr val="000000"/>
                 </a:solidFill>
@@ -26669,7 +26831,7 @@
               </a:rPr>
               <a:t>) {</a:t>
             </a:r>
-            <a:endParaRPr lang="ru-RU" sz="1400" kern="100" dirty="0">
+            <a:endParaRPr lang="ru-RU" kern="100" dirty="0">
               <a:latin typeface="Calibri" panose="020F0502020204030204" pitchFamily="34" charset="0"/>
               <a:ea typeface="Yu Mincho" panose="02020400000000000000" pitchFamily="18" charset="-128"/>
               <a:cs typeface="Times New Roman" panose="02020603050405020304" pitchFamily="18" charset="0"/>
@@ -26682,7 +26844,7 @@
               </a:lnSpc>
             </a:pPr>
             <a:r>
-              <a:rPr lang="ru-RU" sz="1400" kern="0" dirty="0">
+              <a:rPr lang="ru-RU" kern="0" dirty="0">
                 <a:solidFill>
                   <a:srgbClr val="000000"/>
                 </a:solidFill>
@@ -26693,7 +26855,7 @@
               <a:t>    m_</a:t>
             </a:r>
             <a:r>
-              <a:rPr lang="en-US" sz="1400" kern="0" dirty="0">
+              <a:rPr lang="en-US" kern="0" dirty="0">
                 <a:solidFill>
                   <a:srgbClr val="000000"/>
                 </a:solidFill>
@@ -26704,7 +26866,7 @@
               <a:t>con</a:t>
             </a:r>
             <a:r>
-              <a:rPr lang="ru-RU" sz="1400" kern="0" dirty="0">
+              <a:rPr lang="ru-RU" kern="0" dirty="0">
                 <a:solidFill>
                   <a:srgbClr val="000000"/>
                 </a:solidFill>
@@ -26715,7 +26877,7 @@
               <a:t>n = </a:t>
             </a:r>
             <a:r>
-              <a:rPr lang="ru-RU" sz="1400" kern="0" dirty="0" err="1">
+              <a:rPr lang="ru-RU" kern="0" dirty="0" err="1">
                 <a:solidFill>
                   <a:srgbClr val="808080"/>
                 </a:solidFill>
@@ -26726,7 +26888,7 @@
               <a:t>cr</a:t>
             </a:r>
             <a:r>
-              <a:rPr lang="ru-RU" sz="1400" kern="0" dirty="0" err="1">
+              <a:rPr lang="ru-RU" kern="0" dirty="0" err="1">
                 <a:solidFill>
                   <a:srgbClr val="000000"/>
                 </a:solidFill>
@@ -26737,7 +26899,7 @@
               <a:t>.DoOnRateChange</a:t>
             </a:r>
             <a:r>
-              <a:rPr lang="ru-RU" sz="1400" kern="0" dirty="0">
+              <a:rPr lang="ru-RU" kern="0" dirty="0">
                 <a:solidFill>
                   <a:srgbClr val="000000"/>
                 </a:solidFill>
@@ -26747,7 +26909,7 @@
               </a:rPr>
               <a:t>(</a:t>
             </a:r>
-            <a:endParaRPr lang="en-US" sz="1400" kern="0" dirty="0">
+            <a:endParaRPr lang="en-US" kern="0" dirty="0">
               <a:solidFill>
                 <a:srgbClr val="000000"/>
               </a:solidFill>
@@ -26763,18 +26925,18 @@
               </a:lnSpc>
             </a:pPr>
             <a:r>
-              <a:rPr lang="en-US" sz="1400" kern="0" dirty="0">
-                <a:solidFill>
-                  <a:srgbClr val="000000"/>
-                </a:solidFill>
-                <a:latin typeface="Consolas" panose="020B0609020204030204" pitchFamily="49" charset="0"/>
-                <a:ea typeface="Yu Mincho" panose="02020400000000000000" pitchFamily="18" charset="-128"/>
-                <a:cs typeface="Consolas" panose="020B0609020204030204" pitchFamily="49" charset="0"/>
-              </a:rPr>
-              <a:t>      </a:t>
-            </a:r>
-            <a:r>
-              <a:rPr lang="ru-RU" sz="1400" kern="0" dirty="0" err="1">
+              <a:rPr lang="en-US" kern="0" dirty="0">
+                <a:solidFill>
+                  <a:srgbClr val="000000"/>
+                </a:solidFill>
+                <a:latin typeface="Consolas" panose="020B0609020204030204" pitchFamily="49" charset="0"/>
+                <a:ea typeface="Yu Mincho" panose="02020400000000000000" pitchFamily="18" charset="-128"/>
+                <a:cs typeface="Consolas" panose="020B0609020204030204" pitchFamily="49" charset="0"/>
+              </a:rPr>
+              <a:t>      std::</a:t>
+            </a:r>
+            <a:r>
+              <a:rPr lang="ru-RU" kern="0" dirty="0" err="1">
                 <a:solidFill>
                   <a:srgbClr val="000000"/>
                 </a:solidFill>
@@ -26785,7 +26947,18 @@
               <a:t>bind</a:t>
             </a:r>
             <a:r>
-              <a:rPr lang="ru-RU" sz="1400" kern="0" dirty="0">
+              <a:rPr lang="en-US" kern="0" dirty="0">
+                <a:solidFill>
+                  <a:srgbClr val="000000"/>
+                </a:solidFill>
+                <a:latin typeface="Consolas" panose="020B0609020204030204" pitchFamily="49" charset="0"/>
+                <a:ea typeface="Yu Mincho" panose="02020400000000000000" pitchFamily="18" charset="-128"/>
+                <a:cs typeface="Consolas" panose="020B0609020204030204" pitchFamily="49" charset="0"/>
+              </a:rPr>
+              <a:t>_front</a:t>
+            </a:r>
+            <a:r>
+              <a:rPr lang="ru-RU" kern="0" dirty="0">
                 <a:solidFill>
                   <a:srgbClr val="000000"/>
                 </a:solidFill>
@@ -26796,7 +26969,7 @@
               <a:t>(&amp;</a:t>
             </a:r>
             <a:r>
-              <a:rPr lang="ru-RU" sz="1400" kern="0" dirty="0" err="1">
+              <a:rPr lang="ru-RU" kern="0" dirty="0" err="1">
                 <a:solidFill>
                   <a:srgbClr val="2B91AF"/>
                 </a:solidFill>
@@ -26807,7 +26980,7 @@
               <a:t>AverageCurrencyRateMonitor</a:t>
             </a:r>
             <a:r>
-              <a:rPr lang="ru-RU" sz="1400" kern="0" dirty="0">
+              <a:rPr lang="ru-RU" kern="0" dirty="0">
                 <a:solidFill>
                   <a:srgbClr val="000000"/>
                 </a:solidFill>
@@ -26818,7 +26991,7 @@
               <a:t>::</a:t>
             </a:r>
             <a:r>
-              <a:rPr lang="ru-RU" sz="1400" kern="0" dirty="0" err="1">
+              <a:rPr lang="ru-RU" kern="0" dirty="0" err="1">
                 <a:solidFill>
                   <a:srgbClr val="000000"/>
                 </a:solidFill>
@@ -26829,7 +27002,7 @@
               <a:t>OnCurrencyRateChange</a:t>
             </a:r>
             <a:r>
-              <a:rPr lang="ru-RU" sz="1400" kern="0" dirty="0">
+              <a:rPr lang="ru-RU" kern="0" dirty="0">
                 <a:solidFill>
                   <a:srgbClr val="000000"/>
                 </a:solidFill>
@@ -26840,7 +27013,7 @@
               <a:t>, </a:t>
             </a:r>
             <a:r>
-              <a:rPr lang="ru-RU" sz="1400" kern="0" dirty="0" err="1">
+              <a:rPr lang="ru-RU" kern="0" dirty="0" err="1">
                 <a:solidFill>
                   <a:srgbClr val="0000FF"/>
                 </a:solidFill>
@@ -26851,39 +27024,17 @@
               <a:t>this</a:t>
             </a:r>
             <a:r>
-              <a:rPr lang="ru-RU" sz="1400" kern="0" dirty="0">
-                <a:solidFill>
-                  <a:srgbClr val="000000"/>
-                </a:solidFill>
-                <a:latin typeface="Consolas" panose="020B0609020204030204" pitchFamily="49" charset="0"/>
-                <a:ea typeface="Yu Mincho" panose="02020400000000000000" pitchFamily="18" charset="-128"/>
-                <a:cs typeface="Consolas" panose="020B0609020204030204" pitchFamily="49" charset="0"/>
-              </a:rPr>
-              <a:t>, </a:t>
-            </a:r>
-            <a:r>
-              <a:rPr lang="ru-RU" sz="1400" kern="0" dirty="0" err="1">
-                <a:solidFill>
-                  <a:srgbClr val="000000"/>
-                </a:solidFill>
-                <a:latin typeface="Consolas" panose="020B0609020204030204" pitchFamily="49" charset="0"/>
-                <a:ea typeface="Yu Mincho" panose="02020400000000000000" pitchFamily="18" charset="-128"/>
-                <a:cs typeface="Consolas" panose="020B0609020204030204" pitchFamily="49" charset="0"/>
-              </a:rPr>
-              <a:t>ph</a:t>
-            </a:r>
-            <a:r>
-              <a:rPr lang="ru-RU" sz="1400" kern="0" dirty="0">
-                <a:solidFill>
-                  <a:srgbClr val="000000"/>
-                </a:solidFill>
-                <a:latin typeface="Consolas" panose="020B0609020204030204" pitchFamily="49" charset="0"/>
-                <a:ea typeface="Yu Mincho" panose="02020400000000000000" pitchFamily="18" charset="-128"/>
-                <a:cs typeface="Consolas" panose="020B0609020204030204" pitchFamily="49" charset="0"/>
-              </a:rPr>
-              <a:t>::_1));</a:t>
-            </a:r>
-            <a:endParaRPr lang="ru-RU" sz="1400" kern="100" dirty="0">
+              <a:rPr lang="ru-RU" kern="0" dirty="0">
+                <a:solidFill>
+                  <a:srgbClr val="000000"/>
+                </a:solidFill>
+                <a:latin typeface="Consolas" panose="020B0609020204030204" pitchFamily="49" charset="0"/>
+                <a:ea typeface="Yu Mincho" panose="02020400000000000000" pitchFamily="18" charset="-128"/>
+                <a:cs typeface="Consolas" panose="020B0609020204030204" pitchFamily="49" charset="0"/>
+              </a:rPr>
+              <a:t>));</a:t>
+            </a:r>
+            <a:endParaRPr lang="ru-RU" kern="100" dirty="0">
               <a:latin typeface="Calibri" panose="020F0502020204030204" pitchFamily="34" charset="0"/>
               <a:ea typeface="Yu Mincho" panose="02020400000000000000" pitchFamily="18" charset="-128"/>
               <a:cs typeface="Times New Roman" panose="02020603050405020304" pitchFamily="18" charset="0"/>
@@ -26896,7 +27047,7 @@
               </a:lnSpc>
             </a:pPr>
             <a:r>
-              <a:rPr lang="ru-RU" sz="1400" kern="0" dirty="0">
+              <a:rPr lang="ru-RU" kern="0" dirty="0">
                 <a:solidFill>
                   <a:srgbClr val="000000"/>
                 </a:solidFill>
@@ -26906,7 +27057,7 @@
               </a:rPr>
               <a:t>  }</a:t>
             </a:r>
-            <a:endParaRPr lang="ru-RU" sz="1400" kern="100" dirty="0">
+            <a:endParaRPr lang="ru-RU" kern="100" dirty="0">
               <a:latin typeface="Calibri" panose="020F0502020204030204" pitchFamily="34" charset="0"/>
               <a:ea typeface="Yu Mincho" panose="02020400000000000000" pitchFamily="18" charset="-128"/>
               <a:cs typeface="Times New Roman" panose="02020603050405020304" pitchFamily="18" charset="0"/>
@@ -26919,7 +27070,7 @@
               </a:lnSpc>
             </a:pPr>
             <a:r>
-              <a:rPr lang="ru-RU" sz="1400" kern="0" dirty="0">
+              <a:rPr lang="ru-RU" kern="0" dirty="0">
                 <a:solidFill>
                   <a:srgbClr val="000000"/>
                 </a:solidFill>
@@ -26929,7 +27080,7 @@
               </a:rPr>
               <a:t> </a:t>
             </a:r>
-            <a:endParaRPr lang="ru-RU" sz="1400" kern="100" dirty="0">
+            <a:endParaRPr lang="ru-RU" kern="100" dirty="0">
               <a:latin typeface="Calibri" panose="020F0502020204030204" pitchFamily="34" charset="0"/>
               <a:ea typeface="Yu Mincho" panose="02020400000000000000" pitchFamily="18" charset="-128"/>
               <a:cs typeface="Times New Roman" panose="02020603050405020304" pitchFamily="18" charset="0"/>
@@ -26942,7 +27093,7 @@
               </a:lnSpc>
             </a:pPr>
             <a:r>
-              <a:rPr lang="ru-RU" sz="1400" kern="0" dirty="0">
+              <a:rPr lang="ru-RU" kern="0" dirty="0">
                 <a:solidFill>
                   <a:srgbClr val="000000"/>
                 </a:solidFill>
@@ -26953,7 +27104,7 @@
               <a:t>  </a:t>
             </a:r>
             <a:r>
-              <a:rPr lang="ru-RU" sz="1400" kern="0" dirty="0" err="1">
+              <a:rPr lang="ru-RU" kern="0" dirty="0" err="1">
                 <a:solidFill>
                   <a:srgbClr val="0000FF"/>
                 </a:solidFill>
@@ -26964,7 +27115,7 @@
               <a:t>double</a:t>
             </a:r>
             <a:r>
-              <a:rPr lang="ru-RU" sz="1400" kern="0" dirty="0">
+              <a:rPr lang="ru-RU" kern="0" dirty="0">
                 <a:solidFill>
                   <a:srgbClr val="000000"/>
                 </a:solidFill>
@@ -26975,7 +27126,7 @@
               <a:t> </a:t>
             </a:r>
             <a:r>
-              <a:rPr lang="ru-RU" sz="1400" kern="0" dirty="0" err="1">
+              <a:rPr lang="ru-RU" kern="0" dirty="0" err="1">
                 <a:solidFill>
                   <a:srgbClr val="000000"/>
                 </a:solidFill>
@@ -26986,7 +27137,7 @@
               <a:t>GetAverageRate</a:t>
             </a:r>
             <a:r>
-              <a:rPr lang="ru-RU" sz="1400" kern="0" dirty="0">
+              <a:rPr lang="ru-RU" kern="0" dirty="0">
                 <a:solidFill>
                   <a:srgbClr val="000000"/>
                 </a:solidFill>
@@ -26997,7 +27148,7 @@
               <a:t>()</a:t>
             </a:r>
             <a:r>
-              <a:rPr lang="ru-RU" sz="1400" kern="0" dirty="0" err="1">
+              <a:rPr lang="ru-RU" kern="0" dirty="0" err="1">
                 <a:solidFill>
                   <a:srgbClr val="0000FF"/>
                 </a:solidFill>
@@ -27008,7 +27159,7 @@
               <a:t>const</a:t>
             </a:r>
             <a:r>
-              <a:rPr lang="ru-RU" sz="1400" kern="0" dirty="0">
+              <a:rPr lang="ru-RU" kern="0" dirty="0">
                 <a:solidFill>
                   <a:srgbClr val="0000FF"/>
                 </a:solidFill>
@@ -27019,7 +27170,7 @@
               <a:t> </a:t>
             </a:r>
             <a:r>
-              <a:rPr lang="ru-RU" sz="1400" kern="0" dirty="0">
+              <a:rPr lang="ru-RU" kern="0" dirty="0">
                 <a:solidFill>
                   <a:srgbClr val="000000"/>
                 </a:solidFill>
@@ -27029,7 +27180,7 @@
               </a:rPr>
               <a:t>{</a:t>
             </a:r>
-            <a:endParaRPr lang="ru-RU" sz="1400" kern="100" dirty="0">
+            <a:endParaRPr lang="ru-RU" kern="100" dirty="0">
               <a:latin typeface="Calibri" panose="020F0502020204030204" pitchFamily="34" charset="0"/>
               <a:ea typeface="Yu Mincho" panose="02020400000000000000" pitchFamily="18" charset="-128"/>
               <a:cs typeface="Times New Roman" panose="02020603050405020304" pitchFamily="18" charset="0"/>
@@ -27042,7 +27193,7 @@
               </a:lnSpc>
             </a:pPr>
             <a:r>
-              <a:rPr lang="ru-RU" sz="1400" kern="0" dirty="0">
+              <a:rPr lang="ru-RU" kern="0" dirty="0">
                 <a:solidFill>
                   <a:srgbClr val="000000"/>
                 </a:solidFill>
@@ -27053,7 +27204,7 @@
               <a:t>    </a:t>
             </a:r>
             <a:r>
-              <a:rPr lang="ru-RU" sz="1400" kern="0" dirty="0" err="1">
+              <a:rPr lang="ru-RU" kern="0" dirty="0" err="1">
                 <a:solidFill>
                   <a:srgbClr val="0000FF"/>
                 </a:solidFill>
@@ -27064,7 +27215,7 @@
               <a:t>return</a:t>
             </a:r>
             <a:r>
-              <a:rPr lang="ru-RU" sz="1400" kern="0" dirty="0">
+              <a:rPr lang="ru-RU" kern="0" dirty="0">
                 <a:solidFill>
                   <a:srgbClr val="000000"/>
                 </a:solidFill>
@@ -27075,7 +27226,7 @@
               <a:t> (</a:t>
             </a:r>
             <a:r>
-              <a:rPr lang="ru-RU" sz="1400" kern="0" dirty="0" err="1">
+              <a:rPr lang="ru-RU" kern="0" dirty="0" err="1">
                 <a:solidFill>
                   <a:srgbClr val="000000"/>
                 </a:solidFill>
@@ -27086,7 +27237,7 @@
               <a:t>m_count</a:t>
             </a:r>
             <a:r>
-              <a:rPr lang="ru-RU" sz="1400" kern="0" dirty="0">
+              <a:rPr lang="ru-RU" kern="0" dirty="0">
                 <a:solidFill>
                   <a:srgbClr val="000000"/>
                 </a:solidFill>
@@ -27097,7 +27248,7 @@
               <a:t> != 0) ? </a:t>
             </a:r>
             <a:r>
-              <a:rPr lang="ru-RU" sz="1400" kern="0" dirty="0" err="1">
+              <a:rPr lang="ru-RU" kern="0" dirty="0" err="1">
                 <a:solidFill>
                   <a:srgbClr val="000000"/>
                 </a:solidFill>
@@ -27108,7 +27259,7 @@
               <a:t>m_accRate</a:t>
             </a:r>
             <a:r>
-              <a:rPr lang="ru-RU" sz="1400" kern="0" dirty="0">
+              <a:rPr lang="ru-RU" kern="0" dirty="0">
                 <a:solidFill>
                   <a:srgbClr val="000000"/>
                 </a:solidFill>
@@ -27119,7 +27270,7 @@
               <a:t> / </a:t>
             </a:r>
             <a:r>
-              <a:rPr lang="ru-RU" sz="1400" kern="0" dirty="0" err="1">
+              <a:rPr lang="ru-RU" kern="0" dirty="0" err="1">
                 <a:solidFill>
                   <a:srgbClr val="000000"/>
                 </a:solidFill>
@@ -27130,7 +27281,7 @@
               <a:t>m_count</a:t>
             </a:r>
             <a:r>
-              <a:rPr lang="ru-RU" sz="1400" kern="0" dirty="0">
+              <a:rPr lang="ru-RU" kern="0" dirty="0">
                 <a:solidFill>
                   <a:srgbClr val="000000"/>
                 </a:solidFill>
@@ -27140,7 +27291,7 @@
               </a:rPr>
               <a:t> : 0;</a:t>
             </a:r>
-            <a:endParaRPr lang="ru-RU" sz="1400" kern="100" dirty="0">
+            <a:endParaRPr lang="ru-RU" kern="100" dirty="0">
               <a:latin typeface="Calibri" panose="020F0502020204030204" pitchFamily="34" charset="0"/>
               <a:ea typeface="Yu Mincho" panose="02020400000000000000" pitchFamily="18" charset="-128"/>
               <a:cs typeface="Times New Roman" panose="02020603050405020304" pitchFamily="18" charset="0"/>
@@ -27153,7 +27304,7 @@
               </a:lnSpc>
             </a:pPr>
             <a:r>
-              <a:rPr lang="ru-RU" sz="1400" kern="0" dirty="0">
+              <a:rPr lang="ru-RU" kern="0" dirty="0">
                 <a:solidFill>
                   <a:srgbClr val="000000"/>
                 </a:solidFill>
@@ -27163,7 +27314,7 @@
               </a:rPr>
               <a:t>  }</a:t>
             </a:r>
-            <a:endParaRPr lang="ru-RU" sz="1400" kern="100" dirty="0">
+            <a:endParaRPr lang="ru-RU" kern="100" dirty="0">
               <a:latin typeface="Calibri" panose="020F0502020204030204" pitchFamily="34" charset="0"/>
               <a:ea typeface="Yu Mincho" panose="02020400000000000000" pitchFamily="18" charset="-128"/>
               <a:cs typeface="Times New Roman" panose="02020603050405020304" pitchFamily="18" charset="0"/>
@@ -27176,7 +27327,7 @@
               </a:lnSpc>
             </a:pPr>
             <a:r>
-              <a:rPr lang="ru-RU" sz="1400" kern="0" dirty="0">
+              <a:rPr lang="ru-RU" kern="0" dirty="0">
                 <a:solidFill>
                   <a:srgbClr val="000000"/>
                 </a:solidFill>
@@ -27186,7 +27337,7 @@
               </a:rPr>
               <a:t> </a:t>
             </a:r>
-            <a:endParaRPr lang="ru-RU" sz="1400" kern="100" dirty="0">
+            <a:endParaRPr lang="ru-RU" kern="100" dirty="0">
               <a:latin typeface="Calibri" panose="020F0502020204030204" pitchFamily="34" charset="0"/>
               <a:ea typeface="Yu Mincho" panose="02020400000000000000" pitchFamily="18" charset="-128"/>
               <a:cs typeface="Times New Roman" panose="02020603050405020304" pitchFamily="18" charset="0"/>
@@ -27199,7 +27350,7 @@
               </a:lnSpc>
             </a:pPr>
             <a:r>
-              <a:rPr lang="ru-RU" sz="1400" kern="0" dirty="0" err="1">
+              <a:rPr lang="ru-RU" kern="0" dirty="0" err="1">
                 <a:solidFill>
                   <a:srgbClr val="0000FF"/>
                 </a:solidFill>
@@ -27210,7 +27361,7 @@
               <a:t>private</a:t>
             </a:r>
             <a:r>
-              <a:rPr lang="ru-RU" sz="1400" kern="0" dirty="0">
+              <a:rPr lang="ru-RU" kern="0" dirty="0">
                 <a:solidFill>
                   <a:srgbClr val="000000"/>
                 </a:solidFill>
@@ -27220,7 +27371,7 @@
               </a:rPr>
               <a:t>:</a:t>
             </a:r>
-            <a:endParaRPr lang="ru-RU" sz="1400" kern="100" dirty="0">
+            <a:endParaRPr lang="ru-RU" kern="100" dirty="0">
               <a:latin typeface="Calibri" panose="020F0502020204030204" pitchFamily="34" charset="0"/>
               <a:ea typeface="Yu Mincho" panose="02020400000000000000" pitchFamily="18" charset="-128"/>
               <a:cs typeface="Times New Roman" panose="02020603050405020304" pitchFamily="18" charset="0"/>
@@ -27233,7 +27384,7 @@
               </a:lnSpc>
             </a:pPr>
             <a:r>
-              <a:rPr lang="ru-RU" sz="1400" kern="0" dirty="0">
+              <a:rPr lang="ru-RU" kern="0" dirty="0">
                 <a:solidFill>
                   <a:srgbClr val="000000"/>
                 </a:solidFill>
@@ -27244,7 +27395,7 @@
               <a:t>  </a:t>
             </a:r>
             <a:r>
-              <a:rPr lang="ru-RU" sz="1400" kern="0" dirty="0" err="1">
+              <a:rPr lang="ru-RU" kern="0" dirty="0" err="1">
                 <a:solidFill>
                   <a:srgbClr val="0000FF"/>
                 </a:solidFill>
@@ -27255,7 +27406,7 @@
               <a:t>void</a:t>
             </a:r>
             <a:r>
-              <a:rPr lang="ru-RU" sz="1400" kern="0" dirty="0">
+              <a:rPr lang="ru-RU" kern="0" dirty="0">
                 <a:solidFill>
                   <a:srgbClr val="000000"/>
                 </a:solidFill>
@@ -27266,7 +27417,7 @@
               <a:t> </a:t>
             </a:r>
             <a:r>
-              <a:rPr lang="ru-RU" sz="1400" kern="0" dirty="0" err="1">
+              <a:rPr lang="ru-RU" kern="0" dirty="0" err="1">
                 <a:solidFill>
                   <a:srgbClr val="000000"/>
                 </a:solidFill>
@@ -27277,7 +27428,7 @@
               <a:t>OnCurrencyRateChange</a:t>
             </a:r>
             <a:r>
-              <a:rPr lang="ru-RU" sz="1400" kern="0" dirty="0">
+              <a:rPr lang="ru-RU" kern="0" dirty="0">
                 <a:solidFill>
                   <a:srgbClr val="000000"/>
                 </a:solidFill>
@@ -27288,7 +27439,7 @@
               <a:t>(</a:t>
             </a:r>
             <a:r>
-              <a:rPr lang="ru-RU" sz="1400" kern="0" dirty="0" err="1">
+              <a:rPr lang="ru-RU" kern="0" dirty="0" err="1">
                 <a:solidFill>
                   <a:srgbClr val="0000FF"/>
                 </a:solidFill>
@@ -27299,7 +27450,7 @@
               <a:t>double</a:t>
             </a:r>
             <a:r>
-              <a:rPr lang="ru-RU" sz="1400" kern="0" dirty="0">
+              <a:rPr lang="ru-RU" kern="0" dirty="0">
                 <a:solidFill>
                   <a:srgbClr val="000000"/>
                 </a:solidFill>
@@ -27310,7 +27461,7 @@
               <a:t> </a:t>
             </a:r>
             <a:r>
-              <a:rPr lang="ru-RU" sz="1400" kern="0" dirty="0" err="1">
+              <a:rPr lang="ru-RU" kern="0" dirty="0" err="1">
                 <a:solidFill>
                   <a:srgbClr val="808080"/>
                 </a:solidFill>
@@ -27321,7 +27472,7 @@
               <a:t>newRate</a:t>
             </a:r>
             <a:r>
-              <a:rPr lang="ru-RU" sz="1400" kern="0" dirty="0">
+              <a:rPr lang="ru-RU" kern="0" dirty="0">
                 <a:solidFill>
                   <a:srgbClr val="000000"/>
                 </a:solidFill>
@@ -27331,7 +27482,7 @@
               </a:rPr>
               <a:t>) {</a:t>
             </a:r>
-            <a:endParaRPr lang="ru-RU" sz="1400" kern="100" dirty="0">
+            <a:endParaRPr lang="ru-RU" kern="100" dirty="0">
               <a:latin typeface="Calibri" panose="020F0502020204030204" pitchFamily="34" charset="0"/>
               <a:ea typeface="Yu Mincho" panose="02020400000000000000" pitchFamily="18" charset="-128"/>
               <a:cs typeface="Times New Roman" panose="02020603050405020304" pitchFamily="18" charset="0"/>
@@ -27344,7 +27495,7 @@
               </a:lnSpc>
             </a:pPr>
             <a:r>
-              <a:rPr lang="ru-RU" sz="1400" kern="0" dirty="0">
+              <a:rPr lang="ru-RU" kern="0" dirty="0">
                 <a:solidFill>
                   <a:srgbClr val="000000"/>
                 </a:solidFill>
@@ -27355,7 +27506,7 @@
               <a:t>    </a:t>
             </a:r>
             <a:r>
-              <a:rPr lang="ru-RU" sz="1400" kern="0" dirty="0" err="1">
+              <a:rPr lang="ru-RU" kern="0" dirty="0" err="1">
                 <a:solidFill>
                   <a:srgbClr val="000000"/>
                 </a:solidFill>
@@ -27366,7 +27517,7 @@
               <a:t>m_accRate</a:t>
             </a:r>
             <a:r>
-              <a:rPr lang="ru-RU" sz="1400" kern="0" dirty="0">
+              <a:rPr lang="ru-RU" kern="0" dirty="0">
                 <a:solidFill>
                   <a:srgbClr val="000000"/>
                 </a:solidFill>
@@ -27377,7 +27528,7 @@
               <a:t> += </a:t>
             </a:r>
             <a:r>
-              <a:rPr lang="ru-RU" sz="1400" kern="0" dirty="0" err="1">
+              <a:rPr lang="ru-RU" kern="0" dirty="0" err="1">
                 <a:solidFill>
                   <a:srgbClr val="808080"/>
                 </a:solidFill>
@@ -27388,7 +27539,7 @@
               <a:t>newRate</a:t>
             </a:r>
             <a:r>
-              <a:rPr lang="ru-RU" sz="1400" kern="0" dirty="0">
+              <a:rPr lang="ru-RU" kern="0" dirty="0">
                 <a:solidFill>
                   <a:srgbClr val="000000"/>
                 </a:solidFill>
@@ -27398,7 +27549,7 @@
               </a:rPr>
               <a:t>;</a:t>
             </a:r>
-            <a:endParaRPr lang="ru-RU" sz="1400" kern="100" dirty="0">
+            <a:endParaRPr lang="ru-RU" kern="100" dirty="0">
               <a:latin typeface="Calibri" panose="020F0502020204030204" pitchFamily="34" charset="0"/>
               <a:ea typeface="Yu Mincho" panose="02020400000000000000" pitchFamily="18" charset="-128"/>
               <a:cs typeface="Times New Roman" panose="02020603050405020304" pitchFamily="18" charset="0"/>
@@ -27411,7 +27562,7 @@
               </a:lnSpc>
             </a:pPr>
             <a:r>
-              <a:rPr lang="ru-RU" sz="1400" kern="0" dirty="0">
+              <a:rPr lang="ru-RU" kern="0" dirty="0">
                 <a:solidFill>
                   <a:srgbClr val="000000"/>
                 </a:solidFill>
@@ -27422,7 +27573,7 @@
               <a:t>    ++</a:t>
             </a:r>
             <a:r>
-              <a:rPr lang="ru-RU" sz="1400" kern="0" dirty="0" err="1">
+              <a:rPr lang="ru-RU" kern="0" dirty="0" err="1">
                 <a:solidFill>
                   <a:srgbClr val="000000"/>
                 </a:solidFill>
@@ -27433,7 +27584,7 @@
               <a:t>m_count</a:t>
             </a:r>
             <a:r>
-              <a:rPr lang="ru-RU" sz="1400" kern="0" dirty="0">
+              <a:rPr lang="ru-RU" kern="0" dirty="0">
                 <a:solidFill>
                   <a:srgbClr val="000000"/>
                 </a:solidFill>
@@ -27443,7 +27594,7 @@
               </a:rPr>
               <a:t>;</a:t>
             </a:r>
-            <a:endParaRPr lang="ru-RU" sz="1400" kern="100" dirty="0">
+            <a:endParaRPr lang="ru-RU" kern="100" dirty="0">
               <a:latin typeface="Calibri" panose="020F0502020204030204" pitchFamily="34" charset="0"/>
               <a:ea typeface="Yu Mincho" panose="02020400000000000000" pitchFamily="18" charset="-128"/>
               <a:cs typeface="Times New Roman" panose="02020603050405020304" pitchFamily="18" charset="0"/>
@@ -27456,7 +27607,7 @@
               </a:lnSpc>
             </a:pPr>
             <a:r>
-              <a:rPr lang="ru-RU" sz="1400" kern="0" dirty="0">
+              <a:rPr lang="ru-RU" kern="0" dirty="0">
                 <a:solidFill>
                   <a:srgbClr val="000000"/>
                 </a:solidFill>
@@ -27467,7 +27618,7 @@
               <a:t>    </a:t>
             </a:r>
             <a:r>
-              <a:rPr lang="ru-RU" sz="1400" kern="0" dirty="0" err="1">
+              <a:rPr lang="ru-RU" kern="0" dirty="0" err="1">
                 <a:solidFill>
                   <a:srgbClr val="000000"/>
                 </a:solidFill>
@@ -27478,7 +27629,7 @@
               <a:t>cout</a:t>
             </a:r>
             <a:r>
-              <a:rPr lang="ru-RU" sz="1400" kern="0" dirty="0">
+              <a:rPr lang="ru-RU" kern="0" dirty="0">
                 <a:solidFill>
                   <a:srgbClr val="000000"/>
                 </a:solidFill>
@@ -27489,7 +27640,7 @@
               <a:t> </a:t>
             </a:r>
             <a:r>
-              <a:rPr lang="ru-RU" sz="1400" kern="0" dirty="0">
+              <a:rPr lang="ru-RU" kern="0" dirty="0">
                 <a:solidFill>
                   <a:srgbClr val="008080"/>
                 </a:solidFill>
@@ -27500,7 +27651,7 @@
               <a:t>&lt;&lt;</a:t>
             </a:r>
             <a:r>
-              <a:rPr lang="ru-RU" sz="1400" kern="0" dirty="0">
+              <a:rPr lang="ru-RU" kern="0" dirty="0">
                 <a:solidFill>
                   <a:srgbClr val="000000"/>
                 </a:solidFill>
@@ -27511,7 +27662,7 @@
               <a:t> </a:t>
             </a:r>
             <a:r>
-              <a:rPr lang="ru-RU" sz="1400" kern="0" dirty="0">
+              <a:rPr lang="ru-RU" kern="0" dirty="0">
                 <a:solidFill>
                   <a:srgbClr val="A31515"/>
                 </a:solidFill>
@@ -27522,7 +27673,7 @@
               <a:t>"</a:t>
             </a:r>
             <a:r>
-              <a:rPr lang="ru-RU" sz="1400" kern="0" dirty="0" err="1">
+              <a:rPr lang="ru-RU" kern="0" dirty="0" err="1">
                 <a:solidFill>
                   <a:srgbClr val="A31515"/>
                 </a:solidFill>
@@ -27533,7 +27684,7 @@
               <a:t>Average</a:t>
             </a:r>
             <a:r>
-              <a:rPr lang="ru-RU" sz="1400" kern="0" dirty="0">
+              <a:rPr lang="ru-RU" kern="0" dirty="0">
                 <a:solidFill>
                   <a:srgbClr val="A31515"/>
                 </a:solidFill>
@@ -27544,7 +27695,7 @@
               <a:t> </a:t>
             </a:r>
             <a:r>
-              <a:rPr lang="ru-RU" sz="1400" kern="0" dirty="0" err="1">
+              <a:rPr lang="ru-RU" kern="0" dirty="0" err="1">
                 <a:solidFill>
                   <a:srgbClr val="A31515"/>
                 </a:solidFill>
@@ -27555,7 +27706,7 @@
               <a:t>rate</a:t>
             </a:r>
             <a:r>
-              <a:rPr lang="ru-RU" sz="1400" kern="0" dirty="0">
+              <a:rPr lang="ru-RU" kern="0" dirty="0">
                 <a:solidFill>
                   <a:srgbClr val="A31515"/>
                 </a:solidFill>
@@ -27566,7 +27717,7 @@
               <a:t> </a:t>
             </a:r>
             <a:r>
-              <a:rPr lang="ru-RU" sz="1400" kern="0" dirty="0" err="1">
+              <a:rPr lang="ru-RU" kern="0" dirty="0" err="1">
                 <a:solidFill>
                   <a:srgbClr val="A31515"/>
                 </a:solidFill>
@@ -27577,7 +27728,7 @@
               <a:t>is</a:t>
             </a:r>
             <a:r>
-              <a:rPr lang="ru-RU" sz="1400" kern="0" dirty="0">
+              <a:rPr lang="ru-RU" kern="0" dirty="0">
                 <a:solidFill>
                   <a:srgbClr val="A31515"/>
                 </a:solidFill>
@@ -27588,7 +27739,7 @@
               <a:t>: "</a:t>
             </a:r>
             <a:r>
-              <a:rPr lang="ru-RU" sz="1400" kern="0" dirty="0">
+              <a:rPr lang="ru-RU" kern="0" dirty="0">
                 <a:solidFill>
                   <a:srgbClr val="000000"/>
                 </a:solidFill>
@@ -27599,7 +27750,7 @@
               <a:t> </a:t>
             </a:r>
             <a:r>
-              <a:rPr lang="ru-RU" sz="1400" kern="0" dirty="0">
+              <a:rPr lang="ru-RU" kern="0" dirty="0">
                 <a:solidFill>
                   <a:srgbClr val="008080"/>
                 </a:solidFill>
@@ -27610,7 +27761,7 @@
               <a:t>&lt;&lt;</a:t>
             </a:r>
             <a:r>
-              <a:rPr lang="ru-RU" sz="1400" kern="0" dirty="0">
+              <a:rPr lang="ru-RU" kern="0" dirty="0">
                 <a:solidFill>
                   <a:srgbClr val="000000"/>
                 </a:solidFill>
@@ -27621,7 +27772,7 @@
               <a:t> </a:t>
             </a:r>
             <a:r>
-              <a:rPr lang="ru-RU" sz="1400" kern="0" dirty="0" err="1">
+              <a:rPr lang="ru-RU" kern="0" dirty="0" err="1">
                 <a:solidFill>
                   <a:srgbClr val="000000"/>
                 </a:solidFill>
@@ -27632,7 +27783,7 @@
               <a:t>GetAverageRate</a:t>
             </a:r>
             <a:r>
-              <a:rPr lang="ru-RU" sz="1400" kern="0" dirty="0">
+              <a:rPr lang="ru-RU" kern="0" dirty="0">
                 <a:solidFill>
                   <a:srgbClr val="000000"/>
                 </a:solidFill>
@@ -27643,7 +27794,7 @@
               <a:t>() </a:t>
             </a:r>
             <a:r>
-              <a:rPr lang="ru-RU" sz="1400" kern="0" dirty="0">
+              <a:rPr lang="ru-RU" kern="0" dirty="0">
                 <a:solidFill>
                   <a:srgbClr val="008080"/>
                 </a:solidFill>
@@ -27654,7 +27805,7 @@
               <a:t>&lt;&lt;</a:t>
             </a:r>
             <a:r>
-              <a:rPr lang="ru-RU" sz="1400" kern="0" dirty="0">
+              <a:rPr lang="ru-RU" kern="0" dirty="0">
                 <a:solidFill>
                   <a:srgbClr val="000000"/>
                 </a:solidFill>
@@ -27665,7 +27816,7 @@
               <a:t> </a:t>
             </a:r>
             <a:r>
-              <a:rPr lang="ru-RU" sz="1400" kern="0" dirty="0" err="1">
+              <a:rPr lang="ru-RU" kern="0" dirty="0" err="1">
                 <a:solidFill>
                   <a:srgbClr val="000000"/>
                 </a:solidFill>
@@ -27676,7 +27827,7 @@
               <a:t>endl</a:t>
             </a:r>
             <a:r>
-              <a:rPr lang="ru-RU" sz="1400" kern="0" dirty="0">
+              <a:rPr lang="ru-RU" kern="0" dirty="0">
                 <a:solidFill>
                   <a:srgbClr val="000000"/>
                 </a:solidFill>
@@ -27686,7 +27837,7 @@
               </a:rPr>
               <a:t>;</a:t>
             </a:r>
-            <a:endParaRPr lang="ru-RU" sz="1400" kern="100" dirty="0">
+            <a:endParaRPr lang="ru-RU" kern="100" dirty="0">
               <a:latin typeface="Calibri" panose="020F0502020204030204" pitchFamily="34" charset="0"/>
               <a:ea typeface="Yu Mincho" panose="02020400000000000000" pitchFamily="18" charset="-128"/>
               <a:cs typeface="Times New Roman" panose="02020603050405020304" pitchFamily="18" charset="0"/>
@@ -27699,7 +27850,7 @@
               </a:lnSpc>
             </a:pPr>
             <a:r>
-              <a:rPr lang="ru-RU" sz="1400" kern="0" dirty="0">
+              <a:rPr lang="ru-RU" kern="0" dirty="0">
                 <a:solidFill>
                   <a:srgbClr val="000000"/>
                 </a:solidFill>
@@ -27709,7 +27860,7 @@
               </a:rPr>
               <a:t>  }</a:t>
             </a:r>
-            <a:endParaRPr lang="ru-RU" sz="1400" kern="100" dirty="0">
+            <a:endParaRPr lang="ru-RU" kern="100" dirty="0">
               <a:latin typeface="Calibri" panose="020F0502020204030204" pitchFamily="34" charset="0"/>
               <a:ea typeface="Yu Mincho" panose="02020400000000000000" pitchFamily="18" charset="-128"/>
               <a:cs typeface="Times New Roman" panose="02020603050405020304" pitchFamily="18" charset="0"/>
@@ -27722,7 +27873,7 @@
               </a:lnSpc>
             </a:pPr>
             <a:r>
-              <a:rPr lang="ru-RU" sz="1400" kern="0" dirty="0">
+              <a:rPr lang="ru-RU" kern="0" dirty="0">
                 <a:solidFill>
                   <a:srgbClr val="000000"/>
                 </a:solidFill>
@@ -27732,7 +27883,7 @@
               </a:rPr>
               <a:t> </a:t>
             </a:r>
-            <a:endParaRPr lang="ru-RU" sz="1400" kern="100" dirty="0">
+            <a:endParaRPr lang="ru-RU" kern="100" dirty="0">
               <a:latin typeface="Calibri" panose="020F0502020204030204" pitchFamily="34" charset="0"/>
               <a:ea typeface="Yu Mincho" panose="02020400000000000000" pitchFamily="18" charset="-128"/>
               <a:cs typeface="Times New Roman" panose="02020603050405020304" pitchFamily="18" charset="0"/>
@@ -27745,7 +27896,7 @@
               </a:lnSpc>
             </a:pPr>
             <a:r>
-              <a:rPr lang="ru-RU" sz="1400" kern="0" dirty="0">
+              <a:rPr lang="ru-RU" kern="0" dirty="0">
                 <a:solidFill>
                   <a:srgbClr val="000000"/>
                 </a:solidFill>
@@ -27756,7 +27907,7 @@
               <a:t>  </a:t>
             </a:r>
             <a:r>
-              <a:rPr lang="ru-RU" sz="1400" kern="0" dirty="0" err="1">
+              <a:rPr lang="ru-RU" kern="0" dirty="0" err="1">
                 <a:solidFill>
                   <a:srgbClr val="0000FF"/>
                 </a:solidFill>
@@ -27767,7 +27918,7 @@
               <a:t>double</a:t>
             </a:r>
             <a:r>
-              <a:rPr lang="ru-RU" sz="1400" kern="0" dirty="0">
+              <a:rPr lang="ru-RU" kern="0" dirty="0">
                 <a:solidFill>
                   <a:srgbClr val="000000"/>
                 </a:solidFill>
@@ -27778,7 +27929,7 @@
               <a:t> </a:t>
             </a:r>
             <a:r>
-              <a:rPr lang="ru-RU" sz="1400" kern="0" dirty="0" err="1">
+              <a:rPr lang="ru-RU" kern="0" dirty="0" err="1">
                 <a:solidFill>
                   <a:srgbClr val="000000"/>
                 </a:solidFill>
@@ -27789,7 +27940,7 @@
               <a:t>m_accRate</a:t>
             </a:r>
             <a:r>
-              <a:rPr lang="ru-RU" sz="1400" kern="0" dirty="0">
+              <a:rPr lang="ru-RU" kern="0" dirty="0">
                 <a:solidFill>
                   <a:srgbClr val="000000"/>
                 </a:solidFill>
@@ -27799,7 +27950,7 @@
               </a:rPr>
               <a:t> = 0.0;</a:t>
             </a:r>
-            <a:endParaRPr lang="ru-RU" sz="1400" kern="100" dirty="0">
+            <a:endParaRPr lang="ru-RU" kern="100" dirty="0">
               <a:latin typeface="Calibri" panose="020F0502020204030204" pitchFamily="34" charset="0"/>
               <a:ea typeface="Yu Mincho" panose="02020400000000000000" pitchFamily="18" charset="-128"/>
               <a:cs typeface="Times New Roman" panose="02020603050405020304" pitchFamily="18" charset="0"/>
@@ -27812,7 +27963,7 @@
               </a:lnSpc>
             </a:pPr>
             <a:r>
-              <a:rPr lang="ru-RU" sz="1400" kern="0" dirty="0">
+              <a:rPr lang="ru-RU" kern="0" dirty="0">
                 <a:solidFill>
                   <a:srgbClr val="000000"/>
                 </a:solidFill>
@@ -27823,7 +27974,7 @@
               <a:t>  </a:t>
             </a:r>
             <a:r>
-              <a:rPr lang="ru-RU" sz="1400" kern="0" dirty="0" err="1">
+              <a:rPr lang="ru-RU" kern="0" dirty="0" err="1">
                 <a:solidFill>
                   <a:srgbClr val="0000FF"/>
                 </a:solidFill>
@@ -27834,7 +27985,7 @@
               <a:t>int</a:t>
             </a:r>
             <a:r>
-              <a:rPr lang="ru-RU" sz="1400" kern="0" dirty="0">
+              <a:rPr lang="ru-RU" kern="0" dirty="0">
                 <a:solidFill>
                   <a:srgbClr val="000000"/>
                 </a:solidFill>
@@ -27845,7 +27996,7 @@
               <a:t> </a:t>
             </a:r>
             <a:r>
-              <a:rPr lang="ru-RU" sz="1400" kern="0" dirty="0" err="1">
+              <a:rPr lang="ru-RU" kern="0" dirty="0" err="1">
                 <a:solidFill>
                   <a:srgbClr val="000000"/>
                 </a:solidFill>
@@ -27856,7 +28007,7 @@
               <a:t>m_count</a:t>
             </a:r>
             <a:r>
-              <a:rPr lang="ru-RU" sz="1400" kern="0" dirty="0">
+              <a:rPr lang="ru-RU" kern="0" dirty="0">
                 <a:solidFill>
                   <a:srgbClr val="000000"/>
                 </a:solidFill>
@@ -27866,7 +28017,7 @@
               </a:rPr>
               <a:t> = 0;</a:t>
             </a:r>
-            <a:endParaRPr lang="ru-RU" sz="1400" kern="100" dirty="0">
+            <a:endParaRPr lang="ru-RU" kern="100" dirty="0">
               <a:latin typeface="Calibri" panose="020F0502020204030204" pitchFamily="34" charset="0"/>
               <a:ea typeface="Yu Mincho" panose="02020400000000000000" pitchFamily="18" charset="-128"/>
               <a:cs typeface="Times New Roman" panose="02020603050405020304" pitchFamily="18" charset="0"/>
@@ -27879,7 +28030,7 @@
               </a:lnSpc>
             </a:pPr>
             <a:r>
-              <a:rPr lang="ru-RU" sz="1400" kern="0" dirty="0">
+              <a:rPr lang="ru-RU" kern="0" dirty="0">
                 <a:solidFill>
                   <a:srgbClr val="000000"/>
                 </a:solidFill>
@@ -27890,7 +28041,7 @@
               <a:t>  </a:t>
             </a:r>
             <a:r>
-              <a:rPr lang="ru-RU" sz="1400" kern="0" dirty="0" err="1">
+              <a:rPr lang="ru-RU" kern="0" dirty="0" err="1">
                 <a:solidFill>
                   <a:srgbClr val="000000"/>
                 </a:solidFill>
@@ -27901,7 +28052,7 @@
               <a:t>signals</a:t>
             </a:r>
             <a:r>
-              <a:rPr lang="ru-RU" sz="1400" kern="0" dirty="0">
+              <a:rPr lang="ru-RU" kern="0" dirty="0">
                 <a:solidFill>
                   <a:srgbClr val="000000"/>
                 </a:solidFill>
@@ -27912,7 +28063,7 @@
               <a:t>::</a:t>
             </a:r>
             <a:r>
-              <a:rPr lang="ru-RU" sz="1400" kern="0" dirty="0" err="1">
+              <a:rPr lang="ru-RU" kern="0" dirty="0" err="1">
                 <a:solidFill>
                   <a:srgbClr val="000000"/>
                 </a:solidFill>
@@ -27923,7 +28074,7 @@
               <a:t>scoped_connection</a:t>
             </a:r>
             <a:r>
-              <a:rPr lang="ru-RU" sz="1400" kern="0" dirty="0">
+              <a:rPr lang="ru-RU" kern="0" dirty="0">
                 <a:solidFill>
                   <a:srgbClr val="000000"/>
                 </a:solidFill>
@@ -27934,7 +28085,7 @@
               <a:t> m_</a:t>
             </a:r>
             <a:r>
-              <a:rPr lang="en-US" sz="1400" kern="0" dirty="0">
+              <a:rPr lang="en-US" kern="0" dirty="0">
                 <a:solidFill>
                   <a:srgbClr val="000000"/>
                 </a:solidFill>
@@ -27945,7 +28096,7 @@
               <a:t>conn</a:t>
             </a:r>
             <a:r>
-              <a:rPr lang="ru-RU" sz="1400" kern="0" dirty="0">
+              <a:rPr lang="ru-RU" kern="0" dirty="0">
                 <a:solidFill>
                   <a:srgbClr val="000000"/>
                 </a:solidFill>
@@ -27955,7 +28106,7 @@
               </a:rPr>
               <a:t>;</a:t>
             </a:r>
-            <a:endParaRPr lang="ru-RU" sz="1400" kern="100" dirty="0">
+            <a:endParaRPr lang="ru-RU" kern="100" dirty="0">
               <a:latin typeface="Calibri" panose="020F0502020204030204" pitchFamily="34" charset="0"/>
               <a:ea typeface="Yu Mincho" panose="02020400000000000000" pitchFamily="18" charset="-128"/>
               <a:cs typeface="Times New Roman" panose="02020603050405020304" pitchFamily="18" charset="0"/>
@@ -27968,7 +28119,7 @@
               </a:lnSpc>
             </a:pPr>
             <a:r>
-              <a:rPr lang="ru-RU" sz="1400" kern="0" dirty="0">
+              <a:rPr lang="ru-RU" kern="0" dirty="0">
                 <a:solidFill>
                   <a:srgbClr val="000000"/>
                 </a:solidFill>
@@ -27978,7 +28129,7 @@
               </a:rPr>
               <a:t>};</a:t>
             </a:r>
-            <a:endParaRPr lang="ru-RU" sz="1400" kern="100" dirty="0">
+            <a:endParaRPr lang="ru-RU" kern="100" dirty="0">
               <a:latin typeface="Calibri" panose="020F0502020204030204" pitchFamily="34" charset="0"/>
               <a:ea typeface="Yu Mincho" panose="02020400000000000000" pitchFamily="18" charset="-128"/>
               <a:cs typeface="Times New Roman" panose="02020603050405020304" pitchFamily="18" charset="0"/>
@@ -28746,7 +28897,7 @@
 </p:sld>
 </file>
 
-<file path=ppt/slides/slide49.xml><?xml version="1.0" encoding="utf-8"?>
+<file path=ppt/slides/slide48.xml><?xml version="1.0" encoding="utf-8"?>
 <p:sld xmlns:a="http://schemas.openxmlformats.org/drawingml/2006/main" xmlns:r="http://schemas.openxmlformats.org/officeDocument/2006/relationships" xmlns:p="http://schemas.openxmlformats.org/presentationml/2006/main">
   <p:cSld>
     <p:spTree>
@@ -30837,6 +30988,94 @@
 </p:sld>
 </file>
 
+<file path=ppt/slides/slide49.xml><?xml version="1.0" encoding="utf-8"?>
+<p:sld xmlns:a="http://schemas.openxmlformats.org/drawingml/2006/main" xmlns:r="http://schemas.openxmlformats.org/officeDocument/2006/relationships" xmlns:p="http://schemas.openxmlformats.org/presentationml/2006/main">
+  <p:cSld>
+    <p:spTree>
+      <p:nvGrpSpPr>
+        <p:cNvPr id="1" name=""/>
+        <p:cNvGrpSpPr/>
+        <p:nvPr/>
+      </p:nvGrpSpPr>
+      <p:grpSpPr>
+        <a:xfrm>
+          <a:off x="0" y="0"/>
+          <a:ext cx="0" cy="0"/>
+          <a:chOff x="0" y="0"/>
+          <a:chExt cx="0" cy="0"/>
+        </a:xfrm>
+      </p:grpSpPr>
+      <p:sp>
+        <p:nvSpPr>
+          <p:cNvPr id="2" name="Title 1">
+            <a:extLst>
+              <a:ext uri="{FF2B5EF4-FFF2-40B4-BE49-F238E27FC236}">
+                <a16:creationId xmlns:a16="http://schemas.microsoft.com/office/drawing/2014/main" id="{561B3528-0280-47A6-BC65-1F78F22A6BBF}"/>
+              </a:ext>
+            </a:extLst>
+          </p:cNvPr>
+          <p:cNvSpPr>
+            <a:spLocks noGrp="1"/>
+          </p:cNvSpPr>
+          <p:nvPr>
+            <p:ph type="title"/>
+          </p:nvPr>
+        </p:nvSpPr>
+        <p:spPr/>
+        <p:txBody>
+          <a:bodyPr/>
+          <a:lstStyle/>
+          <a:p>
+            <a:r>
+              <a:rPr lang="ru-RU" dirty="0"/>
+              <a:t>Вопросы</a:t>
+            </a:r>
+            <a:r>
+              <a:rPr lang="en-US"/>
+              <a:t>?</a:t>
+            </a:r>
+            <a:endParaRPr lang="ru-RU" dirty="0"/>
+          </a:p>
+        </p:txBody>
+      </p:sp>
+      <p:sp>
+        <p:nvSpPr>
+          <p:cNvPr id="3" name="Text Placeholder 2">
+            <a:extLst>
+              <a:ext uri="{FF2B5EF4-FFF2-40B4-BE49-F238E27FC236}">
+                <a16:creationId xmlns:a16="http://schemas.microsoft.com/office/drawing/2014/main" id="{BC3D0946-7432-4695-9690-66F508B09B4E}"/>
+              </a:ext>
+            </a:extLst>
+          </p:cNvPr>
+          <p:cNvSpPr>
+            <a:spLocks noGrp="1"/>
+          </p:cNvSpPr>
+          <p:nvPr>
+            <p:ph type="body" idx="1"/>
+          </p:nvPr>
+        </p:nvSpPr>
+        <p:spPr/>
+        <p:txBody>
+          <a:bodyPr/>
+          <a:lstStyle/>
+          <a:p>
+            <a:endParaRPr lang="ru-RU"/>
+          </a:p>
+        </p:txBody>
+      </p:sp>
+    </p:spTree>
+    <p:extLst>
+      <p:ext uri="{BB962C8B-B14F-4D97-AF65-F5344CB8AC3E}">
+        <p14:creationId xmlns:p14="http://schemas.microsoft.com/office/powerpoint/2010/main" val="3388371734"/>
+      </p:ext>
+    </p:extLst>
+  </p:cSld>
+  <p:clrMapOvr>
+    <a:masterClrMapping/>
+  </p:clrMapOvr>
+</p:sld>
+</file>
+
 <file path=ppt/slides/slide5.xml><?xml version="1.0" encoding="utf-8"?>
 <p:sld xmlns:a="http://schemas.openxmlformats.org/drawingml/2006/main" xmlns:r="http://schemas.openxmlformats.org/officeDocument/2006/relationships" xmlns:p="http://schemas.openxmlformats.org/presentationml/2006/main">
   <p:cSld>
@@ -30877,7 +31116,15 @@
           <a:p>
             <a:r>
               <a:rPr lang="ru-RU" dirty="0"/>
-              <a:t>Умный дом</a:t>
+              <a:t>Устраняем зависимость между </a:t>
+            </a:r>
+            <a:r>
+              <a:rPr lang="en-US" dirty="0"/>
+              <a:t>Person</a:t>
+            </a:r>
+            <a:r>
+              <a:rPr lang="ru-RU" dirty="0"/>
+              <a:t> и объектами дома</a:t>
             </a:r>
           </a:p>
         </p:txBody>
@@ -30899,19 +31146,21 @@
           </p:nvPr>
         </p:nvPicPr>
         <p:blipFill>
-          <a:blip r:embed="rId3">
+          <a:blip r:embed="rId3" cstate="print">
             <a:extLst>
               <a:ext uri="{28A0092B-C50C-407E-A947-70E740481C1C}">
                 <a14:useLocalDpi xmlns:a14="http://schemas.microsoft.com/office/drawing/2010/main" val="0"/>
               </a:ext>
             </a:extLst>
           </a:blip>
-          <a:stretch/>
+          <a:stretch>
+            <a:fillRect/>
+          </a:stretch>
         </p:blipFill>
         <p:spPr>
           <a:xfrm>
-            <a:off x="1942996" y="1825625"/>
-            <a:ext cx="8306007" cy="4351338"/>
+            <a:off x="2046521" y="1825625"/>
+            <a:ext cx="8098956" cy="4351338"/>
           </a:xfrm>
         </p:spPr>
       </p:pic>
@@ -30929,7 +31178,7 @@
         </p:nvSpPr>
         <p:spPr>
           <a:xfrm>
-            <a:off x="2207568" y="5725437"/>
+            <a:off x="2207568" y="5871522"/>
             <a:ext cx="5328592" cy="646331"/>
           </a:xfrm>
           <a:prstGeom prst="rect">
@@ -31107,22 +31356,21 @@
           <p:nvPr/>
         </p:nvPicPr>
         <p:blipFill>
-          <a:blip r:embed="rId3">
+          <a:blip r:embed="rId3" cstate="print">
             <a:extLst>
               <a:ext uri="{28A0092B-C50C-407E-A947-70E740481C1C}">
                 <a14:useLocalDpi xmlns:a14="http://schemas.microsoft.com/office/drawing/2010/main" val="0"/>
               </a:ext>
             </a:extLst>
           </a:blip>
-          <a:srcRect/>
           <a:stretch>
             <a:fillRect/>
           </a:stretch>
         </p:blipFill>
         <p:spPr bwMode="auto">
           <a:xfrm>
-            <a:off x="1631504" y="2278105"/>
-            <a:ext cx="8856985" cy="3311135"/>
+            <a:off x="1631504" y="2295386"/>
+            <a:ext cx="8856985" cy="3276572"/>
           </a:xfrm>
           <a:prstGeom prst="rect">
             <a:avLst/>
@@ -31338,15 +31586,21 @@
           <p:nvPr/>
         </p:nvPicPr>
         <p:blipFill>
-          <a:blip r:embed="rId3"/>
+          <a:blip r:embed="rId3" cstate="print">
+            <a:extLst>
+              <a:ext uri="{28A0092B-C50C-407E-A947-70E740481C1C}">
+                <a14:useLocalDpi xmlns:a14="http://schemas.microsoft.com/office/drawing/2010/main" val="0"/>
+              </a:ext>
+            </a:extLst>
+          </a:blip>
           <a:stretch>
             <a:fillRect/>
           </a:stretch>
         </p:blipFill>
         <p:spPr>
           <a:xfrm>
-            <a:off x="2063553" y="1988840"/>
-            <a:ext cx="8000209" cy="2160240"/>
+            <a:off x="2352631" y="1988840"/>
+            <a:ext cx="7422053" cy="2160240"/>
           </a:xfrm>
           <a:prstGeom prst="rect">
             <a:avLst/>
@@ -31406,7 +31660,7 @@
             </a:r>
             <a:r>
               <a:rPr lang="en-US" dirty="0" err="1"/>
-              <a:t>CWeatherData</a:t>
+              <a:t>WeatherData</a:t>
             </a:r>
             <a:endParaRPr lang="ru-RU" dirty="0"/>
           </a:p>
@@ -31420,7 +31674,7 @@
         </p:nvSpPr>
         <p:spPr>
           <a:xfrm>
-            <a:off x="1775520" y="1668888"/>
+            <a:off x="1775520" y="1484784"/>
             <a:ext cx="8352928" cy="5189113"/>
           </a:xfrm>
           <a:prstGeom prst="rect">
@@ -31469,7 +31723,7 @@
                 <a:ea typeface="Calibri"/>
                 <a:cs typeface="Times New Roman"/>
               </a:rPr>
-              <a:t>CWeatherData</a:t>
+              <a:t>WeatherData</a:t>
             </a:r>
             <a:endParaRPr lang="ru-RU" sz="1200" dirty="0">
               <a:ea typeface="Calibri"/>
@@ -31832,10 +32086,10 @@
                 <a:ea typeface="Calibri"/>
                 <a:cs typeface="Times New Roman"/>
               </a:rPr>
-              <a:t>()</a:t>
-            </a:r>
-            <a:r>
-              <a:rPr lang="en-US" sz="1200" dirty="0" err="1">
+              <a:t>() </a:t>
+            </a:r>
+            <a:r>
+              <a:rPr lang="en-US" sz="1200" dirty="0">
                 <a:solidFill>
                   <a:srgbClr val="0000FF"/>
                 </a:solidFill>
@@ -32052,10 +32306,10 @@
                 <a:ea typeface="Calibri"/>
                 <a:cs typeface="Times New Roman"/>
               </a:rPr>
-              <a:t>()</a:t>
-            </a:r>
-            <a:r>
-              <a:rPr lang="en-US" sz="1200" dirty="0" err="1">
+              <a:t>() </a:t>
+            </a:r>
+            <a:r>
+              <a:rPr lang="en-US" sz="1200" dirty="0">
                 <a:solidFill>
                   <a:srgbClr val="0000FF"/>
                 </a:solidFill>
